--- a/slides/Testing Better with Approvals.pptx
+++ b/slides/Testing Better with Approvals.pptx
@@ -5,7 +5,7 @@
     <p:sldMasterId id="2147483648" r:id="rId1"/>
   </p:sldMasterIdLst>
   <p:notesMasterIdLst>
-    <p:notesMasterId r:id="rId26"/>
+    <p:notesMasterId r:id="rId27"/>
   </p:notesMasterIdLst>
   <p:sldIdLst>
     <p:sldId id="256" r:id="rId2"/>
@@ -17,21 +17,22 @@
     <p:sldId id="261" r:id="rId8"/>
     <p:sldId id="262" r:id="rId9"/>
     <p:sldId id="263" r:id="rId10"/>
-    <p:sldId id="266" r:id="rId11"/>
-    <p:sldId id="267" r:id="rId12"/>
-    <p:sldId id="268" r:id="rId13"/>
-    <p:sldId id="270" r:id="rId14"/>
-    <p:sldId id="271" r:id="rId15"/>
-    <p:sldId id="273" r:id="rId16"/>
-    <p:sldId id="274" r:id="rId17"/>
-    <p:sldId id="272" r:id="rId18"/>
-    <p:sldId id="277" r:id="rId19"/>
-    <p:sldId id="275" r:id="rId20"/>
-    <p:sldId id="278" r:id="rId21"/>
-    <p:sldId id="276" r:id="rId22"/>
-    <p:sldId id="279" r:id="rId23"/>
-    <p:sldId id="280" r:id="rId24"/>
-    <p:sldId id="281" r:id="rId25"/>
+    <p:sldId id="283" r:id="rId11"/>
+    <p:sldId id="266" r:id="rId12"/>
+    <p:sldId id="267" r:id="rId13"/>
+    <p:sldId id="268" r:id="rId14"/>
+    <p:sldId id="270" r:id="rId15"/>
+    <p:sldId id="271" r:id="rId16"/>
+    <p:sldId id="273" r:id="rId17"/>
+    <p:sldId id="274" r:id="rId18"/>
+    <p:sldId id="272" r:id="rId19"/>
+    <p:sldId id="277" r:id="rId20"/>
+    <p:sldId id="275" r:id="rId21"/>
+    <p:sldId id="278" r:id="rId22"/>
+    <p:sldId id="276" r:id="rId23"/>
+    <p:sldId id="279" r:id="rId24"/>
+    <p:sldId id="280" r:id="rId25"/>
+    <p:sldId id="281" r:id="rId26"/>
   </p:sldIdLst>
   <p:sldSz cx="12192000" cy="6858000"/>
   <p:notesSz cx="6858000" cy="9144000"/>
@@ -152,6 +153,7 @@
         <p14:section name="Flow" id="{4A37992F-F261-844C-AD8B-FF43D7C6D28F}">
           <p14:sldIdLst>
             <p14:sldId id="263"/>
+            <p14:sldId id="283"/>
             <p14:sldId id="266"/>
             <p14:sldId id="267"/>
             <p14:sldId id="268"/>
@@ -264,7 +266,7 @@
           <a:p>
             <a:fld id="{35701875-5BC7-1E49-AF4C-96F7D9E7474C}" type="datetimeFigureOut">
               <a:rPr lang="en-US" smtClean="0"/>
-              <a:t>1/28/24</a:t>
+              <a:t>1/31/24</a:t>
             </a:fld>
             <a:endParaRPr lang="en-US"/>
           </a:p>
@@ -704,7 +706,7 @@
           <a:p>
             <a:fld id="{FC5BBC2B-72B0-2542-8213-717906F3F32B}" type="slidenum">
               <a:rPr lang="en-US" smtClean="0"/>
-              <a:t>11</a:t>
+              <a:t>12</a:t>
             </a:fld>
             <a:endParaRPr lang="en-US"/>
           </a:p>
@@ -812,7 +814,7 @@
           <a:p>
             <a:fld id="{FC5BBC2B-72B0-2542-8213-717906F3F32B}" type="slidenum">
               <a:rPr lang="en-US" smtClean="0"/>
-              <a:t>12</a:t>
+              <a:t>13</a:t>
             </a:fld>
             <a:endParaRPr lang="en-US"/>
           </a:p>
@@ -920,7 +922,7 @@
           <a:p>
             <a:fld id="{FC5BBC2B-72B0-2542-8213-717906F3F32B}" type="slidenum">
               <a:rPr lang="en-US" smtClean="0"/>
-              <a:t>13</a:t>
+              <a:t>14</a:t>
             </a:fld>
             <a:endParaRPr lang="en-US"/>
           </a:p>
@@ -1028,7 +1030,7 @@
           <a:p>
             <a:fld id="{FC5BBC2B-72B0-2542-8213-717906F3F32B}" type="slidenum">
               <a:rPr lang="en-US" smtClean="0"/>
-              <a:t>14</a:t>
+              <a:t>15</a:t>
             </a:fld>
             <a:endParaRPr lang="en-US"/>
           </a:p>
@@ -1136,7 +1138,7 @@
           <a:p>
             <a:fld id="{FC5BBC2B-72B0-2542-8213-717906F3F32B}" type="slidenum">
               <a:rPr lang="en-US" smtClean="0"/>
-              <a:t>15</a:t>
+              <a:t>16</a:t>
             </a:fld>
             <a:endParaRPr lang="en-US"/>
           </a:p>
@@ -1244,7 +1246,7 @@
           <a:p>
             <a:fld id="{FC5BBC2B-72B0-2542-8213-717906F3F32B}" type="slidenum">
               <a:rPr lang="en-US" smtClean="0"/>
-              <a:t>16</a:t>
+              <a:t>17</a:t>
             </a:fld>
             <a:endParaRPr lang="en-US"/>
           </a:p>
@@ -1352,7 +1354,7 @@
           <a:p>
             <a:fld id="{FC5BBC2B-72B0-2542-8213-717906F3F32B}" type="slidenum">
               <a:rPr lang="en-US" smtClean="0"/>
-              <a:t>17</a:t>
+              <a:t>18</a:t>
             </a:fld>
             <a:endParaRPr lang="en-US"/>
           </a:p>
@@ -1460,7 +1462,7 @@
           <a:p>
             <a:fld id="{FC5BBC2B-72B0-2542-8213-717906F3F32B}" type="slidenum">
               <a:rPr lang="en-US" smtClean="0"/>
-              <a:t>18</a:t>
+              <a:t>19</a:t>
             </a:fld>
             <a:endParaRPr lang="en-US"/>
           </a:p>
@@ -1568,7 +1570,7 @@
           <a:p>
             <a:fld id="{FC5BBC2B-72B0-2542-8213-717906F3F32B}" type="slidenum">
               <a:rPr lang="en-US" smtClean="0"/>
-              <a:t>19</a:t>
+              <a:t>20</a:t>
             </a:fld>
             <a:endParaRPr lang="en-US"/>
           </a:p>
@@ -1676,7 +1678,7 @@
           <a:p>
             <a:fld id="{FC5BBC2B-72B0-2542-8213-717906F3F32B}" type="slidenum">
               <a:rPr lang="en-US" smtClean="0"/>
-              <a:t>20</a:t>
+              <a:t>21</a:t>
             </a:fld>
             <a:endParaRPr lang="en-US"/>
           </a:p>
@@ -1868,7 +1870,7 @@
           <a:p>
             <a:fld id="{FC5BBC2B-72B0-2542-8213-717906F3F32B}" type="slidenum">
               <a:rPr lang="en-US" smtClean="0"/>
-              <a:t>21</a:t>
+              <a:t>22</a:t>
             </a:fld>
             <a:endParaRPr lang="en-US"/>
           </a:p>
@@ -1976,7 +1978,7 @@
           <a:p>
             <a:fld id="{FC5BBC2B-72B0-2542-8213-717906F3F32B}" type="slidenum">
               <a:rPr lang="en-US" smtClean="0"/>
-              <a:t>22</a:t>
+              <a:t>23</a:t>
             </a:fld>
             <a:endParaRPr lang="en-US"/>
           </a:p>
@@ -2084,7 +2086,7 @@
           <a:p>
             <a:fld id="{FC5BBC2B-72B0-2542-8213-717906F3F32B}" type="slidenum">
               <a:rPr lang="en-US" smtClean="0"/>
-              <a:t>23</a:t>
+              <a:t>24</a:t>
             </a:fld>
             <a:endParaRPr lang="en-US"/>
           </a:p>
@@ -2192,7 +2194,7 @@
           <a:p>
             <a:fld id="{FC5BBC2B-72B0-2542-8213-717906F3F32B}" type="slidenum">
               <a:rPr lang="en-US" smtClean="0"/>
-              <a:t>24</a:t>
+              <a:t>25</a:t>
             </a:fld>
             <a:endParaRPr lang="en-US"/>
           </a:p>
@@ -2828,7 +2830,7 @@
           <a:p>
             <a:fld id="{FC5BBC2B-72B0-2542-8213-717906F3F32B}" type="slidenum">
               <a:rPr lang="en-US" smtClean="0"/>
-              <a:t>10</a:t>
+              <a:t>11</a:t>
             </a:fld>
             <a:endParaRPr lang="en-US"/>
           </a:p>
@@ -2994,7 +2996,7 @@
           <a:p>
             <a:fld id="{75A66788-8C42-AF46-A5E8-A812D6157D58}" type="datetimeFigureOut">
               <a:rPr lang="en-US" smtClean="0"/>
-              <a:t>1/28/24</a:t>
+              <a:t>1/31/24</a:t>
             </a:fld>
             <a:endParaRPr lang="en-US"/>
           </a:p>
@@ -3192,7 +3194,7 @@
           <a:p>
             <a:fld id="{75A66788-8C42-AF46-A5E8-A812D6157D58}" type="datetimeFigureOut">
               <a:rPr lang="en-US" smtClean="0"/>
-              <a:t>1/28/24</a:t>
+              <a:t>1/31/24</a:t>
             </a:fld>
             <a:endParaRPr lang="en-US"/>
           </a:p>
@@ -3400,7 +3402,7 @@
           <a:p>
             <a:fld id="{75A66788-8C42-AF46-A5E8-A812D6157D58}" type="datetimeFigureOut">
               <a:rPr lang="en-US" smtClean="0"/>
-              <a:t>1/28/24</a:t>
+              <a:t>1/31/24</a:t>
             </a:fld>
             <a:endParaRPr lang="en-US"/>
           </a:p>
@@ -3598,7 +3600,7 @@
           <a:p>
             <a:fld id="{75A66788-8C42-AF46-A5E8-A812D6157D58}" type="datetimeFigureOut">
               <a:rPr lang="en-US" smtClean="0"/>
-              <a:t>1/28/24</a:t>
+              <a:t>1/31/24</a:t>
             </a:fld>
             <a:endParaRPr lang="en-US"/>
           </a:p>
@@ -3873,7 +3875,7 @@
           <a:p>
             <a:fld id="{75A66788-8C42-AF46-A5E8-A812D6157D58}" type="datetimeFigureOut">
               <a:rPr lang="en-US" smtClean="0"/>
-              <a:t>1/28/24</a:t>
+              <a:t>1/31/24</a:t>
             </a:fld>
             <a:endParaRPr lang="en-US"/>
           </a:p>
@@ -4138,7 +4140,7 @@
           <a:p>
             <a:fld id="{75A66788-8C42-AF46-A5E8-A812D6157D58}" type="datetimeFigureOut">
               <a:rPr lang="en-US" smtClean="0"/>
-              <a:t>1/28/24</a:t>
+              <a:t>1/31/24</a:t>
             </a:fld>
             <a:endParaRPr lang="en-US"/>
           </a:p>
@@ -4550,7 +4552,7 @@
           <a:p>
             <a:fld id="{75A66788-8C42-AF46-A5E8-A812D6157D58}" type="datetimeFigureOut">
               <a:rPr lang="en-US" smtClean="0"/>
-              <a:t>1/28/24</a:t>
+              <a:t>1/31/24</a:t>
             </a:fld>
             <a:endParaRPr lang="en-US"/>
           </a:p>
@@ -4691,7 +4693,7 @@
           <a:p>
             <a:fld id="{75A66788-8C42-AF46-A5E8-A812D6157D58}" type="datetimeFigureOut">
               <a:rPr lang="en-US" smtClean="0"/>
-              <a:t>1/28/24</a:t>
+              <a:t>1/31/24</a:t>
             </a:fld>
             <a:endParaRPr lang="en-US"/>
           </a:p>
@@ -4804,7 +4806,7 @@
           <a:p>
             <a:fld id="{75A66788-8C42-AF46-A5E8-A812D6157D58}" type="datetimeFigureOut">
               <a:rPr lang="en-US" smtClean="0"/>
-              <a:t>1/28/24</a:t>
+              <a:t>1/31/24</a:t>
             </a:fld>
             <a:endParaRPr lang="en-US"/>
           </a:p>
@@ -5115,7 +5117,7 @@
           <a:p>
             <a:fld id="{75A66788-8C42-AF46-A5E8-A812D6157D58}" type="datetimeFigureOut">
               <a:rPr lang="en-US" smtClean="0"/>
-              <a:t>1/28/24</a:t>
+              <a:t>1/31/24</a:t>
             </a:fld>
             <a:endParaRPr lang="en-US"/>
           </a:p>
@@ -5403,7 +5405,7 @@
           <a:p>
             <a:fld id="{75A66788-8C42-AF46-A5E8-A812D6157D58}" type="datetimeFigureOut">
               <a:rPr lang="en-US" smtClean="0"/>
-              <a:t>1/28/24</a:t>
+              <a:t>1/31/24</a:t>
             </a:fld>
             <a:endParaRPr lang="en-US"/>
           </a:p>
@@ -5644,7 +5646,7 @@
           <a:p>
             <a:fld id="{75A66788-8C42-AF46-A5E8-A812D6157D58}" type="datetimeFigureOut">
               <a:rPr lang="en-US" smtClean="0"/>
-              <a:t>1/28/24</a:t>
+              <a:t>1/31/24</a:t>
             </a:fld>
             <a:endParaRPr lang="en-US"/>
           </a:p>
@@ -6137,6 +6139,263 @@
   <p:cSld>
     <p:spTree>
       <p:nvGrpSpPr>
+        <p:cNvPr id="1" name=""/>
+        <p:cNvGrpSpPr/>
+        <p:nvPr/>
+      </p:nvGrpSpPr>
+      <p:grpSpPr>
+        <a:xfrm>
+          <a:off x="0" y="0"/>
+          <a:ext cx="0" cy="0"/>
+          <a:chOff x="0" y="0"/>
+          <a:chExt cx="0" cy="0"/>
+        </a:xfrm>
+      </p:grpSpPr>
+      <p:sp>
+        <p:nvSpPr>
+          <p:cNvPr id="5" name="Rounded Rectangle 4">
+            <a:extLst>
+              <a:ext uri="{FF2B5EF4-FFF2-40B4-BE49-F238E27FC236}">
+                <a16:creationId xmlns:a16="http://schemas.microsoft.com/office/drawing/2014/main" id="{BBFEEA9E-2477-D7C7-4CA4-1C8CD1A66441}"/>
+              </a:ext>
+            </a:extLst>
+          </p:cNvPr>
+          <p:cNvSpPr/>
+          <p:nvPr/>
+        </p:nvSpPr>
+        <p:spPr>
+          <a:xfrm>
+            <a:off x="3218688" y="1793116"/>
+            <a:ext cx="4937760" cy="3016628"/>
+          </a:xfrm>
+          <a:prstGeom prst="roundRect">
+            <a:avLst>
+              <a:gd name="adj" fmla="val 5778"/>
+            </a:avLst>
+          </a:prstGeom>
+          <a:solidFill>
+            <a:schemeClr val="bg1">
+              <a:lumMod val="85000"/>
+            </a:schemeClr>
+          </a:solidFill>
+        </p:spPr>
+        <p:style>
+          <a:lnRef idx="2">
+            <a:schemeClr val="accent1">
+              <a:shade val="15000"/>
+            </a:schemeClr>
+          </a:lnRef>
+          <a:fillRef idx="1">
+            <a:schemeClr val="accent1"/>
+          </a:fillRef>
+          <a:effectRef idx="0">
+            <a:schemeClr val="accent1"/>
+          </a:effectRef>
+          <a:fontRef idx="minor">
+            <a:schemeClr val="lt1"/>
+          </a:fontRef>
+        </p:style>
+        <p:txBody>
+          <a:bodyPr rtlCol="0" anchor="ctr"/>
+          <a:lstStyle/>
+          <a:p>
+            <a:pPr algn="ctr"/>
+            <a:endParaRPr lang="en-US"/>
+          </a:p>
+        </p:txBody>
+      </p:sp>
+      <p:sp>
+        <p:nvSpPr>
+          <p:cNvPr id="2" name="TextBox 1">
+            <a:extLst>
+              <a:ext uri="{FF2B5EF4-FFF2-40B4-BE49-F238E27FC236}">
+                <a16:creationId xmlns:a16="http://schemas.microsoft.com/office/drawing/2014/main" id="{9CF23849-1929-B63B-4C18-0E935183C892}"/>
+              </a:ext>
+            </a:extLst>
+          </p:cNvPr>
+          <p:cNvSpPr txBox="1"/>
+          <p:nvPr/>
+        </p:nvSpPr>
+        <p:spPr>
+          <a:xfrm>
+            <a:off x="2139696" y="530352"/>
+            <a:ext cx="1986057" cy="369332"/>
+          </a:xfrm>
+          <a:prstGeom prst="rect">
+            <a:avLst/>
+          </a:prstGeom>
+          <a:noFill/>
+        </p:spPr>
+        <p:txBody>
+          <a:bodyPr wrap="none" rtlCol="0">
+            <a:spAutoFit/>
+          </a:bodyPr>
+          <a:lstStyle/>
+          <a:p>
+            <a:r>
+              <a:rPr lang="en-US"/>
+              <a:t>?? WHAT IS THIS ??</a:t>
+            </a:r>
+          </a:p>
+        </p:txBody>
+      </p:sp>
+      <p:sp>
+        <p:nvSpPr>
+          <p:cNvPr id="3" name="TextBox 2">
+            <a:extLst>
+              <a:ext uri="{FF2B5EF4-FFF2-40B4-BE49-F238E27FC236}">
+                <a16:creationId xmlns:a16="http://schemas.microsoft.com/office/drawing/2014/main" id="{5079FBDA-242C-0B58-2C06-3662E6CB21A6}"/>
+              </a:ext>
+            </a:extLst>
+          </p:cNvPr>
+          <p:cNvSpPr txBox="1"/>
+          <p:nvPr/>
+        </p:nvSpPr>
+        <p:spPr>
+          <a:xfrm>
+            <a:off x="3447288" y="2595434"/>
+            <a:ext cx="4469557" cy="1754326"/>
+          </a:xfrm>
+          <a:prstGeom prst="rect">
+            <a:avLst/>
+          </a:prstGeom>
+          <a:noFill/>
+        </p:spPr>
+        <p:txBody>
+          <a:bodyPr wrap="none" rtlCol="0">
+            <a:spAutoFit/>
+          </a:bodyPr>
+          <a:lstStyle/>
+          <a:p>
+            <a:pPr algn="r"/>
+            <a:r>
+              <a:rPr lang="en-US">
+                <a:solidFill>
+                  <a:srgbClr val="080808"/>
+                </a:solidFill>
+                <a:effectLst/>
+              </a:rPr>
+              <a:t>[Customer]</a:t>
+            </a:r>
+          </a:p>
+          <a:p>
+            <a:pPr algn="r"/>
+            <a:r>
+              <a:rPr lang="en-US">
+                <a:solidFill>
+                  <a:srgbClr val="080808"/>
+                </a:solidFill>
+                <a:effectLst/>
+              </a:rPr>
+              <a:t>hi</a:t>
+            </a:r>
+            <a:br>
+              <a:rPr lang="en-US">
+                <a:solidFill>
+                  <a:srgbClr val="080808"/>
+                </a:solidFill>
+                <a:effectLst/>
+              </a:rPr>
+            </a:br>
+            <a:endParaRPr lang="en-US">
+              <a:solidFill>
+                <a:srgbClr val="080808"/>
+              </a:solidFill>
+              <a:effectLst/>
+            </a:endParaRPr>
+          </a:p>
+          <a:p>
+            <a:r>
+              <a:rPr lang="en-US">
+                <a:solidFill>
+                  <a:srgbClr val="080808"/>
+                </a:solidFill>
+                <a:effectLst/>
+              </a:rPr>
+              <a:t>[Bot]</a:t>
+            </a:r>
+          </a:p>
+          <a:p>
+            <a:r>
+              <a:rPr lang="en-US">
+                <a:solidFill>
+                  <a:srgbClr val="080808"/>
+                </a:solidFill>
+                <a:effectLst/>
+              </a:rPr>
+              <a:t>Hi there! I'm your virtual assistant.</a:t>
+            </a:r>
+          </a:p>
+          <a:p>
+            <a:r>
+              <a:rPr lang="en-US">
+                <a:solidFill>
+                  <a:srgbClr val="080808"/>
+                </a:solidFill>
+                <a:effectLst/>
+              </a:rPr>
+              <a:t>What would you like to do today?</a:t>
+            </a:r>
+          </a:p>
+        </p:txBody>
+      </p:sp>
+      <p:sp>
+        <p:nvSpPr>
+          <p:cNvPr id="10" name="TextBox 9">
+            <a:extLst>
+              <a:ext uri="{FF2B5EF4-FFF2-40B4-BE49-F238E27FC236}">
+                <a16:creationId xmlns:a16="http://schemas.microsoft.com/office/drawing/2014/main" id="{728F629A-9BAE-8B62-70AE-F374671AFD4F}"/>
+              </a:ext>
+            </a:extLst>
+          </p:cNvPr>
+          <p:cNvSpPr txBox="1"/>
+          <p:nvPr/>
+        </p:nvSpPr>
+        <p:spPr>
+          <a:xfrm>
+            <a:off x="3447288" y="2002540"/>
+            <a:ext cx="1271016" cy="722372"/>
+          </a:xfrm>
+          <a:prstGeom prst="rect">
+            <a:avLst/>
+          </a:prstGeom>
+          <a:noFill/>
+        </p:spPr>
+        <p:txBody>
+          <a:bodyPr wrap="square">
+            <a:spAutoFit/>
+          </a:bodyPr>
+          <a:lstStyle/>
+          <a:p>
+            <a:r>
+              <a:rPr lang="en-US" sz="4000" b="1">
+                <a:solidFill>
+                  <a:schemeClr val="bg1"/>
+                </a:solidFill>
+              </a:rPr>
+              <a:t>Chat</a:t>
+            </a:r>
+          </a:p>
+        </p:txBody>
+      </p:sp>
+    </p:spTree>
+    <p:extLst>
+      <p:ext uri="{BB962C8B-B14F-4D97-AF65-F5344CB8AC3E}">
+        <p14:creationId xmlns:p14="http://schemas.microsoft.com/office/powerpoint/2010/main" val="966899259"/>
+      </p:ext>
+    </p:extLst>
+  </p:cSld>
+  <p:clrMapOvr>
+    <a:masterClrMapping/>
+  </p:clrMapOvr>
+</p:sld>
+</file>
+
+<file path=ppt/slides/slide11.xml><?xml version="1.0" encoding="utf-8"?>
+<p:sld xmlns:a="http://schemas.openxmlformats.org/drawingml/2006/main" xmlns:r="http://schemas.openxmlformats.org/officeDocument/2006/relationships" xmlns:p="http://schemas.openxmlformats.org/presentationml/2006/main">
+  <p:cSld>
+    <p:spTree>
+      <p:nvGrpSpPr>
         <p:cNvPr id="1" name="">
           <a:extLst>
             <a:ext uri="{FF2B5EF4-FFF2-40B4-BE49-F238E27FC236}">
@@ -6157,10 +6416,10 @@
       </p:grpSpPr>
       <p:pic>
         <p:nvPicPr>
-          <p:cNvPr id="9" name="Picture 8" descr="A red marker drawing of a paper&#10;&#10;Description automatically generated">
-            <a:extLst>
-              <a:ext uri="{FF2B5EF4-FFF2-40B4-BE49-F238E27FC236}">
-                <a16:creationId xmlns:a16="http://schemas.microsoft.com/office/drawing/2014/main" id="{EDDECBA2-6089-C2B6-019F-DE3A6B499F06}"/>
+          <p:cNvPr id="2" name="Picture 1" descr="A screenshot of a computer code&#10;&#10;Description automatically generated">
+            <a:extLst>
+              <a:ext uri="{FF2B5EF4-FFF2-40B4-BE49-F238E27FC236}">
+                <a16:creationId xmlns:a16="http://schemas.microsoft.com/office/drawing/2014/main" id="{3B56F4D8-1CC4-ABC8-B588-ED28F52679F3}"/>
               </a:ext>
             </a:extLst>
           </p:cNvPr>
@@ -6177,8 +6436,245 @@
         </p:blipFill>
         <p:spPr>
           <a:xfrm>
-            <a:off x="1089659" y="682688"/>
-            <a:ext cx="10012681" cy="5492623"/>
+            <a:off x="86438" y="1514440"/>
+            <a:ext cx="6512992" cy="3284868"/>
+          </a:xfrm>
+          <a:prstGeom prst="rect">
+            <a:avLst/>
+          </a:prstGeom>
+          <a:ln>
+            <a:solidFill>
+              <a:schemeClr val="tx1"/>
+            </a:solidFill>
+          </a:ln>
+        </p:spPr>
+      </p:pic>
+      <p:sp>
+        <p:nvSpPr>
+          <p:cNvPr id="3" name="Right Arrow 2">
+            <a:extLst>
+              <a:ext uri="{FF2B5EF4-FFF2-40B4-BE49-F238E27FC236}">
+                <a16:creationId xmlns:a16="http://schemas.microsoft.com/office/drawing/2014/main" id="{9D128430-A79A-1A8A-CD4B-6BF844047C0B}"/>
+              </a:ext>
+            </a:extLst>
+          </p:cNvPr>
+          <p:cNvSpPr/>
+          <p:nvPr/>
+        </p:nvSpPr>
+        <p:spPr>
+          <a:xfrm>
+            <a:off x="6697595" y="2156898"/>
+            <a:ext cx="832104" cy="2177358"/>
+          </a:xfrm>
+          <a:prstGeom prst="rightArrow">
+            <a:avLst/>
+          </a:prstGeom>
+        </p:spPr>
+        <p:style>
+          <a:lnRef idx="2">
+            <a:schemeClr val="accent1">
+              <a:shade val="15000"/>
+            </a:schemeClr>
+          </a:lnRef>
+          <a:fillRef idx="1">
+            <a:schemeClr val="accent1"/>
+          </a:fillRef>
+          <a:effectRef idx="0">
+            <a:schemeClr val="accent1"/>
+          </a:effectRef>
+          <a:fontRef idx="minor">
+            <a:schemeClr val="lt1"/>
+          </a:fontRef>
+        </p:style>
+        <p:txBody>
+          <a:bodyPr rtlCol="0" anchor="ctr"/>
+          <a:lstStyle/>
+          <a:p>
+            <a:pPr algn="ctr"/>
+            <a:endParaRPr lang="en-US"/>
+          </a:p>
+        </p:txBody>
+      </p:sp>
+      <p:pic>
+        <p:nvPicPr>
+          <p:cNvPr id="5" name="Picture 4" descr="A close-up of a computer code&#10;&#10;Description automatically generated">
+            <a:extLst>
+              <a:ext uri="{FF2B5EF4-FFF2-40B4-BE49-F238E27FC236}">
+                <a16:creationId xmlns:a16="http://schemas.microsoft.com/office/drawing/2014/main" id="{B8E0D6B2-EE38-036A-A385-53FD48D7D0C6}"/>
+              </a:ext>
+            </a:extLst>
+          </p:cNvPr>
+          <p:cNvPicPr>
+            <a:picLocks noChangeAspect="1"/>
+          </p:cNvPicPr>
+          <p:nvPr/>
+        </p:nvPicPr>
+        <p:blipFill>
+          <a:blip r:embed="rId4"/>
+          <a:stretch>
+            <a:fillRect/>
+          </a:stretch>
+        </p:blipFill>
+        <p:spPr>
+          <a:xfrm>
+            <a:off x="7832851" y="1026887"/>
+            <a:ext cx="3457939" cy="975106"/>
+          </a:xfrm>
+          <a:prstGeom prst="rect">
+            <a:avLst/>
+          </a:prstGeom>
+        </p:spPr>
+      </p:pic>
+      <p:sp>
+        <p:nvSpPr>
+          <p:cNvPr id="11" name="Cross 10">
+            <a:extLst>
+              <a:ext uri="{FF2B5EF4-FFF2-40B4-BE49-F238E27FC236}">
+                <a16:creationId xmlns:a16="http://schemas.microsoft.com/office/drawing/2014/main" id="{7417A561-484E-DCED-55DF-3CB199DC2FDC}"/>
+              </a:ext>
+            </a:extLst>
+          </p:cNvPr>
+          <p:cNvSpPr/>
+          <p:nvPr/>
+        </p:nvSpPr>
+        <p:spPr>
+          <a:xfrm>
+            <a:off x="9292072" y="2392807"/>
+            <a:ext cx="539496" cy="539496"/>
+          </a:xfrm>
+          <a:prstGeom prst="plus">
+            <a:avLst>
+              <a:gd name="adj" fmla="val 42290"/>
+            </a:avLst>
+          </a:prstGeom>
+        </p:spPr>
+        <p:style>
+          <a:lnRef idx="2">
+            <a:schemeClr val="accent1">
+              <a:shade val="15000"/>
+            </a:schemeClr>
+          </a:lnRef>
+          <a:fillRef idx="1">
+            <a:schemeClr val="accent1"/>
+          </a:fillRef>
+          <a:effectRef idx="0">
+            <a:schemeClr val="accent1"/>
+          </a:effectRef>
+          <a:fontRef idx="minor">
+            <a:schemeClr val="lt1"/>
+          </a:fontRef>
+        </p:style>
+        <p:txBody>
+          <a:bodyPr rtlCol="0" anchor="ctr"/>
+          <a:lstStyle/>
+          <a:p>
+            <a:pPr algn="ctr"/>
+            <a:endParaRPr lang="en-US"/>
+          </a:p>
+        </p:txBody>
+      </p:sp>
+      <p:pic>
+        <p:nvPicPr>
+          <p:cNvPr id="13" name="Picture 12" descr="A screenshot of a computer&#10;&#10;Description automatically generated">
+            <a:extLst>
+              <a:ext uri="{FF2B5EF4-FFF2-40B4-BE49-F238E27FC236}">
+                <a16:creationId xmlns:a16="http://schemas.microsoft.com/office/drawing/2014/main" id="{626C4D7A-BA73-A680-3828-FC543D5EAEC0}"/>
+              </a:ext>
+            </a:extLst>
+          </p:cNvPr>
+          <p:cNvPicPr>
+            <a:picLocks noChangeAspect="1"/>
+          </p:cNvPicPr>
+          <p:nvPr/>
+        </p:nvPicPr>
+        <p:blipFill>
+          <a:blip r:embed="rId5"/>
+          <a:stretch>
+            <a:fillRect/>
+          </a:stretch>
+        </p:blipFill>
+        <p:spPr>
+          <a:xfrm>
+            <a:off x="7671816" y="3429000"/>
+            <a:ext cx="4433746" cy="804672"/>
+          </a:xfrm>
+          <a:prstGeom prst="rect">
+            <a:avLst/>
+          </a:prstGeom>
+        </p:spPr>
+      </p:pic>
+      <p:sp>
+        <p:nvSpPr>
+          <p:cNvPr id="14" name="Cross 13">
+            <a:extLst>
+              <a:ext uri="{FF2B5EF4-FFF2-40B4-BE49-F238E27FC236}">
+                <a16:creationId xmlns:a16="http://schemas.microsoft.com/office/drawing/2014/main" id="{C0557C3E-2262-C8BA-D190-9129990A6AFC}"/>
+              </a:ext>
+            </a:extLst>
+          </p:cNvPr>
+          <p:cNvSpPr/>
+          <p:nvPr/>
+        </p:nvSpPr>
+        <p:spPr>
+          <a:xfrm>
+            <a:off x="9292072" y="4623816"/>
+            <a:ext cx="539496" cy="539496"/>
+          </a:xfrm>
+          <a:prstGeom prst="plus">
+            <a:avLst>
+              <a:gd name="adj" fmla="val 42290"/>
+            </a:avLst>
+          </a:prstGeom>
+        </p:spPr>
+        <p:style>
+          <a:lnRef idx="2">
+            <a:schemeClr val="accent1">
+              <a:shade val="15000"/>
+            </a:schemeClr>
+          </a:lnRef>
+          <a:fillRef idx="1">
+            <a:schemeClr val="accent1"/>
+          </a:fillRef>
+          <a:effectRef idx="0">
+            <a:schemeClr val="accent1"/>
+          </a:effectRef>
+          <a:fontRef idx="minor">
+            <a:schemeClr val="lt1"/>
+          </a:fontRef>
+        </p:style>
+        <p:txBody>
+          <a:bodyPr rtlCol="0" anchor="ctr"/>
+          <a:lstStyle/>
+          <a:p>
+            <a:pPr algn="ctr"/>
+            <a:endParaRPr lang="en-US"/>
+          </a:p>
+        </p:txBody>
+      </p:sp>
+      <p:pic>
+        <p:nvPicPr>
+          <p:cNvPr id="16" name="Picture 15" descr="A computer code with black text&#10;&#10;Description automatically generated">
+            <a:extLst>
+              <a:ext uri="{FF2B5EF4-FFF2-40B4-BE49-F238E27FC236}">
+                <a16:creationId xmlns:a16="http://schemas.microsoft.com/office/drawing/2014/main" id="{3D4B5783-DF23-25F8-E364-684855C933C4}"/>
+              </a:ext>
+            </a:extLst>
+          </p:cNvPr>
+          <p:cNvPicPr>
+            <a:picLocks noChangeAspect="1"/>
+          </p:cNvPicPr>
+          <p:nvPr/>
+        </p:nvPicPr>
+        <p:blipFill>
+          <a:blip r:embed="rId6"/>
+          <a:stretch>
+            <a:fillRect/>
+          </a:stretch>
+        </p:blipFill>
+        <p:spPr>
+          <a:xfrm>
+            <a:off x="6374638" y="5441766"/>
+            <a:ext cx="5817362" cy="1113152"/>
           </a:xfrm>
           <a:prstGeom prst="rect">
             <a:avLst/>
@@ -6198,7 +6694,7 @@
 </p:sld>
 </file>
 
-<file path=ppt/slides/slide11.xml><?xml version="1.0" encoding="utf-8"?>
+<file path=ppt/slides/slide12.xml><?xml version="1.0" encoding="utf-8"?>
 <p:sld xmlns:a="http://schemas.openxmlformats.org/drawingml/2006/main" xmlns:r="http://schemas.openxmlformats.org/officeDocument/2006/relationships" xmlns:p="http://schemas.openxmlformats.org/presentationml/2006/main">
   <p:cSld>
     <p:spTree>
@@ -6264,7 +6760,7 @@
 </p:sld>
 </file>
 
-<file path=ppt/slides/slide12.xml><?xml version="1.0" encoding="utf-8"?>
+<file path=ppt/slides/slide13.xml><?xml version="1.0" encoding="utf-8"?>
 <p:sld xmlns:a="http://schemas.openxmlformats.org/drawingml/2006/main" xmlns:r="http://schemas.openxmlformats.org/officeDocument/2006/relationships" xmlns:p="http://schemas.openxmlformats.org/presentationml/2006/main">
   <p:cSld>
     <p:spTree>
@@ -6399,7 +6895,7 @@
 </p:sld>
 </file>
 
-<file path=ppt/slides/slide13.xml><?xml version="1.0" encoding="utf-8"?>
+<file path=ppt/slides/slide14.xml><?xml version="1.0" encoding="utf-8"?>
 <p:sld xmlns:a="http://schemas.openxmlformats.org/drawingml/2006/main" xmlns:r="http://schemas.openxmlformats.org/officeDocument/2006/relationships" xmlns:p="http://schemas.openxmlformats.org/presentationml/2006/main">
   <p:cSld>
     <p:spTree>
@@ -6813,7 +7309,7 @@
 </p:sld>
 </file>
 
-<file path=ppt/slides/slide14.xml><?xml version="1.0" encoding="utf-8"?>
+<file path=ppt/slides/slide15.xml><?xml version="1.0" encoding="utf-8"?>
 <p:sld xmlns:a="http://schemas.openxmlformats.org/drawingml/2006/main" xmlns:r="http://schemas.openxmlformats.org/officeDocument/2006/relationships" xmlns:p="http://schemas.openxmlformats.org/presentationml/2006/main">
   <p:cSld>
     <p:spTree>
@@ -6879,7 +7375,7 @@
 </p:sld>
 </file>
 
-<file path=ppt/slides/slide15.xml><?xml version="1.0" encoding="utf-8"?>
+<file path=ppt/slides/slide16.xml><?xml version="1.0" encoding="utf-8"?>
 <p:sld xmlns:a="http://schemas.openxmlformats.org/drawingml/2006/main" xmlns:r="http://schemas.openxmlformats.org/officeDocument/2006/relationships" xmlns:p="http://schemas.openxmlformats.org/presentationml/2006/main">
   <p:cSld>
     <p:spTree>
@@ -7293,7 +7789,7 @@
 </p:sld>
 </file>
 
-<file path=ppt/slides/slide16.xml><?xml version="1.0" encoding="utf-8"?>
+<file path=ppt/slides/slide17.xml><?xml version="1.0" encoding="utf-8"?>
 <p:sld xmlns:a="http://schemas.openxmlformats.org/drawingml/2006/main" xmlns:r="http://schemas.openxmlformats.org/officeDocument/2006/relationships" xmlns:p="http://schemas.openxmlformats.org/presentationml/2006/main">
   <p:cSld>
     <p:spTree>
@@ -7699,7 +8195,7 @@
 </p:sld>
 </file>
 
-<file path=ppt/slides/slide17.xml><?xml version="1.0" encoding="utf-8"?>
+<file path=ppt/slides/slide18.xml><?xml version="1.0" encoding="utf-8"?>
 <p:sld xmlns:a="http://schemas.openxmlformats.org/drawingml/2006/main" xmlns:r="http://schemas.openxmlformats.org/officeDocument/2006/relationships" xmlns:p="http://schemas.openxmlformats.org/presentationml/2006/main">
   <p:cSld>
     <p:spTree>
@@ -7928,7 +8424,7 @@
 </p:sld>
 </file>
 
-<file path=ppt/slides/slide18.xml><?xml version="1.0" encoding="utf-8"?>
+<file path=ppt/slides/slide19.xml><?xml version="1.0" encoding="utf-8"?>
 <p:sld xmlns:a="http://schemas.openxmlformats.org/drawingml/2006/main" xmlns:r="http://schemas.openxmlformats.org/officeDocument/2006/relationships" xmlns:p="http://schemas.openxmlformats.org/presentationml/2006/main">
   <p:cSld>
     <p:spTree>
@@ -8154,7 +8650,144 @@
 </p:sld>
 </file>
 
-<file path=ppt/slides/slide19.xml><?xml version="1.0" encoding="utf-8"?>
+<file path=ppt/slides/slide2.xml><?xml version="1.0" encoding="utf-8"?>
+<p:sld xmlns:a="http://schemas.openxmlformats.org/drawingml/2006/main" xmlns:r="http://schemas.openxmlformats.org/officeDocument/2006/relationships" xmlns:p="http://schemas.openxmlformats.org/presentationml/2006/main">
+  <p:cSld>
+    <p:spTree>
+      <p:nvGrpSpPr>
+        <p:cNvPr id="1" name=""/>
+        <p:cNvGrpSpPr/>
+        <p:nvPr/>
+      </p:nvGrpSpPr>
+      <p:grpSpPr>
+        <a:xfrm>
+          <a:off x="0" y="0"/>
+          <a:ext cx="0" cy="0"/>
+          <a:chOff x="0" y="0"/>
+          <a:chExt cx="0" cy="0"/>
+        </a:xfrm>
+      </p:grpSpPr>
+      <p:sp>
+        <p:nvSpPr>
+          <p:cNvPr id="2" name="Title 1">
+            <a:extLst>
+              <a:ext uri="{FF2B5EF4-FFF2-40B4-BE49-F238E27FC236}">
+                <a16:creationId xmlns:a16="http://schemas.microsoft.com/office/drawing/2014/main" id="{29C471DD-9850-AEF3-E979-3529F726CAD1}"/>
+              </a:ext>
+            </a:extLst>
+          </p:cNvPr>
+          <p:cNvSpPr>
+            <a:spLocks noGrp="1"/>
+          </p:cNvSpPr>
+          <p:nvPr>
+            <p:ph type="title"/>
+          </p:nvPr>
+        </p:nvSpPr>
+        <p:spPr/>
+        <p:txBody>
+          <a:bodyPr/>
+          <a:lstStyle/>
+          <a:p>
+            <a:endParaRPr lang="en-US"/>
+          </a:p>
+        </p:txBody>
+      </p:sp>
+      <p:sp>
+        <p:nvSpPr>
+          <p:cNvPr id="3" name="Content Placeholder 2">
+            <a:extLst>
+              <a:ext uri="{FF2B5EF4-FFF2-40B4-BE49-F238E27FC236}">
+                <a16:creationId xmlns:a16="http://schemas.microsoft.com/office/drawing/2014/main" id="{3187DB28-AC61-27AC-4FFD-0A76E40A3EF1}"/>
+              </a:ext>
+            </a:extLst>
+          </p:cNvPr>
+          <p:cNvSpPr>
+            <a:spLocks noGrp="1"/>
+          </p:cNvSpPr>
+          <p:nvPr>
+            <p:ph idx="1"/>
+          </p:nvPr>
+        </p:nvSpPr>
+        <p:spPr/>
+        <p:txBody>
+          <a:bodyPr/>
+          <a:lstStyle/>
+          <a:p>
+            <a:r>
+              <a:rPr lang="en-US"/>
+              <a:t>Consider paths we took:</a:t>
+            </a:r>
+          </a:p>
+          <a:p>
+            <a:pPr lvl="1"/>
+            <a:r>
+              <a:rPr lang="en-US"/>
+              <a:t>wordy Java tests</a:t>
+            </a:r>
+          </a:p>
+          <a:p>
+            <a:pPr lvl="1"/>
+            <a:r>
+              <a:rPr lang="en-US"/>
+              <a:t>made a printer </a:t>
+            </a:r>
+          </a:p>
+          <a:p>
+            <a:pPr lvl="1"/>
+            <a:r>
+              <a:rPr lang="en-US"/>
+              <a:t>made a good printer – not a json: Json test // TODO the json tests</a:t>
+            </a:r>
+          </a:p>
+          <a:p>
+            <a:pPr lvl="1"/>
+            <a:r>
+              <a:rPr lang="en-US"/>
+              <a:t>made the inlining – makes it easier to read the whole test better</a:t>
+            </a:r>
+          </a:p>
+          <a:p>
+            <a:pPr lvl="1"/>
+            <a:r>
+              <a:rPr lang="en-US"/>
+              <a:t>did multiple conversations</a:t>
+            </a:r>
+          </a:p>
+          <a:p>
+            <a:pPr lvl="1"/>
+            <a:r>
+              <a:rPr lang="en-US"/>
+              <a:t>now we can see individual tests, but we can’t see the big picture – so we moved it to the uber test – can delete the other files</a:t>
+            </a:r>
+          </a:p>
+          <a:p>
+            <a:pPr lvl="1"/>
+            <a:endParaRPr lang="en-US"/>
+          </a:p>
+          <a:p>
+            <a:pPr lvl="1"/>
+            <a:endParaRPr lang="en-US"/>
+          </a:p>
+          <a:p>
+            <a:pPr lvl="1"/>
+            <a:endParaRPr lang="en-US"/>
+          </a:p>
+        </p:txBody>
+      </p:sp>
+    </p:spTree>
+    <p:extLst>
+      <p:ext uri="{BB962C8B-B14F-4D97-AF65-F5344CB8AC3E}">
+        <p14:creationId xmlns:p14="http://schemas.microsoft.com/office/powerpoint/2010/main" val="2442545096"/>
+      </p:ext>
+    </p:extLst>
+  </p:cSld>
+  <p:clrMapOvr>
+    <a:masterClrMapping/>
+  </p:clrMapOvr>
+</p:sld>
+</file>
+
+<file path=ppt/slides/slide20.xml><?xml version="1.0" encoding="utf-8"?>
 <p:sld xmlns:a="http://schemas.openxmlformats.org/drawingml/2006/main" xmlns:r="http://schemas.openxmlformats.org/officeDocument/2006/relationships" xmlns:p="http://schemas.openxmlformats.org/presentationml/2006/main">
   <p:cSld>
     <p:spTree>
@@ -8220,144 +8853,7 @@
 </p:sld>
 </file>
 
-<file path=ppt/slides/slide2.xml><?xml version="1.0" encoding="utf-8"?>
-<p:sld xmlns:a="http://schemas.openxmlformats.org/drawingml/2006/main" xmlns:r="http://schemas.openxmlformats.org/officeDocument/2006/relationships" xmlns:p="http://schemas.openxmlformats.org/presentationml/2006/main">
-  <p:cSld>
-    <p:spTree>
-      <p:nvGrpSpPr>
-        <p:cNvPr id="1" name=""/>
-        <p:cNvGrpSpPr/>
-        <p:nvPr/>
-      </p:nvGrpSpPr>
-      <p:grpSpPr>
-        <a:xfrm>
-          <a:off x="0" y="0"/>
-          <a:ext cx="0" cy="0"/>
-          <a:chOff x="0" y="0"/>
-          <a:chExt cx="0" cy="0"/>
-        </a:xfrm>
-      </p:grpSpPr>
-      <p:sp>
-        <p:nvSpPr>
-          <p:cNvPr id="2" name="Title 1">
-            <a:extLst>
-              <a:ext uri="{FF2B5EF4-FFF2-40B4-BE49-F238E27FC236}">
-                <a16:creationId xmlns:a16="http://schemas.microsoft.com/office/drawing/2014/main" id="{29C471DD-9850-AEF3-E979-3529F726CAD1}"/>
-              </a:ext>
-            </a:extLst>
-          </p:cNvPr>
-          <p:cNvSpPr>
-            <a:spLocks noGrp="1"/>
-          </p:cNvSpPr>
-          <p:nvPr>
-            <p:ph type="title"/>
-          </p:nvPr>
-        </p:nvSpPr>
-        <p:spPr/>
-        <p:txBody>
-          <a:bodyPr/>
-          <a:lstStyle/>
-          <a:p>
-            <a:endParaRPr lang="en-US"/>
-          </a:p>
-        </p:txBody>
-      </p:sp>
-      <p:sp>
-        <p:nvSpPr>
-          <p:cNvPr id="3" name="Content Placeholder 2">
-            <a:extLst>
-              <a:ext uri="{FF2B5EF4-FFF2-40B4-BE49-F238E27FC236}">
-                <a16:creationId xmlns:a16="http://schemas.microsoft.com/office/drawing/2014/main" id="{3187DB28-AC61-27AC-4FFD-0A76E40A3EF1}"/>
-              </a:ext>
-            </a:extLst>
-          </p:cNvPr>
-          <p:cNvSpPr>
-            <a:spLocks noGrp="1"/>
-          </p:cNvSpPr>
-          <p:nvPr>
-            <p:ph idx="1"/>
-          </p:nvPr>
-        </p:nvSpPr>
-        <p:spPr/>
-        <p:txBody>
-          <a:bodyPr/>
-          <a:lstStyle/>
-          <a:p>
-            <a:r>
-              <a:rPr lang="en-US"/>
-              <a:t>Consider paths we took:</a:t>
-            </a:r>
-          </a:p>
-          <a:p>
-            <a:pPr lvl="1"/>
-            <a:r>
-              <a:rPr lang="en-US"/>
-              <a:t>wordy Java tests</a:t>
-            </a:r>
-          </a:p>
-          <a:p>
-            <a:pPr lvl="1"/>
-            <a:r>
-              <a:rPr lang="en-US"/>
-              <a:t>made a printer </a:t>
-            </a:r>
-          </a:p>
-          <a:p>
-            <a:pPr lvl="1"/>
-            <a:r>
-              <a:rPr lang="en-US"/>
-              <a:t>made a good printer – not a json: Json test // TODO the json tests</a:t>
-            </a:r>
-          </a:p>
-          <a:p>
-            <a:pPr lvl="1"/>
-            <a:r>
-              <a:rPr lang="en-US"/>
-              <a:t>made the inlining – makes it easier to read the whole test better</a:t>
-            </a:r>
-          </a:p>
-          <a:p>
-            <a:pPr lvl="1"/>
-            <a:r>
-              <a:rPr lang="en-US"/>
-              <a:t>did multiple conversations</a:t>
-            </a:r>
-          </a:p>
-          <a:p>
-            <a:pPr lvl="1"/>
-            <a:r>
-              <a:rPr lang="en-US"/>
-              <a:t>now we can see individual tests, but we can’t see the big picture – so we moved it to the uber test – can delete the other files</a:t>
-            </a:r>
-          </a:p>
-          <a:p>
-            <a:pPr lvl="1"/>
-            <a:endParaRPr lang="en-US"/>
-          </a:p>
-          <a:p>
-            <a:pPr lvl="1"/>
-            <a:endParaRPr lang="en-US"/>
-          </a:p>
-          <a:p>
-            <a:pPr lvl="1"/>
-            <a:endParaRPr lang="en-US"/>
-          </a:p>
-        </p:txBody>
-      </p:sp>
-    </p:spTree>
-    <p:extLst>
-      <p:ext uri="{BB962C8B-B14F-4D97-AF65-F5344CB8AC3E}">
-        <p14:creationId xmlns:p14="http://schemas.microsoft.com/office/powerpoint/2010/main" val="2442545096"/>
-      </p:ext>
-    </p:extLst>
-  </p:cSld>
-  <p:clrMapOvr>
-    <a:masterClrMapping/>
-  </p:clrMapOvr>
-</p:sld>
-</file>
-
-<file path=ppt/slides/slide20.xml><?xml version="1.0" encoding="utf-8"?>
+<file path=ppt/slides/slide21.xml><?xml version="1.0" encoding="utf-8"?>
 <p:sld xmlns:a="http://schemas.openxmlformats.org/drawingml/2006/main" xmlns:r="http://schemas.openxmlformats.org/officeDocument/2006/relationships" xmlns:p="http://schemas.openxmlformats.org/presentationml/2006/main">
   <p:cSld>
     <p:spTree>
@@ -8586,7 +9082,7 @@
 </p:sld>
 </file>
 
-<file path=ppt/slides/slide21.xml><?xml version="1.0" encoding="utf-8"?>
+<file path=ppt/slides/slide22.xml><?xml version="1.0" encoding="utf-8"?>
 <p:sld xmlns:a="http://schemas.openxmlformats.org/drawingml/2006/main" xmlns:r="http://schemas.openxmlformats.org/officeDocument/2006/relationships" xmlns:p="http://schemas.openxmlformats.org/presentationml/2006/main">
   <p:cSld>
     <p:spTree>
@@ -8774,7 +9270,7 @@
 </p:sld>
 </file>
 
-<file path=ppt/slides/slide22.xml><?xml version="1.0" encoding="utf-8"?>
+<file path=ppt/slides/slide23.xml><?xml version="1.0" encoding="utf-8"?>
 <p:sld xmlns:a="http://schemas.openxmlformats.org/drawingml/2006/main" xmlns:r="http://schemas.openxmlformats.org/officeDocument/2006/relationships" xmlns:p="http://schemas.openxmlformats.org/presentationml/2006/main">
   <p:cSld>
     <p:spTree>
@@ -8878,7 +9374,7 @@
 </p:sld>
 </file>
 
-<file path=ppt/slides/slide23.xml><?xml version="1.0" encoding="utf-8"?>
+<file path=ppt/slides/slide24.xml><?xml version="1.0" encoding="utf-8"?>
 <p:sld xmlns:a="http://schemas.openxmlformats.org/drawingml/2006/main" xmlns:r="http://schemas.openxmlformats.org/officeDocument/2006/relationships" xmlns:p="http://schemas.openxmlformats.org/presentationml/2006/main">
   <p:cSld>
     <p:spTree>
@@ -8944,7 +9440,7 @@
 </p:sld>
 </file>
 
-<file path=ppt/slides/slide24.xml><?xml version="1.0" encoding="utf-8"?>
+<file path=ppt/slides/slide25.xml><?xml version="1.0" encoding="utf-8"?>
 <p:sld xmlns:a="http://schemas.openxmlformats.org/drawingml/2006/main" xmlns:r="http://schemas.openxmlformats.org/officeDocument/2006/relationships" xmlns:p="http://schemas.openxmlformats.org/presentationml/2006/main">
   <p:cSld>
     <p:spTree>
@@ -13700,10 +14196,10 @@
       </p:grpSpPr>
       <p:pic>
         <p:nvPicPr>
-          <p:cNvPr id="7" name="Picture 6" descr="A red line drawn on a piece of paper&#10;&#10;Description automatically generated">
-            <a:extLst>
-              <a:ext uri="{FF2B5EF4-FFF2-40B4-BE49-F238E27FC236}">
-                <a16:creationId xmlns:a16="http://schemas.microsoft.com/office/drawing/2014/main" id="{0F97A14D-C1E7-26DE-8BC2-90DA20D022B2}"/>
+          <p:cNvPr id="3" name="Picture 2" descr="A screenshot of a computer code&#10;&#10;Description automatically generated">
+            <a:extLst>
+              <a:ext uri="{FF2B5EF4-FFF2-40B4-BE49-F238E27FC236}">
+                <a16:creationId xmlns:a16="http://schemas.microsoft.com/office/drawing/2014/main" id="{292AF426-4C5F-6717-8C1E-418AD6902791}"/>
               </a:ext>
             </a:extLst>
           </p:cNvPr>
@@ -13720,14 +14216,49 @@
         </p:blipFill>
         <p:spPr>
           <a:xfrm>
-            <a:off x="543145" y="420307"/>
-            <a:ext cx="5973479" cy="6099048"/>
+            <a:off x="1783080" y="1223124"/>
+            <a:ext cx="7772400" cy="3920058"/>
           </a:xfrm>
           <a:prstGeom prst="rect">
             <a:avLst/>
           </a:prstGeom>
         </p:spPr>
       </p:pic>
+      <p:sp>
+        <p:nvSpPr>
+          <p:cNvPr id="6" name="TextBox 5">
+            <a:extLst>
+              <a:ext uri="{FF2B5EF4-FFF2-40B4-BE49-F238E27FC236}">
+                <a16:creationId xmlns:a16="http://schemas.microsoft.com/office/drawing/2014/main" id="{6672AABC-B250-4F6F-DF17-FA210C3816AD}"/>
+              </a:ext>
+            </a:extLst>
+          </p:cNvPr>
+          <p:cNvSpPr txBox="1"/>
+          <p:nvPr/>
+        </p:nvSpPr>
+        <p:spPr>
+          <a:xfrm>
+            <a:off x="1490472" y="292608"/>
+            <a:ext cx="1341393" cy="369332"/>
+          </a:xfrm>
+          <a:prstGeom prst="rect">
+            <a:avLst/>
+          </a:prstGeom>
+          <a:noFill/>
+        </p:spPr>
+        <p:txBody>
+          <a:bodyPr wrap="none" rtlCol="0">
+            <a:spAutoFit/>
+          </a:bodyPr>
+          <a:lstStyle/>
+          <a:p>
+            <a:r>
+              <a:rPr lang="en-US"/>
+              <a:t>Original Test</a:t>
+            </a:r>
+          </a:p>
+        </p:txBody>
+      </p:sp>
     </p:spTree>
     <p:extLst>
       <p:ext uri="{BB962C8B-B14F-4D97-AF65-F5344CB8AC3E}">

--- a/slides/Testing Better with Approvals.pptx
+++ b/slides/Testing Better with Approvals.pptx
@@ -5,7 +5,7 @@
     <p:sldMasterId id="2147483648" r:id="rId1"/>
   </p:sldMasterIdLst>
   <p:notesMasterIdLst>
-    <p:notesMasterId r:id="rId27"/>
+    <p:notesMasterId r:id="rId31"/>
   </p:notesMasterIdLst>
   <p:sldIdLst>
     <p:sldId id="256" r:id="rId2"/>
@@ -18,21 +18,25 @@
     <p:sldId id="262" r:id="rId9"/>
     <p:sldId id="263" r:id="rId10"/>
     <p:sldId id="283" r:id="rId11"/>
-    <p:sldId id="266" r:id="rId12"/>
-    <p:sldId id="267" r:id="rId13"/>
-    <p:sldId id="268" r:id="rId14"/>
-    <p:sldId id="270" r:id="rId15"/>
-    <p:sldId id="271" r:id="rId16"/>
-    <p:sldId id="273" r:id="rId17"/>
-    <p:sldId id="274" r:id="rId18"/>
-    <p:sldId id="272" r:id="rId19"/>
-    <p:sldId id="277" r:id="rId20"/>
-    <p:sldId id="275" r:id="rId21"/>
-    <p:sldId id="278" r:id="rId22"/>
-    <p:sldId id="276" r:id="rId23"/>
-    <p:sldId id="279" r:id="rId24"/>
-    <p:sldId id="280" r:id="rId25"/>
-    <p:sldId id="281" r:id="rId26"/>
+    <p:sldId id="284" r:id="rId12"/>
+    <p:sldId id="266" r:id="rId13"/>
+    <p:sldId id="285" r:id="rId14"/>
+    <p:sldId id="286" r:id="rId15"/>
+    <p:sldId id="287" r:id="rId16"/>
+    <p:sldId id="288" r:id="rId17"/>
+    <p:sldId id="268" r:id="rId18"/>
+    <p:sldId id="270" r:id="rId19"/>
+    <p:sldId id="271" r:id="rId20"/>
+    <p:sldId id="273" r:id="rId21"/>
+    <p:sldId id="274" r:id="rId22"/>
+    <p:sldId id="272" r:id="rId23"/>
+    <p:sldId id="277" r:id="rId24"/>
+    <p:sldId id="275" r:id="rId25"/>
+    <p:sldId id="278" r:id="rId26"/>
+    <p:sldId id="276" r:id="rId27"/>
+    <p:sldId id="279" r:id="rId28"/>
+    <p:sldId id="280" r:id="rId29"/>
+    <p:sldId id="281" r:id="rId30"/>
   </p:sldIdLst>
   <p:sldSz cx="12192000" cy="6858000"/>
   <p:notesSz cx="6858000" cy="9144000"/>
@@ -154,8 +158,12 @@
           <p14:sldIdLst>
             <p14:sldId id="263"/>
             <p14:sldId id="283"/>
+            <p14:sldId id="284"/>
             <p14:sldId id="266"/>
-            <p14:sldId id="267"/>
+            <p14:sldId id="285"/>
+            <p14:sldId id="286"/>
+            <p14:sldId id="287"/>
+            <p14:sldId id="288"/>
             <p14:sldId id="268"/>
             <p14:sldId id="270"/>
             <p14:sldId id="271"/>
@@ -625,7 +633,7 @@
         <p:cNvPr id="1" name="">
           <a:extLst>
             <a:ext uri="{FF2B5EF4-FFF2-40B4-BE49-F238E27FC236}">
-              <a16:creationId xmlns:a16="http://schemas.microsoft.com/office/drawing/2014/main" id="{63A35AA0-C5B1-678C-2797-E2A2B2AD91A7}"/>
+              <a16:creationId xmlns:a16="http://schemas.microsoft.com/office/drawing/2014/main" id="{89CAE5FF-8B22-85C8-6C56-CD662F2E0AD6}"/>
             </a:ext>
           </a:extLst>
         </p:cNvPr>
@@ -645,7 +653,7 @@
           <p:cNvPr id="2" name="Slide Image Placeholder 1">
             <a:extLst>
               <a:ext uri="{FF2B5EF4-FFF2-40B4-BE49-F238E27FC236}">
-                <a16:creationId xmlns:a16="http://schemas.microsoft.com/office/drawing/2014/main" id="{923F192E-129F-74B9-121B-FEC65920A32E}"/>
+                <a16:creationId xmlns:a16="http://schemas.microsoft.com/office/drawing/2014/main" id="{6468F878-CD62-DD25-D8CD-E62E1F05623A}"/>
               </a:ext>
             </a:extLst>
           </p:cNvPr>
@@ -663,7 +671,7 @@
           <p:cNvPr id="3" name="Notes Placeholder 2">
             <a:extLst>
               <a:ext uri="{FF2B5EF4-FFF2-40B4-BE49-F238E27FC236}">
-                <a16:creationId xmlns:a16="http://schemas.microsoft.com/office/drawing/2014/main" id="{1854018F-44BE-9AB7-E4AF-7DCACDADC893}"/>
+                <a16:creationId xmlns:a16="http://schemas.microsoft.com/office/drawing/2014/main" id="{D38757FF-31C2-B108-103F-B74EA5425DBC}"/>
               </a:ext>
             </a:extLst>
           </p:cNvPr>
@@ -688,7 +696,7 @@
           <p:cNvPr id="4" name="Slide Number Placeholder 3">
             <a:extLst>
               <a:ext uri="{FF2B5EF4-FFF2-40B4-BE49-F238E27FC236}">
-                <a16:creationId xmlns:a16="http://schemas.microsoft.com/office/drawing/2014/main" id="{B3286089-C038-BB68-DF09-DEF65329F250}"/>
+                <a16:creationId xmlns:a16="http://schemas.microsoft.com/office/drawing/2014/main" id="{0F0B4F1D-D1CF-A788-4E48-2CDD52A9CA57}"/>
               </a:ext>
             </a:extLst>
           </p:cNvPr>
@@ -715,7 +723,7 @@
     </p:spTree>
     <p:extLst>
       <p:ext uri="{BB962C8B-B14F-4D97-AF65-F5344CB8AC3E}">
-        <p14:creationId xmlns:p14="http://schemas.microsoft.com/office/powerpoint/2010/main" val="1958922794"/>
+        <p14:creationId xmlns:p14="http://schemas.microsoft.com/office/powerpoint/2010/main" val="3614773671"/>
       </p:ext>
     </p:extLst>
   </p:cSld>
@@ -726,6 +734,438 @@
 </file>
 
 <file path=ppt/notesSlides/notesSlide11.xml><?xml version="1.0" encoding="utf-8"?>
+<p:notes xmlns:a="http://schemas.openxmlformats.org/drawingml/2006/main" xmlns:r="http://schemas.openxmlformats.org/officeDocument/2006/relationships" xmlns:p="http://schemas.openxmlformats.org/presentationml/2006/main">
+  <p:cSld>
+    <p:spTree>
+      <p:nvGrpSpPr>
+        <p:cNvPr id="1" name="">
+          <a:extLst>
+            <a:ext uri="{FF2B5EF4-FFF2-40B4-BE49-F238E27FC236}">
+              <a16:creationId xmlns:a16="http://schemas.microsoft.com/office/drawing/2014/main" id="{C5702B95-D31A-44A3-8A9F-90D8D2B251B2}"/>
+            </a:ext>
+          </a:extLst>
+        </p:cNvPr>
+        <p:cNvGrpSpPr/>
+        <p:nvPr/>
+      </p:nvGrpSpPr>
+      <p:grpSpPr>
+        <a:xfrm>
+          <a:off x="0" y="0"/>
+          <a:ext cx="0" cy="0"/>
+          <a:chOff x="0" y="0"/>
+          <a:chExt cx="0" cy="0"/>
+        </a:xfrm>
+      </p:grpSpPr>
+      <p:sp>
+        <p:nvSpPr>
+          <p:cNvPr id="2" name="Slide Image Placeholder 1">
+            <a:extLst>
+              <a:ext uri="{FF2B5EF4-FFF2-40B4-BE49-F238E27FC236}">
+                <a16:creationId xmlns:a16="http://schemas.microsoft.com/office/drawing/2014/main" id="{5EC8C751-4567-0877-39D8-127530F1EA2A}"/>
+              </a:ext>
+            </a:extLst>
+          </p:cNvPr>
+          <p:cNvSpPr>
+            <a:spLocks noGrp="1" noRot="1" noChangeAspect="1"/>
+          </p:cNvSpPr>
+          <p:nvPr>
+            <p:ph type="sldImg"/>
+          </p:nvPr>
+        </p:nvSpPr>
+        <p:spPr/>
+      </p:sp>
+      <p:sp>
+        <p:nvSpPr>
+          <p:cNvPr id="3" name="Notes Placeholder 2">
+            <a:extLst>
+              <a:ext uri="{FF2B5EF4-FFF2-40B4-BE49-F238E27FC236}">
+                <a16:creationId xmlns:a16="http://schemas.microsoft.com/office/drawing/2014/main" id="{E13C5EE5-4EFC-AE74-E105-A682888F0A7E}"/>
+              </a:ext>
+            </a:extLst>
+          </p:cNvPr>
+          <p:cNvSpPr>
+            <a:spLocks noGrp="1"/>
+          </p:cNvSpPr>
+          <p:nvPr>
+            <p:ph type="body" idx="1"/>
+          </p:nvPr>
+        </p:nvSpPr>
+        <p:spPr/>
+        <p:txBody>
+          <a:bodyPr/>
+          <a:lstStyle/>
+          <a:p>
+            <a:endParaRPr lang="en-US"/>
+          </a:p>
+        </p:txBody>
+      </p:sp>
+      <p:sp>
+        <p:nvSpPr>
+          <p:cNvPr id="4" name="Slide Number Placeholder 3">
+            <a:extLst>
+              <a:ext uri="{FF2B5EF4-FFF2-40B4-BE49-F238E27FC236}">
+                <a16:creationId xmlns:a16="http://schemas.microsoft.com/office/drawing/2014/main" id="{46227C5D-06AE-45B1-C35F-CB52AF860716}"/>
+              </a:ext>
+            </a:extLst>
+          </p:cNvPr>
+          <p:cNvSpPr>
+            <a:spLocks noGrp="1"/>
+          </p:cNvSpPr>
+          <p:nvPr>
+            <p:ph type="sldNum" sz="quarter" idx="5"/>
+          </p:nvPr>
+        </p:nvSpPr>
+        <p:spPr/>
+        <p:txBody>
+          <a:bodyPr/>
+          <a:lstStyle/>
+          <a:p>
+            <a:fld id="{FC5BBC2B-72B0-2542-8213-717906F3F32B}" type="slidenum">
+              <a:rPr lang="en-US" smtClean="0"/>
+              <a:t>13</a:t>
+            </a:fld>
+            <a:endParaRPr lang="en-US"/>
+          </a:p>
+        </p:txBody>
+      </p:sp>
+    </p:spTree>
+    <p:extLst>
+      <p:ext uri="{BB962C8B-B14F-4D97-AF65-F5344CB8AC3E}">
+        <p14:creationId xmlns:p14="http://schemas.microsoft.com/office/powerpoint/2010/main" val="1606281994"/>
+      </p:ext>
+    </p:extLst>
+  </p:cSld>
+  <p:clrMapOvr>
+    <a:masterClrMapping/>
+  </p:clrMapOvr>
+</p:notes>
+</file>
+
+<file path=ppt/notesSlides/notesSlide12.xml><?xml version="1.0" encoding="utf-8"?>
+<p:notes xmlns:a="http://schemas.openxmlformats.org/drawingml/2006/main" xmlns:r="http://schemas.openxmlformats.org/officeDocument/2006/relationships" xmlns:p="http://schemas.openxmlformats.org/presentationml/2006/main">
+  <p:cSld>
+    <p:spTree>
+      <p:nvGrpSpPr>
+        <p:cNvPr id="1" name="">
+          <a:extLst>
+            <a:ext uri="{FF2B5EF4-FFF2-40B4-BE49-F238E27FC236}">
+              <a16:creationId xmlns:a16="http://schemas.microsoft.com/office/drawing/2014/main" id="{F9C616EC-0447-1D39-81FF-64C1F9803A1C}"/>
+            </a:ext>
+          </a:extLst>
+        </p:cNvPr>
+        <p:cNvGrpSpPr/>
+        <p:nvPr/>
+      </p:nvGrpSpPr>
+      <p:grpSpPr>
+        <a:xfrm>
+          <a:off x="0" y="0"/>
+          <a:ext cx="0" cy="0"/>
+          <a:chOff x="0" y="0"/>
+          <a:chExt cx="0" cy="0"/>
+        </a:xfrm>
+      </p:grpSpPr>
+      <p:sp>
+        <p:nvSpPr>
+          <p:cNvPr id="2" name="Slide Image Placeholder 1">
+            <a:extLst>
+              <a:ext uri="{FF2B5EF4-FFF2-40B4-BE49-F238E27FC236}">
+                <a16:creationId xmlns:a16="http://schemas.microsoft.com/office/drawing/2014/main" id="{7199EB8A-7FE1-0B31-5984-FB20C387FF04}"/>
+              </a:ext>
+            </a:extLst>
+          </p:cNvPr>
+          <p:cNvSpPr>
+            <a:spLocks noGrp="1" noRot="1" noChangeAspect="1"/>
+          </p:cNvSpPr>
+          <p:nvPr>
+            <p:ph type="sldImg"/>
+          </p:nvPr>
+        </p:nvSpPr>
+        <p:spPr/>
+      </p:sp>
+      <p:sp>
+        <p:nvSpPr>
+          <p:cNvPr id="3" name="Notes Placeholder 2">
+            <a:extLst>
+              <a:ext uri="{FF2B5EF4-FFF2-40B4-BE49-F238E27FC236}">
+                <a16:creationId xmlns:a16="http://schemas.microsoft.com/office/drawing/2014/main" id="{B61386B5-65B9-CF71-A989-22E7E2A6516A}"/>
+              </a:ext>
+            </a:extLst>
+          </p:cNvPr>
+          <p:cNvSpPr>
+            <a:spLocks noGrp="1"/>
+          </p:cNvSpPr>
+          <p:nvPr>
+            <p:ph type="body" idx="1"/>
+          </p:nvPr>
+        </p:nvSpPr>
+        <p:spPr/>
+        <p:txBody>
+          <a:bodyPr/>
+          <a:lstStyle/>
+          <a:p>
+            <a:endParaRPr lang="en-US"/>
+          </a:p>
+        </p:txBody>
+      </p:sp>
+      <p:sp>
+        <p:nvSpPr>
+          <p:cNvPr id="4" name="Slide Number Placeholder 3">
+            <a:extLst>
+              <a:ext uri="{FF2B5EF4-FFF2-40B4-BE49-F238E27FC236}">
+                <a16:creationId xmlns:a16="http://schemas.microsoft.com/office/drawing/2014/main" id="{5D841065-090C-A63D-C642-AD83E7B738B3}"/>
+              </a:ext>
+            </a:extLst>
+          </p:cNvPr>
+          <p:cNvSpPr>
+            <a:spLocks noGrp="1"/>
+          </p:cNvSpPr>
+          <p:nvPr>
+            <p:ph type="sldNum" sz="quarter" idx="5"/>
+          </p:nvPr>
+        </p:nvSpPr>
+        <p:spPr/>
+        <p:txBody>
+          <a:bodyPr/>
+          <a:lstStyle/>
+          <a:p>
+            <a:fld id="{FC5BBC2B-72B0-2542-8213-717906F3F32B}" type="slidenum">
+              <a:rPr lang="en-US" smtClean="0"/>
+              <a:t>14</a:t>
+            </a:fld>
+            <a:endParaRPr lang="en-US"/>
+          </a:p>
+        </p:txBody>
+      </p:sp>
+    </p:spTree>
+    <p:extLst>
+      <p:ext uri="{BB962C8B-B14F-4D97-AF65-F5344CB8AC3E}">
+        <p14:creationId xmlns:p14="http://schemas.microsoft.com/office/powerpoint/2010/main" val="2087736801"/>
+      </p:ext>
+    </p:extLst>
+  </p:cSld>
+  <p:clrMapOvr>
+    <a:masterClrMapping/>
+  </p:clrMapOvr>
+</p:notes>
+</file>
+
+<file path=ppt/notesSlides/notesSlide13.xml><?xml version="1.0" encoding="utf-8"?>
+<p:notes xmlns:a="http://schemas.openxmlformats.org/drawingml/2006/main" xmlns:r="http://schemas.openxmlformats.org/officeDocument/2006/relationships" xmlns:p="http://schemas.openxmlformats.org/presentationml/2006/main">
+  <p:cSld>
+    <p:spTree>
+      <p:nvGrpSpPr>
+        <p:cNvPr id="1" name="">
+          <a:extLst>
+            <a:ext uri="{FF2B5EF4-FFF2-40B4-BE49-F238E27FC236}">
+              <a16:creationId xmlns:a16="http://schemas.microsoft.com/office/drawing/2014/main" id="{9F3EFBE7-AB24-2903-C554-251C11446EF1}"/>
+            </a:ext>
+          </a:extLst>
+        </p:cNvPr>
+        <p:cNvGrpSpPr/>
+        <p:nvPr/>
+      </p:nvGrpSpPr>
+      <p:grpSpPr>
+        <a:xfrm>
+          <a:off x="0" y="0"/>
+          <a:ext cx="0" cy="0"/>
+          <a:chOff x="0" y="0"/>
+          <a:chExt cx="0" cy="0"/>
+        </a:xfrm>
+      </p:grpSpPr>
+      <p:sp>
+        <p:nvSpPr>
+          <p:cNvPr id="2" name="Slide Image Placeholder 1">
+            <a:extLst>
+              <a:ext uri="{FF2B5EF4-FFF2-40B4-BE49-F238E27FC236}">
+                <a16:creationId xmlns:a16="http://schemas.microsoft.com/office/drawing/2014/main" id="{65498F47-3365-4544-8E8D-4EA51D4F5A99}"/>
+              </a:ext>
+            </a:extLst>
+          </p:cNvPr>
+          <p:cNvSpPr>
+            <a:spLocks noGrp="1" noRot="1" noChangeAspect="1"/>
+          </p:cNvSpPr>
+          <p:nvPr>
+            <p:ph type="sldImg"/>
+          </p:nvPr>
+        </p:nvSpPr>
+        <p:spPr/>
+      </p:sp>
+      <p:sp>
+        <p:nvSpPr>
+          <p:cNvPr id="3" name="Notes Placeholder 2">
+            <a:extLst>
+              <a:ext uri="{FF2B5EF4-FFF2-40B4-BE49-F238E27FC236}">
+                <a16:creationId xmlns:a16="http://schemas.microsoft.com/office/drawing/2014/main" id="{628EA4BC-3FD9-78F2-B5CD-7BC630AF5B64}"/>
+              </a:ext>
+            </a:extLst>
+          </p:cNvPr>
+          <p:cNvSpPr>
+            <a:spLocks noGrp="1"/>
+          </p:cNvSpPr>
+          <p:nvPr>
+            <p:ph type="body" idx="1"/>
+          </p:nvPr>
+        </p:nvSpPr>
+        <p:spPr/>
+        <p:txBody>
+          <a:bodyPr/>
+          <a:lstStyle/>
+          <a:p>
+            <a:endParaRPr lang="en-US"/>
+          </a:p>
+        </p:txBody>
+      </p:sp>
+      <p:sp>
+        <p:nvSpPr>
+          <p:cNvPr id="4" name="Slide Number Placeholder 3">
+            <a:extLst>
+              <a:ext uri="{FF2B5EF4-FFF2-40B4-BE49-F238E27FC236}">
+                <a16:creationId xmlns:a16="http://schemas.microsoft.com/office/drawing/2014/main" id="{007F6B37-A204-8AA0-3208-DFF2661A2A76}"/>
+              </a:ext>
+            </a:extLst>
+          </p:cNvPr>
+          <p:cNvSpPr>
+            <a:spLocks noGrp="1"/>
+          </p:cNvSpPr>
+          <p:nvPr>
+            <p:ph type="sldNum" sz="quarter" idx="5"/>
+          </p:nvPr>
+        </p:nvSpPr>
+        <p:spPr/>
+        <p:txBody>
+          <a:bodyPr/>
+          <a:lstStyle/>
+          <a:p>
+            <a:fld id="{FC5BBC2B-72B0-2542-8213-717906F3F32B}" type="slidenum">
+              <a:rPr lang="en-US" smtClean="0"/>
+              <a:t>15</a:t>
+            </a:fld>
+            <a:endParaRPr lang="en-US"/>
+          </a:p>
+        </p:txBody>
+      </p:sp>
+    </p:spTree>
+    <p:extLst>
+      <p:ext uri="{BB962C8B-B14F-4D97-AF65-F5344CB8AC3E}">
+        <p14:creationId xmlns:p14="http://schemas.microsoft.com/office/powerpoint/2010/main" val="2432545755"/>
+      </p:ext>
+    </p:extLst>
+  </p:cSld>
+  <p:clrMapOvr>
+    <a:masterClrMapping/>
+  </p:clrMapOvr>
+</p:notes>
+</file>
+
+<file path=ppt/notesSlides/notesSlide14.xml><?xml version="1.0" encoding="utf-8"?>
+<p:notes xmlns:a="http://schemas.openxmlformats.org/drawingml/2006/main" xmlns:r="http://schemas.openxmlformats.org/officeDocument/2006/relationships" xmlns:p="http://schemas.openxmlformats.org/presentationml/2006/main">
+  <p:cSld>
+    <p:spTree>
+      <p:nvGrpSpPr>
+        <p:cNvPr id="1" name="">
+          <a:extLst>
+            <a:ext uri="{FF2B5EF4-FFF2-40B4-BE49-F238E27FC236}">
+              <a16:creationId xmlns:a16="http://schemas.microsoft.com/office/drawing/2014/main" id="{113169BE-EA21-6651-CB12-65112D9D470D}"/>
+            </a:ext>
+          </a:extLst>
+        </p:cNvPr>
+        <p:cNvGrpSpPr/>
+        <p:nvPr/>
+      </p:nvGrpSpPr>
+      <p:grpSpPr>
+        <a:xfrm>
+          <a:off x="0" y="0"/>
+          <a:ext cx="0" cy="0"/>
+          <a:chOff x="0" y="0"/>
+          <a:chExt cx="0" cy="0"/>
+        </a:xfrm>
+      </p:grpSpPr>
+      <p:sp>
+        <p:nvSpPr>
+          <p:cNvPr id="2" name="Slide Image Placeholder 1">
+            <a:extLst>
+              <a:ext uri="{FF2B5EF4-FFF2-40B4-BE49-F238E27FC236}">
+                <a16:creationId xmlns:a16="http://schemas.microsoft.com/office/drawing/2014/main" id="{C09C8EFE-BD54-84E0-DF8B-FD0A5707D6BF}"/>
+              </a:ext>
+            </a:extLst>
+          </p:cNvPr>
+          <p:cNvSpPr>
+            <a:spLocks noGrp="1" noRot="1" noChangeAspect="1"/>
+          </p:cNvSpPr>
+          <p:nvPr>
+            <p:ph type="sldImg"/>
+          </p:nvPr>
+        </p:nvSpPr>
+        <p:spPr/>
+      </p:sp>
+      <p:sp>
+        <p:nvSpPr>
+          <p:cNvPr id="3" name="Notes Placeholder 2">
+            <a:extLst>
+              <a:ext uri="{FF2B5EF4-FFF2-40B4-BE49-F238E27FC236}">
+                <a16:creationId xmlns:a16="http://schemas.microsoft.com/office/drawing/2014/main" id="{7E0633E7-470B-E693-F58E-701C847BB7B3}"/>
+              </a:ext>
+            </a:extLst>
+          </p:cNvPr>
+          <p:cNvSpPr>
+            <a:spLocks noGrp="1"/>
+          </p:cNvSpPr>
+          <p:nvPr>
+            <p:ph type="body" idx="1"/>
+          </p:nvPr>
+        </p:nvSpPr>
+        <p:spPr/>
+        <p:txBody>
+          <a:bodyPr/>
+          <a:lstStyle/>
+          <a:p>
+            <a:endParaRPr lang="en-US"/>
+          </a:p>
+        </p:txBody>
+      </p:sp>
+      <p:sp>
+        <p:nvSpPr>
+          <p:cNvPr id="4" name="Slide Number Placeholder 3">
+            <a:extLst>
+              <a:ext uri="{FF2B5EF4-FFF2-40B4-BE49-F238E27FC236}">
+                <a16:creationId xmlns:a16="http://schemas.microsoft.com/office/drawing/2014/main" id="{D8F3A7B6-4EFA-AE36-EBD1-A0598A8EB740}"/>
+              </a:ext>
+            </a:extLst>
+          </p:cNvPr>
+          <p:cNvSpPr>
+            <a:spLocks noGrp="1"/>
+          </p:cNvSpPr>
+          <p:nvPr>
+            <p:ph type="sldNum" sz="quarter" idx="5"/>
+          </p:nvPr>
+        </p:nvSpPr>
+        <p:spPr/>
+        <p:txBody>
+          <a:bodyPr/>
+          <a:lstStyle/>
+          <a:p>
+            <a:fld id="{FC5BBC2B-72B0-2542-8213-717906F3F32B}" type="slidenum">
+              <a:rPr lang="en-US" smtClean="0"/>
+              <a:t>16</a:t>
+            </a:fld>
+            <a:endParaRPr lang="en-US"/>
+          </a:p>
+        </p:txBody>
+      </p:sp>
+    </p:spTree>
+    <p:extLst>
+      <p:ext uri="{BB962C8B-B14F-4D97-AF65-F5344CB8AC3E}">
+        <p14:creationId xmlns:p14="http://schemas.microsoft.com/office/powerpoint/2010/main" val="2660331738"/>
+      </p:ext>
+    </p:extLst>
+  </p:cSld>
+  <p:clrMapOvr>
+    <a:masterClrMapping/>
+  </p:clrMapOvr>
+</p:notes>
+</file>
+
+<file path=ppt/notesSlides/notesSlide15.xml><?xml version="1.0" encoding="utf-8"?>
 <p:notes xmlns:a="http://schemas.openxmlformats.org/drawingml/2006/main" xmlns:r="http://schemas.openxmlformats.org/officeDocument/2006/relationships" xmlns:p="http://schemas.openxmlformats.org/presentationml/2006/main">
   <p:cSld>
     <p:spTree>
@@ -814,7 +1254,7 @@
           <a:p>
             <a:fld id="{FC5BBC2B-72B0-2542-8213-717906F3F32B}" type="slidenum">
               <a:rPr lang="en-US" smtClean="0"/>
-              <a:t>13</a:t>
+              <a:t>17</a:t>
             </a:fld>
             <a:endParaRPr lang="en-US"/>
           </a:p>
@@ -833,7 +1273,7 @@
 </p:notes>
 </file>
 
-<file path=ppt/notesSlides/notesSlide12.xml><?xml version="1.0" encoding="utf-8"?>
+<file path=ppt/notesSlides/notesSlide16.xml><?xml version="1.0" encoding="utf-8"?>
 <p:notes xmlns:a="http://schemas.openxmlformats.org/drawingml/2006/main" xmlns:r="http://schemas.openxmlformats.org/officeDocument/2006/relationships" xmlns:p="http://schemas.openxmlformats.org/presentationml/2006/main">
   <p:cSld>
     <p:spTree>
@@ -922,7 +1362,7 @@
           <a:p>
             <a:fld id="{FC5BBC2B-72B0-2542-8213-717906F3F32B}" type="slidenum">
               <a:rPr lang="en-US" smtClean="0"/>
-              <a:t>14</a:t>
+              <a:t>18</a:t>
             </a:fld>
             <a:endParaRPr lang="en-US"/>
           </a:p>
@@ -941,7 +1381,7 @@
 </p:notes>
 </file>
 
-<file path=ppt/notesSlides/notesSlide13.xml><?xml version="1.0" encoding="utf-8"?>
+<file path=ppt/notesSlides/notesSlide17.xml><?xml version="1.0" encoding="utf-8"?>
 <p:notes xmlns:a="http://schemas.openxmlformats.org/drawingml/2006/main" xmlns:r="http://schemas.openxmlformats.org/officeDocument/2006/relationships" xmlns:p="http://schemas.openxmlformats.org/presentationml/2006/main">
   <p:cSld>
     <p:spTree>
@@ -1030,7 +1470,7 @@
           <a:p>
             <a:fld id="{FC5BBC2B-72B0-2542-8213-717906F3F32B}" type="slidenum">
               <a:rPr lang="en-US" smtClean="0"/>
-              <a:t>15</a:t>
+              <a:t>19</a:t>
             </a:fld>
             <a:endParaRPr lang="en-US"/>
           </a:p>
@@ -1049,7 +1489,7 @@
 </p:notes>
 </file>
 
-<file path=ppt/notesSlides/notesSlide14.xml><?xml version="1.0" encoding="utf-8"?>
+<file path=ppt/notesSlides/notesSlide18.xml><?xml version="1.0" encoding="utf-8"?>
 <p:notes xmlns:a="http://schemas.openxmlformats.org/drawingml/2006/main" xmlns:r="http://schemas.openxmlformats.org/officeDocument/2006/relationships" xmlns:p="http://schemas.openxmlformats.org/presentationml/2006/main">
   <p:cSld>
     <p:spTree>
@@ -1138,7 +1578,7 @@
           <a:p>
             <a:fld id="{FC5BBC2B-72B0-2542-8213-717906F3F32B}" type="slidenum">
               <a:rPr lang="en-US" smtClean="0"/>
-              <a:t>16</a:t>
+              <a:t>20</a:t>
             </a:fld>
             <a:endParaRPr lang="en-US"/>
           </a:p>
@@ -1157,7 +1597,7 @@
 </p:notes>
 </file>
 
-<file path=ppt/notesSlides/notesSlide15.xml><?xml version="1.0" encoding="utf-8"?>
+<file path=ppt/notesSlides/notesSlide19.xml><?xml version="1.0" encoding="utf-8"?>
 <p:notes xmlns:a="http://schemas.openxmlformats.org/drawingml/2006/main" xmlns:r="http://schemas.openxmlformats.org/officeDocument/2006/relationships" xmlns:p="http://schemas.openxmlformats.org/presentationml/2006/main">
   <p:cSld>
     <p:spTree>
@@ -1246,7 +1686,7 @@
           <a:p>
             <a:fld id="{FC5BBC2B-72B0-2542-8213-717906F3F32B}" type="slidenum">
               <a:rPr lang="en-US" smtClean="0"/>
-              <a:t>17</a:t>
+              <a:t>21</a:t>
             </a:fld>
             <a:endParaRPr lang="en-US"/>
           </a:p>
@@ -1256,438 +1696,6 @@
     <p:extLst>
       <p:ext uri="{BB962C8B-B14F-4D97-AF65-F5344CB8AC3E}">
         <p14:creationId xmlns:p14="http://schemas.microsoft.com/office/powerpoint/2010/main" val="2333918339"/>
-      </p:ext>
-    </p:extLst>
-  </p:cSld>
-  <p:clrMapOvr>
-    <a:masterClrMapping/>
-  </p:clrMapOvr>
-</p:notes>
-</file>
-
-<file path=ppt/notesSlides/notesSlide16.xml><?xml version="1.0" encoding="utf-8"?>
-<p:notes xmlns:a="http://schemas.openxmlformats.org/drawingml/2006/main" xmlns:r="http://schemas.openxmlformats.org/officeDocument/2006/relationships" xmlns:p="http://schemas.openxmlformats.org/presentationml/2006/main">
-  <p:cSld>
-    <p:spTree>
-      <p:nvGrpSpPr>
-        <p:cNvPr id="1" name="">
-          <a:extLst>
-            <a:ext uri="{FF2B5EF4-FFF2-40B4-BE49-F238E27FC236}">
-              <a16:creationId xmlns:a16="http://schemas.microsoft.com/office/drawing/2014/main" id="{19886A59-9FD7-B68E-EEA5-C30F27DBE850}"/>
-            </a:ext>
-          </a:extLst>
-        </p:cNvPr>
-        <p:cNvGrpSpPr/>
-        <p:nvPr/>
-      </p:nvGrpSpPr>
-      <p:grpSpPr>
-        <a:xfrm>
-          <a:off x="0" y="0"/>
-          <a:ext cx="0" cy="0"/>
-          <a:chOff x="0" y="0"/>
-          <a:chExt cx="0" cy="0"/>
-        </a:xfrm>
-      </p:grpSpPr>
-      <p:sp>
-        <p:nvSpPr>
-          <p:cNvPr id="2" name="Slide Image Placeholder 1">
-            <a:extLst>
-              <a:ext uri="{FF2B5EF4-FFF2-40B4-BE49-F238E27FC236}">
-                <a16:creationId xmlns:a16="http://schemas.microsoft.com/office/drawing/2014/main" id="{EA7CC816-EDCB-44D4-9AF6-D825676036CC}"/>
-              </a:ext>
-            </a:extLst>
-          </p:cNvPr>
-          <p:cNvSpPr>
-            <a:spLocks noGrp="1" noRot="1" noChangeAspect="1"/>
-          </p:cNvSpPr>
-          <p:nvPr>
-            <p:ph type="sldImg"/>
-          </p:nvPr>
-        </p:nvSpPr>
-        <p:spPr/>
-      </p:sp>
-      <p:sp>
-        <p:nvSpPr>
-          <p:cNvPr id="3" name="Notes Placeholder 2">
-            <a:extLst>
-              <a:ext uri="{FF2B5EF4-FFF2-40B4-BE49-F238E27FC236}">
-                <a16:creationId xmlns:a16="http://schemas.microsoft.com/office/drawing/2014/main" id="{448D1787-B078-B1E3-CDBA-8AF6C61A5833}"/>
-              </a:ext>
-            </a:extLst>
-          </p:cNvPr>
-          <p:cNvSpPr>
-            <a:spLocks noGrp="1"/>
-          </p:cNvSpPr>
-          <p:nvPr>
-            <p:ph type="body" idx="1"/>
-          </p:nvPr>
-        </p:nvSpPr>
-        <p:spPr/>
-        <p:txBody>
-          <a:bodyPr/>
-          <a:lstStyle/>
-          <a:p>
-            <a:endParaRPr lang="en-US"/>
-          </a:p>
-        </p:txBody>
-      </p:sp>
-      <p:sp>
-        <p:nvSpPr>
-          <p:cNvPr id="4" name="Slide Number Placeholder 3">
-            <a:extLst>
-              <a:ext uri="{FF2B5EF4-FFF2-40B4-BE49-F238E27FC236}">
-                <a16:creationId xmlns:a16="http://schemas.microsoft.com/office/drawing/2014/main" id="{21909D89-84F7-74E2-50D2-572C3EAC0735}"/>
-              </a:ext>
-            </a:extLst>
-          </p:cNvPr>
-          <p:cNvSpPr>
-            <a:spLocks noGrp="1"/>
-          </p:cNvSpPr>
-          <p:nvPr>
-            <p:ph type="sldNum" sz="quarter" idx="5"/>
-          </p:nvPr>
-        </p:nvSpPr>
-        <p:spPr/>
-        <p:txBody>
-          <a:bodyPr/>
-          <a:lstStyle/>
-          <a:p>
-            <a:fld id="{FC5BBC2B-72B0-2542-8213-717906F3F32B}" type="slidenum">
-              <a:rPr lang="en-US" smtClean="0"/>
-              <a:t>18</a:t>
-            </a:fld>
-            <a:endParaRPr lang="en-US"/>
-          </a:p>
-        </p:txBody>
-      </p:sp>
-    </p:spTree>
-    <p:extLst>
-      <p:ext uri="{BB962C8B-B14F-4D97-AF65-F5344CB8AC3E}">
-        <p14:creationId xmlns:p14="http://schemas.microsoft.com/office/powerpoint/2010/main" val="2458631358"/>
-      </p:ext>
-    </p:extLst>
-  </p:cSld>
-  <p:clrMapOvr>
-    <a:masterClrMapping/>
-  </p:clrMapOvr>
-</p:notes>
-</file>
-
-<file path=ppt/notesSlides/notesSlide17.xml><?xml version="1.0" encoding="utf-8"?>
-<p:notes xmlns:a="http://schemas.openxmlformats.org/drawingml/2006/main" xmlns:r="http://schemas.openxmlformats.org/officeDocument/2006/relationships" xmlns:p="http://schemas.openxmlformats.org/presentationml/2006/main">
-  <p:cSld>
-    <p:spTree>
-      <p:nvGrpSpPr>
-        <p:cNvPr id="1" name="">
-          <a:extLst>
-            <a:ext uri="{FF2B5EF4-FFF2-40B4-BE49-F238E27FC236}">
-              <a16:creationId xmlns:a16="http://schemas.microsoft.com/office/drawing/2014/main" id="{EFF7F1DD-8B0C-EB2D-E0EB-0D22FB9D3CD8}"/>
-            </a:ext>
-          </a:extLst>
-        </p:cNvPr>
-        <p:cNvGrpSpPr/>
-        <p:nvPr/>
-      </p:nvGrpSpPr>
-      <p:grpSpPr>
-        <a:xfrm>
-          <a:off x="0" y="0"/>
-          <a:ext cx="0" cy="0"/>
-          <a:chOff x="0" y="0"/>
-          <a:chExt cx="0" cy="0"/>
-        </a:xfrm>
-      </p:grpSpPr>
-      <p:sp>
-        <p:nvSpPr>
-          <p:cNvPr id="2" name="Slide Image Placeholder 1">
-            <a:extLst>
-              <a:ext uri="{FF2B5EF4-FFF2-40B4-BE49-F238E27FC236}">
-                <a16:creationId xmlns:a16="http://schemas.microsoft.com/office/drawing/2014/main" id="{71142E6E-1D76-E651-1AAA-E663DF18272C}"/>
-              </a:ext>
-            </a:extLst>
-          </p:cNvPr>
-          <p:cNvSpPr>
-            <a:spLocks noGrp="1" noRot="1" noChangeAspect="1"/>
-          </p:cNvSpPr>
-          <p:nvPr>
-            <p:ph type="sldImg"/>
-          </p:nvPr>
-        </p:nvSpPr>
-        <p:spPr/>
-      </p:sp>
-      <p:sp>
-        <p:nvSpPr>
-          <p:cNvPr id="3" name="Notes Placeholder 2">
-            <a:extLst>
-              <a:ext uri="{FF2B5EF4-FFF2-40B4-BE49-F238E27FC236}">
-                <a16:creationId xmlns:a16="http://schemas.microsoft.com/office/drawing/2014/main" id="{5E9646FE-3CFC-7847-B45F-831D305E2856}"/>
-              </a:ext>
-            </a:extLst>
-          </p:cNvPr>
-          <p:cNvSpPr>
-            <a:spLocks noGrp="1"/>
-          </p:cNvSpPr>
-          <p:nvPr>
-            <p:ph type="body" idx="1"/>
-          </p:nvPr>
-        </p:nvSpPr>
-        <p:spPr/>
-        <p:txBody>
-          <a:bodyPr/>
-          <a:lstStyle/>
-          <a:p>
-            <a:endParaRPr lang="en-US"/>
-          </a:p>
-        </p:txBody>
-      </p:sp>
-      <p:sp>
-        <p:nvSpPr>
-          <p:cNvPr id="4" name="Slide Number Placeholder 3">
-            <a:extLst>
-              <a:ext uri="{FF2B5EF4-FFF2-40B4-BE49-F238E27FC236}">
-                <a16:creationId xmlns:a16="http://schemas.microsoft.com/office/drawing/2014/main" id="{C7D6CC35-2890-D30B-7AFB-A7790706A632}"/>
-              </a:ext>
-            </a:extLst>
-          </p:cNvPr>
-          <p:cNvSpPr>
-            <a:spLocks noGrp="1"/>
-          </p:cNvSpPr>
-          <p:nvPr>
-            <p:ph type="sldNum" sz="quarter" idx="5"/>
-          </p:nvPr>
-        </p:nvSpPr>
-        <p:spPr/>
-        <p:txBody>
-          <a:bodyPr/>
-          <a:lstStyle/>
-          <a:p>
-            <a:fld id="{FC5BBC2B-72B0-2542-8213-717906F3F32B}" type="slidenum">
-              <a:rPr lang="en-US" smtClean="0"/>
-              <a:t>19</a:t>
-            </a:fld>
-            <a:endParaRPr lang="en-US"/>
-          </a:p>
-        </p:txBody>
-      </p:sp>
-    </p:spTree>
-    <p:extLst>
-      <p:ext uri="{BB962C8B-B14F-4D97-AF65-F5344CB8AC3E}">
-        <p14:creationId xmlns:p14="http://schemas.microsoft.com/office/powerpoint/2010/main" val="1169722159"/>
-      </p:ext>
-    </p:extLst>
-  </p:cSld>
-  <p:clrMapOvr>
-    <a:masterClrMapping/>
-  </p:clrMapOvr>
-</p:notes>
-</file>
-
-<file path=ppt/notesSlides/notesSlide18.xml><?xml version="1.0" encoding="utf-8"?>
-<p:notes xmlns:a="http://schemas.openxmlformats.org/drawingml/2006/main" xmlns:r="http://schemas.openxmlformats.org/officeDocument/2006/relationships" xmlns:p="http://schemas.openxmlformats.org/presentationml/2006/main">
-  <p:cSld>
-    <p:spTree>
-      <p:nvGrpSpPr>
-        <p:cNvPr id="1" name="">
-          <a:extLst>
-            <a:ext uri="{FF2B5EF4-FFF2-40B4-BE49-F238E27FC236}">
-              <a16:creationId xmlns:a16="http://schemas.microsoft.com/office/drawing/2014/main" id="{E6F69621-9C12-04F1-F665-272AEC8B3AFA}"/>
-            </a:ext>
-          </a:extLst>
-        </p:cNvPr>
-        <p:cNvGrpSpPr/>
-        <p:nvPr/>
-      </p:nvGrpSpPr>
-      <p:grpSpPr>
-        <a:xfrm>
-          <a:off x="0" y="0"/>
-          <a:ext cx="0" cy="0"/>
-          <a:chOff x="0" y="0"/>
-          <a:chExt cx="0" cy="0"/>
-        </a:xfrm>
-      </p:grpSpPr>
-      <p:sp>
-        <p:nvSpPr>
-          <p:cNvPr id="2" name="Slide Image Placeholder 1">
-            <a:extLst>
-              <a:ext uri="{FF2B5EF4-FFF2-40B4-BE49-F238E27FC236}">
-                <a16:creationId xmlns:a16="http://schemas.microsoft.com/office/drawing/2014/main" id="{E76F047A-193C-4DB1-27F1-465C1D1E8459}"/>
-              </a:ext>
-            </a:extLst>
-          </p:cNvPr>
-          <p:cNvSpPr>
-            <a:spLocks noGrp="1" noRot="1" noChangeAspect="1"/>
-          </p:cNvSpPr>
-          <p:nvPr>
-            <p:ph type="sldImg"/>
-          </p:nvPr>
-        </p:nvSpPr>
-        <p:spPr/>
-      </p:sp>
-      <p:sp>
-        <p:nvSpPr>
-          <p:cNvPr id="3" name="Notes Placeholder 2">
-            <a:extLst>
-              <a:ext uri="{FF2B5EF4-FFF2-40B4-BE49-F238E27FC236}">
-                <a16:creationId xmlns:a16="http://schemas.microsoft.com/office/drawing/2014/main" id="{EB5025E0-D461-4ED8-26FB-807B53E8B827}"/>
-              </a:ext>
-            </a:extLst>
-          </p:cNvPr>
-          <p:cNvSpPr>
-            <a:spLocks noGrp="1"/>
-          </p:cNvSpPr>
-          <p:nvPr>
-            <p:ph type="body" idx="1"/>
-          </p:nvPr>
-        </p:nvSpPr>
-        <p:spPr/>
-        <p:txBody>
-          <a:bodyPr/>
-          <a:lstStyle/>
-          <a:p>
-            <a:endParaRPr lang="en-US"/>
-          </a:p>
-        </p:txBody>
-      </p:sp>
-      <p:sp>
-        <p:nvSpPr>
-          <p:cNvPr id="4" name="Slide Number Placeholder 3">
-            <a:extLst>
-              <a:ext uri="{FF2B5EF4-FFF2-40B4-BE49-F238E27FC236}">
-                <a16:creationId xmlns:a16="http://schemas.microsoft.com/office/drawing/2014/main" id="{50100E89-21E1-D9EF-4EE9-496193D2CB03}"/>
-              </a:ext>
-            </a:extLst>
-          </p:cNvPr>
-          <p:cNvSpPr>
-            <a:spLocks noGrp="1"/>
-          </p:cNvSpPr>
-          <p:nvPr>
-            <p:ph type="sldNum" sz="quarter" idx="5"/>
-          </p:nvPr>
-        </p:nvSpPr>
-        <p:spPr/>
-        <p:txBody>
-          <a:bodyPr/>
-          <a:lstStyle/>
-          <a:p>
-            <a:fld id="{FC5BBC2B-72B0-2542-8213-717906F3F32B}" type="slidenum">
-              <a:rPr lang="en-US" smtClean="0"/>
-              <a:t>20</a:t>
-            </a:fld>
-            <a:endParaRPr lang="en-US"/>
-          </a:p>
-        </p:txBody>
-      </p:sp>
-    </p:spTree>
-    <p:extLst>
-      <p:ext uri="{BB962C8B-B14F-4D97-AF65-F5344CB8AC3E}">
-        <p14:creationId xmlns:p14="http://schemas.microsoft.com/office/powerpoint/2010/main" val="166212063"/>
-      </p:ext>
-    </p:extLst>
-  </p:cSld>
-  <p:clrMapOvr>
-    <a:masterClrMapping/>
-  </p:clrMapOvr>
-</p:notes>
-</file>
-
-<file path=ppt/notesSlides/notesSlide19.xml><?xml version="1.0" encoding="utf-8"?>
-<p:notes xmlns:a="http://schemas.openxmlformats.org/drawingml/2006/main" xmlns:r="http://schemas.openxmlformats.org/officeDocument/2006/relationships" xmlns:p="http://schemas.openxmlformats.org/presentationml/2006/main">
-  <p:cSld>
-    <p:spTree>
-      <p:nvGrpSpPr>
-        <p:cNvPr id="1" name="">
-          <a:extLst>
-            <a:ext uri="{FF2B5EF4-FFF2-40B4-BE49-F238E27FC236}">
-              <a16:creationId xmlns:a16="http://schemas.microsoft.com/office/drawing/2014/main" id="{69BF154E-23EB-6CA1-57DF-A77D8F931BB7}"/>
-            </a:ext>
-          </a:extLst>
-        </p:cNvPr>
-        <p:cNvGrpSpPr/>
-        <p:nvPr/>
-      </p:nvGrpSpPr>
-      <p:grpSpPr>
-        <a:xfrm>
-          <a:off x="0" y="0"/>
-          <a:ext cx="0" cy="0"/>
-          <a:chOff x="0" y="0"/>
-          <a:chExt cx="0" cy="0"/>
-        </a:xfrm>
-      </p:grpSpPr>
-      <p:sp>
-        <p:nvSpPr>
-          <p:cNvPr id="2" name="Slide Image Placeholder 1">
-            <a:extLst>
-              <a:ext uri="{FF2B5EF4-FFF2-40B4-BE49-F238E27FC236}">
-                <a16:creationId xmlns:a16="http://schemas.microsoft.com/office/drawing/2014/main" id="{02F707C4-0EBD-966B-9F04-9577D677788A}"/>
-              </a:ext>
-            </a:extLst>
-          </p:cNvPr>
-          <p:cNvSpPr>
-            <a:spLocks noGrp="1" noRot="1" noChangeAspect="1"/>
-          </p:cNvSpPr>
-          <p:nvPr>
-            <p:ph type="sldImg"/>
-          </p:nvPr>
-        </p:nvSpPr>
-        <p:spPr/>
-      </p:sp>
-      <p:sp>
-        <p:nvSpPr>
-          <p:cNvPr id="3" name="Notes Placeholder 2">
-            <a:extLst>
-              <a:ext uri="{FF2B5EF4-FFF2-40B4-BE49-F238E27FC236}">
-                <a16:creationId xmlns:a16="http://schemas.microsoft.com/office/drawing/2014/main" id="{4C461E15-6198-648B-1B09-BCA243F699B7}"/>
-              </a:ext>
-            </a:extLst>
-          </p:cNvPr>
-          <p:cNvSpPr>
-            <a:spLocks noGrp="1"/>
-          </p:cNvSpPr>
-          <p:nvPr>
-            <p:ph type="body" idx="1"/>
-          </p:nvPr>
-        </p:nvSpPr>
-        <p:spPr/>
-        <p:txBody>
-          <a:bodyPr/>
-          <a:lstStyle/>
-          <a:p>
-            <a:endParaRPr lang="en-US"/>
-          </a:p>
-        </p:txBody>
-      </p:sp>
-      <p:sp>
-        <p:nvSpPr>
-          <p:cNvPr id="4" name="Slide Number Placeholder 3">
-            <a:extLst>
-              <a:ext uri="{FF2B5EF4-FFF2-40B4-BE49-F238E27FC236}">
-                <a16:creationId xmlns:a16="http://schemas.microsoft.com/office/drawing/2014/main" id="{5BE3AE08-8B22-3287-D313-1AA3FAC0CDAE}"/>
-              </a:ext>
-            </a:extLst>
-          </p:cNvPr>
-          <p:cNvSpPr>
-            <a:spLocks noGrp="1"/>
-          </p:cNvSpPr>
-          <p:nvPr>
-            <p:ph type="sldNum" sz="quarter" idx="5"/>
-          </p:nvPr>
-        </p:nvSpPr>
-        <p:spPr/>
-        <p:txBody>
-          <a:bodyPr/>
-          <a:lstStyle/>
-          <a:p>
-            <a:fld id="{FC5BBC2B-72B0-2542-8213-717906F3F32B}" type="slidenum">
-              <a:rPr lang="en-US" smtClean="0"/>
-              <a:t>21</a:t>
-            </a:fld>
-            <a:endParaRPr lang="en-US"/>
-          </a:p>
-        </p:txBody>
-      </p:sp>
-    </p:spTree>
-    <p:extLst>
-      <p:ext uri="{BB962C8B-B14F-4D97-AF65-F5344CB8AC3E}">
-        <p14:creationId xmlns:p14="http://schemas.microsoft.com/office/powerpoint/2010/main" val="3222990154"/>
       </p:ext>
     </p:extLst>
   </p:cSld>
@@ -1789,6 +1797,438 @@
         <p:cNvPr id="1" name="">
           <a:extLst>
             <a:ext uri="{FF2B5EF4-FFF2-40B4-BE49-F238E27FC236}">
+              <a16:creationId xmlns:a16="http://schemas.microsoft.com/office/drawing/2014/main" id="{19886A59-9FD7-B68E-EEA5-C30F27DBE850}"/>
+            </a:ext>
+          </a:extLst>
+        </p:cNvPr>
+        <p:cNvGrpSpPr/>
+        <p:nvPr/>
+      </p:nvGrpSpPr>
+      <p:grpSpPr>
+        <a:xfrm>
+          <a:off x="0" y="0"/>
+          <a:ext cx="0" cy="0"/>
+          <a:chOff x="0" y="0"/>
+          <a:chExt cx="0" cy="0"/>
+        </a:xfrm>
+      </p:grpSpPr>
+      <p:sp>
+        <p:nvSpPr>
+          <p:cNvPr id="2" name="Slide Image Placeholder 1">
+            <a:extLst>
+              <a:ext uri="{FF2B5EF4-FFF2-40B4-BE49-F238E27FC236}">
+                <a16:creationId xmlns:a16="http://schemas.microsoft.com/office/drawing/2014/main" id="{EA7CC816-EDCB-44D4-9AF6-D825676036CC}"/>
+              </a:ext>
+            </a:extLst>
+          </p:cNvPr>
+          <p:cNvSpPr>
+            <a:spLocks noGrp="1" noRot="1" noChangeAspect="1"/>
+          </p:cNvSpPr>
+          <p:nvPr>
+            <p:ph type="sldImg"/>
+          </p:nvPr>
+        </p:nvSpPr>
+        <p:spPr/>
+      </p:sp>
+      <p:sp>
+        <p:nvSpPr>
+          <p:cNvPr id="3" name="Notes Placeholder 2">
+            <a:extLst>
+              <a:ext uri="{FF2B5EF4-FFF2-40B4-BE49-F238E27FC236}">
+                <a16:creationId xmlns:a16="http://schemas.microsoft.com/office/drawing/2014/main" id="{448D1787-B078-B1E3-CDBA-8AF6C61A5833}"/>
+              </a:ext>
+            </a:extLst>
+          </p:cNvPr>
+          <p:cNvSpPr>
+            <a:spLocks noGrp="1"/>
+          </p:cNvSpPr>
+          <p:nvPr>
+            <p:ph type="body" idx="1"/>
+          </p:nvPr>
+        </p:nvSpPr>
+        <p:spPr/>
+        <p:txBody>
+          <a:bodyPr/>
+          <a:lstStyle/>
+          <a:p>
+            <a:endParaRPr lang="en-US"/>
+          </a:p>
+        </p:txBody>
+      </p:sp>
+      <p:sp>
+        <p:nvSpPr>
+          <p:cNvPr id="4" name="Slide Number Placeholder 3">
+            <a:extLst>
+              <a:ext uri="{FF2B5EF4-FFF2-40B4-BE49-F238E27FC236}">
+                <a16:creationId xmlns:a16="http://schemas.microsoft.com/office/drawing/2014/main" id="{21909D89-84F7-74E2-50D2-572C3EAC0735}"/>
+              </a:ext>
+            </a:extLst>
+          </p:cNvPr>
+          <p:cNvSpPr>
+            <a:spLocks noGrp="1"/>
+          </p:cNvSpPr>
+          <p:nvPr>
+            <p:ph type="sldNum" sz="quarter" idx="5"/>
+          </p:nvPr>
+        </p:nvSpPr>
+        <p:spPr/>
+        <p:txBody>
+          <a:bodyPr/>
+          <a:lstStyle/>
+          <a:p>
+            <a:fld id="{FC5BBC2B-72B0-2542-8213-717906F3F32B}" type="slidenum">
+              <a:rPr lang="en-US" smtClean="0"/>
+              <a:t>22</a:t>
+            </a:fld>
+            <a:endParaRPr lang="en-US"/>
+          </a:p>
+        </p:txBody>
+      </p:sp>
+    </p:spTree>
+    <p:extLst>
+      <p:ext uri="{BB962C8B-B14F-4D97-AF65-F5344CB8AC3E}">
+        <p14:creationId xmlns:p14="http://schemas.microsoft.com/office/powerpoint/2010/main" val="2458631358"/>
+      </p:ext>
+    </p:extLst>
+  </p:cSld>
+  <p:clrMapOvr>
+    <a:masterClrMapping/>
+  </p:clrMapOvr>
+</p:notes>
+</file>
+
+<file path=ppt/notesSlides/notesSlide21.xml><?xml version="1.0" encoding="utf-8"?>
+<p:notes xmlns:a="http://schemas.openxmlformats.org/drawingml/2006/main" xmlns:r="http://schemas.openxmlformats.org/officeDocument/2006/relationships" xmlns:p="http://schemas.openxmlformats.org/presentationml/2006/main">
+  <p:cSld>
+    <p:spTree>
+      <p:nvGrpSpPr>
+        <p:cNvPr id="1" name="">
+          <a:extLst>
+            <a:ext uri="{FF2B5EF4-FFF2-40B4-BE49-F238E27FC236}">
+              <a16:creationId xmlns:a16="http://schemas.microsoft.com/office/drawing/2014/main" id="{EFF7F1DD-8B0C-EB2D-E0EB-0D22FB9D3CD8}"/>
+            </a:ext>
+          </a:extLst>
+        </p:cNvPr>
+        <p:cNvGrpSpPr/>
+        <p:nvPr/>
+      </p:nvGrpSpPr>
+      <p:grpSpPr>
+        <a:xfrm>
+          <a:off x="0" y="0"/>
+          <a:ext cx="0" cy="0"/>
+          <a:chOff x="0" y="0"/>
+          <a:chExt cx="0" cy="0"/>
+        </a:xfrm>
+      </p:grpSpPr>
+      <p:sp>
+        <p:nvSpPr>
+          <p:cNvPr id="2" name="Slide Image Placeholder 1">
+            <a:extLst>
+              <a:ext uri="{FF2B5EF4-FFF2-40B4-BE49-F238E27FC236}">
+                <a16:creationId xmlns:a16="http://schemas.microsoft.com/office/drawing/2014/main" id="{71142E6E-1D76-E651-1AAA-E663DF18272C}"/>
+              </a:ext>
+            </a:extLst>
+          </p:cNvPr>
+          <p:cNvSpPr>
+            <a:spLocks noGrp="1" noRot="1" noChangeAspect="1"/>
+          </p:cNvSpPr>
+          <p:nvPr>
+            <p:ph type="sldImg"/>
+          </p:nvPr>
+        </p:nvSpPr>
+        <p:spPr/>
+      </p:sp>
+      <p:sp>
+        <p:nvSpPr>
+          <p:cNvPr id="3" name="Notes Placeholder 2">
+            <a:extLst>
+              <a:ext uri="{FF2B5EF4-FFF2-40B4-BE49-F238E27FC236}">
+                <a16:creationId xmlns:a16="http://schemas.microsoft.com/office/drawing/2014/main" id="{5E9646FE-3CFC-7847-B45F-831D305E2856}"/>
+              </a:ext>
+            </a:extLst>
+          </p:cNvPr>
+          <p:cNvSpPr>
+            <a:spLocks noGrp="1"/>
+          </p:cNvSpPr>
+          <p:nvPr>
+            <p:ph type="body" idx="1"/>
+          </p:nvPr>
+        </p:nvSpPr>
+        <p:spPr/>
+        <p:txBody>
+          <a:bodyPr/>
+          <a:lstStyle/>
+          <a:p>
+            <a:endParaRPr lang="en-US"/>
+          </a:p>
+        </p:txBody>
+      </p:sp>
+      <p:sp>
+        <p:nvSpPr>
+          <p:cNvPr id="4" name="Slide Number Placeholder 3">
+            <a:extLst>
+              <a:ext uri="{FF2B5EF4-FFF2-40B4-BE49-F238E27FC236}">
+                <a16:creationId xmlns:a16="http://schemas.microsoft.com/office/drawing/2014/main" id="{C7D6CC35-2890-D30B-7AFB-A7790706A632}"/>
+              </a:ext>
+            </a:extLst>
+          </p:cNvPr>
+          <p:cNvSpPr>
+            <a:spLocks noGrp="1"/>
+          </p:cNvSpPr>
+          <p:nvPr>
+            <p:ph type="sldNum" sz="quarter" idx="5"/>
+          </p:nvPr>
+        </p:nvSpPr>
+        <p:spPr/>
+        <p:txBody>
+          <a:bodyPr/>
+          <a:lstStyle/>
+          <a:p>
+            <a:fld id="{FC5BBC2B-72B0-2542-8213-717906F3F32B}" type="slidenum">
+              <a:rPr lang="en-US" smtClean="0"/>
+              <a:t>23</a:t>
+            </a:fld>
+            <a:endParaRPr lang="en-US"/>
+          </a:p>
+        </p:txBody>
+      </p:sp>
+    </p:spTree>
+    <p:extLst>
+      <p:ext uri="{BB962C8B-B14F-4D97-AF65-F5344CB8AC3E}">
+        <p14:creationId xmlns:p14="http://schemas.microsoft.com/office/powerpoint/2010/main" val="1169722159"/>
+      </p:ext>
+    </p:extLst>
+  </p:cSld>
+  <p:clrMapOvr>
+    <a:masterClrMapping/>
+  </p:clrMapOvr>
+</p:notes>
+</file>
+
+<file path=ppt/notesSlides/notesSlide22.xml><?xml version="1.0" encoding="utf-8"?>
+<p:notes xmlns:a="http://schemas.openxmlformats.org/drawingml/2006/main" xmlns:r="http://schemas.openxmlformats.org/officeDocument/2006/relationships" xmlns:p="http://schemas.openxmlformats.org/presentationml/2006/main">
+  <p:cSld>
+    <p:spTree>
+      <p:nvGrpSpPr>
+        <p:cNvPr id="1" name="">
+          <a:extLst>
+            <a:ext uri="{FF2B5EF4-FFF2-40B4-BE49-F238E27FC236}">
+              <a16:creationId xmlns:a16="http://schemas.microsoft.com/office/drawing/2014/main" id="{E6F69621-9C12-04F1-F665-272AEC8B3AFA}"/>
+            </a:ext>
+          </a:extLst>
+        </p:cNvPr>
+        <p:cNvGrpSpPr/>
+        <p:nvPr/>
+      </p:nvGrpSpPr>
+      <p:grpSpPr>
+        <a:xfrm>
+          <a:off x="0" y="0"/>
+          <a:ext cx="0" cy="0"/>
+          <a:chOff x="0" y="0"/>
+          <a:chExt cx="0" cy="0"/>
+        </a:xfrm>
+      </p:grpSpPr>
+      <p:sp>
+        <p:nvSpPr>
+          <p:cNvPr id="2" name="Slide Image Placeholder 1">
+            <a:extLst>
+              <a:ext uri="{FF2B5EF4-FFF2-40B4-BE49-F238E27FC236}">
+                <a16:creationId xmlns:a16="http://schemas.microsoft.com/office/drawing/2014/main" id="{E76F047A-193C-4DB1-27F1-465C1D1E8459}"/>
+              </a:ext>
+            </a:extLst>
+          </p:cNvPr>
+          <p:cNvSpPr>
+            <a:spLocks noGrp="1" noRot="1" noChangeAspect="1"/>
+          </p:cNvSpPr>
+          <p:nvPr>
+            <p:ph type="sldImg"/>
+          </p:nvPr>
+        </p:nvSpPr>
+        <p:spPr/>
+      </p:sp>
+      <p:sp>
+        <p:nvSpPr>
+          <p:cNvPr id="3" name="Notes Placeholder 2">
+            <a:extLst>
+              <a:ext uri="{FF2B5EF4-FFF2-40B4-BE49-F238E27FC236}">
+                <a16:creationId xmlns:a16="http://schemas.microsoft.com/office/drawing/2014/main" id="{EB5025E0-D461-4ED8-26FB-807B53E8B827}"/>
+              </a:ext>
+            </a:extLst>
+          </p:cNvPr>
+          <p:cNvSpPr>
+            <a:spLocks noGrp="1"/>
+          </p:cNvSpPr>
+          <p:nvPr>
+            <p:ph type="body" idx="1"/>
+          </p:nvPr>
+        </p:nvSpPr>
+        <p:spPr/>
+        <p:txBody>
+          <a:bodyPr/>
+          <a:lstStyle/>
+          <a:p>
+            <a:endParaRPr lang="en-US"/>
+          </a:p>
+        </p:txBody>
+      </p:sp>
+      <p:sp>
+        <p:nvSpPr>
+          <p:cNvPr id="4" name="Slide Number Placeholder 3">
+            <a:extLst>
+              <a:ext uri="{FF2B5EF4-FFF2-40B4-BE49-F238E27FC236}">
+                <a16:creationId xmlns:a16="http://schemas.microsoft.com/office/drawing/2014/main" id="{50100E89-21E1-D9EF-4EE9-496193D2CB03}"/>
+              </a:ext>
+            </a:extLst>
+          </p:cNvPr>
+          <p:cNvSpPr>
+            <a:spLocks noGrp="1"/>
+          </p:cNvSpPr>
+          <p:nvPr>
+            <p:ph type="sldNum" sz="quarter" idx="5"/>
+          </p:nvPr>
+        </p:nvSpPr>
+        <p:spPr/>
+        <p:txBody>
+          <a:bodyPr/>
+          <a:lstStyle/>
+          <a:p>
+            <a:fld id="{FC5BBC2B-72B0-2542-8213-717906F3F32B}" type="slidenum">
+              <a:rPr lang="en-US" smtClean="0"/>
+              <a:t>24</a:t>
+            </a:fld>
+            <a:endParaRPr lang="en-US"/>
+          </a:p>
+        </p:txBody>
+      </p:sp>
+    </p:spTree>
+    <p:extLst>
+      <p:ext uri="{BB962C8B-B14F-4D97-AF65-F5344CB8AC3E}">
+        <p14:creationId xmlns:p14="http://schemas.microsoft.com/office/powerpoint/2010/main" val="166212063"/>
+      </p:ext>
+    </p:extLst>
+  </p:cSld>
+  <p:clrMapOvr>
+    <a:masterClrMapping/>
+  </p:clrMapOvr>
+</p:notes>
+</file>
+
+<file path=ppt/notesSlides/notesSlide23.xml><?xml version="1.0" encoding="utf-8"?>
+<p:notes xmlns:a="http://schemas.openxmlformats.org/drawingml/2006/main" xmlns:r="http://schemas.openxmlformats.org/officeDocument/2006/relationships" xmlns:p="http://schemas.openxmlformats.org/presentationml/2006/main">
+  <p:cSld>
+    <p:spTree>
+      <p:nvGrpSpPr>
+        <p:cNvPr id="1" name="">
+          <a:extLst>
+            <a:ext uri="{FF2B5EF4-FFF2-40B4-BE49-F238E27FC236}">
+              <a16:creationId xmlns:a16="http://schemas.microsoft.com/office/drawing/2014/main" id="{69BF154E-23EB-6CA1-57DF-A77D8F931BB7}"/>
+            </a:ext>
+          </a:extLst>
+        </p:cNvPr>
+        <p:cNvGrpSpPr/>
+        <p:nvPr/>
+      </p:nvGrpSpPr>
+      <p:grpSpPr>
+        <a:xfrm>
+          <a:off x="0" y="0"/>
+          <a:ext cx="0" cy="0"/>
+          <a:chOff x="0" y="0"/>
+          <a:chExt cx="0" cy="0"/>
+        </a:xfrm>
+      </p:grpSpPr>
+      <p:sp>
+        <p:nvSpPr>
+          <p:cNvPr id="2" name="Slide Image Placeholder 1">
+            <a:extLst>
+              <a:ext uri="{FF2B5EF4-FFF2-40B4-BE49-F238E27FC236}">
+                <a16:creationId xmlns:a16="http://schemas.microsoft.com/office/drawing/2014/main" id="{02F707C4-0EBD-966B-9F04-9577D677788A}"/>
+              </a:ext>
+            </a:extLst>
+          </p:cNvPr>
+          <p:cNvSpPr>
+            <a:spLocks noGrp="1" noRot="1" noChangeAspect="1"/>
+          </p:cNvSpPr>
+          <p:nvPr>
+            <p:ph type="sldImg"/>
+          </p:nvPr>
+        </p:nvSpPr>
+        <p:spPr/>
+      </p:sp>
+      <p:sp>
+        <p:nvSpPr>
+          <p:cNvPr id="3" name="Notes Placeholder 2">
+            <a:extLst>
+              <a:ext uri="{FF2B5EF4-FFF2-40B4-BE49-F238E27FC236}">
+                <a16:creationId xmlns:a16="http://schemas.microsoft.com/office/drawing/2014/main" id="{4C461E15-6198-648B-1B09-BCA243F699B7}"/>
+              </a:ext>
+            </a:extLst>
+          </p:cNvPr>
+          <p:cNvSpPr>
+            <a:spLocks noGrp="1"/>
+          </p:cNvSpPr>
+          <p:nvPr>
+            <p:ph type="body" idx="1"/>
+          </p:nvPr>
+        </p:nvSpPr>
+        <p:spPr/>
+        <p:txBody>
+          <a:bodyPr/>
+          <a:lstStyle/>
+          <a:p>
+            <a:endParaRPr lang="en-US"/>
+          </a:p>
+        </p:txBody>
+      </p:sp>
+      <p:sp>
+        <p:nvSpPr>
+          <p:cNvPr id="4" name="Slide Number Placeholder 3">
+            <a:extLst>
+              <a:ext uri="{FF2B5EF4-FFF2-40B4-BE49-F238E27FC236}">
+                <a16:creationId xmlns:a16="http://schemas.microsoft.com/office/drawing/2014/main" id="{5BE3AE08-8B22-3287-D313-1AA3FAC0CDAE}"/>
+              </a:ext>
+            </a:extLst>
+          </p:cNvPr>
+          <p:cNvSpPr>
+            <a:spLocks noGrp="1"/>
+          </p:cNvSpPr>
+          <p:nvPr>
+            <p:ph type="sldNum" sz="quarter" idx="5"/>
+          </p:nvPr>
+        </p:nvSpPr>
+        <p:spPr/>
+        <p:txBody>
+          <a:bodyPr/>
+          <a:lstStyle/>
+          <a:p>
+            <a:fld id="{FC5BBC2B-72B0-2542-8213-717906F3F32B}" type="slidenum">
+              <a:rPr lang="en-US" smtClean="0"/>
+              <a:t>25</a:t>
+            </a:fld>
+            <a:endParaRPr lang="en-US"/>
+          </a:p>
+        </p:txBody>
+      </p:sp>
+    </p:spTree>
+    <p:extLst>
+      <p:ext uri="{BB962C8B-B14F-4D97-AF65-F5344CB8AC3E}">
+        <p14:creationId xmlns:p14="http://schemas.microsoft.com/office/powerpoint/2010/main" val="3222990154"/>
+      </p:ext>
+    </p:extLst>
+  </p:cSld>
+  <p:clrMapOvr>
+    <a:masterClrMapping/>
+  </p:clrMapOvr>
+</p:notes>
+</file>
+
+<file path=ppt/notesSlides/notesSlide24.xml><?xml version="1.0" encoding="utf-8"?>
+<p:notes xmlns:a="http://schemas.openxmlformats.org/drawingml/2006/main" xmlns:r="http://schemas.openxmlformats.org/officeDocument/2006/relationships" xmlns:p="http://schemas.openxmlformats.org/presentationml/2006/main">
+  <p:cSld>
+    <p:spTree>
+      <p:nvGrpSpPr>
+        <p:cNvPr id="1" name="">
+          <a:extLst>
+            <a:ext uri="{FF2B5EF4-FFF2-40B4-BE49-F238E27FC236}">
               <a16:creationId xmlns:a16="http://schemas.microsoft.com/office/drawing/2014/main" id="{B3132086-4AF6-DA1A-CF22-D2DC456D8DED}"/>
             </a:ext>
           </a:extLst>
@@ -1870,7 +2310,7 @@
           <a:p>
             <a:fld id="{FC5BBC2B-72B0-2542-8213-717906F3F32B}" type="slidenum">
               <a:rPr lang="en-US" smtClean="0"/>
-              <a:t>22</a:t>
+              <a:t>26</a:t>
             </a:fld>
             <a:endParaRPr lang="en-US"/>
           </a:p>
@@ -1889,7 +2329,7 @@
 </p:notes>
 </file>
 
-<file path=ppt/notesSlides/notesSlide21.xml><?xml version="1.0" encoding="utf-8"?>
+<file path=ppt/notesSlides/notesSlide25.xml><?xml version="1.0" encoding="utf-8"?>
 <p:notes xmlns:a="http://schemas.openxmlformats.org/drawingml/2006/main" xmlns:r="http://schemas.openxmlformats.org/officeDocument/2006/relationships" xmlns:p="http://schemas.openxmlformats.org/presentationml/2006/main">
   <p:cSld>
     <p:spTree>
@@ -1978,7 +2418,7 @@
           <a:p>
             <a:fld id="{FC5BBC2B-72B0-2542-8213-717906F3F32B}" type="slidenum">
               <a:rPr lang="en-US" smtClean="0"/>
-              <a:t>23</a:t>
+              <a:t>27</a:t>
             </a:fld>
             <a:endParaRPr lang="en-US"/>
           </a:p>
@@ -1997,7 +2437,7 @@
 </p:notes>
 </file>
 
-<file path=ppt/notesSlides/notesSlide22.xml><?xml version="1.0" encoding="utf-8"?>
+<file path=ppt/notesSlides/notesSlide26.xml><?xml version="1.0" encoding="utf-8"?>
 <p:notes xmlns:a="http://schemas.openxmlformats.org/drawingml/2006/main" xmlns:r="http://schemas.openxmlformats.org/officeDocument/2006/relationships" xmlns:p="http://schemas.openxmlformats.org/presentationml/2006/main">
   <p:cSld>
     <p:spTree>
@@ -2086,7 +2526,7 @@
           <a:p>
             <a:fld id="{FC5BBC2B-72B0-2542-8213-717906F3F32B}" type="slidenum">
               <a:rPr lang="en-US" smtClean="0"/>
-              <a:t>24</a:t>
+              <a:t>28</a:t>
             </a:fld>
             <a:endParaRPr lang="en-US"/>
           </a:p>
@@ -2105,7 +2545,7 @@
 </p:notes>
 </file>
 
-<file path=ppt/notesSlides/notesSlide23.xml><?xml version="1.0" encoding="utf-8"?>
+<file path=ppt/notesSlides/notesSlide27.xml><?xml version="1.0" encoding="utf-8"?>
 <p:notes xmlns:a="http://schemas.openxmlformats.org/drawingml/2006/main" xmlns:r="http://schemas.openxmlformats.org/officeDocument/2006/relationships" xmlns:p="http://schemas.openxmlformats.org/presentationml/2006/main">
   <p:cSld>
     <p:spTree>
@@ -2194,7 +2634,7 @@
           <a:p>
             <a:fld id="{FC5BBC2B-72B0-2542-8213-717906F3F32B}" type="slidenum">
               <a:rPr lang="en-US" smtClean="0"/>
-              <a:t>25</a:t>
+              <a:t>29</a:t>
             </a:fld>
             <a:endParaRPr lang="en-US"/>
           </a:p>
@@ -2749,7 +3189,7 @@
         <p:cNvPr id="1" name="">
           <a:extLst>
             <a:ext uri="{FF2B5EF4-FFF2-40B4-BE49-F238E27FC236}">
-              <a16:creationId xmlns:a16="http://schemas.microsoft.com/office/drawing/2014/main" id="{89CAE5FF-8B22-85C8-6C56-CD662F2E0AD6}"/>
+              <a16:creationId xmlns:a16="http://schemas.microsoft.com/office/drawing/2014/main" id="{05C95657-30E9-95F4-C6C0-5C28484D0664}"/>
             </a:ext>
           </a:extLst>
         </p:cNvPr>
@@ -2769,7 +3209,7 @@
           <p:cNvPr id="2" name="Slide Image Placeholder 1">
             <a:extLst>
               <a:ext uri="{FF2B5EF4-FFF2-40B4-BE49-F238E27FC236}">
-                <a16:creationId xmlns:a16="http://schemas.microsoft.com/office/drawing/2014/main" id="{6468F878-CD62-DD25-D8CD-E62E1F05623A}"/>
+                <a16:creationId xmlns:a16="http://schemas.microsoft.com/office/drawing/2014/main" id="{7CB5C5A6-8EAD-E4A6-6234-BD89A680AE76}"/>
               </a:ext>
             </a:extLst>
           </p:cNvPr>
@@ -2787,7 +3227,7 @@
           <p:cNvPr id="3" name="Notes Placeholder 2">
             <a:extLst>
               <a:ext uri="{FF2B5EF4-FFF2-40B4-BE49-F238E27FC236}">
-                <a16:creationId xmlns:a16="http://schemas.microsoft.com/office/drawing/2014/main" id="{D38757FF-31C2-B108-103F-B74EA5425DBC}"/>
+                <a16:creationId xmlns:a16="http://schemas.microsoft.com/office/drawing/2014/main" id="{B028BF3C-7F56-4C72-F739-F2D950442DA7}"/>
               </a:ext>
             </a:extLst>
           </p:cNvPr>
@@ -2812,7 +3252,7 @@
           <p:cNvPr id="4" name="Slide Number Placeholder 3">
             <a:extLst>
               <a:ext uri="{FF2B5EF4-FFF2-40B4-BE49-F238E27FC236}">
-                <a16:creationId xmlns:a16="http://schemas.microsoft.com/office/drawing/2014/main" id="{0F0B4F1D-D1CF-A788-4E48-2CDD52A9CA57}"/>
+                <a16:creationId xmlns:a16="http://schemas.microsoft.com/office/drawing/2014/main" id="{325CDB28-298C-BC98-FB92-5805699B6995}"/>
               </a:ext>
             </a:extLst>
           </p:cNvPr>
@@ -2839,7 +3279,7 @@
     </p:spTree>
     <p:extLst>
       <p:ext uri="{BB962C8B-B14F-4D97-AF65-F5344CB8AC3E}">
-        <p14:creationId xmlns:p14="http://schemas.microsoft.com/office/powerpoint/2010/main" val="3614773671"/>
+        <p14:creationId xmlns:p14="http://schemas.microsoft.com/office/powerpoint/2010/main" val="1598719512"/>
       </p:ext>
     </p:extLst>
   </p:cSld>
@@ -6399,7 +6839,7 @@
         <p:cNvPr id="1" name="">
           <a:extLst>
             <a:ext uri="{FF2B5EF4-FFF2-40B4-BE49-F238E27FC236}">
-              <a16:creationId xmlns:a16="http://schemas.microsoft.com/office/drawing/2014/main" id="{9CAC9C00-6B04-04C2-2D69-D9C314BE233F}"/>
+              <a16:creationId xmlns:a16="http://schemas.microsoft.com/office/drawing/2014/main" id="{0CDC54FE-7FC3-7747-C655-1CD7689E945F}"/>
             </a:ext>
           </a:extLst>
         </p:cNvPr>
@@ -6419,7 +6859,7 @@
           <p:cNvPr id="2" name="Picture 1" descr="A screenshot of a computer code&#10;&#10;Description automatically generated">
             <a:extLst>
               <a:ext uri="{FF2B5EF4-FFF2-40B4-BE49-F238E27FC236}">
-                <a16:creationId xmlns:a16="http://schemas.microsoft.com/office/drawing/2014/main" id="{3B56F4D8-1CC4-ABC8-B588-ED28F52679F3}"/>
+                <a16:creationId xmlns:a16="http://schemas.microsoft.com/office/drawing/2014/main" id="{6C4170BA-DF45-9A1A-5B39-E2A0AF1934B1}"/>
               </a:ext>
             </a:extLst>
           </p:cNvPr>
@@ -6454,7 +6894,7 @@
           <p:cNvPr id="3" name="Right Arrow 2">
             <a:extLst>
               <a:ext uri="{FF2B5EF4-FFF2-40B4-BE49-F238E27FC236}">
-                <a16:creationId xmlns:a16="http://schemas.microsoft.com/office/drawing/2014/main" id="{9D128430-A79A-1A8A-CD4B-6BF844047C0B}"/>
+                <a16:creationId xmlns:a16="http://schemas.microsoft.com/office/drawing/2014/main" id="{172A8BEA-D6FE-A64F-07E1-8309097BA35F}"/>
               </a:ext>
             </a:extLst>
           </p:cNvPr>
@@ -6500,7 +6940,7 @@
           <p:cNvPr id="5" name="Picture 4" descr="A close-up of a computer code&#10;&#10;Description automatically generated">
             <a:extLst>
               <a:ext uri="{FF2B5EF4-FFF2-40B4-BE49-F238E27FC236}">
-                <a16:creationId xmlns:a16="http://schemas.microsoft.com/office/drawing/2014/main" id="{B8E0D6B2-EE38-036A-A385-53FD48D7D0C6}"/>
+                <a16:creationId xmlns:a16="http://schemas.microsoft.com/office/drawing/2014/main" id="{028AA476-CC31-E423-6F65-6054E4CB5972}"/>
               </a:ext>
             </a:extLst>
           </p:cNvPr>
@@ -6530,7 +6970,7 @@
           <p:cNvPr id="11" name="Cross 10">
             <a:extLst>
               <a:ext uri="{FF2B5EF4-FFF2-40B4-BE49-F238E27FC236}">
-                <a16:creationId xmlns:a16="http://schemas.microsoft.com/office/drawing/2014/main" id="{7417A561-484E-DCED-55DF-3CB199DC2FDC}"/>
+                <a16:creationId xmlns:a16="http://schemas.microsoft.com/office/drawing/2014/main" id="{28C78C83-275C-53B2-1621-FF0DE645D6B9}"/>
               </a:ext>
             </a:extLst>
           </p:cNvPr>
@@ -6578,7 +7018,7 @@
           <p:cNvPr id="13" name="Picture 12" descr="A screenshot of a computer&#10;&#10;Description automatically generated">
             <a:extLst>
               <a:ext uri="{FF2B5EF4-FFF2-40B4-BE49-F238E27FC236}">
-                <a16:creationId xmlns:a16="http://schemas.microsoft.com/office/drawing/2014/main" id="{626C4D7A-BA73-A680-3828-FC543D5EAEC0}"/>
+                <a16:creationId xmlns:a16="http://schemas.microsoft.com/office/drawing/2014/main" id="{08FBF3D4-A67B-5B8A-AED2-51715B9A5548}"/>
               </a:ext>
             </a:extLst>
           </p:cNvPr>
@@ -6608,7 +7048,7 @@
           <p:cNvPr id="14" name="Cross 13">
             <a:extLst>
               <a:ext uri="{FF2B5EF4-FFF2-40B4-BE49-F238E27FC236}">
-                <a16:creationId xmlns:a16="http://schemas.microsoft.com/office/drawing/2014/main" id="{C0557C3E-2262-C8BA-D190-9129990A6AFC}"/>
+                <a16:creationId xmlns:a16="http://schemas.microsoft.com/office/drawing/2014/main" id="{D9701D7B-05D7-7045-E744-584E30A100CA}"/>
               </a:ext>
             </a:extLst>
           </p:cNvPr>
@@ -6656,7 +7096,7 @@
           <p:cNvPr id="16" name="Picture 15" descr="A computer code with black text&#10;&#10;Description automatically generated">
             <a:extLst>
               <a:ext uri="{FF2B5EF4-FFF2-40B4-BE49-F238E27FC236}">
-                <a16:creationId xmlns:a16="http://schemas.microsoft.com/office/drawing/2014/main" id="{3D4B5783-DF23-25F8-E364-684855C933C4}"/>
+                <a16:creationId xmlns:a16="http://schemas.microsoft.com/office/drawing/2014/main" id="{BE3A19A8-899A-7F37-45B8-027DF5827332}"/>
               </a:ext>
             </a:extLst>
           </p:cNvPr>
@@ -6684,7 +7124,7 @@
     </p:spTree>
     <p:extLst>
       <p:ext uri="{BB962C8B-B14F-4D97-AF65-F5344CB8AC3E}">
-        <p14:creationId xmlns:p14="http://schemas.microsoft.com/office/powerpoint/2010/main" val="3899436386"/>
+        <p14:creationId xmlns:p14="http://schemas.microsoft.com/office/powerpoint/2010/main" val="942705869"/>
       </p:ext>
     </p:extLst>
   </p:cSld>
@@ -6702,7 +7142,7 @@
         <p:cNvPr id="1" name="">
           <a:extLst>
             <a:ext uri="{FF2B5EF4-FFF2-40B4-BE49-F238E27FC236}">
-              <a16:creationId xmlns:a16="http://schemas.microsoft.com/office/drawing/2014/main" id="{64D11D8D-6B16-E3E4-3C19-E8D19C660336}"/>
+              <a16:creationId xmlns:a16="http://schemas.microsoft.com/office/drawing/2014/main" id="{9CAC9C00-6B04-04C2-2D69-D9C314BE233F}"/>
             </a:ext>
           </a:extLst>
         </p:cNvPr>
@@ -6719,10 +7159,10 @@
       </p:grpSpPr>
       <p:pic>
         <p:nvPicPr>
-          <p:cNvPr id="4" name="Picture 3" descr="A red marker drawing of a piece of paper&#10;&#10;Description automatically generated">
-            <a:extLst>
-              <a:ext uri="{FF2B5EF4-FFF2-40B4-BE49-F238E27FC236}">
-                <a16:creationId xmlns:a16="http://schemas.microsoft.com/office/drawing/2014/main" id="{1AA746C8-7317-E8FF-B3A4-56BC5C62658B}"/>
+          <p:cNvPr id="5" name="Picture 4" descr="A close-up of a computer code&#10;&#10;Description automatically generated">
+            <a:extLst>
+              <a:ext uri="{FF2B5EF4-FFF2-40B4-BE49-F238E27FC236}">
+                <a16:creationId xmlns:a16="http://schemas.microsoft.com/office/drawing/2014/main" id="{B8E0D6B2-EE38-036A-A385-53FD48D7D0C6}"/>
               </a:ext>
             </a:extLst>
           </p:cNvPr>
@@ -6739,18 +7179,529 @@
         </p:blipFill>
         <p:spPr>
           <a:xfrm>
-            <a:off x="640311" y="965499"/>
-            <a:ext cx="10911377" cy="5407869"/>
+            <a:off x="7766650" y="5023400"/>
+            <a:ext cx="3457939" cy="975106"/>
           </a:xfrm>
           <a:prstGeom prst="rect">
             <a:avLst/>
           </a:prstGeom>
         </p:spPr>
       </p:pic>
+      <p:pic>
+        <p:nvPicPr>
+          <p:cNvPr id="13" name="Picture 12" descr="A screenshot of a computer&#10;&#10;Description automatically generated">
+            <a:extLst>
+              <a:ext uri="{FF2B5EF4-FFF2-40B4-BE49-F238E27FC236}">
+                <a16:creationId xmlns:a16="http://schemas.microsoft.com/office/drawing/2014/main" id="{626C4D7A-BA73-A680-3828-FC543D5EAEC0}"/>
+              </a:ext>
+            </a:extLst>
+          </p:cNvPr>
+          <p:cNvPicPr>
+            <a:picLocks noChangeAspect="1"/>
+          </p:cNvPicPr>
+          <p:nvPr/>
+        </p:nvPicPr>
+        <p:blipFill>
+          <a:blip r:embed="rId4"/>
+          <a:stretch>
+            <a:fillRect/>
+          </a:stretch>
+        </p:blipFill>
+        <p:spPr>
+          <a:xfrm>
+            <a:off x="-156379" y="5394852"/>
+            <a:ext cx="4433746" cy="804672"/>
+          </a:xfrm>
+          <a:prstGeom prst="rect">
+            <a:avLst/>
+          </a:prstGeom>
+        </p:spPr>
+      </p:pic>
+      <p:grpSp>
+        <p:nvGrpSpPr>
+          <p:cNvPr id="20" name="Group 19">
+            <a:extLst>
+              <a:ext uri="{FF2B5EF4-FFF2-40B4-BE49-F238E27FC236}">
+                <a16:creationId xmlns:a16="http://schemas.microsoft.com/office/drawing/2014/main" id="{896CDB31-8F0F-BDE6-39DA-54448124C499}"/>
+              </a:ext>
+            </a:extLst>
+          </p:cNvPr>
+          <p:cNvGrpSpPr/>
+          <p:nvPr/>
+        </p:nvGrpSpPr>
+        <p:grpSpPr>
+          <a:xfrm>
+            <a:off x="1352508" y="309669"/>
+            <a:ext cx="2790014" cy="2080030"/>
+            <a:chOff x="-2085926" y="47601"/>
+            <a:chExt cx="4937760" cy="3016628"/>
+          </a:xfrm>
+        </p:grpSpPr>
+        <p:sp>
+          <p:nvSpPr>
+            <p:cNvPr id="17" name="Rounded Rectangle 16">
+              <a:extLst>
+                <a:ext uri="{FF2B5EF4-FFF2-40B4-BE49-F238E27FC236}">
+                  <a16:creationId xmlns:a16="http://schemas.microsoft.com/office/drawing/2014/main" id="{7619B988-CF9E-D487-A21C-4BA4855A5567}"/>
+                </a:ext>
+              </a:extLst>
+            </p:cNvPr>
+            <p:cNvSpPr/>
+            <p:nvPr/>
+          </p:nvSpPr>
+          <p:spPr>
+            <a:xfrm>
+              <a:off x="-2085926" y="47601"/>
+              <a:ext cx="4937760" cy="3016628"/>
+            </a:xfrm>
+            <a:prstGeom prst="roundRect">
+              <a:avLst>
+                <a:gd name="adj" fmla="val 5778"/>
+              </a:avLst>
+            </a:prstGeom>
+            <a:solidFill>
+              <a:schemeClr val="bg1">
+                <a:lumMod val="85000"/>
+              </a:schemeClr>
+            </a:solidFill>
+          </p:spPr>
+          <p:style>
+            <a:lnRef idx="2">
+              <a:schemeClr val="accent1">
+                <a:shade val="15000"/>
+              </a:schemeClr>
+            </a:lnRef>
+            <a:fillRef idx="1">
+              <a:schemeClr val="accent1"/>
+            </a:fillRef>
+            <a:effectRef idx="0">
+              <a:schemeClr val="accent1"/>
+            </a:effectRef>
+            <a:fontRef idx="minor">
+              <a:schemeClr val="lt1"/>
+            </a:fontRef>
+          </p:style>
+          <p:txBody>
+            <a:bodyPr rtlCol="0" anchor="ctr"/>
+            <a:lstStyle/>
+            <a:p>
+              <a:pPr algn="ctr"/>
+              <a:endParaRPr lang="en-US"/>
+            </a:p>
+          </p:txBody>
+        </p:sp>
+        <p:sp>
+          <p:nvSpPr>
+            <p:cNvPr id="18" name="TextBox 17">
+              <a:extLst>
+                <a:ext uri="{FF2B5EF4-FFF2-40B4-BE49-F238E27FC236}">
+                  <a16:creationId xmlns:a16="http://schemas.microsoft.com/office/drawing/2014/main" id="{5CA3C94D-1900-E857-3AF2-75CC7BE532D4}"/>
+                </a:ext>
+              </a:extLst>
+            </p:cNvPr>
+            <p:cNvSpPr txBox="1"/>
+            <p:nvPr/>
+          </p:nvSpPr>
+          <p:spPr>
+            <a:xfrm>
+              <a:off x="-1857327" y="849920"/>
+              <a:ext cx="4469555" cy="1740814"/>
+            </a:xfrm>
+            <a:prstGeom prst="rect">
+              <a:avLst/>
+            </a:prstGeom>
+            <a:noFill/>
+          </p:spPr>
+          <p:txBody>
+            <a:bodyPr wrap="square" rtlCol="0">
+              <a:spAutoFit/>
+            </a:bodyPr>
+            <a:lstStyle/>
+            <a:p>
+              <a:pPr algn="r"/>
+              <a:r>
+                <a:rPr lang="en-US" sz="1200">
+                  <a:solidFill>
+                    <a:srgbClr val="080808"/>
+                  </a:solidFill>
+                  <a:effectLst/>
+                </a:rPr>
+                <a:t>[Customer]</a:t>
+              </a:r>
+            </a:p>
+            <a:p>
+              <a:pPr algn="r"/>
+              <a:r>
+                <a:rPr lang="en-US" sz="1200">
+                  <a:solidFill>
+                    <a:srgbClr val="080808"/>
+                  </a:solidFill>
+                  <a:effectLst/>
+                </a:rPr>
+                <a:t>hi</a:t>
+              </a:r>
+              <a:br>
+                <a:rPr lang="en-US" sz="1200">
+                  <a:solidFill>
+                    <a:srgbClr val="080808"/>
+                  </a:solidFill>
+                  <a:effectLst/>
+                </a:rPr>
+              </a:br>
+              <a:endParaRPr lang="en-US" sz="1200">
+                <a:solidFill>
+                  <a:srgbClr val="080808"/>
+                </a:solidFill>
+                <a:effectLst/>
+              </a:endParaRPr>
+            </a:p>
+            <a:p>
+              <a:r>
+                <a:rPr lang="en-US" sz="1200">
+                  <a:solidFill>
+                    <a:srgbClr val="080808"/>
+                  </a:solidFill>
+                  <a:effectLst/>
+                </a:rPr>
+                <a:t>[Bot]</a:t>
+              </a:r>
+            </a:p>
+            <a:p>
+              <a:r>
+                <a:rPr lang="en-US" sz="1200">
+                  <a:solidFill>
+                    <a:srgbClr val="080808"/>
+                  </a:solidFill>
+                  <a:effectLst/>
+                </a:rPr>
+                <a:t>Hi there! I'm your virtual assistant.</a:t>
+              </a:r>
+            </a:p>
+            <a:p>
+              <a:r>
+                <a:rPr lang="en-US" sz="1200">
+                  <a:solidFill>
+                    <a:srgbClr val="080808"/>
+                  </a:solidFill>
+                  <a:effectLst/>
+                </a:rPr>
+                <a:t>What would you like to do today?</a:t>
+              </a:r>
+            </a:p>
+          </p:txBody>
+        </p:sp>
+        <p:sp>
+          <p:nvSpPr>
+            <p:cNvPr id="19" name="TextBox 18">
+              <a:extLst>
+                <a:ext uri="{FF2B5EF4-FFF2-40B4-BE49-F238E27FC236}">
+                  <a16:creationId xmlns:a16="http://schemas.microsoft.com/office/drawing/2014/main" id="{5592E371-8D24-3FE2-CA5E-B9BEED939640}"/>
+                </a:ext>
+              </a:extLst>
+            </p:cNvPr>
+            <p:cNvSpPr txBox="1"/>
+            <p:nvPr/>
+          </p:nvSpPr>
+          <p:spPr>
+            <a:xfrm>
+              <a:off x="-1857327" y="257024"/>
+              <a:ext cx="1271016" cy="535635"/>
+            </a:xfrm>
+            <a:prstGeom prst="rect">
+              <a:avLst/>
+            </a:prstGeom>
+            <a:noFill/>
+          </p:spPr>
+          <p:txBody>
+            <a:bodyPr wrap="square">
+              <a:spAutoFit/>
+            </a:bodyPr>
+            <a:lstStyle/>
+            <a:p>
+              <a:r>
+                <a:rPr lang="en-US" b="1">
+                  <a:solidFill>
+                    <a:schemeClr val="bg1"/>
+                  </a:solidFill>
+                </a:rPr>
+                <a:t>Chat</a:t>
+              </a:r>
+            </a:p>
+          </p:txBody>
+        </p:sp>
+      </p:grpSp>
+      <p:sp>
+        <p:nvSpPr>
+          <p:cNvPr id="21" name="TextBox 20">
+            <a:extLst>
+              <a:ext uri="{FF2B5EF4-FFF2-40B4-BE49-F238E27FC236}">
+                <a16:creationId xmlns:a16="http://schemas.microsoft.com/office/drawing/2014/main" id="{95A51E8D-8617-D059-9913-BDC88F89BE4A}"/>
+              </a:ext>
+            </a:extLst>
+          </p:cNvPr>
+          <p:cNvSpPr txBox="1"/>
+          <p:nvPr/>
+        </p:nvSpPr>
+        <p:spPr>
+          <a:xfrm>
+            <a:off x="7955281" y="1149037"/>
+            <a:ext cx="2331920" cy="923330"/>
+          </a:xfrm>
+          <a:prstGeom prst="rect">
+            <a:avLst/>
+          </a:prstGeom>
+          <a:noFill/>
+        </p:spPr>
+        <p:txBody>
+          <a:bodyPr wrap="none" rtlCol="0">
+            <a:spAutoFit/>
+          </a:bodyPr>
+          <a:lstStyle/>
+          <a:p>
+            <a:r>
+              <a:rPr lang="en-US">
+                <a:latin typeface="Ink Free" panose="020F0502020204030204" pitchFamily="34" charset="0"/>
+                <a:ea typeface="Heiti TC Medium" pitchFamily="2" charset="-128"/>
+                <a:cs typeface="Ink Free" panose="020F0502020204030204" pitchFamily="34" charset="0"/>
+              </a:rPr>
+              <a:t>Customer says ‘hi’</a:t>
+            </a:r>
+          </a:p>
+          <a:p>
+            <a:endParaRPr lang="en-US">
+              <a:latin typeface="Ink Free" panose="020F0502020204030204" pitchFamily="34" charset="0"/>
+              <a:ea typeface="Heiti TC Medium" pitchFamily="2" charset="-128"/>
+              <a:cs typeface="Ink Free" panose="020F0502020204030204" pitchFamily="34" charset="0"/>
+            </a:endParaRPr>
+          </a:p>
+          <a:p>
+            <a:r>
+              <a:rPr lang="en-US">
+                <a:latin typeface="Ink Free" panose="020F0502020204030204" pitchFamily="34" charset="0"/>
+                <a:ea typeface="Heiti TC Medium" pitchFamily="2" charset="-128"/>
+                <a:cs typeface="Ink Free" panose="020F0502020204030204" pitchFamily="34" charset="0"/>
+              </a:rPr>
+              <a:t>verify the conversation</a:t>
+            </a:r>
+          </a:p>
+        </p:txBody>
+      </p:sp>
+      <p:sp>
+        <p:nvSpPr>
+          <p:cNvPr id="30" name="Arc 29">
+            <a:extLst>
+              <a:ext uri="{FF2B5EF4-FFF2-40B4-BE49-F238E27FC236}">
+                <a16:creationId xmlns:a16="http://schemas.microsoft.com/office/drawing/2014/main" id="{84FFD05A-1B5E-F482-7DD1-267108563383}"/>
+              </a:ext>
+            </a:extLst>
+          </p:cNvPr>
+          <p:cNvSpPr/>
+          <p:nvPr/>
+        </p:nvSpPr>
+        <p:spPr>
+          <a:xfrm rot="19174839">
+            <a:off x="3346783" y="655178"/>
+            <a:ext cx="5120640" cy="5120640"/>
+          </a:xfrm>
+          <a:prstGeom prst="arc">
+            <a:avLst/>
+          </a:prstGeom>
+          <a:ln w="9525" cap="flat" cmpd="sng" algn="ctr">
+            <a:solidFill>
+              <a:schemeClr val="dk1"/>
+            </a:solidFill>
+            <a:prstDash val="solid"/>
+            <a:round/>
+            <a:headEnd type="none" w="med" len="med"/>
+            <a:tailEnd type="arrow" w="med" len="med"/>
+          </a:ln>
+        </p:spPr>
+        <p:style>
+          <a:lnRef idx="0">
+            <a:scrgbClr r="0" g="0" b="0"/>
+          </a:lnRef>
+          <a:fillRef idx="0">
+            <a:scrgbClr r="0" g="0" b="0"/>
+          </a:fillRef>
+          <a:effectRef idx="0">
+            <a:scrgbClr r="0" g="0" b="0"/>
+          </a:effectRef>
+          <a:fontRef idx="minor">
+            <a:schemeClr val="tx1"/>
+          </a:fontRef>
+        </p:style>
+        <p:txBody>
+          <a:bodyPr rtlCol="0" anchor="ctr"/>
+          <a:lstStyle/>
+          <a:p>
+            <a:pPr algn="ctr"/>
+            <a:endParaRPr lang="en-US"/>
+          </a:p>
+        </p:txBody>
+      </p:sp>
+      <p:sp>
+        <p:nvSpPr>
+          <p:cNvPr id="31" name="Arc 30">
+            <a:extLst>
+              <a:ext uri="{FF2B5EF4-FFF2-40B4-BE49-F238E27FC236}">
+                <a16:creationId xmlns:a16="http://schemas.microsoft.com/office/drawing/2014/main" id="{DD55FAD2-7304-D6E8-002F-EFFE09A91B36}"/>
+              </a:ext>
+            </a:extLst>
+          </p:cNvPr>
+          <p:cNvSpPr/>
+          <p:nvPr/>
+        </p:nvSpPr>
+        <p:spPr>
+          <a:xfrm rot="3296555">
+            <a:off x="5406396" y="1653449"/>
+            <a:ext cx="3881728" cy="3881728"/>
+          </a:xfrm>
+          <a:prstGeom prst="arc">
+            <a:avLst/>
+          </a:prstGeom>
+          <a:ln w="9525" cap="flat" cmpd="sng" algn="ctr">
+            <a:solidFill>
+              <a:schemeClr val="dk1"/>
+            </a:solidFill>
+            <a:prstDash val="solid"/>
+            <a:round/>
+            <a:headEnd type="none" w="med" len="med"/>
+            <a:tailEnd type="arrow" w="med" len="med"/>
+          </a:ln>
+        </p:spPr>
+        <p:style>
+          <a:lnRef idx="0">
+            <a:scrgbClr r="0" g="0" b="0"/>
+          </a:lnRef>
+          <a:fillRef idx="0">
+            <a:scrgbClr r="0" g="0" b="0"/>
+          </a:fillRef>
+          <a:effectRef idx="0">
+            <a:scrgbClr r="0" g="0" b="0"/>
+          </a:effectRef>
+          <a:fontRef idx="minor">
+            <a:schemeClr val="tx1"/>
+          </a:fontRef>
+        </p:style>
+        <p:txBody>
+          <a:bodyPr rtlCol="0" anchor="ctr"/>
+          <a:lstStyle/>
+          <a:p>
+            <a:pPr algn="ctr"/>
+            <a:endParaRPr lang="en-US"/>
+          </a:p>
+        </p:txBody>
+      </p:sp>
+      <p:sp>
+        <p:nvSpPr>
+          <p:cNvPr id="32" name="Arc 31">
+            <a:extLst>
+              <a:ext uri="{FF2B5EF4-FFF2-40B4-BE49-F238E27FC236}">
+                <a16:creationId xmlns:a16="http://schemas.microsoft.com/office/drawing/2014/main" id="{564600B1-68C2-1D48-D880-81F4E048E9B3}"/>
+              </a:ext>
+            </a:extLst>
+          </p:cNvPr>
+          <p:cNvSpPr/>
+          <p:nvPr/>
+        </p:nvSpPr>
+        <p:spPr>
+          <a:xfrm rot="12769450">
+            <a:off x="2157609" y="1605073"/>
+            <a:ext cx="3881728" cy="3881728"/>
+          </a:xfrm>
+          <a:prstGeom prst="arc">
+            <a:avLst/>
+          </a:prstGeom>
+          <a:ln w="9525" cap="flat" cmpd="sng" algn="ctr">
+            <a:solidFill>
+              <a:schemeClr val="dk1"/>
+            </a:solidFill>
+            <a:prstDash val="solid"/>
+            <a:round/>
+            <a:headEnd type="none" w="med" len="med"/>
+            <a:tailEnd type="arrow" w="med" len="med"/>
+          </a:ln>
+        </p:spPr>
+        <p:style>
+          <a:lnRef idx="0">
+            <a:scrgbClr r="0" g="0" b="0"/>
+          </a:lnRef>
+          <a:fillRef idx="0">
+            <a:scrgbClr r="0" g="0" b="0"/>
+          </a:fillRef>
+          <a:effectRef idx="0">
+            <a:scrgbClr r="0" g="0" b="0"/>
+          </a:effectRef>
+          <a:fontRef idx="minor">
+            <a:schemeClr val="tx1"/>
+          </a:fontRef>
+        </p:style>
+        <p:txBody>
+          <a:bodyPr rtlCol="0" anchor="ctr"/>
+          <a:lstStyle/>
+          <a:p>
+            <a:pPr algn="ctr"/>
+            <a:endParaRPr lang="en-US"/>
+          </a:p>
+        </p:txBody>
+      </p:sp>
+      <p:sp>
+        <p:nvSpPr>
+          <p:cNvPr id="33" name="Arc 32">
+            <a:extLst>
+              <a:ext uri="{FF2B5EF4-FFF2-40B4-BE49-F238E27FC236}">
+                <a16:creationId xmlns:a16="http://schemas.microsoft.com/office/drawing/2014/main" id="{0177B35B-F081-7223-FB5D-2B77BFC18CBC}"/>
+              </a:ext>
+            </a:extLst>
+          </p:cNvPr>
+          <p:cNvSpPr/>
+          <p:nvPr/>
+        </p:nvSpPr>
+        <p:spPr>
+          <a:xfrm rot="8100000">
+            <a:off x="3445361" y="1021079"/>
+            <a:ext cx="5120640" cy="5120640"/>
+          </a:xfrm>
+          <a:prstGeom prst="arc">
+            <a:avLst/>
+          </a:prstGeom>
+          <a:ln w="9525" cap="flat" cmpd="sng" algn="ctr">
+            <a:solidFill>
+              <a:schemeClr val="dk1"/>
+            </a:solidFill>
+            <a:prstDash val="solid"/>
+            <a:round/>
+            <a:headEnd type="none" w="med" len="med"/>
+            <a:tailEnd type="arrow" w="med" len="med"/>
+          </a:ln>
+        </p:spPr>
+        <p:style>
+          <a:lnRef idx="0">
+            <a:scrgbClr r="0" g="0" b="0"/>
+          </a:lnRef>
+          <a:fillRef idx="0">
+            <a:scrgbClr r="0" g="0" b="0"/>
+          </a:fillRef>
+          <a:effectRef idx="0">
+            <a:scrgbClr r="0" g="0" b="0"/>
+          </a:effectRef>
+          <a:fontRef idx="minor">
+            <a:schemeClr val="tx1"/>
+          </a:fontRef>
+        </p:style>
+        <p:txBody>
+          <a:bodyPr rtlCol="0" anchor="ctr"/>
+          <a:lstStyle/>
+          <a:p>
+            <a:pPr algn="ctr"/>
+            <a:endParaRPr lang="en-US"/>
+          </a:p>
+        </p:txBody>
+      </p:sp>
     </p:spTree>
     <p:extLst>
       <p:ext uri="{BB962C8B-B14F-4D97-AF65-F5344CB8AC3E}">
-        <p14:creationId xmlns:p14="http://schemas.microsoft.com/office/powerpoint/2010/main" val="1017716305"/>
+        <p14:creationId xmlns:p14="http://schemas.microsoft.com/office/powerpoint/2010/main" val="3899436386"/>
       </p:ext>
     </p:extLst>
   </p:cSld>
@@ -6761,6 +7712,2471 @@
 </file>
 
 <file path=ppt/slides/slide13.xml><?xml version="1.0" encoding="utf-8"?>
+<p:sld xmlns:a="http://schemas.openxmlformats.org/drawingml/2006/main" xmlns:r="http://schemas.openxmlformats.org/officeDocument/2006/relationships" xmlns:p="http://schemas.openxmlformats.org/presentationml/2006/main">
+  <p:cSld>
+    <p:spTree>
+      <p:nvGrpSpPr>
+        <p:cNvPr id="1" name="">
+          <a:extLst>
+            <a:ext uri="{FF2B5EF4-FFF2-40B4-BE49-F238E27FC236}">
+              <a16:creationId xmlns:a16="http://schemas.microsoft.com/office/drawing/2014/main" id="{E1F50578-426B-B2D6-9868-5A6CE33F19F8}"/>
+            </a:ext>
+          </a:extLst>
+        </p:cNvPr>
+        <p:cNvGrpSpPr/>
+        <p:nvPr/>
+      </p:nvGrpSpPr>
+      <p:grpSpPr>
+        <a:xfrm>
+          <a:off x="0" y="0"/>
+          <a:ext cx="0" cy="0"/>
+          <a:chOff x="0" y="0"/>
+          <a:chExt cx="0" cy="0"/>
+        </a:xfrm>
+      </p:grpSpPr>
+      <p:pic>
+        <p:nvPicPr>
+          <p:cNvPr id="5" name="Picture 4" descr="A close-up of a computer code&#10;&#10;Description automatically generated">
+            <a:extLst>
+              <a:ext uri="{FF2B5EF4-FFF2-40B4-BE49-F238E27FC236}">
+                <a16:creationId xmlns:a16="http://schemas.microsoft.com/office/drawing/2014/main" id="{56195F33-D530-BAB6-216B-EFC86AA2A880}"/>
+              </a:ext>
+            </a:extLst>
+          </p:cNvPr>
+          <p:cNvPicPr>
+            <a:picLocks noChangeAspect="1"/>
+          </p:cNvPicPr>
+          <p:nvPr/>
+        </p:nvPicPr>
+        <p:blipFill>
+          <a:blip r:embed="rId3"/>
+          <a:stretch>
+            <a:fillRect/>
+          </a:stretch>
+        </p:blipFill>
+        <p:spPr>
+          <a:xfrm>
+            <a:off x="3800347" y="1200623"/>
+            <a:ext cx="3457939" cy="975106"/>
+          </a:xfrm>
+          <a:prstGeom prst="rect">
+            <a:avLst/>
+          </a:prstGeom>
+        </p:spPr>
+      </p:pic>
+      <p:sp>
+        <p:nvSpPr>
+          <p:cNvPr id="11" name="Cross 10">
+            <a:extLst>
+              <a:ext uri="{FF2B5EF4-FFF2-40B4-BE49-F238E27FC236}">
+                <a16:creationId xmlns:a16="http://schemas.microsoft.com/office/drawing/2014/main" id="{D503CA69-5A95-FC13-11AA-E693E9117811}"/>
+              </a:ext>
+            </a:extLst>
+          </p:cNvPr>
+          <p:cNvSpPr/>
+          <p:nvPr/>
+        </p:nvSpPr>
+        <p:spPr>
+          <a:xfrm>
+            <a:off x="5259568" y="2566543"/>
+            <a:ext cx="539496" cy="539496"/>
+          </a:xfrm>
+          <a:prstGeom prst="plus">
+            <a:avLst>
+              <a:gd name="adj" fmla="val 42290"/>
+            </a:avLst>
+          </a:prstGeom>
+        </p:spPr>
+        <p:style>
+          <a:lnRef idx="2">
+            <a:schemeClr val="accent1">
+              <a:shade val="15000"/>
+            </a:schemeClr>
+          </a:lnRef>
+          <a:fillRef idx="1">
+            <a:schemeClr val="accent1"/>
+          </a:fillRef>
+          <a:effectRef idx="0">
+            <a:schemeClr val="accent1"/>
+          </a:effectRef>
+          <a:fontRef idx="minor">
+            <a:schemeClr val="lt1"/>
+          </a:fontRef>
+        </p:style>
+        <p:txBody>
+          <a:bodyPr rtlCol="0" anchor="ctr"/>
+          <a:lstStyle/>
+          <a:p>
+            <a:pPr algn="ctr"/>
+            <a:endParaRPr lang="en-US"/>
+          </a:p>
+        </p:txBody>
+      </p:sp>
+      <p:pic>
+        <p:nvPicPr>
+          <p:cNvPr id="13" name="Picture 12" descr="A screenshot of a computer&#10;&#10;Description automatically generated">
+            <a:extLst>
+              <a:ext uri="{FF2B5EF4-FFF2-40B4-BE49-F238E27FC236}">
+                <a16:creationId xmlns:a16="http://schemas.microsoft.com/office/drawing/2014/main" id="{FFD6300A-DFA1-4C2B-3910-41453EA327AB}"/>
+              </a:ext>
+            </a:extLst>
+          </p:cNvPr>
+          <p:cNvPicPr>
+            <a:picLocks noChangeAspect="1"/>
+          </p:cNvPicPr>
+          <p:nvPr/>
+        </p:nvPicPr>
+        <p:blipFill>
+          <a:blip r:embed="rId4"/>
+          <a:stretch>
+            <a:fillRect/>
+          </a:stretch>
+        </p:blipFill>
+        <p:spPr>
+          <a:xfrm>
+            <a:off x="3639312" y="3602736"/>
+            <a:ext cx="4433746" cy="804672"/>
+          </a:xfrm>
+          <a:prstGeom prst="rect">
+            <a:avLst/>
+          </a:prstGeom>
+        </p:spPr>
+      </p:pic>
+    </p:spTree>
+    <p:extLst>
+      <p:ext uri="{BB962C8B-B14F-4D97-AF65-F5344CB8AC3E}">
+        <p14:creationId xmlns:p14="http://schemas.microsoft.com/office/powerpoint/2010/main" val="3797129674"/>
+      </p:ext>
+    </p:extLst>
+  </p:cSld>
+  <p:clrMapOvr>
+    <a:masterClrMapping/>
+  </p:clrMapOvr>
+</p:sld>
+</file>
+
+<file path=ppt/slides/slide14.xml><?xml version="1.0" encoding="utf-8"?>
+<p:sld xmlns:a="http://schemas.openxmlformats.org/drawingml/2006/main" xmlns:r="http://schemas.openxmlformats.org/officeDocument/2006/relationships" xmlns:p="http://schemas.openxmlformats.org/presentationml/2006/main">
+  <p:cSld>
+    <p:spTree>
+      <p:nvGrpSpPr>
+        <p:cNvPr id="1" name="">
+          <a:extLst>
+            <a:ext uri="{FF2B5EF4-FFF2-40B4-BE49-F238E27FC236}">
+              <a16:creationId xmlns:a16="http://schemas.microsoft.com/office/drawing/2014/main" id="{F37AB3B8-516C-458F-85AE-74CA0430C2AD}"/>
+            </a:ext>
+          </a:extLst>
+        </p:cNvPr>
+        <p:cNvGrpSpPr/>
+        <p:nvPr/>
+      </p:nvGrpSpPr>
+      <p:grpSpPr>
+        <a:xfrm>
+          <a:off x="0" y="0"/>
+          <a:ext cx="0" cy="0"/>
+          <a:chOff x="0" y="0"/>
+          <a:chExt cx="0" cy="0"/>
+        </a:xfrm>
+      </p:grpSpPr>
+      <p:pic>
+        <p:nvPicPr>
+          <p:cNvPr id="2" name="Picture 1" descr="A close-up of a computer code&#10;&#10;Description automatically generated">
+            <a:extLst>
+              <a:ext uri="{FF2B5EF4-FFF2-40B4-BE49-F238E27FC236}">
+                <a16:creationId xmlns:a16="http://schemas.microsoft.com/office/drawing/2014/main" id="{87248049-208D-9BA1-5F96-C78F6884D201}"/>
+              </a:ext>
+            </a:extLst>
+          </p:cNvPr>
+          <p:cNvPicPr>
+            <a:picLocks noChangeAspect="1"/>
+          </p:cNvPicPr>
+          <p:nvPr/>
+        </p:nvPicPr>
+        <p:blipFill>
+          <a:blip r:embed="rId3"/>
+          <a:stretch>
+            <a:fillRect/>
+          </a:stretch>
+        </p:blipFill>
+        <p:spPr>
+          <a:xfrm>
+            <a:off x="517651" y="1136615"/>
+            <a:ext cx="3457939" cy="975106"/>
+          </a:xfrm>
+          <a:prstGeom prst="rect">
+            <a:avLst/>
+          </a:prstGeom>
+        </p:spPr>
+      </p:pic>
+      <p:sp>
+        <p:nvSpPr>
+          <p:cNvPr id="3" name="Cross 2">
+            <a:extLst>
+              <a:ext uri="{FF2B5EF4-FFF2-40B4-BE49-F238E27FC236}">
+                <a16:creationId xmlns:a16="http://schemas.microsoft.com/office/drawing/2014/main" id="{07EA33B7-1EA1-CD67-6CA1-197AD77E0315}"/>
+              </a:ext>
+            </a:extLst>
+          </p:cNvPr>
+          <p:cNvSpPr/>
+          <p:nvPr/>
+        </p:nvSpPr>
+        <p:spPr>
+          <a:xfrm>
+            <a:off x="1976872" y="2502535"/>
+            <a:ext cx="539496" cy="539496"/>
+          </a:xfrm>
+          <a:prstGeom prst="plus">
+            <a:avLst>
+              <a:gd name="adj" fmla="val 42290"/>
+            </a:avLst>
+          </a:prstGeom>
+        </p:spPr>
+        <p:style>
+          <a:lnRef idx="2">
+            <a:schemeClr val="accent1">
+              <a:shade val="15000"/>
+            </a:schemeClr>
+          </a:lnRef>
+          <a:fillRef idx="1">
+            <a:schemeClr val="accent1"/>
+          </a:fillRef>
+          <a:effectRef idx="0">
+            <a:schemeClr val="accent1"/>
+          </a:effectRef>
+          <a:fontRef idx="minor">
+            <a:schemeClr val="lt1"/>
+          </a:fontRef>
+        </p:style>
+        <p:txBody>
+          <a:bodyPr rtlCol="0" anchor="ctr"/>
+          <a:lstStyle/>
+          <a:p>
+            <a:pPr algn="ctr"/>
+            <a:endParaRPr lang="en-US"/>
+          </a:p>
+        </p:txBody>
+      </p:sp>
+      <p:pic>
+        <p:nvPicPr>
+          <p:cNvPr id="4" name="Picture 3" descr="A screenshot of a computer&#10;&#10;Description automatically generated">
+            <a:extLst>
+              <a:ext uri="{FF2B5EF4-FFF2-40B4-BE49-F238E27FC236}">
+                <a16:creationId xmlns:a16="http://schemas.microsoft.com/office/drawing/2014/main" id="{8C440BE4-68D9-7D25-E54E-919AC1EBC9B2}"/>
+              </a:ext>
+            </a:extLst>
+          </p:cNvPr>
+          <p:cNvPicPr>
+            <a:picLocks noChangeAspect="1"/>
+          </p:cNvPicPr>
+          <p:nvPr/>
+        </p:nvPicPr>
+        <p:blipFill>
+          <a:blip r:embed="rId4"/>
+          <a:stretch>
+            <a:fillRect/>
+          </a:stretch>
+        </p:blipFill>
+        <p:spPr>
+          <a:xfrm>
+            <a:off x="356616" y="3538728"/>
+            <a:ext cx="4433746" cy="804672"/>
+          </a:xfrm>
+          <a:prstGeom prst="rect">
+            <a:avLst/>
+          </a:prstGeom>
+        </p:spPr>
+      </p:pic>
+      <p:pic>
+        <p:nvPicPr>
+          <p:cNvPr id="7" name="Picture 6" descr="A close-up of a message&#10;&#10;Description automatically generated">
+            <a:extLst>
+              <a:ext uri="{FF2B5EF4-FFF2-40B4-BE49-F238E27FC236}">
+                <a16:creationId xmlns:a16="http://schemas.microsoft.com/office/drawing/2014/main" id="{EFC4EF3B-C9BA-F537-20F5-E3DDBF328D7D}"/>
+              </a:ext>
+            </a:extLst>
+          </p:cNvPr>
+          <p:cNvPicPr>
+            <a:picLocks noChangeAspect="1"/>
+          </p:cNvPicPr>
+          <p:nvPr/>
+        </p:nvPicPr>
+        <p:blipFill>
+          <a:blip r:embed="rId5"/>
+          <a:stretch>
+            <a:fillRect/>
+          </a:stretch>
+        </p:blipFill>
+        <p:spPr>
+          <a:xfrm>
+            <a:off x="4542566" y="509976"/>
+            <a:ext cx="4198620" cy="836506"/>
+          </a:xfrm>
+          <a:prstGeom prst="rect">
+            <a:avLst/>
+          </a:prstGeom>
+        </p:spPr>
+      </p:pic>
+      <p:sp>
+        <p:nvSpPr>
+          <p:cNvPr id="8" name="Cross 7">
+            <a:extLst>
+              <a:ext uri="{FF2B5EF4-FFF2-40B4-BE49-F238E27FC236}">
+                <a16:creationId xmlns:a16="http://schemas.microsoft.com/office/drawing/2014/main" id="{AEEC9D0D-ADFF-84BF-E09A-1994845783B2}"/>
+              </a:ext>
+            </a:extLst>
+          </p:cNvPr>
+          <p:cNvSpPr/>
+          <p:nvPr/>
+        </p:nvSpPr>
+        <p:spPr>
+          <a:xfrm>
+            <a:off x="8064052" y="1450209"/>
+            <a:ext cx="539496" cy="539496"/>
+          </a:xfrm>
+          <a:prstGeom prst="plus">
+            <a:avLst>
+              <a:gd name="adj" fmla="val 42290"/>
+            </a:avLst>
+          </a:prstGeom>
+        </p:spPr>
+        <p:style>
+          <a:lnRef idx="2">
+            <a:schemeClr val="accent1">
+              <a:shade val="15000"/>
+            </a:schemeClr>
+          </a:lnRef>
+          <a:fillRef idx="1">
+            <a:schemeClr val="accent1"/>
+          </a:fillRef>
+          <a:effectRef idx="0">
+            <a:schemeClr val="accent1"/>
+          </a:effectRef>
+          <a:fontRef idx="minor">
+            <a:schemeClr val="lt1"/>
+          </a:fontRef>
+        </p:style>
+        <p:txBody>
+          <a:bodyPr rtlCol="0" anchor="ctr"/>
+          <a:lstStyle/>
+          <a:p>
+            <a:pPr algn="ctr"/>
+            <a:endParaRPr lang="en-US"/>
+          </a:p>
+        </p:txBody>
+      </p:sp>
+      <p:pic>
+        <p:nvPicPr>
+          <p:cNvPr id="10" name="Picture 9" descr="A screenshot of a computer&#10;&#10;Description automatically generated">
+            <a:extLst>
+              <a:ext uri="{FF2B5EF4-FFF2-40B4-BE49-F238E27FC236}">
+                <a16:creationId xmlns:a16="http://schemas.microsoft.com/office/drawing/2014/main" id="{7ABDB0BE-DD33-9F7A-8C2B-489C0F8323A3}"/>
+              </a:ext>
+            </a:extLst>
+          </p:cNvPr>
+          <p:cNvPicPr>
+            <a:picLocks noChangeAspect="1"/>
+          </p:cNvPicPr>
+          <p:nvPr/>
+        </p:nvPicPr>
+        <p:blipFill>
+          <a:blip r:embed="rId6"/>
+          <a:stretch>
+            <a:fillRect/>
+          </a:stretch>
+        </p:blipFill>
+        <p:spPr>
+          <a:xfrm>
+            <a:off x="8878824" y="127830"/>
+            <a:ext cx="3171779" cy="6730170"/>
+          </a:xfrm>
+          <a:prstGeom prst="rect">
+            <a:avLst/>
+          </a:prstGeom>
+        </p:spPr>
+      </p:pic>
+    </p:spTree>
+    <p:extLst>
+      <p:ext uri="{BB962C8B-B14F-4D97-AF65-F5344CB8AC3E}">
+        <p14:creationId xmlns:p14="http://schemas.microsoft.com/office/powerpoint/2010/main" val="4193393989"/>
+      </p:ext>
+    </p:extLst>
+  </p:cSld>
+  <p:clrMapOvr>
+    <a:masterClrMapping/>
+  </p:clrMapOvr>
+  <p:timing>
+    <p:tnLst>
+      <p:par>
+        <p:cTn id="1" dur="indefinite" restart="never" nodeType="tmRoot">
+          <p:childTnLst>
+            <p:seq concurrent="1" nextAc="seek">
+              <p:cTn id="2" dur="indefinite" nodeType="mainSeq">
+                <p:childTnLst>
+                  <p:par>
+                    <p:cTn id="3" fill="hold">
+                      <p:stCondLst>
+                        <p:cond delay="indefinite"/>
+                      </p:stCondLst>
+                      <p:childTnLst>
+                        <p:par>
+                          <p:cTn id="4" fill="hold">
+                            <p:stCondLst>
+                              <p:cond delay="0"/>
+                            </p:stCondLst>
+                            <p:childTnLst>
+                              <p:par>
+                                <p:cTn id="5" presetID="1" presetClass="entr" presetSubtype="0" fill="hold" nodeType="clickEffect">
+                                  <p:stCondLst>
+                                    <p:cond delay="0"/>
+                                  </p:stCondLst>
+                                  <p:childTnLst>
+                                    <p:set>
+                                      <p:cBhvr>
+                                        <p:cTn id="6" dur="1" fill="hold">
+                                          <p:stCondLst>
+                                            <p:cond delay="0"/>
+                                          </p:stCondLst>
+                                        </p:cTn>
+                                        <p:tgtEl>
+                                          <p:spTgt spid="7"/>
+                                        </p:tgtEl>
+                                        <p:attrNameLst>
+                                          <p:attrName>style.visibility</p:attrName>
+                                        </p:attrNameLst>
+                                      </p:cBhvr>
+                                      <p:to>
+                                        <p:strVal val="visible"/>
+                                      </p:to>
+                                    </p:set>
+                                  </p:childTnLst>
+                                </p:cTn>
+                              </p:par>
+                            </p:childTnLst>
+                          </p:cTn>
+                        </p:par>
+                      </p:childTnLst>
+                    </p:cTn>
+                  </p:par>
+                  <p:par>
+                    <p:cTn id="7" fill="hold">
+                      <p:stCondLst>
+                        <p:cond delay="indefinite"/>
+                      </p:stCondLst>
+                      <p:childTnLst>
+                        <p:par>
+                          <p:cTn id="8" fill="hold">
+                            <p:stCondLst>
+                              <p:cond delay="0"/>
+                            </p:stCondLst>
+                            <p:childTnLst>
+                              <p:par>
+                                <p:cTn id="9" presetID="22" presetClass="entr" presetSubtype="8" fill="hold" grpId="0" nodeType="clickEffect">
+                                  <p:stCondLst>
+                                    <p:cond delay="0"/>
+                                  </p:stCondLst>
+                                  <p:childTnLst>
+                                    <p:set>
+                                      <p:cBhvr>
+                                        <p:cTn id="10" dur="1" fill="hold">
+                                          <p:stCondLst>
+                                            <p:cond delay="0"/>
+                                          </p:stCondLst>
+                                        </p:cTn>
+                                        <p:tgtEl>
+                                          <p:spTgt spid="8"/>
+                                        </p:tgtEl>
+                                        <p:attrNameLst>
+                                          <p:attrName>style.visibility</p:attrName>
+                                        </p:attrNameLst>
+                                      </p:cBhvr>
+                                      <p:to>
+                                        <p:strVal val="visible"/>
+                                      </p:to>
+                                    </p:set>
+                                    <p:animEffect transition="in" filter="wipe(left)">
+                                      <p:cBhvr>
+                                        <p:cTn id="11" dur="500"/>
+                                        <p:tgtEl>
+                                          <p:spTgt spid="8"/>
+                                        </p:tgtEl>
+                                      </p:cBhvr>
+                                    </p:animEffect>
+                                  </p:childTnLst>
+                                </p:cTn>
+                              </p:par>
+                              <p:par>
+                                <p:cTn id="12" presetID="22" presetClass="entr" presetSubtype="8" fill="hold" nodeType="withEffect">
+                                  <p:stCondLst>
+                                    <p:cond delay="0"/>
+                                  </p:stCondLst>
+                                  <p:childTnLst>
+                                    <p:set>
+                                      <p:cBhvr>
+                                        <p:cTn id="13" dur="1" fill="hold">
+                                          <p:stCondLst>
+                                            <p:cond delay="0"/>
+                                          </p:stCondLst>
+                                        </p:cTn>
+                                        <p:tgtEl>
+                                          <p:spTgt spid="10"/>
+                                        </p:tgtEl>
+                                        <p:attrNameLst>
+                                          <p:attrName>style.visibility</p:attrName>
+                                        </p:attrNameLst>
+                                      </p:cBhvr>
+                                      <p:to>
+                                        <p:strVal val="visible"/>
+                                      </p:to>
+                                    </p:set>
+                                    <p:animEffect transition="in" filter="wipe(left)">
+                                      <p:cBhvr>
+                                        <p:cTn id="14" dur="500"/>
+                                        <p:tgtEl>
+                                          <p:spTgt spid="10"/>
+                                        </p:tgtEl>
+                                      </p:cBhvr>
+                                    </p:animEffect>
+                                  </p:childTnLst>
+                                </p:cTn>
+                              </p:par>
+                            </p:childTnLst>
+                          </p:cTn>
+                        </p:par>
+                      </p:childTnLst>
+                    </p:cTn>
+                  </p:par>
+                </p:childTnLst>
+              </p:cTn>
+              <p:prevCondLst>
+                <p:cond evt="onPrev" delay="0">
+                  <p:tgtEl>
+                    <p:sldTgt/>
+                  </p:tgtEl>
+                </p:cond>
+              </p:prevCondLst>
+              <p:nextCondLst>
+                <p:cond evt="onNext" delay="0">
+                  <p:tgtEl>
+                    <p:sldTgt/>
+                  </p:tgtEl>
+                </p:cond>
+              </p:nextCondLst>
+            </p:seq>
+          </p:childTnLst>
+        </p:cTn>
+      </p:par>
+    </p:tnLst>
+    <p:bldLst>
+      <p:bldP spid="8" grpId="0" animBg="1"/>
+    </p:bldLst>
+  </p:timing>
+</p:sld>
+</file>
+
+<file path=ppt/slides/slide15.xml><?xml version="1.0" encoding="utf-8"?>
+<p:sld xmlns:a="http://schemas.openxmlformats.org/drawingml/2006/main" xmlns:r="http://schemas.openxmlformats.org/officeDocument/2006/relationships" xmlns:p="http://schemas.openxmlformats.org/presentationml/2006/main">
+  <p:cSld>
+    <p:spTree>
+      <p:nvGrpSpPr>
+        <p:cNvPr id="1" name="">
+          <a:extLst>
+            <a:ext uri="{FF2B5EF4-FFF2-40B4-BE49-F238E27FC236}">
+              <a16:creationId xmlns:a16="http://schemas.microsoft.com/office/drawing/2014/main" id="{8E4942DE-F176-0C3C-94FD-E02F0577EB39}"/>
+            </a:ext>
+          </a:extLst>
+        </p:cNvPr>
+        <p:cNvGrpSpPr/>
+        <p:nvPr/>
+      </p:nvGrpSpPr>
+      <p:grpSpPr>
+        <a:xfrm>
+          <a:off x="0" y="0"/>
+          <a:ext cx="0" cy="0"/>
+          <a:chOff x="0" y="0"/>
+          <a:chExt cx="0" cy="0"/>
+        </a:xfrm>
+      </p:grpSpPr>
+      <p:pic>
+        <p:nvPicPr>
+          <p:cNvPr id="7" name="Picture 6" descr="A close-up of a message&#10;&#10;Description automatically generated">
+            <a:extLst>
+              <a:ext uri="{FF2B5EF4-FFF2-40B4-BE49-F238E27FC236}">
+                <a16:creationId xmlns:a16="http://schemas.microsoft.com/office/drawing/2014/main" id="{D1427F09-ADFC-7FD5-F409-03163564899A}"/>
+              </a:ext>
+            </a:extLst>
+          </p:cNvPr>
+          <p:cNvPicPr>
+            <a:picLocks noChangeAspect="1"/>
+          </p:cNvPicPr>
+          <p:nvPr/>
+        </p:nvPicPr>
+        <p:blipFill>
+          <a:blip r:embed="rId3"/>
+          <a:stretch>
+            <a:fillRect/>
+          </a:stretch>
+        </p:blipFill>
+        <p:spPr>
+          <a:xfrm>
+            <a:off x="1323878" y="446061"/>
+            <a:ext cx="4198620" cy="836506"/>
+          </a:xfrm>
+          <a:prstGeom prst="rect">
+            <a:avLst/>
+          </a:prstGeom>
+        </p:spPr>
+      </p:pic>
+      <p:sp>
+        <p:nvSpPr>
+          <p:cNvPr id="8" name="Cross 7">
+            <a:extLst>
+              <a:ext uri="{FF2B5EF4-FFF2-40B4-BE49-F238E27FC236}">
+                <a16:creationId xmlns:a16="http://schemas.microsoft.com/office/drawing/2014/main" id="{E9C3252E-BAE7-9B73-7F28-DB7649DB8165}"/>
+              </a:ext>
+            </a:extLst>
+          </p:cNvPr>
+          <p:cNvSpPr/>
+          <p:nvPr/>
+        </p:nvSpPr>
+        <p:spPr>
+          <a:xfrm>
+            <a:off x="4845364" y="1386294"/>
+            <a:ext cx="539496" cy="539496"/>
+          </a:xfrm>
+          <a:prstGeom prst="plus">
+            <a:avLst>
+              <a:gd name="adj" fmla="val 42290"/>
+            </a:avLst>
+          </a:prstGeom>
+        </p:spPr>
+        <p:style>
+          <a:lnRef idx="2">
+            <a:schemeClr val="accent1">
+              <a:shade val="15000"/>
+            </a:schemeClr>
+          </a:lnRef>
+          <a:fillRef idx="1">
+            <a:schemeClr val="accent1"/>
+          </a:fillRef>
+          <a:effectRef idx="0">
+            <a:schemeClr val="accent1"/>
+          </a:effectRef>
+          <a:fontRef idx="minor">
+            <a:schemeClr val="lt1"/>
+          </a:fontRef>
+        </p:style>
+        <p:txBody>
+          <a:bodyPr rtlCol="0" anchor="ctr"/>
+          <a:lstStyle/>
+          <a:p>
+            <a:pPr algn="ctr"/>
+            <a:endParaRPr lang="en-US"/>
+          </a:p>
+        </p:txBody>
+      </p:sp>
+      <p:grpSp>
+        <p:nvGrpSpPr>
+          <p:cNvPr id="12" name="!!approval">
+            <a:extLst>
+              <a:ext uri="{FF2B5EF4-FFF2-40B4-BE49-F238E27FC236}">
+                <a16:creationId xmlns:a16="http://schemas.microsoft.com/office/drawing/2014/main" id="{0C465111-F782-C323-5489-7B874005FD24}"/>
+              </a:ext>
+            </a:extLst>
+          </p:cNvPr>
+          <p:cNvGrpSpPr/>
+          <p:nvPr/>
+        </p:nvGrpSpPr>
+        <p:grpSpPr>
+          <a:xfrm>
+            <a:off x="7312152" y="446061"/>
+            <a:ext cx="3248005" cy="6124754"/>
+            <a:chOff x="7312152" y="446061"/>
+            <a:chExt cx="3248005" cy="6124754"/>
+          </a:xfrm>
+        </p:grpSpPr>
+        <p:sp>
+          <p:nvSpPr>
+            <p:cNvPr id="5" name="!!highlight3">
+              <a:extLst>
+                <a:ext uri="{FF2B5EF4-FFF2-40B4-BE49-F238E27FC236}">
+                  <a16:creationId xmlns:a16="http://schemas.microsoft.com/office/drawing/2014/main" id="{9C04965D-32CB-1AA1-35E1-700319A9262C}"/>
+                </a:ext>
+              </a:extLst>
+            </p:cNvPr>
+            <p:cNvSpPr/>
+            <p:nvPr/>
+          </p:nvSpPr>
+          <p:spPr>
+            <a:xfrm>
+              <a:off x="8412480" y="1787679"/>
+              <a:ext cx="1298448" cy="182880"/>
+            </a:xfrm>
+            <a:prstGeom prst="rect">
+              <a:avLst/>
+            </a:prstGeom>
+            <a:solidFill>
+              <a:srgbClr val="FFFF00">
+                <a:alpha val="50196"/>
+              </a:srgbClr>
+            </a:solidFill>
+            <a:ln>
+              <a:noFill/>
+            </a:ln>
+          </p:spPr>
+          <p:style>
+            <a:lnRef idx="2">
+              <a:schemeClr val="accent1">
+                <a:shade val="15000"/>
+              </a:schemeClr>
+            </a:lnRef>
+            <a:fillRef idx="1">
+              <a:schemeClr val="accent1"/>
+            </a:fillRef>
+            <a:effectRef idx="0">
+              <a:schemeClr val="accent1"/>
+            </a:effectRef>
+            <a:fontRef idx="minor">
+              <a:schemeClr val="lt1"/>
+            </a:fontRef>
+          </p:style>
+          <p:txBody>
+            <a:bodyPr rtlCol="0" anchor="ctr"/>
+            <a:lstStyle/>
+            <a:p>
+              <a:pPr algn="ctr"/>
+              <a:endParaRPr lang="en-US">
+                <a:highlight>
+                  <a:srgbClr val="FFFF00"/>
+                </a:highlight>
+              </a:endParaRPr>
+            </a:p>
+          </p:txBody>
+        </p:sp>
+        <p:sp>
+          <p:nvSpPr>
+            <p:cNvPr id="6" name="!!highlight2">
+              <a:extLst>
+                <a:ext uri="{FF2B5EF4-FFF2-40B4-BE49-F238E27FC236}">
+                  <a16:creationId xmlns:a16="http://schemas.microsoft.com/office/drawing/2014/main" id="{FC08E30B-AF3B-870E-8C51-A4ABA5874D0F}"/>
+                </a:ext>
+              </a:extLst>
+            </p:cNvPr>
+            <p:cNvSpPr/>
+            <p:nvPr/>
+          </p:nvSpPr>
+          <p:spPr>
+            <a:xfrm>
+              <a:off x="8942832" y="3389566"/>
+              <a:ext cx="1554480" cy="182880"/>
+            </a:xfrm>
+            <a:prstGeom prst="rect">
+              <a:avLst/>
+            </a:prstGeom>
+            <a:solidFill>
+              <a:srgbClr val="FFFF00">
+                <a:alpha val="50196"/>
+              </a:srgbClr>
+            </a:solidFill>
+            <a:ln>
+              <a:noFill/>
+            </a:ln>
+          </p:spPr>
+          <p:style>
+            <a:lnRef idx="2">
+              <a:schemeClr val="accent1">
+                <a:shade val="15000"/>
+              </a:schemeClr>
+            </a:lnRef>
+            <a:fillRef idx="1">
+              <a:schemeClr val="accent1"/>
+            </a:fillRef>
+            <a:effectRef idx="0">
+              <a:schemeClr val="accent1"/>
+            </a:effectRef>
+            <a:fontRef idx="minor">
+              <a:schemeClr val="lt1"/>
+            </a:fontRef>
+          </p:style>
+          <p:txBody>
+            <a:bodyPr rtlCol="0" anchor="ctr"/>
+            <a:lstStyle/>
+            <a:p>
+              <a:pPr algn="ctr"/>
+              <a:endParaRPr lang="en-US"/>
+            </a:p>
+          </p:txBody>
+        </p:sp>
+        <p:sp>
+          <p:nvSpPr>
+            <p:cNvPr id="9" name="!!highlight1">
+              <a:extLst>
+                <a:ext uri="{FF2B5EF4-FFF2-40B4-BE49-F238E27FC236}">
+                  <a16:creationId xmlns:a16="http://schemas.microsoft.com/office/drawing/2014/main" id="{50DD5187-66BA-863F-4C6F-7E472EADA9BF}"/>
+                </a:ext>
+              </a:extLst>
+            </p:cNvPr>
+            <p:cNvSpPr/>
+            <p:nvPr/>
+          </p:nvSpPr>
+          <p:spPr>
+            <a:xfrm>
+              <a:off x="8979408" y="4868344"/>
+              <a:ext cx="822960" cy="182880"/>
+            </a:xfrm>
+            <a:prstGeom prst="rect">
+              <a:avLst/>
+            </a:prstGeom>
+            <a:solidFill>
+              <a:srgbClr val="FFFF00">
+                <a:alpha val="50196"/>
+              </a:srgbClr>
+            </a:solidFill>
+            <a:ln>
+              <a:noFill/>
+            </a:ln>
+          </p:spPr>
+          <p:style>
+            <a:lnRef idx="2">
+              <a:schemeClr val="accent1">
+                <a:shade val="15000"/>
+              </a:schemeClr>
+            </a:lnRef>
+            <a:fillRef idx="1">
+              <a:schemeClr val="accent1"/>
+            </a:fillRef>
+            <a:effectRef idx="0">
+              <a:schemeClr val="accent1"/>
+            </a:effectRef>
+            <a:fontRef idx="minor">
+              <a:schemeClr val="lt1"/>
+            </a:fontRef>
+          </p:style>
+          <p:txBody>
+            <a:bodyPr rtlCol="0" anchor="ctr"/>
+            <a:lstStyle/>
+            <a:p>
+              <a:pPr algn="ctr"/>
+              <a:endParaRPr lang="en-US"/>
+            </a:p>
+          </p:txBody>
+        </p:sp>
+        <p:sp>
+          <p:nvSpPr>
+            <p:cNvPr id="11" name="!!approvalText">
+              <a:extLst>
+                <a:ext uri="{FF2B5EF4-FFF2-40B4-BE49-F238E27FC236}">
+                  <a16:creationId xmlns:a16="http://schemas.microsoft.com/office/drawing/2014/main" id="{363F3CEC-0E9E-8E30-B109-9220BE0419F2}"/>
+                </a:ext>
+              </a:extLst>
+            </p:cNvPr>
+            <p:cNvSpPr txBox="1"/>
+            <p:nvPr/>
+          </p:nvSpPr>
+          <p:spPr>
+            <a:xfrm>
+              <a:off x="7312152" y="446061"/>
+              <a:ext cx="3248005" cy="6124754"/>
+            </a:xfrm>
+            <a:prstGeom prst="rect">
+              <a:avLst/>
+            </a:prstGeom>
+            <a:noFill/>
+          </p:spPr>
+          <p:txBody>
+            <a:bodyPr wrap="none" rtlCol="0">
+              <a:spAutoFit/>
+            </a:bodyPr>
+            <a:lstStyle/>
+            <a:p>
+              <a:r>
+                <a:rPr lang="en-US" sz="800">
+                  <a:solidFill>
+                    <a:srgbClr val="080808"/>
+                  </a:solidFill>
+                  <a:effectLst/>
+                  <a:latin typeface="Fira Code" pitchFamily="49" charset="0"/>
+                  <a:ea typeface="Fira Code" pitchFamily="49" charset="0"/>
+                  <a:cs typeface="Fira Code" pitchFamily="49" charset="0"/>
+                </a:rPr>
+                <a:t>[Customer]: hi</a:t>
+              </a:r>
+              <a:br>
+                <a:rPr lang="en-US" sz="800">
+                  <a:solidFill>
+                    <a:srgbClr val="080808"/>
+                  </a:solidFill>
+                  <a:effectLst/>
+                  <a:latin typeface="Fira Code" pitchFamily="49" charset="0"/>
+                  <a:ea typeface="Fira Code" pitchFamily="49" charset="0"/>
+                  <a:cs typeface="Fira Code" pitchFamily="49" charset="0"/>
+                </a:rPr>
+              </a:br>
+              <a:r>
+                <a:rPr lang="en-US" sz="800">
+                  <a:solidFill>
+                    <a:srgbClr val="080808"/>
+                  </a:solidFill>
+                  <a:effectLst/>
+                  <a:latin typeface="Fira Code" pitchFamily="49" charset="0"/>
+                  <a:ea typeface="Fira Code" pitchFamily="49" charset="0"/>
+                  <a:cs typeface="Fira Code" pitchFamily="49" charset="0"/>
+                </a:rPr>
+                <a:t>[     Bot]: Hi there! I'm your virtual assistant.</a:t>
+              </a:r>
+              <a:br>
+                <a:rPr lang="en-US" sz="800">
+                  <a:solidFill>
+                    <a:srgbClr val="080808"/>
+                  </a:solidFill>
+                  <a:effectLst/>
+                  <a:latin typeface="Fira Code" pitchFamily="49" charset="0"/>
+                  <a:ea typeface="Fira Code" pitchFamily="49" charset="0"/>
+                  <a:cs typeface="Fira Code" pitchFamily="49" charset="0"/>
+                </a:rPr>
+              </a:br>
+              <a:r>
+                <a:rPr lang="en-US" sz="800">
+                  <a:solidFill>
+                    <a:srgbClr val="080808"/>
+                  </a:solidFill>
+                  <a:effectLst/>
+                  <a:latin typeface="Fira Code" pitchFamily="49" charset="0"/>
+                  <a:ea typeface="Fira Code" pitchFamily="49" charset="0"/>
+                  <a:cs typeface="Fira Code" pitchFamily="49" charset="0"/>
+                </a:rPr>
+                <a:t>[     Bot]: What would you like to do today?</a:t>
+              </a:r>
+              <a:br>
+                <a:rPr lang="en-US" sz="800">
+                  <a:solidFill>
+                    <a:srgbClr val="080808"/>
+                  </a:solidFill>
+                  <a:effectLst/>
+                  <a:latin typeface="Fira Code" pitchFamily="49" charset="0"/>
+                  <a:ea typeface="Fira Code" pitchFamily="49" charset="0"/>
+                  <a:cs typeface="Fira Code" pitchFamily="49" charset="0"/>
+                </a:rPr>
+              </a:br>
+              <a:r>
+                <a:rPr lang="en-US" sz="800">
+                  <a:solidFill>
+                    <a:srgbClr val="080808"/>
+                  </a:solidFill>
+                  <a:effectLst/>
+                  <a:latin typeface="Fira Code" pitchFamily="49" charset="0"/>
+                  <a:ea typeface="Fira Code" pitchFamily="49" charset="0"/>
+                  <a:cs typeface="Fira Code" pitchFamily="49" charset="0"/>
+                </a:rPr>
+                <a:t>[Customer]: pay bill</a:t>
+              </a:r>
+              <a:br>
+                <a:rPr lang="en-US" sz="800">
+                  <a:solidFill>
+                    <a:srgbClr val="080808"/>
+                  </a:solidFill>
+                  <a:effectLst/>
+                  <a:latin typeface="Fira Code" pitchFamily="49" charset="0"/>
+                  <a:ea typeface="Fira Code" pitchFamily="49" charset="0"/>
+                  <a:cs typeface="Fira Code" pitchFamily="49" charset="0"/>
+                </a:rPr>
+              </a:br>
+              <a:r>
+                <a:rPr lang="en-US" sz="800">
+                  <a:solidFill>
+                    <a:srgbClr val="080808"/>
+                  </a:solidFill>
+                  <a:effectLst/>
+                  <a:latin typeface="Fira Code" pitchFamily="49" charset="0"/>
+                  <a:ea typeface="Fira Code" pitchFamily="49" charset="0"/>
+                  <a:cs typeface="Fira Code" pitchFamily="49" charset="0"/>
+                </a:rPr>
+                <a:t>[     Bot]: Let me try to help you.</a:t>
+              </a:r>
+              <a:br>
+                <a:rPr lang="en-US" sz="800">
+                  <a:solidFill>
+                    <a:srgbClr val="080808"/>
+                  </a:solidFill>
+                  <a:effectLst/>
+                  <a:latin typeface="Fira Code" pitchFamily="49" charset="0"/>
+                  <a:ea typeface="Fira Code" pitchFamily="49" charset="0"/>
+                  <a:cs typeface="Fira Code" pitchFamily="49" charset="0"/>
+                </a:rPr>
+              </a:br>
+              <a:r>
+                <a:rPr lang="en-US" sz="800">
+                  <a:solidFill>
+                    <a:srgbClr val="080808"/>
+                  </a:solidFill>
+                  <a:effectLst/>
+                  <a:latin typeface="Fira Code" pitchFamily="49" charset="0"/>
+                  <a:ea typeface="Fira Code" pitchFamily="49" charset="0"/>
+                  <a:cs typeface="Fira Code" pitchFamily="49" charset="0"/>
+                </a:rPr>
+                <a:t>[     Bot]: {</a:t>
+              </a:r>
+              <a:br>
+                <a:rPr lang="en-US" sz="800">
+                  <a:solidFill>
+                    <a:srgbClr val="080808"/>
+                  </a:solidFill>
+                  <a:effectLst/>
+                  <a:latin typeface="Fira Code" pitchFamily="49" charset="0"/>
+                  <a:ea typeface="Fira Code" pitchFamily="49" charset="0"/>
+                  <a:cs typeface="Fira Code" pitchFamily="49" charset="0"/>
+                </a:rPr>
+              </a:br>
+              <a:r>
+                <a:rPr lang="en-US" sz="800">
+                  <a:solidFill>
+                    <a:srgbClr val="080808"/>
+                  </a:solidFill>
+                  <a:effectLst/>
+                  <a:latin typeface="Fira Code" pitchFamily="49" charset="0"/>
+                  <a:ea typeface="Fira Code" pitchFamily="49" charset="0"/>
+                  <a:cs typeface="Fira Code" pitchFamily="49" charset="0"/>
+                </a:rPr>
+                <a:t>  "content": {</a:t>
+              </a:r>
+              <a:br>
+                <a:rPr lang="en-US" sz="800">
+                  <a:solidFill>
+                    <a:srgbClr val="080808"/>
+                  </a:solidFill>
+                  <a:effectLst/>
+                  <a:latin typeface="Fira Code" pitchFamily="49" charset="0"/>
+                  <a:ea typeface="Fira Code" pitchFamily="49" charset="0"/>
+                  <a:cs typeface="Fira Code" pitchFamily="49" charset="0"/>
+                </a:rPr>
+              </a:br>
+              <a:r>
+                <a:rPr lang="en-US" sz="800">
+                  <a:solidFill>
+                    <a:srgbClr val="080808"/>
+                  </a:solidFill>
+                  <a:effectLst/>
+                  <a:latin typeface="Fira Code" pitchFamily="49" charset="0"/>
+                  <a:ea typeface="Fira Code" pitchFamily="49" charset="0"/>
+                  <a:cs typeface="Fira Code" pitchFamily="49" charset="0"/>
+                </a:rPr>
+                <a:t>    "type": "vertical",</a:t>
+              </a:r>
+              <a:br>
+                <a:rPr lang="en-US" sz="800">
+                  <a:solidFill>
+                    <a:srgbClr val="080808"/>
+                  </a:solidFill>
+                  <a:effectLst/>
+                  <a:latin typeface="Fira Code" pitchFamily="49" charset="0"/>
+                  <a:ea typeface="Fira Code" pitchFamily="49" charset="0"/>
+                  <a:cs typeface="Fira Code" pitchFamily="49" charset="0"/>
+                </a:rPr>
+              </a:br>
+              <a:r>
+                <a:rPr lang="en-US" sz="800">
+                  <a:solidFill>
+                    <a:srgbClr val="080808"/>
+                  </a:solidFill>
+                  <a:effectLst/>
+                  <a:latin typeface="Fira Code" pitchFamily="49" charset="0"/>
+                  <a:ea typeface="Fira Code" pitchFamily="49" charset="0"/>
+                  <a:cs typeface="Fira Code" pitchFamily="49" charset="0"/>
+                </a:rPr>
+                <a:t>    "elements": [</a:t>
+              </a:r>
+              <a:br>
+                <a:rPr lang="en-US" sz="800">
+                  <a:solidFill>
+                    <a:srgbClr val="080808"/>
+                  </a:solidFill>
+                  <a:effectLst/>
+                  <a:latin typeface="Fira Code" pitchFamily="49" charset="0"/>
+                  <a:ea typeface="Fira Code" pitchFamily="49" charset="0"/>
+                  <a:cs typeface="Fira Code" pitchFamily="49" charset="0"/>
+                </a:rPr>
+              </a:br>
+              <a:r>
+                <a:rPr lang="en-US" sz="800">
+                  <a:solidFill>
+                    <a:srgbClr val="080808"/>
+                  </a:solidFill>
+                  <a:effectLst/>
+                  <a:latin typeface="Fira Code" pitchFamily="49" charset="0"/>
+                  <a:ea typeface="Fira Code" pitchFamily="49" charset="0"/>
+                  <a:cs typeface="Fira Code" pitchFamily="49" charset="0"/>
+                </a:rPr>
+                <a:t>      {</a:t>
+              </a:r>
+              <a:br>
+                <a:rPr lang="en-US" sz="800">
+                  <a:solidFill>
+                    <a:srgbClr val="080808"/>
+                  </a:solidFill>
+                  <a:effectLst/>
+                  <a:latin typeface="Fira Code" pitchFamily="49" charset="0"/>
+                  <a:ea typeface="Fira Code" pitchFamily="49" charset="0"/>
+                  <a:cs typeface="Fira Code" pitchFamily="49" charset="0"/>
+                </a:rPr>
+              </a:br>
+              <a:r>
+                <a:rPr lang="en-US" sz="800">
+                  <a:solidFill>
+                    <a:srgbClr val="080808"/>
+                  </a:solidFill>
+                  <a:effectLst/>
+                  <a:latin typeface="Fira Code" pitchFamily="49" charset="0"/>
+                  <a:ea typeface="Fira Code" pitchFamily="49" charset="0"/>
+                  <a:cs typeface="Fira Code" pitchFamily="49" charset="0"/>
+                </a:rPr>
+                <a:t>        "type": "text",</a:t>
+              </a:r>
+              <a:br>
+                <a:rPr lang="en-US" sz="800">
+                  <a:solidFill>
+                    <a:srgbClr val="080808"/>
+                  </a:solidFill>
+                  <a:effectLst/>
+                  <a:latin typeface="Fira Code" pitchFamily="49" charset="0"/>
+                  <a:ea typeface="Fira Code" pitchFamily="49" charset="0"/>
+                  <a:cs typeface="Fira Code" pitchFamily="49" charset="0"/>
+                </a:rPr>
+              </a:br>
+              <a:r>
+                <a:rPr lang="en-US" sz="800">
+                  <a:solidFill>
+                    <a:srgbClr val="080808"/>
+                  </a:solidFill>
+                  <a:effectLst/>
+                  <a:latin typeface="Fira Code" pitchFamily="49" charset="0"/>
+                  <a:ea typeface="Fira Code" pitchFamily="49" charset="0"/>
+                  <a:cs typeface="Fira Code" pitchFamily="49" charset="0"/>
+                </a:rPr>
+                <a:t>        "text": "Are you a customer?",</a:t>
+              </a:r>
+              <a:br>
+                <a:rPr lang="en-US" sz="800">
+                  <a:solidFill>
+                    <a:srgbClr val="080808"/>
+                  </a:solidFill>
+                  <a:effectLst/>
+                  <a:latin typeface="Fira Code" pitchFamily="49" charset="0"/>
+                  <a:ea typeface="Fira Code" pitchFamily="49" charset="0"/>
+                  <a:cs typeface="Fira Code" pitchFamily="49" charset="0"/>
+                </a:rPr>
+              </a:br>
+              <a:r>
+                <a:rPr lang="en-US" sz="800">
+                  <a:solidFill>
+                    <a:srgbClr val="080808"/>
+                  </a:solidFill>
+                  <a:effectLst/>
+                  <a:latin typeface="Fira Code" pitchFamily="49" charset="0"/>
+                  <a:ea typeface="Fira Code" pitchFamily="49" charset="0"/>
+                  <a:cs typeface="Fira Code" pitchFamily="49" charset="0"/>
+                </a:rPr>
+                <a:t>        "tooltip": "text tooltip"</a:t>
+              </a:r>
+              <a:br>
+                <a:rPr lang="en-US" sz="800">
+                  <a:solidFill>
+                    <a:srgbClr val="080808"/>
+                  </a:solidFill>
+                  <a:effectLst/>
+                  <a:latin typeface="Fira Code" pitchFamily="49" charset="0"/>
+                  <a:ea typeface="Fira Code" pitchFamily="49" charset="0"/>
+                  <a:cs typeface="Fira Code" pitchFamily="49" charset="0"/>
+                </a:rPr>
+              </a:br>
+              <a:r>
+                <a:rPr lang="en-US" sz="800">
+                  <a:solidFill>
+                    <a:srgbClr val="080808"/>
+                  </a:solidFill>
+                  <a:effectLst/>
+                  <a:latin typeface="Fira Code" pitchFamily="49" charset="0"/>
+                  <a:ea typeface="Fira Code" pitchFamily="49" charset="0"/>
+                  <a:cs typeface="Fira Code" pitchFamily="49" charset="0"/>
+                </a:rPr>
+                <a:t>      },</a:t>
+              </a:r>
+              <a:br>
+                <a:rPr lang="en-US" sz="800">
+                  <a:solidFill>
+                    <a:srgbClr val="080808"/>
+                  </a:solidFill>
+                  <a:effectLst/>
+                  <a:latin typeface="Fira Code" pitchFamily="49" charset="0"/>
+                  <a:ea typeface="Fira Code" pitchFamily="49" charset="0"/>
+                  <a:cs typeface="Fira Code" pitchFamily="49" charset="0"/>
+                </a:rPr>
+              </a:br>
+              <a:r>
+                <a:rPr lang="en-US" sz="800">
+                  <a:solidFill>
+                    <a:srgbClr val="080808"/>
+                  </a:solidFill>
+                  <a:effectLst/>
+                  <a:latin typeface="Fira Code" pitchFamily="49" charset="0"/>
+                  <a:ea typeface="Fira Code" pitchFamily="49" charset="0"/>
+                  <a:cs typeface="Fira Code" pitchFamily="49" charset="0"/>
+                </a:rPr>
+                <a:t>      {</a:t>
+              </a:r>
+              <a:br>
+                <a:rPr lang="en-US" sz="800">
+                  <a:solidFill>
+                    <a:srgbClr val="080808"/>
+                  </a:solidFill>
+                  <a:effectLst/>
+                  <a:latin typeface="Fira Code" pitchFamily="49" charset="0"/>
+                  <a:ea typeface="Fira Code" pitchFamily="49" charset="0"/>
+                  <a:cs typeface="Fira Code" pitchFamily="49" charset="0"/>
+                </a:rPr>
+              </a:br>
+              <a:r>
+                <a:rPr lang="en-US" sz="800">
+                  <a:solidFill>
+                    <a:srgbClr val="080808"/>
+                  </a:solidFill>
+                  <a:effectLst/>
+                  <a:latin typeface="Fira Code" pitchFamily="49" charset="0"/>
+                  <a:ea typeface="Fira Code" pitchFamily="49" charset="0"/>
+                  <a:cs typeface="Fira Code" pitchFamily="49" charset="0"/>
+                </a:rPr>
+                <a:t>        "type": "horizontal",</a:t>
+              </a:r>
+              <a:br>
+                <a:rPr lang="en-US" sz="800">
+                  <a:solidFill>
+                    <a:srgbClr val="080808"/>
+                  </a:solidFill>
+                  <a:effectLst/>
+                  <a:latin typeface="Fira Code" pitchFamily="49" charset="0"/>
+                  <a:ea typeface="Fira Code" pitchFamily="49" charset="0"/>
+                  <a:cs typeface="Fira Code" pitchFamily="49" charset="0"/>
+                </a:rPr>
+              </a:br>
+              <a:r>
+                <a:rPr lang="en-US" sz="800">
+                  <a:solidFill>
+                    <a:srgbClr val="080808"/>
+                  </a:solidFill>
+                  <a:effectLst/>
+                  <a:latin typeface="Fira Code" pitchFamily="49" charset="0"/>
+                  <a:ea typeface="Fira Code" pitchFamily="49" charset="0"/>
+                  <a:cs typeface="Fira Code" pitchFamily="49" charset="0"/>
+                </a:rPr>
+                <a:t>        "elements": [</a:t>
+              </a:r>
+              <a:br>
+                <a:rPr lang="en-US" sz="800">
+                  <a:solidFill>
+                    <a:srgbClr val="080808"/>
+                  </a:solidFill>
+                  <a:effectLst/>
+                  <a:latin typeface="Fira Code" pitchFamily="49" charset="0"/>
+                  <a:ea typeface="Fira Code" pitchFamily="49" charset="0"/>
+                  <a:cs typeface="Fira Code" pitchFamily="49" charset="0"/>
+                </a:rPr>
+              </a:br>
+              <a:r>
+                <a:rPr lang="en-US" sz="800">
+                  <a:solidFill>
+                    <a:srgbClr val="080808"/>
+                  </a:solidFill>
+                  <a:effectLst/>
+                  <a:latin typeface="Fira Code" pitchFamily="49" charset="0"/>
+                  <a:ea typeface="Fira Code" pitchFamily="49" charset="0"/>
+                  <a:cs typeface="Fira Code" pitchFamily="49" charset="0"/>
+                </a:rPr>
+                <a:t>          {</a:t>
+              </a:r>
+              <a:br>
+                <a:rPr lang="en-US" sz="800">
+                  <a:solidFill>
+                    <a:srgbClr val="080808"/>
+                  </a:solidFill>
+                  <a:effectLst/>
+                  <a:latin typeface="Fira Code" pitchFamily="49" charset="0"/>
+                  <a:ea typeface="Fira Code" pitchFamily="49" charset="0"/>
+                  <a:cs typeface="Fira Code" pitchFamily="49" charset="0"/>
+                </a:rPr>
+              </a:br>
+              <a:r>
+                <a:rPr lang="en-US" sz="800">
+                  <a:solidFill>
+                    <a:srgbClr val="080808"/>
+                  </a:solidFill>
+                  <a:effectLst/>
+                  <a:latin typeface="Fira Code" pitchFamily="49" charset="0"/>
+                  <a:ea typeface="Fira Code" pitchFamily="49" charset="0"/>
+                  <a:cs typeface="Fira Code" pitchFamily="49" charset="0"/>
+                </a:rPr>
+                <a:t>            "type": "button",</a:t>
+              </a:r>
+              <a:br>
+                <a:rPr lang="en-US" sz="800">
+                  <a:solidFill>
+                    <a:srgbClr val="080808"/>
+                  </a:solidFill>
+                  <a:effectLst/>
+                  <a:latin typeface="Fira Code" pitchFamily="49" charset="0"/>
+                  <a:ea typeface="Fira Code" pitchFamily="49" charset="0"/>
+                  <a:cs typeface="Fira Code" pitchFamily="49" charset="0"/>
+                </a:rPr>
+              </a:br>
+              <a:r>
+                <a:rPr lang="en-US" sz="800">
+                  <a:solidFill>
+                    <a:srgbClr val="080808"/>
+                  </a:solidFill>
+                  <a:effectLst/>
+                  <a:latin typeface="Fira Code" pitchFamily="49" charset="0"/>
+                  <a:ea typeface="Fira Code" pitchFamily="49" charset="0"/>
+                  <a:cs typeface="Fira Code" pitchFamily="49" charset="0"/>
+                </a:rPr>
+                <a:t>            "title": "Yes",</a:t>
+              </a:r>
+              <a:br>
+                <a:rPr lang="en-US" sz="800">
+                  <a:solidFill>
+                    <a:srgbClr val="080808"/>
+                  </a:solidFill>
+                  <a:effectLst/>
+                  <a:latin typeface="Fira Code" pitchFamily="49" charset="0"/>
+                  <a:ea typeface="Fira Code" pitchFamily="49" charset="0"/>
+                  <a:cs typeface="Fira Code" pitchFamily="49" charset="0"/>
+                </a:rPr>
+              </a:br>
+              <a:r>
+                <a:rPr lang="en-US" sz="800">
+                  <a:solidFill>
+                    <a:srgbClr val="080808"/>
+                  </a:solidFill>
+                  <a:effectLst/>
+                  <a:latin typeface="Fira Code" pitchFamily="49" charset="0"/>
+                  <a:ea typeface="Fira Code" pitchFamily="49" charset="0"/>
+                  <a:cs typeface="Fira Code" pitchFamily="49" charset="0"/>
+                </a:rPr>
+                <a:t>            "click": {</a:t>
+              </a:r>
+              <a:br>
+                <a:rPr lang="en-US" sz="800">
+                  <a:solidFill>
+                    <a:srgbClr val="080808"/>
+                  </a:solidFill>
+                  <a:effectLst/>
+                  <a:latin typeface="Fira Code" pitchFamily="49" charset="0"/>
+                  <a:ea typeface="Fira Code" pitchFamily="49" charset="0"/>
+                  <a:cs typeface="Fira Code" pitchFamily="49" charset="0"/>
+                </a:rPr>
+              </a:br>
+              <a:r>
+                <a:rPr lang="en-US" sz="800">
+                  <a:solidFill>
+                    <a:srgbClr val="080808"/>
+                  </a:solidFill>
+                  <a:effectLst/>
+                  <a:latin typeface="Fira Code" pitchFamily="49" charset="0"/>
+                  <a:ea typeface="Fira Code" pitchFamily="49" charset="0"/>
+                  <a:cs typeface="Fira Code" pitchFamily="49" charset="0"/>
+                </a:rPr>
+                <a:t>              "actions": [</a:t>
+              </a:r>
+              <a:br>
+                <a:rPr lang="en-US" sz="800">
+                  <a:solidFill>
+                    <a:srgbClr val="080808"/>
+                  </a:solidFill>
+                  <a:effectLst/>
+                  <a:latin typeface="Fira Code" pitchFamily="49" charset="0"/>
+                  <a:ea typeface="Fira Code" pitchFamily="49" charset="0"/>
+                  <a:cs typeface="Fira Code" pitchFamily="49" charset="0"/>
+                </a:rPr>
+              </a:br>
+              <a:r>
+                <a:rPr lang="en-US" sz="800">
+                  <a:solidFill>
+                    <a:srgbClr val="080808"/>
+                  </a:solidFill>
+                  <a:effectLst/>
+                  <a:latin typeface="Fira Code" pitchFamily="49" charset="0"/>
+                  <a:ea typeface="Fira Code" pitchFamily="49" charset="0"/>
+                  <a:cs typeface="Fira Code" pitchFamily="49" charset="0"/>
+                </a:rPr>
+                <a:t>                {</a:t>
+              </a:r>
+              <a:br>
+                <a:rPr lang="en-US" sz="800">
+                  <a:solidFill>
+                    <a:srgbClr val="080808"/>
+                  </a:solidFill>
+                  <a:effectLst/>
+                  <a:latin typeface="Fira Code" pitchFamily="49" charset="0"/>
+                  <a:ea typeface="Fira Code" pitchFamily="49" charset="0"/>
+                  <a:cs typeface="Fira Code" pitchFamily="49" charset="0"/>
+                </a:rPr>
+              </a:br>
+              <a:r>
+                <a:rPr lang="en-US" sz="800">
+                  <a:solidFill>
+                    <a:srgbClr val="080808"/>
+                  </a:solidFill>
+                  <a:effectLst/>
+                  <a:latin typeface="Fira Code" pitchFamily="49" charset="0"/>
+                  <a:ea typeface="Fira Code" pitchFamily="49" charset="0"/>
+                  <a:cs typeface="Fira Code" pitchFamily="49" charset="0"/>
+                </a:rPr>
+                <a:t>                  "type": "publishText",</a:t>
+              </a:r>
+              <a:br>
+                <a:rPr lang="en-US" sz="800">
+                  <a:solidFill>
+                    <a:srgbClr val="080808"/>
+                  </a:solidFill>
+                  <a:effectLst/>
+                  <a:latin typeface="Fira Code" pitchFamily="49" charset="0"/>
+                  <a:ea typeface="Fira Code" pitchFamily="49" charset="0"/>
+                  <a:cs typeface="Fira Code" pitchFamily="49" charset="0"/>
+                </a:rPr>
+              </a:br>
+              <a:r>
+                <a:rPr lang="en-US" sz="800">
+                  <a:solidFill>
+                    <a:srgbClr val="080808"/>
+                  </a:solidFill>
+                  <a:effectLst/>
+                  <a:latin typeface="Fira Code" pitchFamily="49" charset="0"/>
+                  <a:ea typeface="Fira Code" pitchFamily="49" charset="0"/>
+                  <a:cs typeface="Fira Code" pitchFamily="49" charset="0"/>
+                </a:rPr>
+                <a:t>                  "text": "Yes, I'm a customer"</a:t>
+              </a:r>
+              <a:br>
+                <a:rPr lang="en-US" sz="800">
+                  <a:solidFill>
+                    <a:srgbClr val="080808"/>
+                  </a:solidFill>
+                  <a:effectLst/>
+                  <a:latin typeface="Fira Code" pitchFamily="49" charset="0"/>
+                  <a:ea typeface="Fira Code" pitchFamily="49" charset="0"/>
+                  <a:cs typeface="Fira Code" pitchFamily="49" charset="0"/>
+                </a:rPr>
+              </a:br>
+              <a:r>
+                <a:rPr lang="en-US" sz="800">
+                  <a:solidFill>
+                    <a:srgbClr val="080808"/>
+                  </a:solidFill>
+                  <a:effectLst/>
+                  <a:latin typeface="Fira Code" pitchFamily="49" charset="0"/>
+                  <a:ea typeface="Fira Code" pitchFamily="49" charset="0"/>
+                  <a:cs typeface="Fira Code" pitchFamily="49" charset="0"/>
+                </a:rPr>
+                <a:t>                }</a:t>
+              </a:r>
+              <a:br>
+                <a:rPr lang="en-US" sz="800">
+                  <a:solidFill>
+                    <a:srgbClr val="080808"/>
+                  </a:solidFill>
+                  <a:effectLst/>
+                  <a:latin typeface="Fira Code" pitchFamily="49" charset="0"/>
+                  <a:ea typeface="Fira Code" pitchFamily="49" charset="0"/>
+                  <a:cs typeface="Fira Code" pitchFamily="49" charset="0"/>
+                </a:rPr>
+              </a:br>
+              <a:r>
+                <a:rPr lang="en-US" sz="800">
+                  <a:solidFill>
+                    <a:srgbClr val="080808"/>
+                  </a:solidFill>
+                  <a:effectLst/>
+                  <a:latin typeface="Fira Code" pitchFamily="49" charset="0"/>
+                  <a:ea typeface="Fira Code" pitchFamily="49" charset="0"/>
+                  <a:cs typeface="Fira Code" pitchFamily="49" charset="0"/>
+                </a:rPr>
+                <a:t>              ]</a:t>
+              </a:r>
+              <a:br>
+                <a:rPr lang="en-US" sz="800">
+                  <a:solidFill>
+                    <a:srgbClr val="080808"/>
+                  </a:solidFill>
+                  <a:effectLst/>
+                  <a:latin typeface="Fira Code" pitchFamily="49" charset="0"/>
+                  <a:ea typeface="Fira Code" pitchFamily="49" charset="0"/>
+                  <a:cs typeface="Fira Code" pitchFamily="49" charset="0"/>
+                </a:rPr>
+              </a:br>
+              <a:r>
+                <a:rPr lang="en-US" sz="800">
+                  <a:solidFill>
+                    <a:srgbClr val="080808"/>
+                  </a:solidFill>
+                  <a:effectLst/>
+                  <a:latin typeface="Fira Code" pitchFamily="49" charset="0"/>
+                  <a:ea typeface="Fira Code" pitchFamily="49" charset="0"/>
+                  <a:cs typeface="Fira Code" pitchFamily="49" charset="0"/>
+                </a:rPr>
+                <a:t>            }</a:t>
+              </a:r>
+              <a:br>
+                <a:rPr lang="en-US" sz="800">
+                  <a:solidFill>
+                    <a:srgbClr val="080808"/>
+                  </a:solidFill>
+                  <a:effectLst/>
+                  <a:latin typeface="Fira Code" pitchFamily="49" charset="0"/>
+                  <a:ea typeface="Fira Code" pitchFamily="49" charset="0"/>
+                  <a:cs typeface="Fira Code" pitchFamily="49" charset="0"/>
+                </a:rPr>
+              </a:br>
+              <a:r>
+                <a:rPr lang="en-US" sz="800">
+                  <a:solidFill>
+                    <a:srgbClr val="080808"/>
+                  </a:solidFill>
+                  <a:effectLst/>
+                  <a:latin typeface="Fira Code" pitchFamily="49" charset="0"/>
+                  <a:ea typeface="Fira Code" pitchFamily="49" charset="0"/>
+                  <a:cs typeface="Fira Code" pitchFamily="49" charset="0"/>
+                </a:rPr>
+                <a:t>          },</a:t>
+              </a:r>
+              <a:br>
+                <a:rPr lang="en-US" sz="800">
+                  <a:solidFill>
+                    <a:srgbClr val="080808"/>
+                  </a:solidFill>
+                  <a:effectLst/>
+                  <a:latin typeface="Fira Code" pitchFamily="49" charset="0"/>
+                  <a:ea typeface="Fira Code" pitchFamily="49" charset="0"/>
+                  <a:cs typeface="Fira Code" pitchFamily="49" charset="0"/>
+                </a:rPr>
+              </a:br>
+              <a:r>
+                <a:rPr lang="en-US" sz="800">
+                  <a:solidFill>
+                    <a:srgbClr val="080808"/>
+                  </a:solidFill>
+                  <a:effectLst/>
+                  <a:latin typeface="Fira Code" pitchFamily="49" charset="0"/>
+                  <a:ea typeface="Fira Code" pitchFamily="49" charset="0"/>
+                  <a:cs typeface="Fira Code" pitchFamily="49" charset="0"/>
+                </a:rPr>
+                <a:t>          {</a:t>
+              </a:r>
+              <a:br>
+                <a:rPr lang="en-US" sz="800">
+                  <a:solidFill>
+                    <a:srgbClr val="080808"/>
+                  </a:solidFill>
+                  <a:effectLst/>
+                  <a:latin typeface="Fira Code" pitchFamily="49" charset="0"/>
+                  <a:ea typeface="Fira Code" pitchFamily="49" charset="0"/>
+                  <a:cs typeface="Fira Code" pitchFamily="49" charset="0"/>
+                </a:rPr>
+              </a:br>
+              <a:r>
+                <a:rPr lang="en-US" sz="800">
+                  <a:solidFill>
+                    <a:srgbClr val="080808"/>
+                  </a:solidFill>
+                  <a:effectLst/>
+                  <a:latin typeface="Fira Code" pitchFamily="49" charset="0"/>
+                  <a:ea typeface="Fira Code" pitchFamily="49" charset="0"/>
+                  <a:cs typeface="Fira Code" pitchFamily="49" charset="0"/>
+                </a:rPr>
+                <a:t>            "type": "button",</a:t>
+              </a:r>
+              <a:br>
+                <a:rPr lang="en-US" sz="800">
+                  <a:solidFill>
+                    <a:srgbClr val="080808"/>
+                  </a:solidFill>
+                  <a:effectLst/>
+                  <a:latin typeface="Fira Code" pitchFamily="49" charset="0"/>
+                  <a:ea typeface="Fira Code" pitchFamily="49" charset="0"/>
+                  <a:cs typeface="Fira Code" pitchFamily="49" charset="0"/>
+                </a:rPr>
+              </a:br>
+              <a:r>
+                <a:rPr lang="en-US" sz="800">
+                  <a:solidFill>
+                    <a:srgbClr val="080808"/>
+                  </a:solidFill>
+                  <a:effectLst/>
+                  <a:latin typeface="Fira Code" pitchFamily="49" charset="0"/>
+                  <a:ea typeface="Fira Code" pitchFamily="49" charset="0"/>
+                  <a:cs typeface="Fira Code" pitchFamily="49" charset="0"/>
+                </a:rPr>
+                <a:t>            "title": "No",</a:t>
+              </a:r>
+              <a:br>
+                <a:rPr lang="en-US" sz="800">
+                  <a:solidFill>
+                    <a:srgbClr val="080808"/>
+                  </a:solidFill>
+                  <a:effectLst/>
+                  <a:latin typeface="Fira Code" pitchFamily="49" charset="0"/>
+                  <a:ea typeface="Fira Code" pitchFamily="49" charset="0"/>
+                  <a:cs typeface="Fira Code" pitchFamily="49" charset="0"/>
+                </a:rPr>
+              </a:br>
+              <a:r>
+                <a:rPr lang="en-US" sz="800">
+                  <a:solidFill>
+                    <a:srgbClr val="080808"/>
+                  </a:solidFill>
+                  <a:effectLst/>
+                  <a:latin typeface="Fira Code" pitchFamily="49" charset="0"/>
+                  <a:ea typeface="Fira Code" pitchFamily="49" charset="0"/>
+                  <a:cs typeface="Fira Code" pitchFamily="49" charset="0"/>
+                </a:rPr>
+                <a:t>            "click": {</a:t>
+              </a:r>
+              <a:br>
+                <a:rPr lang="en-US" sz="800">
+                  <a:solidFill>
+                    <a:srgbClr val="080808"/>
+                  </a:solidFill>
+                  <a:effectLst/>
+                  <a:latin typeface="Fira Code" pitchFamily="49" charset="0"/>
+                  <a:ea typeface="Fira Code" pitchFamily="49" charset="0"/>
+                  <a:cs typeface="Fira Code" pitchFamily="49" charset="0"/>
+                </a:rPr>
+              </a:br>
+              <a:r>
+                <a:rPr lang="en-US" sz="800">
+                  <a:solidFill>
+                    <a:srgbClr val="080808"/>
+                  </a:solidFill>
+                  <a:effectLst/>
+                  <a:latin typeface="Fira Code" pitchFamily="49" charset="0"/>
+                  <a:ea typeface="Fira Code" pitchFamily="49" charset="0"/>
+                  <a:cs typeface="Fira Code" pitchFamily="49" charset="0"/>
+                </a:rPr>
+                <a:t>              "actions": [</a:t>
+              </a:r>
+              <a:br>
+                <a:rPr lang="en-US" sz="800">
+                  <a:solidFill>
+                    <a:srgbClr val="080808"/>
+                  </a:solidFill>
+                  <a:effectLst/>
+                  <a:latin typeface="Fira Code" pitchFamily="49" charset="0"/>
+                  <a:ea typeface="Fira Code" pitchFamily="49" charset="0"/>
+                  <a:cs typeface="Fira Code" pitchFamily="49" charset="0"/>
+                </a:rPr>
+              </a:br>
+              <a:r>
+                <a:rPr lang="en-US" sz="800">
+                  <a:solidFill>
+                    <a:srgbClr val="080808"/>
+                  </a:solidFill>
+                  <a:effectLst/>
+                  <a:latin typeface="Fira Code" pitchFamily="49" charset="0"/>
+                  <a:ea typeface="Fira Code" pitchFamily="49" charset="0"/>
+                  <a:cs typeface="Fira Code" pitchFamily="49" charset="0"/>
+                </a:rPr>
+                <a:t>                {</a:t>
+              </a:r>
+              <a:br>
+                <a:rPr lang="en-US" sz="800">
+                  <a:solidFill>
+                    <a:srgbClr val="080808"/>
+                  </a:solidFill>
+                  <a:effectLst/>
+                  <a:latin typeface="Fira Code" pitchFamily="49" charset="0"/>
+                  <a:ea typeface="Fira Code" pitchFamily="49" charset="0"/>
+                  <a:cs typeface="Fira Code" pitchFamily="49" charset="0"/>
+                </a:rPr>
+              </a:br>
+              <a:r>
+                <a:rPr lang="en-US" sz="800">
+                  <a:solidFill>
+                    <a:srgbClr val="080808"/>
+                  </a:solidFill>
+                  <a:effectLst/>
+                  <a:latin typeface="Fira Code" pitchFamily="49" charset="0"/>
+                  <a:ea typeface="Fira Code" pitchFamily="49" charset="0"/>
+                  <a:cs typeface="Fira Code" pitchFamily="49" charset="0"/>
+                </a:rPr>
+                <a:t>                  "type": "publishText",</a:t>
+              </a:r>
+              <a:br>
+                <a:rPr lang="en-US" sz="800">
+                  <a:solidFill>
+                    <a:srgbClr val="080808"/>
+                  </a:solidFill>
+                  <a:effectLst/>
+                  <a:latin typeface="Fira Code" pitchFamily="49" charset="0"/>
+                  <a:ea typeface="Fira Code" pitchFamily="49" charset="0"/>
+                  <a:cs typeface="Fira Code" pitchFamily="49" charset="0"/>
+                </a:rPr>
+              </a:br>
+              <a:r>
+                <a:rPr lang="en-US" sz="800">
+                  <a:solidFill>
+                    <a:srgbClr val="080808"/>
+                  </a:solidFill>
+                  <a:effectLst/>
+                  <a:latin typeface="Fira Code" pitchFamily="49" charset="0"/>
+                  <a:ea typeface="Fira Code" pitchFamily="49" charset="0"/>
+                  <a:cs typeface="Fira Code" pitchFamily="49" charset="0"/>
+                </a:rPr>
+                <a:t>                  "text": "No, I'm not"</a:t>
+              </a:r>
+              <a:br>
+                <a:rPr lang="en-US" sz="800">
+                  <a:solidFill>
+                    <a:srgbClr val="080808"/>
+                  </a:solidFill>
+                  <a:effectLst/>
+                  <a:latin typeface="Fira Code" pitchFamily="49" charset="0"/>
+                  <a:ea typeface="Fira Code" pitchFamily="49" charset="0"/>
+                  <a:cs typeface="Fira Code" pitchFamily="49" charset="0"/>
+                </a:rPr>
+              </a:br>
+              <a:r>
+                <a:rPr lang="en-US" sz="800">
+                  <a:solidFill>
+                    <a:srgbClr val="080808"/>
+                  </a:solidFill>
+                  <a:effectLst/>
+                  <a:latin typeface="Fira Code" pitchFamily="49" charset="0"/>
+                  <a:ea typeface="Fira Code" pitchFamily="49" charset="0"/>
+                  <a:cs typeface="Fira Code" pitchFamily="49" charset="0"/>
+                </a:rPr>
+                <a:t>                }</a:t>
+              </a:r>
+              <a:br>
+                <a:rPr lang="en-US" sz="800">
+                  <a:solidFill>
+                    <a:srgbClr val="080808"/>
+                  </a:solidFill>
+                  <a:effectLst/>
+                  <a:latin typeface="Fira Code" pitchFamily="49" charset="0"/>
+                  <a:ea typeface="Fira Code" pitchFamily="49" charset="0"/>
+                  <a:cs typeface="Fira Code" pitchFamily="49" charset="0"/>
+                </a:rPr>
+              </a:br>
+              <a:r>
+                <a:rPr lang="en-US" sz="800">
+                  <a:solidFill>
+                    <a:srgbClr val="080808"/>
+                  </a:solidFill>
+                  <a:effectLst/>
+                  <a:latin typeface="Fira Code" pitchFamily="49" charset="0"/>
+                  <a:ea typeface="Fira Code" pitchFamily="49" charset="0"/>
+                  <a:cs typeface="Fira Code" pitchFamily="49" charset="0"/>
+                </a:rPr>
+                <a:t>              ]</a:t>
+              </a:r>
+              <a:br>
+                <a:rPr lang="en-US" sz="800">
+                  <a:solidFill>
+                    <a:srgbClr val="080808"/>
+                  </a:solidFill>
+                  <a:effectLst/>
+                  <a:latin typeface="Fira Code" pitchFamily="49" charset="0"/>
+                  <a:ea typeface="Fira Code" pitchFamily="49" charset="0"/>
+                  <a:cs typeface="Fira Code" pitchFamily="49" charset="0"/>
+                </a:rPr>
+              </a:br>
+              <a:r>
+                <a:rPr lang="en-US" sz="800">
+                  <a:solidFill>
+                    <a:srgbClr val="080808"/>
+                  </a:solidFill>
+                  <a:effectLst/>
+                  <a:latin typeface="Fira Code" pitchFamily="49" charset="0"/>
+                  <a:ea typeface="Fira Code" pitchFamily="49" charset="0"/>
+                  <a:cs typeface="Fira Code" pitchFamily="49" charset="0"/>
+                </a:rPr>
+                <a:t>            }</a:t>
+              </a:r>
+              <a:br>
+                <a:rPr lang="en-US" sz="800">
+                  <a:solidFill>
+                    <a:srgbClr val="080808"/>
+                  </a:solidFill>
+                  <a:effectLst/>
+                  <a:latin typeface="Fira Code" pitchFamily="49" charset="0"/>
+                  <a:ea typeface="Fira Code" pitchFamily="49" charset="0"/>
+                  <a:cs typeface="Fira Code" pitchFamily="49" charset="0"/>
+                </a:rPr>
+              </a:br>
+              <a:r>
+                <a:rPr lang="en-US" sz="800">
+                  <a:solidFill>
+                    <a:srgbClr val="080808"/>
+                  </a:solidFill>
+                  <a:effectLst/>
+                  <a:latin typeface="Fira Code" pitchFamily="49" charset="0"/>
+                  <a:ea typeface="Fira Code" pitchFamily="49" charset="0"/>
+                  <a:cs typeface="Fira Code" pitchFamily="49" charset="0"/>
+                </a:rPr>
+                <a:t>          }</a:t>
+              </a:r>
+              <a:br>
+                <a:rPr lang="en-US" sz="800">
+                  <a:solidFill>
+                    <a:srgbClr val="080808"/>
+                  </a:solidFill>
+                  <a:effectLst/>
+                  <a:latin typeface="Fira Code" pitchFamily="49" charset="0"/>
+                  <a:ea typeface="Fira Code" pitchFamily="49" charset="0"/>
+                  <a:cs typeface="Fira Code" pitchFamily="49" charset="0"/>
+                </a:rPr>
+              </a:br>
+              <a:r>
+                <a:rPr lang="en-US" sz="800">
+                  <a:solidFill>
+                    <a:srgbClr val="080808"/>
+                  </a:solidFill>
+                  <a:effectLst/>
+                  <a:latin typeface="Fira Code" pitchFamily="49" charset="0"/>
+                  <a:ea typeface="Fira Code" pitchFamily="49" charset="0"/>
+                  <a:cs typeface="Fira Code" pitchFamily="49" charset="0"/>
+                </a:rPr>
+                <a:t>        ]</a:t>
+              </a:r>
+              <a:br>
+                <a:rPr lang="en-US" sz="800">
+                  <a:solidFill>
+                    <a:srgbClr val="080808"/>
+                  </a:solidFill>
+                  <a:effectLst/>
+                  <a:latin typeface="Fira Code" pitchFamily="49" charset="0"/>
+                  <a:ea typeface="Fira Code" pitchFamily="49" charset="0"/>
+                  <a:cs typeface="Fira Code" pitchFamily="49" charset="0"/>
+                </a:rPr>
+              </a:br>
+              <a:r>
+                <a:rPr lang="en-US" sz="800">
+                  <a:solidFill>
+                    <a:srgbClr val="080808"/>
+                  </a:solidFill>
+                  <a:effectLst/>
+                  <a:latin typeface="Fira Code" pitchFamily="49" charset="0"/>
+                  <a:ea typeface="Fira Code" pitchFamily="49" charset="0"/>
+                  <a:cs typeface="Fira Code" pitchFamily="49" charset="0"/>
+                </a:rPr>
+                <a:t>      }</a:t>
+              </a:r>
+              <a:br>
+                <a:rPr lang="en-US" sz="800">
+                  <a:solidFill>
+                    <a:srgbClr val="080808"/>
+                  </a:solidFill>
+                  <a:effectLst/>
+                  <a:latin typeface="Fira Code" pitchFamily="49" charset="0"/>
+                  <a:ea typeface="Fira Code" pitchFamily="49" charset="0"/>
+                  <a:cs typeface="Fira Code" pitchFamily="49" charset="0"/>
+                </a:rPr>
+              </a:br>
+              <a:r>
+                <a:rPr lang="en-US" sz="800">
+                  <a:solidFill>
+                    <a:srgbClr val="080808"/>
+                  </a:solidFill>
+                  <a:effectLst/>
+                  <a:latin typeface="Fira Code" pitchFamily="49" charset="0"/>
+                  <a:ea typeface="Fira Code" pitchFamily="49" charset="0"/>
+                  <a:cs typeface="Fira Code" pitchFamily="49" charset="0"/>
+                </a:rPr>
+                <a:t>    ]</a:t>
+              </a:r>
+              <a:br>
+                <a:rPr lang="en-US" sz="800">
+                  <a:solidFill>
+                    <a:srgbClr val="080808"/>
+                  </a:solidFill>
+                  <a:effectLst/>
+                  <a:latin typeface="Fira Code" pitchFamily="49" charset="0"/>
+                  <a:ea typeface="Fira Code" pitchFamily="49" charset="0"/>
+                  <a:cs typeface="Fira Code" pitchFamily="49" charset="0"/>
+                </a:rPr>
+              </a:br>
+              <a:r>
+                <a:rPr lang="en-US" sz="800">
+                  <a:solidFill>
+                    <a:srgbClr val="080808"/>
+                  </a:solidFill>
+                  <a:effectLst/>
+                  <a:latin typeface="Fira Code" pitchFamily="49" charset="0"/>
+                  <a:ea typeface="Fira Code" pitchFamily="49" charset="0"/>
+                  <a:cs typeface="Fira Code" pitchFamily="49" charset="0"/>
+                </a:rPr>
+                <a:t>  }</a:t>
+              </a:r>
+              <a:br>
+                <a:rPr lang="en-US" sz="800">
+                  <a:solidFill>
+                    <a:srgbClr val="080808"/>
+                  </a:solidFill>
+                  <a:effectLst/>
+                  <a:latin typeface="Fira Code" pitchFamily="49" charset="0"/>
+                  <a:ea typeface="Fira Code" pitchFamily="49" charset="0"/>
+                  <a:cs typeface="Fira Code" pitchFamily="49" charset="0"/>
+                </a:rPr>
+              </a:br>
+              <a:r>
+                <a:rPr lang="en-US" sz="800">
+                  <a:solidFill>
+                    <a:srgbClr val="080808"/>
+                  </a:solidFill>
+                  <a:effectLst/>
+                  <a:latin typeface="Fira Code" pitchFamily="49" charset="0"/>
+                  <a:ea typeface="Fira Code" pitchFamily="49" charset="0"/>
+                  <a:cs typeface="Fira Code" pitchFamily="49" charset="0"/>
+                </a:rPr>
+                <a:t>}</a:t>
+              </a:r>
+              <a:br>
+                <a:rPr lang="en-US" sz="800">
+                  <a:solidFill>
+                    <a:srgbClr val="080808"/>
+                  </a:solidFill>
+                  <a:effectLst/>
+                  <a:latin typeface="Fira Code" pitchFamily="49" charset="0"/>
+                  <a:ea typeface="Fira Code" pitchFamily="49" charset="0"/>
+                  <a:cs typeface="Fira Code" pitchFamily="49" charset="0"/>
+                </a:rPr>
+              </a:br>
+              <a:br>
+                <a:rPr lang="en-US" sz="800">
+                  <a:solidFill>
+                    <a:srgbClr val="080808"/>
+                  </a:solidFill>
+                  <a:effectLst/>
+                  <a:latin typeface="Fira Code" pitchFamily="49" charset="0"/>
+                  <a:ea typeface="Fira Code" pitchFamily="49" charset="0"/>
+                  <a:cs typeface="Fira Code" pitchFamily="49" charset="0"/>
+                </a:rPr>
+              </a:br>
+              <a:endParaRPr lang="en-US" sz="800">
+                <a:solidFill>
+                  <a:srgbClr val="080808"/>
+                </a:solidFill>
+                <a:effectLst/>
+                <a:latin typeface="Fira Code" pitchFamily="49" charset="0"/>
+                <a:ea typeface="Fira Code" pitchFamily="49" charset="0"/>
+                <a:cs typeface="Fira Code" pitchFamily="49" charset="0"/>
+              </a:endParaRPr>
+            </a:p>
+            <a:p>
+              <a:endParaRPr lang="en-US" sz="800">
+                <a:latin typeface="Fira Code" pitchFamily="49" charset="0"/>
+                <a:ea typeface="Fira Code" pitchFamily="49" charset="0"/>
+                <a:cs typeface="Fira Code" pitchFamily="49" charset="0"/>
+              </a:endParaRPr>
+            </a:p>
+          </p:txBody>
+        </p:sp>
+      </p:grpSp>
+    </p:spTree>
+    <p:extLst>
+      <p:ext uri="{BB962C8B-B14F-4D97-AF65-F5344CB8AC3E}">
+        <p14:creationId xmlns:p14="http://schemas.microsoft.com/office/powerpoint/2010/main" val="2889258202"/>
+      </p:ext>
+    </p:extLst>
+  </p:cSld>
+  <p:clrMapOvr>
+    <a:masterClrMapping/>
+  </p:clrMapOvr>
+</p:sld>
+</file>
+
+<file path=ppt/slides/slide16.xml><?xml version="1.0" encoding="utf-8"?>
+<p:sld xmlns:a="http://schemas.openxmlformats.org/drawingml/2006/main" xmlns:r="http://schemas.openxmlformats.org/officeDocument/2006/relationships" xmlns:p="http://schemas.openxmlformats.org/presentationml/2006/main">
+  <p:cSld>
+    <p:spTree>
+      <p:nvGrpSpPr>
+        <p:cNvPr id="1" name="">
+          <a:extLst>
+            <a:ext uri="{FF2B5EF4-FFF2-40B4-BE49-F238E27FC236}">
+              <a16:creationId xmlns:a16="http://schemas.microsoft.com/office/drawing/2014/main" id="{413A918F-3D5E-FDFE-A977-97CA8CBC31FB}"/>
+            </a:ext>
+          </a:extLst>
+        </p:cNvPr>
+        <p:cNvGrpSpPr/>
+        <p:nvPr/>
+      </p:nvGrpSpPr>
+      <p:grpSpPr>
+        <a:xfrm>
+          <a:off x="0" y="0"/>
+          <a:ext cx="0" cy="0"/>
+          <a:chOff x="0" y="0"/>
+          <a:chExt cx="0" cy="0"/>
+        </a:xfrm>
+      </p:grpSpPr>
+      <p:pic>
+        <p:nvPicPr>
+          <p:cNvPr id="7" name="Picture 6" descr="A close-up of a message&#10;&#10;Description automatically generated">
+            <a:extLst>
+              <a:ext uri="{FF2B5EF4-FFF2-40B4-BE49-F238E27FC236}">
+                <a16:creationId xmlns:a16="http://schemas.microsoft.com/office/drawing/2014/main" id="{953DFCB3-7E3D-09AF-C472-522C847959C2}"/>
+              </a:ext>
+            </a:extLst>
+          </p:cNvPr>
+          <p:cNvPicPr>
+            <a:picLocks noChangeAspect="1"/>
+          </p:cNvPicPr>
+          <p:nvPr/>
+        </p:nvPicPr>
+        <p:blipFill>
+          <a:blip r:embed="rId3"/>
+          <a:stretch>
+            <a:fillRect/>
+          </a:stretch>
+        </p:blipFill>
+        <p:spPr>
+          <a:xfrm>
+            <a:off x="1323878" y="446061"/>
+            <a:ext cx="4198620" cy="836506"/>
+          </a:xfrm>
+          <a:prstGeom prst="rect">
+            <a:avLst/>
+          </a:prstGeom>
+        </p:spPr>
+      </p:pic>
+      <p:sp>
+        <p:nvSpPr>
+          <p:cNvPr id="8" name="Cross 7">
+            <a:extLst>
+              <a:ext uri="{FF2B5EF4-FFF2-40B4-BE49-F238E27FC236}">
+                <a16:creationId xmlns:a16="http://schemas.microsoft.com/office/drawing/2014/main" id="{23D754F2-1D98-CCAE-0503-ABCEAE55B424}"/>
+              </a:ext>
+            </a:extLst>
+          </p:cNvPr>
+          <p:cNvSpPr/>
+          <p:nvPr/>
+        </p:nvSpPr>
+        <p:spPr>
+          <a:xfrm>
+            <a:off x="4845364" y="1386294"/>
+            <a:ext cx="539496" cy="539496"/>
+          </a:xfrm>
+          <a:prstGeom prst="plus">
+            <a:avLst>
+              <a:gd name="adj" fmla="val 42290"/>
+            </a:avLst>
+          </a:prstGeom>
+        </p:spPr>
+        <p:style>
+          <a:lnRef idx="2">
+            <a:schemeClr val="accent1">
+              <a:shade val="15000"/>
+            </a:schemeClr>
+          </a:lnRef>
+          <a:fillRef idx="1">
+            <a:schemeClr val="accent1"/>
+          </a:fillRef>
+          <a:effectRef idx="0">
+            <a:schemeClr val="accent1"/>
+          </a:effectRef>
+          <a:fontRef idx="minor">
+            <a:schemeClr val="lt1"/>
+          </a:fontRef>
+        </p:style>
+        <p:txBody>
+          <a:bodyPr rtlCol="0" anchor="ctr"/>
+          <a:lstStyle/>
+          <a:p>
+            <a:pPr algn="ctr"/>
+            <a:endParaRPr lang="en-US"/>
+          </a:p>
+        </p:txBody>
+      </p:sp>
+      <p:grpSp>
+        <p:nvGrpSpPr>
+          <p:cNvPr id="12" name="!!approval">
+            <a:extLst>
+              <a:ext uri="{FF2B5EF4-FFF2-40B4-BE49-F238E27FC236}">
+                <a16:creationId xmlns:a16="http://schemas.microsoft.com/office/drawing/2014/main" id="{0E128369-6301-FCCB-F3B2-71570FED9CCF}"/>
+              </a:ext>
+            </a:extLst>
+          </p:cNvPr>
+          <p:cNvGrpSpPr/>
+          <p:nvPr/>
+        </p:nvGrpSpPr>
+        <p:grpSpPr>
+          <a:xfrm>
+            <a:off x="6807142" y="494629"/>
+            <a:ext cx="5057410" cy="2862322"/>
+            <a:chOff x="7410211" y="409485"/>
+            <a:chExt cx="5057410" cy="2862322"/>
+          </a:xfrm>
+        </p:grpSpPr>
+        <p:sp>
+          <p:nvSpPr>
+            <p:cNvPr id="5" name="!!highlight3">
+              <a:extLst>
+                <a:ext uri="{FF2B5EF4-FFF2-40B4-BE49-F238E27FC236}">
+                  <a16:creationId xmlns:a16="http://schemas.microsoft.com/office/drawing/2014/main" id="{3028AC2B-5486-9EDF-FD58-664385617F24}"/>
+                </a:ext>
+              </a:extLst>
+            </p:cNvPr>
+            <p:cNvSpPr/>
+            <p:nvPr/>
+          </p:nvSpPr>
+          <p:spPr>
+            <a:xfrm flipV="1">
+              <a:off x="8723376" y="2045559"/>
+              <a:ext cx="2194560" cy="277019"/>
+            </a:xfrm>
+            <a:prstGeom prst="rect">
+              <a:avLst/>
+            </a:prstGeom>
+            <a:solidFill>
+              <a:srgbClr val="FFFF00">
+                <a:alpha val="50196"/>
+              </a:srgbClr>
+            </a:solidFill>
+            <a:ln>
+              <a:noFill/>
+            </a:ln>
+          </p:spPr>
+          <p:style>
+            <a:lnRef idx="2">
+              <a:schemeClr val="accent1">
+                <a:shade val="15000"/>
+              </a:schemeClr>
+            </a:lnRef>
+            <a:fillRef idx="1">
+              <a:schemeClr val="accent1"/>
+            </a:fillRef>
+            <a:effectRef idx="0">
+              <a:schemeClr val="accent1"/>
+            </a:effectRef>
+            <a:fontRef idx="minor">
+              <a:schemeClr val="lt1"/>
+            </a:fontRef>
+          </p:style>
+          <p:txBody>
+            <a:bodyPr rtlCol="0" anchor="ctr"/>
+            <a:lstStyle/>
+            <a:p>
+              <a:pPr algn="r"/>
+              <a:endParaRPr lang="en-US">
+                <a:highlight>
+                  <a:srgbClr val="FFFF00"/>
+                </a:highlight>
+              </a:endParaRPr>
+            </a:p>
+          </p:txBody>
+        </p:sp>
+        <p:sp>
+          <p:nvSpPr>
+            <p:cNvPr id="6" name="!!highlight2">
+              <a:extLst>
+                <a:ext uri="{FF2B5EF4-FFF2-40B4-BE49-F238E27FC236}">
+                  <a16:creationId xmlns:a16="http://schemas.microsoft.com/office/drawing/2014/main" id="{E90B6202-4A69-B30D-D111-74E728124C2F}"/>
+                </a:ext>
+              </a:extLst>
+            </p:cNvPr>
+            <p:cNvSpPr/>
+            <p:nvPr/>
+          </p:nvSpPr>
+          <p:spPr>
+            <a:xfrm>
+              <a:off x="8723376" y="2351433"/>
+              <a:ext cx="2459301" cy="277018"/>
+            </a:xfrm>
+            <a:prstGeom prst="rect">
+              <a:avLst/>
+            </a:prstGeom>
+            <a:solidFill>
+              <a:srgbClr val="FFFF00">
+                <a:alpha val="50196"/>
+              </a:srgbClr>
+            </a:solidFill>
+            <a:ln>
+              <a:noFill/>
+            </a:ln>
+          </p:spPr>
+          <p:style>
+            <a:lnRef idx="2">
+              <a:schemeClr val="accent1">
+                <a:shade val="15000"/>
+              </a:schemeClr>
+            </a:lnRef>
+            <a:fillRef idx="1">
+              <a:schemeClr val="accent1"/>
+            </a:fillRef>
+            <a:effectRef idx="0">
+              <a:schemeClr val="accent1"/>
+            </a:effectRef>
+            <a:fontRef idx="minor">
+              <a:schemeClr val="lt1"/>
+            </a:fontRef>
+          </p:style>
+          <p:txBody>
+            <a:bodyPr rtlCol="0" anchor="ctr"/>
+            <a:lstStyle/>
+            <a:p>
+              <a:pPr algn="r"/>
+              <a:endParaRPr lang="en-US"/>
+            </a:p>
+          </p:txBody>
+        </p:sp>
+        <p:sp>
+          <p:nvSpPr>
+            <p:cNvPr id="9" name="!!highlight1">
+              <a:extLst>
+                <a:ext uri="{FF2B5EF4-FFF2-40B4-BE49-F238E27FC236}">
+                  <a16:creationId xmlns:a16="http://schemas.microsoft.com/office/drawing/2014/main" id="{D4C73E28-1109-D922-6242-8370A3EAFCA2}"/>
+                </a:ext>
+              </a:extLst>
+            </p:cNvPr>
+            <p:cNvSpPr/>
+            <p:nvPr/>
+          </p:nvSpPr>
+          <p:spPr>
+            <a:xfrm>
+              <a:off x="8723376" y="2657305"/>
+              <a:ext cx="1563624" cy="274320"/>
+            </a:xfrm>
+            <a:prstGeom prst="rect">
+              <a:avLst/>
+            </a:prstGeom>
+            <a:solidFill>
+              <a:srgbClr val="FFFF00">
+                <a:alpha val="50196"/>
+              </a:srgbClr>
+            </a:solidFill>
+            <a:ln>
+              <a:noFill/>
+            </a:ln>
+          </p:spPr>
+          <p:style>
+            <a:lnRef idx="2">
+              <a:schemeClr val="accent1">
+                <a:shade val="15000"/>
+              </a:schemeClr>
+            </a:lnRef>
+            <a:fillRef idx="1">
+              <a:schemeClr val="accent1"/>
+            </a:fillRef>
+            <a:effectRef idx="0">
+              <a:schemeClr val="accent1"/>
+            </a:effectRef>
+            <a:fontRef idx="minor">
+              <a:schemeClr val="lt1"/>
+            </a:fontRef>
+          </p:style>
+          <p:txBody>
+            <a:bodyPr rtlCol="0" anchor="ctr"/>
+            <a:lstStyle/>
+            <a:p>
+              <a:pPr algn="r"/>
+              <a:endParaRPr lang="en-US"/>
+            </a:p>
+          </p:txBody>
+        </p:sp>
+        <p:sp>
+          <p:nvSpPr>
+            <p:cNvPr id="11" name="!!approvalText">
+              <a:extLst>
+                <a:ext uri="{FF2B5EF4-FFF2-40B4-BE49-F238E27FC236}">
+                  <a16:creationId xmlns:a16="http://schemas.microsoft.com/office/drawing/2014/main" id="{8B22F973-84B8-629C-36F8-1A9C6B3D2BEA}"/>
+                </a:ext>
+              </a:extLst>
+            </p:cNvPr>
+            <p:cNvSpPr txBox="1"/>
+            <p:nvPr/>
+          </p:nvSpPr>
+          <p:spPr>
+            <a:xfrm>
+              <a:off x="7410211" y="409485"/>
+              <a:ext cx="5057410" cy="2862322"/>
+            </a:xfrm>
+            <a:prstGeom prst="rect">
+              <a:avLst/>
+            </a:prstGeom>
+            <a:noFill/>
+          </p:spPr>
+          <p:txBody>
+            <a:bodyPr wrap="none" rtlCol="0">
+              <a:spAutoFit/>
+            </a:bodyPr>
+            <a:lstStyle/>
+            <a:p>
+              <a:r>
+                <a:rPr lang="en-US" sz="2000">
+                  <a:solidFill>
+                    <a:srgbClr val="080808"/>
+                  </a:solidFill>
+                  <a:effectLst/>
+                </a:rPr>
+                <a:t>[Customer]: hi</a:t>
+              </a:r>
+              <a:br>
+                <a:rPr lang="en-US" sz="2000">
+                  <a:solidFill>
+                    <a:srgbClr val="080808"/>
+                  </a:solidFill>
+                  <a:effectLst/>
+                </a:rPr>
+              </a:br>
+              <a:r>
+                <a:rPr lang="en-US" sz="2000">
+                  <a:solidFill>
+                    <a:srgbClr val="080808"/>
+                  </a:solidFill>
+                  <a:effectLst/>
+                </a:rPr>
+                <a:t>[           Bot]: Hi there! I'm your virtual assistant.</a:t>
+              </a:r>
+              <a:br>
+                <a:rPr lang="en-US" sz="2000">
+                  <a:solidFill>
+                    <a:srgbClr val="080808"/>
+                  </a:solidFill>
+                  <a:effectLst/>
+                </a:rPr>
+              </a:br>
+              <a:r>
+                <a:rPr lang="en-US" sz="2000">
+                  <a:solidFill>
+                    <a:srgbClr val="080808"/>
+                  </a:solidFill>
+                  <a:effectLst/>
+                </a:rPr>
+                <a:t>[           Bot]: What would you like to do today?</a:t>
+              </a:r>
+              <a:br>
+                <a:rPr lang="en-US" sz="2000">
+                  <a:solidFill>
+                    <a:srgbClr val="080808"/>
+                  </a:solidFill>
+                  <a:effectLst/>
+                </a:rPr>
+              </a:br>
+              <a:r>
+                <a:rPr lang="en-US" sz="2000">
+                  <a:solidFill>
+                    <a:srgbClr val="080808"/>
+                  </a:solidFill>
+                  <a:effectLst/>
+                </a:rPr>
+                <a:t>[Customer]: pay bill</a:t>
+              </a:r>
+              <a:br>
+                <a:rPr lang="en-US" sz="2000">
+                  <a:solidFill>
+                    <a:srgbClr val="080808"/>
+                  </a:solidFill>
+                  <a:effectLst/>
+                </a:rPr>
+              </a:br>
+              <a:r>
+                <a:rPr lang="en-US" sz="2000">
+                  <a:solidFill>
+                    <a:srgbClr val="080808"/>
+                  </a:solidFill>
+                  <a:effectLst/>
+                </a:rPr>
+                <a:t>[           Bot]: Let me try to help you.</a:t>
+              </a:r>
+              <a:br>
+                <a:rPr lang="en-US" sz="2000">
+                  <a:solidFill>
+                    <a:srgbClr val="080808"/>
+                  </a:solidFill>
+                  <a:effectLst/>
+                </a:rPr>
+              </a:br>
+              <a:r>
+                <a:rPr lang="en-US" sz="2000">
+                  <a:solidFill>
+                    <a:srgbClr val="080808"/>
+                  </a:solidFill>
+                  <a:effectLst/>
+                </a:rPr>
+                <a:t>[           Bot]: Are you a customer?</a:t>
+              </a:r>
+              <a:br>
+                <a:rPr lang="en-US" sz="2000">
+                  <a:solidFill>
+                    <a:srgbClr val="080808"/>
+                  </a:solidFill>
+                  <a:effectLst/>
+                </a:rPr>
+              </a:br>
+              <a:r>
+                <a:rPr lang="en-US" sz="2000">
+                  <a:solidFill>
+                    <a:srgbClr val="080808"/>
+                  </a:solidFill>
+                  <a:effectLst/>
+                </a:rPr>
+                <a:t>[                 ]:   1) Yes, I'm a customer</a:t>
+              </a:r>
+              <a:br>
+                <a:rPr lang="en-US" sz="2000">
+                  <a:solidFill>
+                    <a:srgbClr val="080808"/>
+                  </a:solidFill>
+                  <a:effectLst/>
+                </a:rPr>
+              </a:br>
+              <a:r>
+                <a:rPr lang="en-US" sz="2000">
+                  <a:solidFill>
+                    <a:srgbClr val="080808"/>
+                  </a:solidFill>
+                  <a:effectLst/>
+                </a:rPr>
+                <a:t>[                 ]:   2) No, I'm not</a:t>
+              </a:r>
+              <a:br>
+                <a:rPr lang="en-US" sz="2000">
+                  <a:solidFill>
+                    <a:srgbClr val="080808"/>
+                  </a:solidFill>
+                  <a:effectLst/>
+                </a:rPr>
+              </a:br>
+              <a:endParaRPr lang="en-US" sz="2000">
+                <a:solidFill>
+                  <a:srgbClr val="080808"/>
+                </a:solidFill>
+                <a:effectLst/>
+              </a:endParaRPr>
+            </a:p>
+          </p:txBody>
+        </p:sp>
+      </p:grpSp>
+    </p:spTree>
+    <p:extLst>
+      <p:ext uri="{BB962C8B-B14F-4D97-AF65-F5344CB8AC3E}">
+        <p14:creationId xmlns:p14="http://schemas.microsoft.com/office/powerpoint/2010/main" val="3633587280"/>
+      </p:ext>
+    </p:extLst>
+  </p:cSld>
+  <p:clrMapOvr>
+    <a:masterClrMapping/>
+  </p:clrMapOvr>
+  <mc:AlternateContent xmlns:mc="http://schemas.openxmlformats.org/markup-compatibility/2006">
+    <mc:Choice xmlns:p159="http://schemas.microsoft.com/office/powerpoint/2015/09/main" Requires="p159">
+      <p:transition xmlns:p14="http://schemas.microsoft.com/office/powerpoint/2010/main" spd="slow" p14:dur="2000">
+        <p159:morph option="byObject"/>
+      </p:transition>
+    </mc:Choice>
+    <mc:Fallback>
+      <p:transition spd="slow">
+        <p:fade/>
+      </p:transition>
+    </mc:Fallback>
+  </mc:AlternateContent>
+</p:sld>
+</file>
+
+<file path=ppt/slides/slide17.xml><?xml version="1.0" encoding="utf-8"?>
 <p:sld xmlns:a="http://schemas.openxmlformats.org/drawingml/2006/main" xmlns:r="http://schemas.openxmlformats.org/officeDocument/2006/relationships" xmlns:p="http://schemas.openxmlformats.org/presentationml/2006/main">
   <p:cSld>
     <p:spTree>
@@ -6783,85 +10199,21 @@
           <a:chExt cx="0" cy="0"/>
         </a:xfrm>
       </p:grpSpPr>
-      <p:pic>
-        <p:nvPicPr>
-          <p:cNvPr id="3" name="Picture 2" descr="A red marker drawing of a piece of paper&#10;&#10;Description automatically generated">
-            <a:extLst>
-              <a:ext uri="{FF2B5EF4-FFF2-40B4-BE49-F238E27FC236}">
-                <a16:creationId xmlns:a16="http://schemas.microsoft.com/office/drawing/2014/main" id="{1FA9EB70-C120-3E8B-6166-57FF98C51EAD}"/>
-              </a:ext>
-            </a:extLst>
-          </p:cNvPr>
-          <p:cNvPicPr>
-            <a:picLocks noChangeAspect="1"/>
-          </p:cNvPicPr>
+      <p:sp>
+        <p:nvSpPr>
+          <p:cNvPr id="5" name="TextBox 4">
+            <a:extLst>
+              <a:ext uri="{FF2B5EF4-FFF2-40B4-BE49-F238E27FC236}">
+                <a16:creationId xmlns:a16="http://schemas.microsoft.com/office/drawing/2014/main" id="{90784A3B-234D-FF43-0E64-C54043738401}"/>
+              </a:ext>
+            </a:extLst>
+          </p:cNvPr>
+          <p:cNvSpPr txBox="1"/>
           <p:nvPr/>
-        </p:nvPicPr>
-        <p:blipFill rotWithShape="1">
-          <a:blip r:embed="rId3"/>
-          <a:srcRect l="57059"/>
-          <a:stretch/>
-        </p:blipFill>
+        </p:nvSpPr>
         <p:spPr>
           <a:xfrm>
-            <a:off x="4207764" y="1002075"/>
-            <a:ext cx="4021836" cy="4641913"/>
-          </a:xfrm>
-          <a:prstGeom prst="rect">
-            <a:avLst/>
-          </a:prstGeom>
-        </p:spPr>
-      </p:pic>
-      <p:sp>
-        <p:nvSpPr>
-          <p:cNvPr id="4" name="TextBox 3">
-            <a:extLst>
-              <a:ext uri="{FF2B5EF4-FFF2-40B4-BE49-F238E27FC236}">
-                <a16:creationId xmlns:a16="http://schemas.microsoft.com/office/drawing/2014/main" id="{BC1763E8-0FFF-180D-9BC0-AE6FA4CBDC1A}"/>
-              </a:ext>
-            </a:extLst>
-          </p:cNvPr>
-          <p:cNvSpPr txBox="1"/>
-          <p:nvPr/>
-        </p:nvSpPr>
-        <p:spPr>
-          <a:xfrm>
-            <a:off x="4581144" y="1719072"/>
-            <a:ext cx="2724912" cy="369332"/>
-          </a:xfrm>
-          <a:prstGeom prst="rect">
-            <a:avLst/>
-          </a:prstGeom>
-          <a:noFill/>
-        </p:spPr>
-        <p:txBody>
-          <a:bodyPr wrap="square" rtlCol="0">
-            <a:spAutoFit/>
-          </a:bodyPr>
-          <a:lstStyle/>
-          <a:p>
-            <a:r>
-              <a:rPr lang="en-US"/>
-              <a:t>Verify: [Hi, Pay bill]</a:t>
-            </a:r>
-          </a:p>
-        </p:txBody>
-      </p:sp>
-      <p:sp>
-        <p:nvSpPr>
-          <p:cNvPr id="5" name="TextBox 4">
-            <a:extLst>
-              <a:ext uri="{FF2B5EF4-FFF2-40B4-BE49-F238E27FC236}">
-                <a16:creationId xmlns:a16="http://schemas.microsoft.com/office/drawing/2014/main" id="{90784A3B-234D-FF43-0E64-C54043738401}"/>
-              </a:ext>
-            </a:extLst>
-          </p:cNvPr>
-          <p:cNvSpPr txBox="1"/>
-          <p:nvPr/>
-        </p:nvSpPr>
-        <p:spPr>
-          <a:xfrm>
-            <a:off x="4686557" y="844680"/>
+            <a:off x="4759709" y="314328"/>
             <a:ext cx="2514086" cy="369332"/>
           </a:xfrm>
           <a:prstGeom prst="rect">
@@ -6882,6 +10234,36 @@
           </a:p>
         </p:txBody>
       </p:sp>
+      <p:pic>
+        <p:nvPicPr>
+          <p:cNvPr id="6" name="Picture 5" descr="A screenshot of a computer program&#10;&#10;Description automatically generated">
+            <a:extLst>
+              <a:ext uri="{FF2B5EF4-FFF2-40B4-BE49-F238E27FC236}">
+                <a16:creationId xmlns:a16="http://schemas.microsoft.com/office/drawing/2014/main" id="{7C8E284A-9496-CACB-AFC3-7C221A951ABC}"/>
+              </a:ext>
+            </a:extLst>
+          </p:cNvPr>
+          <p:cNvPicPr>
+            <a:picLocks noChangeAspect="1"/>
+          </p:cNvPicPr>
+          <p:nvPr/>
+        </p:nvPicPr>
+        <p:blipFill>
+          <a:blip r:embed="rId3"/>
+          <a:stretch>
+            <a:fillRect/>
+          </a:stretch>
+        </p:blipFill>
+        <p:spPr>
+          <a:xfrm>
+            <a:off x="3470656" y="1497900"/>
+            <a:ext cx="5426183" cy="2980944"/>
+          </a:xfrm>
+          <a:prstGeom prst="rect">
+            <a:avLst/>
+          </a:prstGeom>
+        </p:spPr>
+      </p:pic>
     </p:spTree>
     <p:extLst>
       <p:ext uri="{BB962C8B-B14F-4D97-AF65-F5344CB8AC3E}">
@@ -6895,7 +10277,7 @@
 </p:sld>
 </file>
 
-<file path=ppt/slides/slide14.xml><?xml version="1.0" encoding="utf-8"?>
+<file path=ppt/slides/slide18.xml><?xml version="1.0" encoding="utf-8"?>
 <p:sld xmlns:a="http://schemas.openxmlformats.org/drawingml/2006/main" xmlns:r="http://schemas.openxmlformats.org/officeDocument/2006/relationships" xmlns:p="http://schemas.openxmlformats.org/presentationml/2006/main">
   <p:cSld>
     <p:spTree>
@@ -7309,7 +10691,7 @@
 </p:sld>
 </file>
 
-<file path=ppt/slides/slide15.xml><?xml version="1.0" encoding="utf-8"?>
+<file path=ppt/slides/slide19.xml><?xml version="1.0" encoding="utf-8"?>
 <p:sld xmlns:a="http://schemas.openxmlformats.org/drawingml/2006/main" xmlns:r="http://schemas.openxmlformats.org/officeDocument/2006/relationships" xmlns:p="http://schemas.openxmlformats.org/presentationml/2006/main">
   <p:cSld>
     <p:spTree>
@@ -7375,7 +10757,144 @@
 </p:sld>
 </file>
 
-<file path=ppt/slides/slide16.xml><?xml version="1.0" encoding="utf-8"?>
+<file path=ppt/slides/slide2.xml><?xml version="1.0" encoding="utf-8"?>
+<p:sld xmlns:a="http://schemas.openxmlformats.org/drawingml/2006/main" xmlns:r="http://schemas.openxmlformats.org/officeDocument/2006/relationships" xmlns:p="http://schemas.openxmlformats.org/presentationml/2006/main">
+  <p:cSld>
+    <p:spTree>
+      <p:nvGrpSpPr>
+        <p:cNvPr id="1" name=""/>
+        <p:cNvGrpSpPr/>
+        <p:nvPr/>
+      </p:nvGrpSpPr>
+      <p:grpSpPr>
+        <a:xfrm>
+          <a:off x="0" y="0"/>
+          <a:ext cx="0" cy="0"/>
+          <a:chOff x="0" y="0"/>
+          <a:chExt cx="0" cy="0"/>
+        </a:xfrm>
+      </p:grpSpPr>
+      <p:sp>
+        <p:nvSpPr>
+          <p:cNvPr id="2" name="Title 1">
+            <a:extLst>
+              <a:ext uri="{FF2B5EF4-FFF2-40B4-BE49-F238E27FC236}">
+                <a16:creationId xmlns:a16="http://schemas.microsoft.com/office/drawing/2014/main" id="{29C471DD-9850-AEF3-E979-3529F726CAD1}"/>
+              </a:ext>
+            </a:extLst>
+          </p:cNvPr>
+          <p:cNvSpPr>
+            <a:spLocks noGrp="1"/>
+          </p:cNvSpPr>
+          <p:nvPr>
+            <p:ph type="title"/>
+          </p:nvPr>
+        </p:nvSpPr>
+        <p:spPr/>
+        <p:txBody>
+          <a:bodyPr/>
+          <a:lstStyle/>
+          <a:p>
+            <a:endParaRPr lang="en-US"/>
+          </a:p>
+        </p:txBody>
+      </p:sp>
+      <p:sp>
+        <p:nvSpPr>
+          <p:cNvPr id="3" name="Content Placeholder 2">
+            <a:extLst>
+              <a:ext uri="{FF2B5EF4-FFF2-40B4-BE49-F238E27FC236}">
+                <a16:creationId xmlns:a16="http://schemas.microsoft.com/office/drawing/2014/main" id="{3187DB28-AC61-27AC-4FFD-0A76E40A3EF1}"/>
+              </a:ext>
+            </a:extLst>
+          </p:cNvPr>
+          <p:cNvSpPr>
+            <a:spLocks noGrp="1"/>
+          </p:cNvSpPr>
+          <p:nvPr>
+            <p:ph idx="1"/>
+          </p:nvPr>
+        </p:nvSpPr>
+        <p:spPr/>
+        <p:txBody>
+          <a:bodyPr/>
+          <a:lstStyle/>
+          <a:p>
+            <a:r>
+              <a:rPr lang="en-US"/>
+              <a:t>Consider paths we took:</a:t>
+            </a:r>
+          </a:p>
+          <a:p>
+            <a:pPr lvl="1"/>
+            <a:r>
+              <a:rPr lang="en-US"/>
+              <a:t>wordy Java tests</a:t>
+            </a:r>
+          </a:p>
+          <a:p>
+            <a:pPr lvl="1"/>
+            <a:r>
+              <a:rPr lang="en-US"/>
+              <a:t>made a printer </a:t>
+            </a:r>
+          </a:p>
+          <a:p>
+            <a:pPr lvl="1"/>
+            <a:r>
+              <a:rPr lang="en-US"/>
+              <a:t>made a good printer – not a json: Json test // TODO the json tests</a:t>
+            </a:r>
+          </a:p>
+          <a:p>
+            <a:pPr lvl="1"/>
+            <a:r>
+              <a:rPr lang="en-US"/>
+              <a:t>made the inlining – makes it easier to read the whole test better</a:t>
+            </a:r>
+          </a:p>
+          <a:p>
+            <a:pPr lvl="1"/>
+            <a:r>
+              <a:rPr lang="en-US"/>
+              <a:t>did multiple conversations</a:t>
+            </a:r>
+          </a:p>
+          <a:p>
+            <a:pPr lvl="1"/>
+            <a:r>
+              <a:rPr lang="en-US"/>
+              <a:t>now we can see individual tests, but we can’t see the big picture – so we moved it to the uber test – can delete the other files</a:t>
+            </a:r>
+          </a:p>
+          <a:p>
+            <a:pPr lvl="1"/>
+            <a:endParaRPr lang="en-US"/>
+          </a:p>
+          <a:p>
+            <a:pPr lvl="1"/>
+            <a:endParaRPr lang="en-US"/>
+          </a:p>
+          <a:p>
+            <a:pPr lvl="1"/>
+            <a:endParaRPr lang="en-US"/>
+          </a:p>
+        </p:txBody>
+      </p:sp>
+    </p:spTree>
+    <p:extLst>
+      <p:ext uri="{BB962C8B-B14F-4D97-AF65-F5344CB8AC3E}">
+        <p14:creationId xmlns:p14="http://schemas.microsoft.com/office/powerpoint/2010/main" val="2442545096"/>
+      </p:ext>
+    </p:extLst>
+  </p:cSld>
+  <p:clrMapOvr>
+    <a:masterClrMapping/>
+  </p:clrMapOvr>
+</p:sld>
+</file>
+
+<file path=ppt/slides/slide20.xml><?xml version="1.0" encoding="utf-8"?>
 <p:sld xmlns:a="http://schemas.openxmlformats.org/drawingml/2006/main" xmlns:r="http://schemas.openxmlformats.org/officeDocument/2006/relationships" xmlns:p="http://schemas.openxmlformats.org/presentationml/2006/main">
   <p:cSld>
     <p:spTree>
@@ -7789,7 +11308,7 @@
 </p:sld>
 </file>
 
-<file path=ppt/slides/slide17.xml><?xml version="1.0" encoding="utf-8"?>
+<file path=ppt/slides/slide21.xml><?xml version="1.0" encoding="utf-8"?>
 <p:sld xmlns:a="http://schemas.openxmlformats.org/drawingml/2006/main" xmlns:r="http://schemas.openxmlformats.org/officeDocument/2006/relationships" xmlns:p="http://schemas.openxmlformats.org/presentationml/2006/main">
   <p:cSld>
     <p:spTree>
@@ -8195,7 +11714,7 @@
 </p:sld>
 </file>
 
-<file path=ppt/slides/slide18.xml><?xml version="1.0" encoding="utf-8"?>
+<file path=ppt/slides/slide22.xml><?xml version="1.0" encoding="utf-8"?>
 <p:sld xmlns:a="http://schemas.openxmlformats.org/drawingml/2006/main" xmlns:r="http://schemas.openxmlformats.org/officeDocument/2006/relationships" xmlns:p="http://schemas.openxmlformats.org/presentationml/2006/main">
   <p:cSld>
     <p:spTree>
@@ -8424,7 +11943,7 @@
 </p:sld>
 </file>
 
-<file path=ppt/slides/slide19.xml><?xml version="1.0" encoding="utf-8"?>
+<file path=ppt/slides/slide23.xml><?xml version="1.0" encoding="utf-8"?>
 <p:sld xmlns:a="http://schemas.openxmlformats.org/drawingml/2006/main" xmlns:r="http://schemas.openxmlformats.org/officeDocument/2006/relationships" xmlns:p="http://schemas.openxmlformats.org/presentationml/2006/main">
   <p:cSld>
     <p:spTree>
@@ -8650,144 +12169,7 @@
 </p:sld>
 </file>
 
-<file path=ppt/slides/slide2.xml><?xml version="1.0" encoding="utf-8"?>
-<p:sld xmlns:a="http://schemas.openxmlformats.org/drawingml/2006/main" xmlns:r="http://schemas.openxmlformats.org/officeDocument/2006/relationships" xmlns:p="http://schemas.openxmlformats.org/presentationml/2006/main">
-  <p:cSld>
-    <p:spTree>
-      <p:nvGrpSpPr>
-        <p:cNvPr id="1" name=""/>
-        <p:cNvGrpSpPr/>
-        <p:nvPr/>
-      </p:nvGrpSpPr>
-      <p:grpSpPr>
-        <a:xfrm>
-          <a:off x="0" y="0"/>
-          <a:ext cx="0" cy="0"/>
-          <a:chOff x="0" y="0"/>
-          <a:chExt cx="0" cy="0"/>
-        </a:xfrm>
-      </p:grpSpPr>
-      <p:sp>
-        <p:nvSpPr>
-          <p:cNvPr id="2" name="Title 1">
-            <a:extLst>
-              <a:ext uri="{FF2B5EF4-FFF2-40B4-BE49-F238E27FC236}">
-                <a16:creationId xmlns:a16="http://schemas.microsoft.com/office/drawing/2014/main" id="{29C471DD-9850-AEF3-E979-3529F726CAD1}"/>
-              </a:ext>
-            </a:extLst>
-          </p:cNvPr>
-          <p:cNvSpPr>
-            <a:spLocks noGrp="1"/>
-          </p:cNvSpPr>
-          <p:nvPr>
-            <p:ph type="title"/>
-          </p:nvPr>
-        </p:nvSpPr>
-        <p:spPr/>
-        <p:txBody>
-          <a:bodyPr/>
-          <a:lstStyle/>
-          <a:p>
-            <a:endParaRPr lang="en-US"/>
-          </a:p>
-        </p:txBody>
-      </p:sp>
-      <p:sp>
-        <p:nvSpPr>
-          <p:cNvPr id="3" name="Content Placeholder 2">
-            <a:extLst>
-              <a:ext uri="{FF2B5EF4-FFF2-40B4-BE49-F238E27FC236}">
-                <a16:creationId xmlns:a16="http://schemas.microsoft.com/office/drawing/2014/main" id="{3187DB28-AC61-27AC-4FFD-0A76E40A3EF1}"/>
-              </a:ext>
-            </a:extLst>
-          </p:cNvPr>
-          <p:cNvSpPr>
-            <a:spLocks noGrp="1"/>
-          </p:cNvSpPr>
-          <p:nvPr>
-            <p:ph idx="1"/>
-          </p:nvPr>
-        </p:nvSpPr>
-        <p:spPr/>
-        <p:txBody>
-          <a:bodyPr/>
-          <a:lstStyle/>
-          <a:p>
-            <a:r>
-              <a:rPr lang="en-US"/>
-              <a:t>Consider paths we took:</a:t>
-            </a:r>
-          </a:p>
-          <a:p>
-            <a:pPr lvl="1"/>
-            <a:r>
-              <a:rPr lang="en-US"/>
-              <a:t>wordy Java tests</a:t>
-            </a:r>
-          </a:p>
-          <a:p>
-            <a:pPr lvl="1"/>
-            <a:r>
-              <a:rPr lang="en-US"/>
-              <a:t>made a printer </a:t>
-            </a:r>
-          </a:p>
-          <a:p>
-            <a:pPr lvl="1"/>
-            <a:r>
-              <a:rPr lang="en-US"/>
-              <a:t>made a good printer – not a json: Json test // TODO the json tests</a:t>
-            </a:r>
-          </a:p>
-          <a:p>
-            <a:pPr lvl="1"/>
-            <a:r>
-              <a:rPr lang="en-US"/>
-              <a:t>made the inlining – makes it easier to read the whole test better</a:t>
-            </a:r>
-          </a:p>
-          <a:p>
-            <a:pPr lvl="1"/>
-            <a:r>
-              <a:rPr lang="en-US"/>
-              <a:t>did multiple conversations</a:t>
-            </a:r>
-          </a:p>
-          <a:p>
-            <a:pPr lvl="1"/>
-            <a:r>
-              <a:rPr lang="en-US"/>
-              <a:t>now we can see individual tests, but we can’t see the big picture – so we moved it to the uber test – can delete the other files</a:t>
-            </a:r>
-          </a:p>
-          <a:p>
-            <a:pPr lvl="1"/>
-            <a:endParaRPr lang="en-US"/>
-          </a:p>
-          <a:p>
-            <a:pPr lvl="1"/>
-            <a:endParaRPr lang="en-US"/>
-          </a:p>
-          <a:p>
-            <a:pPr lvl="1"/>
-            <a:endParaRPr lang="en-US"/>
-          </a:p>
-        </p:txBody>
-      </p:sp>
-    </p:spTree>
-    <p:extLst>
-      <p:ext uri="{BB962C8B-B14F-4D97-AF65-F5344CB8AC3E}">
-        <p14:creationId xmlns:p14="http://schemas.microsoft.com/office/powerpoint/2010/main" val="2442545096"/>
-      </p:ext>
-    </p:extLst>
-  </p:cSld>
-  <p:clrMapOvr>
-    <a:masterClrMapping/>
-  </p:clrMapOvr>
-</p:sld>
-</file>
-
-<file path=ppt/slides/slide20.xml><?xml version="1.0" encoding="utf-8"?>
+<file path=ppt/slides/slide24.xml><?xml version="1.0" encoding="utf-8"?>
 <p:sld xmlns:a="http://schemas.openxmlformats.org/drawingml/2006/main" xmlns:r="http://schemas.openxmlformats.org/officeDocument/2006/relationships" xmlns:p="http://schemas.openxmlformats.org/presentationml/2006/main">
   <p:cSld>
     <p:spTree>
@@ -8853,7 +12235,7 @@
 </p:sld>
 </file>
 
-<file path=ppt/slides/slide21.xml><?xml version="1.0" encoding="utf-8"?>
+<file path=ppt/slides/slide25.xml><?xml version="1.0" encoding="utf-8"?>
 <p:sld xmlns:a="http://schemas.openxmlformats.org/drawingml/2006/main" xmlns:r="http://schemas.openxmlformats.org/officeDocument/2006/relationships" xmlns:p="http://schemas.openxmlformats.org/presentationml/2006/main">
   <p:cSld>
     <p:spTree>
@@ -9082,7 +12464,7 @@
 </p:sld>
 </file>
 
-<file path=ppt/slides/slide22.xml><?xml version="1.0" encoding="utf-8"?>
+<file path=ppt/slides/slide26.xml><?xml version="1.0" encoding="utf-8"?>
 <p:sld xmlns:a="http://schemas.openxmlformats.org/drawingml/2006/main" xmlns:r="http://schemas.openxmlformats.org/officeDocument/2006/relationships" xmlns:p="http://schemas.openxmlformats.org/presentationml/2006/main">
   <p:cSld>
     <p:spTree>
@@ -9270,7 +12652,7 @@
 </p:sld>
 </file>
 
-<file path=ppt/slides/slide23.xml><?xml version="1.0" encoding="utf-8"?>
+<file path=ppt/slides/slide27.xml><?xml version="1.0" encoding="utf-8"?>
 <p:sld xmlns:a="http://schemas.openxmlformats.org/drawingml/2006/main" xmlns:r="http://schemas.openxmlformats.org/officeDocument/2006/relationships" xmlns:p="http://schemas.openxmlformats.org/presentationml/2006/main">
   <p:cSld>
     <p:spTree>
@@ -9374,7 +12756,7 @@
 </p:sld>
 </file>
 
-<file path=ppt/slides/slide24.xml><?xml version="1.0" encoding="utf-8"?>
+<file path=ppt/slides/slide28.xml><?xml version="1.0" encoding="utf-8"?>
 <p:sld xmlns:a="http://schemas.openxmlformats.org/drawingml/2006/main" xmlns:r="http://schemas.openxmlformats.org/officeDocument/2006/relationships" xmlns:p="http://schemas.openxmlformats.org/presentationml/2006/main">
   <p:cSld>
     <p:spTree>
@@ -9440,7 +12822,7 @@
 </p:sld>
 </file>
 
-<file path=ppt/slides/slide25.xml><?xml version="1.0" encoding="utf-8"?>
+<file path=ppt/slides/slide29.xml><?xml version="1.0" encoding="utf-8"?>
 <p:sld xmlns:a="http://schemas.openxmlformats.org/drawingml/2006/main" xmlns:r="http://schemas.openxmlformats.org/officeDocument/2006/relationships" xmlns:p="http://schemas.openxmlformats.org/presentationml/2006/main">
   <p:cSld>
     <p:spTree>

--- a/slides/Testing Better with Approvals.pptx
+++ b/slides/Testing Better with Approvals.pptx
@@ -5,7 +5,7 @@
     <p:sldMasterId id="2147483648" r:id="rId1"/>
   </p:sldMasterIdLst>
   <p:notesMasterIdLst>
-    <p:notesMasterId r:id="rId31"/>
+    <p:notesMasterId r:id="rId33"/>
   </p:notesMasterIdLst>
   <p:sldIdLst>
     <p:sldId id="256" r:id="rId2"/>
@@ -19,24 +19,26 @@
     <p:sldId id="263" r:id="rId10"/>
     <p:sldId id="283" r:id="rId11"/>
     <p:sldId id="284" r:id="rId12"/>
-    <p:sldId id="266" r:id="rId13"/>
-    <p:sldId id="285" r:id="rId14"/>
-    <p:sldId id="286" r:id="rId15"/>
-    <p:sldId id="287" r:id="rId16"/>
-    <p:sldId id="288" r:id="rId17"/>
-    <p:sldId id="268" r:id="rId18"/>
-    <p:sldId id="270" r:id="rId19"/>
-    <p:sldId id="271" r:id="rId20"/>
-    <p:sldId id="273" r:id="rId21"/>
-    <p:sldId id="274" r:id="rId22"/>
-    <p:sldId id="272" r:id="rId23"/>
-    <p:sldId id="277" r:id="rId24"/>
-    <p:sldId id="275" r:id="rId25"/>
-    <p:sldId id="278" r:id="rId26"/>
-    <p:sldId id="276" r:id="rId27"/>
-    <p:sldId id="279" r:id="rId28"/>
-    <p:sldId id="280" r:id="rId29"/>
-    <p:sldId id="281" r:id="rId30"/>
+    <p:sldId id="289" r:id="rId13"/>
+    <p:sldId id="266" r:id="rId14"/>
+    <p:sldId id="285" r:id="rId15"/>
+    <p:sldId id="286" r:id="rId16"/>
+    <p:sldId id="290" r:id="rId17"/>
+    <p:sldId id="287" r:id="rId18"/>
+    <p:sldId id="288" r:id="rId19"/>
+    <p:sldId id="268" r:id="rId20"/>
+    <p:sldId id="270" r:id="rId21"/>
+    <p:sldId id="271" r:id="rId22"/>
+    <p:sldId id="273" r:id="rId23"/>
+    <p:sldId id="274" r:id="rId24"/>
+    <p:sldId id="272" r:id="rId25"/>
+    <p:sldId id="277" r:id="rId26"/>
+    <p:sldId id="275" r:id="rId27"/>
+    <p:sldId id="278" r:id="rId28"/>
+    <p:sldId id="276" r:id="rId29"/>
+    <p:sldId id="279" r:id="rId30"/>
+    <p:sldId id="280" r:id="rId31"/>
+    <p:sldId id="281" r:id="rId32"/>
   </p:sldIdLst>
   <p:sldSz cx="12192000" cy="6858000"/>
   <p:notesSz cx="6858000" cy="9144000"/>
@@ -159,9 +161,11 @@
             <p14:sldId id="263"/>
             <p14:sldId id="283"/>
             <p14:sldId id="284"/>
+            <p14:sldId id="289"/>
             <p14:sldId id="266"/>
             <p14:sldId id="285"/>
             <p14:sldId id="286"/>
+            <p14:sldId id="290"/>
             <p14:sldId id="287"/>
             <p14:sldId id="288"/>
             <p14:sldId id="268"/>
@@ -714,7 +718,7 @@
           <a:p>
             <a:fld id="{FC5BBC2B-72B0-2542-8213-717906F3F32B}" type="slidenum">
               <a:rPr lang="en-US" smtClean="0"/>
-              <a:t>12</a:t>
+              <a:t>13</a:t>
             </a:fld>
             <a:endParaRPr lang="en-US"/>
           </a:p>
@@ -822,7 +826,7 @@
           <a:p>
             <a:fld id="{FC5BBC2B-72B0-2542-8213-717906F3F32B}" type="slidenum">
               <a:rPr lang="en-US" smtClean="0"/>
-              <a:t>13</a:t>
+              <a:t>14</a:t>
             </a:fld>
             <a:endParaRPr lang="en-US"/>
           </a:p>
@@ -930,7 +934,7 @@
           <a:p>
             <a:fld id="{FC5BBC2B-72B0-2542-8213-717906F3F32B}" type="slidenum">
               <a:rPr lang="en-US" smtClean="0"/>
-              <a:t>14</a:t>
+              <a:t>15</a:t>
             </a:fld>
             <a:endParaRPr lang="en-US"/>
           </a:p>
@@ -1038,7 +1042,7 @@
           <a:p>
             <a:fld id="{FC5BBC2B-72B0-2542-8213-717906F3F32B}" type="slidenum">
               <a:rPr lang="en-US" smtClean="0"/>
-              <a:t>15</a:t>
+              <a:t>17</a:t>
             </a:fld>
             <a:endParaRPr lang="en-US"/>
           </a:p>
@@ -1146,7 +1150,7 @@
           <a:p>
             <a:fld id="{FC5BBC2B-72B0-2542-8213-717906F3F32B}" type="slidenum">
               <a:rPr lang="en-US" smtClean="0"/>
-              <a:t>16</a:t>
+              <a:t>18</a:t>
             </a:fld>
             <a:endParaRPr lang="en-US"/>
           </a:p>
@@ -1254,7 +1258,7 @@
           <a:p>
             <a:fld id="{FC5BBC2B-72B0-2542-8213-717906F3F32B}" type="slidenum">
               <a:rPr lang="en-US" smtClean="0"/>
-              <a:t>17</a:t>
+              <a:t>19</a:t>
             </a:fld>
             <a:endParaRPr lang="en-US"/>
           </a:p>
@@ -1362,7 +1366,7 @@
           <a:p>
             <a:fld id="{FC5BBC2B-72B0-2542-8213-717906F3F32B}" type="slidenum">
               <a:rPr lang="en-US" smtClean="0"/>
-              <a:t>18</a:t>
+              <a:t>20</a:t>
             </a:fld>
             <a:endParaRPr lang="en-US"/>
           </a:p>
@@ -1470,7 +1474,7 @@
           <a:p>
             <a:fld id="{FC5BBC2B-72B0-2542-8213-717906F3F32B}" type="slidenum">
               <a:rPr lang="en-US" smtClean="0"/>
-              <a:t>19</a:t>
+              <a:t>21</a:t>
             </a:fld>
             <a:endParaRPr lang="en-US"/>
           </a:p>
@@ -1578,7 +1582,7 @@
           <a:p>
             <a:fld id="{FC5BBC2B-72B0-2542-8213-717906F3F32B}" type="slidenum">
               <a:rPr lang="en-US" smtClean="0"/>
-              <a:t>20</a:t>
+              <a:t>22</a:t>
             </a:fld>
             <a:endParaRPr lang="en-US"/>
           </a:p>
@@ -1686,7 +1690,7 @@
           <a:p>
             <a:fld id="{FC5BBC2B-72B0-2542-8213-717906F3F32B}" type="slidenum">
               <a:rPr lang="en-US" smtClean="0"/>
-              <a:t>21</a:t>
+              <a:t>23</a:t>
             </a:fld>
             <a:endParaRPr lang="en-US"/>
           </a:p>
@@ -1878,7 +1882,7 @@
           <a:p>
             <a:fld id="{FC5BBC2B-72B0-2542-8213-717906F3F32B}" type="slidenum">
               <a:rPr lang="en-US" smtClean="0"/>
-              <a:t>22</a:t>
+              <a:t>24</a:t>
             </a:fld>
             <a:endParaRPr lang="en-US"/>
           </a:p>
@@ -1986,7 +1990,7 @@
           <a:p>
             <a:fld id="{FC5BBC2B-72B0-2542-8213-717906F3F32B}" type="slidenum">
               <a:rPr lang="en-US" smtClean="0"/>
-              <a:t>23</a:t>
+              <a:t>25</a:t>
             </a:fld>
             <a:endParaRPr lang="en-US"/>
           </a:p>
@@ -2094,7 +2098,7 @@
           <a:p>
             <a:fld id="{FC5BBC2B-72B0-2542-8213-717906F3F32B}" type="slidenum">
               <a:rPr lang="en-US" smtClean="0"/>
-              <a:t>24</a:t>
+              <a:t>26</a:t>
             </a:fld>
             <a:endParaRPr lang="en-US"/>
           </a:p>
@@ -2202,7 +2206,7 @@
           <a:p>
             <a:fld id="{FC5BBC2B-72B0-2542-8213-717906F3F32B}" type="slidenum">
               <a:rPr lang="en-US" smtClean="0"/>
-              <a:t>25</a:t>
+              <a:t>27</a:t>
             </a:fld>
             <a:endParaRPr lang="en-US"/>
           </a:p>
@@ -2310,7 +2314,7 @@
           <a:p>
             <a:fld id="{FC5BBC2B-72B0-2542-8213-717906F3F32B}" type="slidenum">
               <a:rPr lang="en-US" smtClean="0"/>
-              <a:t>26</a:t>
+              <a:t>28</a:t>
             </a:fld>
             <a:endParaRPr lang="en-US"/>
           </a:p>
@@ -2418,7 +2422,7 @@
           <a:p>
             <a:fld id="{FC5BBC2B-72B0-2542-8213-717906F3F32B}" type="slidenum">
               <a:rPr lang="en-US" smtClean="0"/>
-              <a:t>27</a:t>
+              <a:t>29</a:t>
             </a:fld>
             <a:endParaRPr lang="en-US"/>
           </a:p>
@@ -2526,7 +2530,7 @@
           <a:p>
             <a:fld id="{FC5BBC2B-72B0-2542-8213-717906F3F32B}" type="slidenum">
               <a:rPr lang="en-US" smtClean="0"/>
-              <a:t>28</a:t>
+              <a:t>30</a:t>
             </a:fld>
             <a:endParaRPr lang="en-US"/>
           </a:p>
@@ -2634,7 +2638,7 @@
           <a:p>
             <a:fld id="{FC5BBC2B-72B0-2542-8213-717906F3F32B}" type="slidenum">
               <a:rPr lang="en-US" smtClean="0"/>
-              <a:t>29</a:t>
+              <a:t>31</a:t>
             </a:fld>
             <a:endParaRPr lang="en-US"/>
           </a:p>
@@ -7139,6 +7143,71 @@
   <p:cSld>
     <p:spTree>
       <p:nvGrpSpPr>
+        <p:cNvPr id="1" name=""/>
+        <p:cNvGrpSpPr/>
+        <p:nvPr/>
+      </p:nvGrpSpPr>
+      <p:grpSpPr>
+        <a:xfrm>
+          <a:off x="0" y="0"/>
+          <a:ext cx="0" cy="0"/>
+          <a:chOff x="0" y="0"/>
+          <a:chExt cx="0" cy="0"/>
+        </a:xfrm>
+      </p:grpSpPr>
+      <p:sp>
+        <p:nvSpPr>
+          <p:cNvPr id="2" name="TextBox 1">
+            <a:extLst>
+              <a:ext uri="{FF2B5EF4-FFF2-40B4-BE49-F238E27FC236}">
+                <a16:creationId xmlns:a16="http://schemas.microsoft.com/office/drawing/2014/main" id="{B08ED9BC-E09B-44E5-8264-4427905745FD}"/>
+              </a:ext>
+            </a:extLst>
+          </p:cNvPr>
+          <p:cNvSpPr txBox="1"/>
+          <p:nvPr/>
+        </p:nvSpPr>
+        <p:spPr>
+          <a:xfrm>
+            <a:off x="1792224" y="1170432"/>
+            <a:ext cx="1368836" cy="369332"/>
+          </a:xfrm>
+          <a:prstGeom prst="rect">
+            <a:avLst/>
+          </a:prstGeom>
+          <a:noFill/>
+        </p:spPr>
+        <p:txBody>
+          <a:bodyPr wrap="none" rtlCol="0">
+            <a:spAutoFit/>
+          </a:bodyPr>
+          <a:lstStyle/>
+          <a:p>
+            <a:r>
+              <a:rPr lang="en-US"/>
+              <a:t>testing circle</a:t>
+            </a:r>
+          </a:p>
+        </p:txBody>
+      </p:sp>
+    </p:spTree>
+    <p:extLst>
+      <p:ext uri="{BB962C8B-B14F-4D97-AF65-F5344CB8AC3E}">
+        <p14:creationId xmlns:p14="http://schemas.microsoft.com/office/powerpoint/2010/main" val="429324516"/>
+      </p:ext>
+    </p:extLst>
+  </p:cSld>
+  <p:clrMapOvr>
+    <a:masterClrMapping/>
+  </p:clrMapOvr>
+</p:sld>
+</file>
+
+<file path=ppt/slides/slide13.xml><?xml version="1.0" encoding="utf-8"?>
+<p:sld xmlns:a="http://schemas.openxmlformats.org/drawingml/2006/main" xmlns:r="http://schemas.openxmlformats.org/officeDocument/2006/relationships" xmlns:p="http://schemas.openxmlformats.org/presentationml/2006/main">
+  <p:cSld>
+    <p:spTree>
+      <p:nvGrpSpPr>
         <p:cNvPr id="1" name="">
           <a:extLst>
             <a:ext uri="{FF2B5EF4-FFF2-40B4-BE49-F238E27FC236}">
@@ -7711,7 +7780,7 @@
 </p:sld>
 </file>
 
-<file path=ppt/slides/slide13.xml><?xml version="1.0" encoding="utf-8"?>
+<file path=ppt/slides/slide14.xml><?xml version="1.0" encoding="utf-8"?>
 <p:sld xmlns:a="http://schemas.openxmlformats.org/drawingml/2006/main" xmlns:r="http://schemas.openxmlformats.org/officeDocument/2006/relationships" xmlns:p="http://schemas.openxmlformats.org/presentationml/2006/main">
   <p:cSld>
     <p:spTree>
@@ -7855,7 +7924,7 @@
 </p:sld>
 </file>
 
-<file path=ppt/slides/slide14.xml><?xml version="1.0" encoding="utf-8"?>
+<file path=ppt/slides/slide15.xml><?xml version="1.0" encoding="utf-8"?>
 <p:sld xmlns:a="http://schemas.openxmlformats.org/drawingml/2006/main" xmlns:r="http://schemas.openxmlformats.org/officeDocument/2006/relationships" xmlns:p="http://schemas.openxmlformats.org/presentationml/2006/main">
   <p:cSld>
     <p:spTree>
@@ -8273,7 +8342,148 @@
 </p:sld>
 </file>
 
-<file path=ppt/slides/slide15.xml><?xml version="1.0" encoding="utf-8"?>
+<file path=ppt/slides/slide16.xml><?xml version="1.0" encoding="utf-8"?>
+<p:sld xmlns:a="http://schemas.openxmlformats.org/drawingml/2006/main" xmlns:r="http://schemas.openxmlformats.org/officeDocument/2006/relationships" xmlns:p="http://schemas.openxmlformats.org/presentationml/2006/main">
+  <p:cSld>
+    <p:spTree>
+      <p:nvGrpSpPr>
+        <p:cNvPr id="1" name=""/>
+        <p:cNvGrpSpPr/>
+        <p:nvPr/>
+      </p:nvGrpSpPr>
+      <p:grpSpPr>
+        <a:xfrm>
+          <a:off x="0" y="0"/>
+          <a:ext cx="0" cy="0"/>
+          <a:chOff x="0" y="0"/>
+          <a:chExt cx="0" cy="0"/>
+        </a:xfrm>
+      </p:grpSpPr>
+      <p:pic>
+        <p:nvPicPr>
+          <p:cNvPr id="1028" name="Picture 4" descr="Silent Movie Silent Film Title Card: Free Download — CopyCatFilms">
+            <a:extLst>
+              <a:ext uri="{FF2B5EF4-FFF2-40B4-BE49-F238E27FC236}">
+                <a16:creationId xmlns:a16="http://schemas.microsoft.com/office/drawing/2014/main" id="{65DC3069-C79D-A5FF-3756-0C1F3F22604B}"/>
+              </a:ext>
+            </a:extLst>
+          </p:cNvPr>
+          <p:cNvPicPr>
+            <a:picLocks noChangeAspect="1" noChangeArrowheads="1"/>
+          </p:cNvPicPr>
+          <p:nvPr/>
+        </p:nvPicPr>
+        <p:blipFill>
+          <a:blip r:embed="rId2">
+            <a:extLst>
+              <a:ext uri="{28A0092B-C50C-407E-A947-70E740481C1C}">
+                <a14:useLocalDpi xmlns:a14="http://schemas.microsoft.com/office/drawing/2010/main" val="0"/>
+              </a:ext>
+            </a:extLst>
+          </a:blip>
+          <a:srcRect/>
+          <a:stretch>
+            <a:fillRect/>
+          </a:stretch>
+        </p:blipFill>
+        <p:spPr bwMode="auto">
+          <a:xfrm>
+            <a:off x="0" y="4261"/>
+            <a:ext cx="12192000" cy="6853739"/>
+          </a:xfrm>
+          <a:prstGeom prst="rect">
+            <a:avLst/>
+          </a:prstGeom>
+          <a:noFill/>
+          <a:extLst>
+            <a:ext uri="{909E8E84-426E-40DD-AFC4-6F175D3DCCD1}">
+              <a14:hiddenFill xmlns:a14="http://schemas.microsoft.com/office/drawing/2010/main">
+                <a:solidFill>
+                  <a:srgbClr val="FFFFFF"/>
+                </a:solidFill>
+              </a14:hiddenFill>
+            </a:ext>
+          </a:extLst>
+        </p:spPr>
+      </p:pic>
+      <p:sp>
+        <p:nvSpPr>
+          <p:cNvPr id="2" name="TextBox 1">
+            <a:extLst>
+              <a:ext uri="{FF2B5EF4-FFF2-40B4-BE49-F238E27FC236}">
+                <a16:creationId xmlns:a16="http://schemas.microsoft.com/office/drawing/2014/main" id="{912AFC77-F5C7-10A1-50CC-05981BE8F9BC}"/>
+              </a:ext>
+            </a:extLst>
+          </p:cNvPr>
+          <p:cNvSpPr txBox="1"/>
+          <p:nvPr/>
+        </p:nvSpPr>
+        <p:spPr>
+          <a:xfrm>
+            <a:off x="3467488" y="2876443"/>
+            <a:ext cx="5494196" cy="769441"/>
+          </a:xfrm>
+          <a:prstGeom prst="rect">
+            <a:avLst/>
+          </a:prstGeom>
+          <a:noFill/>
+        </p:spPr>
+        <p:txBody>
+          <a:bodyPr wrap="none" rtlCol="0">
+            <a:spAutoFit/>
+          </a:bodyPr>
+          <a:lstStyle/>
+          <a:p>
+            <a:pPr algn="ctr"/>
+            <a:r>
+              <a:rPr lang="en-US" sz="4400" b="1">
+                <a:gradFill flip="none" rotWithShape="1">
+                  <a:gsLst>
+                    <a:gs pos="0">
+                      <a:schemeClr val="bg1">
+                        <a:shade val="30000"/>
+                        <a:satMod val="115000"/>
+                      </a:schemeClr>
+                    </a:gs>
+                    <a:gs pos="50000">
+                      <a:schemeClr val="bg1">
+                        <a:shade val="67500"/>
+                        <a:satMod val="115000"/>
+                      </a:schemeClr>
+                    </a:gs>
+                    <a:gs pos="100000">
+                      <a:schemeClr val="bg1">
+                        <a:shade val="100000"/>
+                        <a:satMod val="115000"/>
+                      </a:schemeClr>
+                    </a:gs>
+                  </a:gsLst>
+                  <a:path path="circle">
+                    <a:fillToRect t="100000" r="100000"/>
+                  </a:path>
+                  <a:tileRect l="-100000" b="-100000"/>
+                </a:gradFill>
+                <a:latin typeface="Rockwell" panose="02060603020205020403" pitchFamily="18" charset="77"/>
+              </a:rPr>
+              <a:t>...later that week...</a:t>
+            </a:r>
+          </a:p>
+        </p:txBody>
+      </p:sp>
+    </p:spTree>
+    <p:extLst>
+      <p:ext uri="{BB962C8B-B14F-4D97-AF65-F5344CB8AC3E}">
+        <p14:creationId xmlns:p14="http://schemas.microsoft.com/office/powerpoint/2010/main" val="687934014"/>
+      </p:ext>
+    </p:extLst>
+  </p:cSld>
+  <p:clrMapOvr>
+    <a:masterClrMapping/>
+  </p:clrMapOvr>
+</p:sld>
+</file>
+
+<file path=ppt/slides/slide17.xml><?xml version="1.0" encoding="utf-8"?>
 <p:sld xmlns:a="http://schemas.openxmlformats.org/drawingml/2006/main" xmlns:r="http://schemas.openxmlformats.org/officeDocument/2006/relationships" xmlns:p="http://schemas.openxmlformats.org/presentationml/2006/main">
   <p:cSld>
     <p:spTree>
@@ -9690,7 +9900,7 @@
 </p:sld>
 </file>
 
-<file path=ppt/slides/slide16.xml><?xml version="1.0" encoding="utf-8"?>
+<file path=ppt/slides/slide18.xml><?xml version="1.0" encoding="utf-8"?>
 <p:sld xmlns:a="http://schemas.openxmlformats.org/drawingml/2006/main" xmlns:r="http://schemas.openxmlformats.org/officeDocument/2006/relationships" xmlns:p="http://schemas.openxmlformats.org/presentationml/2006/main">
   <p:cSld>
     <p:spTree>
@@ -10176,7 +10386,7 @@
 </p:sld>
 </file>
 
-<file path=ppt/slides/slide17.xml><?xml version="1.0" encoding="utf-8"?>
+<file path=ppt/slides/slide19.xml><?xml version="1.0" encoding="utf-8"?>
 <p:sld xmlns:a="http://schemas.openxmlformats.org/drawingml/2006/main" xmlns:r="http://schemas.openxmlformats.org/officeDocument/2006/relationships" xmlns:p="http://schemas.openxmlformats.org/presentationml/2006/main">
   <p:cSld>
     <p:spTree>
@@ -10277,7 +10487,144 @@
 </p:sld>
 </file>
 
-<file path=ppt/slides/slide18.xml><?xml version="1.0" encoding="utf-8"?>
+<file path=ppt/slides/slide2.xml><?xml version="1.0" encoding="utf-8"?>
+<p:sld xmlns:a="http://schemas.openxmlformats.org/drawingml/2006/main" xmlns:r="http://schemas.openxmlformats.org/officeDocument/2006/relationships" xmlns:p="http://schemas.openxmlformats.org/presentationml/2006/main">
+  <p:cSld>
+    <p:spTree>
+      <p:nvGrpSpPr>
+        <p:cNvPr id="1" name=""/>
+        <p:cNvGrpSpPr/>
+        <p:nvPr/>
+      </p:nvGrpSpPr>
+      <p:grpSpPr>
+        <a:xfrm>
+          <a:off x="0" y="0"/>
+          <a:ext cx="0" cy="0"/>
+          <a:chOff x="0" y="0"/>
+          <a:chExt cx="0" cy="0"/>
+        </a:xfrm>
+      </p:grpSpPr>
+      <p:sp>
+        <p:nvSpPr>
+          <p:cNvPr id="2" name="Title 1">
+            <a:extLst>
+              <a:ext uri="{FF2B5EF4-FFF2-40B4-BE49-F238E27FC236}">
+                <a16:creationId xmlns:a16="http://schemas.microsoft.com/office/drawing/2014/main" id="{29C471DD-9850-AEF3-E979-3529F726CAD1}"/>
+              </a:ext>
+            </a:extLst>
+          </p:cNvPr>
+          <p:cNvSpPr>
+            <a:spLocks noGrp="1"/>
+          </p:cNvSpPr>
+          <p:nvPr>
+            <p:ph type="title"/>
+          </p:nvPr>
+        </p:nvSpPr>
+        <p:spPr/>
+        <p:txBody>
+          <a:bodyPr/>
+          <a:lstStyle/>
+          <a:p>
+            <a:endParaRPr lang="en-US"/>
+          </a:p>
+        </p:txBody>
+      </p:sp>
+      <p:sp>
+        <p:nvSpPr>
+          <p:cNvPr id="3" name="Content Placeholder 2">
+            <a:extLst>
+              <a:ext uri="{FF2B5EF4-FFF2-40B4-BE49-F238E27FC236}">
+                <a16:creationId xmlns:a16="http://schemas.microsoft.com/office/drawing/2014/main" id="{3187DB28-AC61-27AC-4FFD-0A76E40A3EF1}"/>
+              </a:ext>
+            </a:extLst>
+          </p:cNvPr>
+          <p:cNvSpPr>
+            <a:spLocks noGrp="1"/>
+          </p:cNvSpPr>
+          <p:nvPr>
+            <p:ph idx="1"/>
+          </p:nvPr>
+        </p:nvSpPr>
+        <p:spPr/>
+        <p:txBody>
+          <a:bodyPr/>
+          <a:lstStyle/>
+          <a:p>
+            <a:r>
+              <a:rPr lang="en-US"/>
+              <a:t>Consider paths we took:</a:t>
+            </a:r>
+          </a:p>
+          <a:p>
+            <a:pPr lvl="1"/>
+            <a:r>
+              <a:rPr lang="en-US"/>
+              <a:t>wordy Java tests</a:t>
+            </a:r>
+          </a:p>
+          <a:p>
+            <a:pPr lvl="1"/>
+            <a:r>
+              <a:rPr lang="en-US"/>
+              <a:t>made a printer </a:t>
+            </a:r>
+          </a:p>
+          <a:p>
+            <a:pPr lvl="1"/>
+            <a:r>
+              <a:rPr lang="en-US"/>
+              <a:t>made a good printer – not a json: Json test // TODO the json tests</a:t>
+            </a:r>
+          </a:p>
+          <a:p>
+            <a:pPr lvl="1"/>
+            <a:r>
+              <a:rPr lang="en-US"/>
+              <a:t>made the inlining – makes it easier to read the whole test better</a:t>
+            </a:r>
+          </a:p>
+          <a:p>
+            <a:pPr lvl="1"/>
+            <a:r>
+              <a:rPr lang="en-US"/>
+              <a:t>did multiple conversations</a:t>
+            </a:r>
+          </a:p>
+          <a:p>
+            <a:pPr lvl="1"/>
+            <a:r>
+              <a:rPr lang="en-US"/>
+              <a:t>now we can see individual tests, but we can’t see the big picture – so we moved it to the uber test – can delete the other files</a:t>
+            </a:r>
+          </a:p>
+          <a:p>
+            <a:pPr lvl="1"/>
+            <a:endParaRPr lang="en-US"/>
+          </a:p>
+          <a:p>
+            <a:pPr lvl="1"/>
+            <a:endParaRPr lang="en-US"/>
+          </a:p>
+          <a:p>
+            <a:pPr lvl="1"/>
+            <a:endParaRPr lang="en-US"/>
+          </a:p>
+        </p:txBody>
+      </p:sp>
+    </p:spTree>
+    <p:extLst>
+      <p:ext uri="{BB962C8B-B14F-4D97-AF65-F5344CB8AC3E}">
+        <p14:creationId xmlns:p14="http://schemas.microsoft.com/office/powerpoint/2010/main" val="2442545096"/>
+      </p:ext>
+    </p:extLst>
+  </p:cSld>
+  <p:clrMapOvr>
+    <a:masterClrMapping/>
+  </p:clrMapOvr>
+</p:sld>
+</file>
+
+<file path=ppt/slides/slide20.xml><?xml version="1.0" encoding="utf-8"?>
 <p:sld xmlns:a="http://schemas.openxmlformats.org/drawingml/2006/main" xmlns:r="http://schemas.openxmlformats.org/officeDocument/2006/relationships" xmlns:p="http://schemas.openxmlformats.org/presentationml/2006/main">
   <p:cSld>
     <p:spTree>
@@ -10691,7 +11038,7 @@
 </p:sld>
 </file>
 
-<file path=ppt/slides/slide19.xml><?xml version="1.0" encoding="utf-8"?>
+<file path=ppt/slides/slide21.xml><?xml version="1.0" encoding="utf-8"?>
 <p:sld xmlns:a="http://schemas.openxmlformats.org/drawingml/2006/main" xmlns:r="http://schemas.openxmlformats.org/officeDocument/2006/relationships" xmlns:p="http://schemas.openxmlformats.org/presentationml/2006/main">
   <p:cSld>
     <p:spTree>
@@ -10757,144 +11104,7 @@
 </p:sld>
 </file>
 
-<file path=ppt/slides/slide2.xml><?xml version="1.0" encoding="utf-8"?>
-<p:sld xmlns:a="http://schemas.openxmlformats.org/drawingml/2006/main" xmlns:r="http://schemas.openxmlformats.org/officeDocument/2006/relationships" xmlns:p="http://schemas.openxmlformats.org/presentationml/2006/main">
-  <p:cSld>
-    <p:spTree>
-      <p:nvGrpSpPr>
-        <p:cNvPr id="1" name=""/>
-        <p:cNvGrpSpPr/>
-        <p:nvPr/>
-      </p:nvGrpSpPr>
-      <p:grpSpPr>
-        <a:xfrm>
-          <a:off x="0" y="0"/>
-          <a:ext cx="0" cy="0"/>
-          <a:chOff x="0" y="0"/>
-          <a:chExt cx="0" cy="0"/>
-        </a:xfrm>
-      </p:grpSpPr>
-      <p:sp>
-        <p:nvSpPr>
-          <p:cNvPr id="2" name="Title 1">
-            <a:extLst>
-              <a:ext uri="{FF2B5EF4-FFF2-40B4-BE49-F238E27FC236}">
-                <a16:creationId xmlns:a16="http://schemas.microsoft.com/office/drawing/2014/main" id="{29C471DD-9850-AEF3-E979-3529F726CAD1}"/>
-              </a:ext>
-            </a:extLst>
-          </p:cNvPr>
-          <p:cNvSpPr>
-            <a:spLocks noGrp="1"/>
-          </p:cNvSpPr>
-          <p:nvPr>
-            <p:ph type="title"/>
-          </p:nvPr>
-        </p:nvSpPr>
-        <p:spPr/>
-        <p:txBody>
-          <a:bodyPr/>
-          <a:lstStyle/>
-          <a:p>
-            <a:endParaRPr lang="en-US"/>
-          </a:p>
-        </p:txBody>
-      </p:sp>
-      <p:sp>
-        <p:nvSpPr>
-          <p:cNvPr id="3" name="Content Placeholder 2">
-            <a:extLst>
-              <a:ext uri="{FF2B5EF4-FFF2-40B4-BE49-F238E27FC236}">
-                <a16:creationId xmlns:a16="http://schemas.microsoft.com/office/drawing/2014/main" id="{3187DB28-AC61-27AC-4FFD-0A76E40A3EF1}"/>
-              </a:ext>
-            </a:extLst>
-          </p:cNvPr>
-          <p:cNvSpPr>
-            <a:spLocks noGrp="1"/>
-          </p:cNvSpPr>
-          <p:nvPr>
-            <p:ph idx="1"/>
-          </p:nvPr>
-        </p:nvSpPr>
-        <p:spPr/>
-        <p:txBody>
-          <a:bodyPr/>
-          <a:lstStyle/>
-          <a:p>
-            <a:r>
-              <a:rPr lang="en-US"/>
-              <a:t>Consider paths we took:</a:t>
-            </a:r>
-          </a:p>
-          <a:p>
-            <a:pPr lvl="1"/>
-            <a:r>
-              <a:rPr lang="en-US"/>
-              <a:t>wordy Java tests</a:t>
-            </a:r>
-          </a:p>
-          <a:p>
-            <a:pPr lvl="1"/>
-            <a:r>
-              <a:rPr lang="en-US"/>
-              <a:t>made a printer </a:t>
-            </a:r>
-          </a:p>
-          <a:p>
-            <a:pPr lvl="1"/>
-            <a:r>
-              <a:rPr lang="en-US"/>
-              <a:t>made a good printer – not a json: Json test // TODO the json tests</a:t>
-            </a:r>
-          </a:p>
-          <a:p>
-            <a:pPr lvl="1"/>
-            <a:r>
-              <a:rPr lang="en-US"/>
-              <a:t>made the inlining – makes it easier to read the whole test better</a:t>
-            </a:r>
-          </a:p>
-          <a:p>
-            <a:pPr lvl="1"/>
-            <a:r>
-              <a:rPr lang="en-US"/>
-              <a:t>did multiple conversations</a:t>
-            </a:r>
-          </a:p>
-          <a:p>
-            <a:pPr lvl="1"/>
-            <a:r>
-              <a:rPr lang="en-US"/>
-              <a:t>now we can see individual tests, but we can’t see the big picture – so we moved it to the uber test – can delete the other files</a:t>
-            </a:r>
-          </a:p>
-          <a:p>
-            <a:pPr lvl="1"/>
-            <a:endParaRPr lang="en-US"/>
-          </a:p>
-          <a:p>
-            <a:pPr lvl="1"/>
-            <a:endParaRPr lang="en-US"/>
-          </a:p>
-          <a:p>
-            <a:pPr lvl="1"/>
-            <a:endParaRPr lang="en-US"/>
-          </a:p>
-        </p:txBody>
-      </p:sp>
-    </p:spTree>
-    <p:extLst>
-      <p:ext uri="{BB962C8B-B14F-4D97-AF65-F5344CB8AC3E}">
-        <p14:creationId xmlns:p14="http://schemas.microsoft.com/office/powerpoint/2010/main" val="2442545096"/>
-      </p:ext>
-    </p:extLst>
-  </p:cSld>
-  <p:clrMapOvr>
-    <a:masterClrMapping/>
-  </p:clrMapOvr>
-</p:sld>
-</file>
-
-<file path=ppt/slides/slide20.xml><?xml version="1.0" encoding="utf-8"?>
+<file path=ppt/slides/slide22.xml><?xml version="1.0" encoding="utf-8"?>
 <p:sld xmlns:a="http://schemas.openxmlformats.org/drawingml/2006/main" xmlns:r="http://schemas.openxmlformats.org/officeDocument/2006/relationships" xmlns:p="http://schemas.openxmlformats.org/presentationml/2006/main">
   <p:cSld>
     <p:spTree>
@@ -11308,7 +11518,7 @@
 </p:sld>
 </file>
 
-<file path=ppt/slides/slide21.xml><?xml version="1.0" encoding="utf-8"?>
+<file path=ppt/slides/slide23.xml><?xml version="1.0" encoding="utf-8"?>
 <p:sld xmlns:a="http://schemas.openxmlformats.org/drawingml/2006/main" xmlns:r="http://schemas.openxmlformats.org/officeDocument/2006/relationships" xmlns:p="http://schemas.openxmlformats.org/presentationml/2006/main">
   <p:cSld>
     <p:spTree>
@@ -11714,7 +11924,7 @@
 </p:sld>
 </file>
 
-<file path=ppt/slides/slide22.xml><?xml version="1.0" encoding="utf-8"?>
+<file path=ppt/slides/slide24.xml><?xml version="1.0" encoding="utf-8"?>
 <p:sld xmlns:a="http://schemas.openxmlformats.org/drawingml/2006/main" xmlns:r="http://schemas.openxmlformats.org/officeDocument/2006/relationships" xmlns:p="http://schemas.openxmlformats.org/presentationml/2006/main">
   <p:cSld>
     <p:spTree>
@@ -11943,7 +12153,7 @@
 </p:sld>
 </file>
 
-<file path=ppt/slides/slide23.xml><?xml version="1.0" encoding="utf-8"?>
+<file path=ppt/slides/slide25.xml><?xml version="1.0" encoding="utf-8"?>
 <p:sld xmlns:a="http://schemas.openxmlformats.org/drawingml/2006/main" xmlns:r="http://schemas.openxmlformats.org/officeDocument/2006/relationships" xmlns:p="http://schemas.openxmlformats.org/presentationml/2006/main">
   <p:cSld>
     <p:spTree>
@@ -12169,7 +12379,7 @@
 </p:sld>
 </file>
 
-<file path=ppt/slides/slide24.xml><?xml version="1.0" encoding="utf-8"?>
+<file path=ppt/slides/slide26.xml><?xml version="1.0" encoding="utf-8"?>
 <p:sld xmlns:a="http://schemas.openxmlformats.org/drawingml/2006/main" xmlns:r="http://schemas.openxmlformats.org/officeDocument/2006/relationships" xmlns:p="http://schemas.openxmlformats.org/presentationml/2006/main">
   <p:cSld>
     <p:spTree>
@@ -12235,7 +12445,7 @@
 </p:sld>
 </file>
 
-<file path=ppt/slides/slide25.xml><?xml version="1.0" encoding="utf-8"?>
+<file path=ppt/slides/slide27.xml><?xml version="1.0" encoding="utf-8"?>
 <p:sld xmlns:a="http://schemas.openxmlformats.org/drawingml/2006/main" xmlns:r="http://schemas.openxmlformats.org/officeDocument/2006/relationships" xmlns:p="http://schemas.openxmlformats.org/presentationml/2006/main">
   <p:cSld>
     <p:spTree>
@@ -12464,7 +12674,7 @@
 </p:sld>
 </file>
 
-<file path=ppt/slides/slide26.xml><?xml version="1.0" encoding="utf-8"?>
+<file path=ppt/slides/slide28.xml><?xml version="1.0" encoding="utf-8"?>
 <p:sld xmlns:a="http://schemas.openxmlformats.org/drawingml/2006/main" xmlns:r="http://schemas.openxmlformats.org/officeDocument/2006/relationships" xmlns:p="http://schemas.openxmlformats.org/presentationml/2006/main">
   <p:cSld>
     <p:spTree>
@@ -12652,7 +12862,7 @@
 </p:sld>
 </file>
 
-<file path=ppt/slides/slide27.xml><?xml version="1.0" encoding="utf-8"?>
+<file path=ppt/slides/slide29.xml><?xml version="1.0" encoding="utf-8"?>
 <p:sld xmlns:a="http://schemas.openxmlformats.org/drawingml/2006/main" xmlns:r="http://schemas.openxmlformats.org/officeDocument/2006/relationships" xmlns:p="http://schemas.openxmlformats.org/presentationml/2006/main">
   <p:cSld>
     <p:spTree>
@@ -12756,7 +12966,1583 @@
 </p:sld>
 </file>
 
-<file path=ppt/slides/slide28.xml><?xml version="1.0" encoding="utf-8"?>
+<file path=ppt/slides/slide3.xml><?xml version="1.0" encoding="utf-8"?>
+<p:sld xmlns:a="http://schemas.openxmlformats.org/drawingml/2006/main" xmlns:r="http://schemas.openxmlformats.org/officeDocument/2006/relationships" xmlns:p="http://schemas.openxmlformats.org/presentationml/2006/main">
+  <p:cSld>
+    <p:spTree>
+      <p:nvGrpSpPr>
+        <p:cNvPr id="1" name=""/>
+        <p:cNvGrpSpPr/>
+        <p:nvPr/>
+      </p:nvGrpSpPr>
+      <p:grpSpPr>
+        <a:xfrm>
+          <a:off x="0" y="0"/>
+          <a:ext cx="0" cy="0"/>
+          <a:chOff x="0" y="0"/>
+          <a:chExt cx="0" cy="0"/>
+        </a:xfrm>
+      </p:grpSpPr>
+      <p:sp>
+        <p:nvSpPr>
+          <p:cNvPr id="2" name="Title 1">
+            <a:extLst>
+              <a:ext uri="{FF2B5EF4-FFF2-40B4-BE49-F238E27FC236}">
+                <a16:creationId xmlns:a16="http://schemas.microsoft.com/office/drawing/2014/main" id="{5FDF8E1D-0B99-4C64-504D-96FFBC67709F}"/>
+              </a:ext>
+            </a:extLst>
+          </p:cNvPr>
+          <p:cNvSpPr>
+            <a:spLocks noGrp="1"/>
+          </p:cNvSpPr>
+          <p:nvPr>
+            <p:ph type="title"/>
+          </p:nvPr>
+        </p:nvSpPr>
+        <p:spPr/>
+        <p:txBody>
+          <a:bodyPr/>
+          <a:lstStyle/>
+          <a:p>
+            <a:r>
+              <a:rPr lang="en-US" dirty="0"/>
+              <a:t>Original</a:t>
+            </a:r>
+          </a:p>
+        </p:txBody>
+      </p:sp>
+      <p:sp>
+        <p:nvSpPr>
+          <p:cNvPr id="3" name="Content Placeholder 2">
+            <a:extLst>
+              <a:ext uri="{FF2B5EF4-FFF2-40B4-BE49-F238E27FC236}">
+                <a16:creationId xmlns:a16="http://schemas.microsoft.com/office/drawing/2014/main" id="{3618D96A-1571-1C4D-9574-BEAFBAC5E719}"/>
+              </a:ext>
+            </a:extLst>
+          </p:cNvPr>
+          <p:cNvSpPr>
+            <a:spLocks noGrp="1"/>
+          </p:cNvSpPr>
+          <p:nvPr>
+            <p:ph idx="1"/>
+          </p:nvPr>
+        </p:nvSpPr>
+        <p:spPr>
+          <a:xfrm>
+            <a:off x="838200" y="1825625"/>
+            <a:ext cx="11049000" cy="4351338"/>
+          </a:xfrm>
+        </p:spPr>
+        <p:txBody>
+          <a:bodyPr>
+            <a:noAutofit/>
+          </a:bodyPr>
+          <a:lstStyle/>
+          <a:p>
+            <a:pPr marL="0" indent="0">
+              <a:buNone/>
+            </a:pPr>
+            <a:br>
+              <a:rPr lang="en-US" sz="800" dirty="0">
+                <a:solidFill>
+                  <a:srgbClr val="080808"/>
+                </a:solidFill>
+                <a:effectLst/>
+                <a:latin typeface="Fira Code" pitchFamily="49" charset="0"/>
+                <a:ea typeface="Fira Code" pitchFamily="49" charset="0"/>
+                <a:cs typeface="Fira Code" pitchFamily="49" charset="0"/>
+              </a:rPr>
+            </a:br>
+            <a:r>
+              <a:rPr lang="en-US" sz="800" dirty="0">
+                <a:solidFill>
+                  <a:srgbClr val="9E880D"/>
+                </a:solidFill>
+                <a:effectLst/>
+                <a:latin typeface="Fira Code" pitchFamily="49" charset="0"/>
+                <a:ea typeface="Fira Code" pitchFamily="49" charset="0"/>
+                <a:cs typeface="Fira Code" pitchFamily="49" charset="0"/>
+              </a:rPr>
+              <a:t>@Test</a:t>
+            </a:r>
+            <a:br>
+              <a:rPr lang="en-US" sz="800" dirty="0">
+                <a:solidFill>
+                  <a:srgbClr val="9E880D"/>
+                </a:solidFill>
+                <a:effectLst/>
+                <a:latin typeface="Fira Code" pitchFamily="49" charset="0"/>
+                <a:ea typeface="Fira Code" pitchFamily="49" charset="0"/>
+                <a:cs typeface="Fira Code" pitchFamily="49" charset="0"/>
+              </a:rPr>
+            </a:br>
+            <a:r>
+              <a:rPr lang="en-US" sz="800" dirty="0">
+                <a:solidFill>
+                  <a:srgbClr val="0033B3"/>
+                </a:solidFill>
+                <a:effectLst/>
+                <a:latin typeface="Fira Code" pitchFamily="49" charset="0"/>
+                <a:ea typeface="Fira Code" pitchFamily="49" charset="0"/>
+                <a:cs typeface="Fira Code" pitchFamily="49" charset="0"/>
+              </a:rPr>
+              <a:t>public void </a:t>
+            </a:r>
+            <a:r>
+              <a:rPr lang="en-US" sz="800" dirty="0" err="1">
+                <a:solidFill>
+                  <a:srgbClr val="00627A"/>
+                </a:solidFill>
+                <a:effectLst/>
+                <a:latin typeface="Fira Code" pitchFamily="49" charset="0"/>
+                <a:ea typeface="Fira Code" pitchFamily="49" charset="0"/>
+                <a:cs typeface="Fira Code" pitchFamily="49" charset="0"/>
+              </a:rPr>
+              <a:t>shouldGetCustomerFromService</a:t>
+            </a:r>
+            <a:r>
+              <a:rPr lang="en-US" sz="800" dirty="0">
+                <a:solidFill>
+                  <a:srgbClr val="080808"/>
+                </a:solidFill>
+                <a:effectLst/>
+                <a:latin typeface="Fira Code" pitchFamily="49" charset="0"/>
+                <a:ea typeface="Fira Code" pitchFamily="49" charset="0"/>
+                <a:cs typeface="Fira Code" pitchFamily="49" charset="0"/>
+              </a:rPr>
+              <a:t>() {</a:t>
+            </a:r>
+            <a:br>
+              <a:rPr lang="en-US" sz="800" dirty="0">
+                <a:solidFill>
+                  <a:srgbClr val="080808"/>
+                </a:solidFill>
+                <a:effectLst/>
+                <a:latin typeface="Fira Code" pitchFamily="49" charset="0"/>
+                <a:ea typeface="Fira Code" pitchFamily="49" charset="0"/>
+                <a:cs typeface="Fira Code" pitchFamily="49" charset="0"/>
+              </a:rPr>
+            </a:br>
+            <a:r>
+              <a:rPr lang="en-US" sz="800" dirty="0">
+                <a:solidFill>
+                  <a:srgbClr val="080808"/>
+                </a:solidFill>
+                <a:effectLst/>
+                <a:latin typeface="Fira Code" pitchFamily="49" charset="0"/>
+                <a:ea typeface="Fira Code" pitchFamily="49" charset="0"/>
+                <a:cs typeface="Fira Code" pitchFamily="49" charset="0"/>
+              </a:rPr>
+              <a:t>    </a:t>
+            </a:r>
+            <a:r>
+              <a:rPr lang="en-US" sz="800" i="1" dirty="0">
+                <a:solidFill>
+                  <a:srgbClr val="8C8C8C"/>
+                </a:solidFill>
+                <a:effectLst/>
+                <a:latin typeface="Fira Code" pitchFamily="49" charset="0"/>
+                <a:ea typeface="Fira Code" pitchFamily="49" charset="0"/>
+                <a:cs typeface="Fira Code" pitchFamily="49" charset="0"/>
+              </a:rPr>
+              <a:t>// given</a:t>
+            </a:r>
+            <a:br>
+              <a:rPr lang="en-US" sz="800" i="1" dirty="0">
+                <a:solidFill>
+                  <a:srgbClr val="8C8C8C"/>
+                </a:solidFill>
+                <a:effectLst/>
+                <a:latin typeface="Fira Code" pitchFamily="49" charset="0"/>
+                <a:ea typeface="Fira Code" pitchFamily="49" charset="0"/>
+                <a:cs typeface="Fira Code" pitchFamily="49" charset="0"/>
+              </a:rPr>
+            </a:br>
+            <a:r>
+              <a:rPr lang="en-US" sz="800" i="1" dirty="0">
+                <a:solidFill>
+                  <a:srgbClr val="8C8C8C"/>
+                </a:solidFill>
+                <a:effectLst/>
+                <a:latin typeface="Fira Code" pitchFamily="49" charset="0"/>
+                <a:ea typeface="Fira Code" pitchFamily="49" charset="0"/>
+                <a:cs typeface="Fira Code" pitchFamily="49" charset="0"/>
+              </a:rPr>
+              <a:t>    </a:t>
+            </a:r>
+            <a:r>
+              <a:rPr lang="en-US" sz="800" dirty="0" err="1">
+                <a:solidFill>
+                  <a:srgbClr val="871094"/>
+                </a:solidFill>
+                <a:effectLst/>
+                <a:latin typeface="Fira Code" pitchFamily="49" charset="0"/>
+                <a:ea typeface="Fira Code" pitchFamily="49" charset="0"/>
+                <a:cs typeface="Fira Code" pitchFamily="49" charset="0"/>
+              </a:rPr>
+              <a:t>accountType</a:t>
+            </a:r>
+            <a:r>
+              <a:rPr lang="en-US" sz="800" dirty="0">
+                <a:solidFill>
+                  <a:srgbClr val="871094"/>
+                </a:solidFill>
+                <a:effectLst/>
+                <a:latin typeface="Fira Code" pitchFamily="49" charset="0"/>
+                <a:ea typeface="Fira Code" pitchFamily="49" charset="0"/>
+                <a:cs typeface="Fira Code" pitchFamily="49" charset="0"/>
+              </a:rPr>
+              <a:t> </a:t>
+            </a:r>
+            <a:r>
+              <a:rPr lang="en-US" sz="800" dirty="0">
+                <a:solidFill>
+                  <a:srgbClr val="080808"/>
+                </a:solidFill>
+                <a:effectLst/>
+                <a:latin typeface="Fira Code" pitchFamily="49" charset="0"/>
+                <a:ea typeface="Fira Code" pitchFamily="49" charset="0"/>
+                <a:cs typeface="Fira Code" pitchFamily="49" charset="0"/>
+              </a:rPr>
+              <a:t>= </a:t>
+            </a:r>
+            <a:r>
+              <a:rPr lang="en-US" sz="800" dirty="0" err="1">
+                <a:solidFill>
+                  <a:srgbClr val="000000"/>
+                </a:solidFill>
+                <a:effectLst/>
+                <a:latin typeface="Fira Code" pitchFamily="49" charset="0"/>
+                <a:ea typeface="Fira Code" pitchFamily="49" charset="0"/>
+                <a:cs typeface="Fira Code" pitchFamily="49" charset="0"/>
+              </a:rPr>
+              <a:t>CustomerAccountTypeInfo</a:t>
+            </a:r>
+            <a:r>
+              <a:rPr lang="en-US" sz="800" dirty="0" err="1">
+                <a:solidFill>
+                  <a:srgbClr val="080808"/>
+                </a:solidFill>
+                <a:effectLst/>
+                <a:latin typeface="Fira Code" pitchFamily="49" charset="0"/>
+                <a:ea typeface="Fira Code" pitchFamily="49" charset="0"/>
+                <a:cs typeface="Fira Code" pitchFamily="49" charset="0"/>
+              </a:rPr>
+              <a:t>.</a:t>
+            </a:r>
+            <a:r>
+              <a:rPr lang="en-US" sz="800" i="1" dirty="0" err="1">
+                <a:solidFill>
+                  <a:srgbClr val="080808"/>
+                </a:solidFill>
+                <a:effectLst/>
+                <a:latin typeface="Fira Code" pitchFamily="49" charset="0"/>
+                <a:ea typeface="Fira Code" pitchFamily="49" charset="0"/>
+                <a:cs typeface="Fira Code" pitchFamily="49" charset="0"/>
+              </a:rPr>
+              <a:t>builder</a:t>
+            </a:r>
+            <a:r>
+              <a:rPr lang="en-US" sz="800" dirty="0">
+                <a:solidFill>
+                  <a:srgbClr val="080808"/>
+                </a:solidFill>
+                <a:effectLst/>
+                <a:latin typeface="Fira Code" pitchFamily="49" charset="0"/>
+                <a:ea typeface="Fira Code" pitchFamily="49" charset="0"/>
+                <a:cs typeface="Fira Code" pitchFamily="49" charset="0"/>
+              </a:rPr>
+              <a:t>().</a:t>
+            </a:r>
+            <a:r>
+              <a:rPr lang="en-US" sz="800" dirty="0" err="1">
+                <a:solidFill>
+                  <a:srgbClr val="080808"/>
+                </a:solidFill>
+                <a:effectLst/>
+                <a:latin typeface="Fira Code" pitchFamily="49" charset="0"/>
+                <a:ea typeface="Fira Code" pitchFamily="49" charset="0"/>
+                <a:cs typeface="Fira Code" pitchFamily="49" charset="0"/>
+              </a:rPr>
+              <a:t>account</a:t>
+            </a:r>
+            <a:r>
+              <a:rPr lang="en-US" sz="800" dirty="0">
+                <a:solidFill>
+                  <a:srgbClr val="080808"/>
+                </a:solidFill>
+                <a:effectLst/>
+                <a:latin typeface="Fira Code" pitchFamily="49" charset="0"/>
+                <a:ea typeface="Fira Code" pitchFamily="49" charset="0"/>
+                <a:cs typeface="Fira Code" pitchFamily="49" charset="0"/>
+              </a:rPr>
+              <a:t>(</a:t>
+            </a:r>
+            <a:r>
+              <a:rPr lang="en-US" sz="800" i="1" dirty="0">
+                <a:solidFill>
+                  <a:srgbClr val="871094"/>
+                </a:solidFill>
+                <a:effectLst/>
+                <a:latin typeface="Fira Code" pitchFamily="49" charset="0"/>
+                <a:ea typeface="Fira Code" pitchFamily="49" charset="0"/>
+                <a:cs typeface="Fira Code" pitchFamily="49" charset="0"/>
+              </a:rPr>
+              <a:t>ACCOUNT_ID)</a:t>
+            </a:r>
+            <a:r>
+              <a:rPr lang="en-US" sz="800" i="1" dirty="0">
+                <a:solidFill>
+                  <a:srgbClr val="080808"/>
+                </a:solidFill>
+                <a:latin typeface="Fira Code" pitchFamily="49" charset="0"/>
+                <a:ea typeface="Fira Code" pitchFamily="49" charset="0"/>
+                <a:cs typeface="Fira Code" pitchFamily="49" charset="0"/>
+              </a:rPr>
+              <a:t>.</a:t>
+            </a:r>
+            <a:r>
+              <a:rPr lang="en-US" sz="800" dirty="0" err="1">
+                <a:solidFill>
+                  <a:srgbClr val="080808"/>
+                </a:solidFill>
+                <a:effectLst/>
+                <a:latin typeface="Fira Code" pitchFamily="49" charset="0"/>
+                <a:ea typeface="Fira Code" pitchFamily="49" charset="0"/>
+                <a:cs typeface="Fira Code" pitchFamily="49" charset="0"/>
+              </a:rPr>
+              <a:t>accountType</a:t>
+            </a:r>
+            <a:r>
+              <a:rPr lang="en-US" sz="800" dirty="0">
+                <a:solidFill>
+                  <a:srgbClr val="080808"/>
+                </a:solidFill>
+                <a:effectLst/>
+                <a:latin typeface="Fira Code" pitchFamily="49" charset="0"/>
+                <a:ea typeface="Fira Code" pitchFamily="49" charset="0"/>
+                <a:cs typeface="Fira Code" pitchFamily="49" charset="0"/>
+              </a:rPr>
+              <a:t>(</a:t>
+            </a:r>
+            <a:r>
+              <a:rPr lang="en-US" sz="800" dirty="0">
+                <a:solidFill>
+                  <a:srgbClr val="067D17"/>
+                </a:solidFill>
+                <a:effectLst/>
+                <a:latin typeface="Fira Code" pitchFamily="49" charset="0"/>
+                <a:ea typeface="Fira Code" pitchFamily="49" charset="0"/>
+                <a:cs typeface="Fira Code" pitchFamily="49" charset="0"/>
+              </a:rPr>
+              <a:t>”PERSONAL"</a:t>
+            </a:r>
+            <a:r>
+              <a:rPr lang="en-US" sz="800" dirty="0">
+                <a:solidFill>
+                  <a:srgbClr val="080808"/>
+                </a:solidFill>
+                <a:effectLst/>
+                <a:latin typeface="Fira Code" pitchFamily="49" charset="0"/>
+                <a:ea typeface="Fira Code" pitchFamily="49" charset="0"/>
+                <a:cs typeface="Fira Code" pitchFamily="49" charset="0"/>
+              </a:rPr>
+              <a:t>).</a:t>
+            </a:r>
+            <a:r>
+              <a:rPr lang="en-US" sz="800" dirty="0" err="1">
+                <a:solidFill>
+                  <a:srgbClr val="080808"/>
+                </a:solidFill>
+                <a:effectLst/>
+                <a:latin typeface="Fira Code" pitchFamily="49" charset="0"/>
+                <a:ea typeface="Fira Code" pitchFamily="49" charset="0"/>
+                <a:cs typeface="Fira Code" pitchFamily="49" charset="0"/>
+              </a:rPr>
+              <a:t>subscription</a:t>
+            </a:r>
+            <a:r>
+              <a:rPr lang="en-US" sz="800" dirty="0">
+                <a:solidFill>
+                  <a:srgbClr val="080808"/>
+                </a:solidFill>
+                <a:effectLst/>
+                <a:latin typeface="Fira Code" pitchFamily="49" charset="0"/>
+                <a:ea typeface="Fira Code" pitchFamily="49" charset="0"/>
+                <a:cs typeface="Fira Code" pitchFamily="49" charset="0"/>
+              </a:rPr>
+              <a:t>(</a:t>
+            </a:r>
+            <a:r>
+              <a:rPr lang="en-US" sz="800" dirty="0">
+                <a:solidFill>
+                  <a:srgbClr val="067D17"/>
+                </a:solidFill>
+                <a:effectLst/>
+                <a:latin typeface="Fira Code" pitchFamily="49" charset="0"/>
+                <a:ea typeface="Fira Code" pitchFamily="49" charset="0"/>
+                <a:cs typeface="Fira Code" pitchFamily="49" charset="0"/>
+              </a:rPr>
+              <a:t>”MONTHLY"</a:t>
+            </a:r>
+            <a:r>
+              <a:rPr lang="en-US" sz="800" dirty="0">
+                <a:solidFill>
+                  <a:srgbClr val="080808"/>
+                </a:solidFill>
+                <a:effectLst/>
+                <a:latin typeface="Fira Code" pitchFamily="49" charset="0"/>
+                <a:ea typeface="Fira Code" pitchFamily="49" charset="0"/>
+                <a:cs typeface="Fira Code" pitchFamily="49" charset="0"/>
+              </a:rPr>
+              <a:t>).build();</a:t>
+            </a:r>
+            <a:br>
+              <a:rPr lang="en-US" sz="800" dirty="0">
+                <a:solidFill>
+                  <a:srgbClr val="080808"/>
+                </a:solidFill>
+                <a:effectLst/>
+                <a:latin typeface="Fira Code" pitchFamily="49" charset="0"/>
+                <a:ea typeface="Fira Code" pitchFamily="49" charset="0"/>
+                <a:cs typeface="Fira Code" pitchFamily="49" charset="0"/>
+              </a:rPr>
+            </a:br>
+            <a:r>
+              <a:rPr lang="en-US" sz="800" dirty="0">
+                <a:solidFill>
+                  <a:srgbClr val="080808"/>
+                </a:solidFill>
+                <a:effectLst/>
+                <a:latin typeface="Fira Code" pitchFamily="49" charset="0"/>
+                <a:ea typeface="Fira Code" pitchFamily="49" charset="0"/>
+                <a:cs typeface="Fira Code" pitchFamily="49" charset="0"/>
+              </a:rPr>
+              <a:t>    </a:t>
+            </a:r>
+            <a:r>
+              <a:rPr lang="en-US" sz="800" i="1" dirty="0">
+                <a:solidFill>
+                  <a:srgbClr val="080808"/>
+                </a:solidFill>
+                <a:effectLst/>
+                <a:latin typeface="Fira Code" pitchFamily="49" charset="0"/>
+                <a:ea typeface="Fira Code" pitchFamily="49" charset="0"/>
+                <a:cs typeface="Fira Code" pitchFamily="49" charset="0"/>
+              </a:rPr>
+              <a:t>when</a:t>
+            </a:r>
+            <a:r>
+              <a:rPr lang="en-US" sz="800" dirty="0">
+                <a:solidFill>
+                  <a:srgbClr val="080808"/>
+                </a:solidFill>
+                <a:effectLst/>
+                <a:latin typeface="Fira Code" pitchFamily="49" charset="0"/>
+                <a:ea typeface="Fira Code" pitchFamily="49" charset="0"/>
+                <a:cs typeface="Fira Code" pitchFamily="49" charset="0"/>
+              </a:rPr>
+              <a:t>(</a:t>
+            </a:r>
+            <a:r>
+              <a:rPr lang="en-US" sz="800" dirty="0" err="1">
+                <a:solidFill>
+                  <a:srgbClr val="871094"/>
+                </a:solidFill>
+                <a:effectLst/>
+                <a:latin typeface="Fira Code" pitchFamily="49" charset="0"/>
+                <a:ea typeface="Fira Code" pitchFamily="49" charset="0"/>
+                <a:cs typeface="Fira Code" pitchFamily="49" charset="0"/>
+              </a:rPr>
+              <a:t>responseEntity</a:t>
+            </a:r>
+            <a:r>
+              <a:rPr lang="en-US" sz="800" dirty="0" err="1">
+                <a:solidFill>
+                  <a:srgbClr val="080808"/>
+                </a:solidFill>
+                <a:effectLst/>
+                <a:latin typeface="Fira Code" pitchFamily="49" charset="0"/>
+                <a:ea typeface="Fira Code" pitchFamily="49" charset="0"/>
+                <a:cs typeface="Fira Code" pitchFamily="49" charset="0"/>
+              </a:rPr>
+              <a:t>.getBody</a:t>
+            </a:r>
+            <a:r>
+              <a:rPr lang="en-US" sz="800" dirty="0">
+                <a:solidFill>
+                  <a:srgbClr val="080808"/>
+                </a:solidFill>
+                <a:effectLst/>
+                <a:latin typeface="Fira Code" pitchFamily="49" charset="0"/>
+                <a:ea typeface="Fira Code" pitchFamily="49" charset="0"/>
+                <a:cs typeface="Fira Code" pitchFamily="49" charset="0"/>
+              </a:rPr>
+              <a:t>()).</a:t>
+            </a:r>
+            <a:r>
+              <a:rPr lang="en-US" sz="800" dirty="0" err="1">
+                <a:solidFill>
+                  <a:srgbClr val="080808"/>
+                </a:solidFill>
+                <a:effectLst/>
+                <a:latin typeface="Fira Code" pitchFamily="49" charset="0"/>
+                <a:ea typeface="Fira Code" pitchFamily="49" charset="0"/>
+                <a:cs typeface="Fira Code" pitchFamily="49" charset="0"/>
+              </a:rPr>
+              <a:t>thenReturn</a:t>
+            </a:r>
+            <a:r>
+              <a:rPr lang="en-US" sz="800" dirty="0">
+                <a:solidFill>
+                  <a:srgbClr val="080808"/>
+                </a:solidFill>
+                <a:effectLst/>
+                <a:latin typeface="Fira Code" pitchFamily="49" charset="0"/>
+                <a:ea typeface="Fira Code" pitchFamily="49" charset="0"/>
+                <a:cs typeface="Fira Code" pitchFamily="49" charset="0"/>
+              </a:rPr>
+              <a:t>(</a:t>
+            </a:r>
+            <a:r>
+              <a:rPr lang="en-US" sz="800" dirty="0" err="1">
+                <a:solidFill>
+                  <a:srgbClr val="871094"/>
+                </a:solidFill>
+                <a:effectLst/>
+                <a:latin typeface="Fira Code" pitchFamily="49" charset="0"/>
+                <a:ea typeface="Fira Code" pitchFamily="49" charset="0"/>
+                <a:cs typeface="Fira Code" pitchFamily="49" charset="0"/>
+              </a:rPr>
+              <a:t>accountType</a:t>
+            </a:r>
+            <a:r>
+              <a:rPr lang="en-US" sz="800" dirty="0">
+                <a:solidFill>
+                  <a:srgbClr val="080808"/>
+                </a:solidFill>
+                <a:effectLst/>
+                <a:latin typeface="Fira Code" pitchFamily="49" charset="0"/>
+                <a:ea typeface="Fira Code" pitchFamily="49" charset="0"/>
+                <a:cs typeface="Fira Code" pitchFamily="49" charset="0"/>
+              </a:rPr>
+              <a:t>);</a:t>
+            </a:r>
+            <a:br>
+              <a:rPr lang="en-US" sz="800" dirty="0">
+                <a:solidFill>
+                  <a:srgbClr val="080808"/>
+                </a:solidFill>
+                <a:effectLst/>
+                <a:latin typeface="Fira Code" pitchFamily="49" charset="0"/>
+                <a:ea typeface="Fira Code" pitchFamily="49" charset="0"/>
+                <a:cs typeface="Fira Code" pitchFamily="49" charset="0"/>
+              </a:rPr>
+            </a:br>
+            <a:r>
+              <a:rPr lang="en-US" sz="800" dirty="0">
+                <a:solidFill>
+                  <a:srgbClr val="080808"/>
+                </a:solidFill>
+                <a:effectLst/>
+                <a:latin typeface="Fira Code" pitchFamily="49" charset="0"/>
+                <a:ea typeface="Fira Code" pitchFamily="49" charset="0"/>
+                <a:cs typeface="Fira Code" pitchFamily="49" charset="0"/>
+              </a:rPr>
+              <a:t>    </a:t>
+            </a:r>
+            <a:r>
+              <a:rPr lang="en-US" sz="800" i="1" dirty="0">
+                <a:solidFill>
+                  <a:srgbClr val="8C8C8C"/>
+                </a:solidFill>
+                <a:effectLst/>
+                <a:latin typeface="Fira Code" pitchFamily="49" charset="0"/>
+                <a:ea typeface="Fira Code" pitchFamily="49" charset="0"/>
+                <a:cs typeface="Fira Code" pitchFamily="49" charset="0"/>
+              </a:rPr>
+              <a:t>// when</a:t>
+            </a:r>
+            <a:br>
+              <a:rPr lang="en-US" sz="800" i="1" dirty="0">
+                <a:solidFill>
+                  <a:srgbClr val="8C8C8C"/>
+                </a:solidFill>
+                <a:effectLst/>
+                <a:latin typeface="Fira Code" pitchFamily="49" charset="0"/>
+                <a:ea typeface="Fira Code" pitchFamily="49" charset="0"/>
+                <a:cs typeface="Fira Code" pitchFamily="49" charset="0"/>
+              </a:rPr>
+            </a:br>
+            <a:r>
+              <a:rPr lang="en-US" sz="800" i="1" dirty="0">
+                <a:solidFill>
+                  <a:srgbClr val="8C8C8C"/>
+                </a:solidFill>
+                <a:effectLst/>
+                <a:latin typeface="Fira Code" pitchFamily="49" charset="0"/>
+                <a:ea typeface="Fira Code" pitchFamily="49" charset="0"/>
+                <a:cs typeface="Fira Code" pitchFamily="49" charset="0"/>
+              </a:rPr>
+              <a:t>    </a:t>
+            </a:r>
+            <a:r>
+              <a:rPr lang="en-US" sz="800" dirty="0" err="1">
+                <a:solidFill>
+                  <a:srgbClr val="000000"/>
+                </a:solidFill>
+                <a:effectLst/>
+                <a:latin typeface="Fira Code" pitchFamily="49" charset="0"/>
+                <a:ea typeface="Fira Code" pitchFamily="49" charset="0"/>
+                <a:cs typeface="Fira Code" pitchFamily="49" charset="0"/>
+              </a:rPr>
+              <a:t>CustomerAccount</a:t>
+            </a:r>
+            <a:r>
+              <a:rPr lang="en-US" sz="800" dirty="0">
+                <a:solidFill>
+                  <a:srgbClr val="000000"/>
+                </a:solidFill>
+                <a:effectLst/>
+                <a:latin typeface="Fira Code" pitchFamily="49" charset="0"/>
+                <a:ea typeface="Fira Code" pitchFamily="49" charset="0"/>
+                <a:cs typeface="Fira Code" pitchFamily="49" charset="0"/>
+              </a:rPr>
+              <a:t> result </a:t>
+            </a:r>
+            <a:r>
+              <a:rPr lang="en-US" sz="800" dirty="0">
+                <a:solidFill>
+                  <a:srgbClr val="080808"/>
+                </a:solidFill>
+                <a:effectLst/>
+                <a:latin typeface="Fira Code" pitchFamily="49" charset="0"/>
+                <a:ea typeface="Fira Code" pitchFamily="49" charset="0"/>
+                <a:cs typeface="Fira Code" pitchFamily="49" charset="0"/>
+              </a:rPr>
+              <a:t>= </a:t>
+            </a:r>
+            <a:r>
+              <a:rPr lang="en-US" sz="800" dirty="0" err="1">
+                <a:solidFill>
+                  <a:srgbClr val="871094"/>
+                </a:solidFill>
+                <a:effectLst/>
+                <a:latin typeface="Fira Code" pitchFamily="49" charset="0"/>
+                <a:ea typeface="Fira Code" pitchFamily="49" charset="0"/>
+                <a:cs typeface="Fira Code" pitchFamily="49" charset="0"/>
+              </a:rPr>
+              <a:t>customerService</a:t>
+            </a:r>
+            <a:r>
+              <a:rPr lang="en-US" sz="800" dirty="0" err="1">
+                <a:solidFill>
+                  <a:srgbClr val="080808"/>
+                </a:solidFill>
+                <a:effectLst/>
+                <a:latin typeface="Fira Code" pitchFamily="49" charset="0"/>
+                <a:ea typeface="Fira Code" pitchFamily="49" charset="0"/>
+                <a:cs typeface="Fira Code" pitchFamily="49" charset="0"/>
+              </a:rPr>
+              <a:t>.retrieveAccount</a:t>
+            </a:r>
+            <a:r>
+              <a:rPr lang="en-US" sz="800" dirty="0">
+                <a:solidFill>
+                  <a:srgbClr val="080808"/>
+                </a:solidFill>
+                <a:effectLst/>
+                <a:latin typeface="Fira Code" pitchFamily="49" charset="0"/>
+                <a:ea typeface="Fira Code" pitchFamily="49" charset="0"/>
+                <a:cs typeface="Fira Code" pitchFamily="49" charset="0"/>
+              </a:rPr>
+              <a:t>(</a:t>
+            </a:r>
+            <a:r>
+              <a:rPr lang="en-US" sz="800" i="1" dirty="0">
+                <a:solidFill>
+                  <a:srgbClr val="871094"/>
+                </a:solidFill>
+                <a:effectLst/>
+                <a:latin typeface="Fira Code" pitchFamily="49" charset="0"/>
+                <a:ea typeface="Fira Code" pitchFamily="49" charset="0"/>
+                <a:cs typeface="Fira Code" pitchFamily="49" charset="0"/>
+              </a:rPr>
+              <a:t>ACCOUNT_ID</a:t>
+            </a:r>
+            <a:r>
+              <a:rPr lang="en-US" sz="800" dirty="0">
+                <a:solidFill>
+                  <a:srgbClr val="080808"/>
+                </a:solidFill>
+                <a:effectLst/>
+                <a:latin typeface="Fira Code" pitchFamily="49" charset="0"/>
+                <a:ea typeface="Fira Code" pitchFamily="49" charset="0"/>
+                <a:cs typeface="Fira Code" pitchFamily="49" charset="0"/>
+              </a:rPr>
+              <a:t>);</a:t>
+            </a:r>
+            <a:br>
+              <a:rPr lang="en-US" sz="800" dirty="0">
+                <a:solidFill>
+                  <a:srgbClr val="080808"/>
+                </a:solidFill>
+                <a:effectLst/>
+                <a:latin typeface="Fira Code" pitchFamily="49" charset="0"/>
+                <a:ea typeface="Fira Code" pitchFamily="49" charset="0"/>
+                <a:cs typeface="Fira Code" pitchFamily="49" charset="0"/>
+              </a:rPr>
+            </a:br>
+            <a:r>
+              <a:rPr lang="en-US" sz="800" dirty="0">
+                <a:solidFill>
+                  <a:srgbClr val="080808"/>
+                </a:solidFill>
+                <a:effectLst/>
+                <a:latin typeface="Fira Code" pitchFamily="49" charset="0"/>
+                <a:ea typeface="Fira Code" pitchFamily="49" charset="0"/>
+                <a:cs typeface="Fira Code" pitchFamily="49" charset="0"/>
+              </a:rPr>
+              <a:t>    </a:t>
+            </a:r>
+            <a:r>
+              <a:rPr lang="en-US" sz="800" i="1" dirty="0">
+                <a:solidFill>
+                  <a:srgbClr val="8C8C8C"/>
+                </a:solidFill>
+                <a:effectLst/>
+                <a:latin typeface="Fira Code" pitchFamily="49" charset="0"/>
+                <a:ea typeface="Fira Code" pitchFamily="49" charset="0"/>
+                <a:cs typeface="Fira Code" pitchFamily="49" charset="0"/>
+              </a:rPr>
+              <a:t>// then</a:t>
+            </a:r>
+            <a:br>
+              <a:rPr lang="en-US" sz="800" i="1" dirty="0">
+                <a:solidFill>
+                  <a:srgbClr val="8C8C8C"/>
+                </a:solidFill>
+                <a:effectLst/>
+                <a:latin typeface="Fira Code" pitchFamily="49" charset="0"/>
+                <a:ea typeface="Fira Code" pitchFamily="49" charset="0"/>
+                <a:cs typeface="Fira Code" pitchFamily="49" charset="0"/>
+              </a:rPr>
+            </a:br>
+            <a:r>
+              <a:rPr lang="en-US" sz="800" i="1" dirty="0">
+                <a:solidFill>
+                  <a:srgbClr val="8C8C8C"/>
+                </a:solidFill>
+                <a:effectLst/>
+                <a:latin typeface="Fira Code" pitchFamily="49" charset="0"/>
+                <a:ea typeface="Fira Code" pitchFamily="49" charset="0"/>
+                <a:cs typeface="Fira Code" pitchFamily="49" charset="0"/>
+              </a:rPr>
+              <a:t>    </a:t>
+            </a:r>
+            <a:r>
+              <a:rPr lang="en-US" sz="800" dirty="0" err="1">
+                <a:solidFill>
+                  <a:srgbClr val="000000"/>
+                </a:solidFill>
+                <a:effectLst/>
+                <a:latin typeface="Fira Code" pitchFamily="49" charset="0"/>
+                <a:ea typeface="Fira Code" pitchFamily="49" charset="0"/>
+                <a:cs typeface="Fira Code" pitchFamily="49" charset="0"/>
+              </a:rPr>
+              <a:t>CustomerAccount</a:t>
+            </a:r>
+            <a:r>
+              <a:rPr lang="en-US" sz="800" dirty="0">
+                <a:solidFill>
+                  <a:srgbClr val="000000"/>
+                </a:solidFill>
+                <a:effectLst/>
+                <a:latin typeface="Fira Code" pitchFamily="49" charset="0"/>
+                <a:ea typeface="Fira Code" pitchFamily="49" charset="0"/>
+                <a:cs typeface="Fira Code" pitchFamily="49" charset="0"/>
+              </a:rPr>
+              <a:t> </a:t>
+            </a:r>
+            <a:r>
+              <a:rPr lang="en-US" sz="800" dirty="0" err="1">
+                <a:solidFill>
+                  <a:srgbClr val="000000"/>
+                </a:solidFill>
+                <a:effectLst/>
+                <a:latin typeface="Fira Code" pitchFamily="49" charset="0"/>
+                <a:ea typeface="Fira Code" pitchFamily="49" charset="0"/>
+                <a:cs typeface="Fira Code" pitchFamily="49" charset="0"/>
+              </a:rPr>
+              <a:t>expectedCustomerAccount</a:t>
+            </a:r>
+            <a:r>
+              <a:rPr lang="en-US" sz="800" dirty="0">
+                <a:solidFill>
+                  <a:srgbClr val="000000"/>
+                </a:solidFill>
+                <a:effectLst/>
+                <a:latin typeface="Fira Code" pitchFamily="49" charset="0"/>
+                <a:ea typeface="Fira Code" pitchFamily="49" charset="0"/>
+                <a:cs typeface="Fira Code" pitchFamily="49" charset="0"/>
+              </a:rPr>
+              <a:t> </a:t>
+            </a:r>
+            <a:r>
+              <a:rPr lang="en-US" sz="800" dirty="0">
+                <a:solidFill>
+                  <a:srgbClr val="080808"/>
+                </a:solidFill>
+                <a:effectLst/>
+                <a:latin typeface="Fira Code" pitchFamily="49" charset="0"/>
+                <a:ea typeface="Fira Code" pitchFamily="49" charset="0"/>
+                <a:cs typeface="Fira Code" pitchFamily="49" charset="0"/>
+              </a:rPr>
+              <a:t>= </a:t>
+            </a:r>
+            <a:r>
+              <a:rPr lang="en-US" sz="800" dirty="0">
+                <a:solidFill>
+                  <a:srgbClr val="0033B3"/>
+                </a:solidFill>
+                <a:effectLst/>
+                <a:latin typeface="Fira Code" pitchFamily="49" charset="0"/>
+                <a:ea typeface="Fira Code" pitchFamily="49" charset="0"/>
+                <a:cs typeface="Fira Code" pitchFamily="49" charset="0"/>
+              </a:rPr>
+              <a:t>new </a:t>
+            </a:r>
+            <a:r>
+              <a:rPr lang="en-US" sz="800" dirty="0" err="1">
+                <a:solidFill>
+                  <a:srgbClr val="080808"/>
+                </a:solidFill>
+                <a:effectLst/>
+                <a:latin typeface="Fira Code" pitchFamily="49" charset="0"/>
+                <a:ea typeface="Fira Code" pitchFamily="49" charset="0"/>
+                <a:cs typeface="Fira Code" pitchFamily="49" charset="0"/>
+              </a:rPr>
+              <a:t>CustomerAccount</a:t>
+            </a:r>
+            <a:r>
+              <a:rPr lang="en-US" sz="800" dirty="0">
+                <a:solidFill>
+                  <a:srgbClr val="080808"/>
+                </a:solidFill>
+                <a:effectLst/>
+                <a:latin typeface="Fira Code" pitchFamily="49" charset="0"/>
+                <a:ea typeface="Fira Code" pitchFamily="49" charset="0"/>
+                <a:cs typeface="Fira Code" pitchFamily="49" charset="0"/>
+              </a:rPr>
+              <a:t>(</a:t>
+            </a:r>
+            <a:r>
+              <a:rPr lang="en-US" sz="800" i="1" dirty="0">
+                <a:solidFill>
+                  <a:srgbClr val="871094"/>
+                </a:solidFill>
+                <a:effectLst/>
+                <a:latin typeface="Fira Code" pitchFamily="49" charset="0"/>
+                <a:ea typeface="Fira Code" pitchFamily="49" charset="0"/>
+                <a:cs typeface="Fira Code" pitchFamily="49" charset="0"/>
+              </a:rPr>
+              <a:t>ACCOUNT_ID</a:t>
+            </a:r>
+            <a:r>
+              <a:rPr lang="en-US" sz="800" dirty="0">
+                <a:solidFill>
+                  <a:srgbClr val="080808"/>
+                </a:solidFill>
+                <a:effectLst/>
+                <a:latin typeface="Fira Code" pitchFamily="49" charset="0"/>
+                <a:ea typeface="Fira Code" pitchFamily="49" charset="0"/>
+                <a:cs typeface="Fira Code" pitchFamily="49" charset="0"/>
+              </a:rPr>
+              <a:t>, </a:t>
+            </a:r>
+            <a:r>
+              <a:rPr lang="en-US" sz="800" dirty="0" err="1">
+                <a:solidFill>
+                  <a:srgbClr val="000000"/>
+                </a:solidFill>
+                <a:effectLst/>
+                <a:latin typeface="Fira Code" pitchFamily="49" charset="0"/>
+                <a:ea typeface="Fira Code" pitchFamily="49" charset="0"/>
+                <a:cs typeface="Fira Code" pitchFamily="49" charset="0"/>
+              </a:rPr>
+              <a:t>CustomerPaymentType</a:t>
+            </a:r>
+            <a:r>
+              <a:rPr lang="en-US" sz="800" dirty="0" err="1">
+                <a:solidFill>
+                  <a:srgbClr val="080808"/>
+                </a:solidFill>
+                <a:effectLst/>
+                <a:latin typeface="Fira Code" pitchFamily="49" charset="0"/>
+                <a:ea typeface="Fira Code" pitchFamily="49" charset="0"/>
+                <a:cs typeface="Fira Code" pitchFamily="49" charset="0"/>
+              </a:rPr>
+              <a:t>.</a:t>
+            </a:r>
+            <a:r>
+              <a:rPr lang="en-US" sz="800" i="1" dirty="0" err="1">
+                <a:solidFill>
+                  <a:srgbClr val="871094"/>
+                </a:solidFill>
+                <a:effectLst/>
+                <a:latin typeface="Fira Code" pitchFamily="49" charset="0"/>
+                <a:ea typeface="Fira Code" pitchFamily="49" charset="0"/>
+                <a:cs typeface="Fira Code" pitchFamily="49" charset="0"/>
+              </a:rPr>
+              <a:t>MONTHLY</a:t>
+            </a:r>
+            <a:r>
+              <a:rPr lang="en-US" sz="800" dirty="0">
+                <a:solidFill>
+                  <a:srgbClr val="080808"/>
+                </a:solidFill>
+                <a:effectLst/>
+                <a:latin typeface="Fira Code" pitchFamily="49" charset="0"/>
+                <a:ea typeface="Fira Code" pitchFamily="49" charset="0"/>
+                <a:cs typeface="Fira Code" pitchFamily="49" charset="0"/>
+              </a:rPr>
+              <a:t>, </a:t>
+            </a:r>
+            <a:r>
+              <a:rPr lang="en-US" sz="800" dirty="0">
+                <a:solidFill>
+                  <a:srgbClr val="067D17"/>
+                </a:solidFill>
+                <a:effectLst/>
+                <a:latin typeface="Fira Code" pitchFamily="49" charset="0"/>
+                <a:ea typeface="Fira Code" pitchFamily="49" charset="0"/>
+                <a:cs typeface="Fira Code" pitchFamily="49" charset="0"/>
+              </a:rPr>
+              <a:t>"PERSONAL"</a:t>
+            </a:r>
+            <a:r>
+              <a:rPr lang="en-US" sz="800" dirty="0">
+                <a:solidFill>
+                  <a:srgbClr val="080808"/>
+                </a:solidFill>
+                <a:effectLst/>
+                <a:latin typeface="Fira Code" pitchFamily="49" charset="0"/>
+                <a:ea typeface="Fira Code" pitchFamily="49" charset="0"/>
+                <a:cs typeface="Fira Code" pitchFamily="49" charset="0"/>
+              </a:rPr>
+              <a:t>);</a:t>
+            </a:r>
+            <a:br>
+              <a:rPr lang="en-US" sz="800" dirty="0">
+                <a:solidFill>
+                  <a:srgbClr val="080808"/>
+                </a:solidFill>
+                <a:effectLst/>
+                <a:latin typeface="Fira Code" pitchFamily="49" charset="0"/>
+                <a:ea typeface="Fira Code" pitchFamily="49" charset="0"/>
+                <a:cs typeface="Fira Code" pitchFamily="49" charset="0"/>
+              </a:rPr>
+            </a:br>
+            <a:r>
+              <a:rPr lang="en-US" sz="800" dirty="0">
+                <a:solidFill>
+                  <a:srgbClr val="080808"/>
+                </a:solidFill>
+                <a:effectLst/>
+                <a:latin typeface="Fira Code" pitchFamily="49" charset="0"/>
+                <a:ea typeface="Fira Code" pitchFamily="49" charset="0"/>
+                <a:cs typeface="Fira Code" pitchFamily="49" charset="0"/>
+              </a:rPr>
+              <a:t>    </a:t>
+            </a:r>
+            <a:r>
+              <a:rPr lang="en-US" sz="800" i="1" dirty="0" err="1">
+                <a:solidFill>
+                  <a:srgbClr val="080808"/>
+                </a:solidFill>
+                <a:effectLst/>
+                <a:latin typeface="Fira Code" pitchFamily="49" charset="0"/>
+                <a:ea typeface="Fira Code" pitchFamily="49" charset="0"/>
+                <a:cs typeface="Fira Code" pitchFamily="49" charset="0"/>
+              </a:rPr>
+              <a:t>assertThat</a:t>
+            </a:r>
+            <a:r>
+              <a:rPr lang="en-US" sz="800" dirty="0">
+                <a:solidFill>
+                  <a:srgbClr val="080808"/>
+                </a:solidFill>
+                <a:effectLst/>
+                <a:latin typeface="Fira Code" pitchFamily="49" charset="0"/>
+                <a:ea typeface="Fira Code" pitchFamily="49" charset="0"/>
+                <a:cs typeface="Fira Code" pitchFamily="49" charset="0"/>
+              </a:rPr>
+              <a:t>(</a:t>
+            </a:r>
+            <a:r>
+              <a:rPr lang="en-US" sz="800" dirty="0">
+                <a:solidFill>
+                  <a:srgbClr val="000000"/>
+                </a:solidFill>
+                <a:effectLst/>
+                <a:latin typeface="Fira Code" pitchFamily="49" charset="0"/>
+                <a:ea typeface="Fira Code" pitchFamily="49" charset="0"/>
+                <a:cs typeface="Fira Code" pitchFamily="49" charset="0"/>
+              </a:rPr>
+              <a:t>result</a:t>
+            </a:r>
+            <a:r>
+              <a:rPr lang="en-US" sz="800" dirty="0">
+                <a:solidFill>
+                  <a:srgbClr val="080808"/>
+                </a:solidFill>
+                <a:effectLst/>
+                <a:latin typeface="Fira Code" pitchFamily="49" charset="0"/>
+                <a:ea typeface="Fira Code" pitchFamily="49" charset="0"/>
+                <a:cs typeface="Fira Code" pitchFamily="49" charset="0"/>
+              </a:rPr>
+              <a:t>, </a:t>
+            </a:r>
+            <a:r>
+              <a:rPr lang="en-US" sz="800" i="1" dirty="0">
+                <a:solidFill>
+                  <a:srgbClr val="080808"/>
+                </a:solidFill>
+                <a:effectLst/>
+                <a:latin typeface="Fira Code" pitchFamily="49" charset="0"/>
+                <a:ea typeface="Fira Code" pitchFamily="49" charset="0"/>
+                <a:cs typeface="Fira Code" pitchFamily="49" charset="0"/>
+              </a:rPr>
+              <a:t>is</a:t>
+            </a:r>
+            <a:r>
+              <a:rPr lang="en-US" sz="800" dirty="0">
+                <a:solidFill>
+                  <a:srgbClr val="080808"/>
+                </a:solidFill>
+                <a:effectLst/>
+                <a:latin typeface="Fira Code" pitchFamily="49" charset="0"/>
+                <a:ea typeface="Fira Code" pitchFamily="49" charset="0"/>
+                <a:cs typeface="Fira Code" pitchFamily="49" charset="0"/>
+              </a:rPr>
+              <a:t>(</a:t>
+            </a:r>
+            <a:r>
+              <a:rPr lang="en-US" sz="800" dirty="0" err="1">
+                <a:solidFill>
+                  <a:srgbClr val="000000"/>
+                </a:solidFill>
+                <a:effectLst/>
+                <a:latin typeface="Fira Code" pitchFamily="49" charset="0"/>
+                <a:ea typeface="Fira Code" pitchFamily="49" charset="0"/>
+                <a:cs typeface="Fira Code" pitchFamily="49" charset="0"/>
+              </a:rPr>
+              <a:t>expectedCustomerAccount</a:t>
+            </a:r>
+            <a:r>
+              <a:rPr lang="en-US" sz="800" dirty="0">
+                <a:solidFill>
+                  <a:srgbClr val="080808"/>
+                </a:solidFill>
+                <a:effectLst/>
+                <a:latin typeface="Fira Code" pitchFamily="49" charset="0"/>
+                <a:ea typeface="Fira Code" pitchFamily="49" charset="0"/>
+                <a:cs typeface="Fira Code" pitchFamily="49" charset="0"/>
+              </a:rPr>
+              <a:t>));</a:t>
+            </a:r>
+            <a:br>
+              <a:rPr lang="en-US" sz="800" dirty="0">
+                <a:solidFill>
+                  <a:srgbClr val="080808"/>
+                </a:solidFill>
+                <a:effectLst/>
+                <a:latin typeface="Fira Code" pitchFamily="49" charset="0"/>
+                <a:ea typeface="Fira Code" pitchFamily="49" charset="0"/>
+                <a:cs typeface="Fira Code" pitchFamily="49" charset="0"/>
+              </a:rPr>
+            </a:br>
+            <a:r>
+              <a:rPr lang="en-US" sz="800" dirty="0">
+                <a:solidFill>
+                  <a:srgbClr val="080808"/>
+                </a:solidFill>
+                <a:effectLst/>
+                <a:latin typeface="Fira Code" pitchFamily="49" charset="0"/>
+                <a:ea typeface="Fira Code" pitchFamily="49" charset="0"/>
+                <a:cs typeface="Fira Code" pitchFamily="49" charset="0"/>
+              </a:rPr>
+              <a:t>    </a:t>
+            </a:r>
+            <a:r>
+              <a:rPr lang="en-US" sz="800" i="1" dirty="0">
+                <a:solidFill>
+                  <a:srgbClr val="080808"/>
+                </a:solidFill>
+                <a:effectLst/>
+                <a:latin typeface="Fira Code" pitchFamily="49" charset="0"/>
+                <a:ea typeface="Fira Code" pitchFamily="49" charset="0"/>
+                <a:cs typeface="Fira Code" pitchFamily="49" charset="0"/>
+              </a:rPr>
+              <a:t>verify</a:t>
+            </a:r>
+            <a:r>
+              <a:rPr lang="en-US" sz="800" dirty="0">
+                <a:solidFill>
+                  <a:srgbClr val="080808"/>
+                </a:solidFill>
+                <a:effectLst/>
+                <a:latin typeface="Fira Code" pitchFamily="49" charset="0"/>
+                <a:ea typeface="Fira Code" pitchFamily="49" charset="0"/>
+                <a:cs typeface="Fira Code" pitchFamily="49" charset="0"/>
+              </a:rPr>
+              <a:t>(</a:t>
+            </a:r>
+            <a:r>
+              <a:rPr lang="en-US" sz="800" dirty="0" err="1">
+                <a:solidFill>
+                  <a:srgbClr val="871094"/>
+                </a:solidFill>
+                <a:effectLst/>
+                <a:latin typeface="Fira Code" pitchFamily="49" charset="0"/>
+                <a:ea typeface="Fira Code" pitchFamily="49" charset="0"/>
+                <a:cs typeface="Fira Code" pitchFamily="49" charset="0"/>
+              </a:rPr>
+              <a:t>restTemplate</a:t>
+            </a:r>
+            <a:r>
+              <a:rPr lang="en-US" sz="800" dirty="0">
+                <a:solidFill>
+                  <a:srgbClr val="080808"/>
+                </a:solidFill>
+                <a:effectLst/>
+                <a:latin typeface="Fira Code" pitchFamily="49" charset="0"/>
+                <a:ea typeface="Fira Code" pitchFamily="49" charset="0"/>
+                <a:cs typeface="Fira Code" pitchFamily="49" charset="0"/>
+              </a:rPr>
+              <a:t>, </a:t>
+            </a:r>
+            <a:r>
+              <a:rPr lang="en-US" sz="800" i="1" dirty="0">
+                <a:solidFill>
+                  <a:srgbClr val="080808"/>
+                </a:solidFill>
+                <a:effectLst/>
+                <a:latin typeface="Fira Code" pitchFamily="49" charset="0"/>
+                <a:ea typeface="Fira Code" pitchFamily="49" charset="0"/>
+                <a:cs typeface="Fira Code" pitchFamily="49" charset="0"/>
+              </a:rPr>
+              <a:t>times</a:t>
+            </a:r>
+            <a:r>
+              <a:rPr lang="en-US" sz="800" dirty="0">
+                <a:solidFill>
+                  <a:srgbClr val="080808"/>
+                </a:solidFill>
+                <a:effectLst/>
+                <a:latin typeface="Fira Code" pitchFamily="49" charset="0"/>
+                <a:ea typeface="Fira Code" pitchFamily="49" charset="0"/>
+                <a:cs typeface="Fira Code" pitchFamily="49" charset="0"/>
+              </a:rPr>
+              <a:t>(</a:t>
+            </a:r>
+            <a:r>
+              <a:rPr lang="en-US" sz="800" dirty="0">
+                <a:solidFill>
+                  <a:srgbClr val="1750EB"/>
+                </a:solidFill>
+                <a:effectLst/>
+                <a:latin typeface="Fira Code" pitchFamily="49" charset="0"/>
+                <a:ea typeface="Fira Code" pitchFamily="49" charset="0"/>
+                <a:cs typeface="Fira Code" pitchFamily="49" charset="0"/>
+              </a:rPr>
+              <a:t>1</a:t>
+            </a:r>
+            <a:r>
+              <a:rPr lang="en-US" sz="800" dirty="0">
+                <a:solidFill>
+                  <a:srgbClr val="080808"/>
+                </a:solidFill>
+                <a:effectLst/>
+                <a:latin typeface="Fira Code" pitchFamily="49" charset="0"/>
+                <a:ea typeface="Fira Code" pitchFamily="49" charset="0"/>
+                <a:cs typeface="Fira Code" pitchFamily="49" charset="0"/>
+              </a:rPr>
+              <a:t>)).exchange(</a:t>
+            </a:r>
+            <a:r>
+              <a:rPr lang="en-US" sz="800" dirty="0" err="1">
+                <a:solidFill>
+                  <a:srgbClr val="871094"/>
+                </a:solidFill>
+                <a:effectLst/>
+                <a:latin typeface="Fira Code" pitchFamily="49" charset="0"/>
+                <a:ea typeface="Fira Code" pitchFamily="49" charset="0"/>
+                <a:cs typeface="Fira Code" pitchFamily="49" charset="0"/>
+              </a:rPr>
+              <a:t>calledUrlCaptor</a:t>
+            </a:r>
+            <a:r>
+              <a:rPr lang="en-US" sz="800" dirty="0" err="1">
+                <a:solidFill>
+                  <a:srgbClr val="080808"/>
+                </a:solidFill>
+                <a:effectLst/>
+                <a:latin typeface="Fira Code" pitchFamily="49" charset="0"/>
+                <a:ea typeface="Fira Code" pitchFamily="49" charset="0"/>
+                <a:cs typeface="Fira Code" pitchFamily="49" charset="0"/>
+              </a:rPr>
+              <a:t>.capture</a:t>
+            </a:r>
+            <a:r>
+              <a:rPr lang="en-US" sz="800" dirty="0">
+                <a:solidFill>
+                  <a:srgbClr val="080808"/>
+                </a:solidFill>
+                <a:effectLst/>
+                <a:latin typeface="Fira Code" pitchFamily="49" charset="0"/>
+                <a:ea typeface="Fira Code" pitchFamily="49" charset="0"/>
+                <a:cs typeface="Fira Code" pitchFamily="49" charset="0"/>
+              </a:rPr>
+              <a:t>(), </a:t>
+            </a:r>
+            <a:r>
+              <a:rPr lang="en-US" sz="800" i="1" dirty="0">
+                <a:solidFill>
+                  <a:srgbClr val="080808"/>
+                </a:solidFill>
+                <a:effectLst/>
+                <a:latin typeface="Fira Code" pitchFamily="49" charset="0"/>
+                <a:ea typeface="Fira Code" pitchFamily="49" charset="0"/>
+                <a:cs typeface="Fira Code" pitchFamily="49" charset="0"/>
+              </a:rPr>
+              <a:t>eq</a:t>
+            </a:r>
+            <a:r>
+              <a:rPr lang="en-US" sz="800" dirty="0">
+                <a:solidFill>
+                  <a:srgbClr val="080808"/>
+                </a:solidFill>
+                <a:effectLst/>
+                <a:latin typeface="Fira Code" pitchFamily="49" charset="0"/>
+                <a:ea typeface="Fira Code" pitchFamily="49" charset="0"/>
+                <a:cs typeface="Fira Code" pitchFamily="49" charset="0"/>
+              </a:rPr>
+              <a:t>(</a:t>
+            </a:r>
+            <a:r>
+              <a:rPr lang="en-US" sz="800" dirty="0" err="1">
+                <a:solidFill>
+                  <a:srgbClr val="000000"/>
+                </a:solidFill>
+                <a:effectLst/>
+                <a:latin typeface="Fira Code" pitchFamily="49" charset="0"/>
+                <a:ea typeface="Fira Code" pitchFamily="49" charset="0"/>
+                <a:cs typeface="Fira Code" pitchFamily="49" charset="0"/>
+              </a:rPr>
+              <a:t>HttpMethod</a:t>
+            </a:r>
+            <a:r>
+              <a:rPr lang="en-US" sz="800" dirty="0" err="1">
+                <a:solidFill>
+                  <a:srgbClr val="080808"/>
+                </a:solidFill>
+                <a:effectLst/>
+                <a:latin typeface="Fira Code" pitchFamily="49" charset="0"/>
+                <a:ea typeface="Fira Code" pitchFamily="49" charset="0"/>
+                <a:cs typeface="Fira Code" pitchFamily="49" charset="0"/>
+              </a:rPr>
+              <a:t>.</a:t>
+            </a:r>
+            <a:r>
+              <a:rPr lang="en-US" sz="800" i="1" dirty="0" err="1">
+                <a:solidFill>
+                  <a:srgbClr val="871094"/>
+                </a:solidFill>
+                <a:effectLst/>
+                <a:latin typeface="Fira Code" pitchFamily="49" charset="0"/>
+                <a:ea typeface="Fira Code" pitchFamily="49" charset="0"/>
+                <a:cs typeface="Fira Code" pitchFamily="49" charset="0"/>
+              </a:rPr>
+              <a:t>GET</a:t>
+            </a:r>
+            <a:r>
+              <a:rPr lang="en-US" sz="800" dirty="0">
+                <a:solidFill>
+                  <a:srgbClr val="080808"/>
+                </a:solidFill>
+                <a:effectLst/>
+                <a:latin typeface="Fira Code" pitchFamily="49" charset="0"/>
+                <a:ea typeface="Fira Code" pitchFamily="49" charset="0"/>
+                <a:cs typeface="Fira Code" pitchFamily="49" charset="0"/>
+              </a:rPr>
+              <a:t>), </a:t>
+            </a:r>
+            <a:r>
+              <a:rPr lang="en-US" sz="800" dirty="0" err="1">
+                <a:solidFill>
+                  <a:srgbClr val="871094"/>
+                </a:solidFill>
+                <a:effectLst/>
+                <a:latin typeface="Fira Code" pitchFamily="49" charset="0"/>
+                <a:ea typeface="Fira Code" pitchFamily="49" charset="0"/>
+                <a:cs typeface="Fira Code" pitchFamily="49" charset="0"/>
+              </a:rPr>
+              <a:t>sentHttpEntityCaptor</a:t>
+            </a:r>
+            <a:r>
+              <a:rPr lang="en-US" sz="800" dirty="0" err="1">
+                <a:solidFill>
+                  <a:srgbClr val="080808"/>
+                </a:solidFill>
+                <a:effectLst/>
+                <a:latin typeface="Fira Code" pitchFamily="49" charset="0"/>
+                <a:ea typeface="Fira Code" pitchFamily="49" charset="0"/>
+                <a:cs typeface="Fira Code" pitchFamily="49" charset="0"/>
+              </a:rPr>
+              <a:t>.capture</a:t>
+            </a:r>
+            <a:r>
+              <a:rPr lang="en-US" sz="800" dirty="0">
+                <a:solidFill>
+                  <a:srgbClr val="080808"/>
+                </a:solidFill>
+                <a:effectLst/>
+                <a:latin typeface="Fira Code" pitchFamily="49" charset="0"/>
+                <a:ea typeface="Fira Code" pitchFamily="49" charset="0"/>
+                <a:cs typeface="Fira Code" pitchFamily="49" charset="0"/>
+              </a:rPr>
+              <a:t>(), </a:t>
+            </a:r>
+            <a:r>
+              <a:rPr lang="en-US" sz="800" i="1" dirty="0">
+                <a:solidFill>
+                  <a:srgbClr val="080808"/>
+                </a:solidFill>
+                <a:effectLst/>
+                <a:latin typeface="Fira Code" pitchFamily="49" charset="0"/>
+                <a:ea typeface="Fira Code" pitchFamily="49" charset="0"/>
+                <a:cs typeface="Fira Code" pitchFamily="49" charset="0"/>
+              </a:rPr>
+              <a:t>any</a:t>
+            </a:r>
+            <a:r>
+              <a:rPr lang="en-US" sz="800" dirty="0">
+                <a:solidFill>
+                  <a:srgbClr val="080808"/>
+                </a:solidFill>
+                <a:effectLst/>
+                <a:latin typeface="Fira Code" pitchFamily="49" charset="0"/>
+                <a:ea typeface="Fira Code" pitchFamily="49" charset="0"/>
+                <a:cs typeface="Fira Code" pitchFamily="49" charset="0"/>
+              </a:rPr>
+              <a:t>(</a:t>
+            </a:r>
+            <a:r>
+              <a:rPr lang="en-US" sz="800" dirty="0" err="1">
+                <a:solidFill>
+                  <a:srgbClr val="000000"/>
+                </a:solidFill>
+                <a:effectLst/>
+                <a:latin typeface="Fira Code" pitchFamily="49" charset="0"/>
+                <a:ea typeface="Fira Code" pitchFamily="49" charset="0"/>
+                <a:cs typeface="Fira Code" pitchFamily="49" charset="0"/>
+              </a:rPr>
+              <a:t>Class</a:t>
+            </a:r>
+            <a:r>
+              <a:rPr lang="en-US" sz="800" dirty="0" err="1">
+                <a:solidFill>
+                  <a:srgbClr val="080808"/>
+                </a:solidFill>
+                <a:effectLst/>
+                <a:latin typeface="Fira Code" pitchFamily="49" charset="0"/>
+                <a:ea typeface="Fira Code" pitchFamily="49" charset="0"/>
+                <a:cs typeface="Fira Code" pitchFamily="49" charset="0"/>
+              </a:rPr>
+              <a:t>.</a:t>
+            </a:r>
+            <a:r>
+              <a:rPr lang="en-US" sz="800" dirty="0" err="1">
+                <a:solidFill>
+                  <a:srgbClr val="0033B3"/>
+                </a:solidFill>
+                <a:effectLst/>
+                <a:latin typeface="Fira Code" pitchFamily="49" charset="0"/>
+                <a:ea typeface="Fira Code" pitchFamily="49" charset="0"/>
+                <a:cs typeface="Fira Code" pitchFamily="49" charset="0"/>
+              </a:rPr>
+              <a:t>class</a:t>
+            </a:r>
+            <a:r>
+              <a:rPr lang="en-US" sz="800" dirty="0">
+                <a:solidFill>
+                  <a:srgbClr val="080808"/>
+                </a:solidFill>
+                <a:effectLst/>
+                <a:latin typeface="Fira Code" pitchFamily="49" charset="0"/>
+                <a:ea typeface="Fira Code" pitchFamily="49" charset="0"/>
+                <a:cs typeface="Fira Code" pitchFamily="49" charset="0"/>
+              </a:rPr>
+              <a:t>));</a:t>
+            </a:r>
+            <a:br>
+              <a:rPr lang="en-US" sz="800" dirty="0">
+                <a:solidFill>
+                  <a:srgbClr val="080808"/>
+                </a:solidFill>
+                <a:effectLst/>
+                <a:latin typeface="Fira Code" pitchFamily="49" charset="0"/>
+                <a:ea typeface="Fira Code" pitchFamily="49" charset="0"/>
+                <a:cs typeface="Fira Code" pitchFamily="49" charset="0"/>
+              </a:rPr>
+            </a:br>
+            <a:r>
+              <a:rPr lang="en-US" sz="800" dirty="0">
+                <a:solidFill>
+                  <a:srgbClr val="080808"/>
+                </a:solidFill>
+                <a:effectLst/>
+                <a:latin typeface="Fira Code" pitchFamily="49" charset="0"/>
+                <a:ea typeface="Fira Code" pitchFamily="49" charset="0"/>
+                <a:cs typeface="Fira Code" pitchFamily="49" charset="0"/>
+              </a:rPr>
+              <a:t>    </a:t>
+            </a:r>
+            <a:r>
+              <a:rPr lang="en-US" sz="800" dirty="0" err="1">
+                <a:solidFill>
+                  <a:srgbClr val="080808"/>
+                </a:solidFill>
+                <a:effectLst/>
+                <a:latin typeface="Fira Code" pitchFamily="49" charset="0"/>
+                <a:ea typeface="Fira Code" pitchFamily="49" charset="0"/>
+                <a:cs typeface="Fira Code" pitchFamily="49" charset="0"/>
+              </a:rPr>
+              <a:t>verifyHeadersAreValid</a:t>
+            </a:r>
+            <a:r>
+              <a:rPr lang="en-US" sz="800" dirty="0">
+                <a:solidFill>
+                  <a:srgbClr val="080808"/>
+                </a:solidFill>
+                <a:effectLst/>
+                <a:latin typeface="Fira Code" pitchFamily="49" charset="0"/>
+                <a:ea typeface="Fira Code" pitchFamily="49" charset="0"/>
+                <a:cs typeface="Fira Code" pitchFamily="49" charset="0"/>
+              </a:rPr>
+              <a:t>(</a:t>
+            </a:r>
+            <a:r>
+              <a:rPr lang="en-US" sz="800" dirty="0" err="1">
+                <a:solidFill>
+                  <a:srgbClr val="871094"/>
+                </a:solidFill>
+                <a:effectLst/>
+                <a:latin typeface="Fira Code" pitchFamily="49" charset="0"/>
+                <a:ea typeface="Fira Code" pitchFamily="49" charset="0"/>
+                <a:cs typeface="Fira Code" pitchFamily="49" charset="0"/>
+              </a:rPr>
+              <a:t>sentHttpEntityCaptor</a:t>
+            </a:r>
+            <a:r>
+              <a:rPr lang="en-US" sz="800" dirty="0" err="1">
+                <a:solidFill>
+                  <a:srgbClr val="080808"/>
+                </a:solidFill>
+                <a:effectLst/>
+                <a:latin typeface="Fira Code" pitchFamily="49" charset="0"/>
+                <a:ea typeface="Fira Code" pitchFamily="49" charset="0"/>
+                <a:cs typeface="Fira Code" pitchFamily="49" charset="0"/>
+              </a:rPr>
+              <a:t>.getValue</a:t>
+            </a:r>
+            <a:r>
+              <a:rPr lang="en-US" sz="800" dirty="0">
+                <a:solidFill>
+                  <a:srgbClr val="080808"/>
+                </a:solidFill>
+                <a:effectLst/>
+                <a:latin typeface="Fira Code" pitchFamily="49" charset="0"/>
+                <a:ea typeface="Fira Code" pitchFamily="49" charset="0"/>
+                <a:cs typeface="Fira Code" pitchFamily="49" charset="0"/>
+              </a:rPr>
+              <a:t>().</a:t>
+            </a:r>
+            <a:r>
+              <a:rPr lang="en-US" sz="800" dirty="0" err="1">
+                <a:solidFill>
+                  <a:srgbClr val="080808"/>
+                </a:solidFill>
+                <a:effectLst/>
+                <a:latin typeface="Fira Code" pitchFamily="49" charset="0"/>
+                <a:ea typeface="Fira Code" pitchFamily="49" charset="0"/>
+                <a:cs typeface="Fira Code" pitchFamily="49" charset="0"/>
+              </a:rPr>
+              <a:t>getHeaders</a:t>
+            </a:r>
+            <a:r>
+              <a:rPr lang="en-US" sz="800" dirty="0">
+                <a:solidFill>
+                  <a:srgbClr val="080808"/>
+                </a:solidFill>
+                <a:effectLst/>
+                <a:latin typeface="Fira Code" pitchFamily="49" charset="0"/>
+                <a:ea typeface="Fira Code" pitchFamily="49" charset="0"/>
+                <a:cs typeface="Fira Code" pitchFamily="49" charset="0"/>
+              </a:rPr>
+              <a:t>());</a:t>
+            </a:r>
+            <a:br>
+              <a:rPr lang="en-US" sz="800" dirty="0">
+                <a:solidFill>
+                  <a:srgbClr val="080808"/>
+                </a:solidFill>
+                <a:effectLst/>
+                <a:latin typeface="Fira Code" pitchFamily="49" charset="0"/>
+                <a:ea typeface="Fira Code" pitchFamily="49" charset="0"/>
+                <a:cs typeface="Fira Code" pitchFamily="49" charset="0"/>
+              </a:rPr>
+            </a:br>
+            <a:r>
+              <a:rPr lang="en-US" sz="800" dirty="0">
+                <a:solidFill>
+                  <a:srgbClr val="080808"/>
+                </a:solidFill>
+                <a:effectLst/>
+                <a:latin typeface="Fira Code" pitchFamily="49" charset="0"/>
+                <a:ea typeface="Fira Code" pitchFamily="49" charset="0"/>
+                <a:cs typeface="Fira Code" pitchFamily="49" charset="0"/>
+              </a:rPr>
+              <a:t>}</a:t>
+            </a:r>
+          </a:p>
+          <a:p>
+            <a:pPr marL="0" indent="0">
+              <a:buNone/>
+            </a:pPr>
+            <a:endParaRPr lang="en-US" sz="800" dirty="0">
+              <a:latin typeface="Fira Code" pitchFamily="49" charset="0"/>
+              <a:ea typeface="Fira Code" pitchFamily="49" charset="0"/>
+              <a:cs typeface="Fira Code" pitchFamily="49" charset="0"/>
+            </a:endParaRPr>
+          </a:p>
+        </p:txBody>
+      </p:sp>
+    </p:spTree>
+    <p:extLst>
+      <p:ext uri="{BB962C8B-B14F-4D97-AF65-F5344CB8AC3E}">
+        <p14:creationId xmlns:p14="http://schemas.microsoft.com/office/powerpoint/2010/main" val="379213993"/>
+      </p:ext>
+    </p:extLst>
+  </p:cSld>
+  <p:clrMapOvr>
+    <a:masterClrMapping/>
+  </p:clrMapOvr>
+</p:sld>
+</file>
+
+<file path=ppt/slides/slide30.xml><?xml version="1.0" encoding="utf-8"?>
 <p:sld xmlns:a="http://schemas.openxmlformats.org/drawingml/2006/main" xmlns:r="http://schemas.openxmlformats.org/officeDocument/2006/relationships" xmlns:p="http://schemas.openxmlformats.org/presentationml/2006/main">
   <p:cSld>
     <p:spTree>
@@ -12822,7 +14608,7 @@
 </p:sld>
 </file>
 
-<file path=ppt/slides/slide29.xml><?xml version="1.0" encoding="utf-8"?>
+<file path=ppt/slides/slide31.xml><?xml version="1.0" encoding="utf-8"?>
 <p:sld xmlns:a="http://schemas.openxmlformats.org/drawingml/2006/main" xmlns:r="http://schemas.openxmlformats.org/officeDocument/2006/relationships" xmlns:p="http://schemas.openxmlformats.org/presentationml/2006/main">
   <p:cSld>
     <p:spTree>
@@ -12849,1582 +14635,6 @@
     <p:extLst>
       <p:ext uri="{BB962C8B-B14F-4D97-AF65-F5344CB8AC3E}">
         <p14:creationId xmlns:p14="http://schemas.microsoft.com/office/powerpoint/2010/main" val="974072803"/>
-      </p:ext>
-    </p:extLst>
-  </p:cSld>
-  <p:clrMapOvr>
-    <a:masterClrMapping/>
-  </p:clrMapOvr>
-</p:sld>
-</file>
-
-<file path=ppt/slides/slide3.xml><?xml version="1.0" encoding="utf-8"?>
-<p:sld xmlns:a="http://schemas.openxmlformats.org/drawingml/2006/main" xmlns:r="http://schemas.openxmlformats.org/officeDocument/2006/relationships" xmlns:p="http://schemas.openxmlformats.org/presentationml/2006/main">
-  <p:cSld>
-    <p:spTree>
-      <p:nvGrpSpPr>
-        <p:cNvPr id="1" name=""/>
-        <p:cNvGrpSpPr/>
-        <p:nvPr/>
-      </p:nvGrpSpPr>
-      <p:grpSpPr>
-        <a:xfrm>
-          <a:off x="0" y="0"/>
-          <a:ext cx="0" cy="0"/>
-          <a:chOff x="0" y="0"/>
-          <a:chExt cx="0" cy="0"/>
-        </a:xfrm>
-      </p:grpSpPr>
-      <p:sp>
-        <p:nvSpPr>
-          <p:cNvPr id="2" name="Title 1">
-            <a:extLst>
-              <a:ext uri="{FF2B5EF4-FFF2-40B4-BE49-F238E27FC236}">
-                <a16:creationId xmlns:a16="http://schemas.microsoft.com/office/drawing/2014/main" id="{5FDF8E1D-0B99-4C64-504D-96FFBC67709F}"/>
-              </a:ext>
-            </a:extLst>
-          </p:cNvPr>
-          <p:cNvSpPr>
-            <a:spLocks noGrp="1"/>
-          </p:cNvSpPr>
-          <p:nvPr>
-            <p:ph type="title"/>
-          </p:nvPr>
-        </p:nvSpPr>
-        <p:spPr/>
-        <p:txBody>
-          <a:bodyPr/>
-          <a:lstStyle/>
-          <a:p>
-            <a:r>
-              <a:rPr lang="en-US" dirty="0"/>
-              <a:t>Original</a:t>
-            </a:r>
-          </a:p>
-        </p:txBody>
-      </p:sp>
-      <p:sp>
-        <p:nvSpPr>
-          <p:cNvPr id="3" name="Content Placeholder 2">
-            <a:extLst>
-              <a:ext uri="{FF2B5EF4-FFF2-40B4-BE49-F238E27FC236}">
-                <a16:creationId xmlns:a16="http://schemas.microsoft.com/office/drawing/2014/main" id="{3618D96A-1571-1C4D-9574-BEAFBAC5E719}"/>
-              </a:ext>
-            </a:extLst>
-          </p:cNvPr>
-          <p:cNvSpPr>
-            <a:spLocks noGrp="1"/>
-          </p:cNvSpPr>
-          <p:nvPr>
-            <p:ph idx="1"/>
-          </p:nvPr>
-        </p:nvSpPr>
-        <p:spPr>
-          <a:xfrm>
-            <a:off x="838200" y="1825625"/>
-            <a:ext cx="11049000" cy="4351338"/>
-          </a:xfrm>
-        </p:spPr>
-        <p:txBody>
-          <a:bodyPr>
-            <a:noAutofit/>
-          </a:bodyPr>
-          <a:lstStyle/>
-          <a:p>
-            <a:pPr marL="0" indent="0">
-              <a:buNone/>
-            </a:pPr>
-            <a:br>
-              <a:rPr lang="en-US" sz="800" dirty="0">
-                <a:solidFill>
-                  <a:srgbClr val="080808"/>
-                </a:solidFill>
-                <a:effectLst/>
-                <a:latin typeface="Fira Code" pitchFamily="49" charset="0"/>
-                <a:ea typeface="Fira Code" pitchFamily="49" charset="0"/>
-                <a:cs typeface="Fira Code" pitchFamily="49" charset="0"/>
-              </a:rPr>
-            </a:br>
-            <a:r>
-              <a:rPr lang="en-US" sz="800" dirty="0">
-                <a:solidFill>
-                  <a:srgbClr val="9E880D"/>
-                </a:solidFill>
-                <a:effectLst/>
-                <a:latin typeface="Fira Code" pitchFamily="49" charset="0"/>
-                <a:ea typeface="Fira Code" pitchFamily="49" charset="0"/>
-                <a:cs typeface="Fira Code" pitchFamily="49" charset="0"/>
-              </a:rPr>
-              <a:t>@Test</a:t>
-            </a:r>
-            <a:br>
-              <a:rPr lang="en-US" sz="800" dirty="0">
-                <a:solidFill>
-                  <a:srgbClr val="9E880D"/>
-                </a:solidFill>
-                <a:effectLst/>
-                <a:latin typeface="Fira Code" pitchFamily="49" charset="0"/>
-                <a:ea typeface="Fira Code" pitchFamily="49" charset="0"/>
-                <a:cs typeface="Fira Code" pitchFamily="49" charset="0"/>
-              </a:rPr>
-            </a:br>
-            <a:r>
-              <a:rPr lang="en-US" sz="800" dirty="0">
-                <a:solidFill>
-                  <a:srgbClr val="0033B3"/>
-                </a:solidFill>
-                <a:effectLst/>
-                <a:latin typeface="Fira Code" pitchFamily="49" charset="0"/>
-                <a:ea typeface="Fira Code" pitchFamily="49" charset="0"/>
-                <a:cs typeface="Fira Code" pitchFamily="49" charset="0"/>
-              </a:rPr>
-              <a:t>public void </a:t>
-            </a:r>
-            <a:r>
-              <a:rPr lang="en-US" sz="800" dirty="0" err="1">
-                <a:solidFill>
-                  <a:srgbClr val="00627A"/>
-                </a:solidFill>
-                <a:effectLst/>
-                <a:latin typeface="Fira Code" pitchFamily="49" charset="0"/>
-                <a:ea typeface="Fira Code" pitchFamily="49" charset="0"/>
-                <a:cs typeface="Fira Code" pitchFamily="49" charset="0"/>
-              </a:rPr>
-              <a:t>shouldGetCustomerFromService</a:t>
-            </a:r>
-            <a:r>
-              <a:rPr lang="en-US" sz="800" dirty="0">
-                <a:solidFill>
-                  <a:srgbClr val="080808"/>
-                </a:solidFill>
-                <a:effectLst/>
-                <a:latin typeface="Fira Code" pitchFamily="49" charset="0"/>
-                <a:ea typeface="Fira Code" pitchFamily="49" charset="0"/>
-                <a:cs typeface="Fira Code" pitchFamily="49" charset="0"/>
-              </a:rPr>
-              <a:t>() {</a:t>
-            </a:r>
-            <a:br>
-              <a:rPr lang="en-US" sz="800" dirty="0">
-                <a:solidFill>
-                  <a:srgbClr val="080808"/>
-                </a:solidFill>
-                <a:effectLst/>
-                <a:latin typeface="Fira Code" pitchFamily="49" charset="0"/>
-                <a:ea typeface="Fira Code" pitchFamily="49" charset="0"/>
-                <a:cs typeface="Fira Code" pitchFamily="49" charset="0"/>
-              </a:rPr>
-            </a:br>
-            <a:r>
-              <a:rPr lang="en-US" sz="800" dirty="0">
-                <a:solidFill>
-                  <a:srgbClr val="080808"/>
-                </a:solidFill>
-                <a:effectLst/>
-                <a:latin typeface="Fira Code" pitchFamily="49" charset="0"/>
-                <a:ea typeface="Fira Code" pitchFamily="49" charset="0"/>
-                <a:cs typeface="Fira Code" pitchFamily="49" charset="0"/>
-              </a:rPr>
-              <a:t>    </a:t>
-            </a:r>
-            <a:r>
-              <a:rPr lang="en-US" sz="800" i="1" dirty="0">
-                <a:solidFill>
-                  <a:srgbClr val="8C8C8C"/>
-                </a:solidFill>
-                <a:effectLst/>
-                <a:latin typeface="Fira Code" pitchFamily="49" charset="0"/>
-                <a:ea typeface="Fira Code" pitchFamily="49" charset="0"/>
-                <a:cs typeface="Fira Code" pitchFamily="49" charset="0"/>
-              </a:rPr>
-              <a:t>// given</a:t>
-            </a:r>
-            <a:br>
-              <a:rPr lang="en-US" sz="800" i="1" dirty="0">
-                <a:solidFill>
-                  <a:srgbClr val="8C8C8C"/>
-                </a:solidFill>
-                <a:effectLst/>
-                <a:latin typeface="Fira Code" pitchFamily="49" charset="0"/>
-                <a:ea typeface="Fira Code" pitchFamily="49" charset="0"/>
-                <a:cs typeface="Fira Code" pitchFamily="49" charset="0"/>
-              </a:rPr>
-            </a:br>
-            <a:r>
-              <a:rPr lang="en-US" sz="800" i="1" dirty="0">
-                <a:solidFill>
-                  <a:srgbClr val="8C8C8C"/>
-                </a:solidFill>
-                <a:effectLst/>
-                <a:latin typeface="Fira Code" pitchFamily="49" charset="0"/>
-                <a:ea typeface="Fira Code" pitchFamily="49" charset="0"/>
-                <a:cs typeface="Fira Code" pitchFamily="49" charset="0"/>
-              </a:rPr>
-              <a:t>    </a:t>
-            </a:r>
-            <a:r>
-              <a:rPr lang="en-US" sz="800" dirty="0" err="1">
-                <a:solidFill>
-                  <a:srgbClr val="871094"/>
-                </a:solidFill>
-                <a:effectLst/>
-                <a:latin typeface="Fira Code" pitchFamily="49" charset="0"/>
-                <a:ea typeface="Fira Code" pitchFamily="49" charset="0"/>
-                <a:cs typeface="Fira Code" pitchFamily="49" charset="0"/>
-              </a:rPr>
-              <a:t>accountType</a:t>
-            </a:r>
-            <a:r>
-              <a:rPr lang="en-US" sz="800" dirty="0">
-                <a:solidFill>
-                  <a:srgbClr val="871094"/>
-                </a:solidFill>
-                <a:effectLst/>
-                <a:latin typeface="Fira Code" pitchFamily="49" charset="0"/>
-                <a:ea typeface="Fira Code" pitchFamily="49" charset="0"/>
-                <a:cs typeface="Fira Code" pitchFamily="49" charset="0"/>
-              </a:rPr>
-              <a:t> </a:t>
-            </a:r>
-            <a:r>
-              <a:rPr lang="en-US" sz="800" dirty="0">
-                <a:solidFill>
-                  <a:srgbClr val="080808"/>
-                </a:solidFill>
-                <a:effectLst/>
-                <a:latin typeface="Fira Code" pitchFamily="49" charset="0"/>
-                <a:ea typeface="Fira Code" pitchFamily="49" charset="0"/>
-                <a:cs typeface="Fira Code" pitchFamily="49" charset="0"/>
-              </a:rPr>
-              <a:t>= </a:t>
-            </a:r>
-            <a:r>
-              <a:rPr lang="en-US" sz="800" dirty="0" err="1">
-                <a:solidFill>
-                  <a:srgbClr val="000000"/>
-                </a:solidFill>
-                <a:effectLst/>
-                <a:latin typeface="Fira Code" pitchFamily="49" charset="0"/>
-                <a:ea typeface="Fira Code" pitchFamily="49" charset="0"/>
-                <a:cs typeface="Fira Code" pitchFamily="49" charset="0"/>
-              </a:rPr>
-              <a:t>CustomerAccountTypeInfo</a:t>
-            </a:r>
-            <a:r>
-              <a:rPr lang="en-US" sz="800" dirty="0" err="1">
-                <a:solidFill>
-                  <a:srgbClr val="080808"/>
-                </a:solidFill>
-                <a:effectLst/>
-                <a:latin typeface="Fira Code" pitchFamily="49" charset="0"/>
-                <a:ea typeface="Fira Code" pitchFamily="49" charset="0"/>
-                <a:cs typeface="Fira Code" pitchFamily="49" charset="0"/>
-              </a:rPr>
-              <a:t>.</a:t>
-            </a:r>
-            <a:r>
-              <a:rPr lang="en-US" sz="800" i="1" dirty="0" err="1">
-                <a:solidFill>
-                  <a:srgbClr val="080808"/>
-                </a:solidFill>
-                <a:effectLst/>
-                <a:latin typeface="Fira Code" pitchFamily="49" charset="0"/>
-                <a:ea typeface="Fira Code" pitchFamily="49" charset="0"/>
-                <a:cs typeface="Fira Code" pitchFamily="49" charset="0"/>
-              </a:rPr>
-              <a:t>builder</a:t>
-            </a:r>
-            <a:r>
-              <a:rPr lang="en-US" sz="800" dirty="0">
-                <a:solidFill>
-                  <a:srgbClr val="080808"/>
-                </a:solidFill>
-                <a:effectLst/>
-                <a:latin typeface="Fira Code" pitchFamily="49" charset="0"/>
-                <a:ea typeface="Fira Code" pitchFamily="49" charset="0"/>
-                <a:cs typeface="Fira Code" pitchFamily="49" charset="0"/>
-              </a:rPr>
-              <a:t>().</a:t>
-            </a:r>
-            <a:r>
-              <a:rPr lang="en-US" sz="800" dirty="0" err="1">
-                <a:solidFill>
-                  <a:srgbClr val="080808"/>
-                </a:solidFill>
-                <a:effectLst/>
-                <a:latin typeface="Fira Code" pitchFamily="49" charset="0"/>
-                <a:ea typeface="Fira Code" pitchFamily="49" charset="0"/>
-                <a:cs typeface="Fira Code" pitchFamily="49" charset="0"/>
-              </a:rPr>
-              <a:t>account</a:t>
-            </a:r>
-            <a:r>
-              <a:rPr lang="en-US" sz="800" dirty="0">
-                <a:solidFill>
-                  <a:srgbClr val="080808"/>
-                </a:solidFill>
-                <a:effectLst/>
-                <a:latin typeface="Fira Code" pitchFamily="49" charset="0"/>
-                <a:ea typeface="Fira Code" pitchFamily="49" charset="0"/>
-                <a:cs typeface="Fira Code" pitchFamily="49" charset="0"/>
-              </a:rPr>
-              <a:t>(</a:t>
-            </a:r>
-            <a:r>
-              <a:rPr lang="en-US" sz="800" i="1" dirty="0">
-                <a:solidFill>
-                  <a:srgbClr val="871094"/>
-                </a:solidFill>
-                <a:effectLst/>
-                <a:latin typeface="Fira Code" pitchFamily="49" charset="0"/>
-                <a:ea typeface="Fira Code" pitchFamily="49" charset="0"/>
-                <a:cs typeface="Fira Code" pitchFamily="49" charset="0"/>
-              </a:rPr>
-              <a:t>ACCOUNT_ID)</a:t>
-            </a:r>
-            <a:r>
-              <a:rPr lang="en-US" sz="800" i="1" dirty="0">
-                <a:solidFill>
-                  <a:srgbClr val="080808"/>
-                </a:solidFill>
-                <a:latin typeface="Fira Code" pitchFamily="49" charset="0"/>
-                <a:ea typeface="Fira Code" pitchFamily="49" charset="0"/>
-                <a:cs typeface="Fira Code" pitchFamily="49" charset="0"/>
-              </a:rPr>
-              <a:t>.</a:t>
-            </a:r>
-            <a:r>
-              <a:rPr lang="en-US" sz="800" dirty="0" err="1">
-                <a:solidFill>
-                  <a:srgbClr val="080808"/>
-                </a:solidFill>
-                <a:effectLst/>
-                <a:latin typeface="Fira Code" pitchFamily="49" charset="0"/>
-                <a:ea typeface="Fira Code" pitchFamily="49" charset="0"/>
-                <a:cs typeface="Fira Code" pitchFamily="49" charset="0"/>
-              </a:rPr>
-              <a:t>accountType</a:t>
-            </a:r>
-            <a:r>
-              <a:rPr lang="en-US" sz="800" dirty="0">
-                <a:solidFill>
-                  <a:srgbClr val="080808"/>
-                </a:solidFill>
-                <a:effectLst/>
-                <a:latin typeface="Fira Code" pitchFamily="49" charset="0"/>
-                <a:ea typeface="Fira Code" pitchFamily="49" charset="0"/>
-                <a:cs typeface="Fira Code" pitchFamily="49" charset="0"/>
-              </a:rPr>
-              <a:t>(</a:t>
-            </a:r>
-            <a:r>
-              <a:rPr lang="en-US" sz="800" dirty="0">
-                <a:solidFill>
-                  <a:srgbClr val="067D17"/>
-                </a:solidFill>
-                <a:effectLst/>
-                <a:latin typeface="Fira Code" pitchFamily="49" charset="0"/>
-                <a:ea typeface="Fira Code" pitchFamily="49" charset="0"/>
-                <a:cs typeface="Fira Code" pitchFamily="49" charset="0"/>
-              </a:rPr>
-              <a:t>”PERSONAL"</a:t>
-            </a:r>
-            <a:r>
-              <a:rPr lang="en-US" sz="800" dirty="0">
-                <a:solidFill>
-                  <a:srgbClr val="080808"/>
-                </a:solidFill>
-                <a:effectLst/>
-                <a:latin typeface="Fira Code" pitchFamily="49" charset="0"/>
-                <a:ea typeface="Fira Code" pitchFamily="49" charset="0"/>
-                <a:cs typeface="Fira Code" pitchFamily="49" charset="0"/>
-              </a:rPr>
-              <a:t>).</a:t>
-            </a:r>
-            <a:r>
-              <a:rPr lang="en-US" sz="800" dirty="0" err="1">
-                <a:solidFill>
-                  <a:srgbClr val="080808"/>
-                </a:solidFill>
-                <a:effectLst/>
-                <a:latin typeface="Fira Code" pitchFamily="49" charset="0"/>
-                <a:ea typeface="Fira Code" pitchFamily="49" charset="0"/>
-                <a:cs typeface="Fira Code" pitchFamily="49" charset="0"/>
-              </a:rPr>
-              <a:t>subscription</a:t>
-            </a:r>
-            <a:r>
-              <a:rPr lang="en-US" sz="800" dirty="0">
-                <a:solidFill>
-                  <a:srgbClr val="080808"/>
-                </a:solidFill>
-                <a:effectLst/>
-                <a:latin typeface="Fira Code" pitchFamily="49" charset="0"/>
-                <a:ea typeface="Fira Code" pitchFamily="49" charset="0"/>
-                <a:cs typeface="Fira Code" pitchFamily="49" charset="0"/>
-              </a:rPr>
-              <a:t>(</a:t>
-            </a:r>
-            <a:r>
-              <a:rPr lang="en-US" sz="800" dirty="0">
-                <a:solidFill>
-                  <a:srgbClr val="067D17"/>
-                </a:solidFill>
-                <a:effectLst/>
-                <a:latin typeface="Fira Code" pitchFamily="49" charset="0"/>
-                <a:ea typeface="Fira Code" pitchFamily="49" charset="0"/>
-                <a:cs typeface="Fira Code" pitchFamily="49" charset="0"/>
-              </a:rPr>
-              <a:t>”MONTHLY"</a:t>
-            </a:r>
-            <a:r>
-              <a:rPr lang="en-US" sz="800" dirty="0">
-                <a:solidFill>
-                  <a:srgbClr val="080808"/>
-                </a:solidFill>
-                <a:effectLst/>
-                <a:latin typeface="Fira Code" pitchFamily="49" charset="0"/>
-                <a:ea typeface="Fira Code" pitchFamily="49" charset="0"/>
-                <a:cs typeface="Fira Code" pitchFamily="49" charset="0"/>
-              </a:rPr>
-              <a:t>).build();</a:t>
-            </a:r>
-            <a:br>
-              <a:rPr lang="en-US" sz="800" dirty="0">
-                <a:solidFill>
-                  <a:srgbClr val="080808"/>
-                </a:solidFill>
-                <a:effectLst/>
-                <a:latin typeface="Fira Code" pitchFamily="49" charset="0"/>
-                <a:ea typeface="Fira Code" pitchFamily="49" charset="0"/>
-                <a:cs typeface="Fira Code" pitchFamily="49" charset="0"/>
-              </a:rPr>
-            </a:br>
-            <a:r>
-              <a:rPr lang="en-US" sz="800" dirty="0">
-                <a:solidFill>
-                  <a:srgbClr val="080808"/>
-                </a:solidFill>
-                <a:effectLst/>
-                <a:latin typeface="Fira Code" pitchFamily="49" charset="0"/>
-                <a:ea typeface="Fira Code" pitchFamily="49" charset="0"/>
-                <a:cs typeface="Fira Code" pitchFamily="49" charset="0"/>
-              </a:rPr>
-              <a:t>    </a:t>
-            </a:r>
-            <a:r>
-              <a:rPr lang="en-US" sz="800" i="1" dirty="0">
-                <a:solidFill>
-                  <a:srgbClr val="080808"/>
-                </a:solidFill>
-                <a:effectLst/>
-                <a:latin typeface="Fira Code" pitchFamily="49" charset="0"/>
-                <a:ea typeface="Fira Code" pitchFamily="49" charset="0"/>
-                <a:cs typeface="Fira Code" pitchFamily="49" charset="0"/>
-              </a:rPr>
-              <a:t>when</a:t>
-            </a:r>
-            <a:r>
-              <a:rPr lang="en-US" sz="800" dirty="0">
-                <a:solidFill>
-                  <a:srgbClr val="080808"/>
-                </a:solidFill>
-                <a:effectLst/>
-                <a:latin typeface="Fira Code" pitchFamily="49" charset="0"/>
-                <a:ea typeface="Fira Code" pitchFamily="49" charset="0"/>
-                <a:cs typeface="Fira Code" pitchFamily="49" charset="0"/>
-              </a:rPr>
-              <a:t>(</a:t>
-            </a:r>
-            <a:r>
-              <a:rPr lang="en-US" sz="800" dirty="0" err="1">
-                <a:solidFill>
-                  <a:srgbClr val="871094"/>
-                </a:solidFill>
-                <a:effectLst/>
-                <a:latin typeface="Fira Code" pitchFamily="49" charset="0"/>
-                <a:ea typeface="Fira Code" pitchFamily="49" charset="0"/>
-                <a:cs typeface="Fira Code" pitchFamily="49" charset="0"/>
-              </a:rPr>
-              <a:t>responseEntity</a:t>
-            </a:r>
-            <a:r>
-              <a:rPr lang="en-US" sz="800" dirty="0" err="1">
-                <a:solidFill>
-                  <a:srgbClr val="080808"/>
-                </a:solidFill>
-                <a:effectLst/>
-                <a:latin typeface="Fira Code" pitchFamily="49" charset="0"/>
-                <a:ea typeface="Fira Code" pitchFamily="49" charset="0"/>
-                <a:cs typeface="Fira Code" pitchFamily="49" charset="0"/>
-              </a:rPr>
-              <a:t>.getBody</a:t>
-            </a:r>
-            <a:r>
-              <a:rPr lang="en-US" sz="800" dirty="0">
-                <a:solidFill>
-                  <a:srgbClr val="080808"/>
-                </a:solidFill>
-                <a:effectLst/>
-                <a:latin typeface="Fira Code" pitchFamily="49" charset="0"/>
-                <a:ea typeface="Fira Code" pitchFamily="49" charset="0"/>
-                <a:cs typeface="Fira Code" pitchFamily="49" charset="0"/>
-              </a:rPr>
-              <a:t>()).</a:t>
-            </a:r>
-            <a:r>
-              <a:rPr lang="en-US" sz="800" dirty="0" err="1">
-                <a:solidFill>
-                  <a:srgbClr val="080808"/>
-                </a:solidFill>
-                <a:effectLst/>
-                <a:latin typeface="Fira Code" pitchFamily="49" charset="0"/>
-                <a:ea typeface="Fira Code" pitchFamily="49" charset="0"/>
-                <a:cs typeface="Fira Code" pitchFamily="49" charset="0"/>
-              </a:rPr>
-              <a:t>thenReturn</a:t>
-            </a:r>
-            <a:r>
-              <a:rPr lang="en-US" sz="800" dirty="0">
-                <a:solidFill>
-                  <a:srgbClr val="080808"/>
-                </a:solidFill>
-                <a:effectLst/>
-                <a:latin typeface="Fira Code" pitchFamily="49" charset="0"/>
-                <a:ea typeface="Fira Code" pitchFamily="49" charset="0"/>
-                <a:cs typeface="Fira Code" pitchFamily="49" charset="0"/>
-              </a:rPr>
-              <a:t>(</a:t>
-            </a:r>
-            <a:r>
-              <a:rPr lang="en-US" sz="800" dirty="0" err="1">
-                <a:solidFill>
-                  <a:srgbClr val="871094"/>
-                </a:solidFill>
-                <a:effectLst/>
-                <a:latin typeface="Fira Code" pitchFamily="49" charset="0"/>
-                <a:ea typeface="Fira Code" pitchFamily="49" charset="0"/>
-                <a:cs typeface="Fira Code" pitchFamily="49" charset="0"/>
-              </a:rPr>
-              <a:t>accountType</a:t>
-            </a:r>
-            <a:r>
-              <a:rPr lang="en-US" sz="800" dirty="0">
-                <a:solidFill>
-                  <a:srgbClr val="080808"/>
-                </a:solidFill>
-                <a:effectLst/>
-                <a:latin typeface="Fira Code" pitchFamily="49" charset="0"/>
-                <a:ea typeface="Fira Code" pitchFamily="49" charset="0"/>
-                <a:cs typeface="Fira Code" pitchFamily="49" charset="0"/>
-              </a:rPr>
-              <a:t>);</a:t>
-            </a:r>
-            <a:br>
-              <a:rPr lang="en-US" sz="800" dirty="0">
-                <a:solidFill>
-                  <a:srgbClr val="080808"/>
-                </a:solidFill>
-                <a:effectLst/>
-                <a:latin typeface="Fira Code" pitchFamily="49" charset="0"/>
-                <a:ea typeface="Fira Code" pitchFamily="49" charset="0"/>
-                <a:cs typeface="Fira Code" pitchFamily="49" charset="0"/>
-              </a:rPr>
-            </a:br>
-            <a:r>
-              <a:rPr lang="en-US" sz="800" dirty="0">
-                <a:solidFill>
-                  <a:srgbClr val="080808"/>
-                </a:solidFill>
-                <a:effectLst/>
-                <a:latin typeface="Fira Code" pitchFamily="49" charset="0"/>
-                <a:ea typeface="Fira Code" pitchFamily="49" charset="0"/>
-                <a:cs typeface="Fira Code" pitchFamily="49" charset="0"/>
-              </a:rPr>
-              <a:t>    </a:t>
-            </a:r>
-            <a:r>
-              <a:rPr lang="en-US" sz="800" i="1" dirty="0">
-                <a:solidFill>
-                  <a:srgbClr val="8C8C8C"/>
-                </a:solidFill>
-                <a:effectLst/>
-                <a:latin typeface="Fira Code" pitchFamily="49" charset="0"/>
-                <a:ea typeface="Fira Code" pitchFamily="49" charset="0"/>
-                <a:cs typeface="Fira Code" pitchFamily="49" charset="0"/>
-              </a:rPr>
-              <a:t>// when</a:t>
-            </a:r>
-            <a:br>
-              <a:rPr lang="en-US" sz="800" i="1" dirty="0">
-                <a:solidFill>
-                  <a:srgbClr val="8C8C8C"/>
-                </a:solidFill>
-                <a:effectLst/>
-                <a:latin typeface="Fira Code" pitchFamily="49" charset="0"/>
-                <a:ea typeface="Fira Code" pitchFamily="49" charset="0"/>
-                <a:cs typeface="Fira Code" pitchFamily="49" charset="0"/>
-              </a:rPr>
-            </a:br>
-            <a:r>
-              <a:rPr lang="en-US" sz="800" i="1" dirty="0">
-                <a:solidFill>
-                  <a:srgbClr val="8C8C8C"/>
-                </a:solidFill>
-                <a:effectLst/>
-                <a:latin typeface="Fira Code" pitchFamily="49" charset="0"/>
-                <a:ea typeface="Fira Code" pitchFamily="49" charset="0"/>
-                <a:cs typeface="Fira Code" pitchFamily="49" charset="0"/>
-              </a:rPr>
-              <a:t>    </a:t>
-            </a:r>
-            <a:r>
-              <a:rPr lang="en-US" sz="800" dirty="0" err="1">
-                <a:solidFill>
-                  <a:srgbClr val="000000"/>
-                </a:solidFill>
-                <a:effectLst/>
-                <a:latin typeface="Fira Code" pitchFamily="49" charset="0"/>
-                <a:ea typeface="Fira Code" pitchFamily="49" charset="0"/>
-                <a:cs typeface="Fira Code" pitchFamily="49" charset="0"/>
-              </a:rPr>
-              <a:t>CustomerAccount</a:t>
-            </a:r>
-            <a:r>
-              <a:rPr lang="en-US" sz="800" dirty="0">
-                <a:solidFill>
-                  <a:srgbClr val="000000"/>
-                </a:solidFill>
-                <a:effectLst/>
-                <a:latin typeface="Fira Code" pitchFamily="49" charset="0"/>
-                <a:ea typeface="Fira Code" pitchFamily="49" charset="0"/>
-                <a:cs typeface="Fira Code" pitchFamily="49" charset="0"/>
-              </a:rPr>
-              <a:t> result </a:t>
-            </a:r>
-            <a:r>
-              <a:rPr lang="en-US" sz="800" dirty="0">
-                <a:solidFill>
-                  <a:srgbClr val="080808"/>
-                </a:solidFill>
-                <a:effectLst/>
-                <a:latin typeface="Fira Code" pitchFamily="49" charset="0"/>
-                <a:ea typeface="Fira Code" pitchFamily="49" charset="0"/>
-                <a:cs typeface="Fira Code" pitchFamily="49" charset="0"/>
-              </a:rPr>
-              <a:t>= </a:t>
-            </a:r>
-            <a:r>
-              <a:rPr lang="en-US" sz="800" dirty="0" err="1">
-                <a:solidFill>
-                  <a:srgbClr val="871094"/>
-                </a:solidFill>
-                <a:effectLst/>
-                <a:latin typeface="Fira Code" pitchFamily="49" charset="0"/>
-                <a:ea typeface="Fira Code" pitchFamily="49" charset="0"/>
-                <a:cs typeface="Fira Code" pitchFamily="49" charset="0"/>
-              </a:rPr>
-              <a:t>customerService</a:t>
-            </a:r>
-            <a:r>
-              <a:rPr lang="en-US" sz="800" dirty="0" err="1">
-                <a:solidFill>
-                  <a:srgbClr val="080808"/>
-                </a:solidFill>
-                <a:effectLst/>
-                <a:latin typeface="Fira Code" pitchFamily="49" charset="0"/>
-                <a:ea typeface="Fira Code" pitchFamily="49" charset="0"/>
-                <a:cs typeface="Fira Code" pitchFamily="49" charset="0"/>
-              </a:rPr>
-              <a:t>.retrieveAccount</a:t>
-            </a:r>
-            <a:r>
-              <a:rPr lang="en-US" sz="800" dirty="0">
-                <a:solidFill>
-                  <a:srgbClr val="080808"/>
-                </a:solidFill>
-                <a:effectLst/>
-                <a:latin typeface="Fira Code" pitchFamily="49" charset="0"/>
-                <a:ea typeface="Fira Code" pitchFamily="49" charset="0"/>
-                <a:cs typeface="Fira Code" pitchFamily="49" charset="0"/>
-              </a:rPr>
-              <a:t>(</a:t>
-            </a:r>
-            <a:r>
-              <a:rPr lang="en-US" sz="800" i="1" dirty="0">
-                <a:solidFill>
-                  <a:srgbClr val="871094"/>
-                </a:solidFill>
-                <a:effectLst/>
-                <a:latin typeface="Fira Code" pitchFamily="49" charset="0"/>
-                <a:ea typeface="Fira Code" pitchFamily="49" charset="0"/>
-                <a:cs typeface="Fira Code" pitchFamily="49" charset="0"/>
-              </a:rPr>
-              <a:t>ACCOUNT_ID</a:t>
-            </a:r>
-            <a:r>
-              <a:rPr lang="en-US" sz="800" dirty="0">
-                <a:solidFill>
-                  <a:srgbClr val="080808"/>
-                </a:solidFill>
-                <a:effectLst/>
-                <a:latin typeface="Fira Code" pitchFamily="49" charset="0"/>
-                <a:ea typeface="Fira Code" pitchFamily="49" charset="0"/>
-                <a:cs typeface="Fira Code" pitchFamily="49" charset="0"/>
-              </a:rPr>
-              <a:t>);</a:t>
-            </a:r>
-            <a:br>
-              <a:rPr lang="en-US" sz="800" dirty="0">
-                <a:solidFill>
-                  <a:srgbClr val="080808"/>
-                </a:solidFill>
-                <a:effectLst/>
-                <a:latin typeface="Fira Code" pitchFamily="49" charset="0"/>
-                <a:ea typeface="Fira Code" pitchFamily="49" charset="0"/>
-                <a:cs typeface="Fira Code" pitchFamily="49" charset="0"/>
-              </a:rPr>
-            </a:br>
-            <a:r>
-              <a:rPr lang="en-US" sz="800" dirty="0">
-                <a:solidFill>
-                  <a:srgbClr val="080808"/>
-                </a:solidFill>
-                <a:effectLst/>
-                <a:latin typeface="Fira Code" pitchFamily="49" charset="0"/>
-                <a:ea typeface="Fira Code" pitchFamily="49" charset="0"/>
-                <a:cs typeface="Fira Code" pitchFamily="49" charset="0"/>
-              </a:rPr>
-              <a:t>    </a:t>
-            </a:r>
-            <a:r>
-              <a:rPr lang="en-US" sz="800" i="1" dirty="0">
-                <a:solidFill>
-                  <a:srgbClr val="8C8C8C"/>
-                </a:solidFill>
-                <a:effectLst/>
-                <a:latin typeface="Fira Code" pitchFamily="49" charset="0"/>
-                <a:ea typeface="Fira Code" pitchFamily="49" charset="0"/>
-                <a:cs typeface="Fira Code" pitchFamily="49" charset="0"/>
-              </a:rPr>
-              <a:t>// then</a:t>
-            </a:r>
-            <a:br>
-              <a:rPr lang="en-US" sz="800" i="1" dirty="0">
-                <a:solidFill>
-                  <a:srgbClr val="8C8C8C"/>
-                </a:solidFill>
-                <a:effectLst/>
-                <a:latin typeface="Fira Code" pitchFamily="49" charset="0"/>
-                <a:ea typeface="Fira Code" pitchFamily="49" charset="0"/>
-                <a:cs typeface="Fira Code" pitchFamily="49" charset="0"/>
-              </a:rPr>
-            </a:br>
-            <a:r>
-              <a:rPr lang="en-US" sz="800" i="1" dirty="0">
-                <a:solidFill>
-                  <a:srgbClr val="8C8C8C"/>
-                </a:solidFill>
-                <a:effectLst/>
-                <a:latin typeface="Fira Code" pitchFamily="49" charset="0"/>
-                <a:ea typeface="Fira Code" pitchFamily="49" charset="0"/>
-                <a:cs typeface="Fira Code" pitchFamily="49" charset="0"/>
-              </a:rPr>
-              <a:t>    </a:t>
-            </a:r>
-            <a:r>
-              <a:rPr lang="en-US" sz="800" dirty="0" err="1">
-                <a:solidFill>
-                  <a:srgbClr val="000000"/>
-                </a:solidFill>
-                <a:effectLst/>
-                <a:latin typeface="Fira Code" pitchFamily="49" charset="0"/>
-                <a:ea typeface="Fira Code" pitchFamily="49" charset="0"/>
-                <a:cs typeface="Fira Code" pitchFamily="49" charset="0"/>
-              </a:rPr>
-              <a:t>CustomerAccount</a:t>
-            </a:r>
-            <a:r>
-              <a:rPr lang="en-US" sz="800" dirty="0">
-                <a:solidFill>
-                  <a:srgbClr val="000000"/>
-                </a:solidFill>
-                <a:effectLst/>
-                <a:latin typeface="Fira Code" pitchFamily="49" charset="0"/>
-                <a:ea typeface="Fira Code" pitchFamily="49" charset="0"/>
-                <a:cs typeface="Fira Code" pitchFamily="49" charset="0"/>
-              </a:rPr>
-              <a:t> </a:t>
-            </a:r>
-            <a:r>
-              <a:rPr lang="en-US" sz="800" dirty="0" err="1">
-                <a:solidFill>
-                  <a:srgbClr val="000000"/>
-                </a:solidFill>
-                <a:effectLst/>
-                <a:latin typeface="Fira Code" pitchFamily="49" charset="0"/>
-                <a:ea typeface="Fira Code" pitchFamily="49" charset="0"/>
-                <a:cs typeface="Fira Code" pitchFamily="49" charset="0"/>
-              </a:rPr>
-              <a:t>expectedCustomerAccount</a:t>
-            </a:r>
-            <a:r>
-              <a:rPr lang="en-US" sz="800" dirty="0">
-                <a:solidFill>
-                  <a:srgbClr val="000000"/>
-                </a:solidFill>
-                <a:effectLst/>
-                <a:latin typeface="Fira Code" pitchFamily="49" charset="0"/>
-                <a:ea typeface="Fira Code" pitchFamily="49" charset="0"/>
-                <a:cs typeface="Fira Code" pitchFamily="49" charset="0"/>
-              </a:rPr>
-              <a:t> </a:t>
-            </a:r>
-            <a:r>
-              <a:rPr lang="en-US" sz="800" dirty="0">
-                <a:solidFill>
-                  <a:srgbClr val="080808"/>
-                </a:solidFill>
-                <a:effectLst/>
-                <a:latin typeface="Fira Code" pitchFamily="49" charset="0"/>
-                <a:ea typeface="Fira Code" pitchFamily="49" charset="0"/>
-                <a:cs typeface="Fira Code" pitchFamily="49" charset="0"/>
-              </a:rPr>
-              <a:t>= </a:t>
-            </a:r>
-            <a:r>
-              <a:rPr lang="en-US" sz="800" dirty="0">
-                <a:solidFill>
-                  <a:srgbClr val="0033B3"/>
-                </a:solidFill>
-                <a:effectLst/>
-                <a:latin typeface="Fira Code" pitchFamily="49" charset="0"/>
-                <a:ea typeface="Fira Code" pitchFamily="49" charset="0"/>
-                <a:cs typeface="Fira Code" pitchFamily="49" charset="0"/>
-              </a:rPr>
-              <a:t>new </a:t>
-            </a:r>
-            <a:r>
-              <a:rPr lang="en-US" sz="800" dirty="0" err="1">
-                <a:solidFill>
-                  <a:srgbClr val="080808"/>
-                </a:solidFill>
-                <a:effectLst/>
-                <a:latin typeface="Fira Code" pitchFamily="49" charset="0"/>
-                <a:ea typeface="Fira Code" pitchFamily="49" charset="0"/>
-                <a:cs typeface="Fira Code" pitchFamily="49" charset="0"/>
-              </a:rPr>
-              <a:t>CustomerAccount</a:t>
-            </a:r>
-            <a:r>
-              <a:rPr lang="en-US" sz="800" dirty="0">
-                <a:solidFill>
-                  <a:srgbClr val="080808"/>
-                </a:solidFill>
-                <a:effectLst/>
-                <a:latin typeface="Fira Code" pitchFamily="49" charset="0"/>
-                <a:ea typeface="Fira Code" pitchFamily="49" charset="0"/>
-                <a:cs typeface="Fira Code" pitchFamily="49" charset="0"/>
-              </a:rPr>
-              <a:t>(</a:t>
-            </a:r>
-            <a:r>
-              <a:rPr lang="en-US" sz="800" i="1" dirty="0">
-                <a:solidFill>
-                  <a:srgbClr val="871094"/>
-                </a:solidFill>
-                <a:effectLst/>
-                <a:latin typeface="Fira Code" pitchFamily="49" charset="0"/>
-                <a:ea typeface="Fira Code" pitchFamily="49" charset="0"/>
-                <a:cs typeface="Fira Code" pitchFamily="49" charset="0"/>
-              </a:rPr>
-              <a:t>ACCOUNT_ID</a:t>
-            </a:r>
-            <a:r>
-              <a:rPr lang="en-US" sz="800" dirty="0">
-                <a:solidFill>
-                  <a:srgbClr val="080808"/>
-                </a:solidFill>
-                <a:effectLst/>
-                <a:latin typeface="Fira Code" pitchFamily="49" charset="0"/>
-                <a:ea typeface="Fira Code" pitchFamily="49" charset="0"/>
-                <a:cs typeface="Fira Code" pitchFamily="49" charset="0"/>
-              </a:rPr>
-              <a:t>, </a:t>
-            </a:r>
-            <a:r>
-              <a:rPr lang="en-US" sz="800" dirty="0" err="1">
-                <a:solidFill>
-                  <a:srgbClr val="000000"/>
-                </a:solidFill>
-                <a:effectLst/>
-                <a:latin typeface="Fira Code" pitchFamily="49" charset="0"/>
-                <a:ea typeface="Fira Code" pitchFamily="49" charset="0"/>
-                <a:cs typeface="Fira Code" pitchFamily="49" charset="0"/>
-              </a:rPr>
-              <a:t>CustomerPaymentType</a:t>
-            </a:r>
-            <a:r>
-              <a:rPr lang="en-US" sz="800" dirty="0" err="1">
-                <a:solidFill>
-                  <a:srgbClr val="080808"/>
-                </a:solidFill>
-                <a:effectLst/>
-                <a:latin typeface="Fira Code" pitchFamily="49" charset="0"/>
-                <a:ea typeface="Fira Code" pitchFamily="49" charset="0"/>
-                <a:cs typeface="Fira Code" pitchFamily="49" charset="0"/>
-              </a:rPr>
-              <a:t>.</a:t>
-            </a:r>
-            <a:r>
-              <a:rPr lang="en-US" sz="800" i="1" dirty="0" err="1">
-                <a:solidFill>
-                  <a:srgbClr val="871094"/>
-                </a:solidFill>
-                <a:effectLst/>
-                <a:latin typeface="Fira Code" pitchFamily="49" charset="0"/>
-                <a:ea typeface="Fira Code" pitchFamily="49" charset="0"/>
-                <a:cs typeface="Fira Code" pitchFamily="49" charset="0"/>
-              </a:rPr>
-              <a:t>MONTHLY</a:t>
-            </a:r>
-            <a:r>
-              <a:rPr lang="en-US" sz="800" dirty="0">
-                <a:solidFill>
-                  <a:srgbClr val="080808"/>
-                </a:solidFill>
-                <a:effectLst/>
-                <a:latin typeface="Fira Code" pitchFamily="49" charset="0"/>
-                <a:ea typeface="Fira Code" pitchFamily="49" charset="0"/>
-                <a:cs typeface="Fira Code" pitchFamily="49" charset="0"/>
-              </a:rPr>
-              <a:t>, </a:t>
-            </a:r>
-            <a:r>
-              <a:rPr lang="en-US" sz="800" dirty="0">
-                <a:solidFill>
-                  <a:srgbClr val="067D17"/>
-                </a:solidFill>
-                <a:effectLst/>
-                <a:latin typeface="Fira Code" pitchFamily="49" charset="0"/>
-                <a:ea typeface="Fira Code" pitchFamily="49" charset="0"/>
-                <a:cs typeface="Fira Code" pitchFamily="49" charset="0"/>
-              </a:rPr>
-              <a:t>"PERSONAL"</a:t>
-            </a:r>
-            <a:r>
-              <a:rPr lang="en-US" sz="800" dirty="0">
-                <a:solidFill>
-                  <a:srgbClr val="080808"/>
-                </a:solidFill>
-                <a:effectLst/>
-                <a:latin typeface="Fira Code" pitchFamily="49" charset="0"/>
-                <a:ea typeface="Fira Code" pitchFamily="49" charset="0"/>
-                <a:cs typeface="Fira Code" pitchFamily="49" charset="0"/>
-              </a:rPr>
-              <a:t>);</a:t>
-            </a:r>
-            <a:br>
-              <a:rPr lang="en-US" sz="800" dirty="0">
-                <a:solidFill>
-                  <a:srgbClr val="080808"/>
-                </a:solidFill>
-                <a:effectLst/>
-                <a:latin typeface="Fira Code" pitchFamily="49" charset="0"/>
-                <a:ea typeface="Fira Code" pitchFamily="49" charset="0"/>
-                <a:cs typeface="Fira Code" pitchFamily="49" charset="0"/>
-              </a:rPr>
-            </a:br>
-            <a:r>
-              <a:rPr lang="en-US" sz="800" dirty="0">
-                <a:solidFill>
-                  <a:srgbClr val="080808"/>
-                </a:solidFill>
-                <a:effectLst/>
-                <a:latin typeface="Fira Code" pitchFamily="49" charset="0"/>
-                <a:ea typeface="Fira Code" pitchFamily="49" charset="0"/>
-                <a:cs typeface="Fira Code" pitchFamily="49" charset="0"/>
-              </a:rPr>
-              <a:t>    </a:t>
-            </a:r>
-            <a:r>
-              <a:rPr lang="en-US" sz="800" i="1" dirty="0" err="1">
-                <a:solidFill>
-                  <a:srgbClr val="080808"/>
-                </a:solidFill>
-                <a:effectLst/>
-                <a:latin typeface="Fira Code" pitchFamily="49" charset="0"/>
-                <a:ea typeface="Fira Code" pitchFamily="49" charset="0"/>
-                <a:cs typeface="Fira Code" pitchFamily="49" charset="0"/>
-              </a:rPr>
-              <a:t>assertThat</a:t>
-            </a:r>
-            <a:r>
-              <a:rPr lang="en-US" sz="800" dirty="0">
-                <a:solidFill>
-                  <a:srgbClr val="080808"/>
-                </a:solidFill>
-                <a:effectLst/>
-                <a:latin typeface="Fira Code" pitchFamily="49" charset="0"/>
-                <a:ea typeface="Fira Code" pitchFamily="49" charset="0"/>
-                <a:cs typeface="Fira Code" pitchFamily="49" charset="0"/>
-              </a:rPr>
-              <a:t>(</a:t>
-            </a:r>
-            <a:r>
-              <a:rPr lang="en-US" sz="800" dirty="0">
-                <a:solidFill>
-                  <a:srgbClr val="000000"/>
-                </a:solidFill>
-                <a:effectLst/>
-                <a:latin typeface="Fira Code" pitchFamily="49" charset="0"/>
-                <a:ea typeface="Fira Code" pitchFamily="49" charset="0"/>
-                <a:cs typeface="Fira Code" pitchFamily="49" charset="0"/>
-              </a:rPr>
-              <a:t>result</a:t>
-            </a:r>
-            <a:r>
-              <a:rPr lang="en-US" sz="800" dirty="0">
-                <a:solidFill>
-                  <a:srgbClr val="080808"/>
-                </a:solidFill>
-                <a:effectLst/>
-                <a:latin typeface="Fira Code" pitchFamily="49" charset="0"/>
-                <a:ea typeface="Fira Code" pitchFamily="49" charset="0"/>
-                <a:cs typeface="Fira Code" pitchFamily="49" charset="0"/>
-              </a:rPr>
-              <a:t>, </a:t>
-            </a:r>
-            <a:r>
-              <a:rPr lang="en-US" sz="800" i="1" dirty="0">
-                <a:solidFill>
-                  <a:srgbClr val="080808"/>
-                </a:solidFill>
-                <a:effectLst/>
-                <a:latin typeface="Fira Code" pitchFamily="49" charset="0"/>
-                <a:ea typeface="Fira Code" pitchFamily="49" charset="0"/>
-                <a:cs typeface="Fira Code" pitchFamily="49" charset="0"/>
-              </a:rPr>
-              <a:t>is</a:t>
-            </a:r>
-            <a:r>
-              <a:rPr lang="en-US" sz="800" dirty="0">
-                <a:solidFill>
-                  <a:srgbClr val="080808"/>
-                </a:solidFill>
-                <a:effectLst/>
-                <a:latin typeface="Fira Code" pitchFamily="49" charset="0"/>
-                <a:ea typeface="Fira Code" pitchFamily="49" charset="0"/>
-                <a:cs typeface="Fira Code" pitchFamily="49" charset="0"/>
-              </a:rPr>
-              <a:t>(</a:t>
-            </a:r>
-            <a:r>
-              <a:rPr lang="en-US" sz="800" dirty="0" err="1">
-                <a:solidFill>
-                  <a:srgbClr val="000000"/>
-                </a:solidFill>
-                <a:effectLst/>
-                <a:latin typeface="Fira Code" pitchFamily="49" charset="0"/>
-                <a:ea typeface="Fira Code" pitchFamily="49" charset="0"/>
-                <a:cs typeface="Fira Code" pitchFamily="49" charset="0"/>
-              </a:rPr>
-              <a:t>expectedCustomerAccount</a:t>
-            </a:r>
-            <a:r>
-              <a:rPr lang="en-US" sz="800" dirty="0">
-                <a:solidFill>
-                  <a:srgbClr val="080808"/>
-                </a:solidFill>
-                <a:effectLst/>
-                <a:latin typeface="Fira Code" pitchFamily="49" charset="0"/>
-                <a:ea typeface="Fira Code" pitchFamily="49" charset="0"/>
-                <a:cs typeface="Fira Code" pitchFamily="49" charset="0"/>
-              </a:rPr>
-              <a:t>));</a:t>
-            </a:r>
-            <a:br>
-              <a:rPr lang="en-US" sz="800" dirty="0">
-                <a:solidFill>
-                  <a:srgbClr val="080808"/>
-                </a:solidFill>
-                <a:effectLst/>
-                <a:latin typeface="Fira Code" pitchFamily="49" charset="0"/>
-                <a:ea typeface="Fira Code" pitchFamily="49" charset="0"/>
-                <a:cs typeface="Fira Code" pitchFamily="49" charset="0"/>
-              </a:rPr>
-            </a:br>
-            <a:r>
-              <a:rPr lang="en-US" sz="800" dirty="0">
-                <a:solidFill>
-                  <a:srgbClr val="080808"/>
-                </a:solidFill>
-                <a:effectLst/>
-                <a:latin typeface="Fira Code" pitchFamily="49" charset="0"/>
-                <a:ea typeface="Fira Code" pitchFamily="49" charset="0"/>
-                <a:cs typeface="Fira Code" pitchFamily="49" charset="0"/>
-              </a:rPr>
-              <a:t>    </a:t>
-            </a:r>
-            <a:r>
-              <a:rPr lang="en-US" sz="800" i="1" dirty="0">
-                <a:solidFill>
-                  <a:srgbClr val="080808"/>
-                </a:solidFill>
-                <a:effectLst/>
-                <a:latin typeface="Fira Code" pitchFamily="49" charset="0"/>
-                <a:ea typeface="Fira Code" pitchFamily="49" charset="0"/>
-                <a:cs typeface="Fira Code" pitchFamily="49" charset="0"/>
-              </a:rPr>
-              <a:t>verify</a:t>
-            </a:r>
-            <a:r>
-              <a:rPr lang="en-US" sz="800" dirty="0">
-                <a:solidFill>
-                  <a:srgbClr val="080808"/>
-                </a:solidFill>
-                <a:effectLst/>
-                <a:latin typeface="Fira Code" pitchFamily="49" charset="0"/>
-                <a:ea typeface="Fira Code" pitchFamily="49" charset="0"/>
-                <a:cs typeface="Fira Code" pitchFamily="49" charset="0"/>
-              </a:rPr>
-              <a:t>(</a:t>
-            </a:r>
-            <a:r>
-              <a:rPr lang="en-US" sz="800" dirty="0" err="1">
-                <a:solidFill>
-                  <a:srgbClr val="871094"/>
-                </a:solidFill>
-                <a:effectLst/>
-                <a:latin typeface="Fira Code" pitchFamily="49" charset="0"/>
-                <a:ea typeface="Fira Code" pitchFamily="49" charset="0"/>
-                <a:cs typeface="Fira Code" pitchFamily="49" charset="0"/>
-              </a:rPr>
-              <a:t>restTemplate</a:t>
-            </a:r>
-            <a:r>
-              <a:rPr lang="en-US" sz="800" dirty="0">
-                <a:solidFill>
-                  <a:srgbClr val="080808"/>
-                </a:solidFill>
-                <a:effectLst/>
-                <a:latin typeface="Fira Code" pitchFamily="49" charset="0"/>
-                <a:ea typeface="Fira Code" pitchFamily="49" charset="0"/>
-                <a:cs typeface="Fira Code" pitchFamily="49" charset="0"/>
-              </a:rPr>
-              <a:t>, </a:t>
-            </a:r>
-            <a:r>
-              <a:rPr lang="en-US" sz="800" i="1" dirty="0">
-                <a:solidFill>
-                  <a:srgbClr val="080808"/>
-                </a:solidFill>
-                <a:effectLst/>
-                <a:latin typeface="Fira Code" pitchFamily="49" charset="0"/>
-                <a:ea typeface="Fira Code" pitchFamily="49" charset="0"/>
-                <a:cs typeface="Fira Code" pitchFamily="49" charset="0"/>
-              </a:rPr>
-              <a:t>times</a:t>
-            </a:r>
-            <a:r>
-              <a:rPr lang="en-US" sz="800" dirty="0">
-                <a:solidFill>
-                  <a:srgbClr val="080808"/>
-                </a:solidFill>
-                <a:effectLst/>
-                <a:latin typeface="Fira Code" pitchFamily="49" charset="0"/>
-                <a:ea typeface="Fira Code" pitchFamily="49" charset="0"/>
-                <a:cs typeface="Fira Code" pitchFamily="49" charset="0"/>
-              </a:rPr>
-              <a:t>(</a:t>
-            </a:r>
-            <a:r>
-              <a:rPr lang="en-US" sz="800" dirty="0">
-                <a:solidFill>
-                  <a:srgbClr val="1750EB"/>
-                </a:solidFill>
-                <a:effectLst/>
-                <a:latin typeface="Fira Code" pitchFamily="49" charset="0"/>
-                <a:ea typeface="Fira Code" pitchFamily="49" charset="0"/>
-                <a:cs typeface="Fira Code" pitchFamily="49" charset="0"/>
-              </a:rPr>
-              <a:t>1</a:t>
-            </a:r>
-            <a:r>
-              <a:rPr lang="en-US" sz="800" dirty="0">
-                <a:solidFill>
-                  <a:srgbClr val="080808"/>
-                </a:solidFill>
-                <a:effectLst/>
-                <a:latin typeface="Fira Code" pitchFamily="49" charset="0"/>
-                <a:ea typeface="Fira Code" pitchFamily="49" charset="0"/>
-                <a:cs typeface="Fira Code" pitchFamily="49" charset="0"/>
-              </a:rPr>
-              <a:t>)).exchange(</a:t>
-            </a:r>
-            <a:r>
-              <a:rPr lang="en-US" sz="800" dirty="0" err="1">
-                <a:solidFill>
-                  <a:srgbClr val="871094"/>
-                </a:solidFill>
-                <a:effectLst/>
-                <a:latin typeface="Fira Code" pitchFamily="49" charset="0"/>
-                <a:ea typeface="Fira Code" pitchFamily="49" charset="0"/>
-                <a:cs typeface="Fira Code" pitchFamily="49" charset="0"/>
-              </a:rPr>
-              <a:t>calledUrlCaptor</a:t>
-            </a:r>
-            <a:r>
-              <a:rPr lang="en-US" sz="800" dirty="0" err="1">
-                <a:solidFill>
-                  <a:srgbClr val="080808"/>
-                </a:solidFill>
-                <a:effectLst/>
-                <a:latin typeface="Fira Code" pitchFamily="49" charset="0"/>
-                <a:ea typeface="Fira Code" pitchFamily="49" charset="0"/>
-                <a:cs typeface="Fira Code" pitchFamily="49" charset="0"/>
-              </a:rPr>
-              <a:t>.capture</a:t>
-            </a:r>
-            <a:r>
-              <a:rPr lang="en-US" sz="800" dirty="0">
-                <a:solidFill>
-                  <a:srgbClr val="080808"/>
-                </a:solidFill>
-                <a:effectLst/>
-                <a:latin typeface="Fira Code" pitchFamily="49" charset="0"/>
-                <a:ea typeface="Fira Code" pitchFamily="49" charset="0"/>
-                <a:cs typeface="Fira Code" pitchFamily="49" charset="0"/>
-              </a:rPr>
-              <a:t>(), </a:t>
-            </a:r>
-            <a:r>
-              <a:rPr lang="en-US" sz="800" i="1" dirty="0">
-                <a:solidFill>
-                  <a:srgbClr val="080808"/>
-                </a:solidFill>
-                <a:effectLst/>
-                <a:latin typeface="Fira Code" pitchFamily="49" charset="0"/>
-                <a:ea typeface="Fira Code" pitchFamily="49" charset="0"/>
-                <a:cs typeface="Fira Code" pitchFamily="49" charset="0"/>
-              </a:rPr>
-              <a:t>eq</a:t>
-            </a:r>
-            <a:r>
-              <a:rPr lang="en-US" sz="800" dirty="0">
-                <a:solidFill>
-                  <a:srgbClr val="080808"/>
-                </a:solidFill>
-                <a:effectLst/>
-                <a:latin typeface="Fira Code" pitchFamily="49" charset="0"/>
-                <a:ea typeface="Fira Code" pitchFamily="49" charset="0"/>
-                <a:cs typeface="Fira Code" pitchFamily="49" charset="0"/>
-              </a:rPr>
-              <a:t>(</a:t>
-            </a:r>
-            <a:r>
-              <a:rPr lang="en-US" sz="800" dirty="0" err="1">
-                <a:solidFill>
-                  <a:srgbClr val="000000"/>
-                </a:solidFill>
-                <a:effectLst/>
-                <a:latin typeface="Fira Code" pitchFamily="49" charset="0"/>
-                <a:ea typeface="Fira Code" pitchFamily="49" charset="0"/>
-                <a:cs typeface="Fira Code" pitchFamily="49" charset="0"/>
-              </a:rPr>
-              <a:t>HttpMethod</a:t>
-            </a:r>
-            <a:r>
-              <a:rPr lang="en-US" sz="800" dirty="0" err="1">
-                <a:solidFill>
-                  <a:srgbClr val="080808"/>
-                </a:solidFill>
-                <a:effectLst/>
-                <a:latin typeface="Fira Code" pitchFamily="49" charset="0"/>
-                <a:ea typeface="Fira Code" pitchFamily="49" charset="0"/>
-                <a:cs typeface="Fira Code" pitchFamily="49" charset="0"/>
-              </a:rPr>
-              <a:t>.</a:t>
-            </a:r>
-            <a:r>
-              <a:rPr lang="en-US" sz="800" i="1" dirty="0" err="1">
-                <a:solidFill>
-                  <a:srgbClr val="871094"/>
-                </a:solidFill>
-                <a:effectLst/>
-                <a:latin typeface="Fira Code" pitchFamily="49" charset="0"/>
-                <a:ea typeface="Fira Code" pitchFamily="49" charset="0"/>
-                <a:cs typeface="Fira Code" pitchFamily="49" charset="0"/>
-              </a:rPr>
-              <a:t>GET</a:t>
-            </a:r>
-            <a:r>
-              <a:rPr lang="en-US" sz="800" dirty="0">
-                <a:solidFill>
-                  <a:srgbClr val="080808"/>
-                </a:solidFill>
-                <a:effectLst/>
-                <a:latin typeface="Fira Code" pitchFamily="49" charset="0"/>
-                <a:ea typeface="Fira Code" pitchFamily="49" charset="0"/>
-                <a:cs typeface="Fira Code" pitchFamily="49" charset="0"/>
-              </a:rPr>
-              <a:t>), </a:t>
-            </a:r>
-            <a:r>
-              <a:rPr lang="en-US" sz="800" dirty="0" err="1">
-                <a:solidFill>
-                  <a:srgbClr val="871094"/>
-                </a:solidFill>
-                <a:effectLst/>
-                <a:latin typeface="Fira Code" pitchFamily="49" charset="0"/>
-                <a:ea typeface="Fira Code" pitchFamily="49" charset="0"/>
-                <a:cs typeface="Fira Code" pitchFamily="49" charset="0"/>
-              </a:rPr>
-              <a:t>sentHttpEntityCaptor</a:t>
-            </a:r>
-            <a:r>
-              <a:rPr lang="en-US" sz="800" dirty="0" err="1">
-                <a:solidFill>
-                  <a:srgbClr val="080808"/>
-                </a:solidFill>
-                <a:effectLst/>
-                <a:latin typeface="Fira Code" pitchFamily="49" charset="0"/>
-                <a:ea typeface="Fira Code" pitchFamily="49" charset="0"/>
-                <a:cs typeface="Fira Code" pitchFamily="49" charset="0"/>
-              </a:rPr>
-              <a:t>.capture</a:t>
-            </a:r>
-            <a:r>
-              <a:rPr lang="en-US" sz="800" dirty="0">
-                <a:solidFill>
-                  <a:srgbClr val="080808"/>
-                </a:solidFill>
-                <a:effectLst/>
-                <a:latin typeface="Fira Code" pitchFamily="49" charset="0"/>
-                <a:ea typeface="Fira Code" pitchFamily="49" charset="0"/>
-                <a:cs typeface="Fira Code" pitchFamily="49" charset="0"/>
-              </a:rPr>
-              <a:t>(), </a:t>
-            </a:r>
-            <a:r>
-              <a:rPr lang="en-US" sz="800" i="1" dirty="0">
-                <a:solidFill>
-                  <a:srgbClr val="080808"/>
-                </a:solidFill>
-                <a:effectLst/>
-                <a:latin typeface="Fira Code" pitchFamily="49" charset="0"/>
-                <a:ea typeface="Fira Code" pitchFamily="49" charset="0"/>
-                <a:cs typeface="Fira Code" pitchFamily="49" charset="0"/>
-              </a:rPr>
-              <a:t>any</a:t>
-            </a:r>
-            <a:r>
-              <a:rPr lang="en-US" sz="800" dirty="0">
-                <a:solidFill>
-                  <a:srgbClr val="080808"/>
-                </a:solidFill>
-                <a:effectLst/>
-                <a:latin typeface="Fira Code" pitchFamily="49" charset="0"/>
-                <a:ea typeface="Fira Code" pitchFamily="49" charset="0"/>
-                <a:cs typeface="Fira Code" pitchFamily="49" charset="0"/>
-              </a:rPr>
-              <a:t>(</a:t>
-            </a:r>
-            <a:r>
-              <a:rPr lang="en-US" sz="800" dirty="0" err="1">
-                <a:solidFill>
-                  <a:srgbClr val="000000"/>
-                </a:solidFill>
-                <a:effectLst/>
-                <a:latin typeface="Fira Code" pitchFamily="49" charset="0"/>
-                <a:ea typeface="Fira Code" pitchFamily="49" charset="0"/>
-                <a:cs typeface="Fira Code" pitchFamily="49" charset="0"/>
-              </a:rPr>
-              <a:t>Class</a:t>
-            </a:r>
-            <a:r>
-              <a:rPr lang="en-US" sz="800" dirty="0" err="1">
-                <a:solidFill>
-                  <a:srgbClr val="080808"/>
-                </a:solidFill>
-                <a:effectLst/>
-                <a:latin typeface="Fira Code" pitchFamily="49" charset="0"/>
-                <a:ea typeface="Fira Code" pitchFamily="49" charset="0"/>
-                <a:cs typeface="Fira Code" pitchFamily="49" charset="0"/>
-              </a:rPr>
-              <a:t>.</a:t>
-            </a:r>
-            <a:r>
-              <a:rPr lang="en-US" sz="800" dirty="0" err="1">
-                <a:solidFill>
-                  <a:srgbClr val="0033B3"/>
-                </a:solidFill>
-                <a:effectLst/>
-                <a:latin typeface="Fira Code" pitchFamily="49" charset="0"/>
-                <a:ea typeface="Fira Code" pitchFamily="49" charset="0"/>
-                <a:cs typeface="Fira Code" pitchFamily="49" charset="0"/>
-              </a:rPr>
-              <a:t>class</a:t>
-            </a:r>
-            <a:r>
-              <a:rPr lang="en-US" sz="800" dirty="0">
-                <a:solidFill>
-                  <a:srgbClr val="080808"/>
-                </a:solidFill>
-                <a:effectLst/>
-                <a:latin typeface="Fira Code" pitchFamily="49" charset="0"/>
-                <a:ea typeface="Fira Code" pitchFamily="49" charset="0"/>
-                <a:cs typeface="Fira Code" pitchFamily="49" charset="0"/>
-              </a:rPr>
-              <a:t>));</a:t>
-            </a:r>
-            <a:br>
-              <a:rPr lang="en-US" sz="800" dirty="0">
-                <a:solidFill>
-                  <a:srgbClr val="080808"/>
-                </a:solidFill>
-                <a:effectLst/>
-                <a:latin typeface="Fira Code" pitchFamily="49" charset="0"/>
-                <a:ea typeface="Fira Code" pitchFamily="49" charset="0"/>
-                <a:cs typeface="Fira Code" pitchFamily="49" charset="0"/>
-              </a:rPr>
-            </a:br>
-            <a:r>
-              <a:rPr lang="en-US" sz="800" dirty="0">
-                <a:solidFill>
-                  <a:srgbClr val="080808"/>
-                </a:solidFill>
-                <a:effectLst/>
-                <a:latin typeface="Fira Code" pitchFamily="49" charset="0"/>
-                <a:ea typeface="Fira Code" pitchFamily="49" charset="0"/>
-                <a:cs typeface="Fira Code" pitchFamily="49" charset="0"/>
-              </a:rPr>
-              <a:t>    </a:t>
-            </a:r>
-            <a:r>
-              <a:rPr lang="en-US" sz="800" dirty="0" err="1">
-                <a:solidFill>
-                  <a:srgbClr val="080808"/>
-                </a:solidFill>
-                <a:effectLst/>
-                <a:latin typeface="Fira Code" pitchFamily="49" charset="0"/>
-                <a:ea typeface="Fira Code" pitchFamily="49" charset="0"/>
-                <a:cs typeface="Fira Code" pitchFamily="49" charset="0"/>
-              </a:rPr>
-              <a:t>verifyHeadersAreValid</a:t>
-            </a:r>
-            <a:r>
-              <a:rPr lang="en-US" sz="800" dirty="0">
-                <a:solidFill>
-                  <a:srgbClr val="080808"/>
-                </a:solidFill>
-                <a:effectLst/>
-                <a:latin typeface="Fira Code" pitchFamily="49" charset="0"/>
-                <a:ea typeface="Fira Code" pitchFamily="49" charset="0"/>
-                <a:cs typeface="Fira Code" pitchFamily="49" charset="0"/>
-              </a:rPr>
-              <a:t>(</a:t>
-            </a:r>
-            <a:r>
-              <a:rPr lang="en-US" sz="800" dirty="0" err="1">
-                <a:solidFill>
-                  <a:srgbClr val="871094"/>
-                </a:solidFill>
-                <a:effectLst/>
-                <a:latin typeface="Fira Code" pitchFamily="49" charset="0"/>
-                <a:ea typeface="Fira Code" pitchFamily="49" charset="0"/>
-                <a:cs typeface="Fira Code" pitchFamily="49" charset="0"/>
-              </a:rPr>
-              <a:t>sentHttpEntityCaptor</a:t>
-            </a:r>
-            <a:r>
-              <a:rPr lang="en-US" sz="800" dirty="0" err="1">
-                <a:solidFill>
-                  <a:srgbClr val="080808"/>
-                </a:solidFill>
-                <a:effectLst/>
-                <a:latin typeface="Fira Code" pitchFamily="49" charset="0"/>
-                <a:ea typeface="Fira Code" pitchFamily="49" charset="0"/>
-                <a:cs typeface="Fira Code" pitchFamily="49" charset="0"/>
-              </a:rPr>
-              <a:t>.getValue</a:t>
-            </a:r>
-            <a:r>
-              <a:rPr lang="en-US" sz="800" dirty="0">
-                <a:solidFill>
-                  <a:srgbClr val="080808"/>
-                </a:solidFill>
-                <a:effectLst/>
-                <a:latin typeface="Fira Code" pitchFamily="49" charset="0"/>
-                <a:ea typeface="Fira Code" pitchFamily="49" charset="0"/>
-                <a:cs typeface="Fira Code" pitchFamily="49" charset="0"/>
-              </a:rPr>
-              <a:t>().</a:t>
-            </a:r>
-            <a:r>
-              <a:rPr lang="en-US" sz="800" dirty="0" err="1">
-                <a:solidFill>
-                  <a:srgbClr val="080808"/>
-                </a:solidFill>
-                <a:effectLst/>
-                <a:latin typeface="Fira Code" pitchFamily="49" charset="0"/>
-                <a:ea typeface="Fira Code" pitchFamily="49" charset="0"/>
-                <a:cs typeface="Fira Code" pitchFamily="49" charset="0"/>
-              </a:rPr>
-              <a:t>getHeaders</a:t>
-            </a:r>
-            <a:r>
-              <a:rPr lang="en-US" sz="800" dirty="0">
-                <a:solidFill>
-                  <a:srgbClr val="080808"/>
-                </a:solidFill>
-                <a:effectLst/>
-                <a:latin typeface="Fira Code" pitchFamily="49" charset="0"/>
-                <a:ea typeface="Fira Code" pitchFamily="49" charset="0"/>
-                <a:cs typeface="Fira Code" pitchFamily="49" charset="0"/>
-              </a:rPr>
-              <a:t>());</a:t>
-            </a:r>
-            <a:br>
-              <a:rPr lang="en-US" sz="800" dirty="0">
-                <a:solidFill>
-                  <a:srgbClr val="080808"/>
-                </a:solidFill>
-                <a:effectLst/>
-                <a:latin typeface="Fira Code" pitchFamily="49" charset="0"/>
-                <a:ea typeface="Fira Code" pitchFamily="49" charset="0"/>
-                <a:cs typeface="Fira Code" pitchFamily="49" charset="0"/>
-              </a:rPr>
-            </a:br>
-            <a:r>
-              <a:rPr lang="en-US" sz="800" dirty="0">
-                <a:solidFill>
-                  <a:srgbClr val="080808"/>
-                </a:solidFill>
-                <a:effectLst/>
-                <a:latin typeface="Fira Code" pitchFamily="49" charset="0"/>
-                <a:ea typeface="Fira Code" pitchFamily="49" charset="0"/>
-                <a:cs typeface="Fira Code" pitchFamily="49" charset="0"/>
-              </a:rPr>
-              <a:t>}</a:t>
-            </a:r>
-          </a:p>
-          <a:p>
-            <a:pPr marL="0" indent="0">
-              <a:buNone/>
-            </a:pPr>
-            <a:endParaRPr lang="en-US" sz="800" dirty="0">
-              <a:latin typeface="Fira Code" pitchFamily="49" charset="0"/>
-              <a:ea typeface="Fira Code" pitchFamily="49" charset="0"/>
-              <a:cs typeface="Fira Code" pitchFamily="49" charset="0"/>
-            </a:endParaRPr>
-          </a:p>
-        </p:txBody>
-      </p:sp>
-    </p:spTree>
-    <p:extLst>
-      <p:ext uri="{BB962C8B-B14F-4D97-AF65-F5344CB8AC3E}">
-        <p14:creationId xmlns:p14="http://schemas.microsoft.com/office/powerpoint/2010/main" val="379213993"/>
       </p:ext>
     </p:extLst>
   </p:cSld>

--- a/slides/Testing Better with Approvals.pptx
+++ b/slides/Testing Better with Approvals.pptx
@@ -5,10 +5,10 @@
     <p:sldMasterId id="2147483648" r:id="rId1"/>
   </p:sldMasterIdLst>
   <p:notesMasterIdLst>
-    <p:notesMasterId r:id="rId33"/>
+    <p:notesMasterId r:id="rId35"/>
   </p:notesMasterIdLst>
   <p:sldIdLst>
-    <p:sldId id="256" r:id="rId2"/>
+    <p:sldId id="291" r:id="rId2"/>
     <p:sldId id="264" r:id="rId3"/>
     <p:sldId id="257" r:id="rId4"/>
     <p:sldId id="282" r:id="rId5"/>
@@ -16,29 +16,31 @@
     <p:sldId id="260" r:id="rId7"/>
     <p:sldId id="261" r:id="rId8"/>
     <p:sldId id="262" r:id="rId9"/>
-    <p:sldId id="263" r:id="rId10"/>
-    <p:sldId id="283" r:id="rId11"/>
-    <p:sldId id="284" r:id="rId12"/>
-    <p:sldId id="289" r:id="rId13"/>
-    <p:sldId id="266" r:id="rId14"/>
-    <p:sldId id="285" r:id="rId15"/>
-    <p:sldId id="286" r:id="rId16"/>
-    <p:sldId id="290" r:id="rId17"/>
-    <p:sldId id="287" r:id="rId18"/>
-    <p:sldId id="288" r:id="rId19"/>
-    <p:sldId id="268" r:id="rId20"/>
-    <p:sldId id="270" r:id="rId21"/>
-    <p:sldId id="271" r:id="rId22"/>
-    <p:sldId id="273" r:id="rId23"/>
-    <p:sldId id="274" r:id="rId24"/>
-    <p:sldId id="272" r:id="rId25"/>
-    <p:sldId id="277" r:id="rId26"/>
-    <p:sldId id="275" r:id="rId27"/>
-    <p:sldId id="278" r:id="rId28"/>
-    <p:sldId id="276" r:id="rId29"/>
-    <p:sldId id="279" r:id="rId30"/>
-    <p:sldId id="280" r:id="rId31"/>
-    <p:sldId id="281" r:id="rId32"/>
+    <p:sldId id="256" r:id="rId10"/>
+    <p:sldId id="292" r:id="rId11"/>
+    <p:sldId id="263" r:id="rId12"/>
+    <p:sldId id="283" r:id="rId13"/>
+    <p:sldId id="284" r:id="rId14"/>
+    <p:sldId id="289" r:id="rId15"/>
+    <p:sldId id="266" r:id="rId16"/>
+    <p:sldId id="285" r:id="rId17"/>
+    <p:sldId id="286" r:id="rId18"/>
+    <p:sldId id="290" r:id="rId19"/>
+    <p:sldId id="287" r:id="rId20"/>
+    <p:sldId id="288" r:id="rId21"/>
+    <p:sldId id="268" r:id="rId22"/>
+    <p:sldId id="270" r:id="rId23"/>
+    <p:sldId id="271" r:id="rId24"/>
+    <p:sldId id="273" r:id="rId25"/>
+    <p:sldId id="274" r:id="rId26"/>
+    <p:sldId id="272" r:id="rId27"/>
+    <p:sldId id="277" r:id="rId28"/>
+    <p:sldId id="275" r:id="rId29"/>
+    <p:sldId id="278" r:id="rId30"/>
+    <p:sldId id="276" r:id="rId31"/>
+    <p:sldId id="279" r:id="rId32"/>
+    <p:sldId id="280" r:id="rId33"/>
+    <p:sldId id="281" r:id="rId34"/>
   </p:sldIdLst>
   <p:sldSz cx="12192000" cy="6858000"/>
   <p:notesSz cx="6858000" cy="9144000"/>
@@ -142,7 +144,7 @@
       <p14:sectionLst xmlns:p14="http://schemas.microsoft.com/office/powerpoint/2010/main">
         <p14:section name="Rest Calls" id="{9F1D58F7-F7CD-004B-A186-A32696F48374}">
           <p14:sldIdLst>
-            <p14:sldId id="256"/>
+            <p14:sldId id="291"/>
             <p14:sldId id="264"/>
             <p14:sldId id="257"/>
             <p14:sldId id="282"/>
@@ -158,6 +160,8 @@
         </p14:section>
         <p14:section name="Flow" id="{4A37992F-F261-844C-AD8B-FF43D7C6D28F}">
           <p14:sldIdLst>
+            <p14:sldId id="256"/>
+            <p14:sldId id="292"/>
             <p14:sldId id="263"/>
             <p14:sldId id="283"/>
             <p14:sldId id="284"/>
@@ -550,7 +554,13 @@
   <p:cSld>
     <p:spTree>
       <p:nvGrpSpPr>
-        <p:cNvPr id="1" name=""/>
+        <p:cNvPr id="1" name="">
+          <a:extLst>
+            <a:ext uri="{FF2B5EF4-FFF2-40B4-BE49-F238E27FC236}">
+              <a16:creationId xmlns:a16="http://schemas.microsoft.com/office/drawing/2014/main" id="{2B4B2DED-A804-1FB3-EDC5-8598F778A3ED}"/>
+            </a:ext>
+          </a:extLst>
+        </p:cNvPr>
         <p:cNvGrpSpPr/>
         <p:nvPr/>
       </p:nvGrpSpPr>
@@ -564,7 +574,13 @@
       </p:grpSpPr>
       <p:sp>
         <p:nvSpPr>
-          <p:cNvPr id="2" name="Slide Image Placeholder 1"/>
+          <p:cNvPr id="2" name="Slide Image Placeholder 1">
+            <a:extLst>
+              <a:ext uri="{FF2B5EF4-FFF2-40B4-BE49-F238E27FC236}">
+                <a16:creationId xmlns:a16="http://schemas.microsoft.com/office/drawing/2014/main" id="{01D4AB28-5871-3475-30D0-987397601659}"/>
+              </a:ext>
+            </a:extLst>
+          </p:cNvPr>
           <p:cNvSpPr>
             <a:spLocks noGrp="1" noRot="1" noChangeAspect="1"/>
           </p:cNvSpPr>
@@ -576,7 +592,13 @@
       </p:sp>
       <p:sp>
         <p:nvSpPr>
-          <p:cNvPr id="3" name="Notes Placeholder 2"/>
+          <p:cNvPr id="3" name="Notes Placeholder 2">
+            <a:extLst>
+              <a:ext uri="{FF2B5EF4-FFF2-40B4-BE49-F238E27FC236}">
+                <a16:creationId xmlns:a16="http://schemas.microsoft.com/office/drawing/2014/main" id="{5CBB3730-1206-1B4F-C530-6EFB87710B16}"/>
+              </a:ext>
+            </a:extLst>
+          </p:cNvPr>
           <p:cNvSpPr>
             <a:spLocks noGrp="1"/>
           </p:cNvSpPr>
@@ -595,7 +617,13 @@
       </p:sp>
       <p:sp>
         <p:nvSpPr>
-          <p:cNvPr id="4" name="Slide Number Placeholder 3"/>
+          <p:cNvPr id="4" name="Slide Number Placeholder 3">
+            <a:extLst>
+              <a:ext uri="{FF2B5EF4-FFF2-40B4-BE49-F238E27FC236}">
+                <a16:creationId xmlns:a16="http://schemas.microsoft.com/office/drawing/2014/main" id="{2CE8D222-86F4-8CB2-92BA-004A237BA2AD}"/>
+              </a:ext>
+            </a:extLst>
+          </p:cNvPr>
           <p:cNvSpPr>
             <a:spLocks noGrp="1"/>
           </p:cNvSpPr>
@@ -619,7 +647,7 @@
     </p:spTree>
     <p:extLst>
       <p:ext uri="{BB962C8B-B14F-4D97-AF65-F5344CB8AC3E}">
-        <p14:creationId xmlns:p14="http://schemas.microsoft.com/office/powerpoint/2010/main" val="1238017320"/>
+        <p14:creationId xmlns:p14="http://schemas.microsoft.com/office/powerpoint/2010/main" val="2734737476"/>
       </p:ext>
     </p:extLst>
   </p:cSld>
@@ -630,6 +658,114 @@
 </file>
 
 <file path=ppt/notesSlides/notesSlide10.xml><?xml version="1.0" encoding="utf-8"?>
+<p:notes xmlns:a="http://schemas.openxmlformats.org/drawingml/2006/main" xmlns:r="http://schemas.openxmlformats.org/officeDocument/2006/relationships" xmlns:p="http://schemas.openxmlformats.org/presentationml/2006/main">
+  <p:cSld>
+    <p:spTree>
+      <p:nvGrpSpPr>
+        <p:cNvPr id="1" name="">
+          <a:extLst>
+            <a:ext uri="{FF2B5EF4-FFF2-40B4-BE49-F238E27FC236}">
+              <a16:creationId xmlns:a16="http://schemas.microsoft.com/office/drawing/2014/main" id="{05C95657-30E9-95F4-C6C0-5C28484D0664}"/>
+            </a:ext>
+          </a:extLst>
+        </p:cNvPr>
+        <p:cNvGrpSpPr/>
+        <p:nvPr/>
+      </p:nvGrpSpPr>
+      <p:grpSpPr>
+        <a:xfrm>
+          <a:off x="0" y="0"/>
+          <a:ext cx="0" cy="0"/>
+          <a:chOff x="0" y="0"/>
+          <a:chExt cx="0" cy="0"/>
+        </a:xfrm>
+      </p:grpSpPr>
+      <p:sp>
+        <p:nvSpPr>
+          <p:cNvPr id="2" name="Slide Image Placeholder 1">
+            <a:extLst>
+              <a:ext uri="{FF2B5EF4-FFF2-40B4-BE49-F238E27FC236}">
+                <a16:creationId xmlns:a16="http://schemas.microsoft.com/office/drawing/2014/main" id="{7CB5C5A6-8EAD-E4A6-6234-BD89A680AE76}"/>
+              </a:ext>
+            </a:extLst>
+          </p:cNvPr>
+          <p:cNvSpPr>
+            <a:spLocks noGrp="1" noRot="1" noChangeAspect="1"/>
+          </p:cNvSpPr>
+          <p:nvPr>
+            <p:ph type="sldImg"/>
+          </p:nvPr>
+        </p:nvSpPr>
+        <p:spPr/>
+      </p:sp>
+      <p:sp>
+        <p:nvSpPr>
+          <p:cNvPr id="3" name="Notes Placeholder 2">
+            <a:extLst>
+              <a:ext uri="{FF2B5EF4-FFF2-40B4-BE49-F238E27FC236}">
+                <a16:creationId xmlns:a16="http://schemas.microsoft.com/office/drawing/2014/main" id="{B028BF3C-7F56-4C72-F739-F2D950442DA7}"/>
+              </a:ext>
+            </a:extLst>
+          </p:cNvPr>
+          <p:cNvSpPr>
+            <a:spLocks noGrp="1"/>
+          </p:cNvSpPr>
+          <p:nvPr>
+            <p:ph type="body" idx="1"/>
+          </p:nvPr>
+        </p:nvSpPr>
+        <p:spPr/>
+        <p:txBody>
+          <a:bodyPr/>
+          <a:lstStyle/>
+          <a:p>
+            <a:endParaRPr lang="en-US"/>
+          </a:p>
+        </p:txBody>
+      </p:sp>
+      <p:sp>
+        <p:nvSpPr>
+          <p:cNvPr id="4" name="Slide Number Placeholder 3">
+            <a:extLst>
+              <a:ext uri="{FF2B5EF4-FFF2-40B4-BE49-F238E27FC236}">
+                <a16:creationId xmlns:a16="http://schemas.microsoft.com/office/drawing/2014/main" id="{325CDB28-298C-BC98-FB92-5805699B6995}"/>
+              </a:ext>
+            </a:extLst>
+          </p:cNvPr>
+          <p:cNvSpPr>
+            <a:spLocks noGrp="1"/>
+          </p:cNvSpPr>
+          <p:nvPr>
+            <p:ph type="sldNum" sz="quarter" idx="5"/>
+          </p:nvPr>
+        </p:nvSpPr>
+        <p:spPr/>
+        <p:txBody>
+          <a:bodyPr/>
+          <a:lstStyle/>
+          <a:p>
+            <a:fld id="{FC5BBC2B-72B0-2542-8213-717906F3F32B}" type="slidenum">
+              <a:rPr lang="en-US" smtClean="0"/>
+              <a:t>13</a:t>
+            </a:fld>
+            <a:endParaRPr lang="en-US"/>
+          </a:p>
+        </p:txBody>
+      </p:sp>
+    </p:spTree>
+    <p:extLst>
+      <p:ext uri="{BB962C8B-B14F-4D97-AF65-F5344CB8AC3E}">
+        <p14:creationId xmlns:p14="http://schemas.microsoft.com/office/powerpoint/2010/main" val="1598719512"/>
+      </p:ext>
+    </p:extLst>
+  </p:cSld>
+  <p:clrMapOvr>
+    <a:masterClrMapping/>
+  </p:clrMapOvr>
+</p:notes>
+</file>
+
+<file path=ppt/notesSlides/notesSlide11.xml><?xml version="1.0" encoding="utf-8"?>
 <p:notes xmlns:a="http://schemas.openxmlformats.org/drawingml/2006/main" xmlns:r="http://schemas.openxmlformats.org/officeDocument/2006/relationships" xmlns:p="http://schemas.openxmlformats.org/presentationml/2006/main">
   <p:cSld>
     <p:spTree>
@@ -718,7 +854,7 @@
           <a:p>
             <a:fld id="{FC5BBC2B-72B0-2542-8213-717906F3F32B}" type="slidenum">
               <a:rPr lang="en-US" smtClean="0"/>
-              <a:t>13</a:t>
+              <a:t>15</a:t>
             </a:fld>
             <a:endParaRPr lang="en-US"/>
           </a:p>
@@ -737,7 +873,7 @@
 </p:notes>
 </file>
 
-<file path=ppt/notesSlides/notesSlide11.xml><?xml version="1.0" encoding="utf-8"?>
+<file path=ppt/notesSlides/notesSlide12.xml><?xml version="1.0" encoding="utf-8"?>
 <p:notes xmlns:a="http://schemas.openxmlformats.org/drawingml/2006/main" xmlns:r="http://schemas.openxmlformats.org/officeDocument/2006/relationships" xmlns:p="http://schemas.openxmlformats.org/presentationml/2006/main">
   <p:cSld>
     <p:spTree>
@@ -826,7 +962,7 @@
           <a:p>
             <a:fld id="{FC5BBC2B-72B0-2542-8213-717906F3F32B}" type="slidenum">
               <a:rPr lang="en-US" smtClean="0"/>
-              <a:t>14</a:t>
+              <a:t>16</a:t>
             </a:fld>
             <a:endParaRPr lang="en-US"/>
           </a:p>
@@ -845,7 +981,7 @@
 </p:notes>
 </file>
 
-<file path=ppt/notesSlides/notesSlide12.xml><?xml version="1.0" encoding="utf-8"?>
+<file path=ppt/notesSlides/notesSlide13.xml><?xml version="1.0" encoding="utf-8"?>
 <p:notes xmlns:a="http://schemas.openxmlformats.org/drawingml/2006/main" xmlns:r="http://schemas.openxmlformats.org/officeDocument/2006/relationships" xmlns:p="http://schemas.openxmlformats.org/presentationml/2006/main">
   <p:cSld>
     <p:spTree>
@@ -934,7 +1070,7 @@
           <a:p>
             <a:fld id="{FC5BBC2B-72B0-2542-8213-717906F3F32B}" type="slidenum">
               <a:rPr lang="en-US" smtClean="0"/>
-              <a:t>15</a:t>
+              <a:t>17</a:t>
             </a:fld>
             <a:endParaRPr lang="en-US"/>
           </a:p>
@@ -953,7 +1089,7 @@
 </p:notes>
 </file>
 
-<file path=ppt/notesSlides/notesSlide13.xml><?xml version="1.0" encoding="utf-8"?>
+<file path=ppt/notesSlides/notesSlide14.xml><?xml version="1.0" encoding="utf-8"?>
 <p:notes xmlns:a="http://schemas.openxmlformats.org/drawingml/2006/main" xmlns:r="http://schemas.openxmlformats.org/officeDocument/2006/relationships" xmlns:p="http://schemas.openxmlformats.org/presentationml/2006/main">
   <p:cSld>
     <p:spTree>
@@ -1042,7 +1178,7 @@
           <a:p>
             <a:fld id="{FC5BBC2B-72B0-2542-8213-717906F3F32B}" type="slidenum">
               <a:rPr lang="en-US" smtClean="0"/>
-              <a:t>17</a:t>
+              <a:t>19</a:t>
             </a:fld>
             <a:endParaRPr lang="en-US"/>
           </a:p>
@@ -1061,7 +1197,7 @@
 </p:notes>
 </file>
 
-<file path=ppt/notesSlides/notesSlide14.xml><?xml version="1.0" encoding="utf-8"?>
+<file path=ppt/notesSlides/notesSlide15.xml><?xml version="1.0" encoding="utf-8"?>
 <p:notes xmlns:a="http://schemas.openxmlformats.org/drawingml/2006/main" xmlns:r="http://schemas.openxmlformats.org/officeDocument/2006/relationships" xmlns:p="http://schemas.openxmlformats.org/presentationml/2006/main">
   <p:cSld>
     <p:spTree>
@@ -1150,7 +1286,7 @@
           <a:p>
             <a:fld id="{FC5BBC2B-72B0-2542-8213-717906F3F32B}" type="slidenum">
               <a:rPr lang="en-US" smtClean="0"/>
-              <a:t>18</a:t>
+              <a:t>20</a:t>
             </a:fld>
             <a:endParaRPr lang="en-US"/>
           </a:p>
@@ -1169,7 +1305,7 @@
 </p:notes>
 </file>
 
-<file path=ppt/notesSlides/notesSlide15.xml><?xml version="1.0" encoding="utf-8"?>
+<file path=ppt/notesSlides/notesSlide16.xml><?xml version="1.0" encoding="utf-8"?>
 <p:notes xmlns:a="http://schemas.openxmlformats.org/drawingml/2006/main" xmlns:r="http://schemas.openxmlformats.org/officeDocument/2006/relationships" xmlns:p="http://schemas.openxmlformats.org/presentationml/2006/main">
   <p:cSld>
     <p:spTree>
@@ -1258,7 +1394,7 @@
           <a:p>
             <a:fld id="{FC5BBC2B-72B0-2542-8213-717906F3F32B}" type="slidenum">
               <a:rPr lang="en-US" smtClean="0"/>
-              <a:t>19</a:t>
+              <a:t>21</a:t>
             </a:fld>
             <a:endParaRPr lang="en-US"/>
           </a:p>
@@ -1277,7 +1413,7 @@
 </p:notes>
 </file>
 
-<file path=ppt/notesSlides/notesSlide16.xml><?xml version="1.0" encoding="utf-8"?>
+<file path=ppt/notesSlides/notesSlide17.xml><?xml version="1.0" encoding="utf-8"?>
 <p:notes xmlns:a="http://schemas.openxmlformats.org/drawingml/2006/main" xmlns:r="http://schemas.openxmlformats.org/officeDocument/2006/relationships" xmlns:p="http://schemas.openxmlformats.org/presentationml/2006/main">
   <p:cSld>
     <p:spTree>
@@ -1366,7 +1502,7 @@
           <a:p>
             <a:fld id="{FC5BBC2B-72B0-2542-8213-717906F3F32B}" type="slidenum">
               <a:rPr lang="en-US" smtClean="0"/>
-              <a:t>20</a:t>
+              <a:t>22</a:t>
             </a:fld>
             <a:endParaRPr lang="en-US"/>
           </a:p>
@@ -1385,7 +1521,7 @@
 </p:notes>
 </file>
 
-<file path=ppt/notesSlides/notesSlide17.xml><?xml version="1.0" encoding="utf-8"?>
+<file path=ppt/notesSlides/notesSlide18.xml><?xml version="1.0" encoding="utf-8"?>
 <p:notes xmlns:a="http://schemas.openxmlformats.org/drawingml/2006/main" xmlns:r="http://schemas.openxmlformats.org/officeDocument/2006/relationships" xmlns:p="http://schemas.openxmlformats.org/presentationml/2006/main">
   <p:cSld>
     <p:spTree>
@@ -1474,7 +1610,7 @@
           <a:p>
             <a:fld id="{FC5BBC2B-72B0-2542-8213-717906F3F32B}" type="slidenum">
               <a:rPr lang="en-US" smtClean="0"/>
-              <a:t>21</a:t>
+              <a:t>23</a:t>
             </a:fld>
             <a:endParaRPr lang="en-US"/>
           </a:p>
@@ -1493,7 +1629,7 @@
 </p:notes>
 </file>
 
-<file path=ppt/notesSlides/notesSlide18.xml><?xml version="1.0" encoding="utf-8"?>
+<file path=ppt/notesSlides/notesSlide19.xml><?xml version="1.0" encoding="utf-8"?>
 <p:notes xmlns:a="http://schemas.openxmlformats.org/drawingml/2006/main" xmlns:r="http://schemas.openxmlformats.org/officeDocument/2006/relationships" xmlns:p="http://schemas.openxmlformats.org/presentationml/2006/main">
   <p:cSld>
     <p:spTree>
@@ -1582,7 +1718,7 @@
           <a:p>
             <a:fld id="{FC5BBC2B-72B0-2542-8213-717906F3F32B}" type="slidenum">
               <a:rPr lang="en-US" smtClean="0"/>
-              <a:t>22</a:t>
+              <a:t>24</a:t>
             </a:fld>
             <a:endParaRPr lang="en-US"/>
           </a:p>
@@ -1592,114 +1728,6 @@
     <p:extLst>
       <p:ext uri="{BB962C8B-B14F-4D97-AF65-F5344CB8AC3E}">
         <p14:creationId xmlns:p14="http://schemas.microsoft.com/office/powerpoint/2010/main" val="2596625598"/>
-      </p:ext>
-    </p:extLst>
-  </p:cSld>
-  <p:clrMapOvr>
-    <a:masterClrMapping/>
-  </p:clrMapOvr>
-</p:notes>
-</file>
-
-<file path=ppt/notesSlides/notesSlide19.xml><?xml version="1.0" encoding="utf-8"?>
-<p:notes xmlns:a="http://schemas.openxmlformats.org/drawingml/2006/main" xmlns:r="http://schemas.openxmlformats.org/officeDocument/2006/relationships" xmlns:p="http://schemas.openxmlformats.org/presentationml/2006/main">
-  <p:cSld>
-    <p:spTree>
-      <p:nvGrpSpPr>
-        <p:cNvPr id="1" name="">
-          <a:extLst>
-            <a:ext uri="{FF2B5EF4-FFF2-40B4-BE49-F238E27FC236}">
-              <a16:creationId xmlns:a16="http://schemas.microsoft.com/office/drawing/2014/main" id="{B228D719-157D-93E6-C9DC-A9B2DEAFEA8A}"/>
-            </a:ext>
-          </a:extLst>
-        </p:cNvPr>
-        <p:cNvGrpSpPr/>
-        <p:nvPr/>
-      </p:nvGrpSpPr>
-      <p:grpSpPr>
-        <a:xfrm>
-          <a:off x="0" y="0"/>
-          <a:ext cx="0" cy="0"/>
-          <a:chOff x="0" y="0"/>
-          <a:chExt cx="0" cy="0"/>
-        </a:xfrm>
-      </p:grpSpPr>
-      <p:sp>
-        <p:nvSpPr>
-          <p:cNvPr id="2" name="Slide Image Placeholder 1">
-            <a:extLst>
-              <a:ext uri="{FF2B5EF4-FFF2-40B4-BE49-F238E27FC236}">
-                <a16:creationId xmlns:a16="http://schemas.microsoft.com/office/drawing/2014/main" id="{D5C11A73-EF24-FD17-F817-55BED8ED9018}"/>
-              </a:ext>
-            </a:extLst>
-          </p:cNvPr>
-          <p:cNvSpPr>
-            <a:spLocks noGrp="1" noRot="1" noChangeAspect="1"/>
-          </p:cNvSpPr>
-          <p:nvPr>
-            <p:ph type="sldImg"/>
-          </p:nvPr>
-        </p:nvSpPr>
-        <p:spPr/>
-      </p:sp>
-      <p:sp>
-        <p:nvSpPr>
-          <p:cNvPr id="3" name="Notes Placeholder 2">
-            <a:extLst>
-              <a:ext uri="{FF2B5EF4-FFF2-40B4-BE49-F238E27FC236}">
-                <a16:creationId xmlns:a16="http://schemas.microsoft.com/office/drawing/2014/main" id="{74680A6A-7A42-DBDE-A10E-2E24C37CF78E}"/>
-              </a:ext>
-            </a:extLst>
-          </p:cNvPr>
-          <p:cNvSpPr>
-            <a:spLocks noGrp="1"/>
-          </p:cNvSpPr>
-          <p:nvPr>
-            <p:ph type="body" idx="1"/>
-          </p:nvPr>
-        </p:nvSpPr>
-        <p:spPr/>
-        <p:txBody>
-          <a:bodyPr/>
-          <a:lstStyle/>
-          <a:p>
-            <a:endParaRPr lang="en-US"/>
-          </a:p>
-        </p:txBody>
-      </p:sp>
-      <p:sp>
-        <p:nvSpPr>
-          <p:cNvPr id="4" name="Slide Number Placeholder 3">
-            <a:extLst>
-              <a:ext uri="{FF2B5EF4-FFF2-40B4-BE49-F238E27FC236}">
-                <a16:creationId xmlns:a16="http://schemas.microsoft.com/office/drawing/2014/main" id="{2EE2018A-C357-2F1A-90E5-0CF9A2FB5C31}"/>
-              </a:ext>
-            </a:extLst>
-          </p:cNvPr>
-          <p:cNvSpPr>
-            <a:spLocks noGrp="1"/>
-          </p:cNvSpPr>
-          <p:nvPr>
-            <p:ph type="sldNum" sz="quarter" idx="5"/>
-          </p:nvPr>
-        </p:nvSpPr>
-        <p:spPr/>
-        <p:txBody>
-          <a:bodyPr/>
-          <a:lstStyle/>
-          <a:p>
-            <a:fld id="{FC5BBC2B-72B0-2542-8213-717906F3F32B}" type="slidenum">
-              <a:rPr lang="en-US" smtClean="0"/>
-              <a:t>23</a:t>
-            </a:fld>
-            <a:endParaRPr lang="en-US"/>
-          </a:p>
-        </p:txBody>
-      </p:sp>
-    </p:spTree>
-    <p:extLst>
-      <p:ext uri="{BB962C8B-B14F-4D97-AF65-F5344CB8AC3E}">
-        <p14:creationId xmlns:p14="http://schemas.microsoft.com/office/powerpoint/2010/main" val="2333918339"/>
       </p:ext>
     </p:extLst>
   </p:cSld>
@@ -1801,6 +1829,114 @@
         <p:cNvPr id="1" name="">
           <a:extLst>
             <a:ext uri="{FF2B5EF4-FFF2-40B4-BE49-F238E27FC236}">
+              <a16:creationId xmlns:a16="http://schemas.microsoft.com/office/drawing/2014/main" id="{B228D719-157D-93E6-C9DC-A9B2DEAFEA8A}"/>
+            </a:ext>
+          </a:extLst>
+        </p:cNvPr>
+        <p:cNvGrpSpPr/>
+        <p:nvPr/>
+      </p:nvGrpSpPr>
+      <p:grpSpPr>
+        <a:xfrm>
+          <a:off x="0" y="0"/>
+          <a:ext cx="0" cy="0"/>
+          <a:chOff x="0" y="0"/>
+          <a:chExt cx="0" cy="0"/>
+        </a:xfrm>
+      </p:grpSpPr>
+      <p:sp>
+        <p:nvSpPr>
+          <p:cNvPr id="2" name="Slide Image Placeholder 1">
+            <a:extLst>
+              <a:ext uri="{FF2B5EF4-FFF2-40B4-BE49-F238E27FC236}">
+                <a16:creationId xmlns:a16="http://schemas.microsoft.com/office/drawing/2014/main" id="{D5C11A73-EF24-FD17-F817-55BED8ED9018}"/>
+              </a:ext>
+            </a:extLst>
+          </p:cNvPr>
+          <p:cNvSpPr>
+            <a:spLocks noGrp="1" noRot="1" noChangeAspect="1"/>
+          </p:cNvSpPr>
+          <p:nvPr>
+            <p:ph type="sldImg"/>
+          </p:nvPr>
+        </p:nvSpPr>
+        <p:spPr/>
+      </p:sp>
+      <p:sp>
+        <p:nvSpPr>
+          <p:cNvPr id="3" name="Notes Placeholder 2">
+            <a:extLst>
+              <a:ext uri="{FF2B5EF4-FFF2-40B4-BE49-F238E27FC236}">
+                <a16:creationId xmlns:a16="http://schemas.microsoft.com/office/drawing/2014/main" id="{74680A6A-7A42-DBDE-A10E-2E24C37CF78E}"/>
+              </a:ext>
+            </a:extLst>
+          </p:cNvPr>
+          <p:cNvSpPr>
+            <a:spLocks noGrp="1"/>
+          </p:cNvSpPr>
+          <p:nvPr>
+            <p:ph type="body" idx="1"/>
+          </p:nvPr>
+        </p:nvSpPr>
+        <p:spPr/>
+        <p:txBody>
+          <a:bodyPr/>
+          <a:lstStyle/>
+          <a:p>
+            <a:endParaRPr lang="en-US"/>
+          </a:p>
+        </p:txBody>
+      </p:sp>
+      <p:sp>
+        <p:nvSpPr>
+          <p:cNvPr id="4" name="Slide Number Placeholder 3">
+            <a:extLst>
+              <a:ext uri="{FF2B5EF4-FFF2-40B4-BE49-F238E27FC236}">
+                <a16:creationId xmlns:a16="http://schemas.microsoft.com/office/drawing/2014/main" id="{2EE2018A-C357-2F1A-90E5-0CF9A2FB5C31}"/>
+              </a:ext>
+            </a:extLst>
+          </p:cNvPr>
+          <p:cNvSpPr>
+            <a:spLocks noGrp="1"/>
+          </p:cNvSpPr>
+          <p:nvPr>
+            <p:ph type="sldNum" sz="quarter" idx="5"/>
+          </p:nvPr>
+        </p:nvSpPr>
+        <p:spPr/>
+        <p:txBody>
+          <a:bodyPr/>
+          <a:lstStyle/>
+          <a:p>
+            <a:fld id="{FC5BBC2B-72B0-2542-8213-717906F3F32B}" type="slidenum">
+              <a:rPr lang="en-US" smtClean="0"/>
+              <a:t>25</a:t>
+            </a:fld>
+            <a:endParaRPr lang="en-US"/>
+          </a:p>
+        </p:txBody>
+      </p:sp>
+    </p:spTree>
+    <p:extLst>
+      <p:ext uri="{BB962C8B-B14F-4D97-AF65-F5344CB8AC3E}">
+        <p14:creationId xmlns:p14="http://schemas.microsoft.com/office/powerpoint/2010/main" val="2333918339"/>
+      </p:ext>
+    </p:extLst>
+  </p:cSld>
+  <p:clrMapOvr>
+    <a:masterClrMapping/>
+  </p:clrMapOvr>
+</p:notes>
+</file>
+
+<file path=ppt/notesSlides/notesSlide21.xml><?xml version="1.0" encoding="utf-8"?>
+<p:notes xmlns:a="http://schemas.openxmlformats.org/drawingml/2006/main" xmlns:r="http://schemas.openxmlformats.org/officeDocument/2006/relationships" xmlns:p="http://schemas.openxmlformats.org/presentationml/2006/main">
+  <p:cSld>
+    <p:spTree>
+      <p:nvGrpSpPr>
+        <p:cNvPr id="1" name="">
+          <a:extLst>
+            <a:ext uri="{FF2B5EF4-FFF2-40B4-BE49-F238E27FC236}">
               <a16:creationId xmlns:a16="http://schemas.microsoft.com/office/drawing/2014/main" id="{19886A59-9FD7-B68E-EEA5-C30F27DBE850}"/>
             </a:ext>
           </a:extLst>
@@ -1882,7 +2018,7 @@
           <a:p>
             <a:fld id="{FC5BBC2B-72B0-2542-8213-717906F3F32B}" type="slidenum">
               <a:rPr lang="en-US" smtClean="0"/>
-              <a:t>24</a:t>
+              <a:t>26</a:t>
             </a:fld>
             <a:endParaRPr lang="en-US"/>
           </a:p>
@@ -1901,7 +2037,7 @@
 </p:notes>
 </file>
 
-<file path=ppt/notesSlides/notesSlide21.xml><?xml version="1.0" encoding="utf-8"?>
+<file path=ppt/notesSlides/notesSlide22.xml><?xml version="1.0" encoding="utf-8"?>
 <p:notes xmlns:a="http://schemas.openxmlformats.org/drawingml/2006/main" xmlns:r="http://schemas.openxmlformats.org/officeDocument/2006/relationships" xmlns:p="http://schemas.openxmlformats.org/presentationml/2006/main">
   <p:cSld>
     <p:spTree>
@@ -1990,7 +2126,7 @@
           <a:p>
             <a:fld id="{FC5BBC2B-72B0-2542-8213-717906F3F32B}" type="slidenum">
               <a:rPr lang="en-US" smtClean="0"/>
-              <a:t>25</a:t>
+              <a:t>27</a:t>
             </a:fld>
             <a:endParaRPr lang="en-US"/>
           </a:p>
@@ -2009,7 +2145,7 @@
 </p:notes>
 </file>
 
-<file path=ppt/notesSlides/notesSlide22.xml><?xml version="1.0" encoding="utf-8"?>
+<file path=ppt/notesSlides/notesSlide23.xml><?xml version="1.0" encoding="utf-8"?>
 <p:notes xmlns:a="http://schemas.openxmlformats.org/drawingml/2006/main" xmlns:r="http://schemas.openxmlformats.org/officeDocument/2006/relationships" xmlns:p="http://schemas.openxmlformats.org/presentationml/2006/main">
   <p:cSld>
     <p:spTree>
@@ -2098,7 +2234,7 @@
           <a:p>
             <a:fld id="{FC5BBC2B-72B0-2542-8213-717906F3F32B}" type="slidenum">
               <a:rPr lang="en-US" smtClean="0"/>
-              <a:t>26</a:t>
+              <a:t>28</a:t>
             </a:fld>
             <a:endParaRPr lang="en-US"/>
           </a:p>
@@ -2117,7 +2253,7 @@
 </p:notes>
 </file>
 
-<file path=ppt/notesSlides/notesSlide23.xml><?xml version="1.0" encoding="utf-8"?>
+<file path=ppt/notesSlides/notesSlide24.xml><?xml version="1.0" encoding="utf-8"?>
 <p:notes xmlns:a="http://schemas.openxmlformats.org/drawingml/2006/main" xmlns:r="http://schemas.openxmlformats.org/officeDocument/2006/relationships" xmlns:p="http://schemas.openxmlformats.org/presentationml/2006/main">
   <p:cSld>
     <p:spTree>
@@ -2206,7 +2342,7 @@
           <a:p>
             <a:fld id="{FC5BBC2B-72B0-2542-8213-717906F3F32B}" type="slidenum">
               <a:rPr lang="en-US" smtClean="0"/>
-              <a:t>27</a:t>
+              <a:t>29</a:t>
             </a:fld>
             <a:endParaRPr lang="en-US"/>
           </a:p>
@@ -2225,7 +2361,7 @@
 </p:notes>
 </file>
 
-<file path=ppt/notesSlides/notesSlide24.xml><?xml version="1.0" encoding="utf-8"?>
+<file path=ppt/notesSlides/notesSlide25.xml><?xml version="1.0" encoding="utf-8"?>
 <p:notes xmlns:a="http://schemas.openxmlformats.org/drawingml/2006/main" xmlns:r="http://schemas.openxmlformats.org/officeDocument/2006/relationships" xmlns:p="http://schemas.openxmlformats.org/presentationml/2006/main">
   <p:cSld>
     <p:spTree>
@@ -2314,7 +2450,7 @@
           <a:p>
             <a:fld id="{FC5BBC2B-72B0-2542-8213-717906F3F32B}" type="slidenum">
               <a:rPr lang="en-US" smtClean="0"/>
-              <a:t>28</a:t>
+              <a:t>30</a:t>
             </a:fld>
             <a:endParaRPr lang="en-US"/>
           </a:p>
@@ -2333,7 +2469,7 @@
 </p:notes>
 </file>
 
-<file path=ppt/notesSlides/notesSlide25.xml><?xml version="1.0" encoding="utf-8"?>
+<file path=ppt/notesSlides/notesSlide26.xml><?xml version="1.0" encoding="utf-8"?>
 <p:notes xmlns:a="http://schemas.openxmlformats.org/drawingml/2006/main" xmlns:r="http://schemas.openxmlformats.org/officeDocument/2006/relationships" xmlns:p="http://schemas.openxmlformats.org/presentationml/2006/main">
   <p:cSld>
     <p:spTree>
@@ -2422,7 +2558,7 @@
           <a:p>
             <a:fld id="{FC5BBC2B-72B0-2542-8213-717906F3F32B}" type="slidenum">
               <a:rPr lang="en-US" smtClean="0"/>
-              <a:t>29</a:t>
+              <a:t>31</a:t>
             </a:fld>
             <a:endParaRPr lang="en-US"/>
           </a:p>
@@ -2441,7 +2577,7 @@
 </p:notes>
 </file>
 
-<file path=ppt/notesSlides/notesSlide26.xml><?xml version="1.0" encoding="utf-8"?>
+<file path=ppt/notesSlides/notesSlide27.xml><?xml version="1.0" encoding="utf-8"?>
 <p:notes xmlns:a="http://schemas.openxmlformats.org/drawingml/2006/main" xmlns:r="http://schemas.openxmlformats.org/officeDocument/2006/relationships" xmlns:p="http://schemas.openxmlformats.org/presentationml/2006/main">
   <p:cSld>
     <p:spTree>
@@ -2530,7 +2666,7 @@
           <a:p>
             <a:fld id="{FC5BBC2B-72B0-2542-8213-717906F3F32B}" type="slidenum">
               <a:rPr lang="en-US" smtClean="0"/>
-              <a:t>30</a:t>
+              <a:t>32</a:t>
             </a:fld>
             <a:endParaRPr lang="en-US"/>
           </a:p>
@@ -2549,7 +2685,7 @@
 </p:notes>
 </file>
 
-<file path=ppt/notesSlides/notesSlide27.xml><?xml version="1.0" encoding="utf-8"?>
+<file path=ppt/notesSlides/notesSlide28.xml><?xml version="1.0" encoding="utf-8"?>
 <p:notes xmlns:a="http://schemas.openxmlformats.org/drawingml/2006/main" xmlns:r="http://schemas.openxmlformats.org/officeDocument/2006/relationships" xmlns:p="http://schemas.openxmlformats.org/presentationml/2006/main">
   <p:cSld>
     <p:spTree>
@@ -2638,7 +2774,7 @@
           <a:p>
             <a:fld id="{FC5BBC2B-72B0-2542-8213-717906F3F32B}" type="slidenum">
               <a:rPr lang="en-US" smtClean="0"/>
-              <a:t>31</a:t>
+              <a:t>33</a:t>
             </a:fld>
             <a:endParaRPr lang="en-US"/>
           </a:p>
@@ -3175,7 +3311,7 @@
     </p:spTree>
     <p:extLst>
       <p:ext uri="{BB962C8B-B14F-4D97-AF65-F5344CB8AC3E}">
-        <p14:creationId xmlns:p14="http://schemas.microsoft.com/office/powerpoint/2010/main" val="3017761298"/>
+        <p14:creationId xmlns:p14="http://schemas.microsoft.com/office/powerpoint/2010/main" val="1238017320"/>
       </p:ext>
     </p:extLst>
   </p:cSld>
@@ -3190,13 +3326,7 @@
   <p:cSld>
     <p:spTree>
       <p:nvGrpSpPr>
-        <p:cNvPr id="1" name="">
-          <a:extLst>
-            <a:ext uri="{FF2B5EF4-FFF2-40B4-BE49-F238E27FC236}">
-              <a16:creationId xmlns:a16="http://schemas.microsoft.com/office/drawing/2014/main" id="{05C95657-30E9-95F4-C6C0-5C28484D0664}"/>
-            </a:ext>
-          </a:extLst>
-        </p:cNvPr>
+        <p:cNvPr id="1" name=""/>
         <p:cNvGrpSpPr/>
         <p:nvPr/>
       </p:nvGrpSpPr>
@@ -3210,13 +3340,7 @@
       </p:grpSpPr>
       <p:sp>
         <p:nvSpPr>
-          <p:cNvPr id="2" name="Slide Image Placeholder 1">
-            <a:extLst>
-              <a:ext uri="{FF2B5EF4-FFF2-40B4-BE49-F238E27FC236}">
-                <a16:creationId xmlns:a16="http://schemas.microsoft.com/office/drawing/2014/main" id="{7CB5C5A6-8EAD-E4A6-6234-BD89A680AE76}"/>
-              </a:ext>
-            </a:extLst>
-          </p:cNvPr>
+          <p:cNvPr id="2" name="Slide Image Placeholder 1"/>
           <p:cNvSpPr>
             <a:spLocks noGrp="1" noRot="1" noChangeAspect="1"/>
           </p:cNvSpPr>
@@ -3228,13 +3352,7 @@
       </p:sp>
       <p:sp>
         <p:nvSpPr>
-          <p:cNvPr id="3" name="Notes Placeholder 2">
-            <a:extLst>
-              <a:ext uri="{FF2B5EF4-FFF2-40B4-BE49-F238E27FC236}">
-                <a16:creationId xmlns:a16="http://schemas.microsoft.com/office/drawing/2014/main" id="{B028BF3C-7F56-4C72-F739-F2D950442DA7}"/>
-              </a:ext>
-            </a:extLst>
-          </p:cNvPr>
+          <p:cNvPr id="3" name="Notes Placeholder 2"/>
           <p:cNvSpPr>
             <a:spLocks noGrp="1"/>
           </p:cNvSpPr>
@@ -3253,13 +3371,7 @@
       </p:sp>
       <p:sp>
         <p:nvSpPr>
-          <p:cNvPr id="4" name="Slide Number Placeholder 3">
-            <a:extLst>
-              <a:ext uri="{FF2B5EF4-FFF2-40B4-BE49-F238E27FC236}">
-                <a16:creationId xmlns:a16="http://schemas.microsoft.com/office/drawing/2014/main" id="{325CDB28-298C-BC98-FB92-5805699B6995}"/>
-              </a:ext>
-            </a:extLst>
-          </p:cNvPr>
+          <p:cNvPr id="4" name="Slide Number Placeholder 3"/>
           <p:cNvSpPr>
             <a:spLocks noGrp="1"/>
           </p:cNvSpPr>
@@ -3283,7 +3395,7 @@
     </p:spTree>
     <p:extLst>
       <p:ext uri="{BB962C8B-B14F-4D97-AF65-F5344CB8AC3E}">
-        <p14:creationId xmlns:p14="http://schemas.microsoft.com/office/powerpoint/2010/main" val="1598719512"/>
+        <p14:creationId xmlns:p14="http://schemas.microsoft.com/office/powerpoint/2010/main" val="3017761298"/>
       </p:ext>
     </p:extLst>
   </p:cSld>
@@ -6491,6 +6603,100 @@
 </file>
 
 <file path=ppt/slides/slide1.xml><?xml version="1.0" encoding="utf-8"?>
+<p:sld xmlns:a="http://schemas.openxmlformats.org/drawingml/2006/main" xmlns:r="http://schemas.openxmlformats.org/officeDocument/2006/relationships" xmlns:p="http://schemas.openxmlformats.org/presentationml/2006/main" show="0">
+  <p:cSld>
+    <p:spTree>
+      <p:nvGrpSpPr>
+        <p:cNvPr id="1" name="">
+          <a:extLst>
+            <a:ext uri="{FF2B5EF4-FFF2-40B4-BE49-F238E27FC236}">
+              <a16:creationId xmlns:a16="http://schemas.microsoft.com/office/drawing/2014/main" id="{66D9FFCC-D2B3-76B6-AE71-24191A634338}"/>
+            </a:ext>
+          </a:extLst>
+        </p:cNvPr>
+        <p:cNvGrpSpPr/>
+        <p:nvPr/>
+      </p:nvGrpSpPr>
+      <p:grpSpPr>
+        <a:xfrm>
+          <a:off x="0" y="0"/>
+          <a:ext cx="0" cy="0"/>
+          <a:chOff x="0" y="0"/>
+          <a:chExt cx="0" cy="0"/>
+        </a:xfrm>
+      </p:grpSpPr>
+      <p:sp>
+        <p:nvSpPr>
+          <p:cNvPr id="2" name="Title 1">
+            <a:extLst>
+              <a:ext uri="{FF2B5EF4-FFF2-40B4-BE49-F238E27FC236}">
+                <a16:creationId xmlns:a16="http://schemas.microsoft.com/office/drawing/2014/main" id="{B4F4B7F9-3E89-A005-2B59-C7A8E56673AA}"/>
+              </a:ext>
+            </a:extLst>
+          </p:cNvPr>
+          <p:cNvSpPr>
+            <a:spLocks noGrp="1"/>
+          </p:cNvSpPr>
+          <p:nvPr>
+            <p:ph type="ctrTitle"/>
+          </p:nvPr>
+        </p:nvSpPr>
+        <p:spPr/>
+        <p:txBody>
+          <a:bodyPr/>
+          <a:lstStyle/>
+          <a:p>
+            <a:r>
+              <a:rPr lang="en-US" dirty="0"/>
+              <a:t>Rest</a:t>
+            </a:r>
+            <a:r>
+              <a:rPr lang="en-US" baseline="0" dirty="0"/>
+              <a:t> Calls</a:t>
+            </a:r>
+            <a:endParaRPr lang="en-US" dirty="0"/>
+          </a:p>
+        </p:txBody>
+      </p:sp>
+      <p:sp>
+        <p:nvSpPr>
+          <p:cNvPr id="3" name="Subtitle 2">
+            <a:extLst>
+              <a:ext uri="{FF2B5EF4-FFF2-40B4-BE49-F238E27FC236}">
+                <a16:creationId xmlns:a16="http://schemas.microsoft.com/office/drawing/2014/main" id="{80631A7C-E01E-CF84-2E1E-85A39F8DC0DD}"/>
+              </a:ext>
+            </a:extLst>
+          </p:cNvPr>
+          <p:cNvSpPr>
+            <a:spLocks noGrp="1"/>
+          </p:cNvSpPr>
+          <p:nvPr>
+            <p:ph type="subTitle" idx="1"/>
+          </p:nvPr>
+        </p:nvSpPr>
+        <p:spPr/>
+        <p:txBody>
+          <a:bodyPr/>
+          <a:lstStyle/>
+          <a:p>
+            <a:endParaRPr lang="en-US"/>
+          </a:p>
+        </p:txBody>
+      </p:sp>
+    </p:spTree>
+    <p:extLst>
+      <p:ext uri="{BB962C8B-B14F-4D97-AF65-F5344CB8AC3E}">
+        <p14:creationId xmlns:p14="http://schemas.microsoft.com/office/powerpoint/2010/main" val="376317129"/>
+      </p:ext>
+    </p:extLst>
+  </p:cSld>
+  <p:clrMapOvr>
+    <a:masterClrMapping/>
+  </p:clrMapOvr>
+</p:sld>
+</file>
+
+<file path=ppt/slides/slide10.xml><?xml version="1.0" encoding="utf-8"?>
 <p:sld xmlns:a="http://schemas.openxmlformats.org/drawingml/2006/main" xmlns:r="http://schemas.openxmlformats.org/officeDocument/2006/relationships" xmlns:p="http://schemas.openxmlformats.org/presentationml/2006/main">
   <p:cSld>
     <p:spTree>
@@ -6512,7 +6718,7 @@
           <p:cNvPr id="2" name="Title 1">
             <a:extLst>
               <a:ext uri="{FF2B5EF4-FFF2-40B4-BE49-F238E27FC236}">
-                <a16:creationId xmlns:a16="http://schemas.microsoft.com/office/drawing/2014/main" id="{35942E61-76FD-D1D5-E1DD-F386567DA7E6}"/>
+                <a16:creationId xmlns:a16="http://schemas.microsoft.com/office/drawing/2014/main" id="{F4907F97-142A-AC9E-14EB-D84B3929F049}"/>
               </a:ext>
             </a:extLst>
           </p:cNvPr>
@@ -6520,7 +6726,7 @@
             <a:spLocks noGrp="1"/>
           </p:cNvSpPr>
           <p:nvPr>
-            <p:ph type="ctrTitle"/>
+            <p:ph type="title"/>
           </p:nvPr>
         </p:nvSpPr>
         <p:spPr/>
@@ -6529,23 +6735,18 @@
           <a:lstStyle/>
           <a:p>
             <a:r>
-              <a:rPr lang="en-US" dirty="0"/>
-              <a:t>Rest</a:t>
-            </a:r>
-            <a:r>
-              <a:rPr lang="en-US" baseline="0" dirty="0"/>
-              <a:t> Calls</a:t>
-            </a:r>
-            <a:endParaRPr lang="en-US" dirty="0"/>
+              <a:rPr lang="en-US"/>
+              <a:t>The story so far</a:t>
+            </a:r>
           </a:p>
         </p:txBody>
       </p:sp>
       <p:sp>
         <p:nvSpPr>
-          <p:cNvPr id="3" name="Subtitle 2">
-            <a:extLst>
-              <a:ext uri="{FF2B5EF4-FFF2-40B4-BE49-F238E27FC236}">
-                <a16:creationId xmlns:a16="http://schemas.microsoft.com/office/drawing/2014/main" id="{946D131D-A9A2-E833-90CF-10760F529A39}"/>
+          <p:cNvPr id="3" name="Content Placeholder 2">
+            <a:extLst>
+              <a:ext uri="{FF2B5EF4-FFF2-40B4-BE49-F238E27FC236}">
+                <a16:creationId xmlns:a16="http://schemas.microsoft.com/office/drawing/2014/main" id="{D2D2489B-2A1E-81A0-DF02-4BD06E1C44F5}"/>
               </a:ext>
             </a:extLst>
           </p:cNvPr>
@@ -6553,7 +6754,7 @@
             <a:spLocks noGrp="1"/>
           </p:cNvSpPr>
           <p:nvPr>
-            <p:ph type="subTitle" idx="1"/>
+            <p:ph idx="1"/>
           </p:nvPr>
         </p:nvSpPr>
         <p:spPr/>
@@ -6561,6 +6762,24 @@
           <a:bodyPr/>
           <a:lstStyle/>
           <a:p>
+            <a:r>
+              <a:rPr lang="en-US"/>
+              <a:t>Lada: lead developer working on the message bot application</a:t>
+            </a:r>
+          </a:p>
+          <a:p>
+            <a:r>
+              <a:rPr lang="en-US"/>
+              <a:t>Llewellyn: technical coach working with Lada and work on some tests</a:t>
+            </a:r>
+          </a:p>
+          <a:p>
+            <a:endParaRPr lang="en-US"/>
+          </a:p>
+          <a:p>
+            <a:pPr marL="0" indent="0">
+              <a:buNone/>
+            </a:pPr>
             <a:endParaRPr lang="en-US"/>
           </a:p>
         </p:txBody>
@@ -6568,7 +6787,7 @@
     </p:spTree>
     <p:extLst>
       <p:ext uri="{BB962C8B-B14F-4D97-AF65-F5344CB8AC3E}">
-        <p14:creationId xmlns:p14="http://schemas.microsoft.com/office/powerpoint/2010/main" val="656840027"/>
+        <p14:creationId xmlns:p14="http://schemas.microsoft.com/office/powerpoint/2010/main" val="1468141689"/>
       </p:ext>
     </p:extLst>
   </p:cSld>
@@ -6578,7 +6797,102 @@
 </p:sld>
 </file>
 
-<file path=ppt/slides/slide10.xml><?xml version="1.0" encoding="utf-8"?>
+<file path=ppt/slides/slide11.xml><?xml version="1.0" encoding="utf-8"?>
+<p:sld xmlns:a="http://schemas.openxmlformats.org/drawingml/2006/main" xmlns:r="http://schemas.openxmlformats.org/officeDocument/2006/relationships" xmlns:p="http://schemas.openxmlformats.org/presentationml/2006/main">
+  <p:cSld>
+    <p:spTree>
+      <p:nvGrpSpPr>
+        <p:cNvPr id="1" name=""/>
+        <p:cNvGrpSpPr/>
+        <p:nvPr/>
+      </p:nvGrpSpPr>
+      <p:grpSpPr>
+        <a:xfrm>
+          <a:off x="0" y="0"/>
+          <a:ext cx="0" cy="0"/>
+          <a:chOff x="0" y="0"/>
+          <a:chExt cx="0" cy="0"/>
+        </a:xfrm>
+      </p:grpSpPr>
+      <p:pic>
+        <p:nvPicPr>
+          <p:cNvPr id="3" name="Picture 2" descr="A screenshot of a computer code&#10;&#10;Description automatically generated">
+            <a:extLst>
+              <a:ext uri="{FF2B5EF4-FFF2-40B4-BE49-F238E27FC236}">
+                <a16:creationId xmlns:a16="http://schemas.microsoft.com/office/drawing/2014/main" id="{292AF426-4C5F-6717-8C1E-418AD6902791}"/>
+              </a:ext>
+            </a:extLst>
+          </p:cNvPr>
+          <p:cNvPicPr>
+            <a:picLocks noChangeAspect="1"/>
+          </p:cNvPicPr>
+          <p:nvPr/>
+        </p:nvPicPr>
+        <p:blipFill>
+          <a:blip r:embed="rId3"/>
+          <a:stretch>
+            <a:fillRect/>
+          </a:stretch>
+        </p:blipFill>
+        <p:spPr>
+          <a:xfrm>
+            <a:off x="1783080" y="1223124"/>
+            <a:ext cx="7772400" cy="3920058"/>
+          </a:xfrm>
+          <a:prstGeom prst="rect">
+            <a:avLst/>
+          </a:prstGeom>
+        </p:spPr>
+      </p:pic>
+      <p:sp>
+        <p:nvSpPr>
+          <p:cNvPr id="6" name="TextBox 5">
+            <a:extLst>
+              <a:ext uri="{FF2B5EF4-FFF2-40B4-BE49-F238E27FC236}">
+                <a16:creationId xmlns:a16="http://schemas.microsoft.com/office/drawing/2014/main" id="{6672AABC-B250-4F6F-DF17-FA210C3816AD}"/>
+              </a:ext>
+            </a:extLst>
+          </p:cNvPr>
+          <p:cNvSpPr txBox="1"/>
+          <p:nvPr/>
+        </p:nvSpPr>
+        <p:spPr>
+          <a:xfrm>
+            <a:off x="1490472" y="292608"/>
+            <a:ext cx="1341393" cy="369332"/>
+          </a:xfrm>
+          <a:prstGeom prst="rect">
+            <a:avLst/>
+          </a:prstGeom>
+          <a:noFill/>
+        </p:spPr>
+        <p:txBody>
+          <a:bodyPr wrap="none" rtlCol="0">
+            <a:spAutoFit/>
+          </a:bodyPr>
+          <a:lstStyle/>
+          <a:p>
+            <a:r>
+              <a:rPr lang="en-US"/>
+              <a:t>Original Test</a:t>
+            </a:r>
+          </a:p>
+        </p:txBody>
+      </p:sp>
+    </p:spTree>
+    <p:extLst>
+      <p:ext uri="{BB962C8B-B14F-4D97-AF65-F5344CB8AC3E}">
+        <p14:creationId xmlns:p14="http://schemas.microsoft.com/office/powerpoint/2010/main" val="4192315940"/>
+      </p:ext>
+    </p:extLst>
+  </p:cSld>
+  <p:clrMapOvr>
+    <a:masterClrMapping/>
+  </p:clrMapOvr>
+</p:sld>
+</file>
+
+<file path=ppt/slides/slide12.xml><?xml version="1.0" encoding="utf-8"?>
 <p:sld xmlns:a="http://schemas.openxmlformats.org/drawingml/2006/main" xmlns:r="http://schemas.openxmlformats.org/officeDocument/2006/relationships" xmlns:p="http://schemas.openxmlformats.org/presentationml/2006/main">
   <p:cSld>
     <p:spTree>
@@ -6835,7 +7149,7 @@
 </p:sld>
 </file>
 
-<file path=ppt/slides/slide11.xml><?xml version="1.0" encoding="utf-8"?>
+<file path=ppt/slides/slide13.xml><?xml version="1.0" encoding="utf-8"?>
 <p:sld xmlns:a="http://schemas.openxmlformats.org/drawingml/2006/main" xmlns:r="http://schemas.openxmlformats.org/officeDocument/2006/relationships" xmlns:p="http://schemas.openxmlformats.org/presentationml/2006/main">
   <p:cSld>
     <p:spTree>
@@ -7138,7 +7452,7 @@
 </p:sld>
 </file>
 
-<file path=ppt/slides/slide12.xml><?xml version="1.0" encoding="utf-8"?>
+<file path=ppt/slides/slide14.xml><?xml version="1.0" encoding="utf-8"?>
 <p:sld xmlns:a="http://schemas.openxmlformats.org/drawingml/2006/main" xmlns:r="http://schemas.openxmlformats.org/officeDocument/2006/relationships" xmlns:p="http://schemas.openxmlformats.org/presentationml/2006/main">
   <p:cSld>
     <p:spTree>
@@ -7203,7 +7517,7 @@
 </p:sld>
 </file>
 
-<file path=ppt/slides/slide13.xml><?xml version="1.0" encoding="utf-8"?>
+<file path=ppt/slides/slide15.xml><?xml version="1.0" encoding="utf-8"?>
 <p:sld xmlns:a="http://schemas.openxmlformats.org/drawingml/2006/main" xmlns:r="http://schemas.openxmlformats.org/officeDocument/2006/relationships" xmlns:p="http://schemas.openxmlformats.org/presentationml/2006/main">
   <p:cSld>
     <p:spTree>
@@ -7780,7 +8094,7 @@
 </p:sld>
 </file>
 
-<file path=ppt/slides/slide14.xml><?xml version="1.0" encoding="utf-8"?>
+<file path=ppt/slides/slide16.xml><?xml version="1.0" encoding="utf-8"?>
 <p:sld xmlns:a="http://schemas.openxmlformats.org/drawingml/2006/main" xmlns:r="http://schemas.openxmlformats.org/officeDocument/2006/relationships" xmlns:p="http://schemas.openxmlformats.org/presentationml/2006/main">
   <p:cSld>
     <p:spTree>
@@ -7924,7 +8238,7 @@
 </p:sld>
 </file>
 
-<file path=ppt/slides/slide15.xml><?xml version="1.0" encoding="utf-8"?>
+<file path=ppt/slides/slide17.xml><?xml version="1.0" encoding="utf-8"?>
 <p:sld xmlns:a="http://schemas.openxmlformats.org/drawingml/2006/main" xmlns:r="http://schemas.openxmlformats.org/officeDocument/2006/relationships" xmlns:p="http://schemas.openxmlformats.org/presentationml/2006/main">
   <p:cSld>
     <p:spTree>
@@ -8342,7 +8656,7 @@
 </p:sld>
 </file>
 
-<file path=ppt/slides/slide16.xml><?xml version="1.0" encoding="utf-8"?>
+<file path=ppt/slides/slide18.xml><?xml version="1.0" encoding="utf-8"?>
 <p:sld xmlns:a="http://schemas.openxmlformats.org/drawingml/2006/main" xmlns:r="http://schemas.openxmlformats.org/officeDocument/2006/relationships" xmlns:p="http://schemas.openxmlformats.org/presentationml/2006/main">
   <p:cSld>
     <p:spTree>
@@ -8483,7 +8797,7 @@
 </p:sld>
 </file>
 
-<file path=ppt/slides/slide17.xml><?xml version="1.0" encoding="utf-8"?>
+<file path=ppt/slides/slide19.xml><?xml version="1.0" encoding="utf-8"?>
 <p:sld xmlns:a="http://schemas.openxmlformats.org/drawingml/2006/main" xmlns:r="http://schemas.openxmlformats.org/officeDocument/2006/relationships" xmlns:p="http://schemas.openxmlformats.org/presentationml/2006/main">
   <p:cSld>
     <p:spTree>
@@ -9900,7 +10214,144 @@
 </p:sld>
 </file>
 
-<file path=ppt/slides/slide18.xml><?xml version="1.0" encoding="utf-8"?>
+<file path=ppt/slides/slide2.xml><?xml version="1.0" encoding="utf-8"?>
+<p:sld xmlns:a="http://schemas.openxmlformats.org/drawingml/2006/main" xmlns:r="http://schemas.openxmlformats.org/officeDocument/2006/relationships" xmlns:p="http://schemas.openxmlformats.org/presentationml/2006/main" show="0">
+  <p:cSld>
+    <p:spTree>
+      <p:nvGrpSpPr>
+        <p:cNvPr id="1" name=""/>
+        <p:cNvGrpSpPr/>
+        <p:nvPr/>
+      </p:nvGrpSpPr>
+      <p:grpSpPr>
+        <a:xfrm>
+          <a:off x="0" y="0"/>
+          <a:ext cx="0" cy="0"/>
+          <a:chOff x="0" y="0"/>
+          <a:chExt cx="0" cy="0"/>
+        </a:xfrm>
+      </p:grpSpPr>
+      <p:sp>
+        <p:nvSpPr>
+          <p:cNvPr id="2" name="Title 1">
+            <a:extLst>
+              <a:ext uri="{FF2B5EF4-FFF2-40B4-BE49-F238E27FC236}">
+                <a16:creationId xmlns:a16="http://schemas.microsoft.com/office/drawing/2014/main" id="{29C471DD-9850-AEF3-E979-3529F726CAD1}"/>
+              </a:ext>
+            </a:extLst>
+          </p:cNvPr>
+          <p:cNvSpPr>
+            <a:spLocks noGrp="1"/>
+          </p:cNvSpPr>
+          <p:nvPr>
+            <p:ph type="title"/>
+          </p:nvPr>
+        </p:nvSpPr>
+        <p:spPr/>
+        <p:txBody>
+          <a:bodyPr/>
+          <a:lstStyle/>
+          <a:p>
+            <a:endParaRPr lang="en-US"/>
+          </a:p>
+        </p:txBody>
+      </p:sp>
+      <p:sp>
+        <p:nvSpPr>
+          <p:cNvPr id="3" name="Content Placeholder 2">
+            <a:extLst>
+              <a:ext uri="{FF2B5EF4-FFF2-40B4-BE49-F238E27FC236}">
+                <a16:creationId xmlns:a16="http://schemas.microsoft.com/office/drawing/2014/main" id="{3187DB28-AC61-27AC-4FFD-0A76E40A3EF1}"/>
+              </a:ext>
+            </a:extLst>
+          </p:cNvPr>
+          <p:cNvSpPr>
+            <a:spLocks noGrp="1"/>
+          </p:cNvSpPr>
+          <p:nvPr>
+            <p:ph idx="1"/>
+          </p:nvPr>
+        </p:nvSpPr>
+        <p:spPr/>
+        <p:txBody>
+          <a:bodyPr/>
+          <a:lstStyle/>
+          <a:p>
+            <a:r>
+              <a:rPr lang="en-US"/>
+              <a:t>Consider paths we took:</a:t>
+            </a:r>
+          </a:p>
+          <a:p>
+            <a:pPr lvl="1"/>
+            <a:r>
+              <a:rPr lang="en-US"/>
+              <a:t>wordy Java tests</a:t>
+            </a:r>
+          </a:p>
+          <a:p>
+            <a:pPr lvl="1"/>
+            <a:r>
+              <a:rPr lang="en-US"/>
+              <a:t>made a printer </a:t>
+            </a:r>
+          </a:p>
+          <a:p>
+            <a:pPr lvl="1"/>
+            <a:r>
+              <a:rPr lang="en-US"/>
+              <a:t>made a good printer – not a json: Json test // TODO the json tests</a:t>
+            </a:r>
+          </a:p>
+          <a:p>
+            <a:pPr lvl="1"/>
+            <a:r>
+              <a:rPr lang="en-US"/>
+              <a:t>made the inlining – makes it easier to read the whole test better</a:t>
+            </a:r>
+          </a:p>
+          <a:p>
+            <a:pPr lvl="1"/>
+            <a:r>
+              <a:rPr lang="en-US"/>
+              <a:t>did multiple conversations</a:t>
+            </a:r>
+          </a:p>
+          <a:p>
+            <a:pPr lvl="1"/>
+            <a:r>
+              <a:rPr lang="en-US"/>
+              <a:t>now we can see individual tests, but we can’t see the big picture – so we moved it to the uber test – can delete the other files</a:t>
+            </a:r>
+          </a:p>
+          <a:p>
+            <a:pPr lvl="1"/>
+            <a:endParaRPr lang="en-US"/>
+          </a:p>
+          <a:p>
+            <a:pPr lvl="1"/>
+            <a:endParaRPr lang="en-US"/>
+          </a:p>
+          <a:p>
+            <a:pPr lvl="1"/>
+            <a:endParaRPr lang="en-US"/>
+          </a:p>
+        </p:txBody>
+      </p:sp>
+    </p:spTree>
+    <p:extLst>
+      <p:ext uri="{BB962C8B-B14F-4D97-AF65-F5344CB8AC3E}">
+        <p14:creationId xmlns:p14="http://schemas.microsoft.com/office/powerpoint/2010/main" val="2442545096"/>
+      </p:ext>
+    </p:extLst>
+  </p:cSld>
+  <p:clrMapOvr>
+    <a:masterClrMapping/>
+  </p:clrMapOvr>
+</p:sld>
+</file>
+
+<file path=ppt/slides/slide20.xml><?xml version="1.0" encoding="utf-8"?>
 <p:sld xmlns:a="http://schemas.openxmlformats.org/drawingml/2006/main" xmlns:r="http://schemas.openxmlformats.org/officeDocument/2006/relationships" xmlns:p="http://schemas.openxmlformats.org/presentationml/2006/main">
   <p:cSld>
     <p:spTree>
@@ -10386,7 +10837,7 @@
 </p:sld>
 </file>
 
-<file path=ppt/slides/slide19.xml><?xml version="1.0" encoding="utf-8"?>
+<file path=ppt/slides/slide21.xml><?xml version="1.0" encoding="utf-8"?>
 <p:sld xmlns:a="http://schemas.openxmlformats.org/drawingml/2006/main" xmlns:r="http://schemas.openxmlformats.org/officeDocument/2006/relationships" xmlns:p="http://schemas.openxmlformats.org/presentationml/2006/main">
   <p:cSld>
     <p:spTree>
@@ -10487,144 +10938,7 @@
 </p:sld>
 </file>
 
-<file path=ppt/slides/slide2.xml><?xml version="1.0" encoding="utf-8"?>
-<p:sld xmlns:a="http://schemas.openxmlformats.org/drawingml/2006/main" xmlns:r="http://schemas.openxmlformats.org/officeDocument/2006/relationships" xmlns:p="http://schemas.openxmlformats.org/presentationml/2006/main">
-  <p:cSld>
-    <p:spTree>
-      <p:nvGrpSpPr>
-        <p:cNvPr id="1" name=""/>
-        <p:cNvGrpSpPr/>
-        <p:nvPr/>
-      </p:nvGrpSpPr>
-      <p:grpSpPr>
-        <a:xfrm>
-          <a:off x="0" y="0"/>
-          <a:ext cx="0" cy="0"/>
-          <a:chOff x="0" y="0"/>
-          <a:chExt cx="0" cy="0"/>
-        </a:xfrm>
-      </p:grpSpPr>
-      <p:sp>
-        <p:nvSpPr>
-          <p:cNvPr id="2" name="Title 1">
-            <a:extLst>
-              <a:ext uri="{FF2B5EF4-FFF2-40B4-BE49-F238E27FC236}">
-                <a16:creationId xmlns:a16="http://schemas.microsoft.com/office/drawing/2014/main" id="{29C471DD-9850-AEF3-E979-3529F726CAD1}"/>
-              </a:ext>
-            </a:extLst>
-          </p:cNvPr>
-          <p:cNvSpPr>
-            <a:spLocks noGrp="1"/>
-          </p:cNvSpPr>
-          <p:nvPr>
-            <p:ph type="title"/>
-          </p:nvPr>
-        </p:nvSpPr>
-        <p:spPr/>
-        <p:txBody>
-          <a:bodyPr/>
-          <a:lstStyle/>
-          <a:p>
-            <a:endParaRPr lang="en-US"/>
-          </a:p>
-        </p:txBody>
-      </p:sp>
-      <p:sp>
-        <p:nvSpPr>
-          <p:cNvPr id="3" name="Content Placeholder 2">
-            <a:extLst>
-              <a:ext uri="{FF2B5EF4-FFF2-40B4-BE49-F238E27FC236}">
-                <a16:creationId xmlns:a16="http://schemas.microsoft.com/office/drawing/2014/main" id="{3187DB28-AC61-27AC-4FFD-0A76E40A3EF1}"/>
-              </a:ext>
-            </a:extLst>
-          </p:cNvPr>
-          <p:cNvSpPr>
-            <a:spLocks noGrp="1"/>
-          </p:cNvSpPr>
-          <p:nvPr>
-            <p:ph idx="1"/>
-          </p:nvPr>
-        </p:nvSpPr>
-        <p:spPr/>
-        <p:txBody>
-          <a:bodyPr/>
-          <a:lstStyle/>
-          <a:p>
-            <a:r>
-              <a:rPr lang="en-US"/>
-              <a:t>Consider paths we took:</a:t>
-            </a:r>
-          </a:p>
-          <a:p>
-            <a:pPr lvl="1"/>
-            <a:r>
-              <a:rPr lang="en-US"/>
-              <a:t>wordy Java tests</a:t>
-            </a:r>
-          </a:p>
-          <a:p>
-            <a:pPr lvl="1"/>
-            <a:r>
-              <a:rPr lang="en-US"/>
-              <a:t>made a printer </a:t>
-            </a:r>
-          </a:p>
-          <a:p>
-            <a:pPr lvl="1"/>
-            <a:r>
-              <a:rPr lang="en-US"/>
-              <a:t>made a good printer – not a json: Json test // TODO the json tests</a:t>
-            </a:r>
-          </a:p>
-          <a:p>
-            <a:pPr lvl="1"/>
-            <a:r>
-              <a:rPr lang="en-US"/>
-              <a:t>made the inlining – makes it easier to read the whole test better</a:t>
-            </a:r>
-          </a:p>
-          <a:p>
-            <a:pPr lvl="1"/>
-            <a:r>
-              <a:rPr lang="en-US"/>
-              <a:t>did multiple conversations</a:t>
-            </a:r>
-          </a:p>
-          <a:p>
-            <a:pPr lvl="1"/>
-            <a:r>
-              <a:rPr lang="en-US"/>
-              <a:t>now we can see individual tests, but we can’t see the big picture – so we moved it to the uber test – can delete the other files</a:t>
-            </a:r>
-          </a:p>
-          <a:p>
-            <a:pPr lvl="1"/>
-            <a:endParaRPr lang="en-US"/>
-          </a:p>
-          <a:p>
-            <a:pPr lvl="1"/>
-            <a:endParaRPr lang="en-US"/>
-          </a:p>
-          <a:p>
-            <a:pPr lvl="1"/>
-            <a:endParaRPr lang="en-US"/>
-          </a:p>
-        </p:txBody>
-      </p:sp>
-    </p:spTree>
-    <p:extLst>
-      <p:ext uri="{BB962C8B-B14F-4D97-AF65-F5344CB8AC3E}">
-        <p14:creationId xmlns:p14="http://schemas.microsoft.com/office/powerpoint/2010/main" val="2442545096"/>
-      </p:ext>
-    </p:extLst>
-  </p:cSld>
-  <p:clrMapOvr>
-    <a:masterClrMapping/>
-  </p:clrMapOvr>
-</p:sld>
-</file>
-
-<file path=ppt/slides/slide20.xml><?xml version="1.0" encoding="utf-8"?>
+<file path=ppt/slides/slide22.xml><?xml version="1.0" encoding="utf-8"?>
 <p:sld xmlns:a="http://schemas.openxmlformats.org/drawingml/2006/main" xmlns:r="http://schemas.openxmlformats.org/officeDocument/2006/relationships" xmlns:p="http://schemas.openxmlformats.org/presentationml/2006/main">
   <p:cSld>
     <p:spTree>
@@ -11038,7 +11352,7 @@
 </p:sld>
 </file>
 
-<file path=ppt/slides/slide21.xml><?xml version="1.0" encoding="utf-8"?>
+<file path=ppt/slides/slide23.xml><?xml version="1.0" encoding="utf-8"?>
 <p:sld xmlns:a="http://schemas.openxmlformats.org/drawingml/2006/main" xmlns:r="http://schemas.openxmlformats.org/officeDocument/2006/relationships" xmlns:p="http://schemas.openxmlformats.org/presentationml/2006/main">
   <p:cSld>
     <p:spTree>
@@ -11104,7 +11418,7 @@
 </p:sld>
 </file>
 
-<file path=ppt/slides/slide22.xml><?xml version="1.0" encoding="utf-8"?>
+<file path=ppt/slides/slide24.xml><?xml version="1.0" encoding="utf-8"?>
 <p:sld xmlns:a="http://schemas.openxmlformats.org/drawingml/2006/main" xmlns:r="http://schemas.openxmlformats.org/officeDocument/2006/relationships" xmlns:p="http://schemas.openxmlformats.org/presentationml/2006/main">
   <p:cSld>
     <p:spTree>
@@ -11518,7 +11832,7 @@
 </p:sld>
 </file>
 
-<file path=ppt/slides/slide23.xml><?xml version="1.0" encoding="utf-8"?>
+<file path=ppt/slides/slide25.xml><?xml version="1.0" encoding="utf-8"?>
 <p:sld xmlns:a="http://schemas.openxmlformats.org/drawingml/2006/main" xmlns:r="http://schemas.openxmlformats.org/officeDocument/2006/relationships" xmlns:p="http://schemas.openxmlformats.org/presentationml/2006/main">
   <p:cSld>
     <p:spTree>
@@ -11924,7 +12238,7 @@
 </p:sld>
 </file>
 
-<file path=ppt/slides/slide24.xml><?xml version="1.0" encoding="utf-8"?>
+<file path=ppt/slides/slide26.xml><?xml version="1.0" encoding="utf-8"?>
 <p:sld xmlns:a="http://schemas.openxmlformats.org/drawingml/2006/main" xmlns:r="http://schemas.openxmlformats.org/officeDocument/2006/relationships" xmlns:p="http://schemas.openxmlformats.org/presentationml/2006/main">
   <p:cSld>
     <p:spTree>
@@ -12153,7 +12467,7 @@
 </p:sld>
 </file>
 
-<file path=ppt/slides/slide25.xml><?xml version="1.0" encoding="utf-8"?>
+<file path=ppt/slides/slide27.xml><?xml version="1.0" encoding="utf-8"?>
 <p:sld xmlns:a="http://schemas.openxmlformats.org/drawingml/2006/main" xmlns:r="http://schemas.openxmlformats.org/officeDocument/2006/relationships" xmlns:p="http://schemas.openxmlformats.org/presentationml/2006/main">
   <p:cSld>
     <p:spTree>
@@ -12379,7 +12693,7 @@
 </p:sld>
 </file>
 
-<file path=ppt/slides/slide26.xml><?xml version="1.0" encoding="utf-8"?>
+<file path=ppt/slides/slide28.xml><?xml version="1.0" encoding="utf-8"?>
 <p:sld xmlns:a="http://schemas.openxmlformats.org/drawingml/2006/main" xmlns:r="http://schemas.openxmlformats.org/officeDocument/2006/relationships" xmlns:p="http://schemas.openxmlformats.org/presentationml/2006/main">
   <p:cSld>
     <p:spTree>
@@ -12445,7 +12759,7 @@
 </p:sld>
 </file>
 
-<file path=ppt/slides/slide27.xml><?xml version="1.0" encoding="utf-8"?>
+<file path=ppt/slides/slide29.xml><?xml version="1.0" encoding="utf-8"?>
 <p:sld xmlns:a="http://schemas.openxmlformats.org/drawingml/2006/main" xmlns:r="http://schemas.openxmlformats.org/officeDocument/2006/relationships" xmlns:p="http://schemas.openxmlformats.org/presentationml/2006/main">
   <p:cSld>
     <p:spTree>
@@ -12674,7 +12988,1583 @@
 </p:sld>
 </file>
 
-<file path=ppt/slides/slide28.xml><?xml version="1.0" encoding="utf-8"?>
+<file path=ppt/slides/slide3.xml><?xml version="1.0" encoding="utf-8"?>
+<p:sld xmlns:a="http://schemas.openxmlformats.org/drawingml/2006/main" xmlns:r="http://schemas.openxmlformats.org/officeDocument/2006/relationships" xmlns:p="http://schemas.openxmlformats.org/presentationml/2006/main" show="0">
+  <p:cSld>
+    <p:spTree>
+      <p:nvGrpSpPr>
+        <p:cNvPr id="1" name=""/>
+        <p:cNvGrpSpPr/>
+        <p:nvPr/>
+      </p:nvGrpSpPr>
+      <p:grpSpPr>
+        <a:xfrm>
+          <a:off x="0" y="0"/>
+          <a:ext cx="0" cy="0"/>
+          <a:chOff x="0" y="0"/>
+          <a:chExt cx="0" cy="0"/>
+        </a:xfrm>
+      </p:grpSpPr>
+      <p:sp>
+        <p:nvSpPr>
+          <p:cNvPr id="2" name="Title 1">
+            <a:extLst>
+              <a:ext uri="{FF2B5EF4-FFF2-40B4-BE49-F238E27FC236}">
+                <a16:creationId xmlns:a16="http://schemas.microsoft.com/office/drawing/2014/main" id="{5FDF8E1D-0B99-4C64-504D-96FFBC67709F}"/>
+              </a:ext>
+            </a:extLst>
+          </p:cNvPr>
+          <p:cNvSpPr>
+            <a:spLocks noGrp="1"/>
+          </p:cNvSpPr>
+          <p:nvPr>
+            <p:ph type="title"/>
+          </p:nvPr>
+        </p:nvSpPr>
+        <p:spPr/>
+        <p:txBody>
+          <a:bodyPr/>
+          <a:lstStyle/>
+          <a:p>
+            <a:r>
+              <a:rPr lang="en-US" dirty="0"/>
+              <a:t>Original</a:t>
+            </a:r>
+          </a:p>
+        </p:txBody>
+      </p:sp>
+      <p:sp>
+        <p:nvSpPr>
+          <p:cNvPr id="3" name="Content Placeholder 2">
+            <a:extLst>
+              <a:ext uri="{FF2B5EF4-FFF2-40B4-BE49-F238E27FC236}">
+                <a16:creationId xmlns:a16="http://schemas.microsoft.com/office/drawing/2014/main" id="{3618D96A-1571-1C4D-9574-BEAFBAC5E719}"/>
+              </a:ext>
+            </a:extLst>
+          </p:cNvPr>
+          <p:cNvSpPr>
+            <a:spLocks noGrp="1"/>
+          </p:cNvSpPr>
+          <p:nvPr>
+            <p:ph idx="1"/>
+          </p:nvPr>
+        </p:nvSpPr>
+        <p:spPr>
+          <a:xfrm>
+            <a:off x="838200" y="1825625"/>
+            <a:ext cx="11049000" cy="4351338"/>
+          </a:xfrm>
+        </p:spPr>
+        <p:txBody>
+          <a:bodyPr>
+            <a:noAutofit/>
+          </a:bodyPr>
+          <a:lstStyle/>
+          <a:p>
+            <a:pPr marL="0" indent="0">
+              <a:buNone/>
+            </a:pPr>
+            <a:br>
+              <a:rPr lang="en-US" sz="800" dirty="0">
+                <a:solidFill>
+                  <a:srgbClr val="080808"/>
+                </a:solidFill>
+                <a:effectLst/>
+                <a:latin typeface="Fira Code" pitchFamily="49" charset="0"/>
+                <a:ea typeface="Fira Code" pitchFamily="49" charset="0"/>
+                <a:cs typeface="Fira Code" pitchFamily="49" charset="0"/>
+              </a:rPr>
+            </a:br>
+            <a:r>
+              <a:rPr lang="en-US" sz="800" dirty="0">
+                <a:solidFill>
+                  <a:srgbClr val="9E880D"/>
+                </a:solidFill>
+                <a:effectLst/>
+                <a:latin typeface="Fira Code" pitchFamily="49" charset="0"/>
+                <a:ea typeface="Fira Code" pitchFamily="49" charset="0"/>
+                <a:cs typeface="Fira Code" pitchFamily="49" charset="0"/>
+              </a:rPr>
+              <a:t>@Test</a:t>
+            </a:r>
+            <a:br>
+              <a:rPr lang="en-US" sz="800" dirty="0">
+                <a:solidFill>
+                  <a:srgbClr val="9E880D"/>
+                </a:solidFill>
+                <a:effectLst/>
+                <a:latin typeface="Fira Code" pitchFamily="49" charset="0"/>
+                <a:ea typeface="Fira Code" pitchFamily="49" charset="0"/>
+                <a:cs typeface="Fira Code" pitchFamily="49" charset="0"/>
+              </a:rPr>
+            </a:br>
+            <a:r>
+              <a:rPr lang="en-US" sz="800" dirty="0">
+                <a:solidFill>
+                  <a:srgbClr val="0033B3"/>
+                </a:solidFill>
+                <a:effectLst/>
+                <a:latin typeface="Fira Code" pitchFamily="49" charset="0"/>
+                <a:ea typeface="Fira Code" pitchFamily="49" charset="0"/>
+                <a:cs typeface="Fira Code" pitchFamily="49" charset="0"/>
+              </a:rPr>
+              <a:t>public void </a:t>
+            </a:r>
+            <a:r>
+              <a:rPr lang="en-US" sz="800" dirty="0" err="1">
+                <a:solidFill>
+                  <a:srgbClr val="00627A"/>
+                </a:solidFill>
+                <a:effectLst/>
+                <a:latin typeface="Fira Code" pitchFamily="49" charset="0"/>
+                <a:ea typeface="Fira Code" pitchFamily="49" charset="0"/>
+                <a:cs typeface="Fira Code" pitchFamily="49" charset="0"/>
+              </a:rPr>
+              <a:t>shouldGetCustomerFromService</a:t>
+            </a:r>
+            <a:r>
+              <a:rPr lang="en-US" sz="800" dirty="0">
+                <a:solidFill>
+                  <a:srgbClr val="080808"/>
+                </a:solidFill>
+                <a:effectLst/>
+                <a:latin typeface="Fira Code" pitchFamily="49" charset="0"/>
+                <a:ea typeface="Fira Code" pitchFamily="49" charset="0"/>
+                <a:cs typeface="Fira Code" pitchFamily="49" charset="0"/>
+              </a:rPr>
+              <a:t>() {</a:t>
+            </a:r>
+            <a:br>
+              <a:rPr lang="en-US" sz="800" dirty="0">
+                <a:solidFill>
+                  <a:srgbClr val="080808"/>
+                </a:solidFill>
+                <a:effectLst/>
+                <a:latin typeface="Fira Code" pitchFamily="49" charset="0"/>
+                <a:ea typeface="Fira Code" pitchFamily="49" charset="0"/>
+                <a:cs typeface="Fira Code" pitchFamily="49" charset="0"/>
+              </a:rPr>
+            </a:br>
+            <a:r>
+              <a:rPr lang="en-US" sz="800" dirty="0">
+                <a:solidFill>
+                  <a:srgbClr val="080808"/>
+                </a:solidFill>
+                <a:effectLst/>
+                <a:latin typeface="Fira Code" pitchFamily="49" charset="0"/>
+                <a:ea typeface="Fira Code" pitchFamily="49" charset="0"/>
+                <a:cs typeface="Fira Code" pitchFamily="49" charset="0"/>
+              </a:rPr>
+              <a:t>    </a:t>
+            </a:r>
+            <a:r>
+              <a:rPr lang="en-US" sz="800" i="1" dirty="0">
+                <a:solidFill>
+                  <a:srgbClr val="8C8C8C"/>
+                </a:solidFill>
+                <a:effectLst/>
+                <a:latin typeface="Fira Code" pitchFamily="49" charset="0"/>
+                <a:ea typeface="Fira Code" pitchFamily="49" charset="0"/>
+                <a:cs typeface="Fira Code" pitchFamily="49" charset="0"/>
+              </a:rPr>
+              <a:t>// given</a:t>
+            </a:r>
+            <a:br>
+              <a:rPr lang="en-US" sz="800" i="1" dirty="0">
+                <a:solidFill>
+                  <a:srgbClr val="8C8C8C"/>
+                </a:solidFill>
+                <a:effectLst/>
+                <a:latin typeface="Fira Code" pitchFamily="49" charset="0"/>
+                <a:ea typeface="Fira Code" pitchFamily="49" charset="0"/>
+                <a:cs typeface="Fira Code" pitchFamily="49" charset="0"/>
+              </a:rPr>
+            </a:br>
+            <a:r>
+              <a:rPr lang="en-US" sz="800" i="1" dirty="0">
+                <a:solidFill>
+                  <a:srgbClr val="8C8C8C"/>
+                </a:solidFill>
+                <a:effectLst/>
+                <a:latin typeface="Fira Code" pitchFamily="49" charset="0"/>
+                <a:ea typeface="Fira Code" pitchFamily="49" charset="0"/>
+                <a:cs typeface="Fira Code" pitchFamily="49" charset="0"/>
+              </a:rPr>
+              <a:t>    </a:t>
+            </a:r>
+            <a:r>
+              <a:rPr lang="en-US" sz="800" dirty="0" err="1">
+                <a:solidFill>
+                  <a:srgbClr val="871094"/>
+                </a:solidFill>
+                <a:effectLst/>
+                <a:latin typeface="Fira Code" pitchFamily="49" charset="0"/>
+                <a:ea typeface="Fira Code" pitchFamily="49" charset="0"/>
+                <a:cs typeface="Fira Code" pitchFamily="49" charset="0"/>
+              </a:rPr>
+              <a:t>accountType</a:t>
+            </a:r>
+            <a:r>
+              <a:rPr lang="en-US" sz="800" dirty="0">
+                <a:solidFill>
+                  <a:srgbClr val="871094"/>
+                </a:solidFill>
+                <a:effectLst/>
+                <a:latin typeface="Fira Code" pitchFamily="49" charset="0"/>
+                <a:ea typeface="Fira Code" pitchFamily="49" charset="0"/>
+                <a:cs typeface="Fira Code" pitchFamily="49" charset="0"/>
+              </a:rPr>
+              <a:t> </a:t>
+            </a:r>
+            <a:r>
+              <a:rPr lang="en-US" sz="800" dirty="0">
+                <a:solidFill>
+                  <a:srgbClr val="080808"/>
+                </a:solidFill>
+                <a:effectLst/>
+                <a:latin typeface="Fira Code" pitchFamily="49" charset="0"/>
+                <a:ea typeface="Fira Code" pitchFamily="49" charset="0"/>
+                <a:cs typeface="Fira Code" pitchFamily="49" charset="0"/>
+              </a:rPr>
+              <a:t>= </a:t>
+            </a:r>
+            <a:r>
+              <a:rPr lang="en-US" sz="800" dirty="0" err="1">
+                <a:solidFill>
+                  <a:srgbClr val="000000"/>
+                </a:solidFill>
+                <a:effectLst/>
+                <a:latin typeface="Fira Code" pitchFamily="49" charset="0"/>
+                <a:ea typeface="Fira Code" pitchFamily="49" charset="0"/>
+                <a:cs typeface="Fira Code" pitchFamily="49" charset="0"/>
+              </a:rPr>
+              <a:t>CustomerAccountTypeInfo</a:t>
+            </a:r>
+            <a:r>
+              <a:rPr lang="en-US" sz="800" dirty="0" err="1">
+                <a:solidFill>
+                  <a:srgbClr val="080808"/>
+                </a:solidFill>
+                <a:effectLst/>
+                <a:latin typeface="Fira Code" pitchFamily="49" charset="0"/>
+                <a:ea typeface="Fira Code" pitchFamily="49" charset="0"/>
+                <a:cs typeface="Fira Code" pitchFamily="49" charset="0"/>
+              </a:rPr>
+              <a:t>.</a:t>
+            </a:r>
+            <a:r>
+              <a:rPr lang="en-US" sz="800" i="1" dirty="0" err="1">
+                <a:solidFill>
+                  <a:srgbClr val="080808"/>
+                </a:solidFill>
+                <a:effectLst/>
+                <a:latin typeface="Fira Code" pitchFamily="49" charset="0"/>
+                <a:ea typeface="Fira Code" pitchFamily="49" charset="0"/>
+                <a:cs typeface="Fira Code" pitchFamily="49" charset="0"/>
+              </a:rPr>
+              <a:t>builder</a:t>
+            </a:r>
+            <a:r>
+              <a:rPr lang="en-US" sz="800" dirty="0">
+                <a:solidFill>
+                  <a:srgbClr val="080808"/>
+                </a:solidFill>
+                <a:effectLst/>
+                <a:latin typeface="Fira Code" pitchFamily="49" charset="0"/>
+                <a:ea typeface="Fira Code" pitchFamily="49" charset="0"/>
+                <a:cs typeface="Fira Code" pitchFamily="49" charset="0"/>
+              </a:rPr>
+              <a:t>().</a:t>
+            </a:r>
+            <a:r>
+              <a:rPr lang="en-US" sz="800" dirty="0" err="1">
+                <a:solidFill>
+                  <a:srgbClr val="080808"/>
+                </a:solidFill>
+                <a:effectLst/>
+                <a:latin typeface="Fira Code" pitchFamily="49" charset="0"/>
+                <a:ea typeface="Fira Code" pitchFamily="49" charset="0"/>
+                <a:cs typeface="Fira Code" pitchFamily="49" charset="0"/>
+              </a:rPr>
+              <a:t>account</a:t>
+            </a:r>
+            <a:r>
+              <a:rPr lang="en-US" sz="800" dirty="0">
+                <a:solidFill>
+                  <a:srgbClr val="080808"/>
+                </a:solidFill>
+                <a:effectLst/>
+                <a:latin typeface="Fira Code" pitchFamily="49" charset="0"/>
+                <a:ea typeface="Fira Code" pitchFamily="49" charset="0"/>
+                <a:cs typeface="Fira Code" pitchFamily="49" charset="0"/>
+              </a:rPr>
+              <a:t>(</a:t>
+            </a:r>
+            <a:r>
+              <a:rPr lang="en-US" sz="800" i="1" dirty="0">
+                <a:solidFill>
+                  <a:srgbClr val="871094"/>
+                </a:solidFill>
+                <a:effectLst/>
+                <a:latin typeface="Fira Code" pitchFamily="49" charset="0"/>
+                <a:ea typeface="Fira Code" pitchFamily="49" charset="0"/>
+                <a:cs typeface="Fira Code" pitchFamily="49" charset="0"/>
+              </a:rPr>
+              <a:t>ACCOUNT_ID)</a:t>
+            </a:r>
+            <a:r>
+              <a:rPr lang="en-US" sz="800" i="1" dirty="0">
+                <a:solidFill>
+                  <a:srgbClr val="080808"/>
+                </a:solidFill>
+                <a:latin typeface="Fira Code" pitchFamily="49" charset="0"/>
+                <a:ea typeface="Fira Code" pitchFamily="49" charset="0"/>
+                <a:cs typeface="Fira Code" pitchFamily="49" charset="0"/>
+              </a:rPr>
+              <a:t>.</a:t>
+            </a:r>
+            <a:r>
+              <a:rPr lang="en-US" sz="800" dirty="0" err="1">
+                <a:solidFill>
+                  <a:srgbClr val="080808"/>
+                </a:solidFill>
+                <a:effectLst/>
+                <a:latin typeface="Fira Code" pitchFamily="49" charset="0"/>
+                <a:ea typeface="Fira Code" pitchFamily="49" charset="0"/>
+                <a:cs typeface="Fira Code" pitchFamily="49" charset="0"/>
+              </a:rPr>
+              <a:t>accountType</a:t>
+            </a:r>
+            <a:r>
+              <a:rPr lang="en-US" sz="800" dirty="0">
+                <a:solidFill>
+                  <a:srgbClr val="080808"/>
+                </a:solidFill>
+                <a:effectLst/>
+                <a:latin typeface="Fira Code" pitchFamily="49" charset="0"/>
+                <a:ea typeface="Fira Code" pitchFamily="49" charset="0"/>
+                <a:cs typeface="Fira Code" pitchFamily="49" charset="0"/>
+              </a:rPr>
+              <a:t>(</a:t>
+            </a:r>
+            <a:r>
+              <a:rPr lang="en-US" sz="800" dirty="0">
+                <a:solidFill>
+                  <a:srgbClr val="067D17"/>
+                </a:solidFill>
+                <a:effectLst/>
+                <a:latin typeface="Fira Code" pitchFamily="49" charset="0"/>
+                <a:ea typeface="Fira Code" pitchFamily="49" charset="0"/>
+                <a:cs typeface="Fira Code" pitchFamily="49" charset="0"/>
+              </a:rPr>
+              <a:t>”PERSONAL"</a:t>
+            </a:r>
+            <a:r>
+              <a:rPr lang="en-US" sz="800" dirty="0">
+                <a:solidFill>
+                  <a:srgbClr val="080808"/>
+                </a:solidFill>
+                <a:effectLst/>
+                <a:latin typeface="Fira Code" pitchFamily="49" charset="0"/>
+                <a:ea typeface="Fira Code" pitchFamily="49" charset="0"/>
+                <a:cs typeface="Fira Code" pitchFamily="49" charset="0"/>
+              </a:rPr>
+              <a:t>).</a:t>
+            </a:r>
+            <a:r>
+              <a:rPr lang="en-US" sz="800" dirty="0" err="1">
+                <a:solidFill>
+                  <a:srgbClr val="080808"/>
+                </a:solidFill>
+                <a:effectLst/>
+                <a:latin typeface="Fira Code" pitchFamily="49" charset="0"/>
+                <a:ea typeface="Fira Code" pitchFamily="49" charset="0"/>
+                <a:cs typeface="Fira Code" pitchFamily="49" charset="0"/>
+              </a:rPr>
+              <a:t>subscription</a:t>
+            </a:r>
+            <a:r>
+              <a:rPr lang="en-US" sz="800" dirty="0">
+                <a:solidFill>
+                  <a:srgbClr val="080808"/>
+                </a:solidFill>
+                <a:effectLst/>
+                <a:latin typeface="Fira Code" pitchFamily="49" charset="0"/>
+                <a:ea typeface="Fira Code" pitchFamily="49" charset="0"/>
+                <a:cs typeface="Fira Code" pitchFamily="49" charset="0"/>
+              </a:rPr>
+              <a:t>(</a:t>
+            </a:r>
+            <a:r>
+              <a:rPr lang="en-US" sz="800" dirty="0">
+                <a:solidFill>
+                  <a:srgbClr val="067D17"/>
+                </a:solidFill>
+                <a:effectLst/>
+                <a:latin typeface="Fira Code" pitchFamily="49" charset="0"/>
+                <a:ea typeface="Fira Code" pitchFamily="49" charset="0"/>
+                <a:cs typeface="Fira Code" pitchFamily="49" charset="0"/>
+              </a:rPr>
+              <a:t>”MONTHLY"</a:t>
+            </a:r>
+            <a:r>
+              <a:rPr lang="en-US" sz="800" dirty="0">
+                <a:solidFill>
+                  <a:srgbClr val="080808"/>
+                </a:solidFill>
+                <a:effectLst/>
+                <a:latin typeface="Fira Code" pitchFamily="49" charset="0"/>
+                <a:ea typeface="Fira Code" pitchFamily="49" charset="0"/>
+                <a:cs typeface="Fira Code" pitchFamily="49" charset="0"/>
+              </a:rPr>
+              <a:t>).build();</a:t>
+            </a:r>
+            <a:br>
+              <a:rPr lang="en-US" sz="800" dirty="0">
+                <a:solidFill>
+                  <a:srgbClr val="080808"/>
+                </a:solidFill>
+                <a:effectLst/>
+                <a:latin typeface="Fira Code" pitchFamily="49" charset="0"/>
+                <a:ea typeface="Fira Code" pitchFamily="49" charset="0"/>
+                <a:cs typeface="Fira Code" pitchFamily="49" charset="0"/>
+              </a:rPr>
+            </a:br>
+            <a:r>
+              <a:rPr lang="en-US" sz="800" dirty="0">
+                <a:solidFill>
+                  <a:srgbClr val="080808"/>
+                </a:solidFill>
+                <a:effectLst/>
+                <a:latin typeface="Fira Code" pitchFamily="49" charset="0"/>
+                <a:ea typeface="Fira Code" pitchFamily="49" charset="0"/>
+                <a:cs typeface="Fira Code" pitchFamily="49" charset="0"/>
+              </a:rPr>
+              <a:t>    </a:t>
+            </a:r>
+            <a:r>
+              <a:rPr lang="en-US" sz="800" i="1" dirty="0">
+                <a:solidFill>
+                  <a:srgbClr val="080808"/>
+                </a:solidFill>
+                <a:effectLst/>
+                <a:latin typeface="Fira Code" pitchFamily="49" charset="0"/>
+                <a:ea typeface="Fira Code" pitchFamily="49" charset="0"/>
+                <a:cs typeface="Fira Code" pitchFamily="49" charset="0"/>
+              </a:rPr>
+              <a:t>when</a:t>
+            </a:r>
+            <a:r>
+              <a:rPr lang="en-US" sz="800" dirty="0">
+                <a:solidFill>
+                  <a:srgbClr val="080808"/>
+                </a:solidFill>
+                <a:effectLst/>
+                <a:latin typeface="Fira Code" pitchFamily="49" charset="0"/>
+                <a:ea typeface="Fira Code" pitchFamily="49" charset="0"/>
+                <a:cs typeface="Fira Code" pitchFamily="49" charset="0"/>
+              </a:rPr>
+              <a:t>(</a:t>
+            </a:r>
+            <a:r>
+              <a:rPr lang="en-US" sz="800" dirty="0" err="1">
+                <a:solidFill>
+                  <a:srgbClr val="871094"/>
+                </a:solidFill>
+                <a:effectLst/>
+                <a:latin typeface="Fira Code" pitchFamily="49" charset="0"/>
+                <a:ea typeface="Fira Code" pitchFamily="49" charset="0"/>
+                <a:cs typeface="Fira Code" pitchFamily="49" charset="0"/>
+              </a:rPr>
+              <a:t>responseEntity</a:t>
+            </a:r>
+            <a:r>
+              <a:rPr lang="en-US" sz="800" dirty="0" err="1">
+                <a:solidFill>
+                  <a:srgbClr val="080808"/>
+                </a:solidFill>
+                <a:effectLst/>
+                <a:latin typeface="Fira Code" pitchFamily="49" charset="0"/>
+                <a:ea typeface="Fira Code" pitchFamily="49" charset="0"/>
+                <a:cs typeface="Fira Code" pitchFamily="49" charset="0"/>
+              </a:rPr>
+              <a:t>.getBody</a:t>
+            </a:r>
+            <a:r>
+              <a:rPr lang="en-US" sz="800" dirty="0">
+                <a:solidFill>
+                  <a:srgbClr val="080808"/>
+                </a:solidFill>
+                <a:effectLst/>
+                <a:latin typeface="Fira Code" pitchFamily="49" charset="0"/>
+                <a:ea typeface="Fira Code" pitchFamily="49" charset="0"/>
+                <a:cs typeface="Fira Code" pitchFamily="49" charset="0"/>
+              </a:rPr>
+              <a:t>()).</a:t>
+            </a:r>
+            <a:r>
+              <a:rPr lang="en-US" sz="800" dirty="0" err="1">
+                <a:solidFill>
+                  <a:srgbClr val="080808"/>
+                </a:solidFill>
+                <a:effectLst/>
+                <a:latin typeface="Fira Code" pitchFamily="49" charset="0"/>
+                <a:ea typeface="Fira Code" pitchFamily="49" charset="0"/>
+                <a:cs typeface="Fira Code" pitchFamily="49" charset="0"/>
+              </a:rPr>
+              <a:t>thenReturn</a:t>
+            </a:r>
+            <a:r>
+              <a:rPr lang="en-US" sz="800" dirty="0">
+                <a:solidFill>
+                  <a:srgbClr val="080808"/>
+                </a:solidFill>
+                <a:effectLst/>
+                <a:latin typeface="Fira Code" pitchFamily="49" charset="0"/>
+                <a:ea typeface="Fira Code" pitchFamily="49" charset="0"/>
+                <a:cs typeface="Fira Code" pitchFamily="49" charset="0"/>
+              </a:rPr>
+              <a:t>(</a:t>
+            </a:r>
+            <a:r>
+              <a:rPr lang="en-US" sz="800" dirty="0" err="1">
+                <a:solidFill>
+                  <a:srgbClr val="871094"/>
+                </a:solidFill>
+                <a:effectLst/>
+                <a:latin typeface="Fira Code" pitchFamily="49" charset="0"/>
+                <a:ea typeface="Fira Code" pitchFamily="49" charset="0"/>
+                <a:cs typeface="Fira Code" pitchFamily="49" charset="0"/>
+              </a:rPr>
+              <a:t>accountType</a:t>
+            </a:r>
+            <a:r>
+              <a:rPr lang="en-US" sz="800" dirty="0">
+                <a:solidFill>
+                  <a:srgbClr val="080808"/>
+                </a:solidFill>
+                <a:effectLst/>
+                <a:latin typeface="Fira Code" pitchFamily="49" charset="0"/>
+                <a:ea typeface="Fira Code" pitchFamily="49" charset="0"/>
+                <a:cs typeface="Fira Code" pitchFamily="49" charset="0"/>
+              </a:rPr>
+              <a:t>);</a:t>
+            </a:r>
+            <a:br>
+              <a:rPr lang="en-US" sz="800" dirty="0">
+                <a:solidFill>
+                  <a:srgbClr val="080808"/>
+                </a:solidFill>
+                <a:effectLst/>
+                <a:latin typeface="Fira Code" pitchFamily="49" charset="0"/>
+                <a:ea typeface="Fira Code" pitchFamily="49" charset="0"/>
+                <a:cs typeface="Fira Code" pitchFamily="49" charset="0"/>
+              </a:rPr>
+            </a:br>
+            <a:r>
+              <a:rPr lang="en-US" sz="800" dirty="0">
+                <a:solidFill>
+                  <a:srgbClr val="080808"/>
+                </a:solidFill>
+                <a:effectLst/>
+                <a:latin typeface="Fira Code" pitchFamily="49" charset="0"/>
+                <a:ea typeface="Fira Code" pitchFamily="49" charset="0"/>
+                <a:cs typeface="Fira Code" pitchFamily="49" charset="0"/>
+              </a:rPr>
+              <a:t>    </a:t>
+            </a:r>
+            <a:r>
+              <a:rPr lang="en-US" sz="800" i="1" dirty="0">
+                <a:solidFill>
+                  <a:srgbClr val="8C8C8C"/>
+                </a:solidFill>
+                <a:effectLst/>
+                <a:latin typeface="Fira Code" pitchFamily="49" charset="0"/>
+                <a:ea typeface="Fira Code" pitchFamily="49" charset="0"/>
+                <a:cs typeface="Fira Code" pitchFamily="49" charset="0"/>
+              </a:rPr>
+              <a:t>// when</a:t>
+            </a:r>
+            <a:br>
+              <a:rPr lang="en-US" sz="800" i="1" dirty="0">
+                <a:solidFill>
+                  <a:srgbClr val="8C8C8C"/>
+                </a:solidFill>
+                <a:effectLst/>
+                <a:latin typeface="Fira Code" pitchFamily="49" charset="0"/>
+                <a:ea typeface="Fira Code" pitchFamily="49" charset="0"/>
+                <a:cs typeface="Fira Code" pitchFamily="49" charset="0"/>
+              </a:rPr>
+            </a:br>
+            <a:r>
+              <a:rPr lang="en-US" sz="800" i="1" dirty="0">
+                <a:solidFill>
+                  <a:srgbClr val="8C8C8C"/>
+                </a:solidFill>
+                <a:effectLst/>
+                <a:latin typeface="Fira Code" pitchFamily="49" charset="0"/>
+                <a:ea typeface="Fira Code" pitchFamily="49" charset="0"/>
+                <a:cs typeface="Fira Code" pitchFamily="49" charset="0"/>
+              </a:rPr>
+              <a:t>    </a:t>
+            </a:r>
+            <a:r>
+              <a:rPr lang="en-US" sz="800" dirty="0" err="1">
+                <a:solidFill>
+                  <a:srgbClr val="000000"/>
+                </a:solidFill>
+                <a:effectLst/>
+                <a:latin typeface="Fira Code" pitchFamily="49" charset="0"/>
+                <a:ea typeface="Fira Code" pitchFamily="49" charset="0"/>
+                <a:cs typeface="Fira Code" pitchFamily="49" charset="0"/>
+              </a:rPr>
+              <a:t>CustomerAccount</a:t>
+            </a:r>
+            <a:r>
+              <a:rPr lang="en-US" sz="800" dirty="0">
+                <a:solidFill>
+                  <a:srgbClr val="000000"/>
+                </a:solidFill>
+                <a:effectLst/>
+                <a:latin typeface="Fira Code" pitchFamily="49" charset="0"/>
+                <a:ea typeface="Fira Code" pitchFamily="49" charset="0"/>
+                <a:cs typeface="Fira Code" pitchFamily="49" charset="0"/>
+              </a:rPr>
+              <a:t> result </a:t>
+            </a:r>
+            <a:r>
+              <a:rPr lang="en-US" sz="800" dirty="0">
+                <a:solidFill>
+                  <a:srgbClr val="080808"/>
+                </a:solidFill>
+                <a:effectLst/>
+                <a:latin typeface="Fira Code" pitchFamily="49" charset="0"/>
+                <a:ea typeface="Fira Code" pitchFamily="49" charset="0"/>
+                <a:cs typeface="Fira Code" pitchFamily="49" charset="0"/>
+              </a:rPr>
+              <a:t>= </a:t>
+            </a:r>
+            <a:r>
+              <a:rPr lang="en-US" sz="800" dirty="0" err="1">
+                <a:solidFill>
+                  <a:srgbClr val="871094"/>
+                </a:solidFill>
+                <a:effectLst/>
+                <a:latin typeface="Fira Code" pitchFamily="49" charset="0"/>
+                <a:ea typeface="Fira Code" pitchFamily="49" charset="0"/>
+                <a:cs typeface="Fira Code" pitchFamily="49" charset="0"/>
+              </a:rPr>
+              <a:t>customerService</a:t>
+            </a:r>
+            <a:r>
+              <a:rPr lang="en-US" sz="800" dirty="0" err="1">
+                <a:solidFill>
+                  <a:srgbClr val="080808"/>
+                </a:solidFill>
+                <a:effectLst/>
+                <a:latin typeface="Fira Code" pitchFamily="49" charset="0"/>
+                <a:ea typeface="Fira Code" pitchFamily="49" charset="0"/>
+                <a:cs typeface="Fira Code" pitchFamily="49" charset="0"/>
+              </a:rPr>
+              <a:t>.retrieveAccount</a:t>
+            </a:r>
+            <a:r>
+              <a:rPr lang="en-US" sz="800" dirty="0">
+                <a:solidFill>
+                  <a:srgbClr val="080808"/>
+                </a:solidFill>
+                <a:effectLst/>
+                <a:latin typeface="Fira Code" pitchFamily="49" charset="0"/>
+                <a:ea typeface="Fira Code" pitchFamily="49" charset="0"/>
+                <a:cs typeface="Fira Code" pitchFamily="49" charset="0"/>
+              </a:rPr>
+              <a:t>(</a:t>
+            </a:r>
+            <a:r>
+              <a:rPr lang="en-US" sz="800" i="1" dirty="0">
+                <a:solidFill>
+                  <a:srgbClr val="871094"/>
+                </a:solidFill>
+                <a:effectLst/>
+                <a:latin typeface="Fira Code" pitchFamily="49" charset="0"/>
+                <a:ea typeface="Fira Code" pitchFamily="49" charset="0"/>
+                <a:cs typeface="Fira Code" pitchFamily="49" charset="0"/>
+              </a:rPr>
+              <a:t>ACCOUNT_ID</a:t>
+            </a:r>
+            <a:r>
+              <a:rPr lang="en-US" sz="800" dirty="0">
+                <a:solidFill>
+                  <a:srgbClr val="080808"/>
+                </a:solidFill>
+                <a:effectLst/>
+                <a:latin typeface="Fira Code" pitchFamily="49" charset="0"/>
+                <a:ea typeface="Fira Code" pitchFamily="49" charset="0"/>
+                <a:cs typeface="Fira Code" pitchFamily="49" charset="0"/>
+              </a:rPr>
+              <a:t>);</a:t>
+            </a:r>
+            <a:br>
+              <a:rPr lang="en-US" sz="800" dirty="0">
+                <a:solidFill>
+                  <a:srgbClr val="080808"/>
+                </a:solidFill>
+                <a:effectLst/>
+                <a:latin typeface="Fira Code" pitchFamily="49" charset="0"/>
+                <a:ea typeface="Fira Code" pitchFamily="49" charset="0"/>
+                <a:cs typeface="Fira Code" pitchFamily="49" charset="0"/>
+              </a:rPr>
+            </a:br>
+            <a:r>
+              <a:rPr lang="en-US" sz="800" dirty="0">
+                <a:solidFill>
+                  <a:srgbClr val="080808"/>
+                </a:solidFill>
+                <a:effectLst/>
+                <a:latin typeface="Fira Code" pitchFamily="49" charset="0"/>
+                <a:ea typeface="Fira Code" pitchFamily="49" charset="0"/>
+                <a:cs typeface="Fira Code" pitchFamily="49" charset="0"/>
+              </a:rPr>
+              <a:t>    </a:t>
+            </a:r>
+            <a:r>
+              <a:rPr lang="en-US" sz="800" i="1" dirty="0">
+                <a:solidFill>
+                  <a:srgbClr val="8C8C8C"/>
+                </a:solidFill>
+                <a:effectLst/>
+                <a:latin typeface="Fira Code" pitchFamily="49" charset="0"/>
+                <a:ea typeface="Fira Code" pitchFamily="49" charset="0"/>
+                <a:cs typeface="Fira Code" pitchFamily="49" charset="0"/>
+              </a:rPr>
+              <a:t>// then</a:t>
+            </a:r>
+            <a:br>
+              <a:rPr lang="en-US" sz="800" i="1" dirty="0">
+                <a:solidFill>
+                  <a:srgbClr val="8C8C8C"/>
+                </a:solidFill>
+                <a:effectLst/>
+                <a:latin typeface="Fira Code" pitchFamily="49" charset="0"/>
+                <a:ea typeface="Fira Code" pitchFamily="49" charset="0"/>
+                <a:cs typeface="Fira Code" pitchFamily="49" charset="0"/>
+              </a:rPr>
+            </a:br>
+            <a:r>
+              <a:rPr lang="en-US" sz="800" i="1" dirty="0">
+                <a:solidFill>
+                  <a:srgbClr val="8C8C8C"/>
+                </a:solidFill>
+                <a:effectLst/>
+                <a:latin typeface="Fira Code" pitchFamily="49" charset="0"/>
+                <a:ea typeface="Fira Code" pitchFamily="49" charset="0"/>
+                <a:cs typeface="Fira Code" pitchFamily="49" charset="0"/>
+              </a:rPr>
+              <a:t>    </a:t>
+            </a:r>
+            <a:r>
+              <a:rPr lang="en-US" sz="800" dirty="0" err="1">
+                <a:solidFill>
+                  <a:srgbClr val="000000"/>
+                </a:solidFill>
+                <a:effectLst/>
+                <a:latin typeface="Fira Code" pitchFamily="49" charset="0"/>
+                <a:ea typeface="Fira Code" pitchFamily="49" charset="0"/>
+                <a:cs typeface="Fira Code" pitchFamily="49" charset="0"/>
+              </a:rPr>
+              <a:t>CustomerAccount</a:t>
+            </a:r>
+            <a:r>
+              <a:rPr lang="en-US" sz="800" dirty="0">
+                <a:solidFill>
+                  <a:srgbClr val="000000"/>
+                </a:solidFill>
+                <a:effectLst/>
+                <a:latin typeface="Fira Code" pitchFamily="49" charset="0"/>
+                <a:ea typeface="Fira Code" pitchFamily="49" charset="0"/>
+                <a:cs typeface="Fira Code" pitchFamily="49" charset="0"/>
+              </a:rPr>
+              <a:t> </a:t>
+            </a:r>
+            <a:r>
+              <a:rPr lang="en-US" sz="800" dirty="0" err="1">
+                <a:solidFill>
+                  <a:srgbClr val="000000"/>
+                </a:solidFill>
+                <a:effectLst/>
+                <a:latin typeface="Fira Code" pitchFamily="49" charset="0"/>
+                <a:ea typeface="Fira Code" pitchFamily="49" charset="0"/>
+                <a:cs typeface="Fira Code" pitchFamily="49" charset="0"/>
+              </a:rPr>
+              <a:t>expectedCustomerAccount</a:t>
+            </a:r>
+            <a:r>
+              <a:rPr lang="en-US" sz="800" dirty="0">
+                <a:solidFill>
+                  <a:srgbClr val="000000"/>
+                </a:solidFill>
+                <a:effectLst/>
+                <a:latin typeface="Fira Code" pitchFamily="49" charset="0"/>
+                <a:ea typeface="Fira Code" pitchFamily="49" charset="0"/>
+                <a:cs typeface="Fira Code" pitchFamily="49" charset="0"/>
+              </a:rPr>
+              <a:t> </a:t>
+            </a:r>
+            <a:r>
+              <a:rPr lang="en-US" sz="800" dirty="0">
+                <a:solidFill>
+                  <a:srgbClr val="080808"/>
+                </a:solidFill>
+                <a:effectLst/>
+                <a:latin typeface="Fira Code" pitchFamily="49" charset="0"/>
+                <a:ea typeface="Fira Code" pitchFamily="49" charset="0"/>
+                <a:cs typeface="Fira Code" pitchFamily="49" charset="0"/>
+              </a:rPr>
+              <a:t>= </a:t>
+            </a:r>
+            <a:r>
+              <a:rPr lang="en-US" sz="800" dirty="0">
+                <a:solidFill>
+                  <a:srgbClr val="0033B3"/>
+                </a:solidFill>
+                <a:effectLst/>
+                <a:latin typeface="Fira Code" pitchFamily="49" charset="0"/>
+                <a:ea typeface="Fira Code" pitchFamily="49" charset="0"/>
+                <a:cs typeface="Fira Code" pitchFamily="49" charset="0"/>
+              </a:rPr>
+              <a:t>new </a:t>
+            </a:r>
+            <a:r>
+              <a:rPr lang="en-US" sz="800" dirty="0" err="1">
+                <a:solidFill>
+                  <a:srgbClr val="080808"/>
+                </a:solidFill>
+                <a:effectLst/>
+                <a:latin typeface="Fira Code" pitchFamily="49" charset="0"/>
+                <a:ea typeface="Fira Code" pitchFamily="49" charset="0"/>
+                <a:cs typeface="Fira Code" pitchFamily="49" charset="0"/>
+              </a:rPr>
+              <a:t>CustomerAccount</a:t>
+            </a:r>
+            <a:r>
+              <a:rPr lang="en-US" sz="800" dirty="0">
+                <a:solidFill>
+                  <a:srgbClr val="080808"/>
+                </a:solidFill>
+                <a:effectLst/>
+                <a:latin typeface="Fira Code" pitchFamily="49" charset="0"/>
+                <a:ea typeface="Fira Code" pitchFamily="49" charset="0"/>
+                <a:cs typeface="Fira Code" pitchFamily="49" charset="0"/>
+              </a:rPr>
+              <a:t>(</a:t>
+            </a:r>
+            <a:r>
+              <a:rPr lang="en-US" sz="800" i="1" dirty="0">
+                <a:solidFill>
+                  <a:srgbClr val="871094"/>
+                </a:solidFill>
+                <a:effectLst/>
+                <a:latin typeface="Fira Code" pitchFamily="49" charset="0"/>
+                <a:ea typeface="Fira Code" pitchFamily="49" charset="0"/>
+                <a:cs typeface="Fira Code" pitchFamily="49" charset="0"/>
+              </a:rPr>
+              <a:t>ACCOUNT_ID</a:t>
+            </a:r>
+            <a:r>
+              <a:rPr lang="en-US" sz="800" dirty="0">
+                <a:solidFill>
+                  <a:srgbClr val="080808"/>
+                </a:solidFill>
+                <a:effectLst/>
+                <a:latin typeface="Fira Code" pitchFamily="49" charset="0"/>
+                <a:ea typeface="Fira Code" pitchFamily="49" charset="0"/>
+                <a:cs typeface="Fira Code" pitchFamily="49" charset="0"/>
+              </a:rPr>
+              <a:t>, </a:t>
+            </a:r>
+            <a:r>
+              <a:rPr lang="en-US" sz="800" dirty="0" err="1">
+                <a:solidFill>
+                  <a:srgbClr val="000000"/>
+                </a:solidFill>
+                <a:effectLst/>
+                <a:latin typeface="Fira Code" pitchFamily="49" charset="0"/>
+                <a:ea typeface="Fira Code" pitchFamily="49" charset="0"/>
+                <a:cs typeface="Fira Code" pitchFamily="49" charset="0"/>
+              </a:rPr>
+              <a:t>CustomerPaymentType</a:t>
+            </a:r>
+            <a:r>
+              <a:rPr lang="en-US" sz="800" dirty="0" err="1">
+                <a:solidFill>
+                  <a:srgbClr val="080808"/>
+                </a:solidFill>
+                <a:effectLst/>
+                <a:latin typeface="Fira Code" pitchFamily="49" charset="0"/>
+                <a:ea typeface="Fira Code" pitchFamily="49" charset="0"/>
+                <a:cs typeface="Fira Code" pitchFamily="49" charset="0"/>
+              </a:rPr>
+              <a:t>.</a:t>
+            </a:r>
+            <a:r>
+              <a:rPr lang="en-US" sz="800" i="1" dirty="0" err="1">
+                <a:solidFill>
+                  <a:srgbClr val="871094"/>
+                </a:solidFill>
+                <a:effectLst/>
+                <a:latin typeface="Fira Code" pitchFamily="49" charset="0"/>
+                <a:ea typeface="Fira Code" pitchFamily="49" charset="0"/>
+                <a:cs typeface="Fira Code" pitchFamily="49" charset="0"/>
+              </a:rPr>
+              <a:t>MONTHLY</a:t>
+            </a:r>
+            <a:r>
+              <a:rPr lang="en-US" sz="800" dirty="0">
+                <a:solidFill>
+                  <a:srgbClr val="080808"/>
+                </a:solidFill>
+                <a:effectLst/>
+                <a:latin typeface="Fira Code" pitchFamily="49" charset="0"/>
+                <a:ea typeface="Fira Code" pitchFamily="49" charset="0"/>
+                <a:cs typeface="Fira Code" pitchFamily="49" charset="0"/>
+              </a:rPr>
+              <a:t>, </a:t>
+            </a:r>
+            <a:r>
+              <a:rPr lang="en-US" sz="800" dirty="0">
+                <a:solidFill>
+                  <a:srgbClr val="067D17"/>
+                </a:solidFill>
+                <a:effectLst/>
+                <a:latin typeface="Fira Code" pitchFamily="49" charset="0"/>
+                <a:ea typeface="Fira Code" pitchFamily="49" charset="0"/>
+                <a:cs typeface="Fira Code" pitchFamily="49" charset="0"/>
+              </a:rPr>
+              <a:t>"PERSONAL"</a:t>
+            </a:r>
+            <a:r>
+              <a:rPr lang="en-US" sz="800" dirty="0">
+                <a:solidFill>
+                  <a:srgbClr val="080808"/>
+                </a:solidFill>
+                <a:effectLst/>
+                <a:latin typeface="Fira Code" pitchFamily="49" charset="0"/>
+                <a:ea typeface="Fira Code" pitchFamily="49" charset="0"/>
+                <a:cs typeface="Fira Code" pitchFamily="49" charset="0"/>
+              </a:rPr>
+              <a:t>);</a:t>
+            </a:r>
+            <a:br>
+              <a:rPr lang="en-US" sz="800" dirty="0">
+                <a:solidFill>
+                  <a:srgbClr val="080808"/>
+                </a:solidFill>
+                <a:effectLst/>
+                <a:latin typeface="Fira Code" pitchFamily="49" charset="0"/>
+                <a:ea typeface="Fira Code" pitchFamily="49" charset="0"/>
+                <a:cs typeface="Fira Code" pitchFamily="49" charset="0"/>
+              </a:rPr>
+            </a:br>
+            <a:r>
+              <a:rPr lang="en-US" sz="800" dirty="0">
+                <a:solidFill>
+                  <a:srgbClr val="080808"/>
+                </a:solidFill>
+                <a:effectLst/>
+                <a:latin typeface="Fira Code" pitchFamily="49" charset="0"/>
+                <a:ea typeface="Fira Code" pitchFamily="49" charset="0"/>
+                <a:cs typeface="Fira Code" pitchFamily="49" charset="0"/>
+              </a:rPr>
+              <a:t>    </a:t>
+            </a:r>
+            <a:r>
+              <a:rPr lang="en-US" sz="800" i="1" dirty="0" err="1">
+                <a:solidFill>
+                  <a:srgbClr val="080808"/>
+                </a:solidFill>
+                <a:effectLst/>
+                <a:latin typeface="Fira Code" pitchFamily="49" charset="0"/>
+                <a:ea typeface="Fira Code" pitchFamily="49" charset="0"/>
+                <a:cs typeface="Fira Code" pitchFamily="49" charset="0"/>
+              </a:rPr>
+              <a:t>assertThat</a:t>
+            </a:r>
+            <a:r>
+              <a:rPr lang="en-US" sz="800" dirty="0">
+                <a:solidFill>
+                  <a:srgbClr val="080808"/>
+                </a:solidFill>
+                <a:effectLst/>
+                <a:latin typeface="Fira Code" pitchFamily="49" charset="0"/>
+                <a:ea typeface="Fira Code" pitchFamily="49" charset="0"/>
+                <a:cs typeface="Fira Code" pitchFamily="49" charset="0"/>
+              </a:rPr>
+              <a:t>(</a:t>
+            </a:r>
+            <a:r>
+              <a:rPr lang="en-US" sz="800" dirty="0">
+                <a:solidFill>
+                  <a:srgbClr val="000000"/>
+                </a:solidFill>
+                <a:effectLst/>
+                <a:latin typeface="Fira Code" pitchFamily="49" charset="0"/>
+                <a:ea typeface="Fira Code" pitchFamily="49" charset="0"/>
+                <a:cs typeface="Fira Code" pitchFamily="49" charset="0"/>
+              </a:rPr>
+              <a:t>result</a:t>
+            </a:r>
+            <a:r>
+              <a:rPr lang="en-US" sz="800" dirty="0">
+                <a:solidFill>
+                  <a:srgbClr val="080808"/>
+                </a:solidFill>
+                <a:effectLst/>
+                <a:latin typeface="Fira Code" pitchFamily="49" charset="0"/>
+                <a:ea typeface="Fira Code" pitchFamily="49" charset="0"/>
+                <a:cs typeface="Fira Code" pitchFamily="49" charset="0"/>
+              </a:rPr>
+              <a:t>, </a:t>
+            </a:r>
+            <a:r>
+              <a:rPr lang="en-US" sz="800" i="1" dirty="0">
+                <a:solidFill>
+                  <a:srgbClr val="080808"/>
+                </a:solidFill>
+                <a:effectLst/>
+                <a:latin typeface="Fira Code" pitchFamily="49" charset="0"/>
+                <a:ea typeface="Fira Code" pitchFamily="49" charset="0"/>
+                <a:cs typeface="Fira Code" pitchFamily="49" charset="0"/>
+              </a:rPr>
+              <a:t>is</a:t>
+            </a:r>
+            <a:r>
+              <a:rPr lang="en-US" sz="800" dirty="0">
+                <a:solidFill>
+                  <a:srgbClr val="080808"/>
+                </a:solidFill>
+                <a:effectLst/>
+                <a:latin typeface="Fira Code" pitchFamily="49" charset="0"/>
+                <a:ea typeface="Fira Code" pitchFamily="49" charset="0"/>
+                <a:cs typeface="Fira Code" pitchFamily="49" charset="0"/>
+              </a:rPr>
+              <a:t>(</a:t>
+            </a:r>
+            <a:r>
+              <a:rPr lang="en-US" sz="800" dirty="0" err="1">
+                <a:solidFill>
+                  <a:srgbClr val="000000"/>
+                </a:solidFill>
+                <a:effectLst/>
+                <a:latin typeface="Fira Code" pitchFamily="49" charset="0"/>
+                <a:ea typeface="Fira Code" pitchFamily="49" charset="0"/>
+                <a:cs typeface="Fira Code" pitchFamily="49" charset="0"/>
+              </a:rPr>
+              <a:t>expectedCustomerAccount</a:t>
+            </a:r>
+            <a:r>
+              <a:rPr lang="en-US" sz="800" dirty="0">
+                <a:solidFill>
+                  <a:srgbClr val="080808"/>
+                </a:solidFill>
+                <a:effectLst/>
+                <a:latin typeface="Fira Code" pitchFamily="49" charset="0"/>
+                <a:ea typeface="Fira Code" pitchFamily="49" charset="0"/>
+                <a:cs typeface="Fira Code" pitchFamily="49" charset="0"/>
+              </a:rPr>
+              <a:t>));</a:t>
+            </a:r>
+            <a:br>
+              <a:rPr lang="en-US" sz="800" dirty="0">
+                <a:solidFill>
+                  <a:srgbClr val="080808"/>
+                </a:solidFill>
+                <a:effectLst/>
+                <a:latin typeface="Fira Code" pitchFamily="49" charset="0"/>
+                <a:ea typeface="Fira Code" pitchFamily="49" charset="0"/>
+                <a:cs typeface="Fira Code" pitchFamily="49" charset="0"/>
+              </a:rPr>
+            </a:br>
+            <a:r>
+              <a:rPr lang="en-US" sz="800" dirty="0">
+                <a:solidFill>
+                  <a:srgbClr val="080808"/>
+                </a:solidFill>
+                <a:effectLst/>
+                <a:latin typeface="Fira Code" pitchFamily="49" charset="0"/>
+                <a:ea typeface="Fira Code" pitchFamily="49" charset="0"/>
+                <a:cs typeface="Fira Code" pitchFamily="49" charset="0"/>
+              </a:rPr>
+              <a:t>    </a:t>
+            </a:r>
+            <a:r>
+              <a:rPr lang="en-US" sz="800" i="1" dirty="0">
+                <a:solidFill>
+                  <a:srgbClr val="080808"/>
+                </a:solidFill>
+                <a:effectLst/>
+                <a:latin typeface="Fira Code" pitchFamily="49" charset="0"/>
+                <a:ea typeface="Fira Code" pitchFamily="49" charset="0"/>
+                <a:cs typeface="Fira Code" pitchFamily="49" charset="0"/>
+              </a:rPr>
+              <a:t>verify</a:t>
+            </a:r>
+            <a:r>
+              <a:rPr lang="en-US" sz="800" dirty="0">
+                <a:solidFill>
+                  <a:srgbClr val="080808"/>
+                </a:solidFill>
+                <a:effectLst/>
+                <a:latin typeface="Fira Code" pitchFamily="49" charset="0"/>
+                <a:ea typeface="Fira Code" pitchFamily="49" charset="0"/>
+                <a:cs typeface="Fira Code" pitchFamily="49" charset="0"/>
+              </a:rPr>
+              <a:t>(</a:t>
+            </a:r>
+            <a:r>
+              <a:rPr lang="en-US" sz="800" dirty="0" err="1">
+                <a:solidFill>
+                  <a:srgbClr val="871094"/>
+                </a:solidFill>
+                <a:effectLst/>
+                <a:latin typeface="Fira Code" pitchFamily="49" charset="0"/>
+                <a:ea typeface="Fira Code" pitchFamily="49" charset="0"/>
+                <a:cs typeface="Fira Code" pitchFamily="49" charset="0"/>
+              </a:rPr>
+              <a:t>restTemplate</a:t>
+            </a:r>
+            <a:r>
+              <a:rPr lang="en-US" sz="800" dirty="0">
+                <a:solidFill>
+                  <a:srgbClr val="080808"/>
+                </a:solidFill>
+                <a:effectLst/>
+                <a:latin typeface="Fira Code" pitchFamily="49" charset="0"/>
+                <a:ea typeface="Fira Code" pitchFamily="49" charset="0"/>
+                <a:cs typeface="Fira Code" pitchFamily="49" charset="0"/>
+              </a:rPr>
+              <a:t>, </a:t>
+            </a:r>
+            <a:r>
+              <a:rPr lang="en-US" sz="800" i="1" dirty="0">
+                <a:solidFill>
+                  <a:srgbClr val="080808"/>
+                </a:solidFill>
+                <a:effectLst/>
+                <a:latin typeface="Fira Code" pitchFamily="49" charset="0"/>
+                <a:ea typeface="Fira Code" pitchFamily="49" charset="0"/>
+                <a:cs typeface="Fira Code" pitchFamily="49" charset="0"/>
+              </a:rPr>
+              <a:t>times</a:t>
+            </a:r>
+            <a:r>
+              <a:rPr lang="en-US" sz="800" dirty="0">
+                <a:solidFill>
+                  <a:srgbClr val="080808"/>
+                </a:solidFill>
+                <a:effectLst/>
+                <a:latin typeface="Fira Code" pitchFamily="49" charset="0"/>
+                <a:ea typeface="Fira Code" pitchFamily="49" charset="0"/>
+                <a:cs typeface="Fira Code" pitchFamily="49" charset="0"/>
+              </a:rPr>
+              <a:t>(</a:t>
+            </a:r>
+            <a:r>
+              <a:rPr lang="en-US" sz="800" dirty="0">
+                <a:solidFill>
+                  <a:srgbClr val="1750EB"/>
+                </a:solidFill>
+                <a:effectLst/>
+                <a:latin typeface="Fira Code" pitchFamily="49" charset="0"/>
+                <a:ea typeface="Fira Code" pitchFamily="49" charset="0"/>
+                <a:cs typeface="Fira Code" pitchFamily="49" charset="0"/>
+              </a:rPr>
+              <a:t>1</a:t>
+            </a:r>
+            <a:r>
+              <a:rPr lang="en-US" sz="800" dirty="0">
+                <a:solidFill>
+                  <a:srgbClr val="080808"/>
+                </a:solidFill>
+                <a:effectLst/>
+                <a:latin typeface="Fira Code" pitchFamily="49" charset="0"/>
+                <a:ea typeface="Fira Code" pitchFamily="49" charset="0"/>
+                <a:cs typeface="Fira Code" pitchFamily="49" charset="0"/>
+              </a:rPr>
+              <a:t>)).exchange(</a:t>
+            </a:r>
+            <a:r>
+              <a:rPr lang="en-US" sz="800" dirty="0" err="1">
+                <a:solidFill>
+                  <a:srgbClr val="871094"/>
+                </a:solidFill>
+                <a:effectLst/>
+                <a:latin typeface="Fira Code" pitchFamily="49" charset="0"/>
+                <a:ea typeface="Fira Code" pitchFamily="49" charset="0"/>
+                <a:cs typeface="Fira Code" pitchFamily="49" charset="0"/>
+              </a:rPr>
+              <a:t>calledUrlCaptor</a:t>
+            </a:r>
+            <a:r>
+              <a:rPr lang="en-US" sz="800" dirty="0" err="1">
+                <a:solidFill>
+                  <a:srgbClr val="080808"/>
+                </a:solidFill>
+                <a:effectLst/>
+                <a:latin typeface="Fira Code" pitchFamily="49" charset="0"/>
+                <a:ea typeface="Fira Code" pitchFamily="49" charset="0"/>
+                <a:cs typeface="Fira Code" pitchFamily="49" charset="0"/>
+              </a:rPr>
+              <a:t>.capture</a:t>
+            </a:r>
+            <a:r>
+              <a:rPr lang="en-US" sz="800" dirty="0">
+                <a:solidFill>
+                  <a:srgbClr val="080808"/>
+                </a:solidFill>
+                <a:effectLst/>
+                <a:latin typeface="Fira Code" pitchFamily="49" charset="0"/>
+                <a:ea typeface="Fira Code" pitchFamily="49" charset="0"/>
+                <a:cs typeface="Fira Code" pitchFamily="49" charset="0"/>
+              </a:rPr>
+              <a:t>(), </a:t>
+            </a:r>
+            <a:r>
+              <a:rPr lang="en-US" sz="800" i="1" dirty="0">
+                <a:solidFill>
+                  <a:srgbClr val="080808"/>
+                </a:solidFill>
+                <a:effectLst/>
+                <a:latin typeface="Fira Code" pitchFamily="49" charset="0"/>
+                <a:ea typeface="Fira Code" pitchFamily="49" charset="0"/>
+                <a:cs typeface="Fira Code" pitchFamily="49" charset="0"/>
+              </a:rPr>
+              <a:t>eq</a:t>
+            </a:r>
+            <a:r>
+              <a:rPr lang="en-US" sz="800" dirty="0">
+                <a:solidFill>
+                  <a:srgbClr val="080808"/>
+                </a:solidFill>
+                <a:effectLst/>
+                <a:latin typeface="Fira Code" pitchFamily="49" charset="0"/>
+                <a:ea typeface="Fira Code" pitchFamily="49" charset="0"/>
+                <a:cs typeface="Fira Code" pitchFamily="49" charset="0"/>
+              </a:rPr>
+              <a:t>(</a:t>
+            </a:r>
+            <a:r>
+              <a:rPr lang="en-US" sz="800" dirty="0" err="1">
+                <a:solidFill>
+                  <a:srgbClr val="000000"/>
+                </a:solidFill>
+                <a:effectLst/>
+                <a:latin typeface="Fira Code" pitchFamily="49" charset="0"/>
+                <a:ea typeface="Fira Code" pitchFamily="49" charset="0"/>
+                <a:cs typeface="Fira Code" pitchFamily="49" charset="0"/>
+              </a:rPr>
+              <a:t>HttpMethod</a:t>
+            </a:r>
+            <a:r>
+              <a:rPr lang="en-US" sz="800" dirty="0" err="1">
+                <a:solidFill>
+                  <a:srgbClr val="080808"/>
+                </a:solidFill>
+                <a:effectLst/>
+                <a:latin typeface="Fira Code" pitchFamily="49" charset="0"/>
+                <a:ea typeface="Fira Code" pitchFamily="49" charset="0"/>
+                <a:cs typeface="Fira Code" pitchFamily="49" charset="0"/>
+              </a:rPr>
+              <a:t>.</a:t>
+            </a:r>
+            <a:r>
+              <a:rPr lang="en-US" sz="800" i="1" dirty="0" err="1">
+                <a:solidFill>
+                  <a:srgbClr val="871094"/>
+                </a:solidFill>
+                <a:effectLst/>
+                <a:latin typeface="Fira Code" pitchFamily="49" charset="0"/>
+                <a:ea typeface="Fira Code" pitchFamily="49" charset="0"/>
+                <a:cs typeface="Fira Code" pitchFamily="49" charset="0"/>
+              </a:rPr>
+              <a:t>GET</a:t>
+            </a:r>
+            <a:r>
+              <a:rPr lang="en-US" sz="800" dirty="0">
+                <a:solidFill>
+                  <a:srgbClr val="080808"/>
+                </a:solidFill>
+                <a:effectLst/>
+                <a:latin typeface="Fira Code" pitchFamily="49" charset="0"/>
+                <a:ea typeface="Fira Code" pitchFamily="49" charset="0"/>
+                <a:cs typeface="Fira Code" pitchFamily="49" charset="0"/>
+              </a:rPr>
+              <a:t>), </a:t>
+            </a:r>
+            <a:r>
+              <a:rPr lang="en-US" sz="800" dirty="0" err="1">
+                <a:solidFill>
+                  <a:srgbClr val="871094"/>
+                </a:solidFill>
+                <a:effectLst/>
+                <a:latin typeface="Fira Code" pitchFamily="49" charset="0"/>
+                <a:ea typeface="Fira Code" pitchFamily="49" charset="0"/>
+                <a:cs typeface="Fira Code" pitchFamily="49" charset="0"/>
+              </a:rPr>
+              <a:t>sentHttpEntityCaptor</a:t>
+            </a:r>
+            <a:r>
+              <a:rPr lang="en-US" sz="800" dirty="0" err="1">
+                <a:solidFill>
+                  <a:srgbClr val="080808"/>
+                </a:solidFill>
+                <a:effectLst/>
+                <a:latin typeface="Fira Code" pitchFamily="49" charset="0"/>
+                <a:ea typeface="Fira Code" pitchFamily="49" charset="0"/>
+                <a:cs typeface="Fira Code" pitchFamily="49" charset="0"/>
+              </a:rPr>
+              <a:t>.capture</a:t>
+            </a:r>
+            <a:r>
+              <a:rPr lang="en-US" sz="800" dirty="0">
+                <a:solidFill>
+                  <a:srgbClr val="080808"/>
+                </a:solidFill>
+                <a:effectLst/>
+                <a:latin typeface="Fira Code" pitchFamily="49" charset="0"/>
+                <a:ea typeface="Fira Code" pitchFamily="49" charset="0"/>
+                <a:cs typeface="Fira Code" pitchFamily="49" charset="0"/>
+              </a:rPr>
+              <a:t>(), </a:t>
+            </a:r>
+            <a:r>
+              <a:rPr lang="en-US" sz="800" i="1" dirty="0">
+                <a:solidFill>
+                  <a:srgbClr val="080808"/>
+                </a:solidFill>
+                <a:effectLst/>
+                <a:latin typeface="Fira Code" pitchFamily="49" charset="0"/>
+                <a:ea typeface="Fira Code" pitchFamily="49" charset="0"/>
+                <a:cs typeface="Fira Code" pitchFamily="49" charset="0"/>
+              </a:rPr>
+              <a:t>any</a:t>
+            </a:r>
+            <a:r>
+              <a:rPr lang="en-US" sz="800" dirty="0">
+                <a:solidFill>
+                  <a:srgbClr val="080808"/>
+                </a:solidFill>
+                <a:effectLst/>
+                <a:latin typeface="Fira Code" pitchFamily="49" charset="0"/>
+                <a:ea typeface="Fira Code" pitchFamily="49" charset="0"/>
+                <a:cs typeface="Fira Code" pitchFamily="49" charset="0"/>
+              </a:rPr>
+              <a:t>(</a:t>
+            </a:r>
+            <a:r>
+              <a:rPr lang="en-US" sz="800" dirty="0" err="1">
+                <a:solidFill>
+                  <a:srgbClr val="000000"/>
+                </a:solidFill>
+                <a:effectLst/>
+                <a:latin typeface="Fira Code" pitchFamily="49" charset="0"/>
+                <a:ea typeface="Fira Code" pitchFamily="49" charset="0"/>
+                <a:cs typeface="Fira Code" pitchFamily="49" charset="0"/>
+              </a:rPr>
+              <a:t>Class</a:t>
+            </a:r>
+            <a:r>
+              <a:rPr lang="en-US" sz="800" dirty="0" err="1">
+                <a:solidFill>
+                  <a:srgbClr val="080808"/>
+                </a:solidFill>
+                <a:effectLst/>
+                <a:latin typeface="Fira Code" pitchFamily="49" charset="0"/>
+                <a:ea typeface="Fira Code" pitchFamily="49" charset="0"/>
+                <a:cs typeface="Fira Code" pitchFamily="49" charset="0"/>
+              </a:rPr>
+              <a:t>.</a:t>
+            </a:r>
+            <a:r>
+              <a:rPr lang="en-US" sz="800" dirty="0" err="1">
+                <a:solidFill>
+                  <a:srgbClr val="0033B3"/>
+                </a:solidFill>
+                <a:effectLst/>
+                <a:latin typeface="Fira Code" pitchFamily="49" charset="0"/>
+                <a:ea typeface="Fira Code" pitchFamily="49" charset="0"/>
+                <a:cs typeface="Fira Code" pitchFamily="49" charset="0"/>
+              </a:rPr>
+              <a:t>class</a:t>
+            </a:r>
+            <a:r>
+              <a:rPr lang="en-US" sz="800" dirty="0">
+                <a:solidFill>
+                  <a:srgbClr val="080808"/>
+                </a:solidFill>
+                <a:effectLst/>
+                <a:latin typeface="Fira Code" pitchFamily="49" charset="0"/>
+                <a:ea typeface="Fira Code" pitchFamily="49" charset="0"/>
+                <a:cs typeface="Fira Code" pitchFamily="49" charset="0"/>
+              </a:rPr>
+              <a:t>));</a:t>
+            </a:r>
+            <a:br>
+              <a:rPr lang="en-US" sz="800" dirty="0">
+                <a:solidFill>
+                  <a:srgbClr val="080808"/>
+                </a:solidFill>
+                <a:effectLst/>
+                <a:latin typeface="Fira Code" pitchFamily="49" charset="0"/>
+                <a:ea typeface="Fira Code" pitchFamily="49" charset="0"/>
+                <a:cs typeface="Fira Code" pitchFamily="49" charset="0"/>
+              </a:rPr>
+            </a:br>
+            <a:r>
+              <a:rPr lang="en-US" sz="800" dirty="0">
+                <a:solidFill>
+                  <a:srgbClr val="080808"/>
+                </a:solidFill>
+                <a:effectLst/>
+                <a:latin typeface="Fira Code" pitchFamily="49" charset="0"/>
+                <a:ea typeface="Fira Code" pitchFamily="49" charset="0"/>
+                <a:cs typeface="Fira Code" pitchFamily="49" charset="0"/>
+              </a:rPr>
+              <a:t>    </a:t>
+            </a:r>
+            <a:r>
+              <a:rPr lang="en-US" sz="800" dirty="0" err="1">
+                <a:solidFill>
+                  <a:srgbClr val="080808"/>
+                </a:solidFill>
+                <a:effectLst/>
+                <a:latin typeface="Fira Code" pitchFamily="49" charset="0"/>
+                <a:ea typeface="Fira Code" pitchFamily="49" charset="0"/>
+                <a:cs typeface="Fira Code" pitchFamily="49" charset="0"/>
+              </a:rPr>
+              <a:t>verifyHeadersAreValid</a:t>
+            </a:r>
+            <a:r>
+              <a:rPr lang="en-US" sz="800" dirty="0">
+                <a:solidFill>
+                  <a:srgbClr val="080808"/>
+                </a:solidFill>
+                <a:effectLst/>
+                <a:latin typeface="Fira Code" pitchFamily="49" charset="0"/>
+                <a:ea typeface="Fira Code" pitchFamily="49" charset="0"/>
+                <a:cs typeface="Fira Code" pitchFamily="49" charset="0"/>
+              </a:rPr>
+              <a:t>(</a:t>
+            </a:r>
+            <a:r>
+              <a:rPr lang="en-US" sz="800" dirty="0" err="1">
+                <a:solidFill>
+                  <a:srgbClr val="871094"/>
+                </a:solidFill>
+                <a:effectLst/>
+                <a:latin typeface="Fira Code" pitchFamily="49" charset="0"/>
+                <a:ea typeface="Fira Code" pitchFamily="49" charset="0"/>
+                <a:cs typeface="Fira Code" pitchFamily="49" charset="0"/>
+              </a:rPr>
+              <a:t>sentHttpEntityCaptor</a:t>
+            </a:r>
+            <a:r>
+              <a:rPr lang="en-US" sz="800" dirty="0" err="1">
+                <a:solidFill>
+                  <a:srgbClr val="080808"/>
+                </a:solidFill>
+                <a:effectLst/>
+                <a:latin typeface="Fira Code" pitchFamily="49" charset="0"/>
+                <a:ea typeface="Fira Code" pitchFamily="49" charset="0"/>
+                <a:cs typeface="Fira Code" pitchFamily="49" charset="0"/>
+              </a:rPr>
+              <a:t>.getValue</a:t>
+            </a:r>
+            <a:r>
+              <a:rPr lang="en-US" sz="800" dirty="0">
+                <a:solidFill>
+                  <a:srgbClr val="080808"/>
+                </a:solidFill>
+                <a:effectLst/>
+                <a:latin typeface="Fira Code" pitchFamily="49" charset="0"/>
+                <a:ea typeface="Fira Code" pitchFamily="49" charset="0"/>
+                <a:cs typeface="Fira Code" pitchFamily="49" charset="0"/>
+              </a:rPr>
+              <a:t>().</a:t>
+            </a:r>
+            <a:r>
+              <a:rPr lang="en-US" sz="800" dirty="0" err="1">
+                <a:solidFill>
+                  <a:srgbClr val="080808"/>
+                </a:solidFill>
+                <a:effectLst/>
+                <a:latin typeface="Fira Code" pitchFamily="49" charset="0"/>
+                <a:ea typeface="Fira Code" pitchFamily="49" charset="0"/>
+                <a:cs typeface="Fira Code" pitchFamily="49" charset="0"/>
+              </a:rPr>
+              <a:t>getHeaders</a:t>
+            </a:r>
+            <a:r>
+              <a:rPr lang="en-US" sz="800" dirty="0">
+                <a:solidFill>
+                  <a:srgbClr val="080808"/>
+                </a:solidFill>
+                <a:effectLst/>
+                <a:latin typeface="Fira Code" pitchFamily="49" charset="0"/>
+                <a:ea typeface="Fira Code" pitchFamily="49" charset="0"/>
+                <a:cs typeface="Fira Code" pitchFamily="49" charset="0"/>
+              </a:rPr>
+              <a:t>());</a:t>
+            </a:r>
+            <a:br>
+              <a:rPr lang="en-US" sz="800" dirty="0">
+                <a:solidFill>
+                  <a:srgbClr val="080808"/>
+                </a:solidFill>
+                <a:effectLst/>
+                <a:latin typeface="Fira Code" pitchFamily="49" charset="0"/>
+                <a:ea typeface="Fira Code" pitchFamily="49" charset="0"/>
+                <a:cs typeface="Fira Code" pitchFamily="49" charset="0"/>
+              </a:rPr>
+            </a:br>
+            <a:r>
+              <a:rPr lang="en-US" sz="800" dirty="0">
+                <a:solidFill>
+                  <a:srgbClr val="080808"/>
+                </a:solidFill>
+                <a:effectLst/>
+                <a:latin typeface="Fira Code" pitchFamily="49" charset="0"/>
+                <a:ea typeface="Fira Code" pitchFamily="49" charset="0"/>
+                <a:cs typeface="Fira Code" pitchFamily="49" charset="0"/>
+              </a:rPr>
+              <a:t>}</a:t>
+            </a:r>
+          </a:p>
+          <a:p>
+            <a:pPr marL="0" indent="0">
+              <a:buNone/>
+            </a:pPr>
+            <a:endParaRPr lang="en-US" sz="800" dirty="0">
+              <a:latin typeface="Fira Code" pitchFamily="49" charset="0"/>
+              <a:ea typeface="Fira Code" pitchFamily="49" charset="0"/>
+              <a:cs typeface="Fira Code" pitchFamily="49" charset="0"/>
+            </a:endParaRPr>
+          </a:p>
+        </p:txBody>
+      </p:sp>
+    </p:spTree>
+    <p:extLst>
+      <p:ext uri="{BB962C8B-B14F-4D97-AF65-F5344CB8AC3E}">
+        <p14:creationId xmlns:p14="http://schemas.microsoft.com/office/powerpoint/2010/main" val="379213993"/>
+      </p:ext>
+    </p:extLst>
+  </p:cSld>
+  <p:clrMapOvr>
+    <a:masterClrMapping/>
+  </p:clrMapOvr>
+</p:sld>
+</file>
+
+<file path=ppt/slides/slide30.xml><?xml version="1.0" encoding="utf-8"?>
 <p:sld xmlns:a="http://schemas.openxmlformats.org/drawingml/2006/main" xmlns:r="http://schemas.openxmlformats.org/officeDocument/2006/relationships" xmlns:p="http://schemas.openxmlformats.org/presentationml/2006/main">
   <p:cSld>
     <p:spTree>
@@ -12862,7 +14752,7 @@
 </p:sld>
 </file>
 
-<file path=ppt/slides/slide29.xml><?xml version="1.0" encoding="utf-8"?>
+<file path=ppt/slides/slide31.xml><?xml version="1.0" encoding="utf-8"?>
 <p:sld xmlns:a="http://schemas.openxmlformats.org/drawingml/2006/main" xmlns:r="http://schemas.openxmlformats.org/officeDocument/2006/relationships" xmlns:p="http://schemas.openxmlformats.org/presentationml/2006/main">
   <p:cSld>
     <p:spTree>
@@ -12966,1583 +14856,7 @@
 </p:sld>
 </file>
 
-<file path=ppt/slides/slide3.xml><?xml version="1.0" encoding="utf-8"?>
-<p:sld xmlns:a="http://schemas.openxmlformats.org/drawingml/2006/main" xmlns:r="http://schemas.openxmlformats.org/officeDocument/2006/relationships" xmlns:p="http://schemas.openxmlformats.org/presentationml/2006/main">
-  <p:cSld>
-    <p:spTree>
-      <p:nvGrpSpPr>
-        <p:cNvPr id="1" name=""/>
-        <p:cNvGrpSpPr/>
-        <p:nvPr/>
-      </p:nvGrpSpPr>
-      <p:grpSpPr>
-        <a:xfrm>
-          <a:off x="0" y="0"/>
-          <a:ext cx="0" cy="0"/>
-          <a:chOff x="0" y="0"/>
-          <a:chExt cx="0" cy="0"/>
-        </a:xfrm>
-      </p:grpSpPr>
-      <p:sp>
-        <p:nvSpPr>
-          <p:cNvPr id="2" name="Title 1">
-            <a:extLst>
-              <a:ext uri="{FF2B5EF4-FFF2-40B4-BE49-F238E27FC236}">
-                <a16:creationId xmlns:a16="http://schemas.microsoft.com/office/drawing/2014/main" id="{5FDF8E1D-0B99-4C64-504D-96FFBC67709F}"/>
-              </a:ext>
-            </a:extLst>
-          </p:cNvPr>
-          <p:cNvSpPr>
-            <a:spLocks noGrp="1"/>
-          </p:cNvSpPr>
-          <p:nvPr>
-            <p:ph type="title"/>
-          </p:nvPr>
-        </p:nvSpPr>
-        <p:spPr/>
-        <p:txBody>
-          <a:bodyPr/>
-          <a:lstStyle/>
-          <a:p>
-            <a:r>
-              <a:rPr lang="en-US" dirty="0"/>
-              <a:t>Original</a:t>
-            </a:r>
-          </a:p>
-        </p:txBody>
-      </p:sp>
-      <p:sp>
-        <p:nvSpPr>
-          <p:cNvPr id="3" name="Content Placeholder 2">
-            <a:extLst>
-              <a:ext uri="{FF2B5EF4-FFF2-40B4-BE49-F238E27FC236}">
-                <a16:creationId xmlns:a16="http://schemas.microsoft.com/office/drawing/2014/main" id="{3618D96A-1571-1C4D-9574-BEAFBAC5E719}"/>
-              </a:ext>
-            </a:extLst>
-          </p:cNvPr>
-          <p:cNvSpPr>
-            <a:spLocks noGrp="1"/>
-          </p:cNvSpPr>
-          <p:nvPr>
-            <p:ph idx="1"/>
-          </p:nvPr>
-        </p:nvSpPr>
-        <p:spPr>
-          <a:xfrm>
-            <a:off x="838200" y="1825625"/>
-            <a:ext cx="11049000" cy="4351338"/>
-          </a:xfrm>
-        </p:spPr>
-        <p:txBody>
-          <a:bodyPr>
-            <a:noAutofit/>
-          </a:bodyPr>
-          <a:lstStyle/>
-          <a:p>
-            <a:pPr marL="0" indent="0">
-              <a:buNone/>
-            </a:pPr>
-            <a:br>
-              <a:rPr lang="en-US" sz="800" dirty="0">
-                <a:solidFill>
-                  <a:srgbClr val="080808"/>
-                </a:solidFill>
-                <a:effectLst/>
-                <a:latin typeface="Fira Code" pitchFamily="49" charset="0"/>
-                <a:ea typeface="Fira Code" pitchFamily="49" charset="0"/>
-                <a:cs typeface="Fira Code" pitchFamily="49" charset="0"/>
-              </a:rPr>
-            </a:br>
-            <a:r>
-              <a:rPr lang="en-US" sz="800" dirty="0">
-                <a:solidFill>
-                  <a:srgbClr val="9E880D"/>
-                </a:solidFill>
-                <a:effectLst/>
-                <a:latin typeface="Fira Code" pitchFamily="49" charset="0"/>
-                <a:ea typeface="Fira Code" pitchFamily="49" charset="0"/>
-                <a:cs typeface="Fira Code" pitchFamily="49" charset="0"/>
-              </a:rPr>
-              <a:t>@Test</a:t>
-            </a:r>
-            <a:br>
-              <a:rPr lang="en-US" sz="800" dirty="0">
-                <a:solidFill>
-                  <a:srgbClr val="9E880D"/>
-                </a:solidFill>
-                <a:effectLst/>
-                <a:latin typeface="Fira Code" pitchFamily="49" charset="0"/>
-                <a:ea typeface="Fira Code" pitchFamily="49" charset="0"/>
-                <a:cs typeface="Fira Code" pitchFamily="49" charset="0"/>
-              </a:rPr>
-            </a:br>
-            <a:r>
-              <a:rPr lang="en-US" sz="800" dirty="0">
-                <a:solidFill>
-                  <a:srgbClr val="0033B3"/>
-                </a:solidFill>
-                <a:effectLst/>
-                <a:latin typeface="Fira Code" pitchFamily="49" charset="0"/>
-                <a:ea typeface="Fira Code" pitchFamily="49" charset="0"/>
-                <a:cs typeface="Fira Code" pitchFamily="49" charset="0"/>
-              </a:rPr>
-              <a:t>public void </a:t>
-            </a:r>
-            <a:r>
-              <a:rPr lang="en-US" sz="800" dirty="0" err="1">
-                <a:solidFill>
-                  <a:srgbClr val="00627A"/>
-                </a:solidFill>
-                <a:effectLst/>
-                <a:latin typeface="Fira Code" pitchFamily="49" charset="0"/>
-                <a:ea typeface="Fira Code" pitchFamily="49" charset="0"/>
-                <a:cs typeface="Fira Code" pitchFamily="49" charset="0"/>
-              </a:rPr>
-              <a:t>shouldGetCustomerFromService</a:t>
-            </a:r>
-            <a:r>
-              <a:rPr lang="en-US" sz="800" dirty="0">
-                <a:solidFill>
-                  <a:srgbClr val="080808"/>
-                </a:solidFill>
-                <a:effectLst/>
-                <a:latin typeface="Fira Code" pitchFamily="49" charset="0"/>
-                <a:ea typeface="Fira Code" pitchFamily="49" charset="0"/>
-                <a:cs typeface="Fira Code" pitchFamily="49" charset="0"/>
-              </a:rPr>
-              <a:t>() {</a:t>
-            </a:r>
-            <a:br>
-              <a:rPr lang="en-US" sz="800" dirty="0">
-                <a:solidFill>
-                  <a:srgbClr val="080808"/>
-                </a:solidFill>
-                <a:effectLst/>
-                <a:latin typeface="Fira Code" pitchFamily="49" charset="0"/>
-                <a:ea typeface="Fira Code" pitchFamily="49" charset="0"/>
-                <a:cs typeface="Fira Code" pitchFamily="49" charset="0"/>
-              </a:rPr>
-            </a:br>
-            <a:r>
-              <a:rPr lang="en-US" sz="800" dirty="0">
-                <a:solidFill>
-                  <a:srgbClr val="080808"/>
-                </a:solidFill>
-                <a:effectLst/>
-                <a:latin typeface="Fira Code" pitchFamily="49" charset="0"/>
-                <a:ea typeface="Fira Code" pitchFamily="49" charset="0"/>
-                <a:cs typeface="Fira Code" pitchFamily="49" charset="0"/>
-              </a:rPr>
-              <a:t>    </a:t>
-            </a:r>
-            <a:r>
-              <a:rPr lang="en-US" sz="800" i="1" dirty="0">
-                <a:solidFill>
-                  <a:srgbClr val="8C8C8C"/>
-                </a:solidFill>
-                <a:effectLst/>
-                <a:latin typeface="Fira Code" pitchFamily="49" charset="0"/>
-                <a:ea typeface="Fira Code" pitchFamily="49" charset="0"/>
-                <a:cs typeface="Fira Code" pitchFamily="49" charset="0"/>
-              </a:rPr>
-              <a:t>// given</a:t>
-            </a:r>
-            <a:br>
-              <a:rPr lang="en-US" sz="800" i="1" dirty="0">
-                <a:solidFill>
-                  <a:srgbClr val="8C8C8C"/>
-                </a:solidFill>
-                <a:effectLst/>
-                <a:latin typeface="Fira Code" pitchFamily="49" charset="0"/>
-                <a:ea typeface="Fira Code" pitchFamily="49" charset="0"/>
-                <a:cs typeface="Fira Code" pitchFamily="49" charset="0"/>
-              </a:rPr>
-            </a:br>
-            <a:r>
-              <a:rPr lang="en-US" sz="800" i="1" dirty="0">
-                <a:solidFill>
-                  <a:srgbClr val="8C8C8C"/>
-                </a:solidFill>
-                <a:effectLst/>
-                <a:latin typeface="Fira Code" pitchFamily="49" charset="0"/>
-                <a:ea typeface="Fira Code" pitchFamily="49" charset="0"/>
-                <a:cs typeface="Fira Code" pitchFamily="49" charset="0"/>
-              </a:rPr>
-              <a:t>    </a:t>
-            </a:r>
-            <a:r>
-              <a:rPr lang="en-US" sz="800" dirty="0" err="1">
-                <a:solidFill>
-                  <a:srgbClr val="871094"/>
-                </a:solidFill>
-                <a:effectLst/>
-                <a:latin typeface="Fira Code" pitchFamily="49" charset="0"/>
-                <a:ea typeface="Fira Code" pitchFamily="49" charset="0"/>
-                <a:cs typeface="Fira Code" pitchFamily="49" charset="0"/>
-              </a:rPr>
-              <a:t>accountType</a:t>
-            </a:r>
-            <a:r>
-              <a:rPr lang="en-US" sz="800" dirty="0">
-                <a:solidFill>
-                  <a:srgbClr val="871094"/>
-                </a:solidFill>
-                <a:effectLst/>
-                <a:latin typeface="Fira Code" pitchFamily="49" charset="0"/>
-                <a:ea typeface="Fira Code" pitchFamily="49" charset="0"/>
-                <a:cs typeface="Fira Code" pitchFamily="49" charset="0"/>
-              </a:rPr>
-              <a:t> </a:t>
-            </a:r>
-            <a:r>
-              <a:rPr lang="en-US" sz="800" dirty="0">
-                <a:solidFill>
-                  <a:srgbClr val="080808"/>
-                </a:solidFill>
-                <a:effectLst/>
-                <a:latin typeface="Fira Code" pitchFamily="49" charset="0"/>
-                <a:ea typeface="Fira Code" pitchFamily="49" charset="0"/>
-                <a:cs typeface="Fira Code" pitchFamily="49" charset="0"/>
-              </a:rPr>
-              <a:t>= </a:t>
-            </a:r>
-            <a:r>
-              <a:rPr lang="en-US" sz="800" dirty="0" err="1">
-                <a:solidFill>
-                  <a:srgbClr val="000000"/>
-                </a:solidFill>
-                <a:effectLst/>
-                <a:latin typeface="Fira Code" pitchFamily="49" charset="0"/>
-                <a:ea typeface="Fira Code" pitchFamily="49" charset="0"/>
-                <a:cs typeface="Fira Code" pitchFamily="49" charset="0"/>
-              </a:rPr>
-              <a:t>CustomerAccountTypeInfo</a:t>
-            </a:r>
-            <a:r>
-              <a:rPr lang="en-US" sz="800" dirty="0" err="1">
-                <a:solidFill>
-                  <a:srgbClr val="080808"/>
-                </a:solidFill>
-                <a:effectLst/>
-                <a:latin typeface="Fira Code" pitchFamily="49" charset="0"/>
-                <a:ea typeface="Fira Code" pitchFamily="49" charset="0"/>
-                <a:cs typeface="Fira Code" pitchFamily="49" charset="0"/>
-              </a:rPr>
-              <a:t>.</a:t>
-            </a:r>
-            <a:r>
-              <a:rPr lang="en-US" sz="800" i="1" dirty="0" err="1">
-                <a:solidFill>
-                  <a:srgbClr val="080808"/>
-                </a:solidFill>
-                <a:effectLst/>
-                <a:latin typeface="Fira Code" pitchFamily="49" charset="0"/>
-                <a:ea typeface="Fira Code" pitchFamily="49" charset="0"/>
-                <a:cs typeface="Fira Code" pitchFamily="49" charset="0"/>
-              </a:rPr>
-              <a:t>builder</a:t>
-            </a:r>
-            <a:r>
-              <a:rPr lang="en-US" sz="800" dirty="0">
-                <a:solidFill>
-                  <a:srgbClr val="080808"/>
-                </a:solidFill>
-                <a:effectLst/>
-                <a:latin typeface="Fira Code" pitchFamily="49" charset="0"/>
-                <a:ea typeface="Fira Code" pitchFamily="49" charset="0"/>
-                <a:cs typeface="Fira Code" pitchFamily="49" charset="0"/>
-              </a:rPr>
-              <a:t>().</a:t>
-            </a:r>
-            <a:r>
-              <a:rPr lang="en-US" sz="800" dirty="0" err="1">
-                <a:solidFill>
-                  <a:srgbClr val="080808"/>
-                </a:solidFill>
-                <a:effectLst/>
-                <a:latin typeface="Fira Code" pitchFamily="49" charset="0"/>
-                <a:ea typeface="Fira Code" pitchFamily="49" charset="0"/>
-                <a:cs typeface="Fira Code" pitchFamily="49" charset="0"/>
-              </a:rPr>
-              <a:t>account</a:t>
-            </a:r>
-            <a:r>
-              <a:rPr lang="en-US" sz="800" dirty="0">
-                <a:solidFill>
-                  <a:srgbClr val="080808"/>
-                </a:solidFill>
-                <a:effectLst/>
-                <a:latin typeface="Fira Code" pitchFamily="49" charset="0"/>
-                <a:ea typeface="Fira Code" pitchFamily="49" charset="0"/>
-                <a:cs typeface="Fira Code" pitchFamily="49" charset="0"/>
-              </a:rPr>
-              <a:t>(</a:t>
-            </a:r>
-            <a:r>
-              <a:rPr lang="en-US" sz="800" i="1" dirty="0">
-                <a:solidFill>
-                  <a:srgbClr val="871094"/>
-                </a:solidFill>
-                <a:effectLst/>
-                <a:latin typeface="Fira Code" pitchFamily="49" charset="0"/>
-                <a:ea typeface="Fira Code" pitchFamily="49" charset="0"/>
-                <a:cs typeface="Fira Code" pitchFamily="49" charset="0"/>
-              </a:rPr>
-              <a:t>ACCOUNT_ID)</a:t>
-            </a:r>
-            <a:r>
-              <a:rPr lang="en-US" sz="800" i="1" dirty="0">
-                <a:solidFill>
-                  <a:srgbClr val="080808"/>
-                </a:solidFill>
-                <a:latin typeface="Fira Code" pitchFamily="49" charset="0"/>
-                <a:ea typeface="Fira Code" pitchFamily="49" charset="0"/>
-                <a:cs typeface="Fira Code" pitchFamily="49" charset="0"/>
-              </a:rPr>
-              <a:t>.</a:t>
-            </a:r>
-            <a:r>
-              <a:rPr lang="en-US" sz="800" dirty="0" err="1">
-                <a:solidFill>
-                  <a:srgbClr val="080808"/>
-                </a:solidFill>
-                <a:effectLst/>
-                <a:latin typeface="Fira Code" pitchFamily="49" charset="0"/>
-                <a:ea typeface="Fira Code" pitchFamily="49" charset="0"/>
-                <a:cs typeface="Fira Code" pitchFamily="49" charset="0"/>
-              </a:rPr>
-              <a:t>accountType</a:t>
-            </a:r>
-            <a:r>
-              <a:rPr lang="en-US" sz="800" dirty="0">
-                <a:solidFill>
-                  <a:srgbClr val="080808"/>
-                </a:solidFill>
-                <a:effectLst/>
-                <a:latin typeface="Fira Code" pitchFamily="49" charset="0"/>
-                <a:ea typeface="Fira Code" pitchFamily="49" charset="0"/>
-                <a:cs typeface="Fira Code" pitchFamily="49" charset="0"/>
-              </a:rPr>
-              <a:t>(</a:t>
-            </a:r>
-            <a:r>
-              <a:rPr lang="en-US" sz="800" dirty="0">
-                <a:solidFill>
-                  <a:srgbClr val="067D17"/>
-                </a:solidFill>
-                <a:effectLst/>
-                <a:latin typeface="Fira Code" pitchFamily="49" charset="0"/>
-                <a:ea typeface="Fira Code" pitchFamily="49" charset="0"/>
-                <a:cs typeface="Fira Code" pitchFamily="49" charset="0"/>
-              </a:rPr>
-              <a:t>”PERSONAL"</a:t>
-            </a:r>
-            <a:r>
-              <a:rPr lang="en-US" sz="800" dirty="0">
-                <a:solidFill>
-                  <a:srgbClr val="080808"/>
-                </a:solidFill>
-                <a:effectLst/>
-                <a:latin typeface="Fira Code" pitchFamily="49" charset="0"/>
-                <a:ea typeface="Fira Code" pitchFamily="49" charset="0"/>
-                <a:cs typeface="Fira Code" pitchFamily="49" charset="0"/>
-              </a:rPr>
-              <a:t>).</a:t>
-            </a:r>
-            <a:r>
-              <a:rPr lang="en-US" sz="800" dirty="0" err="1">
-                <a:solidFill>
-                  <a:srgbClr val="080808"/>
-                </a:solidFill>
-                <a:effectLst/>
-                <a:latin typeface="Fira Code" pitchFamily="49" charset="0"/>
-                <a:ea typeface="Fira Code" pitchFamily="49" charset="0"/>
-                <a:cs typeface="Fira Code" pitchFamily="49" charset="0"/>
-              </a:rPr>
-              <a:t>subscription</a:t>
-            </a:r>
-            <a:r>
-              <a:rPr lang="en-US" sz="800" dirty="0">
-                <a:solidFill>
-                  <a:srgbClr val="080808"/>
-                </a:solidFill>
-                <a:effectLst/>
-                <a:latin typeface="Fira Code" pitchFamily="49" charset="0"/>
-                <a:ea typeface="Fira Code" pitchFamily="49" charset="0"/>
-                <a:cs typeface="Fira Code" pitchFamily="49" charset="0"/>
-              </a:rPr>
-              <a:t>(</a:t>
-            </a:r>
-            <a:r>
-              <a:rPr lang="en-US" sz="800" dirty="0">
-                <a:solidFill>
-                  <a:srgbClr val="067D17"/>
-                </a:solidFill>
-                <a:effectLst/>
-                <a:latin typeface="Fira Code" pitchFamily="49" charset="0"/>
-                <a:ea typeface="Fira Code" pitchFamily="49" charset="0"/>
-                <a:cs typeface="Fira Code" pitchFamily="49" charset="0"/>
-              </a:rPr>
-              <a:t>”MONTHLY"</a:t>
-            </a:r>
-            <a:r>
-              <a:rPr lang="en-US" sz="800" dirty="0">
-                <a:solidFill>
-                  <a:srgbClr val="080808"/>
-                </a:solidFill>
-                <a:effectLst/>
-                <a:latin typeface="Fira Code" pitchFamily="49" charset="0"/>
-                <a:ea typeface="Fira Code" pitchFamily="49" charset="0"/>
-                <a:cs typeface="Fira Code" pitchFamily="49" charset="0"/>
-              </a:rPr>
-              <a:t>).build();</a:t>
-            </a:r>
-            <a:br>
-              <a:rPr lang="en-US" sz="800" dirty="0">
-                <a:solidFill>
-                  <a:srgbClr val="080808"/>
-                </a:solidFill>
-                <a:effectLst/>
-                <a:latin typeface="Fira Code" pitchFamily="49" charset="0"/>
-                <a:ea typeface="Fira Code" pitchFamily="49" charset="0"/>
-                <a:cs typeface="Fira Code" pitchFamily="49" charset="0"/>
-              </a:rPr>
-            </a:br>
-            <a:r>
-              <a:rPr lang="en-US" sz="800" dirty="0">
-                <a:solidFill>
-                  <a:srgbClr val="080808"/>
-                </a:solidFill>
-                <a:effectLst/>
-                <a:latin typeface="Fira Code" pitchFamily="49" charset="0"/>
-                <a:ea typeface="Fira Code" pitchFamily="49" charset="0"/>
-                <a:cs typeface="Fira Code" pitchFamily="49" charset="0"/>
-              </a:rPr>
-              <a:t>    </a:t>
-            </a:r>
-            <a:r>
-              <a:rPr lang="en-US" sz="800" i="1" dirty="0">
-                <a:solidFill>
-                  <a:srgbClr val="080808"/>
-                </a:solidFill>
-                <a:effectLst/>
-                <a:latin typeface="Fira Code" pitchFamily="49" charset="0"/>
-                <a:ea typeface="Fira Code" pitchFamily="49" charset="0"/>
-                <a:cs typeface="Fira Code" pitchFamily="49" charset="0"/>
-              </a:rPr>
-              <a:t>when</a:t>
-            </a:r>
-            <a:r>
-              <a:rPr lang="en-US" sz="800" dirty="0">
-                <a:solidFill>
-                  <a:srgbClr val="080808"/>
-                </a:solidFill>
-                <a:effectLst/>
-                <a:latin typeface="Fira Code" pitchFamily="49" charset="0"/>
-                <a:ea typeface="Fira Code" pitchFamily="49" charset="0"/>
-                <a:cs typeface="Fira Code" pitchFamily="49" charset="0"/>
-              </a:rPr>
-              <a:t>(</a:t>
-            </a:r>
-            <a:r>
-              <a:rPr lang="en-US" sz="800" dirty="0" err="1">
-                <a:solidFill>
-                  <a:srgbClr val="871094"/>
-                </a:solidFill>
-                <a:effectLst/>
-                <a:latin typeface="Fira Code" pitchFamily="49" charset="0"/>
-                <a:ea typeface="Fira Code" pitchFamily="49" charset="0"/>
-                <a:cs typeface="Fira Code" pitchFamily="49" charset="0"/>
-              </a:rPr>
-              <a:t>responseEntity</a:t>
-            </a:r>
-            <a:r>
-              <a:rPr lang="en-US" sz="800" dirty="0" err="1">
-                <a:solidFill>
-                  <a:srgbClr val="080808"/>
-                </a:solidFill>
-                <a:effectLst/>
-                <a:latin typeface="Fira Code" pitchFamily="49" charset="0"/>
-                <a:ea typeface="Fira Code" pitchFamily="49" charset="0"/>
-                <a:cs typeface="Fira Code" pitchFamily="49" charset="0"/>
-              </a:rPr>
-              <a:t>.getBody</a:t>
-            </a:r>
-            <a:r>
-              <a:rPr lang="en-US" sz="800" dirty="0">
-                <a:solidFill>
-                  <a:srgbClr val="080808"/>
-                </a:solidFill>
-                <a:effectLst/>
-                <a:latin typeface="Fira Code" pitchFamily="49" charset="0"/>
-                <a:ea typeface="Fira Code" pitchFamily="49" charset="0"/>
-                <a:cs typeface="Fira Code" pitchFamily="49" charset="0"/>
-              </a:rPr>
-              <a:t>()).</a:t>
-            </a:r>
-            <a:r>
-              <a:rPr lang="en-US" sz="800" dirty="0" err="1">
-                <a:solidFill>
-                  <a:srgbClr val="080808"/>
-                </a:solidFill>
-                <a:effectLst/>
-                <a:latin typeface="Fira Code" pitchFamily="49" charset="0"/>
-                <a:ea typeface="Fira Code" pitchFamily="49" charset="0"/>
-                <a:cs typeface="Fira Code" pitchFamily="49" charset="0"/>
-              </a:rPr>
-              <a:t>thenReturn</a:t>
-            </a:r>
-            <a:r>
-              <a:rPr lang="en-US" sz="800" dirty="0">
-                <a:solidFill>
-                  <a:srgbClr val="080808"/>
-                </a:solidFill>
-                <a:effectLst/>
-                <a:latin typeface="Fira Code" pitchFamily="49" charset="0"/>
-                <a:ea typeface="Fira Code" pitchFamily="49" charset="0"/>
-                <a:cs typeface="Fira Code" pitchFamily="49" charset="0"/>
-              </a:rPr>
-              <a:t>(</a:t>
-            </a:r>
-            <a:r>
-              <a:rPr lang="en-US" sz="800" dirty="0" err="1">
-                <a:solidFill>
-                  <a:srgbClr val="871094"/>
-                </a:solidFill>
-                <a:effectLst/>
-                <a:latin typeface="Fira Code" pitchFamily="49" charset="0"/>
-                <a:ea typeface="Fira Code" pitchFamily="49" charset="0"/>
-                <a:cs typeface="Fira Code" pitchFamily="49" charset="0"/>
-              </a:rPr>
-              <a:t>accountType</a:t>
-            </a:r>
-            <a:r>
-              <a:rPr lang="en-US" sz="800" dirty="0">
-                <a:solidFill>
-                  <a:srgbClr val="080808"/>
-                </a:solidFill>
-                <a:effectLst/>
-                <a:latin typeface="Fira Code" pitchFamily="49" charset="0"/>
-                <a:ea typeface="Fira Code" pitchFamily="49" charset="0"/>
-                <a:cs typeface="Fira Code" pitchFamily="49" charset="0"/>
-              </a:rPr>
-              <a:t>);</a:t>
-            </a:r>
-            <a:br>
-              <a:rPr lang="en-US" sz="800" dirty="0">
-                <a:solidFill>
-                  <a:srgbClr val="080808"/>
-                </a:solidFill>
-                <a:effectLst/>
-                <a:latin typeface="Fira Code" pitchFamily="49" charset="0"/>
-                <a:ea typeface="Fira Code" pitchFamily="49" charset="0"/>
-                <a:cs typeface="Fira Code" pitchFamily="49" charset="0"/>
-              </a:rPr>
-            </a:br>
-            <a:r>
-              <a:rPr lang="en-US" sz="800" dirty="0">
-                <a:solidFill>
-                  <a:srgbClr val="080808"/>
-                </a:solidFill>
-                <a:effectLst/>
-                <a:latin typeface="Fira Code" pitchFamily="49" charset="0"/>
-                <a:ea typeface="Fira Code" pitchFamily="49" charset="0"/>
-                <a:cs typeface="Fira Code" pitchFamily="49" charset="0"/>
-              </a:rPr>
-              <a:t>    </a:t>
-            </a:r>
-            <a:r>
-              <a:rPr lang="en-US" sz="800" i="1" dirty="0">
-                <a:solidFill>
-                  <a:srgbClr val="8C8C8C"/>
-                </a:solidFill>
-                <a:effectLst/>
-                <a:latin typeface="Fira Code" pitchFamily="49" charset="0"/>
-                <a:ea typeface="Fira Code" pitchFamily="49" charset="0"/>
-                <a:cs typeface="Fira Code" pitchFamily="49" charset="0"/>
-              </a:rPr>
-              <a:t>// when</a:t>
-            </a:r>
-            <a:br>
-              <a:rPr lang="en-US" sz="800" i="1" dirty="0">
-                <a:solidFill>
-                  <a:srgbClr val="8C8C8C"/>
-                </a:solidFill>
-                <a:effectLst/>
-                <a:latin typeface="Fira Code" pitchFamily="49" charset="0"/>
-                <a:ea typeface="Fira Code" pitchFamily="49" charset="0"/>
-                <a:cs typeface="Fira Code" pitchFamily="49" charset="0"/>
-              </a:rPr>
-            </a:br>
-            <a:r>
-              <a:rPr lang="en-US" sz="800" i="1" dirty="0">
-                <a:solidFill>
-                  <a:srgbClr val="8C8C8C"/>
-                </a:solidFill>
-                <a:effectLst/>
-                <a:latin typeface="Fira Code" pitchFamily="49" charset="0"/>
-                <a:ea typeface="Fira Code" pitchFamily="49" charset="0"/>
-                <a:cs typeface="Fira Code" pitchFamily="49" charset="0"/>
-              </a:rPr>
-              <a:t>    </a:t>
-            </a:r>
-            <a:r>
-              <a:rPr lang="en-US" sz="800" dirty="0" err="1">
-                <a:solidFill>
-                  <a:srgbClr val="000000"/>
-                </a:solidFill>
-                <a:effectLst/>
-                <a:latin typeface="Fira Code" pitchFamily="49" charset="0"/>
-                <a:ea typeface="Fira Code" pitchFamily="49" charset="0"/>
-                <a:cs typeface="Fira Code" pitchFamily="49" charset="0"/>
-              </a:rPr>
-              <a:t>CustomerAccount</a:t>
-            </a:r>
-            <a:r>
-              <a:rPr lang="en-US" sz="800" dirty="0">
-                <a:solidFill>
-                  <a:srgbClr val="000000"/>
-                </a:solidFill>
-                <a:effectLst/>
-                <a:latin typeface="Fira Code" pitchFamily="49" charset="0"/>
-                <a:ea typeface="Fira Code" pitchFamily="49" charset="0"/>
-                <a:cs typeface="Fira Code" pitchFamily="49" charset="0"/>
-              </a:rPr>
-              <a:t> result </a:t>
-            </a:r>
-            <a:r>
-              <a:rPr lang="en-US" sz="800" dirty="0">
-                <a:solidFill>
-                  <a:srgbClr val="080808"/>
-                </a:solidFill>
-                <a:effectLst/>
-                <a:latin typeface="Fira Code" pitchFamily="49" charset="0"/>
-                <a:ea typeface="Fira Code" pitchFamily="49" charset="0"/>
-                <a:cs typeface="Fira Code" pitchFamily="49" charset="0"/>
-              </a:rPr>
-              <a:t>= </a:t>
-            </a:r>
-            <a:r>
-              <a:rPr lang="en-US" sz="800" dirty="0" err="1">
-                <a:solidFill>
-                  <a:srgbClr val="871094"/>
-                </a:solidFill>
-                <a:effectLst/>
-                <a:latin typeface="Fira Code" pitchFamily="49" charset="0"/>
-                <a:ea typeface="Fira Code" pitchFamily="49" charset="0"/>
-                <a:cs typeface="Fira Code" pitchFamily="49" charset="0"/>
-              </a:rPr>
-              <a:t>customerService</a:t>
-            </a:r>
-            <a:r>
-              <a:rPr lang="en-US" sz="800" dirty="0" err="1">
-                <a:solidFill>
-                  <a:srgbClr val="080808"/>
-                </a:solidFill>
-                <a:effectLst/>
-                <a:latin typeface="Fira Code" pitchFamily="49" charset="0"/>
-                <a:ea typeface="Fira Code" pitchFamily="49" charset="0"/>
-                <a:cs typeface="Fira Code" pitchFamily="49" charset="0"/>
-              </a:rPr>
-              <a:t>.retrieveAccount</a:t>
-            </a:r>
-            <a:r>
-              <a:rPr lang="en-US" sz="800" dirty="0">
-                <a:solidFill>
-                  <a:srgbClr val="080808"/>
-                </a:solidFill>
-                <a:effectLst/>
-                <a:latin typeface="Fira Code" pitchFamily="49" charset="0"/>
-                <a:ea typeface="Fira Code" pitchFamily="49" charset="0"/>
-                <a:cs typeface="Fira Code" pitchFamily="49" charset="0"/>
-              </a:rPr>
-              <a:t>(</a:t>
-            </a:r>
-            <a:r>
-              <a:rPr lang="en-US" sz="800" i="1" dirty="0">
-                <a:solidFill>
-                  <a:srgbClr val="871094"/>
-                </a:solidFill>
-                <a:effectLst/>
-                <a:latin typeface="Fira Code" pitchFamily="49" charset="0"/>
-                <a:ea typeface="Fira Code" pitchFamily="49" charset="0"/>
-                <a:cs typeface="Fira Code" pitchFamily="49" charset="0"/>
-              </a:rPr>
-              <a:t>ACCOUNT_ID</a:t>
-            </a:r>
-            <a:r>
-              <a:rPr lang="en-US" sz="800" dirty="0">
-                <a:solidFill>
-                  <a:srgbClr val="080808"/>
-                </a:solidFill>
-                <a:effectLst/>
-                <a:latin typeface="Fira Code" pitchFamily="49" charset="0"/>
-                <a:ea typeface="Fira Code" pitchFamily="49" charset="0"/>
-                <a:cs typeface="Fira Code" pitchFamily="49" charset="0"/>
-              </a:rPr>
-              <a:t>);</a:t>
-            </a:r>
-            <a:br>
-              <a:rPr lang="en-US" sz="800" dirty="0">
-                <a:solidFill>
-                  <a:srgbClr val="080808"/>
-                </a:solidFill>
-                <a:effectLst/>
-                <a:latin typeface="Fira Code" pitchFamily="49" charset="0"/>
-                <a:ea typeface="Fira Code" pitchFamily="49" charset="0"/>
-                <a:cs typeface="Fira Code" pitchFamily="49" charset="0"/>
-              </a:rPr>
-            </a:br>
-            <a:r>
-              <a:rPr lang="en-US" sz="800" dirty="0">
-                <a:solidFill>
-                  <a:srgbClr val="080808"/>
-                </a:solidFill>
-                <a:effectLst/>
-                <a:latin typeface="Fira Code" pitchFamily="49" charset="0"/>
-                <a:ea typeface="Fira Code" pitchFamily="49" charset="0"/>
-                <a:cs typeface="Fira Code" pitchFamily="49" charset="0"/>
-              </a:rPr>
-              <a:t>    </a:t>
-            </a:r>
-            <a:r>
-              <a:rPr lang="en-US" sz="800" i="1" dirty="0">
-                <a:solidFill>
-                  <a:srgbClr val="8C8C8C"/>
-                </a:solidFill>
-                <a:effectLst/>
-                <a:latin typeface="Fira Code" pitchFamily="49" charset="0"/>
-                <a:ea typeface="Fira Code" pitchFamily="49" charset="0"/>
-                <a:cs typeface="Fira Code" pitchFamily="49" charset="0"/>
-              </a:rPr>
-              <a:t>// then</a:t>
-            </a:r>
-            <a:br>
-              <a:rPr lang="en-US" sz="800" i="1" dirty="0">
-                <a:solidFill>
-                  <a:srgbClr val="8C8C8C"/>
-                </a:solidFill>
-                <a:effectLst/>
-                <a:latin typeface="Fira Code" pitchFamily="49" charset="0"/>
-                <a:ea typeface="Fira Code" pitchFamily="49" charset="0"/>
-                <a:cs typeface="Fira Code" pitchFamily="49" charset="0"/>
-              </a:rPr>
-            </a:br>
-            <a:r>
-              <a:rPr lang="en-US" sz="800" i="1" dirty="0">
-                <a:solidFill>
-                  <a:srgbClr val="8C8C8C"/>
-                </a:solidFill>
-                <a:effectLst/>
-                <a:latin typeface="Fira Code" pitchFamily="49" charset="0"/>
-                <a:ea typeface="Fira Code" pitchFamily="49" charset="0"/>
-                <a:cs typeface="Fira Code" pitchFamily="49" charset="0"/>
-              </a:rPr>
-              <a:t>    </a:t>
-            </a:r>
-            <a:r>
-              <a:rPr lang="en-US" sz="800" dirty="0" err="1">
-                <a:solidFill>
-                  <a:srgbClr val="000000"/>
-                </a:solidFill>
-                <a:effectLst/>
-                <a:latin typeface="Fira Code" pitchFamily="49" charset="0"/>
-                <a:ea typeface="Fira Code" pitchFamily="49" charset="0"/>
-                <a:cs typeface="Fira Code" pitchFamily="49" charset="0"/>
-              </a:rPr>
-              <a:t>CustomerAccount</a:t>
-            </a:r>
-            <a:r>
-              <a:rPr lang="en-US" sz="800" dirty="0">
-                <a:solidFill>
-                  <a:srgbClr val="000000"/>
-                </a:solidFill>
-                <a:effectLst/>
-                <a:latin typeface="Fira Code" pitchFamily="49" charset="0"/>
-                <a:ea typeface="Fira Code" pitchFamily="49" charset="0"/>
-                <a:cs typeface="Fira Code" pitchFamily="49" charset="0"/>
-              </a:rPr>
-              <a:t> </a:t>
-            </a:r>
-            <a:r>
-              <a:rPr lang="en-US" sz="800" dirty="0" err="1">
-                <a:solidFill>
-                  <a:srgbClr val="000000"/>
-                </a:solidFill>
-                <a:effectLst/>
-                <a:latin typeface="Fira Code" pitchFamily="49" charset="0"/>
-                <a:ea typeface="Fira Code" pitchFamily="49" charset="0"/>
-                <a:cs typeface="Fira Code" pitchFamily="49" charset="0"/>
-              </a:rPr>
-              <a:t>expectedCustomerAccount</a:t>
-            </a:r>
-            <a:r>
-              <a:rPr lang="en-US" sz="800" dirty="0">
-                <a:solidFill>
-                  <a:srgbClr val="000000"/>
-                </a:solidFill>
-                <a:effectLst/>
-                <a:latin typeface="Fira Code" pitchFamily="49" charset="0"/>
-                <a:ea typeface="Fira Code" pitchFamily="49" charset="0"/>
-                <a:cs typeface="Fira Code" pitchFamily="49" charset="0"/>
-              </a:rPr>
-              <a:t> </a:t>
-            </a:r>
-            <a:r>
-              <a:rPr lang="en-US" sz="800" dirty="0">
-                <a:solidFill>
-                  <a:srgbClr val="080808"/>
-                </a:solidFill>
-                <a:effectLst/>
-                <a:latin typeface="Fira Code" pitchFamily="49" charset="0"/>
-                <a:ea typeface="Fira Code" pitchFamily="49" charset="0"/>
-                <a:cs typeface="Fira Code" pitchFamily="49" charset="0"/>
-              </a:rPr>
-              <a:t>= </a:t>
-            </a:r>
-            <a:r>
-              <a:rPr lang="en-US" sz="800" dirty="0">
-                <a:solidFill>
-                  <a:srgbClr val="0033B3"/>
-                </a:solidFill>
-                <a:effectLst/>
-                <a:latin typeface="Fira Code" pitchFamily="49" charset="0"/>
-                <a:ea typeface="Fira Code" pitchFamily="49" charset="0"/>
-                <a:cs typeface="Fira Code" pitchFamily="49" charset="0"/>
-              </a:rPr>
-              <a:t>new </a:t>
-            </a:r>
-            <a:r>
-              <a:rPr lang="en-US" sz="800" dirty="0" err="1">
-                <a:solidFill>
-                  <a:srgbClr val="080808"/>
-                </a:solidFill>
-                <a:effectLst/>
-                <a:latin typeface="Fira Code" pitchFamily="49" charset="0"/>
-                <a:ea typeface="Fira Code" pitchFamily="49" charset="0"/>
-                <a:cs typeface="Fira Code" pitchFamily="49" charset="0"/>
-              </a:rPr>
-              <a:t>CustomerAccount</a:t>
-            </a:r>
-            <a:r>
-              <a:rPr lang="en-US" sz="800" dirty="0">
-                <a:solidFill>
-                  <a:srgbClr val="080808"/>
-                </a:solidFill>
-                <a:effectLst/>
-                <a:latin typeface="Fira Code" pitchFamily="49" charset="0"/>
-                <a:ea typeface="Fira Code" pitchFamily="49" charset="0"/>
-                <a:cs typeface="Fira Code" pitchFamily="49" charset="0"/>
-              </a:rPr>
-              <a:t>(</a:t>
-            </a:r>
-            <a:r>
-              <a:rPr lang="en-US" sz="800" i="1" dirty="0">
-                <a:solidFill>
-                  <a:srgbClr val="871094"/>
-                </a:solidFill>
-                <a:effectLst/>
-                <a:latin typeface="Fira Code" pitchFamily="49" charset="0"/>
-                <a:ea typeface="Fira Code" pitchFamily="49" charset="0"/>
-                <a:cs typeface="Fira Code" pitchFamily="49" charset="0"/>
-              </a:rPr>
-              <a:t>ACCOUNT_ID</a:t>
-            </a:r>
-            <a:r>
-              <a:rPr lang="en-US" sz="800" dirty="0">
-                <a:solidFill>
-                  <a:srgbClr val="080808"/>
-                </a:solidFill>
-                <a:effectLst/>
-                <a:latin typeface="Fira Code" pitchFamily="49" charset="0"/>
-                <a:ea typeface="Fira Code" pitchFamily="49" charset="0"/>
-                <a:cs typeface="Fira Code" pitchFamily="49" charset="0"/>
-              </a:rPr>
-              <a:t>, </a:t>
-            </a:r>
-            <a:r>
-              <a:rPr lang="en-US" sz="800" dirty="0" err="1">
-                <a:solidFill>
-                  <a:srgbClr val="000000"/>
-                </a:solidFill>
-                <a:effectLst/>
-                <a:latin typeface="Fira Code" pitchFamily="49" charset="0"/>
-                <a:ea typeface="Fira Code" pitchFamily="49" charset="0"/>
-                <a:cs typeface="Fira Code" pitchFamily="49" charset="0"/>
-              </a:rPr>
-              <a:t>CustomerPaymentType</a:t>
-            </a:r>
-            <a:r>
-              <a:rPr lang="en-US" sz="800" dirty="0" err="1">
-                <a:solidFill>
-                  <a:srgbClr val="080808"/>
-                </a:solidFill>
-                <a:effectLst/>
-                <a:latin typeface="Fira Code" pitchFamily="49" charset="0"/>
-                <a:ea typeface="Fira Code" pitchFamily="49" charset="0"/>
-                <a:cs typeface="Fira Code" pitchFamily="49" charset="0"/>
-              </a:rPr>
-              <a:t>.</a:t>
-            </a:r>
-            <a:r>
-              <a:rPr lang="en-US" sz="800" i="1" dirty="0" err="1">
-                <a:solidFill>
-                  <a:srgbClr val="871094"/>
-                </a:solidFill>
-                <a:effectLst/>
-                <a:latin typeface="Fira Code" pitchFamily="49" charset="0"/>
-                <a:ea typeface="Fira Code" pitchFamily="49" charset="0"/>
-                <a:cs typeface="Fira Code" pitchFamily="49" charset="0"/>
-              </a:rPr>
-              <a:t>MONTHLY</a:t>
-            </a:r>
-            <a:r>
-              <a:rPr lang="en-US" sz="800" dirty="0">
-                <a:solidFill>
-                  <a:srgbClr val="080808"/>
-                </a:solidFill>
-                <a:effectLst/>
-                <a:latin typeface="Fira Code" pitchFamily="49" charset="0"/>
-                <a:ea typeface="Fira Code" pitchFamily="49" charset="0"/>
-                <a:cs typeface="Fira Code" pitchFamily="49" charset="0"/>
-              </a:rPr>
-              <a:t>, </a:t>
-            </a:r>
-            <a:r>
-              <a:rPr lang="en-US" sz="800" dirty="0">
-                <a:solidFill>
-                  <a:srgbClr val="067D17"/>
-                </a:solidFill>
-                <a:effectLst/>
-                <a:latin typeface="Fira Code" pitchFamily="49" charset="0"/>
-                <a:ea typeface="Fira Code" pitchFamily="49" charset="0"/>
-                <a:cs typeface="Fira Code" pitchFamily="49" charset="0"/>
-              </a:rPr>
-              <a:t>"PERSONAL"</a:t>
-            </a:r>
-            <a:r>
-              <a:rPr lang="en-US" sz="800" dirty="0">
-                <a:solidFill>
-                  <a:srgbClr val="080808"/>
-                </a:solidFill>
-                <a:effectLst/>
-                <a:latin typeface="Fira Code" pitchFamily="49" charset="0"/>
-                <a:ea typeface="Fira Code" pitchFamily="49" charset="0"/>
-                <a:cs typeface="Fira Code" pitchFamily="49" charset="0"/>
-              </a:rPr>
-              <a:t>);</a:t>
-            </a:r>
-            <a:br>
-              <a:rPr lang="en-US" sz="800" dirty="0">
-                <a:solidFill>
-                  <a:srgbClr val="080808"/>
-                </a:solidFill>
-                <a:effectLst/>
-                <a:latin typeface="Fira Code" pitchFamily="49" charset="0"/>
-                <a:ea typeface="Fira Code" pitchFamily="49" charset="0"/>
-                <a:cs typeface="Fira Code" pitchFamily="49" charset="0"/>
-              </a:rPr>
-            </a:br>
-            <a:r>
-              <a:rPr lang="en-US" sz="800" dirty="0">
-                <a:solidFill>
-                  <a:srgbClr val="080808"/>
-                </a:solidFill>
-                <a:effectLst/>
-                <a:latin typeface="Fira Code" pitchFamily="49" charset="0"/>
-                <a:ea typeface="Fira Code" pitchFamily="49" charset="0"/>
-                <a:cs typeface="Fira Code" pitchFamily="49" charset="0"/>
-              </a:rPr>
-              <a:t>    </a:t>
-            </a:r>
-            <a:r>
-              <a:rPr lang="en-US" sz="800" i="1" dirty="0" err="1">
-                <a:solidFill>
-                  <a:srgbClr val="080808"/>
-                </a:solidFill>
-                <a:effectLst/>
-                <a:latin typeface="Fira Code" pitchFamily="49" charset="0"/>
-                <a:ea typeface="Fira Code" pitchFamily="49" charset="0"/>
-                <a:cs typeface="Fira Code" pitchFamily="49" charset="0"/>
-              </a:rPr>
-              <a:t>assertThat</a:t>
-            </a:r>
-            <a:r>
-              <a:rPr lang="en-US" sz="800" dirty="0">
-                <a:solidFill>
-                  <a:srgbClr val="080808"/>
-                </a:solidFill>
-                <a:effectLst/>
-                <a:latin typeface="Fira Code" pitchFamily="49" charset="0"/>
-                <a:ea typeface="Fira Code" pitchFamily="49" charset="0"/>
-                <a:cs typeface="Fira Code" pitchFamily="49" charset="0"/>
-              </a:rPr>
-              <a:t>(</a:t>
-            </a:r>
-            <a:r>
-              <a:rPr lang="en-US" sz="800" dirty="0">
-                <a:solidFill>
-                  <a:srgbClr val="000000"/>
-                </a:solidFill>
-                <a:effectLst/>
-                <a:latin typeface="Fira Code" pitchFamily="49" charset="0"/>
-                <a:ea typeface="Fira Code" pitchFamily="49" charset="0"/>
-                <a:cs typeface="Fira Code" pitchFamily="49" charset="0"/>
-              </a:rPr>
-              <a:t>result</a:t>
-            </a:r>
-            <a:r>
-              <a:rPr lang="en-US" sz="800" dirty="0">
-                <a:solidFill>
-                  <a:srgbClr val="080808"/>
-                </a:solidFill>
-                <a:effectLst/>
-                <a:latin typeface="Fira Code" pitchFamily="49" charset="0"/>
-                <a:ea typeface="Fira Code" pitchFamily="49" charset="0"/>
-                <a:cs typeface="Fira Code" pitchFamily="49" charset="0"/>
-              </a:rPr>
-              <a:t>, </a:t>
-            </a:r>
-            <a:r>
-              <a:rPr lang="en-US" sz="800" i="1" dirty="0">
-                <a:solidFill>
-                  <a:srgbClr val="080808"/>
-                </a:solidFill>
-                <a:effectLst/>
-                <a:latin typeface="Fira Code" pitchFamily="49" charset="0"/>
-                <a:ea typeface="Fira Code" pitchFamily="49" charset="0"/>
-                <a:cs typeface="Fira Code" pitchFamily="49" charset="0"/>
-              </a:rPr>
-              <a:t>is</a:t>
-            </a:r>
-            <a:r>
-              <a:rPr lang="en-US" sz="800" dirty="0">
-                <a:solidFill>
-                  <a:srgbClr val="080808"/>
-                </a:solidFill>
-                <a:effectLst/>
-                <a:latin typeface="Fira Code" pitchFamily="49" charset="0"/>
-                <a:ea typeface="Fira Code" pitchFamily="49" charset="0"/>
-                <a:cs typeface="Fira Code" pitchFamily="49" charset="0"/>
-              </a:rPr>
-              <a:t>(</a:t>
-            </a:r>
-            <a:r>
-              <a:rPr lang="en-US" sz="800" dirty="0" err="1">
-                <a:solidFill>
-                  <a:srgbClr val="000000"/>
-                </a:solidFill>
-                <a:effectLst/>
-                <a:latin typeface="Fira Code" pitchFamily="49" charset="0"/>
-                <a:ea typeface="Fira Code" pitchFamily="49" charset="0"/>
-                <a:cs typeface="Fira Code" pitchFamily="49" charset="0"/>
-              </a:rPr>
-              <a:t>expectedCustomerAccount</a:t>
-            </a:r>
-            <a:r>
-              <a:rPr lang="en-US" sz="800" dirty="0">
-                <a:solidFill>
-                  <a:srgbClr val="080808"/>
-                </a:solidFill>
-                <a:effectLst/>
-                <a:latin typeface="Fira Code" pitchFamily="49" charset="0"/>
-                <a:ea typeface="Fira Code" pitchFamily="49" charset="0"/>
-                <a:cs typeface="Fira Code" pitchFamily="49" charset="0"/>
-              </a:rPr>
-              <a:t>));</a:t>
-            </a:r>
-            <a:br>
-              <a:rPr lang="en-US" sz="800" dirty="0">
-                <a:solidFill>
-                  <a:srgbClr val="080808"/>
-                </a:solidFill>
-                <a:effectLst/>
-                <a:latin typeface="Fira Code" pitchFamily="49" charset="0"/>
-                <a:ea typeface="Fira Code" pitchFamily="49" charset="0"/>
-                <a:cs typeface="Fira Code" pitchFamily="49" charset="0"/>
-              </a:rPr>
-            </a:br>
-            <a:r>
-              <a:rPr lang="en-US" sz="800" dirty="0">
-                <a:solidFill>
-                  <a:srgbClr val="080808"/>
-                </a:solidFill>
-                <a:effectLst/>
-                <a:latin typeface="Fira Code" pitchFamily="49" charset="0"/>
-                <a:ea typeface="Fira Code" pitchFamily="49" charset="0"/>
-                <a:cs typeface="Fira Code" pitchFamily="49" charset="0"/>
-              </a:rPr>
-              <a:t>    </a:t>
-            </a:r>
-            <a:r>
-              <a:rPr lang="en-US" sz="800" i="1" dirty="0">
-                <a:solidFill>
-                  <a:srgbClr val="080808"/>
-                </a:solidFill>
-                <a:effectLst/>
-                <a:latin typeface="Fira Code" pitchFamily="49" charset="0"/>
-                <a:ea typeface="Fira Code" pitchFamily="49" charset="0"/>
-                <a:cs typeface="Fira Code" pitchFamily="49" charset="0"/>
-              </a:rPr>
-              <a:t>verify</a:t>
-            </a:r>
-            <a:r>
-              <a:rPr lang="en-US" sz="800" dirty="0">
-                <a:solidFill>
-                  <a:srgbClr val="080808"/>
-                </a:solidFill>
-                <a:effectLst/>
-                <a:latin typeface="Fira Code" pitchFamily="49" charset="0"/>
-                <a:ea typeface="Fira Code" pitchFamily="49" charset="0"/>
-                <a:cs typeface="Fira Code" pitchFamily="49" charset="0"/>
-              </a:rPr>
-              <a:t>(</a:t>
-            </a:r>
-            <a:r>
-              <a:rPr lang="en-US" sz="800" dirty="0" err="1">
-                <a:solidFill>
-                  <a:srgbClr val="871094"/>
-                </a:solidFill>
-                <a:effectLst/>
-                <a:latin typeface="Fira Code" pitchFamily="49" charset="0"/>
-                <a:ea typeface="Fira Code" pitchFamily="49" charset="0"/>
-                <a:cs typeface="Fira Code" pitchFamily="49" charset="0"/>
-              </a:rPr>
-              <a:t>restTemplate</a:t>
-            </a:r>
-            <a:r>
-              <a:rPr lang="en-US" sz="800" dirty="0">
-                <a:solidFill>
-                  <a:srgbClr val="080808"/>
-                </a:solidFill>
-                <a:effectLst/>
-                <a:latin typeface="Fira Code" pitchFamily="49" charset="0"/>
-                <a:ea typeface="Fira Code" pitchFamily="49" charset="0"/>
-                <a:cs typeface="Fira Code" pitchFamily="49" charset="0"/>
-              </a:rPr>
-              <a:t>, </a:t>
-            </a:r>
-            <a:r>
-              <a:rPr lang="en-US" sz="800" i="1" dirty="0">
-                <a:solidFill>
-                  <a:srgbClr val="080808"/>
-                </a:solidFill>
-                <a:effectLst/>
-                <a:latin typeface="Fira Code" pitchFamily="49" charset="0"/>
-                <a:ea typeface="Fira Code" pitchFamily="49" charset="0"/>
-                <a:cs typeface="Fira Code" pitchFamily="49" charset="0"/>
-              </a:rPr>
-              <a:t>times</a:t>
-            </a:r>
-            <a:r>
-              <a:rPr lang="en-US" sz="800" dirty="0">
-                <a:solidFill>
-                  <a:srgbClr val="080808"/>
-                </a:solidFill>
-                <a:effectLst/>
-                <a:latin typeface="Fira Code" pitchFamily="49" charset="0"/>
-                <a:ea typeface="Fira Code" pitchFamily="49" charset="0"/>
-                <a:cs typeface="Fira Code" pitchFamily="49" charset="0"/>
-              </a:rPr>
-              <a:t>(</a:t>
-            </a:r>
-            <a:r>
-              <a:rPr lang="en-US" sz="800" dirty="0">
-                <a:solidFill>
-                  <a:srgbClr val="1750EB"/>
-                </a:solidFill>
-                <a:effectLst/>
-                <a:latin typeface="Fira Code" pitchFamily="49" charset="0"/>
-                <a:ea typeface="Fira Code" pitchFamily="49" charset="0"/>
-                <a:cs typeface="Fira Code" pitchFamily="49" charset="0"/>
-              </a:rPr>
-              <a:t>1</a:t>
-            </a:r>
-            <a:r>
-              <a:rPr lang="en-US" sz="800" dirty="0">
-                <a:solidFill>
-                  <a:srgbClr val="080808"/>
-                </a:solidFill>
-                <a:effectLst/>
-                <a:latin typeface="Fira Code" pitchFamily="49" charset="0"/>
-                <a:ea typeface="Fira Code" pitchFamily="49" charset="0"/>
-                <a:cs typeface="Fira Code" pitchFamily="49" charset="0"/>
-              </a:rPr>
-              <a:t>)).exchange(</a:t>
-            </a:r>
-            <a:r>
-              <a:rPr lang="en-US" sz="800" dirty="0" err="1">
-                <a:solidFill>
-                  <a:srgbClr val="871094"/>
-                </a:solidFill>
-                <a:effectLst/>
-                <a:latin typeface="Fira Code" pitchFamily="49" charset="0"/>
-                <a:ea typeface="Fira Code" pitchFamily="49" charset="0"/>
-                <a:cs typeface="Fira Code" pitchFamily="49" charset="0"/>
-              </a:rPr>
-              <a:t>calledUrlCaptor</a:t>
-            </a:r>
-            <a:r>
-              <a:rPr lang="en-US" sz="800" dirty="0" err="1">
-                <a:solidFill>
-                  <a:srgbClr val="080808"/>
-                </a:solidFill>
-                <a:effectLst/>
-                <a:latin typeface="Fira Code" pitchFamily="49" charset="0"/>
-                <a:ea typeface="Fira Code" pitchFamily="49" charset="0"/>
-                <a:cs typeface="Fira Code" pitchFamily="49" charset="0"/>
-              </a:rPr>
-              <a:t>.capture</a:t>
-            </a:r>
-            <a:r>
-              <a:rPr lang="en-US" sz="800" dirty="0">
-                <a:solidFill>
-                  <a:srgbClr val="080808"/>
-                </a:solidFill>
-                <a:effectLst/>
-                <a:latin typeface="Fira Code" pitchFamily="49" charset="0"/>
-                <a:ea typeface="Fira Code" pitchFamily="49" charset="0"/>
-                <a:cs typeface="Fira Code" pitchFamily="49" charset="0"/>
-              </a:rPr>
-              <a:t>(), </a:t>
-            </a:r>
-            <a:r>
-              <a:rPr lang="en-US" sz="800" i="1" dirty="0">
-                <a:solidFill>
-                  <a:srgbClr val="080808"/>
-                </a:solidFill>
-                <a:effectLst/>
-                <a:latin typeface="Fira Code" pitchFamily="49" charset="0"/>
-                <a:ea typeface="Fira Code" pitchFamily="49" charset="0"/>
-                <a:cs typeface="Fira Code" pitchFamily="49" charset="0"/>
-              </a:rPr>
-              <a:t>eq</a:t>
-            </a:r>
-            <a:r>
-              <a:rPr lang="en-US" sz="800" dirty="0">
-                <a:solidFill>
-                  <a:srgbClr val="080808"/>
-                </a:solidFill>
-                <a:effectLst/>
-                <a:latin typeface="Fira Code" pitchFamily="49" charset="0"/>
-                <a:ea typeface="Fira Code" pitchFamily="49" charset="0"/>
-                <a:cs typeface="Fira Code" pitchFamily="49" charset="0"/>
-              </a:rPr>
-              <a:t>(</a:t>
-            </a:r>
-            <a:r>
-              <a:rPr lang="en-US" sz="800" dirty="0" err="1">
-                <a:solidFill>
-                  <a:srgbClr val="000000"/>
-                </a:solidFill>
-                <a:effectLst/>
-                <a:latin typeface="Fira Code" pitchFamily="49" charset="0"/>
-                <a:ea typeface="Fira Code" pitchFamily="49" charset="0"/>
-                <a:cs typeface="Fira Code" pitchFamily="49" charset="0"/>
-              </a:rPr>
-              <a:t>HttpMethod</a:t>
-            </a:r>
-            <a:r>
-              <a:rPr lang="en-US" sz="800" dirty="0" err="1">
-                <a:solidFill>
-                  <a:srgbClr val="080808"/>
-                </a:solidFill>
-                <a:effectLst/>
-                <a:latin typeface="Fira Code" pitchFamily="49" charset="0"/>
-                <a:ea typeface="Fira Code" pitchFamily="49" charset="0"/>
-                <a:cs typeface="Fira Code" pitchFamily="49" charset="0"/>
-              </a:rPr>
-              <a:t>.</a:t>
-            </a:r>
-            <a:r>
-              <a:rPr lang="en-US" sz="800" i="1" dirty="0" err="1">
-                <a:solidFill>
-                  <a:srgbClr val="871094"/>
-                </a:solidFill>
-                <a:effectLst/>
-                <a:latin typeface="Fira Code" pitchFamily="49" charset="0"/>
-                <a:ea typeface="Fira Code" pitchFamily="49" charset="0"/>
-                <a:cs typeface="Fira Code" pitchFamily="49" charset="0"/>
-              </a:rPr>
-              <a:t>GET</a:t>
-            </a:r>
-            <a:r>
-              <a:rPr lang="en-US" sz="800" dirty="0">
-                <a:solidFill>
-                  <a:srgbClr val="080808"/>
-                </a:solidFill>
-                <a:effectLst/>
-                <a:latin typeface="Fira Code" pitchFamily="49" charset="0"/>
-                <a:ea typeface="Fira Code" pitchFamily="49" charset="0"/>
-                <a:cs typeface="Fira Code" pitchFamily="49" charset="0"/>
-              </a:rPr>
-              <a:t>), </a:t>
-            </a:r>
-            <a:r>
-              <a:rPr lang="en-US" sz="800" dirty="0" err="1">
-                <a:solidFill>
-                  <a:srgbClr val="871094"/>
-                </a:solidFill>
-                <a:effectLst/>
-                <a:latin typeface="Fira Code" pitchFamily="49" charset="0"/>
-                <a:ea typeface="Fira Code" pitchFamily="49" charset="0"/>
-                <a:cs typeface="Fira Code" pitchFamily="49" charset="0"/>
-              </a:rPr>
-              <a:t>sentHttpEntityCaptor</a:t>
-            </a:r>
-            <a:r>
-              <a:rPr lang="en-US" sz="800" dirty="0" err="1">
-                <a:solidFill>
-                  <a:srgbClr val="080808"/>
-                </a:solidFill>
-                <a:effectLst/>
-                <a:latin typeface="Fira Code" pitchFamily="49" charset="0"/>
-                <a:ea typeface="Fira Code" pitchFamily="49" charset="0"/>
-                <a:cs typeface="Fira Code" pitchFamily="49" charset="0"/>
-              </a:rPr>
-              <a:t>.capture</a:t>
-            </a:r>
-            <a:r>
-              <a:rPr lang="en-US" sz="800" dirty="0">
-                <a:solidFill>
-                  <a:srgbClr val="080808"/>
-                </a:solidFill>
-                <a:effectLst/>
-                <a:latin typeface="Fira Code" pitchFamily="49" charset="0"/>
-                <a:ea typeface="Fira Code" pitchFamily="49" charset="0"/>
-                <a:cs typeface="Fira Code" pitchFamily="49" charset="0"/>
-              </a:rPr>
-              <a:t>(), </a:t>
-            </a:r>
-            <a:r>
-              <a:rPr lang="en-US" sz="800" i="1" dirty="0">
-                <a:solidFill>
-                  <a:srgbClr val="080808"/>
-                </a:solidFill>
-                <a:effectLst/>
-                <a:latin typeface="Fira Code" pitchFamily="49" charset="0"/>
-                <a:ea typeface="Fira Code" pitchFamily="49" charset="0"/>
-                <a:cs typeface="Fira Code" pitchFamily="49" charset="0"/>
-              </a:rPr>
-              <a:t>any</a:t>
-            </a:r>
-            <a:r>
-              <a:rPr lang="en-US" sz="800" dirty="0">
-                <a:solidFill>
-                  <a:srgbClr val="080808"/>
-                </a:solidFill>
-                <a:effectLst/>
-                <a:latin typeface="Fira Code" pitchFamily="49" charset="0"/>
-                <a:ea typeface="Fira Code" pitchFamily="49" charset="0"/>
-                <a:cs typeface="Fira Code" pitchFamily="49" charset="0"/>
-              </a:rPr>
-              <a:t>(</a:t>
-            </a:r>
-            <a:r>
-              <a:rPr lang="en-US" sz="800" dirty="0" err="1">
-                <a:solidFill>
-                  <a:srgbClr val="000000"/>
-                </a:solidFill>
-                <a:effectLst/>
-                <a:latin typeface="Fira Code" pitchFamily="49" charset="0"/>
-                <a:ea typeface="Fira Code" pitchFamily="49" charset="0"/>
-                <a:cs typeface="Fira Code" pitchFamily="49" charset="0"/>
-              </a:rPr>
-              <a:t>Class</a:t>
-            </a:r>
-            <a:r>
-              <a:rPr lang="en-US" sz="800" dirty="0" err="1">
-                <a:solidFill>
-                  <a:srgbClr val="080808"/>
-                </a:solidFill>
-                <a:effectLst/>
-                <a:latin typeface="Fira Code" pitchFamily="49" charset="0"/>
-                <a:ea typeface="Fira Code" pitchFamily="49" charset="0"/>
-                <a:cs typeface="Fira Code" pitchFamily="49" charset="0"/>
-              </a:rPr>
-              <a:t>.</a:t>
-            </a:r>
-            <a:r>
-              <a:rPr lang="en-US" sz="800" dirty="0" err="1">
-                <a:solidFill>
-                  <a:srgbClr val="0033B3"/>
-                </a:solidFill>
-                <a:effectLst/>
-                <a:latin typeface="Fira Code" pitchFamily="49" charset="0"/>
-                <a:ea typeface="Fira Code" pitchFamily="49" charset="0"/>
-                <a:cs typeface="Fira Code" pitchFamily="49" charset="0"/>
-              </a:rPr>
-              <a:t>class</a:t>
-            </a:r>
-            <a:r>
-              <a:rPr lang="en-US" sz="800" dirty="0">
-                <a:solidFill>
-                  <a:srgbClr val="080808"/>
-                </a:solidFill>
-                <a:effectLst/>
-                <a:latin typeface="Fira Code" pitchFamily="49" charset="0"/>
-                <a:ea typeface="Fira Code" pitchFamily="49" charset="0"/>
-                <a:cs typeface="Fira Code" pitchFamily="49" charset="0"/>
-              </a:rPr>
-              <a:t>));</a:t>
-            </a:r>
-            <a:br>
-              <a:rPr lang="en-US" sz="800" dirty="0">
-                <a:solidFill>
-                  <a:srgbClr val="080808"/>
-                </a:solidFill>
-                <a:effectLst/>
-                <a:latin typeface="Fira Code" pitchFamily="49" charset="0"/>
-                <a:ea typeface="Fira Code" pitchFamily="49" charset="0"/>
-                <a:cs typeface="Fira Code" pitchFamily="49" charset="0"/>
-              </a:rPr>
-            </a:br>
-            <a:r>
-              <a:rPr lang="en-US" sz="800" dirty="0">
-                <a:solidFill>
-                  <a:srgbClr val="080808"/>
-                </a:solidFill>
-                <a:effectLst/>
-                <a:latin typeface="Fira Code" pitchFamily="49" charset="0"/>
-                <a:ea typeface="Fira Code" pitchFamily="49" charset="0"/>
-                <a:cs typeface="Fira Code" pitchFamily="49" charset="0"/>
-              </a:rPr>
-              <a:t>    </a:t>
-            </a:r>
-            <a:r>
-              <a:rPr lang="en-US" sz="800" dirty="0" err="1">
-                <a:solidFill>
-                  <a:srgbClr val="080808"/>
-                </a:solidFill>
-                <a:effectLst/>
-                <a:latin typeface="Fira Code" pitchFamily="49" charset="0"/>
-                <a:ea typeface="Fira Code" pitchFamily="49" charset="0"/>
-                <a:cs typeface="Fira Code" pitchFamily="49" charset="0"/>
-              </a:rPr>
-              <a:t>verifyHeadersAreValid</a:t>
-            </a:r>
-            <a:r>
-              <a:rPr lang="en-US" sz="800" dirty="0">
-                <a:solidFill>
-                  <a:srgbClr val="080808"/>
-                </a:solidFill>
-                <a:effectLst/>
-                <a:latin typeface="Fira Code" pitchFamily="49" charset="0"/>
-                <a:ea typeface="Fira Code" pitchFamily="49" charset="0"/>
-                <a:cs typeface="Fira Code" pitchFamily="49" charset="0"/>
-              </a:rPr>
-              <a:t>(</a:t>
-            </a:r>
-            <a:r>
-              <a:rPr lang="en-US" sz="800" dirty="0" err="1">
-                <a:solidFill>
-                  <a:srgbClr val="871094"/>
-                </a:solidFill>
-                <a:effectLst/>
-                <a:latin typeface="Fira Code" pitchFamily="49" charset="0"/>
-                <a:ea typeface="Fira Code" pitchFamily="49" charset="0"/>
-                <a:cs typeface="Fira Code" pitchFamily="49" charset="0"/>
-              </a:rPr>
-              <a:t>sentHttpEntityCaptor</a:t>
-            </a:r>
-            <a:r>
-              <a:rPr lang="en-US" sz="800" dirty="0" err="1">
-                <a:solidFill>
-                  <a:srgbClr val="080808"/>
-                </a:solidFill>
-                <a:effectLst/>
-                <a:latin typeface="Fira Code" pitchFamily="49" charset="0"/>
-                <a:ea typeface="Fira Code" pitchFamily="49" charset="0"/>
-                <a:cs typeface="Fira Code" pitchFamily="49" charset="0"/>
-              </a:rPr>
-              <a:t>.getValue</a:t>
-            </a:r>
-            <a:r>
-              <a:rPr lang="en-US" sz="800" dirty="0">
-                <a:solidFill>
-                  <a:srgbClr val="080808"/>
-                </a:solidFill>
-                <a:effectLst/>
-                <a:latin typeface="Fira Code" pitchFamily="49" charset="0"/>
-                <a:ea typeface="Fira Code" pitchFamily="49" charset="0"/>
-                <a:cs typeface="Fira Code" pitchFamily="49" charset="0"/>
-              </a:rPr>
-              <a:t>().</a:t>
-            </a:r>
-            <a:r>
-              <a:rPr lang="en-US" sz="800" dirty="0" err="1">
-                <a:solidFill>
-                  <a:srgbClr val="080808"/>
-                </a:solidFill>
-                <a:effectLst/>
-                <a:latin typeface="Fira Code" pitchFamily="49" charset="0"/>
-                <a:ea typeface="Fira Code" pitchFamily="49" charset="0"/>
-                <a:cs typeface="Fira Code" pitchFamily="49" charset="0"/>
-              </a:rPr>
-              <a:t>getHeaders</a:t>
-            </a:r>
-            <a:r>
-              <a:rPr lang="en-US" sz="800" dirty="0">
-                <a:solidFill>
-                  <a:srgbClr val="080808"/>
-                </a:solidFill>
-                <a:effectLst/>
-                <a:latin typeface="Fira Code" pitchFamily="49" charset="0"/>
-                <a:ea typeface="Fira Code" pitchFamily="49" charset="0"/>
-                <a:cs typeface="Fira Code" pitchFamily="49" charset="0"/>
-              </a:rPr>
-              <a:t>());</a:t>
-            </a:r>
-            <a:br>
-              <a:rPr lang="en-US" sz="800" dirty="0">
-                <a:solidFill>
-                  <a:srgbClr val="080808"/>
-                </a:solidFill>
-                <a:effectLst/>
-                <a:latin typeface="Fira Code" pitchFamily="49" charset="0"/>
-                <a:ea typeface="Fira Code" pitchFamily="49" charset="0"/>
-                <a:cs typeface="Fira Code" pitchFamily="49" charset="0"/>
-              </a:rPr>
-            </a:br>
-            <a:r>
-              <a:rPr lang="en-US" sz="800" dirty="0">
-                <a:solidFill>
-                  <a:srgbClr val="080808"/>
-                </a:solidFill>
-                <a:effectLst/>
-                <a:latin typeface="Fira Code" pitchFamily="49" charset="0"/>
-                <a:ea typeface="Fira Code" pitchFamily="49" charset="0"/>
-                <a:cs typeface="Fira Code" pitchFamily="49" charset="0"/>
-              </a:rPr>
-              <a:t>}</a:t>
-            </a:r>
-          </a:p>
-          <a:p>
-            <a:pPr marL="0" indent="0">
-              <a:buNone/>
-            </a:pPr>
-            <a:endParaRPr lang="en-US" sz="800" dirty="0">
-              <a:latin typeface="Fira Code" pitchFamily="49" charset="0"/>
-              <a:ea typeface="Fira Code" pitchFamily="49" charset="0"/>
-              <a:cs typeface="Fira Code" pitchFamily="49" charset="0"/>
-            </a:endParaRPr>
-          </a:p>
-        </p:txBody>
-      </p:sp>
-    </p:spTree>
-    <p:extLst>
-      <p:ext uri="{BB962C8B-B14F-4D97-AF65-F5344CB8AC3E}">
-        <p14:creationId xmlns:p14="http://schemas.microsoft.com/office/powerpoint/2010/main" val="379213993"/>
-      </p:ext>
-    </p:extLst>
-  </p:cSld>
-  <p:clrMapOvr>
-    <a:masterClrMapping/>
-  </p:clrMapOvr>
-</p:sld>
-</file>
-
-<file path=ppt/slides/slide30.xml><?xml version="1.0" encoding="utf-8"?>
+<file path=ppt/slides/slide32.xml><?xml version="1.0" encoding="utf-8"?>
 <p:sld xmlns:a="http://schemas.openxmlformats.org/drawingml/2006/main" xmlns:r="http://schemas.openxmlformats.org/officeDocument/2006/relationships" xmlns:p="http://schemas.openxmlformats.org/presentationml/2006/main">
   <p:cSld>
     <p:spTree>
@@ -14608,7 +14922,7 @@
 </p:sld>
 </file>
 
-<file path=ppt/slides/slide31.xml><?xml version="1.0" encoding="utf-8"?>
+<file path=ppt/slides/slide33.xml><?xml version="1.0" encoding="utf-8"?>
 <p:sld xmlns:a="http://schemas.openxmlformats.org/drawingml/2006/main" xmlns:r="http://schemas.openxmlformats.org/officeDocument/2006/relationships" xmlns:p="http://schemas.openxmlformats.org/presentationml/2006/main">
   <p:cSld>
     <p:spTree>
@@ -14645,7 +14959,7 @@
 </file>
 
 <file path=ppt/slides/slide4.xml><?xml version="1.0" encoding="utf-8"?>
-<p:sld xmlns:a="http://schemas.openxmlformats.org/drawingml/2006/main" xmlns:r="http://schemas.openxmlformats.org/officeDocument/2006/relationships" xmlns:p="http://schemas.openxmlformats.org/presentationml/2006/main">
+<p:sld xmlns:a="http://schemas.openxmlformats.org/drawingml/2006/main" xmlns:r="http://schemas.openxmlformats.org/officeDocument/2006/relationships" xmlns:p="http://schemas.openxmlformats.org/presentationml/2006/main" show="0">
   <p:cSld>
     <p:spTree>
       <p:nvGrpSpPr>
@@ -15933,7 +16247,7 @@
 </file>
 
 <file path=ppt/slides/slide5.xml><?xml version="1.0" encoding="utf-8"?>
-<p:sld xmlns:a="http://schemas.openxmlformats.org/drawingml/2006/main" xmlns:r="http://schemas.openxmlformats.org/officeDocument/2006/relationships" xmlns:p="http://schemas.openxmlformats.org/presentationml/2006/main">
+<p:sld xmlns:a="http://schemas.openxmlformats.org/drawingml/2006/main" xmlns:r="http://schemas.openxmlformats.org/officeDocument/2006/relationships" xmlns:p="http://schemas.openxmlformats.org/presentationml/2006/main" show="0">
   <p:cSld>
     <p:spTree>
       <p:nvGrpSpPr>
@@ -16116,7 +16430,7 @@
 </file>
 
 <file path=ppt/slides/slide6.xml><?xml version="1.0" encoding="utf-8"?>
-<p:sld xmlns:a="http://schemas.openxmlformats.org/drawingml/2006/main" xmlns:r="http://schemas.openxmlformats.org/officeDocument/2006/relationships" xmlns:p="http://schemas.openxmlformats.org/presentationml/2006/main">
+<p:sld xmlns:a="http://schemas.openxmlformats.org/drawingml/2006/main" xmlns:r="http://schemas.openxmlformats.org/officeDocument/2006/relationships" xmlns:p="http://schemas.openxmlformats.org/presentationml/2006/main" show="0">
   <p:cSld>
     <p:spTree>
       <p:nvGrpSpPr>
@@ -16208,7 +16522,7 @@
 </file>
 
 <file path=ppt/slides/slide7.xml><?xml version="1.0" encoding="utf-8"?>
-<p:sld xmlns:a="http://schemas.openxmlformats.org/drawingml/2006/main" xmlns:r="http://schemas.openxmlformats.org/officeDocument/2006/relationships" xmlns:p="http://schemas.openxmlformats.org/presentationml/2006/main">
+<p:sld xmlns:a="http://schemas.openxmlformats.org/drawingml/2006/main" xmlns:r="http://schemas.openxmlformats.org/officeDocument/2006/relationships" xmlns:p="http://schemas.openxmlformats.org/presentationml/2006/main" show="0">
   <p:cSld>
     <p:spTree>
       <p:nvGrpSpPr>
@@ -17436,7 +17750,7 @@
 </file>
 
 <file path=ppt/slides/slide8.xml><?xml version="1.0" encoding="utf-8"?>
-<p:sld xmlns:a="http://schemas.openxmlformats.org/drawingml/2006/main" xmlns:r="http://schemas.openxmlformats.org/officeDocument/2006/relationships" xmlns:p="http://schemas.openxmlformats.org/presentationml/2006/main">
+<p:sld xmlns:a="http://schemas.openxmlformats.org/drawingml/2006/main" xmlns:r="http://schemas.openxmlformats.org/officeDocument/2006/relationships" xmlns:p="http://schemas.openxmlformats.org/presentationml/2006/main" show="0">
   <p:cSld>
     <p:spTree>
       <p:nvGrpSpPr>
@@ -17786,67 +18100,64 @@
           <a:chExt cx="0" cy="0"/>
         </a:xfrm>
       </p:grpSpPr>
-      <p:pic>
-        <p:nvPicPr>
-          <p:cNvPr id="3" name="Picture 2" descr="A screenshot of a computer code&#10;&#10;Description automatically generated">
-            <a:extLst>
-              <a:ext uri="{FF2B5EF4-FFF2-40B4-BE49-F238E27FC236}">
-                <a16:creationId xmlns:a16="http://schemas.microsoft.com/office/drawing/2014/main" id="{292AF426-4C5F-6717-8C1E-418AD6902791}"/>
-              </a:ext>
-            </a:extLst>
-          </p:cNvPr>
-          <p:cNvPicPr>
-            <a:picLocks noChangeAspect="1"/>
-          </p:cNvPicPr>
-          <p:nvPr/>
-        </p:nvPicPr>
-        <p:blipFill>
-          <a:blip r:embed="rId3"/>
-          <a:stretch>
-            <a:fillRect/>
-          </a:stretch>
-        </p:blipFill>
-        <p:spPr>
-          <a:xfrm>
-            <a:off x="1783080" y="1223124"/>
-            <a:ext cx="7772400" cy="3920058"/>
-          </a:xfrm>
-          <a:prstGeom prst="rect">
-            <a:avLst/>
-          </a:prstGeom>
-        </p:spPr>
-      </p:pic>
-      <p:sp>
-        <p:nvSpPr>
-          <p:cNvPr id="6" name="TextBox 5">
-            <a:extLst>
-              <a:ext uri="{FF2B5EF4-FFF2-40B4-BE49-F238E27FC236}">
-                <a16:creationId xmlns:a16="http://schemas.microsoft.com/office/drawing/2014/main" id="{6672AABC-B250-4F6F-DF17-FA210C3816AD}"/>
-              </a:ext>
-            </a:extLst>
-          </p:cNvPr>
-          <p:cNvSpPr txBox="1"/>
-          <p:nvPr/>
-        </p:nvSpPr>
-        <p:spPr>
-          <a:xfrm>
-            <a:off x="1490472" y="292608"/>
-            <a:ext cx="1341393" cy="369332"/>
-          </a:xfrm>
-          <a:prstGeom prst="rect">
-            <a:avLst/>
-          </a:prstGeom>
-          <a:noFill/>
-        </p:spPr>
+      <p:sp>
+        <p:nvSpPr>
+          <p:cNvPr id="2" name="Title 1">
+            <a:extLst>
+              <a:ext uri="{FF2B5EF4-FFF2-40B4-BE49-F238E27FC236}">
+                <a16:creationId xmlns:a16="http://schemas.microsoft.com/office/drawing/2014/main" id="{35942E61-76FD-D1D5-E1DD-F386567DA7E6}"/>
+              </a:ext>
+            </a:extLst>
+          </p:cNvPr>
+          <p:cNvSpPr>
+            <a:spLocks noGrp="1"/>
+          </p:cNvSpPr>
+          <p:nvPr>
+            <p:ph type="ctrTitle"/>
+          </p:nvPr>
+        </p:nvSpPr>
+        <p:spPr/>
         <p:txBody>
-          <a:bodyPr wrap="none" rtlCol="0">
-            <a:spAutoFit/>
-          </a:bodyPr>
+          <a:bodyPr/>
           <a:lstStyle/>
           <a:p>
             <a:r>
+              <a:rPr lang="en-US" dirty="0"/>
+              <a:t>Better Testing with Approvals</a:t>
+            </a:r>
+          </a:p>
+        </p:txBody>
+      </p:sp>
+      <p:sp>
+        <p:nvSpPr>
+          <p:cNvPr id="3" name="Subtitle 2">
+            <a:extLst>
+              <a:ext uri="{FF2B5EF4-FFF2-40B4-BE49-F238E27FC236}">
+                <a16:creationId xmlns:a16="http://schemas.microsoft.com/office/drawing/2014/main" id="{946D131D-A9A2-E833-90CF-10760F529A39}"/>
+              </a:ext>
+            </a:extLst>
+          </p:cNvPr>
+          <p:cNvSpPr>
+            <a:spLocks noGrp="1"/>
+          </p:cNvSpPr>
+          <p:nvPr>
+            <p:ph type="subTitle" idx="1"/>
+          </p:nvPr>
+        </p:nvSpPr>
+        <p:spPr/>
+        <p:txBody>
+          <a:bodyPr/>
+          <a:lstStyle/>
+          <a:p>
+            <a:r>
               <a:rPr lang="en-US"/>
-              <a:t>Original Test</a:t>
+              <a:t>Llewellyn Falco</a:t>
+            </a:r>
+          </a:p>
+          <a:p>
+            <a:r>
+              <a:rPr lang="en-US"/>
+              <a:t>Lada Kesseler</a:t>
             </a:r>
           </a:p>
         </p:txBody>
@@ -17854,7 +18165,7 @@
     </p:spTree>
     <p:extLst>
       <p:ext uri="{BB962C8B-B14F-4D97-AF65-F5344CB8AC3E}">
-        <p14:creationId xmlns:p14="http://schemas.microsoft.com/office/powerpoint/2010/main" val="4192315940"/>
+        <p14:creationId xmlns:p14="http://schemas.microsoft.com/office/powerpoint/2010/main" val="656840027"/>
       </p:ext>
     </p:extLst>
   </p:cSld>

--- a/slides/Testing Better with Approvals.pptx
+++ b/slides/Testing Better with Approvals.pptx
@@ -5,7 +5,7 @@
     <p:sldMasterId id="2147483648" r:id="rId1"/>
   </p:sldMasterIdLst>
   <p:notesMasterIdLst>
-    <p:notesMasterId r:id="rId35"/>
+    <p:notesMasterId r:id="rId36"/>
   </p:notesMasterIdLst>
   <p:sldIdLst>
     <p:sldId id="291" r:id="rId2"/>
@@ -17,30 +17,31 @@
     <p:sldId id="261" r:id="rId8"/>
     <p:sldId id="262" r:id="rId9"/>
     <p:sldId id="256" r:id="rId10"/>
-    <p:sldId id="292" r:id="rId11"/>
-    <p:sldId id="263" r:id="rId12"/>
-    <p:sldId id="283" r:id="rId13"/>
-    <p:sldId id="284" r:id="rId14"/>
-    <p:sldId id="289" r:id="rId15"/>
-    <p:sldId id="266" r:id="rId16"/>
-    <p:sldId id="285" r:id="rId17"/>
-    <p:sldId id="286" r:id="rId18"/>
-    <p:sldId id="290" r:id="rId19"/>
-    <p:sldId id="287" r:id="rId20"/>
-    <p:sldId id="288" r:id="rId21"/>
-    <p:sldId id="268" r:id="rId22"/>
-    <p:sldId id="270" r:id="rId23"/>
-    <p:sldId id="271" r:id="rId24"/>
-    <p:sldId id="273" r:id="rId25"/>
-    <p:sldId id="274" r:id="rId26"/>
-    <p:sldId id="272" r:id="rId27"/>
-    <p:sldId id="277" r:id="rId28"/>
-    <p:sldId id="275" r:id="rId29"/>
-    <p:sldId id="278" r:id="rId30"/>
-    <p:sldId id="276" r:id="rId31"/>
-    <p:sldId id="279" r:id="rId32"/>
-    <p:sldId id="280" r:id="rId33"/>
-    <p:sldId id="281" r:id="rId34"/>
+    <p:sldId id="293" r:id="rId11"/>
+    <p:sldId id="292" r:id="rId12"/>
+    <p:sldId id="263" r:id="rId13"/>
+    <p:sldId id="283" r:id="rId14"/>
+    <p:sldId id="284" r:id="rId15"/>
+    <p:sldId id="289" r:id="rId16"/>
+    <p:sldId id="266" r:id="rId17"/>
+    <p:sldId id="285" r:id="rId18"/>
+    <p:sldId id="286" r:id="rId19"/>
+    <p:sldId id="290" r:id="rId20"/>
+    <p:sldId id="287" r:id="rId21"/>
+    <p:sldId id="288" r:id="rId22"/>
+    <p:sldId id="268" r:id="rId23"/>
+    <p:sldId id="270" r:id="rId24"/>
+    <p:sldId id="271" r:id="rId25"/>
+    <p:sldId id="273" r:id="rId26"/>
+    <p:sldId id="274" r:id="rId27"/>
+    <p:sldId id="272" r:id="rId28"/>
+    <p:sldId id="277" r:id="rId29"/>
+    <p:sldId id="275" r:id="rId30"/>
+    <p:sldId id="278" r:id="rId31"/>
+    <p:sldId id="276" r:id="rId32"/>
+    <p:sldId id="279" r:id="rId33"/>
+    <p:sldId id="280" r:id="rId34"/>
+    <p:sldId id="281" r:id="rId35"/>
   </p:sldIdLst>
   <p:sldSz cx="12192000" cy="6858000"/>
   <p:notesSz cx="6858000" cy="9144000"/>
@@ -161,6 +162,7 @@
         <p14:section name="Flow" id="{4A37992F-F261-844C-AD8B-FF43D7C6D28F}">
           <p14:sldIdLst>
             <p14:sldId id="256"/>
+            <p14:sldId id="293"/>
             <p14:sldId id="292"/>
             <p14:sldId id="263"/>
             <p14:sldId id="283"/>
@@ -282,7 +284,7 @@
           <a:p>
             <a:fld id="{35701875-5BC7-1E49-AF4C-96F7D9E7474C}" type="datetimeFigureOut">
               <a:rPr lang="en-US" smtClean="0"/>
-              <a:t>1/31/24</a:t>
+              <a:t>2/6/24</a:t>
             </a:fld>
             <a:endParaRPr lang="en-US"/>
           </a:p>
@@ -746,7 +748,7 @@
           <a:p>
             <a:fld id="{FC5BBC2B-72B0-2542-8213-717906F3F32B}" type="slidenum">
               <a:rPr lang="en-US" smtClean="0"/>
-              <a:t>13</a:t>
+              <a:t>14</a:t>
             </a:fld>
             <a:endParaRPr lang="en-US"/>
           </a:p>
@@ -854,7 +856,7 @@
           <a:p>
             <a:fld id="{FC5BBC2B-72B0-2542-8213-717906F3F32B}" type="slidenum">
               <a:rPr lang="en-US" smtClean="0"/>
-              <a:t>15</a:t>
+              <a:t>16</a:t>
             </a:fld>
             <a:endParaRPr lang="en-US"/>
           </a:p>
@@ -962,7 +964,7 @@
           <a:p>
             <a:fld id="{FC5BBC2B-72B0-2542-8213-717906F3F32B}" type="slidenum">
               <a:rPr lang="en-US" smtClean="0"/>
-              <a:t>16</a:t>
+              <a:t>17</a:t>
             </a:fld>
             <a:endParaRPr lang="en-US"/>
           </a:p>
@@ -1070,7 +1072,7 @@
           <a:p>
             <a:fld id="{FC5BBC2B-72B0-2542-8213-717906F3F32B}" type="slidenum">
               <a:rPr lang="en-US" smtClean="0"/>
-              <a:t>17</a:t>
+              <a:t>18</a:t>
             </a:fld>
             <a:endParaRPr lang="en-US"/>
           </a:p>
@@ -1178,7 +1180,7 @@
           <a:p>
             <a:fld id="{FC5BBC2B-72B0-2542-8213-717906F3F32B}" type="slidenum">
               <a:rPr lang="en-US" smtClean="0"/>
-              <a:t>19</a:t>
+              <a:t>20</a:t>
             </a:fld>
             <a:endParaRPr lang="en-US"/>
           </a:p>
@@ -1286,7 +1288,7 @@
           <a:p>
             <a:fld id="{FC5BBC2B-72B0-2542-8213-717906F3F32B}" type="slidenum">
               <a:rPr lang="en-US" smtClean="0"/>
-              <a:t>20</a:t>
+              <a:t>21</a:t>
             </a:fld>
             <a:endParaRPr lang="en-US"/>
           </a:p>
@@ -1394,7 +1396,7 @@
           <a:p>
             <a:fld id="{FC5BBC2B-72B0-2542-8213-717906F3F32B}" type="slidenum">
               <a:rPr lang="en-US" smtClean="0"/>
-              <a:t>21</a:t>
+              <a:t>22</a:t>
             </a:fld>
             <a:endParaRPr lang="en-US"/>
           </a:p>
@@ -1502,7 +1504,7 @@
           <a:p>
             <a:fld id="{FC5BBC2B-72B0-2542-8213-717906F3F32B}" type="slidenum">
               <a:rPr lang="en-US" smtClean="0"/>
-              <a:t>22</a:t>
+              <a:t>23</a:t>
             </a:fld>
             <a:endParaRPr lang="en-US"/>
           </a:p>
@@ -1610,7 +1612,7 @@
           <a:p>
             <a:fld id="{FC5BBC2B-72B0-2542-8213-717906F3F32B}" type="slidenum">
               <a:rPr lang="en-US" smtClean="0"/>
-              <a:t>23</a:t>
+              <a:t>24</a:t>
             </a:fld>
             <a:endParaRPr lang="en-US"/>
           </a:p>
@@ -1718,7 +1720,7 @@
           <a:p>
             <a:fld id="{FC5BBC2B-72B0-2542-8213-717906F3F32B}" type="slidenum">
               <a:rPr lang="en-US" smtClean="0"/>
-              <a:t>24</a:t>
+              <a:t>25</a:t>
             </a:fld>
             <a:endParaRPr lang="en-US"/>
           </a:p>
@@ -1910,7 +1912,7 @@
           <a:p>
             <a:fld id="{FC5BBC2B-72B0-2542-8213-717906F3F32B}" type="slidenum">
               <a:rPr lang="en-US" smtClean="0"/>
-              <a:t>25</a:t>
+              <a:t>26</a:t>
             </a:fld>
             <a:endParaRPr lang="en-US"/>
           </a:p>
@@ -2018,7 +2020,7 @@
           <a:p>
             <a:fld id="{FC5BBC2B-72B0-2542-8213-717906F3F32B}" type="slidenum">
               <a:rPr lang="en-US" smtClean="0"/>
-              <a:t>26</a:t>
+              <a:t>27</a:t>
             </a:fld>
             <a:endParaRPr lang="en-US"/>
           </a:p>
@@ -2126,7 +2128,7 @@
           <a:p>
             <a:fld id="{FC5BBC2B-72B0-2542-8213-717906F3F32B}" type="slidenum">
               <a:rPr lang="en-US" smtClean="0"/>
-              <a:t>27</a:t>
+              <a:t>28</a:t>
             </a:fld>
             <a:endParaRPr lang="en-US"/>
           </a:p>
@@ -2234,7 +2236,7 @@
           <a:p>
             <a:fld id="{FC5BBC2B-72B0-2542-8213-717906F3F32B}" type="slidenum">
               <a:rPr lang="en-US" smtClean="0"/>
-              <a:t>28</a:t>
+              <a:t>29</a:t>
             </a:fld>
             <a:endParaRPr lang="en-US"/>
           </a:p>
@@ -2342,7 +2344,7 @@
           <a:p>
             <a:fld id="{FC5BBC2B-72B0-2542-8213-717906F3F32B}" type="slidenum">
               <a:rPr lang="en-US" smtClean="0"/>
-              <a:t>29</a:t>
+              <a:t>30</a:t>
             </a:fld>
             <a:endParaRPr lang="en-US"/>
           </a:p>
@@ -2450,7 +2452,7 @@
           <a:p>
             <a:fld id="{FC5BBC2B-72B0-2542-8213-717906F3F32B}" type="slidenum">
               <a:rPr lang="en-US" smtClean="0"/>
-              <a:t>30</a:t>
+              <a:t>31</a:t>
             </a:fld>
             <a:endParaRPr lang="en-US"/>
           </a:p>
@@ -2558,7 +2560,7 @@
           <a:p>
             <a:fld id="{FC5BBC2B-72B0-2542-8213-717906F3F32B}" type="slidenum">
               <a:rPr lang="en-US" smtClean="0"/>
-              <a:t>31</a:t>
+              <a:t>32</a:t>
             </a:fld>
             <a:endParaRPr lang="en-US"/>
           </a:p>
@@ -2666,7 +2668,7 @@
           <a:p>
             <a:fld id="{FC5BBC2B-72B0-2542-8213-717906F3F32B}" type="slidenum">
               <a:rPr lang="en-US" smtClean="0"/>
-              <a:t>32</a:t>
+              <a:t>33</a:t>
             </a:fld>
             <a:endParaRPr lang="en-US"/>
           </a:p>
@@ -2774,7 +2776,7 @@
           <a:p>
             <a:fld id="{FC5BBC2B-72B0-2542-8213-717906F3F32B}" type="slidenum">
               <a:rPr lang="en-US" smtClean="0"/>
-              <a:t>33</a:t>
+              <a:t>34</a:t>
             </a:fld>
             <a:endParaRPr lang="en-US"/>
           </a:p>
@@ -3386,7 +3388,7 @@
           <a:p>
             <a:fld id="{FC5BBC2B-72B0-2542-8213-717906F3F32B}" type="slidenum">
               <a:rPr lang="en-US" smtClean="0"/>
-              <a:t>11</a:t>
+              <a:t>12</a:t>
             </a:fld>
             <a:endParaRPr lang="en-US"/>
           </a:p>
@@ -3552,7 +3554,7 @@
           <a:p>
             <a:fld id="{75A66788-8C42-AF46-A5E8-A812D6157D58}" type="datetimeFigureOut">
               <a:rPr lang="en-US" smtClean="0"/>
-              <a:t>1/31/24</a:t>
+              <a:t>2/6/24</a:t>
             </a:fld>
             <a:endParaRPr lang="en-US"/>
           </a:p>
@@ -3750,7 +3752,7 @@
           <a:p>
             <a:fld id="{75A66788-8C42-AF46-A5E8-A812D6157D58}" type="datetimeFigureOut">
               <a:rPr lang="en-US" smtClean="0"/>
-              <a:t>1/31/24</a:t>
+              <a:t>2/6/24</a:t>
             </a:fld>
             <a:endParaRPr lang="en-US"/>
           </a:p>
@@ -3958,7 +3960,7 @@
           <a:p>
             <a:fld id="{75A66788-8C42-AF46-A5E8-A812D6157D58}" type="datetimeFigureOut">
               <a:rPr lang="en-US" smtClean="0"/>
-              <a:t>1/31/24</a:t>
+              <a:t>2/6/24</a:t>
             </a:fld>
             <a:endParaRPr lang="en-US"/>
           </a:p>
@@ -4156,7 +4158,7 @@
           <a:p>
             <a:fld id="{75A66788-8C42-AF46-A5E8-A812D6157D58}" type="datetimeFigureOut">
               <a:rPr lang="en-US" smtClean="0"/>
-              <a:t>1/31/24</a:t>
+              <a:t>2/6/24</a:t>
             </a:fld>
             <a:endParaRPr lang="en-US"/>
           </a:p>
@@ -4431,7 +4433,7 @@
           <a:p>
             <a:fld id="{75A66788-8C42-AF46-A5E8-A812D6157D58}" type="datetimeFigureOut">
               <a:rPr lang="en-US" smtClean="0"/>
-              <a:t>1/31/24</a:t>
+              <a:t>2/6/24</a:t>
             </a:fld>
             <a:endParaRPr lang="en-US"/>
           </a:p>
@@ -4696,7 +4698,7 @@
           <a:p>
             <a:fld id="{75A66788-8C42-AF46-A5E8-A812D6157D58}" type="datetimeFigureOut">
               <a:rPr lang="en-US" smtClean="0"/>
-              <a:t>1/31/24</a:t>
+              <a:t>2/6/24</a:t>
             </a:fld>
             <a:endParaRPr lang="en-US"/>
           </a:p>
@@ -5108,7 +5110,7 @@
           <a:p>
             <a:fld id="{75A66788-8C42-AF46-A5E8-A812D6157D58}" type="datetimeFigureOut">
               <a:rPr lang="en-US" smtClean="0"/>
-              <a:t>1/31/24</a:t>
+              <a:t>2/6/24</a:t>
             </a:fld>
             <a:endParaRPr lang="en-US"/>
           </a:p>
@@ -5249,7 +5251,7 @@
           <a:p>
             <a:fld id="{75A66788-8C42-AF46-A5E8-A812D6157D58}" type="datetimeFigureOut">
               <a:rPr lang="en-US" smtClean="0"/>
-              <a:t>1/31/24</a:t>
+              <a:t>2/6/24</a:t>
             </a:fld>
             <a:endParaRPr lang="en-US"/>
           </a:p>
@@ -5362,7 +5364,7 @@
           <a:p>
             <a:fld id="{75A66788-8C42-AF46-A5E8-A812D6157D58}" type="datetimeFigureOut">
               <a:rPr lang="en-US" smtClean="0"/>
-              <a:t>1/31/24</a:t>
+              <a:t>2/6/24</a:t>
             </a:fld>
             <a:endParaRPr lang="en-US"/>
           </a:p>
@@ -5673,7 +5675,7 @@
           <a:p>
             <a:fld id="{75A66788-8C42-AF46-A5E8-A812D6157D58}" type="datetimeFigureOut">
               <a:rPr lang="en-US" smtClean="0"/>
-              <a:t>1/31/24</a:t>
+              <a:t>2/6/24</a:t>
             </a:fld>
             <a:endParaRPr lang="en-US"/>
           </a:p>
@@ -5961,7 +5963,7 @@
           <a:p>
             <a:fld id="{75A66788-8C42-AF46-A5E8-A812D6157D58}" type="datetimeFigureOut">
               <a:rPr lang="en-US" smtClean="0"/>
-              <a:t>1/31/24</a:t>
+              <a:t>2/6/24</a:t>
             </a:fld>
             <a:endParaRPr lang="en-US"/>
           </a:p>
@@ -6202,7 +6204,7 @@
           <a:p>
             <a:fld id="{75A66788-8C42-AF46-A5E8-A812D6157D58}" type="datetimeFigureOut">
               <a:rPr lang="en-US" smtClean="0"/>
-              <a:t>1/31/24</a:t>
+              <a:t>2/6/24</a:t>
             </a:fld>
             <a:endParaRPr lang="en-US"/>
           </a:p>
@@ -6715,79 +6717,789 @@
       </p:grpSpPr>
       <p:sp>
         <p:nvSpPr>
-          <p:cNvPr id="2" name="Title 1">
-            <a:extLst>
-              <a:ext uri="{FF2B5EF4-FFF2-40B4-BE49-F238E27FC236}">
-                <a16:creationId xmlns:a16="http://schemas.microsoft.com/office/drawing/2014/main" id="{F4907F97-142A-AC9E-14EB-D84B3929F049}"/>
-              </a:ext>
-            </a:extLst>
-          </p:cNvPr>
-          <p:cNvSpPr>
-            <a:spLocks noGrp="1"/>
-          </p:cNvSpPr>
-          <p:nvPr>
-            <p:ph type="title"/>
-          </p:nvPr>
-        </p:nvSpPr>
-        <p:spPr/>
-        <p:txBody>
-          <a:bodyPr/>
+          <p:cNvPr id="3" name="Curved Down Arrow 2"/>
+          <p:cNvSpPr/>
+          <p:nvPr/>
+        </p:nvSpPr>
+        <p:spPr bwMode="auto">
+          <a:xfrm rot="16200000">
+            <a:off x="2633387" y="3179948"/>
+            <a:ext cx="2718871" cy="1219200"/>
+          </a:xfrm>
+          <a:prstGeom prst="curvedDownArrow">
+            <a:avLst/>
+          </a:prstGeom>
+          <a:ln>
+            <a:headEnd type="none" w="med" len="med"/>
+            <a:tailEnd type="none" w="med" len="med"/>
+          </a:ln>
+        </p:spPr>
+        <p:style>
+          <a:lnRef idx="2">
+            <a:schemeClr val="dk1"/>
+          </a:lnRef>
+          <a:fillRef idx="1">
+            <a:schemeClr val="lt1"/>
+          </a:fillRef>
+          <a:effectRef idx="0">
+            <a:schemeClr val="dk1"/>
+          </a:effectRef>
+          <a:fontRef idx="minor">
+            <a:schemeClr val="dk1"/>
+          </a:fontRef>
+        </p:style>
+        <p:txBody>
+          <a:bodyPr vert="horz" wrap="square" lIns="121920" tIns="60960" rIns="121920" bIns="60960" numCol="1" rtlCol="0" anchor="t" anchorCtr="0" compatLnSpc="1">
+            <a:prstTxWarp prst="textNoShape">
+              <a:avLst/>
+            </a:prstTxWarp>
+          </a:bodyPr>
           <a:lstStyle/>
           <a:p>
-            <a:r>
-              <a:rPr lang="en-US"/>
-              <a:t>The story so far</a:t>
-            </a:r>
-          </a:p>
-        </p:txBody>
-      </p:sp>
-      <p:sp>
-        <p:nvSpPr>
-          <p:cNvPr id="3" name="Content Placeholder 2">
-            <a:extLst>
-              <a:ext uri="{FF2B5EF4-FFF2-40B4-BE49-F238E27FC236}">
-                <a16:creationId xmlns:a16="http://schemas.microsoft.com/office/drawing/2014/main" id="{D2D2489B-2A1E-81A0-DF02-4BD06E1C44F5}"/>
-              </a:ext>
-            </a:extLst>
-          </p:cNvPr>
-          <p:cNvSpPr>
-            <a:spLocks noGrp="1"/>
-          </p:cNvSpPr>
-          <p:nvPr>
-            <p:ph idx="1"/>
-          </p:nvPr>
-        </p:nvSpPr>
-        <p:spPr/>
-        <p:txBody>
-          <a:bodyPr/>
+            <a:pPr defTabSz="1219170" eaLnBrk="0" fontAlgn="base" hangingPunct="0">
+              <a:spcBef>
+                <a:spcPct val="0"/>
+              </a:spcBef>
+              <a:spcAft>
+                <a:spcPct val="0"/>
+              </a:spcAft>
+            </a:pPr>
+            <a:endParaRPr lang="en-US" sz="3200" b="1">
+              <a:solidFill>
+                <a:schemeClr val="tx1"/>
+              </a:solidFill>
+              <a:latin typeface="Arial" charset="0"/>
+            </a:endParaRPr>
+          </a:p>
+        </p:txBody>
+      </p:sp>
+      <p:sp>
+        <p:nvSpPr>
+          <p:cNvPr id="4" name="Curved Down Arrow 3"/>
+          <p:cNvSpPr/>
+          <p:nvPr/>
+        </p:nvSpPr>
+        <p:spPr bwMode="auto">
+          <a:xfrm rot="5400000">
+            <a:off x="6591606" y="3179949"/>
+            <a:ext cx="2718871" cy="1219200"/>
+          </a:xfrm>
+          <a:prstGeom prst="curvedDownArrow">
+            <a:avLst/>
+          </a:prstGeom>
+          <a:ln>
+            <a:headEnd type="none" w="med" len="med"/>
+            <a:tailEnd type="none" w="med" len="med"/>
+          </a:ln>
+        </p:spPr>
+        <p:style>
+          <a:lnRef idx="2">
+            <a:schemeClr val="dk1"/>
+          </a:lnRef>
+          <a:fillRef idx="1">
+            <a:schemeClr val="lt1"/>
+          </a:fillRef>
+          <a:effectRef idx="0">
+            <a:schemeClr val="dk1"/>
+          </a:effectRef>
+          <a:fontRef idx="minor">
+            <a:schemeClr val="dk1"/>
+          </a:fontRef>
+        </p:style>
+        <p:txBody>
+          <a:bodyPr vert="horz" wrap="square" lIns="121920" tIns="60960" rIns="121920" bIns="60960" numCol="1" rtlCol="0" anchor="t" anchorCtr="0" compatLnSpc="1">
+            <a:prstTxWarp prst="textNoShape">
+              <a:avLst/>
+            </a:prstTxWarp>
+          </a:bodyPr>
           <a:lstStyle/>
           <a:p>
-            <a:r>
-              <a:rPr lang="en-US"/>
-              <a:t>Lada: lead developer working on the message bot application</a:t>
-            </a:r>
-          </a:p>
-          <a:p>
-            <a:r>
-              <a:rPr lang="en-US"/>
-              <a:t>Llewellyn: technical coach working with Lada and work on some tests</a:t>
-            </a:r>
-          </a:p>
-          <a:p>
-            <a:endParaRPr lang="en-US"/>
-          </a:p>
-          <a:p>
-            <a:pPr marL="0" indent="0">
-              <a:buNone/>
+            <a:pPr defTabSz="1219170" eaLnBrk="0" fontAlgn="base" hangingPunct="0">
+              <a:spcBef>
+                <a:spcPct val="0"/>
+              </a:spcBef>
+              <a:spcAft>
+                <a:spcPct val="0"/>
+              </a:spcAft>
             </a:pPr>
-            <a:endParaRPr lang="en-US"/>
+            <a:endParaRPr lang="en-US" sz="3200" b="1">
+              <a:solidFill>
+                <a:schemeClr val="tx1"/>
+              </a:solidFill>
+              <a:latin typeface="Arial" charset="0"/>
+            </a:endParaRPr>
+          </a:p>
+        </p:txBody>
+      </p:sp>
+      <p:sp>
+        <p:nvSpPr>
+          <p:cNvPr id="5" name="Curved Down Arrow 4"/>
+          <p:cNvSpPr/>
+          <p:nvPr/>
+        </p:nvSpPr>
+        <p:spPr bwMode="auto">
+          <a:xfrm>
+            <a:off x="4622573" y="1217784"/>
+            <a:ext cx="2718871" cy="1219200"/>
+          </a:xfrm>
+          <a:prstGeom prst="curvedDownArrow">
+            <a:avLst/>
+          </a:prstGeom>
+          <a:ln>
+            <a:headEnd type="none" w="med" len="med"/>
+            <a:tailEnd type="none" w="med" len="med"/>
+          </a:ln>
+        </p:spPr>
+        <p:style>
+          <a:lnRef idx="2">
+            <a:schemeClr val="dk1"/>
+          </a:lnRef>
+          <a:fillRef idx="1">
+            <a:schemeClr val="lt1"/>
+          </a:fillRef>
+          <a:effectRef idx="0">
+            <a:schemeClr val="dk1"/>
+          </a:effectRef>
+          <a:fontRef idx="minor">
+            <a:schemeClr val="dk1"/>
+          </a:fontRef>
+        </p:style>
+        <p:txBody>
+          <a:bodyPr vert="horz" wrap="square" lIns="121920" tIns="60960" rIns="121920" bIns="60960" numCol="1" rtlCol="0" anchor="t" anchorCtr="0" compatLnSpc="1">
+            <a:prstTxWarp prst="textNoShape">
+              <a:avLst/>
+            </a:prstTxWarp>
+          </a:bodyPr>
+          <a:lstStyle/>
+          <a:p>
+            <a:pPr defTabSz="1219170" eaLnBrk="0" fontAlgn="base" hangingPunct="0">
+              <a:spcBef>
+                <a:spcPct val="0"/>
+              </a:spcBef>
+              <a:spcAft>
+                <a:spcPct val="0"/>
+              </a:spcAft>
+            </a:pPr>
+            <a:endParaRPr lang="en-US" sz="3200" b="1">
+              <a:solidFill>
+                <a:schemeClr val="tx1"/>
+              </a:solidFill>
+              <a:latin typeface="Arial" charset="0"/>
+            </a:endParaRPr>
+          </a:p>
+        </p:txBody>
+      </p:sp>
+      <p:sp>
+        <p:nvSpPr>
+          <p:cNvPr id="6" name="TextBox 5"/>
+          <p:cNvSpPr txBox="1"/>
+          <p:nvPr/>
+        </p:nvSpPr>
+        <p:spPr>
+          <a:xfrm>
+            <a:off x="7315200" y="1905001"/>
+            <a:ext cx="1497760" cy="461665"/>
+          </a:xfrm>
+          <a:prstGeom prst="rect">
+            <a:avLst/>
+          </a:prstGeom>
+          <a:noFill/>
+        </p:spPr>
+        <p:txBody>
+          <a:bodyPr wrap="square" rtlCol="0">
+            <a:spAutoFit/>
+          </a:bodyPr>
+          <a:lstStyle/>
+          <a:p>
+            <a:r>
+              <a:rPr lang="en-US" sz="2400" dirty="0"/>
+              <a:t>English</a:t>
+            </a:r>
+          </a:p>
+        </p:txBody>
+      </p:sp>
+      <p:sp>
+        <p:nvSpPr>
+          <p:cNvPr id="7" name="TextBox 6"/>
+          <p:cNvSpPr txBox="1"/>
+          <p:nvPr/>
+        </p:nvSpPr>
+        <p:spPr>
+          <a:xfrm>
+            <a:off x="7341442" y="5093560"/>
+            <a:ext cx="825867" cy="461665"/>
+          </a:xfrm>
+          <a:prstGeom prst="rect">
+            <a:avLst/>
+          </a:prstGeom>
+          <a:noFill/>
+        </p:spPr>
+        <p:txBody>
+          <a:bodyPr wrap="none" rtlCol="0">
+            <a:spAutoFit/>
+          </a:bodyPr>
+          <a:lstStyle/>
+          <a:p>
+            <a:r>
+              <a:rPr lang="en-US" sz="2400" dirty="0"/>
+              <a:t>Code</a:t>
+            </a:r>
+          </a:p>
+        </p:txBody>
+      </p:sp>
+      <p:sp>
+        <p:nvSpPr>
+          <p:cNvPr id="8" name="TextBox 7"/>
+          <p:cNvSpPr txBox="1"/>
+          <p:nvPr/>
+        </p:nvSpPr>
+        <p:spPr>
+          <a:xfrm>
+            <a:off x="3556000" y="5156201"/>
+            <a:ext cx="1026216" cy="461665"/>
+          </a:xfrm>
+          <a:prstGeom prst="rect">
+            <a:avLst/>
+          </a:prstGeom>
+          <a:noFill/>
+        </p:spPr>
+        <p:txBody>
+          <a:bodyPr wrap="square" rtlCol="0">
+            <a:spAutoFit/>
+          </a:bodyPr>
+          <a:lstStyle/>
+          <a:p>
+            <a:r>
+              <a:rPr lang="en-US" sz="2400" dirty="0"/>
+              <a:t>Result</a:t>
+            </a:r>
+          </a:p>
+        </p:txBody>
+      </p:sp>
+      <p:sp>
+        <p:nvSpPr>
+          <p:cNvPr id="9" name="TextBox 8"/>
+          <p:cNvSpPr txBox="1"/>
+          <p:nvPr/>
+        </p:nvSpPr>
+        <p:spPr>
+          <a:xfrm>
+            <a:off x="2844799" y="1923033"/>
+            <a:ext cx="1777772" cy="461665"/>
+          </a:xfrm>
+          <a:prstGeom prst="rect">
+            <a:avLst/>
+          </a:prstGeom>
+          <a:noFill/>
+        </p:spPr>
+        <p:txBody>
+          <a:bodyPr wrap="square" rtlCol="0">
+            <a:spAutoFit/>
+          </a:bodyPr>
+          <a:lstStyle/>
+          <a:p>
+            <a:r>
+              <a:rPr lang="en-US" sz="2400" dirty="0"/>
+              <a:t>Whiteboard</a:t>
+            </a:r>
+          </a:p>
+        </p:txBody>
+      </p:sp>
+      <p:grpSp>
+        <p:nvGrpSpPr>
+          <p:cNvPr id="10" name="Group 9"/>
+          <p:cNvGrpSpPr/>
+          <p:nvPr/>
+        </p:nvGrpSpPr>
+        <p:grpSpPr>
+          <a:xfrm>
+            <a:off x="1422400" y="279400"/>
+            <a:ext cx="1347536" cy="2802021"/>
+            <a:chOff x="635115" y="-227609"/>
+            <a:chExt cx="1010652" cy="2101516"/>
+          </a:xfrm>
+        </p:grpSpPr>
+        <p:sp>
+          <p:nvSpPr>
+            <p:cNvPr id="11" name="Rectangle 10"/>
+            <p:cNvSpPr/>
+            <p:nvPr/>
+          </p:nvSpPr>
+          <p:spPr bwMode="auto">
+            <a:xfrm>
+              <a:off x="635115" y="29065"/>
+              <a:ext cx="1010652" cy="1138989"/>
+            </a:xfrm>
+            <a:prstGeom prst="rect">
+              <a:avLst/>
+            </a:prstGeom>
+            <a:ln>
+              <a:headEnd type="none" w="med" len="med"/>
+              <a:tailEnd type="none" w="med" len="med"/>
+            </a:ln>
+          </p:spPr>
+          <p:style>
+            <a:lnRef idx="2">
+              <a:schemeClr val="dk1"/>
+            </a:lnRef>
+            <a:fillRef idx="1">
+              <a:schemeClr val="lt1"/>
+            </a:fillRef>
+            <a:effectRef idx="0">
+              <a:schemeClr val="dk1"/>
+            </a:effectRef>
+            <a:fontRef idx="minor">
+              <a:schemeClr val="dk1"/>
+            </a:fontRef>
+          </p:style>
+          <p:txBody>
+            <a:bodyPr vert="horz" wrap="square" lIns="121920" tIns="60960" rIns="121920" bIns="60960" numCol="1" rtlCol="0" anchor="t" anchorCtr="0" compatLnSpc="1">
+              <a:prstTxWarp prst="textNoShape">
+                <a:avLst/>
+              </a:prstTxWarp>
+            </a:bodyPr>
+            <a:lstStyle/>
+            <a:p>
+              <a:pPr defTabSz="1219170" eaLnBrk="0" fontAlgn="base" hangingPunct="0">
+                <a:spcBef>
+                  <a:spcPct val="0"/>
+                </a:spcBef>
+                <a:spcAft>
+                  <a:spcPct val="0"/>
+                </a:spcAft>
+              </a:pPr>
+              <a:endParaRPr lang="en-US" sz="3200" b="1">
+                <a:solidFill>
+                  <a:schemeClr val="tx1"/>
+                </a:solidFill>
+                <a:latin typeface="Arial" charset="0"/>
+              </a:endParaRPr>
+            </a:p>
+          </p:txBody>
+        </p:sp>
+        <p:cxnSp>
+          <p:nvCxnSpPr>
+            <p:cNvPr id="12" name="Straight Connector 11"/>
+            <p:cNvCxnSpPr/>
+            <p:nvPr/>
+          </p:nvCxnSpPr>
+          <p:spPr bwMode="auto">
+            <a:xfrm>
+              <a:off x="1140441" y="-227609"/>
+              <a:ext cx="0" cy="256674"/>
+            </a:xfrm>
+            <a:prstGeom prst="line">
+              <a:avLst/>
+            </a:prstGeom>
+            <a:solidFill>
+              <a:schemeClr val="accent1"/>
+            </a:solidFill>
+            <a:ln w="9525" cap="flat" cmpd="sng" algn="ctr">
+              <a:solidFill>
+                <a:schemeClr val="tx1"/>
+              </a:solidFill>
+              <a:prstDash val="solid"/>
+              <a:round/>
+              <a:headEnd type="none" w="med" len="med"/>
+              <a:tailEnd type="none" w="med" len="med"/>
+            </a:ln>
+            <a:effectLst/>
+          </p:spPr>
+        </p:cxnSp>
+        <p:cxnSp>
+          <p:nvCxnSpPr>
+            <p:cNvPr id="13" name="Straight Connector 12"/>
+            <p:cNvCxnSpPr/>
+            <p:nvPr/>
+          </p:nvCxnSpPr>
+          <p:spPr bwMode="auto">
+            <a:xfrm flipV="1">
+              <a:off x="819599" y="1168054"/>
+              <a:ext cx="184484" cy="705853"/>
+            </a:xfrm>
+            <a:prstGeom prst="line">
+              <a:avLst/>
+            </a:prstGeom>
+            <a:solidFill>
+              <a:schemeClr val="accent1"/>
+            </a:solidFill>
+            <a:ln w="9525" cap="flat" cmpd="sng" algn="ctr">
+              <a:solidFill>
+                <a:schemeClr val="tx1"/>
+              </a:solidFill>
+              <a:prstDash val="solid"/>
+              <a:round/>
+              <a:headEnd type="none" w="med" len="med"/>
+              <a:tailEnd type="none" w="med" len="med"/>
+            </a:ln>
+            <a:effectLst/>
+          </p:spPr>
+        </p:cxnSp>
+        <p:cxnSp>
+          <p:nvCxnSpPr>
+            <p:cNvPr id="14" name="Straight Connector 13"/>
+            <p:cNvCxnSpPr/>
+            <p:nvPr/>
+          </p:nvCxnSpPr>
+          <p:spPr bwMode="auto">
+            <a:xfrm flipV="1">
+              <a:off x="1140441" y="1168054"/>
+              <a:ext cx="0" cy="529390"/>
+            </a:xfrm>
+            <a:prstGeom prst="line">
+              <a:avLst/>
+            </a:prstGeom>
+            <a:solidFill>
+              <a:schemeClr val="accent1"/>
+            </a:solidFill>
+            <a:ln w="9525" cap="flat" cmpd="sng" algn="ctr">
+              <a:solidFill>
+                <a:schemeClr val="tx1"/>
+              </a:solidFill>
+              <a:prstDash val="solid"/>
+              <a:round/>
+              <a:headEnd type="none" w="med" len="med"/>
+              <a:tailEnd type="none" w="med" len="med"/>
+            </a:ln>
+            <a:effectLst/>
+          </p:spPr>
+        </p:cxnSp>
+        <p:cxnSp>
+          <p:nvCxnSpPr>
+            <p:cNvPr id="15" name="Straight Connector 14"/>
+            <p:cNvCxnSpPr/>
+            <p:nvPr/>
+          </p:nvCxnSpPr>
+          <p:spPr bwMode="auto">
+            <a:xfrm flipH="1" flipV="1">
+              <a:off x="1276799" y="1168054"/>
+              <a:ext cx="176463" cy="705853"/>
+            </a:xfrm>
+            <a:prstGeom prst="line">
+              <a:avLst/>
+            </a:prstGeom>
+            <a:solidFill>
+              <a:schemeClr val="accent1"/>
+            </a:solidFill>
+            <a:ln w="9525" cap="flat" cmpd="sng" algn="ctr">
+              <a:solidFill>
+                <a:schemeClr val="tx1"/>
+              </a:solidFill>
+              <a:prstDash val="solid"/>
+              <a:round/>
+              <a:headEnd type="none" w="med" len="med"/>
+              <a:tailEnd type="none" w="med" len="med"/>
+            </a:ln>
+            <a:effectLst/>
+          </p:spPr>
+        </p:cxnSp>
+        <p:cxnSp>
+          <p:nvCxnSpPr>
+            <p:cNvPr id="16" name="Straight Arrow Connector 15"/>
+            <p:cNvCxnSpPr/>
+            <p:nvPr/>
+          </p:nvCxnSpPr>
+          <p:spPr bwMode="auto">
+            <a:xfrm>
+              <a:off x="1140441" y="173520"/>
+              <a:ext cx="0" cy="842838"/>
+            </a:xfrm>
+            <a:prstGeom prst="straightConnector1">
+              <a:avLst/>
+            </a:prstGeom>
+            <a:solidFill>
+              <a:schemeClr val="accent1"/>
+            </a:solidFill>
+            <a:ln w="9525" cap="flat" cmpd="sng" algn="ctr">
+              <a:solidFill>
+                <a:schemeClr val="tx1"/>
+              </a:solidFill>
+              <a:prstDash val="solid"/>
+              <a:round/>
+              <a:headEnd type="arrow"/>
+              <a:tailEnd type="arrow"/>
+            </a:ln>
+            <a:effectLst/>
+          </p:spPr>
+        </p:cxnSp>
+        <p:cxnSp>
+          <p:nvCxnSpPr>
+            <p:cNvPr id="17" name="Straight Arrow Connector 16"/>
+            <p:cNvCxnSpPr/>
+            <p:nvPr/>
+          </p:nvCxnSpPr>
+          <p:spPr bwMode="auto">
+            <a:xfrm flipV="1">
+              <a:off x="762000" y="598559"/>
+              <a:ext cx="691262" cy="1"/>
+            </a:xfrm>
+            <a:prstGeom prst="straightConnector1">
+              <a:avLst/>
+            </a:prstGeom>
+            <a:solidFill>
+              <a:schemeClr val="accent1"/>
+            </a:solidFill>
+            <a:ln w="9525" cap="flat" cmpd="sng" algn="ctr">
+              <a:solidFill>
+                <a:schemeClr val="tx1"/>
+              </a:solidFill>
+              <a:prstDash val="solid"/>
+              <a:round/>
+              <a:headEnd type="arrow"/>
+              <a:tailEnd type="arrow"/>
+            </a:ln>
+            <a:effectLst/>
+          </p:spPr>
+        </p:cxnSp>
+        <p:cxnSp>
+          <p:nvCxnSpPr>
+            <p:cNvPr id="18" name="Straight Connector 17"/>
+            <p:cNvCxnSpPr/>
+            <p:nvPr/>
+          </p:nvCxnSpPr>
+          <p:spPr bwMode="auto">
+            <a:xfrm flipV="1">
+              <a:off x="1140441" y="380254"/>
+              <a:ext cx="224589" cy="218123"/>
+            </a:xfrm>
+            <a:prstGeom prst="line">
+              <a:avLst/>
+            </a:prstGeom>
+            <a:solidFill>
+              <a:schemeClr val="accent1"/>
+            </a:solidFill>
+            <a:ln w="34925" cap="flat" cmpd="sng" algn="ctr">
+              <a:solidFill>
+                <a:srgbClr val="FF0000"/>
+              </a:solidFill>
+              <a:prstDash val="solid"/>
+              <a:round/>
+              <a:headEnd type="none" w="med" len="med"/>
+              <a:tailEnd type="none" w="med" len="med"/>
+            </a:ln>
+            <a:effectLst/>
+          </p:spPr>
+        </p:cxnSp>
+      </p:grpSp>
+      <p:sp>
+        <p:nvSpPr>
+          <p:cNvPr id="19" name="TextBox 18"/>
+          <p:cNvSpPr txBox="1"/>
+          <p:nvPr/>
+        </p:nvSpPr>
+        <p:spPr>
+          <a:xfrm>
+            <a:off x="7620003" y="889002"/>
+            <a:ext cx="3555876" cy="830997"/>
+          </a:xfrm>
+          <a:prstGeom prst="rect">
+            <a:avLst/>
+          </a:prstGeom>
+          <a:solidFill>
+            <a:schemeClr val="bg1"/>
+          </a:solidFill>
+          <a:ln>
+            <a:solidFill>
+              <a:schemeClr val="tx1"/>
+            </a:solidFill>
+          </a:ln>
+        </p:spPr>
+        <p:txBody>
+          <a:bodyPr wrap="square" rtlCol="0">
+            <a:spAutoFit/>
+          </a:bodyPr>
+          <a:lstStyle/>
+          <a:p>
+            <a:r>
+              <a:rPr lang="en-US" sz="2400" dirty="0">
+                <a:solidFill>
+                  <a:srgbClr val="2AD122"/>
+                </a:solidFill>
+              </a:rPr>
+              <a:t>// Create side (0,0) – (3,4)</a:t>
+            </a:r>
+          </a:p>
+          <a:p>
+            <a:r>
+              <a:rPr lang="en-US" sz="2400" dirty="0">
+                <a:solidFill>
+                  <a:srgbClr val="2AD122"/>
+                </a:solidFill>
+              </a:rPr>
+              <a:t>// Verify length</a:t>
+            </a:r>
+          </a:p>
+        </p:txBody>
+      </p:sp>
+      <p:sp>
+        <p:nvSpPr>
+          <p:cNvPr id="20" name="TextBox 19"/>
+          <p:cNvSpPr txBox="1"/>
+          <p:nvPr/>
+        </p:nvSpPr>
+        <p:spPr>
+          <a:xfrm>
+            <a:off x="7010400" y="5867400"/>
+            <a:ext cx="5080000" cy="748795"/>
+          </a:xfrm>
+          <a:prstGeom prst="rect">
+            <a:avLst/>
+          </a:prstGeom>
+          <a:solidFill>
+            <a:schemeClr val="bg1"/>
+          </a:solidFill>
+          <a:ln>
+            <a:solidFill>
+              <a:schemeClr val="tx1"/>
+            </a:solidFill>
+          </a:ln>
+        </p:spPr>
+        <p:txBody>
+          <a:bodyPr wrap="square" rtlCol="0">
+            <a:spAutoFit/>
+          </a:bodyPr>
+          <a:lstStyle/>
+          <a:p>
+            <a:r>
+              <a:rPr lang="en-US" sz="2133" dirty="0"/>
+              <a:t>Side s = new Side(0,0,3,4);</a:t>
+            </a:r>
+          </a:p>
+          <a:p>
+            <a:r>
+              <a:rPr lang="en-US" sz="2133" dirty="0"/>
+              <a:t>Approvals.Verify(s + “ length = “ +s.Length);</a:t>
+            </a:r>
+          </a:p>
+        </p:txBody>
+      </p:sp>
+      <p:sp>
+        <p:nvSpPr>
+          <p:cNvPr id="21" name="TextBox 20"/>
+          <p:cNvSpPr txBox="1"/>
+          <p:nvPr/>
+        </p:nvSpPr>
+        <p:spPr>
+          <a:xfrm>
+            <a:off x="508000" y="5867401"/>
+            <a:ext cx="3984867" cy="502766"/>
+          </a:xfrm>
+          <a:prstGeom prst="rect">
+            <a:avLst/>
+          </a:prstGeom>
+          <a:solidFill>
+            <a:schemeClr val="bg1"/>
+          </a:solidFill>
+          <a:ln>
+            <a:solidFill>
+              <a:schemeClr val="tx1"/>
+            </a:solidFill>
+          </a:ln>
+        </p:spPr>
+        <p:txBody>
+          <a:bodyPr wrap="square" rtlCol="0">
+            <a:spAutoFit/>
+          </a:bodyPr>
+          <a:lstStyle/>
+          <a:p>
+            <a:r>
+              <a:rPr lang="en-US" sz="2667" dirty="0"/>
+              <a:t>Side (0,0) – (3,4) length = 5</a:t>
+            </a:r>
+          </a:p>
+        </p:txBody>
+      </p:sp>
+      <p:sp>
+        <p:nvSpPr>
+          <p:cNvPr id="22" name="Curved Down Arrow 21"/>
+          <p:cNvSpPr/>
+          <p:nvPr/>
+        </p:nvSpPr>
+        <p:spPr bwMode="auto">
+          <a:xfrm rot="10800000">
+            <a:off x="4590493" y="5025943"/>
+            <a:ext cx="2718871" cy="1219200"/>
+          </a:xfrm>
+          <a:prstGeom prst="curvedDownArrow">
+            <a:avLst/>
+          </a:prstGeom>
+          <a:ln>
+            <a:headEnd type="none" w="med" len="med"/>
+            <a:tailEnd type="none" w="med" len="med"/>
+          </a:ln>
+        </p:spPr>
+        <p:style>
+          <a:lnRef idx="2">
+            <a:schemeClr val="dk1"/>
+          </a:lnRef>
+          <a:fillRef idx="1">
+            <a:schemeClr val="lt1"/>
+          </a:fillRef>
+          <a:effectRef idx="0">
+            <a:schemeClr val="dk1"/>
+          </a:effectRef>
+          <a:fontRef idx="minor">
+            <a:schemeClr val="dk1"/>
+          </a:fontRef>
+        </p:style>
+        <p:txBody>
+          <a:bodyPr vert="horz" wrap="square" lIns="121920" tIns="60960" rIns="121920" bIns="60960" numCol="1" rtlCol="0" anchor="t" anchorCtr="0" compatLnSpc="1">
+            <a:prstTxWarp prst="textNoShape">
+              <a:avLst/>
+            </a:prstTxWarp>
+          </a:bodyPr>
+          <a:lstStyle/>
+          <a:p>
+            <a:pPr defTabSz="1219170" eaLnBrk="0" fontAlgn="base" hangingPunct="0">
+              <a:spcBef>
+                <a:spcPct val="0"/>
+              </a:spcBef>
+              <a:spcAft>
+                <a:spcPct val="0"/>
+              </a:spcAft>
+            </a:pPr>
+            <a:endParaRPr lang="en-US" sz="3200" b="1">
+              <a:solidFill>
+                <a:schemeClr val="tx1"/>
+              </a:solidFill>
+              <a:latin typeface="Arial" charset="0"/>
+            </a:endParaRPr>
+          </a:p>
+        </p:txBody>
+      </p:sp>
+      <p:sp>
+        <p:nvSpPr>
+          <p:cNvPr id="23" name="TextBox 22"/>
+          <p:cNvSpPr txBox="1"/>
+          <p:nvPr/>
+        </p:nvSpPr>
+        <p:spPr>
+          <a:xfrm>
+            <a:off x="4165604" y="3327402"/>
+            <a:ext cx="3453061" cy="830997"/>
+          </a:xfrm>
+          <a:prstGeom prst="rect">
+            <a:avLst/>
+          </a:prstGeom>
+          <a:noFill/>
+        </p:spPr>
+        <p:txBody>
+          <a:bodyPr wrap="none" rtlCol="0">
+            <a:spAutoFit/>
+          </a:bodyPr>
+          <a:lstStyle/>
+          <a:p>
+            <a:r>
+              <a:rPr lang="en-US" sz="4800" dirty="0"/>
+              <a:t>Testing Circle</a:t>
+            </a:r>
           </a:p>
         </p:txBody>
       </p:sp>
     </p:spTree>
     <p:extLst>
       <p:ext uri="{BB962C8B-B14F-4D97-AF65-F5344CB8AC3E}">
-        <p14:creationId xmlns:p14="http://schemas.microsoft.com/office/powerpoint/2010/main" val="1468141689"/>
+        <p14:creationId xmlns:p14="http://schemas.microsoft.com/office/powerpoint/2010/main" val="4224351410"/>
       </p:ext>
     </p:extLst>
   </p:cSld>
@@ -6814,6 +7526,107 @@
           <a:chExt cx="0" cy="0"/>
         </a:xfrm>
       </p:grpSpPr>
+      <p:sp>
+        <p:nvSpPr>
+          <p:cNvPr id="2" name="Title 1">
+            <a:extLst>
+              <a:ext uri="{FF2B5EF4-FFF2-40B4-BE49-F238E27FC236}">
+                <a16:creationId xmlns:a16="http://schemas.microsoft.com/office/drawing/2014/main" id="{F4907F97-142A-AC9E-14EB-D84B3929F049}"/>
+              </a:ext>
+            </a:extLst>
+          </p:cNvPr>
+          <p:cNvSpPr>
+            <a:spLocks noGrp="1"/>
+          </p:cNvSpPr>
+          <p:nvPr>
+            <p:ph type="title"/>
+          </p:nvPr>
+        </p:nvSpPr>
+        <p:spPr/>
+        <p:txBody>
+          <a:bodyPr/>
+          <a:lstStyle/>
+          <a:p>
+            <a:r>
+              <a:rPr lang="en-US"/>
+              <a:t>The story so far</a:t>
+            </a:r>
+          </a:p>
+        </p:txBody>
+      </p:sp>
+      <p:sp>
+        <p:nvSpPr>
+          <p:cNvPr id="3" name="Content Placeholder 2">
+            <a:extLst>
+              <a:ext uri="{FF2B5EF4-FFF2-40B4-BE49-F238E27FC236}">
+                <a16:creationId xmlns:a16="http://schemas.microsoft.com/office/drawing/2014/main" id="{D2D2489B-2A1E-81A0-DF02-4BD06E1C44F5}"/>
+              </a:ext>
+            </a:extLst>
+          </p:cNvPr>
+          <p:cNvSpPr>
+            <a:spLocks noGrp="1"/>
+          </p:cNvSpPr>
+          <p:nvPr>
+            <p:ph idx="1"/>
+          </p:nvPr>
+        </p:nvSpPr>
+        <p:spPr/>
+        <p:txBody>
+          <a:bodyPr/>
+          <a:lstStyle/>
+          <a:p>
+            <a:r>
+              <a:rPr lang="en-US"/>
+              <a:t>Lada: lead developer working on the message bot application</a:t>
+            </a:r>
+          </a:p>
+          <a:p>
+            <a:r>
+              <a:rPr lang="en-US"/>
+              <a:t>Llewellyn: technical coach working with Lada and work on some tests</a:t>
+            </a:r>
+          </a:p>
+          <a:p>
+            <a:endParaRPr lang="en-US"/>
+          </a:p>
+          <a:p>
+            <a:pPr marL="0" indent="0">
+              <a:buNone/>
+            </a:pPr>
+            <a:endParaRPr lang="en-US"/>
+          </a:p>
+        </p:txBody>
+      </p:sp>
+    </p:spTree>
+    <p:extLst>
+      <p:ext uri="{BB962C8B-B14F-4D97-AF65-F5344CB8AC3E}">
+        <p14:creationId xmlns:p14="http://schemas.microsoft.com/office/powerpoint/2010/main" val="1468141689"/>
+      </p:ext>
+    </p:extLst>
+  </p:cSld>
+  <p:clrMapOvr>
+    <a:masterClrMapping/>
+  </p:clrMapOvr>
+</p:sld>
+</file>
+
+<file path=ppt/slides/slide12.xml><?xml version="1.0" encoding="utf-8"?>
+<p:sld xmlns:a="http://schemas.openxmlformats.org/drawingml/2006/main" xmlns:r="http://schemas.openxmlformats.org/officeDocument/2006/relationships" xmlns:p="http://schemas.openxmlformats.org/presentationml/2006/main">
+  <p:cSld>
+    <p:spTree>
+      <p:nvGrpSpPr>
+        <p:cNvPr id="1" name=""/>
+        <p:cNvGrpSpPr/>
+        <p:nvPr/>
+      </p:nvGrpSpPr>
+      <p:grpSpPr>
+        <a:xfrm>
+          <a:off x="0" y="0"/>
+          <a:ext cx="0" cy="0"/>
+          <a:chOff x="0" y="0"/>
+          <a:chExt cx="0" cy="0"/>
+        </a:xfrm>
+      </p:grpSpPr>
       <p:pic>
         <p:nvPicPr>
           <p:cNvPr id="3" name="Picture 2" descr="A screenshot of a computer code&#10;&#10;Description automatically generated">
@@ -6892,7 +7705,7 @@
 </p:sld>
 </file>
 
-<file path=ppt/slides/slide12.xml><?xml version="1.0" encoding="utf-8"?>
+<file path=ppt/slides/slide13.xml><?xml version="1.0" encoding="utf-8"?>
 <p:sld xmlns:a="http://schemas.openxmlformats.org/drawingml/2006/main" xmlns:r="http://schemas.openxmlformats.org/officeDocument/2006/relationships" xmlns:p="http://schemas.openxmlformats.org/presentationml/2006/main">
   <p:cSld>
     <p:spTree>
@@ -7149,7 +7962,7 @@
 </p:sld>
 </file>
 
-<file path=ppt/slides/slide13.xml><?xml version="1.0" encoding="utf-8"?>
+<file path=ppt/slides/slide14.xml><?xml version="1.0" encoding="utf-8"?>
 <p:sld xmlns:a="http://schemas.openxmlformats.org/drawingml/2006/main" xmlns:r="http://schemas.openxmlformats.org/officeDocument/2006/relationships" xmlns:p="http://schemas.openxmlformats.org/presentationml/2006/main">
   <p:cSld>
     <p:spTree>
@@ -7452,7 +8265,7 @@
 </p:sld>
 </file>
 
-<file path=ppt/slides/slide14.xml><?xml version="1.0" encoding="utf-8"?>
+<file path=ppt/slides/slide15.xml><?xml version="1.0" encoding="utf-8"?>
 <p:sld xmlns:a="http://schemas.openxmlformats.org/drawingml/2006/main" xmlns:r="http://schemas.openxmlformats.org/officeDocument/2006/relationships" xmlns:p="http://schemas.openxmlformats.org/presentationml/2006/main">
   <p:cSld>
     <p:spTree>
@@ -7517,7 +8330,7 @@
 </p:sld>
 </file>
 
-<file path=ppt/slides/slide15.xml><?xml version="1.0" encoding="utf-8"?>
+<file path=ppt/slides/slide16.xml><?xml version="1.0" encoding="utf-8"?>
 <p:sld xmlns:a="http://schemas.openxmlformats.org/drawingml/2006/main" xmlns:r="http://schemas.openxmlformats.org/officeDocument/2006/relationships" xmlns:p="http://schemas.openxmlformats.org/presentationml/2006/main">
   <p:cSld>
     <p:spTree>
@@ -8094,7 +8907,7 @@
 </p:sld>
 </file>
 
-<file path=ppt/slides/slide16.xml><?xml version="1.0" encoding="utf-8"?>
+<file path=ppt/slides/slide17.xml><?xml version="1.0" encoding="utf-8"?>
 <p:sld xmlns:a="http://schemas.openxmlformats.org/drawingml/2006/main" xmlns:r="http://schemas.openxmlformats.org/officeDocument/2006/relationships" xmlns:p="http://schemas.openxmlformats.org/presentationml/2006/main">
   <p:cSld>
     <p:spTree>
@@ -8238,7 +9051,7 @@
 </p:sld>
 </file>
 
-<file path=ppt/slides/slide17.xml><?xml version="1.0" encoding="utf-8"?>
+<file path=ppt/slides/slide18.xml><?xml version="1.0" encoding="utf-8"?>
 <p:sld xmlns:a="http://schemas.openxmlformats.org/drawingml/2006/main" xmlns:r="http://schemas.openxmlformats.org/officeDocument/2006/relationships" xmlns:p="http://schemas.openxmlformats.org/presentationml/2006/main">
   <p:cSld>
     <p:spTree>
@@ -8656,7 +9469,7 @@
 </p:sld>
 </file>
 
-<file path=ppt/slides/slide18.xml><?xml version="1.0" encoding="utf-8"?>
+<file path=ppt/slides/slide19.xml><?xml version="1.0" encoding="utf-8"?>
 <p:sld xmlns:a="http://schemas.openxmlformats.org/drawingml/2006/main" xmlns:r="http://schemas.openxmlformats.org/officeDocument/2006/relationships" xmlns:p="http://schemas.openxmlformats.org/presentationml/2006/main">
   <p:cSld>
     <p:spTree>
@@ -8797,7 +9610,144 @@
 </p:sld>
 </file>
 
-<file path=ppt/slides/slide19.xml><?xml version="1.0" encoding="utf-8"?>
+<file path=ppt/slides/slide2.xml><?xml version="1.0" encoding="utf-8"?>
+<p:sld xmlns:a="http://schemas.openxmlformats.org/drawingml/2006/main" xmlns:r="http://schemas.openxmlformats.org/officeDocument/2006/relationships" xmlns:p="http://schemas.openxmlformats.org/presentationml/2006/main" show="0">
+  <p:cSld>
+    <p:spTree>
+      <p:nvGrpSpPr>
+        <p:cNvPr id="1" name=""/>
+        <p:cNvGrpSpPr/>
+        <p:nvPr/>
+      </p:nvGrpSpPr>
+      <p:grpSpPr>
+        <a:xfrm>
+          <a:off x="0" y="0"/>
+          <a:ext cx="0" cy="0"/>
+          <a:chOff x="0" y="0"/>
+          <a:chExt cx="0" cy="0"/>
+        </a:xfrm>
+      </p:grpSpPr>
+      <p:sp>
+        <p:nvSpPr>
+          <p:cNvPr id="2" name="Title 1">
+            <a:extLst>
+              <a:ext uri="{FF2B5EF4-FFF2-40B4-BE49-F238E27FC236}">
+                <a16:creationId xmlns:a16="http://schemas.microsoft.com/office/drawing/2014/main" id="{29C471DD-9850-AEF3-E979-3529F726CAD1}"/>
+              </a:ext>
+            </a:extLst>
+          </p:cNvPr>
+          <p:cNvSpPr>
+            <a:spLocks noGrp="1"/>
+          </p:cNvSpPr>
+          <p:nvPr>
+            <p:ph type="title"/>
+          </p:nvPr>
+        </p:nvSpPr>
+        <p:spPr/>
+        <p:txBody>
+          <a:bodyPr/>
+          <a:lstStyle/>
+          <a:p>
+            <a:endParaRPr lang="en-US"/>
+          </a:p>
+        </p:txBody>
+      </p:sp>
+      <p:sp>
+        <p:nvSpPr>
+          <p:cNvPr id="3" name="Content Placeholder 2">
+            <a:extLst>
+              <a:ext uri="{FF2B5EF4-FFF2-40B4-BE49-F238E27FC236}">
+                <a16:creationId xmlns:a16="http://schemas.microsoft.com/office/drawing/2014/main" id="{3187DB28-AC61-27AC-4FFD-0A76E40A3EF1}"/>
+              </a:ext>
+            </a:extLst>
+          </p:cNvPr>
+          <p:cNvSpPr>
+            <a:spLocks noGrp="1"/>
+          </p:cNvSpPr>
+          <p:nvPr>
+            <p:ph idx="1"/>
+          </p:nvPr>
+        </p:nvSpPr>
+        <p:spPr/>
+        <p:txBody>
+          <a:bodyPr/>
+          <a:lstStyle/>
+          <a:p>
+            <a:r>
+              <a:rPr lang="en-US"/>
+              <a:t>Consider paths we took:</a:t>
+            </a:r>
+          </a:p>
+          <a:p>
+            <a:pPr lvl="1"/>
+            <a:r>
+              <a:rPr lang="en-US"/>
+              <a:t>wordy Java tests</a:t>
+            </a:r>
+          </a:p>
+          <a:p>
+            <a:pPr lvl="1"/>
+            <a:r>
+              <a:rPr lang="en-US"/>
+              <a:t>made a printer </a:t>
+            </a:r>
+          </a:p>
+          <a:p>
+            <a:pPr lvl="1"/>
+            <a:r>
+              <a:rPr lang="en-US"/>
+              <a:t>made a good printer – not a json: Json test // TODO the json tests</a:t>
+            </a:r>
+          </a:p>
+          <a:p>
+            <a:pPr lvl="1"/>
+            <a:r>
+              <a:rPr lang="en-US"/>
+              <a:t>made the inlining – makes it easier to read the whole test better</a:t>
+            </a:r>
+          </a:p>
+          <a:p>
+            <a:pPr lvl="1"/>
+            <a:r>
+              <a:rPr lang="en-US"/>
+              <a:t>did multiple conversations</a:t>
+            </a:r>
+          </a:p>
+          <a:p>
+            <a:pPr lvl="1"/>
+            <a:r>
+              <a:rPr lang="en-US"/>
+              <a:t>now we can see individual tests, but we can’t see the big picture – so we moved it to the uber test – can delete the other files</a:t>
+            </a:r>
+          </a:p>
+          <a:p>
+            <a:pPr lvl="1"/>
+            <a:endParaRPr lang="en-US"/>
+          </a:p>
+          <a:p>
+            <a:pPr lvl="1"/>
+            <a:endParaRPr lang="en-US"/>
+          </a:p>
+          <a:p>
+            <a:pPr lvl="1"/>
+            <a:endParaRPr lang="en-US"/>
+          </a:p>
+        </p:txBody>
+      </p:sp>
+    </p:spTree>
+    <p:extLst>
+      <p:ext uri="{BB962C8B-B14F-4D97-AF65-F5344CB8AC3E}">
+        <p14:creationId xmlns:p14="http://schemas.microsoft.com/office/powerpoint/2010/main" val="2442545096"/>
+      </p:ext>
+    </p:extLst>
+  </p:cSld>
+  <p:clrMapOvr>
+    <a:masterClrMapping/>
+  </p:clrMapOvr>
+</p:sld>
+</file>
+
+<file path=ppt/slides/slide20.xml><?xml version="1.0" encoding="utf-8"?>
 <p:sld xmlns:a="http://schemas.openxmlformats.org/drawingml/2006/main" xmlns:r="http://schemas.openxmlformats.org/officeDocument/2006/relationships" xmlns:p="http://schemas.openxmlformats.org/presentationml/2006/main">
   <p:cSld>
     <p:spTree>
@@ -10214,144 +11164,7 @@
 </p:sld>
 </file>
 
-<file path=ppt/slides/slide2.xml><?xml version="1.0" encoding="utf-8"?>
-<p:sld xmlns:a="http://schemas.openxmlformats.org/drawingml/2006/main" xmlns:r="http://schemas.openxmlformats.org/officeDocument/2006/relationships" xmlns:p="http://schemas.openxmlformats.org/presentationml/2006/main" show="0">
-  <p:cSld>
-    <p:spTree>
-      <p:nvGrpSpPr>
-        <p:cNvPr id="1" name=""/>
-        <p:cNvGrpSpPr/>
-        <p:nvPr/>
-      </p:nvGrpSpPr>
-      <p:grpSpPr>
-        <a:xfrm>
-          <a:off x="0" y="0"/>
-          <a:ext cx="0" cy="0"/>
-          <a:chOff x="0" y="0"/>
-          <a:chExt cx="0" cy="0"/>
-        </a:xfrm>
-      </p:grpSpPr>
-      <p:sp>
-        <p:nvSpPr>
-          <p:cNvPr id="2" name="Title 1">
-            <a:extLst>
-              <a:ext uri="{FF2B5EF4-FFF2-40B4-BE49-F238E27FC236}">
-                <a16:creationId xmlns:a16="http://schemas.microsoft.com/office/drawing/2014/main" id="{29C471DD-9850-AEF3-E979-3529F726CAD1}"/>
-              </a:ext>
-            </a:extLst>
-          </p:cNvPr>
-          <p:cNvSpPr>
-            <a:spLocks noGrp="1"/>
-          </p:cNvSpPr>
-          <p:nvPr>
-            <p:ph type="title"/>
-          </p:nvPr>
-        </p:nvSpPr>
-        <p:spPr/>
-        <p:txBody>
-          <a:bodyPr/>
-          <a:lstStyle/>
-          <a:p>
-            <a:endParaRPr lang="en-US"/>
-          </a:p>
-        </p:txBody>
-      </p:sp>
-      <p:sp>
-        <p:nvSpPr>
-          <p:cNvPr id="3" name="Content Placeholder 2">
-            <a:extLst>
-              <a:ext uri="{FF2B5EF4-FFF2-40B4-BE49-F238E27FC236}">
-                <a16:creationId xmlns:a16="http://schemas.microsoft.com/office/drawing/2014/main" id="{3187DB28-AC61-27AC-4FFD-0A76E40A3EF1}"/>
-              </a:ext>
-            </a:extLst>
-          </p:cNvPr>
-          <p:cNvSpPr>
-            <a:spLocks noGrp="1"/>
-          </p:cNvSpPr>
-          <p:nvPr>
-            <p:ph idx="1"/>
-          </p:nvPr>
-        </p:nvSpPr>
-        <p:spPr/>
-        <p:txBody>
-          <a:bodyPr/>
-          <a:lstStyle/>
-          <a:p>
-            <a:r>
-              <a:rPr lang="en-US"/>
-              <a:t>Consider paths we took:</a:t>
-            </a:r>
-          </a:p>
-          <a:p>
-            <a:pPr lvl="1"/>
-            <a:r>
-              <a:rPr lang="en-US"/>
-              <a:t>wordy Java tests</a:t>
-            </a:r>
-          </a:p>
-          <a:p>
-            <a:pPr lvl="1"/>
-            <a:r>
-              <a:rPr lang="en-US"/>
-              <a:t>made a printer </a:t>
-            </a:r>
-          </a:p>
-          <a:p>
-            <a:pPr lvl="1"/>
-            <a:r>
-              <a:rPr lang="en-US"/>
-              <a:t>made a good printer – not a json: Json test // TODO the json tests</a:t>
-            </a:r>
-          </a:p>
-          <a:p>
-            <a:pPr lvl="1"/>
-            <a:r>
-              <a:rPr lang="en-US"/>
-              <a:t>made the inlining – makes it easier to read the whole test better</a:t>
-            </a:r>
-          </a:p>
-          <a:p>
-            <a:pPr lvl="1"/>
-            <a:r>
-              <a:rPr lang="en-US"/>
-              <a:t>did multiple conversations</a:t>
-            </a:r>
-          </a:p>
-          <a:p>
-            <a:pPr lvl="1"/>
-            <a:r>
-              <a:rPr lang="en-US"/>
-              <a:t>now we can see individual tests, but we can’t see the big picture – so we moved it to the uber test – can delete the other files</a:t>
-            </a:r>
-          </a:p>
-          <a:p>
-            <a:pPr lvl="1"/>
-            <a:endParaRPr lang="en-US"/>
-          </a:p>
-          <a:p>
-            <a:pPr lvl="1"/>
-            <a:endParaRPr lang="en-US"/>
-          </a:p>
-          <a:p>
-            <a:pPr lvl="1"/>
-            <a:endParaRPr lang="en-US"/>
-          </a:p>
-        </p:txBody>
-      </p:sp>
-    </p:spTree>
-    <p:extLst>
-      <p:ext uri="{BB962C8B-B14F-4D97-AF65-F5344CB8AC3E}">
-        <p14:creationId xmlns:p14="http://schemas.microsoft.com/office/powerpoint/2010/main" val="2442545096"/>
-      </p:ext>
-    </p:extLst>
-  </p:cSld>
-  <p:clrMapOvr>
-    <a:masterClrMapping/>
-  </p:clrMapOvr>
-</p:sld>
-</file>
-
-<file path=ppt/slides/slide20.xml><?xml version="1.0" encoding="utf-8"?>
+<file path=ppt/slides/slide21.xml><?xml version="1.0" encoding="utf-8"?>
 <p:sld xmlns:a="http://schemas.openxmlformats.org/drawingml/2006/main" xmlns:r="http://schemas.openxmlformats.org/officeDocument/2006/relationships" xmlns:p="http://schemas.openxmlformats.org/presentationml/2006/main">
   <p:cSld>
     <p:spTree>
@@ -10822,13 +11635,13 @@
   <p:clrMapOvr>
     <a:masterClrMapping/>
   </p:clrMapOvr>
-  <mc:AlternateContent xmlns:mc="http://schemas.openxmlformats.org/markup-compatibility/2006">
-    <mc:Choice xmlns:p159="http://schemas.microsoft.com/office/powerpoint/2015/09/main" Requires="p159">
+  <mc:AlternateContent xmlns:mc="http://schemas.openxmlformats.org/markup-compatibility/2006" xmlns:p159="http://schemas.microsoft.com/office/powerpoint/2015/09/main">
+    <mc:Choice Requires="p159">
       <p:transition xmlns:p14="http://schemas.microsoft.com/office/powerpoint/2010/main" spd="slow" p14:dur="2000">
         <p159:morph option="byObject"/>
       </p:transition>
     </mc:Choice>
-    <mc:Fallback>
+    <mc:Fallback xmlns="">
       <p:transition spd="slow">
         <p:fade/>
       </p:transition>
@@ -10837,7 +11650,7 @@
 </p:sld>
 </file>
 
-<file path=ppt/slides/slide21.xml><?xml version="1.0" encoding="utf-8"?>
+<file path=ppt/slides/slide22.xml><?xml version="1.0" encoding="utf-8"?>
 <p:sld xmlns:a="http://schemas.openxmlformats.org/drawingml/2006/main" xmlns:r="http://schemas.openxmlformats.org/officeDocument/2006/relationships" xmlns:p="http://schemas.openxmlformats.org/presentationml/2006/main">
   <p:cSld>
     <p:spTree>
@@ -10938,7 +11751,7 @@
 </p:sld>
 </file>
 
-<file path=ppt/slides/slide22.xml><?xml version="1.0" encoding="utf-8"?>
+<file path=ppt/slides/slide23.xml><?xml version="1.0" encoding="utf-8"?>
 <p:sld xmlns:a="http://schemas.openxmlformats.org/drawingml/2006/main" xmlns:r="http://schemas.openxmlformats.org/officeDocument/2006/relationships" xmlns:p="http://schemas.openxmlformats.org/presentationml/2006/main">
   <p:cSld>
     <p:spTree>
@@ -11352,7 +12165,7 @@
 </p:sld>
 </file>
 
-<file path=ppt/slides/slide23.xml><?xml version="1.0" encoding="utf-8"?>
+<file path=ppt/slides/slide24.xml><?xml version="1.0" encoding="utf-8"?>
 <p:sld xmlns:a="http://schemas.openxmlformats.org/drawingml/2006/main" xmlns:r="http://schemas.openxmlformats.org/officeDocument/2006/relationships" xmlns:p="http://schemas.openxmlformats.org/presentationml/2006/main">
   <p:cSld>
     <p:spTree>
@@ -11418,7 +12231,7 @@
 </p:sld>
 </file>
 
-<file path=ppt/slides/slide24.xml><?xml version="1.0" encoding="utf-8"?>
+<file path=ppt/slides/slide25.xml><?xml version="1.0" encoding="utf-8"?>
 <p:sld xmlns:a="http://schemas.openxmlformats.org/drawingml/2006/main" xmlns:r="http://schemas.openxmlformats.org/officeDocument/2006/relationships" xmlns:p="http://schemas.openxmlformats.org/presentationml/2006/main">
   <p:cSld>
     <p:spTree>
@@ -11832,7 +12645,7 @@
 </p:sld>
 </file>
 
-<file path=ppt/slides/slide25.xml><?xml version="1.0" encoding="utf-8"?>
+<file path=ppt/slides/slide26.xml><?xml version="1.0" encoding="utf-8"?>
 <p:sld xmlns:a="http://schemas.openxmlformats.org/drawingml/2006/main" xmlns:r="http://schemas.openxmlformats.org/officeDocument/2006/relationships" xmlns:p="http://schemas.openxmlformats.org/presentationml/2006/main">
   <p:cSld>
     <p:spTree>
@@ -12238,7 +13051,7 @@
 </p:sld>
 </file>
 
-<file path=ppt/slides/slide26.xml><?xml version="1.0" encoding="utf-8"?>
+<file path=ppt/slides/slide27.xml><?xml version="1.0" encoding="utf-8"?>
 <p:sld xmlns:a="http://schemas.openxmlformats.org/drawingml/2006/main" xmlns:r="http://schemas.openxmlformats.org/officeDocument/2006/relationships" xmlns:p="http://schemas.openxmlformats.org/presentationml/2006/main">
   <p:cSld>
     <p:spTree>
@@ -12467,7 +13280,7 @@
 </p:sld>
 </file>
 
-<file path=ppt/slides/slide27.xml><?xml version="1.0" encoding="utf-8"?>
+<file path=ppt/slides/slide28.xml><?xml version="1.0" encoding="utf-8"?>
 <p:sld xmlns:a="http://schemas.openxmlformats.org/drawingml/2006/main" xmlns:r="http://schemas.openxmlformats.org/officeDocument/2006/relationships" xmlns:p="http://schemas.openxmlformats.org/presentationml/2006/main">
   <p:cSld>
     <p:spTree>
@@ -12693,7 +13506,7 @@
 </p:sld>
 </file>
 
-<file path=ppt/slides/slide28.xml><?xml version="1.0" encoding="utf-8"?>
+<file path=ppt/slides/slide29.xml><?xml version="1.0" encoding="utf-8"?>
 <p:sld xmlns:a="http://schemas.openxmlformats.org/drawingml/2006/main" xmlns:r="http://schemas.openxmlformats.org/officeDocument/2006/relationships" xmlns:p="http://schemas.openxmlformats.org/presentationml/2006/main">
   <p:cSld>
     <p:spTree>
@@ -12759,7 +13572,1583 @@
 </p:sld>
 </file>
 
-<file path=ppt/slides/slide29.xml><?xml version="1.0" encoding="utf-8"?>
+<file path=ppt/slides/slide3.xml><?xml version="1.0" encoding="utf-8"?>
+<p:sld xmlns:a="http://schemas.openxmlformats.org/drawingml/2006/main" xmlns:r="http://schemas.openxmlformats.org/officeDocument/2006/relationships" xmlns:p="http://schemas.openxmlformats.org/presentationml/2006/main" show="0">
+  <p:cSld>
+    <p:spTree>
+      <p:nvGrpSpPr>
+        <p:cNvPr id="1" name=""/>
+        <p:cNvGrpSpPr/>
+        <p:nvPr/>
+      </p:nvGrpSpPr>
+      <p:grpSpPr>
+        <a:xfrm>
+          <a:off x="0" y="0"/>
+          <a:ext cx="0" cy="0"/>
+          <a:chOff x="0" y="0"/>
+          <a:chExt cx="0" cy="0"/>
+        </a:xfrm>
+      </p:grpSpPr>
+      <p:sp>
+        <p:nvSpPr>
+          <p:cNvPr id="2" name="Title 1">
+            <a:extLst>
+              <a:ext uri="{FF2B5EF4-FFF2-40B4-BE49-F238E27FC236}">
+                <a16:creationId xmlns:a16="http://schemas.microsoft.com/office/drawing/2014/main" id="{5FDF8E1D-0B99-4C64-504D-96FFBC67709F}"/>
+              </a:ext>
+            </a:extLst>
+          </p:cNvPr>
+          <p:cNvSpPr>
+            <a:spLocks noGrp="1"/>
+          </p:cNvSpPr>
+          <p:nvPr>
+            <p:ph type="title"/>
+          </p:nvPr>
+        </p:nvSpPr>
+        <p:spPr/>
+        <p:txBody>
+          <a:bodyPr/>
+          <a:lstStyle/>
+          <a:p>
+            <a:r>
+              <a:rPr lang="en-US" dirty="0"/>
+              <a:t>Original</a:t>
+            </a:r>
+          </a:p>
+        </p:txBody>
+      </p:sp>
+      <p:sp>
+        <p:nvSpPr>
+          <p:cNvPr id="3" name="Content Placeholder 2">
+            <a:extLst>
+              <a:ext uri="{FF2B5EF4-FFF2-40B4-BE49-F238E27FC236}">
+                <a16:creationId xmlns:a16="http://schemas.microsoft.com/office/drawing/2014/main" id="{3618D96A-1571-1C4D-9574-BEAFBAC5E719}"/>
+              </a:ext>
+            </a:extLst>
+          </p:cNvPr>
+          <p:cNvSpPr>
+            <a:spLocks noGrp="1"/>
+          </p:cNvSpPr>
+          <p:nvPr>
+            <p:ph idx="1"/>
+          </p:nvPr>
+        </p:nvSpPr>
+        <p:spPr>
+          <a:xfrm>
+            <a:off x="838200" y="1825625"/>
+            <a:ext cx="11049000" cy="4351338"/>
+          </a:xfrm>
+        </p:spPr>
+        <p:txBody>
+          <a:bodyPr>
+            <a:noAutofit/>
+          </a:bodyPr>
+          <a:lstStyle/>
+          <a:p>
+            <a:pPr marL="0" indent="0">
+              <a:buNone/>
+            </a:pPr>
+            <a:br>
+              <a:rPr lang="en-US" sz="800" dirty="0">
+                <a:solidFill>
+                  <a:srgbClr val="080808"/>
+                </a:solidFill>
+                <a:effectLst/>
+                <a:latin typeface="Fira Code" pitchFamily="49" charset="0"/>
+                <a:ea typeface="Fira Code" pitchFamily="49" charset="0"/>
+                <a:cs typeface="Fira Code" pitchFamily="49" charset="0"/>
+              </a:rPr>
+            </a:br>
+            <a:r>
+              <a:rPr lang="en-US" sz="800" dirty="0">
+                <a:solidFill>
+                  <a:srgbClr val="9E880D"/>
+                </a:solidFill>
+                <a:effectLst/>
+                <a:latin typeface="Fira Code" pitchFamily="49" charset="0"/>
+                <a:ea typeface="Fira Code" pitchFamily="49" charset="0"/>
+                <a:cs typeface="Fira Code" pitchFamily="49" charset="0"/>
+              </a:rPr>
+              <a:t>@Test</a:t>
+            </a:r>
+            <a:br>
+              <a:rPr lang="en-US" sz="800" dirty="0">
+                <a:solidFill>
+                  <a:srgbClr val="9E880D"/>
+                </a:solidFill>
+                <a:effectLst/>
+                <a:latin typeface="Fira Code" pitchFamily="49" charset="0"/>
+                <a:ea typeface="Fira Code" pitchFamily="49" charset="0"/>
+                <a:cs typeface="Fira Code" pitchFamily="49" charset="0"/>
+              </a:rPr>
+            </a:br>
+            <a:r>
+              <a:rPr lang="en-US" sz="800" dirty="0">
+                <a:solidFill>
+                  <a:srgbClr val="0033B3"/>
+                </a:solidFill>
+                <a:effectLst/>
+                <a:latin typeface="Fira Code" pitchFamily="49" charset="0"/>
+                <a:ea typeface="Fira Code" pitchFamily="49" charset="0"/>
+                <a:cs typeface="Fira Code" pitchFamily="49" charset="0"/>
+              </a:rPr>
+              <a:t>public void </a:t>
+            </a:r>
+            <a:r>
+              <a:rPr lang="en-US" sz="800" dirty="0" err="1">
+                <a:solidFill>
+                  <a:srgbClr val="00627A"/>
+                </a:solidFill>
+                <a:effectLst/>
+                <a:latin typeface="Fira Code" pitchFamily="49" charset="0"/>
+                <a:ea typeface="Fira Code" pitchFamily="49" charset="0"/>
+                <a:cs typeface="Fira Code" pitchFamily="49" charset="0"/>
+              </a:rPr>
+              <a:t>shouldGetCustomerFromService</a:t>
+            </a:r>
+            <a:r>
+              <a:rPr lang="en-US" sz="800" dirty="0">
+                <a:solidFill>
+                  <a:srgbClr val="080808"/>
+                </a:solidFill>
+                <a:effectLst/>
+                <a:latin typeface="Fira Code" pitchFamily="49" charset="0"/>
+                <a:ea typeface="Fira Code" pitchFamily="49" charset="0"/>
+                <a:cs typeface="Fira Code" pitchFamily="49" charset="0"/>
+              </a:rPr>
+              <a:t>() {</a:t>
+            </a:r>
+            <a:br>
+              <a:rPr lang="en-US" sz="800" dirty="0">
+                <a:solidFill>
+                  <a:srgbClr val="080808"/>
+                </a:solidFill>
+                <a:effectLst/>
+                <a:latin typeface="Fira Code" pitchFamily="49" charset="0"/>
+                <a:ea typeface="Fira Code" pitchFamily="49" charset="0"/>
+                <a:cs typeface="Fira Code" pitchFamily="49" charset="0"/>
+              </a:rPr>
+            </a:br>
+            <a:r>
+              <a:rPr lang="en-US" sz="800" dirty="0">
+                <a:solidFill>
+                  <a:srgbClr val="080808"/>
+                </a:solidFill>
+                <a:effectLst/>
+                <a:latin typeface="Fira Code" pitchFamily="49" charset="0"/>
+                <a:ea typeface="Fira Code" pitchFamily="49" charset="0"/>
+                <a:cs typeface="Fira Code" pitchFamily="49" charset="0"/>
+              </a:rPr>
+              <a:t>    </a:t>
+            </a:r>
+            <a:r>
+              <a:rPr lang="en-US" sz="800" i="1" dirty="0">
+                <a:solidFill>
+                  <a:srgbClr val="8C8C8C"/>
+                </a:solidFill>
+                <a:effectLst/>
+                <a:latin typeface="Fira Code" pitchFamily="49" charset="0"/>
+                <a:ea typeface="Fira Code" pitchFamily="49" charset="0"/>
+                <a:cs typeface="Fira Code" pitchFamily="49" charset="0"/>
+              </a:rPr>
+              <a:t>// given</a:t>
+            </a:r>
+            <a:br>
+              <a:rPr lang="en-US" sz="800" i="1" dirty="0">
+                <a:solidFill>
+                  <a:srgbClr val="8C8C8C"/>
+                </a:solidFill>
+                <a:effectLst/>
+                <a:latin typeface="Fira Code" pitchFamily="49" charset="0"/>
+                <a:ea typeface="Fira Code" pitchFamily="49" charset="0"/>
+                <a:cs typeface="Fira Code" pitchFamily="49" charset="0"/>
+              </a:rPr>
+            </a:br>
+            <a:r>
+              <a:rPr lang="en-US" sz="800" i="1" dirty="0">
+                <a:solidFill>
+                  <a:srgbClr val="8C8C8C"/>
+                </a:solidFill>
+                <a:effectLst/>
+                <a:latin typeface="Fira Code" pitchFamily="49" charset="0"/>
+                <a:ea typeface="Fira Code" pitchFamily="49" charset="0"/>
+                <a:cs typeface="Fira Code" pitchFamily="49" charset="0"/>
+              </a:rPr>
+              <a:t>    </a:t>
+            </a:r>
+            <a:r>
+              <a:rPr lang="en-US" sz="800" dirty="0" err="1">
+                <a:solidFill>
+                  <a:srgbClr val="871094"/>
+                </a:solidFill>
+                <a:effectLst/>
+                <a:latin typeface="Fira Code" pitchFamily="49" charset="0"/>
+                <a:ea typeface="Fira Code" pitchFamily="49" charset="0"/>
+                <a:cs typeface="Fira Code" pitchFamily="49" charset="0"/>
+              </a:rPr>
+              <a:t>accountType</a:t>
+            </a:r>
+            <a:r>
+              <a:rPr lang="en-US" sz="800" dirty="0">
+                <a:solidFill>
+                  <a:srgbClr val="871094"/>
+                </a:solidFill>
+                <a:effectLst/>
+                <a:latin typeface="Fira Code" pitchFamily="49" charset="0"/>
+                <a:ea typeface="Fira Code" pitchFamily="49" charset="0"/>
+                <a:cs typeface="Fira Code" pitchFamily="49" charset="0"/>
+              </a:rPr>
+              <a:t> </a:t>
+            </a:r>
+            <a:r>
+              <a:rPr lang="en-US" sz="800" dirty="0">
+                <a:solidFill>
+                  <a:srgbClr val="080808"/>
+                </a:solidFill>
+                <a:effectLst/>
+                <a:latin typeface="Fira Code" pitchFamily="49" charset="0"/>
+                <a:ea typeface="Fira Code" pitchFamily="49" charset="0"/>
+                <a:cs typeface="Fira Code" pitchFamily="49" charset="0"/>
+              </a:rPr>
+              <a:t>= </a:t>
+            </a:r>
+            <a:r>
+              <a:rPr lang="en-US" sz="800" dirty="0" err="1">
+                <a:solidFill>
+                  <a:srgbClr val="000000"/>
+                </a:solidFill>
+                <a:effectLst/>
+                <a:latin typeface="Fira Code" pitchFamily="49" charset="0"/>
+                <a:ea typeface="Fira Code" pitchFamily="49" charset="0"/>
+                <a:cs typeface="Fira Code" pitchFamily="49" charset="0"/>
+              </a:rPr>
+              <a:t>CustomerAccountTypeInfo</a:t>
+            </a:r>
+            <a:r>
+              <a:rPr lang="en-US" sz="800" dirty="0" err="1">
+                <a:solidFill>
+                  <a:srgbClr val="080808"/>
+                </a:solidFill>
+                <a:effectLst/>
+                <a:latin typeface="Fira Code" pitchFamily="49" charset="0"/>
+                <a:ea typeface="Fira Code" pitchFamily="49" charset="0"/>
+                <a:cs typeface="Fira Code" pitchFamily="49" charset="0"/>
+              </a:rPr>
+              <a:t>.</a:t>
+            </a:r>
+            <a:r>
+              <a:rPr lang="en-US" sz="800" i="1" dirty="0" err="1">
+                <a:solidFill>
+                  <a:srgbClr val="080808"/>
+                </a:solidFill>
+                <a:effectLst/>
+                <a:latin typeface="Fira Code" pitchFamily="49" charset="0"/>
+                <a:ea typeface="Fira Code" pitchFamily="49" charset="0"/>
+                <a:cs typeface="Fira Code" pitchFamily="49" charset="0"/>
+              </a:rPr>
+              <a:t>builder</a:t>
+            </a:r>
+            <a:r>
+              <a:rPr lang="en-US" sz="800" dirty="0">
+                <a:solidFill>
+                  <a:srgbClr val="080808"/>
+                </a:solidFill>
+                <a:effectLst/>
+                <a:latin typeface="Fira Code" pitchFamily="49" charset="0"/>
+                <a:ea typeface="Fira Code" pitchFamily="49" charset="0"/>
+                <a:cs typeface="Fira Code" pitchFamily="49" charset="0"/>
+              </a:rPr>
+              <a:t>().</a:t>
+            </a:r>
+            <a:r>
+              <a:rPr lang="en-US" sz="800" dirty="0" err="1">
+                <a:solidFill>
+                  <a:srgbClr val="080808"/>
+                </a:solidFill>
+                <a:effectLst/>
+                <a:latin typeface="Fira Code" pitchFamily="49" charset="0"/>
+                <a:ea typeface="Fira Code" pitchFamily="49" charset="0"/>
+                <a:cs typeface="Fira Code" pitchFamily="49" charset="0"/>
+              </a:rPr>
+              <a:t>account</a:t>
+            </a:r>
+            <a:r>
+              <a:rPr lang="en-US" sz="800" dirty="0">
+                <a:solidFill>
+                  <a:srgbClr val="080808"/>
+                </a:solidFill>
+                <a:effectLst/>
+                <a:latin typeface="Fira Code" pitchFamily="49" charset="0"/>
+                <a:ea typeface="Fira Code" pitchFamily="49" charset="0"/>
+                <a:cs typeface="Fira Code" pitchFamily="49" charset="0"/>
+              </a:rPr>
+              <a:t>(</a:t>
+            </a:r>
+            <a:r>
+              <a:rPr lang="en-US" sz="800" i="1" dirty="0">
+                <a:solidFill>
+                  <a:srgbClr val="871094"/>
+                </a:solidFill>
+                <a:effectLst/>
+                <a:latin typeface="Fira Code" pitchFamily="49" charset="0"/>
+                <a:ea typeface="Fira Code" pitchFamily="49" charset="0"/>
+                <a:cs typeface="Fira Code" pitchFamily="49" charset="0"/>
+              </a:rPr>
+              <a:t>ACCOUNT_ID)</a:t>
+            </a:r>
+            <a:r>
+              <a:rPr lang="en-US" sz="800" i="1" dirty="0">
+                <a:solidFill>
+                  <a:srgbClr val="080808"/>
+                </a:solidFill>
+                <a:latin typeface="Fira Code" pitchFamily="49" charset="0"/>
+                <a:ea typeface="Fira Code" pitchFamily="49" charset="0"/>
+                <a:cs typeface="Fira Code" pitchFamily="49" charset="0"/>
+              </a:rPr>
+              <a:t>.</a:t>
+            </a:r>
+            <a:r>
+              <a:rPr lang="en-US" sz="800" dirty="0" err="1">
+                <a:solidFill>
+                  <a:srgbClr val="080808"/>
+                </a:solidFill>
+                <a:effectLst/>
+                <a:latin typeface="Fira Code" pitchFamily="49" charset="0"/>
+                <a:ea typeface="Fira Code" pitchFamily="49" charset="0"/>
+                <a:cs typeface="Fira Code" pitchFamily="49" charset="0"/>
+              </a:rPr>
+              <a:t>accountType</a:t>
+            </a:r>
+            <a:r>
+              <a:rPr lang="en-US" sz="800" dirty="0">
+                <a:solidFill>
+                  <a:srgbClr val="080808"/>
+                </a:solidFill>
+                <a:effectLst/>
+                <a:latin typeface="Fira Code" pitchFamily="49" charset="0"/>
+                <a:ea typeface="Fira Code" pitchFamily="49" charset="0"/>
+                <a:cs typeface="Fira Code" pitchFamily="49" charset="0"/>
+              </a:rPr>
+              <a:t>(</a:t>
+            </a:r>
+            <a:r>
+              <a:rPr lang="en-US" sz="800" dirty="0">
+                <a:solidFill>
+                  <a:srgbClr val="067D17"/>
+                </a:solidFill>
+                <a:effectLst/>
+                <a:latin typeface="Fira Code" pitchFamily="49" charset="0"/>
+                <a:ea typeface="Fira Code" pitchFamily="49" charset="0"/>
+                <a:cs typeface="Fira Code" pitchFamily="49" charset="0"/>
+              </a:rPr>
+              <a:t>”PERSONAL"</a:t>
+            </a:r>
+            <a:r>
+              <a:rPr lang="en-US" sz="800" dirty="0">
+                <a:solidFill>
+                  <a:srgbClr val="080808"/>
+                </a:solidFill>
+                <a:effectLst/>
+                <a:latin typeface="Fira Code" pitchFamily="49" charset="0"/>
+                <a:ea typeface="Fira Code" pitchFamily="49" charset="0"/>
+                <a:cs typeface="Fira Code" pitchFamily="49" charset="0"/>
+              </a:rPr>
+              <a:t>).</a:t>
+            </a:r>
+            <a:r>
+              <a:rPr lang="en-US" sz="800" dirty="0" err="1">
+                <a:solidFill>
+                  <a:srgbClr val="080808"/>
+                </a:solidFill>
+                <a:effectLst/>
+                <a:latin typeface="Fira Code" pitchFamily="49" charset="0"/>
+                <a:ea typeface="Fira Code" pitchFamily="49" charset="0"/>
+                <a:cs typeface="Fira Code" pitchFamily="49" charset="0"/>
+              </a:rPr>
+              <a:t>subscription</a:t>
+            </a:r>
+            <a:r>
+              <a:rPr lang="en-US" sz="800" dirty="0">
+                <a:solidFill>
+                  <a:srgbClr val="080808"/>
+                </a:solidFill>
+                <a:effectLst/>
+                <a:latin typeface="Fira Code" pitchFamily="49" charset="0"/>
+                <a:ea typeface="Fira Code" pitchFamily="49" charset="0"/>
+                <a:cs typeface="Fira Code" pitchFamily="49" charset="0"/>
+              </a:rPr>
+              <a:t>(</a:t>
+            </a:r>
+            <a:r>
+              <a:rPr lang="en-US" sz="800" dirty="0">
+                <a:solidFill>
+                  <a:srgbClr val="067D17"/>
+                </a:solidFill>
+                <a:effectLst/>
+                <a:latin typeface="Fira Code" pitchFamily="49" charset="0"/>
+                <a:ea typeface="Fira Code" pitchFamily="49" charset="0"/>
+                <a:cs typeface="Fira Code" pitchFamily="49" charset="0"/>
+              </a:rPr>
+              <a:t>”MONTHLY"</a:t>
+            </a:r>
+            <a:r>
+              <a:rPr lang="en-US" sz="800" dirty="0">
+                <a:solidFill>
+                  <a:srgbClr val="080808"/>
+                </a:solidFill>
+                <a:effectLst/>
+                <a:latin typeface="Fira Code" pitchFamily="49" charset="0"/>
+                <a:ea typeface="Fira Code" pitchFamily="49" charset="0"/>
+                <a:cs typeface="Fira Code" pitchFamily="49" charset="0"/>
+              </a:rPr>
+              <a:t>).build();</a:t>
+            </a:r>
+            <a:br>
+              <a:rPr lang="en-US" sz="800" dirty="0">
+                <a:solidFill>
+                  <a:srgbClr val="080808"/>
+                </a:solidFill>
+                <a:effectLst/>
+                <a:latin typeface="Fira Code" pitchFamily="49" charset="0"/>
+                <a:ea typeface="Fira Code" pitchFamily="49" charset="0"/>
+                <a:cs typeface="Fira Code" pitchFamily="49" charset="0"/>
+              </a:rPr>
+            </a:br>
+            <a:r>
+              <a:rPr lang="en-US" sz="800" dirty="0">
+                <a:solidFill>
+                  <a:srgbClr val="080808"/>
+                </a:solidFill>
+                <a:effectLst/>
+                <a:latin typeface="Fira Code" pitchFamily="49" charset="0"/>
+                <a:ea typeface="Fira Code" pitchFamily="49" charset="0"/>
+                <a:cs typeface="Fira Code" pitchFamily="49" charset="0"/>
+              </a:rPr>
+              <a:t>    </a:t>
+            </a:r>
+            <a:r>
+              <a:rPr lang="en-US" sz="800" i="1" dirty="0">
+                <a:solidFill>
+                  <a:srgbClr val="080808"/>
+                </a:solidFill>
+                <a:effectLst/>
+                <a:latin typeface="Fira Code" pitchFamily="49" charset="0"/>
+                <a:ea typeface="Fira Code" pitchFamily="49" charset="0"/>
+                <a:cs typeface="Fira Code" pitchFamily="49" charset="0"/>
+              </a:rPr>
+              <a:t>when</a:t>
+            </a:r>
+            <a:r>
+              <a:rPr lang="en-US" sz="800" dirty="0">
+                <a:solidFill>
+                  <a:srgbClr val="080808"/>
+                </a:solidFill>
+                <a:effectLst/>
+                <a:latin typeface="Fira Code" pitchFamily="49" charset="0"/>
+                <a:ea typeface="Fira Code" pitchFamily="49" charset="0"/>
+                <a:cs typeface="Fira Code" pitchFamily="49" charset="0"/>
+              </a:rPr>
+              <a:t>(</a:t>
+            </a:r>
+            <a:r>
+              <a:rPr lang="en-US" sz="800" dirty="0" err="1">
+                <a:solidFill>
+                  <a:srgbClr val="871094"/>
+                </a:solidFill>
+                <a:effectLst/>
+                <a:latin typeface="Fira Code" pitchFamily="49" charset="0"/>
+                <a:ea typeface="Fira Code" pitchFamily="49" charset="0"/>
+                <a:cs typeface="Fira Code" pitchFamily="49" charset="0"/>
+              </a:rPr>
+              <a:t>responseEntity</a:t>
+            </a:r>
+            <a:r>
+              <a:rPr lang="en-US" sz="800" dirty="0" err="1">
+                <a:solidFill>
+                  <a:srgbClr val="080808"/>
+                </a:solidFill>
+                <a:effectLst/>
+                <a:latin typeface="Fira Code" pitchFamily="49" charset="0"/>
+                <a:ea typeface="Fira Code" pitchFamily="49" charset="0"/>
+                <a:cs typeface="Fira Code" pitchFamily="49" charset="0"/>
+              </a:rPr>
+              <a:t>.getBody</a:t>
+            </a:r>
+            <a:r>
+              <a:rPr lang="en-US" sz="800" dirty="0">
+                <a:solidFill>
+                  <a:srgbClr val="080808"/>
+                </a:solidFill>
+                <a:effectLst/>
+                <a:latin typeface="Fira Code" pitchFamily="49" charset="0"/>
+                <a:ea typeface="Fira Code" pitchFamily="49" charset="0"/>
+                <a:cs typeface="Fira Code" pitchFamily="49" charset="0"/>
+              </a:rPr>
+              <a:t>()).</a:t>
+            </a:r>
+            <a:r>
+              <a:rPr lang="en-US" sz="800" dirty="0" err="1">
+                <a:solidFill>
+                  <a:srgbClr val="080808"/>
+                </a:solidFill>
+                <a:effectLst/>
+                <a:latin typeface="Fira Code" pitchFamily="49" charset="0"/>
+                <a:ea typeface="Fira Code" pitchFamily="49" charset="0"/>
+                <a:cs typeface="Fira Code" pitchFamily="49" charset="0"/>
+              </a:rPr>
+              <a:t>thenReturn</a:t>
+            </a:r>
+            <a:r>
+              <a:rPr lang="en-US" sz="800" dirty="0">
+                <a:solidFill>
+                  <a:srgbClr val="080808"/>
+                </a:solidFill>
+                <a:effectLst/>
+                <a:latin typeface="Fira Code" pitchFamily="49" charset="0"/>
+                <a:ea typeface="Fira Code" pitchFamily="49" charset="0"/>
+                <a:cs typeface="Fira Code" pitchFamily="49" charset="0"/>
+              </a:rPr>
+              <a:t>(</a:t>
+            </a:r>
+            <a:r>
+              <a:rPr lang="en-US" sz="800" dirty="0" err="1">
+                <a:solidFill>
+                  <a:srgbClr val="871094"/>
+                </a:solidFill>
+                <a:effectLst/>
+                <a:latin typeface="Fira Code" pitchFamily="49" charset="0"/>
+                <a:ea typeface="Fira Code" pitchFamily="49" charset="0"/>
+                <a:cs typeface="Fira Code" pitchFamily="49" charset="0"/>
+              </a:rPr>
+              <a:t>accountType</a:t>
+            </a:r>
+            <a:r>
+              <a:rPr lang="en-US" sz="800" dirty="0">
+                <a:solidFill>
+                  <a:srgbClr val="080808"/>
+                </a:solidFill>
+                <a:effectLst/>
+                <a:latin typeface="Fira Code" pitchFamily="49" charset="0"/>
+                <a:ea typeface="Fira Code" pitchFamily="49" charset="0"/>
+                <a:cs typeface="Fira Code" pitchFamily="49" charset="0"/>
+              </a:rPr>
+              <a:t>);</a:t>
+            </a:r>
+            <a:br>
+              <a:rPr lang="en-US" sz="800" dirty="0">
+                <a:solidFill>
+                  <a:srgbClr val="080808"/>
+                </a:solidFill>
+                <a:effectLst/>
+                <a:latin typeface="Fira Code" pitchFamily="49" charset="0"/>
+                <a:ea typeface="Fira Code" pitchFamily="49" charset="0"/>
+                <a:cs typeface="Fira Code" pitchFamily="49" charset="0"/>
+              </a:rPr>
+            </a:br>
+            <a:r>
+              <a:rPr lang="en-US" sz="800" dirty="0">
+                <a:solidFill>
+                  <a:srgbClr val="080808"/>
+                </a:solidFill>
+                <a:effectLst/>
+                <a:latin typeface="Fira Code" pitchFamily="49" charset="0"/>
+                <a:ea typeface="Fira Code" pitchFamily="49" charset="0"/>
+                <a:cs typeface="Fira Code" pitchFamily="49" charset="0"/>
+              </a:rPr>
+              <a:t>    </a:t>
+            </a:r>
+            <a:r>
+              <a:rPr lang="en-US" sz="800" i="1" dirty="0">
+                <a:solidFill>
+                  <a:srgbClr val="8C8C8C"/>
+                </a:solidFill>
+                <a:effectLst/>
+                <a:latin typeface="Fira Code" pitchFamily="49" charset="0"/>
+                <a:ea typeface="Fira Code" pitchFamily="49" charset="0"/>
+                <a:cs typeface="Fira Code" pitchFamily="49" charset="0"/>
+              </a:rPr>
+              <a:t>// when</a:t>
+            </a:r>
+            <a:br>
+              <a:rPr lang="en-US" sz="800" i="1" dirty="0">
+                <a:solidFill>
+                  <a:srgbClr val="8C8C8C"/>
+                </a:solidFill>
+                <a:effectLst/>
+                <a:latin typeface="Fira Code" pitchFamily="49" charset="0"/>
+                <a:ea typeface="Fira Code" pitchFamily="49" charset="0"/>
+                <a:cs typeface="Fira Code" pitchFamily="49" charset="0"/>
+              </a:rPr>
+            </a:br>
+            <a:r>
+              <a:rPr lang="en-US" sz="800" i="1" dirty="0">
+                <a:solidFill>
+                  <a:srgbClr val="8C8C8C"/>
+                </a:solidFill>
+                <a:effectLst/>
+                <a:latin typeface="Fira Code" pitchFamily="49" charset="0"/>
+                <a:ea typeface="Fira Code" pitchFamily="49" charset="0"/>
+                <a:cs typeface="Fira Code" pitchFamily="49" charset="0"/>
+              </a:rPr>
+              <a:t>    </a:t>
+            </a:r>
+            <a:r>
+              <a:rPr lang="en-US" sz="800" dirty="0" err="1">
+                <a:solidFill>
+                  <a:srgbClr val="000000"/>
+                </a:solidFill>
+                <a:effectLst/>
+                <a:latin typeface="Fira Code" pitchFamily="49" charset="0"/>
+                <a:ea typeface="Fira Code" pitchFamily="49" charset="0"/>
+                <a:cs typeface="Fira Code" pitchFamily="49" charset="0"/>
+              </a:rPr>
+              <a:t>CustomerAccount</a:t>
+            </a:r>
+            <a:r>
+              <a:rPr lang="en-US" sz="800" dirty="0">
+                <a:solidFill>
+                  <a:srgbClr val="000000"/>
+                </a:solidFill>
+                <a:effectLst/>
+                <a:latin typeface="Fira Code" pitchFamily="49" charset="0"/>
+                <a:ea typeface="Fira Code" pitchFamily="49" charset="0"/>
+                <a:cs typeface="Fira Code" pitchFamily="49" charset="0"/>
+              </a:rPr>
+              <a:t> result </a:t>
+            </a:r>
+            <a:r>
+              <a:rPr lang="en-US" sz="800" dirty="0">
+                <a:solidFill>
+                  <a:srgbClr val="080808"/>
+                </a:solidFill>
+                <a:effectLst/>
+                <a:latin typeface="Fira Code" pitchFamily="49" charset="0"/>
+                <a:ea typeface="Fira Code" pitchFamily="49" charset="0"/>
+                <a:cs typeface="Fira Code" pitchFamily="49" charset="0"/>
+              </a:rPr>
+              <a:t>= </a:t>
+            </a:r>
+            <a:r>
+              <a:rPr lang="en-US" sz="800" dirty="0" err="1">
+                <a:solidFill>
+                  <a:srgbClr val="871094"/>
+                </a:solidFill>
+                <a:effectLst/>
+                <a:latin typeface="Fira Code" pitchFamily="49" charset="0"/>
+                <a:ea typeface="Fira Code" pitchFamily="49" charset="0"/>
+                <a:cs typeface="Fira Code" pitchFamily="49" charset="0"/>
+              </a:rPr>
+              <a:t>customerService</a:t>
+            </a:r>
+            <a:r>
+              <a:rPr lang="en-US" sz="800" dirty="0" err="1">
+                <a:solidFill>
+                  <a:srgbClr val="080808"/>
+                </a:solidFill>
+                <a:effectLst/>
+                <a:latin typeface="Fira Code" pitchFamily="49" charset="0"/>
+                <a:ea typeface="Fira Code" pitchFamily="49" charset="0"/>
+                <a:cs typeface="Fira Code" pitchFamily="49" charset="0"/>
+              </a:rPr>
+              <a:t>.retrieveAccount</a:t>
+            </a:r>
+            <a:r>
+              <a:rPr lang="en-US" sz="800" dirty="0">
+                <a:solidFill>
+                  <a:srgbClr val="080808"/>
+                </a:solidFill>
+                <a:effectLst/>
+                <a:latin typeface="Fira Code" pitchFamily="49" charset="0"/>
+                <a:ea typeface="Fira Code" pitchFamily="49" charset="0"/>
+                <a:cs typeface="Fira Code" pitchFamily="49" charset="0"/>
+              </a:rPr>
+              <a:t>(</a:t>
+            </a:r>
+            <a:r>
+              <a:rPr lang="en-US" sz="800" i="1" dirty="0">
+                <a:solidFill>
+                  <a:srgbClr val="871094"/>
+                </a:solidFill>
+                <a:effectLst/>
+                <a:latin typeface="Fira Code" pitchFamily="49" charset="0"/>
+                <a:ea typeface="Fira Code" pitchFamily="49" charset="0"/>
+                <a:cs typeface="Fira Code" pitchFamily="49" charset="0"/>
+              </a:rPr>
+              <a:t>ACCOUNT_ID</a:t>
+            </a:r>
+            <a:r>
+              <a:rPr lang="en-US" sz="800" dirty="0">
+                <a:solidFill>
+                  <a:srgbClr val="080808"/>
+                </a:solidFill>
+                <a:effectLst/>
+                <a:latin typeface="Fira Code" pitchFamily="49" charset="0"/>
+                <a:ea typeface="Fira Code" pitchFamily="49" charset="0"/>
+                <a:cs typeface="Fira Code" pitchFamily="49" charset="0"/>
+              </a:rPr>
+              <a:t>);</a:t>
+            </a:r>
+            <a:br>
+              <a:rPr lang="en-US" sz="800" dirty="0">
+                <a:solidFill>
+                  <a:srgbClr val="080808"/>
+                </a:solidFill>
+                <a:effectLst/>
+                <a:latin typeface="Fira Code" pitchFamily="49" charset="0"/>
+                <a:ea typeface="Fira Code" pitchFamily="49" charset="0"/>
+                <a:cs typeface="Fira Code" pitchFamily="49" charset="0"/>
+              </a:rPr>
+            </a:br>
+            <a:r>
+              <a:rPr lang="en-US" sz="800" dirty="0">
+                <a:solidFill>
+                  <a:srgbClr val="080808"/>
+                </a:solidFill>
+                <a:effectLst/>
+                <a:latin typeface="Fira Code" pitchFamily="49" charset="0"/>
+                <a:ea typeface="Fira Code" pitchFamily="49" charset="0"/>
+                <a:cs typeface="Fira Code" pitchFamily="49" charset="0"/>
+              </a:rPr>
+              <a:t>    </a:t>
+            </a:r>
+            <a:r>
+              <a:rPr lang="en-US" sz="800" i="1" dirty="0">
+                <a:solidFill>
+                  <a:srgbClr val="8C8C8C"/>
+                </a:solidFill>
+                <a:effectLst/>
+                <a:latin typeface="Fira Code" pitchFamily="49" charset="0"/>
+                <a:ea typeface="Fira Code" pitchFamily="49" charset="0"/>
+                <a:cs typeface="Fira Code" pitchFamily="49" charset="0"/>
+              </a:rPr>
+              <a:t>// then</a:t>
+            </a:r>
+            <a:br>
+              <a:rPr lang="en-US" sz="800" i="1" dirty="0">
+                <a:solidFill>
+                  <a:srgbClr val="8C8C8C"/>
+                </a:solidFill>
+                <a:effectLst/>
+                <a:latin typeface="Fira Code" pitchFamily="49" charset="0"/>
+                <a:ea typeface="Fira Code" pitchFamily="49" charset="0"/>
+                <a:cs typeface="Fira Code" pitchFamily="49" charset="0"/>
+              </a:rPr>
+            </a:br>
+            <a:r>
+              <a:rPr lang="en-US" sz="800" i="1" dirty="0">
+                <a:solidFill>
+                  <a:srgbClr val="8C8C8C"/>
+                </a:solidFill>
+                <a:effectLst/>
+                <a:latin typeface="Fira Code" pitchFamily="49" charset="0"/>
+                <a:ea typeface="Fira Code" pitchFamily="49" charset="0"/>
+                <a:cs typeface="Fira Code" pitchFamily="49" charset="0"/>
+              </a:rPr>
+              <a:t>    </a:t>
+            </a:r>
+            <a:r>
+              <a:rPr lang="en-US" sz="800" dirty="0" err="1">
+                <a:solidFill>
+                  <a:srgbClr val="000000"/>
+                </a:solidFill>
+                <a:effectLst/>
+                <a:latin typeface="Fira Code" pitchFamily="49" charset="0"/>
+                <a:ea typeface="Fira Code" pitchFamily="49" charset="0"/>
+                <a:cs typeface="Fira Code" pitchFamily="49" charset="0"/>
+              </a:rPr>
+              <a:t>CustomerAccount</a:t>
+            </a:r>
+            <a:r>
+              <a:rPr lang="en-US" sz="800" dirty="0">
+                <a:solidFill>
+                  <a:srgbClr val="000000"/>
+                </a:solidFill>
+                <a:effectLst/>
+                <a:latin typeface="Fira Code" pitchFamily="49" charset="0"/>
+                <a:ea typeface="Fira Code" pitchFamily="49" charset="0"/>
+                <a:cs typeface="Fira Code" pitchFamily="49" charset="0"/>
+              </a:rPr>
+              <a:t> </a:t>
+            </a:r>
+            <a:r>
+              <a:rPr lang="en-US" sz="800" dirty="0" err="1">
+                <a:solidFill>
+                  <a:srgbClr val="000000"/>
+                </a:solidFill>
+                <a:effectLst/>
+                <a:latin typeface="Fira Code" pitchFamily="49" charset="0"/>
+                <a:ea typeface="Fira Code" pitchFamily="49" charset="0"/>
+                <a:cs typeface="Fira Code" pitchFamily="49" charset="0"/>
+              </a:rPr>
+              <a:t>expectedCustomerAccount</a:t>
+            </a:r>
+            <a:r>
+              <a:rPr lang="en-US" sz="800" dirty="0">
+                <a:solidFill>
+                  <a:srgbClr val="000000"/>
+                </a:solidFill>
+                <a:effectLst/>
+                <a:latin typeface="Fira Code" pitchFamily="49" charset="0"/>
+                <a:ea typeface="Fira Code" pitchFamily="49" charset="0"/>
+                <a:cs typeface="Fira Code" pitchFamily="49" charset="0"/>
+              </a:rPr>
+              <a:t> </a:t>
+            </a:r>
+            <a:r>
+              <a:rPr lang="en-US" sz="800" dirty="0">
+                <a:solidFill>
+                  <a:srgbClr val="080808"/>
+                </a:solidFill>
+                <a:effectLst/>
+                <a:latin typeface="Fira Code" pitchFamily="49" charset="0"/>
+                <a:ea typeface="Fira Code" pitchFamily="49" charset="0"/>
+                <a:cs typeface="Fira Code" pitchFamily="49" charset="0"/>
+              </a:rPr>
+              <a:t>= </a:t>
+            </a:r>
+            <a:r>
+              <a:rPr lang="en-US" sz="800" dirty="0">
+                <a:solidFill>
+                  <a:srgbClr val="0033B3"/>
+                </a:solidFill>
+                <a:effectLst/>
+                <a:latin typeface="Fira Code" pitchFamily="49" charset="0"/>
+                <a:ea typeface="Fira Code" pitchFamily="49" charset="0"/>
+                <a:cs typeface="Fira Code" pitchFamily="49" charset="0"/>
+              </a:rPr>
+              <a:t>new </a:t>
+            </a:r>
+            <a:r>
+              <a:rPr lang="en-US" sz="800" dirty="0" err="1">
+                <a:solidFill>
+                  <a:srgbClr val="080808"/>
+                </a:solidFill>
+                <a:effectLst/>
+                <a:latin typeface="Fira Code" pitchFamily="49" charset="0"/>
+                <a:ea typeface="Fira Code" pitchFamily="49" charset="0"/>
+                <a:cs typeface="Fira Code" pitchFamily="49" charset="0"/>
+              </a:rPr>
+              <a:t>CustomerAccount</a:t>
+            </a:r>
+            <a:r>
+              <a:rPr lang="en-US" sz="800" dirty="0">
+                <a:solidFill>
+                  <a:srgbClr val="080808"/>
+                </a:solidFill>
+                <a:effectLst/>
+                <a:latin typeface="Fira Code" pitchFamily="49" charset="0"/>
+                <a:ea typeface="Fira Code" pitchFamily="49" charset="0"/>
+                <a:cs typeface="Fira Code" pitchFamily="49" charset="0"/>
+              </a:rPr>
+              <a:t>(</a:t>
+            </a:r>
+            <a:r>
+              <a:rPr lang="en-US" sz="800" i="1" dirty="0">
+                <a:solidFill>
+                  <a:srgbClr val="871094"/>
+                </a:solidFill>
+                <a:effectLst/>
+                <a:latin typeface="Fira Code" pitchFamily="49" charset="0"/>
+                <a:ea typeface="Fira Code" pitchFamily="49" charset="0"/>
+                <a:cs typeface="Fira Code" pitchFamily="49" charset="0"/>
+              </a:rPr>
+              <a:t>ACCOUNT_ID</a:t>
+            </a:r>
+            <a:r>
+              <a:rPr lang="en-US" sz="800" dirty="0">
+                <a:solidFill>
+                  <a:srgbClr val="080808"/>
+                </a:solidFill>
+                <a:effectLst/>
+                <a:latin typeface="Fira Code" pitchFamily="49" charset="0"/>
+                <a:ea typeface="Fira Code" pitchFamily="49" charset="0"/>
+                <a:cs typeface="Fira Code" pitchFamily="49" charset="0"/>
+              </a:rPr>
+              <a:t>, </a:t>
+            </a:r>
+            <a:r>
+              <a:rPr lang="en-US" sz="800" dirty="0" err="1">
+                <a:solidFill>
+                  <a:srgbClr val="000000"/>
+                </a:solidFill>
+                <a:effectLst/>
+                <a:latin typeface="Fira Code" pitchFamily="49" charset="0"/>
+                <a:ea typeface="Fira Code" pitchFamily="49" charset="0"/>
+                <a:cs typeface="Fira Code" pitchFamily="49" charset="0"/>
+              </a:rPr>
+              <a:t>CustomerPaymentType</a:t>
+            </a:r>
+            <a:r>
+              <a:rPr lang="en-US" sz="800" dirty="0" err="1">
+                <a:solidFill>
+                  <a:srgbClr val="080808"/>
+                </a:solidFill>
+                <a:effectLst/>
+                <a:latin typeface="Fira Code" pitchFamily="49" charset="0"/>
+                <a:ea typeface="Fira Code" pitchFamily="49" charset="0"/>
+                <a:cs typeface="Fira Code" pitchFamily="49" charset="0"/>
+              </a:rPr>
+              <a:t>.</a:t>
+            </a:r>
+            <a:r>
+              <a:rPr lang="en-US" sz="800" i="1" dirty="0" err="1">
+                <a:solidFill>
+                  <a:srgbClr val="871094"/>
+                </a:solidFill>
+                <a:effectLst/>
+                <a:latin typeface="Fira Code" pitchFamily="49" charset="0"/>
+                <a:ea typeface="Fira Code" pitchFamily="49" charset="0"/>
+                <a:cs typeface="Fira Code" pitchFamily="49" charset="0"/>
+              </a:rPr>
+              <a:t>MONTHLY</a:t>
+            </a:r>
+            <a:r>
+              <a:rPr lang="en-US" sz="800" dirty="0">
+                <a:solidFill>
+                  <a:srgbClr val="080808"/>
+                </a:solidFill>
+                <a:effectLst/>
+                <a:latin typeface="Fira Code" pitchFamily="49" charset="0"/>
+                <a:ea typeface="Fira Code" pitchFamily="49" charset="0"/>
+                <a:cs typeface="Fira Code" pitchFamily="49" charset="0"/>
+              </a:rPr>
+              <a:t>, </a:t>
+            </a:r>
+            <a:r>
+              <a:rPr lang="en-US" sz="800" dirty="0">
+                <a:solidFill>
+                  <a:srgbClr val="067D17"/>
+                </a:solidFill>
+                <a:effectLst/>
+                <a:latin typeface="Fira Code" pitchFamily="49" charset="0"/>
+                <a:ea typeface="Fira Code" pitchFamily="49" charset="0"/>
+                <a:cs typeface="Fira Code" pitchFamily="49" charset="0"/>
+              </a:rPr>
+              <a:t>"PERSONAL"</a:t>
+            </a:r>
+            <a:r>
+              <a:rPr lang="en-US" sz="800" dirty="0">
+                <a:solidFill>
+                  <a:srgbClr val="080808"/>
+                </a:solidFill>
+                <a:effectLst/>
+                <a:latin typeface="Fira Code" pitchFamily="49" charset="0"/>
+                <a:ea typeface="Fira Code" pitchFamily="49" charset="0"/>
+                <a:cs typeface="Fira Code" pitchFamily="49" charset="0"/>
+              </a:rPr>
+              <a:t>);</a:t>
+            </a:r>
+            <a:br>
+              <a:rPr lang="en-US" sz="800" dirty="0">
+                <a:solidFill>
+                  <a:srgbClr val="080808"/>
+                </a:solidFill>
+                <a:effectLst/>
+                <a:latin typeface="Fira Code" pitchFamily="49" charset="0"/>
+                <a:ea typeface="Fira Code" pitchFamily="49" charset="0"/>
+                <a:cs typeface="Fira Code" pitchFamily="49" charset="0"/>
+              </a:rPr>
+            </a:br>
+            <a:r>
+              <a:rPr lang="en-US" sz="800" dirty="0">
+                <a:solidFill>
+                  <a:srgbClr val="080808"/>
+                </a:solidFill>
+                <a:effectLst/>
+                <a:latin typeface="Fira Code" pitchFamily="49" charset="0"/>
+                <a:ea typeface="Fira Code" pitchFamily="49" charset="0"/>
+                <a:cs typeface="Fira Code" pitchFamily="49" charset="0"/>
+              </a:rPr>
+              <a:t>    </a:t>
+            </a:r>
+            <a:r>
+              <a:rPr lang="en-US" sz="800" i="1" dirty="0" err="1">
+                <a:solidFill>
+                  <a:srgbClr val="080808"/>
+                </a:solidFill>
+                <a:effectLst/>
+                <a:latin typeface="Fira Code" pitchFamily="49" charset="0"/>
+                <a:ea typeface="Fira Code" pitchFamily="49" charset="0"/>
+                <a:cs typeface="Fira Code" pitchFamily="49" charset="0"/>
+              </a:rPr>
+              <a:t>assertThat</a:t>
+            </a:r>
+            <a:r>
+              <a:rPr lang="en-US" sz="800" dirty="0">
+                <a:solidFill>
+                  <a:srgbClr val="080808"/>
+                </a:solidFill>
+                <a:effectLst/>
+                <a:latin typeface="Fira Code" pitchFamily="49" charset="0"/>
+                <a:ea typeface="Fira Code" pitchFamily="49" charset="0"/>
+                <a:cs typeface="Fira Code" pitchFamily="49" charset="0"/>
+              </a:rPr>
+              <a:t>(</a:t>
+            </a:r>
+            <a:r>
+              <a:rPr lang="en-US" sz="800" dirty="0">
+                <a:solidFill>
+                  <a:srgbClr val="000000"/>
+                </a:solidFill>
+                <a:effectLst/>
+                <a:latin typeface="Fira Code" pitchFamily="49" charset="0"/>
+                <a:ea typeface="Fira Code" pitchFamily="49" charset="0"/>
+                <a:cs typeface="Fira Code" pitchFamily="49" charset="0"/>
+              </a:rPr>
+              <a:t>result</a:t>
+            </a:r>
+            <a:r>
+              <a:rPr lang="en-US" sz="800" dirty="0">
+                <a:solidFill>
+                  <a:srgbClr val="080808"/>
+                </a:solidFill>
+                <a:effectLst/>
+                <a:latin typeface="Fira Code" pitchFamily="49" charset="0"/>
+                <a:ea typeface="Fira Code" pitchFamily="49" charset="0"/>
+                <a:cs typeface="Fira Code" pitchFamily="49" charset="0"/>
+              </a:rPr>
+              <a:t>, </a:t>
+            </a:r>
+            <a:r>
+              <a:rPr lang="en-US" sz="800" i="1" dirty="0">
+                <a:solidFill>
+                  <a:srgbClr val="080808"/>
+                </a:solidFill>
+                <a:effectLst/>
+                <a:latin typeface="Fira Code" pitchFamily="49" charset="0"/>
+                <a:ea typeface="Fira Code" pitchFamily="49" charset="0"/>
+                <a:cs typeface="Fira Code" pitchFamily="49" charset="0"/>
+              </a:rPr>
+              <a:t>is</a:t>
+            </a:r>
+            <a:r>
+              <a:rPr lang="en-US" sz="800" dirty="0">
+                <a:solidFill>
+                  <a:srgbClr val="080808"/>
+                </a:solidFill>
+                <a:effectLst/>
+                <a:latin typeface="Fira Code" pitchFamily="49" charset="0"/>
+                <a:ea typeface="Fira Code" pitchFamily="49" charset="0"/>
+                <a:cs typeface="Fira Code" pitchFamily="49" charset="0"/>
+              </a:rPr>
+              <a:t>(</a:t>
+            </a:r>
+            <a:r>
+              <a:rPr lang="en-US" sz="800" dirty="0" err="1">
+                <a:solidFill>
+                  <a:srgbClr val="000000"/>
+                </a:solidFill>
+                <a:effectLst/>
+                <a:latin typeface="Fira Code" pitchFamily="49" charset="0"/>
+                <a:ea typeface="Fira Code" pitchFamily="49" charset="0"/>
+                <a:cs typeface="Fira Code" pitchFamily="49" charset="0"/>
+              </a:rPr>
+              <a:t>expectedCustomerAccount</a:t>
+            </a:r>
+            <a:r>
+              <a:rPr lang="en-US" sz="800" dirty="0">
+                <a:solidFill>
+                  <a:srgbClr val="080808"/>
+                </a:solidFill>
+                <a:effectLst/>
+                <a:latin typeface="Fira Code" pitchFamily="49" charset="0"/>
+                <a:ea typeface="Fira Code" pitchFamily="49" charset="0"/>
+                <a:cs typeface="Fira Code" pitchFamily="49" charset="0"/>
+              </a:rPr>
+              <a:t>));</a:t>
+            </a:r>
+            <a:br>
+              <a:rPr lang="en-US" sz="800" dirty="0">
+                <a:solidFill>
+                  <a:srgbClr val="080808"/>
+                </a:solidFill>
+                <a:effectLst/>
+                <a:latin typeface="Fira Code" pitchFamily="49" charset="0"/>
+                <a:ea typeface="Fira Code" pitchFamily="49" charset="0"/>
+                <a:cs typeface="Fira Code" pitchFamily="49" charset="0"/>
+              </a:rPr>
+            </a:br>
+            <a:r>
+              <a:rPr lang="en-US" sz="800" dirty="0">
+                <a:solidFill>
+                  <a:srgbClr val="080808"/>
+                </a:solidFill>
+                <a:effectLst/>
+                <a:latin typeface="Fira Code" pitchFamily="49" charset="0"/>
+                <a:ea typeface="Fira Code" pitchFamily="49" charset="0"/>
+                <a:cs typeface="Fira Code" pitchFamily="49" charset="0"/>
+              </a:rPr>
+              <a:t>    </a:t>
+            </a:r>
+            <a:r>
+              <a:rPr lang="en-US" sz="800" i="1" dirty="0">
+                <a:solidFill>
+                  <a:srgbClr val="080808"/>
+                </a:solidFill>
+                <a:effectLst/>
+                <a:latin typeface="Fira Code" pitchFamily="49" charset="0"/>
+                <a:ea typeface="Fira Code" pitchFamily="49" charset="0"/>
+                <a:cs typeface="Fira Code" pitchFamily="49" charset="0"/>
+              </a:rPr>
+              <a:t>verify</a:t>
+            </a:r>
+            <a:r>
+              <a:rPr lang="en-US" sz="800" dirty="0">
+                <a:solidFill>
+                  <a:srgbClr val="080808"/>
+                </a:solidFill>
+                <a:effectLst/>
+                <a:latin typeface="Fira Code" pitchFamily="49" charset="0"/>
+                <a:ea typeface="Fira Code" pitchFamily="49" charset="0"/>
+                <a:cs typeface="Fira Code" pitchFamily="49" charset="0"/>
+              </a:rPr>
+              <a:t>(</a:t>
+            </a:r>
+            <a:r>
+              <a:rPr lang="en-US" sz="800" dirty="0" err="1">
+                <a:solidFill>
+                  <a:srgbClr val="871094"/>
+                </a:solidFill>
+                <a:effectLst/>
+                <a:latin typeface="Fira Code" pitchFamily="49" charset="0"/>
+                <a:ea typeface="Fira Code" pitchFamily="49" charset="0"/>
+                <a:cs typeface="Fira Code" pitchFamily="49" charset="0"/>
+              </a:rPr>
+              <a:t>restTemplate</a:t>
+            </a:r>
+            <a:r>
+              <a:rPr lang="en-US" sz="800" dirty="0">
+                <a:solidFill>
+                  <a:srgbClr val="080808"/>
+                </a:solidFill>
+                <a:effectLst/>
+                <a:latin typeface="Fira Code" pitchFamily="49" charset="0"/>
+                <a:ea typeface="Fira Code" pitchFamily="49" charset="0"/>
+                <a:cs typeface="Fira Code" pitchFamily="49" charset="0"/>
+              </a:rPr>
+              <a:t>, </a:t>
+            </a:r>
+            <a:r>
+              <a:rPr lang="en-US" sz="800" i="1" dirty="0">
+                <a:solidFill>
+                  <a:srgbClr val="080808"/>
+                </a:solidFill>
+                <a:effectLst/>
+                <a:latin typeface="Fira Code" pitchFamily="49" charset="0"/>
+                <a:ea typeface="Fira Code" pitchFamily="49" charset="0"/>
+                <a:cs typeface="Fira Code" pitchFamily="49" charset="0"/>
+              </a:rPr>
+              <a:t>times</a:t>
+            </a:r>
+            <a:r>
+              <a:rPr lang="en-US" sz="800" dirty="0">
+                <a:solidFill>
+                  <a:srgbClr val="080808"/>
+                </a:solidFill>
+                <a:effectLst/>
+                <a:latin typeface="Fira Code" pitchFamily="49" charset="0"/>
+                <a:ea typeface="Fira Code" pitchFamily="49" charset="0"/>
+                <a:cs typeface="Fira Code" pitchFamily="49" charset="0"/>
+              </a:rPr>
+              <a:t>(</a:t>
+            </a:r>
+            <a:r>
+              <a:rPr lang="en-US" sz="800" dirty="0">
+                <a:solidFill>
+                  <a:srgbClr val="1750EB"/>
+                </a:solidFill>
+                <a:effectLst/>
+                <a:latin typeface="Fira Code" pitchFamily="49" charset="0"/>
+                <a:ea typeface="Fira Code" pitchFamily="49" charset="0"/>
+                <a:cs typeface="Fira Code" pitchFamily="49" charset="0"/>
+              </a:rPr>
+              <a:t>1</a:t>
+            </a:r>
+            <a:r>
+              <a:rPr lang="en-US" sz="800" dirty="0">
+                <a:solidFill>
+                  <a:srgbClr val="080808"/>
+                </a:solidFill>
+                <a:effectLst/>
+                <a:latin typeface="Fira Code" pitchFamily="49" charset="0"/>
+                <a:ea typeface="Fira Code" pitchFamily="49" charset="0"/>
+                <a:cs typeface="Fira Code" pitchFamily="49" charset="0"/>
+              </a:rPr>
+              <a:t>)).exchange(</a:t>
+            </a:r>
+            <a:r>
+              <a:rPr lang="en-US" sz="800" dirty="0" err="1">
+                <a:solidFill>
+                  <a:srgbClr val="871094"/>
+                </a:solidFill>
+                <a:effectLst/>
+                <a:latin typeface="Fira Code" pitchFamily="49" charset="0"/>
+                <a:ea typeface="Fira Code" pitchFamily="49" charset="0"/>
+                <a:cs typeface="Fira Code" pitchFamily="49" charset="0"/>
+              </a:rPr>
+              <a:t>calledUrlCaptor</a:t>
+            </a:r>
+            <a:r>
+              <a:rPr lang="en-US" sz="800" dirty="0" err="1">
+                <a:solidFill>
+                  <a:srgbClr val="080808"/>
+                </a:solidFill>
+                <a:effectLst/>
+                <a:latin typeface="Fira Code" pitchFamily="49" charset="0"/>
+                <a:ea typeface="Fira Code" pitchFamily="49" charset="0"/>
+                <a:cs typeface="Fira Code" pitchFamily="49" charset="0"/>
+              </a:rPr>
+              <a:t>.capture</a:t>
+            </a:r>
+            <a:r>
+              <a:rPr lang="en-US" sz="800" dirty="0">
+                <a:solidFill>
+                  <a:srgbClr val="080808"/>
+                </a:solidFill>
+                <a:effectLst/>
+                <a:latin typeface="Fira Code" pitchFamily="49" charset="0"/>
+                <a:ea typeface="Fira Code" pitchFamily="49" charset="0"/>
+                <a:cs typeface="Fira Code" pitchFamily="49" charset="0"/>
+              </a:rPr>
+              <a:t>(), </a:t>
+            </a:r>
+            <a:r>
+              <a:rPr lang="en-US" sz="800" i="1" dirty="0">
+                <a:solidFill>
+                  <a:srgbClr val="080808"/>
+                </a:solidFill>
+                <a:effectLst/>
+                <a:latin typeface="Fira Code" pitchFamily="49" charset="0"/>
+                <a:ea typeface="Fira Code" pitchFamily="49" charset="0"/>
+                <a:cs typeface="Fira Code" pitchFamily="49" charset="0"/>
+              </a:rPr>
+              <a:t>eq</a:t>
+            </a:r>
+            <a:r>
+              <a:rPr lang="en-US" sz="800" dirty="0">
+                <a:solidFill>
+                  <a:srgbClr val="080808"/>
+                </a:solidFill>
+                <a:effectLst/>
+                <a:latin typeface="Fira Code" pitchFamily="49" charset="0"/>
+                <a:ea typeface="Fira Code" pitchFamily="49" charset="0"/>
+                <a:cs typeface="Fira Code" pitchFamily="49" charset="0"/>
+              </a:rPr>
+              <a:t>(</a:t>
+            </a:r>
+            <a:r>
+              <a:rPr lang="en-US" sz="800" dirty="0" err="1">
+                <a:solidFill>
+                  <a:srgbClr val="000000"/>
+                </a:solidFill>
+                <a:effectLst/>
+                <a:latin typeface="Fira Code" pitchFamily="49" charset="0"/>
+                <a:ea typeface="Fira Code" pitchFamily="49" charset="0"/>
+                <a:cs typeface="Fira Code" pitchFamily="49" charset="0"/>
+              </a:rPr>
+              <a:t>HttpMethod</a:t>
+            </a:r>
+            <a:r>
+              <a:rPr lang="en-US" sz="800" dirty="0" err="1">
+                <a:solidFill>
+                  <a:srgbClr val="080808"/>
+                </a:solidFill>
+                <a:effectLst/>
+                <a:latin typeface="Fira Code" pitchFamily="49" charset="0"/>
+                <a:ea typeface="Fira Code" pitchFamily="49" charset="0"/>
+                <a:cs typeface="Fira Code" pitchFamily="49" charset="0"/>
+              </a:rPr>
+              <a:t>.</a:t>
+            </a:r>
+            <a:r>
+              <a:rPr lang="en-US" sz="800" i="1" dirty="0" err="1">
+                <a:solidFill>
+                  <a:srgbClr val="871094"/>
+                </a:solidFill>
+                <a:effectLst/>
+                <a:latin typeface="Fira Code" pitchFamily="49" charset="0"/>
+                <a:ea typeface="Fira Code" pitchFamily="49" charset="0"/>
+                <a:cs typeface="Fira Code" pitchFamily="49" charset="0"/>
+              </a:rPr>
+              <a:t>GET</a:t>
+            </a:r>
+            <a:r>
+              <a:rPr lang="en-US" sz="800" dirty="0">
+                <a:solidFill>
+                  <a:srgbClr val="080808"/>
+                </a:solidFill>
+                <a:effectLst/>
+                <a:latin typeface="Fira Code" pitchFamily="49" charset="0"/>
+                <a:ea typeface="Fira Code" pitchFamily="49" charset="0"/>
+                <a:cs typeface="Fira Code" pitchFamily="49" charset="0"/>
+              </a:rPr>
+              <a:t>), </a:t>
+            </a:r>
+            <a:r>
+              <a:rPr lang="en-US" sz="800" dirty="0" err="1">
+                <a:solidFill>
+                  <a:srgbClr val="871094"/>
+                </a:solidFill>
+                <a:effectLst/>
+                <a:latin typeface="Fira Code" pitchFamily="49" charset="0"/>
+                <a:ea typeface="Fira Code" pitchFamily="49" charset="0"/>
+                <a:cs typeface="Fira Code" pitchFamily="49" charset="0"/>
+              </a:rPr>
+              <a:t>sentHttpEntityCaptor</a:t>
+            </a:r>
+            <a:r>
+              <a:rPr lang="en-US" sz="800" dirty="0" err="1">
+                <a:solidFill>
+                  <a:srgbClr val="080808"/>
+                </a:solidFill>
+                <a:effectLst/>
+                <a:latin typeface="Fira Code" pitchFamily="49" charset="0"/>
+                <a:ea typeface="Fira Code" pitchFamily="49" charset="0"/>
+                <a:cs typeface="Fira Code" pitchFamily="49" charset="0"/>
+              </a:rPr>
+              <a:t>.capture</a:t>
+            </a:r>
+            <a:r>
+              <a:rPr lang="en-US" sz="800" dirty="0">
+                <a:solidFill>
+                  <a:srgbClr val="080808"/>
+                </a:solidFill>
+                <a:effectLst/>
+                <a:latin typeface="Fira Code" pitchFamily="49" charset="0"/>
+                <a:ea typeface="Fira Code" pitchFamily="49" charset="0"/>
+                <a:cs typeface="Fira Code" pitchFamily="49" charset="0"/>
+              </a:rPr>
+              <a:t>(), </a:t>
+            </a:r>
+            <a:r>
+              <a:rPr lang="en-US" sz="800" i="1" dirty="0">
+                <a:solidFill>
+                  <a:srgbClr val="080808"/>
+                </a:solidFill>
+                <a:effectLst/>
+                <a:latin typeface="Fira Code" pitchFamily="49" charset="0"/>
+                <a:ea typeface="Fira Code" pitchFamily="49" charset="0"/>
+                <a:cs typeface="Fira Code" pitchFamily="49" charset="0"/>
+              </a:rPr>
+              <a:t>any</a:t>
+            </a:r>
+            <a:r>
+              <a:rPr lang="en-US" sz="800" dirty="0">
+                <a:solidFill>
+                  <a:srgbClr val="080808"/>
+                </a:solidFill>
+                <a:effectLst/>
+                <a:latin typeface="Fira Code" pitchFamily="49" charset="0"/>
+                <a:ea typeface="Fira Code" pitchFamily="49" charset="0"/>
+                <a:cs typeface="Fira Code" pitchFamily="49" charset="0"/>
+              </a:rPr>
+              <a:t>(</a:t>
+            </a:r>
+            <a:r>
+              <a:rPr lang="en-US" sz="800" dirty="0" err="1">
+                <a:solidFill>
+                  <a:srgbClr val="000000"/>
+                </a:solidFill>
+                <a:effectLst/>
+                <a:latin typeface="Fira Code" pitchFamily="49" charset="0"/>
+                <a:ea typeface="Fira Code" pitchFamily="49" charset="0"/>
+                <a:cs typeface="Fira Code" pitchFamily="49" charset="0"/>
+              </a:rPr>
+              <a:t>Class</a:t>
+            </a:r>
+            <a:r>
+              <a:rPr lang="en-US" sz="800" dirty="0" err="1">
+                <a:solidFill>
+                  <a:srgbClr val="080808"/>
+                </a:solidFill>
+                <a:effectLst/>
+                <a:latin typeface="Fira Code" pitchFamily="49" charset="0"/>
+                <a:ea typeface="Fira Code" pitchFamily="49" charset="0"/>
+                <a:cs typeface="Fira Code" pitchFamily="49" charset="0"/>
+              </a:rPr>
+              <a:t>.</a:t>
+            </a:r>
+            <a:r>
+              <a:rPr lang="en-US" sz="800" dirty="0" err="1">
+                <a:solidFill>
+                  <a:srgbClr val="0033B3"/>
+                </a:solidFill>
+                <a:effectLst/>
+                <a:latin typeface="Fira Code" pitchFamily="49" charset="0"/>
+                <a:ea typeface="Fira Code" pitchFamily="49" charset="0"/>
+                <a:cs typeface="Fira Code" pitchFamily="49" charset="0"/>
+              </a:rPr>
+              <a:t>class</a:t>
+            </a:r>
+            <a:r>
+              <a:rPr lang="en-US" sz="800" dirty="0">
+                <a:solidFill>
+                  <a:srgbClr val="080808"/>
+                </a:solidFill>
+                <a:effectLst/>
+                <a:latin typeface="Fira Code" pitchFamily="49" charset="0"/>
+                <a:ea typeface="Fira Code" pitchFamily="49" charset="0"/>
+                <a:cs typeface="Fira Code" pitchFamily="49" charset="0"/>
+              </a:rPr>
+              <a:t>));</a:t>
+            </a:r>
+            <a:br>
+              <a:rPr lang="en-US" sz="800" dirty="0">
+                <a:solidFill>
+                  <a:srgbClr val="080808"/>
+                </a:solidFill>
+                <a:effectLst/>
+                <a:latin typeface="Fira Code" pitchFamily="49" charset="0"/>
+                <a:ea typeface="Fira Code" pitchFamily="49" charset="0"/>
+                <a:cs typeface="Fira Code" pitchFamily="49" charset="0"/>
+              </a:rPr>
+            </a:br>
+            <a:r>
+              <a:rPr lang="en-US" sz="800" dirty="0">
+                <a:solidFill>
+                  <a:srgbClr val="080808"/>
+                </a:solidFill>
+                <a:effectLst/>
+                <a:latin typeface="Fira Code" pitchFamily="49" charset="0"/>
+                <a:ea typeface="Fira Code" pitchFamily="49" charset="0"/>
+                <a:cs typeface="Fira Code" pitchFamily="49" charset="0"/>
+              </a:rPr>
+              <a:t>    </a:t>
+            </a:r>
+            <a:r>
+              <a:rPr lang="en-US" sz="800" dirty="0" err="1">
+                <a:solidFill>
+                  <a:srgbClr val="080808"/>
+                </a:solidFill>
+                <a:effectLst/>
+                <a:latin typeface="Fira Code" pitchFamily="49" charset="0"/>
+                <a:ea typeface="Fira Code" pitchFamily="49" charset="0"/>
+                <a:cs typeface="Fira Code" pitchFamily="49" charset="0"/>
+              </a:rPr>
+              <a:t>verifyHeadersAreValid</a:t>
+            </a:r>
+            <a:r>
+              <a:rPr lang="en-US" sz="800" dirty="0">
+                <a:solidFill>
+                  <a:srgbClr val="080808"/>
+                </a:solidFill>
+                <a:effectLst/>
+                <a:latin typeface="Fira Code" pitchFamily="49" charset="0"/>
+                <a:ea typeface="Fira Code" pitchFamily="49" charset="0"/>
+                <a:cs typeface="Fira Code" pitchFamily="49" charset="0"/>
+              </a:rPr>
+              <a:t>(</a:t>
+            </a:r>
+            <a:r>
+              <a:rPr lang="en-US" sz="800" dirty="0" err="1">
+                <a:solidFill>
+                  <a:srgbClr val="871094"/>
+                </a:solidFill>
+                <a:effectLst/>
+                <a:latin typeface="Fira Code" pitchFamily="49" charset="0"/>
+                <a:ea typeface="Fira Code" pitchFamily="49" charset="0"/>
+                <a:cs typeface="Fira Code" pitchFamily="49" charset="0"/>
+              </a:rPr>
+              <a:t>sentHttpEntityCaptor</a:t>
+            </a:r>
+            <a:r>
+              <a:rPr lang="en-US" sz="800" dirty="0" err="1">
+                <a:solidFill>
+                  <a:srgbClr val="080808"/>
+                </a:solidFill>
+                <a:effectLst/>
+                <a:latin typeface="Fira Code" pitchFamily="49" charset="0"/>
+                <a:ea typeface="Fira Code" pitchFamily="49" charset="0"/>
+                <a:cs typeface="Fira Code" pitchFamily="49" charset="0"/>
+              </a:rPr>
+              <a:t>.getValue</a:t>
+            </a:r>
+            <a:r>
+              <a:rPr lang="en-US" sz="800" dirty="0">
+                <a:solidFill>
+                  <a:srgbClr val="080808"/>
+                </a:solidFill>
+                <a:effectLst/>
+                <a:latin typeface="Fira Code" pitchFamily="49" charset="0"/>
+                <a:ea typeface="Fira Code" pitchFamily="49" charset="0"/>
+                <a:cs typeface="Fira Code" pitchFamily="49" charset="0"/>
+              </a:rPr>
+              <a:t>().</a:t>
+            </a:r>
+            <a:r>
+              <a:rPr lang="en-US" sz="800" dirty="0" err="1">
+                <a:solidFill>
+                  <a:srgbClr val="080808"/>
+                </a:solidFill>
+                <a:effectLst/>
+                <a:latin typeface="Fira Code" pitchFamily="49" charset="0"/>
+                <a:ea typeface="Fira Code" pitchFamily="49" charset="0"/>
+                <a:cs typeface="Fira Code" pitchFamily="49" charset="0"/>
+              </a:rPr>
+              <a:t>getHeaders</a:t>
+            </a:r>
+            <a:r>
+              <a:rPr lang="en-US" sz="800" dirty="0">
+                <a:solidFill>
+                  <a:srgbClr val="080808"/>
+                </a:solidFill>
+                <a:effectLst/>
+                <a:latin typeface="Fira Code" pitchFamily="49" charset="0"/>
+                <a:ea typeface="Fira Code" pitchFamily="49" charset="0"/>
+                <a:cs typeface="Fira Code" pitchFamily="49" charset="0"/>
+              </a:rPr>
+              <a:t>());</a:t>
+            </a:r>
+            <a:br>
+              <a:rPr lang="en-US" sz="800" dirty="0">
+                <a:solidFill>
+                  <a:srgbClr val="080808"/>
+                </a:solidFill>
+                <a:effectLst/>
+                <a:latin typeface="Fira Code" pitchFamily="49" charset="0"/>
+                <a:ea typeface="Fira Code" pitchFamily="49" charset="0"/>
+                <a:cs typeface="Fira Code" pitchFamily="49" charset="0"/>
+              </a:rPr>
+            </a:br>
+            <a:r>
+              <a:rPr lang="en-US" sz="800" dirty="0">
+                <a:solidFill>
+                  <a:srgbClr val="080808"/>
+                </a:solidFill>
+                <a:effectLst/>
+                <a:latin typeface="Fira Code" pitchFamily="49" charset="0"/>
+                <a:ea typeface="Fira Code" pitchFamily="49" charset="0"/>
+                <a:cs typeface="Fira Code" pitchFamily="49" charset="0"/>
+              </a:rPr>
+              <a:t>}</a:t>
+            </a:r>
+          </a:p>
+          <a:p>
+            <a:pPr marL="0" indent="0">
+              <a:buNone/>
+            </a:pPr>
+            <a:endParaRPr lang="en-US" sz="800" dirty="0">
+              <a:latin typeface="Fira Code" pitchFamily="49" charset="0"/>
+              <a:ea typeface="Fira Code" pitchFamily="49" charset="0"/>
+              <a:cs typeface="Fira Code" pitchFamily="49" charset="0"/>
+            </a:endParaRPr>
+          </a:p>
+        </p:txBody>
+      </p:sp>
+    </p:spTree>
+    <p:extLst>
+      <p:ext uri="{BB962C8B-B14F-4D97-AF65-F5344CB8AC3E}">
+        <p14:creationId xmlns:p14="http://schemas.microsoft.com/office/powerpoint/2010/main" val="379213993"/>
+      </p:ext>
+    </p:extLst>
+  </p:cSld>
+  <p:clrMapOvr>
+    <a:masterClrMapping/>
+  </p:clrMapOvr>
+</p:sld>
+</file>
+
+<file path=ppt/slides/slide30.xml><?xml version="1.0" encoding="utf-8"?>
 <p:sld xmlns:a="http://schemas.openxmlformats.org/drawingml/2006/main" xmlns:r="http://schemas.openxmlformats.org/officeDocument/2006/relationships" xmlns:p="http://schemas.openxmlformats.org/presentationml/2006/main">
   <p:cSld>
     <p:spTree>
@@ -12988,1583 +15377,7 @@
 </p:sld>
 </file>
 
-<file path=ppt/slides/slide3.xml><?xml version="1.0" encoding="utf-8"?>
-<p:sld xmlns:a="http://schemas.openxmlformats.org/drawingml/2006/main" xmlns:r="http://schemas.openxmlformats.org/officeDocument/2006/relationships" xmlns:p="http://schemas.openxmlformats.org/presentationml/2006/main" show="0">
-  <p:cSld>
-    <p:spTree>
-      <p:nvGrpSpPr>
-        <p:cNvPr id="1" name=""/>
-        <p:cNvGrpSpPr/>
-        <p:nvPr/>
-      </p:nvGrpSpPr>
-      <p:grpSpPr>
-        <a:xfrm>
-          <a:off x="0" y="0"/>
-          <a:ext cx="0" cy="0"/>
-          <a:chOff x="0" y="0"/>
-          <a:chExt cx="0" cy="0"/>
-        </a:xfrm>
-      </p:grpSpPr>
-      <p:sp>
-        <p:nvSpPr>
-          <p:cNvPr id="2" name="Title 1">
-            <a:extLst>
-              <a:ext uri="{FF2B5EF4-FFF2-40B4-BE49-F238E27FC236}">
-                <a16:creationId xmlns:a16="http://schemas.microsoft.com/office/drawing/2014/main" id="{5FDF8E1D-0B99-4C64-504D-96FFBC67709F}"/>
-              </a:ext>
-            </a:extLst>
-          </p:cNvPr>
-          <p:cNvSpPr>
-            <a:spLocks noGrp="1"/>
-          </p:cNvSpPr>
-          <p:nvPr>
-            <p:ph type="title"/>
-          </p:nvPr>
-        </p:nvSpPr>
-        <p:spPr/>
-        <p:txBody>
-          <a:bodyPr/>
-          <a:lstStyle/>
-          <a:p>
-            <a:r>
-              <a:rPr lang="en-US" dirty="0"/>
-              <a:t>Original</a:t>
-            </a:r>
-          </a:p>
-        </p:txBody>
-      </p:sp>
-      <p:sp>
-        <p:nvSpPr>
-          <p:cNvPr id="3" name="Content Placeholder 2">
-            <a:extLst>
-              <a:ext uri="{FF2B5EF4-FFF2-40B4-BE49-F238E27FC236}">
-                <a16:creationId xmlns:a16="http://schemas.microsoft.com/office/drawing/2014/main" id="{3618D96A-1571-1C4D-9574-BEAFBAC5E719}"/>
-              </a:ext>
-            </a:extLst>
-          </p:cNvPr>
-          <p:cNvSpPr>
-            <a:spLocks noGrp="1"/>
-          </p:cNvSpPr>
-          <p:nvPr>
-            <p:ph idx="1"/>
-          </p:nvPr>
-        </p:nvSpPr>
-        <p:spPr>
-          <a:xfrm>
-            <a:off x="838200" y="1825625"/>
-            <a:ext cx="11049000" cy="4351338"/>
-          </a:xfrm>
-        </p:spPr>
-        <p:txBody>
-          <a:bodyPr>
-            <a:noAutofit/>
-          </a:bodyPr>
-          <a:lstStyle/>
-          <a:p>
-            <a:pPr marL="0" indent="0">
-              <a:buNone/>
-            </a:pPr>
-            <a:br>
-              <a:rPr lang="en-US" sz="800" dirty="0">
-                <a:solidFill>
-                  <a:srgbClr val="080808"/>
-                </a:solidFill>
-                <a:effectLst/>
-                <a:latin typeface="Fira Code" pitchFamily="49" charset="0"/>
-                <a:ea typeface="Fira Code" pitchFamily="49" charset="0"/>
-                <a:cs typeface="Fira Code" pitchFamily="49" charset="0"/>
-              </a:rPr>
-            </a:br>
-            <a:r>
-              <a:rPr lang="en-US" sz="800" dirty="0">
-                <a:solidFill>
-                  <a:srgbClr val="9E880D"/>
-                </a:solidFill>
-                <a:effectLst/>
-                <a:latin typeface="Fira Code" pitchFamily="49" charset="0"/>
-                <a:ea typeface="Fira Code" pitchFamily="49" charset="0"/>
-                <a:cs typeface="Fira Code" pitchFamily="49" charset="0"/>
-              </a:rPr>
-              <a:t>@Test</a:t>
-            </a:r>
-            <a:br>
-              <a:rPr lang="en-US" sz="800" dirty="0">
-                <a:solidFill>
-                  <a:srgbClr val="9E880D"/>
-                </a:solidFill>
-                <a:effectLst/>
-                <a:latin typeface="Fira Code" pitchFamily="49" charset="0"/>
-                <a:ea typeface="Fira Code" pitchFamily="49" charset="0"/>
-                <a:cs typeface="Fira Code" pitchFamily="49" charset="0"/>
-              </a:rPr>
-            </a:br>
-            <a:r>
-              <a:rPr lang="en-US" sz="800" dirty="0">
-                <a:solidFill>
-                  <a:srgbClr val="0033B3"/>
-                </a:solidFill>
-                <a:effectLst/>
-                <a:latin typeface="Fira Code" pitchFamily="49" charset="0"/>
-                <a:ea typeface="Fira Code" pitchFamily="49" charset="0"/>
-                <a:cs typeface="Fira Code" pitchFamily="49" charset="0"/>
-              </a:rPr>
-              <a:t>public void </a:t>
-            </a:r>
-            <a:r>
-              <a:rPr lang="en-US" sz="800" dirty="0" err="1">
-                <a:solidFill>
-                  <a:srgbClr val="00627A"/>
-                </a:solidFill>
-                <a:effectLst/>
-                <a:latin typeface="Fira Code" pitchFamily="49" charset="0"/>
-                <a:ea typeface="Fira Code" pitchFamily="49" charset="0"/>
-                <a:cs typeface="Fira Code" pitchFamily="49" charset="0"/>
-              </a:rPr>
-              <a:t>shouldGetCustomerFromService</a:t>
-            </a:r>
-            <a:r>
-              <a:rPr lang="en-US" sz="800" dirty="0">
-                <a:solidFill>
-                  <a:srgbClr val="080808"/>
-                </a:solidFill>
-                <a:effectLst/>
-                <a:latin typeface="Fira Code" pitchFamily="49" charset="0"/>
-                <a:ea typeface="Fira Code" pitchFamily="49" charset="0"/>
-                <a:cs typeface="Fira Code" pitchFamily="49" charset="0"/>
-              </a:rPr>
-              <a:t>() {</a:t>
-            </a:r>
-            <a:br>
-              <a:rPr lang="en-US" sz="800" dirty="0">
-                <a:solidFill>
-                  <a:srgbClr val="080808"/>
-                </a:solidFill>
-                <a:effectLst/>
-                <a:latin typeface="Fira Code" pitchFamily="49" charset="0"/>
-                <a:ea typeface="Fira Code" pitchFamily="49" charset="0"/>
-                <a:cs typeface="Fira Code" pitchFamily="49" charset="0"/>
-              </a:rPr>
-            </a:br>
-            <a:r>
-              <a:rPr lang="en-US" sz="800" dirty="0">
-                <a:solidFill>
-                  <a:srgbClr val="080808"/>
-                </a:solidFill>
-                <a:effectLst/>
-                <a:latin typeface="Fira Code" pitchFamily="49" charset="0"/>
-                <a:ea typeface="Fira Code" pitchFamily="49" charset="0"/>
-                <a:cs typeface="Fira Code" pitchFamily="49" charset="0"/>
-              </a:rPr>
-              <a:t>    </a:t>
-            </a:r>
-            <a:r>
-              <a:rPr lang="en-US" sz="800" i="1" dirty="0">
-                <a:solidFill>
-                  <a:srgbClr val="8C8C8C"/>
-                </a:solidFill>
-                <a:effectLst/>
-                <a:latin typeface="Fira Code" pitchFamily="49" charset="0"/>
-                <a:ea typeface="Fira Code" pitchFamily="49" charset="0"/>
-                <a:cs typeface="Fira Code" pitchFamily="49" charset="0"/>
-              </a:rPr>
-              <a:t>// given</a:t>
-            </a:r>
-            <a:br>
-              <a:rPr lang="en-US" sz="800" i="1" dirty="0">
-                <a:solidFill>
-                  <a:srgbClr val="8C8C8C"/>
-                </a:solidFill>
-                <a:effectLst/>
-                <a:latin typeface="Fira Code" pitchFamily="49" charset="0"/>
-                <a:ea typeface="Fira Code" pitchFamily="49" charset="0"/>
-                <a:cs typeface="Fira Code" pitchFamily="49" charset="0"/>
-              </a:rPr>
-            </a:br>
-            <a:r>
-              <a:rPr lang="en-US" sz="800" i="1" dirty="0">
-                <a:solidFill>
-                  <a:srgbClr val="8C8C8C"/>
-                </a:solidFill>
-                <a:effectLst/>
-                <a:latin typeface="Fira Code" pitchFamily="49" charset="0"/>
-                <a:ea typeface="Fira Code" pitchFamily="49" charset="0"/>
-                <a:cs typeface="Fira Code" pitchFamily="49" charset="0"/>
-              </a:rPr>
-              <a:t>    </a:t>
-            </a:r>
-            <a:r>
-              <a:rPr lang="en-US" sz="800" dirty="0" err="1">
-                <a:solidFill>
-                  <a:srgbClr val="871094"/>
-                </a:solidFill>
-                <a:effectLst/>
-                <a:latin typeface="Fira Code" pitchFamily="49" charset="0"/>
-                <a:ea typeface="Fira Code" pitchFamily="49" charset="0"/>
-                <a:cs typeface="Fira Code" pitchFamily="49" charset="0"/>
-              </a:rPr>
-              <a:t>accountType</a:t>
-            </a:r>
-            <a:r>
-              <a:rPr lang="en-US" sz="800" dirty="0">
-                <a:solidFill>
-                  <a:srgbClr val="871094"/>
-                </a:solidFill>
-                <a:effectLst/>
-                <a:latin typeface="Fira Code" pitchFamily="49" charset="0"/>
-                <a:ea typeface="Fira Code" pitchFamily="49" charset="0"/>
-                <a:cs typeface="Fira Code" pitchFamily="49" charset="0"/>
-              </a:rPr>
-              <a:t> </a:t>
-            </a:r>
-            <a:r>
-              <a:rPr lang="en-US" sz="800" dirty="0">
-                <a:solidFill>
-                  <a:srgbClr val="080808"/>
-                </a:solidFill>
-                <a:effectLst/>
-                <a:latin typeface="Fira Code" pitchFamily="49" charset="0"/>
-                <a:ea typeface="Fira Code" pitchFamily="49" charset="0"/>
-                <a:cs typeface="Fira Code" pitchFamily="49" charset="0"/>
-              </a:rPr>
-              <a:t>= </a:t>
-            </a:r>
-            <a:r>
-              <a:rPr lang="en-US" sz="800" dirty="0" err="1">
-                <a:solidFill>
-                  <a:srgbClr val="000000"/>
-                </a:solidFill>
-                <a:effectLst/>
-                <a:latin typeface="Fira Code" pitchFamily="49" charset="0"/>
-                <a:ea typeface="Fira Code" pitchFamily="49" charset="0"/>
-                <a:cs typeface="Fira Code" pitchFamily="49" charset="0"/>
-              </a:rPr>
-              <a:t>CustomerAccountTypeInfo</a:t>
-            </a:r>
-            <a:r>
-              <a:rPr lang="en-US" sz="800" dirty="0" err="1">
-                <a:solidFill>
-                  <a:srgbClr val="080808"/>
-                </a:solidFill>
-                <a:effectLst/>
-                <a:latin typeface="Fira Code" pitchFamily="49" charset="0"/>
-                <a:ea typeface="Fira Code" pitchFamily="49" charset="0"/>
-                <a:cs typeface="Fira Code" pitchFamily="49" charset="0"/>
-              </a:rPr>
-              <a:t>.</a:t>
-            </a:r>
-            <a:r>
-              <a:rPr lang="en-US" sz="800" i="1" dirty="0" err="1">
-                <a:solidFill>
-                  <a:srgbClr val="080808"/>
-                </a:solidFill>
-                <a:effectLst/>
-                <a:latin typeface="Fira Code" pitchFamily="49" charset="0"/>
-                <a:ea typeface="Fira Code" pitchFamily="49" charset="0"/>
-                <a:cs typeface="Fira Code" pitchFamily="49" charset="0"/>
-              </a:rPr>
-              <a:t>builder</a:t>
-            </a:r>
-            <a:r>
-              <a:rPr lang="en-US" sz="800" dirty="0">
-                <a:solidFill>
-                  <a:srgbClr val="080808"/>
-                </a:solidFill>
-                <a:effectLst/>
-                <a:latin typeface="Fira Code" pitchFamily="49" charset="0"/>
-                <a:ea typeface="Fira Code" pitchFamily="49" charset="0"/>
-                <a:cs typeface="Fira Code" pitchFamily="49" charset="0"/>
-              </a:rPr>
-              <a:t>().</a:t>
-            </a:r>
-            <a:r>
-              <a:rPr lang="en-US" sz="800" dirty="0" err="1">
-                <a:solidFill>
-                  <a:srgbClr val="080808"/>
-                </a:solidFill>
-                <a:effectLst/>
-                <a:latin typeface="Fira Code" pitchFamily="49" charset="0"/>
-                <a:ea typeface="Fira Code" pitchFamily="49" charset="0"/>
-                <a:cs typeface="Fira Code" pitchFamily="49" charset="0"/>
-              </a:rPr>
-              <a:t>account</a:t>
-            </a:r>
-            <a:r>
-              <a:rPr lang="en-US" sz="800" dirty="0">
-                <a:solidFill>
-                  <a:srgbClr val="080808"/>
-                </a:solidFill>
-                <a:effectLst/>
-                <a:latin typeface="Fira Code" pitchFamily="49" charset="0"/>
-                <a:ea typeface="Fira Code" pitchFamily="49" charset="0"/>
-                <a:cs typeface="Fira Code" pitchFamily="49" charset="0"/>
-              </a:rPr>
-              <a:t>(</a:t>
-            </a:r>
-            <a:r>
-              <a:rPr lang="en-US" sz="800" i="1" dirty="0">
-                <a:solidFill>
-                  <a:srgbClr val="871094"/>
-                </a:solidFill>
-                <a:effectLst/>
-                <a:latin typeface="Fira Code" pitchFamily="49" charset="0"/>
-                <a:ea typeface="Fira Code" pitchFamily="49" charset="0"/>
-                <a:cs typeface="Fira Code" pitchFamily="49" charset="0"/>
-              </a:rPr>
-              <a:t>ACCOUNT_ID)</a:t>
-            </a:r>
-            <a:r>
-              <a:rPr lang="en-US" sz="800" i="1" dirty="0">
-                <a:solidFill>
-                  <a:srgbClr val="080808"/>
-                </a:solidFill>
-                <a:latin typeface="Fira Code" pitchFamily="49" charset="0"/>
-                <a:ea typeface="Fira Code" pitchFamily="49" charset="0"/>
-                <a:cs typeface="Fira Code" pitchFamily="49" charset="0"/>
-              </a:rPr>
-              <a:t>.</a:t>
-            </a:r>
-            <a:r>
-              <a:rPr lang="en-US" sz="800" dirty="0" err="1">
-                <a:solidFill>
-                  <a:srgbClr val="080808"/>
-                </a:solidFill>
-                <a:effectLst/>
-                <a:latin typeface="Fira Code" pitchFamily="49" charset="0"/>
-                <a:ea typeface="Fira Code" pitchFamily="49" charset="0"/>
-                <a:cs typeface="Fira Code" pitchFamily="49" charset="0"/>
-              </a:rPr>
-              <a:t>accountType</a:t>
-            </a:r>
-            <a:r>
-              <a:rPr lang="en-US" sz="800" dirty="0">
-                <a:solidFill>
-                  <a:srgbClr val="080808"/>
-                </a:solidFill>
-                <a:effectLst/>
-                <a:latin typeface="Fira Code" pitchFamily="49" charset="0"/>
-                <a:ea typeface="Fira Code" pitchFamily="49" charset="0"/>
-                <a:cs typeface="Fira Code" pitchFamily="49" charset="0"/>
-              </a:rPr>
-              <a:t>(</a:t>
-            </a:r>
-            <a:r>
-              <a:rPr lang="en-US" sz="800" dirty="0">
-                <a:solidFill>
-                  <a:srgbClr val="067D17"/>
-                </a:solidFill>
-                <a:effectLst/>
-                <a:latin typeface="Fira Code" pitchFamily="49" charset="0"/>
-                <a:ea typeface="Fira Code" pitchFamily="49" charset="0"/>
-                <a:cs typeface="Fira Code" pitchFamily="49" charset="0"/>
-              </a:rPr>
-              <a:t>”PERSONAL"</a:t>
-            </a:r>
-            <a:r>
-              <a:rPr lang="en-US" sz="800" dirty="0">
-                <a:solidFill>
-                  <a:srgbClr val="080808"/>
-                </a:solidFill>
-                <a:effectLst/>
-                <a:latin typeface="Fira Code" pitchFamily="49" charset="0"/>
-                <a:ea typeface="Fira Code" pitchFamily="49" charset="0"/>
-                <a:cs typeface="Fira Code" pitchFamily="49" charset="0"/>
-              </a:rPr>
-              <a:t>).</a:t>
-            </a:r>
-            <a:r>
-              <a:rPr lang="en-US" sz="800" dirty="0" err="1">
-                <a:solidFill>
-                  <a:srgbClr val="080808"/>
-                </a:solidFill>
-                <a:effectLst/>
-                <a:latin typeface="Fira Code" pitchFamily="49" charset="0"/>
-                <a:ea typeface="Fira Code" pitchFamily="49" charset="0"/>
-                <a:cs typeface="Fira Code" pitchFamily="49" charset="0"/>
-              </a:rPr>
-              <a:t>subscription</a:t>
-            </a:r>
-            <a:r>
-              <a:rPr lang="en-US" sz="800" dirty="0">
-                <a:solidFill>
-                  <a:srgbClr val="080808"/>
-                </a:solidFill>
-                <a:effectLst/>
-                <a:latin typeface="Fira Code" pitchFamily="49" charset="0"/>
-                <a:ea typeface="Fira Code" pitchFamily="49" charset="0"/>
-                <a:cs typeface="Fira Code" pitchFamily="49" charset="0"/>
-              </a:rPr>
-              <a:t>(</a:t>
-            </a:r>
-            <a:r>
-              <a:rPr lang="en-US" sz="800" dirty="0">
-                <a:solidFill>
-                  <a:srgbClr val="067D17"/>
-                </a:solidFill>
-                <a:effectLst/>
-                <a:latin typeface="Fira Code" pitchFamily="49" charset="0"/>
-                <a:ea typeface="Fira Code" pitchFamily="49" charset="0"/>
-                <a:cs typeface="Fira Code" pitchFamily="49" charset="0"/>
-              </a:rPr>
-              <a:t>”MONTHLY"</a:t>
-            </a:r>
-            <a:r>
-              <a:rPr lang="en-US" sz="800" dirty="0">
-                <a:solidFill>
-                  <a:srgbClr val="080808"/>
-                </a:solidFill>
-                <a:effectLst/>
-                <a:latin typeface="Fira Code" pitchFamily="49" charset="0"/>
-                <a:ea typeface="Fira Code" pitchFamily="49" charset="0"/>
-                <a:cs typeface="Fira Code" pitchFamily="49" charset="0"/>
-              </a:rPr>
-              <a:t>).build();</a:t>
-            </a:r>
-            <a:br>
-              <a:rPr lang="en-US" sz="800" dirty="0">
-                <a:solidFill>
-                  <a:srgbClr val="080808"/>
-                </a:solidFill>
-                <a:effectLst/>
-                <a:latin typeface="Fira Code" pitchFamily="49" charset="0"/>
-                <a:ea typeface="Fira Code" pitchFamily="49" charset="0"/>
-                <a:cs typeface="Fira Code" pitchFamily="49" charset="0"/>
-              </a:rPr>
-            </a:br>
-            <a:r>
-              <a:rPr lang="en-US" sz="800" dirty="0">
-                <a:solidFill>
-                  <a:srgbClr val="080808"/>
-                </a:solidFill>
-                <a:effectLst/>
-                <a:latin typeface="Fira Code" pitchFamily="49" charset="0"/>
-                <a:ea typeface="Fira Code" pitchFamily="49" charset="0"/>
-                <a:cs typeface="Fira Code" pitchFamily="49" charset="0"/>
-              </a:rPr>
-              <a:t>    </a:t>
-            </a:r>
-            <a:r>
-              <a:rPr lang="en-US" sz="800" i="1" dirty="0">
-                <a:solidFill>
-                  <a:srgbClr val="080808"/>
-                </a:solidFill>
-                <a:effectLst/>
-                <a:latin typeface="Fira Code" pitchFamily="49" charset="0"/>
-                <a:ea typeface="Fira Code" pitchFamily="49" charset="0"/>
-                <a:cs typeface="Fira Code" pitchFamily="49" charset="0"/>
-              </a:rPr>
-              <a:t>when</a:t>
-            </a:r>
-            <a:r>
-              <a:rPr lang="en-US" sz="800" dirty="0">
-                <a:solidFill>
-                  <a:srgbClr val="080808"/>
-                </a:solidFill>
-                <a:effectLst/>
-                <a:latin typeface="Fira Code" pitchFamily="49" charset="0"/>
-                <a:ea typeface="Fira Code" pitchFamily="49" charset="0"/>
-                <a:cs typeface="Fira Code" pitchFamily="49" charset="0"/>
-              </a:rPr>
-              <a:t>(</a:t>
-            </a:r>
-            <a:r>
-              <a:rPr lang="en-US" sz="800" dirty="0" err="1">
-                <a:solidFill>
-                  <a:srgbClr val="871094"/>
-                </a:solidFill>
-                <a:effectLst/>
-                <a:latin typeface="Fira Code" pitchFamily="49" charset="0"/>
-                <a:ea typeface="Fira Code" pitchFamily="49" charset="0"/>
-                <a:cs typeface="Fira Code" pitchFamily="49" charset="0"/>
-              </a:rPr>
-              <a:t>responseEntity</a:t>
-            </a:r>
-            <a:r>
-              <a:rPr lang="en-US" sz="800" dirty="0" err="1">
-                <a:solidFill>
-                  <a:srgbClr val="080808"/>
-                </a:solidFill>
-                <a:effectLst/>
-                <a:latin typeface="Fira Code" pitchFamily="49" charset="0"/>
-                <a:ea typeface="Fira Code" pitchFamily="49" charset="0"/>
-                <a:cs typeface="Fira Code" pitchFamily="49" charset="0"/>
-              </a:rPr>
-              <a:t>.getBody</a:t>
-            </a:r>
-            <a:r>
-              <a:rPr lang="en-US" sz="800" dirty="0">
-                <a:solidFill>
-                  <a:srgbClr val="080808"/>
-                </a:solidFill>
-                <a:effectLst/>
-                <a:latin typeface="Fira Code" pitchFamily="49" charset="0"/>
-                <a:ea typeface="Fira Code" pitchFamily="49" charset="0"/>
-                <a:cs typeface="Fira Code" pitchFamily="49" charset="0"/>
-              </a:rPr>
-              <a:t>()).</a:t>
-            </a:r>
-            <a:r>
-              <a:rPr lang="en-US" sz="800" dirty="0" err="1">
-                <a:solidFill>
-                  <a:srgbClr val="080808"/>
-                </a:solidFill>
-                <a:effectLst/>
-                <a:latin typeface="Fira Code" pitchFamily="49" charset="0"/>
-                <a:ea typeface="Fira Code" pitchFamily="49" charset="0"/>
-                <a:cs typeface="Fira Code" pitchFamily="49" charset="0"/>
-              </a:rPr>
-              <a:t>thenReturn</a:t>
-            </a:r>
-            <a:r>
-              <a:rPr lang="en-US" sz="800" dirty="0">
-                <a:solidFill>
-                  <a:srgbClr val="080808"/>
-                </a:solidFill>
-                <a:effectLst/>
-                <a:latin typeface="Fira Code" pitchFamily="49" charset="0"/>
-                <a:ea typeface="Fira Code" pitchFamily="49" charset="0"/>
-                <a:cs typeface="Fira Code" pitchFamily="49" charset="0"/>
-              </a:rPr>
-              <a:t>(</a:t>
-            </a:r>
-            <a:r>
-              <a:rPr lang="en-US" sz="800" dirty="0" err="1">
-                <a:solidFill>
-                  <a:srgbClr val="871094"/>
-                </a:solidFill>
-                <a:effectLst/>
-                <a:latin typeface="Fira Code" pitchFamily="49" charset="0"/>
-                <a:ea typeface="Fira Code" pitchFamily="49" charset="0"/>
-                <a:cs typeface="Fira Code" pitchFamily="49" charset="0"/>
-              </a:rPr>
-              <a:t>accountType</a:t>
-            </a:r>
-            <a:r>
-              <a:rPr lang="en-US" sz="800" dirty="0">
-                <a:solidFill>
-                  <a:srgbClr val="080808"/>
-                </a:solidFill>
-                <a:effectLst/>
-                <a:latin typeface="Fira Code" pitchFamily="49" charset="0"/>
-                <a:ea typeface="Fira Code" pitchFamily="49" charset="0"/>
-                <a:cs typeface="Fira Code" pitchFamily="49" charset="0"/>
-              </a:rPr>
-              <a:t>);</a:t>
-            </a:r>
-            <a:br>
-              <a:rPr lang="en-US" sz="800" dirty="0">
-                <a:solidFill>
-                  <a:srgbClr val="080808"/>
-                </a:solidFill>
-                <a:effectLst/>
-                <a:latin typeface="Fira Code" pitchFamily="49" charset="0"/>
-                <a:ea typeface="Fira Code" pitchFamily="49" charset="0"/>
-                <a:cs typeface="Fira Code" pitchFamily="49" charset="0"/>
-              </a:rPr>
-            </a:br>
-            <a:r>
-              <a:rPr lang="en-US" sz="800" dirty="0">
-                <a:solidFill>
-                  <a:srgbClr val="080808"/>
-                </a:solidFill>
-                <a:effectLst/>
-                <a:latin typeface="Fira Code" pitchFamily="49" charset="0"/>
-                <a:ea typeface="Fira Code" pitchFamily="49" charset="0"/>
-                <a:cs typeface="Fira Code" pitchFamily="49" charset="0"/>
-              </a:rPr>
-              <a:t>    </a:t>
-            </a:r>
-            <a:r>
-              <a:rPr lang="en-US" sz="800" i="1" dirty="0">
-                <a:solidFill>
-                  <a:srgbClr val="8C8C8C"/>
-                </a:solidFill>
-                <a:effectLst/>
-                <a:latin typeface="Fira Code" pitchFamily="49" charset="0"/>
-                <a:ea typeface="Fira Code" pitchFamily="49" charset="0"/>
-                <a:cs typeface="Fira Code" pitchFamily="49" charset="0"/>
-              </a:rPr>
-              <a:t>// when</a:t>
-            </a:r>
-            <a:br>
-              <a:rPr lang="en-US" sz="800" i="1" dirty="0">
-                <a:solidFill>
-                  <a:srgbClr val="8C8C8C"/>
-                </a:solidFill>
-                <a:effectLst/>
-                <a:latin typeface="Fira Code" pitchFamily="49" charset="0"/>
-                <a:ea typeface="Fira Code" pitchFamily="49" charset="0"/>
-                <a:cs typeface="Fira Code" pitchFamily="49" charset="0"/>
-              </a:rPr>
-            </a:br>
-            <a:r>
-              <a:rPr lang="en-US" sz="800" i="1" dirty="0">
-                <a:solidFill>
-                  <a:srgbClr val="8C8C8C"/>
-                </a:solidFill>
-                <a:effectLst/>
-                <a:latin typeface="Fira Code" pitchFamily="49" charset="0"/>
-                <a:ea typeface="Fira Code" pitchFamily="49" charset="0"/>
-                <a:cs typeface="Fira Code" pitchFamily="49" charset="0"/>
-              </a:rPr>
-              <a:t>    </a:t>
-            </a:r>
-            <a:r>
-              <a:rPr lang="en-US" sz="800" dirty="0" err="1">
-                <a:solidFill>
-                  <a:srgbClr val="000000"/>
-                </a:solidFill>
-                <a:effectLst/>
-                <a:latin typeface="Fira Code" pitchFamily="49" charset="0"/>
-                <a:ea typeface="Fira Code" pitchFamily="49" charset="0"/>
-                <a:cs typeface="Fira Code" pitchFamily="49" charset="0"/>
-              </a:rPr>
-              <a:t>CustomerAccount</a:t>
-            </a:r>
-            <a:r>
-              <a:rPr lang="en-US" sz="800" dirty="0">
-                <a:solidFill>
-                  <a:srgbClr val="000000"/>
-                </a:solidFill>
-                <a:effectLst/>
-                <a:latin typeface="Fira Code" pitchFamily="49" charset="0"/>
-                <a:ea typeface="Fira Code" pitchFamily="49" charset="0"/>
-                <a:cs typeface="Fira Code" pitchFamily="49" charset="0"/>
-              </a:rPr>
-              <a:t> result </a:t>
-            </a:r>
-            <a:r>
-              <a:rPr lang="en-US" sz="800" dirty="0">
-                <a:solidFill>
-                  <a:srgbClr val="080808"/>
-                </a:solidFill>
-                <a:effectLst/>
-                <a:latin typeface="Fira Code" pitchFamily="49" charset="0"/>
-                <a:ea typeface="Fira Code" pitchFamily="49" charset="0"/>
-                <a:cs typeface="Fira Code" pitchFamily="49" charset="0"/>
-              </a:rPr>
-              <a:t>= </a:t>
-            </a:r>
-            <a:r>
-              <a:rPr lang="en-US" sz="800" dirty="0" err="1">
-                <a:solidFill>
-                  <a:srgbClr val="871094"/>
-                </a:solidFill>
-                <a:effectLst/>
-                <a:latin typeface="Fira Code" pitchFamily="49" charset="0"/>
-                <a:ea typeface="Fira Code" pitchFamily="49" charset="0"/>
-                <a:cs typeface="Fira Code" pitchFamily="49" charset="0"/>
-              </a:rPr>
-              <a:t>customerService</a:t>
-            </a:r>
-            <a:r>
-              <a:rPr lang="en-US" sz="800" dirty="0" err="1">
-                <a:solidFill>
-                  <a:srgbClr val="080808"/>
-                </a:solidFill>
-                <a:effectLst/>
-                <a:latin typeface="Fira Code" pitchFamily="49" charset="0"/>
-                <a:ea typeface="Fira Code" pitchFamily="49" charset="0"/>
-                <a:cs typeface="Fira Code" pitchFamily="49" charset="0"/>
-              </a:rPr>
-              <a:t>.retrieveAccount</a:t>
-            </a:r>
-            <a:r>
-              <a:rPr lang="en-US" sz="800" dirty="0">
-                <a:solidFill>
-                  <a:srgbClr val="080808"/>
-                </a:solidFill>
-                <a:effectLst/>
-                <a:latin typeface="Fira Code" pitchFamily="49" charset="0"/>
-                <a:ea typeface="Fira Code" pitchFamily="49" charset="0"/>
-                <a:cs typeface="Fira Code" pitchFamily="49" charset="0"/>
-              </a:rPr>
-              <a:t>(</a:t>
-            </a:r>
-            <a:r>
-              <a:rPr lang="en-US" sz="800" i="1" dirty="0">
-                <a:solidFill>
-                  <a:srgbClr val="871094"/>
-                </a:solidFill>
-                <a:effectLst/>
-                <a:latin typeface="Fira Code" pitchFamily="49" charset="0"/>
-                <a:ea typeface="Fira Code" pitchFamily="49" charset="0"/>
-                <a:cs typeface="Fira Code" pitchFamily="49" charset="0"/>
-              </a:rPr>
-              <a:t>ACCOUNT_ID</a:t>
-            </a:r>
-            <a:r>
-              <a:rPr lang="en-US" sz="800" dirty="0">
-                <a:solidFill>
-                  <a:srgbClr val="080808"/>
-                </a:solidFill>
-                <a:effectLst/>
-                <a:latin typeface="Fira Code" pitchFamily="49" charset="0"/>
-                <a:ea typeface="Fira Code" pitchFamily="49" charset="0"/>
-                <a:cs typeface="Fira Code" pitchFamily="49" charset="0"/>
-              </a:rPr>
-              <a:t>);</a:t>
-            </a:r>
-            <a:br>
-              <a:rPr lang="en-US" sz="800" dirty="0">
-                <a:solidFill>
-                  <a:srgbClr val="080808"/>
-                </a:solidFill>
-                <a:effectLst/>
-                <a:latin typeface="Fira Code" pitchFamily="49" charset="0"/>
-                <a:ea typeface="Fira Code" pitchFamily="49" charset="0"/>
-                <a:cs typeface="Fira Code" pitchFamily="49" charset="0"/>
-              </a:rPr>
-            </a:br>
-            <a:r>
-              <a:rPr lang="en-US" sz="800" dirty="0">
-                <a:solidFill>
-                  <a:srgbClr val="080808"/>
-                </a:solidFill>
-                <a:effectLst/>
-                <a:latin typeface="Fira Code" pitchFamily="49" charset="0"/>
-                <a:ea typeface="Fira Code" pitchFamily="49" charset="0"/>
-                <a:cs typeface="Fira Code" pitchFamily="49" charset="0"/>
-              </a:rPr>
-              <a:t>    </a:t>
-            </a:r>
-            <a:r>
-              <a:rPr lang="en-US" sz="800" i="1" dirty="0">
-                <a:solidFill>
-                  <a:srgbClr val="8C8C8C"/>
-                </a:solidFill>
-                <a:effectLst/>
-                <a:latin typeface="Fira Code" pitchFamily="49" charset="0"/>
-                <a:ea typeface="Fira Code" pitchFamily="49" charset="0"/>
-                <a:cs typeface="Fira Code" pitchFamily="49" charset="0"/>
-              </a:rPr>
-              <a:t>// then</a:t>
-            </a:r>
-            <a:br>
-              <a:rPr lang="en-US" sz="800" i="1" dirty="0">
-                <a:solidFill>
-                  <a:srgbClr val="8C8C8C"/>
-                </a:solidFill>
-                <a:effectLst/>
-                <a:latin typeface="Fira Code" pitchFamily="49" charset="0"/>
-                <a:ea typeface="Fira Code" pitchFamily="49" charset="0"/>
-                <a:cs typeface="Fira Code" pitchFamily="49" charset="0"/>
-              </a:rPr>
-            </a:br>
-            <a:r>
-              <a:rPr lang="en-US" sz="800" i="1" dirty="0">
-                <a:solidFill>
-                  <a:srgbClr val="8C8C8C"/>
-                </a:solidFill>
-                <a:effectLst/>
-                <a:latin typeface="Fira Code" pitchFamily="49" charset="0"/>
-                <a:ea typeface="Fira Code" pitchFamily="49" charset="0"/>
-                <a:cs typeface="Fira Code" pitchFamily="49" charset="0"/>
-              </a:rPr>
-              <a:t>    </a:t>
-            </a:r>
-            <a:r>
-              <a:rPr lang="en-US" sz="800" dirty="0" err="1">
-                <a:solidFill>
-                  <a:srgbClr val="000000"/>
-                </a:solidFill>
-                <a:effectLst/>
-                <a:latin typeface="Fira Code" pitchFamily="49" charset="0"/>
-                <a:ea typeface="Fira Code" pitchFamily="49" charset="0"/>
-                <a:cs typeface="Fira Code" pitchFamily="49" charset="0"/>
-              </a:rPr>
-              <a:t>CustomerAccount</a:t>
-            </a:r>
-            <a:r>
-              <a:rPr lang="en-US" sz="800" dirty="0">
-                <a:solidFill>
-                  <a:srgbClr val="000000"/>
-                </a:solidFill>
-                <a:effectLst/>
-                <a:latin typeface="Fira Code" pitchFamily="49" charset="0"/>
-                <a:ea typeface="Fira Code" pitchFamily="49" charset="0"/>
-                <a:cs typeface="Fira Code" pitchFamily="49" charset="0"/>
-              </a:rPr>
-              <a:t> </a:t>
-            </a:r>
-            <a:r>
-              <a:rPr lang="en-US" sz="800" dirty="0" err="1">
-                <a:solidFill>
-                  <a:srgbClr val="000000"/>
-                </a:solidFill>
-                <a:effectLst/>
-                <a:latin typeface="Fira Code" pitchFamily="49" charset="0"/>
-                <a:ea typeface="Fira Code" pitchFamily="49" charset="0"/>
-                <a:cs typeface="Fira Code" pitchFamily="49" charset="0"/>
-              </a:rPr>
-              <a:t>expectedCustomerAccount</a:t>
-            </a:r>
-            <a:r>
-              <a:rPr lang="en-US" sz="800" dirty="0">
-                <a:solidFill>
-                  <a:srgbClr val="000000"/>
-                </a:solidFill>
-                <a:effectLst/>
-                <a:latin typeface="Fira Code" pitchFamily="49" charset="0"/>
-                <a:ea typeface="Fira Code" pitchFamily="49" charset="0"/>
-                <a:cs typeface="Fira Code" pitchFamily="49" charset="0"/>
-              </a:rPr>
-              <a:t> </a:t>
-            </a:r>
-            <a:r>
-              <a:rPr lang="en-US" sz="800" dirty="0">
-                <a:solidFill>
-                  <a:srgbClr val="080808"/>
-                </a:solidFill>
-                <a:effectLst/>
-                <a:latin typeface="Fira Code" pitchFamily="49" charset="0"/>
-                <a:ea typeface="Fira Code" pitchFamily="49" charset="0"/>
-                <a:cs typeface="Fira Code" pitchFamily="49" charset="0"/>
-              </a:rPr>
-              <a:t>= </a:t>
-            </a:r>
-            <a:r>
-              <a:rPr lang="en-US" sz="800" dirty="0">
-                <a:solidFill>
-                  <a:srgbClr val="0033B3"/>
-                </a:solidFill>
-                <a:effectLst/>
-                <a:latin typeface="Fira Code" pitchFamily="49" charset="0"/>
-                <a:ea typeface="Fira Code" pitchFamily="49" charset="0"/>
-                <a:cs typeface="Fira Code" pitchFamily="49" charset="0"/>
-              </a:rPr>
-              <a:t>new </a:t>
-            </a:r>
-            <a:r>
-              <a:rPr lang="en-US" sz="800" dirty="0" err="1">
-                <a:solidFill>
-                  <a:srgbClr val="080808"/>
-                </a:solidFill>
-                <a:effectLst/>
-                <a:latin typeface="Fira Code" pitchFamily="49" charset="0"/>
-                <a:ea typeface="Fira Code" pitchFamily="49" charset="0"/>
-                <a:cs typeface="Fira Code" pitchFamily="49" charset="0"/>
-              </a:rPr>
-              <a:t>CustomerAccount</a:t>
-            </a:r>
-            <a:r>
-              <a:rPr lang="en-US" sz="800" dirty="0">
-                <a:solidFill>
-                  <a:srgbClr val="080808"/>
-                </a:solidFill>
-                <a:effectLst/>
-                <a:latin typeface="Fira Code" pitchFamily="49" charset="0"/>
-                <a:ea typeface="Fira Code" pitchFamily="49" charset="0"/>
-                <a:cs typeface="Fira Code" pitchFamily="49" charset="0"/>
-              </a:rPr>
-              <a:t>(</a:t>
-            </a:r>
-            <a:r>
-              <a:rPr lang="en-US" sz="800" i="1" dirty="0">
-                <a:solidFill>
-                  <a:srgbClr val="871094"/>
-                </a:solidFill>
-                <a:effectLst/>
-                <a:latin typeface="Fira Code" pitchFamily="49" charset="0"/>
-                <a:ea typeface="Fira Code" pitchFamily="49" charset="0"/>
-                <a:cs typeface="Fira Code" pitchFamily="49" charset="0"/>
-              </a:rPr>
-              <a:t>ACCOUNT_ID</a:t>
-            </a:r>
-            <a:r>
-              <a:rPr lang="en-US" sz="800" dirty="0">
-                <a:solidFill>
-                  <a:srgbClr val="080808"/>
-                </a:solidFill>
-                <a:effectLst/>
-                <a:latin typeface="Fira Code" pitchFamily="49" charset="0"/>
-                <a:ea typeface="Fira Code" pitchFamily="49" charset="0"/>
-                <a:cs typeface="Fira Code" pitchFamily="49" charset="0"/>
-              </a:rPr>
-              <a:t>, </a:t>
-            </a:r>
-            <a:r>
-              <a:rPr lang="en-US" sz="800" dirty="0" err="1">
-                <a:solidFill>
-                  <a:srgbClr val="000000"/>
-                </a:solidFill>
-                <a:effectLst/>
-                <a:latin typeface="Fira Code" pitchFamily="49" charset="0"/>
-                <a:ea typeface="Fira Code" pitchFamily="49" charset="0"/>
-                <a:cs typeface="Fira Code" pitchFamily="49" charset="0"/>
-              </a:rPr>
-              <a:t>CustomerPaymentType</a:t>
-            </a:r>
-            <a:r>
-              <a:rPr lang="en-US" sz="800" dirty="0" err="1">
-                <a:solidFill>
-                  <a:srgbClr val="080808"/>
-                </a:solidFill>
-                <a:effectLst/>
-                <a:latin typeface="Fira Code" pitchFamily="49" charset="0"/>
-                <a:ea typeface="Fira Code" pitchFamily="49" charset="0"/>
-                <a:cs typeface="Fira Code" pitchFamily="49" charset="0"/>
-              </a:rPr>
-              <a:t>.</a:t>
-            </a:r>
-            <a:r>
-              <a:rPr lang="en-US" sz="800" i="1" dirty="0" err="1">
-                <a:solidFill>
-                  <a:srgbClr val="871094"/>
-                </a:solidFill>
-                <a:effectLst/>
-                <a:latin typeface="Fira Code" pitchFamily="49" charset="0"/>
-                <a:ea typeface="Fira Code" pitchFamily="49" charset="0"/>
-                <a:cs typeface="Fira Code" pitchFamily="49" charset="0"/>
-              </a:rPr>
-              <a:t>MONTHLY</a:t>
-            </a:r>
-            <a:r>
-              <a:rPr lang="en-US" sz="800" dirty="0">
-                <a:solidFill>
-                  <a:srgbClr val="080808"/>
-                </a:solidFill>
-                <a:effectLst/>
-                <a:latin typeface="Fira Code" pitchFamily="49" charset="0"/>
-                <a:ea typeface="Fira Code" pitchFamily="49" charset="0"/>
-                <a:cs typeface="Fira Code" pitchFamily="49" charset="0"/>
-              </a:rPr>
-              <a:t>, </a:t>
-            </a:r>
-            <a:r>
-              <a:rPr lang="en-US" sz="800" dirty="0">
-                <a:solidFill>
-                  <a:srgbClr val="067D17"/>
-                </a:solidFill>
-                <a:effectLst/>
-                <a:latin typeface="Fira Code" pitchFamily="49" charset="0"/>
-                <a:ea typeface="Fira Code" pitchFamily="49" charset="0"/>
-                <a:cs typeface="Fira Code" pitchFamily="49" charset="0"/>
-              </a:rPr>
-              <a:t>"PERSONAL"</a:t>
-            </a:r>
-            <a:r>
-              <a:rPr lang="en-US" sz="800" dirty="0">
-                <a:solidFill>
-                  <a:srgbClr val="080808"/>
-                </a:solidFill>
-                <a:effectLst/>
-                <a:latin typeface="Fira Code" pitchFamily="49" charset="0"/>
-                <a:ea typeface="Fira Code" pitchFamily="49" charset="0"/>
-                <a:cs typeface="Fira Code" pitchFamily="49" charset="0"/>
-              </a:rPr>
-              <a:t>);</a:t>
-            </a:r>
-            <a:br>
-              <a:rPr lang="en-US" sz="800" dirty="0">
-                <a:solidFill>
-                  <a:srgbClr val="080808"/>
-                </a:solidFill>
-                <a:effectLst/>
-                <a:latin typeface="Fira Code" pitchFamily="49" charset="0"/>
-                <a:ea typeface="Fira Code" pitchFamily="49" charset="0"/>
-                <a:cs typeface="Fira Code" pitchFamily="49" charset="0"/>
-              </a:rPr>
-            </a:br>
-            <a:r>
-              <a:rPr lang="en-US" sz="800" dirty="0">
-                <a:solidFill>
-                  <a:srgbClr val="080808"/>
-                </a:solidFill>
-                <a:effectLst/>
-                <a:latin typeface="Fira Code" pitchFamily="49" charset="0"/>
-                <a:ea typeface="Fira Code" pitchFamily="49" charset="0"/>
-                <a:cs typeface="Fira Code" pitchFamily="49" charset="0"/>
-              </a:rPr>
-              <a:t>    </a:t>
-            </a:r>
-            <a:r>
-              <a:rPr lang="en-US" sz="800" i="1" dirty="0" err="1">
-                <a:solidFill>
-                  <a:srgbClr val="080808"/>
-                </a:solidFill>
-                <a:effectLst/>
-                <a:latin typeface="Fira Code" pitchFamily="49" charset="0"/>
-                <a:ea typeface="Fira Code" pitchFamily="49" charset="0"/>
-                <a:cs typeface="Fira Code" pitchFamily="49" charset="0"/>
-              </a:rPr>
-              <a:t>assertThat</a:t>
-            </a:r>
-            <a:r>
-              <a:rPr lang="en-US" sz="800" dirty="0">
-                <a:solidFill>
-                  <a:srgbClr val="080808"/>
-                </a:solidFill>
-                <a:effectLst/>
-                <a:latin typeface="Fira Code" pitchFamily="49" charset="0"/>
-                <a:ea typeface="Fira Code" pitchFamily="49" charset="0"/>
-                <a:cs typeface="Fira Code" pitchFamily="49" charset="0"/>
-              </a:rPr>
-              <a:t>(</a:t>
-            </a:r>
-            <a:r>
-              <a:rPr lang="en-US" sz="800" dirty="0">
-                <a:solidFill>
-                  <a:srgbClr val="000000"/>
-                </a:solidFill>
-                <a:effectLst/>
-                <a:latin typeface="Fira Code" pitchFamily="49" charset="0"/>
-                <a:ea typeface="Fira Code" pitchFamily="49" charset="0"/>
-                <a:cs typeface="Fira Code" pitchFamily="49" charset="0"/>
-              </a:rPr>
-              <a:t>result</a:t>
-            </a:r>
-            <a:r>
-              <a:rPr lang="en-US" sz="800" dirty="0">
-                <a:solidFill>
-                  <a:srgbClr val="080808"/>
-                </a:solidFill>
-                <a:effectLst/>
-                <a:latin typeface="Fira Code" pitchFamily="49" charset="0"/>
-                <a:ea typeface="Fira Code" pitchFamily="49" charset="0"/>
-                <a:cs typeface="Fira Code" pitchFamily="49" charset="0"/>
-              </a:rPr>
-              <a:t>, </a:t>
-            </a:r>
-            <a:r>
-              <a:rPr lang="en-US" sz="800" i="1" dirty="0">
-                <a:solidFill>
-                  <a:srgbClr val="080808"/>
-                </a:solidFill>
-                <a:effectLst/>
-                <a:latin typeface="Fira Code" pitchFamily="49" charset="0"/>
-                <a:ea typeface="Fira Code" pitchFamily="49" charset="0"/>
-                <a:cs typeface="Fira Code" pitchFamily="49" charset="0"/>
-              </a:rPr>
-              <a:t>is</a:t>
-            </a:r>
-            <a:r>
-              <a:rPr lang="en-US" sz="800" dirty="0">
-                <a:solidFill>
-                  <a:srgbClr val="080808"/>
-                </a:solidFill>
-                <a:effectLst/>
-                <a:latin typeface="Fira Code" pitchFamily="49" charset="0"/>
-                <a:ea typeface="Fira Code" pitchFamily="49" charset="0"/>
-                <a:cs typeface="Fira Code" pitchFamily="49" charset="0"/>
-              </a:rPr>
-              <a:t>(</a:t>
-            </a:r>
-            <a:r>
-              <a:rPr lang="en-US" sz="800" dirty="0" err="1">
-                <a:solidFill>
-                  <a:srgbClr val="000000"/>
-                </a:solidFill>
-                <a:effectLst/>
-                <a:latin typeface="Fira Code" pitchFamily="49" charset="0"/>
-                <a:ea typeface="Fira Code" pitchFamily="49" charset="0"/>
-                <a:cs typeface="Fira Code" pitchFamily="49" charset="0"/>
-              </a:rPr>
-              <a:t>expectedCustomerAccount</a:t>
-            </a:r>
-            <a:r>
-              <a:rPr lang="en-US" sz="800" dirty="0">
-                <a:solidFill>
-                  <a:srgbClr val="080808"/>
-                </a:solidFill>
-                <a:effectLst/>
-                <a:latin typeface="Fira Code" pitchFamily="49" charset="0"/>
-                <a:ea typeface="Fira Code" pitchFamily="49" charset="0"/>
-                <a:cs typeface="Fira Code" pitchFamily="49" charset="0"/>
-              </a:rPr>
-              <a:t>));</a:t>
-            </a:r>
-            <a:br>
-              <a:rPr lang="en-US" sz="800" dirty="0">
-                <a:solidFill>
-                  <a:srgbClr val="080808"/>
-                </a:solidFill>
-                <a:effectLst/>
-                <a:latin typeface="Fira Code" pitchFamily="49" charset="0"/>
-                <a:ea typeface="Fira Code" pitchFamily="49" charset="0"/>
-                <a:cs typeface="Fira Code" pitchFamily="49" charset="0"/>
-              </a:rPr>
-            </a:br>
-            <a:r>
-              <a:rPr lang="en-US" sz="800" dirty="0">
-                <a:solidFill>
-                  <a:srgbClr val="080808"/>
-                </a:solidFill>
-                <a:effectLst/>
-                <a:latin typeface="Fira Code" pitchFamily="49" charset="0"/>
-                <a:ea typeface="Fira Code" pitchFamily="49" charset="0"/>
-                <a:cs typeface="Fira Code" pitchFamily="49" charset="0"/>
-              </a:rPr>
-              <a:t>    </a:t>
-            </a:r>
-            <a:r>
-              <a:rPr lang="en-US" sz="800" i="1" dirty="0">
-                <a:solidFill>
-                  <a:srgbClr val="080808"/>
-                </a:solidFill>
-                <a:effectLst/>
-                <a:latin typeface="Fira Code" pitchFamily="49" charset="0"/>
-                <a:ea typeface="Fira Code" pitchFamily="49" charset="0"/>
-                <a:cs typeface="Fira Code" pitchFamily="49" charset="0"/>
-              </a:rPr>
-              <a:t>verify</a:t>
-            </a:r>
-            <a:r>
-              <a:rPr lang="en-US" sz="800" dirty="0">
-                <a:solidFill>
-                  <a:srgbClr val="080808"/>
-                </a:solidFill>
-                <a:effectLst/>
-                <a:latin typeface="Fira Code" pitchFamily="49" charset="0"/>
-                <a:ea typeface="Fira Code" pitchFamily="49" charset="0"/>
-                <a:cs typeface="Fira Code" pitchFamily="49" charset="0"/>
-              </a:rPr>
-              <a:t>(</a:t>
-            </a:r>
-            <a:r>
-              <a:rPr lang="en-US" sz="800" dirty="0" err="1">
-                <a:solidFill>
-                  <a:srgbClr val="871094"/>
-                </a:solidFill>
-                <a:effectLst/>
-                <a:latin typeface="Fira Code" pitchFamily="49" charset="0"/>
-                <a:ea typeface="Fira Code" pitchFamily="49" charset="0"/>
-                <a:cs typeface="Fira Code" pitchFamily="49" charset="0"/>
-              </a:rPr>
-              <a:t>restTemplate</a:t>
-            </a:r>
-            <a:r>
-              <a:rPr lang="en-US" sz="800" dirty="0">
-                <a:solidFill>
-                  <a:srgbClr val="080808"/>
-                </a:solidFill>
-                <a:effectLst/>
-                <a:latin typeface="Fira Code" pitchFamily="49" charset="0"/>
-                <a:ea typeface="Fira Code" pitchFamily="49" charset="0"/>
-                <a:cs typeface="Fira Code" pitchFamily="49" charset="0"/>
-              </a:rPr>
-              <a:t>, </a:t>
-            </a:r>
-            <a:r>
-              <a:rPr lang="en-US" sz="800" i="1" dirty="0">
-                <a:solidFill>
-                  <a:srgbClr val="080808"/>
-                </a:solidFill>
-                <a:effectLst/>
-                <a:latin typeface="Fira Code" pitchFamily="49" charset="0"/>
-                <a:ea typeface="Fira Code" pitchFamily="49" charset="0"/>
-                <a:cs typeface="Fira Code" pitchFamily="49" charset="0"/>
-              </a:rPr>
-              <a:t>times</a:t>
-            </a:r>
-            <a:r>
-              <a:rPr lang="en-US" sz="800" dirty="0">
-                <a:solidFill>
-                  <a:srgbClr val="080808"/>
-                </a:solidFill>
-                <a:effectLst/>
-                <a:latin typeface="Fira Code" pitchFamily="49" charset="0"/>
-                <a:ea typeface="Fira Code" pitchFamily="49" charset="0"/>
-                <a:cs typeface="Fira Code" pitchFamily="49" charset="0"/>
-              </a:rPr>
-              <a:t>(</a:t>
-            </a:r>
-            <a:r>
-              <a:rPr lang="en-US" sz="800" dirty="0">
-                <a:solidFill>
-                  <a:srgbClr val="1750EB"/>
-                </a:solidFill>
-                <a:effectLst/>
-                <a:latin typeface="Fira Code" pitchFamily="49" charset="0"/>
-                <a:ea typeface="Fira Code" pitchFamily="49" charset="0"/>
-                <a:cs typeface="Fira Code" pitchFamily="49" charset="0"/>
-              </a:rPr>
-              <a:t>1</a:t>
-            </a:r>
-            <a:r>
-              <a:rPr lang="en-US" sz="800" dirty="0">
-                <a:solidFill>
-                  <a:srgbClr val="080808"/>
-                </a:solidFill>
-                <a:effectLst/>
-                <a:latin typeface="Fira Code" pitchFamily="49" charset="0"/>
-                <a:ea typeface="Fira Code" pitchFamily="49" charset="0"/>
-                <a:cs typeface="Fira Code" pitchFamily="49" charset="0"/>
-              </a:rPr>
-              <a:t>)).exchange(</a:t>
-            </a:r>
-            <a:r>
-              <a:rPr lang="en-US" sz="800" dirty="0" err="1">
-                <a:solidFill>
-                  <a:srgbClr val="871094"/>
-                </a:solidFill>
-                <a:effectLst/>
-                <a:latin typeface="Fira Code" pitchFamily="49" charset="0"/>
-                <a:ea typeface="Fira Code" pitchFamily="49" charset="0"/>
-                <a:cs typeface="Fira Code" pitchFamily="49" charset="0"/>
-              </a:rPr>
-              <a:t>calledUrlCaptor</a:t>
-            </a:r>
-            <a:r>
-              <a:rPr lang="en-US" sz="800" dirty="0" err="1">
-                <a:solidFill>
-                  <a:srgbClr val="080808"/>
-                </a:solidFill>
-                <a:effectLst/>
-                <a:latin typeface="Fira Code" pitchFamily="49" charset="0"/>
-                <a:ea typeface="Fira Code" pitchFamily="49" charset="0"/>
-                <a:cs typeface="Fira Code" pitchFamily="49" charset="0"/>
-              </a:rPr>
-              <a:t>.capture</a:t>
-            </a:r>
-            <a:r>
-              <a:rPr lang="en-US" sz="800" dirty="0">
-                <a:solidFill>
-                  <a:srgbClr val="080808"/>
-                </a:solidFill>
-                <a:effectLst/>
-                <a:latin typeface="Fira Code" pitchFamily="49" charset="0"/>
-                <a:ea typeface="Fira Code" pitchFamily="49" charset="0"/>
-                <a:cs typeface="Fira Code" pitchFamily="49" charset="0"/>
-              </a:rPr>
-              <a:t>(), </a:t>
-            </a:r>
-            <a:r>
-              <a:rPr lang="en-US" sz="800" i="1" dirty="0">
-                <a:solidFill>
-                  <a:srgbClr val="080808"/>
-                </a:solidFill>
-                <a:effectLst/>
-                <a:latin typeface="Fira Code" pitchFamily="49" charset="0"/>
-                <a:ea typeface="Fira Code" pitchFamily="49" charset="0"/>
-                <a:cs typeface="Fira Code" pitchFamily="49" charset="0"/>
-              </a:rPr>
-              <a:t>eq</a:t>
-            </a:r>
-            <a:r>
-              <a:rPr lang="en-US" sz="800" dirty="0">
-                <a:solidFill>
-                  <a:srgbClr val="080808"/>
-                </a:solidFill>
-                <a:effectLst/>
-                <a:latin typeface="Fira Code" pitchFamily="49" charset="0"/>
-                <a:ea typeface="Fira Code" pitchFamily="49" charset="0"/>
-                <a:cs typeface="Fira Code" pitchFamily="49" charset="0"/>
-              </a:rPr>
-              <a:t>(</a:t>
-            </a:r>
-            <a:r>
-              <a:rPr lang="en-US" sz="800" dirty="0" err="1">
-                <a:solidFill>
-                  <a:srgbClr val="000000"/>
-                </a:solidFill>
-                <a:effectLst/>
-                <a:latin typeface="Fira Code" pitchFamily="49" charset="0"/>
-                <a:ea typeface="Fira Code" pitchFamily="49" charset="0"/>
-                <a:cs typeface="Fira Code" pitchFamily="49" charset="0"/>
-              </a:rPr>
-              <a:t>HttpMethod</a:t>
-            </a:r>
-            <a:r>
-              <a:rPr lang="en-US" sz="800" dirty="0" err="1">
-                <a:solidFill>
-                  <a:srgbClr val="080808"/>
-                </a:solidFill>
-                <a:effectLst/>
-                <a:latin typeface="Fira Code" pitchFamily="49" charset="0"/>
-                <a:ea typeface="Fira Code" pitchFamily="49" charset="0"/>
-                <a:cs typeface="Fira Code" pitchFamily="49" charset="0"/>
-              </a:rPr>
-              <a:t>.</a:t>
-            </a:r>
-            <a:r>
-              <a:rPr lang="en-US" sz="800" i="1" dirty="0" err="1">
-                <a:solidFill>
-                  <a:srgbClr val="871094"/>
-                </a:solidFill>
-                <a:effectLst/>
-                <a:latin typeface="Fira Code" pitchFamily="49" charset="0"/>
-                <a:ea typeface="Fira Code" pitchFamily="49" charset="0"/>
-                <a:cs typeface="Fira Code" pitchFamily="49" charset="0"/>
-              </a:rPr>
-              <a:t>GET</a:t>
-            </a:r>
-            <a:r>
-              <a:rPr lang="en-US" sz="800" dirty="0">
-                <a:solidFill>
-                  <a:srgbClr val="080808"/>
-                </a:solidFill>
-                <a:effectLst/>
-                <a:latin typeface="Fira Code" pitchFamily="49" charset="0"/>
-                <a:ea typeface="Fira Code" pitchFamily="49" charset="0"/>
-                <a:cs typeface="Fira Code" pitchFamily="49" charset="0"/>
-              </a:rPr>
-              <a:t>), </a:t>
-            </a:r>
-            <a:r>
-              <a:rPr lang="en-US" sz="800" dirty="0" err="1">
-                <a:solidFill>
-                  <a:srgbClr val="871094"/>
-                </a:solidFill>
-                <a:effectLst/>
-                <a:latin typeface="Fira Code" pitchFamily="49" charset="0"/>
-                <a:ea typeface="Fira Code" pitchFamily="49" charset="0"/>
-                <a:cs typeface="Fira Code" pitchFamily="49" charset="0"/>
-              </a:rPr>
-              <a:t>sentHttpEntityCaptor</a:t>
-            </a:r>
-            <a:r>
-              <a:rPr lang="en-US" sz="800" dirty="0" err="1">
-                <a:solidFill>
-                  <a:srgbClr val="080808"/>
-                </a:solidFill>
-                <a:effectLst/>
-                <a:latin typeface="Fira Code" pitchFamily="49" charset="0"/>
-                <a:ea typeface="Fira Code" pitchFamily="49" charset="0"/>
-                <a:cs typeface="Fira Code" pitchFamily="49" charset="0"/>
-              </a:rPr>
-              <a:t>.capture</a:t>
-            </a:r>
-            <a:r>
-              <a:rPr lang="en-US" sz="800" dirty="0">
-                <a:solidFill>
-                  <a:srgbClr val="080808"/>
-                </a:solidFill>
-                <a:effectLst/>
-                <a:latin typeface="Fira Code" pitchFamily="49" charset="0"/>
-                <a:ea typeface="Fira Code" pitchFamily="49" charset="0"/>
-                <a:cs typeface="Fira Code" pitchFamily="49" charset="0"/>
-              </a:rPr>
-              <a:t>(), </a:t>
-            </a:r>
-            <a:r>
-              <a:rPr lang="en-US" sz="800" i="1" dirty="0">
-                <a:solidFill>
-                  <a:srgbClr val="080808"/>
-                </a:solidFill>
-                <a:effectLst/>
-                <a:latin typeface="Fira Code" pitchFamily="49" charset="0"/>
-                <a:ea typeface="Fira Code" pitchFamily="49" charset="0"/>
-                <a:cs typeface="Fira Code" pitchFamily="49" charset="0"/>
-              </a:rPr>
-              <a:t>any</a:t>
-            </a:r>
-            <a:r>
-              <a:rPr lang="en-US" sz="800" dirty="0">
-                <a:solidFill>
-                  <a:srgbClr val="080808"/>
-                </a:solidFill>
-                <a:effectLst/>
-                <a:latin typeface="Fira Code" pitchFamily="49" charset="0"/>
-                <a:ea typeface="Fira Code" pitchFamily="49" charset="0"/>
-                <a:cs typeface="Fira Code" pitchFamily="49" charset="0"/>
-              </a:rPr>
-              <a:t>(</a:t>
-            </a:r>
-            <a:r>
-              <a:rPr lang="en-US" sz="800" dirty="0" err="1">
-                <a:solidFill>
-                  <a:srgbClr val="000000"/>
-                </a:solidFill>
-                <a:effectLst/>
-                <a:latin typeface="Fira Code" pitchFamily="49" charset="0"/>
-                <a:ea typeface="Fira Code" pitchFamily="49" charset="0"/>
-                <a:cs typeface="Fira Code" pitchFamily="49" charset="0"/>
-              </a:rPr>
-              <a:t>Class</a:t>
-            </a:r>
-            <a:r>
-              <a:rPr lang="en-US" sz="800" dirty="0" err="1">
-                <a:solidFill>
-                  <a:srgbClr val="080808"/>
-                </a:solidFill>
-                <a:effectLst/>
-                <a:latin typeface="Fira Code" pitchFamily="49" charset="0"/>
-                <a:ea typeface="Fira Code" pitchFamily="49" charset="0"/>
-                <a:cs typeface="Fira Code" pitchFamily="49" charset="0"/>
-              </a:rPr>
-              <a:t>.</a:t>
-            </a:r>
-            <a:r>
-              <a:rPr lang="en-US" sz="800" dirty="0" err="1">
-                <a:solidFill>
-                  <a:srgbClr val="0033B3"/>
-                </a:solidFill>
-                <a:effectLst/>
-                <a:latin typeface="Fira Code" pitchFamily="49" charset="0"/>
-                <a:ea typeface="Fira Code" pitchFamily="49" charset="0"/>
-                <a:cs typeface="Fira Code" pitchFamily="49" charset="0"/>
-              </a:rPr>
-              <a:t>class</a:t>
-            </a:r>
-            <a:r>
-              <a:rPr lang="en-US" sz="800" dirty="0">
-                <a:solidFill>
-                  <a:srgbClr val="080808"/>
-                </a:solidFill>
-                <a:effectLst/>
-                <a:latin typeface="Fira Code" pitchFamily="49" charset="0"/>
-                <a:ea typeface="Fira Code" pitchFamily="49" charset="0"/>
-                <a:cs typeface="Fira Code" pitchFamily="49" charset="0"/>
-              </a:rPr>
-              <a:t>));</a:t>
-            </a:r>
-            <a:br>
-              <a:rPr lang="en-US" sz="800" dirty="0">
-                <a:solidFill>
-                  <a:srgbClr val="080808"/>
-                </a:solidFill>
-                <a:effectLst/>
-                <a:latin typeface="Fira Code" pitchFamily="49" charset="0"/>
-                <a:ea typeface="Fira Code" pitchFamily="49" charset="0"/>
-                <a:cs typeface="Fira Code" pitchFamily="49" charset="0"/>
-              </a:rPr>
-            </a:br>
-            <a:r>
-              <a:rPr lang="en-US" sz="800" dirty="0">
-                <a:solidFill>
-                  <a:srgbClr val="080808"/>
-                </a:solidFill>
-                <a:effectLst/>
-                <a:latin typeface="Fira Code" pitchFamily="49" charset="0"/>
-                <a:ea typeface="Fira Code" pitchFamily="49" charset="0"/>
-                <a:cs typeface="Fira Code" pitchFamily="49" charset="0"/>
-              </a:rPr>
-              <a:t>    </a:t>
-            </a:r>
-            <a:r>
-              <a:rPr lang="en-US" sz="800" dirty="0" err="1">
-                <a:solidFill>
-                  <a:srgbClr val="080808"/>
-                </a:solidFill>
-                <a:effectLst/>
-                <a:latin typeface="Fira Code" pitchFamily="49" charset="0"/>
-                <a:ea typeface="Fira Code" pitchFamily="49" charset="0"/>
-                <a:cs typeface="Fira Code" pitchFamily="49" charset="0"/>
-              </a:rPr>
-              <a:t>verifyHeadersAreValid</a:t>
-            </a:r>
-            <a:r>
-              <a:rPr lang="en-US" sz="800" dirty="0">
-                <a:solidFill>
-                  <a:srgbClr val="080808"/>
-                </a:solidFill>
-                <a:effectLst/>
-                <a:latin typeface="Fira Code" pitchFamily="49" charset="0"/>
-                <a:ea typeface="Fira Code" pitchFamily="49" charset="0"/>
-                <a:cs typeface="Fira Code" pitchFamily="49" charset="0"/>
-              </a:rPr>
-              <a:t>(</a:t>
-            </a:r>
-            <a:r>
-              <a:rPr lang="en-US" sz="800" dirty="0" err="1">
-                <a:solidFill>
-                  <a:srgbClr val="871094"/>
-                </a:solidFill>
-                <a:effectLst/>
-                <a:latin typeface="Fira Code" pitchFamily="49" charset="0"/>
-                <a:ea typeface="Fira Code" pitchFamily="49" charset="0"/>
-                <a:cs typeface="Fira Code" pitchFamily="49" charset="0"/>
-              </a:rPr>
-              <a:t>sentHttpEntityCaptor</a:t>
-            </a:r>
-            <a:r>
-              <a:rPr lang="en-US" sz="800" dirty="0" err="1">
-                <a:solidFill>
-                  <a:srgbClr val="080808"/>
-                </a:solidFill>
-                <a:effectLst/>
-                <a:latin typeface="Fira Code" pitchFamily="49" charset="0"/>
-                <a:ea typeface="Fira Code" pitchFamily="49" charset="0"/>
-                <a:cs typeface="Fira Code" pitchFamily="49" charset="0"/>
-              </a:rPr>
-              <a:t>.getValue</a:t>
-            </a:r>
-            <a:r>
-              <a:rPr lang="en-US" sz="800" dirty="0">
-                <a:solidFill>
-                  <a:srgbClr val="080808"/>
-                </a:solidFill>
-                <a:effectLst/>
-                <a:latin typeface="Fira Code" pitchFamily="49" charset="0"/>
-                <a:ea typeface="Fira Code" pitchFamily="49" charset="0"/>
-                <a:cs typeface="Fira Code" pitchFamily="49" charset="0"/>
-              </a:rPr>
-              <a:t>().</a:t>
-            </a:r>
-            <a:r>
-              <a:rPr lang="en-US" sz="800" dirty="0" err="1">
-                <a:solidFill>
-                  <a:srgbClr val="080808"/>
-                </a:solidFill>
-                <a:effectLst/>
-                <a:latin typeface="Fira Code" pitchFamily="49" charset="0"/>
-                <a:ea typeface="Fira Code" pitchFamily="49" charset="0"/>
-                <a:cs typeface="Fira Code" pitchFamily="49" charset="0"/>
-              </a:rPr>
-              <a:t>getHeaders</a:t>
-            </a:r>
-            <a:r>
-              <a:rPr lang="en-US" sz="800" dirty="0">
-                <a:solidFill>
-                  <a:srgbClr val="080808"/>
-                </a:solidFill>
-                <a:effectLst/>
-                <a:latin typeface="Fira Code" pitchFamily="49" charset="0"/>
-                <a:ea typeface="Fira Code" pitchFamily="49" charset="0"/>
-                <a:cs typeface="Fira Code" pitchFamily="49" charset="0"/>
-              </a:rPr>
-              <a:t>());</a:t>
-            </a:r>
-            <a:br>
-              <a:rPr lang="en-US" sz="800" dirty="0">
-                <a:solidFill>
-                  <a:srgbClr val="080808"/>
-                </a:solidFill>
-                <a:effectLst/>
-                <a:latin typeface="Fira Code" pitchFamily="49" charset="0"/>
-                <a:ea typeface="Fira Code" pitchFamily="49" charset="0"/>
-                <a:cs typeface="Fira Code" pitchFamily="49" charset="0"/>
-              </a:rPr>
-            </a:br>
-            <a:r>
-              <a:rPr lang="en-US" sz="800" dirty="0">
-                <a:solidFill>
-                  <a:srgbClr val="080808"/>
-                </a:solidFill>
-                <a:effectLst/>
-                <a:latin typeface="Fira Code" pitchFamily="49" charset="0"/>
-                <a:ea typeface="Fira Code" pitchFamily="49" charset="0"/>
-                <a:cs typeface="Fira Code" pitchFamily="49" charset="0"/>
-              </a:rPr>
-              <a:t>}</a:t>
-            </a:r>
-          </a:p>
-          <a:p>
-            <a:pPr marL="0" indent="0">
-              <a:buNone/>
-            </a:pPr>
-            <a:endParaRPr lang="en-US" sz="800" dirty="0">
-              <a:latin typeface="Fira Code" pitchFamily="49" charset="0"/>
-              <a:ea typeface="Fira Code" pitchFamily="49" charset="0"/>
-              <a:cs typeface="Fira Code" pitchFamily="49" charset="0"/>
-            </a:endParaRPr>
-          </a:p>
-        </p:txBody>
-      </p:sp>
-    </p:spTree>
-    <p:extLst>
-      <p:ext uri="{BB962C8B-B14F-4D97-AF65-F5344CB8AC3E}">
-        <p14:creationId xmlns:p14="http://schemas.microsoft.com/office/powerpoint/2010/main" val="379213993"/>
-      </p:ext>
-    </p:extLst>
-  </p:cSld>
-  <p:clrMapOvr>
-    <a:masterClrMapping/>
-  </p:clrMapOvr>
-</p:sld>
-</file>
-
-<file path=ppt/slides/slide30.xml><?xml version="1.0" encoding="utf-8"?>
+<file path=ppt/slides/slide31.xml><?xml version="1.0" encoding="utf-8"?>
 <p:sld xmlns:a="http://schemas.openxmlformats.org/drawingml/2006/main" xmlns:r="http://schemas.openxmlformats.org/officeDocument/2006/relationships" xmlns:p="http://schemas.openxmlformats.org/presentationml/2006/main">
   <p:cSld>
     <p:spTree>
@@ -14752,7 +15565,7 @@
 </p:sld>
 </file>
 
-<file path=ppt/slides/slide31.xml><?xml version="1.0" encoding="utf-8"?>
+<file path=ppt/slides/slide32.xml><?xml version="1.0" encoding="utf-8"?>
 <p:sld xmlns:a="http://schemas.openxmlformats.org/drawingml/2006/main" xmlns:r="http://schemas.openxmlformats.org/officeDocument/2006/relationships" xmlns:p="http://schemas.openxmlformats.org/presentationml/2006/main">
   <p:cSld>
     <p:spTree>
@@ -14856,7 +15669,7 @@
 </p:sld>
 </file>
 
-<file path=ppt/slides/slide32.xml><?xml version="1.0" encoding="utf-8"?>
+<file path=ppt/slides/slide33.xml><?xml version="1.0" encoding="utf-8"?>
 <p:sld xmlns:a="http://schemas.openxmlformats.org/drawingml/2006/main" xmlns:r="http://schemas.openxmlformats.org/officeDocument/2006/relationships" xmlns:p="http://schemas.openxmlformats.org/presentationml/2006/main">
   <p:cSld>
     <p:spTree>
@@ -14922,7 +15735,7 @@
 </p:sld>
 </file>
 
-<file path=ppt/slides/slide33.xml><?xml version="1.0" encoding="utf-8"?>
+<file path=ppt/slides/slide34.xml><?xml version="1.0" encoding="utf-8"?>
 <p:sld xmlns:a="http://schemas.openxmlformats.org/drawingml/2006/main" xmlns:r="http://schemas.openxmlformats.org/officeDocument/2006/relationships" xmlns:p="http://schemas.openxmlformats.org/presentationml/2006/main">
   <p:cSld>
     <p:spTree>

--- a/slides/Testing Better with Approvals.pptx
+++ b/slides/Testing Better with Approvals.pptx
@@ -23614,6 +23614,32 @@
               <a:buFont typeface="+mj-lt"/>
               <a:buAutoNum type="arabicPeriod"/>
             </a:pPr>
+            <a:r>
+              <a:rPr lang="en-US" sz="1200"/>
+              <a:t>everywhere -&gt; single instance -&gt; some can’t convert</a:t>
+            </a:r>
+          </a:p>
+          <a:p>
+            <a:pPr marL="514350" indent="-514350">
+              <a:buFont typeface="+mj-lt"/>
+              <a:buAutoNum type="arabicPeriod"/>
+            </a:pPr>
+            <a:r>
+              <a:rPr lang="en-US" sz="1200"/>
+              <a:t>dual conversations (.and) -&gt; some can’t convert v2 -&gt; setting state</a:t>
+            </a:r>
+          </a:p>
+          <a:p>
+            <a:pPr marL="0" indent="0">
+              <a:buNone/>
+            </a:pPr>
+            <a:endParaRPr lang="en-US" sz="1200"/>
+          </a:p>
+          <a:p>
+            <a:pPr marL="514350" indent="-514350">
+              <a:buFont typeface="+mj-lt"/>
+              <a:buAutoNum type="arabicPeriod"/>
+            </a:pPr>
             <a:endParaRPr lang="en-US" sz="1200"/>
           </a:p>
         </p:txBody>

--- a/slides/Testing Better with Approvals.pptx
+++ b/slides/Testing Better with Approvals.pptx
@@ -304,7 +304,7 @@
           <a:p>
             <a:fld id="{35701875-5BC7-1E49-AF4C-96F7D9E7474C}" type="datetimeFigureOut">
               <a:rPr lang="en-US" smtClean="0"/>
-              <a:t>2/6/24</a:t>
+              <a:t>2/11/24</a:t>
             </a:fld>
             <a:endParaRPr lang="en-US"/>
           </a:p>
@@ -3682,7 +3682,7 @@
           <a:p>
             <a:fld id="{75A66788-8C42-AF46-A5E8-A812D6157D58}" type="datetimeFigureOut">
               <a:rPr lang="en-US" smtClean="0"/>
-              <a:t>2/6/24</a:t>
+              <a:t>2/11/24</a:t>
             </a:fld>
             <a:endParaRPr lang="en-US"/>
           </a:p>
@@ -3880,7 +3880,7 @@
           <a:p>
             <a:fld id="{75A66788-8C42-AF46-A5E8-A812D6157D58}" type="datetimeFigureOut">
               <a:rPr lang="en-US" smtClean="0"/>
-              <a:t>2/6/24</a:t>
+              <a:t>2/11/24</a:t>
             </a:fld>
             <a:endParaRPr lang="en-US"/>
           </a:p>
@@ -4088,7 +4088,7 @@
           <a:p>
             <a:fld id="{75A66788-8C42-AF46-A5E8-A812D6157D58}" type="datetimeFigureOut">
               <a:rPr lang="en-US" smtClean="0"/>
-              <a:t>2/6/24</a:t>
+              <a:t>2/11/24</a:t>
             </a:fld>
             <a:endParaRPr lang="en-US"/>
           </a:p>
@@ -4286,7 +4286,7 @@
           <a:p>
             <a:fld id="{75A66788-8C42-AF46-A5E8-A812D6157D58}" type="datetimeFigureOut">
               <a:rPr lang="en-US" smtClean="0"/>
-              <a:t>2/6/24</a:t>
+              <a:t>2/11/24</a:t>
             </a:fld>
             <a:endParaRPr lang="en-US"/>
           </a:p>
@@ -4561,7 +4561,7 @@
           <a:p>
             <a:fld id="{75A66788-8C42-AF46-A5E8-A812D6157D58}" type="datetimeFigureOut">
               <a:rPr lang="en-US" smtClean="0"/>
-              <a:t>2/6/24</a:t>
+              <a:t>2/11/24</a:t>
             </a:fld>
             <a:endParaRPr lang="en-US"/>
           </a:p>
@@ -4826,7 +4826,7 @@
           <a:p>
             <a:fld id="{75A66788-8C42-AF46-A5E8-A812D6157D58}" type="datetimeFigureOut">
               <a:rPr lang="en-US" smtClean="0"/>
-              <a:t>2/6/24</a:t>
+              <a:t>2/11/24</a:t>
             </a:fld>
             <a:endParaRPr lang="en-US"/>
           </a:p>
@@ -5238,7 +5238,7 @@
           <a:p>
             <a:fld id="{75A66788-8C42-AF46-A5E8-A812D6157D58}" type="datetimeFigureOut">
               <a:rPr lang="en-US" smtClean="0"/>
-              <a:t>2/6/24</a:t>
+              <a:t>2/11/24</a:t>
             </a:fld>
             <a:endParaRPr lang="en-US"/>
           </a:p>
@@ -5379,7 +5379,7 @@
           <a:p>
             <a:fld id="{75A66788-8C42-AF46-A5E8-A812D6157D58}" type="datetimeFigureOut">
               <a:rPr lang="en-US" smtClean="0"/>
-              <a:t>2/6/24</a:t>
+              <a:t>2/11/24</a:t>
             </a:fld>
             <a:endParaRPr lang="en-US"/>
           </a:p>
@@ -5492,7 +5492,7 @@
           <a:p>
             <a:fld id="{75A66788-8C42-AF46-A5E8-A812D6157D58}" type="datetimeFigureOut">
               <a:rPr lang="en-US" smtClean="0"/>
-              <a:t>2/6/24</a:t>
+              <a:t>2/11/24</a:t>
             </a:fld>
             <a:endParaRPr lang="en-US"/>
           </a:p>
@@ -5803,7 +5803,7 @@
           <a:p>
             <a:fld id="{75A66788-8C42-AF46-A5E8-A812D6157D58}" type="datetimeFigureOut">
               <a:rPr lang="en-US" smtClean="0"/>
-              <a:t>2/6/24</a:t>
+              <a:t>2/11/24</a:t>
             </a:fld>
             <a:endParaRPr lang="en-US"/>
           </a:p>
@@ -6091,7 +6091,7 @@
           <a:p>
             <a:fld id="{75A66788-8C42-AF46-A5E8-A812D6157D58}" type="datetimeFigureOut">
               <a:rPr lang="en-US" smtClean="0"/>
-              <a:t>2/6/24</a:t>
+              <a:t>2/11/24</a:t>
             </a:fld>
             <a:endParaRPr lang="en-US"/>
           </a:p>
@@ -6332,7 +6332,7 @@
           <a:p>
             <a:fld id="{75A66788-8C42-AF46-A5E8-A812D6157D58}" type="datetimeFigureOut">
               <a:rPr lang="en-US" smtClean="0"/>
-              <a:t>2/6/24</a:t>
+              <a:t>2/11/24</a:t>
             </a:fld>
             <a:endParaRPr lang="en-US"/>
           </a:p>
@@ -12165,6 +12165,60 @@
                                   </p:childTnLst>
                                 </p:cTn>
                               </p:par>
+                              <p:par>
+                                <p:cTn id="23" presetID="1" presetClass="entr" presetSubtype="0" fill="hold" grpId="0" nodeType="withEffect">
+                                  <p:stCondLst>
+                                    <p:cond delay="0"/>
+                                  </p:stCondLst>
+                                  <p:childTnLst>
+                                    <p:set>
+                                      <p:cBhvr>
+                                        <p:cTn id="24" dur="1" fill="hold">
+                                          <p:stCondLst>
+                                            <p:cond delay="0"/>
+                                          </p:stCondLst>
+                                        </p:cTn>
+                                        <p:tgtEl>
+                                          <p:spTgt spid="9"/>
+                                        </p:tgtEl>
+                                        <p:attrNameLst>
+                                          <p:attrName>style.visibility</p:attrName>
+                                        </p:attrNameLst>
+                                      </p:cBhvr>
+                                      <p:to>
+                                        <p:strVal val="visible"/>
+                                      </p:to>
+                                    </p:set>
+                                  </p:childTnLst>
+                                </p:cTn>
+                              </p:par>
+                              <p:par>
+                                <p:cTn id="25" presetID="1" presetClass="entr" presetSubtype="0" fill="hold" grpId="0" nodeType="withEffect">
+                                  <p:stCondLst>
+                                    <p:cond delay="0"/>
+                                  </p:stCondLst>
+                                  <p:childTnLst>
+                                    <p:set>
+                                      <p:cBhvr>
+                                        <p:cTn id="26" dur="1" fill="hold">
+                                          <p:stCondLst>
+                                            <p:cond delay="0"/>
+                                          </p:stCondLst>
+                                        </p:cTn>
+                                        <p:tgtEl>
+                                          <p:spTgt spid="8"/>
+                                        </p:tgtEl>
+                                        <p:attrNameLst>
+                                          <p:attrName>style.visibility</p:attrName>
+                                        </p:attrNameLst>
+                                      </p:cBhvr>
+                                      <p:to>
+                                        <p:strVal val="visible"/>
+                                      </p:to>
+                                    </p:set>
+                                  </p:childTnLst>
+                                </p:cTn>
+                              </p:par>
                             </p:childTnLst>
                           </p:cTn>
                         </p:par>
@@ -12193,6 +12247,8 @@
       </p:par>
     </p:tnLst>
     <p:bldLst>
+      <p:bldP spid="9" grpId="0" animBg="1"/>
+      <p:bldP spid="8" grpId="0" animBg="1"/>
       <p:bldP spid="3" grpId="0"/>
       <p:bldP spid="4" grpId="0"/>
       <p:bldP spid="6" grpId="0"/>

--- a/slides/Testing Better with Approvals.pptx
+++ b/slides/Testing Better with Approvals.pptx
@@ -18033,34 +18033,6 @@
       </p:grpSpPr>
       <p:sp>
         <p:nvSpPr>
-          <p:cNvPr id="2" name="Title 1">
-            <a:extLst>
-              <a:ext uri="{FF2B5EF4-FFF2-40B4-BE49-F238E27FC236}">
-                <a16:creationId xmlns:a16="http://schemas.microsoft.com/office/drawing/2014/main" id="{F5400A05-D6FC-8D38-0E9F-6AC00AF435DF}"/>
-              </a:ext>
-            </a:extLst>
-          </p:cNvPr>
-          <p:cNvSpPr>
-            <a:spLocks noGrp="1"/>
-          </p:cNvSpPr>
-          <p:nvPr>
-            <p:ph type="title"/>
-          </p:nvPr>
-        </p:nvSpPr>
-        <p:spPr/>
-        <p:txBody>
-          <a:bodyPr/>
-          <a:lstStyle/>
-          <a:p>
-            <a:r>
-              <a:rPr lang="en-US"/>
-              <a:t>“”</a:t>
-            </a:r>
-          </a:p>
-        </p:txBody>
-      </p:sp>
-      <p:sp>
-        <p:nvSpPr>
           <p:cNvPr id="3" name="Content Placeholder 2">
             <a:extLst>
               <a:ext uri="{FF2B5EF4-FFF2-40B4-BE49-F238E27FC236}">

--- a/slides/Testing Better with Approvals.pptx
+++ b/slides/Testing Better with Approvals.pptx
@@ -5,7 +5,7 @@
     <p:sldMasterId id="2147483648" r:id="rId1"/>
   </p:sldMasterIdLst>
   <p:notesMasterIdLst>
-    <p:notesMasterId r:id="rId46"/>
+    <p:notesMasterId r:id="rId48"/>
   </p:notesMasterIdLst>
   <p:sldIdLst>
     <p:sldId id="300" r:id="rId2"/>
@@ -21,37 +21,39 @@
     <p:sldId id="293" r:id="rId12"/>
     <p:sldId id="308" r:id="rId13"/>
     <p:sldId id="309" r:id="rId14"/>
-    <p:sldId id="302" r:id="rId15"/>
-    <p:sldId id="298" r:id="rId16"/>
-    <p:sldId id="299" r:id="rId17"/>
+    <p:sldId id="310" r:id="rId15"/>
+    <p:sldId id="302" r:id="rId16"/>
+    <p:sldId id="311" r:id="rId17"/>
     <p:sldId id="297" r:id="rId18"/>
-    <p:sldId id="301" r:id="rId19"/>
-    <p:sldId id="304" r:id="rId20"/>
-    <p:sldId id="284" r:id="rId21"/>
-    <p:sldId id="289" r:id="rId22"/>
-    <p:sldId id="285" r:id="rId23"/>
-    <p:sldId id="286" r:id="rId24"/>
-    <p:sldId id="287" r:id="rId25"/>
-    <p:sldId id="288" r:id="rId26"/>
-    <p:sldId id="290" r:id="rId27"/>
+    <p:sldId id="312" r:id="rId19"/>
+    <p:sldId id="298" r:id="rId20"/>
+    <p:sldId id="299" r:id="rId21"/>
+    <p:sldId id="313" r:id="rId22"/>
+    <p:sldId id="314" r:id="rId23"/>
+    <p:sldId id="301" r:id="rId24"/>
+    <p:sldId id="315" r:id="rId25"/>
+    <p:sldId id="316" r:id="rId26"/>
+    <p:sldId id="304" r:id="rId27"/>
     <p:sldId id="268" r:id="rId28"/>
-    <p:sldId id="270" r:id="rId29"/>
-    <p:sldId id="271" r:id="rId30"/>
-    <p:sldId id="273" r:id="rId31"/>
-    <p:sldId id="274" r:id="rId32"/>
-    <p:sldId id="272" r:id="rId33"/>
-    <p:sldId id="277" r:id="rId34"/>
-    <p:sldId id="275" r:id="rId35"/>
-    <p:sldId id="278" r:id="rId36"/>
-    <p:sldId id="276" r:id="rId37"/>
-    <p:sldId id="279" r:id="rId38"/>
-    <p:sldId id="280" r:id="rId39"/>
-    <p:sldId id="281" r:id="rId40"/>
-    <p:sldId id="291" r:id="rId41"/>
-    <p:sldId id="264" r:id="rId42"/>
-    <p:sldId id="257" r:id="rId43"/>
-    <p:sldId id="282" r:id="rId44"/>
-    <p:sldId id="259" r:id="rId45"/>
+    <p:sldId id="284" r:id="rId29"/>
+    <p:sldId id="285" r:id="rId30"/>
+    <p:sldId id="286" r:id="rId31"/>
+    <p:sldId id="319" r:id="rId32"/>
+    <p:sldId id="317" r:id="rId33"/>
+    <p:sldId id="322" r:id="rId34"/>
+    <p:sldId id="318" r:id="rId35"/>
+    <p:sldId id="290" r:id="rId36"/>
+    <p:sldId id="320" r:id="rId37"/>
+    <p:sldId id="321" r:id="rId38"/>
+    <p:sldId id="276" r:id="rId39"/>
+    <p:sldId id="279" r:id="rId40"/>
+    <p:sldId id="280" r:id="rId41"/>
+    <p:sldId id="281" r:id="rId42"/>
+    <p:sldId id="291" r:id="rId43"/>
+    <p:sldId id="264" r:id="rId44"/>
+    <p:sldId id="257" r:id="rId45"/>
+    <p:sldId id="282" r:id="rId46"/>
+    <p:sldId id="259" r:id="rId47"/>
   </p:sldIdLst>
   <p:sldSz cx="12192000" cy="6858000"/>
   <p:notesSz cx="6858000" cy="9144000"/>
@@ -160,6 +162,10 @@
             <p14:sldId id="305"/>
             <p14:sldId id="306"/>
             <p14:sldId id="292"/>
+          </p14:sldIdLst>
+        </p14:section>
+        <p14:section name="Week 1 - introduce approvals" id="{BC86D479-B598-DE4E-9F6C-C7C762EE65D7}">
+          <p14:sldIdLst>
             <p14:sldId id="303"/>
             <p14:sldId id="307"/>
             <p14:sldId id="263"/>
@@ -168,28 +174,46 @@
             <p14:sldId id="293"/>
             <p14:sldId id="308"/>
             <p14:sldId id="309"/>
+            <p14:sldId id="310"/>
+          </p14:sldIdLst>
+        </p14:section>
+        <p14:section name="Week 2 - printing json" id="{22A19609-F826-134C-AEAA-462785982D91}">
+          <p14:sldIdLst>
             <p14:sldId id="302"/>
+            <p14:sldId id="311"/>
+            <p14:sldId id="297"/>
+            <p14:sldId id="312"/>
             <p14:sldId id="298"/>
             <p14:sldId id="299"/>
-            <p14:sldId id="297"/>
+            <p14:sldId id="313"/>
+            <p14:sldId id="314"/>
+          </p14:sldIdLst>
+        </p14:section>
+        <p14:section name="Week 3 - inline approvals" id="{D7101C72-E8E0-AA41-9D4D-EACB3EADE5D6}">
+          <p14:sldIdLst>
             <p14:sldId id="301"/>
+            <p14:sldId id="315"/>
+            <p14:sldId id="316"/>
             <p14:sldId id="304"/>
+            <p14:sldId id="268"/>
             <p14:sldId id="284"/>
-            <p14:sldId id="289"/>
             <p14:sldId id="285"/>
             <p14:sldId id="286"/>
-            <p14:sldId id="287"/>
-            <p14:sldId id="288"/>
+          </p14:sldIdLst>
+        </p14:section>
+        <p14:section name="Week 4 - verify all" id="{6A53FA91-FED3-804F-AA4D-0F8274D322C2}">
+          <p14:sldIdLst>
+            <p14:sldId id="319"/>
+            <p14:sldId id="317"/>
+            <p14:sldId id="322"/>
+            <p14:sldId id="318"/>
+          </p14:sldIdLst>
+        </p14:section>
+        <p14:section name="Week 5 - stateful conversations" id="{F7654C75-94ED-B94A-B300-3D40ECEFE30C}">
+          <p14:sldIdLst>
             <p14:sldId id="290"/>
-            <p14:sldId id="268"/>
-            <p14:sldId id="270"/>
-            <p14:sldId id="271"/>
-            <p14:sldId id="273"/>
-            <p14:sldId id="274"/>
-            <p14:sldId id="272"/>
-            <p14:sldId id="277"/>
-            <p14:sldId id="275"/>
-            <p14:sldId id="278"/>
+            <p14:sldId id="320"/>
+            <p14:sldId id="321"/>
           </p14:sldIdLst>
         </p14:section>
         <p14:section name="Vision" id="{76B629B8-D241-764A-B1E1-1C57DB0DAE05}">
@@ -659,7 +683,7 @@
         <p:cNvPr id="1" name="">
           <a:extLst>
             <a:ext uri="{FF2B5EF4-FFF2-40B4-BE49-F238E27FC236}">
-              <a16:creationId xmlns:a16="http://schemas.microsoft.com/office/drawing/2014/main" id="{9F3EFBE7-AB24-2903-C554-251C11446EF1}"/>
+              <a16:creationId xmlns:a16="http://schemas.microsoft.com/office/drawing/2014/main" id="{6771BDD3-1954-AE79-C148-7F69B543C073}"/>
             </a:ext>
           </a:extLst>
         </p:cNvPr>
@@ -679,7 +703,7 @@
           <p:cNvPr id="2" name="Slide Image Placeholder 1">
             <a:extLst>
               <a:ext uri="{FF2B5EF4-FFF2-40B4-BE49-F238E27FC236}">
-                <a16:creationId xmlns:a16="http://schemas.microsoft.com/office/drawing/2014/main" id="{65498F47-3365-4544-8E8D-4EA51D4F5A99}"/>
+                <a16:creationId xmlns:a16="http://schemas.microsoft.com/office/drawing/2014/main" id="{794B5943-AA33-BEF4-3100-93A9E51EA248}"/>
               </a:ext>
             </a:extLst>
           </p:cNvPr>
@@ -697,7 +721,7 @@
           <p:cNvPr id="3" name="Notes Placeholder 2">
             <a:extLst>
               <a:ext uri="{FF2B5EF4-FFF2-40B4-BE49-F238E27FC236}">
-                <a16:creationId xmlns:a16="http://schemas.microsoft.com/office/drawing/2014/main" id="{628EA4BC-3FD9-78F2-B5CD-7BC630AF5B64}"/>
+                <a16:creationId xmlns:a16="http://schemas.microsoft.com/office/drawing/2014/main" id="{7F4A7CE2-A51F-95D0-458E-4F149E776A82}"/>
               </a:ext>
             </a:extLst>
           </p:cNvPr>
@@ -722,7 +746,7 @@
           <p:cNvPr id="4" name="Slide Number Placeholder 3">
             <a:extLst>
               <a:ext uri="{FF2B5EF4-FFF2-40B4-BE49-F238E27FC236}">
-                <a16:creationId xmlns:a16="http://schemas.microsoft.com/office/drawing/2014/main" id="{007F6B37-A204-8AA0-3208-DFF2661A2A76}"/>
+                <a16:creationId xmlns:a16="http://schemas.microsoft.com/office/drawing/2014/main" id="{A93C541A-0E80-1D79-01D0-CE09DDD43EAE}"/>
               </a:ext>
             </a:extLst>
           </p:cNvPr>
@@ -740,7 +764,7 @@
           <a:p>
             <a:fld id="{FC5BBC2B-72B0-2542-8213-717906F3F32B}" type="slidenum">
               <a:rPr lang="en-US" smtClean="0"/>
-              <a:t>24</a:t>
+              <a:t>22</a:t>
             </a:fld>
             <a:endParaRPr lang="en-US"/>
           </a:p>
@@ -749,7 +773,7 @@
     </p:spTree>
     <p:extLst>
       <p:ext uri="{BB962C8B-B14F-4D97-AF65-F5344CB8AC3E}">
-        <p14:creationId xmlns:p14="http://schemas.microsoft.com/office/powerpoint/2010/main" val="2432545755"/>
+        <p14:creationId xmlns:p14="http://schemas.microsoft.com/office/powerpoint/2010/main" val="3020680927"/>
       </p:ext>
     </p:extLst>
   </p:cSld>
@@ -767,7 +791,7 @@
         <p:cNvPr id="1" name="">
           <a:extLst>
             <a:ext uri="{FF2B5EF4-FFF2-40B4-BE49-F238E27FC236}">
-              <a16:creationId xmlns:a16="http://schemas.microsoft.com/office/drawing/2014/main" id="{113169BE-EA21-6651-CB12-65112D9D470D}"/>
+              <a16:creationId xmlns:a16="http://schemas.microsoft.com/office/drawing/2014/main" id="{5DAED346-D5B3-67A5-C5F0-8DF5A03C2BDB}"/>
             </a:ext>
           </a:extLst>
         </p:cNvPr>
@@ -787,7 +811,7 @@
           <p:cNvPr id="2" name="Slide Image Placeholder 1">
             <a:extLst>
               <a:ext uri="{FF2B5EF4-FFF2-40B4-BE49-F238E27FC236}">
-                <a16:creationId xmlns:a16="http://schemas.microsoft.com/office/drawing/2014/main" id="{C09C8EFE-BD54-84E0-DF8B-FD0A5707D6BF}"/>
+                <a16:creationId xmlns:a16="http://schemas.microsoft.com/office/drawing/2014/main" id="{873E4999-1E1A-1BC3-B3AC-58C3102CDDD5}"/>
               </a:ext>
             </a:extLst>
           </p:cNvPr>
@@ -805,7 +829,7 @@
           <p:cNvPr id="3" name="Notes Placeholder 2">
             <a:extLst>
               <a:ext uri="{FF2B5EF4-FFF2-40B4-BE49-F238E27FC236}">
-                <a16:creationId xmlns:a16="http://schemas.microsoft.com/office/drawing/2014/main" id="{7E0633E7-470B-E693-F58E-701C847BB7B3}"/>
+                <a16:creationId xmlns:a16="http://schemas.microsoft.com/office/drawing/2014/main" id="{8A3C3B30-614D-D253-6FAE-CEE2C955BBC0}"/>
               </a:ext>
             </a:extLst>
           </p:cNvPr>
@@ -821,7 +845,10 @@
           <a:bodyPr/>
           <a:lstStyle/>
           <a:p>
-            <a:endParaRPr lang="en-US"/>
+            <a:r>
+              <a:rPr lang="en-US"/>
+              <a:t>Stay on the same level of abstraction as the testing circle</a:t>
+            </a:r>
           </a:p>
         </p:txBody>
       </p:sp>
@@ -830,7 +857,7 @@
           <p:cNvPr id="4" name="Slide Number Placeholder 3">
             <a:extLst>
               <a:ext uri="{FF2B5EF4-FFF2-40B4-BE49-F238E27FC236}">
-                <a16:creationId xmlns:a16="http://schemas.microsoft.com/office/drawing/2014/main" id="{D8F3A7B6-4EFA-AE36-EBD1-A0598A8EB740}"/>
+                <a16:creationId xmlns:a16="http://schemas.microsoft.com/office/drawing/2014/main" id="{9636864F-4C44-5C2C-A26D-1352F792AE14}"/>
               </a:ext>
             </a:extLst>
           </p:cNvPr>
@@ -857,7 +884,7 @@
     </p:spTree>
     <p:extLst>
       <p:ext uri="{BB962C8B-B14F-4D97-AF65-F5344CB8AC3E}">
-        <p14:creationId xmlns:p14="http://schemas.microsoft.com/office/powerpoint/2010/main" val="2660331738"/>
+        <p14:creationId xmlns:p14="http://schemas.microsoft.com/office/powerpoint/2010/main" val="25046134"/>
       </p:ext>
     </p:extLst>
   </p:cSld>
@@ -983,7 +1010,7 @@
         <p:cNvPr id="1" name="">
           <a:extLst>
             <a:ext uri="{FF2B5EF4-FFF2-40B4-BE49-F238E27FC236}">
-              <a16:creationId xmlns:a16="http://schemas.microsoft.com/office/drawing/2014/main" id="{819EA927-CE41-AAAC-49BA-2B51C16FFB0E}"/>
+              <a16:creationId xmlns:a16="http://schemas.microsoft.com/office/drawing/2014/main" id="{05C95657-30E9-95F4-C6C0-5C28484D0664}"/>
             </a:ext>
           </a:extLst>
         </p:cNvPr>
@@ -1003,7 +1030,7 @@
           <p:cNvPr id="2" name="Slide Image Placeholder 1">
             <a:extLst>
               <a:ext uri="{FF2B5EF4-FFF2-40B4-BE49-F238E27FC236}">
-                <a16:creationId xmlns:a16="http://schemas.microsoft.com/office/drawing/2014/main" id="{9D1E21F3-D06B-ACEC-68BE-8DEB085251C1}"/>
+                <a16:creationId xmlns:a16="http://schemas.microsoft.com/office/drawing/2014/main" id="{7CB5C5A6-8EAD-E4A6-6234-BD89A680AE76}"/>
               </a:ext>
             </a:extLst>
           </p:cNvPr>
@@ -1021,7 +1048,7 @@
           <p:cNvPr id="3" name="Notes Placeholder 2">
             <a:extLst>
               <a:ext uri="{FF2B5EF4-FFF2-40B4-BE49-F238E27FC236}">
-                <a16:creationId xmlns:a16="http://schemas.microsoft.com/office/drawing/2014/main" id="{45EF7A37-395B-8E80-377D-8B93B0534CC9}"/>
+                <a16:creationId xmlns:a16="http://schemas.microsoft.com/office/drawing/2014/main" id="{B028BF3C-7F56-4C72-F739-F2D950442DA7}"/>
               </a:ext>
             </a:extLst>
           </p:cNvPr>
@@ -1046,7 +1073,7 @@
           <p:cNvPr id="4" name="Slide Number Placeholder 3">
             <a:extLst>
               <a:ext uri="{FF2B5EF4-FFF2-40B4-BE49-F238E27FC236}">
-                <a16:creationId xmlns:a16="http://schemas.microsoft.com/office/drawing/2014/main" id="{371FF0D3-7FBB-B307-129B-874CE8A4F185}"/>
+                <a16:creationId xmlns:a16="http://schemas.microsoft.com/office/drawing/2014/main" id="{325CDB28-298C-BC98-FB92-5805699B6995}"/>
               </a:ext>
             </a:extLst>
           </p:cNvPr>
@@ -1073,7 +1100,7 @@
     </p:spTree>
     <p:extLst>
       <p:ext uri="{BB962C8B-B14F-4D97-AF65-F5344CB8AC3E}">
-        <p14:creationId xmlns:p14="http://schemas.microsoft.com/office/powerpoint/2010/main" val="3434516935"/>
+        <p14:creationId xmlns:p14="http://schemas.microsoft.com/office/powerpoint/2010/main" val="1598719512"/>
       </p:ext>
     </p:extLst>
   </p:cSld>
@@ -1091,7 +1118,7 @@
         <p:cNvPr id="1" name="">
           <a:extLst>
             <a:ext uri="{FF2B5EF4-FFF2-40B4-BE49-F238E27FC236}">
-              <a16:creationId xmlns:a16="http://schemas.microsoft.com/office/drawing/2014/main" id="{5DCE8AD6-315C-85ED-E537-462129A63CE7}"/>
+              <a16:creationId xmlns:a16="http://schemas.microsoft.com/office/drawing/2014/main" id="{C5702B95-D31A-44A3-8A9F-90D8D2B251B2}"/>
             </a:ext>
           </a:extLst>
         </p:cNvPr>
@@ -1111,7 +1138,7 @@
           <p:cNvPr id="2" name="Slide Image Placeholder 1">
             <a:extLst>
               <a:ext uri="{FF2B5EF4-FFF2-40B4-BE49-F238E27FC236}">
-                <a16:creationId xmlns:a16="http://schemas.microsoft.com/office/drawing/2014/main" id="{F17528CE-86A3-6015-EDEA-7047BDD1A0B4}"/>
+                <a16:creationId xmlns:a16="http://schemas.microsoft.com/office/drawing/2014/main" id="{5EC8C751-4567-0877-39D8-127530F1EA2A}"/>
               </a:ext>
             </a:extLst>
           </p:cNvPr>
@@ -1129,7 +1156,7 @@
           <p:cNvPr id="3" name="Notes Placeholder 2">
             <a:extLst>
               <a:ext uri="{FF2B5EF4-FFF2-40B4-BE49-F238E27FC236}">
-                <a16:creationId xmlns:a16="http://schemas.microsoft.com/office/drawing/2014/main" id="{5112AF98-1812-10C5-5020-E18101DFABE7}"/>
+                <a16:creationId xmlns:a16="http://schemas.microsoft.com/office/drawing/2014/main" id="{E13C5EE5-4EFC-AE74-E105-A682888F0A7E}"/>
               </a:ext>
             </a:extLst>
           </p:cNvPr>
@@ -1154,7 +1181,7 @@
           <p:cNvPr id="4" name="Slide Number Placeholder 3">
             <a:extLst>
               <a:ext uri="{FF2B5EF4-FFF2-40B4-BE49-F238E27FC236}">
-                <a16:creationId xmlns:a16="http://schemas.microsoft.com/office/drawing/2014/main" id="{16967AD8-986E-1414-1B63-DE9D3ABB6388}"/>
+                <a16:creationId xmlns:a16="http://schemas.microsoft.com/office/drawing/2014/main" id="{46227C5D-06AE-45B1-C35F-CB52AF860716}"/>
               </a:ext>
             </a:extLst>
           </p:cNvPr>
@@ -1181,7 +1208,7 @@
     </p:spTree>
     <p:extLst>
       <p:ext uri="{BB962C8B-B14F-4D97-AF65-F5344CB8AC3E}">
-        <p14:creationId xmlns:p14="http://schemas.microsoft.com/office/powerpoint/2010/main" val="1870619286"/>
+        <p14:creationId xmlns:p14="http://schemas.microsoft.com/office/powerpoint/2010/main" val="1606281994"/>
       </p:ext>
     </p:extLst>
   </p:cSld>
@@ -1199,7 +1226,7 @@
         <p:cNvPr id="1" name="">
           <a:extLst>
             <a:ext uri="{FF2B5EF4-FFF2-40B4-BE49-F238E27FC236}">
-              <a16:creationId xmlns:a16="http://schemas.microsoft.com/office/drawing/2014/main" id="{258EBC51-4304-0A98-604F-4D5CA3BF7D51}"/>
+              <a16:creationId xmlns:a16="http://schemas.microsoft.com/office/drawing/2014/main" id="{F9C616EC-0447-1D39-81FF-64C1F9803A1C}"/>
             </a:ext>
           </a:extLst>
         </p:cNvPr>
@@ -1219,7 +1246,7 @@
           <p:cNvPr id="2" name="Slide Image Placeholder 1">
             <a:extLst>
               <a:ext uri="{FF2B5EF4-FFF2-40B4-BE49-F238E27FC236}">
-                <a16:creationId xmlns:a16="http://schemas.microsoft.com/office/drawing/2014/main" id="{92BBCDD1-BB93-FB1D-AAC5-146EE602302C}"/>
+                <a16:creationId xmlns:a16="http://schemas.microsoft.com/office/drawing/2014/main" id="{7199EB8A-7FE1-0B31-5984-FB20C387FF04}"/>
               </a:ext>
             </a:extLst>
           </p:cNvPr>
@@ -1237,7 +1264,7 @@
           <p:cNvPr id="3" name="Notes Placeholder 2">
             <a:extLst>
               <a:ext uri="{FF2B5EF4-FFF2-40B4-BE49-F238E27FC236}">
-                <a16:creationId xmlns:a16="http://schemas.microsoft.com/office/drawing/2014/main" id="{C5912EE9-A609-000C-584D-F5B38EB573CA}"/>
+                <a16:creationId xmlns:a16="http://schemas.microsoft.com/office/drawing/2014/main" id="{B61386B5-65B9-CF71-A989-22E7E2A6516A}"/>
               </a:ext>
             </a:extLst>
           </p:cNvPr>
@@ -1262,7 +1289,7 @@
           <p:cNvPr id="4" name="Slide Number Placeholder 3">
             <a:extLst>
               <a:ext uri="{FF2B5EF4-FFF2-40B4-BE49-F238E27FC236}">
-                <a16:creationId xmlns:a16="http://schemas.microsoft.com/office/drawing/2014/main" id="{A0E447A6-97D1-C8B0-79BD-0E99C6156343}"/>
+                <a16:creationId xmlns:a16="http://schemas.microsoft.com/office/drawing/2014/main" id="{5D841065-090C-A63D-C642-AD83E7B738B3}"/>
               </a:ext>
             </a:extLst>
           </p:cNvPr>
@@ -1289,7 +1316,7 @@
     </p:spTree>
     <p:extLst>
       <p:ext uri="{BB962C8B-B14F-4D97-AF65-F5344CB8AC3E}">
-        <p14:creationId xmlns:p14="http://schemas.microsoft.com/office/powerpoint/2010/main" val="2596625598"/>
+        <p14:creationId xmlns:p14="http://schemas.microsoft.com/office/powerpoint/2010/main" val="2087736801"/>
       </p:ext>
     </p:extLst>
   </p:cSld>
@@ -1304,13 +1331,7 @@
   <p:cSld>
     <p:spTree>
       <p:nvGrpSpPr>
-        <p:cNvPr id="1" name="">
-          <a:extLst>
-            <a:ext uri="{FF2B5EF4-FFF2-40B4-BE49-F238E27FC236}">
-              <a16:creationId xmlns:a16="http://schemas.microsoft.com/office/drawing/2014/main" id="{B228D719-157D-93E6-C9DC-A9B2DEAFEA8A}"/>
-            </a:ext>
-          </a:extLst>
-        </p:cNvPr>
+        <p:cNvPr id="1" name=""/>
         <p:cNvGrpSpPr/>
         <p:nvPr/>
       </p:nvGrpSpPr>
@@ -1324,13 +1345,7 @@
       </p:grpSpPr>
       <p:sp>
         <p:nvSpPr>
-          <p:cNvPr id="2" name="Slide Image Placeholder 1">
-            <a:extLst>
-              <a:ext uri="{FF2B5EF4-FFF2-40B4-BE49-F238E27FC236}">
-                <a16:creationId xmlns:a16="http://schemas.microsoft.com/office/drawing/2014/main" id="{D5C11A73-EF24-FD17-F817-55BED8ED9018}"/>
-              </a:ext>
-            </a:extLst>
-          </p:cNvPr>
+          <p:cNvPr id="2" name="Slide Image Placeholder 1"/>
           <p:cNvSpPr>
             <a:spLocks noGrp="1" noRot="1" noChangeAspect="1"/>
           </p:cNvSpPr>
@@ -1342,13 +1357,7 @@
       </p:sp>
       <p:sp>
         <p:nvSpPr>
-          <p:cNvPr id="3" name="Notes Placeholder 2">
-            <a:extLst>
-              <a:ext uri="{FF2B5EF4-FFF2-40B4-BE49-F238E27FC236}">
-                <a16:creationId xmlns:a16="http://schemas.microsoft.com/office/drawing/2014/main" id="{74680A6A-7A42-DBDE-A10E-2E24C37CF78E}"/>
-              </a:ext>
-            </a:extLst>
-          </p:cNvPr>
+          <p:cNvPr id="3" name="Notes Placeholder 2"/>
           <p:cNvSpPr>
             <a:spLocks noGrp="1"/>
           </p:cNvSpPr>
@@ -1361,19 +1370,16 @@
           <a:bodyPr/>
           <a:lstStyle/>
           <a:p>
-            <a:endParaRPr lang="en-US"/>
-          </a:p>
-        </p:txBody>
-      </p:sp>
-      <p:sp>
-        <p:nvSpPr>
-          <p:cNvPr id="4" name="Slide Number Placeholder 3">
-            <a:extLst>
-              <a:ext uri="{FF2B5EF4-FFF2-40B4-BE49-F238E27FC236}">
-                <a16:creationId xmlns:a16="http://schemas.microsoft.com/office/drawing/2014/main" id="{2EE2018A-C357-2F1A-90E5-0CF9A2FB5C31}"/>
-              </a:ext>
-            </a:extLst>
-          </p:cNvPr>
+            <a:r>
+              <a:rPr lang="en-US"/>
+              <a:t>Hey Llewellyn, look what I did</a:t>
+            </a:r>
+          </a:p>
+        </p:txBody>
+      </p:sp>
+      <p:sp>
+        <p:nvSpPr>
+          <p:cNvPr id="4" name="Slide Number Placeholder 3"/>
           <p:cNvSpPr>
             <a:spLocks noGrp="1"/>
           </p:cNvSpPr>
@@ -1388,7 +1394,7 @@
           <a:p>
             <a:fld id="{FC5BBC2B-72B0-2542-8213-717906F3F32B}" type="slidenum">
               <a:rPr lang="en-US" smtClean="0"/>
-              <a:t>31</a:t>
+              <a:t>32</a:t>
             </a:fld>
             <a:endParaRPr lang="en-US"/>
           </a:p>
@@ -1397,7 +1403,7 @@
     </p:spTree>
     <p:extLst>
       <p:ext uri="{BB962C8B-B14F-4D97-AF65-F5344CB8AC3E}">
-        <p14:creationId xmlns:p14="http://schemas.microsoft.com/office/powerpoint/2010/main" val="2333918339"/>
+        <p14:creationId xmlns:p14="http://schemas.microsoft.com/office/powerpoint/2010/main" val="2494798028"/>
       </p:ext>
     </p:extLst>
   </p:cSld>
@@ -1415,7 +1421,7 @@
         <p:cNvPr id="1" name="">
           <a:extLst>
             <a:ext uri="{FF2B5EF4-FFF2-40B4-BE49-F238E27FC236}">
-              <a16:creationId xmlns:a16="http://schemas.microsoft.com/office/drawing/2014/main" id="{19886A59-9FD7-B68E-EEA5-C30F27DBE850}"/>
+              <a16:creationId xmlns:a16="http://schemas.microsoft.com/office/drawing/2014/main" id="{0434CDCA-0F48-D7CD-B218-C25337D727E0}"/>
             </a:ext>
           </a:extLst>
         </p:cNvPr>
@@ -1435,7 +1441,7 @@
           <p:cNvPr id="2" name="Slide Image Placeholder 1">
             <a:extLst>
               <a:ext uri="{FF2B5EF4-FFF2-40B4-BE49-F238E27FC236}">
-                <a16:creationId xmlns:a16="http://schemas.microsoft.com/office/drawing/2014/main" id="{EA7CC816-EDCB-44D4-9AF6-D825676036CC}"/>
+                <a16:creationId xmlns:a16="http://schemas.microsoft.com/office/drawing/2014/main" id="{536CCD3C-A172-6834-8B13-E813F2C964A0}"/>
               </a:ext>
             </a:extLst>
           </p:cNvPr>
@@ -1453,7 +1459,7 @@
           <p:cNvPr id="3" name="Notes Placeholder 2">
             <a:extLst>
               <a:ext uri="{FF2B5EF4-FFF2-40B4-BE49-F238E27FC236}">
-                <a16:creationId xmlns:a16="http://schemas.microsoft.com/office/drawing/2014/main" id="{448D1787-B078-B1E3-CDBA-8AF6C61A5833}"/>
+                <a16:creationId xmlns:a16="http://schemas.microsoft.com/office/drawing/2014/main" id="{A94E446C-342C-E89A-875D-18707577D2A8}"/>
               </a:ext>
             </a:extLst>
           </p:cNvPr>
@@ -1469,7 +1475,10 @@
           <a:bodyPr/>
           <a:lstStyle/>
           <a:p>
-            <a:endParaRPr lang="en-US"/>
+            <a:r>
+              <a:rPr lang="en-US"/>
+              <a:t>Stay on the same level of abstraction as the testing circle</a:t>
+            </a:r>
           </a:p>
         </p:txBody>
       </p:sp>
@@ -1478,7 +1487,7 @@
           <p:cNvPr id="4" name="Slide Number Placeholder 3">
             <a:extLst>
               <a:ext uri="{FF2B5EF4-FFF2-40B4-BE49-F238E27FC236}">
-                <a16:creationId xmlns:a16="http://schemas.microsoft.com/office/drawing/2014/main" id="{21909D89-84F7-74E2-50D2-572C3EAC0735}"/>
+                <a16:creationId xmlns:a16="http://schemas.microsoft.com/office/drawing/2014/main" id="{1D8CDDEB-F2F7-4E86-87D2-9B05707A581C}"/>
               </a:ext>
             </a:extLst>
           </p:cNvPr>
@@ -1496,7 +1505,7 @@
           <a:p>
             <a:fld id="{FC5BBC2B-72B0-2542-8213-717906F3F32B}" type="slidenum">
               <a:rPr lang="en-US" smtClean="0"/>
-              <a:t>32</a:t>
+              <a:t>34</a:t>
             </a:fld>
             <a:endParaRPr lang="en-US"/>
           </a:p>
@@ -1505,7 +1514,7 @@
     </p:spTree>
     <p:extLst>
       <p:ext uri="{BB962C8B-B14F-4D97-AF65-F5344CB8AC3E}">
-        <p14:creationId xmlns:p14="http://schemas.microsoft.com/office/powerpoint/2010/main" val="2458631358"/>
+        <p14:creationId xmlns:p14="http://schemas.microsoft.com/office/powerpoint/2010/main" val="460134162"/>
       </p:ext>
     </p:extLst>
   </p:cSld>
@@ -1523,7 +1532,7 @@
         <p:cNvPr id="1" name="">
           <a:extLst>
             <a:ext uri="{FF2B5EF4-FFF2-40B4-BE49-F238E27FC236}">
-              <a16:creationId xmlns:a16="http://schemas.microsoft.com/office/drawing/2014/main" id="{EFF7F1DD-8B0C-EB2D-E0EB-0D22FB9D3CD8}"/>
+              <a16:creationId xmlns:a16="http://schemas.microsoft.com/office/drawing/2014/main" id="{B13963CA-7CF1-3E2B-559C-B879DC655A8B}"/>
             </a:ext>
           </a:extLst>
         </p:cNvPr>
@@ -1543,7 +1552,7 @@
           <p:cNvPr id="2" name="Slide Image Placeholder 1">
             <a:extLst>
               <a:ext uri="{FF2B5EF4-FFF2-40B4-BE49-F238E27FC236}">
-                <a16:creationId xmlns:a16="http://schemas.microsoft.com/office/drawing/2014/main" id="{71142E6E-1D76-E651-1AAA-E663DF18272C}"/>
+                <a16:creationId xmlns:a16="http://schemas.microsoft.com/office/drawing/2014/main" id="{645C05E8-FC4A-E81F-F10F-919346267D85}"/>
               </a:ext>
             </a:extLst>
           </p:cNvPr>
@@ -1561,7 +1570,7 @@
           <p:cNvPr id="3" name="Notes Placeholder 2">
             <a:extLst>
               <a:ext uri="{FF2B5EF4-FFF2-40B4-BE49-F238E27FC236}">
-                <a16:creationId xmlns:a16="http://schemas.microsoft.com/office/drawing/2014/main" id="{5E9646FE-3CFC-7847-B45F-831D305E2856}"/>
+                <a16:creationId xmlns:a16="http://schemas.microsoft.com/office/drawing/2014/main" id="{E5754B36-F185-8AC4-E5FD-6F00658AF922}"/>
               </a:ext>
             </a:extLst>
           </p:cNvPr>
@@ -1577,7 +1586,10 @@
           <a:bodyPr/>
           <a:lstStyle/>
           <a:p>
-            <a:endParaRPr lang="en-US"/>
+            <a:r>
+              <a:rPr lang="en-US"/>
+              <a:t>Hey Llewellyn, look what I did</a:t>
+            </a:r>
           </a:p>
         </p:txBody>
       </p:sp>
@@ -1586,7 +1598,7 @@
           <p:cNvPr id="4" name="Slide Number Placeholder 3">
             <a:extLst>
               <a:ext uri="{FF2B5EF4-FFF2-40B4-BE49-F238E27FC236}">
-                <a16:creationId xmlns:a16="http://schemas.microsoft.com/office/drawing/2014/main" id="{C7D6CC35-2890-D30B-7AFB-A7790706A632}"/>
+                <a16:creationId xmlns:a16="http://schemas.microsoft.com/office/drawing/2014/main" id="{5AB457B8-776C-434C-222A-5BF90913BB31}"/>
               </a:ext>
             </a:extLst>
           </p:cNvPr>
@@ -1604,7 +1616,7 @@
           <a:p>
             <a:fld id="{FC5BBC2B-72B0-2542-8213-717906F3F32B}" type="slidenum">
               <a:rPr lang="en-US" smtClean="0"/>
-              <a:t>33</a:t>
+              <a:t>36</a:t>
             </a:fld>
             <a:endParaRPr lang="en-US"/>
           </a:p>
@@ -1613,7 +1625,7 @@
     </p:spTree>
     <p:extLst>
       <p:ext uri="{BB962C8B-B14F-4D97-AF65-F5344CB8AC3E}">
-        <p14:creationId xmlns:p14="http://schemas.microsoft.com/office/powerpoint/2010/main" val="1169722159"/>
+        <p14:creationId xmlns:p14="http://schemas.microsoft.com/office/powerpoint/2010/main" val="2496831103"/>
       </p:ext>
     </p:extLst>
   </p:cSld>
@@ -1631,7 +1643,7 @@
         <p:cNvPr id="1" name="">
           <a:extLst>
             <a:ext uri="{FF2B5EF4-FFF2-40B4-BE49-F238E27FC236}">
-              <a16:creationId xmlns:a16="http://schemas.microsoft.com/office/drawing/2014/main" id="{E6F69621-9C12-04F1-F665-272AEC8B3AFA}"/>
+              <a16:creationId xmlns:a16="http://schemas.microsoft.com/office/drawing/2014/main" id="{D683EB18-5FA5-4B39-4372-49BC81C3B02C}"/>
             </a:ext>
           </a:extLst>
         </p:cNvPr>
@@ -1651,7 +1663,7 @@
           <p:cNvPr id="2" name="Slide Image Placeholder 1">
             <a:extLst>
               <a:ext uri="{FF2B5EF4-FFF2-40B4-BE49-F238E27FC236}">
-                <a16:creationId xmlns:a16="http://schemas.microsoft.com/office/drawing/2014/main" id="{E76F047A-193C-4DB1-27F1-465C1D1E8459}"/>
+                <a16:creationId xmlns:a16="http://schemas.microsoft.com/office/drawing/2014/main" id="{0E54920F-DFEC-5D54-A969-9CAB024557F2}"/>
               </a:ext>
             </a:extLst>
           </p:cNvPr>
@@ -1669,7 +1681,7 @@
           <p:cNvPr id="3" name="Notes Placeholder 2">
             <a:extLst>
               <a:ext uri="{FF2B5EF4-FFF2-40B4-BE49-F238E27FC236}">
-                <a16:creationId xmlns:a16="http://schemas.microsoft.com/office/drawing/2014/main" id="{EB5025E0-D461-4ED8-26FB-807B53E8B827}"/>
+                <a16:creationId xmlns:a16="http://schemas.microsoft.com/office/drawing/2014/main" id="{527F5D33-85E5-A5E7-CB17-21E481EA7C13}"/>
               </a:ext>
             </a:extLst>
           </p:cNvPr>
@@ -1685,7 +1697,10 @@
           <a:bodyPr/>
           <a:lstStyle/>
           <a:p>
-            <a:endParaRPr lang="en-US"/>
+            <a:r>
+              <a:rPr lang="en-US"/>
+              <a:t>Stay on the same level of abstraction as the testing circle</a:t>
+            </a:r>
           </a:p>
         </p:txBody>
       </p:sp>
@@ -1694,7 +1709,7 @@
           <p:cNvPr id="4" name="Slide Number Placeholder 3">
             <a:extLst>
               <a:ext uri="{FF2B5EF4-FFF2-40B4-BE49-F238E27FC236}">
-                <a16:creationId xmlns:a16="http://schemas.microsoft.com/office/drawing/2014/main" id="{50100E89-21E1-D9EF-4EE9-496193D2CB03}"/>
+                <a16:creationId xmlns:a16="http://schemas.microsoft.com/office/drawing/2014/main" id="{A4B7F114-D24F-11F2-7265-9A4005D0D733}"/>
               </a:ext>
             </a:extLst>
           </p:cNvPr>
@@ -1712,7 +1727,7 @@
           <a:p>
             <a:fld id="{FC5BBC2B-72B0-2542-8213-717906F3F32B}" type="slidenum">
               <a:rPr lang="en-US" smtClean="0"/>
-              <a:t>34</a:t>
+              <a:t>37</a:t>
             </a:fld>
             <a:endParaRPr lang="en-US"/>
           </a:p>
@@ -1721,7 +1736,7 @@
     </p:spTree>
     <p:extLst>
       <p:ext uri="{BB962C8B-B14F-4D97-AF65-F5344CB8AC3E}">
-        <p14:creationId xmlns:p14="http://schemas.microsoft.com/office/powerpoint/2010/main" val="166212063"/>
+        <p14:creationId xmlns:p14="http://schemas.microsoft.com/office/powerpoint/2010/main" val="3745307701"/>
       </p:ext>
     </p:extLst>
   </p:cSld>
@@ -1826,114 +1841,6 @@
         <p:cNvPr id="1" name="">
           <a:extLst>
             <a:ext uri="{FF2B5EF4-FFF2-40B4-BE49-F238E27FC236}">
-              <a16:creationId xmlns:a16="http://schemas.microsoft.com/office/drawing/2014/main" id="{69BF154E-23EB-6CA1-57DF-A77D8F931BB7}"/>
-            </a:ext>
-          </a:extLst>
-        </p:cNvPr>
-        <p:cNvGrpSpPr/>
-        <p:nvPr/>
-      </p:nvGrpSpPr>
-      <p:grpSpPr>
-        <a:xfrm>
-          <a:off x="0" y="0"/>
-          <a:ext cx="0" cy="0"/>
-          <a:chOff x="0" y="0"/>
-          <a:chExt cx="0" cy="0"/>
-        </a:xfrm>
-      </p:grpSpPr>
-      <p:sp>
-        <p:nvSpPr>
-          <p:cNvPr id="2" name="Slide Image Placeholder 1">
-            <a:extLst>
-              <a:ext uri="{FF2B5EF4-FFF2-40B4-BE49-F238E27FC236}">
-                <a16:creationId xmlns:a16="http://schemas.microsoft.com/office/drawing/2014/main" id="{02F707C4-0EBD-966B-9F04-9577D677788A}"/>
-              </a:ext>
-            </a:extLst>
-          </p:cNvPr>
-          <p:cNvSpPr>
-            <a:spLocks noGrp="1" noRot="1" noChangeAspect="1"/>
-          </p:cNvSpPr>
-          <p:nvPr>
-            <p:ph type="sldImg"/>
-          </p:nvPr>
-        </p:nvSpPr>
-        <p:spPr/>
-      </p:sp>
-      <p:sp>
-        <p:nvSpPr>
-          <p:cNvPr id="3" name="Notes Placeholder 2">
-            <a:extLst>
-              <a:ext uri="{FF2B5EF4-FFF2-40B4-BE49-F238E27FC236}">
-                <a16:creationId xmlns:a16="http://schemas.microsoft.com/office/drawing/2014/main" id="{4C461E15-6198-648B-1B09-BCA243F699B7}"/>
-              </a:ext>
-            </a:extLst>
-          </p:cNvPr>
-          <p:cNvSpPr>
-            <a:spLocks noGrp="1"/>
-          </p:cNvSpPr>
-          <p:nvPr>
-            <p:ph type="body" idx="1"/>
-          </p:nvPr>
-        </p:nvSpPr>
-        <p:spPr/>
-        <p:txBody>
-          <a:bodyPr/>
-          <a:lstStyle/>
-          <a:p>
-            <a:endParaRPr lang="en-US"/>
-          </a:p>
-        </p:txBody>
-      </p:sp>
-      <p:sp>
-        <p:nvSpPr>
-          <p:cNvPr id="4" name="Slide Number Placeholder 3">
-            <a:extLst>
-              <a:ext uri="{FF2B5EF4-FFF2-40B4-BE49-F238E27FC236}">
-                <a16:creationId xmlns:a16="http://schemas.microsoft.com/office/drawing/2014/main" id="{5BE3AE08-8B22-3287-D313-1AA3FAC0CDAE}"/>
-              </a:ext>
-            </a:extLst>
-          </p:cNvPr>
-          <p:cNvSpPr>
-            <a:spLocks noGrp="1"/>
-          </p:cNvSpPr>
-          <p:nvPr>
-            <p:ph type="sldNum" sz="quarter" idx="5"/>
-          </p:nvPr>
-        </p:nvSpPr>
-        <p:spPr/>
-        <p:txBody>
-          <a:bodyPr/>
-          <a:lstStyle/>
-          <a:p>
-            <a:fld id="{FC5BBC2B-72B0-2542-8213-717906F3F32B}" type="slidenum">
-              <a:rPr lang="en-US" smtClean="0"/>
-              <a:t>35</a:t>
-            </a:fld>
-            <a:endParaRPr lang="en-US"/>
-          </a:p>
-        </p:txBody>
-      </p:sp>
-    </p:spTree>
-    <p:extLst>
-      <p:ext uri="{BB962C8B-B14F-4D97-AF65-F5344CB8AC3E}">
-        <p14:creationId xmlns:p14="http://schemas.microsoft.com/office/powerpoint/2010/main" val="3222990154"/>
-      </p:ext>
-    </p:extLst>
-  </p:cSld>
-  <p:clrMapOvr>
-    <a:masterClrMapping/>
-  </p:clrMapOvr>
-</p:notes>
-</file>
-
-<file path=ppt/notesSlides/notesSlide21.xml><?xml version="1.0" encoding="utf-8"?>
-<p:notes xmlns:a="http://schemas.openxmlformats.org/drawingml/2006/main" xmlns:r="http://schemas.openxmlformats.org/officeDocument/2006/relationships" xmlns:p="http://schemas.openxmlformats.org/presentationml/2006/main">
-  <p:cSld>
-    <p:spTree>
-      <p:nvGrpSpPr>
-        <p:cNvPr id="1" name="">
-          <a:extLst>
-            <a:ext uri="{FF2B5EF4-FFF2-40B4-BE49-F238E27FC236}">
               <a16:creationId xmlns:a16="http://schemas.microsoft.com/office/drawing/2014/main" id="{B3132086-4AF6-DA1A-CF22-D2DC456D8DED}"/>
             </a:ext>
           </a:extLst>
@@ -2015,7 +1922,7 @@
           <a:p>
             <a:fld id="{FC5BBC2B-72B0-2542-8213-717906F3F32B}" type="slidenum">
               <a:rPr lang="en-US" smtClean="0"/>
-              <a:t>36</a:t>
+              <a:t>38</a:t>
             </a:fld>
             <a:endParaRPr lang="en-US"/>
           </a:p>
@@ -2034,7 +1941,7 @@
 </p:notes>
 </file>
 
-<file path=ppt/notesSlides/notesSlide22.xml><?xml version="1.0" encoding="utf-8"?>
+<file path=ppt/notesSlides/notesSlide21.xml><?xml version="1.0" encoding="utf-8"?>
 <p:notes xmlns:a="http://schemas.openxmlformats.org/drawingml/2006/main" xmlns:r="http://schemas.openxmlformats.org/officeDocument/2006/relationships" xmlns:p="http://schemas.openxmlformats.org/presentationml/2006/main">
   <p:cSld>
     <p:spTree>
@@ -2123,7 +2030,7 @@
           <a:p>
             <a:fld id="{FC5BBC2B-72B0-2542-8213-717906F3F32B}" type="slidenum">
               <a:rPr lang="en-US" smtClean="0"/>
-              <a:t>37</a:t>
+              <a:t>39</a:t>
             </a:fld>
             <a:endParaRPr lang="en-US"/>
           </a:p>
@@ -2142,7 +2049,7 @@
 </p:notes>
 </file>
 
-<file path=ppt/notesSlides/notesSlide23.xml><?xml version="1.0" encoding="utf-8"?>
+<file path=ppt/notesSlides/notesSlide22.xml><?xml version="1.0" encoding="utf-8"?>
 <p:notes xmlns:a="http://schemas.openxmlformats.org/drawingml/2006/main" xmlns:r="http://schemas.openxmlformats.org/officeDocument/2006/relationships" xmlns:p="http://schemas.openxmlformats.org/presentationml/2006/main">
   <p:cSld>
     <p:spTree>
@@ -2231,7 +2138,7 @@
           <a:p>
             <a:fld id="{FC5BBC2B-72B0-2542-8213-717906F3F32B}" type="slidenum">
               <a:rPr lang="en-US" smtClean="0"/>
-              <a:t>38</a:t>
+              <a:t>40</a:t>
             </a:fld>
             <a:endParaRPr lang="en-US"/>
           </a:p>
@@ -2250,7 +2157,7 @@
 </p:notes>
 </file>
 
-<file path=ppt/notesSlides/notesSlide24.xml><?xml version="1.0" encoding="utf-8"?>
+<file path=ppt/notesSlides/notesSlide23.xml><?xml version="1.0" encoding="utf-8"?>
 <p:notes xmlns:a="http://schemas.openxmlformats.org/drawingml/2006/main" xmlns:r="http://schemas.openxmlformats.org/officeDocument/2006/relationships" xmlns:p="http://schemas.openxmlformats.org/presentationml/2006/main">
   <p:cSld>
     <p:spTree>
@@ -2339,7 +2246,7 @@
           <a:p>
             <a:fld id="{FC5BBC2B-72B0-2542-8213-717906F3F32B}" type="slidenum">
               <a:rPr lang="en-US" smtClean="0"/>
-              <a:t>39</a:t>
+              <a:t>41</a:t>
             </a:fld>
             <a:endParaRPr lang="en-US"/>
           </a:p>
@@ -2358,7 +2265,7 @@
 </p:notes>
 </file>
 
-<file path=ppt/notesSlides/notesSlide25.xml><?xml version="1.0" encoding="utf-8"?>
+<file path=ppt/notesSlides/notesSlide24.xml><?xml version="1.0" encoding="utf-8"?>
 <p:notes xmlns:a="http://schemas.openxmlformats.org/drawingml/2006/main" xmlns:r="http://schemas.openxmlformats.org/officeDocument/2006/relationships" xmlns:p="http://schemas.openxmlformats.org/presentationml/2006/main">
   <p:cSld>
     <p:spTree>
@@ -2447,7 +2354,7 @@
           <a:p>
             <a:fld id="{FC5BBC2B-72B0-2542-8213-717906F3F32B}" type="slidenum">
               <a:rPr lang="en-US" smtClean="0"/>
-              <a:t>40</a:t>
+              <a:t>42</a:t>
             </a:fld>
             <a:endParaRPr lang="en-US"/>
           </a:p>
@@ -2466,7 +2373,7 @@
 </p:notes>
 </file>
 
-<file path=ppt/notesSlides/notesSlide26.xml><?xml version="1.0" encoding="utf-8"?>
+<file path=ppt/notesSlides/notesSlide25.xml><?xml version="1.0" encoding="utf-8"?>
 <p:notes xmlns:a="http://schemas.openxmlformats.org/drawingml/2006/main" xmlns:r="http://schemas.openxmlformats.org/officeDocument/2006/relationships" xmlns:p="http://schemas.openxmlformats.org/presentationml/2006/main">
   <p:cSld>
     <p:spTree>
@@ -2531,7 +2438,7 @@
           <a:p>
             <a:fld id="{FC5BBC2B-72B0-2542-8213-717906F3F32B}" type="slidenum">
               <a:rPr lang="en-US" smtClean="0"/>
-              <a:t>42</a:t>
+              <a:t>44</a:t>
             </a:fld>
             <a:endParaRPr lang="en-US"/>
           </a:p>
@@ -2550,7 +2457,7 @@
 </p:notes>
 </file>
 
-<file path=ppt/notesSlides/notesSlide27.xml><?xml version="1.0" encoding="utf-8"?>
+<file path=ppt/notesSlides/notesSlide26.xml><?xml version="1.0" encoding="utf-8"?>
 <p:notes xmlns:a="http://schemas.openxmlformats.org/drawingml/2006/main" xmlns:r="http://schemas.openxmlformats.org/officeDocument/2006/relationships" xmlns:p="http://schemas.openxmlformats.org/presentationml/2006/main">
   <p:cSld>
     <p:spTree>
@@ -2639,7 +2546,7 @@
           <a:p>
             <a:fld id="{FC5BBC2B-72B0-2542-8213-717906F3F32B}" type="slidenum">
               <a:rPr lang="en-US" smtClean="0"/>
-              <a:t>43</a:t>
+              <a:t>45</a:t>
             </a:fld>
             <a:endParaRPr lang="en-US"/>
           </a:p>
@@ -2658,7 +2565,7 @@
 </p:notes>
 </file>
 
-<file path=ppt/notesSlides/notesSlide28.xml><?xml version="1.0" encoding="utf-8"?>
+<file path=ppt/notesSlides/notesSlide27.xml><?xml version="1.0" encoding="utf-8"?>
 <p:notes xmlns:a="http://schemas.openxmlformats.org/drawingml/2006/main" xmlns:r="http://schemas.openxmlformats.org/officeDocument/2006/relationships" xmlns:p="http://schemas.openxmlformats.org/presentationml/2006/main">
   <p:cSld>
     <p:spTree>
@@ -2723,7 +2630,7 @@
           <a:p>
             <a:fld id="{FC5BBC2B-72B0-2542-8213-717906F3F32B}" type="slidenum">
               <a:rPr lang="en-US" smtClean="0"/>
-              <a:t>44</a:t>
+              <a:t>46</a:t>
             </a:fld>
             <a:endParaRPr lang="en-US"/>
           </a:p>
@@ -3155,13 +3062,7 @@
   <p:cSld>
     <p:spTree>
       <p:nvGrpSpPr>
-        <p:cNvPr id="1" name="">
-          <a:extLst>
-            <a:ext uri="{FF2B5EF4-FFF2-40B4-BE49-F238E27FC236}">
-              <a16:creationId xmlns:a16="http://schemas.microsoft.com/office/drawing/2014/main" id="{05C95657-30E9-95F4-C6C0-5C28484D0664}"/>
-            </a:ext>
-          </a:extLst>
-        </p:cNvPr>
+        <p:cNvPr id="1" name=""/>
         <p:cNvGrpSpPr/>
         <p:nvPr/>
       </p:nvGrpSpPr>
@@ -3175,13 +3076,7 @@
       </p:grpSpPr>
       <p:sp>
         <p:nvSpPr>
-          <p:cNvPr id="2" name="Slide Image Placeholder 1">
-            <a:extLst>
-              <a:ext uri="{FF2B5EF4-FFF2-40B4-BE49-F238E27FC236}">
-                <a16:creationId xmlns:a16="http://schemas.microsoft.com/office/drawing/2014/main" id="{7CB5C5A6-8EAD-E4A6-6234-BD89A680AE76}"/>
-              </a:ext>
-            </a:extLst>
-          </p:cNvPr>
+          <p:cNvPr id="2" name="Slide Image Placeholder 1"/>
           <p:cNvSpPr>
             <a:spLocks noGrp="1" noRot="1" noChangeAspect="1"/>
           </p:cNvSpPr>
@@ -3193,13 +3088,7 @@
       </p:sp>
       <p:sp>
         <p:nvSpPr>
-          <p:cNvPr id="3" name="Notes Placeholder 2">
-            <a:extLst>
-              <a:ext uri="{FF2B5EF4-FFF2-40B4-BE49-F238E27FC236}">
-                <a16:creationId xmlns:a16="http://schemas.microsoft.com/office/drawing/2014/main" id="{B028BF3C-7F56-4C72-F739-F2D950442DA7}"/>
-              </a:ext>
-            </a:extLst>
-          </p:cNvPr>
+          <p:cNvPr id="3" name="Notes Placeholder 2"/>
           <p:cNvSpPr>
             <a:spLocks noGrp="1"/>
           </p:cNvSpPr>
@@ -3212,19 +3101,16 @@
           <a:bodyPr/>
           <a:lstStyle/>
           <a:p>
-            <a:endParaRPr lang="en-US"/>
-          </a:p>
-        </p:txBody>
-      </p:sp>
-      <p:sp>
-        <p:nvSpPr>
-          <p:cNvPr id="4" name="Slide Number Placeholder 3">
-            <a:extLst>
-              <a:ext uri="{FF2B5EF4-FFF2-40B4-BE49-F238E27FC236}">
-                <a16:creationId xmlns:a16="http://schemas.microsoft.com/office/drawing/2014/main" id="{325CDB28-298C-BC98-FB92-5805699B6995}"/>
-              </a:ext>
-            </a:extLst>
-          </p:cNvPr>
+            <a:r>
+              <a:rPr lang="en-US"/>
+              <a:t>Stay on the same level of abstraction as the testing circle</a:t>
+            </a:r>
+          </a:p>
+        </p:txBody>
+      </p:sp>
+      <p:sp>
+        <p:nvSpPr>
+          <p:cNvPr id="4" name="Slide Number Placeholder 3"/>
           <p:cNvSpPr>
             <a:spLocks noGrp="1"/>
           </p:cNvSpPr>
@@ -3239,7 +3125,7 @@
           <a:p>
             <a:fld id="{FC5BBC2B-72B0-2542-8213-717906F3F32B}" type="slidenum">
               <a:rPr lang="en-US" smtClean="0"/>
-              <a:t>20</a:t>
+              <a:t>14</a:t>
             </a:fld>
             <a:endParaRPr lang="en-US"/>
           </a:p>
@@ -3248,7 +3134,7 @@
     </p:spTree>
     <p:extLst>
       <p:ext uri="{BB962C8B-B14F-4D97-AF65-F5344CB8AC3E}">
-        <p14:creationId xmlns:p14="http://schemas.microsoft.com/office/powerpoint/2010/main" val="1598719512"/>
+        <p14:creationId xmlns:p14="http://schemas.microsoft.com/office/powerpoint/2010/main" val="1604729318"/>
       </p:ext>
     </p:extLst>
   </p:cSld>
@@ -3266,7 +3152,7 @@
         <p:cNvPr id="1" name="">
           <a:extLst>
             <a:ext uri="{FF2B5EF4-FFF2-40B4-BE49-F238E27FC236}">
-              <a16:creationId xmlns:a16="http://schemas.microsoft.com/office/drawing/2014/main" id="{C5702B95-D31A-44A3-8A9F-90D8D2B251B2}"/>
+              <a16:creationId xmlns:a16="http://schemas.microsoft.com/office/drawing/2014/main" id="{31E91355-C37C-8E12-B225-45052AFC352D}"/>
             </a:ext>
           </a:extLst>
         </p:cNvPr>
@@ -3286,7 +3172,7 @@
           <p:cNvPr id="2" name="Slide Image Placeholder 1">
             <a:extLst>
               <a:ext uri="{FF2B5EF4-FFF2-40B4-BE49-F238E27FC236}">
-                <a16:creationId xmlns:a16="http://schemas.microsoft.com/office/drawing/2014/main" id="{5EC8C751-4567-0877-39D8-127530F1EA2A}"/>
+                <a16:creationId xmlns:a16="http://schemas.microsoft.com/office/drawing/2014/main" id="{8A1332D6-75B9-319C-BEA8-DFB5E36066F1}"/>
               </a:ext>
             </a:extLst>
           </p:cNvPr>
@@ -3304,7 +3190,7 @@
           <p:cNvPr id="3" name="Notes Placeholder 2">
             <a:extLst>
               <a:ext uri="{FF2B5EF4-FFF2-40B4-BE49-F238E27FC236}">
-                <a16:creationId xmlns:a16="http://schemas.microsoft.com/office/drawing/2014/main" id="{E13C5EE5-4EFC-AE74-E105-A682888F0A7E}"/>
+                <a16:creationId xmlns:a16="http://schemas.microsoft.com/office/drawing/2014/main" id="{93FC9BD6-E3D2-D9F7-C1A6-18B81FD5F135}"/>
               </a:ext>
             </a:extLst>
           </p:cNvPr>
@@ -3320,7 +3206,10 @@
           <a:bodyPr/>
           <a:lstStyle/>
           <a:p>
-            <a:endParaRPr lang="en-US"/>
+            <a:r>
+              <a:rPr lang="en-US"/>
+              <a:t>Stay on the same level of abstraction as the testing circle</a:t>
+            </a:r>
           </a:p>
         </p:txBody>
       </p:sp>
@@ -3329,7 +3218,7 @@
           <p:cNvPr id="4" name="Slide Number Placeholder 3">
             <a:extLst>
               <a:ext uri="{FF2B5EF4-FFF2-40B4-BE49-F238E27FC236}">
-                <a16:creationId xmlns:a16="http://schemas.microsoft.com/office/drawing/2014/main" id="{46227C5D-06AE-45B1-C35F-CB52AF860716}"/>
+                <a16:creationId xmlns:a16="http://schemas.microsoft.com/office/drawing/2014/main" id="{80467CC9-62CA-2F95-95F4-8537933342BB}"/>
               </a:ext>
             </a:extLst>
           </p:cNvPr>
@@ -3347,7 +3236,7 @@
           <a:p>
             <a:fld id="{FC5BBC2B-72B0-2542-8213-717906F3F32B}" type="slidenum">
               <a:rPr lang="en-US" smtClean="0"/>
-              <a:t>22</a:t>
+              <a:t>18</a:t>
             </a:fld>
             <a:endParaRPr lang="en-US"/>
           </a:p>
@@ -3356,7 +3245,7 @@
     </p:spTree>
     <p:extLst>
       <p:ext uri="{BB962C8B-B14F-4D97-AF65-F5344CB8AC3E}">
-        <p14:creationId xmlns:p14="http://schemas.microsoft.com/office/powerpoint/2010/main" val="1606281994"/>
+        <p14:creationId xmlns:p14="http://schemas.microsoft.com/office/powerpoint/2010/main" val="3086054933"/>
       </p:ext>
     </p:extLst>
   </p:cSld>
@@ -3374,7 +3263,7 @@
         <p:cNvPr id="1" name="">
           <a:extLst>
             <a:ext uri="{FF2B5EF4-FFF2-40B4-BE49-F238E27FC236}">
-              <a16:creationId xmlns:a16="http://schemas.microsoft.com/office/drawing/2014/main" id="{F9C616EC-0447-1D39-81FF-64C1F9803A1C}"/>
+              <a16:creationId xmlns:a16="http://schemas.microsoft.com/office/drawing/2014/main" id="{9EA5C0EB-ACAC-22F1-3B64-286CCA2C74C9}"/>
             </a:ext>
           </a:extLst>
         </p:cNvPr>
@@ -3394,7 +3283,7 @@
           <p:cNvPr id="2" name="Slide Image Placeholder 1">
             <a:extLst>
               <a:ext uri="{FF2B5EF4-FFF2-40B4-BE49-F238E27FC236}">
-                <a16:creationId xmlns:a16="http://schemas.microsoft.com/office/drawing/2014/main" id="{7199EB8A-7FE1-0B31-5984-FB20C387FF04}"/>
+                <a16:creationId xmlns:a16="http://schemas.microsoft.com/office/drawing/2014/main" id="{92498702-9A49-90C9-AB6B-3562CD4C4B06}"/>
               </a:ext>
             </a:extLst>
           </p:cNvPr>
@@ -3412,7 +3301,7 @@
           <p:cNvPr id="3" name="Notes Placeholder 2">
             <a:extLst>
               <a:ext uri="{FF2B5EF4-FFF2-40B4-BE49-F238E27FC236}">
-                <a16:creationId xmlns:a16="http://schemas.microsoft.com/office/drawing/2014/main" id="{B61386B5-65B9-CF71-A989-22E7E2A6516A}"/>
+                <a16:creationId xmlns:a16="http://schemas.microsoft.com/office/drawing/2014/main" id="{7930946F-FD41-7ACD-8B30-CDF3AAE9DF8F}"/>
               </a:ext>
             </a:extLst>
           </p:cNvPr>
@@ -3437,7 +3326,7 @@
           <p:cNvPr id="4" name="Slide Number Placeholder 3">
             <a:extLst>
               <a:ext uri="{FF2B5EF4-FFF2-40B4-BE49-F238E27FC236}">
-                <a16:creationId xmlns:a16="http://schemas.microsoft.com/office/drawing/2014/main" id="{5D841065-090C-A63D-C642-AD83E7B738B3}"/>
+                <a16:creationId xmlns:a16="http://schemas.microsoft.com/office/drawing/2014/main" id="{3107D6D9-6334-093E-013B-F44D44816DFC}"/>
               </a:ext>
             </a:extLst>
           </p:cNvPr>
@@ -3455,7 +3344,7 @@
           <a:p>
             <a:fld id="{FC5BBC2B-72B0-2542-8213-717906F3F32B}" type="slidenum">
               <a:rPr lang="en-US" smtClean="0"/>
-              <a:t>23</a:t>
+              <a:t>21</a:t>
             </a:fld>
             <a:endParaRPr lang="en-US"/>
           </a:p>
@@ -3464,7 +3353,7 @@
     </p:spTree>
     <p:extLst>
       <p:ext uri="{BB962C8B-B14F-4D97-AF65-F5344CB8AC3E}">
-        <p14:creationId xmlns:p14="http://schemas.microsoft.com/office/powerpoint/2010/main" val="2087736801"/>
+        <p14:creationId xmlns:p14="http://schemas.microsoft.com/office/powerpoint/2010/main" val="3121600577"/>
       </p:ext>
     </p:extLst>
   </p:cSld>
@@ -9284,6 +9173,133 @@
   <p:cSld>
     <p:spTree>
       <p:nvGrpSpPr>
+        <p:cNvPr id="1" name=""/>
+        <p:cNvGrpSpPr/>
+        <p:nvPr/>
+      </p:nvGrpSpPr>
+      <p:grpSpPr>
+        <a:xfrm>
+          <a:off x="0" y="0"/>
+          <a:ext cx="0" cy="0"/>
+          <a:chOff x="0" y="0"/>
+          <a:chExt cx="0" cy="0"/>
+        </a:xfrm>
+      </p:grpSpPr>
+      <p:sp>
+        <p:nvSpPr>
+          <p:cNvPr id="3" name="TextBox 2">
+            <a:extLst>
+              <a:ext uri="{FF2B5EF4-FFF2-40B4-BE49-F238E27FC236}">
+                <a16:creationId xmlns:a16="http://schemas.microsoft.com/office/drawing/2014/main" id="{C0F58F6B-E8A4-EFF9-FA95-BEFA1F706AEC}"/>
+              </a:ext>
+            </a:extLst>
+          </p:cNvPr>
+          <p:cNvSpPr txBox="1"/>
+          <p:nvPr/>
+        </p:nvSpPr>
+        <p:spPr>
+          <a:xfrm>
+            <a:off x="868680" y="786384"/>
+            <a:ext cx="1679434" cy="369332"/>
+          </a:xfrm>
+          <a:prstGeom prst="rect">
+            <a:avLst/>
+          </a:prstGeom>
+          <a:noFill/>
+        </p:spPr>
+        <p:txBody>
+          <a:bodyPr wrap="none" rtlCol="0">
+            <a:spAutoFit/>
+          </a:bodyPr>
+          <a:lstStyle/>
+          <a:p>
+            <a:r>
+              <a:rPr lang="en-US"/>
+              <a:t>Remember this:</a:t>
+            </a:r>
+          </a:p>
+        </p:txBody>
+      </p:sp>
+      <p:sp>
+        <p:nvSpPr>
+          <p:cNvPr id="4" name="TextBox 3">
+            <a:extLst>
+              <a:ext uri="{FF2B5EF4-FFF2-40B4-BE49-F238E27FC236}">
+                <a16:creationId xmlns:a16="http://schemas.microsoft.com/office/drawing/2014/main" id="{149CE958-DC61-A42B-167A-11327E7E49BA}"/>
+              </a:ext>
+            </a:extLst>
+          </p:cNvPr>
+          <p:cNvSpPr txBox="1"/>
+          <p:nvPr/>
+        </p:nvSpPr>
+        <p:spPr>
+          <a:xfrm>
+            <a:off x="978408" y="1682496"/>
+            <a:ext cx="5963556" cy="1477328"/>
+          </a:xfrm>
+          <a:prstGeom prst="rect">
+            <a:avLst/>
+          </a:prstGeom>
+          <a:noFill/>
+        </p:spPr>
+        <p:txBody>
+          <a:bodyPr wrap="none" rtlCol="0">
+            <a:spAutoFit/>
+          </a:bodyPr>
+          <a:lstStyle/>
+          <a:p>
+            <a:pPr marL="342900" indent="-342900">
+              <a:buAutoNum type="arabicPeriod"/>
+            </a:pPr>
+            <a:r>
+              <a:rPr lang="en-US"/>
+              <a:t>Pay attention to the testing circle</a:t>
+            </a:r>
+          </a:p>
+          <a:p>
+            <a:pPr marL="342900" indent="-342900">
+              <a:buAutoNum type="arabicPeriod"/>
+            </a:pPr>
+            <a:r>
+              <a:rPr lang="en-US"/>
+              <a:t>Create convenience functions to hide unnecessary details</a:t>
+            </a:r>
+          </a:p>
+          <a:p>
+            <a:pPr marL="342900" indent="-342900">
+              <a:buAutoNum type="arabicPeriod"/>
+            </a:pPr>
+            <a:endParaRPr lang="en-US"/>
+          </a:p>
+          <a:p>
+            <a:pPr marL="342900" indent="-342900">
+              <a:buAutoNum type="arabicPeriod"/>
+            </a:pPr>
+            <a:endParaRPr lang="en-US"/>
+          </a:p>
+          <a:p>
+            <a:endParaRPr lang="en-US"/>
+          </a:p>
+        </p:txBody>
+      </p:sp>
+    </p:spTree>
+    <p:extLst>
+      <p:ext uri="{BB962C8B-B14F-4D97-AF65-F5344CB8AC3E}">
+        <p14:creationId xmlns:p14="http://schemas.microsoft.com/office/powerpoint/2010/main" val="2069687632"/>
+      </p:ext>
+    </p:extLst>
+  </p:cSld>
+  <p:clrMapOvr>
+    <a:masterClrMapping/>
+  </p:clrMapOvr>
+</p:sld>
+</file>
+
+<file path=ppt/slides/slide15.xml><?xml version="1.0" encoding="utf-8"?>
+<p:sld xmlns:a="http://schemas.openxmlformats.org/drawingml/2006/main" xmlns:r="http://schemas.openxmlformats.org/officeDocument/2006/relationships" xmlns:p="http://schemas.openxmlformats.org/presentationml/2006/main">
+  <p:cSld>
+    <p:spTree>
+      <p:nvGrpSpPr>
         <p:cNvPr id="1" name="">
           <a:extLst>
             <a:ext uri="{FF2B5EF4-FFF2-40B4-BE49-F238E27FC236}">
@@ -9426,316 +9442,6 @@
 </p:sld>
 </file>
 
-<file path=ppt/slides/slide15.xml><?xml version="1.0" encoding="utf-8"?>
-<p:sld xmlns:a="http://schemas.openxmlformats.org/drawingml/2006/main" xmlns:r="http://schemas.openxmlformats.org/officeDocument/2006/relationships" xmlns:p="http://schemas.openxmlformats.org/presentationml/2006/main">
-  <p:cSld>
-    <p:spTree>
-      <p:nvGrpSpPr>
-        <p:cNvPr id="1" name=""/>
-        <p:cNvGrpSpPr/>
-        <p:nvPr/>
-      </p:nvGrpSpPr>
-      <p:grpSpPr>
-        <a:xfrm>
-          <a:off x="0" y="0"/>
-          <a:ext cx="0" cy="0"/>
-          <a:chOff x="0" y="0"/>
-          <a:chExt cx="0" cy="0"/>
-        </a:xfrm>
-      </p:grpSpPr>
-      <p:sp>
-        <p:nvSpPr>
-          <p:cNvPr id="2" name="TextBox 1">
-            <a:extLst>
-              <a:ext uri="{FF2B5EF4-FFF2-40B4-BE49-F238E27FC236}">
-                <a16:creationId xmlns:a16="http://schemas.microsoft.com/office/drawing/2014/main" id="{B9573BF9-B17C-55AD-7566-D992D6FB4781}"/>
-              </a:ext>
-            </a:extLst>
-          </p:cNvPr>
-          <p:cNvSpPr txBox="1"/>
-          <p:nvPr/>
-        </p:nvSpPr>
-        <p:spPr>
-          <a:xfrm>
-            <a:off x="1563624" y="594360"/>
-            <a:ext cx="1216487" cy="369332"/>
-          </a:xfrm>
-          <a:prstGeom prst="rect">
-            <a:avLst/>
-          </a:prstGeom>
-          <a:noFill/>
-        </p:spPr>
-        <p:txBody>
-          <a:bodyPr wrap="none" rtlCol="0">
-            <a:spAutoFit/>
-          </a:bodyPr>
-          <a:lstStyle/>
-          <a:p>
-            <a:r>
-              <a:rPr lang="en-US"/>
-              <a:t>Formatting</a:t>
-            </a:r>
-          </a:p>
-        </p:txBody>
-      </p:sp>
-      <p:sp>
-        <p:nvSpPr>
-          <p:cNvPr id="3" name="TextBox 2">
-            <a:extLst>
-              <a:ext uri="{FF2B5EF4-FFF2-40B4-BE49-F238E27FC236}">
-                <a16:creationId xmlns:a16="http://schemas.microsoft.com/office/drawing/2014/main" id="{535F6C7D-F54C-615D-7273-8A50FB11BBEA}"/>
-              </a:ext>
-            </a:extLst>
-          </p:cNvPr>
-          <p:cNvSpPr txBox="1"/>
-          <p:nvPr/>
-        </p:nvSpPr>
-        <p:spPr>
-          <a:xfrm>
-            <a:off x="418614" y="2907792"/>
-            <a:ext cx="5051383" cy="738664"/>
-          </a:xfrm>
-          <a:prstGeom prst="rect">
-            <a:avLst/>
-          </a:prstGeom>
-          <a:noFill/>
-        </p:spPr>
-        <p:txBody>
-          <a:bodyPr wrap="none" rtlCol="0">
-            <a:spAutoFit/>
-          </a:bodyPr>
-          <a:lstStyle/>
-          <a:p>
-            <a:r>
-              <a:rPr lang="en-US" sz="1400">
-                <a:solidFill>
-                  <a:srgbClr val="080808"/>
-                </a:solidFill>
-                <a:effectLst/>
-                <a:latin typeface="Fira Code" pitchFamily="49" charset="0"/>
-                <a:ea typeface="Fira Code" pitchFamily="49" charset="0"/>
-                <a:cs typeface="Fira Code" pitchFamily="49" charset="0"/>
-              </a:rPr>
-              <a:t>[Customer]: hi</a:t>
-            </a:r>
-            <a:br>
-              <a:rPr lang="en-US" sz="1400">
-                <a:solidFill>
-                  <a:srgbClr val="080808"/>
-                </a:solidFill>
-                <a:effectLst/>
-                <a:latin typeface="Fira Code" pitchFamily="49" charset="0"/>
-                <a:ea typeface="Fira Code" pitchFamily="49" charset="0"/>
-                <a:cs typeface="Fira Code" pitchFamily="49" charset="0"/>
-              </a:rPr>
-            </a:br>
-            <a:r>
-              <a:rPr lang="en-US" sz="1400">
-                <a:solidFill>
-                  <a:srgbClr val="080808"/>
-                </a:solidFill>
-                <a:effectLst/>
-                <a:latin typeface="Fira Code" pitchFamily="49" charset="0"/>
-                <a:ea typeface="Fira Code" pitchFamily="49" charset="0"/>
-                <a:cs typeface="Fira Code" pitchFamily="49" charset="0"/>
-              </a:rPr>
-              <a:t>[Bot]: Hi </a:t>
-            </a:r>
-            <a:r>
-              <a:rPr lang="en-US" sz="1400">
-                <a:solidFill>
-                  <a:srgbClr val="080808"/>
-                </a:solidFill>
-                <a:latin typeface="Fira Code" pitchFamily="49" charset="0"/>
-                <a:ea typeface="Fira Code" pitchFamily="49" charset="0"/>
-                <a:cs typeface="Fira Code" pitchFamily="49" charset="0"/>
-              </a:rPr>
-              <a:t>there</a:t>
-            </a:r>
-            <a:r>
-              <a:rPr lang="en-US" sz="1400">
-                <a:solidFill>
-                  <a:srgbClr val="080808"/>
-                </a:solidFill>
-                <a:effectLst/>
-                <a:latin typeface="Fira Code" pitchFamily="49" charset="0"/>
-                <a:ea typeface="Fira Code" pitchFamily="49" charset="0"/>
-                <a:cs typeface="Fira Code" pitchFamily="49" charset="0"/>
-              </a:rPr>
-              <a:t>! I'm your virtual assistant.</a:t>
-            </a:r>
-            <a:br>
-              <a:rPr lang="en-US" sz="1400">
-                <a:solidFill>
-                  <a:srgbClr val="080808"/>
-                </a:solidFill>
-                <a:effectLst/>
-                <a:latin typeface="Fira Code" pitchFamily="49" charset="0"/>
-                <a:ea typeface="Fira Code" pitchFamily="49" charset="0"/>
-                <a:cs typeface="Fira Code" pitchFamily="49" charset="0"/>
-              </a:rPr>
-            </a:br>
-            <a:r>
-              <a:rPr lang="en-US" sz="1400">
-                <a:solidFill>
-                  <a:srgbClr val="080808"/>
-                </a:solidFill>
-                <a:effectLst/>
-                <a:latin typeface="Fira Code" pitchFamily="49" charset="0"/>
-                <a:ea typeface="Fira Code" pitchFamily="49" charset="0"/>
-                <a:cs typeface="Fira Code" pitchFamily="49" charset="0"/>
-              </a:rPr>
-              <a:t>[Bot]: What would you like to do today?</a:t>
-            </a:r>
-            <a:endParaRPr lang="en-US" sz="1400">
-              <a:latin typeface="Fira Code" pitchFamily="49" charset="0"/>
-              <a:ea typeface="Fira Code" pitchFamily="49" charset="0"/>
-              <a:cs typeface="Fira Code" pitchFamily="49" charset="0"/>
-            </a:endParaRPr>
-          </a:p>
-        </p:txBody>
-      </p:sp>
-      <p:sp>
-        <p:nvSpPr>
-          <p:cNvPr id="4" name="TextBox 3">
-            <a:extLst>
-              <a:ext uri="{FF2B5EF4-FFF2-40B4-BE49-F238E27FC236}">
-                <a16:creationId xmlns:a16="http://schemas.microsoft.com/office/drawing/2014/main" id="{5DEF780E-380C-E94D-9D2B-D3578F58398C}"/>
-              </a:ext>
-            </a:extLst>
-          </p:cNvPr>
-          <p:cNvSpPr txBox="1"/>
-          <p:nvPr/>
-        </p:nvSpPr>
-        <p:spPr>
-          <a:xfrm>
-            <a:off x="6239257" y="2907792"/>
-            <a:ext cx="5604419" cy="738664"/>
-          </a:xfrm>
-          <a:prstGeom prst="rect">
-            <a:avLst/>
-          </a:prstGeom>
-          <a:noFill/>
-        </p:spPr>
-        <p:txBody>
-          <a:bodyPr wrap="none" rtlCol="0">
-            <a:spAutoFit/>
-          </a:bodyPr>
-          <a:lstStyle/>
-          <a:p>
-            <a:r>
-              <a:rPr lang="en-US" sz="1400">
-                <a:solidFill>
-                  <a:srgbClr val="080808"/>
-                </a:solidFill>
-                <a:latin typeface="Fira Code" pitchFamily="49" charset="0"/>
-                <a:ea typeface="Fira Code" pitchFamily="49" charset="0"/>
-                <a:cs typeface="Fira Code" pitchFamily="49" charset="0"/>
-              </a:rPr>
-              <a:t>[Customer]: hi</a:t>
-            </a:r>
-            <a:br>
-              <a:rPr lang="en-US" sz="1400">
-                <a:solidFill>
-                  <a:srgbClr val="080808"/>
-                </a:solidFill>
-                <a:latin typeface="Fira Code" pitchFamily="49" charset="0"/>
-                <a:ea typeface="Fira Code" pitchFamily="49" charset="0"/>
-                <a:cs typeface="Fira Code" pitchFamily="49" charset="0"/>
-              </a:rPr>
-            </a:br>
-            <a:r>
-              <a:rPr lang="en-US" sz="1400">
-                <a:solidFill>
-                  <a:srgbClr val="080808"/>
-                </a:solidFill>
-                <a:latin typeface="Fira Code" pitchFamily="49" charset="0"/>
-                <a:ea typeface="Fira Code" pitchFamily="49" charset="0"/>
-                <a:cs typeface="Fira Code" pitchFamily="49" charset="0"/>
-              </a:rPr>
-              <a:t>[     Bot]: Hi there! I'm your virtual assistant.</a:t>
-            </a:r>
-            <a:br>
-              <a:rPr lang="en-US" sz="1400">
-                <a:solidFill>
-                  <a:srgbClr val="080808"/>
-                </a:solidFill>
-                <a:latin typeface="Fira Code" pitchFamily="49" charset="0"/>
-                <a:ea typeface="Fira Code" pitchFamily="49" charset="0"/>
-                <a:cs typeface="Fira Code" pitchFamily="49" charset="0"/>
-              </a:rPr>
-            </a:br>
-            <a:r>
-              <a:rPr lang="en-US" sz="1400">
-                <a:solidFill>
-                  <a:srgbClr val="080808"/>
-                </a:solidFill>
-                <a:latin typeface="Fira Code" pitchFamily="49" charset="0"/>
-                <a:ea typeface="Fira Code" pitchFamily="49" charset="0"/>
-                <a:cs typeface="Fira Code" pitchFamily="49" charset="0"/>
-              </a:rPr>
-              <a:t>[     Bot]: What would you like to do today?</a:t>
-            </a:r>
-            <a:endParaRPr lang="en-US" sz="1400">
-              <a:latin typeface="Fira Code" pitchFamily="49" charset="0"/>
-              <a:ea typeface="Fira Code" pitchFamily="49" charset="0"/>
-              <a:cs typeface="Fira Code" pitchFamily="49" charset="0"/>
-            </a:endParaRPr>
-          </a:p>
-        </p:txBody>
-      </p:sp>
-      <p:cxnSp>
-        <p:nvCxnSpPr>
-          <p:cNvPr id="6" name="Straight Connector 5">
-            <a:extLst>
-              <a:ext uri="{FF2B5EF4-FFF2-40B4-BE49-F238E27FC236}">
-                <a16:creationId xmlns:a16="http://schemas.microsoft.com/office/drawing/2014/main" id="{EA340D34-665B-A772-6EA9-802ABBE5343C}"/>
-              </a:ext>
-            </a:extLst>
-          </p:cNvPr>
-          <p:cNvCxnSpPr>
-            <a:cxnSpLocks/>
-          </p:cNvCxnSpPr>
-          <p:nvPr/>
-        </p:nvCxnSpPr>
-        <p:spPr>
-          <a:xfrm>
-            <a:off x="5952744" y="594360"/>
-            <a:ext cx="0" cy="6025896"/>
-          </a:xfrm>
-          <a:prstGeom prst="line">
-            <a:avLst/>
-          </a:prstGeom>
-          <a:ln w="38100"/>
-        </p:spPr>
-        <p:style>
-          <a:lnRef idx="1">
-            <a:schemeClr val="dk1"/>
-          </a:lnRef>
-          <a:fillRef idx="0">
-            <a:schemeClr val="dk1"/>
-          </a:fillRef>
-          <a:effectRef idx="0">
-            <a:schemeClr val="dk1"/>
-          </a:effectRef>
-          <a:fontRef idx="minor">
-            <a:schemeClr val="tx1"/>
-          </a:fontRef>
-        </p:style>
-      </p:cxnSp>
-    </p:spTree>
-    <p:extLst>
-      <p:ext uri="{BB962C8B-B14F-4D97-AF65-F5344CB8AC3E}">
-        <p14:creationId xmlns:p14="http://schemas.microsoft.com/office/powerpoint/2010/main" val="2258015397"/>
-      </p:ext>
-    </p:extLst>
-  </p:cSld>
-  <p:clrMapOvr>
-    <a:masterClrMapping/>
-  </p:clrMapOvr>
-</p:sld>
-</file>
-
 <file path=ppt/slides/slide16.xml><?xml version="1.0" encoding="utf-8"?>
 <p:sld xmlns:a="http://schemas.openxmlformats.org/drawingml/2006/main" xmlns:r="http://schemas.openxmlformats.org/officeDocument/2006/relationships" xmlns:p="http://schemas.openxmlformats.org/presentationml/2006/main">
   <p:cSld>
@@ -9744,7 +9450,7 @@
         <p:cNvPr id="1" name="">
           <a:extLst>
             <a:ext uri="{FF2B5EF4-FFF2-40B4-BE49-F238E27FC236}">
-              <a16:creationId xmlns:a16="http://schemas.microsoft.com/office/drawing/2014/main" id="{E6FF8825-EC20-0C35-C355-C893B2530AF9}"/>
+              <a16:creationId xmlns:a16="http://schemas.microsoft.com/office/drawing/2014/main" id="{09AA6BFD-A211-2CD1-4E07-DAA7872D9321}"/>
             </a:ext>
           </a:extLst>
         </p:cNvPr>
@@ -9761,628 +9467,80 @@
       </p:grpSpPr>
       <p:sp>
         <p:nvSpPr>
-          <p:cNvPr id="2" name="TextBox 1">
-            <a:extLst>
-              <a:ext uri="{FF2B5EF4-FFF2-40B4-BE49-F238E27FC236}">
-                <a16:creationId xmlns:a16="http://schemas.microsoft.com/office/drawing/2014/main" id="{DD0DBFF4-1D30-30B7-F91A-6D482B1D8AE7}"/>
-              </a:ext>
-            </a:extLst>
-          </p:cNvPr>
-          <p:cNvSpPr txBox="1"/>
+          <p:cNvPr id="2" name="Rectangle 1">
+            <a:extLst>
+              <a:ext uri="{FF2B5EF4-FFF2-40B4-BE49-F238E27FC236}">
+                <a16:creationId xmlns:a16="http://schemas.microsoft.com/office/drawing/2014/main" id="{9E2C4C73-1331-8B94-A16F-B46696BB3A75}"/>
+              </a:ext>
+            </a:extLst>
+          </p:cNvPr>
+          <p:cNvSpPr/>
           <p:nvPr/>
         </p:nvSpPr>
         <p:spPr>
           <a:xfrm>
-            <a:off x="1563624" y="594360"/>
-            <a:ext cx="1216487" cy="369332"/>
+            <a:off x="0" y="0"/>
+            <a:ext cx="12201144" cy="6867144"/>
           </a:xfrm>
           <a:prstGeom prst="rect">
             <a:avLst/>
           </a:prstGeom>
-          <a:noFill/>
-        </p:spPr>
-        <p:txBody>
-          <a:bodyPr wrap="none" rtlCol="0">
-            <a:spAutoFit/>
-          </a:bodyPr>
-          <a:lstStyle/>
-          <a:p>
-            <a:r>
-              <a:rPr lang="en-US"/>
-              <a:t>Formatting</a:t>
-            </a:r>
-          </a:p>
-        </p:txBody>
-      </p:sp>
-      <p:sp>
-        <p:nvSpPr>
-          <p:cNvPr id="3" name="TextBox 2">
-            <a:extLst>
-              <a:ext uri="{FF2B5EF4-FFF2-40B4-BE49-F238E27FC236}">
-                <a16:creationId xmlns:a16="http://schemas.microsoft.com/office/drawing/2014/main" id="{F8DFB75D-8685-2FB1-0B13-1BE2BF460D6A}"/>
-              </a:ext>
-            </a:extLst>
-          </p:cNvPr>
-          <p:cNvSpPr txBox="1"/>
-          <p:nvPr/>
-        </p:nvSpPr>
-        <p:spPr>
-          <a:xfrm>
-            <a:off x="379264" y="2367171"/>
-            <a:ext cx="5386411" cy="2123658"/>
-          </a:xfrm>
-          <a:prstGeom prst="rect">
-            <a:avLst/>
-          </a:prstGeom>
-          <a:noFill/>
-        </p:spPr>
-        <p:txBody>
-          <a:bodyPr wrap="none" rtlCol="0">
-            <a:spAutoFit/>
-          </a:bodyPr>
-          <a:lstStyle/>
-          <a:p>
-            <a:r>
-              <a:rPr lang="en-US" sz="1200">
-                <a:solidFill>
-                  <a:srgbClr val="080808"/>
-                </a:solidFill>
-                <a:effectLst/>
-                <a:latin typeface="Fira Code" pitchFamily="49" charset="0"/>
-                <a:ea typeface="Fira Code" pitchFamily="49" charset="0"/>
-                <a:cs typeface="Fira Code" pitchFamily="49" charset="0"/>
-              </a:rPr>
-              <a:t>[Customer]: hi</a:t>
-            </a:r>
-            <a:br>
-              <a:rPr lang="en-US" sz="1200">
-                <a:solidFill>
-                  <a:srgbClr val="080808"/>
-                </a:solidFill>
-                <a:effectLst/>
-                <a:latin typeface="Fira Code" pitchFamily="49" charset="0"/>
-                <a:ea typeface="Fira Code" pitchFamily="49" charset="0"/>
-                <a:cs typeface="Fira Code" pitchFamily="49" charset="0"/>
-              </a:rPr>
-            </a:br>
-            <a:r>
-              <a:rPr lang="en-US" sz="1200">
-                <a:solidFill>
-                  <a:srgbClr val="080808"/>
-                </a:solidFill>
-                <a:effectLst/>
-                <a:latin typeface="Fira Code" pitchFamily="49" charset="0"/>
-                <a:ea typeface="Fira Code" pitchFamily="49" charset="0"/>
-                <a:cs typeface="Fira Code" pitchFamily="49" charset="0"/>
-              </a:rPr>
-              <a:t>[Bot]: Hi there! I'm your virtual assistant.</a:t>
-            </a:r>
-            <a:br>
-              <a:rPr lang="en-US" sz="1200">
-                <a:solidFill>
-                  <a:srgbClr val="080808"/>
-                </a:solidFill>
-                <a:effectLst/>
-                <a:latin typeface="Fira Code" pitchFamily="49" charset="0"/>
-                <a:ea typeface="Fira Code" pitchFamily="49" charset="0"/>
-                <a:cs typeface="Fira Code" pitchFamily="49" charset="0"/>
-              </a:rPr>
-            </a:br>
-            <a:r>
-              <a:rPr lang="en-US" sz="1200">
-                <a:solidFill>
-                  <a:srgbClr val="080808"/>
-                </a:solidFill>
-                <a:effectLst/>
-                <a:latin typeface="Fira Code" pitchFamily="49" charset="0"/>
-                <a:ea typeface="Fira Code" pitchFamily="49" charset="0"/>
-                <a:cs typeface="Fira Code" pitchFamily="49" charset="0"/>
-              </a:rPr>
-              <a:t>[Bot]: What would you like to do today?</a:t>
-            </a:r>
-            <a:br>
-              <a:rPr lang="en-US" sz="1200">
-                <a:solidFill>
-                  <a:srgbClr val="080808"/>
-                </a:solidFill>
-                <a:effectLst/>
-                <a:latin typeface="Fira Code" pitchFamily="49" charset="0"/>
-                <a:ea typeface="Fira Code" pitchFamily="49" charset="0"/>
-                <a:cs typeface="Fira Code" pitchFamily="49" charset="0"/>
-              </a:rPr>
-            </a:br>
-            <a:r>
-              <a:rPr lang="en-US" sz="1200">
-                <a:solidFill>
-                  <a:srgbClr val="080808"/>
-                </a:solidFill>
-                <a:effectLst/>
-                <a:latin typeface="Fira Code" pitchFamily="49" charset="0"/>
-                <a:ea typeface="Fira Code" pitchFamily="49" charset="0"/>
-                <a:cs typeface="Fira Code" pitchFamily="49" charset="0"/>
-              </a:rPr>
-              <a:t>[Customer]: hi</a:t>
-            </a:r>
-            <a:br>
-              <a:rPr lang="en-US" sz="1200">
-                <a:solidFill>
-                  <a:srgbClr val="080808"/>
-                </a:solidFill>
-                <a:effectLst/>
-                <a:latin typeface="Fira Code" pitchFamily="49" charset="0"/>
-                <a:ea typeface="Fira Code" pitchFamily="49" charset="0"/>
-                <a:cs typeface="Fira Code" pitchFamily="49" charset="0"/>
-              </a:rPr>
-            </a:br>
-            <a:r>
-              <a:rPr lang="en-US" sz="1200">
-                <a:solidFill>
-                  <a:srgbClr val="080808"/>
-                </a:solidFill>
-                <a:effectLst/>
-                <a:latin typeface="Fira Code" pitchFamily="49" charset="0"/>
-                <a:ea typeface="Fira Code" pitchFamily="49" charset="0"/>
-                <a:cs typeface="Fira Code" pitchFamily="49" charset="0"/>
-              </a:rPr>
-              <a:t>[Bot]: Hmmm, tell me a little more so I can help you.</a:t>
-            </a:r>
-            <a:br>
-              <a:rPr lang="en-US" sz="1200">
-                <a:solidFill>
-                  <a:srgbClr val="080808"/>
-                </a:solidFill>
-                <a:effectLst/>
-                <a:latin typeface="Fira Code" pitchFamily="49" charset="0"/>
-                <a:ea typeface="Fira Code" pitchFamily="49" charset="0"/>
-                <a:cs typeface="Fira Code" pitchFamily="49" charset="0"/>
-              </a:rPr>
-            </a:br>
-            <a:r>
-              <a:rPr lang="en-US" sz="1200">
-                <a:solidFill>
-                  <a:srgbClr val="080808"/>
-                </a:solidFill>
-                <a:effectLst/>
-                <a:latin typeface="Fira Code" pitchFamily="49" charset="0"/>
-                <a:ea typeface="Fira Code" pitchFamily="49" charset="0"/>
-                <a:cs typeface="Fira Code" pitchFamily="49" charset="0"/>
-              </a:rPr>
-              <a:t>What would you like to do today?</a:t>
-            </a:r>
-            <a:br>
-              <a:rPr lang="en-US" sz="1200">
-                <a:solidFill>
-                  <a:srgbClr val="080808"/>
-                </a:solidFill>
-                <a:effectLst/>
-                <a:latin typeface="Fira Code" pitchFamily="49" charset="0"/>
-                <a:ea typeface="Fira Code" pitchFamily="49" charset="0"/>
-                <a:cs typeface="Fira Code" pitchFamily="49" charset="0"/>
-              </a:rPr>
-            </a:br>
-            <a:r>
-              <a:rPr lang="en-US" sz="1200">
-                <a:solidFill>
-                  <a:srgbClr val="080808"/>
-                </a:solidFill>
-                <a:effectLst/>
-                <a:latin typeface="Fira Code" pitchFamily="49" charset="0"/>
-                <a:ea typeface="Fira Code" pitchFamily="49" charset="0"/>
-                <a:cs typeface="Fira Code" pitchFamily="49" charset="0"/>
-              </a:rPr>
-              <a:t>[Customer]: hi</a:t>
-            </a:r>
-            <a:br>
-              <a:rPr lang="en-US" sz="1200">
-                <a:solidFill>
-                  <a:srgbClr val="080808"/>
-                </a:solidFill>
-                <a:effectLst/>
-                <a:latin typeface="Fira Code" pitchFamily="49" charset="0"/>
-                <a:ea typeface="Fira Code" pitchFamily="49" charset="0"/>
-                <a:cs typeface="Fira Code" pitchFamily="49" charset="0"/>
-              </a:rPr>
-            </a:br>
-            <a:r>
-              <a:rPr lang="en-US" sz="1200">
-                <a:solidFill>
-                  <a:srgbClr val="080808"/>
-                </a:solidFill>
-                <a:effectLst/>
-                <a:latin typeface="Fira Code" pitchFamily="49" charset="0"/>
-                <a:ea typeface="Fira Code" pitchFamily="49" charset="0"/>
-                <a:cs typeface="Fira Code" pitchFamily="49" charset="0"/>
-              </a:rPr>
-              <a:t>[Bot]: Let me try to help you.</a:t>
-            </a:r>
-            <a:br>
-              <a:rPr lang="en-US" sz="1200">
-                <a:solidFill>
-                  <a:srgbClr val="080808"/>
-                </a:solidFill>
-                <a:effectLst/>
-                <a:latin typeface="Fira Code" pitchFamily="49" charset="0"/>
-                <a:ea typeface="Fira Code" pitchFamily="49" charset="0"/>
-                <a:cs typeface="Fira Code" pitchFamily="49" charset="0"/>
-              </a:rPr>
-            </a:br>
-            <a:r>
-              <a:rPr lang="en-US" sz="1200">
-                <a:solidFill>
-                  <a:srgbClr val="080808"/>
-                </a:solidFill>
-                <a:effectLst/>
-                <a:latin typeface="Fira Code" pitchFamily="49" charset="0"/>
-                <a:ea typeface="Fira Code" pitchFamily="49" charset="0"/>
-                <a:cs typeface="Fira Code" pitchFamily="49" charset="0"/>
-              </a:rPr>
-              <a:t>[Bot]: Are you a customer?</a:t>
-            </a:r>
-            <a:br>
-              <a:rPr lang="en-US" sz="1200">
-                <a:solidFill>
-                  <a:srgbClr val="080808"/>
-                </a:solidFill>
-                <a:effectLst/>
-                <a:latin typeface="Fira Code" pitchFamily="49" charset="0"/>
-                <a:ea typeface="Fira Code" pitchFamily="49" charset="0"/>
-                <a:cs typeface="Fira Code" pitchFamily="49" charset="0"/>
-              </a:rPr>
-            </a:br>
-            <a:r>
-              <a:rPr lang="en-US" sz="1200">
-                <a:solidFill>
-                  <a:srgbClr val="080808"/>
-                </a:solidFill>
-                <a:effectLst/>
-                <a:latin typeface="Fira Code" pitchFamily="49" charset="0"/>
-                <a:ea typeface="Fira Code" pitchFamily="49" charset="0"/>
-                <a:cs typeface="Fira Code" pitchFamily="49" charset="0"/>
-              </a:rPr>
-              <a:t>1) Yes, I'm a customer</a:t>
-            </a:r>
-            <a:br>
-              <a:rPr lang="en-US" sz="1200">
-                <a:solidFill>
-                  <a:srgbClr val="080808"/>
-                </a:solidFill>
-                <a:effectLst/>
-                <a:latin typeface="Fira Code" pitchFamily="49" charset="0"/>
-                <a:ea typeface="Fira Code" pitchFamily="49" charset="0"/>
-                <a:cs typeface="Fira Code" pitchFamily="49" charset="0"/>
-              </a:rPr>
-            </a:br>
-            <a:r>
-              <a:rPr lang="en-US" sz="1200">
-                <a:solidFill>
-                  <a:srgbClr val="080808"/>
-                </a:solidFill>
-                <a:effectLst/>
-                <a:latin typeface="Fira Code" pitchFamily="49" charset="0"/>
-                <a:ea typeface="Fira Code" pitchFamily="49" charset="0"/>
-                <a:cs typeface="Fira Code" pitchFamily="49" charset="0"/>
-              </a:rPr>
-              <a:t>2) No, I'm not</a:t>
-            </a:r>
-          </a:p>
-        </p:txBody>
-      </p:sp>
-      <p:cxnSp>
-        <p:nvCxnSpPr>
-          <p:cNvPr id="6" name="Straight Connector 5">
-            <a:extLst>
-              <a:ext uri="{FF2B5EF4-FFF2-40B4-BE49-F238E27FC236}">
-                <a16:creationId xmlns:a16="http://schemas.microsoft.com/office/drawing/2014/main" id="{1EF7316D-A936-D55A-75F6-942D10EC9F6C}"/>
-              </a:ext>
-            </a:extLst>
-          </p:cNvPr>
-          <p:cNvCxnSpPr>
-            <a:cxnSpLocks/>
-          </p:cNvCxnSpPr>
-          <p:nvPr/>
-        </p:nvCxnSpPr>
-        <p:spPr>
-          <a:xfrm>
-            <a:off x="5952744" y="594360"/>
-            <a:ext cx="0" cy="6025896"/>
-          </a:xfrm>
-          <a:prstGeom prst="line">
-            <a:avLst/>
-          </a:prstGeom>
-          <a:ln w="38100"/>
+          <a:solidFill>
+            <a:schemeClr val="tx1"/>
+          </a:solidFill>
+          <a:ln>
+            <a:solidFill>
+              <a:schemeClr val="tx1"/>
+            </a:solidFill>
+          </a:ln>
         </p:spPr>
         <p:style>
-          <a:lnRef idx="1">
-            <a:schemeClr val="dk1"/>
+          <a:lnRef idx="2">
+            <a:schemeClr val="accent1">
+              <a:shade val="15000"/>
+            </a:schemeClr>
           </a:lnRef>
-          <a:fillRef idx="0">
-            <a:schemeClr val="dk1"/>
+          <a:fillRef idx="1">
+            <a:schemeClr val="accent1"/>
           </a:fillRef>
           <a:effectRef idx="0">
-            <a:schemeClr val="dk1"/>
+            <a:schemeClr val="accent1"/>
           </a:effectRef>
           <a:fontRef idx="minor">
-            <a:schemeClr val="tx1"/>
+            <a:schemeClr val="lt1"/>
           </a:fontRef>
         </p:style>
-      </p:cxnSp>
-      <p:sp>
-        <p:nvSpPr>
-          <p:cNvPr id="5" name="TextBox 4">
-            <a:extLst>
-              <a:ext uri="{FF2B5EF4-FFF2-40B4-BE49-F238E27FC236}">
-                <a16:creationId xmlns:a16="http://schemas.microsoft.com/office/drawing/2014/main" id="{769ACB87-D96D-6FA4-E662-D393BB1FEE39}"/>
-              </a:ext>
-            </a:extLst>
-          </p:cNvPr>
-          <p:cNvSpPr txBox="1"/>
-          <p:nvPr/>
-        </p:nvSpPr>
-        <p:spPr>
-          <a:xfrm>
-            <a:off x="6290307" y="2367171"/>
-            <a:ext cx="5670142" cy="2123658"/>
-          </a:xfrm>
-          <a:prstGeom prst="rect">
-            <a:avLst/>
-          </a:prstGeom>
-          <a:noFill/>
-        </p:spPr>
-        <p:txBody>
-          <a:bodyPr wrap="none" rtlCol="0">
-            <a:spAutoFit/>
-          </a:bodyPr>
-          <a:lstStyle/>
-          <a:p>
-            <a:r>
-              <a:rPr lang="en-US" sz="1200">
-                <a:solidFill>
-                  <a:srgbClr val="080808"/>
-                </a:solidFill>
-                <a:effectLst/>
-                <a:latin typeface="Fira Code" pitchFamily="49" charset="0"/>
-                <a:ea typeface="Fira Code" pitchFamily="49" charset="0"/>
-                <a:cs typeface="Fira Code" pitchFamily="49" charset="0"/>
-              </a:rPr>
-              <a:t>[Customer]: hi</a:t>
-            </a:r>
-            <a:br>
-              <a:rPr lang="en-US" sz="1200">
-                <a:solidFill>
-                  <a:srgbClr val="080808"/>
-                </a:solidFill>
-                <a:effectLst/>
-                <a:latin typeface="Fira Code" pitchFamily="49" charset="0"/>
-                <a:ea typeface="Fira Code" pitchFamily="49" charset="0"/>
-                <a:cs typeface="Fira Code" pitchFamily="49" charset="0"/>
-              </a:rPr>
-            </a:br>
-            <a:r>
-              <a:rPr lang="en-US" sz="1200">
-                <a:solidFill>
-                  <a:srgbClr val="080808"/>
-                </a:solidFill>
-                <a:effectLst/>
-                <a:latin typeface="Fira Code" pitchFamily="49" charset="0"/>
-                <a:ea typeface="Fira Code" pitchFamily="49" charset="0"/>
-                <a:cs typeface="Fira Code" pitchFamily="49" charset="0"/>
-              </a:rPr>
-              <a:t>[     Bot]: Hi there! I'm your virtual assistant.</a:t>
-            </a:r>
-            <a:br>
-              <a:rPr lang="en-US" sz="1200">
-                <a:solidFill>
-                  <a:srgbClr val="080808"/>
-                </a:solidFill>
-                <a:effectLst/>
-                <a:latin typeface="Fira Code" pitchFamily="49" charset="0"/>
-                <a:ea typeface="Fira Code" pitchFamily="49" charset="0"/>
-                <a:cs typeface="Fira Code" pitchFamily="49" charset="0"/>
-              </a:rPr>
-            </a:br>
-            <a:r>
-              <a:rPr lang="en-US" sz="1200">
-                <a:solidFill>
-                  <a:srgbClr val="080808"/>
-                </a:solidFill>
-                <a:effectLst/>
-                <a:latin typeface="Fira Code" pitchFamily="49" charset="0"/>
-                <a:ea typeface="Fira Code" pitchFamily="49" charset="0"/>
-                <a:cs typeface="Fira Code" pitchFamily="49" charset="0"/>
-              </a:rPr>
-              <a:t>[     Bot]: What would you like to do today?</a:t>
-            </a:r>
-            <a:br>
-              <a:rPr lang="en-US" sz="1200">
-                <a:solidFill>
-                  <a:srgbClr val="080808"/>
-                </a:solidFill>
-                <a:effectLst/>
-                <a:latin typeface="Fira Code" pitchFamily="49" charset="0"/>
-                <a:ea typeface="Fira Code" pitchFamily="49" charset="0"/>
-                <a:cs typeface="Fira Code" pitchFamily="49" charset="0"/>
-              </a:rPr>
-            </a:br>
-            <a:r>
-              <a:rPr lang="en-US" sz="1200">
-                <a:solidFill>
-                  <a:srgbClr val="080808"/>
-                </a:solidFill>
-                <a:effectLst/>
-                <a:latin typeface="Fira Code" pitchFamily="49" charset="0"/>
-                <a:ea typeface="Fira Code" pitchFamily="49" charset="0"/>
-                <a:cs typeface="Fira Code" pitchFamily="49" charset="0"/>
-              </a:rPr>
-              <a:t>[Customer]: hi</a:t>
-            </a:r>
-            <a:br>
-              <a:rPr lang="en-US" sz="1200">
-                <a:solidFill>
-                  <a:srgbClr val="080808"/>
-                </a:solidFill>
-                <a:effectLst/>
-                <a:latin typeface="Fira Code" pitchFamily="49" charset="0"/>
-                <a:ea typeface="Fira Code" pitchFamily="49" charset="0"/>
-                <a:cs typeface="Fira Code" pitchFamily="49" charset="0"/>
-              </a:rPr>
-            </a:br>
-            <a:r>
-              <a:rPr lang="en-US" sz="1200">
-                <a:solidFill>
-                  <a:srgbClr val="080808"/>
-                </a:solidFill>
-                <a:effectLst/>
-                <a:latin typeface="Fira Code" pitchFamily="49" charset="0"/>
-                <a:ea typeface="Fira Code" pitchFamily="49" charset="0"/>
-                <a:cs typeface="Fira Code" pitchFamily="49" charset="0"/>
-              </a:rPr>
-              <a:t>[     Bot]: Hmmm, tell me a little more so I can help you.</a:t>
-            </a:r>
-            <a:br>
-              <a:rPr lang="en-US" sz="1200">
-                <a:solidFill>
-                  <a:srgbClr val="080808"/>
-                </a:solidFill>
-                <a:effectLst/>
-                <a:latin typeface="Fira Code" pitchFamily="49" charset="0"/>
-                <a:ea typeface="Fira Code" pitchFamily="49" charset="0"/>
-                <a:cs typeface="Fira Code" pitchFamily="49" charset="0"/>
-              </a:rPr>
-            </a:br>
-            <a:r>
-              <a:rPr lang="en-US" sz="1200">
-                <a:solidFill>
-                  <a:srgbClr val="080808"/>
-                </a:solidFill>
-                <a:effectLst/>
-                <a:latin typeface="Fira Code" pitchFamily="49" charset="0"/>
-                <a:ea typeface="Fira Code" pitchFamily="49" charset="0"/>
-                <a:cs typeface="Fira Code" pitchFamily="49" charset="0"/>
-              </a:rPr>
-              <a:t>[        ]: What would you like to do today?</a:t>
-            </a:r>
-            <a:br>
-              <a:rPr lang="en-US" sz="1200">
-                <a:solidFill>
-                  <a:srgbClr val="080808"/>
-                </a:solidFill>
-                <a:effectLst/>
-                <a:latin typeface="Fira Code" pitchFamily="49" charset="0"/>
-                <a:ea typeface="Fira Code" pitchFamily="49" charset="0"/>
-                <a:cs typeface="Fira Code" pitchFamily="49" charset="0"/>
-              </a:rPr>
-            </a:br>
-            <a:r>
-              <a:rPr lang="en-US" sz="1200">
-                <a:solidFill>
-                  <a:srgbClr val="080808"/>
-                </a:solidFill>
-                <a:effectLst/>
-                <a:latin typeface="Fira Code" pitchFamily="49" charset="0"/>
-                <a:ea typeface="Fira Code" pitchFamily="49" charset="0"/>
-                <a:cs typeface="Fira Code" pitchFamily="49" charset="0"/>
-              </a:rPr>
-              <a:t>[Customer]: hi</a:t>
-            </a:r>
-            <a:br>
-              <a:rPr lang="en-US" sz="1200">
-                <a:solidFill>
-                  <a:srgbClr val="080808"/>
-                </a:solidFill>
-                <a:effectLst/>
-                <a:latin typeface="Fira Code" pitchFamily="49" charset="0"/>
-                <a:ea typeface="Fira Code" pitchFamily="49" charset="0"/>
-                <a:cs typeface="Fira Code" pitchFamily="49" charset="0"/>
-              </a:rPr>
-            </a:br>
-            <a:r>
-              <a:rPr lang="en-US" sz="1200">
-                <a:solidFill>
-                  <a:srgbClr val="080808"/>
-                </a:solidFill>
-                <a:effectLst/>
-                <a:latin typeface="Fira Code" pitchFamily="49" charset="0"/>
-                <a:ea typeface="Fira Code" pitchFamily="49" charset="0"/>
-                <a:cs typeface="Fira Code" pitchFamily="49" charset="0"/>
-              </a:rPr>
-              <a:t>[     Bot]: Let me try to help you.</a:t>
-            </a:r>
-            <a:br>
-              <a:rPr lang="en-US" sz="1200">
-                <a:solidFill>
-                  <a:srgbClr val="080808"/>
-                </a:solidFill>
-                <a:effectLst/>
-                <a:latin typeface="Fira Code" pitchFamily="49" charset="0"/>
-                <a:ea typeface="Fira Code" pitchFamily="49" charset="0"/>
-                <a:cs typeface="Fira Code" pitchFamily="49" charset="0"/>
-              </a:rPr>
-            </a:br>
-            <a:r>
-              <a:rPr lang="en-US" sz="1200">
-                <a:solidFill>
-                  <a:srgbClr val="080808"/>
-                </a:solidFill>
-                <a:effectLst/>
-                <a:latin typeface="Fira Code" pitchFamily="49" charset="0"/>
-                <a:ea typeface="Fira Code" pitchFamily="49" charset="0"/>
-                <a:cs typeface="Fira Code" pitchFamily="49" charset="0"/>
-              </a:rPr>
-              <a:t>[     Bot]: Are you a customer?</a:t>
-            </a:r>
-            <a:br>
-              <a:rPr lang="en-US" sz="1200">
-                <a:solidFill>
-                  <a:srgbClr val="080808"/>
-                </a:solidFill>
-                <a:effectLst/>
-                <a:latin typeface="Fira Code" pitchFamily="49" charset="0"/>
-                <a:ea typeface="Fira Code" pitchFamily="49" charset="0"/>
-                <a:cs typeface="Fira Code" pitchFamily="49" charset="0"/>
-              </a:rPr>
-            </a:br>
-            <a:r>
-              <a:rPr lang="en-US" sz="1200">
-                <a:solidFill>
-                  <a:srgbClr val="080808"/>
-                </a:solidFill>
-                <a:effectLst/>
-                <a:latin typeface="Fira Code" pitchFamily="49" charset="0"/>
-                <a:ea typeface="Fira Code" pitchFamily="49" charset="0"/>
-                <a:cs typeface="Fira Code" pitchFamily="49" charset="0"/>
-              </a:rPr>
-              <a:t>[        ]:   1) Yes, I'm a customer</a:t>
-            </a:r>
-            <a:br>
-              <a:rPr lang="en-US" sz="1200">
-                <a:solidFill>
-                  <a:srgbClr val="080808"/>
-                </a:solidFill>
-                <a:effectLst/>
-                <a:latin typeface="Fira Code" pitchFamily="49" charset="0"/>
-                <a:ea typeface="Fira Code" pitchFamily="49" charset="0"/>
-                <a:cs typeface="Fira Code" pitchFamily="49" charset="0"/>
-              </a:rPr>
-            </a:br>
-            <a:r>
-              <a:rPr lang="en-US" sz="1200">
-                <a:solidFill>
-                  <a:srgbClr val="080808"/>
-                </a:solidFill>
-                <a:effectLst/>
-                <a:latin typeface="Fira Code" pitchFamily="49" charset="0"/>
-                <a:ea typeface="Fira Code" pitchFamily="49" charset="0"/>
-                <a:cs typeface="Fira Code" pitchFamily="49" charset="0"/>
-              </a:rPr>
-              <a:t>[        ]:   2) No, I'm not</a:t>
-            </a:r>
+        <p:txBody>
+          <a:bodyPr rtlCol="0" anchor="ctr"/>
+          <a:lstStyle/>
+          <a:p>
+            <a:pPr algn="ctr"/>
+            <a:r>
+              <a:rPr lang="en-US" sz="4400" b="1">
+                <a:solidFill>
+                  <a:schemeClr val="tx1">
+                    <a:lumMod val="85000"/>
+                    <a:lumOff val="15000"/>
+                  </a:schemeClr>
+                </a:solidFill>
+              </a:rPr>
+              <a:t>code</a:t>
+            </a:r>
+            <a:endParaRPr lang="en-US" b="1">
+              <a:solidFill>
+                <a:schemeClr val="tx1">
+                  <a:lumMod val="85000"/>
+                  <a:lumOff val="15000"/>
+                </a:schemeClr>
+              </a:solidFill>
+            </a:endParaRPr>
           </a:p>
         </p:txBody>
       </p:sp>
     </p:spTree>
     <p:extLst>
       <p:ext uri="{BB962C8B-B14F-4D97-AF65-F5344CB8AC3E}">
-        <p14:creationId xmlns:p14="http://schemas.microsoft.com/office/powerpoint/2010/main" val="1362812321"/>
+        <p14:creationId xmlns:p14="http://schemas.microsoft.com/office/powerpoint/2010/main" val="935880417"/>
       </p:ext>
     </p:extLst>
   </p:cSld>
@@ -11227,7 +10385,7 @@
         <p:cNvPr id="1" name="">
           <a:extLst>
             <a:ext uri="{FF2B5EF4-FFF2-40B4-BE49-F238E27FC236}">
-              <a16:creationId xmlns:a16="http://schemas.microsoft.com/office/drawing/2014/main" id="{F858A338-4244-195F-0312-161DE0953948}"/>
+              <a16:creationId xmlns:a16="http://schemas.microsoft.com/office/drawing/2014/main" id="{96967D93-3CE0-1BFD-D57E-CC890D70D759}"/>
             </a:ext>
           </a:extLst>
         </p:cNvPr>
@@ -11242,59 +10400,12 @@
           <a:chExt cx="0" cy="0"/>
         </a:xfrm>
       </p:grpSpPr>
-      <p:pic>
-        <p:nvPicPr>
-          <p:cNvPr id="1028" name="Picture 4" descr="Silent Movie Silent Film Title Card: Free Download — CopyCatFilms">
-            <a:extLst>
-              <a:ext uri="{FF2B5EF4-FFF2-40B4-BE49-F238E27FC236}">
-                <a16:creationId xmlns:a16="http://schemas.microsoft.com/office/drawing/2014/main" id="{C3926601-9B5A-A4A5-949E-4E03359EDD93}"/>
-              </a:ext>
-            </a:extLst>
-          </p:cNvPr>
-          <p:cNvPicPr>
-            <a:picLocks noChangeAspect="1" noChangeArrowheads="1"/>
-          </p:cNvPicPr>
-          <p:nvPr/>
-        </p:nvPicPr>
-        <p:blipFill>
-          <a:blip r:embed="rId2">
-            <a:extLst>
-              <a:ext uri="{28A0092B-C50C-407E-A947-70E740481C1C}">
-                <a14:useLocalDpi xmlns:a14="http://schemas.microsoft.com/office/drawing/2010/main" val="0"/>
-              </a:ext>
-            </a:extLst>
-          </a:blip>
-          <a:srcRect/>
-          <a:stretch>
-            <a:fillRect/>
-          </a:stretch>
-        </p:blipFill>
-        <p:spPr bwMode="auto">
-          <a:xfrm>
-            <a:off x="0" y="4261"/>
-            <a:ext cx="12192000" cy="6853739"/>
-          </a:xfrm>
-          <a:prstGeom prst="rect">
-            <a:avLst/>
-          </a:prstGeom>
-          <a:noFill/>
-          <a:extLst>
-            <a:ext uri="{909E8E84-426E-40DD-AFC4-6F175D3DCCD1}">
-              <a14:hiddenFill xmlns:a14="http://schemas.microsoft.com/office/drawing/2010/main">
-                <a:solidFill>
-                  <a:srgbClr val="FFFFFF"/>
-                </a:solidFill>
-              </a14:hiddenFill>
-            </a:ext>
-          </a:extLst>
-        </p:spPr>
-      </p:pic>
-      <p:sp>
-        <p:nvSpPr>
-          <p:cNvPr id="2" name="TextBox 1">
-            <a:extLst>
-              <a:ext uri="{FF2B5EF4-FFF2-40B4-BE49-F238E27FC236}">
-                <a16:creationId xmlns:a16="http://schemas.microsoft.com/office/drawing/2014/main" id="{D28EFFC0-895A-4681-4277-2B3BC387DD97}"/>
+      <p:sp>
+        <p:nvSpPr>
+          <p:cNvPr id="3" name="TextBox 2">
+            <a:extLst>
+              <a:ext uri="{FF2B5EF4-FFF2-40B4-BE49-F238E27FC236}">
+                <a16:creationId xmlns:a16="http://schemas.microsoft.com/office/drawing/2014/main" id="{2C84BCFE-B4CF-3C53-9B42-35B94EE8C78E}"/>
               </a:ext>
             </a:extLst>
           </p:cNvPr>
@@ -11303,8 +10414,8 @@
         </p:nvSpPr>
         <p:spPr>
           <a:xfrm>
-            <a:off x="3467488" y="2876443"/>
-            <a:ext cx="5494196" cy="769441"/>
+            <a:off x="868680" y="786384"/>
+            <a:ext cx="1679434" cy="369332"/>
           </a:xfrm>
           <a:prstGeom prst="rect">
             <a:avLst/>
@@ -11317,46 +10428,68 @@
           </a:bodyPr>
           <a:lstStyle/>
           <a:p>
-            <a:pPr algn="ctr"/>
-            <a:r>
-              <a:rPr lang="en-US" sz="4400" b="1">
-                <a:gradFill flip="none" rotWithShape="1">
-                  <a:gsLst>
-                    <a:gs pos="0">
-                      <a:schemeClr val="bg1">
-                        <a:shade val="30000"/>
-                        <a:satMod val="115000"/>
-                      </a:schemeClr>
-                    </a:gs>
-                    <a:gs pos="50000">
-                      <a:schemeClr val="bg1">
-                        <a:shade val="67500"/>
-                        <a:satMod val="115000"/>
-                      </a:schemeClr>
-                    </a:gs>
-                    <a:gs pos="100000">
-                      <a:schemeClr val="bg1">
-                        <a:shade val="100000"/>
-                        <a:satMod val="115000"/>
-                      </a:schemeClr>
-                    </a:gs>
-                  </a:gsLst>
-                  <a:path path="circle">
-                    <a:fillToRect t="100000" r="100000"/>
-                  </a:path>
-                  <a:tileRect l="-100000" b="-100000"/>
-                </a:gradFill>
-                <a:latin typeface="Rockwell" panose="02060603020205020403" pitchFamily="18" charset="77"/>
-              </a:rPr>
-              <a:t>...later that week...</a:t>
-            </a:r>
+            <a:r>
+              <a:rPr lang="en-US"/>
+              <a:t>Remember this:</a:t>
+            </a:r>
+          </a:p>
+        </p:txBody>
+      </p:sp>
+      <p:sp>
+        <p:nvSpPr>
+          <p:cNvPr id="4" name="TextBox 3">
+            <a:extLst>
+              <a:ext uri="{FF2B5EF4-FFF2-40B4-BE49-F238E27FC236}">
+                <a16:creationId xmlns:a16="http://schemas.microsoft.com/office/drawing/2014/main" id="{8BABBD54-F828-AA36-AD96-CD9328E47BC5}"/>
+              </a:ext>
+            </a:extLst>
+          </p:cNvPr>
+          <p:cNvSpPr txBox="1"/>
+          <p:nvPr/>
+        </p:nvSpPr>
+        <p:spPr>
+          <a:xfrm>
+            <a:off x="978408" y="1682496"/>
+            <a:ext cx="3524106" cy="1200329"/>
+          </a:xfrm>
+          <a:prstGeom prst="rect">
+            <a:avLst/>
+          </a:prstGeom>
+          <a:noFill/>
+        </p:spPr>
+        <p:txBody>
+          <a:bodyPr wrap="none" rtlCol="0">
+            <a:spAutoFit/>
+          </a:bodyPr>
+          <a:lstStyle/>
+          <a:p>
+            <a:pPr marL="285750" indent="-285750">
+              <a:buFont typeface="Arial" panose="020B0604020202020204" pitchFamily="34" charset="0"/>
+              <a:buChar char="•"/>
+            </a:pPr>
+            <a:r>
+              <a:rPr lang="en-US"/>
+              <a:t>Put extra work into your printers</a:t>
+            </a:r>
+          </a:p>
+          <a:p>
+            <a:endParaRPr lang="en-US"/>
+          </a:p>
+          <a:p>
+            <a:pPr marL="342900" indent="-342900">
+              <a:buAutoNum type="arabicPeriod"/>
+            </a:pPr>
+            <a:endParaRPr lang="en-US"/>
+          </a:p>
+          <a:p>
+            <a:endParaRPr lang="en-US"/>
           </a:p>
         </p:txBody>
       </p:sp>
     </p:spTree>
     <p:extLst>
       <p:ext uri="{BB962C8B-B14F-4D97-AF65-F5344CB8AC3E}">
-        <p14:creationId xmlns:p14="http://schemas.microsoft.com/office/powerpoint/2010/main" val="246747784"/>
+        <p14:creationId xmlns:p14="http://schemas.microsoft.com/office/powerpoint/2010/main" val="3535801778"/>
       </p:ext>
     </p:extLst>
   </p:cSld>
@@ -11371,13 +10504,7 @@
   <p:cSld>
     <p:spTree>
       <p:nvGrpSpPr>
-        <p:cNvPr id="1" name="">
-          <a:extLst>
-            <a:ext uri="{FF2B5EF4-FFF2-40B4-BE49-F238E27FC236}">
-              <a16:creationId xmlns:a16="http://schemas.microsoft.com/office/drawing/2014/main" id="{8A394DD1-6444-E6B5-72DF-5274A12075BE}"/>
-            </a:ext>
-          </a:extLst>
-        </p:cNvPr>
+        <p:cNvPr id="1" name=""/>
         <p:cNvGrpSpPr/>
         <p:nvPr/>
       </p:nvGrpSpPr>
@@ -11391,202 +10518,10 @@
       </p:grpSpPr>
       <p:sp>
         <p:nvSpPr>
-          <p:cNvPr id="3" name="Curved Down Arrow 2">
-            <a:extLst>
-              <a:ext uri="{FF2B5EF4-FFF2-40B4-BE49-F238E27FC236}">
-                <a16:creationId xmlns:a16="http://schemas.microsoft.com/office/drawing/2014/main" id="{D0F45ECA-1C22-9DAA-4452-A6F363CB7177}"/>
-              </a:ext>
-            </a:extLst>
-          </p:cNvPr>
-          <p:cNvSpPr/>
-          <p:nvPr/>
-        </p:nvSpPr>
-        <p:spPr bwMode="auto">
-          <a:xfrm rot="16200000">
-            <a:off x="2633387" y="3179948"/>
-            <a:ext cx="2718871" cy="1219200"/>
-          </a:xfrm>
-          <a:prstGeom prst="curvedDownArrow">
-            <a:avLst/>
-          </a:prstGeom>
-          <a:ln>
-            <a:headEnd type="none" w="med" len="med"/>
-            <a:tailEnd type="none" w="med" len="med"/>
-          </a:ln>
-        </p:spPr>
-        <p:style>
-          <a:lnRef idx="2">
-            <a:schemeClr val="dk1"/>
-          </a:lnRef>
-          <a:fillRef idx="1">
-            <a:schemeClr val="lt1"/>
-          </a:fillRef>
-          <a:effectRef idx="0">
-            <a:schemeClr val="dk1"/>
-          </a:effectRef>
-          <a:fontRef idx="minor">
-            <a:schemeClr val="dk1"/>
-          </a:fontRef>
-        </p:style>
-        <p:txBody>
-          <a:bodyPr vert="horz" wrap="square" lIns="121920" tIns="60960" rIns="121920" bIns="60960" numCol="1" rtlCol="0" anchor="t" anchorCtr="0" compatLnSpc="1">
-            <a:prstTxWarp prst="textNoShape">
-              <a:avLst/>
-            </a:prstTxWarp>
-          </a:bodyPr>
-          <a:lstStyle/>
-          <a:p>
-            <a:pPr defTabSz="1219170" eaLnBrk="0" fontAlgn="base" hangingPunct="0">
-              <a:spcBef>
-                <a:spcPct val="0"/>
-              </a:spcBef>
-              <a:spcAft>
-                <a:spcPct val="0"/>
-              </a:spcAft>
-            </a:pPr>
-            <a:endParaRPr lang="en-US" sz="3200" b="1">
-              <a:solidFill>
-                <a:schemeClr val="tx1"/>
-              </a:solidFill>
-              <a:latin typeface="Arial" charset="0"/>
-            </a:endParaRPr>
-          </a:p>
-        </p:txBody>
-      </p:sp>
-      <p:sp>
-        <p:nvSpPr>
-          <p:cNvPr id="4" name="Curved Down Arrow 3">
-            <a:extLst>
-              <a:ext uri="{FF2B5EF4-FFF2-40B4-BE49-F238E27FC236}">
-                <a16:creationId xmlns:a16="http://schemas.microsoft.com/office/drawing/2014/main" id="{2531FF68-C096-533A-57C7-9908F7EB21CC}"/>
-              </a:ext>
-            </a:extLst>
-          </p:cNvPr>
-          <p:cNvSpPr/>
-          <p:nvPr/>
-        </p:nvSpPr>
-        <p:spPr bwMode="auto">
-          <a:xfrm rot="5400000">
-            <a:off x="6591606" y="3179949"/>
-            <a:ext cx="2718871" cy="1219200"/>
-          </a:xfrm>
-          <a:prstGeom prst="curvedDownArrow">
-            <a:avLst/>
-          </a:prstGeom>
-          <a:ln>
-            <a:headEnd type="none" w="med" len="med"/>
-            <a:tailEnd type="none" w="med" len="med"/>
-          </a:ln>
-        </p:spPr>
-        <p:style>
-          <a:lnRef idx="2">
-            <a:schemeClr val="dk1"/>
-          </a:lnRef>
-          <a:fillRef idx="1">
-            <a:schemeClr val="lt1"/>
-          </a:fillRef>
-          <a:effectRef idx="0">
-            <a:schemeClr val="dk1"/>
-          </a:effectRef>
-          <a:fontRef idx="minor">
-            <a:schemeClr val="dk1"/>
-          </a:fontRef>
-        </p:style>
-        <p:txBody>
-          <a:bodyPr vert="horz" wrap="square" lIns="121920" tIns="60960" rIns="121920" bIns="60960" numCol="1" rtlCol="0" anchor="t" anchorCtr="0" compatLnSpc="1">
-            <a:prstTxWarp prst="textNoShape">
-              <a:avLst/>
-            </a:prstTxWarp>
-          </a:bodyPr>
-          <a:lstStyle/>
-          <a:p>
-            <a:pPr defTabSz="1219170" eaLnBrk="0" fontAlgn="base" hangingPunct="0">
-              <a:spcBef>
-                <a:spcPct val="0"/>
-              </a:spcBef>
-              <a:spcAft>
-                <a:spcPct val="0"/>
-              </a:spcAft>
-            </a:pPr>
-            <a:endParaRPr lang="en-US" sz="3200" b="1">
-              <a:solidFill>
-                <a:schemeClr val="tx1"/>
-              </a:solidFill>
-              <a:latin typeface="Arial" charset="0"/>
-            </a:endParaRPr>
-          </a:p>
-        </p:txBody>
-      </p:sp>
-      <p:sp>
-        <p:nvSpPr>
-          <p:cNvPr id="5" name="Curved Down Arrow 4">
-            <a:extLst>
-              <a:ext uri="{FF2B5EF4-FFF2-40B4-BE49-F238E27FC236}">
-                <a16:creationId xmlns:a16="http://schemas.microsoft.com/office/drawing/2014/main" id="{CD7C84BE-D1AE-8249-C6BC-60BB49C591DC}"/>
-              </a:ext>
-            </a:extLst>
-          </p:cNvPr>
-          <p:cNvSpPr/>
-          <p:nvPr/>
-        </p:nvSpPr>
-        <p:spPr bwMode="auto">
-          <a:xfrm>
-            <a:off x="4622573" y="1217784"/>
-            <a:ext cx="2718871" cy="1219200"/>
-          </a:xfrm>
-          <a:prstGeom prst="curvedDownArrow">
-            <a:avLst/>
-          </a:prstGeom>
-          <a:ln>
-            <a:headEnd type="none" w="med" len="med"/>
-            <a:tailEnd type="none" w="med" len="med"/>
-          </a:ln>
-        </p:spPr>
-        <p:style>
-          <a:lnRef idx="2">
-            <a:schemeClr val="dk1"/>
-          </a:lnRef>
-          <a:fillRef idx="1">
-            <a:schemeClr val="lt1"/>
-          </a:fillRef>
-          <a:effectRef idx="0">
-            <a:schemeClr val="dk1"/>
-          </a:effectRef>
-          <a:fontRef idx="minor">
-            <a:schemeClr val="dk1"/>
-          </a:fontRef>
-        </p:style>
-        <p:txBody>
-          <a:bodyPr vert="horz" wrap="square" lIns="121920" tIns="60960" rIns="121920" bIns="60960" numCol="1" rtlCol="0" anchor="t" anchorCtr="0" compatLnSpc="1">
-            <a:prstTxWarp prst="textNoShape">
-              <a:avLst/>
-            </a:prstTxWarp>
-          </a:bodyPr>
-          <a:lstStyle/>
-          <a:p>
-            <a:pPr defTabSz="1219170" eaLnBrk="0" fontAlgn="base" hangingPunct="0">
-              <a:spcBef>
-                <a:spcPct val="0"/>
-              </a:spcBef>
-              <a:spcAft>
-                <a:spcPct val="0"/>
-              </a:spcAft>
-            </a:pPr>
-            <a:endParaRPr lang="en-US" sz="3200" b="1">
-              <a:solidFill>
-                <a:schemeClr val="tx1"/>
-              </a:solidFill>
-              <a:latin typeface="Arial" charset="0"/>
-            </a:endParaRPr>
-          </a:p>
-        </p:txBody>
-      </p:sp>
-      <p:sp>
-        <p:nvSpPr>
-          <p:cNvPr id="6" name="TextBox 5">
-            <a:extLst>
-              <a:ext uri="{FF2B5EF4-FFF2-40B4-BE49-F238E27FC236}">
-                <a16:creationId xmlns:a16="http://schemas.microsoft.com/office/drawing/2014/main" id="{7AC20DDB-BF42-B0E5-71C6-A83C06A40EAD}"/>
+          <p:cNvPr id="2" name="TextBox 1">
+            <a:extLst>
+              <a:ext uri="{FF2B5EF4-FFF2-40B4-BE49-F238E27FC236}">
+                <a16:creationId xmlns:a16="http://schemas.microsoft.com/office/drawing/2014/main" id="{B9573BF9-B17C-55AD-7566-D992D6FB4781}"/>
               </a:ext>
             </a:extLst>
           </p:cNvPr>
@@ -11595,8 +10530,8 @@
         </p:nvSpPr>
         <p:spPr>
           <a:xfrm>
-            <a:off x="7315200" y="1905001"/>
-            <a:ext cx="1497760" cy="461665"/>
+            <a:off x="1563624" y="594360"/>
+            <a:ext cx="1216487" cy="369332"/>
           </a:xfrm>
           <a:prstGeom prst="rect">
             <a:avLst/>
@@ -11604,24 +10539,24 @@
           <a:noFill/>
         </p:spPr>
         <p:txBody>
-          <a:bodyPr wrap="square" rtlCol="0">
+          <a:bodyPr wrap="none" rtlCol="0">
             <a:spAutoFit/>
           </a:bodyPr>
           <a:lstStyle/>
           <a:p>
             <a:r>
-              <a:rPr lang="en-US" sz="2400" dirty="0"/>
-              <a:t>English</a:t>
-            </a:r>
-          </a:p>
-        </p:txBody>
-      </p:sp>
-      <p:sp>
-        <p:nvSpPr>
-          <p:cNvPr id="7" name="TextBox 6">
-            <a:extLst>
-              <a:ext uri="{FF2B5EF4-FFF2-40B4-BE49-F238E27FC236}">
-                <a16:creationId xmlns:a16="http://schemas.microsoft.com/office/drawing/2014/main" id="{0D926260-045A-9824-9340-158A1AA65919}"/>
+              <a:rPr lang="en-US"/>
+              <a:t>Formatting</a:t>
+            </a:r>
+          </a:p>
+        </p:txBody>
+      </p:sp>
+      <p:sp>
+        <p:nvSpPr>
+          <p:cNvPr id="3" name="TextBox 2">
+            <a:extLst>
+              <a:ext uri="{FF2B5EF4-FFF2-40B4-BE49-F238E27FC236}">
+                <a16:creationId xmlns:a16="http://schemas.microsoft.com/office/drawing/2014/main" id="{535F6C7D-F54C-615D-7273-8A50FB11BBEA}"/>
               </a:ext>
             </a:extLst>
           </p:cNvPr>
@@ -11630,8 +10565,8 @@
         </p:nvSpPr>
         <p:spPr>
           <a:xfrm>
-            <a:off x="7341442" y="5093560"/>
-            <a:ext cx="825867" cy="461665"/>
+            <a:off x="418614" y="2907792"/>
+            <a:ext cx="5051383" cy="738664"/>
           </a:xfrm>
           <a:prstGeom prst="rect">
             <a:avLst/>
@@ -11645,18 +10580,100 @@
           <a:lstStyle/>
           <a:p>
             <a:r>
-              <a:rPr lang="en-US" sz="2400" dirty="0"/>
-              <a:t>Code</a:t>
-            </a:r>
-          </a:p>
-        </p:txBody>
-      </p:sp>
-      <p:sp>
-        <p:nvSpPr>
-          <p:cNvPr id="8" name="TextBox 7">
-            <a:extLst>
-              <a:ext uri="{FF2B5EF4-FFF2-40B4-BE49-F238E27FC236}">
-                <a16:creationId xmlns:a16="http://schemas.microsoft.com/office/drawing/2014/main" id="{080FA7CB-4F8D-9D68-B8B6-534875039076}"/>
+              <a:rPr lang="en-US" sz="1400">
+                <a:solidFill>
+                  <a:srgbClr val="080808"/>
+                </a:solidFill>
+                <a:effectLst/>
+                <a:latin typeface="Fira Code" pitchFamily="49" charset="0"/>
+                <a:ea typeface="Fira Code" pitchFamily="49" charset="0"/>
+                <a:cs typeface="Fira Code" pitchFamily="49" charset="0"/>
+              </a:rPr>
+              <a:t>[Customer]: hi</a:t>
+            </a:r>
+            <a:br>
+              <a:rPr lang="en-US" sz="1400">
+                <a:solidFill>
+                  <a:srgbClr val="080808"/>
+                </a:solidFill>
+                <a:effectLst/>
+                <a:latin typeface="Fira Code" pitchFamily="49" charset="0"/>
+                <a:ea typeface="Fira Code" pitchFamily="49" charset="0"/>
+                <a:cs typeface="Fira Code" pitchFamily="49" charset="0"/>
+              </a:rPr>
+            </a:br>
+            <a:r>
+              <a:rPr lang="en-US" sz="1400">
+                <a:solidFill>
+                  <a:srgbClr val="080808"/>
+                </a:solidFill>
+                <a:effectLst/>
+                <a:latin typeface="Fira Code" pitchFamily="49" charset="0"/>
+                <a:ea typeface="Fira Code" pitchFamily="49" charset="0"/>
+                <a:cs typeface="Fira Code" pitchFamily="49" charset="0"/>
+              </a:rPr>
+              <a:t>[Bot]: Hi </a:t>
+            </a:r>
+            <a:r>
+              <a:rPr lang="en-US" sz="1400">
+                <a:solidFill>
+                  <a:srgbClr val="080808"/>
+                </a:solidFill>
+                <a:latin typeface="Fira Code" pitchFamily="49" charset="0"/>
+                <a:ea typeface="Fira Code" pitchFamily="49" charset="0"/>
+                <a:cs typeface="Fira Code" pitchFamily="49" charset="0"/>
+              </a:rPr>
+              <a:t>there</a:t>
+            </a:r>
+            <a:r>
+              <a:rPr lang="en-US" sz="1400">
+                <a:solidFill>
+                  <a:srgbClr val="080808"/>
+                </a:solidFill>
+                <a:effectLst/>
+                <a:latin typeface="Fira Code" pitchFamily="49" charset="0"/>
+                <a:ea typeface="Fira Code" pitchFamily="49" charset="0"/>
+                <a:cs typeface="Fira Code" pitchFamily="49" charset="0"/>
+              </a:rPr>
+              <a:t>! I'm your virtual assistant.</a:t>
+            </a:r>
+            <a:br>
+              <a:rPr lang="en-US" sz="1400">
+                <a:solidFill>
+                  <a:srgbClr val="080808"/>
+                </a:solidFill>
+                <a:effectLst/>
+                <a:latin typeface="Fira Code" pitchFamily="49" charset="0"/>
+                <a:ea typeface="Fira Code" pitchFamily="49" charset="0"/>
+                <a:cs typeface="Fira Code" pitchFamily="49" charset="0"/>
+              </a:rPr>
+            </a:br>
+            <a:r>
+              <a:rPr lang="en-US" sz="1400">
+                <a:solidFill>
+                  <a:srgbClr val="080808"/>
+                </a:solidFill>
+                <a:effectLst/>
+                <a:latin typeface="Fira Code" pitchFamily="49" charset="0"/>
+                <a:ea typeface="Fira Code" pitchFamily="49" charset="0"/>
+                <a:cs typeface="Fira Code" pitchFamily="49" charset="0"/>
+              </a:rPr>
+              <a:t>[Bot]: What would you like to do today?</a:t>
+            </a:r>
+            <a:endParaRPr lang="en-US" sz="1400">
+              <a:latin typeface="Fira Code" pitchFamily="49" charset="0"/>
+              <a:ea typeface="Fira Code" pitchFamily="49" charset="0"/>
+              <a:cs typeface="Fira Code" pitchFamily="49" charset="0"/>
+            </a:endParaRPr>
+          </a:p>
+        </p:txBody>
+      </p:sp>
+      <p:sp>
+        <p:nvSpPr>
+          <p:cNvPr id="4" name="TextBox 3">
+            <a:extLst>
+              <a:ext uri="{FF2B5EF4-FFF2-40B4-BE49-F238E27FC236}">
+                <a16:creationId xmlns:a16="http://schemas.microsoft.com/office/drawing/2014/main" id="{5DEF780E-380C-E94D-9D2B-D3578F58398C}"/>
               </a:ext>
             </a:extLst>
           </p:cNvPr>
@@ -11665,8 +10682,8 @@
         </p:nvSpPr>
         <p:spPr>
           <a:xfrm>
-            <a:off x="3556000" y="5156201"/>
-            <a:ext cx="1026216" cy="461665"/>
+            <a:off x="6239257" y="2907792"/>
+            <a:ext cx="5604419" cy="738664"/>
           </a:xfrm>
           <a:prstGeom prst="rect">
             <a:avLst/>
@@ -11674,632 +10691,115 @@
           <a:noFill/>
         </p:spPr>
         <p:txBody>
-          <a:bodyPr wrap="square" rtlCol="0">
+          <a:bodyPr wrap="none" rtlCol="0">
             <a:spAutoFit/>
           </a:bodyPr>
           <a:lstStyle/>
           <a:p>
             <a:r>
-              <a:rPr lang="en-US" sz="2400" dirty="0"/>
-              <a:t>Result</a:t>
-            </a:r>
-          </a:p>
-        </p:txBody>
-      </p:sp>
-      <p:sp>
-        <p:nvSpPr>
-          <p:cNvPr id="9" name="TextBox 8">
-            <a:extLst>
-              <a:ext uri="{FF2B5EF4-FFF2-40B4-BE49-F238E27FC236}">
-                <a16:creationId xmlns:a16="http://schemas.microsoft.com/office/drawing/2014/main" id="{BE08516B-84ED-8F46-92BE-AAB705AFB9B4}"/>
-              </a:ext>
-            </a:extLst>
-          </p:cNvPr>
-          <p:cNvSpPr txBox="1"/>
+              <a:rPr lang="en-US" sz="1400">
+                <a:solidFill>
+                  <a:srgbClr val="080808"/>
+                </a:solidFill>
+                <a:latin typeface="Fira Code" pitchFamily="49" charset="0"/>
+                <a:ea typeface="Fira Code" pitchFamily="49" charset="0"/>
+                <a:cs typeface="Fira Code" pitchFamily="49" charset="0"/>
+              </a:rPr>
+              <a:t>[Customer]: hi</a:t>
+            </a:r>
+            <a:br>
+              <a:rPr lang="en-US" sz="1400">
+                <a:solidFill>
+                  <a:srgbClr val="080808"/>
+                </a:solidFill>
+                <a:latin typeface="Fira Code" pitchFamily="49" charset="0"/>
+                <a:ea typeface="Fira Code" pitchFamily="49" charset="0"/>
+                <a:cs typeface="Fira Code" pitchFamily="49" charset="0"/>
+              </a:rPr>
+            </a:br>
+            <a:r>
+              <a:rPr lang="en-US" sz="1400">
+                <a:solidFill>
+                  <a:srgbClr val="080808"/>
+                </a:solidFill>
+                <a:latin typeface="Fira Code" pitchFamily="49" charset="0"/>
+                <a:ea typeface="Fira Code" pitchFamily="49" charset="0"/>
+                <a:cs typeface="Fira Code" pitchFamily="49" charset="0"/>
+              </a:rPr>
+              <a:t>[     Bot]: Hi there! I'm your virtual assistant.</a:t>
+            </a:r>
+            <a:br>
+              <a:rPr lang="en-US" sz="1400">
+                <a:solidFill>
+                  <a:srgbClr val="080808"/>
+                </a:solidFill>
+                <a:latin typeface="Fira Code" pitchFamily="49" charset="0"/>
+                <a:ea typeface="Fira Code" pitchFamily="49" charset="0"/>
+                <a:cs typeface="Fira Code" pitchFamily="49" charset="0"/>
+              </a:rPr>
+            </a:br>
+            <a:r>
+              <a:rPr lang="en-US" sz="1400">
+                <a:solidFill>
+                  <a:srgbClr val="080808"/>
+                </a:solidFill>
+                <a:latin typeface="Fira Code" pitchFamily="49" charset="0"/>
+                <a:ea typeface="Fira Code" pitchFamily="49" charset="0"/>
+                <a:cs typeface="Fira Code" pitchFamily="49" charset="0"/>
+              </a:rPr>
+              <a:t>[     Bot]: What would you like to do today?</a:t>
+            </a:r>
+            <a:endParaRPr lang="en-US" sz="1400">
+              <a:latin typeface="Fira Code" pitchFamily="49" charset="0"/>
+              <a:ea typeface="Fira Code" pitchFamily="49" charset="0"/>
+              <a:cs typeface="Fira Code" pitchFamily="49" charset="0"/>
+            </a:endParaRPr>
+          </a:p>
+        </p:txBody>
+      </p:sp>
+      <p:cxnSp>
+        <p:nvCxnSpPr>
+          <p:cNvPr id="6" name="Straight Connector 5">
+            <a:extLst>
+              <a:ext uri="{FF2B5EF4-FFF2-40B4-BE49-F238E27FC236}">
+                <a16:creationId xmlns:a16="http://schemas.microsoft.com/office/drawing/2014/main" id="{EA340D34-665B-A772-6EA9-802ABBE5343C}"/>
+              </a:ext>
+            </a:extLst>
+          </p:cNvPr>
+          <p:cNvCxnSpPr>
+            <a:cxnSpLocks/>
+          </p:cNvCxnSpPr>
           <p:nvPr/>
-        </p:nvSpPr>
+        </p:nvCxnSpPr>
         <p:spPr>
           <a:xfrm>
-            <a:off x="2844799" y="1923033"/>
-            <a:ext cx="1777772" cy="461665"/>
+            <a:off x="5952744" y="594360"/>
+            <a:ext cx="0" cy="6025896"/>
           </a:xfrm>
-          <a:prstGeom prst="rect">
+          <a:prstGeom prst="line">
             <a:avLst/>
           </a:prstGeom>
-          <a:noFill/>
-        </p:spPr>
-        <p:txBody>
-          <a:bodyPr wrap="square" rtlCol="0">
-            <a:spAutoFit/>
-          </a:bodyPr>
-          <a:lstStyle/>
-          <a:p>
-            <a:r>
-              <a:rPr lang="en-US" sz="2400" dirty="0"/>
-              <a:t>Whiteboard</a:t>
-            </a:r>
-          </a:p>
-        </p:txBody>
-      </p:sp>
-      <p:grpSp>
-        <p:nvGrpSpPr>
-          <p:cNvPr id="10" name="Group 9">
-            <a:extLst>
-              <a:ext uri="{FF2B5EF4-FFF2-40B4-BE49-F238E27FC236}">
-                <a16:creationId xmlns:a16="http://schemas.microsoft.com/office/drawing/2014/main" id="{FF39823A-C8F1-3204-08FC-FA4444003F39}"/>
-              </a:ext>
-            </a:extLst>
-          </p:cNvPr>
-          <p:cNvGrpSpPr/>
-          <p:nvPr/>
-        </p:nvGrpSpPr>
-        <p:grpSpPr>
-          <a:xfrm>
-            <a:off x="1422400" y="279400"/>
-            <a:ext cx="1347536" cy="2802021"/>
-            <a:chOff x="635115" y="-227609"/>
-            <a:chExt cx="1010652" cy="2101516"/>
-          </a:xfrm>
-        </p:grpSpPr>
-        <p:sp>
-          <p:nvSpPr>
-            <p:cNvPr id="11" name="Rectangle 10">
-              <a:extLst>
-                <a:ext uri="{FF2B5EF4-FFF2-40B4-BE49-F238E27FC236}">
-                  <a16:creationId xmlns:a16="http://schemas.microsoft.com/office/drawing/2014/main" id="{3F6B0153-9965-2DEB-F758-1078474DD80E}"/>
-                </a:ext>
-              </a:extLst>
-            </p:cNvPr>
-            <p:cNvSpPr/>
-            <p:nvPr/>
-          </p:nvSpPr>
-          <p:spPr bwMode="auto">
-            <a:xfrm>
-              <a:off x="635115" y="29065"/>
-              <a:ext cx="1010652" cy="1138989"/>
-            </a:xfrm>
-            <a:prstGeom prst="rect">
-              <a:avLst/>
-            </a:prstGeom>
-            <a:ln>
-              <a:headEnd type="none" w="med" len="med"/>
-              <a:tailEnd type="none" w="med" len="med"/>
-            </a:ln>
-          </p:spPr>
-          <p:style>
-            <a:lnRef idx="2">
-              <a:schemeClr val="dk1"/>
-            </a:lnRef>
-            <a:fillRef idx="1">
-              <a:schemeClr val="lt1"/>
-            </a:fillRef>
-            <a:effectRef idx="0">
-              <a:schemeClr val="dk1"/>
-            </a:effectRef>
-            <a:fontRef idx="minor">
-              <a:schemeClr val="dk1"/>
-            </a:fontRef>
-          </p:style>
-          <p:txBody>
-            <a:bodyPr vert="horz" wrap="square" lIns="121920" tIns="60960" rIns="121920" bIns="60960" numCol="1" rtlCol="0" anchor="t" anchorCtr="0" compatLnSpc="1">
-              <a:prstTxWarp prst="textNoShape">
-                <a:avLst/>
-              </a:prstTxWarp>
-            </a:bodyPr>
-            <a:lstStyle/>
-            <a:p>
-              <a:pPr defTabSz="1219170" eaLnBrk="0" fontAlgn="base" hangingPunct="0">
-                <a:spcBef>
-                  <a:spcPct val="0"/>
-                </a:spcBef>
-                <a:spcAft>
-                  <a:spcPct val="0"/>
-                </a:spcAft>
-              </a:pPr>
-              <a:endParaRPr lang="en-US" sz="3200" b="1">
-                <a:solidFill>
-                  <a:schemeClr val="tx1"/>
-                </a:solidFill>
-                <a:latin typeface="Arial" charset="0"/>
-              </a:endParaRPr>
-            </a:p>
-          </p:txBody>
-        </p:sp>
-        <p:cxnSp>
-          <p:nvCxnSpPr>
-            <p:cNvPr id="12" name="Straight Connector 11">
-              <a:extLst>
-                <a:ext uri="{FF2B5EF4-FFF2-40B4-BE49-F238E27FC236}">
-                  <a16:creationId xmlns:a16="http://schemas.microsoft.com/office/drawing/2014/main" id="{64362202-101E-18D9-4A39-C6F32445A05B}"/>
-                </a:ext>
-              </a:extLst>
-            </p:cNvPr>
-            <p:cNvCxnSpPr/>
-            <p:nvPr/>
-          </p:nvCxnSpPr>
-          <p:spPr bwMode="auto">
-            <a:xfrm>
-              <a:off x="1140441" y="-227609"/>
-              <a:ext cx="0" cy="256674"/>
-            </a:xfrm>
-            <a:prstGeom prst="line">
-              <a:avLst/>
-            </a:prstGeom>
-            <a:solidFill>
-              <a:schemeClr val="accent1"/>
-            </a:solidFill>
-            <a:ln w="9525" cap="flat" cmpd="sng" algn="ctr">
-              <a:solidFill>
-                <a:schemeClr val="tx1"/>
-              </a:solidFill>
-              <a:prstDash val="solid"/>
-              <a:round/>
-              <a:headEnd type="none" w="med" len="med"/>
-              <a:tailEnd type="none" w="med" len="med"/>
-            </a:ln>
-            <a:effectLst/>
-          </p:spPr>
-        </p:cxnSp>
-        <p:cxnSp>
-          <p:nvCxnSpPr>
-            <p:cNvPr id="13" name="Straight Connector 12">
-              <a:extLst>
-                <a:ext uri="{FF2B5EF4-FFF2-40B4-BE49-F238E27FC236}">
-                  <a16:creationId xmlns:a16="http://schemas.microsoft.com/office/drawing/2014/main" id="{A5A54560-8644-96DC-1272-5BC3BEA70054}"/>
-                </a:ext>
-              </a:extLst>
-            </p:cNvPr>
-            <p:cNvCxnSpPr/>
-            <p:nvPr/>
-          </p:nvCxnSpPr>
-          <p:spPr bwMode="auto">
-            <a:xfrm flipV="1">
-              <a:off x="819599" y="1168054"/>
-              <a:ext cx="184484" cy="705853"/>
-            </a:xfrm>
-            <a:prstGeom prst="line">
-              <a:avLst/>
-            </a:prstGeom>
-            <a:solidFill>
-              <a:schemeClr val="accent1"/>
-            </a:solidFill>
-            <a:ln w="9525" cap="flat" cmpd="sng" algn="ctr">
-              <a:solidFill>
-                <a:schemeClr val="tx1"/>
-              </a:solidFill>
-              <a:prstDash val="solid"/>
-              <a:round/>
-              <a:headEnd type="none" w="med" len="med"/>
-              <a:tailEnd type="none" w="med" len="med"/>
-            </a:ln>
-            <a:effectLst/>
-          </p:spPr>
-        </p:cxnSp>
-        <p:cxnSp>
-          <p:nvCxnSpPr>
-            <p:cNvPr id="14" name="Straight Connector 13">
-              <a:extLst>
-                <a:ext uri="{FF2B5EF4-FFF2-40B4-BE49-F238E27FC236}">
-                  <a16:creationId xmlns:a16="http://schemas.microsoft.com/office/drawing/2014/main" id="{5F66F5C7-C464-0CED-1F36-8B217FF09EC2}"/>
-                </a:ext>
-              </a:extLst>
-            </p:cNvPr>
-            <p:cNvCxnSpPr/>
-            <p:nvPr/>
-          </p:nvCxnSpPr>
-          <p:spPr bwMode="auto">
-            <a:xfrm flipV="1">
-              <a:off x="1140441" y="1168054"/>
-              <a:ext cx="0" cy="529390"/>
-            </a:xfrm>
-            <a:prstGeom prst="line">
-              <a:avLst/>
-            </a:prstGeom>
-            <a:solidFill>
-              <a:schemeClr val="accent1"/>
-            </a:solidFill>
-            <a:ln w="9525" cap="flat" cmpd="sng" algn="ctr">
-              <a:solidFill>
-                <a:schemeClr val="tx1"/>
-              </a:solidFill>
-              <a:prstDash val="solid"/>
-              <a:round/>
-              <a:headEnd type="none" w="med" len="med"/>
-              <a:tailEnd type="none" w="med" len="med"/>
-            </a:ln>
-            <a:effectLst/>
-          </p:spPr>
-        </p:cxnSp>
-        <p:cxnSp>
-          <p:nvCxnSpPr>
-            <p:cNvPr id="15" name="Straight Connector 14">
-              <a:extLst>
-                <a:ext uri="{FF2B5EF4-FFF2-40B4-BE49-F238E27FC236}">
-                  <a16:creationId xmlns:a16="http://schemas.microsoft.com/office/drawing/2014/main" id="{68594883-6B37-1A25-1C69-8F217D55ACC4}"/>
-                </a:ext>
-              </a:extLst>
-            </p:cNvPr>
-            <p:cNvCxnSpPr/>
-            <p:nvPr/>
-          </p:nvCxnSpPr>
-          <p:spPr bwMode="auto">
-            <a:xfrm flipH="1" flipV="1">
-              <a:off x="1276799" y="1168054"/>
-              <a:ext cx="176463" cy="705853"/>
-            </a:xfrm>
-            <a:prstGeom prst="line">
-              <a:avLst/>
-            </a:prstGeom>
-            <a:solidFill>
-              <a:schemeClr val="accent1"/>
-            </a:solidFill>
-            <a:ln w="9525" cap="flat" cmpd="sng" algn="ctr">
-              <a:solidFill>
-                <a:schemeClr val="tx1"/>
-              </a:solidFill>
-              <a:prstDash val="solid"/>
-              <a:round/>
-              <a:headEnd type="none" w="med" len="med"/>
-              <a:tailEnd type="none" w="med" len="med"/>
-            </a:ln>
-            <a:effectLst/>
-          </p:spPr>
-        </p:cxnSp>
-        <p:cxnSp>
-          <p:nvCxnSpPr>
-            <p:cNvPr id="16" name="Straight Arrow Connector 15">
-              <a:extLst>
-                <a:ext uri="{FF2B5EF4-FFF2-40B4-BE49-F238E27FC236}">
-                  <a16:creationId xmlns:a16="http://schemas.microsoft.com/office/drawing/2014/main" id="{1B1DEDC5-CBBB-77B4-59C0-6949C1C43D78}"/>
-                </a:ext>
-              </a:extLst>
-            </p:cNvPr>
-            <p:cNvCxnSpPr/>
-            <p:nvPr/>
-          </p:nvCxnSpPr>
-          <p:spPr bwMode="auto">
-            <a:xfrm>
-              <a:off x="1140441" y="173520"/>
-              <a:ext cx="0" cy="842838"/>
-            </a:xfrm>
-            <a:prstGeom prst="straightConnector1">
-              <a:avLst/>
-            </a:prstGeom>
-            <a:solidFill>
-              <a:schemeClr val="accent1"/>
-            </a:solidFill>
-            <a:ln w="9525" cap="flat" cmpd="sng" algn="ctr">
-              <a:solidFill>
-                <a:schemeClr val="tx1"/>
-              </a:solidFill>
-              <a:prstDash val="solid"/>
-              <a:round/>
-              <a:headEnd type="arrow"/>
-              <a:tailEnd type="arrow"/>
-            </a:ln>
-            <a:effectLst/>
-          </p:spPr>
-        </p:cxnSp>
-        <p:cxnSp>
-          <p:nvCxnSpPr>
-            <p:cNvPr id="17" name="Straight Arrow Connector 16">
-              <a:extLst>
-                <a:ext uri="{FF2B5EF4-FFF2-40B4-BE49-F238E27FC236}">
-                  <a16:creationId xmlns:a16="http://schemas.microsoft.com/office/drawing/2014/main" id="{DA360AFB-BC7B-14CD-FD43-B046C7EE1BF0}"/>
-                </a:ext>
-              </a:extLst>
-            </p:cNvPr>
-            <p:cNvCxnSpPr/>
-            <p:nvPr/>
-          </p:nvCxnSpPr>
-          <p:spPr bwMode="auto">
-            <a:xfrm flipV="1">
-              <a:off x="762000" y="598559"/>
-              <a:ext cx="691262" cy="1"/>
-            </a:xfrm>
-            <a:prstGeom prst="straightConnector1">
-              <a:avLst/>
-            </a:prstGeom>
-            <a:solidFill>
-              <a:schemeClr val="accent1"/>
-            </a:solidFill>
-            <a:ln w="9525" cap="flat" cmpd="sng" algn="ctr">
-              <a:solidFill>
-                <a:schemeClr val="tx1"/>
-              </a:solidFill>
-              <a:prstDash val="solid"/>
-              <a:round/>
-              <a:headEnd type="arrow"/>
-              <a:tailEnd type="arrow"/>
-            </a:ln>
-            <a:effectLst/>
-          </p:spPr>
-        </p:cxnSp>
-        <p:cxnSp>
-          <p:nvCxnSpPr>
-            <p:cNvPr id="18" name="Straight Connector 17">
-              <a:extLst>
-                <a:ext uri="{FF2B5EF4-FFF2-40B4-BE49-F238E27FC236}">
-                  <a16:creationId xmlns:a16="http://schemas.microsoft.com/office/drawing/2014/main" id="{7A7FFD33-19A8-2A47-B9D0-A8161C22968F}"/>
-                </a:ext>
-              </a:extLst>
-            </p:cNvPr>
-            <p:cNvCxnSpPr/>
-            <p:nvPr/>
-          </p:nvCxnSpPr>
-          <p:spPr bwMode="auto">
-            <a:xfrm flipV="1">
-              <a:off x="1140441" y="380254"/>
-              <a:ext cx="224589" cy="218123"/>
-            </a:xfrm>
-            <a:prstGeom prst="line">
-              <a:avLst/>
-            </a:prstGeom>
-            <a:solidFill>
-              <a:schemeClr val="accent1"/>
-            </a:solidFill>
-            <a:ln w="34925" cap="flat" cmpd="sng" algn="ctr">
-              <a:solidFill>
-                <a:srgbClr val="FF0000"/>
-              </a:solidFill>
-              <a:prstDash val="solid"/>
-              <a:round/>
-              <a:headEnd type="none" w="med" len="med"/>
-              <a:tailEnd type="none" w="med" len="med"/>
-            </a:ln>
-            <a:effectLst/>
-          </p:spPr>
-        </p:cxnSp>
-      </p:grpSp>
-      <p:sp>
-        <p:nvSpPr>
-          <p:cNvPr id="19" name="TextBox 18">
-            <a:extLst>
-              <a:ext uri="{FF2B5EF4-FFF2-40B4-BE49-F238E27FC236}">
-                <a16:creationId xmlns:a16="http://schemas.microsoft.com/office/drawing/2014/main" id="{92F36F41-5DA3-DF67-C06F-D4D35DCC4875}"/>
-              </a:ext>
-            </a:extLst>
-          </p:cNvPr>
-          <p:cNvSpPr txBox="1"/>
-          <p:nvPr/>
-        </p:nvSpPr>
-        <p:spPr>
-          <a:xfrm>
-            <a:off x="7620003" y="889002"/>
-            <a:ext cx="3555876" cy="830997"/>
-          </a:xfrm>
-          <a:prstGeom prst="rect">
-            <a:avLst/>
-          </a:prstGeom>
-          <a:solidFill>
-            <a:schemeClr val="bg1"/>
-          </a:solidFill>
-          <a:ln>
-            <a:solidFill>
-              <a:schemeClr val="tx1"/>
-            </a:solidFill>
-          </a:ln>
-        </p:spPr>
-        <p:txBody>
-          <a:bodyPr wrap="square" rtlCol="0">
-            <a:spAutoFit/>
-          </a:bodyPr>
-          <a:lstStyle/>
-          <a:p>
-            <a:r>
-              <a:rPr lang="en-US" sz="2400" dirty="0">
-                <a:solidFill>
-                  <a:srgbClr val="2AD122"/>
-                </a:solidFill>
-              </a:rPr>
-              <a:t>// Create side (0,0) – (3,4)</a:t>
-            </a:r>
-          </a:p>
-          <a:p>
-            <a:r>
-              <a:rPr lang="en-US" sz="2400" dirty="0">
-                <a:solidFill>
-                  <a:srgbClr val="2AD122"/>
-                </a:solidFill>
-              </a:rPr>
-              <a:t>// Verify length</a:t>
-            </a:r>
-          </a:p>
-        </p:txBody>
-      </p:sp>
-      <p:sp>
-        <p:nvSpPr>
-          <p:cNvPr id="20" name="TextBox 19">
-            <a:extLst>
-              <a:ext uri="{FF2B5EF4-FFF2-40B4-BE49-F238E27FC236}">
-                <a16:creationId xmlns:a16="http://schemas.microsoft.com/office/drawing/2014/main" id="{AD4EDCF3-7C37-4F4B-3794-531222F2D39B}"/>
-              </a:ext>
-            </a:extLst>
-          </p:cNvPr>
-          <p:cNvSpPr txBox="1"/>
-          <p:nvPr/>
-        </p:nvSpPr>
-        <p:spPr>
-          <a:xfrm>
-            <a:off x="7010400" y="5867400"/>
-            <a:ext cx="5080000" cy="748795"/>
-          </a:xfrm>
-          <a:prstGeom prst="rect">
-            <a:avLst/>
-          </a:prstGeom>
-          <a:solidFill>
-            <a:schemeClr val="bg1"/>
-          </a:solidFill>
-          <a:ln>
-            <a:solidFill>
-              <a:schemeClr val="tx1"/>
-            </a:solidFill>
-          </a:ln>
-        </p:spPr>
-        <p:txBody>
-          <a:bodyPr wrap="square" rtlCol="0">
-            <a:spAutoFit/>
-          </a:bodyPr>
-          <a:lstStyle/>
-          <a:p>
-            <a:r>
-              <a:rPr lang="en-US" sz="2133" dirty="0"/>
-              <a:t>Side s = new Side(0,0,3,4);</a:t>
-            </a:r>
-          </a:p>
-          <a:p>
-            <a:r>
-              <a:rPr lang="en-US" sz="2133" dirty="0"/>
-              <a:t>Approvals.Verify(s + “ length = “ +s.Length);</a:t>
-            </a:r>
-          </a:p>
-        </p:txBody>
-      </p:sp>
-      <p:sp>
-        <p:nvSpPr>
-          <p:cNvPr id="21" name="TextBox 20">
-            <a:extLst>
-              <a:ext uri="{FF2B5EF4-FFF2-40B4-BE49-F238E27FC236}">
-                <a16:creationId xmlns:a16="http://schemas.microsoft.com/office/drawing/2014/main" id="{8F4B2375-E391-1D2A-3DC7-FB046D1DB5C2}"/>
-              </a:ext>
-            </a:extLst>
-          </p:cNvPr>
-          <p:cNvSpPr txBox="1"/>
-          <p:nvPr/>
-        </p:nvSpPr>
-        <p:spPr>
-          <a:xfrm>
-            <a:off x="508000" y="5867401"/>
-            <a:ext cx="3984867" cy="502766"/>
-          </a:xfrm>
-          <a:prstGeom prst="rect">
-            <a:avLst/>
-          </a:prstGeom>
-          <a:solidFill>
-            <a:schemeClr val="bg1"/>
-          </a:solidFill>
-          <a:ln>
-            <a:solidFill>
-              <a:schemeClr val="tx1"/>
-            </a:solidFill>
-          </a:ln>
-        </p:spPr>
-        <p:txBody>
-          <a:bodyPr wrap="square" rtlCol="0">
-            <a:spAutoFit/>
-          </a:bodyPr>
-          <a:lstStyle/>
-          <a:p>
-            <a:r>
-              <a:rPr lang="en-US" sz="2667" dirty="0"/>
-              <a:t>Side (0,0) – (3,4) length = 5</a:t>
-            </a:r>
-          </a:p>
-        </p:txBody>
-      </p:sp>
-      <p:sp>
-        <p:nvSpPr>
-          <p:cNvPr id="22" name="Curved Down Arrow 21">
-            <a:extLst>
-              <a:ext uri="{FF2B5EF4-FFF2-40B4-BE49-F238E27FC236}">
-                <a16:creationId xmlns:a16="http://schemas.microsoft.com/office/drawing/2014/main" id="{31F2F38B-8260-C825-8DFE-AB0970C9C406}"/>
-              </a:ext>
-            </a:extLst>
-          </p:cNvPr>
-          <p:cNvSpPr/>
-          <p:nvPr/>
-        </p:nvSpPr>
-        <p:spPr bwMode="auto">
-          <a:xfrm rot="10800000">
-            <a:off x="4590493" y="5025943"/>
-            <a:ext cx="2718871" cy="1219200"/>
-          </a:xfrm>
-          <a:prstGeom prst="curvedDownArrow">
-            <a:avLst/>
-          </a:prstGeom>
-          <a:ln>
-            <a:headEnd type="none" w="med" len="med"/>
-            <a:tailEnd type="none" w="med" len="med"/>
-          </a:ln>
+          <a:ln w="38100"/>
         </p:spPr>
         <p:style>
-          <a:lnRef idx="2">
+          <a:lnRef idx="1">
             <a:schemeClr val="dk1"/>
           </a:lnRef>
-          <a:fillRef idx="1">
-            <a:schemeClr val="lt1"/>
+          <a:fillRef idx="0">
+            <a:schemeClr val="dk1"/>
           </a:fillRef>
           <a:effectRef idx="0">
             <a:schemeClr val="dk1"/>
           </a:effectRef>
           <a:fontRef idx="minor">
-            <a:schemeClr val="dk1"/>
+            <a:schemeClr val="tx1"/>
           </a:fontRef>
         </p:style>
-        <p:txBody>
-          <a:bodyPr vert="horz" wrap="square" lIns="121920" tIns="60960" rIns="121920" bIns="60960" numCol="1" rtlCol="0" anchor="t" anchorCtr="0" compatLnSpc="1">
-            <a:prstTxWarp prst="textNoShape">
-              <a:avLst/>
-            </a:prstTxWarp>
-          </a:bodyPr>
-          <a:lstStyle/>
-          <a:p>
-            <a:pPr defTabSz="1219170" eaLnBrk="0" fontAlgn="base" hangingPunct="0">
-              <a:spcBef>
-                <a:spcPct val="0"/>
-              </a:spcBef>
-              <a:spcAft>
-                <a:spcPct val="0"/>
-              </a:spcAft>
-            </a:pPr>
-            <a:endParaRPr lang="en-US" sz="3200" b="1">
-              <a:solidFill>
-                <a:schemeClr val="tx1"/>
-              </a:solidFill>
-              <a:latin typeface="Arial" charset="0"/>
-            </a:endParaRPr>
-          </a:p>
-        </p:txBody>
-      </p:sp>
-      <p:sp>
-        <p:nvSpPr>
-          <p:cNvPr id="23" name="TextBox 22">
-            <a:extLst>
-              <a:ext uri="{FF2B5EF4-FFF2-40B4-BE49-F238E27FC236}">
-                <a16:creationId xmlns:a16="http://schemas.microsoft.com/office/drawing/2014/main" id="{D614342D-BA54-FEAD-66D0-8DEAD62B8178}"/>
-              </a:ext>
-            </a:extLst>
-          </p:cNvPr>
-          <p:cNvSpPr txBox="1"/>
-          <p:nvPr/>
-        </p:nvSpPr>
-        <p:spPr>
-          <a:xfrm>
-            <a:off x="4165604" y="3327402"/>
-            <a:ext cx="3453061" cy="830997"/>
-          </a:xfrm>
-          <a:prstGeom prst="rect">
-            <a:avLst/>
-          </a:prstGeom>
-          <a:noFill/>
-        </p:spPr>
-        <p:txBody>
-          <a:bodyPr wrap="none" rtlCol="0">
-            <a:spAutoFit/>
-          </a:bodyPr>
-          <a:lstStyle/>
-          <a:p>
-            <a:r>
-              <a:rPr lang="en-US" sz="4800" dirty="0"/>
-              <a:t>Testing Circle</a:t>
-            </a:r>
-          </a:p>
-        </p:txBody>
-      </p:sp>
+      </p:cxnSp>
     </p:spTree>
     <p:extLst>
       <p:ext uri="{BB962C8B-B14F-4D97-AF65-F5344CB8AC3E}">
-        <p14:creationId xmlns:p14="http://schemas.microsoft.com/office/powerpoint/2010/main" val="2993533196"/>
+        <p14:creationId xmlns:p14="http://schemas.microsoft.com/office/powerpoint/2010/main" val="2258015397"/>
       </p:ext>
     </p:extLst>
   </p:cSld>
@@ -12409,7 +10909,7 @@
         <p:cNvPr id="1" name="">
           <a:extLst>
             <a:ext uri="{FF2B5EF4-FFF2-40B4-BE49-F238E27FC236}">
-              <a16:creationId xmlns:a16="http://schemas.microsoft.com/office/drawing/2014/main" id="{0CDC54FE-7FC3-7747-C655-1CD7689E945F}"/>
+              <a16:creationId xmlns:a16="http://schemas.microsoft.com/office/drawing/2014/main" id="{E6FF8825-EC20-0C35-C355-C893B2530AF9}"/>
             </a:ext>
           </a:extLst>
         </p:cNvPr>
@@ -12424,277 +10924,630 @@
           <a:chExt cx="0" cy="0"/>
         </a:xfrm>
       </p:grpSpPr>
-      <p:pic>
-        <p:nvPicPr>
-          <p:cNvPr id="2" name="Picture 1" descr="A screenshot of a computer code&#10;&#10;Description automatically generated">
-            <a:extLst>
-              <a:ext uri="{FF2B5EF4-FFF2-40B4-BE49-F238E27FC236}">
-                <a16:creationId xmlns:a16="http://schemas.microsoft.com/office/drawing/2014/main" id="{6C4170BA-DF45-9A1A-5B39-E2A0AF1934B1}"/>
-              </a:ext>
-            </a:extLst>
-          </p:cNvPr>
-          <p:cNvPicPr>
-            <a:picLocks noChangeAspect="1"/>
-          </p:cNvPicPr>
+      <p:sp>
+        <p:nvSpPr>
+          <p:cNvPr id="2" name="TextBox 1">
+            <a:extLst>
+              <a:ext uri="{FF2B5EF4-FFF2-40B4-BE49-F238E27FC236}">
+                <a16:creationId xmlns:a16="http://schemas.microsoft.com/office/drawing/2014/main" id="{DD0DBFF4-1D30-30B7-F91A-6D482B1D8AE7}"/>
+              </a:ext>
+            </a:extLst>
+          </p:cNvPr>
+          <p:cNvSpPr txBox="1"/>
           <p:nvPr/>
-        </p:nvPicPr>
-        <p:blipFill>
-          <a:blip r:embed="rId3"/>
-          <a:stretch>
-            <a:fillRect/>
-          </a:stretch>
-        </p:blipFill>
+        </p:nvSpPr>
         <p:spPr>
           <a:xfrm>
-            <a:off x="86438" y="1514440"/>
-            <a:ext cx="6512992" cy="3284868"/>
+            <a:off x="1563624" y="594360"/>
+            <a:ext cx="1216487" cy="369332"/>
           </a:xfrm>
           <a:prstGeom prst="rect">
             <a:avLst/>
           </a:prstGeom>
-          <a:ln>
-            <a:solidFill>
-              <a:schemeClr val="tx1"/>
-            </a:solidFill>
-          </a:ln>
+          <a:noFill/>
         </p:spPr>
-      </p:pic>
-      <p:sp>
-        <p:nvSpPr>
-          <p:cNvPr id="3" name="Right Arrow 2">
-            <a:extLst>
-              <a:ext uri="{FF2B5EF4-FFF2-40B4-BE49-F238E27FC236}">
-                <a16:creationId xmlns:a16="http://schemas.microsoft.com/office/drawing/2014/main" id="{172A8BEA-D6FE-A64F-07E1-8309097BA35F}"/>
-              </a:ext>
-            </a:extLst>
-          </p:cNvPr>
-          <p:cNvSpPr/>
+        <p:txBody>
+          <a:bodyPr wrap="none" rtlCol="0">
+            <a:spAutoFit/>
+          </a:bodyPr>
+          <a:lstStyle/>
+          <a:p>
+            <a:r>
+              <a:rPr lang="en-US"/>
+              <a:t>Formatting</a:t>
+            </a:r>
+          </a:p>
+        </p:txBody>
+      </p:sp>
+      <p:sp>
+        <p:nvSpPr>
+          <p:cNvPr id="3" name="TextBox 2">
+            <a:extLst>
+              <a:ext uri="{FF2B5EF4-FFF2-40B4-BE49-F238E27FC236}">
+                <a16:creationId xmlns:a16="http://schemas.microsoft.com/office/drawing/2014/main" id="{F8DFB75D-8685-2FB1-0B13-1BE2BF460D6A}"/>
+              </a:ext>
+            </a:extLst>
+          </p:cNvPr>
+          <p:cNvSpPr txBox="1"/>
           <p:nvPr/>
         </p:nvSpPr>
         <p:spPr>
           <a:xfrm>
-            <a:off x="6697595" y="2156898"/>
-            <a:ext cx="832104" cy="2177358"/>
-          </a:xfrm>
-          <a:prstGeom prst="rightArrow">
-            <a:avLst/>
-          </a:prstGeom>
-        </p:spPr>
-        <p:style>
-          <a:lnRef idx="2">
-            <a:schemeClr val="accent1">
-              <a:shade val="15000"/>
-            </a:schemeClr>
-          </a:lnRef>
-          <a:fillRef idx="1">
-            <a:schemeClr val="accent1"/>
-          </a:fillRef>
-          <a:effectRef idx="0">
-            <a:schemeClr val="accent1"/>
-          </a:effectRef>
-          <a:fontRef idx="minor">
-            <a:schemeClr val="lt1"/>
-          </a:fontRef>
-        </p:style>
-        <p:txBody>
-          <a:bodyPr rtlCol="0" anchor="ctr"/>
-          <a:lstStyle/>
-          <a:p>
-            <a:pPr algn="ctr"/>
-            <a:endParaRPr lang="en-US"/>
-          </a:p>
-        </p:txBody>
-      </p:sp>
-      <p:pic>
-        <p:nvPicPr>
-          <p:cNvPr id="5" name="Picture 4" descr="A close-up of a computer code&#10;&#10;Description automatically generated">
-            <a:extLst>
-              <a:ext uri="{FF2B5EF4-FFF2-40B4-BE49-F238E27FC236}">
-                <a16:creationId xmlns:a16="http://schemas.microsoft.com/office/drawing/2014/main" id="{028AA476-CC31-E423-6F65-6054E4CB5972}"/>
-              </a:ext>
-            </a:extLst>
-          </p:cNvPr>
-          <p:cNvPicPr>
-            <a:picLocks noChangeAspect="1"/>
-          </p:cNvPicPr>
-          <p:nvPr/>
-        </p:nvPicPr>
-        <p:blipFill>
-          <a:blip r:embed="rId4"/>
-          <a:stretch>
-            <a:fillRect/>
-          </a:stretch>
-        </p:blipFill>
-        <p:spPr>
-          <a:xfrm>
-            <a:off x="7832851" y="1026887"/>
-            <a:ext cx="3457939" cy="975106"/>
+            <a:off x="379264" y="2367171"/>
+            <a:ext cx="5386411" cy="2123658"/>
           </a:xfrm>
           <a:prstGeom prst="rect">
             <a:avLst/>
           </a:prstGeom>
+          <a:noFill/>
         </p:spPr>
-      </p:pic>
-      <p:sp>
-        <p:nvSpPr>
-          <p:cNvPr id="11" name="Cross 10">
-            <a:extLst>
-              <a:ext uri="{FF2B5EF4-FFF2-40B4-BE49-F238E27FC236}">
-                <a16:creationId xmlns:a16="http://schemas.microsoft.com/office/drawing/2014/main" id="{28C78C83-275C-53B2-1621-FF0DE645D6B9}"/>
-              </a:ext>
-            </a:extLst>
-          </p:cNvPr>
-          <p:cNvSpPr/>
+        <p:txBody>
+          <a:bodyPr wrap="none" rtlCol="0">
+            <a:spAutoFit/>
+          </a:bodyPr>
+          <a:lstStyle/>
+          <a:p>
+            <a:r>
+              <a:rPr lang="en-US" sz="1200">
+                <a:solidFill>
+                  <a:srgbClr val="080808"/>
+                </a:solidFill>
+                <a:effectLst/>
+                <a:latin typeface="Fira Code" pitchFamily="49" charset="0"/>
+                <a:ea typeface="Fira Code" pitchFamily="49" charset="0"/>
+                <a:cs typeface="Fira Code" pitchFamily="49" charset="0"/>
+              </a:rPr>
+              <a:t>[Customer]: hi</a:t>
+            </a:r>
+            <a:br>
+              <a:rPr lang="en-US" sz="1200">
+                <a:solidFill>
+                  <a:srgbClr val="080808"/>
+                </a:solidFill>
+                <a:effectLst/>
+                <a:latin typeface="Fira Code" pitchFamily="49" charset="0"/>
+                <a:ea typeface="Fira Code" pitchFamily="49" charset="0"/>
+                <a:cs typeface="Fira Code" pitchFamily="49" charset="0"/>
+              </a:rPr>
+            </a:br>
+            <a:r>
+              <a:rPr lang="en-US" sz="1200">
+                <a:solidFill>
+                  <a:srgbClr val="080808"/>
+                </a:solidFill>
+                <a:effectLst/>
+                <a:latin typeface="Fira Code" pitchFamily="49" charset="0"/>
+                <a:ea typeface="Fira Code" pitchFamily="49" charset="0"/>
+                <a:cs typeface="Fira Code" pitchFamily="49" charset="0"/>
+              </a:rPr>
+              <a:t>[Bot]: Hi there! I'm your virtual assistant.</a:t>
+            </a:r>
+            <a:br>
+              <a:rPr lang="en-US" sz="1200">
+                <a:solidFill>
+                  <a:srgbClr val="080808"/>
+                </a:solidFill>
+                <a:effectLst/>
+                <a:latin typeface="Fira Code" pitchFamily="49" charset="0"/>
+                <a:ea typeface="Fira Code" pitchFamily="49" charset="0"/>
+                <a:cs typeface="Fira Code" pitchFamily="49" charset="0"/>
+              </a:rPr>
+            </a:br>
+            <a:r>
+              <a:rPr lang="en-US" sz="1200">
+                <a:solidFill>
+                  <a:srgbClr val="080808"/>
+                </a:solidFill>
+                <a:effectLst/>
+                <a:latin typeface="Fira Code" pitchFamily="49" charset="0"/>
+                <a:ea typeface="Fira Code" pitchFamily="49" charset="0"/>
+                <a:cs typeface="Fira Code" pitchFamily="49" charset="0"/>
+              </a:rPr>
+              <a:t>[Bot]: What would you like to do today?</a:t>
+            </a:r>
+            <a:br>
+              <a:rPr lang="en-US" sz="1200">
+                <a:solidFill>
+                  <a:srgbClr val="080808"/>
+                </a:solidFill>
+                <a:effectLst/>
+                <a:latin typeface="Fira Code" pitchFamily="49" charset="0"/>
+                <a:ea typeface="Fira Code" pitchFamily="49" charset="0"/>
+                <a:cs typeface="Fira Code" pitchFamily="49" charset="0"/>
+              </a:rPr>
+            </a:br>
+            <a:r>
+              <a:rPr lang="en-US" sz="1200">
+                <a:solidFill>
+                  <a:srgbClr val="080808"/>
+                </a:solidFill>
+                <a:effectLst/>
+                <a:latin typeface="Fira Code" pitchFamily="49" charset="0"/>
+                <a:ea typeface="Fira Code" pitchFamily="49" charset="0"/>
+                <a:cs typeface="Fira Code" pitchFamily="49" charset="0"/>
+              </a:rPr>
+              <a:t>[Customer]: hi</a:t>
+            </a:r>
+            <a:br>
+              <a:rPr lang="en-US" sz="1200">
+                <a:solidFill>
+                  <a:srgbClr val="080808"/>
+                </a:solidFill>
+                <a:effectLst/>
+                <a:latin typeface="Fira Code" pitchFamily="49" charset="0"/>
+                <a:ea typeface="Fira Code" pitchFamily="49" charset="0"/>
+                <a:cs typeface="Fira Code" pitchFamily="49" charset="0"/>
+              </a:rPr>
+            </a:br>
+            <a:r>
+              <a:rPr lang="en-US" sz="1200">
+                <a:solidFill>
+                  <a:srgbClr val="080808"/>
+                </a:solidFill>
+                <a:effectLst/>
+                <a:latin typeface="Fira Code" pitchFamily="49" charset="0"/>
+                <a:ea typeface="Fira Code" pitchFamily="49" charset="0"/>
+                <a:cs typeface="Fira Code" pitchFamily="49" charset="0"/>
+              </a:rPr>
+              <a:t>[Bot]: Hmmm, tell me a little more so I can help you.</a:t>
+            </a:r>
+            <a:br>
+              <a:rPr lang="en-US" sz="1200">
+                <a:solidFill>
+                  <a:srgbClr val="080808"/>
+                </a:solidFill>
+                <a:effectLst/>
+                <a:latin typeface="Fira Code" pitchFamily="49" charset="0"/>
+                <a:ea typeface="Fira Code" pitchFamily="49" charset="0"/>
+                <a:cs typeface="Fira Code" pitchFamily="49" charset="0"/>
+              </a:rPr>
+            </a:br>
+            <a:r>
+              <a:rPr lang="en-US" sz="1200">
+                <a:solidFill>
+                  <a:srgbClr val="080808"/>
+                </a:solidFill>
+                <a:effectLst/>
+                <a:latin typeface="Fira Code" pitchFamily="49" charset="0"/>
+                <a:ea typeface="Fira Code" pitchFamily="49" charset="0"/>
+                <a:cs typeface="Fira Code" pitchFamily="49" charset="0"/>
+              </a:rPr>
+              <a:t>What would you like to do today?</a:t>
+            </a:r>
+            <a:br>
+              <a:rPr lang="en-US" sz="1200">
+                <a:solidFill>
+                  <a:srgbClr val="080808"/>
+                </a:solidFill>
+                <a:effectLst/>
+                <a:latin typeface="Fira Code" pitchFamily="49" charset="0"/>
+                <a:ea typeface="Fira Code" pitchFamily="49" charset="0"/>
+                <a:cs typeface="Fira Code" pitchFamily="49" charset="0"/>
+              </a:rPr>
+            </a:br>
+            <a:r>
+              <a:rPr lang="en-US" sz="1200">
+                <a:solidFill>
+                  <a:srgbClr val="080808"/>
+                </a:solidFill>
+                <a:effectLst/>
+                <a:latin typeface="Fira Code" pitchFamily="49" charset="0"/>
+                <a:ea typeface="Fira Code" pitchFamily="49" charset="0"/>
+                <a:cs typeface="Fira Code" pitchFamily="49" charset="0"/>
+              </a:rPr>
+              <a:t>[Customer]: hi</a:t>
+            </a:r>
+            <a:br>
+              <a:rPr lang="en-US" sz="1200">
+                <a:solidFill>
+                  <a:srgbClr val="080808"/>
+                </a:solidFill>
+                <a:effectLst/>
+                <a:latin typeface="Fira Code" pitchFamily="49" charset="0"/>
+                <a:ea typeface="Fira Code" pitchFamily="49" charset="0"/>
+                <a:cs typeface="Fira Code" pitchFamily="49" charset="0"/>
+              </a:rPr>
+            </a:br>
+            <a:r>
+              <a:rPr lang="en-US" sz="1200">
+                <a:solidFill>
+                  <a:srgbClr val="080808"/>
+                </a:solidFill>
+                <a:effectLst/>
+                <a:latin typeface="Fira Code" pitchFamily="49" charset="0"/>
+                <a:ea typeface="Fira Code" pitchFamily="49" charset="0"/>
+                <a:cs typeface="Fira Code" pitchFamily="49" charset="0"/>
+              </a:rPr>
+              <a:t>[Bot]: Let me try to help you.</a:t>
+            </a:r>
+            <a:br>
+              <a:rPr lang="en-US" sz="1200">
+                <a:solidFill>
+                  <a:srgbClr val="080808"/>
+                </a:solidFill>
+                <a:effectLst/>
+                <a:latin typeface="Fira Code" pitchFamily="49" charset="0"/>
+                <a:ea typeface="Fira Code" pitchFamily="49" charset="0"/>
+                <a:cs typeface="Fira Code" pitchFamily="49" charset="0"/>
+              </a:rPr>
+            </a:br>
+            <a:r>
+              <a:rPr lang="en-US" sz="1200">
+                <a:solidFill>
+                  <a:srgbClr val="080808"/>
+                </a:solidFill>
+                <a:effectLst/>
+                <a:latin typeface="Fira Code" pitchFamily="49" charset="0"/>
+                <a:ea typeface="Fira Code" pitchFamily="49" charset="0"/>
+                <a:cs typeface="Fira Code" pitchFamily="49" charset="0"/>
+              </a:rPr>
+              <a:t>[Bot]: Are you a customer?</a:t>
+            </a:r>
+            <a:br>
+              <a:rPr lang="en-US" sz="1200">
+                <a:solidFill>
+                  <a:srgbClr val="080808"/>
+                </a:solidFill>
+                <a:effectLst/>
+                <a:latin typeface="Fira Code" pitchFamily="49" charset="0"/>
+                <a:ea typeface="Fira Code" pitchFamily="49" charset="0"/>
+                <a:cs typeface="Fira Code" pitchFamily="49" charset="0"/>
+              </a:rPr>
+            </a:br>
+            <a:r>
+              <a:rPr lang="en-US" sz="1200">
+                <a:solidFill>
+                  <a:srgbClr val="080808"/>
+                </a:solidFill>
+                <a:effectLst/>
+                <a:latin typeface="Fira Code" pitchFamily="49" charset="0"/>
+                <a:ea typeface="Fira Code" pitchFamily="49" charset="0"/>
+                <a:cs typeface="Fira Code" pitchFamily="49" charset="0"/>
+              </a:rPr>
+              <a:t>1) Yes, I'm a customer</a:t>
+            </a:r>
+            <a:br>
+              <a:rPr lang="en-US" sz="1200">
+                <a:solidFill>
+                  <a:srgbClr val="080808"/>
+                </a:solidFill>
+                <a:effectLst/>
+                <a:latin typeface="Fira Code" pitchFamily="49" charset="0"/>
+                <a:ea typeface="Fira Code" pitchFamily="49" charset="0"/>
+                <a:cs typeface="Fira Code" pitchFamily="49" charset="0"/>
+              </a:rPr>
+            </a:br>
+            <a:r>
+              <a:rPr lang="en-US" sz="1200">
+                <a:solidFill>
+                  <a:srgbClr val="080808"/>
+                </a:solidFill>
+                <a:effectLst/>
+                <a:latin typeface="Fira Code" pitchFamily="49" charset="0"/>
+                <a:ea typeface="Fira Code" pitchFamily="49" charset="0"/>
+                <a:cs typeface="Fira Code" pitchFamily="49" charset="0"/>
+              </a:rPr>
+              <a:t>2) No, I'm not</a:t>
+            </a:r>
+          </a:p>
+        </p:txBody>
+      </p:sp>
+      <p:cxnSp>
+        <p:nvCxnSpPr>
+          <p:cNvPr id="6" name="Straight Connector 5">
+            <a:extLst>
+              <a:ext uri="{FF2B5EF4-FFF2-40B4-BE49-F238E27FC236}">
+                <a16:creationId xmlns:a16="http://schemas.microsoft.com/office/drawing/2014/main" id="{1EF7316D-A936-D55A-75F6-942D10EC9F6C}"/>
+              </a:ext>
+            </a:extLst>
+          </p:cNvPr>
+          <p:cNvCxnSpPr>
+            <a:cxnSpLocks/>
+          </p:cNvCxnSpPr>
           <p:nvPr/>
-        </p:nvSpPr>
+        </p:nvCxnSpPr>
         <p:spPr>
           <a:xfrm>
-            <a:off x="9292072" y="2392807"/>
-            <a:ext cx="539496" cy="539496"/>
+            <a:off x="5952744" y="594360"/>
+            <a:ext cx="0" cy="6025896"/>
           </a:xfrm>
-          <a:prstGeom prst="plus">
-            <a:avLst>
-              <a:gd name="adj" fmla="val 42290"/>
-            </a:avLst>
+          <a:prstGeom prst="line">
+            <a:avLst/>
           </a:prstGeom>
+          <a:ln w="38100"/>
         </p:spPr>
         <p:style>
-          <a:lnRef idx="2">
-            <a:schemeClr val="accent1">
-              <a:shade val="15000"/>
-            </a:schemeClr>
+          <a:lnRef idx="1">
+            <a:schemeClr val="dk1"/>
           </a:lnRef>
-          <a:fillRef idx="1">
-            <a:schemeClr val="accent1"/>
+          <a:fillRef idx="0">
+            <a:schemeClr val="dk1"/>
           </a:fillRef>
           <a:effectRef idx="0">
-            <a:schemeClr val="accent1"/>
+            <a:schemeClr val="dk1"/>
           </a:effectRef>
           <a:fontRef idx="minor">
-            <a:schemeClr val="lt1"/>
+            <a:schemeClr val="tx1"/>
           </a:fontRef>
         </p:style>
-        <p:txBody>
-          <a:bodyPr rtlCol="0" anchor="ctr"/>
-          <a:lstStyle/>
-          <a:p>
-            <a:pPr algn="ctr"/>
-            <a:endParaRPr lang="en-US"/>
-          </a:p>
-        </p:txBody>
-      </p:sp>
-      <p:pic>
-        <p:nvPicPr>
-          <p:cNvPr id="13" name="Picture 12" descr="A screenshot of a computer&#10;&#10;Description automatically generated">
-            <a:extLst>
-              <a:ext uri="{FF2B5EF4-FFF2-40B4-BE49-F238E27FC236}">
-                <a16:creationId xmlns:a16="http://schemas.microsoft.com/office/drawing/2014/main" id="{08FBF3D4-A67B-5B8A-AED2-51715B9A5548}"/>
-              </a:ext>
-            </a:extLst>
-          </p:cNvPr>
-          <p:cNvPicPr>
-            <a:picLocks noChangeAspect="1"/>
-          </p:cNvPicPr>
+      </p:cxnSp>
+      <p:sp>
+        <p:nvSpPr>
+          <p:cNvPr id="5" name="TextBox 4">
+            <a:extLst>
+              <a:ext uri="{FF2B5EF4-FFF2-40B4-BE49-F238E27FC236}">
+                <a16:creationId xmlns:a16="http://schemas.microsoft.com/office/drawing/2014/main" id="{769ACB87-D96D-6FA4-E662-D393BB1FEE39}"/>
+              </a:ext>
+            </a:extLst>
+          </p:cNvPr>
+          <p:cNvSpPr txBox="1"/>
           <p:nvPr/>
-        </p:nvPicPr>
-        <p:blipFill>
-          <a:blip r:embed="rId5"/>
-          <a:stretch>
-            <a:fillRect/>
-          </a:stretch>
-        </p:blipFill>
+        </p:nvSpPr>
         <p:spPr>
           <a:xfrm>
-            <a:off x="7671816" y="3429000"/>
-            <a:ext cx="4433746" cy="804672"/>
+            <a:off x="6290307" y="2367171"/>
+            <a:ext cx="5670142" cy="2123658"/>
           </a:xfrm>
           <a:prstGeom prst="rect">
             <a:avLst/>
           </a:prstGeom>
+          <a:noFill/>
         </p:spPr>
-      </p:pic>
-      <p:sp>
-        <p:nvSpPr>
-          <p:cNvPr id="14" name="Cross 13">
-            <a:extLst>
-              <a:ext uri="{FF2B5EF4-FFF2-40B4-BE49-F238E27FC236}">
-                <a16:creationId xmlns:a16="http://schemas.microsoft.com/office/drawing/2014/main" id="{D9701D7B-05D7-7045-E744-584E30A100CA}"/>
-              </a:ext>
-            </a:extLst>
-          </p:cNvPr>
-          <p:cNvSpPr/>
-          <p:nvPr/>
-        </p:nvSpPr>
-        <p:spPr>
-          <a:xfrm>
-            <a:off x="9292072" y="4623816"/>
-            <a:ext cx="539496" cy="539496"/>
-          </a:xfrm>
-          <a:prstGeom prst="plus">
-            <a:avLst>
-              <a:gd name="adj" fmla="val 42290"/>
-            </a:avLst>
-          </a:prstGeom>
-        </p:spPr>
-        <p:style>
-          <a:lnRef idx="2">
-            <a:schemeClr val="accent1">
-              <a:shade val="15000"/>
-            </a:schemeClr>
-          </a:lnRef>
-          <a:fillRef idx="1">
-            <a:schemeClr val="accent1"/>
-          </a:fillRef>
-          <a:effectRef idx="0">
-            <a:schemeClr val="accent1"/>
-          </a:effectRef>
-          <a:fontRef idx="minor">
-            <a:schemeClr val="lt1"/>
-          </a:fontRef>
-        </p:style>
-        <p:txBody>
-          <a:bodyPr rtlCol="0" anchor="ctr"/>
-          <a:lstStyle/>
-          <a:p>
-            <a:pPr algn="ctr"/>
-            <a:endParaRPr lang="en-US"/>
-          </a:p>
-        </p:txBody>
-      </p:sp>
-      <p:pic>
-        <p:nvPicPr>
-          <p:cNvPr id="16" name="Picture 15" descr="A computer code with black text&#10;&#10;Description automatically generated">
-            <a:extLst>
-              <a:ext uri="{FF2B5EF4-FFF2-40B4-BE49-F238E27FC236}">
-                <a16:creationId xmlns:a16="http://schemas.microsoft.com/office/drawing/2014/main" id="{BE3A19A8-899A-7F37-45B8-027DF5827332}"/>
-              </a:ext>
-            </a:extLst>
-          </p:cNvPr>
-          <p:cNvPicPr>
-            <a:picLocks noChangeAspect="1"/>
-          </p:cNvPicPr>
-          <p:nvPr/>
-        </p:nvPicPr>
-        <p:blipFill>
-          <a:blip r:embed="rId6"/>
-          <a:stretch>
-            <a:fillRect/>
-          </a:stretch>
-        </p:blipFill>
-        <p:spPr>
-          <a:xfrm>
-            <a:off x="6374638" y="5441766"/>
-            <a:ext cx="5817362" cy="1113152"/>
-          </a:xfrm>
-          <a:prstGeom prst="rect">
-            <a:avLst/>
-          </a:prstGeom>
-        </p:spPr>
-      </p:pic>
+        <p:txBody>
+          <a:bodyPr wrap="none" rtlCol="0">
+            <a:spAutoFit/>
+          </a:bodyPr>
+          <a:lstStyle/>
+          <a:p>
+            <a:r>
+              <a:rPr lang="en-US" sz="1200">
+                <a:solidFill>
+                  <a:srgbClr val="080808"/>
+                </a:solidFill>
+                <a:effectLst/>
+                <a:latin typeface="Fira Code" pitchFamily="49" charset="0"/>
+                <a:ea typeface="Fira Code" pitchFamily="49" charset="0"/>
+                <a:cs typeface="Fira Code" pitchFamily="49" charset="0"/>
+              </a:rPr>
+              <a:t>[Customer]: hi</a:t>
+            </a:r>
+            <a:br>
+              <a:rPr lang="en-US" sz="1200">
+                <a:solidFill>
+                  <a:srgbClr val="080808"/>
+                </a:solidFill>
+                <a:effectLst/>
+                <a:latin typeface="Fira Code" pitchFamily="49" charset="0"/>
+                <a:ea typeface="Fira Code" pitchFamily="49" charset="0"/>
+                <a:cs typeface="Fira Code" pitchFamily="49" charset="0"/>
+              </a:rPr>
+            </a:br>
+            <a:r>
+              <a:rPr lang="en-US" sz="1200">
+                <a:solidFill>
+                  <a:srgbClr val="080808"/>
+                </a:solidFill>
+                <a:effectLst/>
+                <a:latin typeface="Fira Code" pitchFamily="49" charset="0"/>
+                <a:ea typeface="Fira Code" pitchFamily="49" charset="0"/>
+                <a:cs typeface="Fira Code" pitchFamily="49" charset="0"/>
+              </a:rPr>
+              <a:t>[     Bot]: Hi there! I'm your virtual assistant.</a:t>
+            </a:r>
+            <a:br>
+              <a:rPr lang="en-US" sz="1200">
+                <a:solidFill>
+                  <a:srgbClr val="080808"/>
+                </a:solidFill>
+                <a:effectLst/>
+                <a:latin typeface="Fira Code" pitchFamily="49" charset="0"/>
+                <a:ea typeface="Fira Code" pitchFamily="49" charset="0"/>
+                <a:cs typeface="Fira Code" pitchFamily="49" charset="0"/>
+              </a:rPr>
+            </a:br>
+            <a:r>
+              <a:rPr lang="en-US" sz="1200">
+                <a:solidFill>
+                  <a:srgbClr val="080808"/>
+                </a:solidFill>
+                <a:effectLst/>
+                <a:latin typeface="Fira Code" pitchFamily="49" charset="0"/>
+                <a:ea typeface="Fira Code" pitchFamily="49" charset="0"/>
+                <a:cs typeface="Fira Code" pitchFamily="49" charset="0"/>
+              </a:rPr>
+              <a:t>[     Bot]: What would you like to do today?</a:t>
+            </a:r>
+            <a:br>
+              <a:rPr lang="en-US" sz="1200">
+                <a:solidFill>
+                  <a:srgbClr val="080808"/>
+                </a:solidFill>
+                <a:effectLst/>
+                <a:latin typeface="Fira Code" pitchFamily="49" charset="0"/>
+                <a:ea typeface="Fira Code" pitchFamily="49" charset="0"/>
+                <a:cs typeface="Fira Code" pitchFamily="49" charset="0"/>
+              </a:rPr>
+            </a:br>
+            <a:r>
+              <a:rPr lang="en-US" sz="1200">
+                <a:solidFill>
+                  <a:srgbClr val="080808"/>
+                </a:solidFill>
+                <a:effectLst/>
+                <a:latin typeface="Fira Code" pitchFamily="49" charset="0"/>
+                <a:ea typeface="Fira Code" pitchFamily="49" charset="0"/>
+                <a:cs typeface="Fira Code" pitchFamily="49" charset="0"/>
+              </a:rPr>
+              <a:t>[Customer]: hi</a:t>
+            </a:r>
+            <a:br>
+              <a:rPr lang="en-US" sz="1200">
+                <a:solidFill>
+                  <a:srgbClr val="080808"/>
+                </a:solidFill>
+                <a:effectLst/>
+                <a:latin typeface="Fira Code" pitchFamily="49" charset="0"/>
+                <a:ea typeface="Fira Code" pitchFamily="49" charset="0"/>
+                <a:cs typeface="Fira Code" pitchFamily="49" charset="0"/>
+              </a:rPr>
+            </a:br>
+            <a:r>
+              <a:rPr lang="en-US" sz="1200">
+                <a:solidFill>
+                  <a:srgbClr val="080808"/>
+                </a:solidFill>
+                <a:effectLst/>
+                <a:latin typeface="Fira Code" pitchFamily="49" charset="0"/>
+                <a:ea typeface="Fira Code" pitchFamily="49" charset="0"/>
+                <a:cs typeface="Fira Code" pitchFamily="49" charset="0"/>
+              </a:rPr>
+              <a:t>[     Bot]: Hmmm, tell me a little more so I can help you.</a:t>
+            </a:r>
+            <a:br>
+              <a:rPr lang="en-US" sz="1200">
+                <a:solidFill>
+                  <a:srgbClr val="080808"/>
+                </a:solidFill>
+                <a:effectLst/>
+                <a:latin typeface="Fira Code" pitchFamily="49" charset="0"/>
+                <a:ea typeface="Fira Code" pitchFamily="49" charset="0"/>
+                <a:cs typeface="Fira Code" pitchFamily="49" charset="0"/>
+              </a:rPr>
+            </a:br>
+            <a:r>
+              <a:rPr lang="en-US" sz="1200">
+                <a:solidFill>
+                  <a:srgbClr val="080808"/>
+                </a:solidFill>
+                <a:effectLst/>
+                <a:latin typeface="Fira Code" pitchFamily="49" charset="0"/>
+                <a:ea typeface="Fira Code" pitchFamily="49" charset="0"/>
+                <a:cs typeface="Fira Code" pitchFamily="49" charset="0"/>
+              </a:rPr>
+              <a:t>[        ]: What would you like to do today?</a:t>
+            </a:r>
+            <a:br>
+              <a:rPr lang="en-US" sz="1200">
+                <a:solidFill>
+                  <a:srgbClr val="080808"/>
+                </a:solidFill>
+                <a:effectLst/>
+                <a:latin typeface="Fira Code" pitchFamily="49" charset="0"/>
+                <a:ea typeface="Fira Code" pitchFamily="49" charset="0"/>
+                <a:cs typeface="Fira Code" pitchFamily="49" charset="0"/>
+              </a:rPr>
+            </a:br>
+            <a:r>
+              <a:rPr lang="en-US" sz="1200">
+                <a:solidFill>
+                  <a:srgbClr val="080808"/>
+                </a:solidFill>
+                <a:effectLst/>
+                <a:latin typeface="Fira Code" pitchFamily="49" charset="0"/>
+                <a:ea typeface="Fira Code" pitchFamily="49" charset="0"/>
+                <a:cs typeface="Fira Code" pitchFamily="49" charset="0"/>
+              </a:rPr>
+              <a:t>[Customer]: hi</a:t>
+            </a:r>
+            <a:br>
+              <a:rPr lang="en-US" sz="1200">
+                <a:solidFill>
+                  <a:srgbClr val="080808"/>
+                </a:solidFill>
+                <a:effectLst/>
+                <a:latin typeface="Fira Code" pitchFamily="49" charset="0"/>
+                <a:ea typeface="Fira Code" pitchFamily="49" charset="0"/>
+                <a:cs typeface="Fira Code" pitchFamily="49" charset="0"/>
+              </a:rPr>
+            </a:br>
+            <a:r>
+              <a:rPr lang="en-US" sz="1200">
+                <a:solidFill>
+                  <a:srgbClr val="080808"/>
+                </a:solidFill>
+                <a:effectLst/>
+                <a:latin typeface="Fira Code" pitchFamily="49" charset="0"/>
+                <a:ea typeface="Fira Code" pitchFamily="49" charset="0"/>
+                <a:cs typeface="Fira Code" pitchFamily="49" charset="0"/>
+              </a:rPr>
+              <a:t>[     Bot]: Let me try to help you.</a:t>
+            </a:r>
+            <a:br>
+              <a:rPr lang="en-US" sz="1200">
+                <a:solidFill>
+                  <a:srgbClr val="080808"/>
+                </a:solidFill>
+                <a:effectLst/>
+                <a:latin typeface="Fira Code" pitchFamily="49" charset="0"/>
+                <a:ea typeface="Fira Code" pitchFamily="49" charset="0"/>
+                <a:cs typeface="Fira Code" pitchFamily="49" charset="0"/>
+              </a:rPr>
+            </a:br>
+            <a:r>
+              <a:rPr lang="en-US" sz="1200">
+                <a:solidFill>
+                  <a:srgbClr val="080808"/>
+                </a:solidFill>
+                <a:effectLst/>
+                <a:latin typeface="Fira Code" pitchFamily="49" charset="0"/>
+                <a:ea typeface="Fira Code" pitchFamily="49" charset="0"/>
+                <a:cs typeface="Fira Code" pitchFamily="49" charset="0"/>
+              </a:rPr>
+              <a:t>[     Bot]: Are you a customer?</a:t>
+            </a:r>
+            <a:br>
+              <a:rPr lang="en-US" sz="1200">
+                <a:solidFill>
+                  <a:srgbClr val="080808"/>
+                </a:solidFill>
+                <a:effectLst/>
+                <a:latin typeface="Fira Code" pitchFamily="49" charset="0"/>
+                <a:ea typeface="Fira Code" pitchFamily="49" charset="0"/>
+                <a:cs typeface="Fira Code" pitchFamily="49" charset="0"/>
+              </a:rPr>
+            </a:br>
+            <a:r>
+              <a:rPr lang="en-US" sz="1200">
+                <a:solidFill>
+                  <a:srgbClr val="080808"/>
+                </a:solidFill>
+                <a:effectLst/>
+                <a:latin typeface="Fira Code" pitchFamily="49" charset="0"/>
+                <a:ea typeface="Fira Code" pitchFamily="49" charset="0"/>
+                <a:cs typeface="Fira Code" pitchFamily="49" charset="0"/>
+              </a:rPr>
+              <a:t>[        ]:   1) Yes, I'm a customer</a:t>
+            </a:r>
+            <a:br>
+              <a:rPr lang="en-US" sz="1200">
+                <a:solidFill>
+                  <a:srgbClr val="080808"/>
+                </a:solidFill>
+                <a:effectLst/>
+                <a:latin typeface="Fira Code" pitchFamily="49" charset="0"/>
+                <a:ea typeface="Fira Code" pitchFamily="49" charset="0"/>
+                <a:cs typeface="Fira Code" pitchFamily="49" charset="0"/>
+              </a:rPr>
+            </a:br>
+            <a:r>
+              <a:rPr lang="en-US" sz="1200">
+                <a:solidFill>
+                  <a:srgbClr val="080808"/>
+                </a:solidFill>
+                <a:effectLst/>
+                <a:latin typeface="Fira Code" pitchFamily="49" charset="0"/>
+                <a:ea typeface="Fira Code" pitchFamily="49" charset="0"/>
+                <a:cs typeface="Fira Code" pitchFamily="49" charset="0"/>
+              </a:rPr>
+              <a:t>[        ]:   2) No, I'm not</a:t>
+            </a:r>
+          </a:p>
+        </p:txBody>
+      </p:sp>
     </p:spTree>
     <p:extLst>
       <p:ext uri="{BB962C8B-B14F-4D97-AF65-F5344CB8AC3E}">
-        <p14:creationId xmlns:p14="http://schemas.microsoft.com/office/powerpoint/2010/main" val="942705869"/>
+        <p14:creationId xmlns:p14="http://schemas.microsoft.com/office/powerpoint/2010/main" val="1362812321"/>
       </p:ext>
     </p:extLst>
   </p:cSld>
@@ -12709,637 +11562,10 @@
   <p:cSld>
     <p:spTree>
       <p:nvGrpSpPr>
-        <p:cNvPr id="1" name=""/>
-        <p:cNvGrpSpPr/>
-        <p:nvPr/>
-      </p:nvGrpSpPr>
-      <p:grpSpPr>
-        <a:xfrm>
-          <a:off x="0" y="0"/>
-          <a:ext cx="0" cy="0"/>
-          <a:chOff x="0" y="0"/>
-          <a:chExt cx="0" cy="0"/>
-        </a:xfrm>
-      </p:grpSpPr>
-      <p:sp>
-        <p:nvSpPr>
-          <p:cNvPr id="2" name="TextBox 1">
-            <a:extLst>
-              <a:ext uri="{FF2B5EF4-FFF2-40B4-BE49-F238E27FC236}">
-                <a16:creationId xmlns:a16="http://schemas.microsoft.com/office/drawing/2014/main" id="{B08ED9BC-E09B-44E5-8264-4427905745FD}"/>
-              </a:ext>
-            </a:extLst>
-          </p:cNvPr>
-          <p:cNvSpPr txBox="1"/>
-          <p:nvPr/>
-        </p:nvSpPr>
-        <p:spPr>
-          <a:xfrm>
-            <a:off x="1792224" y="1170432"/>
-            <a:ext cx="1368836" cy="369332"/>
-          </a:xfrm>
-          <a:prstGeom prst="rect">
-            <a:avLst/>
-          </a:prstGeom>
-          <a:noFill/>
-        </p:spPr>
-        <p:txBody>
-          <a:bodyPr wrap="none" rtlCol="0">
-            <a:spAutoFit/>
-          </a:bodyPr>
-          <a:lstStyle/>
-          <a:p>
-            <a:r>
-              <a:rPr lang="en-US"/>
-              <a:t>testing circle</a:t>
-            </a:r>
-          </a:p>
-        </p:txBody>
-      </p:sp>
-    </p:spTree>
-    <p:extLst>
-      <p:ext uri="{BB962C8B-B14F-4D97-AF65-F5344CB8AC3E}">
-        <p14:creationId xmlns:p14="http://schemas.microsoft.com/office/powerpoint/2010/main" val="429324516"/>
-      </p:ext>
-    </p:extLst>
-  </p:cSld>
-  <p:clrMapOvr>
-    <a:masterClrMapping/>
-  </p:clrMapOvr>
-</p:sld>
-</file>
-
-<file path=ppt/slides/slide22.xml><?xml version="1.0" encoding="utf-8"?>
-<p:sld xmlns:a="http://schemas.openxmlformats.org/drawingml/2006/main" xmlns:r="http://schemas.openxmlformats.org/officeDocument/2006/relationships" xmlns:p="http://schemas.openxmlformats.org/presentationml/2006/main">
-  <p:cSld>
-    <p:spTree>
-      <p:nvGrpSpPr>
         <p:cNvPr id="1" name="">
           <a:extLst>
             <a:ext uri="{FF2B5EF4-FFF2-40B4-BE49-F238E27FC236}">
-              <a16:creationId xmlns:a16="http://schemas.microsoft.com/office/drawing/2014/main" id="{E1F50578-426B-B2D6-9868-5A6CE33F19F8}"/>
-            </a:ext>
-          </a:extLst>
-        </p:cNvPr>
-        <p:cNvGrpSpPr/>
-        <p:nvPr/>
-      </p:nvGrpSpPr>
-      <p:grpSpPr>
-        <a:xfrm>
-          <a:off x="0" y="0"/>
-          <a:ext cx="0" cy="0"/>
-          <a:chOff x="0" y="0"/>
-          <a:chExt cx="0" cy="0"/>
-        </a:xfrm>
-      </p:grpSpPr>
-      <p:pic>
-        <p:nvPicPr>
-          <p:cNvPr id="5" name="Picture 4" descr="A close-up of a computer code&#10;&#10;Description automatically generated">
-            <a:extLst>
-              <a:ext uri="{FF2B5EF4-FFF2-40B4-BE49-F238E27FC236}">
-                <a16:creationId xmlns:a16="http://schemas.microsoft.com/office/drawing/2014/main" id="{56195F33-D530-BAB6-216B-EFC86AA2A880}"/>
-              </a:ext>
-            </a:extLst>
-          </p:cNvPr>
-          <p:cNvPicPr>
-            <a:picLocks noChangeAspect="1"/>
-          </p:cNvPicPr>
-          <p:nvPr/>
-        </p:nvPicPr>
-        <p:blipFill>
-          <a:blip r:embed="rId3"/>
-          <a:stretch>
-            <a:fillRect/>
-          </a:stretch>
-        </p:blipFill>
-        <p:spPr>
-          <a:xfrm>
-            <a:off x="3800347" y="1200623"/>
-            <a:ext cx="3457939" cy="975106"/>
-          </a:xfrm>
-          <a:prstGeom prst="rect">
-            <a:avLst/>
-          </a:prstGeom>
-        </p:spPr>
-      </p:pic>
-      <p:sp>
-        <p:nvSpPr>
-          <p:cNvPr id="11" name="Cross 10">
-            <a:extLst>
-              <a:ext uri="{FF2B5EF4-FFF2-40B4-BE49-F238E27FC236}">
-                <a16:creationId xmlns:a16="http://schemas.microsoft.com/office/drawing/2014/main" id="{D503CA69-5A95-FC13-11AA-E693E9117811}"/>
-              </a:ext>
-            </a:extLst>
-          </p:cNvPr>
-          <p:cNvSpPr/>
-          <p:nvPr/>
-        </p:nvSpPr>
-        <p:spPr>
-          <a:xfrm>
-            <a:off x="5259568" y="2566543"/>
-            <a:ext cx="539496" cy="539496"/>
-          </a:xfrm>
-          <a:prstGeom prst="plus">
-            <a:avLst>
-              <a:gd name="adj" fmla="val 42290"/>
-            </a:avLst>
-          </a:prstGeom>
-        </p:spPr>
-        <p:style>
-          <a:lnRef idx="2">
-            <a:schemeClr val="accent1">
-              <a:shade val="15000"/>
-            </a:schemeClr>
-          </a:lnRef>
-          <a:fillRef idx="1">
-            <a:schemeClr val="accent1"/>
-          </a:fillRef>
-          <a:effectRef idx="0">
-            <a:schemeClr val="accent1"/>
-          </a:effectRef>
-          <a:fontRef idx="minor">
-            <a:schemeClr val="lt1"/>
-          </a:fontRef>
-        </p:style>
-        <p:txBody>
-          <a:bodyPr rtlCol="0" anchor="ctr"/>
-          <a:lstStyle/>
-          <a:p>
-            <a:pPr algn="ctr"/>
-            <a:endParaRPr lang="en-US"/>
-          </a:p>
-        </p:txBody>
-      </p:sp>
-      <p:pic>
-        <p:nvPicPr>
-          <p:cNvPr id="13" name="Picture 12" descr="A screenshot of a computer&#10;&#10;Description automatically generated">
-            <a:extLst>
-              <a:ext uri="{FF2B5EF4-FFF2-40B4-BE49-F238E27FC236}">
-                <a16:creationId xmlns:a16="http://schemas.microsoft.com/office/drawing/2014/main" id="{FFD6300A-DFA1-4C2B-3910-41453EA327AB}"/>
-              </a:ext>
-            </a:extLst>
-          </p:cNvPr>
-          <p:cNvPicPr>
-            <a:picLocks noChangeAspect="1"/>
-          </p:cNvPicPr>
-          <p:nvPr/>
-        </p:nvPicPr>
-        <p:blipFill>
-          <a:blip r:embed="rId4"/>
-          <a:stretch>
-            <a:fillRect/>
-          </a:stretch>
-        </p:blipFill>
-        <p:spPr>
-          <a:xfrm>
-            <a:off x="3639312" y="3602736"/>
-            <a:ext cx="4433746" cy="804672"/>
-          </a:xfrm>
-          <a:prstGeom prst="rect">
-            <a:avLst/>
-          </a:prstGeom>
-        </p:spPr>
-      </p:pic>
-    </p:spTree>
-    <p:extLst>
-      <p:ext uri="{BB962C8B-B14F-4D97-AF65-F5344CB8AC3E}">
-        <p14:creationId xmlns:p14="http://schemas.microsoft.com/office/powerpoint/2010/main" val="3797129674"/>
-      </p:ext>
-    </p:extLst>
-  </p:cSld>
-  <p:clrMapOvr>
-    <a:masterClrMapping/>
-  </p:clrMapOvr>
-</p:sld>
-</file>
-
-<file path=ppt/slides/slide23.xml><?xml version="1.0" encoding="utf-8"?>
-<p:sld xmlns:a="http://schemas.openxmlformats.org/drawingml/2006/main" xmlns:r="http://schemas.openxmlformats.org/officeDocument/2006/relationships" xmlns:p="http://schemas.openxmlformats.org/presentationml/2006/main">
-  <p:cSld>
-    <p:spTree>
-      <p:nvGrpSpPr>
-        <p:cNvPr id="1" name="">
-          <a:extLst>
-            <a:ext uri="{FF2B5EF4-FFF2-40B4-BE49-F238E27FC236}">
-              <a16:creationId xmlns:a16="http://schemas.microsoft.com/office/drawing/2014/main" id="{F37AB3B8-516C-458F-85AE-74CA0430C2AD}"/>
-            </a:ext>
-          </a:extLst>
-        </p:cNvPr>
-        <p:cNvGrpSpPr/>
-        <p:nvPr/>
-      </p:nvGrpSpPr>
-      <p:grpSpPr>
-        <a:xfrm>
-          <a:off x="0" y="0"/>
-          <a:ext cx="0" cy="0"/>
-          <a:chOff x="0" y="0"/>
-          <a:chExt cx="0" cy="0"/>
-        </a:xfrm>
-      </p:grpSpPr>
-      <p:pic>
-        <p:nvPicPr>
-          <p:cNvPr id="2" name="Picture 1" descr="A close-up of a computer code&#10;&#10;Description automatically generated">
-            <a:extLst>
-              <a:ext uri="{FF2B5EF4-FFF2-40B4-BE49-F238E27FC236}">
-                <a16:creationId xmlns:a16="http://schemas.microsoft.com/office/drawing/2014/main" id="{87248049-208D-9BA1-5F96-C78F6884D201}"/>
-              </a:ext>
-            </a:extLst>
-          </p:cNvPr>
-          <p:cNvPicPr>
-            <a:picLocks noChangeAspect="1"/>
-          </p:cNvPicPr>
-          <p:nvPr/>
-        </p:nvPicPr>
-        <p:blipFill>
-          <a:blip r:embed="rId3"/>
-          <a:stretch>
-            <a:fillRect/>
-          </a:stretch>
-        </p:blipFill>
-        <p:spPr>
-          <a:xfrm>
-            <a:off x="517651" y="1136615"/>
-            <a:ext cx="3457939" cy="975106"/>
-          </a:xfrm>
-          <a:prstGeom prst="rect">
-            <a:avLst/>
-          </a:prstGeom>
-        </p:spPr>
-      </p:pic>
-      <p:sp>
-        <p:nvSpPr>
-          <p:cNvPr id="3" name="Cross 2">
-            <a:extLst>
-              <a:ext uri="{FF2B5EF4-FFF2-40B4-BE49-F238E27FC236}">
-                <a16:creationId xmlns:a16="http://schemas.microsoft.com/office/drawing/2014/main" id="{07EA33B7-1EA1-CD67-6CA1-197AD77E0315}"/>
-              </a:ext>
-            </a:extLst>
-          </p:cNvPr>
-          <p:cNvSpPr/>
-          <p:nvPr/>
-        </p:nvSpPr>
-        <p:spPr>
-          <a:xfrm>
-            <a:off x="1976872" y="2502535"/>
-            <a:ext cx="539496" cy="539496"/>
-          </a:xfrm>
-          <a:prstGeom prst="plus">
-            <a:avLst>
-              <a:gd name="adj" fmla="val 42290"/>
-            </a:avLst>
-          </a:prstGeom>
-        </p:spPr>
-        <p:style>
-          <a:lnRef idx="2">
-            <a:schemeClr val="accent1">
-              <a:shade val="15000"/>
-            </a:schemeClr>
-          </a:lnRef>
-          <a:fillRef idx="1">
-            <a:schemeClr val="accent1"/>
-          </a:fillRef>
-          <a:effectRef idx="0">
-            <a:schemeClr val="accent1"/>
-          </a:effectRef>
-          <a:fontRef idx="minor">
-            <a:schemeClr val="lt1"/>
-          </a:fontRef>
-        </p:style>
-        <p:txBody>
-          <a:bodyPr rtlCol="0" anchor="ctr"/>
-          <a:lstStyle/>
-          <a:p>
-            <a:pPr algn="ctr"/>
-            <a:endParaRPr lang="en-US"/>
-          </a:p>
-        </p:txBody>
-      </p:sp>
-      <p:pic>
-        <p:nvPicPr>
-          <p:cNvPr id="4" name="Picture 3" descr="A screenshot of a computer&#10;&#10;Description automatically generated">
-            <a:extLst>
-              <a:ext uri="{FF2B5EF4-FFF2-40B4-BE49-F238E27FC236}">
-                <a16:creationId xmlns:a16="http://schemas.microsoft.com/office/drawing/2014/main" id="{8C440BE4-68D9-7D25-E54E-919AC1EBC9B2}"/>
-              </a:ext>
-            </a:extLst>
-          </p:cNvPr>
-          <p:cNvPicPr>
-            <a:picLocks noChangeAspect="1"/>
-          </p:cNvPicPr>
-          <p:nvPr/>
-        </p:nvPicPr>
-        <p:blipFill>
-          <a:blip r:embed="rId4"/>
-          <a:stretch>
-            <a:fillRect/>
-          </a:stretch>
-        </p:blipFill>
-        <p:spPr>
-          <a:xfrm>
-            <a:off x="356616" y="3538728"/>
-            <a:ext cx="4433746" cy="804672"/>
-          </a:xfrm>
-          <a:prstGeom prst="rect">
-            <a:avLst/>
-          </a:prstGeom>
-        </p:spPr>
-      </p:pic>
-      <p:pic>
-        <p:nvPicPr>
-          <p:cNvPr id="7" name="Picture 6" descr="A close-up of a message&#10;&#10;Description automatically generated">
-            <a:extLst>
-              <a:ext uri="{FF2B5EF4-FFF2-40B4-BE49-F238E27FC236}">
-                <a16:creationId xmlns:a16="http://schemas.microsoft.com/office/drawing/2014/main" id="{EFC4EF3B-C9BA-F537-20F5-E3DDBF328D7D}"/>
-              </a:ext>
-            </a:extLst>
-          </p:cNvPr>
-          <p:cNvPicPr>
-            <a:picLocks noChangeAspect="1"/>
-          </p:cNvPicPr>
-          <p:nvPr/>
-        </p:nvPicPr>
-        <p:blipFill>
-          <a:blip r:embed="rId5"/>
-          <a:stretch>
-            <a:fillRect/>
-          </a:stretch>
-        </p:blipFill>
-        <p:spPr>
-          <a:xfrm>
-            <a:off x="4542566" y="509976"/>
-            <a:ext cx="4198620" cy="836506"/>
-          </a:xfrm>
-          <a:prstGeom prst="rect">
-            <a:avLst/>
-          </a:prstGeom>
-        </p:spPr>
-      </p:pic>
-      <p:sp>
-        <p:nvSpPr>
-          <p:cNvPr id="8" name="Cross 7">
-            <a:extLst>
-              <a:ext uri="{FF2B5EF4-FFF2-40B4-BE49-F238E27FC236}">
-                <a16:creationId xmlns:a16="http://schemas.microsoft.com/office/drawing/2014/main" id="{AEEC9D0D-ADFF-84BF-E09A-1994845783B2}"/>
-              </a:ext>
-            </a:extLst>
-          </p:cNvPr>
-          <p:cNvSpPr/>
-          <p:nvPr/>
-        </p:nvSpPr>
-        <p:spPr>
-          <a:xfrm>
-            <a:off x="8064052" y="1450209"/>
-            <a:ext cx="539496" cy="539496"/>
-          </a:xfrm>
-          <a:prstGeom prst="plus">
-            <a:avLst>
-              <a:gd name="adj" fmla="val 42290"/>
-            </a:avLst>
-          </a:prstGeom>
-        </p:spPr>
-        <p:style>
-          <a:lnRef idx="2">
-            <a:schemeClr val="accent1">
-              <a:shade val="15000"/>
-            </a:schemeClr>
-          </a:lnRef>
-          <a:fillRef idx="1">
-            <a:schemeClr val="accent1"/>
-          </a:fillRef>
-          <a:effectRef idx="0">
-            <a:schemeClr val="accent1"/>
-          </a:effectRef>
-          <a:fontRef idx="minor">
-            <a:schemeClr val="lt1"/>
-          </a:fontRef>
-        </p:style>
-        <p:txBody>
-          <a:bodyPr rtlCol="0" anchor="ctr"/>
-          <a:lstStyle/>
-          <a:p>
-            <a:pPr algn="ctr"/>
-            <a:endParaRPr lang="en-US"/>
-          </a:p>
-        </p:txBody>
-      </p:sp>
-      <p:pic>
-        <p:nvPicPr>
-          <p:cNvPr id="10" name="Picture 9" descr="A screenshot of a computer&#10;&#10;Description automatically generated">
-            <a:extLst>
-              <a:ext uri="{FF2B5EF4-FFF2-40B4-BE49-F238E27FC236}">
-                <a16:creationId xmlns:a16="http://schemas.microsoft.com/office/drawing/2014/main" id="{7ABDB0BE-DD33-9F7A-8C2B-489C0F8323A3}"/>
-              </a:ext>
-            </a:extLst>
-          </p:cNvPr>
-          <p:cNvPicPr>
-            <a:picLocks noChangeAspect="1"/>
-          </p:cNvPicPr>
-          <p:nvPr/>
-        </p:nvPicPr>
-        <p:blipFill>
-          <a:blip r:embed="rId6"/>
-          <a:stretch>
-            <a:fillRect/>
-          </a:stretch>
-        </p:blipFill>
-        <p:spPr>
-          <a:xfrm>
-            <a:off x="8878824" y="136974"/>
-            <a:ext cx="3171779" cy="6730170"/>
-          </a:xfrm>
-          <a:prstGeom prst="rect">
-            <a:avLst/>
-          </a:prstGeom>
-        </p:spPr>
-      </p:pic>
-    </p:spTree>
-    <p:extLst>
-      <p:ext uri="{BB962C8B-B14F-4D97-AF65-F5344CB8AC3E}">
-        <p14:creationId xmlns:p14="http://schemas.microsoft.com/office/powerpoint/2010/main" val="4193393989"/>
-      </p:ext>
-    </p:extLst>
-  </p:cSld>
-  <p:clrMapOvr>
-    <a:masterClrMapping/>
-  </p:clrMapOvr>
-  <p:timing>
-    <p:tnLst>
-      <p:par>
-        <p:cTn id="1" dur="indefinite" restart="never" nodeType="tmRoot">
-          <p:childTnLst>
-            <p:seq concurrent="1" nextAc="seek">
-              <p:cTn id="2" dur="indefinite" nodeType="mainSeq">
-                <p:childTnLst>
-                  <p:par>
-                    <p:cTn id="3" fill="hold">
-                      <p:stCondLst>
-                        <p:cond delay="indefinite"/>
-                      </p:stCondLst>
-                      <p:childTnLst>
-                        <p:par>
-                          <p:cTn id="4" fill="hold">
-                            <p:stCondLst>
-                              <p:cond delay="0"/>
-                            </p:stCondLst>
-                            <p:childTnLst>
-                              <p:par>
-                                <p:cTn id="5" presetID="1" presetClass="entr" presetSubtype="0" fill="hold" nodeType="clickEffect">
-                                  <p:stCondLst>
-                                    <p:cond delay="0"/>
-                                  </p:stCondLst>
-                                  <p:childTnLst>
-                                    <p:set>
-                                      <p:cBhvr>
-                                        <p:cTn id="6" dur="1" fill="hold">
-                                          <p:stCondLst>
-                                            <p:cond delay="0"/>
-                                          </p:stCondLst>
-                                        </p:cTn>
-                                        <p:tgtEl>
-                                          <p:spTgt spid="7"/>
-                                        </p:tgtEl>
-                                        <p:attrNameLst>
-                                          <p:attrName>style.visibility</p:attrName>
-                                        </p:attrNameLst>
-                                      </p:cBhvr>
-                                      <p:to>
-                                        <p:strVal val="visible"/>
-                                      </p:to>
-                                    </p:set>
-                                  </p:childTnLst>
-                                </p:cTn>
-                              </p:par>
-                            </p:childTnLst>
-                          </p:cTn>
-                        </p:par>
-                      </p:childTnLst>
-                    </p:cTn>
-                  </p:par>
-                  <p:par>
-                    <p:cTn id="7" fill="hold">
-                      <p:stCondLst>
-                        <p:cond delay="indefinite"/>
-                      </p:stCondLst>
-                      <p:childTnLst>
-                        <p:par>
-                          <p:cTn id="8" fill="hold">
-                            <p:stCondLst>
-                              <p:cond delay="0"/>
-                            </p:stCondLst>
-                            <p:childTnLst>
-                              <p:par>
-                                <p:cTn id="9" presetID="22" presetClass="entr" presetSubtype="8" fill="hold" grpId="0" nodeType="clickEffect">
-                                  <p:stCondLst>
-                                    <p:cond delay="0"/>
-                                  </p:stCondLst>
-                                  <p:childTnLst>
-                                    <p:set>
-                                      <p:cBhvr>
-                                        <p:cTn id="10" dur="1" fill="hold">
-                                          <p:stCondLst>
-                                            <p:cond delay="0"/>
-                                          </p:stCondLst>
-                                        </p:cTn>
-                                        <p:tgtEl>
-                                          <p:spTgt spid="8"/>
-                                        </p:tgtEl>
-                                        <p:attrNameLst>
-                                          <p:attrName>style.visibility</p:attrName>
-                                        </p:attrNameLst>
-                                      </p:cBhvr>
-                                      <p:to>
-                                        <p:strVal val="visible"/>
-                                      </p:to>
-                                    </p:set>
-                                    <p:animEffect transition="in" filter="wipe(left)">
-                                      <p:cBhvr>
-                                        <p:cTn id="11" dur="500"/>
-                                        <p:tgtEl>
-                                          <p:spTgt spid="8"/>
-                                        </p:tgtEl>
-                                      </p:cBhvr>
-                                    </p:animEffect>
-                                  </p:childTnLst>
-                                </p:cTn>
-                              </p:par>
-                              <p:par>
-                                <p:cTn id="12" presetID="22" presetClass="entr" presetSubtype="8" fill="hold" nodeType="withEffect">
-                                  <p:stCondLst>
-                                    <p:cond delay="0"/>
-                                  </p:stCondLst>
-                                  <p:childTnLst>
-                                    <p:set>
-                                      <p:cBhvr>
-                                        <p:cTn id="13" dur="1" fill="hold">
-                                          <p:stCondLst>
-                                            <p:cond delay="0"/>
-                                          </p:stCondLst>
-                                        </p:cTn>
-                                        <p:tgtEl>
-                                          <p:spTgt spid="10"/>
-                                        </p:tgtEl>
-                                        <p:attrNameLst>
-                                          <p:attrName>style.visibility</p:attrName>
-                                        </p:attrNameLst>
-                                      </p:cBhvr>
-                                      <p:to>
-                                        <p:strVal val="visible"/>
-                                      </p:to>
-                                    </p:set>
-                                    <p:animEffect transition="in" filter="wipe(left)">
-                                      <p:cBhvr>
-                                        <p:cTn id="14" dur="500"/>
-                                        <p:tgtEl>
-                                          <p:spTgt spid="10"/>
-                                        </p:tgtEl>
-                                      </p:cBhvr>
-                                    </p:animEffect>
-                                  </p:childTnLst>
-                                </p:cTn>
-                              </p:par>
-                            </p:childTnLst>
-                          </p:cTn>
-                        </p:par>
-                      </p:childTnLst>
-                    </p:cTn>
-                  </p:par>
-                </p:childTnLst>
-              </p:cTn>
-              <p:prevCondLst>
-                <p:cond evt="onPrev" delay="0">
-                  <p:tgtEl>
-                    <p:sldTgt/>
-                  </p:tgtEl>
-                </p:cond>
-              </p:prevCondLst>
-              <p:nextCondLst>
-                <p:cond evt="onNext" delay="0">
-                  <p:tgtEl>
-                    <p:sldTgt/>
-                  </p:tgtEl>
-                </p:cond>
-              </p:nextCondLst>
-            </p:seq>
-          </p:childTnLst>
-        </p:cTn>
-      </p:par>
-    </p:tnLst>
-    <p:bldLst>
-      <p:bldP spid="8" grpId="0" animBg="1"/>
-    </p:bldLst>
-  </p:timing>
-</p:sld>
-</file>
-
-<file path=ppt/slides/slide24.xml><?xml version="1.0" encoding="utf-8"?>
-<p:sld xmlns:a="http://schemas.openxmlformats.org/drawingml/2006/main" xmlns:r="http://schemas.openxmlformats.org/officeDocument/2006/relationships" xmlns:p="http://schemas.openxmlformats.org/presentationml/2006/main">
-  <p:cSld>
-    <p:spTree>
-      <p:nvGrpSpPr>
-        <p:cNvPr id="1" name="">
-          <a:extLst>
-            <a:ext uri="{FF2B5EF4-FFF2-40B4-BE49-F238E27FC236}">
-              <a16:creationId xmlns:a16="http://schemas.microsoft.com/office/drawing/2014/main" id="{8E4942DE-F176-0C3C-94FD-E02F0577EB39}"/>
+              <a16:creationId xmlns:a16="http://schemas.microsoft.com/office/drawing/2014/main" id="{465941BA-CDF3-2EB7-3A47-B8F6C4BBCC53}"/>
             </a:ext>
           </a:extLst>
         </p:cNvPr>
@@ -13359,7 +11585,7 @@
           <p:cNvPr id="7" name="Picture 6" descr="A close-up of a message&#10;&#10;Description automatically generated">
             <a:extLst>
               <a:ext uri="{FF2B5EF4-FFF2-40B4-BE49-F238E27FC236}">
-                <a16:creationId xmlns:a16="http://schemas.microsoft.com/office/drawing/2014/main" id="{D1427F09-ADFC-7FD5-F409-03163564899A}"/>
+                <a16:creationId xmlns:a16="http://schemas.microsoft.com/office/drawing/2014/main" id="{BD3CF286-CEAB-A136-BF1A-DC9CCA966DCA}"/>
               </a:ext>
             </a:extLst>
           </p:cNvPr>
@@ -13389,7 +11615,7 @@
           <p:cNvPr id="8" name="Cross 7">
             <a:extLst>
               <a:ext uri="{FF2B5EF4-FFF2-40B4-BE49-F238E27FC236}">
-                <a16:creationId xmlns:a16="http://schemas.microsoft.com/office/drawing/2014/main" id="{E9C3252E-BAE7-9B73-7F28-DB7649DB8165}"/>
+                <a16:creationId xmlns:a16="http://schemas.microsoft.com/office/drawing/2014/main" id="{4EEE01E9-0A80-1B17-8A14-4094B1952508}"/>
               </a:ext>
             </a:extLst>
           </p:cNvPr>
@@ -13437,7 +11663,7 @@
           <p:cNvPr id="12" name="!!approval">
             <a:extLst>
               <a:ext uri="{FF2B5EF4-FFF2-40B4-BE49-F238E27FC236}">
-                <a16:creationId xmlns:a16="http://schemas.microsoft.com/office/drawing/2014/main" id="{0C465111-F782-C323-5489-7B874005FD24}"/>
+                <a16:creationId xmlns:a16="http://schemas.microsoft.com/office/drawing/2014/main" id="{99C0E647-3C39-FD28-9CF8-AA2677BCFF8C}"/>
               </a:ext>
             </a:extLst>
           </p:cNvPr>
@@ -13457,7 +11683,7 @@
             <p:cNvPr id="5" name="!!highlight3">
               <a:extLst>
                 <a:ext uri="{FF2B5EF4-FFF2-40B4-BE49-F238E27FC236}">
-                  <a16:creationId xmlns:a16="http://schemas.microsoft.com/office/drawing/2014/main" id="{9C04965D-32CB-1AA1-35E1-700319A9262C}"/>
+                  <a16:creationId xmlns:a16="http://schemas.microsoft.com/office/drawing/2014/main" id="{3AB78B9E-AD9C-8585-3C90-E53A9A79ADF5}"/>
                 </a:ext>
               </a:extLst>
             </p:cNvPr>
@@ -13515,7 +11741,7 @@
             <p:cNvPr id="6" name="!!highlight2">
               <a:extLst>
                 <a:ext uri="{FF2B5EF4-FFF2-40B4-BE49-F238E27FC236}">
-                  <a16:creationId xmlns:a16="http://schemas.microsoft.com/office/drawing/2014/main" id="{FC08E30B-AF3B-870E-8C51-A4ABA5874D0F}"/>
+                  <a16:creationId xmlns:a16="http://schemas.microsoft.com/office/drawing/2014/main" id="{B4B590E3-3596-B1DE-95F8-4EC92C5BD3B4}"/>
                 </a:ext>
               </a:extLst>
             </p:cNvPr>
@@ -13569,7 +11795,7 @@
             <p:cNvPr id="9" name="!!highlight1">
               <a:extLst>
                 <a:ext uri="{FF2B5EF4-FFF2-40B4-BE49-F238E27FC236}">
-                  <a16:creationId xmlns:a16="http://schemas.microsoft.com/office/drawing/2014/main" id="{50DD5187-66BA-863F-4C6F-7E472EADA9BF}"/>
+                  <a16:creationId xmlns:a16="http://schemas.microsoft.com/office/drawing/2014/main" id="{ADDE7891-910E-E028-C391-14B652693021}"/>
                 </a:ext>
               </a:extLst>
             </p:cNvPr>
@@ -13623,7 +11849,7 @@
             <p:cNvPr id="11" name="!!approvalText">
               <a:extLst>
                 <a:ext uri="{FF2B5EF4-FFF2-40B4-BE49-F238E27FC236}">
-                  <a16:creationId xmlns:a16="http://schemas.microsoft.com/office/drawing/2014/main" id="{363F3CEC-0E9E-8E30-B109-9220BE0419F2}"/>
+                  <a16:creationId xmlns:a16="http://schemas.microsoft.com/office/drawing/2014/main" id="{580070BB-4B7D-8AF6-9E34-02C62313C06F}"/>
                 </a:ext>
               </a:extLst>
             </p:cNvPr>
@@ -14738,7 +12964,7 @@
     </p:spTree>
     <p:extLst>
       <p:ext uri="{BB962C8B-B14F-4D97-AF65-F5344CB8AC3E}">
-        <p14:creationId xmlns:p14="http://schemas.microsoft.com/office/powerpoint/2010/main" val="2889258202"/>
+        <p14:creationId xmlns:p14="http://schemas.microsoft.com/office/powerpoint/2010/main" val="3378049472"/>
       </p:ext>
     </p:extLst>
   </p:cSld>
@@ -14748,7 +12974,7 @@
 </p:sld>
 </file>
 
-<file path=ppt/slides/slide25.xml><?xml version="1.0" encoding="utf-8"?>
+<file path=ppt/slides/slide22.xml><?xml version="1.0" encoding="utf-8"?>
 <p:sld xmlns:a="http://schemas.openxmlformats.org/drawingml/2006/main" xmlns:r="http://schemas.openxmlformats.org/officeDocument/2006/relationships" xmlns:p="http://schemas.openxmlformats.org/presentationml/2006/main">
   <p:cSld>
     <p:spTree>
@@ -14756,7 +12982,7 @@
         <p:cNvPr id="1" name="">
           <a:extLst>
             <a:ext uri="{FF2B5EF4-FFF2-40B4-BE49-F238E27FC236}">
-              <a16:creationId xmlns:a16="http://schemas.microsoft.com/office/drawing/2014/main" id="{413A918F-3D5E-FDFE-A977-97CA8CBC31FB}"/>
+              <a16:creationId xmlns:a16="http://schemas.microsoft.com/office/drawing/2014/main" id="{D338D003-6A70-4FFF-F867-21906CFCC392}"/>
             </a:ext>
           </a:extLst>
         </p:cNvPr>
@@ -14776,7 +13002,7 @@
           <p:cNvPr id="7" name="Picture 6" descr="A close-up of a message&#10;&#10;Description automatically generated">
             <a:extLst>
               <a:ext uri="{FF2B5EF4-FFF2-40B4-BE49-F238E27FC236}">
-                <a16:creationId xmlns:a16="http://schemas.microsoft.com/office/drawing/2014/main" id="{953DFCB3-7E3D-09AF-C472-522C847959C2}"/>
+                <a16:creationId xmlns:a16="http://schemas.microsoft.com/office/drawing/2014/main" id="{080F6CD9-00AC-EEE1-E34B-E3CFBEE0B0EB}"/>
               </a:ext>
             </a:extLst>
           </p:cNvPr>
@@ -14806,7 +13032,7 @@
           <p:cNvPr id="8" name="Cross 7">
             <a:extLst>
               <a:ext uri="{FF2B5EF4-FFF2-40B4-BE49-F238E27FC236}">
-                <a16:creationId xmlns:a16="http://schemas.microsoft.com/office/drawing/2014/main" id="{23D754F2-1D98-CCAE-0503-ABCEAE55B424}"/>
+                <a16:creationId xmlns:a16="http://schemas.microsoft.com/office/drawing/2014/main" id="{A7217CFB-6995-2238-C0BF-C8897EB11CA9}"/>
               </a:ext>
             </a:extLst>
           </p:cNvPr>
@@ -14854,7 +13080,7 @@
           <p:cNvPr id="12" name="!!approval">
             <a:extLst>
               <a:ext uri="{FF2B5EF4-FFF2-40B4-BE49-F238E27FC236}">
-                <a16:creationId xmlns:a16="http://schemas.microsoft.com/office/drawing/2014/main" id="{0E128369-6301-FCCB-F3B2-71570FED9CCF}"/>
+                <a16:creationId xmlns:a16="http://schemas.microsoft.com/office/drawing/2014/main" id="{7012CE1E-084E-77CC-B81C-0BCBF97CC298}"/>
               </a:ext>
             </a:extLst>
           </p:cNvPr>
@@ -14874,7 +13100,7 @@
             <p:cNvPr id="5" name="!!highlight3">
               <a:extLst>
                 <a:ext uri="{FF2B5EF4-FFF2-40B4-BE49-F238E27FC236}">
-                  <a16:creationId xmlns:a16="http://schemas.microsoft.com/office/drawing/2014/main" id="{3028AC2B-5486-9EDF-FD58-664385617F24}"/>
+                  <a16:creationId xmlns:a16="http://schemas.microsoft.com/office/drawing/2014/main" id="{DA2705DE-CD48-E1F4-EF26-D277990F9BDF}"/>
                 </a:ext>
               </a:extLst>
             </p:cNvPr>
@@ -14932,7 +13158,7 @@
             <p:cNvPr id="6" name="!!highlight2">
               <a:extLst>
                 <a:ext uri="{FF2B5EF4-FFF2-40B4-BE49-F238E27FC236}">
-                  <a16:creationId xmlns:a16="http://schemas.microsoft.com/office/drawing/2014/main" id="{E90B6202-4A69-B30D-D111-74E728124C2F}"/>
+                  <a16:creationId xmlns:a16="http://schemas.microsoft.com/office/drawing/2014/main" id="{FA9CA0F2-A05A-11B6-62BC-CEAF67A0ADBC}"/>
                 </a:ext>
               </a:extLst>
             </p:cNvPr>
@@ -14986,7 +13212,7 @@
             <p:cNvPr id="9" name="!!highlight1">
               <a:extLst>
                 <a:ext uri="{FF2B5EF4-FFF2-40B4-BE49-F238E27FC236}">
-                  <a16:creationId xmlns:a16="http://schemas.microsoft.com/office/drawing/2014/main" id="{D4C73E28-1109-D922-6242-8370A3EAFCA2}"/>
+                  <a16:creationId xmlns:a16="http://schemas.microsoft.com/office/drawing/2014/main" id="{CA193369-F9AD-4A77-37A3-1886AFDFBDB7}"/>
                 </a:ext>
               </a:extLst>
             </p:cNvPr>
@@ -15040,7 +13266,7 @@
             <p:cNvPr id="11" name="!!approvalText">
               <a:extLst>
                 <a:ext uri="{FF2B5EF4-FFF2-40B4-BE49-F238E27FC236}">
-                  <a16:creationId xmlns:a16="http://schemas.microsoft.com/office/drawing/2014/main" id="{8B22F973-84B8-629C-36F8-1A9C6B3D2BEA}"/>
+                  <a16:creationId xmlns:a16="http://schemas.microsoft.com/office/drawing/2014/main" id="{308A4252-C0E3-0FB4-90B3-3D982345D2E9}"/>
                 </a:ext>
               </a:extLst>
             </p:cNvPr>
@@ -15212,7 +13438,7 @@
     </p:spTree>
     <p:extLst>
       <p:ext uri="{BB962C8B-B14F-4D97-AF65-F5344CB8AC3E}">
-        <p14:creationId xmlns:p14="http://schemas.microsoft.com/office/powerpoint/2010/main" val="3633587280"/>
+        <p14:creationId xmlns:p14="http://schemas.microsoft.com/office/powerpoint/2010/main" val="1526645818"/>
       </p:ext>
     </p:extLst>
   </p:cSld>
@@ -15234,12 +13460,18 @@
 </p:sld>
 </file>
 
-<file path=ppt/slides/slide26.xml><?xml version="1.0" encoding="utf-8"?>
+<file path=ppt/slides/slide23.xml><?xml version="1.0" encoding="utf-8"?>
 <p:sld xmlns:a="http://schemas.openxmlformats.org/drawingml/2006/main" xmlns:r="http://schemas.openxmlformats.org/officeDocument/2006/relationships" xmlns:p="http://schemas.openxmlformats.org/presentationml/2006/main">
   <p:cSld>
     <p:spTree>
       <p:nvGrpSpPr>
-        <p:cNvPr id="1" name=""/>
+        <p:cNvPr id="1" name="">
+          <a:extLst>
+            <a:ext uri="{FF2B5EF4-FFF2-40B4-BE49-F238E27FC236}">
+              <a16:creationId xmlns:a16="http://schemas.microsoft.com/office/drawing/2014/main" id="{F858A338-4244-195F-0312-161DE0953948}"/>
+            </a:ext>
+          </a:extLst>
+        </p:cNvPr>
         <p:cNvGrpSpPr/>
         <p:nvPr/>
       </p:nvGrpSpPr>
@@ -15256,7 +13488,7 @@
           <p:cNvPr id="1028" name="Picture 4" descr="Silent Movie Silent Film Title Card: Free Download — CopyCatFilms">
             <a:extLst>
               <a:ext uri="{FF2B5EF4-FFF2-40B4-BE49-F238E27FC236}">
-                <a16:creationId xmlns:a16="http://schemas.microsoft.com/office/drawing/2014/main" id="{65DC3069-C79D-A5FF-3756-0C1F3F22604B}"/>
+                <a16:creationId xmlns:a16="http://schemas.microsoft.com/office/drawing/2014/main" id="{C3926601-9B5A-A4A5-949E-4E03359EDD93}"/>
               </a:ext>
             </a:extLst>
           </p:cNvPr>
@@ -15303,7 +13535,7 @@
           <p:cNvPr id="2" name="TextBox 1">
             <a:extLst>
               <a:ext uri="{FF2B5EF4-FFF2-40B4-BE49-F238E27FC236}">
-                <a16:creationId xmlns:a16="http://schemas.microsoft.com/office/drawing/2014/main" id="{912AFC77-F5C7-10A1-50CC-05981BE8F9BC}"/>
+                <a16:creationId xmlns:a16="http://schemas.microsoft.com/office/drawing/2014/main" id="{D28EFFC0-895A-4681-4277-2B3BC387DD97}"/>
               </a:ext>
             </a:extLst>
           </p:cNvPr>
@@ -15365,7 +13597,1177 @@
     </p:spTree>
     <p:extLst>
       <p:ext uri="{BB962C8B-B14F-4D97-AF65-F5344CB8AC3E}">
-        <p14:creationId xmlns:p14="http://schemas.microsoft.com/office/powerpoint/2010/main" val="687934014"/>
+        <p14:creationId xmlns:p14="http://schemas.microsoft.com/office/powerpoint/2010/main" val="246747784"/>
+      </p:ext>
+    </p:extLst>
+  </p:cSld>
+  <p:clrMapOvr>
+    <a:masterClrMapping/>
+  </p:clrMapOvr>
+</p:sld>
+</file>
+
+<file path=ppt/slides/slide24.xml><?xml version="1.0" encoding="utf-8"?>
+<p:sld xmlns:a="http://schemas.openxmlformats.org/drawingml/2006/main" xmlns:r="http://schemas.openxmlformats.org/officeDocument/2006/relationships" xmlns:p="http://schemas.openxmlformats.org/presentationml/2006/main">
+  <p:cSld>
+    <p:spTree>
+      <p:nvGrpSpPr>
+        <p:cNvPr id="1" name="">
+          <a:extLst>
+            <a:ext uri="{FF2B5EF4-FFF2-40B4-BE49-F238E27FC236}">
+              <a16:creationId xmlns:a16="http://schemas.microsoft.com/office/drawing/2014/main" id="{7E367822-B99A-4238-D2E2-0E8220E55296}"/>
+            </a:ext>
+          </a:extLst>
+        </p:cNvPr>
+        <p:cNvGrpSpPr/>
+        <p:nvPr/>
+      </p:nvGrpSpPr>
+      <p:grpSpPr>
+        <a:xfrm>
+          <a:off x="0" y="0"/>
+          <a:ext cx="0" cy="0"/>
+          <a:chOff x="0" y="0"/>
+          <a:chExt cx="0" cy="0"/>
+        </a:xfrm>
+      </p:grpSpPr>
+      <p:sp>
+        <p:nvSpPr>
+          <p:cNvPr id="2" name="Rectangle 1">
+            <a:extLst>
+              <a:ext uri="{FF2B5EF4-FFF2-40B4-BE49-F238E27FC236}">
+                <a16:creationId xmlns:a16="http://schemas.microsoft.com/office/drawing/2014/main" id="{F3F13216-F493-3172-156C-A42DE4576AA8}"/>
+              </a:ext>
+            </a:extLst>
+          </p:cNvPr>
+          <p:cNvSpPr/>
+          <p:nvPr/>
+        </p:nvSpPr>
+        <p:spPr>
+          <a:xfrm>
+            <a:off x="0" y="0"/>
+            <a:ext cx="12201144" cy="6867144"/>
+          </a:xfrm>
+          <a:prstGeom prst="rect">
+            <a:avLst/>
+          </a:prstGeom>
+          <a:solidFill>
+            <a:schemeClr val="tx1"/>
+          </a:solidFill>
+          <a:ln>
+            <a:solidFill>
+              <a:schemeClr val="tx1"/>
+            </a:solidFill>
+          </a:ln>
+        </p:spPr>
+        <p:style>
+          <a:lnRef idx="2">
+            <a:schemeClr val="accent1">
+              <a:shade val="15000"/>
+            </a:schemeClr>
+          </a:lnRef>
+          <a:fillRef idx="1">
+            <a:schemeClr val="accent1"/>
+          </a:fillRef>
+          <a:effectRef idx="0">
+            <a:schemeClr val="accent1"/>
+          </a:effectRef>
+          <a:fontRef idx="minor">
+            <a:schemeClr val="lt1"/>
+          </a:fontRef>
+        </p:style>
+        <p:txBody>
+          <a:bodyPr rtlCol="0" anchor="ctr"/>
+          <a:lstStyle/>
+          <a:p>
+            <a:pPr algn="ctr"/>
+            <a:r>
+              <a:rPr lang="en-US" sz="4400" b="1">
+                <a:solidFill>
+                  <a:schemeClr val="tx1">
+                    <a:lumMod val="85000"/>
+                    <a:lumOff val="15000"/>
+                  </a:schemeClr>
+                </a:solidFill>
+              </a:rPr>
+              <a:t>code</a:t>
+            </a:r>
+            <a:endParaRPr lang="en-US" b="1">
+              <a:solidFill>
+                <a:schemeClr val="tx1">
+                  <a:lumMod val="85000"/>
+                  <a:lumOff val="15000"/>
+                </a:schemeClr>
+              </a:solidFill>
+            </a:endParaRPr>
+          </a:p>
+        </p:txBody>
+      </p:sp>
+    </p:spTree>
+    <p:extLst>
+      <p:ext uri="{BB962C8B-B14F-4D97-AF65-F5344CB8AC3E}">
+        <p14:creationId xmlns:p14="http://schemas.microsoft.com/office/powerpoint/2010/main" val="1200703245"/>
+      </p:ext>
+    </p:extLst>
+  </p:cSld>
+  <p:clrMapOvr>
+    <a:masterClrMapping/>
+  </p:clrMapOvr>
+</p:sld>
+</file>
+
+<file path=ppt/slides/slide25.xml><?xml version="1.0" encoding="utf-8"?>
+<p:sld xmlns:a="http://schemas.openxmlformats.org/drawingml/2006/main" xmlns:r="http://schemas.openxmlformats.org/officeDocument/2006/relationships" xmlns:p="http://schemas.openxmlformats.org/presentationml/2006/main">
+  <p:cSld>
+    <p:spTree>
+      <p:nvGrpSpPr>
+        <p:cNvPr id="1" name="">
+          <a:extLst>
+            <a:ext uri="{FF2B5EF4-FFF2-40B4-BE49-F238E27FC236}">
+              <a16:creationId xmlns:a16="http://schemas.microsoft.com/office/drawing/2014/main" id="{1C8BEC2D-B0F9-7D1F-D3F8-691C4104F2C4}"/>
+            </a:ext>
+          </a:extLst>
+        </p:cNvPr>
+        <p:cNvGrpSpPr/>
+        <p:nvPr/>
+      </p:nvGrpSpPr>
+      <p:grpSpPr>
+        <a:xfrm>
+          <a:off x="0" y="0"/>
+          <a:ext cx="0" cy="0"/>
+          <a:chOff x="0" y="0"/>
+          <a:chExt cx="0" cy="0"/>
+        </a:xfrm>
+      </p:grpSpPr>
+      <p:sp>
+        <p:nvSpPr>
+          <p:cNvPr id="3" name="TextBox 2">
+            <a:extLst>
+              <a:ext uri="{FF2B5EF4-FFF2-40B4-BE49-F238E27FC236}">
+                <a16:creationId xmlns:a16="http://schemas.microsoft.com/office/drawing/2014/main" id="{75EDFB70-8705-2690-0EA8-3B4B8A342BE1}"/>
+              </a:ext>
+            </a:extLst>
+          </p:cNvPr>
+          <p:cNvSpPr txBox="1"/>
+          <p:nvPr/>
+        </p:nvSpPr>
+        <p:spPr>
+          <a:xfrm>
+            <a:off x="868680" y="786384"/>
+            <a:ext cx="1679434" cy="369332"/>
+          </a:xfrm>
+          <a:prstGeom prst="rect">
+            <a:avLst/>
+          </a:prstGeom>
+          <a:noFill/>
+        </p:spPr>
+        <p:txBody>
+          <a:bodyPr wrap="none" rtlCol="0">
+            <a:spAutoFit/>
+          </a:bodyPr>
+          <a:lstStyle/>
+          <a:p>
+            <a:r>
+              <a:rPr lang="en-US"/>
+              <a:t>Remember this:</a:t>
+            </a:r>
+          </a:p>
+        </p:txBody>
+      </p:sp>
+      <p:sp>
+        <p:nvSpPr>
+          <p:cNvPr id="4" name="TextBox 3">
+            <a:extLst>
+              <a:ext uri="{FF2B5EF4-FFF2-40B4-BE49-F238E27FC236}">
+                <a16:creationId xmlns:a16="http://schemas.microsoft.com/office/drawing/2014/main" id="{8567043B-A59E-65D3-8FF2-D0CE4B047731}"/>
+              </a:ext>
+            </a:extLst>
+          </p:cNvPr>
+          <p:cNvSpPr txBox="1"/>
+          <p:nvPr/>
+        </p:nvSpPr>
+        <p:spPr>
+          <a:xfrm>
+            <a:off x="978408" y="1682496"/>
+            <a:ext cx="4368375" cy="923330"/>
+          </a:xfrm>
+          <a:prstGeom prst="rect">
+            <a:avLst/>
+          </a:prstGeom>
+          <a:noFill/>
+        </p:spPr>
+        <p:txBody>
+          <a:bodyPr wrap="none" rtlCol="0">
+            <a:spAutoFit/>
+          </a:bodyPr>
+          <a:lstStyle/>
+          <a:p>
+            <a:pPr marL="285750" indent="-285750">
+              <a:buFont typeface="Arial" panose="020B0604020202020204" pitchFamily="34" charset="0"/>
+              <a:buChar char="•"/>
+            </a:pPr>
+            <a:r>
+              <a:rPr lang="en-US"/>
+              <a:t>If the output is small, use inline approvals</a:t>
+            </a:r>
+          </a:p>
+          <a:p>
+            <a:pPr marL="342900" indent="-342900">
+              <a:buAutoNum type="arabicPeriod"/>
+            </a:pPr>
+            <a:endParaRPr lang="en-US"/>
+          </a:p>
+          <a:p>
+            <a:endParaRPr lang="en-US"/>
+          </a:p>
+        </p:txBody>
+      </p:sp>
+    </p:spTree>
+    <p:extLst>
+      <p:ext uri="{BB962C8B-B14F-4D97-AF65-F5344CB8AC3E}">
+        <p14:creationId xmlns:p14="http://schemas.microsoft.com/office/powerpoint/2010/main" val="1076691476"/>
+      </p:ext>
+    </p:extLst>
+  </p:cSld>
+  <p:clrMapOvr>
+    <a:masterClrMapping/>
+  </p:clrMapOvr>
+</p:sld>
+</file>
+
+<file path=ppt/slides/slide26.xml><?xml version="1.0" encoding="utf-8"?>
+<p:sld xmlns:a="http://schemas.openxmlformats.org/drawingml/2006/main" xmlns:r="http://schemas.openxmlformats.org/officeDocument/2006/relationships" xmlns:p="http://schemas.openxmlformats.org/presentationml/2006/main">
+  <p:cSld>
+    <p:spTree>
+      <p:nvGrpSpPr>
+        <p:cNvPr id="1" name="">
+          <a:extLst>
+            <a:ext uri="{FF2B5EF4-FFF2-40B4-BE49-F238E27FC236}">
+              <a16:creationId xmlns:a16="http://schemas.microsoft.com/office/drawing/2014/main" id="{8A394DD1-6444-E6B5-72DF-5274A12075BE}"/>
+            </a:ext>
+          </a:extLst>
+        </p:cNvPr>
+        <p:cNvGrpSpPr/>
+        <p:nvPr/>
+      </p:nvGrpSpPr>
+      <p:grpSpPr>
+        <a:xfrm>
+          <a:off x="0" y="0"/>
+          <a:ext cx="0" cy="0"/>
+          <a:chOff x="0" y="0"/>
+          <a:chExt cx="0" cy="0"/>
+        </a:xfrm>
+      </p:grpSpPr>
+      <p:sp>
+        <p:nvSpPr>
+          <p:cNvPr id="3" name="Curved Down Arrow 2">
+            <a:extLst>
+              <a:ext uri="{FF2B5EF4-FFF2-40B4-BE49-F238E27FC236}">
+                <a16:creationId xmlns:a16="http://schemas.microsoft.com/office/drawing/2014/main" id="{D0F45ECA-1C22-9DAA-4452-A6F363CB7177}"/>
+              </a:ext>
+            </a:extLst>
+          </p:cNvPr>
+          <p:cNvSpPr/>
+          <p:nvPr/>
+        </p:nvSpPr>
+        <p:spPr bwMode="auto">
+          <a:xfrm rot="16200000">
+            <a:off x="2633387" y="3179948"/>
+            <a:ext cx="2718871" cy="1219200"/>
+          </a:xfrm>
+          <a:prstGeom prst="curvedDownArrow">
+            <a:avLst/>
+          </a:prstGeom>
+          <a:ln>
+            <a:headEnd type="none" w="med" len="med"/>
+            <a:tailEnd type="none" w="med" len="med"/>
+          </a:ln>
+        </p:spPr>
+        <p:style>
+          <a:lnRef idx="2">
+            <a:schemeClr val="dk1"/>
+          </a:lnRef>
+          <a:fillRef idx="1">
+            <a:schemeClr val="lt1"/>
+          </a:fillRef>
+          <a:effectRef idx="0">
+            <a:schemeClr val="dk1"/>
+          </a:effectRef>
+          <a:fontRef idx="minor">
+            <a:schemeClr val="dk1"/>
+          </a:fontRef>
+        </p:style>
+        <p:txBody>
+          <a:bodyPr vert="horz" wrap="square" lIns="121920" tIns="60960" rIns="121920" bIns="60960" numCol="1" rtlCol="0" anchor="t" anchorCtr="0" compatLnSpc="1">
+            <a:prstTxWarp prst="textNoShape">
+              <a:avLst/>
+            </a:prstTxWarp>
+          </a:bodyPr>
+          <a:lstStyle/>
+          <a:p>
+            <a:pPr defTabSz="1219170" eaLnBrk="0" fontAlgn="base" hangingPunct="0">
+              <a:spcBef>
+                <a:spcPct val="0"/>
+              </a:spcBef>
+              <a:spcAft>
+                <a:spcPct val="0"/>
+              </a:spcAft>
+            </a:pPr>
+            <a:endParaRPr lang="en-US" sz="3200" b="1">
+              <a:solidFill>
+                <a:schemeClr val="tx1"/>
+              </a:solidFill>
+              <a:latin typeface="Arial" charset="0"/>
+            </a:endParaRPr>
+          </a:p>
+        </p:txBody>
+      </p:sp>
+      <p:sp>
+        <p:nvSpPr>
+          <p:cNvPr id="4" name="Curved Down Arrow 3">
+            <a:extLst>
+              <a:ext uri="{FF2B5EF4-FFF2-40B4-BE49-F238E27FC236}">
+                <a16:creationId xmlns:a16="http://schemas.microsoft.com/office/drawing/2014/main" id="{2531FF68-C096-533A-57C7-9908F7EB21CC}"/>
+              </a:ext>
+            </a:extLst>
+          </p:cNvPr>
+          <p:cNvSpPr/>
+          <p:nvPr/>
+        </p:nvSpPr>
+        <p:spPr bwMode="auto">
+          <a:xfrm rot="5400000">
+            <a:off x="6591606" y="3179949"/>
+            <a:ext cx="2718871" cy="1219200"/>
+          </a:xfrm>
+          <a:prstGeom prst="curvedDownArrow">
+            <a:avLst/>
+          </a:prstGeom>
+          <a:ln>
+            <a:headEnd type="none" w="med" len="med"/>
+            <a:tailEnd type="none" w="med" len="med"/>
+          </a:ln>
+        </p:spPr>
+        <p:style>
+          <a:lnRef idx="2">
+            <a:schemeClr val="dk1"/>
+          </a:lnRef>
+          <a:fillRef idx="1">
+            <a:schemeClr val="lt1"/>
+          </a:fillRef>
+          <a:effectRef idx="0">
+            <a:schemeClr val="dk1"/>
+          </a:effectRef>
+          <a:fontRef idx="minor">
+            <a:schemeClr val="dk1"/>
+          </a:fontRef>
+        </p:style>
+        <p:txBody>
+          <a:bodyPr vert="horz" wrap="square" lIns="121920" tIns="60960" rIns="121920" bIns="60960" numCol="1" rtlCol="0" anchor="t" anchorCtr="0" compatLnSpc="1">
+            <a:prstTxWarp prst="textNoShape">
+              <a:avLst/>
+            </a:prstTxWarp>
+          </a:bodyPr>
+          <a:lstStyle/>
+          <a:p>
+            <a:pPr defTabSz="1219170" eaLnBrk="0" fontAlgn="base" hangingPunct="0">
+              <a:spcBef>
+                <a:spcPct val="0"/>
+              </a:spcBef>
+              <a:spcAft>
+                <a:spcPct val="0"/>
+              </a:spcAft>
+            </a:pPr>
+            <a:endParaRPr lang="en-US" sz="3200" b="1">
+              <a:solidFill>
+                <a:schemeClr val="tx1"/>
+              </a:solidFill>
+              <a:latin typeface="Arial" charset="0"/>
+            </a:endParaRPr>
+          </a:p>
+        </p:txBody>
+      </p:sp>
+      <p:sp>
+        <p:nvSpPr>
+          <p:cNvPr id="5" name="Curved Down Arrow 4">
+            <a:extLst>
+              <a:ext uri="{FF2B5EF4-FFF2-40B4-BE49-F238E27FC236}">
+                <a16:creationId xmlns:a16="http://schemas.microsoft.com/office/drawing/2014/main" id="{CD7C84BE-D1AE-8249-C6BC-60BB49C591DC}"/>
+              </a:ext>
+            </a:extLst>
+          </p:cNvPr>
+          <p:cNvSpPr/>
+          <p:nvPr/>
+        </p:nvSpPr>
+        <p:spPr bwMode="auto">
+          <a:xfrm>
+            <a:off x="4622573" y="1217784"/>
+            <a:ext cx="2718871" cy="1219200"/>
+          </a:xfrm>
+          <a:prstGeom prst="curvedDownArrow">
+            <a:avLst/>
+          </a:prstGeom>
+          <a:ln>
+            <a:headEnd type="none" w="med" len="med"/>
+            <a:tailEnd type="none" w="med" len="med"/>
+          </a:ln>
+        </p:spPr>
+        <p:style>
+          <a:lnRef idx="2">
+            <a:schemeClr val="dk1"/>
+          </a:lnRef>
+          <a:fillRef idx="1">
+            <a:schemeClr val="lt1"/>
+          </a:fillRef>
+          <a:effectRef idx="0">
+            <a:schemeClr val="dk1"/>
+          </a:effectRef>
+          <a:fontRef idx="minor">
+            <a:schemeClr val="dk1"/>
+          </a:fontRef>
+        </p:style>
+        <p:txBody>
+          <a:bodyPr vert="horz" wrap="square" lIns="121920" tIns="60960" rIns="121920" bIns="60960" numCol="1" rtlCol="0" anchor="t" anchorCtr="0" compatLnSpc="1">
+            <a:prstTxWarp prst="textNoShape">
+              <a:avLst/>
+            </a:prstTxWarp>
+          </a:bodyPr>
+          <a:lstStyle/>
+          <a:p>
+            <a:pPr defTabSz="1219170" eaLnBrk="0" fontAlgn="base" hangingPunct="0">
+              <a:spcBef>
+                <a:spcPct val="0"/>
+              </a:spcBef>
+              <a:spcAft>
+                <a:spcPct val="0"/>
+              </a:spcAft>
+            </a:pPr>
+            <a:endParaRPr lang="en-US" sz="3200" b="1">
+              <a:solidFill>
+                <a:schemeClr val="tx1"/>
+              </a:solidFill>
+              <a:latin typeface="Arial" charset="0"/>
+            </a:endParaRPr>
+          </a:p>
+        </p:txBody>
+      </p:sp>
+      <p:sp>
+        <p:nvSpPr>
+          <p:cNvPr id="6" name="TextBox 5">
+            <a:extLst>
+              <a:ext uri="{FF2B5EF4-FFF2-40B4-BE49-F238E27FC236}">
+                <a16:creationId xmlns:a16="http://schemas.microsoft.com/office/drawing/2014/main" id="{7AC20DDB-BF42-B0E5-71C6-A83C06A40EAD}"/>
+              </a:ext>
+            </a:extLst>
+          </p:cNvPr>
+          <p:cNvSpPr txBox="1"/>
+          <p:nvPr/>
+        </p:nvSpPr>
+        <p:spPr>
+          <a:xfrm>
+            <a:off x="7315200" y="1905001"/>
+            <a:ext cx="1497760" cy="461665"/>
+          </a:xfrm>
+          <a:prstGeom prst="rect">
+            <a:avLst/>
+          </a:prstGeom>
+          <a:noFill/>
+        </p:spPr>
+        <p:txBody>
+          <a:bodyPr wrap="square" rtlCol="0">
+            <a:spAutoFit/>
+          </a:bodyPr>
+          <a:lstStyle/>
+          <a:p>
+            <a:r>
+              <a:rPr lang="en-US" sz="2400" dirty="0"/>
+              <a:t>English</a:t>
+            </a:r>
+          </a:p>
+        </p:txBody>
+      </p:sp>
+      <p:sp>
+        <p:nvSpPr>
+          <p:cNvPr id="7" name="TextBox 6">
+            <a:extLst>
+              <a:ext uri="{FF2B5EF4-FFF2-40B4-BE49-F238E27FC236}">
+                <a16:creationId xmlns:a16="http://schemas.microsoft.com/office/drawing/2014/main" id="{0D926260-045A-9824-9340-158A1AA65919}"/>
+              </a:ext>
+            </a:extLst>
+          </p:cNvPr>
+          <p:cNvSpPr txBox="1"/>
+          <p:nvPr/>
+        </p:nvSpPr>
+        <p:spPr>
+          <a:xfrm>
+            <a:off x="7341442" y="5093560"/>
+            <a:ext cx="825867" cy="461665"/>
+          </a:xfrm>
+          <a:prstGeom prst="rect">
+            <a:avLst/>
+          </a:prstGeom>
+          <a:noFill/>
+        </p:spPr>
+        <p:txBody>
+          <a:bodyPr wrap="none" rtlCol="0">
+            <a:spAutoFit/>
+          </a:bodyPr>
+          <a:lstStyle/>
+          <a:p>
+            <a:r>
+              <a:rPr lang="en-US" sz="2400" dirty="0"/>
+              <a:t>Code</a:t>
+            </a:r>
+          </a:p>
+        </p:txBody>
+      </p:sp>
+      <p:sp>
+        <p:nvSpPr>
+          <p:cNvPr id="8" name="TextBox 7">
+            <a:extLst>
+              <a:ext uri="{FF2B5EF4-FFF2-40B4-BE49-F238E27FC236}">
+                <a16:creationId xmlns:a16="http://schemas.microsoft.com/office/drawing/2014/main" id="{080FA7CB-4F8D-9D68-B8B6-534875039076}"/>
+              </a:ext>
+            </a:extLst>
+          </p:cNvPr>
+          <p:cNvSpPr txBox="1"/>
+          <p:nvPr/>
+        </p:nvSpPr>
+        <p:spPr>
+          <a:xfrm>
+            <a:off x="3556000" y="5156201"/>
+            <a:ext cx="1026216" cy="461665"/>
+          </a:xfrm>
+          <a:prstGeom prst="rect">
+            <a:avLst/>
+          </a:prstGeom>
+          <a:noFill/>
+        </p:spPr>
+        <p:txBody>
+          <a:bodyPr wrap="square" rtlCol="0">
+            <a:spAutoFit/>
+          </a:bodyPr>
+          <a:lstStyle/>
+          <a:p>
+            <a:r>
+              <a:rPr lang="en-US" sz="2400" dirty="0"/>
+              <a:t>Result</a:t>
+            </a:r>
+          </a:p>
+        </p:txBody>
+      </p:sp>
+      <p:sp>
+        <p:nvSpPr>
+          <p:cNvPr id="9" name="TextBox 8">
+            <a:extLst>
+              <a:ext uri="{FF2B5EF4-FFF2-40B4-BE49-F238E27FC236}">
+                <a16:creationId xmlns:a16="http://schemas.microsoft.com/office/drawing/2014/main" id="{BE08516B-84ED-8F46-92BE-AAB705AFB9B4}"/>
+              </a:ext>
+            </a:extLst>
+          </p:cNvPr>
+          <p:cNvSpPr txBox="1"/>
+          <p:nvPr/>
+        </p:nvSpPr>
+        <p:spPr>
+          <a:xfrm>
+            <a:off x="2844799" y="1923033"/>
+            <a:ext cx="1777772" cy="461665"/>
+          </a:xfrm>
+          <a:prstGeom prst="rect">
+            <a:avLst/>
+          </a:prstGeom>
+          <a:noFill/>
+        </p:spPr>
+        <p:txBody>
+          <a:bodyPr wrap="square" rtlCol="0">
+            <a:spAutoFit/>
+          </a:bodyPr>
+          <a:lstStyle/>
+          <a:p>
+            <a:r>
+              <a:rPr lang="en-US" sz="2400" dirty="0"/>
+              <a:t>Whiteboard</a:t>
+            </a:r>
+          </a:p>
+        </p:txBody>
+      </p:sp>
+      <p:grpSp>
+        <p:nvGrpSpPr>
+          <p:cNvPr id="10" name="Group 9">
+            <a:extLst>
+              <a:ext uri="{FF2B5EF4-FFF2-40B4-BE49-F238E27FC236}">
+                <a16:creationId xmlns:a16="http://schemas.microsoft.com/office/drawing/2014/main" id="{FF39823A-C8F1-3204-08FC-FA4444003F39}"/>
+              </a:ext>
+            </a:extLst>
+          </p:cNvPr>
+          <p:cNvGrpSpPr/>
+          <p:nvPr/>
+        </p:nvGrpSpPr>
+        <p:grpSpPr>
+          <a:xfrm>
+            <a:off x="1422400" y="279400"/>
+            <a:ext cx="1347536" cy="2802021"/>
+            <a:chOff x="635115" y="-227609"/>
+            <a:chExt cx="1010652" cy="2101516"/>
+          </a:xfrm>
+        </p:grpSpPr>
+        <p:sp>
+          <p:nvSpPr>
+            <p:cNvPr id="11" name="Rectangle 10">
+              <a:extLst>
+                <a:ext uri="{FF2B5EF4-FFF2-40B4-BE49-F238E27FC236}">
+                  <a16:creationId xmlns:a16="http://schemas.microsoft.com/office/drawing/2014/main" id="{3F6B0153-9965-2DEB-F758-1078474DD80E}"/>
+                </a:ext>
+              </a:extLst>
+            </p:cNvPr>
+            <p:cNvSpPr/>
+            <p:nvPr/>
+          </p:nvSpPr>
+          <p:spPr bwMode="auto">
+            <a:xfrm>
+              <a:off x="635115" y="29065"/>
+              <a:ext cx="1010652" cy="1138989"/>
+            </a:xfrm>
+            <a:prstGeom prst="rect">
+              <a:avLst/>
+            </a:prstGeom>
+            <a:ln>
+              <a:headEnd type="none" w="med" len="med"/>
+              <a:tailEnd type="none" w="med" len="med"/>
+            </a:ln>
+          </p:spPr>
+          <p:style>
+            <a:lnRef idx="2">
+              <a:schemeClr val="dk1"/>
+            </a:lnRef>
+            <a:fillRef idx="1">
+              <a:schemeClr val="lt1"/>
+            </a:fillRef>
+            <a:effectRef idx="0">
+              <a:schemeClr val="dk1"/>
+            </a:effectRef>
+            <a:fontRef idx="minor">
+              <a:schemeClr val="dk1"/>
+            </a:fontRef>
+          </p:style>
+          <p:txBody>
+            <a:bodyPr vert="horz" wrap="square" lIns="121920" tIns="60960" rIns="121920" bIns="60960" numCol="1" rtlCol="0" anchor="t" anchorCtr="0" compatLnSpc="1">
+              <a:prstTxWarp prst="textNoShape">
+                <a:avLst/>
+              </a:prstTxWarp>
+            </a:bodyPr>
+            <a:lstStyle/>
+            <a:p>
+              <a:pPr defTabSz="1219170" eaLnBrk="0" fontAlgn="base" hangingPunct="0">
+                <a:spcBef>
+                  <a:spcPct val="0"/>
+                </a:spcBef>
+                <a:spcAft>
+                  <a:spcPct val="0"/>
+                </a:spcAft>
+              </a:pPr>
+              <a:endParaRPr lang="en-US" sz="3200" b="1">
+                <a:solidFill>
+                  <a:schemeClr val="tx1"/>
+                </a:solidFill>
+                <a:latin typeface="Arial" charset="0"/>
+              </a:endParaRPr>
+            </a:p>
+          </p:txBody>
+        </p:sp>
+        <p:cxnSp>
+          <p:nvCxnSpPr>
+            <p:cNvPr id="12" name="Straight Connector 11">
+              <a:extLst>
+                <a:ext uri="{FF2B5EF4-FFF2-40B4-BE49-F238E27FC236}">
+                  <a16:creationId xmlns:a16="http://schemas.microsoft.com/office/drawing/2014/main" id="{64362202-101E-18D9-4A39-C6F32445A05B}"/>
+                </a:ext>
+              </a:extLst>
+            </p:cNvPr>
+            <p:cNvCxnSpPr/>
+            <p:nvPr/>
+          </p:nvCxnSpPr>
+          <p:spPr bwMode="auto">
+            <a:xfrm>
+              <a:off x="1140441" y="-227609"/>
+              <a:ext cx="0" cy="256674"/>
+            </a:xfrm>
+            <a:prstGeom prst="line">
+              <a:avLst/>
+            </a:prstGeom>
+            <a:solidFill>
+              <a:schemeClr val="accent1"/>
+            </a:solidFill>
+            <a:ln w="9525" cap="flat" cmpd="sng" algn="ctr">
+              <a:solidFill>
+                <a:schemeClr val="tx1"/>
+              </a:solidFill>
+              <a:prstDash val="solid"/>
+              <a:round/>
+              <a:headEnd type="none" w="med" len="med"/>
+              <a:tailEnd type="none" w="med" len="med"/>
+            </a:ln>
+            <a:effectLst/>
+          </p:spPr>
+        </p:cxnSp>
+        <p:cxnSp>
+          <p:nvCxnSpPr>
+            <p:cNvPr id="13" name="Straight Connector 12">
+              <a:extLst>
+                <a:ext uri="{FF2B5EF4-FFF2-40B4-BE49-F238E27FC236}">
+                  <a16:creationId xmlns:a16="http://schemas.microsoft.com/office/drawing/2014/main" id="{A5A54560-8644-96DC-1272-5BC3BEA70054}"/>
+                </a:ext>
+              </a:extLst>
+            </p:cNvPr>
+            <p:cNvCxnSpPr/>
+            <p:nvPr/>
+          </p:nvCxnSpPr>
+          <p:spPr bwMode="auto">
+            <a:xfrm flipV="1">
+              <a:off x="819599" y="1168054"/>
+              <a:ext cx="184484" cy="705853"/>
+            </a:xfrm>
+            <a:prstGeom prst="line">
+              <a:avLst/>
+            </a:prstGeom>
+            <a:solidFill>
+              <a:schemeClr val="accent1"/>
+            </a:solidFill>
+            <a:ln w="9525" cap="flat" cmpd="sng" algn="ctr">
+              <a:solidFill>
+                <a:schemeClr val="tx1"/>
+              </a:solidFill>
+              <a:prstDash val="solid"/>
+              <a:round/>
+              <a:headEnd type="none" w="med" len="med"/>
+              <a:tailEnd type="none" w="med" len="med"/>
+            </a:ln>
+            <a:effectLst/>
+          </p:spPr>
+        </p:cxnSp>
+        <p:cxnSp>
+          <p:nvCxnSpPr>
+            <p:cNvPr id="14" name="Straight Connector 13">
+              <a:extLst>
+                <a:ext uri="{FF2B5EF4-FFF2-40B4-BE49-F238E27FC236}">
+                  <a16:creationId xmlns:a16="http://schemas.microsoft.com/office/drawing/2014/main" id="{5F66F5C7-C464-0CED-1F36-8B217FF09EC2}"/>
+                </a:ext>
+              </a:extLst>
+            </p:cNvPr>
+            <p:cNvCxnSpPr/>
+            <p:nvPr/>
+          </p:nvCxnSpPr>
+          <p:spPr bwMode="auto">
+            <a:xfrm flipV="1">
+              <a:off x="1140441" y="1168054"/>
+              <a:ext cx="0" cy="529390"/>
+            </a:xfrm>
+            <a:prstGeom prst="line">
+              <a:avLst/>
+            </a:prstGeom>
+            <a:solidFill>
+              <a:schemeClr val="accent1"/>
+            </a:solidFill>
+            <a:ln w="9525" cap="flat" cmpd="sng" algn="ctr">
+              <a:solidFill>
+                <a:schemeClr val="tx1"/>
+              </a:solidFill>
+              <a:prstDash val="solid"/>
+              <a:round/>
+              <a:headEnd type="none" w="med" len="med"/>
+              <a:tailEnd type="none" w="med" len="med"/>
+            </a:ln>
+            <a:effectLst/>
+          </p:spPr>
+        </p:cxnSp>
+        <p:cxnSp>
+          <p:nvCxnSpPr>
+            <p:cNvPr id="15" name="Straight Connector 14">
+              <a:extLst>
+                <a:ext uri="{FF2B5EF4-FFF2-40B4-BE49-F238E27FC236}">
+                  <a16:creationId xmlns:a16="http://schemas.microsoft.com/office/drawing/2014/main" id="{68594883-6B37-1A25-1C69-8F217D55ACC4}"/>
+                </a:ext>
+              </a:extLst>
+            </p:cNvPr>
+            <p:cNvCxnSpPr/>
+            <p:nvPr/>
+          </p:nvCxnSpPr>
+          <p:spPr bwMode="auto">
+            <a:xfrm flipH="1" flipV="1">
+              <a:off x="1276799" y="1168054"/>
+              <a:ext cx="176463" cy="705853"/>
+            </a:xfrm>
+            <a:prstGeom prst="line">
+              <a:avLst/>
+            </a:prstGeom>
+            <a:solidFill>
+              <a:schemeClr val="accent1"/>
+            </a:solidFill>
+            <a:ln w="9525" cap="flat" cmpd="sng" algn="ctr">
+              <a:solidFill>
+                <a:schemeClr val="tx1"/>
+              </a:solidFill>
+              <a:prstDash val="solid"/>
+              <a:round/>
+              <a:headEnd type="none" w="med" len="med"/>
+              <a:tailEnd type="none" w="med" len="med"/>
+            </a:ln>
+            <a:effectLst/>
+          </p:spPr>
+        </p:cxnSp>
+        <p:cxnSp>
+          <p:nvCxnSpPr>
+            <p:cNvPr id="16" name="Straight Arrow Connector 15">
+              <a:extLst>
+                <a:ext uri="{FF2B5EF4-FFF2-40B4-BE49-F238E27FC236}">
+                  <a16:creationId xmlns:a16="http://schemas.microsoft.com/office/drawing/2014/main" id="{1B1DEDC5-CBBB-77B4-59C0-6949C1C43D78}"/>
+                </a:ext>
+              </a:extLst>
+            </p:cNvPr>
+            <p:cNvCxnSpPr/>
+            <p:nvPr/>
+          </p:nvCxnSpPr>
+          <p:spPr bwMode="auto">
+            <a:xfrm>
+              <a:off x="1140441" y="173520"/>
+              <a:ext cx="0" cy="842838"/>
+            </a:xfrm>
+            <a:prstGeom prst="straightConnector1">
+              <a:avLst/>
+            </a:prstGeom>
+            <a:solidFill>
+              <a:schemeClr val="accent1"/>
+            </a:solidFill>
+            <a:ln w="9525" cap="flat" cmpd="sng" algn="ctr">
+              <a:solidFill>
+                <a:schemeClr val="tx1"/>
+              </a:solidFill>
+              <a:prstDash val="solid"/>
+              <a:round/>
+              <a:headEnd type="arrow"/>
+              <a:tailEnd type="arrow"/>
+            </a:ln>
+            <a:effectLst/>
+          </p:spPr>
+        </p:cxnSp>
+        <p:cxnSp>
+          <p:nvCxnSpPr>
+            <p:cNvPr id="17" name="Straight Arrow Connector 16">
+              <a:extLst>
+                <a:ext uri="{FF2B5EF4-FFF2-40B4-BE49-F238E27FC236}">
+                  <a16:creationId xmlns:a16="http://schemas.microsoft.com/office/drawing/2014/main" id="{DA360AFB-BC7B-14CD-FD43-B046C7EE1BF0}"/>
+                </a:ext>
+              </a:extLst>
+            </p:cNvPr>
+            <p:cNvCxnSpPr/>
+            <p:nvPr/>
+          </p:nvCxnSpPr>
+          <p:spPr bwMode="auto">
+            <a:xfrm flipV="1">
+              <a:off x="762000" y="598559"/>
+              <a:ext cx="691262" cy="1"/>
+            </a:xfrm>
+            <a:prstGeom prst="straightConnector1">
+              <a:avLst/>
+            </a:prstGeom>
+            <a:solidFill>
+              <a:schemeClr val="accent1"/>
+            </a:solidFill>
+            <a:ln w="9525" cap="flat" cmpd="sng" algn="ctr">
+              <a:solidFill>
+                <a:schemeClr val="tx1"/>
+              </a:solidFill>
+              <a:prstDash val="solid"/>
+              <a:round/>
+              <a:headEnd type="arrow"/>
+              <a:tailEnd type="arrow"/>
+            </a:ln>
+            <a:effectLst/>
+          </p:spPr>
+        </p:cxnSp>
+        <p:cxnSp>
+          <p:nvCxnSpPr>
+            <p:cNvPr id="18" name="Straight Connector 17">
+              <a:extLst>
+                <a:ext uri="{FF2B5EF4-FFF2-40B4-BE49-F238E27FC236}">
+                  <a16:creationId xmlns:a16="http://schemas.microsoft.com/office/drawing/2014/main" id="{7A7FFD33-19A8-2A47-B9D0-A8161C22968F}"/>
+                </a:ext>
+              </a:extLst>
+            </p:cNvPr>
+            <p:cNvCxnSpPr/>
+            <p:nvPr/>
+          </p:nvCxnSpPr>
+          <p:spPr bwMode="auto">
+            <a:xfrm flipV="1">
+              <a:off x="1140441" y="380254"/>
+              <a:ext cx="224589" cy="218123"/>
+            </a:xfrm>
+            <a:prstGeom prst="line">
+              <a:avLst/>
+            </a:prstGeom>
+            <a:solidFill>
+              <a:schemeClr val="accent1"/>
+            </a:solidFill>
+            <a:ln w="34925" cap="flat" cmpd="sng" algn="ctr">
+              <a:solidFill>
+                <a:srgbClr val="FF0000"/>
+              </a:solidFill>
+              <a:prstDash val="solid"/>
+              <a:round/>
+              <a:headEnd type="none" w="med" len="med"/>
+              <a:tailEnd type="none" w="med" len="med"/>
+            </a:ln>
+            <a:effectLst/>
+          </p:spPr>
+        </p:cxnSp>
+      </p:grpSp>
+      <p:sp>
+        <p:nvSpPr>
+          <p:cNvPr id="19" name="TextBox 18">
+            <a:extLst>
+              <a:ext uri="{FF2B5EF4-FFF2-40B4-BE49-F238E27FC236}">
+                <a16:creationId xmlns:a16="http://schemas.microsoft.com/office/drawing/2014/main" id="{92F36F41-5DA3-DF67-C06F-D4D35DCC4875}"/>
+              </a:ext>
+            </a:extLst>
+          </p:cNvPr>
+          <p:cNvSpPr txBox="1"/>
+          <p:nvPr/>
+        </p:nvSpPr>
+        <p:spPr>
+          <a:xfrm>
+            <a:off x="7620003" y="889002"/>
+            <a:ext cx="3555876" cy="830997"/>
+          </a:xfrm>
+          <a:prstGeom prst="rect">
+            <a:avLst/>
+          </a:prstGeom>
+          <a:solidFill>
+            <a:schemeClr val="bg1"/>
+          </a:solidFill>
+          <a:ln>
+            <a:solidFill>
+              <a:schemeClr val="tx1"/>
+            </a:solidFill>
+          </a:ln>
+        </p:spPr>
+        <p:txBody>
+          <a:bodyPr wrap="square" rtlCol="0">
+            <a:spAutoFit/>
+          </a:bodyPr>
+          <a:lstStyle/>
+          <a:p>
+            <a:r>
+              <a:rPr lang="en-US" sz="2400" dirty="0">
+                <a:solidFill>
+                  <a:srgbClr val="2AD122"/>
+                </a:solidFill>
+              </a:rPr>
+              <a:t>// Create side (0,0) – (3,4)</a:t>
+            </a:r>
+          </a:p>
+          <a:p>
+            <a:r>
+              <a:rPr lang="en-US" sz="2400" dirty="0">
+                <a:solidFill>
+                  <a:srgbClr val="2AD122"/>
+                </a:solidFill>
+              </a:rPr>
+              <a:t>// Verify length</a:t>
+            </a:r>
+          </a:p>
+        </p:txBody>
+      </p:sp>
+      <p:sp>
+        <p:nvSpPr>
+          <p:cNvPr id="20" name="TextBox 19">
+            <a:extLst>
+              <a:ext uri="{FF2B5EF4-FFF2-40B4-BE49-F238E27FC236}">
+                <a16:creationId xmlns:a16="http://schemas.microsoft.com/office/drawing/2014/main" id="{AD4EDCF3-7C37-4F4B-3794-531222F2D39B}"/>
+              </a:ext>
+            </a:extLst>
+          </p:cNvPr>
+          <p:cNvSpPr txBox="1"/>
+          <p:nvPr/>
+        </p:nvSpPr>
+        <p:spPr>
+          <a:xfrm>
+            <a:off x="7010400" y="5867400"/>
+            <a:ext cx="5080000" cy="748795"/>
+          </a:xfrm>
+          <a:prstGeom prst="rect">
+            <a:avLst/>
+          </a:prstGeom>
+          <a:solidFill>
+            <a:schemeClr val="bg1"/>
+          </a:solidFill>
+          <a:ln>
+            <a:solidFill>
+              <a:schemeClr val="tx1"/>
+            </a:solidFill>
+          </a:ln>
+        </p:spPr>
+        <p:txBody>
+          <a:bodyPr wrap="square" rtlCol="0">
+            <a:spAutoFit/>
+          </a:bodyPr>
+          <a:lstStyle/>
+          <a:p>
+            <a:r>
+              <a:rPr lang="en-US" sz="2133" dirty="0"/>
+              <a:t>Side s = new Side(0,0,3,4);</a:t>
+            </a:r>
+          </a:p>
+          <a:p>
+            <a:r>
+              <a:rPr lang="en-US" sz="2133" dirty="0"/>
+              <a:t>Approvals.Verify(s + “ length = “ +s.Length);</a:t>
+            </a:r>
+          </a:p>
+        </p:txBody>
+      </p:sp>
+      <p:sp>
+        <p:nvSpPr>
+          <p:cNvPr id="21" name="TextBox 20">
+            <a:extLst>
+              <a:ext uri="{FF2B5EF4-FFF2-40B4-BE49-F238E27FC236}">
+                <a16:creationId xmlns:a16="http://schemas.microsoft.com/office/drawing/2014/main" id="{8F4B2375-E391-1D2A-3DC7-FB046D1DB5C2}"/>
+              </a:ext>
+            </a:extLst>
+          </p:cNvPr>
+          <p:cNvSpPr txBox="1"/>
+          <p:nvPr/>
+        </p:nvSpPr>
+        <p:spPr>
+          <a:xfrm>
+            <a:off x="508000" y="5867401"/>
+            <a:ext cx="3984867" cy="502766"/>
+          </a:xfrm>
+          <a:prstGeom prst="rect">
+            <a:avLst/>
+          </a:prstGeom>
+          <a:solidFill>
+            <a:schemeClr val="bg1"/>
+          </a:solidFill>
+          <a:ln>
+            <a:solidFill>
+              <a:schemeClr val="tx1"/>
+            </a:solidFill>
+          </a:ln>
+        </p:spPr>
+        <p:txBody>
+          <a:bodyPr wrap="square" rtlCol="0">
+            <a:spAutoFit/>
+          </a:bodyPr>
+          <a:lstStyle/>
+          <a:p>
+            <a:r>
+              <a:rPr lang="en-US" sz="2667" dirty="0"/>
+              <a:t>Side (0,0) – (3,4) length = 5</a:t>
+            </a:r>
+          </a:p>
+        </p:txBody>
+      </p:sp>
+      <p:sp>
+        <p:nvSpPr>
+          <p:cNvPr id="22" name="Curved Down Arrow 21">
+            <a:extLst>
+              <a:ext uri="{FF2B5EF4-FFF2-40B4-BE49-F238E27FC236}">
+                <a16:creationId xmlns:a16="http://schemas.microsoft.com/office/drawing/2014/main" id="{31F2F38B-8260-C825-8DFE-AB0970C9C406}"/>
+              </a:ext>
+            </a:extLst>
+          </p:cNvPr>
+          <p:cNvSpPr/>
+          <p:nvPr/>
+        </p:nvSpPr>
+        <p:spPr bwMode="auto">
+          <a:xfrm rot="10800000">
+            <a:off x="4590493" y="5025943"/>
+            <a:ext cx="2718871" cy="1219200"/>
+          </a:xfrm>
+          <a:prstGeom prst="curvedDownArrow">
+            <a:avLst/>
+          </a:prstGeom>
+          <a:ln>
+            <a:headEnd type="none" w="med" len="med"/>
+            <a:tailEnd type="none" w="med" len="med"/>
+          </a:ln>
+        </p:spPr>
+        <p:style>
+          <a:lnRef idx="2">
+            <a:schemeClr val="dk1"/>
+          </a:lnRef>
+          <a:fillRef idx="1">
+            <a:schemeClr val="lt1"/>
+          </a:fillRef>
+          <a:effectRef idx="0">
+            <a:schemeClr val="dk1"/>
+          </a:effectRef>
+          <a:fontRef idx="minor">
+            <a:schemeClr val="dk1"/>
+          </a:fontRef>
+        </p:style>
+        <p:txBody>
+          <a:bodyPr vert="horz" wrap="square" lIns="121920" tIns="60960" rIns="121920" bIns="60960" numCol="1" rtlCol="0" anchor="t" anchorCtr="0" compatLnSpc="1">
+            <a:prstTxWarp prst="textNoShape">
+              <a:avLst/>
+            </a:prstTxWarp>
+          </a:bodyPr>
+          <a:lstStyle/>
+          <a:p>
+            <a:pPr defTabSz="1219170" eaLnBrk="0" fontAlgn="base" hangingPunct="0">
+              <a:spcBef>
+                <a:spcPct val="0"/>
+              </a:spcBef>
+              <a:spcAft>
+                <a:spcPct val="0"/>
+              </a:spcAft>
+            </a:pPr>
+            <a:endParaRPr lang="en-US" sz="3200" b="1">
+              <a:solidFill>
+                <a:schemeClr val="tx1"/>
+              </a:solidFill>
+              <a:latin typeface="Arial" charset="0"/>
+            </a:endParaRPr>
+          </a:p>
+        </p:txBody>
+      </p:sp>
+      <p:sp>
+        <p:nvSpPr>
+          <p:cNvPr id="23" name="TextBox 22">
+            <a:extLst>
+              <a:ext uri="{FF2B5EF4-FFF2-40B4-BE49-F238E27FC236}">
+                <a16:creationId xmlns:a16="http://schemas.microsoft.com/office/drawing/2014/main" id="{D614342D-BA54-FEAD-66D0-8DEAD62B8178}"/>
+              </a:ext>
+            </a:extLst>
+          </p:cNvPr>
+          <p:cNvSpPr txBox="1"/>
+          <p:nvPr/>
+        </p:nvSpPr>
+        <p:spPr>
+          <a:xfrm>
+            <a:off x="4165604" y="3327402"/>
+            <a:ext cx="3453061" cy="830997"/>
+          </a:xfrm>
+          <a:prstGeom prst="rect">
+            <a:avLst/>
+          </a:prstGeom>
+          <a:noFill/>
+        </p:spPr>
+        <p:txBody>
+          <a:bodyPr wrap="none" rtlCol="0">
+            <a:spAutoFit/>
+          </a:bodyPr>
+          <a:lstStyle/>
+          <a:p>
+            <a:r>
+              <a:rPr lang="en-US" sz="4800" dirty="0"/>
+              <a:t>Testing Circle</a:t>
+            </a:r>
+          </a:p>
+        </p:txBody>
+      </p:sp>
+    </p:spTree>
+    <p:extLst>
+      <p:ext uri="{BB962C8B-B14F-4D97-AF65-F5344CB8AC3E}">
+        <p14:creationId xmlns:p14="http://schemas.microsoft.com/office/powerpoint/2010/main" val="2993533196"/>
       </p:ext>
     </p:extLst>
   </p:cSld>
@@ -15477,428 +14879,14 @@
 </file>
 
 <file path=ppt/slides/slide28.xml><?xml version="1.0" encoding="utf-8"?>
-<p:sld xmlns:a="http://schemas.openxmlformats.org/drawingml/2006/main" xmlns:r="http://schemas.openxmlformats.org/officeDocument/2006/relationships" xmlns:p="http://schemas.openxmlformats.org/presentationml/2006/main">
+<p:sld xmlns:a="http://schemas.openxmlformats.org/drawingml/2006/main" xmlns:r="http://schemas.openxmlformats.org/officeDocument/2006/relationships" xmlns:p="http://schemas.openxmlformats.org/presentationml/2006/main" show="0">
   <p:cSld>
     <p:spTree>
       <p:nvGrpSpPr>
         <p:cNvPr id="1" name="">
           <a:extLst>
             <a:ext uri="{FF2B5EF4-FFF2-40B4-BE49-F238E27FC236}">
-              <a16:creationId xmlns:a16="http://schemas.microsoft.com/office/drawing/2014/main" id="{B5A614C6-B241-5049-552E-36F7AE142DBD}"/>
-            </a:ext>
-          </a:extLst>
-        </p:cNvPr>
-        <p:cNvGrpSpPr/>
-        <p:nvPr/>
-      </p:nvGrpSpPr>
-      <p:grpSpPr>
-        <a:xfrm>
-          <a:off x="0" y="0"/>
-          <a:ext cx="0" cy="0"/>
-          <a:chOff x="0" y="0"/>
-          <a:chExt cx="0" cy="0"/>
-        </a:xfrm>
-      </p:grpSpPr>
-      <p:sp>
-        <p:nvSpPr>
-          <p:cNvPr id="5" name="TextBox 4">
-            <a:extLst>
-              <a:ext uri="{FF2B5EF4-FFF2-40B4-BE49-F238E27FC236}">
-                <a16:creationId xmlns:a16="http://schemas.microsoft.com/office/drawing/2014/main" id="{5C2DF53E-CC8A-FC2E-B33A-7DFC34B018E9}"/>
-              </a:ext>
-            </a:extLst>
-          </p:cNvPr>
-          <p:cNvSpPr txBox="1"/>
-          <p:nvPr/>
-        </p:nvSpPr>
-        <p:spPr>
-          <a:xfrm>
-            <a:off x="5134613" y="585601"/>
-            <a:ext cx="3278333" cy="369332"/>
-          </a:xfrm>
-          <a:prstGeom prst="rect">
-            <a:avLst/>
-          </a:prstGeom>
-          <a:noFill/>
-        </p:spPr>
-        <p:txBody>
-          <a:bodyPr wrap="none" rtlCol="0">
-            <a:spAutoFit/>
-          </a:bodyPr>
-          <a:lstStyle/>
-          <a:p>
-            <a:r>
-              <a:rPr lang="en-US"/>
-              <a:t>lots of tests – most of them work</a:t>
-            </a:r>
-          </a:p>
-        </p:txBody>
-      </p:sp>
-      <p:pic>
-        <p:nvPicPr>
-          <p:cNvPr id="10" name="Picture 9" descr="A red line with black text&#10;&#10;Description automatically generated">
-            <a:extLst>
-              <a:ext uri="{FF2B5EF4-FFF2-40B4-BE49-F238E27FC236}">
-                <a16:creationId xmlns:a16="http://schemas.microsoft.com/office/drawing/2014/main" id="{0CAAAE19-F26B-5D94-F685-D2A1548C91FE}"/>
-              </a:ext>
-            </a:extLst>
-          </p:cNvPr>
-          <p:cNvPicPr>
-            <a:picLocks noChangeAspect="1"/>
-          </p:cNvPicPr>
-          <p:nvPr/>
-        </p:nvPicPr>
-        <p:blipFill>
-          <a:blip r:embed="rId3"/>
-          <a:stretch>
-            <a:fillRect/>
-          </a:stretch>
-        </p:blipFill>
-        <p:spPr>
-          <a:xfrm>
-            <a:off x="2426803" y="844680"/>
-            <a:ext cx="2534984" cy="2492822"/>
-          </a:xfrm>
-          <a:prstGeom prst="rect">
-            <a:avLst/>
-          </a:prstGeom>
-        </p:spPr>
-      </p:pic>
-      <p:pic>
-        <p:nvPicPr>
-          <p:cNvPr id="12" name="Picture 11" descr="A red line with black text&#10;&#10;Description automatically generated">
-            <a:extLst>
-              <a:ext uri="{FF2B5EF4-FFF2-40B4-BE49-F238E27FC236}">
-                <a16:creationId xmlns:a16="http://schemas.microsoft.com/office/drawing/2014/main" id="{485A0351-5637-5E0E-1640-CDA99BEEBCA7}"/>
-              </a:ext>
-            </a:extLst>
-          </p:cNvPr>
-          <p:cNvPicPr>
-            <a:picLocks noChangeAspect="1"/>
-          </p:cNvPicPr>
-          <p:nvPr/>
-        </p:nvPicPr>
-        <p:blipFill>
-          <a:blip r:embed="rId3">
-            <a:duotone>
-              <a:prstClr val="black"/>
-              <a:schemeClr val="accent5">
-                <a:tint val="45000"/>
-                <a:satMod val="400000"/>
-              </a:schemeClr>
-            </a:duotone>
-          </a:blip>
-          <a:stretch>
-            <a:fillRect/>
-          </a:stretch>
-        </p:blipFill>
-        <p:spPr>
-          <a:xfrm>
-            <a:off x="517569" y="3817787"/>
-            <a:ext cx="2534984" cy="2492822"/>
-          </a:xfrm>
-          <a:prstGeom prst="rect">
-            <a:avLst/>
-          </a:prstGeom>
-        </p:spPr>
-      </p:pic>
-      <p:pic>
-        <p:nvPicPr>
-          <p:cNvPr id="13" name="Picture 12" descr="A red line with black text&#10;&#10;Description automatically generated">
-            <a:extLst>
-              <a:ext uri="{FF2B5EF4-FFF2-40B4-BE49-F238E27FC236}">
-                <a16:creationId xmlns:a16="http://schemas.microsoft.com/office/drawing/2014/main" id="{120FBFF0-A9AE-FABF-2A71-BE21B93C5576}"/>
-              </a:ext>
-            </a:extLst>
-          </p:cNvPr>
-          <p:cNvPicPr>
-            <a:picLocks noChangeAspect="1"/>
-          </p:cNvPicPr>
-          <p:nvPr/>
-        </p:nvPicPr>
-        <p:blipFill>
-          <a:blip r:embed="rId3"/>
-          <a:stretch>
-            <a:fillRect/>
-          </a:stretch>
-        </p:blipFill>
-        <p:spPr>
-          <a:xfrm>
-            <a:off x="250335" y="1214012"/>
-            <a:ext cx="2534984" cy="2492822"/>
-          </a:xfrm>
-          <a:prstGeom prst="rect">
-            <a:avLst/>
-          </a:prstGeom>
-        </p:spPr>
-      </p:pic>
-      <p:pic>
-        <p:nvPicPr>
-          <p:cNvPr id="14" name="Picture 13" descr="A red line with black text&#10;&#10;Description automatically generated">
-            <a:extLst>
-              <a:ext uri="{FF2B5EF4-FFF2-40B4-BE49-F238E27FC236}">
-                <a16:creationId xmlns:a16="http://schemas.microsoft.com/office/drawing/2014/main" id="{C40B43BD-9A05-A0DD-8D01-42F5260A8987}"/>
-              </a:ext>
-            </a:extLst>
-          </p:cNvPr>
-          <p:cNvPicPr>
-            <a:picLocks noChangeAspect="1"/>
-          </p:cNvPicPr>
-          <p:nvPr/>
-        </p:nvPicPr>
-        <p:blipFill>
-          <a:blip r:embed="rId3"/>
-          <a:stretch>
-            <a:fillRect/>
-          </a:stretch>
-        </p:blipFill>
-        <p:spPr>
-          <a:xfrm>
-            <a:off x="7016972" y="1429844"/>
-            <a:ext cx="2534984" cy="2492822"/>
-          </a:xfrm>
-          <a:prstGeom prst="rect">
-            <a:avLst/>
-          </a:prstGeom>
-        </p:spPr>
-      </p:pic>
-      <p:pic>
-        <p:nvPicPr>
-          <p:cNvPr id="15" name="Picture 14" descr="A red line with black text&#10;&#10;Description automatically generated">
-            <a:extLst>
-              <a:ext uri="{FF2B5EF4-FFF2-40B4-BE49-F238E27FC236}">
-                <a16:creationId xmlns:a16="http://schemas.microsoft.com/office/drawing/2014/main" id="{9E6B9665-23B6-3E75-1B41-A46AA033E2F0}"/>
-              </a:ext>
-            </a:extLst>
-          </p:cNvPr>
-          <p:cNvPicPr>
-            <a:picLocks noChangeAspect="1"/>
-          </p:cNvPicPr>
-          <p:nvPr/>
-        </p:nvPicPr>
-        <p:blipFill>
-          <a:blip r:embed="rId3"/>
-          <a:stretch>
-            <a:fillRect/>
-          </a:stretch>
-        </p:blipFill>
-        <p:spPr>
-          <a:xfrm>
-            <a:off x="9886760" y="1029346"/>
-            <a:ext cx="2534984" cy="2492822"/>
-          </a:xfrm>
-          <a:prstGeom prst="rect">
-            <a:avLst/>
-          </a:prstGeom>
-        </p:spPr>
-      </p:pic>
-      <p:pic>
-        <p:nvPicPr>
-          <p:cNvPr id="16" name="Picture 15" descr="A red line with black text&#10;&#10;Description automatically generated">
-            <a:extLst>
-              <a:ext uri="{FF2B5EF4-FFF2-40B4-BE49-F238E27FC236}">
-                <a16:creationId xmlns:a16="http://schemas.microsoft.com/office/drawing/2014/main" id="{56C17BA8-D5D2-1C1C-5D67-F71BA5D05646}"/>
-              </a:ext>
-            </a:extLst>
-          </p:cNvPr>
-          <p:cNvPicPr>
-            <a:picLocks noChangeAspect="1"/>
-          </p:cNvPicPr>
-          <p:nvPr/>
-        </p:nvPicPr>
-        <p:blipFill>
-          <a:blip r:embed="rId3"/>
-          <a:stretch>
-            <a:fillRect/>
-          </a:stretch>
-        </p:blipFill>
-        <p:spPr>
-          <a:xfrm>
-            <a:off x="5753119" y="3922666"/>
-            <a:ext cx="2534984" cy="2492822"/>
-          </a:xfrm>
-          <a:prstGeom prst="rect">
-            <a:avLst/>
-          </a:prstGeom>
-        </p:spPr>
-      </p:pic>
-      <p:pic>
-        <p:nvPicPr>
-          <p:cNvPr id="17" name="Picture 16" descr="A red line with black text&#10;&#10;Description automatically generated">
-            <a:extLst>
-              <a:ext uri="{FF2B5EF4-FFF2-40B4-BE49-F238E27FC236}">
-                <a16:creationId xmlns:a16="http://schemas.microsoft.com/office/drawing/2014/main" id="{10747D5C-BCAB-5682-2DD9-0D38B63986AD}"/>
-              </a:ext>
-            </a:extLst>
-          </p:cNvPr>
-          <p:cNvPicPr>
-            <a:picLocks noChangeAspect="1"/>
-          </p:cNvPicPr>
-          <p:nvPr/>
-        </p:nvPicPr>
-        <p:blipFill>
-          <a:blip r:embed="rId3"/>
-          <a:stretch>
-            <a:fillRect/>
-          </a:stretch>
-        </p:blipFill>
-        <p:spPr>
-          <a:xfrm>
-            <a:off x="4399197" y="1688923"/>
-            <a:ext cx="2534984" cy="2492822"/>
-          </a:xfrm>
-          <a:prstGeom prst="rect">
-            <a:avLst/>
-          </a:prstGeom>
-        </p:spPr>
-      </p:pic>
-      <p:pic>
-        <p:nvPicPr>
-          <p:cNvPr id="18" name="Picture 17" descr="A red line with black text&#10;&#10;Description automatically generated">
-            <a:extLst>
-              <a:ext uri="{FF2B5EF4-FFF2-40B4-BE49-F238E27FC236}">
-                <a16:creationId xmlns:a16="http://schemas.microsoft.com/office/drawing/2014/main" id="{89934C26-C92F-2403-9142-36DB0BDAF31C}"/>
-              </a:ext>
-            </a:extLst>
-          </p:cNvPr>
-          <p:cNvPicPr>
-            <a:picLocks noChangeAspect="1"/>
-          </p:cNvPicPr>
-          <p:nvPr/>
-        </p:nvPicPr>
-        <p:blipFill>
-          <a:blip r:embed="rId3"/>
-          <a:stretch>
-            <a:fillRect/>
-          </a:stretch>
-        </p:blipFill>
-        <p:spPr>
-          <a:xfrm>
-            <a:off x="2785319" y="3779577"/>
-            <a:ext cx="2534984" cy="2492822"/>
-          </a:xfrm>
-          <a:prstGeom prst="rect">
-            <a:avLst/>
-          </a:prstGeom>
-        </p:spPr>
-      </p:pic>
-      <p:pic>
-        <p:nvPicPr>
-          <p:cNvPr id="19" name="Picture 18" descr="A red line with black text&#10;&#10;Description automatically generated">
-            <a:extLst>
-              <a:ext uri="{FF2B5EF4-FFF2-40B4-BE49-F238E27FC236}">
-                <a16:creationId xmlns:a16="http://schemas.microsoft.com/office/drawing/2014/main" id="{DA52C19F-0535-8FB5-7D72-20231564FDCC}"/>
-              </a:ext>
-            </a:extLst>
-          </p:cNvPr>
-          <p:cNvPicPr>
-            <a:picLocks noChangeAspect="1"/>
-          </p:cNvPicPr>
-          <p:nvPr/>
-        </p:nvPicPr>
-        <p:blipFill>
-          <a:blip r:embed="rId3"/>
-          <a:stretch>
-            <a:fillRect/>
-          </a:stretch>
-        </p:blipFill>
-        <p:spPr>
-          <a:xfrm>
-            <a:off x="7977526" y="3429000"/>
-            <a:ext cx="2534984" cy="2492822"/>
-          </a:xfrm>
-          <a:prstGeom prst="rect">
-            <a:avLst/>
-          </a:prstGeom>
-        </p:spPr>
-      </p:pic>
-      <p:pic>
-        <p:nvPicPr>
-          <p:cNvPr id="20" name="Picture 19" descr="A red line with black text&#10;&#10;Description automatically generated">
-            <a:extLst>
-              <a:ext uri="{FF2B5EF4-FFF2-40B4-BE49-F238E27FC236}">
-                <a16:creationId xmlns:a16="http://schemas.microsoft.com/office/drawing/2014/main" id="{50B0EB12-8773-31EA-FF82-E3FC57601C87}"/>
-              </a:ext>
-            </a:extLst>
-          </p:cNvPr>
-          <p:cNvPicPr>
-            <a:picLocks noChangeAspect="1"/>
-          </p:cNvPicPr>
-          <p:nvPr/>
-        </p:nvPicPr>
-        <p:blipFill>
-          <a:blip r:embed="rId3"/>
-          <a:stretch>
-            <a:fillRect/>
-          </a:stretch>
-        </p:blipFill>
-        <p:spPr>
-          <a:xfrm>
-            <a:off x="9546572" y="4045139"/>
-            <a:ext cx="2534984" cy="2492822"/>
-          </a:xfrm>
-          <a:prstGeom prst="rect">
-            <a:avLst/>
-          </a:prstGeom>
-        </p:spPr>
-      </p:pic>
-      <p:sp>
-        <p:nvSpPr>
-          <p:cNvPr id="21" name="TextBox 20">
-            <a:extLst>
-              <a:ext uri="{FF2B5EF4-FFF2-40B4-BE49-F238E27FC236}">
-                <a16:creationId xmlns:a16="http://schemas.microsoft.com/office/drawing/2014/main" id="{7B059CAF-ECB6-1FE7-F448-8A6A209DA46E}"/>
-              </a:ext>
-            </a:extLst>
-          </p:cNvPr>
-          <p:cNvSpPr txBox="1"/>
-          <p:nvPr/>
-        </p:nvSpPr>
-        <p:spPr>
-          <a:xfrm>
-            <a:off x="0" y="6290688"/>
-            <a:ext cx="3246594" cy="369332"/>
-          </a:xfrm>
-          <a:prstGeom prst="rect">
-            <a:avLst/>
-          </a:prstGeom>
-          <a:noFill/>
-        </p:spPr>
-        <p:txBody>
-          <a:bodyPr wrap="none" rtlCol="0">
-            <a:spAutoFit/>
-          </a:bodyPr>
-          <a:lstStyle/>
-          <a:p>
-            <a:r>
-              <a:rPr lang="en-US"/>
-              <a:t>different test – in old test format</a:t>
-            </a:r>
-          </a:p>
-        </p:txBody>
-      </p:sp>
-    </p:spTree>
-    <p:extLst>
-      <p:ext uri="{BB962C8B-B14F-4D97-AF65-F5344CB8AC3E}">
-        <p14:creationId xmlns:p14="http://schemas.microsoft.com/office/powerpoint/2010/main" val="360664742"/>
-      </p:ext>
-    </p:extLst>
-  </p:cSld>
-  <p:clrMapOvr>
-    <a:masterClrMapping/>
-  </p:clrMapOvr>
-</p:sld>
-</file>
-
-<file path=ppt/slides/slide29.xml><?xml version="1.0" encoding="utf-8"?>
-<p:sld xmlns:a="http://schemas.openxmlformats.org/drawingml/2006/main" xmlns:r="http://schemas.openxmlformats.org/officeDocument/2006/relationships" xmlns:p="http://schemas.openxmlformats.org/presentationml/2006/main">
-  <p:cSld>
-    <p:spTree>
-      <p:nvGrpSpPr>
-        <p:cNvPr id="1" name="">
-          <a:extLst>
-            <a:ext uri="{FF2B5EF4-FFF2-40B4-BE49-F238E27FC236}">
-              <a16:creationId xmlns:a16="http://schemas.microsoft.com/office/drawing/2014/main" id="{CEA9F86E-0260-6FF5-F27A-E608C2C3667C}"/>
+              <a16:creationId xmlns:a16="http://schemas.microsoft.com/office/drawing/2014/main" id="{0CDC54FE-7FC3-7747-C655-1CD7689E945F}"/>
             </a:ext>
           </a:extLst>
         </p:cNvPr>
@@ -15915,10 +14903,10 @@
       </p:grpSpPr>
       <p:pic>
         <p:nvPicPr>
-          <p:cNvPr id="3" name="Picture 2" descr="A blue paper with black lines&#10;&#10;Description automatically generated">
-            <a:extLst>
-              <a:ext uri="{FF2B5EF4-FFF2-40B4-BE49-F238E27FC236}">
-                <a16:creationId xmlns:a16="http://schemas.microsoft.com/office/drawing/2014/main" id="{E5E03BEB-16C4-D615-176C-D1DCBD79FEDE}"/>
+          <p:cNvPr id="2" name="Picture 1" descr="A screenshot of a computer code&#10;&#10;Description automatically generated">
+            <a:extLst>
+              <a:ext uri="{FF2B5EF4-FFF2-40B4-BE49-F238E27FC236}">
+                <a16:creationId xmlns:a16="http://schemas.microsoft.com/office/drawing/2014/main" id="{6C4170BA-DF45-9A1A-5B39-E2A0AF1934B1}"/>
               </a:ext>
             </a:extLst>
           </p:cNvPr>
@@ -15935,8 +14923,245 @@
         </p:blipFill>
         <p:spPr>
           <a:xfrm>
-            <a:off x="714602" y="441077"/>
-            <a:ext cx="10541662" cy="5975846"/>
+            <a:off x="86438" y="1514440"/>
+            <a:ext cx="6512992" cy="3284868"/>
+          </a:xfrm>
+          <a:prstGeom prst="rect">
+            <a:avLst/>
+          </a:prstGeom>
+          <a:ln>
+            <a:solidFill>
+              <a:schemeClr val="tx1"/>
+            </a:solidFill>
+          </a:ln>
+        </p:spPr>
+      </p:pic>
+      <p:sp>
+        <p:nvSpPr>
+          <p:cNvPr id="3" name="Right Arrow 2">
+            <a:extLst>
+              <a:ext uri="{FF2B5EF4-FFF2-40B4-BE49-F238E27FC236}">
+                <a16:creationId xmlns:a16="http://schemas.microsoft.com/office/drawing/2014/main" id="{172A8BEA-D6FE-A64F-07E1-8309097BA35F}"/>
+              </a:ext>
+            </a:extLst>
+          </p:cNvPr>
+          <p:cNvSpPr/>
+          <p:nvPr/>
+        </p:nvSpPr>
+        <p:spPr>
+          <a:xfrm>
+            <a:off x="6697595" y="2156898"/>
+            <a:ext cx="832104" cy="2177358"/>
+          </a:xfrm>
+          <a:prstGeom prst="rightArrow">
+            <a:avLst/>
+          </a:prstGeom>
+        </p:spPr>
+        <p:style>
+          <a:lnRef idx="2">
+            <a:schemeClr val="accent1">
+              <a:shade val="15000"/>
+            </a:schemeClr>
+          </a:lnRef>
+          <a:fillRef idx="1">
+            <a:schemeClr val="accent1"/>
+          </a:fillRef>
+          <a:effectRef idx="0">
+            <a:schemeClr val="accent1"/>
+          </a:effectRef>
+          <a:fontRef idx="minor">
+            <a:schemeClr val="lt1"/>
+          </a:fontRef>
+        </p:style>
+        <p:txBody>
+          <a:bodyPr rtlCol="0" anchor="ctr"/>
+          <a:lstStyle/>
+          <a:p>
+            <a:pPr algn="ctr"/>
+            <a:endParaRPr lang="en-US"/>
+          </a:p>
+        </p:txBody>
+      </p:sp>
+      <p:pic>
+        <p:nvPicPr>
+          <p:cNvPr id="5" name="Picture 4" descr="A close-up of a computer code&#10;&#10;Description automatically generated">
+            <a:extLst>
+              <a:ext uri="{FF2B5EF4-FFF2-40B4-BE49-F238E27FC236}">
+                <a16:creationId xmlns:a16="http://schemas.microsoft.com/office/drawing/2014/main" id="{028AA476-CC31-E423-6F65-6054E4CB5972}"/>
+              </a:ext>
+            </a:extLst>
+          </p:cNvPr>
+          <p:cNvPicPr>
+            <a:picLocks noChangeAspect="1"/>
+          </p:cNvPicPr>
+          <p:nvPr/>
+        </p:nvPicPr>
+        <p:blipFill>
+          <a:blip r:embed="rId4"/>
+          <a:stretch>
+            <a:fillRect/>
+          </a:stretch>
+        </p:blipFill>
+        <p:spPr>
+          <a:xfrm>
+            <a:off x="7832851" y="1026887"/>
+            <a:ext cx="3457939" cy="975106"/>
+          </a:xfrm>
+          <a:prstGeom prst="rect">
+            <a:avLst/>
+          </a:prstGeom>
+        </p:spPr>
+      </p:pic>
+      <p:sp>
+        <p:nvSpPr>
+          <p:cNvPr id="11" name="Cross 10">
+            <a:extLst>
+              <a:ext uri="{FF2B5EF4-FFF2-40B4-BE49-F238E27FC236}">
+                <a16:creationId xmlns:a16="http://schemas.microsoft.com/office/drawing/2014/main" id="{28C78C83-275C-53B2-1621-FF0DE645D6B9}"/>
+              </a:ext>
+            </a:extLst>
+          </p:cNvPr>
+          <p:cNvSpPr/>
+          <p:nvPr/>
+        </p:nvSpPr>
+        <p:spPr>
+          <a:xfrm>
+            <a:off x="9292072" y="2392807"/>
+            <a:ext cx="539496" cy="539496"/>
+          </a:xfrm>
+          <a:prstGeom prst="plus">
+            <a:avLst>
+              <a:gd name="adj" fmla="val 42290"/>
+            </a:avLst>
+          </a:prstGeom>
+        </p:spPr>
+        <p:style>
+          <a:lnRef idx="2">
+            <a:schemeClr val="accent1">
+              <a:shade val="15000"/>
+            </a:schemeClr>
+          </a:lnRef>
+          <a:fillRef idx="1">
+            <a:schemeClr val="accent1"/>
+          </a:fillRef>
+          <a:effectRef idx="0">
+            <a:schemeClr val="accent1"/>
+          </a:effectRef>
+          <a:fontRef idx="minor">
+            <a:schemeClr val="lt1"/>
+          </a:fontRef>
+        </p:style>
+        <p:txBody>
+          <a:bodyPr rtlCol="0" anchor="ctr"/>
+          <a:lstStyle/>
+          <a:p>
+            <a:pPr algn="ctr"/>
+            <a:endParaRPr lang="en-US"/>
+          </a:p>
+        </p:txBody>
+      </p:sp>
+      <p:pic>
+        <p:nvPicPr>
+          <p:cNvPr id="13" name="Picture 12" descr="A screenshot of a computer&#10;&#10;Description automatically generated">
+            <a:extLst>
+              <a:ext uri="{FF2B5EF4-FFF2-40B4-BE49-F238E27FC236}">
+                <a16:creationId xmlns:a16="http://schemas.microsoft.com/office/drawing/2014/main" id="{08FBF3D4-A67B-5B8A-AED2-51715B9A5548}"/>
+              </a:ext>
+            </a:extLst>
+          </p:cNvPr>
+          <p:cNvPicPr>
+            <a:picLocks noChangeAspect="1"/>
+          </p:cNvPicPr>
+          <p:nvPr/>
+        </p:nvPicPr>
+        <p:blipFill>
+          <a:blip r:embed="rId5"/>
+          <a:stretch>
+            <a:fillRect/>
+          </a:stretch>
+        </p:blipFill>
+        <p:spPr>
+          <a:xfrm>
+            <a:off x="7671816" y="3429000"/>
+            <a:ext cx="4433746" cy="804672"/>
+          </a:xfrm>
+          <a:prstGeom prst="rect">
+            <a:avLst/>
+          </a:prstGeom>
+        </p:spPr>
+      </p:pic>
+      <p:sp>
+        <p:nvSpPr>
+          <p:cNvPr id="14" name="Cross 13">
+            <a:extLst>
+              <a:ext uri="{FF2B5EF4-FFF2-40B4-BE49-F238E27FC236}">
+                <a16:creationId xmlns:a16="http://schemas.microsoft.com/office/drawing/2014/main" id="{D9701D7B-05D7-7045-E744-584E30A100CA}"/>
+              </a:ext>
+            </a:extLst>
+          </p:cNvPr>
+          <p:cNvSpPr/>
+          <p:nvPr/>
+        </p:nvSpPr>
+        <p:spPr>
+          <a:xfrm>
+            <a:off x="9292072" y="4623816"/>
+            <a:ext cx="539496" cy="539496"/>
+          </a:xfrm>
+          <a:prstGeom prst="plus">
+            <a:avLst>
+              <a:gd name="adj" fmla="val 42290"/>
+            </a:avLst>
+          </a:prstGeom>
+        </p:spPr>
+        <p:style>
+          <a:lnRef idx="2">
+            <a:schemeClr val="accent1">
+              <a:shade val="15000"/>
+            </a:schemeClr>
+          </a:lnRef>
+          <a:fillRef idx="1">
+            <a:schemeClr val="accent1"/>
+          </a:fillRef>
+          <a:effectRef idx="0">
+            <a:schemeClr val="accent1"/>
+          </a:effectRef>
+          <a:fontRef idx="minor">
+            <a:schemeClr val="lt1"/>
+          </a:fontRef>
+        </p:style>
+        <p:txBody>
+          <a:bodyPr rtlCol="0" anchor="ctr"/>
+          <a:lstStyle/>
+          <a:p>
+            <a:pPr algn="ctr"/>
+            <a:endParaRPr lang="en-US"/>
+          </a:p>
+        </p:txBody>
+      </p:sp>
+      <p:pic>
+        <p:nvPicPr>
+          <p:cNvPr id="16" name="Picture 15" descr="A computer code with black text&#10;&#10;Description automatically generated">
+            <a:extLst>
+              <a:ext uri="{FF2B5EF4-FFF2-40B4-BE49-F238E27FC236}">
+                <a16:creationId xmlns:a16="http://schemas.microsoft.com/office/drawing/2014/main" id="{BE3A19A8-899A-7F37-45B8-027DF5827332}"/>
+              </a:ext>
+            </a:extLst>
+          </p:cNvPr>
+          <p:cNvPicPr>
+            <a:picLocks noChangeAspect="1"/>
+          </p:cNvPicPr>
+          <p:nvPr/>
+        </p:nvPicPr>
+        <p:blipFill>
+          <a:blip r:embed="rId6"/>
+          <a:stretch>
+            <a:fillRect/>
+          </a:stretch>
+        </p:blipFill>
+        <p:spPr>
+          <a:xfrm>
+            <a:off x="6374638" y="5441766"/>
+            <a:ext cx="5817362" cy="1113152"/>
           </a:xfrm>
           <a:prstGeom prst="rect">
             <a:avLst/>
@@ -15946,7 +15171,151 @@
     </p:spTree>
     <p:extLst>
       <p:ext uri="{BB962C8B-B14F-4D97-AF65-F5344CB8AC3E}">
-        <p14:creationId xmlns:p14="http://schemas.microsoft.com/office/powerpoint/2010/main" val="1692427944"/>
+        <p14:creationId xmlns:p14="http://schemas.microsoft.com/office/powerpoint/2010/main" val="942705869"/>
+      </p:ext>
+    </p:extLst>
+  </p:cSld>
+  <p:clrMapOvr>
+    <a:masterClrMapping/>
+  </p:clrMapOvr>
+</p:sld>
+</file>
+
+<file path=ppt/slides/slide29.xml><?xml version="1.0" encoding="utf-8"?>
+<p:sld xmlns:a="http://schemas.openxmlformats.org/drawingml/2006/main" xmlns:r="http://schemas.openxmlformats.org/officeDocument/2006/relationships" xmlns:p="http://schemas.openxmlformats.org/presentationml/2006/main" show="0">
+  <p:cSld>
+    <p:spTree>
+      <p:nvGrpSpPr>
+        <p:cNvPr id="1" name="">
+          <a:extLst>
+            <a:ext uri="{FF2B5EF4-FFF2-40B4-BE49-F238E27FC236}">
+              <a16:creationId xmlns:a16="http://schemas.microsoft.com/office/drawing/2014/main" id="{E1F50578-426B-B2D6-9868-5A6CE33F19F8}"/>
+            </a:ext>
+          </a:extLst>
+        </p:cNvPr>
+        <p:cNvGrpSpPr/>
+        <p:nvPr/>
+      </p:nvGrpSpPr>
+      <p:grpSpPr>
+        <a:xfrm>
+          <a:off x="0" y="0"/>
+          <a:ext cx="0" cy="0"/>
+          <a:chOff x="0" y="0"/>
+          <a:chExt cx="0" cy="0"/>
+        </a:xfrm>
+      </p:grpSpPr>
+      <p:pic>
+        <p:nvPicPr>
+          <p:cNvPr id="5" name="Picture 4" descr="A close-up of a computer code&#10;&#10;Description automatically generated">
+            <a:extLst>
+              <a:ext uri="{FF2B5EF4-FFF2-40B4-BE49-F238E27FC236}">
+                <a16:creationId xmlns:a16="http://schemas.microsoft.com/office/drawing/2014/main" id="{56195F33-D530-BAB6-216B-EFC86AA2A880}"/>
+              </a:ext>
+            </a:extLst>
+          </p:cNvPr>
+          <p:cNvPicPr>
+            <a:picLocks noChangeAspect="1"/>
+          </p:cNvPicPr>
+          <p:nvPr/>
+        </p:nvPicPr>
+        <p:blipFill>
+          <a:blip r:embed="rId3"/>
+          <a:stretch>
+            <a:fillRect/>
+          </a:stretch>
+        </p:blipFill>
+        <p:spPr>
+          <a:xfrm>
+            <a:off x="3800347" y="1200623"/>
+            <a:ext cx="3457939" cy="975106"/>
+          </a:xfrm>
+          <a:prstGeom prst="rect">
+            <a:avLst/>
+          </a:prstGeom>
+        </p:spPr>
+      </p:pic>
+      <p:sp>
+        <p:nvSpPr>
+          <p:cNvPr id="11" name="Cross 10">
+            <a:extLst>
+              <a:ext uri="{FF2B5EF4-FFF2-40B4-BE49-F238E27FC236}">
+                <a16:creationId xmlns:a16="http://schemas.microsoft.com/office/drawing/2014/main" id="{D503CA69-5A95-FC13-11AA-E693E9117811}"/>
+              </a:ext>
+            </a:extLst>
+          </p:cNvPr>
+          <p:cNvSpPr/>
+          <p:nvPr/>
+        </p:nvSpPr>
+        <p:spPr>
+          <a:xfrm>
+            <a:off x="5259568" y="2566543"/>
+            <a:ext cx="539496" cy="539496"/>
+          </a:xfrm>
+          <a:prstGeom prst="plus">
+            <a:avLst>
+              <a:gd name="adj" fmla="val 42290"/>
+            </a:avLst>
+          </a:prstGeom>
+        </p:spPr>
+        <p:style>
+          <a:lnRef idx="2">
+            <a:schemeClr val="accent1">
+              <a:shade val="15000"/>
+            </a:schemeClr>
+          </a:lnRef>
+          <a:fillRef idx="1">
+            <a:schemeClr val="accent1"/>
+          </a:fillRef>
+          <a:effectRef idx="0">
+            <a:schemeClr val="accent1"/>
+          </a:effectRef>
+          <a:fontRef idx="minor">
+            <a:schemeClr val="lt1"/>
+          </a:fontRef>
+        </p:style>
+        <p:txBody>
+          <a:bodyPr rtlCol="0" anchor="ctr"/>
+          <a:lstStyle/>
+          <a:p>
+            <a:pPr algn="ctr"/>
+            <a:endParaRPr lang="en-US"/>
+          </a:p>
+        </p:txBody>
+      </p:sp>
+      <p:pic>
+        <p:nvPicPr>
+          <p:cNvPr id="13" name="Picture 12" descr="A screenshot of a computer&#10;&#10;Description automatically generated">
+            <a:extLst>
+              <a:ext uri="{FF2B5EF4-FFF2-40B4-BE49-F238E27FC236}">
+                <a16:creationId xmlns:a16="http://schemas.microsoft.com/office/drawing/2014/main" id="{FFD6300A-DFA1-4C2B-3910-41453EA327AB}"/>
+              </a:ext>
+            </a:extLst>
+          </p:cNvPr>
+          <p:cNvPicPr>
+            <a:picLocks noChangeAspect="1"/>
+          </p:cNvPicPr>
+          <p:nvPr/>
+        </p:nvPicPr>
+        <p:blipFill>
+          <a:blip r:embed="rId4"/>
+          <a:stretch>
+            <a:fillRect/>
+          </a:stretch>
+        </p:blipFill>
+        <p:spPr>
+          <a:xfrm>
+            <a:off x="3639312" y="3602736"/>
+            <a:ext cx="4433746" cy="804672"/>
+          </a:xfrm>
+          <a:prstGeom prst="rect">
+            <a:avLst/>
+          </a:prstGeom>
+        </p:spPr>
+      </p:pic>
+    </p:spTree>
+    <p:extLst>
+      <p:ext uri="{BB962C8B-B14F-4D97-AF65-F5344CB8AC3E}">
+        <p14:creationId xmlns:p14="http://schemas.microsoft.com/office/powerpoint/2010/main" val="3797129674"/>
       </p:ext>
     </p:extLst>
   </p:cSld>
@@ -16051,14 +15420,14 @@
 </file>
 
 <file path=ppt/slides/slide30.xml><?xml version="1.0" encoding="utf-8"?>
-<p:sld xmlns:a="http://schemas.openxmlformats.org/drawingml/2006/main" xmlns:r="http://schemas.openxmlformats.org/officeDocument/2006/relationships" xmlns:p="http://schemas.openxmlformats.org/presentationml/2006/main">
+<p:sld xmlns:a="http://schemas.openxmlformats.org/drawingml/2006/main" xmlns:r="http://schemas.openxmlformats.org/officeDocument/2006/relationships" xmlns:p="http://schemas.openxmlformats.org/presentationml/2006/main" show="0">
   <p:cSld>
     <p:spTree>
       <p:nvGrpSpPr>
         <p:cNvPr id="1" name="">
           <a:extLst>
             <a:ext uri="{FF2B5EF4-FFF2-40B4-BE49-F238E27FC236}">
-              <a16:creationId xmlns:a16="http://schemas.microsoft.com/office/drawing/2014/main" id="{CAA2AE35-6F61-8DF2-3F63-A791E92B6FEF}"/>
+              <a16:creationId xmlns:a16="http://schemas.microsoft.com/office/drawing/2014/main" id="{F37AB3B8-516C-458F-85AE-74CA0430C2AD}"/>
             </a:ext>
           </a:extLst>
         </p:cNvPr>
@@ -16073,47 +15442,12 @@
           <a:chExt cx="0" cy="0"/>
         </a:xfrm>
       </p:grpSpPr>
-      <p:sp>
-        <p:nvSpPr>
-          <p:cNvPr id="5" name="TextBox 4">
-            <a:extLst>
-              <a:ext uri="{FF2B5EF4-FFF2-40B4-BE49-F238E27FC236}">
-                <a16:creationId xmlns:a16="http://schemas.microsoft.com/office/drawing/2014/main" id="{6AF87261-F0B6-891E-265A-CB478AE357C1}"/>
-              </a:ext>
-            </a:extLst>
-          </p:cNvPr>
-          <p:cNvSpPr txBox="1"/>
-          <p:nvPr/>
-        </p:nvSpPr>
-        <p:spPr>
-          <a:xfrm>
-            <a:off x="5134613" y="585601"/>
-            <a:ext cx="3278333" cy="369332"/>
-          </a:xfrm>
-          <a:prstGeom prst="rect">
-            <a:avLst/>
-          </a:prstGeom>
-          <a:noFill/>
-        </p:spPr>
-        <p:txBody>
-          <a:bodyPr wrap="none" rtlCol="0">
-            <a:spAutoFit/>
-          </a:bodyPr>
-          <a:lstStyle/>
-          <a:p>
-            <a:r>
-              <a:rPr lang="en-US"/>
-              <a:t>lots of tests – most of them work</a:t>
-            </a:r>
-          </a:p>
-        </p:txBody>
-      </p:sp>
       <p:pic>
         <p:nvPicPr>
-          <p:cNvPr id="10" name="Picture 9" descr="A red line with black text&#10;&#10;Description automatically generated">
-            <a:extLst>
-              <a:ext uri="{FF2B5EF4-FFF2-40B4-BE49-F238E27FC236}">
-                <a16:creationId xmlns:a16="http://schemas.microsoft.com/office/drawing/2014/main" id="{EEB92098-F291-CFFD-529C-563EAB9CB04D}"/>
+          <p:cNvPr id="2" name="Picture 1" descr="A close-up of a computer code&#10;&#10;Description automatically generated">
+            <a:extLst>
+              <a:ext uri="{FF2B5EF4-FFF2-40B4-BE49-F238E27FC236}">
+                <a16:creationId xmlns:a16="http://schemas.microsoft.com/office/drawing/2014/main" id="{87248049-208D-9BA1-5F96-C78F6884D201}"/>
               </a:ext>
             </a:extLst>
           </p:cNvPr>
@@ -16130,8 +15464,86 @@
         </p:blipFill>
         <p:spPr>
           <a:xfrm>
-            <a:off x="2426803" y="844680"/>
-            <a:ext cx="2534984" cy="2492822"/>
+            <a:off x="517651" y="1136615"/>
+            <a:ext cx="3457939" cy="975106"/>
+          </a:xfrm>
+          <a:prstGeom prst="rect">
+            <a:avLst/>
+          </a:prstGeom>
+        </p:spPr>
+      </p:pic>
+      <p:sp>
+        <p:nvSpPr>
+          <p:cNvPr id="3" name="Cross 2">
+            <a:extLst>
+              <a:ext uri="{FF2B5EF4-FFF2-40B4-BE49-F238E27FC236}">
+                <a16:creationId xmlns:a16="http://schemas.microsoft.com/office/drawing/2014/main" id="{07EA33B7-1EA1-CD67-6CA1-197AD77E0315}"/>
+              </a:ext>
+            </a:extLst>
+          </p:cNvPr>
+          <p:cNvSpPr/>
+          <p:nvPr/>
+        </p:nvSpPr>
+        <p:spPr>
+          <a:xfrm>
+            <a:off x="1976872" y="2502535"/>
+            <a:ext cx="539496" cy="539496"/>
+          </a:xfrm>
+          <a:prstGeom prst="plus">
+            <a:avLst>
+              <a:gd name="adj" fmla="val 42290"/>
+            </a:avLst>
+          </a:prstGeom>
+        </p:spPr>
+        <p:style>
+          <a:lnRef idx="2">
+            <a:schemeClr val="accent1">
+              <a:shade val="15000"/>
+            </a:schemeClr>
+          </a:lnRef>
+          <a:fillRef idx="1">
+            <a:schemeClr val="accent1"/>
+          </a:fillRef>
+          <a:effectRef idx="0">
+            <a:schemeClr val="accent1"/>
+          </a:effectRef>
+          <a:fontRef idx="minor">
+            <a:schemeClr val="lt1"/>
+          </a:fontRef>
+        </p:style>
+        <p:txBody>
+          <a:bodyPr rtlCol="0" anchor="ctr"/>
+          <a:lstStyle/>
+          <a:p>
+            <a:pPr algn="ctr"/>
+            <a:endParaRPr lang="en-US"/>
+          </a:p>
+        </p:txBody>
+      </p:sp>
+      <p:pic>
+        <p:nvPicPr>
+          <p:cNvPr id="4" name="Picture 3" descr="A screenshot of a computer&#10;&#10;Description automatically generated">
+            <a:extLst>
+              <a:ext uri="{FF2B5EF4-FFF2-40B4-BE49-F238E27FC236}">
+                <a16:creationId xmlns:a16="http://schemas.microsoft.com/office/drawing/2014/main" id="{8C440BE4-68D9-7D25-E54E-919AC1EBC9B2}"/>
+              </a:ext>
+            </a:extLst>
+          </p:cNvPr>
+          <p:cNvPicPr>
+            <a:picLocks noChangeAspect="1"/>
+          </p:cNvPicPr>
+          <p:nvPr/>
+        </p:nvPicPr>
+        <p:blipFill>
+          <a:blip r:embed="rId4"/>
+          <a:stretch>
+            <a:fillRect/>
+          </a:stretch>
+        </p:blipFill>
+        <p:spPr>
+          <a:xfrm>
+            <a:off x="356616" y="3538728"/>
+            <a:ext cx="4433746" cy="804672"/>
           </a:xfrm>
           <a:prstGeom prst="rect">
             <a:avLst/>
@@ -16140,10 +15552,10 @@
       </p:pic>
       <p:pic>
         <p:nvPicPr>
-          <p:cNvPr id="12" name="Picture 11" descr="A red line with black text&#10;&#10;Description automatically generated">
-            <a:extLst>
-              <a:ext uri="{FF2B5EF4-FFF2-40B4-BE49-F238E27FC236}">
-                <a16:creationId xmlns:a16="http://schemas.microsoft.com/office/drawing/2014/main" id="{51596FBB-E42A-0D3B-EF35-6F1C0F1B8211}"/>
+          <p:cNvPr id="7" name="Picture 6" descr="A close-up of a message&#10;&#10;Description automatically generated">
+            <a:extLst>
+              <a:ext uri="{FF2B5EF4-FFF2-40B4-BE49-F238E27FC236}">
+                <a16:creationId xmlns:a16="http://schemas.microsoft.com/office/drawing/2014/main" id="{EFC4EF3B-C9BA-F537-20F5-E3DDBF328D7D}"/>
               </a:ext>
             </a:extLst>
           </p:cNvPr>
@@ -16153,35 +15565,75 @@
           <p:nvPr/>
         </p:nvPicPr>
         <p:blipFill>
-          <a:blip r:embed="rId3">
-            <a:duotone>
-              <a:prstClr val="black"/>
-              <a:schemeClr val="accent5">
-                <a:tint val="45000"/>
-                <a:satMod val="400000"/>
-              </a:schemeClr>
-            </a:duotone>
-          </a:blip>
+          <a:blip r:embed="rId5"/>
           <a:stretch>
             <a:fillRect/>
           </a:stretch>
         </p:blipFill>
         <p:spPr>
           <a:xfrm>
-            <a:off x="517569" y="3817787"/>
-            <a:ext cx="2534984" cy="2492822"/>
+            <a:off x="4542566" y="509976"/>
+            <a:ext cx="4198620" cy="836506"/>
           </a:xfrm>
           <a:prstGeom prst="rect">
             <a:avLst/>
           </a:prstGeom>
         </p:spPr>
       </p:pic>
+      <p:sp>
+        <p:nvSpPr>
+          <p:cNvPr id="8" name="Cross 7">
+            <a:extLst>
+              <a:ext uri="{FF2B5EF4-FFF2-40B4-BE49-F238E27FC236}">
+                <a16:creationId xmlns:a16="http://schemas.microsoft.com/office/drawing/2014/main" id="{AEEC9D0D-ADFF-84BF-E09A-1994845783B2}"/>
+              </a:ext>
+            </a:extLst>
+          </p:cNvPr>
+          <p:cNvSpPr/>
+          <p:nvPr/>
+        </p:nvSpPr>
+        <p:spPr>
+          <a:xfrm>
+            <a:off x="8064052" y="1450209"/>
+            <a:ext cx="539496" cy="539496"/>
+          </a:xfrm>
+          <a:prstGeom prst="plus">
+            <a:avLst>
+              <a:gd name="adj" fmla="val 42290"/>
+            </a:avLst>
+          </a:prstGeom>
+        </p:spPr>
+        <p:style>
+          <a:lnRef idx="2">
+            <a:schemeClr val="accent1">
+              <a:shade val="15000"/>
+            </a:schemeClr>
+          </a:lnRef>
+          <a:fillRef idx="1">
+            <a:schemeClr val="accent1"/>
+          </a:fillRef>
+          <a:effectRef idx="0">
+            <a:schemeClr val="accent1"/>
+          </a:effectRef>
+          <a:fontRef idx="minor">
+            <a:schemeClr val="lt1"/>
+          </a:fontRef>
+        </p:style>
+        <p:txBody>
+          <a:bodyPr rtlCol="0" anchor="ctr"/>
+          <a:lstStyle/>
+          <a:p>
+            <a:pPr algn="ctr"/>
+            <a:endParaRPr lang="en-US"/>
+          </a:p>
+        </p:txBody>
+      </p:sp>
       <p:pic>
         <p:nvPicPr>
-          <p:cNvPr id="13" name="Picture 12" descr="A red line with black text&#10;&#10;Description automatically generated">
-            <a:extLst>
-              <a:ext uri="{FF2B5EF4-FFF2-40B4-BE49-F238E27FC236}">
-                <a16:creationId xmlns:a16="http://schemas.microsoft.com/office/drawing/2014/main" id="{B928352D-BBC3-FE66-5344-A76B2CC63C65}"/>
+          <p:cNvPr id="10" name="Picture 9" descr="A screenshot of a computer&#10;&#10;Description automatically generated">
+            <a:extLst>
+              <a:ext uri="{FF2B5EF4-FFF2-40B4-BE49-F238E27FC236}">
+                <a16:creationId xmlns:a16="http://schemas.microsoft.com/office/drawing/2014/main" id="{7ABDB0BE-DD33-9F7A-8C2B-489C0F8323A3}"/>
               </a:ext>
             </a:extLst>
           </p:cNvPr>
@@ -16191,276 +15643,197 @@
           <p:nvPr/>
         </p:nvPicPr>
         <p:blipFill>
-          <a:blip r:embed="rId3"/>
+          <a:blip r:embed="rId6"/>
           <a:stretch>
             <a:fillRect/>
           </a:stretch>
         </p:blipFill>
         <p:spPr>
           <a:xfrm>
-            <a:off x="250335" y="1214012"/>
-            <a:ext cx="2534984" cy="2492822"/>
+            <a:off x="8878824" y="136974"/>
+            <a:ext cx="3171779" cy="6730170"/>
           </a:xfrm>
           <a:prstGeom prst="rect">
             <a:avLst/>
           </a:prstGeom>
         </p:spPr>
       </p:pic>
-      <p:pic>
-        <p:nvPicPr>
-          <p:cNvPr id="14" name="Picture 13" descr="A red line with black text&#10;&#10;Description automatically generated">
-            <a:extLst>
-              <a:ext uri="{FF2B5EF4-FFF2-40B4-BE49-F238E27FC236}">
-                <a16:creationId xmlns:a16="http://schemas.microsoft.com/office/drawing/2014/main" id="{22CCE546-23E4-44E6-72F3-C04A84DAA1E2}"/>
-              </a:ext>
-            </a:extLst>
-          </p:cNvPr>
-          <p:cNvPicPr>
-            <a:picLocks noChangeAspect="1"/>
-          </p:cNvPicPr>
-          <p:nvPr/>
-        </p:nvPicPr>
-        <p:blipFill>
-          <a:blip r:embed="rId3"/>
-          <a:stretch>
-            <a:fillRect/>
-          </a:stretch>
-        </p:blipFill>
-        <p:spPr>
-          <a:xfrm>
-            <a:off x="7016972" y="1429844"/>
-            <a:ext cx="2534984" cy="2492822"/>
-          </a:xfrm>
-          <a:prstGeom prst="rect">
-            <a:avLst/>
-          </a:prstGeom>
-        </p:spPr>
-      </p:pic>
-      <p:pic>
-        <p:nvPicPr>
-          <p:cNvPr id="15" name="Picture 14" descr="A red line with black text&#10;&#10;Description automatically generated">
-            <a:extLst>
-              <a:ext uri="{FF2B5EF4-FFF2-40B4-BE49-F238E27FC236}">
-                <a16:creationId xmlns:a16="http://schemas.microsoft.com/office/drawing/2014/main" id="{FA37E53C-4047-EFF0-6068-A70BF4125C5A}"/>
-              </a:ext>
-            </a:extLst>
-          </p:cNvPr>
-          <p:cNvPicPr>
-            <a:picLocks noChangeAspect="1"/>
-          </p:cNvPicPr>
-          <p:nvPr/>
-        </p:nvPicPr>
-        <p:blipFill>
-          <a:blip r:embed="rId3"/>
-          <a:stretch>
-            <a:fillRect/>
-          </a:stretch>
-        </p:blipFill>
-        <p:spPr>
-          <a:xfrm>
-            <a:off x="9886760" y="1029346"/>
-            <a:ext cx="2534984" cy="2492822"/>
-          </a:xfrm>
-          <a:prstGeom prst="rect">
-            <a:avLst/>
-          </a:prstGeom>
-        </p:spPr>
-      </p:pic>
-      <p:pic>
-        <p:nvPicPr>
-          <p:cNvPr id="16" name="Picture 15" descr="A red line with black text&#10;&#10;Description automatically generated">
-            <a:extLst>
-              <a:ext uri="{FF2B5EF4-FFF2-40B4-BE49-F238E27FC236}">
-                <a16:creationId xmlns:a16="http://schemas.microsoft.com/office/drawing/2014/main" id="{62055843-50B2-9B2E-2C92-B3693215B5B8}"/>
-              </a:ext>
-            </a:extLst>
-          </p:cNvPr>
-          <p:cNvPicPr>
-            <a:picLocks noChangeAspect="1"/>
-          </p:cNvPicPr>
-          <p:nvPr/>
-        </p:nvPicPr>
-        <p:blipFill>
-          <a:blip r:embed="rId3"/>
-          <a:stretch>
-            <a:fillRect/>
-          </a:stretch>
-        </p:blipFill>
-        <p:spPr>
-          <a:xfrm>
-            <a:off x="5753119" y="3922666"/>
-            <a:ext cx="2534984" cy="2492822"/>
-          </a:xfrm>
-          <a:prstGeom prst="rect">
-            <a:avLst/>
-          </a:prstGeom>
-        </p:spPr>
-      </p:pic>
-      <p:pic>
-        <p:nvPicPr>
-          <p:cNvPr id="17" name="Picture 16" descr="A red line with black text&#10;&#10;Description automatically generated">
-            <a:extLst>
-              <a:ext uri="{FF2B5EF4-FFF2-40B4-BE49-F238E27FC236}">
-                <a16:creationId xmlns:a16="http://schemas.microsoft.com/office/drawing/2014/main" id="{BDED78D3-DF33-CC6A-B7C6-783D67F6F10D}"/>
-              </a:ext>
-            </a:extLst>
-          </p:cNvPr>
-          <p:cNvPicPr>
-            <a:picLocks noChangeAspect="1"/>
-          </p:cNvPicPr>
-          <p:nvPr/>
-        </p:nvPicPr>
-        <p:blipFill>
-          <a:blip r:embed="rId3"/>
-          <a:stretch>
-            <a:fillRect/>
-          </a:stretch>
-        </p:blipFill>
-        <p:spPr>
-          <a:xfrm>
-            <a:off x="4399197" y="1688923"/>
-            <a:ext cx="2534984" cy="2492822"/>
-          </a:xfrm>
-          <a:prstGeom prst="rect">
-            <a:avLst/>
-          </a:prstGeom>
-        </p:spPr>
-      </p:pic>
-      <p:pic>
-        <p:nvPicPr>
-          <p:cNvPr id="18" name="Picture 17" descr="A red line with black text&#10;&#10;Description automatically generated">
-            <a:extLst>
-              <a:ext uri="{FF2B5EF4-FFF2-40B4-BE49-F238E27FC236}">
-                <a16:creationId xmlns:a16="http://schemas.microsoft.com/office/drawing/2014/main" id="{CA28BC63-6113-0D13-350D-91A9AFEAA365}"/>
-              </a:ext>
-            </a:extLst>
-          </p:cNvPr>
-          <p:cNvPicPr>
-            <a:picLocks noChangeAspect="1"/>
-          </p:cNvPicPr>
-          <p:nvPr/>
-        </p:nvPicPr>
-        <p:blipFill>
-          <a:blip r:embed="rId3"/>
-          <a:stretch>
-            <a:fillRect/>
-          </a:stretch>
-        </p:blipFill>
-        <p:spPr>
-          <a:xfrm>
-            <a:off x="2785319" y="3779577"/>
-            <a:ext cx="2534984" cy="2492822"/>
-          </a:xfrm>
-          <a:prstGeom prst="rect">
-            <a:avLst/>
-          </a:prstGeom>
-        </p:spPr>
-      </p:pic>
-      <p:pic>
-        <p:nvPicPr>
-          <p:cNvPr id="19" name="Picture 18" descr="A red line with black text&#10;&#10;Description automatically generated">
-            <a:extLst>
-              <a:ext uri="{FF2B5EF4-FFF2-40B4-BE49-F238E27FC236}">
-                <a16:creationId xmlns:a16="http://schemas.microsoft.com/office/drawing/2014/main" id="{EDD0A0B0-9B63-3DA0-E32D-D529CFC5AB16}"/>
-              </a:ext>
-            </a:extLst>
-          </p:cNvPr>
-          <p:cNvPicPr>
-            <a:picLocks noChangeAspect="1"/>
-          </p:cNvPicPr>
-          <p:nvPr/>
-        </p:nvPicPr>
-        <p:blipFill>
-          <a:blip r:embed="rId3"/>
-          <a:stretch>
-            <a:fillRect/>
-          </a:stretch>
-        </p:blipFill>
-        <p:spPr>
-          <a:xfrm>
-            <a:off x="7977526" y="3429000"/>
-            <a:ext cx="2534984" cy="2492822"/>
-          </a:xfrm>
-          <a:prstGeom prst="rect">
-            <a:avLst/>
-          </a:prstGeom>
-        </p:spPr>
-      </p:pic>
-      <p:pic>
-        <p:nvPicPr>
-          <p:cNvPr id="20" name="Picture 19" descr="A red line with black text&#10;&#10;Description automatically generated">
-            <a:extLst>
-              <a:ext uri="{FF2B5EF4-FFF2-40B4-BE49-F238E27FC236}">
-                <a16:creationId xmlns:a16="http://schemas.microsoft.com/office/drawing/2014/main" id="{31B35C7E-F6A1-1D7B-099E-77E904B9379E}"/>
-              </a:ext>
-            </a:extLst>
-          </p:cNvPr>
-          <p:cNvPicPr>
-            <a:picLocks noChangeAspect="1"/>
-          </p:cNvPicPr>
-          <p:nvPr/>
-        </p:nvPicPr>
-        <p:blipFill>
-          <a:blip r:embed="rId3"/>
-          <a:stretch>
-            <a:fillRect/>
-          </a:stretch>
-        </p:blipFill>
-        <p:spPr>
-          <a:xfrm>
-            <a:off x="9546572" y="4045139"/>
-            <a:ext cx="2534984" cy="2492822"/>
-          </a:xfrm>
-          <a:prstGeom prst="rect">
-            <a:avLst/>
-          </a:prstGeom>
-        </p:spPr>
-      </p:pic>
-      <p:sp>
-        <p:nvSpPr>
-          <p:cNvPr id="21" name="TextBox 20">
-            <a:extLst>
-              <a:ext uri="{FF2B5EF4-FFF2-40B4-BE49-F238E27FC236}">
-                <a16:creationId xmlns:a16="http://schemas.microsoft.com/office/drawing/2014/main" id="{9411E044-DD68-CF51-F70D-66A4CB092345}"/>
-              </a:ext>
-            </a:extLst>
-          </p:cNvPr>
-          <p:cNvSpPr txBox="1"/>
-          <p:nvPr/>
-        </p:nvSpPr>
-        <p:spPr>
-          <a:xfrm>
-            <a:off x="0" y="6290688"/>
-            <a:ext cx="3246594" cy="369332"/>
-          </a:xfrm>
-          <a:prstGeom prst="rect">
-            <a:avLst/>
-          </a:prstGeom>
-          <a:noFill/>
-        </p:spPr>
-        <p:txBody>
-          <a:bodyPr wrap="none" rtlCol="0">
-            <a:spAutoFit/>
-          </a:bodyPr>
-          <a:lstStyle/>
-          <a:p>
-            <a:r>
-              <a:rPr lang="en-US"/>
-              <a:t>different test – in old test format</a:t>
-            </a:r>
-          </a:p>
-        </p:txBody>
-      </p:sp>
     </p:spTree>
     <p:extLst>
       <p:ext uri="{BB962C8B-B14F-4D97-AF65-F5344CB8AC3E}">
-        <p14:creationId xmlns:p14="http://schemas.microsoft.com/office/powerpoint/2010/main" val="583058227"/>
+        <p14:creationId xmlns:p14="http://schemas.microsoft.com/office/powerpoint/2010/main" val="4193393989"/>
       </p:ext>
     </p:extLst>
   </p:cSld>
   <p:clrMapOvr>
     <a:masterClrMapping/>
   </p:clrMapOvr>
+  <p:timing>
+    <p:tnLst>
+      <p:par>
+        <p:cTn id="1" dur="indefinite" restart="never" nodeType="tmRoot">
+          <p:childTnLst>
+            <p:seq concurrent="1" nextAc="seek">
+              <p:cTn id="2" dur="indefinite" nodeType="mainSeq">
+                <p:childTnLst>
+                  <p:par>
+                    <p:cTn id="3" fill="hold">
+                      <p:stCondLst>
+                        <p:cond delay="indefinite"/>
+                      </p:stCondLst>
+                      <p:childTnLst>
+                        <p:par>
+                          <p:cTn id="4" fill="hold">
+                            <p:stCondLst>
+                              <p:cond delay="0"/>
+                            </p:stCondLst>
+                            <p:childTnLst>
+                              <p:par>
+                                <p:cTn id="5" presetID="1" presetClass="entr" presetSubtype="0" fill="hold" nodeType="clickEffect">
+                                  <p:stCondLst>
+                                    <p:cond delay="0"/>
+                                  </p:stCondLst>
+                                  <p:childTnLst>
+                                    <p:set>
+                                      <p:cBhvr>
+                                        <p:cTn id="6" dur="1" fill="hold">
+                                          <p:stCondLst>
+                                            <p:cond delay="0"/>
+                                          </p:stCondLst>
+                                        </p:cTn>
+                                        <p:tgtEl>
+                                          <p:spTgt spid="7"/>
+                                        </p:tgtEl>
+                                        <p:attrNameLst>
+                                          <p:attrName>style.visibility</p:attrName>
+                                        </p:attrNameLst>
+                                      </p:cBhvr>
+                                      <p:to>
+                                        <p:strVal val="visible"/>
+                                      </p:to>
+                                    </p:set>
+                                  </p:childTnLst>
+                                </p:cTn>
+                              </p:par>
+                            </p:childTnLst>
+                          </p:cTn>
+                        </p:par>
+                      </p:childTnLst>
+                    </p:cTn>
+                  </p:par>
+                  <p:par>
+                    <p:cTn id="7" fill="hold">
+                      <p:stCondLst>
+                        <p:cond delay="indefinite"/>
+                      </p:stCondLst>
+                      <p:childTnLst>
+                        <p:par>
+                          <p:cTn id="8" fill="hold">
+                            <p:stCondLst>
+                              <p:cond delay="0"/>
+                            </p:stCondLst>
+                            <p:childTnLst>
+                              <p:par>
+                                <p:cTn id="9" presetID="22" presetClass="entr" presetSubtype="8" fill="hold" grpId="0" nodeType="clickEffect">
+                                  <p:stCondLst>
+                                    <p:cond delay="0"/>
+                                  </p:stCondLst>
+                                  <p:childTnLst>
+                                    <p:set>
+                                      <p:cBhvr>
+                                        <p:cTn id="10" dur="1" fill="hold">
+                                          <p:stCondLst>
+                                            <p:cond delay="0"/>
+                                          </p:stCondLst>
+                                        </p:cTn>
+                                        <p:tgtEl>
+                                          <p:spTgt spid="8"/>
+                                        </p:tgtEl>
+                                        <p:attrNameLst>
+                                          <p:attrName>style.visibility</p:attrName>
+                                        </p:attrNameLst>
+                                      </p:cBhvr>
+                                      <p:to>
+                                        <p:strVal val="visible"/>
+                                      </p:to>
+                                    </p:set>
+                                    <p:animEffect transition="in" filter="wipe(left)">
+                                      <p:cBhvr>
+                                        <p:cTn id="11" dur="500"/>
+                                        <p:tgtEl>
+                                          <p:spTgt spid="8"/>
+                                        </p:tgtEl>
+                                      </p:cBhvr>
+                                    </p:animEffect>
+                                  </p:childTnLst>
+                                </p:cTn>
+                              </p:par>
+                              <p:par>
+                                <p:cTn id="12" presetID="22" presetClass="entr" presetSubtype="8" fill="hold" nodeType="withEffect">
+                                  <p:stCondLst>
+                                    <p:cond delay="0"/>
+                                  </p:stCondLst>
+                                  <p:childTnLst>
+                                    <p:set>
+                                      <p:cBhvr>
+                                        <p:cTn id="13" dur="1" fill="hold">
+                                          <p:stCondLst>
+                                            <p:cond delay="0"/>
+                                          </p:stCondLst>
+                                        </p:cTn>
+                                        <p:tgtEl>
+                                          <p:spTgt spid="10"/>
+                                        </p:tgtEl>
+                                        <p:attrNameLst>
+                                          <p:attrName>style.visibility</p:attrName>
+                                        </p:attrNameLst>
+                                      </p:cBhvr>
+                                      <p:to>
+                                        <p:strVal val="visible"/>
+                                      </p:to>
+                                    </p:set>
+                                    <p:animEffect transition="in" filter="wipe(left)">
+                                      <p:cBhvr>
+                                        <p:cTn id="14" dur="500"/>
+                                        <p:tgtEl>
+                                          <p:spTgt spid="10"/>
+                                        </p:tgtEl>
+                                      </p:cBhvr>
+                                    </p:animEffect>
+                                  </p:childTnLst>
+                                </p:cTn>
+                              </p:par>
+                            </p:childTnLst>
+                          </p:cTn>
+                        </p:par>
+                      </p:childTnLst>
+                    </p:cTn>
+                  </p:par>
+                </p:childTnLst>
+              </p:cTn>
+              <p:prevCondLst>
+                <p:cond evt="onPrev" delay="0">
+                  <p:tgtEl>
+                    <p:sldTgt/>
+                  </p:tgtEl>
+                </p:cond>
+              </p:prevCondLst>
+              <p:nextCondLst>
+                <p:cond evt="onNext" delay="0">
+                  <p:tgtEl>
+                    <p:sldTgt/>
+                  </p:tgtEl>
+                </p:cond>
+              </p:nextCondLst>
+            </p:seq>
+          </p:childTnLst>
+        </p:cTn>
+      </p:par>
+    </p:tnLst>
+    <p:bldLst>
+      <p:bldP spid="8" grpId="0" animBg="1"/>
+    </p:bldLst>
+  </p:timing>
 </p:sld>
 </file>
 
@@ -16472,7 +15845,7 @@
         <p:cNvPr id="1" name="">
           <a:extLst>
             <a:ext uri="{FF2B5EF4-FFF2-40B4-BE49-F238E27FC236}">
-              <a16:creationId xmlns:a16="http://schemas.microsoft.com/office/drawing/2014/main" id="{D9B2340D-1464-B4D4-5BF3-900522BC0BDF}"/>
+              <a16:creationId xmlns:a16="http://schemas.microsoft.com/office/drawing/2014/main" id="{25AD1A1A-29BB-6FFC-DA35-805A158E6D37}"/>
             </a:ext>
           </a:extLst>
         </p:cNvPr>
@@ -16487,12 +15860,59 @@
           <a:chExt cx="0" cy="0"/>
         </a:xfrm>
       </p:grpSpPr>
-      <p:sp>
-        <p:nvSpPr>
-          <p:cNvPr id="5" name="TextBox 4">
-            <a:extLst>
-              <a:ext uri="{FF2B5EF4-FFF2-40B4-BE49-F238E27FC236}">
-                <a16:creationId xmlns:a16="http://schemas.microsoft.com/office/drawing/2014/main" id="{621F94A4-DF65-2AD1-BC63-56F28F2BD2F1}"/>
+      <p:pic>
+        <p:nvPicPr>
+          <p:cNvPr id="1028" name="Picture 4" descr="Silent Movie Silent Film Title Card: Free Download — CopyCatFilms">
+            <a:extLst>
+              <a:ext uri="{FF2B5EF4-FFF2-40B4-BE49-F238E27FC236}">
+                <a16:creationId xmlns:a16="http://schemas.microsoft.com/office/drawing/2014/main" id="{0420A4E0-4A4F-4C17-4FA9-EB400F4899A4}"/>
+              </a:ext>
+            </a:extLst>
+          </p:cNvPr>
+          <p:cNvPicPr>
+            <a:picLocks noChangeAspect="1" noChangeArrowheads="1"/>
+          </p:cNvPicPr>
+          <p:nvPr/>
+        </p:nvPicPr>
+        <p:blipFill>
+          <a:blip r:embed="rId2">
+            <a:extLst>
+              <a:ext uri="{28A0092B-C50C-407E-A947-70E740481C1C}">
+                <a14:useLocalDpi xmlns:a14="http://schemas.microsoft.com/office/drawing/2010/main" val="0"/>
+              </a:ext>
+            </a:extLst>
+          </a:blip>
+          <a:srcRect/>
+          <a:stretch>
+            <a:fillRect/>
+          </a:stretch>
+        </p:blipFill>
+        <p:spPr bwMode="auto">
+          <a:xfrm>
+            <a:off x="0" y="4261"/>
+            <a:ext cx="12192000" cy="6853739"/>
+          </a:xfrm>
+          <a:prstGeom prst="rect">
+            <a:avLst/>
+          </a:prstGeom>
+          <a:noFill/>
+          <a:extLst>
+            <a:ext uri="{909E8E84-426E-40DD-AFC4-6F175D3DCCD1}">
+              <a14:hiddenFill xmlns:a14="http://schemas.microsoft.com/office/drawing/2010/main">
+                <a:solidFill>
+                  <a:srgbClr val="FFFFFF"/>
+                </a:solidFill>
+              </a14:hiddenFill>
+            </a:ext>
+          </a:extLst>
+        </p:spPr>
+      </p:pic>
+      <p:sp>
+        <p:nvSpPr>
+          <p:cNvPr id="2" name="TextBox 1">
+            <a:extLst>
+              <a:ext uri="{FF2B5EF4-FFF2-40B4-BE49-F238E27FC236}">
+                <a16:creationId xmlns:a16="http://schemas.microsoft.com/office/drawing/2014/main" id="{0F2D1E35-A2DB-017D-B172-AFE81CEBD1AE}"/>
               </a:ext>
             </a:extLst>
           </p:cNvPr>
@@ -16501,8 +15921,8 @@
         </p:nvSpPr>
         <p:spPr>
           <a:xfrm>
-            <a:off x="5134613" y="585601"/>
-            <a:ext cx="2971519" cy="369332"/>
+            <a:off x="3467488" y="2876443"/>
+            <a:ext cx="5494196" cy="769441"/>
           </a:xfrm>
           <a:prstGeom prst="rect">
             <a:avLst/>
@@ -16515,344 +15935,38 @@
           </a:bodyPr>
           <a:lstStyle/>
           <a:p>
-            <a:r>
-              <a:rPr lang="en-US"/>
-              <a:t>lots of tests –all of them work</a:t>
-            </a:r>
-          </a:p>
-        </p:txBody>
-      </p:sp>
-      <p:pic>
-        <p:nvPicPr>
-          <p:cNvPr id="10" name="Picture 9" descr="A red line with black text&#10;&#10;Description automatically generated">
-            <a:extLst>
-              <a:ext uri="{FF2B5EF4-FFF2-40B4-BE49-F238E27FC236}">
-                <a16:creationId xmlns:a16="http://schemas.microsoft.com/office/drawing/2014/main" id="{049B65E6-52F8-2761-9300-69075021BFC9}"/>
-              </a:ext>
-            </a:extLst>
-          </p:cNvPr>
-          <p:cNvPicPr>
-            <a:picLocks noChangeAspect="1"/>
-          </p:cNvPicPr>
-          <p:nvPr/>
-        </p:nvPicPr>
-        <p:blipFill>
-          <a:blip r:embed="rId3"/>
-          <a:stretch>
-            <a:fillRect/>
-          </a:stretch>
-        </p:blipFill>
-        <p:spPr>
-          <a:xfrm>
-            <a:off x="2426803" y="844680"/>
-            <a:ext cx="2534984" cy="2492822"/>
-          </a:xfrm>
-          <a:prstGeom prst="rect">
-            <a:avLst/>
-          </a:prstGeom>
-        </p:spPr>
-      </p:pic>
-      <p:pic>
-        <p:nvPicPr>
-          <p:cNvPr id="13" name="Picture 12" descr="A red line with black text&#10;&#10;Description automatically generated">
-            <a:extLst>
-              <a:ext uri="{FF2B5EF4-FFF2-40B4-BE49-F238E27FC236}">
-                <a16:creationId xmlns:a16="http://schemas.microsoft.com/office/drawing/2014/main" id="{0AF98003-90FB-3DD0-38A1-A1C90999A36A}"/>
-              </a:ext>
-            </a:extLst>
-          </p:cNvPr>
-          <p:cNvPicPr>
-            <a:picLocks noChangeAspect="1"/>
-          </p:cNvPicPr>
-          <p:nvPr/>
-        </p:nvPicPr>
-        <p:blipFill>
-          <a:blip r:embed="rId3"/>
-          <a:stretch>
-            <a:fillRect/>
-          </a:stretch>
-        </p:blipFill>
-        <p:spPr>
-          <a:xfrm>
-            <a:off x="250335" y="1214012"/>
-            <a:ext cx="2534984" cy="2492822"/>
-          </a:xfrm>
-          <a:prstGeom prst="rect">
-            <a:avLst/>
-          </a:prstGeom>
-        </p:spPr>
-      </p:pic>
-      <p:pic>
-        <p:nvPicPr>
-          <p:cNvPr id="14" name="Picture 13" descr="A red line with black text&#10;&#10;Description automatically generated">
-            <a:extLst>
-              <a:ext uri="{FF2B5EF4-FFF2-40B4-BE49-F238E27FC236}">
-                <a16:creationId xmlns:a16="http://schemas.microsoft.com/office/drawing/2014/main" id="{E902B947-5680-AF81-8F3C-934304E41CA4}"/>
-              </a:ext>
-            </a:extLst>
-          </p:cNvPr>
-          <p:cNvPicPr>
-            <a:picLocks noChangeAspect="1"/>
-          </p:cNvPicPr>
-          <p:nvPr/>
-        </p:nvPicPr>
-        <p:blipFill>
-          <a:blip r:embed="rId3"/>
-          <a:stretch>
-            <a:fillRect/>
-          </a:stretch>
-        </p:blipFill>
-        <p:spPr>
-          <a:xfrm>
-            <a:off x="7016972" y="1429844"/>
-            <a:ext cx="2534984" cy="2492822"/>
-          </a:xfrm>
-          <a:prstGeom prst="rect">
-            <a:avLst/>
-          </a:prstGeom>
-        </p:spPr>
-      </p:pic>
-      <p:pic>
-        <p:nvPicPr>
-          <p:cNvPr id="15" name="Picture 14" descr="A red line with black text&#10;&#10;Description automatically generated">
-            <a:extLst>
-              <a:ext uri="{FF2B5EF4-FFF2-40B4-BE49-F238E27FC236}">
-                <a16:creationId xmlns:a16="http://schemas.microsoft.com/office/drawing/2014/main" id="{88CE7E7C-5910-494B-C1AB-D8EDB0515E9E}"/>
-              </a:ext>
-            </a:extLst>
-          </p:cNvPr>
-          <p:cNvPicPr>
-            <a:picLocks noChangeAspect="1"/>
-          </p:cNvPicPr>
-          <p:nvPr/>
-        </p:nvPicPr>
-        <p:blipFill>
-          <a:blip r:embed="rId3"/>
-          <a:stretch>
-            <a:fillRect/>
-          </a:stretch>
-        </p:blipFill>
-        <p:spPr>
-          <a:xfrm>
-            <a:off x="9886760" y="1029346"/>
-            <a:ext cx="2534984" cy="2492822"/>
-          </a:xfrm>
-          <a:prstGeom prst="rect">
-            <a:avLst/>
-          </a:prstGeom>
-        </p:spPr>
-      </p:pic>
-      <p:pic>
-        <p:nvPicPr>
-          <p:cNvPr id="16" name="Picture 15" descr="A red line with black text&#10;&#10;Description automatically generated">
-            <a:extLst>
-              <a:ext uri="{FF2B5EF4-FFF2-40B4-BE49-F238E27FC236}">
-                <a16:creationId xmlns:a16="http://schemas.microsoft.com/office/drawing/2014/main" id="{67E4B8D0-07E0-9F0C-3896-1393FDC8C05D}"/>
-              </a:ext>
-            </a:extLst>
-          </p:cNvPr>
-          <p:cNvPicPr>
-            <a:picLocks noChangeAspect="1"/>
-          </p:cNvPicPr>
-          <p:nvPr/>
-        </p:nvPicPr>
-        <p:blipFill>
-          <a:blip r:embed="rId3"/>
-          <a:stretch>
-            <a:fillRect/>
-          </a:stretch>
-        </p:blipFill>
-        <p:spPr>
-          <a:xfrm>
-            <a:off x="5753119" y="3922666"/>
-            <a:ext cx="2534984" cy="2492822"/>
-          </a:xfrm>
-          <a:prstGeom prst="rect">
-            <a:avLst/>
-          </a:prstGeom>
-        </p:spPr>
-      </p:pic>
-      <p:pic>
-        <p:nvPicPr>
-          <p:cNvPr id="17" name="Picture 16" descr="A red line with black text&#10;&#10;Description automatically generated">
-            <a:extLst>
-              <a:ext uri="{FF2B5EF4-FFF2-40B4-BE49-F238E27FC236}">
-                <a16:creationId xmlns:a16="http://schemas.microsoft.com/office/drawing/2014/main" id="{DEF329D2-30B7-DE43-CF1A-9DB587A4B0D9}"/>
-              </a:ext>
-            </a:extLst>
-          </p:cNvPr>
-          <p:cNvPicPr>
-            <a:picLocks noChangeAspect="1"/>
-          </p:cNvPicPr>
-          <p:nvPr/>
-        </p:nvPicPr>
-        <p:blipFill>
-          <a:blip r:embed="rId3"/>
-          <a:stretch>
-            <a:fillRect/>
-          </a:stretch>
-        </p:blipFill>
-        <p:spPr>
-          <a:xfrm>
-            <a:off x="4399197" y="1688923"/>
-            <a:ext cx="2534984" cy="2492822"/>
-          </a:xfrm>
-          <a:prstGeom prst="rect">
-            <a:avLst/>
-          </a:prstGeom>
-        </p:spPr>
-      </p:pic>
-      <p:pic>
-        <p:nvPicPr>
-          <p:cNvPr id="18" name="Picture 17" descr="A red line with black text&#10;&#10;Description automatically generated">
-            <a:extLst>
-              <a:ext uri="{FF2B5EF4-FFF2-40B4-BE49-F238E27FC236}">
-                <a16:creationId xmlns:a16="http://schemas.microsoft.com/office/drawing/2014/main" id="{BB1D5983-39E0-22A3-59B1-95F13E648B99}"/>
-              </a:ext>
-            </a:extLst>
-          </p:cNvPr>
-          <p:cNvPicPr>
-            <a:picLocks noChangeAspect="1"/>
-          </p:cNvPicPr>
-          <p:nvPr/>
-        </p:nvPicPr>
-        <p:blipFill>
-          <a:blip r:embed="rId3"/>
-          <a:stretch>
-            <a:fillRect/>
-          </a:stretch>
-        </p:blipFill>
-        <p:spPr>
-          <a:xfrm>
-            <a:off x="2785319" y="3779577"/>
-            <a:ext cx="2534984" cy="2492822"/>
-          </a:xfrm>
-          <a:prstGeom prst="rect">
-            <a:avLst/>
-          </a:prstGeom>
-        </p:spPr>
-      </p:pic>
-      <p:pic>
-        <p:nvPicPr>
-          <p:cNvPr id="19" name="Picture 18" descr="A red line with black text&#10;&#10;Description automatically generated">
-            <a:extLst>
-              <a:ext uri="{FF2B5EF4-FFF2-40B4-BE49-F238E27FC236}">
-                <a16:creationId xmlns:a16="http://schemas.microsoft.com/office/drawing/2014/main" id="{2023C3FB-92FE-C9DD-FFF1-3F00410768FE}"/>
-              </a:ext>
-            </a:extLst>
-          </p:cNvPr>
-          <p:cNvPicPr>
-            <a:picLocks noChangeAspect="1"/>
-          </p:cNvPicPr>
-          <p:nvPr/>
-        </p:nvPicPr>
-        <p:blipFill>
-          <a:blip r:embed="rId3"/>
-          <a:stretch>
-            <a:fillRect/>
-          </a:stretch>
-        </p:blipFill>
-        <p:spPr>
-          <a:xfrm>
-            <a:off x="7966066" y="3447755"/>
-            <a:ext cx="2534984" cy="2492822"/>
-          </a:xfrm>
-          <a:prstGeom prst="rect">
-            <a:avLst/>
-          </a:prstGeom>
-        </p:spPr>
-      </p:pic>
-      <p:pic>
-        <p:nvPicPr>
-          <p:cNvPr id="20" name="Picture 19" descr="A red line with black text&#10;&#10;Description automatically generated">
-            <a:extLst>
-              <a:ext uri="{FF2B5EF4-FFF2-40B4-BE49-F238E27FC236}">
-                <a16:creationId xmlns:a16="http://schemas.microsoft.com/office/drawing/2014/main" id="{E9065D9C-F0F0-150F-5CCB-42F81633D1B2}"/>
-              </a:ext>
-            </a:extLst>
-          </p:cNvPr>
-          <p:cNvPicPr>
-            <a:picLocks noChangeAspect="1"/>
-          </p:cNvPicPr>
-          <p:nvPr/>
-        </p:nvPicPr>
-        <p:blipFill>
-          <a:blip r:embed="rId3"/>
-          <a:stretch>
-            <a:fillRect/>
-          </a:stretch>
-        </p:blipFill>
-        <p:spPr>
-          <a:xfrm>
-            <a:off x="9546572" y="4045139"/>
-            <a:ext cx="2534984" cy="2492822"/>
-          </a:xfrm>
-          <a:prstGeom prst="rect">
-            <a:avLst/>
-          </a:prstGeom>
-        </p:spPr>
-      </p:pic>
-      <p:pic>
-        <p:nvPicPr>
-          <p:cNvPr id="2" name="Picture 1" descr="A red line with black text&#10;&#10;Description automatically generated">
-            <a:extLst>
-              <a:ext uri="{FF2B5EF4-FFF2-40B4-BE49-F238E27FC236}">
-                <a16:creationId xmlns:a16="http://schemas.microsoft.com/office/drawing/2014/main" id="{BC8E0A56-30E9-68D3-74D8-ED718CF93B28}"/>
-              </a:ext>
-            </a:extLst>
-          </p:cNvPr>
-          <p:cNvPicPr>
-            <a:picLocks noChangeAspect="1"/>
-          </p:cNvPicPr>
-          <p:nvPr/>
-        </p:nvPicPr>
-        <p:blipFill>
-          <a:blip r:embed="rId3"/>
-          <a:stretch>
-            <a:fillRect/>
-          </a:stretch>
-        </p:blipFill>
-        <p:spPr>
-          <a:xfrm>
-            <a:off x="295167" y="3752350"/>
-            <a:ext cx="2534984" cy="2492822"/>
-          </a:xfrm>
-          <a:prstGeom prst="rect">
-            <a:avLst/>
-          </a:prstGeom>
-        </p:spPr>
-      </p:pic>
-      <p:sp>
-        <p:nvSpPr>
-          <p:cNvPr id="3" name="TextBox 2">
-            <a:extLst>
-              <a:ext uri="{FF2B5EF4-FFF2-40B4-BE49-F238E27FC236}">
-                <a16:creationId xmlns:a16="http://schemas.microsoft.com/office/drawing/2014/main" id="{C3215569-11B3-981B-5539-807035A19185}"/>
-              </a:ext>
-            </a:extLst>
-          </p:cNvPr>
-          <p:cNvSpPr txBox="1"/>
-          <p:nvPr/>
-        </p:nvSpPr>
-        <p:spPr>
-          <a:xfrm>
-            <a:off x="5320303" y="989303"/>
-            <a:ext cx="2883290" cy="369332"/>
-          </a:xfrm>
-          <a:prstGeom prst="rect">
-            <a:avLst/>
-          </a:prstGeom>
-          <a:noFill/>
-        </p:spPr>
-        <p:txBody>
-          <a:bodyPr wrap="none" rtlCol="0">
-            <a:spAutoFit/>
-          </a:bodyPr>
-          <a:lstStyle/>
-          <a:p>
-            <a:r>
-              <a:rPr lang="en-US"/>
-              <a:t>consistency in all of our tests</a:t>
+            <a:pPr algn="ctr"/>
+            <a:r>
+              <a:rPr lang="en-US" sz="4400" b="1">
+                <a:gradFill flip="none" rotWithShape="1">
+                  <a:gsLst>
+                    <a:gs pos="0">
+                      <a:schemeClr val="bg1">
+                        <a:shade val="30000"/>
+                        <a:satMod val="115000"/>
+                      </a:schemeClr>
+                    </a:gs>
+                    <a:gs pos="50000">
+                      <a:schemeClr val="bg1">
+                        <a:shade val="67500"/>
+                        <a:satMod val="115000"/>
+                      </a:schemeClr>
+                    </a:gs>
+                    <a:gs pos="100000">
+                      <a:schemeClr val="bg1">
+                        <a:shade val="100000"/>
+                        <a:satMod val="115000"/>
+                      </a:schemeClr>
+                    </a:gs>
+                  </a:gsLst>
+                  <a:path path="circle">
+                    <a:fillToRect t="100000" r="100000"/>
+                  </a:path>
+                  <a:tileRect l="-100000" b="-100000"/>
+                </a:gradFill>
+                <a:latin typeface="Rockwell" panose="02060603020205020403" pitchFamily="18" charset="77"/>
+              </a:rPr>
+              <a:t>...later that week...</a:t>
             </a:r>
           </a:p>
         </p:txBody>
@@ -16860,7 +15974,7 @@
     </p:spTree>
     <p:extLst>
       <p:ext uri="{BB962C8B-B14F-4D97-AF65-F5344CB8AC3E}">
-        <p14:creationId xmlns:p14="http://schemas.microsoft.com/office/powerpoint/2010/main" val="390915384"/>
+        <p14:creationId xmlns:p14="http://schemas.microsoft.com/office/powerpoint/2010/main" val="4216904978"/>
       </p:ext>
     </p:extLst>
   </p:cSld>
@@ -16878,7 +15992,7 @@
         <p:cNvPr id="1" name="">
           <a:extLst>
             <a:ext uri="{FF2B5EF4-FFF2-40B4-BE49-F238E27FC236}">
-              <a16:creationId xmlns:a16="http://schemas.microsoft.com/office/drawing/2014/main" id="{4068A5C4-D324-9622-A0B9-43EDC43C4189}"/>
+              <a16:creationId xmlns:a16="http://schemas.microsoft.com/office/drawing/2014/main" id="{E4AA32C2-CE39-CE40-E42D-8229633894B7}"/>
             </a:ext>
           </a:extLst>
         </p:cNvPr>
@@ -16893,203 +16007,82 @@
           <a:chExt cx="0" cy="0"/>
         </a:xfrm>
       </p:grpSpPr>
-      <p:pic>
-        <p:nvPicPr>
-          <p:cNvPr id="3" name="Picture 2" descr="A red line drawing of a cross&#10;&#10;Description automatically generated">
-            <a:extLst>
-              <a:ext uri="{FF2B5EF4-FFF2-40B4-BE49-F238E27FC236}">
-                <a16:creationId xmlns:a16="http://schemas.microsoft.com/office/drawing/2014/main" id="{CA016657-5849-D74D-EE22-45A532F8A40A}"/>
-              </a:ext>
-            </a:extLst>
-          </p:cNvPr>
-          <p:cNvPicPr>
-            <a:picLocks noChangeAspect="1"/>
-          </p:cNvPicPr>
+      <p:sp>
+        <p:nvSpPr>
+          <p:cNvPr id="2" name="Rectangle 1">
+            <a:extLst>
+              <a:ext uri="{FF2B5EF4-FFF2-40B4-BE49-F238E27FC236}">
+                <a16:creationId xmlns:a16="http://schemas.microsoft.com/office/drawing/2014/main" id="{C40E7C38-CAFB-366B-0857-FF89488AC047}"/>
+              </a:ext>
+            </a:extLst>
+          </p:cNvPr>
+          <p:cNvSpPr/>
           <p:nvPr/>
-        </p:nvPicPr>
-        <p:blipFill>
-          <a:blip r:embed="rId3"/>
-          <a:stretch>
-            <a:fillRect/>
-          </a:stretch>
-        </p:blipFill>
+        </p:nvSpPr>
         <p:spPr>
           <a:xfrm>
-            <a:off x="1133856" y="732908"/>
-            <a:ext cx="9784080" cy="5105062"/>
+            <a:off x="0" y="0"/>
+            <a:ext cx="12201144" cy="6867144"/>
           </a:xfrm>
           <a:prstGeom prst="rect">
             <a:avLst/>
           </a:prstGeom>
+          <a:solidFill>
+            <a:schemeClr val="tx1"/>
+          </a:solidFill>
+          <a:ln>
+            <a:solidFill>
+              <a:schemeClr val="tx1"/>
+            </a:solidFill>
+          </a:ln>
         </p:spPr>
-      </p:pic>
-      <p:pic>
-        <p:nvPicPr>
-          <p:cNvPr id="5" name="Picture 4">
-            <a:extLst>
-              <a:ext uri="{FF2B5EF4-FFF2-40B4-BE49-F238E27FC236}">
-                <a16:creationId xmlns:a16="http://schemas.microsoft.com/office/drawing/2014/main" id="{5FC363C0-3064-03C8-314B-6D125E30FB73}"/>
-              </a:ext>
-            </a:extLst>
-          </p:cNvPr>
-          <p:cNvPicPr>
-            <a:picLocks noChangeAspect="1"/>
-          </p:cNvPicPr>
-          <p:nvPr/>
-        </p:nvPicPr>
-        <p:blipFill>
-          <a:blip r:embed="rId4"/>
-          <a:srcRect/>
-          <a:stretch/>
-        </p:blipFill>
-        <p:spPr>
-          <a:xfrm>
-            <a:off x="1506598" y="2019362"/>
-            <a:ext cx="3396984" cy="2799525"/>
-          </a:xfrm>
-          <a:prstGeom prst="rect">
-            <a:avLst/>
-          </a:prstGeom>
-        </p:spPr>
-      </p:pic>
-      <p:pic>
-        <p:nvPicPr>
-          <p:cNvPr id="9" name="Picture 8">
-            <a:extLst>
-              <a:ext uri="{FF2B5EF4-FFF2-40B4-BE49-F238E27FC236}">
-                <a16:creationId xmlns:a16="http://schemas.microsoft.com/office/drawing/2014/main" id="{700856C3-6CAF-FDA7-1CA4-E1ED9BA8D18C}"/>
-              </a:ext>
-            </a:extLst>
-          </p:cNvPr>
-          <p:cNvPicPr>
-            <a:picLocks noChangeAspect="1"/>
-          </p:cNvPicPr>
-          <p:nvPr/>
-        </p:nvPicPr>
-        <p:blipFill>
-          <a:blip r:embed="rId5"/>
-          <a:srcRect/>
-          <a:stretch/>
-        </p:blipFill>
-        <p:spPr>
-          <a:xfrm>
-            <a:off x="7288420" y="1469248"/>
-            <a:ext cx="3059125" cy="3919503"/>
-          </a:xfrm>
-          <a:prstGeom prst="rect">
-            <a:avLst/>
-          </a:prstGeom>
-        </p:spPr>
-      </p:pic>
-      <p:sp>
-        <p:nvSpPr>
-          <p:cNvPr id="10" name="TextBox 9">
-            <a:extLst>
-              <a:ext uri="{FF2B5EF4-FFF2-40B4-BE49-F238E27FC236}">
-                <a16:creationId xmlns:a16="http://schemas.microsoft.com/office/drawing/2014/main" id="{25E0C803-939C-8230-C1FF-97CFB8F9AAEB}"/>
-              </a:ext>
-            </a:extLst>
-          </p:cNvPr>
-          <p:cNvSpPr txBox="1"/>
-          <p:nvPr/>
-        </p:nvSpPr>
-        <p:spPr>
-          <a:xfrm>
-            <a:off x="8513064" y="548242"/>
-            <a:ext cx="1097801" cy="369332"/>
-          </a:xfrm>
-          <a:prstGeom prst="rect">
-            <a:avLst/>
-          </a:prstGeom>
-          <a:noFill/>
-        </p:spPr>
-        <p:txBody>
-          <a:bodyPr wrap="none" rtlCol="0">
-            <a:spAutoFit/>
-          </a:bodyPr>
-          <a:lstStyle/>
-          <a:p>
-            <a:r>
-              <a:rPr lang="en-US"/>
-              <a:t>Approved</a:t>
-            </a:r>
-          </a:p>
-        </p:txBody>
-      </p:sp>
-      <p:sp>
-        <p:nvSpPr>
-          <p:cNvPr id="11" name="TextBox 10">
-            <a:extLst>
-              <a:ext uri="{FF2B5EF4-FFF2-40B4-BE49-F238E27FC236}">
-                <a16:creationId xmlns:a16="http://schemas.microsoft.com/office/drawing/2014/main" id="{411D2564-CF9C-62F5-A864-9EB1C8444397}"/>
-              </a:ext>
-            </a:extLst>
-          </p:cNvPr>
-          <p:cNvSpPr txBox="1"/>
-          <p:nvPr/>
-        </p:nvSpPr>
-        <p:spPr>
-          <a:xfrm>
-            <a:off x="4608576" y="256955"/>
-            <a:ext cx="3383811" cy="369332"/>
-          </a:xfrm>
-          <a:prstGeom prst="rect">
-            <a:avLst/>
-          </a:prstGeom>
-          <a:noFill/>
-        </p:spPr>
-        <p:txBody>
-          <a:bodyPr wrap="none" rtlCol="0">
-            <a:spAutoFit/>
-          </a:bodyPr>
-          <a:lstStyle/>
-          <a:p>
-            <a:r>
-              <a:rPr lang="en-US"/>
-              <a:t>Much easier to see the big picture</a:t>
-            </a:r>
-          </a:p>
-        </p:txBody>
-      </p:sp>
-      <p:sp>
-        <p:nvSpPr>
-          <p:cNvPr id="12" name="TextBox 11">
-            <a:extLst>
-              <a:ext uri="{FF2B5EF4-FFF2-40B4-BE49-F238E27FC236}">
-                <a16:creationId xmlns:a16="http://schemas.microsoft.com/office/drawing/2014/main" id="{C8A4B7F2-2D59-0CEB-CFCF-C7765F8E68CC}"/>
-              </a:ext>
-            </a:extLst>
-          </p:cNvPr>
-          <p:cNvSpPr txBox="1"/>
-          <p:nvPr/>
-        </p:nvSpPr>
-        <p:spPr>
-          <a:xfrm>
-            <a:off x="484632" y="6059291"/>
-            <a:ext cx="6502165" cy="369332"/>
-          </a:xfrm>
-          <a:prstGeom prst="rect">
-            <a:avLst/>
-          </a:prstGeom>
-          <a:noFill/>
-        </p:spPr>
-        <p:txBody>
-          <a:bodyPr wrap="none" rtlCol="0">
-            <a:spAutoFit/>
-          </a:bodyPr>
-          <a:lstStyle/>
-          <a:p>
-            <a:r>
-              <a:rPr lang="en-US"/>
-              <a:t>how do they relate to each other? what’s the differences? grouping</a:t>
-            </a:r>
+        <p:style>
+          <a:lnRef idx="2">
+            <a:schemeClr val="accent1">
+              <a:shade val="15000"/>
+            </a:schemeClr>
+          </a:lnRef>
+          <a:fillRef idx="1">
+            <a:schemeClr val="accent1"/>
+          </a:fillRef>
+          <a:effectRef idx="0">
+            <a:schemeClr val="accent1"/>
+          </a:effectRef>
+          <a:fontRef idx="minor">
+            <a:schemeClr val="lt1"/>
+          </a:fontRef>
+        </p:style>
+        <p:txBody>
+          <a:bodyPr rtlCol="0" anchor="ctr"/>
+          <a:lstStyle/>
+          <a:p>
+            <a:pPr algn="ctr"/>
+            <a:r>
+              <a:rPr lang="en-US" sz="4400" b="1">
+                <a:solidFill>
+                  <a:schemeClr val="tx1">
+                    <a:lumMod val="85000"/>
+                    <a:lumOff val="15000"/>
+                  </a:schemeClr>
+                </a:solidFill>
+              </a:rPr>
+              <a:t>code</a:t>
+            </a:r>
+            <a:endParaRPr lang="en-US" b="1">
+              <a:solidFill>
+                <a:schemeClr val="tx1">
+                  <a:lumMod val="85000"/>
+                  <a:lumOff val="15000"/>
+                </a:schemeClr>
+              </a:solidFill>
+            </a:endParaRPr>
           </a:p>
         </p:txBody>
       </p:sp>
     </p:spTree>
     <p:extLst>
       <p:ext uri="{BB962C8B-B14F-4D97-AF65-F5344CB8AC3E}">
-        <p14:creationId xmlns:p14="http://schemas.microsoft.com/office/powerpoint/2010/main" val="365005401"/>
+        <p14:creationId xmlns:p14="http://schemas.microsoft.com/office/powerpoint/2010/main" val="113290100"/>
       </p:ext>
     </p:extLst>
   </p:cSld>
@@ -17104,13 +16097,7 @@
   <p:cSld>
     <p:spTree>
       <p:nvGrpSpPr>
-        <p:cNvPr id="1" name="">
-          <a:extLst>
-            <a:ext uri="{FF2B5EF4-FFF2-40B4-BE49-F238E27FC236}">
-              <a16:creationId xmlns:a16="http://schemas.microsoft.com/office/drawing/2014/main" id="{2ADECCB3-73C1-1CC7-2FD6-9C97A1BC5E47}"/>
-            </a:ext>
-          </a:extLst>
-        </p:cNvPr>
+        <p:cNvPr id="1" name=""/>
         <p:cNvGrpSpPr/>
         <p:nvPr/>
       </p:nvGrpSpPr>
@@ -17122,47 +16109,12 @@
           <a:chExt cx="0" cy="0"/>
         </a:xfrm>
       </p:grpSpPr>
-      <p:sp>
-        <p:nvSpPr>
-          <p:cNvPr id="11" name="TextBox 10">
-            <a:extLst>
-              <a:ext uri="{FF2B5EF4-FFF2-40B4-BE49-F238E27FC236}">
-                <a16:creationId xmlns:a16="http://schemas.microsoft.com/office/drawing/2014/main" id="{0D548AF9-35A8-2E45-FE54-4F3F4522EA17}"/>
-              </a:ext>
-            </a:extLst>
-          </p:cNvPr>
-          <p:cNvSpPr txBox="1"/>
-          <p:nvPr/>
-        </p:nvSpPr>
-        <p:spPr>
-          <a:xfrm>
-            <a:off x="4608576" y="256955"/>
-            <a:ext cx="3383811" cy="369332"/>
-          </a:xfrm>
-          <a:prstGeom prst="rect">
-            <a:avLst/>
-          </a:prstGeom>
-          <a:noFill/>
-        </p:spPr>
-        <p:txBody>
-          <a:bodyPr wrap="none" rtlCol="0">
-            <a:spAutoFit/>
-          </a:bodyPr>
-          <a:lstStyle/>
-          <a:p>
-            <a:r>
-              <a:rPr lang="en-US"/>
-              <a:t>Much easier to see the big picture</a:t>
-            </a:r>
-          </a:p>
-        </p:txBody>
-      </p:sp>
       <p:pic>
         <p:nvPicPr>
-          <p:cNvPr id="4" name="Picture 3">
-            <a:extLst>
-              <a:ext uri="{FF2B5EF4-FFF2-40B4-BE49-F238E27FC236}">
-                <a16:creationId xmlns:a16="http://schemas.microsoft.com/office/drawing/2014/main" id="{E945B838-3D2E-C8F9-4EB9-5B4104F19A27}"/>
+          <p:cNvPr id="3" name="Picture 2" descr="A screenshot of a chat&#10;&#10;Description automatically generated">
+            <a:extLst>
+              <a:ext uri="{FF2B5EF4-FFF2-40B4-BE49-F238E27FC236}">
+                <a16:creationId xmlns:a16="http://schemas.microsoft.com/office/drawing/2014/main" id="{5F2AF190-141F-A891-5557-27E06F30D235}"/>
               </a:ext>
             </a:extLst>
           </p:cNvPr>
@@ -17172,150 +16124,25 @@
           <p:nvPr/>
         </p:nvPicPr>
         <p:blipFill>
-          <a:blip r:embed="rId3"/>
-          <a:srcRect/>
-          <a:stretch/>
+          <a:blip r:embed="rId2"/>
+          <a:stretch>
+            <a:fillRect/>
+          </a:stretch>
         </p:blipFill>
         <p:spPr>
           <a:xfrm>
-            <a:off x="784572" y="1719329"/>
-            <a:ext cx="5627918" cy="3123422"/>
+            <a:off x="1947672" y="1035456"/>
+            <a:ext cx="7772400" cy="3739626"/>
           </a:xfrm>
           <a:prstGeom prst="rect">
             <a:avLst/>
           </a:prstGeom>
         </p:spPr>
       </p:pic>
-      <p:pic>
-        <p:nvPicPr>
-          <p:cNvPr id="6" name="Picture 5" descr="A red line with black text&#10;&#10;Description automatically generated">
-            <a:extLst>
-              <a:ext uri="{FF2B5EF4-FFF2-40B4-BE49-F238E27FC236}">
-                <a16:creationId xmlns:a16="http://schemas.microsoft.com/office/drawing/2014/main" id="{B143E2DA-63D7-819D-7070-4BC7716FAE6A}"/>
-              </a:ext>
-            </a:extLst>
-          </p:cNvPr>
-          <p:cNvPicPr>
-            <a:picLocks noChangeAspect="1"/>
-          </p:cNvPicPr>
-          <p:nvPr/>
-        </p:nvPicPr>
-        <p:blipFill>
-          <a:blip r:embed="rId4">
-            <a:duotone>
-              <a:prstClr val="black"/>
-              <a:schemeClr val="accent5">
-                <a:tint val="45000"/>
-                <a:satMod val="400000"/>
-              </a:schemeClr>
-            </a:duotone>
-          </a:blip>
-          <a:stretch>
-            <a:fillRect/>
-          </a:stretch>
-        </p:blipFill>
-        <p:spPr>
-          <a:xfrm>
-            <a:off x="8412480" y="2510270"/>
-            <a:ext cx="1868538" cy="1837460"/>
-          </a:xfrm>
-          <a:prstGeom prst="rect">
-            <a:avLst/>
-          </a:prstGeom>
-        </p:spPr>
-      </p:pic>
-      <p:sp>
-        <p:nvSpPr>
-          <p:cNvPr id="7" name="TextBox 6">
-            <a:extLst>
-              <a:ext uri="{FF2B5EF4-FFF2-40B4-BE49-F238E27FC236}">
-                <a16:creationId xmlns:a16="http://schemas.microsoft.com/office/drawing/2014/main" id="{795B8950-5055-F300-E38F-42347B5E5A79}"/>
-              </a:ext>
-            </a:extLst>
-          </p:cNvPr>
-          <p:cNvSpPr txBox="1"/>
-          <p:nvPr/>
-        </p:nvSpPr>
-        <p:spPr>
-          <a:xfrm>
-            <a:off x="8274725" y="1271016"/>
-            <a:ext cx="2950808" cy="923330"/>
-          </a:xfrm>
-          <a:prstGeom prst="rect">
-            <a:avLst/>
-          </a:prstGeom>
-          <a:noFill/>
-        </p:spPr>
-        <p:txBody>
-          <a:bodyPr wrap="none" rtlCol="0">
-            <a:spAutoFit/>
-          </a:bodyPr>
-          <a:lstStyle/>
-          <a:p>
-            <a:r>
-              <a:rPr lang="en-US"/>
-              <a:t>we still have this one</a:t>
-            </a:r>
-          </a:p>
-          <a:p>
-            <a:r>
-              <a:rPr lang="en-US"/>
-              <a:t>in the new format</a:t>
-            </a:r>
-          </a:p>
-          <a:p>
-            <a:r>
-              <a:rPr lang="en-US"/>
-              <a:t>messy setup – needed config</a:t>
-            </a:r>
-          </a:p>
-        </p:txBody>
-      </p:sp>
-      <p:sp>
-        <p:nvSpPr>
-          <p:cNvPr id="8" name="TextBox 7">
-            <a:extLst>
-              <a:ext uri="{FF2B5EF4-FFF2-40B4-BE49-F238E27FC236}">
-                <a16:creationId xmlns:a16="http://schemas.microsoft.com/office/drawing/2014/main" id="{A70C6E79-EEB0-E3E2-FE31-4C357FC64695}"/>
-              </a:ext>
-            </a:extLst>
-          </p:cNvPr>
-          <p:cNvSpPr txBox="1"/>
-          <p:nvPr/>
-        </p:nvSpPr>
-        <p:spPr>
-          <a:xfrm>
-            <a:off x="8511428" y="3813048"/>
-            <a:ext cx="2049892" cy="400110"/>
-          </a:xfrm>
-          <a:prstGeom prst="rect">
-            <a:avLst/>
-          </a:prstGeom>
-          <a:noFill/>
-        </p:spPr>
-        <p:txBody>
-          <a:bodyPr wrap="square" rtlCol="0">
-            <a:spAutoFit/>
-          </a:bodyPr>
-          <a:lstStyle/>
-          <a:p>
-            <a:r>
-              <a:rPr lang="en-US" sz="2000" b="1">
-                <a:solidFill>
-                  <a:srgbClr val="FF0000"/>
-                </a:solidFill>
-                <a:latin typeface="Dreaming Outloud Script Pro" panose="020F0502020204030204" pitchFamily="34" charset="0"/>
-                <a:cs typeface="Dreaming Outloud Script Pro" panose="020F0502020204030204" pitchFamily="34" charset="0"/>
-              </a:rPr>
-              <a:t>messy setup</a:t>
-            </a:r>
-          </a:p>
-        </p:txBody>
-      </p:sp>
     </p:spTree>
     <p:extLst>
       <p:ext uri="{BB962C8B-B14F-4D97-AF65-F5344CB8AC3E}">
-        <p14:creationId xmlns:p14="http://schemas.microsoft.com/office/powerpoint/2010/main" val="1092432050"/>
+        <p14:creationId xmlns:p14="http://schemas.microsoft.com/office/powerpoint/2010/main" val="2676625942"/>
       </p:ext>
     </p:extLst>
   </p:cSld>
@@ -17333,7 +16160,7 @@
         <p:cNvPr id="1" name="">
           <a:extLst>
             <a:ext uri="{FF2B5EF4-FFF2-40B4-BE49-F238E27FC236}">
-              <a16:creationId xmlns:a16="http://schemas.microsoft.com/office/drawing/2014/main" id="{3FDCCF2E-EA22-729E-F16E-D6FBFF4A6D3C}"/>
+              <a16:creationId xmlns:a16="http://schemas.microsoft.com/office/drawing/2014/main" id="{AD0A0996-C852-596F-EA5E-364A03EFA1A4}"/>
             </a:ext>
           </a:extLst>
         </p:cNvPr>
@@ -17348,40 +16175,93 @@
           <a:chExt cx="0" cy="0"/>
         </a:xfrm>
       </p:grpSpPr>
-      <p:pic>
-        <p:nvPicPr>
-          <p:cNvPr id="8" name="Picture 7" descr="A screenshot of a screenshot of a chat&#10;&#10;Description automatically generated">
-            <a:extLst>
-              <a:ext uri="{FF2B5EF4-FFF2-40B4-BE49-F238E27FC236}">
-                <a16:creationId xmlns:a16="http://schemas.microsoft.com/office/drawing/2014/main" id="{C3E80650-AD99-274B-9B63-9D43D55C5CF6}"/>
-              </a:ext>
-            </a:extLst>
-          </p:cNvPr>
-          <p:cNvPicPr>
-            <a:picLocks noChangeAspect="1"/>
-          </p:cNvPicPr>
+      <p:sp>
+        <p:nvSpPr>
+          <p:cNvPr id="3" name="TextBox 2">
+            <a:extLst>
+              <a:ext uri="{FF2B5EF4-FFF2-40B4-BE49-F238E27FC236}">
+                <a16:creationId xmlns:a16="http://schemas.microsoft.com/office/drawing/2014/main" id="{5DAB4D35-4B05-7EDE-5BD4-550940E56FCC}"/>
+              </a:ext>
+            </a:extLst>
+          </p:cNvPr>
+          <p:cNvSpPr txBox="1"/>
           <p:nvPr/>
-        </p:nvPicPr>
-        <p:blipFill>
-          <a:blip r:embed="rId3"/>
-          <a:stretch>
-            <a:fillRect/>
-          </a:stretch>
-        </p:blipFill>
+        </p:nvSpPr>
         <p:spPr>
           <a:xfrm>
-            <a:off x="3867266" y="647192"/>
-            <a:ext cx="3905134" cy="5400931"/>
+            <a:off x="868680" y="786384"/>
+            <a:ext cx="1679434" cy="369332"/>
           </a:xfrm>
           <a:prstGeom prst="rect">
             <a:avLst/>
           </a:prstGeom>
+          <a:noFill/>
         </p:spPr>
-      </p:pic>
+        <p:txBody>
+          <a:bodyPr wrap="none" rtlCol="0">
+            <a:spAutoFit/>
+          </a:bodyPr>
+          <a:lstStyle/>
+          <a:p>
+            <a:r>
+              <a:rPr lang="en-US"/>
+              <a:t>Remember this:</a:t>
+            </a:r>
+          </a:p>
+        </p:txBody>
+      </p:sp>
+      <p:sp>
+        <p:nvSpPr>
+          <p:cNvPr id="4" name="TextBox 3">
+            <a:extLst>
+              <a:ext uri="{FF2B5EF4-FFF2-40B4-BE49-F238E27FC236}">
+                <a16:creationId xmlns:a16="http://schemas.microsoft.com/office/drawing/2014/main" id="{C1708664-0C28-4B6E-B6B2-12AD1DBFE71F}"/>
+              </a:ext>
+            </a:extLst>
+          </p:cNvPr>
+          <p:cNvSpPr txBox="1"/>
+          <p:nvPr/>
+        </p:nvSpPr>
+        <p:spPr>
+          <a:xfrm>
+            <a:off x="978408" y="1682496"/>
+            <a:ext cx="9057288" cy="923330"/>
+          </a:xfrm>
+          <a:prstGeom prst="rect">
+            <a:avLst/>
+          </a:prstGeom>
+          <a:noFill/>
+        </p:spPr>
+        <p:txBody>
+          <a:bodyPr wrap="none" rtlCol="0">
+            <a:spAutoFit/>
+          </a:bodyPr>
+          <a:lstStyle/>
+          <a:p>
+            <a:pPr marL="285750" indent="-285750">
+              <a:buFont typeface="Arial" panose="020B0604020202020204" pitchFamily="34" charset="0"/>
+              <a:buChar char="•"/>
+            </a:pPr>
+            <a:r>
+              <a:rPr lang="en-US"/>
+              <a:t>When you have a lot of similar scenarios, allow yourself to see both the forest and the trees</a:t>
+            </a:r>
+          </a:p>
+          <a:p>
+            <a:pPr marL="342900" indent="-342900">
+              <a:buAutoNum type="arabicPeriod"/>
+            </a:pPr>
+            <a:endParaRPr lang="en-US"/>
+          </a:p>
+          <a:p>
+            <a:endParaRPr lang="en-US"/>
+          </a:p>
+        </p:txBody>
+      </p:sp>
     </p:spTree>
     <p:extLst>
       <p:ext uri="{BB962C8B-B14F-4D97-AF65-F5344CB8AC3E}">
-        <p14:creationId xmlns:p14="http://schemas.microsoft.com/office/powerpoint/2010/main" val="46061325"/>
+        <p14:creationId xmlns:p14="http://schemas.microsoft.com/office/powerpoint/2010/main" val="4274426015"/>
       </p:ext>
     </p:extLst>
   </p:cSld>
@@ -17396,10 +16276,151 @@
   <p:cSld>
     <p:spTree>
       <p:nvGrpSpPr>
+        <p:cNvPr id="1" name=""/>
+        <p:cNvGrpSpPr/>
+        <p:nvPr/>
+      </p:nvGrpSpPr>
+      <p:grpSpPr>
+        <a:xfrm>
+          <a:off x="0" y="0"/>
+          <a:ext cx="0" cy="0"/>
+          <a:chOff x="0" y="0"/>
+          <a:chExt cx="0" cy="0"/>
+        </a:xfrm>
+      </p:grpSpPr>
+      <p:pic>
+        <p:nvPicPr>
+          <p:cNvPr id="1028" name="Picture 4" descr="Silent Movie Silent Film Title Card: Free Download — CopyCatFilms">
+            <a:extLst>
+              <a:ext uri="{FF2B5EF4-FFF2-40B4-BE49-F238E27FC236}">
+                <a16:creationId xmlns:a16="http://schemas.microsoft.com/office/drawing/2014/main" id="{65DC3069-C79D-A5FF-3756-0C1F3F22604B}"/>
+              </a:ext>
+            </a:extLst>
+          </p:cNvPr>
+          <p:cNvPicPr>
+            <a:picLocks noChangeAspect="1" noChangeArrowheads="1"/>
+          </p:cNvPicPr>
+          <p:nvPr/>
+        </p:nvPicPr>
+        <p:blipFill>
+          <a:blip r:embed="rId2">
+            <a:extLst>
+              <a:ext uri="{28A0092B-C50C-407E-A947-70E740481C1C}">
+                <a14:useLocalDpi xmlns:a14="http://schemas.microsoft.com/office/drawing/2010/main" val="0"/>
+              </a:ext>
+            </a:extLst>
+          </a:blip>
+          <a:srcRect/>
+          <a:stretch>
+            <a:fillRect/>
+          </a:stretch>
+        </p:blipFill>
+        <p:spPr bwMode="auto">
+          <a:xfrm>
+            <a:off x="0" y="4261"/>
+            <a:ext cx="12192000" cy="6853739"/>
+          </a:xfrm>
+          <a:prstGeom prst="rect">
+            <a:avLst/>
+          </a:prstGeom>
+          <a:noFill/>
+          <a:extLst>
+            <a:ext uri="{909E8E84-426E-40DD-AFC4-6F175D3DCCD1}">
+              <a14:hiddenFill xmlns:a14="http://schemas.microsoft.com/office/drawing/2010/main">
+                <a:solidFill>
+                  <a:srgbClr val="FFFFFF"/>
+                </a:solidFill>
+              </a14:hiddenFill>
+            </a:ext>
+          </a:extLst>
+        </p:spPr>
+      </p:pic>
+      <p:sp>
+        <p:nvSpPr>
+          <p:cNvPr id="2" name="TextBox 1">
+            <a:extLst>
+              <a:ext uri="{FF2B5EF4-FFF2-40B4-BE49-F238E27FC236}">
+                <a16:creationId xmlns:a16="http://schemas.microsoft.com/office/drawing/2014/main" id="{912AFC77-F5C7-10A1-50CC-05981BE8F9BC}"/>
+              </a:ext>
+            </a:extLst>
+          </p:cNvPr>
+          <p:cNvSpPr txBox="1"/>
+          <p:nvPr/>
+        </p:nvSpPr>
+        <p:spPr>
+          <a:xfrm>
+            <a:off x="3467488" y="2876443"/>
+            <a:ext cx="5494196" cy="769441"/>
+          </a:xfrm>
+          <a:prstGeom prst="rect">
+            <a:avLst/>
+          </a:prstGeom>
+          <a:noFill/>
+        </p:spPr>
+        <p:txBody>
+          <a:bodyPr wrap="none" rtlCol="0">
+            <a:spAutoFit/>
+          </a:bodyPr>
+          <a:lstStyle/>
+          <a:p>
+            <a:pPr algn="ctr"/>
+            <a:r>
+              <a:rPr lang="en-US" sz="4400" b="1">
+                <a:gradFill flip="none" rotWithShape="1">
+                  <a:gsLst>
+                    <a:gs pos="0">
+                      <a:schemeClr val="bg1">
+                        <a:shade val="30000"/>
+                        <a:satMod val="115000"/>
+                      </a:schemeClr>
+                    </a:gs>
+                    <a:gs pos="50000">
+                      <a:schemeClr val="bg1">
+                        <a:shade val="67500"/>
+                        <a:satMod val="115000"/>
+                      </a:schemeClr>
+                    </a:gs>
+                    <a:gs pos="100000">
+                      <a:schemeClr val="bg1">
+                        <a:shade val="100000"/>
+                        <a:satMod val="115000"/>
+                      </a:schemeClr>
+                    </a:gs>
+                  </a:gsLst>
+                  <a:path path="circle">
+                    <a:fillToRect t="100000" r="100000"/>
+                  </a:path>
+                  <a:tileRect l="-100000" b="-100000"/>
+                </a:gradFill>
+                <a:latin typeface="Rockwell" panose="02060603020205020403" pitchFamily="18" charset="77"/>
+              </a:rPr>
+              <a:t>...later that week...</a:t>
+            </a:r>
+          </a:p>
+        </p:txBody>
+      </p:sp>
+    </p:spTree>
+    <p:extLst>
+      <p:ext uri="{BB962C8B-B14F-4D97-AF65-F5344CB8AC3E}">
+        <p14:creationId xmlns:p14="http://schemas.microsoft.com/office/powerpoint/2010/main" val="687934014"/>
+      </p:ext>
+    </p:extLst>
+  </p:cSld>
+  <p:clrMapOvr>
+    <a:masterClrMapping/>
+  </p:clrMapOvr>
+</p:sld>
+</file>
+
+<file path=ppt/slides/slide36.xml><?xml version="1.0" encoding="utf-8"?>
+<p:sld xmlns:a="http://schemas.openxmlformats.org/drawingml/2006/main" xmlns:r="http://schemas.openxmlformats.org/officeDocument/2006/relationships" xmlns:p="http://schemas.openxmlformats.org/presentationml/2006/main">
+  <p:cSld>
+    <p:spTree>
+      <p:nvGrpSpPr>
         <p:cNvPr id="1" name="">
           <a:extLst>
             <a:ext uri="{FF2B5EF4-FFF2-40B4-BE49-F238E27FC236}">
-              <a16:creationId xmlns:a16="http://schemas.microsoft.com/office/drawing/2014/main" id="{600AF390-6D46-9B8F-97D5-B18B3ED3325B}"/>
+              <a16:creationId xmlns:a16="http://schemas.microsoft.com/office/drawing/2014/main" id="{7FC0F5CC-C2FA-79E6-492C-3CD0E6D07BDC}"/>
             </a:ext>
           </a:extLst>
         </p:cNvPr>
@@ -17414,203 +16435,82 @@
           <a:chExt cx="0" cy="0"/>
         </a:xfrm>
       </p:grpSpPr>
-      <p:pic>
-        <p:nvPicPr>
-          <p:cNvPr id="3" name="Picture 2" descr="A red line drawing of a cross&#10;&#10;Description automatically generated">
-            <a:extLst>
-              <a:ext uri="{FF2B5EF4-FFF2-40B4-BE49-F238E27FC236}">
-                <a16:creationId xmlns:a16="http://schemas.microsoft.com/office/drawing/2014/main" id="{F791D2D4-76EE-F824-12C0-7251C88950CF}"/>
-              </a:ext>
-            </a:extLst>
-          </p:cNvPr>
-          <p:cNvPicPr>
-            <a:picLocks noChangeAspect="1"/>
-          </p:cNvPicPr>
+      <p:sp>
+        <p:nvSpPr>
+          <p:cNvPr id="2" name="Rectangle 1">
+            <a:extLst>
+              <a:ext uri="{FF2B5EF4-FFF2-40B4-BE49-F238E27FC236}">
+                <a16:creationId xmlns:a16="http://schemas.microsoft.com/office/drawing/2014/main" id="{D0804635-A67F-6167-8543-DCDA9503CBC9}"/>
+              </a:ext>
+            </a:extLst>
+          </p:cNvPr>
+          <p:cNvSpPr/>
           <p:nvPr/>
-        </p:nvPicPr>
-        <p:blipFill>
-          <a:blip r:embed="rId3"/>
-          <a:stretch>
-            <a:fillRect/>
-          </a:stretch>
-        </p:blipFill>
+        </p:nvSpPr>
         <p:spPr>
           <a:xfrm>
-            <a:off x="1133856" y="732908"/>
-            <a:ext cx="9784080" cy="5105062"/>
+            <a:off x="0" y="0"/>
+            <a:ext cx="12201144" cy="6867144"/>
           </a:xfrm>
           <a:prstGeom prst="rect">
             <a:avLst/>
           </a:prstGeom>
+          <a:solidFill>
+            <a:schemeClr val="tx1"/>
+          </a:solidFill>
+          <a:ln>
+            <a:solidFill>
+              <a:schemeClr val="tx1"/>
+            </a:solidFill>
+          </a:ln>
         </p:spPr>
-      </p:pic>
-      <p:pic>
-        <p:nvPicPr>
-          <p:cNvPr id="5" name="Picture 4">
-            <a:extLst>
-              <a:ext uri="{FF2B5EF4-FFF2-40B4-BE49-F238E27FC236}">
-                <a16:creationId xmlns:a16="http://schemas.microsoft.com/office/drawing/2014/main" id="{A3C54945-16B2-4C6C-AA1A-11E3ECA9B88A}"/>
-              </a:ext>
-            </a:extLst>
-          </p:cNvPr>
-          <p:cNvPicPr>
-            <a:picLocks noChangeAspect="1"/>
-          </p:cNvPicPr>
-          <p:nvPr/>
-        </p:nvPicPr>
-        <p:blipFill>
-          <a:blip r:embed="rId4"/>
-          <a:srcRect/>
-          <a:stretch/>
-        </p:blipFill>
-        <p:spPr>
-          <a:xfrm>
-            <a:off x="1506288" y="2019362"/>
-            <a:ext cx="3397605" cy="2799525"/>
-          </a:xfrm>
-          <a:prstGeom prst="rect">
-            <a:avLst/>
-          </a:prstGeom>
-        </p:spPr>
-      </p:pic>
-      <p:pic>
-        <p:nvPicPr>
-          <p:cNvPr id="9" name="Picture 8">
-            <a:extLst>
-              <a:ext uri="{FF2B5EF4-FFF2-40B4-BE49-F238E27FC236}">
-                <a16:creationId xmlns:a16="http://schemas.microsoft.com/office/drawing/2014/main" id="{85D30874-8D15-FC10-0F95-7F5C27843B3D}"/>
-              </a:ext>
-            </a:extLst>
-          </p:cNvPr>
-          <p:cNvPicPr>
-            <a:picLocks noChangeAspect="1"/>
-          </p:cNvPicPr>
-          <p:nvPr/>
-        </p:nvPicPr>
-        <p:blipFill>
-          <a:blip r:embed="rId5"/>
-          <a:srcRect/>
-          <a:stretch/>
-        </p:blipFill>
-        <p:spPr>
-          <a:xfrm>
-            <a:off x="7204068" y="1843140"/>
-            <a:ext cx="3059125" cy="3909587"/>
-          </a:xfrm>
-          <a:prstGeom prst="rect">
-            <a:avLst/>
-          </a:prstGeom>
-        </p:spPr>
-      </p:pic>
-      <p:sp>
-        <p:nvSpPr>
-          <p:cNvPr id="10" name="TextBox 9">
-            <a:extLst>
-              <a:ext uri="{FF2B5EF4-FFF2-40B4-BE49-F238E27FC236}">
-                <a16:creationId xmlns:a16="http://schemas.microsoft.com/office/drawing/2014/main" id="{557A2E48-64AB-E177-476F-CA50FBE3D6E6}"/>
-              </a:ext>
-            </a:extLst>
-          </p:cNvPr>
-          <p:cNvSpPr txBox="1"/>
-          <p:nvPr/>
-        </p:nvSpPr>
-        <p:spPr>
-          <a:xfrm>
-            <a:off x="8513064" y="548242"/>
-            <a:ext cx="1097801" cy="369332"/>
-          </a:xfrm>
-          <a:prstGeom prst="rect">
-            <a:avLst/>
-          </a:prstGeom>
-          <a:noFill/>
-        </p:spPr>
-        <p:txBody>
-          <a:bodyPr wrap="none" rtlCol="0">
-            <a:spAutoFit/>
-          </a:bodyPr>
-          <a:lstStyle/>
-          <a:p>
-            <a:r>
-              <a:rPr lang="en-US"/>
-              <a:t>Approved</a:t>
-            </a:r>
-          </a:p>
-        </p:txBody>
-      </p:sp>
-      <p:sp>
-        <p:nvSpPr>
-          <p:cNvPr id="11" name="TextBox 10">
-            <a:extLst>
-              <a:ext uri="{FF2B5EF4-FFF2-40B4-BE49-F238E27FC236}">
-                <a16:creationId xmlns:a16="http://schemas.microsoft.com/office/drawing/2014/main" id="{C5D379ED-65C8-6BEB-DF97-A0BD04C0A99C}"/>
-              </a:ext>
-            </a:extLst>
-          </p:cNvPr>
-          <p:cNvSpPr txBox="1"/>
-          <p:nvPr/>
-        </p:nvSpPr>
-        <p:spPr>
-          <a:xfrm>
-            <a:off x="4608576" y="256955"/>
-            <a:ext cx="3383811" cy="369332"/>
-          </a:xfrm>
-          <a:prstGeom prst="rect">
-            <a:avLst/>
-          </a:prstGeom>
-          <a:noFill/>
-        </p:spPr>
-        <p:txBody>
-          <a:bodyPr wrap="none" rtlCol="0">
-            <a:spAutoFit/>
-          </a:bodyPr>
-          <a:lstStyle/>
-          <a:p>
-            <a:r>
-              <a:rPr lang="en-US"/>
-              <a:t>Much easier to see the big picture</a:t>
-            </a:r>
-          </a:p>
-        </p:txBody>
-      </p:sp>
-      <p:sp>
-        <p:nvSpPr>
-          <p:cNvPr id="12" name="TextBox 11">
-            <a:extLst>
-              <a:ext uri="{FF2B5EF4-FFF2-40B4-BE49-F238E27FC236}">
-                <a16:creationId xmlns:a16="http://schemas.microsoft.com/office/drawing/2014/main" id="{4AFF27AD-ED05-04DA-0862-8D5C92039BA4}"/>
-              </a:ext>
-            </a:extLst>
-          </p:cNvPr>
-          <p:cNvSpPr txBox="1"/>
-          <p:nvPr/>
-        </p:nvSpPr>
-        <p:spPr>
-          <a:xfrm>
-            <a:off x="484632" y="6059291"/>
-            <a:ext cx="6502165" cy="369332"/>
-          </a:xfrm>
-          <a:prstGeom prst="rect">
-            <a:avLst/>
-          </a:prstGeom>
-          <a:noFill/>
-        </p:spPr>
-        <p:txBody>
-          <a:bodyPr wrap="none" rtlCol="0">
-            <a:spAutoFit/>
-          </a:bodyPr>
-          <a:lstStyle/>
-          <a:p>
-            <a:r>
-              <a:rPr lang="en-US"/>
-              <a:t>how do they relate to each other? what’s the differences? grouping</a:t>
-            </a:r>
+        <p:style>
+          <a:lnRef idx="2">
+            <a:schemeClr val="accent1">
+              <a:shade val="15000"/>
+            </a:schemeClr>
+          </a:lnRef>
+          <a:fillRef idx="1">
+            <a:schemeClr val="accent1"/>
+          </a:fillRef>
+          <a:effectRef idx="0">
+            <a:schemeClr val="accent1"/>
+          </a:effectRef>
+          <a:fontRef idx="minor">
+            <a:schemeClr val="lt1"/>
+          </a:fontRef>
+        </p:style>
+        <p:txBody>
+          <a:bodyPr rtlCol="0" anchor="ctr"/>
+          <a:lstStyle/>
+          <a:p>
+            <a:pPr algn="ctr"/>
+            <a:r>
+              <a:rPr lang="en-US" sz="4400" b="1">
+                <a:solidFill>
+                  <a:schemeClr val="tx1">
+                    <a:lumMod val="85000"/>
+                    <a:lumOff val="15000"/>
+                  </a:schemeClr>
+                </a:solidFill>
+              </a:rPr>
+              <a:t>code</a:t>
+            </a:r>
+            <a:endParaRPr lang="en-US" b="1">
+              <a:solidFill>
+                <a:schemeClr val="tx1">
+                  <a:lumMod val="85000"/>
+                  <a:lumOff val="15000"/>
+                </a:schemeClr>
+              </a:solidFill>
+            </a:endParaRPr>
           </a:p>
         </p:txBody>
       </p:sp>
     </p:spTree>
     <p:extLst>
       <p:ext uri="{BB962C8B-B14F-4D97-AF65-F5344CB8AC3E}">
-        <p14:creationId xmlns:p14="http://schemas.microsoft.com/office/powerpoint/2010/main" val="3685982787"/>
+        <p14:creationId xmlns:p14="http://schemas.microsoft.com/office/powerpoint/2010/main" val="2726571313"/>
       </p:ext>
     </p:extLst>
   </p:cSld>
@@ -17620,7 +16520,126 @@
 </p:sld>
 </file>
 
-<file path=ppt/slides/slide36.xml><?xml version="1.0" encoding="utf-8"?>
+<file path=ppt/slides/slide37.xml><?xml version="1.0" encoding="utf-8"?>
+<p:sld xmlns:a="http://schemas.openxmlformats.org/drawingml/2006/main" xmlns:r="http://schemas.openxmlformats.org/officeDocument/2006/relationships" xmlns:p="http://schemas.openxmlformats.org/presentationml/2006/main">
+  <p:cSld>
+    <p:spTree>
+      <p:nvGrpSpPr>
+        <p:cNvPr id="1" name="">
+          <a:extLst>
+            <a:ext uri="{FF2B5EF4-FFF2-40B4-BE49-F238E27FC236}">
+              <a16:creationId xmlns:a16="http://schemas.microsoft.com/office/drawing/2014/main" id="{5F7778C0-6CFA-71C6-8DE9-3A8E90CB75C8}"/>
+            </a:ext>
+          </a:extLst>
+        </p:cNvPr>
+        <p:cNvGrpSpPr/>
+        <p:nvPr/>
+      </p:nvGrpSpPr>
+      <p:grpSpPr>
+        <a:xfrm>
+          <a:off x="0" y="0"/>
+          <a:ext cx="0" cy="0"/>
+          <a:chOff x="0" y="0"/>
+          <a:chExt cx="0" cy="0"/>
+        </a:xfrm>
+      </p:grpSpPr>
+      <p:sp>
+        <p:nvSpPr>
+          <p:cNvPr id="3" name="TextBox 2">
+            <a:extLst>
+              <a:ext uri="{FF2B5EF4-FFF2-40B4-BE49-F238E27FC236}">
+                <a16:creationId xmlns:a16="http://schemas.microsoft.com/office/drawing/2014/main" id="{A6DB054E-A768-8010-7F2C-6BC994A8509D}"/>
+              </a:ext>
+            </a:extLst>
+          </p:cNvPr>
+          <p:cNvSpPr txBox="1"/>
+          <p:nvPr/>
+        </p:nvSpPr>
+        <p:spPr>
+          <a:xfrm>
+            <a:off x="868680" y="786384"/>
+            <a:ext cx="1679434" cy="369332"/>
+          </a:xfrm>
+          <a:prstGeom prst="rect">
+            <a:avLst/>
+          </a:prstGeom>
+          <a:noFill/>
+        </p:spPr>
+        <p:txBody>
+          <a:bodyPr wrap="none" rtlCol="0">
+            <a:spAutoFit/>
+          </a:bodyPr>
+          <a:lstStyle/>
+          <a:p>
+            <a:r>
+              <a:rPr lang="en-US"/>
+              <a:t>Remember this:</a:t>
+            </a:r>
+          </a:p>
+        </p:txBody>
+      </p:sp>
+      <p:sp>
+        <p:nvSpPr>
+          <p:cNvPr id="4" name="TextBox 3">
+            <a:extLst>
+              <a:ext uri="{FF2B5EF4-FFF2-40B4-BE49-F238E27FC236}">
+                <a16:creationId xmlns:a16="http://schemas.microsoft.com/office/drawing/2014/main" id="{52211569-4A19-0C8A-ADBF-506AA1B2F777}"/>
+              </a:ext>
+            </a:extLst>
+          </p:cNvPr>
+          <p:cNvSpPr txBox="1"/>
+          <p:nvPr/>
+        </p:nvSpPr>
+        <p:spPr>
+          <a:xfrm>
+            <a:off x="978408" y="1682496"/>
+            <a:ext cx="795411" cy="923330"/>
+          </a:xfrm>
+          <a:prstGeom prst="rect">
+            <a:avLst/>
+          </a:prstGeom>
+          <a:noFill/>
+        </p:spPr>
+        <p:txBody>
+          <a:bodyPr wrap="none" rtlCol="0">
+            <a:spAutoFit/>
+          </a:bodyPr>
+          <a:lstStyle/>
+          <a:p>
+            <a:pPr marL="285750" indent="-285750">
+              <a:buFont typeface="Arial" panose="020B0604020202020204" pitchFamily="34" charset="0"/>
+              <a:buChar char="•"/>
+            </a:pPr>
+            <a:r>
+              <a:rPr lang="en-US"/>
+              <a:t>???</a:t>
+            </a:r>
+          </a:p>
+          <a:p>
+            <a:pPr marL="342900" indent="-342900">
+              <a:buAutoNum type="arabicPeriod"/>
+            </a:pPr>
+            <a:endParaRPr lang="en-US"/>
+          </a:p>
+          <a:p>
+            <a:endParaRPr lang="en-US"/>
+          </a:p>
+        </p:txBody>
+      </p:sp>
+    </p:spTree>
+    <p:extLst>
+      <p:ext uri="{BB962C8B-B14F-4D97-AF65-F5344CB8AC3E}">
+        <p14:creationId xmlns:p14="http://schemas.microsoft.com/office/powerpoint/2010/main" val="2471589264"/>
+      </p:ext>
+    </p:extLst>
+  </p:cSld>
+  <p:clrMapOvr>
+    <a:masterClrMapping/>
+  </p:clrMapOvr>
+</p:sld>
+</file>
+
+<file path=ppt/slides/slide38.xml><?xml version="1.0" encoding="utf-8"?>
 <p:sld xmlns:a="http://schemas.openxmlformats.org/drawingml/2006/main" xmlns:r="http://schemas.openxmlformats.org/officeDocument/2006/relationships" xmlns:p="http://schemas.openxmlformats.org/presentationml/2006/main">
   <p:cSld>
     <p:spTree>
@@ -17808,7 +16827,7 @@
 </p:sld>
 </file>
 
-<file path=ppt/slides/slide37.xml><?xml version="1.0" encoding="utf-8"?>
+<file path=ppt/slides/slide39.xml><?xml version="1.0" encoding="utf-8"?>
 <p:sld xmlns:a="http://schemas.openxmlformats.org/drawingml/2006/main" xmlns:r="http://schemas.openxmlformats.org/officeDocument/2006/relationships" xmlns:p="http://schemas.openxmlformats.org/presentationml/2006/main">
   <p:cSld>
     <p:spTree>
@@ -17912,7 +16931,86 @@
 </p:sld>
 </file>
 
-<file path=ppt/slides/slide38.xml><?xml version="1.0" encoding="utf-8"?>
+<file path=ppt/slides/slide4.xml><?xml version="1.0" encoding="utf-8"?>
+<p:sld xmlns:a="http://schemas.openxmlformats.org/drawingml/2006/main" xmlns:r="http://schemas.openxmlformats.org/officeDocument/2006/relationships" xmlns:p="http://schemas.openxmlformats.org/presentationml/2006/main">
+  <p:cSld>
+    <p:spTree>
+      <p:nvGrpSpPr>
+        <p:cNvPr id="1" name=""/>
+        <p:cNvGrpSpPr/>
+        <p:nvPr/>
+      </p:nvGrpSpPr>
+      <p:grpSpPr>
+        <a:xfrm>
+          <a:off x="0" y="0"/>
+          <a:ext cx="0" cy="0"/>
+          <a:chOff x="0" y="0"/>
+          <a:chExt cx="0" cy="0"/>
+        </a:xfrm>
+      </p:grpSpPr>
+      <p:sp>
+        <p:nvSpPr>
+          <p:cNvPr id="3" name="Content Placeholder 2">
+            <a:extLst>
+              <a:ext uri="{FF2B5EF4-FFF2-40B4-BE49-F238E27FC236}">
+                <a16:creationId xmlns:a16="http://schemas.microsoft.com/office/drawing/2014/main" id="{97ED9C79-29BD-492D-27BA-B9751E5EDE8E}"/>
+              </a:ext>
+            </a:extLst>
+          </p:cNvPr>
+          <p:cNvSpPr>
+            <a:spLocks noGrp="1"/>
+          </p:cNvSpPr>
+          <p:nvPr>
+            <p:ph idx="1"/>
+          </p:nvPr>
+        </p:nvSpPr>
+        <p:spPr/>
+        <p:txBody>
+          <a:bodyPr/>
+          <a:lstStyle/>
+          <a:p>
+            <a:pPr marL="0" indent="0">
+              <a:buNone/>
+            </a:pPr>
+            <a:r>
+              <a:rPr lang="en-US"/>
+              <a:t>“People don’t know what they want, </a:t>
+            </a:r>
+          </a:p>
+          <a:p>
+            <a:pPr marL="0" indent="0">
+              <a:buNone/>
+            </a:pPr>
+            <a:r>
+              <a:rPr lang="en-US"/>
+              <a:t>until they see what they don’t.”</a:t>
+            </a:r>
+          </a:p>
+          <a:p>
+            <a:pPr marL="0" indent="0">
+              <a:buNone/>
+            </a:pPr>
+            <a:r>
+              <a:rPr lang="en-US"/>
+              <a:t>- Alan Shalloway</a:t>
+            </a:r>
+          </a:p>
+        </p:txBody>
+      </p:sp>
+    </p:spTree>
+    <p:extLst>
+      <p:ext uri="{BB962C8B-B14F-4D97-AF65-F5344CB8AC3E}">
+        <p14:creationId xmlns:p14="http://schemas.microsoft.com/office/powerpoint/2010/main" val="957768367"/>
+      </p:ext>
+    </p:extLst>
+  </p:cSld>
+  <p:clrMapOvr>
+    <a:masterClrMapping/>
+  </p:clrMapOvr>
+</p:sld>
+</file>
+
+<file path=ppt/slides/slide40.xml><?xml version="1.0" encoding="utf-8"?>
 <p:sld xmlns:a="http://schemas.openxmlformats.org/drawingml/2006/main" xmlns:r="http://schemas.openxmlformats.org/officeDocument/2006/relationships" xmlns:p="http://schemas.openxmlformats.org/presentationml/2006/main">
   <p:cSld>
     <p:spTree>
@@ -17978,7 +17076,7 @@
 </p:sld>
 </file>
 
-<file path=ppt/slides/slide39.xml><?xml version="1.0" encoding="utf-8"?>
+<file path=ppt/slides/slide41.xml><?xml version="1.0" encoding="utf-8"?>
 <p:sld xmlns:a="http://schemas.openxmlformats.org/drawingml/2006/main" xmlns:r="http://schemas.openxmlformats.org/officeDocument/2006/relationships" xmlns:p="http://schemas.openxmlformats.org/presentationml/2006/main">
   <p:cSld>
     <p:spTree>
@@ -18014,86 +17112,7 @@
 </p:sld>
 </file>
 
-<file path=ppt/slides/slide4.xml><?xml version="1.0" encoding="utf-8"?>
-<p:sld xmlns:a="http://schemas.openxmlformats.org/drawingml/2006/main" xmlns:r="http://schemas.openxmlformats.org/officeDocument/2006/relationships" xmlns:p="http://schemas.openxmlformats.org/presentationml/2006/main">
-  <p:cSld>
-    <p:spTree>
-      <p:nvGrpSpPr>
-        <p:cNvPr id="1" name=""/>
-        <p:cNvGrpSpPr/>
-        <p:nvPr/>
-      </p:nvGrpSpPr>
-      <p:grpSpPr>
-        <a:xfrm>
-          <a:off x="0" y="0"/>
-          <a:ext cx="0" cy="0"/>
-          <a:chOff x="0" y="0"/>
-          <a:chExt cx="0" cy="0"/>
-        </a:xfrm>
-      </p:grpSpPr>
-      <p:sp>
-        <p:nvSpPr>
-          <p:cNvPr id="3" name="Content Placeholder 2">
-            <a:extLst>
-              <a:ext uri="{FF2B5EF4-FFF2-40B4-BE49-F238E27FC236}">
-                <a16:creationId xmlns:a16="http://schemas.microsoft.com/office/drawing/2014/main" id="{97ED9C79-29BD-492D-27BA-B9751E5EDE8E}"/>
-              </a:ext>
-            </a:extLst>
-          </p:cNvPr>
-          <p:cNvSpPr>
-            <a:spLocks noGrp="1"/>
-          </p:cNvSpPr>
-          <p:nvPr>
-            <p:ph idx="1"/>
-          </p:nvPr>
-        </p:nvSpPr>
-        <p:spPr/>
-        <p:txBody>
-          <a:bodyPr/>
-          <a:lstStyle/>
-          <a:p>
-            <a:pPr marL="0" indent="0">
-              <a:buNone/>
-            </a:pPr>
-            <a:r>
-              <a:rPr lang="en-US"/>
-              <a:t>“People don’t know what they want, </a:t>
-            </a:r>
-          </a:p>
-          <a:p>
-            <a:pPr marL="0" indent="0">
-              <a:buNone/>
-            </a:pPr>
-            <a:r>
-              <a:rPr lang="en-US"/>
-              <a:t>until they see what they don’t.”</a:t>
-            </a:r>
-          </a:p>
-          <a:p>
-            <a:pPr marL="0" indent="0">
-              <a:buNone/>
-            </a:pPr>
-            <a:r>
-              <a:rPr lang="en-US"/>
-              <a:t>- Alan Shalloway</a:t>
-            </a:r>
-          </a:p>
-        </p:txBody>
-      </p:sp>
-    </p:spTree>
-    <p:extLst>
-      <p:ext uri="{BB962C8B-B14F-4D97-AF65-F5344CB8AC3E}">
-        <p14:creationId xmlns:p14="http://schemas.microsoft.com/office/powerpoint/2010/main" val="957768367"/>
-      </p:ext>
-    </p:extLst>
-  </p:cSld>
-  <p:clrMapOvr>
-    <a:masterClrMapping/>
-  </p:clrMapOvr>
-</p:sld>
-</file>
-
-<file path=ppt/slides/slide40.xml><?xml version="1.0" encoding="utf-8"?>
+<file path=ppt/slides/slide42.xml><?xml version="1.0" encoding="utf-8"?>
 <p:sld xmlns:a="http://schemas.openxmlformats.org/drawingml/2006/main" xmlns:r="http://schemas.openxmlformats.org/officeDocument/2006/relationships" xmlns:p="http://schemas.openxmlformats.org/presentationml/2006/main" show="0">
   <p:cSld>
     <p:spTree>
@@ -18187,7 +17206,7 @@
 </p:sld>
 </file>
 
-<file path=ppt/slides/slide41.xml><?xml version="1.0" encoding="utf-8"?>
+<file path=ppt/slides/slide43.xml><?xml version="1.0" encoding="utf-8"?>
 <p:sld xmlns:a="http://schemas.openxmlformats.org/drawingml/2006/main" xmlns:r="http://schemas.openxmlformats.org/officeDocument/2006/relationships" xmlns:p="http://schemas.openxmlformats.org/presentationml/2006/main" show="0">
   <p:cSld>
     <p:spTree>
@@ -18324,7 +17343,7 @@
 </p:sld>
 </file>
 
-<file path=ppt/slides/slide42.xml><?xml version="1.0" encoding="utf-8"?>
+<file path=ppt/slides/slide44.xml><?xml version="1.0" encoding="utf-8"?>
 <p:sld xmlns:a="http://schemas.openxmlformats.org/drawingml/2006/main" xmlns:r="http://schemas.openxmlformats.org/officeDocument/2006/relationships" xmlns:p="http://schemas.openxmlformats.org/presentationml/2006/main" show="0">
   <p:cSld>
     <p:spTree>
@@ -19900,7 +18919,7 @@
 </p:sld>
 </file>
 
-<file path=ppt/slides/slide43.xml><?xml version="1.0" encoding="utf-8"?>
+<file path=ppt/slides/slide45.xml><?xml version="1.0" encoding="utf-8"?>
 <p:sld xmlns:a="http://schemas.openxmlformats.org/drawingml/2006/main" xmlns:r="http://schemas.openxmlformats.org/officeDocument/2006/relationships" xmlns:p="http://schemas.openxmlformats.org/presentationml/2006/main" show="0">
   <p:cSld>
     <p:spTree>
@@ -21188,7 +20207,7 @@
 </p:sld>
 </file>
 
-<file path=ppt/slides/slide44.xml><?xml version="1.0" encoding="utf-8"?>
+<file path=ppt/slides/slide46.xml><?xml version="1.0" encoding="utf-8"?>
 <p:sld xmlns:a="http://schemas.openxmlformats.org/drawingml/2006/main" xmlns:r="http://schemas.openxmlformats.org/officeDocument/2006/relationships" xmlns:p="http://schemas.openxmlformats.org/presentationml/2006/main" show="0">
   <p:cSld>
     <p:spTree>

--- a/slides/Testing Better with Approvals.pptx
+++ b/slides/Testing Better with Approvals.pptx
@@ -16593,7 +16593,7 @@
         <p:spPr>
           <a:xfrm>
             <a:off x="978408" y="1682496"/>
-            <a:ext cx="795411" cy="923330"/>
+            <a:ext cx="5944320" cy="923330"/>
           </a:xfrm>
           <a:prstGeom prst="rect">
             <a:avLst/>
@@ -16612,7 +16612,7 @@
             </a:pPr>
             <a:r>
               <a:rPr lang="en-US"/>
-              <a:t>???</a:t>
+              <a:t>Invest in APIs that make it easier to express test scenarios</a:t>
             </a:r>
           </a:p>
           <a:p>

--- a/slides/Testing Better with Approvals.pptx
+++ b/slides/Testing Better with Approvals.pptx
@@ -5,7 +5,7 @@
     <p:sldMasterId id="2147483648" r:id="rId1"/>
   </p:sldMasterIdLst>
   <p:notesMasterIdLst>
-    <p:notesMasterId r:id="rId48"/>
+    <p:notesMasterId r:id="rId44"/>
   </p:notesMasterIdLst>
   <p:sldIdLst>
     <p:sldId id="300" r:id="rId2"/>
@@ -15,45 +15,41 @@
     <p:sldId id="292" r:id="rId6"/>
     <p:sldId id="303" r:id="rId7"/>
     <p:sldId id="307" r:id="rId8"/>
-    <p:sldId id="263" r:id="rId9"/>
-    <p:sldId id="283" r:id="rId10"/>
-    <p:sldId id="294" r:id="rId11"/>
-    <p:sldId id="293" r:id="rId12"/>
-    <p:sldId id="308" r:id="rId13"/>
-    <p:sldId id="309" r:id="rId14"/>
-    <p:sldId id="310" r:id="rId15"/>
-    <p:sldId id="302" r:id="rId16"/>
-    <p:sldId id="311" r:id="rId17"/>
-    <p:sldId id="297" r:id="rId18"/>
-    <p:sldId id="312" r:id="rId19"/>
-    <p:sldId id="298" r:id="rId20"/>
-    <p:sldId id="299" r:id="rId21"/>
-    <p:sldId id="313" r:id="rId22"/>
-    <p:sldId id="314" r:id="rId23"/>
-    <p:sldId id="301" r:id="rId24"/>
-    <p:sldId id="315" r:id="rId25"/>
-    <p:sldId id="316" r:id="rId26"/>
-    <p:sldId id="304" r:id="rId27"/>
-    <p:sldId id="268" r:id="rId28"/>
-    <p:sldId id="284" r:id="rId29"/>
-    <p:sldId id="285" r:id="rId30"/>
-    <p:sldId id="286" r:id="rId31"/>
-    <p:sldId id="319" r:id="rId32"/>
-    <p:sldId id="317" r:id="rId33"/>
-    <p:sldId id="322" r:id="rId34"/>
-    <p:sldId id="318" r:id="rId35"/>
-    <p:sldId id="290" r:id="rId36"/>
-    <p:sldId id="320" r:id="rId37"/>
-    <p:sldId id="321" r:id="rId38"/>
-    <p:sldId id="276" r:id="rId39"/>
-    <p:sldId id="279" r:id="rId40"/>
-    <p:sldId id="280" r:id="rId41"/>
-    <p:sldId id="281" r:id="rId42"/>
-    <p:sldId id="291" r:id="rId43"/>
-    <p:sldId id="264" r:id="rId44"/>
-    <p:sldId id="257" r:id="rId45"/>
-    <p:sldId id="282" r:id="rId46"/>
-    <p:sldId id="259" r:id="rId47"/>
+    <p:sldId id="283" r:id="rId9"/>
+    <p:sldId id="294" r:id="rId10"/>
+    <p:sldId id="293" r:id="rId11"/>
+    <p:sldId id="308" r:id="rId12"/>
+    <p:sldId id="309" r:id="rId13"/>
+    <p:sldId id="310" r:id="rId14"/>
+    <p:sldId id="302" r:id="rId15"/>
+    <p:sldId id="311" r:id="rId16"/>
+    <p:sldId id="297" r:id="rId17"/>
+    <p:sldId id="312" r:id="rId18"/>
+    <p:sldId id="298" r:id="rId19"/>
+    <p:sldId id="299" r:id="rId20"/>
+    <p:sldId id="313" r:id="rId21"/>
+    <p:sldId id="314" r:id="rId22"/>
+    <p:sldId id="301" r:id="rId23"/>
+    <p:sldId id="315" r:id="rId24"/>
+    <p:sldId id="316" r:id="rId25"/>
+    <p:sldId id="268" r:id="rId26"/>
+    <p:sldId id="319" r:id="rId27"/>
+    <p:sldId id="317" r:id="rId28"/>
+    <p:sldId id="318" r:id="rId29"/>
+    <p:sldId id="322" r:id="rId30"/>
+    <p:sldId id="290" r:id="rId31"/>
+    <p:sldId id="320" r:id="rId32"/>
+    <p:sldId id="321" r:id="rId33"/>
+    <p:sldId id="323" r:id="rId34"/>
+    <p:sldId id="276" r:id="rId35"/>
+    <p:sldId id="279" r:id="rId36"/>
+    <p:sldId id="281" r:id="rId37"/>
+    <p:sldId id="280" r:id="rId38"/>
+    <p:sldId id="291" r:id="rId39"/>
+    <p:sldId id="264" r:id="rId40"/>
+    <p:sldId id="257" r:id="rId41"/>
+    <p:sldId id="282" r:id="rId42"/>
+    <p:sldId id="259" r:id="rId43"/>
   </p:sldIdLst>
   <p:sldSz cx="12192000" cy="6858000"/>
   <p:notesSz cx="6858000" cy="9144000"/>
@@ -168,7 +164,6 @@
           <p14:sldIdLst>
             <p14:sldId id="303"/>
             <p14:sldId id="307"/>
-            <p14:sldId id="263"/>
             <p14:sldId id="283"/>
             <p14:sldId id="294"/>
             <p14:sldId id="293"/>
@@ -194,19 +189,15 @@
             <p14:sldId id="301"/>
             <p14:sldId id="315"/>
             <p14:sldId id="316"/>
-            <p14:sldId id="304"/>
             <p14:sldId id="268"/>
-            <p14:sldId id="284"/>
-            <p14:sldId id="285"/>
-            <p14:sldId id="286"/>
           </p14:sldIdLst>
         </p14:section>
         <p14:section name="Week 4 - verify all" id="{6A53FA91-FED3-804F-AA4D-0F8274D322C2}">
           <p14:sldIdLst>
             <p14:sldId id="319"/>
             <p14:sldId id="317"/>
+            <p14:sldId id="318"/>
             <p14:sldId id="322"/>
-            <p14:sldId id="318"/>
           </p14:sldIdLst>
         </p14:section>
         <p14:section name="Week 5 - stateful conversations" id="{F7654C75-94ED-B94A-B300-3D40ECEFE30C}">
@@ -216,16 +207,21 @@
             <p14:sldId id="321"/>
           </p14:sldIdLst>
         </p14:section>
+        <p14:section name="Recap" id="{6A6D2E8C-8918-9E42-9744-016AA1475ADF}">
+          <p14:sldIdLst>
+            <p14:sldId id="323"/>
+          </p14:sldIdLst>
+        </p14:section>
         <p14:section name="Vision" id="{76B629B8-D241-764A-B1E1-1C57DB0DAE05}">
           <p14:sldIdLst>
             <p14:sldId id="276"/>
             <p14:sldId id="279"/>
-            <p14:sldId id="280"/>
             <p14:sldId id="281"/>
           </p14:sldIdLst>
         </p14:section>
         <p14:section name="Rest Calls" id="{9F1D58F7-F7CD-004B-A186-A32696F48374}">
           <p14:sldIdLst>
+            <p14:sldId id="280"/>
             <p14:sldId id="291"/>
             <p14:sldId id="264"/>
             <p14:sldId id="257"/>
@@ -324,7 +320,7 @@
           <a:p>
             <a:fld id="{35701875-5BC7-1E49-AF4C-96F7D9E7474C}" type="datetimeFigureOut">
               <a:rPr lang="en-US" smtClean="0"/>
-              <a:t>2/13/24</a:t>
+              <a:t>2/16/24</a:t>
             </a:fld>
             <a:endParaRPr lang="en-US"/>
           </a:p>
@@ -683,114 +679,6 @@
         <p:cNvPr id="1" name="">
           <a:extLst>
             <a:ext uri="{FF2B5EF4-FFF2-40B4-BE49-F238E27FC236}">
-              <a16:creationId xmlns:a16="http://schemas.microsoft.com/office/drawing/2014/main" id="{6771BDD3-1954-AE79-C148-7F69B543C073}"/>
-            </a:ext>
-          </a:extLst>
-        </p:cNvPr>
-        <p:cNvGrpSpPr/>
-        <p:nvPr/>
-      </p:nvGrpSpPr>
-      <p:grpSpPr>
-        <a:xfrm>
-          <a:off x="0" y="0"/>
-          <a:ext cx="0" cy="0"/>
-          <a:chOff x="0" y="0"/>
-          <a:chExt cx="0" cy="0"/>
-        </a:xfrm>
-      </p:grpSpPr>
-      <p:sp>
-        <p:nvSpPr>
-          <p:cNvPr id="2" name="Slide Image Placeholder 1">
-            <a:extLst>
-              <a:ext uri="{FF2B5EF4-FFF2-40B4-BE49-F238E27FC236}">
-                <a16:creationId xmlns:a16="http://schemas.microsoft.com/office/drawing/2014/main" id="{794B5943-AA33-BEF4-3100-93A9E51EA248}"/>
-              </a:ext>
-            </a:extLst>
-          </p:cNvPr>
-          <p:cNvSpPr>
-            <a:spLocks noGrp="1" noRot="1" noChangeAspect="1"/>
-          </p:cNvSpPr>
-          <p:nvPr>
-            <p:ph type="sldImg"/>
-          </p:nvPr>
-        </p:nvSpPr>
-        <p:spPr/>
-      </p:sp>
-      <p:sp>
-        <p:nvSpPr>
-          <p:cNvPr id="3" name="Notes Placeholder 2">
-            <a:extLst>
-              <a:ext uri="{FF2B5EF4-FFF2-40B4-BE49-F238E27FC236}">
-                <a16:creationId xmlns:a16="http://schemas.microsoft.com/office/drawing/2014/main" id="{7F4A7CE2-A51F-95D0-458E-4F149E776A82}"/>
-              </a:ext>
-            </a:extLst>
-          </p:cNvPr>
-          <p:cNvSpPr>
-            <a:spLocks noGrp="1"/>
-          </p:cNvSpPr>
-          <p:nvPr>
-            <p:ph type="body" idx="1"/>
-          </p:nvPr>
-        </p:nvSpPr>
-        <p:spPr/>
-        <p:txBody>
-          <a:bodyPr/>
-          <a:lstStyle/>
-          <a:p>
-            <a:endParaRPr lang="en-US"/>
-          </a:p>
-        </p:txBody>
-      </p:sp>
-      <p:sp>
-        <p:nvSpPr>
-          <p:cNvPr id="4" name="Slide Number Placeholder 3">
-            <a:extLst>
-              <a:ext uri="{FF2B5EF4-FFF2-40B4-BE49-F238E27FC236}">
-                <a16:creationId xmlns:a16="http://schemas.microsoft.com/office/drawing/2014/main" id="{A93C541A-0E80-1D79-01D0-CE09DDD43EAE}"/>
-              </a:ext>
-            </a:extLst>
-          </p:cNvPr>
-          <p:cNvSpPr>
-            <a:spLocks noGrp="1"/>
-          </p:cNvSpPr>
-          <p:nvPr>
-            <p:ph type="sldNum" sz="quarter" idx="5"/>
-          </p:nvPr>
-        </p:nvSpPr>
-        <p:spPr/>
-        <p:txBody>
-          <a:bodyPr/>
-          <a:lstStyle/>
-          <a:p>
-            <a:fld id="{FC5BBC2B-72B0-2542-8213-717906F3F32B}" type="slidenum">
-              <a:rPr lang="en-US" smtClean="0"/>
-              <a:t>22</a:t>
-            </a:fld>
-            <a:endParaRPr lang="en-US"/>
-          </a:p>
-        </p:txBody>
-      </p:sp>
-    </p:spTree>
-    <p:extLst>
-      <p:ext uri="{BB962C8B-B14F-4D97-AF65-F5344CB8AC3E}">
-        <p14:creationId xmlns:p14="http://schemas.microsoft.com/office/powerpoint/2010/main" val="3020680927"/>
-      </p:ext>
-    </p:extLst>
-  </p:cSld>
-  <p:clrMapOvr>
-    <a:masterClrMapping/>
-  </p:clrMapOvr>
-</p:notes>
-</file>
-
-<file path=ppt/notesSlides/notesSlide11.xml><?xml version="1.0" encoding="utf-8"?>
-<p:notes xmlns:a="http://schemas.openxmlformats.org/drawingml/2006/main" xmlns:r="http://schemas.openxmlformats.org/officeDocument/2006/relationships" xmlns:p="http://schemas.openxmlformats.org/presentationml/2006/main">
-  <p:cSld>
-    <p:spTree>
-      <p:nvGrpSpPr>
-        <p:cNvPr id="1" name="">
-          <a:extLst>
-            <a:ext uri="{FF2B5EF4-FFF2-40B4-BE49-F238E27FC236}">
               <a16:creationId xmlns:a16="http://schemas.microsoft.com/office/drawing/2014/main" id="{5DAED346-D5B3-67A5-C5F0-8DF5A03C2BDB}"/>
             </a:ext>
           </a:extLst>
@@ -875,7 +763,7 @@
           <a:p>
             <a:fld id="{FC5BBC2B-72B0-2542-8213-717906F3F32B}" type="slidenum">
               <a:rPr lang="en-US" smtClean="0"/>
-              <a:t>25</a:t>
+              <a:t>24</a:t>
             </a:fld>
             <a:endParaRPr lang="en-US"/>
           </a:p>
@@ -894,7 +782,7 @@
 </p:notes>
 </file>
 
-<file path=ppt/notesSlides/notesSlide12.xml><?xml version="1.0" encoding="utf-8"?>
+<file path=ppt/notesSlides/notesSlide11.xml><?xml version="1.0" encoding="utf-8"?>
 <p:notes xmlns:a="http://schemas.openxmlformats.org/drawingml/2006/main" xmlns:r="http://schemas.openxmlformats.org/officeDocument/2006/relationships" xmlns:p="http://schemas.openxmlformats.org/presentationml/2006/main">
   <p:cSld>
     <p:spTree>
@@ -983,7 +871,7 @@
           <a:p>
             <a:fld id="{FC5BBC2B-72B0-2542-8213-717906F3F32B}" type="slidenum">
               <a:rPr lang="en-US" smtClean="0"/>
-              <a:t>27</a:t>
+              <a:t>25</a:t>
             </a:fld>
             <a:endParaRPr lang="en-US"/>
           </a:p>
@@ -1002,331 +890,7 @@
 </p:notes>
 </file>
 
-<file path=ppt/notesSlides/notesSlide13.xml><?xml version="1.0" encoding="utf-8"?>
-<p:notes xmlns:a="http://schemas.openxmlformats.org/drawingml/2006/main" xmlns:r="http://schemas.openxmlformats.org/officeDocument/2006/relationships" xmlns:p="http://schemas.openxmlformats.org/presentationml/2006/main">
-  <p:cSld>
-    <p:spTree>
-      <p:nvGrpSpPr>
-        <p:cNvPr id="1" name="">
-          <a:extLst>
-            <a:ext uri="{FF2B5EF4-FFF2-40B4-BE49-F238E27FC236}">
-              <a16:creationId xmlns:a16="http://schemas.microsoft.com/office/drawing/2014/main" id="{05C95657-30E9-95F4-C6C0-5C28484D0664}"/>
-            </a:ext>
-          </a:extLst>
-        </p:cNvPr>
-        <p:cNvGrpSpPr/>
-        <p:nvPr/>
-      </p:nvGrpSpPr>
-      <p:grpSpPr>
-        <a:xfrm>
-          <a:off x="0" y="0"/>
-          <a:ext cx="0" cy="0"/>
-          <a:chOff x="0" y="0"/>
-          <a:chExt cx="0" cy="0"/>
-        </a:xfrm>
-      </p:grpSpPr>
-      <p:sp>
-        <p:nvSpPr>
-          <p:cNvPr id="2" name="Slide Image Placeholder 1">
-            <a:extLst>
-              <a:ext uri="{FF2B5EF4-FFF2-40B4-BE49-F238E27FC236}">
-                <a16:creationId xmlns:a16="http://schemas.microsoft.com/office/drawing/2014/main" id="{7CB5C5A6-8EAD-E4A6-6234-BD89A680AE76}"/>
-              </a:ext>
-            </a:extLst>
-          </p:cNvPr>
-          <p:cNvSpPr>
-            <a:spLocks noGrp="1" noRot="1" noChangeAspect="1"/>
-          </p:cNvSpPr>
-          <p:nvPr>
-            <p:ph type="sldImg"/>
-          </p:nvPr>
-        </p:nvSpPr>
-        <p:spPr/>
-      </p:sp>
-      <p:sp>
-        <p:nvSpPr>
-          <p:cNvPr id="3" name="Notes Placeholder 2">
-            <a:extLst>
-              <a:ext uri="{FF2B5EF4-FFF2-40B4-BE49-F238E27FC236}">
-                <a16:creationId xmlns:a16="http://schemas.microsoft.com/office/drawing/2014/main" id="{B028BF3C-7F56-4C72-F739-F2D950442DA7}"/>
-              </a:ext>
-            </a:extLst>
-          </p:cNvPr>
-          <p:cNvSpPr>
-            <a:spLocks noGrp="1"/>
-          </p:cNvSpPr>
-          <p:nvPr>
-            <p:ph type="body" idx="1"/>
-          </p:nvPr>
-        </p:nvSpPr>
-        <p:spPr/>
-        <p:txBody>
-          <a:bodyPr/>
-          <a:lstStyle/>
-          <a:p>
-            <a:endParaRPr lang="en-US"/>
-          </a:p>
-        </p:txBody>
-      </p:sp>
-      <p:sp>
-        <p:nvSpPr>
-          <p:cNvPr id="4" name="Slide Number Placeholder 3">
-            <a:extLst>
-              <a:ext uri="{FF2B5EF4-FFF2-40B4-BE49-F238E27FC236}">
-                <a16:creationId xmlns:a16="http://schemas.microsoft.com/office/drawing/2014/main" id="{325CDB28-298C-BC98-FB92-5805699B6995}"/>
-              </a:ext>
-            </a:extLst>
-          </p:cNvPr>
-          <p:cNvSpPr>
-            <a:spLocks noGrp="1"/>
-          </p:cNvSpPr>
-          <p:nvPr>
-            <p:ph type="sldNum" sz="quarter" idx="5"/>
-          </p:nvPr>
-        </p:nvSpPr>
-        <p:spPr/>
-        <p:txBody>
-          <a:bodyPr/>
-          <a:lstStyle/>
-          <a:p>
-            <a:fld id="{FC5BBC2B-72B0-2542-8213-717906F3F32B}" type="slidenum">
-              <a:rPr lang="en-US" smtClean="0"/>
-              <a:t>28</a:t>
-            </a:fld>
-            <a:endParaRPr lang="en-US"/>
-          </a:p>
-        </p:txBody>
-      </p:sp>
-    </p:spTree>
-    <p:extLst>
-      <p:ext uri="{BB962C8B-B14F-4D97-AF65-F5344CB8AC3E}">
-        <p14:creationId xmlns:p14="http://schemas.microsoft.com/office/powerpoint/2010/main" val="1598719512"/>
-      </p:ext>
-    </p:extLst>
-  </p:cSld>
-  <p:clrMapOvr>
-    <a:masterClrMapping/>
-  </p:clrMapOvr>
-</p:notes>
-</file>
-
-<file path=ppt/notesSlides/notesSlide14.xml><?xml version="1.0" encoding="utf-8"?>
-<p:notes xmlns:a="http://schemas.openxmlformats.org/drawingml/2006/main" xmlns:r="http://schemas.openxmlformats.org/officeDocument/2006/relationships" xmlns:p="http://schemas.openxmlformats.org/presentationml/2006/main">
-  <p:cSld>
-    <p:spTree>
-      <p:nvGrpSpPr>
-        <p:cNvPr id="1" name="">
-          <a:extLst>
-            <a:ext uri="{FF2B5EF4-FFF2-40B4-BE49-F238E27FC236}">
-              <a16:creationId xmlns:a16="http://schemas.microsoft.com/office/drawing/2014/main" id="{C5702B95-D31A-44A3-8A9F-90D8D2B251B2}"/>
-            </a:ext>
-          </a:extLst>
-        </p:cNvPr>
-        <p:cNvGrpSpPr/>
-        <p:nvPr/>
-      </p:nvGrpSpPr>
-      <p:grpSpPr>
-        <a:xfrm>
-          <a:off x="0" y="0"/>
-          <a:ext cx="0" cy="0"/>
-          <a:chOff x="0" y="0"/>
-          <a:chExt cx="0" cy="0"/>
-        </a:xfrm>
-      </p:grpSpPr>
-      <p:sp>
-        <p:nvSpPr>
-          <p:cNvPr id="2" name="Slide Image Placeholder 1">
-            <a:extLst>
-              <a:ext uri="{FF2B5EF4-FFF2-40B4-BE49-F238E27FC236}">
-                <a16:creationId xmlns:a16="http://schemas.microsoft.com/office/drawing/2014/main" id="{5EC8C751-4567-0877-39D8-127530F1EA2A}"/>
-              </a:ext>
-            </a:extLst>
-          </p:cNvPr>
-          <p:cNvSpPr>
-            <a:spLocks noGrp="1" noRot="1" noChangeAspect="1"/>
-          </p:cNvSpPr>
-          <p:nvPr>
-            <p:ph type="sldImg"/>
-          </p:nvPr>
-        </p:nvSpPr>
-        <p:spPr/>
-      </p:sp>
-      <p:sp>
-        <p:nvSpPr>
-          <p:cNvPr id="3" name="Notes Placeholder 2">
-            <a:extLst>
-              <a:ext uri="{FF2B5EF4-FFF2-40B4-BE49-F238E27FC236}">
-                <a16:creationId xmlns:a16="http://schemas.microsoft.com/office/drawing/2014/main" id="{E13C5EE5-4EFC-AE74-E105-A682888F0A7E}"/>
-              </a:ext>
-            </a:extLst>
-          </p:cNvPr>
-          <p:cNvSpPr>
-            <a:spLocks noGrp="1"/>
-          </p:cNvSpPr>
-          <p:nvPr>
-            <p:ph type="body" idx="1"/>
-          </p:nvPr>
-        </p:nvSpPr>
-        <p:spPr/>
-        <p:txBody>
-          <a:bodyPr/>
-          <a:lstStyle/>
-          <a:p>
-            <a:endParaRPr lang="en-US"/>
-          </a:p>
-        </p:txBody>
-      </p:sp>
-      <p:sp>
-        <p:nvSpPr>
-          <p:cNvPr id="4" name="Slide Number Placeholder 3">
-            <a:extLst>
-              <a:ext uri="{FF2B5EF4-FFF2-40B4-BE49-F238E27FC236}">
-                <a16:creationId xmlns:a16="http://schemas.microsoft.com/office/drawing/2014/main" id="{46227C5D-06AE-45B1-C35F-CB52AF860716}"/>
-              </a:ext>
-            </a:extLst>
-          </p:cNvPr>
-          <p:cNvSpPr>
-            <a:spLocks noGrp="1"/>
-          </p:cNvSpPr>
-          <p:nvPr>
-            <p:ph type="sldNum" sz="quarter" idx="5"/>
-          </p:nvPr>
-        </p:nvSpPr>
-        <p:spPr/>
-        <p:txBody>
-          <a:bodyPr/>
-          <a:lstStyle/>
-          <a:p>
-            <a:fld id="{FC5BBC2B-72B0-2542-8213-717906F3F32B}" type="slidenum">
-              <a:rPr lang="en-US" smtClean="0"/>
-              <a:t>29</a:t>
-            </a:fld>
-            <a:endParaRPr lang="en-US"/>
-          </a:p>
-        </p:txBody>
-      </p:sp>
-    </p:spTree>
-    <p:extLst>
-      <p:ext uri="{BB962C8B-B14F-4D97-AF65-F5344CB8AC3E}">
-        <p14:creationId xmlns:p14="http://schemas.microsoft.com/office/powerpoint/2010/main" val="1606281994"/>
-      </p:ext>
-    </p:extLst>
-  </p:cSld>
-  <p:clrMapOvr>
-    <a:masterClrMapping/>
-  </p:clrMapOvr>
-</p:notes>
-</file>
-
-<file path=ppt/notesSlides/notesSlide15.xml><?xml version="1.0" encoding="utf-8"?>
-<p:notes xmlns:a="http://schemas.openxmlformats.org/drawingml/2006/main" xmlns:r="http://schemas.openxmlformats.org/officeDocument/2006/relationships" xmlns:p="http://schemas.openxmlformats.org/presentationml/2006/main">
-  <p:cSld>
-    <p:spTree>
-      <p:nvGrpSpPr>
-        <p:cNvPr id="1" name="">
-          <a:extLst>
-            <a:ext uri="{FF2B5EF4-FFF2-40B4-BE49-F238E27FC236}">
-              <a16:creationId xmlns:a16="http://schemas.microsoft.com/office/drawing/2014/main" id="{F9C616EC-0447-1D39-81FF-64C1F9803A1C}"/>
-            </a:ext>
-          </a:extLst>
-        </p:cNvPr>
-        <p:cNvGrpSpPr/>
-        <p:nvPr/>
-      </p:nvGrpSpPr>
-      <p:grpSpPr>
-        <a:xfrm>
-          <a:off x="0" y="0"/>
-          <a:ext cx="0" cy="0"/>
-          <a:chOff x="0" y="0"/>
-          <a:chExt cx="0" cy="0"/>
-        </a:xfrm>
-      </p:grpSpPr>
-      <p:sp>
-        <p:nvSpPr>
-          <p:cNvPr id="2" name="Slide Image Placeholder 1">
-            <a:extLst>
-              <a:ext uri="{FF2B5EF4-FFF2-40B4-BE49-F238E27FC236}">
-                <a16:creationId xmlns:a16="http://schemas.microsoft.com/office/drawing/2014/main" id="{7199EB8A-7FE1-0B31-5984-FB20C387FF04}"/>
-              </a:ext>
-            </a:extLst>
-          </p:cNvPr>
-          <p:cNvSpPr>
-            <a:spLocks noGrp="1" noRot="1" noChangeAspect="1"/>
-          </p:cNvSpPr>
-          <p:nvPr>
-            <p:ph type="sldImg"/>
-          </p:nvPr>
-        </p:nvSpPr>
-        <p:spPr/>
-      </p:sp>
-      <p:sp>
-        <p:nvSpPr>
-          <p:cNvPr id="3" name="Notes Placeholder 2">
-            <a:extLst>
-              <a:ext uri="{FF2B5EF4-FFF2-40B4-BE49-F238E27FC236}">
-                <a16:creationId xmlns:a16="http://schemas.microsoft.com/office/drawing/2014/main" id="{B61386B5-65B9-CF71-A989-22E7E2A6516A}"/>
-              </a:ext>
-            </a:extLst>
-          </p:cNvPr>
-          <p:cNvSpPr>
-            <a:spLocks noGrp="1"/>
-          </p:cNvSpPr>
-          <p:nvPr>
-            <p:ph type="body" idx="1"/>
-          </p:nvPr>
-        </p:nvSpPr>
-        <p:spPr/>
-        <p:txBody>
-          <a:bodyPr/>
-          <a:lstStyle/>
-          <a:p>
-            <a:endParaRPr lang="en-US"/>
-          </a:p>
-        </p:txBody>
-      </p:sp>
-      <p:sp>
-        <p:nvSpPr>
-          <p:cNvPr id="4" name="Slide Number Placeholder 3">
-            <a:extLst>
-              <a:ext uri="{FF2B5EF4-FFF2-40B4-BE49-F238E27FC236}">
-                <a16:creationId xmlns:a16="http://schemas.microsoft.com/office/drawing/2014/main" id="{5D841065-090C-A63D-C642-AD83E7B738B3}"/>
-              </a:ext>
-            </a:extLst>
-          </p:cNvPr>
-          <p:cNvSpPr>
-            <a:spLocks noGrp="1"/>
-          </p:cNvSpPr>
-          <p:nvPr>
-            <p:ph type="sldNum" sz="quarter" idx="5"/>
-          </p:nvPr>
-        </p:nvSpPr>
-        <p:spPr/>
-        <p:txBody>
-          <a:bodyPr/>
-          <a:lstStyle/>
-          <a:p>
-            <a:fld id="{FC5BBC2B-72B0-2542-8213-717906F3F32B}" type="slidenum">
-              <a:rPr lang="en-US" smtClean="0"/>
-              <a:t>30</a:t>
-            </a:fld>
-            <a:endParaRPr lang="en-US"/>
-          </a:p>
-        </p:txBody>
-      </p:sp>
-    </p:spTree>
-    <p:extLst>
-      <p:ext uri="{BB962C8B-B14F-4D97-AF65-F5344CB8AC3E}">
-        <p14:creationId xmlns:p14="http://schemas.microsoft.com/office/powerpoint/2010/main" val="2087736801"/>
-      </p:ext>
-    </p:extLst>
-  </p:cSld>
-  <p:clrMapOvr>
-    <a:masterClrMapping/>
-  </p:clrMapOvr>
-</p:notes>
-</file>
-
-<file path=ppt/notesSlides/notesSlide16.xml><?xml version="1.0" encoding="utf-8"?>
+<file path=ppt/notesSlides/notesSlide12.xml><?xml version="1.0" encoding="utf-8"?>
 <p:notes xmlns:a="http://schemas.openxmlformats.org/drawingml/2006/main" xmlns:r="http://schemas.openxmlformats.org/officeDocument/2006/relationships" xmlns:p="http://schemas.openxmlformats.org/presentationml/2006/main">
   <p:cSld>
     <p:spTree>
@@ -1394,7 +958,7 @@
           <a:p>
             <a:fld id="{FC5BBC2B-72B0-2542-8213-717906F3F32B}" type="slidenum">
               <a:rPr lang="en-US" smtClean="0"/>
-              <a:t>32</a:t>
+              <a:t>27</a:t>
             </a:fld>
             <a:endParaRPr lang="en-US"/>
           </a:p>
@@ -1413,7 +977,7 @@
 </p:notes>
 </file>
 
-<file path=ppt/notesSlides/notesSlide17.xml><?xml version="1.0" encoding="utf-8"?>
+<file path=ppt/notesSlides/notesSlide13.xml><?xml version="1.0" encoding="utf-8"?>
 <p:notes xmlns:a="http://schemas.openxmlformats.org/drawingml/2006/main" xmlns:r="http://schemas.openxmlformats.org/officeDocument/2006/relationships" xmlns:p="http://schemas.openxmlformats.org/presentationml/2006/main">
   <p:cSld>
     <p:spTree>
@@ -1505,7 +1069,7 @@
           <a:p>
             <a:fld id="{FC5BBC2B-72B0-2542-8213-717906F3F32B}" type="slidenum">
               <a:rPr lang="en-US" smtClean="0"/>
-              <a:t>34</a:t>
+              <a:t>28</a:t>
             </a:fld>
             <a:endParaRPr lang="en-US"/>
           </a:p>
@@ -1524,7 +1088,7 @@
 </p:notes>
 </file>
 
-<file path=ppt/notesSlides/notesSlide18.xml><?xml version="1.0" encoding="utf-8"?>
+<file path=ppt/notesSlides/notesSlide14.xml><?xml version="1.0" encoding="utf-8"?>
 <p:notes xmlns:a="http://schemas.openxmlformats.org/drawingml/2006/main" xmlns:r="http://schemas.openxmlformats.org/officeDocument/2006/relationships" xmlns:p="http://schemas.openxmlformats.org/presentationml/2006/main">
   <p:cSld>
     <p:spTree>
@@ -1616,7 +1180,7 @@
           <a:p>
             <a:fld id="{FC5BBC2B-72B0-2542-8213-717906F3F32B}" type="slidenum">
               <a:rPr lang="en-US" smtClean="0"/>
-              <a:t>36</a:t>
+              <a:t>31</a:t>
             </a:fld>
             <a:endParaRPr lang="en-US"/>
           </a:p>
@@ -1635,7 +1199,7 @@
 </p:notes>
 </file>
 
-<file path=ppt/notesSlides/notesSlide19.xml><?xml version="1.0" encoding="utf-8"?>
+<file path=ppt/notesSlides/notesSlide15.xml><?xml version="1.0" encoding="utf-8"?>
 <p:notes xmlns:a="http://schemas.openxmlformats.org/drawingml/2006/main" xmlns:r="http://schemas.openxmlformats.org/officeDocument/2006/relationships" xmlns:p="http://schemas.openxmlformats.org/presentationml/2006/main">
   <p:cSld>
     <p:spTree>
@@ -1727,7 +1291,7 @@
           <a:p>
             <a:fld id="{FC5BBC2B-72B0-2542-8213-717906F3F32B}" type="slidenum">
               <a:rPr lang="en-US" smtClean="0"/>
-              <a:t>37</a:t>
+              <a:t>32</a:t>
             </a:fld>
             <a:endParaRPr lang="en-US"/>
           </a:p>
@@ -1737,6 +1301,438 @@
     <p:extLst>
       <p:ext uri="{BB962C8B-B14F-4D97-AF65-F5344CB8AC3E}">
         <p14:creationId xmlns:p14="http://schemas.microsoft.com/office/powerpoint/2010/main" val="3745307701"/>
+      </p:ext>
+    </p:extLst>
+  </p:cSld>
+  <p:clrMapOvr>
+    <a:masterClrMapping/>
+  </p:clrMapOvr>
+</p:notes>
+</file>
+
+<file path=ppt/notesSlides/notesSlide16.xml><?xml version="1.0" encoding="utf-8"?>
+<p:notes xmlns:a="http://schemas.openxmlformats.org/drawingml/2006/main" xmlns:r="http://schemas.openxmlformats.org/officeDocument/2006/relationships" xmlns:p="http://schemas.openxmlformats.org/presentationml/2006/main">
+  <p:cSld>
+    <p:spTree>
+      <p:nvGrpSpPr>
+        <p:cNvPr id="1" name="">
+          <a:extLst>
+            <a:ext uri="{FF2B5EF4-FFF2-40B4-BE49-F238E27FC236}">
+              <a16:creationId xmlns:a16="http://schemas.microsoft.com/office/drawing/2014/main" id="{B3132086-4AF6-DA1A-CF22-D2DC456D8DED}"/>
+            </a:ext>
+          </a:extLst>
+        </p:cNvPr>
+        <p:cNvGrpSpPr/>
+        <p:nvPr/>
+      </p:nvGrpSpPr>
+      <p:grpSpPr>
+        <a:xfrm>
+          <a:off x="0" y="0"/>
+          <a:ext cx="0" cy="0"/>
+          <a:chOff x="0" y="0"/>
+          <a:chExt cx="0" cy="0"/>
+        </a:xfrm>
+      </p:grpSpPr>
+      <p:sp>
+        <p:nvSpPr>
+          <p:cNvPr id="2" name="Slide Image Placeholder 1">
+            <a:extLst>
+              <a:ext uri="{FF2B5EF4-FFF2-40B4-BE49-F238E27FC236}">
+                <a16:creationId xmlns:a16="http://schemas.microsoft.com/office/drawing/2014/main" id="{23031338-3A1D-F9F4-BBF1-E1CFC63662CB}"/>
+              </a:ext>
+            </a:extLst>
+          </p:cNvPr>
+          <p:cNvSpPr>
+            <a:spLocks noGrp="1" noRot="1" noChangeAspect="1"/>
+          </p:cNvSpPr>
+          <p:nvPr>
+            <p:ph type="sldImg"/>
+          </p:nvPr>
+        </p:nvSpPr>
+        <p:spPr/>
+      </p:sp>
+      <p:sp>
+        <p:nvSpPr>
+          <p:cNvPr id="3" name="Notes Placeholder 2">
+            <a:extLst>
+              <a:ext uri="{FF2B5EF4-FFF2-40B4-BE49-F238E27FC236}">
+                <a16:creationId xmlns:a16="http://schemas.microsoft.com/office/drawing/2014/main" id="{BD72F1CD-AEAE-F37B-02A6-C706353D8CF1}"/>
+              </a:ext>
+            </a:extLst>
+          </p:cNvPr>
+          <p:cNvSpPr>
+            <a:spLocks noGrp="1"/>
+          </p:cNvSpPr>
+          <p:nvPr>
+            <p:ph type="body" idx="1"/>
+          </p:nvPr>
+        </p:nvSpPr>
+        <p:spPr/>
+        <p:txBody>
+          <a:bodyPr/>
+          <a:lstStyle/>
+          <a:p>
+            <a:endParaRPr lang="en-US"/>
+          </a:p>
+        </p:txBody>
+      </p:sp>
+      <p:sp>
+        <p:nvSpPr>
+          <p:cNvPr id="4" name="Slide Number Placeholder 3">
+            <a:extLst>
+              <a:ext uri="{FF2B5EF4-FFF2-40B4-BE49-F238E27FC236}">
+                <a16:creationId xmlns:a16="http://schemas.microsoft.com/office/drawing/2014/main" id="{1518E4FF-B34D-8DE6-AACF-50FDE91FC3A5}"/>
+              </a:ext>
+            </a:extLst>
+          </p:cNvPr>
+          <p:cNvSpPr>
+            <a:spLocks noGrp="1"/>
+          </p:cNvSpPr>
+          <p:nvPr>
+            <p:ph type="sldNum" sz="quarter" idx="5"/>
+          </p:nvPr>
+        </p:nvSpPr>
+        <p:spPr/>
+        <p:txBody>
+          <a:bodyPr/>
+          <a:lstStyle/>
+          <a:p>
+            <a:fld id="{FC5BBC2B-72B0-2542-8213-717906F3F32B}" type="slidenum">
+              <a:rPr lang="en-US" smtClean="0"/>
+              <a:t>34</a:t>
+            </a:fld>
+            <a:endParaRPr lang="en-US"/>
+          </a:p>
+        </p:txBody>
+      </p:sp>
+    </p:spTree>
+    <p:extLst>
+      <p:ext uri="{BB962C8B-B14F-4D97-AF65-F5344CB8AC3E}">
+        <p14:creationId xmlns:p14="http://schemas.microsoft.com/office/powerpoint/2010/main" val="1301513269"/>
+      </p:ext>
+    </p:extLst>
+  </p:cSld>
+  <p:clrMapOvr>
+    <a:masterClrMapping/>
+  </p:clrMapOvr>
+</p:notes>
+</file>
+
+<file path=ppt/notesSlides/notesSlide17.xml><?xml version="1.0" encoding="utf-8"?>
+<p:notes xmlns:a="http://schemas.openxmlformats.org/drawingml/2006/main" xmlns:r="http://schemas.openxmlformats.org/officeDocument/2006/relationships" xmlns:p="http://schemas.openxmlformats.org/presentationml/2006/main">
+  <p:cSld>
+    <p:spTree>
+      <p:nvGrpSpPr>
+        <p:cNvPr id="1" name="">
+          <a:extLst>
+            <a:ext uri="{FF2B5EF4-FFF2-40B4-BE49-F238E27FC236}">
+              <a16:creationId xmlns:a16="http://schemas.microsoft.com/office/drawing/2014/main" id="{3826AF8A-F5FC-6265-034A-CBC18556AEC0}"/>
+            </a:ext>
+          </a:extLst>
+        </p:cNvPr>
+        <p:cNvGrpSpPr/>
+        <p:nvPr/>
+      </p:nvGrpSpPr>
+      <p:grpSpPr>
+        <a:xfrm>
+          <a:off x="0" y="0"/>
+          <a:ext cx="0" cy="0"/>
+          <a:chOff x="0" y="0"/>
+          <a:chExt cx="0" cy="0"/>
+        </a:xfrm>
+      </p:grpSpPr>
+      <p:sp>
+        <p:nvSpPr>
+          <p:cNvPr id="2" name="Slide Image Placeholder 1">
+            <a:extLst>
+              <a:ext uri="{FF2B5EF4-FFF2-40B4-BE49-F238E27FC236}">
+                <a16:creationId xmlns:a16="http://schemas.microsoft.com/office/drawing/2014/main" id="{A56E4A7E-F890-B259-B7EB-1568A02D8566}"/>
+              </a:ext>
+            </a:extLst>
+          </p:cNvPr>
+          <p:cNvSpPr>
+            <a:spLocks noGrp="1" noRot="1" noChangeAspect="1"/>
+          </p:cNvSpPr>
+          <p:nvPr>
+            <p:ph type="sldImg"/>
+          </p:nvPr>
+        </p:nvSpPr>
+        <p:spPr/>
+      </p:sp>
+      <p:sp>
+        <p:nvSpPr>
+          <p:cNvPr id="3" name="Notes Placeholder 2">
+            <a:extLst>
+              <a:ext uri="{FF2B5EF4-FFF2-40B4-BE49-F238E27FC236}">
+                <a16:creationId xmlns:a16="http://schemas.microsoft.com/office/drawing/2014/main" id="{BA475CDF-EE39-7DDB-16C4-17050CEE9B4D}"/>
+              </a:ext>
+            </a:extLst>
+          </p:cNvPr>
+          <p:cNvSpPr>
+            <a:spLocks noGrp="1"/>
+          </p:cNvSpPr>
+          <p:nvPr>
+            <p:ph type="body" idx="1"/>
+          </p:nvPr>
+        </p:nvSpPr>
+        <p:spPr/>
+        <p:txBody>
+          <a:bodyPr/>
+          <a:lstStyle/>
+          <a:p>
+            <a:endParaRPr lang="en-US"/>
+          </a:p>
+        </p:txBody>
+      </p:sp>
+      <p:sp>
+        <p:nvSpPr>
+          <p:cNvPr id="4" name="Slide Number Placeholder 3">
+            <a:extLst>
+              <a:ext uri="{FF2B5EF4-FFF2-40B4-BE49-F238E27FC236}">
+                <a16:creationId xmlns:a16="http://schemas.microsoft.com/office/drawing/2014/main" id="{61C5E1B8-4C26-C965-0041-05F87237929C}"/>
+              </a:ext>
+            </a:extLst>
+          </p:cNvPr>
+          <p:cNvSpPr>
+            <a:spLocks noGrp="1"/>
+          </p:cNvSpPr>
+          <p:nvPr>
+            <p:ph type="sldNum" sz="quarter" idx="5"/>
+          </p:nvPr>
+        </p:nvSpPr>
+        <p:spPr/>
+        <p:txBody>
+          <a:bodyPr/>
+          <a:lstStyle/>
+          <a:p>
+            <a:fld id="{FC5BBC2B-72B0-2542-8213-717906F3F32B}" type="slidenum">
+              <a:rPr lang="en-US" smtClean="0"/>
+              <a:t>35</a:t>
+            </a:fld>
+            <a:endParaRPr lang="en-US"/>
+          </a:p>
+        </p:txBody>
+      </p:sp>
+    </p:spTree>
+    <p:extLst>
+      <p:ext uri="{BB962C8B-B14F-4D97-AF65-F5344CB8AC3E}">
+        <p14:creationId xmlns:p14="http://schemas.microsoft.com/office/powerpoint/2010/main" val="1629866253"/>
+      </p:ext>
+    </p:extLst>
+  </p:cSld>
+  <p:clrMapOvr>
+    <a:masterClrMapping/>
+  </p:clrMapOvr>
+</p:notes>
+</file>
+
+<file path=ppt/notesSlides/notesSlide18.xml><?xml version="1.0" encoding="utf-8"?>
+<p:notes xmlns:a="http://schemas.openxmlformats.org/drawingml/2006/main" xmlns:r="http://schemas.openxmlformats.org/officeDocument/2006/relationships" xmlns:p="http://schemas.openxmlformats.org/presentationml/2006/main">
+  <p:cSld>
+    <p:spTree>
+      <p:nvGrpSpPr>
+        <p:cNvPr id="1" name="">
+          <a:extLst>
+            <a:ext uri="{FF2B5EF4-FFF2-40B4-BE49-F238E27FC236}">
+              <a16:creationId xmlns:a16="http://schemas.microsoft.com/office/drawing/2014/main" id="{D0D9C29A-DBE1-0E97-D166-D14600D0FEE0}"/>
+            </a:ext>
+          </a:extLst>
+        </p:cNvPr>
+        <p:cNvGrpSpPr/>
+        <p:nvPr/>
+      </p:nvGrpSpPr>
+      <p:grpSpPr>
+        <a:xfrm>
+          <a:off x="0" y="0"/>
+          <a:ext cx="0" cy="0"/>
+          <a:chOff x="0" y="0"/>
+          <a:chExt cx="0" cy="0"/>
+        </a:xfrm>
+      </p:grpSpPr>
+      <p:sp>
+        <p:nvSpPr>
+          <p:cNvPr id="2" name="Slide Image Placeholder 1">
+            <a:extLst>
+              <a:ext uri="{FF2B5EF4-FFF2-40B4-BE49-F238E27FC236}">
+                <a16:creationId xmlns:a16="http://schemas.microsoft.com/office/drawing/2014/main" id="{E5854772-BFE8-7D75-E46F-7063FBA540EF}"/>
+              </a:ext>
+            </a:extLst>
+          </p:cNvPr>
+          <p:cNvSpPr>
+            <a:spLocks noGrp="1" noRot="1" noChangeAspect="1"/>
+          </p:cNvSpPr>
+          <p:nvPr>
+            <p:ph type="sldImg"/>
+          </p:nvPr>
+        </p:nvSpPr>
+        <p:spPr/>
+      </p:sp>
+      <p:sp>
+        <p:nvSpPr>
+          <p:cNvPr id="3" name="Notes Placeholder 2">
+            <a:extLst>
+              <a:ext uri="{FF2B5EF4-FFF2-40B4-BE49-F238E27FC236}">
+                <a16:creationId xmlns:a16="http://schemas.microsoft.com/office/drawing/2014/main" id="{15CB47BF-C5C0-125D-92EE-C95E88138107}"/>
+              </a:ext>
+            </a:extLst>
+          </p:cNvPr>
+          <p:cNvSpPr>
+            <a:spLocks noGrp="1"/>
+          </p:cNvSpPr>
+          <p:nvPr>
+            <p:ph type="body" idx="1"/>
+          </p:nvPr>
+        </p:nvSpPr>
+        <p:spPr/>
+        <p:txBody>
+          <a:bodyPr/>
+          <a:lstStyle/>
+          <a:p>
+            <a:endParaRPr lang="en-US"/>
+          </a:p>
+        </p:txBody>
+      </p:sp>
+      <p:sp>
+        <p:nvSpPr>
+          <p:cNvPr id="4" name="Slide Number Placeholder 3">
+            <a:extLst>
+              <a:ext uri="{FF2B5EF4-FFF2-40B4-BE49-F238E27FC236}">
+                <a16:creationId xmlns:a16="http://schemas.microsoft.com/office/drawing/2014/main" id="{62B2B5F0-FC7B-E818-B880-0DEE6F592154}"/>
+              </a:ext>
+            </a:extLst>
+          </p:cNvPr>
+          <p:cNvSpPr>
+            <a:spLocks noGrp="1"/>
+          </p:cNvSpPr>
+          <p:nvPr>
+            <p:ph type="sldNum" sz="quarter" idx="5"/>
+          </p:nvPr>
+        </p:nvSpPr>
+        <p:spPr/>
+        <p:txBody>
+          <a:bodyPr/>
+          <a:lstStyle/>
+          <a:p>
+            <a:fld id="{FC5BBC2B-72B0-2542-8213-717906F3F32B}" type="slidenum">
+              <a:rPr lang="en-US" smtClean="0"/>
+              <a:t>36</a:t>
+            </a:fld>
+            <a:endParaRPr lang="en-US"/>
+          </a:p>
+        </p:txBody>
+      </p:sp>
+    </p:spTree>
+    <p:extLst>
+      <p:ext uri="{BB962C8B-B14F-4D97-AF65-F5344CB8AC3E}">
+        <p14:creationId xmlns:p14="http://schemas.microsoft.com/office/powerpoint/2010/main" val="2474154363"/>
+      </p:ext>
+    </p:extLst>
+  </p:cSld>
+  <p:clrMapOvr>
+    <a:masterClrMapping/>
+  </p:clrMapOvr>
+</p:notes>
+</file>
+
+<file path=ppt/notesSlides/notesSlide19.xml><?xml version="1.0" encoding="utf-8"?>
+<p:notes xmlns:a="http://schemas.openxmlformats.org/drawingml/2006/main" xmlns:r="http://schemas.openxmlformats.org/officeDocument/2006/relationships" xmlns:p="http://schemas.openxmlformats.org/presentationml/2006/main">
+  <p:cSld>
+    <p:spTree>
+      <p:nvGrpSpPr>
+        <p:cNvPr id="1" name="">
+          <a:extLst>
+            <a:ext uri="{FF2B5EF4-FFF2-40B4-BE49-F238E27FC236}">
+              <a16:creationId xmlns:a16="http://schemas.microsoft.com/office/drawing/2014/main" id="{C484C03B-C8ED-111D-410C-CC18F6260669}"/>
+            </a:ext>
+          </a:extLst>
+        </p:cNvPr>
+        <p:cNvGrpSpPr/>
+        <p:nvPr/>
+      </p:nvGrpSpPr>
+      <p:grpSpPr>
+        <a:xfrm>
+          <a:off x="0" y="0"/>
+          <a:ext cx="0" cy="0"/>
+          <a:chOff x="0" y="0"/>
+          <a:chExt cx="0" cy="0"/>
+        </a:xfrm>
+      </p:grpSpPr>
+      <p:sp>
+        <p:nvSpPr>
+          <p:cNvPr id="2" name="Slide Image Placeholder 1">
+            <a:extLst>
+              <a:ext uri="{FF2B5EF4-FFF2-40B4-BE49-F238E27FC236}">
+                <a16:creationId xmlns:a16="http://schemas.microsoft.com/office/drawing/2014/main" id="{B2033D5F-1DDE-948F-815E-B643D4873E71}"/>
+              </a:ext>
+            </a:extLst>
+          </p:cNvPr>
+          <p:cNvSpPr>
+            <a:spLocks noGrp="1" noRot="1" noChangeAspect="1"/>
+          </p:cNvSpPr>
+          <p:nvPr>
+            <p:ph type="sldImg"/>
+          </p:nvPr>
+        </p:nvSpPr>
+        <p:spPr/>
+      </p:sp>
+      <p:sp>
+        <p:nvSpPr>
+          <p:cNvPr id="3" name="Notes Placeholder 2">
+            <a:extLst>
+              <a:ext uri="{FF2B5EF4-FFF2-40B4-BE49-F238E27FC236}">
+                <a16:creationId xmlns:a16="http://schemas.microsoft.com/office/drawing/2014/main" id="{B9F7B20F-57D3-F731-3608-50C8D9FBC98E}"/>
+              </a:ext>
+            </a:extLst>
+          </p:cNvPr>
+          <p:cNvSpPr>
+            <a:spLocks noGrp="1"/>
+          </p:cNvSpPr>
+          <p:nvPr>
+            <p:ph type="body" idx="1"/>
+          </p:nvPr>
+        </p:nvSpPr>
+        <p:spPr/>
+        <p:txBody>
+          <a:bodyPr/>
+          <a:lstStyle/>
+          <a:p>
+            <a:endParaRPr lang="en-US"/>
+          </a:p>
+        </p:txBody>
+      </p:sp>
+      <p:sp>
+        <p:nvSpPr>
+          <p:cNvPr id="4" name="Slide Number Placeholder 3">
+            <a:extLst>
+              <a:ext uri="{FF2B5EF4-FFF2-40B4-BE49-F238E27FC236}">
+                <a16:creationId xmlns:a16="http://schemas.microsoft.com/office/drawing/2014/main" id="{51AA9805-DEAA-96F0-AA83-9EC2749F00EE}"/>
+              </a:ext>
+            </a:extLst>
+          </p:cNvPr>
+          <p:cNvSpPr>
+            <a:spLocks noGrp="1"/>
+          </p:cNvSpPr>
+          <p:nvPr>
+            <p:ph type="sldNum" sz="quarter" idx="5"/>
+          </p:nvPr>
+        </p:nvSpPr>
+        <p:spPr/>
+        <p:txBody>
+          <a:bodyPr/>
+          <a:lstStyle/>
+          <a:p>
+            <a:fld id="{FC5BBC2B-72B0-2542-8213-717906F3F32B}" type="slidenum">
+              <a:rPr lang="en-US" smtClean="0"/>
+              <a:t>37</a:t>
+            </a:fld>
+            <a:endParaRPr lang="en-US"/>
+          </a:p>
+        </p:txBody>
+      </p:sp>
+    </p:spTree>
+    <p:extLst>
+      <p:ext uri="{BB962C8B-B14F-4D97-AF65-F5344CB8AC3E}">
+        <p14:creationId xmlns:p14="http://schemas.microsoft.com/office/powerpoint/2010/main" val="941621636"/>
       </p:ext>
     </p:extLst>
   </p:cSld>
@@ -1841,438 +1837,6 @@
         <p:cNvPr id="1" name="">
           <a:extLst>
             <a:ext uri="{FF2B5EF4-FFF2-40B4-BE49-F238E27FC236}">
-              <a16:creationId xmlns:a16="http://schemas.microsoft.com/office/drawing/2014/main" id="{B3132086-4AF6-DA1A-CF22-D2DC456D8DED}"/>
-            </a:ext>
-          </a:extLst>
-        </p:cNvPr>
-        <p:cNvGrpSpPr/>
-        <p:nvPr/>
-      </p:nvGrpSpPr>
-      <p:grpSpPr>
-        <a:xfrm>
-          <a:off x="0" y="0"/>
-          <a:ext cx="0" cy="0"/>
-          <a:chOff x="0" y="0"/>
-          <a:chExt cx="0" cy="0"/>
-        </a:xfrm>
-      </p:grpSpPr>
-      <p:sp>
-        <p:nvSpPr>
-          <p:cNvPr id="2" name="Slide Image Placeholder 1">
-            <a:extLst>
-              <a:ext uri="{FF2B5EF4-FFF2-40B4-BE49-F238E27FC236}">
-                <a16:creationId xmlns:a16="http://schemas.microsoft.com/office/drawing/2014/main" id="{23031338-3A1D-F9F4-BBF1-E1CFC63662CB}"/>
-              </a:ext>
-            </a:extLst>
-          </p:cNvPr>
-          <p:cNvSpPr>
-            <a:spLocks noGrp="1" noRot="1" noChangeAspect="1"/>
-          </p:cNvSpPr>
-          <p:nvPr>
-            <p:ph type="sldImg"/>
-          </p:nvPr>
-        </p:nvSpPr>
-        <p:spPr/>
-      </p:sp>
-      <p:sp>
-        <p:nvSpPr>
-          <p:cNvPr id="3" name="Notes Placeholder 2">
-            <a:extLst>
-              <a:ext uri="{FF2B5EF4-FFF2-40B4-BE49-F238E27FC236}">
-                <a16:creationId xmlns:a16="http://schemas.microsoft.com/office/drawing/2014/main" id="{BD72F1CD-AEAE-F37B-02A6-C706353D8CF1}"/>
-              </a:ext>
-            </a:extLst>
-          </p:cNvPr>
-          <p:cNvSpPr>
-            <a:spLocks noGrp="1"/>
-          </p:cNvSpPr>
-          <p:nvPr>
-            <p:ph type="body" idx="1"/>
-          </p:nvPr>
-        </p:nvSpPr>
-        <p:spPr/>
-        <p:txBody>
-          <a:bodyPr/>
-          <a:lstStyle/>
-          <a:p>
-            <a:endParaRPr lang="en-US"/>
-          </a:p>
-        </p:txBody>
-      </p:sp>
-      <p:sp>
-        <p:nvSpPr>
-          <p:cNvPr id="4" name="Slide Number Placeholder 3">
-            <a:extLst>
-              <a:ext uri="{FF2B5EF4-FFF2-40B4-BE49-F238E27FC236}">
-                <a16:creationId xmlns:a16="http://schemas.microsoft.com/office/drawing/2014/main" id="{1518E4FF-B34D-8DE6-AACF-50FDE91FC3A5}"/>
-              </a:ext>
-            </a:extLst>
-          </p:cNvPr>
-          <p:cNvSpPr>
-            <a:spLocks noGrp="1"/>
-          </p:cNvSpPr>
-          <p:nvPr>
-            <p:ph type="sldNum" sz="quarter" idx="5"/>
-          </p:nvPr>
-        </p:nvSpPr>
-        <p:spPr/>
-        <p:txBody>
-          <a:bodyPr/>
-          <a:lstStyle/>
-          <a:p>
-            <a:fld id="{FC5BBC2B-72B0-2542-8213-717906F3F32B}" type="slidenum">
-              <a:rPr lang="en-US" smtClean="0"/>
-              <a:t>38</a:t>
-            </a:fld>
-            <a:endParaRPr lang="en-US"/>
-          </a:p>
-        </p:txBody>
-      </p:sp>
-    </p:spTree>
-    <p:extLst>
-      <p:ext uri="{BB962C8B-B14F-4D97-AF65-F5344CB8AC3E}">
-        <p14:creationId xmlns:p14="http://schemas.microsoft.com/office/powerpoint/2010/main" val="1301513269"/>
-      </p:ext>
-    </p:extLst>
-  </p:cSld>
-  <p:clrMapOvr>
-    <a:masterClrMapping/>
-  </p:clrMapOvr>
-</p:notes>
-</file>
-
-<file path=ppt/notesSlides/notesSlide21.xml><?xml version="1.0" encoding="utf-8"?>
-<p:notes xmlns:a="http://schemas.openxmlformats.org/drawingml/2006/main" xmlns:r="http://schemas.openxmlformats.org/officeDocument/2006/relationships" xmlns:p="http://schemas.openxmlformats.org/presentationml/2006/main">
-  <p:cSld>
-    <p:spTree>
-      <p:nvGrpSpPr>
-        <p:cNvPr id="1" name="">
-          <a:extLst>
-            <a:ext uri="{FF2B5EF4-FFF2-40B4-BE49-F238E27FC236}">
-              <a16:creationId xmlns:a16="http://schemas.microsoft.com/office/drawing/2014/main" id="{3826AF8A-F5FC-6265-034A-CBC18556AEC0}"/>
-            </a:ext>
-          </a:extLst>
-        </p:cNvPr>
-        <p:cNvGrpSpPr/>
-        <p:nvPr/>
-      </p:nvGrpSpPr>
-      <p:grpSpPr>
-        <a:xfrm>
-          <a:off x="0" y="0"/>
-          <a:ext cx="0" cy="0"/>
-          <a:chOff x="0" y="0"/>
-          <a:chExt cx="0" cy="0"/>
-        </a:xfrm>
-      </p:grpSpPr>
-      <p:sp>
-        <p:nvSpPr>
-          <p:cNvPr id="2" name="Slide Image Placeholder 1">
-            <a:extLst>
-              <a:ext uri="{FF2B5EF4-FFF2-40B4-BE49-F238E27FC236}">
-                <a16:creationId xmlns:a16="http://schemas.microsoft.com/office/drawing/2014/main" id="{A56E4A7E-F890-B259-B7EB-1568A02D8566}"/>
-              </a:ext>
-            </a:extLst>
-          </p:cNvPr>
-          <p:cNvSpPr>
-            <a:spLocks noGrp="1" noRot="1" noChangeAspect="1"/>
-          </p:cNvSpPr>
-          <p:nvPr>
-            <p:ph type="sldImg"/>
-          </p:nvPr>
-        </p:nvSpPr>
-        <p:spPr/>
-      </p:sp>
-      <p:sp>
-        <p:nvSpPr>
-          <p:cNvPr id="3" name="Notes Placeholder 2">
-            <a:extLst>
-              <a:ext uri="{FF2B5EF4-FFF2-40B4-BE49-F238E27FC236}">
-                <a16:creationId xmlns:a16="http://schemas.microsoft.com/office/drawing/2014/main" id="{BA475CDF-EE39-7DDB-16C4-17050CEE9B4D}"/>
-              </a:ext>
-            </a:extLst>
-          </p:cNvPr>
-          <p:cNvSpPr>
-            <a:spLocks noGrp="1"/>
-          </p:cNvSpPr>
-          <p:nvPr>
-            <p:ph type="body" idx="1"/>
-          </p:nvPr>
-        </p:nvSpPr>
-        <p:spPr/>
-        <p:txBody>
-          <a:bodyPr/>
-          <a:lstStyle/>
-          <a:p>
-            <a:endParaRPr lang="en-US"/>
-          </a:p>
-        </p:txBody>
-      </p:sp>
-      <p:sp>
-        <p:nvSpPr>
-          <p:cNvPr id="4" name="Slide Number Placeholder 3">
-            <a:extLst>
-              <a:ext uri="{FF2B5EF4-FFF2-40B4-BE49-F238E27FC236}">
-                <a16:creationId xmlns:a16="http://schemas.microsoft.com/office/drawing/2014/main" id="{61C5E1B8-4C26-C965-0041-05F87237929C}"/>
-              </a:ext>
-            </a:extLst>
-          </p:cNvPr>
-          <p:cNvSpPr>
-            <a:spLocks noGrp="1"/>
-          </p:cNvSpPr>
-          <p:nvPr>
-            <p:ph type="sldNum" sz="quarter" idx="5"/>
-          </p:nvPr>
-        </p:nvSpPr>
-        <p:spPr/>
-        <p:txBody>
-          <a:bodyPr/>
-          <a:lstStyle/>
-          <a:p>
-            <a:fld id="{FC5BBC2B-72B0-2542-8213-717906F3F32B}" type="slidenum">
-              <a:rPr lang="en-US" smtClean="0"/>
-              <a:t>39</a:t>
-            </a:fld>
-            <a:endParaRPr lang="en-US"/>
-          </a:p>
-        </p:txBody>
-      </p:sp>
-    </p:spTree>
-    <p:extLst>
-      <p:ext uri="{BB962C8B-B14F-4D97-AF65-F5344CB8AC3E}">
-        <p14:creationId xmlns:p14="http://schemas.microsoft.com/office/powerpoint/2010/main" val="1629866253"/>
-      </p:ext>
-    </p:extLst>
-  </p:cSld>
-  <p:clrMapOvr>
-    <a:masterClrMapping/>
-  </p:clrMapOvr>
-</p:notes>
-</file>
-
-<file path=ppt/notesSlides/notesSlide22.xml><?xml version="1.0" encoding="utf-8"?>
-<p:notes xmlns:a="http://schemas.openxmlformats.org/drawingml/2006/main" xmlns:r="http://schemas.openxmlformats.org/officeDocument/2006/relationships" xmlns:p="http://schemas.openxmlformats.org/presentationml/2006/main">
-  <p:cSld>
-    <p:spTree>
-      <p:nvGrpSpPr>
-        <p:cNvPr id="1" name="">
-          <a:extLst>
-            <a:ext uri="{FF2B5EF4-FFF2-40B4-BE49-F238E27FC236}">
-              <a16:creationId xmlns:a16="http://schemas.microsoft.com/office/drawing/2014/main" id="{C484C03B-C8ED-111D-410C-CC18F6260669}"/>
-            </a:ext>
-          </a:extLst>
-        </p:cNvPr>
-        <p:cNvGrpSpPr/>
-        <p:nvPr/>
-      </p:nvGrpSpPr>
-      <p:grpSpPr>
-        <a:xfrm>
-          <a:off x="0" y="0"/>
-          <a:ext cx="0" cy="0"/>
-          <a:chOff x="0" y="0"/>
-          <a:chExt cx="0" cy="0"/>
-        </a:xfrm>
-      </p:grpSpPr>
-      <p:sp>
-        <p:nvSpPr>
-          <p:cNvPr id="2" name="Slide Image Placeholder 1">
-            <a:extLst>
-              <a:ext uri="{FF2B5EF4-FFF2-40B4-BE49-F238E27FC236}">
-                <a16:creationId xmlns:a16="http://schemas.microsoft.com/office/drawing/2014/main" id="{B2033D5F-1DDE-948F-815E-B643D4873E71}"/>
-              </a:ext>
-            </a:extLst>
-          </p:cNvPr>
-          <p:cNvSpPr>
-            <a:spLocks noGrp="1" noRot="1" noChangeAspect="1"/>
-          </p:cNvSpPr>
-          <p:nvPr>
-            <p:ph type="sldImg"/>
-          </p:nvPr>
-        </p:nvSpPr>
-        <p:spPr/>
-      </p:sp>
-      <p:sp>
-        <p:nvSpPr>
-          <p:cNvPr id="3" name="Notes Placeholder 2">
-            <a:extLst>
-              <a:ext uri="{FF2B5EF4-FFF2-40B4-BE49-F238E27FC236}">
-                <a16:creationId xmlns:a16="http://schemas.microsoft.com/office/drawing/2014/main" id="{B9F7B20F-57D3-F731-3608-50C8D9FBC98E}"/>
-              </a:ext>
-            </a:extLst>
-          </p:cNvPr>
-          <p:cNvSpPr>
-            <a:spLocks noGrp="1"/>
-          </p:cNvSpPr>
-          <p:nvPr>
-            <p:ph type="body" idx="1"/>
-          </p:nvPr>
-        </p:nvSpPr>
-        <p:spPr/>
-        <p:txBody>
-          <a:bodyPr/>
-          <a:lstStyle/>
-          <a:p>
-            <a:endParaRPr lang="en-US"/>
-          </a:p>
-        </p:txBody>
-      </p:sp>
-      <p:sp>
-        <p:nvSpPr>
-          <p:cNvPr id="4" name="Slide Number Placeholder 3">
-            <a:extLst>
-              <a:ext uri="{FF2B5EF4-FFF2-40B4-BE49-F238E27FC236}">
-                <a16:creationId xmlns:a16="http://schemas.microsoft.com/office/drawing/2014/main" id="{51AA9805-DEAA-96F0-AA83-9EC2749F00EE}"/>
-              </a:ext>
-            </a:extLst>
-          </p:cNvPr>
-          <p:cNvSpPr>
-            <a:spLocks noGrp="1"/>
-          </p:cNvSpPr>
-          <p:nvPr>
-            <p:ph type="sldNum" sz="quarter" idx="5"/>
-          </p:nvPr>
-        </p:nvSpPr>
-        <p:spPr/>
-        <p:txBody>
-          <a:bodyPr/>
-          <a:lstStyle/>
-          <a:p>
-            <a:fld id="{FC5BBC2B-72B0-2542-8213-717906F3F32B}" type="slidenum">
-              <a:rPr lang="en-US" smtClean="0"/>
-              <a:t>40</a:t>
-            </a:fld>
-            <a:endParaRPr lang="en-US"/>
-          </a:p>
-        </p:txBody>
-      </p:sp>
-    </p:spTree>
-    <p:extLst>
-      <p:ext uri="{BB962C8B-B14F-4D97-AF65-F5344CB8AC3E}">
-        <p14:creationId xmlns:p14="http://schemas.microsoft.com/office/powerpoint/2010/main" val="941621636"/>
-      </p:ext>
-    </p:extLst>
-  </p:cSld>
-  <p:clrMapOvr>
-    <a:masterClrMapping/>
-  </p:clrMapOvr>
-</p:notes>
-</file>
-
-<file path=ppt/notesSlides/notesSlide23.xml><?xml version="1.0" encoding="utf-8"?>
-<p:notes xmlns:a="http://schemas.openxmlformats.org/drawingml/2006/main" xmlns:r="http://schemas.openxmlformats.org/officeDocument/2006/relationships" xmlns:p="http://schemas.openxmlformats.org/presentationml/2006/main">
-  <p:cSld>
-    <p:spTree>
-      <p:nvGrpSpPr>
-        <p:cNvPr id="1" name="">
-          <a:extLst>
-            <a:ext uri="{FF2B5EF4-FFF2-40B4-BE49-F238E27FC236}">
-              <a16:creationId xmlns:a16="http://schemas.microsoft.com/office/drawing/2014/main" id="{D0D9C29A-DBE1-0E97-D166-D14600D0FEE0}"/>
-            </a:ext>
-          </a:extLst>
-        </p:cNvPr>
-        <p:cNvGrpSpPr/>
-        <p:nvPr/>
-      </p:nvGrpSpPr>
-      <p:grpSpPr>
-        <a:xfrm>
-          <a:off x="0" y="0"/>
-          <a:ext cx="0" cy="0"/>
-          <a:chOff x="0" y="0"/>
-          <a:chExt cx="0" cy="0"/>
-        </a:xfrm>
-      </p:grpSpPr>
-      <p:sp>
-        <p:nvSpPr>
-          <p:cNvPr id="2" name="Slide Image Placeholder 1">
-            <a:extLst>
-              <a:ext uri="{FF2B5EF4-FFF2-40B4-BE49-F238E27FC236}">
-                <a16:creationId xmlns:a16="http://schemas.microsoft.com/office/drawing/2014/main" id="{E5854772-BFE8-7D75-E46F-7063FBA540EF}"/>
-              </a:ext>
-            </a:extLst>
-          </p:cNvPr>
-          <p:cNvSpPr>
-            <a:spLocks noGrp="1" noRot="1" noChangeAspect="1"/>
-          </p:cNvSpPr>
-          <p:nvPr>
-            <p:ph type="sldImg"/>
-          </p:nvPr>
-        </p:nvSpPr>
-        <p:spPr/>
-      </p:sp>
-      <p:sp>
-        <p:nvSpPr>
-          <p:cNvPr id="3" name="Notes Placeholder 2">
-            <a:extLst>
-              <a:ext uri="{FF2B5EF4-FFF2-40B4-BE49-F238E27FC236}">
-                <a16:creationId xmlns:a16="http://schemas.microsoft.com/office/drawing/2014/main" id="{15CB47BF-C5C0-125D-92EE-C95E88138107}"/>
-              </a:ext>
-            </a:extLst>
-          </p:cNvPr>
-          <p:cNvSpPr>
-            <a:spLocks noGrp="1"/>
-          </p:cNvSpPr>
-          <p:nvPr>
-            <p:ph type="body" idx="1"/>
-          </p:nvPr>
-        </p:nvSpPr>
-        <p:spPr/>
-        <p:txBody>
-          <a:bodyPr/>
-          <a:lstStyle/>
-          <a:p>
-            <a:endParaRPr lang="en-US"/>
-          </a:p>
-        </p:txBody>
-      </p:sp>
-      <p:sp>
-        <p:nvSpPr>
-          <p:cNvPr id="4" name="Slide Number Placeholder 3">
-            <a:extLst>
-              <a:ext uri="{FF2B5EF4-FFF2-40B4-BE49-F238E27FC236}">
-                <a16:creationId xmlns:a16="http://schemas.microsoft.com/office/drawing/2014/main" id="{62B2B5F0-FC7B-E818-B880-0DEE6F592154}"/>
-              </a:ext>
-            </a:extLst>
-          </p:cNvPr>
-          <p:cNvSpPr>
-            <a:spLocks noGrp="1"/>
-          </p:cNvSpPr>
-          <p:nvPr>
-            <p:ph type="sldNum" sz="quarter" idx="5"/>
-          </p:nvPr>
-        </p:nvSpPr>
-        <p:spPr/>
-        <p:txBody>
-          <a:bodyPr/>
-          <a:lstStyle/>
-          <a:p>
-            <a:fld id="{FC5BBC2B-72B0-2542-8213-717906F3F32B}" type="slidenum">
-              <a:rPr lang="en-US" smtClean="0"/>
-              <a:t>41</a:t>
-            </a:fld>
-            <a:endParaRPr lang="en-US"/>
-          </a:p>
-        </p:txBody>
-      </p:sp>
-    </p:spTree>
-    <p:extLst>
-      <p:ext uri="{BB962C8B-B14F-4D97-AF65-F5344CB8AC3E}">
-        <p14:creationId xmlns:p14="http://schemas.microsoft.com/office/powerpoint/2010/main" val="2474154363"/>
-      </p:ext>
-    </p:extLst>
-  </p:cSld>
-  <p:clrMapOvr>
-    <a:masterClrMapping/>
-  </p:clrMapOvr>
-</p:notes>
-</file>
-
-<file path=ppt/notesSlides/notesSlide24.xml><?xml version="1.0" encoding="utf-8"?>
-<p:notes xmlns:a="http://schemas.openxmlformats.org/drawingml/2006/main" xmlns:r="http://schemas.openxmlformats.org/officeDocument/2006/relationships" xmlns:p="http://schemas.openxmlformats.org/presentationml/2006/main">
-  <p:cSld>
-    <p:spTree>
-      <p:nvGrpSpPr>
-        <p:cNvPr id="1" name="">
-          <a:extLst>
-            <a:ext uri="{FF2B5EF4-FFF2-40B4-BE49-F238E27FC236}">
               <a16:creationId xmlns:a16="http://schemas.microsoft.com/office/drawing/2014/main" id="{2B4B2DED-A804-1FB3-EDC5-8598F778A3ED}"/>
             </a:ext>
           </a:extLst>
@@ -2354,7 +1918,7 @@
           <a:p>
             <a:fld id="{FC5BBC2B-72B0-2542-8213-717906F3F32B}" type="slidenum">
               <a:rPr lang="en-US" smtClean="0"/>
-              <a:t>42</a:t>
+              <a:t>38</a:t>
             </a:fld>
             <a:endParaRPr lang="en-US"/>
           </a:p>
@@ -2373,7 +1937,7 @@
 </p:notes>
 </file>
 
-<file path=ppt/notesSlides/notesSlide25.xml><?xml version="1.0" encoding="utf-8"?>
+<file path=ppt/notesSlides/notesSlide21.xml><?xml version="1.0" encoding="utf-8"?>
 <p:notes xmlns:a="http://schemas.openxmlformats.org/drawingml/2006/main" xmlns:r="http://schemas.openxmlformats.org/officeDocument/2006/relationships" xmlns:p="http://schemas.openxmlformats.org/presentationml/2006/main">
   <p:cSld>
     <p:spTree>
@@ -2438,7 +2002,7 @@
           <a:p>
             <a:fld id="{FC5BBC2B-72B0-2542-8213-717906F3F32B}" type="slidenum">
               <a:rPr lang="en-US" smtClean="0"/>
-              <a:t>44</a:t>
+              <a:t>40</a:t>
             </a:fld>
             <a:endParaRPr lang="en-US"/>
           </a:p>
@@ -2457,7 +2021,7 @@
 </p:notes>
 </file>
 
-<file path=ppt/notesSlides/notesSlide26.xml><?xml version="1.0" encoding="utf-8"?>
+<file path=ppt/notesSlides/notesSlide22.xml><?xml version="1.0" encoding="utf-8"?>
 <p:notes xmlns:a="http://schemas.openxmlformats.org/drawingml/2006/main" xmlns:r="http://schemas.openxmlformats.org/officeDocument/2006/relationships" xmlns:p="http://schemas.openxmlformats.org/presentationml/2006/main">
   <p:cSld>
     <p:spTree>
@@ -2546,7 +2110,7 @@
           <a:p>
             <a:fld id="{FC5BBC2B-72B0-2542-8213-717906F3F32B}" type="slidenum">
               <a:rPr lang="en-US" smtClean="0"/>
-              <a:t>45</a:t>
+              <a:t>41</a:t>
             </a:fld>
             <a:endParaRPr lang="en-US"/>
           </a:p>
@@ -2565,7 +2129,7 @@
 </p:notes>
 </file>
 
-<file path=ppt/notesSlides/notesSlide27.xml><?xml version="1.0" encoding="utf-8"?>
+<file path=ppt/notesSlides/notesSlide23.xml><?xml version="1.0" encoding="utf-8"?>
 <p:notes xmlns:a="http://schemas.openxmlformats.org/drawingml/2006/main" xmlns:r="http://schemas.openxmlformats.org/officeDocument/2006/relationships" xmlns:p="http://schemas.openxmlformats.org/presentationml/2006/main">
   <p:cSld>
     <p:spTree>
@@ -2630,7 +2194,7 @@
           <a:p>
             <a:fld id="{FC5BBC2B-72B0-2542-8213-717906F3F32B}" type="slidenum">
               <a:rPr lang="en-US" smtClean="0"/>
-              <a:t>46</a:t>
+              <a:t>42</a:t>
             </a:fld>
             <a:endParaRPr lang="en-US"/>
           </a:p>
@@ -2650,90 +2214,6 @@
 </file>
 
 <file path=ppt/notesSlides/notesSlide3.xml><?xml version="1.0" encoding="utf-8"?>
-<p:notes xmlns:a="http://schemas.openxmlformats.org/drawingml/2006/main" xmlns:r="http://schemas.openxmlformats.org/officeDocument/2006/relationships" xmlns:p="http://schemas.openxmlformats.org/presentationml/2006/main">
-  <p:cSld>
-    <p:spTree>
-      <p:nvGrpSpPr>
-        <p:cNvPr id="1" name=""/>
-        <p:cNvGrpSpPr/>
-        <p:nvPr/>
-      </p:nvGrpSpPr>
-      <p:grpSpPr>
-        <a:xfrm>
-          <a:off x="0" y="0"/>
-          <a:ext cx="0" cy="0"/>
-          <a:chOff x="0" y="0"/>
-          <a:chExt cx="0" cy="0"/>
-        </a:xfrm>
-      </p:grpSpPr>
-      <p:sp>
-        <p:nvSpPr>
-          <p:cNvPr id="2" name="Slide Image Placeholder 1"/>
-          <p:cNvSpPr>
-            <a:spLocks noGrp="1" noRot="1" noChangeAspect="1"/>
-          </p:cNvSpPr>
-          <p:nvPr>
-            <p:ph type="sldImg"/>
-          </p:nvPr>
-        </p:nvSpPr>
-        <p:spPr/>
-      </p:sp>
-      <p:sp>
-        <p:nvSpPr>
-          <p:cNvPr id="3" name="Notes Placeholder 2"/>
-          <p:cNvSpPr>
-            <a:spLocks noGrp="1"/>
-          </p:cNvSpPr>
-          <p:nvPr>
-            <p:ph type="body" idx="1"/>
-          </p:nvPr>
-        </p:nvSpPr>
-        <p:spPr/>
-        <p:txBody>
-          <a:bodyPr/>
-          <a:lstStyle/>
-          <a:p>
-            <a:endParaRPr lang="en-US"/>
-          </a:p>
-        </p:txBody>
-      </p:sp>
-      <p:sp>
-        <p:nvSpPr>
-          <p:cNvPr id="4" name="Slide Number Placeholder 3"/>
-          <p:cNvSpPr>
-            <a:spLocks noGrp="1"/>
-          </p:cNvSpPr>
-          <p:nvPr>
-            <p:ph type="sldNum" sz="quarter" idx="5"/>
-          </p:nvPr>
-        </p:nvSpPr>
-        <p:spPr/>
-        <p:txBody>
-          <a:bodyPr/>
-          <a:lstStyle/>
-          <a:p>
-            <a:fld id="{FC5BBC2B-72B0-2542-8213-717906F3F32B}" type="slidenum">
-              <a:rPr lang="en-US" smtClean="0"/>
-              <a:t>8</a:t>
-            </a:fld>
-            <a:endParaRPr lang="en-US"/>
-          </a:p>
-        </p:txBody>
-      </p:sp>
-    </p:spTree>
-    <p:extLst>
-      <p:ext uri="{BB962C8B-B14F-4D97-AF65-F5344CB8AC3E}">
-        <p14:creationId xmlns:p14="http://schemas.microsoft.com/office/powerpoint/2010/main" val="3017761298"/>
-      </p:ext>
-    </p:extLst>
-  </p:cSld>
-  <p:clrMapOvr>
-    <a:masterClrMapping/>
-  </p:clrMapOvr>
-</p:notes>
-</file>
-
-<file path=ppt/notesSlides/notesSlide4.xml><?xml version="1.0" encoding="utf-8"?>
 <p:notes xmlns:a="http://schemas.openxmlformats.org/drawingml/2006/main" xmlns:r="http://schemas.openxmlformats.org/officeDocument/2006/relationships" xmlns:p="http://schemas.openxmlformats.org/presentationml/2006/main">
   <p:cSld>
     <p:spTree>
@@ -2822,7 +2302,7 @@
           <a:p>
             <a:fld id="{FC5BBC2B-72B0-2542-8213-717906F3F32B}" type="slidenum">
               <a:rPr lang="en-US" smtClean="0"/>
-              <a:t>10</a:t>
+              <a:t>9</a:t>
             </a:fld>
             <a:endParaRPr lang="en-US"/>
           </a:p>
@@ -2841,7 +2321,7 @@
 </p:notes>
 </file>
 
-<file path=ppt/notesSlides/notesSlide5.xml><?xml version="1.0" encoding="utf-8"?>
+<file path=ppt/notesSlides/notesSlide4.xml><?xml version="1.0" encoding="utf-8"?>
 <p:notes xmlns:a="http://schemas.openxmlformats.org/drawingml/2006/main" xmlns:r="http://schemas.openxmlformats.org/officeDocument/2006/relationships" xmlns:p="http://schemas.openxmlformats.org/presentationml/2006/main">
   <p:cSld>
     <p:spTree>
@@ -2930,7 +2410,7 @@
           <a:p>
             <a:fld id="{FC5BBC2B-72B0-2542-8213-717906F3F32B}" type="slidenum">
               <a:rPr lang="en-US" smtClean="0"/>
-              <a:t>12</a:t>
+              <a:t>11</a:t>
             </a:fld>
             <a:endParaRPr lang="en-US"/>
           </a:p>
@@ -2949,7 +2429,7 @@
 </p:notes>
 </file>
 
-<file path=ppt/notesSlides/notesSlide6.xml><?xml version="1.0" encoding="utf-8"?>
+<file path=ppt/notesSlides/notesSlide5.xml><?xml version="1.0" encoding="utf-8"?>
 <p:notes xmlns:a="http://schemas.openxmlformats.org/drawingml/2006/main" xmlns:r="http://schemas.openxmlformats.org/officeDocument/2006/relationships" xmlns:p="http://schemas.openxmlformats.org/presentationml/2006/main">
   <p:cSld>
     <p:spTree>
@@ -3038,7 +2518,7 @@
           <a:p>
             <a:fld id="{FC5BBC2B-72B0-2542-8213-717906F3F32B}" type="slidenum">
               <a:rPr lang="en-US" smtClean="0"/>
-              <a:t>13</a:t>
+              <a:t>12</a:t>
             </a:fld>
             <a:endParaRPr lang="en-US"/>
           </a:p>
@@ -3057,7 +2537,7 @@
 </p:notes>
 </file>
 
-<file path=ppt/notesSlides/notesSlide7.xml><?xml version="1.0" encoding="utf-8"?>
+<file path=ppt/notesSlides/notesSlide6.xml><?xml version="1.0" encoding="utf-8"?>
 <p:notes xmlns:a="http://schemas.openxmlformats.org/drawingml/2006/main" xmlns:r="http://schemas.openxmlformats.org/officeDocument/2006/relationships" xmlns:p="http://schemas.openxmlformats.org/presentationml/2006/main">
   <p:cSld>
     <p:spTree>
@@ -3125,7 +2605,7 @@
           <a:p>
             <a:fld id="{FC5BBC2B-72B0-2542-8213-717906F3F32B}" type="slidenum">
               <a:rPr lang="en-US" smtClean="0"/>
-              <a:t>14</a:t>
+              <a:t>13</a:t>
             </a:fld>
             <a:endParaRPr lang="en-US"/>
           </a:p>
@@ -3144,7 +2624,7 @@
 </p:notes>
 </file>
 
-<file path=ppt/notesSlides/notesSlide8.xml><?xml version="1.0" encoding="utf-8"?>
+<file path=ppt/notesSlides/notesSlide7.xml><?xml version="1.0" encoding="utf-8"?>
 <p:notes xmlns:a="http://schemas.openxmlformats.org/drawingml/2006/main" xmlns:r="http://schemas.openxmlformats.org/officeDocument/2006/relationships" xmlns:p="http://schemas.openxmlformats.org/presentationml/2006/main">
   <p:cSld>
     <p:spTree>
@@ -3236,7 +2716,7 @@
           <a:p>
             <a:fld id="{FC5BBC2B-72B0-2542-8213-717906F3F32B}" type="slidenum">
               <a:rPr lang="en-US" smtClean="0"/>
-              <a:t>18</a:t>
+              <a:t>17</a:t>
             </a:fld>
             <a:endParaRPr lang="en-US"/>
           </a:p>
@@ -3255,7 +2735,7 @@
 </p:notes>
 </file>
 
-<file path=ppt/notesSlides/notesSlide9.xml><?xml version="1.0" encoding="utf-8"?>
+<file path=ppt/notesSlides/notesSlide8.xml><?xml version="1.0" encoding="utf-8"?>
 <p:notes xmlns:a="http://schemas.openxmlformats.org/drawingml/2006/main" xmlns:r="http://schemas.openxmlformats.org/officeDocument/2006/relationships" xmlns:p="http://schemas.openxmlformats.org/presentationml/2006/main">
   <p:cSld>
     <p:spTree>
@@ -3344,7 +2824,7 @@
           <a:p>
             <a:fld id="{FC5BBC2B-72B0-2542-8213-717906F3F32B}" type="slidenum">
               <a:rPr lang="en-US" smtClean="0"/>
-              <a:t>21</a:t>
+              <a:t>20</a:t>
             </a:fld>
             <a:endParaRPr lang="en-US"/>
           </a:p>
@@ -3354,6 +2834,114 @@
     <p:extLst>
       <p:ext uri="{BB962C8B-B14F-4D97-AF65-F5344CB8AC3E}">
         <p14:creationId xmlns:p14="http://schemas.microsoft.com/office/powerpoint/2010/main" val="3121600577"/>
+      </p:ext>
+    </p:extLst>
+  </p:cSld>
+  <p:clrMapOvr>
+    <a:masterClrMapping/>
+  </p:clrMapOvr>
+</p:notes>
+</file>
+
+<file path=ppt/notesSlides/notesSlide9.xml><?xml version="1.0" encoding="utf-8"?>
+<p:notes xmlns:a="http://schemas.openxmlformats.org/drawingml/2006/main" xmlns:r="http://schemas.openxmlformats.org/officeDocument/2006/relationships" xmlns:p="http://schemas.openxmlformats.org/presentationml/2006/main">
+  <p:cSld>
+    <p:spTree>
+      <p:nvGrpSpPr>
+        <p:cNvPr id="1" name="">
+          <a:extLst>
+            <a:ext uri="{FF2B5EF4-FFF2-40B4-BE49-F238E27FC236}">
+              <a16:creationId xmlns:a16="http://schemas.microsoft.com/office/drawing/2014/main" id="{6771BDD3-1954-AE79-C148-7F69B543C073}"/>
+            </a:ext>
+          </a:extLst>
+        </p:cNvPr>
+        <p:cNvGrpSpPr/>
+        <p:nvPr/>
+      </p:nvGrpSpPr>
+      <p:grpSpPr>
+        <a:xfrm>
+          <a:off x="0" y="0"/>
+          <a:ext cx="0" cy="0"/>
+          <a:chOff x="0" y="0"/>
+          <a:chExt cx="0" cy="0"/>
+        </a:xfrm>
+      </p:grpSpPr>
+      <p:sp>
+        <p:nvSpPr>
+          <p:cNvPr id="2" name="Slide Image Placeholder 1">
+            <a:extLst>
+              <a:ext uri="{FF2B5EF4-FFF2-40B4-BE49-F238E27FC236}">
+                <a16:creationId xmlns:a16="http://schemas.microsoft.com/office/drawing/2014/main" id="{794B5943-AA33-BEF4-3100-93A9E51EA248}"/>
+              </a:ext>
+            </a:extLst>
+          </p:cNvPr>
+          <p:cNvSpPr>
+            <a:spLocks noGrp="1" noRot="1" noChangeAspect="1"/>
+          </p:cNvSpPr>
+          <p:nvPr>
+            <p:ph type="sldImg"/>
+          </p:nvPr>
+        </p:nvSpPr>
+        <p:spPr/>
+      </p:sp>
+      <p:sp>
+        <p:nvSpPr>
+          <p:cNvPr id="3" name="Notes Placeholder 2">
+            <a:extLst>
+              <a:ext uri="{FF2B5EF4-FFF2-40B4-BE49-F238E27FC236}">
+                <a16:creationId xmlns:a16="http://schemas.microsoft.com/office/drawing/2014/main" id="{7F4A7CE2-A51F-95D0-458E-4F149E776A82}"/>
+              </a:ext>
+            </a:extLst>
+          </p:cNvPr>
+          <p:cNvSpPr>
+            <a:spLocks noGrp="1"/>
+          </p:cNvSpPr>
+          <p:nvPr>
+            <p:ph type="body" idx="1"/>
+          </p:nvPr>
+        </p:nvSpPr>
+        <p:spPr/>
+        <p:txBody>
+          <a:bodyPr/>
+          <a:lstStyle/>
+          <a:p>
+            <a:endParaRPr lang="en-US"/>
+          </a:p>
+        </p:txBody>
+      </p:sp>
+      <p:sp>
+        <p:nvSpPr>
+          <p:cNvPr id="4" name="Slide Number Placeholder 3">
+            <a:extLst>
+              <a:ext uri="{FF2B5EF4-FFF2-40B4-BE49-F238E27FC236}">
+                <a16:creationId xmlns:a16="http://schemas.microsoft.com/office/drawing/2014/main" id="{A93C541A-0E80-1D79-01D0-CE09DDD43EAE}"/>
+              </a:ext>
+            </a:extLst>
+          </p:cNvPr>
+          <p:cNvSpPr>
+            <a:spLocks noGrp="1"/>
+          </p:cNvSpPr>
+          <p:nvPr>
+            <p:ph type="sldNum" sz="quarter" idx="5"/>
+          </p:nvPr>
+        </p:nvSpPr>
+        <p:spPr/>
+        <p:txBody>
+          <a:bodyPr/>
+          <a:lstStyle/>
+          <a:p>
+            <a:fld id="{FC5BBC2B-72B0-2542-8213-717906F3F32B}" type="slidenum">
+              <a:rPr lang="en-US" smtClean="0"/>
+              <a:t>21</a:t>
+            </a:fld>
+            <a:endParaRPr lang="en-US"/>
+          </a:p>
+        </p:txBody>
+      </p:sp>
+    </p:spTree>
+    <p:extLst>
+      <p:ext uri="{BB962C8B-B14F-4D97-AF65-F5344CB8AC3E}">
+        <p14:creationId xmlns:p14="http://schemas.microsoft.com/office/powerpoint/2010/main" val="3020680927"/>
       </p:ext>
     </p:extLst>
   </p:cSld>
@@ -3510,7 +3098,7 @@
           <a:p>
             <a:fld id="{75A66788-8C42-AF46-A5E8-A812D6157D58}" type="datetimeFigureOut">
               <a:rPr lang="en-US" smtClean="0"/>
-              <a:t>2/13/24</a:t>
+              <a:t>2/16/24</a:t>
             </a:fld>
             <a:endParaRPr lang="en-US"/>
           </a:p>
@@ -3708,7 +3296,7 @@
           <a:p>
             <a:fld id="{75A66788-8C42-AF46-A5E8-A812D6157D58}" type="datetimeFigureOut">
               <a:rPr lang="en-US" smtClean="0"/>
-              <a:t>2/13/24</a:t>
+              <a:t>2/16/24</a:t>
             </a:fld>
             <a:endParaRPr lang="en-US"/>
           </a:p>
@@ -3916,7 +3504,7 @@
           <a:p>
             <a:fld id="{75A66788-8C42-AF46-A5E8-A812D6157D58}" type="datetimeFigureOut">
               <a:rPr lang="en-US" smtClean="0"/>
-              <a:t>2/13/24</a:t>
+              <a:t>2/16/24</a:t>
             </a:fld>
             <a:endParaRPr lang="en-US"/>
           </a:p>
@@ -4114,7 +3702,7 @@
           <a:p>
             <a:fld id="{75A66788-8C42-AF46-A5E8-A812D6157D58}" type="datetimeFigureOut">
               <a:rPr lang="en-US" smtClean="0"/>
-              <a:t>2/13/24</a:t>
+              <a:t>2/16/24</a:t>
             </a:fld>
             <a:endParaRPr lang="en-US"/>
           </a:p>
@@ -4389,7 +3977,7 @@
           <a:p>
             <a:fld id="{75A66788-8C42-AF46-A5E8-A812D6157D58}" type="datetimeFigureOut">
               <a:rPr lang="en-US" smtClean="0"/>
-              <a:t>2/13/24</a:t>
+              <a:t>2/16/24</a:t>
             </a:fld>
             <a:endParaRPr lang="en-US"/>
           </a:p>
@@ -4654,7 +4242,7 @@
           <a:p>
             <a:fld id="{75A66788-8C42-AF46-A5E8-A812D6157D58}" type="datetimeFigureOut">
               <a:rPr lang="en-US" smtClean="0"/>
-              <a:t>2/13/24</a:t>
+              <a:t>2/16/24</a:t>
             </a:fld>
             <a:endParaRPr lang="en-US"/>
           </a:p>
@@ -5066,7 +4654,7 @@
           <a:p>
             <a:fld id="{75A66788-8C42-AF46-A5E8-A812D6157D58}" type="datetimeFigureOut">
               <a:rPr lang="en-US" smtClean="0"/>
-              <a:t>2/13/24</a:t>
+              <a:t>2/16/24</a:t>
             </a:fld>
             <a:endParaRPr lang="en-US"/>
           </a:p>
@@ -5207,7 +4795,7 @@
           <a:p>
             <a:fld id="{75A66788-8C42-AF46-A5E8-A812D6157D58}" type="datetimeFigureOut">
               <a:rPr lang="en-US" smtClean="0"/>
-              <a:t>2/13/24</a:t>
+              <a:t>2/16/24</a:t>
             </a:fld>
             <a:endParaRPr lang="en-US"/>
           </a:p>
@@ -5320,7 +4908,7 @@
           <a:p>
             <a:fld id="{75A66788-8C42-AF46-A5E8-A812D6157D58}" type="datetimeFigureOut">
               <a:rPr lang="en-US" smtClean="0"/>
-              <a:t>2/13/24</a:t>
+              <a:t>2/16/24</a:t>
             </a:fld>
             <a:endParaRPr lang="en-US"/>
           </a:p>
@@ -5631,7 +5219,7 @@
           <a:p>
             <a:fld id="{75A66788-8C42-AF46-A5E8-A812D6157D58}" type="datetimeFigureOut">
               <a:rPr lang="en-US" smtClean="0"/>
-              <a:t>2/13/24</a:t>
+              <a:t>2/16/24</a:t>
             </a:fld>
             <a:endParaRPr lang="en-US"/>
           </a:p>
@@ -5919,7 +5507,7 @@
           <a:p>
             <a:fld id="{75A66788-8C42-AF46-A5E8-A812D6157D58}" type="datetimeFigureOut">
               <a:rPr lang="en-US" smtClean="0"/>
-              <a:t>2/13/24</a:t>
+              <a:t>2/16/24</a:t>
             </a:fld>
             <a:endParaRPr lang="en-US"/>
           </a:p>
@@ -6160,7 +5748,7 @@
           <a:p>
             <a:fld id="{75A66788-8C42-AF46-A5E8-A812D6157D58}" type="datetimeFigureOut">
               <a:rPr lang="en-US" smtClean="0"/>
-              <a:t>2/13/24</a:t>
+              <a:t>2/16/24</a:t>
             </a:fld>
             <a:endParaRPr lang="en-US"/>
           </a:p>
@@ -6621,7 +6209,12 @@
             <p:ph idx="1"/>
           </p:nvPr>
         </p:nvSpPr>
-        <p:spPr/>
+        <p:spPr>
+          <a:xfrm>
+            <a:off x="847344" y="1825625"/>
+            <a:ext cx="10515600" cy="4351338"/>
+          </a:xfrm>
+        </p:spPr>
         <p:txBody>
           <a:bodyPr>
             <a:normAutofit/>
@@ -6706,183 +6299,6 @@
 </file>
 
 <file path=ppt/slides/slide10.xml><?xml version="1.0" encoding="utf-8"?>
-<p:sld xmlns:a="http://schemas.openxmlformats.org/drawingml/2006/main" xmlns:r="http://schemas.openxmlformats.org/officeDocument/2006/relationships" xmlns:p="http://schemas.openxmlformats.org/presentationml/2006/main">
-  <p:cSld>
-    <p:spTree>
-      <p:nvGrpSpPr>
-        <p:cNvPr id="1" name="">
-          <a:extLst>
-            <a:ext uri="{FF2B5EF4-FFF2-40B4-BE49-F238E27FC236}">
-              <a16:creationId xmlns:a16="http://schemas.microsoft.com/office/drawing/2014/main" id="{DF1FDAC4-5A89-D1C0-3E27-E653BCE1B5D9}"/>
-            </a:ext>
-          </a:extLst>
-        </p:cNvPr>
-        <p:cNvGrpSpPr/>
-        <p:nvPr/>
-      </p:nvGrpSpPr>
-      <p:grpSpPr>
-        <a:xfrm>
-          <a:off x="0" y="0"/>
-          <a:ext cx="0" cy="0"/>
-          <a:chOff x="0" y="0"/>
-          <a:chExt cx="0" cy="0"/>
-        </a:xfrm>
-      </p:grpSpPr>
-      <p:pic>
-        <p:nvPicPr>
-          <p:cNvPr id="2" name="Picture 1" descr="A screenshot of a computer code&#10;&#10;Description automatically generated">
-            <a:extLst>
-              <a:ext uri="{FF2B5EF4-FFF2-40B4-BE49-F238E27FC236}">
-                <a16:creationId xmlns:a16="http://schemas.microsoft.com/office/drawing/2014/main" id="{23A58370-A0CB-91E9-123E-5758FA766882}"/>
-              </a:ext>
-            </a:extLst>
-          </p:cNvPr>
-          <p:cNvPicPr>
-            <a:picLocks noChangeAspect="1"/>
-          </p:cNvPicPr>
-          <p:nvPr/>
-        </p:nvPicPr>
-        <p:blipFill>
-          <a:blip r:embed="rId3"/>
-          <a:stretch>
-            <a:fillRect/>
-          </a:stretch>
-        </p:blipFill>
-        <p:spPr>
-          <a:xfrm>
-            <a:off x="1522045" y="1157824"/>
-            <a:ext cx="9307581" cy="4694336"/>
-          </a:xfrm>
-          <a:prstGeom prst="rect">
-            <a:avLst/>
-          </a:prstGeom>
-          <a:ln>
-            <a:noFill/>
-          </a:ln>
-        </p:spPr>
-      </p:pic>
-      <p:sp>
-        <p:nvSpPr>
-          <p:cNvPr id="6" name="!!highlight2">
-            <a:extLst>
-              <a:ext uri="{FF2B5EF4-FFF2-40B4-BE49-F238E27FC236}">
-                <a16:creationId xmlns:a16="http://schemas.microsoft.com/office/drawing/2014/main" id="{497A968F-E103-D8FE-A0DA-0831F0FADB58}"/>
-              </a:ext>
-            </a:extLst>
-          </p:cNvPr>
-          <p:cNvSpPr/>
-          <p:nvPr/>
-        </p:nvSpPr>
-        <p:spPr>
-          <a:xfrm>
-            <a:off x="5126736" y="4847544"/>
-            <a:ext cx="3496056" cy="501695"/>
-          </a:xfrm>
-          <a:prstGeom prst="rect">
-            <a:avLst/>
-          </a:prstGeom>
-          <a:solidFill>
-            <a:srgbClr val="FFFF00">
-              <a:alpha val="50196"/>
-            </a:srgbClr>
-          </a:solidFill>
-          <a:ln>
-            <a:noFill/>
-          </a:ln>
-        </p:spPr>
-        <p:style>
-          <a:lnRef idx="2">
-            <a:schemeClr val="accent1">
-              <a:shade val="15000"/>
-            </a:schemeClr>
-          </a:lnRef>
-          <a:fillRef idx="1">
-            <a:schemeClr val="accent1"/>
-          </a:fillRef>
-          <a:effectRef idx="0">
-            <a:schemeClr val="accent1"/>
-          </a:effectRef>
-          <a:fontRef idx="minor">
-            <a:schemeClr val="lt1"/>
-          </a:fontRef>
-        </p:style>
-        <p:txBody>
-          <a:bodyPr rtlCol="0" anchor="ctr"/>
-          <a:lstStyle/>
-          <a:p>
-            <a:pPr algn="r"/>
-            <a:endParaRPr lang="en-US"/>
-          </a:p>
-        </p:txBody>
-      </p:sp>
-      <p:sp>
-        <p:nvSpPr>
-          <p:cNvPr id="4" name="!!highlight1">
-            <a:extLst>
-              <a:ext uri="{FF2B5EF4-FFF2-40B4-BE49-F238E27FC236}">
-                <a16:creationId xmlns:a16="http://schemas.microsoft.com/office/drawing/2014/main" id="{93FD5533-0D60-56DD-8D5C-2C70D1E08190}"/>
-              </a:ext>
-            </a:extLst>
-          </p:cNvPr>
-          <p:cNvSpPr/>
-          <p:nvPr/>
-        </p:nvSpPr>
-        <p:spPr>
-          <a:xfrm>
-            <a:off x="9189720" y="2902921"/>
-            <a:ext cx="411480" cy="277018"/>
-          </a:xfrm>
-          <a:prstGeom prst="rect">
-            <a:avLst/>
-          </a:prstGeom>
-          <a:solidFill>
-            <a:srgbClr val="FFFF00">
-              <a:alpha val="50196"/>
-            </a:srgbClr>
-          </a:solidFill>
-          <a:ln>
-            <a:noFill/>
-          </a:ln>
-        </p:spPr>
-        <p:style>
-          <a:lnRef idx="2">
-            <a:schemeClr val="accent1">
-              <a:shade val="15000"/>
-            </a:schemeClr>
-          </a:lnRef>
-          <a:fillRef idx="1">
-            <a:schemeClr val="accent1"/>
-          </a:fillRef>
-          <a:effectRef idx="0">
-            <a:schemeClr val="accent1"/>
-          </a:effectRef>
-          <a:fontRef idx="minor">
-            <a:schemeClr val="lt1"/>
-          </a:fontRef>
-        </p:style>
-        <p:txBody>
-          <a:bodyPr rtlCol="0" anchor="ctr"/>
-          <a:lstStyle/>
-          <a:p>
-            <a:pPr algn="r"/>
-            <a:endParaRPr lang="en-US"/>
-          </a:p>
-        </p:txBody>
-      </p:sp>
-    </p:spTree>
-    <p:extLst>
-      <p:ext uri="{BB962C8B-B14F-4D97-AF65-F5344CB8AC3E}">
-        <p14:creationId xmlns:p14="http://schemas.microsoft.com/office/powerpoint/2010/main" val="946451355"/>
-      </p:ext>
-    </p:extLst>
-  </p:cSld>
-  <p:clrMapOvr>
-    <a:masterClrMapping/>
-  </p:clrMapOvr>
-</p:sld>
-</file>
-
-<file path=ppt/slides/slide11.xml><?xml version="1.0" encoding="utf-8"?>
 <p:sld xmlns:a="http://schemas.openxmlformats.org/drawingml/2006/main" xmlns:r="http://schemas.openxmlformats.org/officeDocument/2006/relationships" xmlns:p="http://schemas.openxmlformats.org/presentationml/2006/main">
   <p:cSld>
     <p:spTree>
@@ -7693,7 +7109,7 @@
 </p:sld>
 </file>
 
-<file path=ppt/slides/slide12.xml><?xml version="1.0" encoding="utf-8"?>
+<file path=ppt/slides/slide11.xml><?xml version="1.0" encoding="utf-8"?>
 <p:sld xmlns:a="http://schemas.openxmlformats.org/drawingml/2006/main" xmlns:r="http://schemas.openxmlformats.org/officeDocument/2006/relationships" xmlns:p="http://schemas.openxmlformats.org/presentationml/2006/main">
   <p:cSld>
     <p:spTree>
@@ -8410,7 +7826,7 @@
 </p:sld>
 </file>
 
-<file path=ppt/slides/slide13.xml><?xml version="1.0" encoding="utf-8"?>
+<file path=ppt/slides/slide12.xml><?xml version="1.0" encoding="utf-8"?>
 <p:sld xmlns:a="http://schemas.openxmlformats.org/drawingml/2006/main" xmlns:r="http://schemas.openxmlformats.org/officeDocument/2006/relationships" xmlns:p="http://schemas.openxmlformats.org/presentationml/2006/main">
   <p:cSld>
     <p:spTree>
@@ -9168,7 +8584,7 @@
 </p:sld>
 </file>
 
-<file path=ppt/slides/slide14.xml><?xml version="1.0" encoding="utf-8"?>
+<file path=ppt/slides/slide13.xml><?xml version="1.0" encoding="utf-8"?>
 <p:sld xmlns:a="http://schemas.openxmlformats.org/drawingml/2006/main" xmlns:r="http://schemas.openxmlformats.org/officeDocument/2006/relationships" xmlns:p="http://schemas.openxmlformats.org/presentationml/2006/main">
   <p:cSld>
     <p:spTree>
@@ -9295,7 +8711,7 @@
 </p:sld>
 </file>
 
-<file path=ppt/slides/slide15.xml><?xml version="1.0" encoding="utf-8"?>
+<file path=ppt/slides/slide14.xml><?xml version="1.0" encoding="utf-8"?>
 <p:sld xmlns:a="http://schemas.openxmlformats.org/drawingml/2006/main" xmlns:r="http://schemas.openxmlformats.org/officeDocument/2006/relationships" xmlns:p="http://schemas.openxmlformats.org/presentationml/2006/main">
   <p:cSld>
     <p:spTree>
@@ -9379,8 +8795,8 @@
         </p:nvSpPr>
         <p:spPr>
           <a:xfrm>
-            <a:off x="3467488" y="2876443"/>
-            <a:ext cx="5494196" cy="769441"/>
+            <a:off x="3408177" y="2876443"/>
+            <a:ext cx="5612820" cy="769441"/>
           </a:xfrm>
           <a:prstGeom prst="rect">
             <a:avLst/>
@@ -9424,7 +8840,7 @@
                 </a:gradFill>
                 <a:latin typeface="Rockwell" panose="02060603020205020403" pitchFamily="18" charset="77"/>
               </a:rPr>
-              <a:t>...later that week...</a:t>
+              <a:t>...later next week...</a:t>
             </a:r>
           </a:p>
         </p:txBody>
@@ -9442,7 +8858,7 @@
 </p:sld>
 </file>
 
-<file path=ppt/slides/slide16.xml><?xml version="1.0" encoding="utf-8"?>
+<file path=ppt/slides/slide15.xml><?xml version="1.0" encoding="utf-8"?>
 <p:sld xmlns:a="http://schemas.openxmlformats.org/drawingml/2006/main" xmlns:r="http://schemas.openxmlformats.org/officeDocument/2006/relationships" xmlns:p="http://schemas.openxmlformats.org/presentationml/2006/main">
   <p:cSld>
     <p:spTree>
@@ -9550,7 +8966,7 @@
 </p:sld>
 </file>
 
-<file path=ppt/slides/slide17.xml><?xml version="1.0" encoding="utf-8"?>
+<file path=ppt/slides/slide16.xml><?xml version="1.0" encoding="utf-8"?>
 <p:sld xmlns:a="http://schemas.openxmlformats.org/drawingml/2006/main" xmlns:r="http://schemas.openxmlformats.org/officeDocument/2006/relationships" xmlns:p="http://schemas.openxmlformats.org/presentationml/2006/main">
   <p:cSld>
     <p:spTree>
@@ -10377,7 +9793,7 @@
 </p:sld>
 </file>
 
-<file path=ppt/slides/slide18.xml><?xml version="1.0" encoding="utf-8"?>
+<file path=ppt/slides/slide17.xml><?xml version="1.0" encoding="utf-8"?>
 <p:sld xmlns:a="http://schemas.openxmlformats.org/drawingml/2006/main" xmlns:r="http://schemas.openxmlformats.org/officeDocument/2006/relationships" xmlns:p="http://schemas.openxmlformats.org/presentationml/2006/main">
   <p:cSld>
     <p:spTree>
@@ -10499,7 +9915,7 @@
 </p:sld>
 </file>
 
-<file path=ppt/slides/slide19.xml><?xml version="1.0" encoding="utf-8"?>
+<file path=ppt/slides/slide18.xml><?xml version="1.0" encoding="utf-8"?>
 <p:sld xmlns:a="http://schemas.openxmlformats.org/drawingml/2006/main" xmlns:r="http://schemas.openxmlformats.org/officeDocument/2006/relationships" xmlns:p="http://schemas.openxmlformats.org/presentationml/2006/main">
   <p:cSld>
     <p:spTree>
@@ -10809,99 +10225,7 @@
 </p:sld>
 </file>
 
-<file path=ppt/slides/slide2.xml><?xml version="1.0" encoding="utf-8"?>
-<p:sld xmlns:a="http://schemas.openxmlformats.org/drawingml/2006/main" xmlns:r="http://schemas.openxmlformats.org/officeDocument/2006/relationships" xmlns:p="http://schemas.openxmlformats.org/presentationml/2006/main">
-  <p:cSld>
-    <p:spTree>
-      <p:nvGrpSpPr>
-        <p:cNvPr id="1" name=""/>
-        <p:cNvGrpSpPr/>
-        <p:nvPr/>
-      </p:nvGrpSpPr>
-      <p:grpSpPr>
-        <a:xfrm>
-          <a:off x="0" y="0"/>
-          <a:ext cx="0" cy="0"/>
-          <a:chOff x="0" y="0"/>
-          <a:chExt cx="0" cy="0"/>
-        </a:xfrm>
-      </p:grpSpPr>
-      <p:sp>
-        <p:nvSpPr>
-          <p:cNvPr id="2" name="Title 1">
-            <a:extLst>
-              <a:ext uri="{FF2B5EF4-FFF2-40B4-BE49-F238E27FC236}">
-                <a16:creationId xmlns:a16="http://schemas.microsoft.com/office/drawing/2014/main" id="{35942E61-76FD-D1D5-E1DD-F386567DA7E6}"/>
-              </a:ext>
-            </a:extLst>
-          </p:cNvPr>
-          <p:cNvSpPr>
-            <a:spLocks noGrp="1"/>
-          </p:cNvSpPr>
-          <p:nvPr>
-            <p:ph type="ctrTitle"/>
-          </p:nvPr>
-        </p:nvSpPr>
-        <p:spPr/>
-        <p:txBody>
-          <a:bodyPr/>
-          <a:lstStyle/>
-          <a:p>
-            <a:r>
-              <a:rPr lang="en-US" dirty="0"/>
-              <a:t>Better Testing with Approvals</a:t>
-            </a:r>
-          </a:p>
-        </p:txBody>
-      </p:sp>
-      <p:sp>
-        <p:nvSpPr>
-          <p:cNvPr id="3" name="Subtitle 2">
-            <a:extLst>
-              <a:ext uri="{FF2B5EF4-FFF2-40B4-BE49-F238E27FC236}">
-                <a16:creationId xmlns:a16="http://schemas.microsoft.com/office/drawing/2014/main" id="{946D131D-A9A2-E833-90CF-10760F529A39}"/>
-              </a:ext>
-            </a:extLst>
-          </p:cNvPr>
-          <p:cNvSpPr>
-            <a:spLocks noGrp="1"/>
-          </p:cNvSpPr>
-          <p:nvPr>
-            <p:ph type="subTitle" idx="1"/>
-          </p:nvPr>
-        </p:nvSpPr>
-        <p:spPr/>
-        <p:txBody>
-          <a:bodyPr/>
-          <a:lstStyle/>
-          <a:p>
-            <a:r>
-              <a:rPr lang="en-US"/>
-              <a:t>Llewellyn Falco</a:t>
-            </a:r>
-          </a:p>
-          <a:p>
-            <a:r>
-              <a:rPr lang="en-US"/>
-              <a:t>Lada Kesseler</a:t>
-            </a:r>
-          </a:p>
-        </p:txBody>
-      </p:sp>
-    </p:spTree>
-    <p:extLst>
-      <p:ext uri="{BB962C8B-B14F-4D97-AF65-F5344CB8AC3E}">
-        <p14:creationId xmlns:p14="http://schemas.microsoft.com/office/powerpoint/2010/main" val="656840027"/>
-      </p:ext>
-    </p:extLst>
-  </p:cSld>
-  <p:clrMapOvr>
-    <a:masterClrMapping/>
-  </p:clrMapOvr>
-</p:sld>
-</file>
-
-<file path=ppt/slides/slide20.xml><?xml version="1.0" encoding="utf-8"?>
+<file path=ppt/slides/slide19.xml><?xml version="1.0" encoding="utf-8"?>
 <p:sld xmlns:a="http://schemas.openxmlformats.org/drawingml/2006/main" xmlns:r="http://schemas.openxmlformats.org/officeDocument/2006/relationships" xmlns:p="http://schemas.openxmlformats.org/presentationml/2006/main">
   <p:cSld>
     <p:spTree>
@@ -11557,7 +10881,99 @@
 </p:sld>
 </file>
 
-<file path=ppt/slides/slide21.xml><?xml version="1.0" encoding="utf-8"?>
+<file path=ppt/slides/slide2.xml><?xml version="1.0" encoding="utf-8"?>
+<p:sld xmlns:a="http://schemas.openxmlformats.org/drawingml/2006/main" xmlns:r="http://schemas.openxmlformats.org/officeDocument/2006/relationships" xmlns:p="http://schemas.openxmlformats.org/presentationml/2006/main">
+  <p:cSld>
+    <p:spTree>
+      <p:nvGrpSpPr>
+        <p:cNvPr id="1" name=""/>
+        <p:cNvGrpSpPr/>
+        <p:nvPr/>
+      </p:nvGrpSpPr>
+      <p:grpSpPr>
+        <a:xfrm>
+          <a:off x="0" y="0"/>
+          <a:ext cx="0" cy="0"/>
+          <a:chOff x="0" y="0"/>
+          <a:chExt cx="0" cy="0"/>
+        </a:xfrm>
+      </p:grpSpPr>
+      <p:sp>
+        <p:nvSpPr>
+          <p:cNvPr id="2" name="Title 1">
+            <a:extLst>
+              <a:ext uri="{FF2B5EF4-FFF2-40B4-BE49-F238E27FC236}">
+                <a16:creationId xmlns:a16="http://schemas.microsoft.com/office/drawing/2014/main" id="{35942E61-76FD-D1D5-E1DD-F386567DA7E6}"/>
+              </a:ext>
+            </a:extLst>
+          </p:cNvPr>
+          <p:cNvSpPr>
+            <a:spLocks noGrp="1"/>
+          </p:cNvSpPr>
+          <p:nvPr>
+            <p:ph type="ctrTitle"/>
+          </p:nvPr>
+        </p:nvSpPr>
+        <p:spPr/>
+        <p:txBody>
+          <a:bodyPr/>
+          <a:lstStyle/>
+          <a:p>
+            <a:r>
+              <a:rPr lang="en-US" dirty="0"/>
+              <a:t>Better Testing with Approvals</a:t>
+            </a:r>
+          </a:p>
+        </p:txBody>
+      </p:sp>
+      <p:sp>
+        <p:nvSpPr>
+          <p:cNvPr id="3" name="Subtitle 2">
+            <a:extLst>
+              <a:ext uri="{FF2B5EF4-FFF2-40B4-BE49-F238E27FC236}">
+                <a16:creationId xmlns:a16="http://schemas.microsoft.com/office/drawing/2014/main" id="{946D131D-A9A2-E833-90CF-10760F529A39}"/>
+              </a:ext>
+            </a:extLst>
+          </p:cNvPr>
+          <p:cNvSpPr>
+            <a:spLocks noGrp="1"/>
+          </p:cNvSpPr>
+          <p:nvPr>
+            <p:ph type="subTitle" idx="1"/>
+          </p:nvPr>
+        </p:nvSpPr>
+        <p:spPr/>
+        <p:txBody>
+          <a:bodyPr/>
+          <a:lstStyle/>
+          <a:p>
+            <a:r>
+              <a:rPr lang="en-US"/>
+              <a:t>Llewellyn Falco</a:t>
+            </a:r>
+          </a:p>
+          <a:p>
+            <a:r>
+              <a:rPr lang="en-US"/>
+              <a:t>Lada Kesseler</a:t>
+            </a:r>
+          </a:p>
+        </p:txBody>
+      </p:sp>
+    </p:spTree>
+    <p:extLst>
+      <p:ext uri="{BB962C8B-B14F-4D97-AF65-F5344CB8AC3E}">
+        <p14:creationId xmlns:p14="http://schemas.microsoft.com/office/powerpoint/2010/main" val="656840027"/>
+      </p:ext>
+    </p:extLst>
+  </p:cSld>
+  <p:clrMapOvr>
+    <a:masterClrMapping/>
+  </p:clrMapOvr>
+</p:sld>
+</file>
+
+<file path=ppt/slides/slide20.xml><?xml version="1.0" encoding="utf-8"?>
 <p:sld xmlns:a="http://schemas.openxmlformats.org/drawingml/2006/main" xmlns:r="http://schemas.openxmlformats.org/officeDocument/2006/relationships" xmlns:p="http://schemas.openxmlformats.org/presentationml/2006/main">
   <p:cSld>
     <p:spTree>
@@ -12974,7 +12390,7 @@
 </p:sld>
 </file>
 
-<file path=ppt/slides/slide22.xml><?xml version="1.0" encoding="utf-8"?>
+<file path=ppt/slides/slide21.xml><?xml version="1.0" encoding="utf-8"?>
 <p:sld xmlns:a="http://schemas.openxmlformats.org/drawingml/2006/main" xmlns:r="http://schemas.openxmlformats.org/officeDocument/2006/relationships" xmlns:p="http://schemas.openxmlformats.org/presentationml/2006/main">
   <p:cSld>
     <p:spTree>
@@ -13460,7 +12876,7 @@
 </p:sld>
 </file>
 
-<file path=ppt/slides/slide23.xml><?xml version="1.0" encoding="utf-8"?>
+<file path=ppt/slides/slide22.xml><?xml version="1.0" encoding="utf-8"?>
 <p:sld xmlns:a="http://schemas.openxmlformats.org/drawingml/2006/main" xmlns:r="http://schemas.openxmlformats.org/officeDocument/2006/relationships" xmlns:p="http://schemas.openxmlformats.org/presentationml/2006/main">
   <p:cSld>
     <p:spTree>
@@ -13544,8 +12960,8 @@
         </p:nvSpPr>
         <p:spPr>
           <a:xfrm>
-            <a:off x="3467488" y="2876443"/>
-            <a:ext cx="5494196" cy="769441"/>
+            <a:off x="3408176" y="2876443"/>
+            <a:ext cx="5612820" cy="769441"/>
           </a:xfrm>
           <a:prstGeom prst="rect">
             <a:avLst/>
@@ -13589,7 +13005,7 @@
                 </a:gradFill>
                 <a:latin typeface="Rockwell" panose="02060603020205020403" pitchFamily="18" charset="77"/>
               </a:rPr>
-              <a:t>...later that week...</a:t>
+              <a:t>...later next week...</a:t>
             </a:r>
           </a:p>
         </p:txBody>
@@ -13607,7 +13023,7 @@
 </p:sld>
 </file>
 
-<file path=ppt/slides/slide24.xml><?xml version="1.0" encoding="utf-8"?>
+<file path=ppt/slides/slide23.xml><?xml version="1.0" encoding="utf-8"?>
 <p:sld xmlns:a="http://schemas.openxmlformats.org/drawingml/2006/main" xmlns:r="http://schemas.openxmlformats.org/officeDocument/2006/relationships" xmlns:p="http://schemas.openxmlformats.org/presentationml/2006/main">
   <p:cSld>
     <p:spTree>
@@ -13715,7 +13131,7 @@
 </p:sld>
 </file>
 
-<file path=ppt/slides/slide25.xml><?xml version="1.0" encoding="utf-8"?>
+<file path=ppt/slides/slide24.xml><?xml version="1.0" encoding="utf-8"?>
 <p:sld xmlns:a="http://schemas.openxmlformats.org/drawingml/2006/main" xmlns:r="http://schemas.openxmlformats.org/officeDocument/2006/relationships" xmlns:p="http://schemas.openxmlformats.org/presentationml/2006/main">
   <p:cSld>
     <p:spTree>
@@ -13834,950 +13250,7 @@
 </p:sld>
 </file>
 
-<file path=ppt/slides/slide26.xml><?xml version="1.0" encoding="utf-8"?>
-<p:sld xmlns:a="http://schemas.openxmlformats.org/drawingml/2006/main" xmlns:r="http://schemas.openxmlformats.org/officeDocument/2006/relationships" xmlns:p="http://schemas.openxmlformats.org/presentationml/2006/main">
-  <p:cSld>
-    <p:spTree>
-      <p:nvGrpSpPr>
-        <p:cNvPr id="1" name="">
-          <a:extLst>
-            <a:ext uri="{FF2B5EF4-FFF2-40B4-BE49-F238E27FC236}">
-              <a16:creationId xmlns:a16="http://schemas.microsoft.com/office/drawing/2014/main" id="{8A394DD1-6444-E6B5-72DF-5274A12075BE}"/>
-            </a:ext>
-          </a:extLst>
-        </p:cNvPr>
-        <p:cNvGrpSpPr/>
-        <p:nvPr/>
-      </p:nvGrpSpPr>
-      <p:grpSpPr>
-        <a:xfrm>
-          <a:off x="0" y="0"/>
-          <a:ext cx="0" cy="0"/>
-          <a:chOff x="0" y="0"/>
-          <a:chExt cx="0" cy="0"/>
-        </a:xfrm>
-      </p:grpSpPr>
-      <p:sp>
-        <p:nvSpPr>
-          <p:cNvPr id="3" name="Curved Down Arrow 2">
-            <a:extLst>
-              <a:ext uri="{FF2B5EF4-FFF2-40B4-BE49-F238E27FC236}">
-                <a16:creationId xmlns:a16="http://schemas.microsoft.com/office/drawing/2014/main" id="{D0F45ECA-1C22-9DAA-4452-A6F363CB7177}"/>
-              </a:ext>
-            </a:extLst>
-          </p:cNvPr>
-          <p:cNvSpPr/>
-          <p:nvPr/>
-        </p:nvSpPr>
-        <p:spPr bwMode="auto">
-          <a:xfrm rot="16200000">
-            <a:off x="2633387" y="3179948"/>
-            <a:ext cx="2718871" cy="1219200"/>
-          </a:xfrm>
-          <a:prstGeom prst="curvedDownArrow">
-            <a:avLst/>
-          </a:prstGeom>
-          <a:ln>
-            <a:headEnd type="none" w="med" len="med"/>
-            <a:tailEnd type="none" w="med" len="med"/>
-          </a:ln>
-        </p:spPr>
-        <p:style>
-          <a:lnRef idx="2">
-            <a:schemeClr val="dk1"/>
-          </a:lnRef>
-          <a:fillRef idx="1">
-            <a:schemeClr val="lt1"/>
-          </a:fillRef>
-          <a:effectRef idx="0">
-            <a:schemeClr val="dk1"/>
-          </a:effectRef>
-          <a:fontRef idx="minor">
-            <a:schemeClr val="dk1"/>
-          </a:fontRef>
-        </p:style>
-        <p:txBody>
-          <a:bodyPr vert="horz" wrap="square" lIns="121920" tIns="60960" rIns="121920" bIns="60960" numCol="1" rtlCol="0" anchor="t" anchorCtr="0" compatLnSpc="1">
-            <a:prstTxWarp prst="textNoShape">
-              <a:avLst/>
-            </a:prstTxWarp>
-          </a:bodyPr>
-          <a:lstStyle/>
-          <a:p>
-            <a:pPr defTabSz="1219170" eaLnBrk="0" fontAlgn="base" hangingPunct="0">
-              <a:spcBef>
-                <a:spcPct val="0"/>
-              </a:spcBef>
-              <a:spcAft>
-                <a:spcPct val="0"/>
-              </a:spcAft>
-            </a:pPr>
-            <a:endParaRPr lang="en-US" sz="3200" b="1">
-              <a:solidFill>
-                <a:schemeClr val="tx1"/>
-              </a:solidFill>
-              <a:latin typeface="Arial" charset="0"/>
-            </a:endParaRPr>
-          </a:p>
-        </p:txBody>
-      </p:sp>
-      <p:sp>
-        <p:nvSpPr>
-          <p:cNvPr id="4" name="Curved Down Arrow 3">
-            <a:extLst>
-              <a:ext uri="{FF2B5EF4-FFF2-40B4-BE49-F238E27FC236}">
-                <a16:creationId xmlns:a16="http://schemas.microsoft.com/office/drawing/2014/main" id="{2531FF68-C096-533A-57C7-9908F7EB21CC}"/>
-              </a:ext>
-            </a:extLst>
-          </p:cNvPr>
-          <p:cNvSpPr/>
-          <p:nvPr/>
-        </p:nvSpPr>
-        <p:spPr bwMode="auto">
-          <a:xfrm rot="5400000">
-            <a:off x="6591606" y="3179949"/>
-            <a:ext cx="2718871" cy="1219200"/>
-          </a:xfrm>
-          <a:prstGeom prst="curvedDownArrow">
-            <a:avLst/>
-          </a:prstGeom>
-          <a:ln>
-            <a:headEnd type="none" w="med" len="med"/>
-            <a:tailEnd type="none" w="med" len="med"/>
-          </a:ln>
-        </p:spPr>
-        <p:style>
-          <a:lnRef idx="2">
-            <a:schemeClr val="dk1"/>
-          </a:lnRef>
-          <a:fillRef idx="1">
-            <a:schemeClr val="lt1"/>
-          </a:fillRef>
-          <a:effectRef idx="0">
-            <a:schemeClr val="dk1"/>
-          </a:effectRef>
-          <a:fontRef idx="minor">
-            <a:schemeClr val="dk1"/>
-          </a:fontRef>
-        </p:style>
-        <p:txBody>
-          <a:bodyPr vert="horz" wrap="square" lIns="121920" tIns="60960" rIns="121920" bIns="60960" numCol="1" rtlCol="0" anchor="t" anchorCtr="0" compatLnSpc="1">
-            <a:prstTxWarp prst="textNoShape">
-              <a:avLst/>
-            </a:prstTxWarp>
-          </a:bodyPr>
-          <a:lstStyle/>
-          <a:p>
-            <a:pPr defTabSz="1219170" eaLnBrk="0" fontAlgn="base" hangingPunct="0">
-              <a:spcBef>
-                <a:spcPct val="0"/>
-              </a:spcBef>
-              <a:spcAft>
-                <a:spcPct val="0"/>
-              </a:spcAft>
-            </a:pPr>
-            <a:endParaRPr lang="en-US" sz="3200" b="1">
-              <a:solidFill>
-                <a:schemeClr val="tx1"/>
-              </a:solidFill>
-              <a:latin typeface="Arial" charset="0"/>
-            </a:endParaRPr>
-          </a:p>
-        </p:txBody>
-      </p:sp>
-      <p:sp>
-        <p:nvSpPr>
-          <p:cNvPr id="5" name="Curved Down Arrow 4">
-            <a:extLst>
-              <a:ext uri="{FF2B5EF4-FFF2-40B4-BE49-F238E27FC236}">
-                <a16:creationId xmlns:a16="http://schemas.microsoft.com/office/drawing/2014/main" id="{CD7C84BE-D1AE-8249-C6BC-60BB49C591DC}"/>
-              </a:ext>
-            </a:extLst>
-          </p:cNvPr>
-          <p:cNvSpPr/>
-          <p:nvPr/>
-        </p:nvSpPr>
-        <p:spPr bwMode="auto">
-          <a:xfrm>
-            <a:off x="4622573" y="1217784"/>
-            <a:ext cx="2718871" cy="1219200"/>
-          </a:xfrm>
-          <a:prstGeom prst="curvedDownArrow">
-            <a:avLst/>
-          </a:prstGeom>
-          <a:ln>
-            <a:headEnd type="none" w="med" len="med"/>
-            <a:tailEnd type="none" w="med" len="med"/>
-          </a:ln>
-        </p:spPr>
-        <p:style>
-          <a:lnRef idx="2">
-            <a:schemeClr val="dk1"/>
-          </a:lnRef>
-          <a:fillRef idx="1">
-            <a:schemeClr val="lt1"/>
-          </a:fillRef>
-          <a:effectRef idx="0">
-            <a:schemeClr val="dk1"/>
-          </a:effectRef>
-          <a:fontRef idx="minor">
-            <a:schemeClr val="dk1"/>
-          </a:fontRef>
-        </p:style>
-        <p:txBody>
-          <a:bodyPr vert="horz" wrap="square" lIns="121920" tIns="60960" rIns="121920" bIns="60960" numCol="1" rtlCol="0" anchor="t" anchorCtr="0" compatLnSpc="1">
-            <a:prstTxWarp prst="textNoShape">
-              <a:avLst/>
-            </a:prstTxWarp>
-          </a:bodyPr>
-          <a:lstStyle/>
-          <a:p>
-            <a:pPr defTabSz="1219170" eaLnBrk="0" fontAlgn="base" hangingPunct="0">
-              <a:spcBef>
-                <a:spcPct val="0"/>
-              </a:spcBef>
-              <a:spcAft>
-                <a:spcPct val="0"/>
-              </a:spcAft>
-            </a:pPr>
-            <a:endParaRPr lang="en-US" sz="3200" b="1">
-              <a:solidFill>
-                <a:schemeClr val="tx1"/>
-              </a:solidFill>
-              <a:latin typeface="Arial" charset="0"/>
-            </a:endParaRPr>
-          </a:p>
-        </p:txBody>
-      </p:sp>
-      <p:sp>
-        <p:nvSpPr>
-          <p:cNvPr id="6" name="TextBox 5">
-            <a:extLst>
-              <a:ext uri="{FF2B5EF4-FFF2-40B4-BE49-F238E27FC236}">
-                <a16:creationId xmlns:a16="http://schemas.microsoft.com/office/drawing/2014/main" id="{7AC20DDB-BF42-B0E5-71C6-A83C06A40EAD}"/>
-              </a:ext>
-            </a:extLst>
-          </p:cNvPr>
-          <p:cNvSpPr txBox="1"/>
-          <p:nvPr/>
-        </p:nvSpPr>
-        <p:spPr>
-          <a:xfrm>
-            <a:off x="7315200" y="1905001"/>
-            <a:ext cx="1497760" cy="461665"/>
-          </a:xfrm>
-          <a:prstGeom prst="rect">
-            <a:avLst/>
-          </a:prstGeom>
-          <a:noFill/>
-        </p:spPr>
-        <p:txBody>
-          <a:bodyPr wrap="square" rtlCol="0">
-            <a:spAutoFit/>
-          </a:bodyPr>
-          <a:lstStyle/>
-          <a:p>
-            <a:r>
-              <a:rPr lang="en-US" sz="2400" dirty="0"/>
-              <a:t>English</a:t>
-            </a:r>
-          </a:p>
-        </p:txBody>
-      </p:sp>
-      <p:sp>
-        <p:nvSpPr>
-          <p:cNvPr id="7" name="TextBox 6">
-            <a:extLst>
-              <a:ext uri="{FF2B5EF4-FFF2-40B4-BE49-F238E27FC236}">
-                <a16:creationId xmlns:a16="http://schemas.microsoft.com/office/drawing/2014/main" id="{0D926260-045A-9824-9340-158A1AA65919}"/>
-              </a:ext>
-            </a:extLst>
-          </p:cNvPr>
-          <p:cNvSpPr txBox="1"/>
-          <p:nvPr/>
-        </p:nvSpPr>
-        <p:spPr>
-          <a:xfrm>
-            <a:off x="7341442" y="5093560"/>
-            <a:ext cx="825867" cy="461665"/>
-          </a:xfrm>
-          <a:prstGeom prst="rect">
-            <a:avLst/>
-          </a:prstGeom>
-          <a:noFill/>
-        </p:spPr>
-        <p:txBody>
-          <a:bodyPr wrap="none" rtlCol="0">
-            <a:spAutoFit/>
-          </a:bodyPr>
-          <a:lstStyle/>
-          <a:p>
-            <a:r>
-              <a:rPr lang="en-US" sz="2400" dirty="0"/>
-              <a:t>Code</a:t>
-            </a:r>
-          </a:p>
-        </p:txBody>
-      </p:sp>
-      <p:sp>
-        <p:nvSpPr>
-          <p:cNvPr id="8" name="TextBox 7">
-            <a:extLst>
-              <a:ext uri="{FF2B5EF4-FFF2-40B4-BE49-F238E27FC236}">
-                <a16:creationId xmlns:a16="http://schemas.microsoft.com/office/drawing/2014/main" id="{080FA7CB-4F8D-9D68-B8B6-534875039076}"/>
-              </a:ext>
-            </a:extLst>
-          </p:cNvPr>
-          <p:cNvSpPr txBox="1"/>
-          <p:nvPr/>
-        </p:nvSpPr>
-        <p:spPr>
-          <a:xfrm>
-            <a:off x="3556000" y="5156201"/>
-            <a:ext cx="1026216" cy="461665"/>
-          </a:xfrm>
-          <a:prstGeom prst="rect">
-            <a:avLst/>
-          </a:prstGeom>
-          <a:noFill/>
-        </p:spPr>
-        <p:txBody>
-          <a:bodyPr wrap="square" rtlCol="0">
-            <a:spAutoFit/>
-          </a:bodyPr>
-          <a:lstStyle/>
-          <a:p>
-            <a:r>
-              <a:rPr lang="en-US" sz="2400" dirty="0"/>
-              <a:t>Result</a:t>
-            </a:r>
-          </a:p>
-        </p:txBody>
-      </p:sp>
-      <p:sp>
-        <p:nvSpPr>
-          <p:cNvPr id="9" name="TextBox 8">
-            <a:extLst>
-              <a:ext uri="{FF2B5EF4-FFF2-40B4-BE49-F238E27FC236}">
-                <a16:creationId xmlns:a16="http://schemas.microsoft.com/office/drawing/2014/main" id="{BE08516B-84ED-8F46-92BE-AAB705AFB9B4}"/>
-              </a:ext>
-            </a:extLst>
-          </p:cNvPr>
-          <p:cNvSpPr txBox="1"/>
-          <p:nvPr/>
-        </p:nvSpPr>
-        <p:spPr>
-          <a:xfrm>
-            <a:off x="2844799" y="1923033"/>
-            <a:ext cx="1777772" cy="461665"/>
-          </a:xfrm>
-          <a:prstGeom prst="rect">
-            <a:avLst/>
-          </a:prstGeom>
-          <a:noFill/>
-        </p:spPr>
-        <p:txBody>
-          <a:bodyPr wrap="square" rtlCol="0">
-            <a:spAutoFit/>
-          </a:bodyPr>
-          <a:lstStyle/>
-          <a:p>
-            <a:r>
-              <a:rPr lang="en-US" sz="2400" dirty="0"/>
-              <a:t>Whiteboard</a:t>
-            </a:r>
-          </a:p>
-        </p:txBody>
-      </p:sp>
-      <p:grpSp>
-        <p:nvGrpSpPr>
-          <p:cNvPr id="10" name="Group 9">
-            <a:extLst>
-              <a:ext uri="{FF2B5EF4-FFF2-40B4-BE49-F238E27FC236}">
-                <a16:creationId xmlns:a16="http://schemas.microsoft.com/office/drawing/2014/main" id="{FF39823A-C8F1-3204-08FC-FA4444003F39}"/>
-              </a:ext>
-            </a:extLst>
-          </p:cNvPr>
-          <p:cNvGrpSpPr/>
-          <p:nvPr/>
-        </p:nvGrpSpPr>
-        <p:grpSpPr>
-          <a:xfrm>
-            <a:off x="1422400" y="279400"/>
-            <a:ext cx="1347536" cy="2802021"/>
-            <a:chOff x="635115" y="-227609"/>
-            <a:chExt cx="1010652" cy="2101516"/>
-          </a:xfrm>
-        </p:grpSpPr>
-        <p:sp>
-          <p:nvSpPr>
-            <p:cNvPr id="11" name="Rectangle 10">
-              <a:extLst>
-                <a:ext uri="{FF2B5EF4-FFF2-40B4-BE49-F238E27FC236}">
-                  <a16:creationId xmlns:a16="http://schemas.microsoft.com/office/drawing/2014/main" id="{3F6B0153-9965-2DEB-F758-1078474DD80E}"/>
-                </a:ext>
-              </a:extLst>
-            </p:cNvPr>
-            <p:cNvSpPr/>
-            <p:nvPr/>
-          </p:nvSpPr>
-          <p:spPr bwMode="auto">
-            <a:xfrm>
-              <a:off x="635115" y="29065"/>
-              <a:ext cx="1010652" cy="1138989"/>
-            </a:xfrm>
-            <a:prstGeom prst="rect">
-              <a:avLst/>
-            </a:prstGeom>
-            <a:ln>
-              <a:headEnd type="none" w="med" len="med"/>
-              <a:tailEnd type="none" w="med" len="med"/>
-            </a:ln>
-          </p:spPr>
-          <p:style>
-            <a:lnRef idx="2">
-              <a:schemeClr val="dk1"/>
-            </a:lnRef>
-            <a:fillRef idx="1">
-              <a:schemeClr val="lt1"/>
-            </a:fillRef>
-            <a:effectRef idx="0">
-              <a:schemeClr val="dk1"/>
-            </a:effectRef>
-            <a:fontRef idx="minor">
-              <a:schemeClr val="dk1"/>
-            </a:fontRef>
-          </p:style>
-          <p:txBody>
-            <a:bodyPr vert="horz" wrap="square" lIns="121920" tIns="60960" rIns="121920" bIns="60960" numCol="1" rtlCol="0" anchor="t" anchorCtr="0" compatLnSpc="1">
-              <a:prstTxWarp prst="textNoShape">
-                <a:avLst/>
-              </a:prstTxWarp>
-            </a:bodyPr>
-            <a:lstStyle/>
-            <a:p>
-              <a:pPr defTabSz="1219170" eaLnBrk="0" fontAlgn="base" hangingPunct="0">
-                <a:spcBef>
-                  <a:spcPct val="0"/>
-                </a:spcBef>
-                <a:spcAft>
-                  <a:spcPct val="0"/>
-                </a:spcAft>
-              </a:pPr>
-              <a:endParaRPr lang="en-US" sz="3200" b="1">
-                <a:solidFill>
-                  <a:schemeClr val="tx1"/>
-                </a:solidFill>
-                <a:latin typeface="Arial" charset="0"/>
-              </a:endParaRPr>
-            </a:p>
-          </p:txBody>
-        </p:sp>
-        <p:cxnSp>
-          <p:nvCxnSpPr>
-            <p:cNvPr id="12" name="Straight Connector 11">
-              <a:extLst>
-                <a:ext uri="{FF2B5EF4-FFF2-40B4-BE49-F238E27FC236}">
-                  <a16:creationId xmlns:a16="http://schemas.microsoft.com/office/drawing/2014/main" id="{64362202-101E-18D9-4A39-C6F32445A05B}"/>
-                </a:ext>
-              </a:extLst>
-            </p:cNvPr>
-            <p:cNvCxnSpPr/>
-            <p:nvPr/>
-          </p:nvCxnSpPr>
-          <p:spPr bwMode="auto">
-            <a:xfrm>
-              <a:off x="1140441" y="-227609"/>
-              <a:ext cx="0" cy="256674"/>
-            </a:xfrm>
-            <a:prstGeom prst="line">
-              <a:avLst/>
-            </a:prstGeom>
-            <a:solidFill>
-              <a:schemeClr val="accent1"/>
-            </a:solidFill>
-            <a:ln w="9525" cap="flat" cmpd="sng" algn="ctr">
-              <a:solidFill>
-                <a:schemeClr val="tx1"/>
-              </a:solidFill>
-              <a:prstDash val="solid"/>
-              <a:round/>
-              <a:headEnd type="none" w="med" len="med"/>
-              <a:tailEnd type="none" w="med" len="med"/>
-            </a:ln>
-            <a:effectLst/>
-          </p:spPr>
-        </p:cxnSp>
-        <p:cxnSp>
-          <p:nvCxnSpPr>
-            <p:cNvPr id="13" name="Straight Connector 12">
-              <a:extLst>
-                <a:ext uri="{FF2B5EF4-FFF2-40B4-BE49-F238E27FC236}">
-                  <a16:creationId xmlns:a16="http://schemas.microsoft.com/office/drawing/2014/main" id="{A5A54560-8644-96DC-1272-5BC3BEA70054}"/>
-                </a:ext>
-              </a:extLst>
-            </p:cNvPr>
-            <p:cNvCxnSpPr/>
-            <p:nvPr/>
-          </p:nvCxnSpPr>
-          <p:spPr bwMode="auto">
-            <a:xfrm flipV="1">
-              <a:off x="819599" y="1168054"/>
-              <a:ext cx="184484" cy="705853"/>
-            </a:xfrm>
-            <a:prstGeom prst="line">
-              <a:avLst/>
-            </a:prstGeom>
-            <a:solidFill>
-              <a:schemeClr val="accent1"/>
-            </a:solidFill>
-            <a:ln w="9525" cap="flat" cmpd="sng" algn="ctr">
-              <a:solidFill>
-                <a:schemeClr val="tx1"/>
-              </a:solidFill>
-              <a:prstDash val="solid"/>
-              <a:round/>
-              <a:headEnd type="none" w="med" len="med"/>
-              <a:tailEnd type="none" w="med" len="med"/>
-            </a:ln>
-            <a:effectLst/>
-          </p:spPr>
-        </p:cxnSp>
-        <p:cxnSp>
-          <p:nvCxnSpPr>
-            <p:cNvPr id="14" name="Straight Connector 13">
-              <a:extLst>
-                <a:ext uri="{FF2B5EF4-FFF2-40B4-BE49-F238E27FC236}">
-                  <a16:creationId xmlns:a16="http://schemas.microsoft.com/office/drawing/2014/main" id="{5F66F5C7-C464-0CED-1F36-8B217FF09EC2}"/>
-                </a:ext>
-              </a:extLst>
-            </p:cNvPr>
-            <p:cNvCxnSpPr/>
-            <p:nvPr/>
-          </p:nvCxnSpPr>
-          <p:spPr bwMode="auto">
-            <a:xfrm flipV="1">
-              <a:off x="1140441" y="1168054"/>
-              <a:ext cx="0" cy="529390"/>
-            </a:xfrm>
-            <a:prstGeom prst="line">
-              <a:avLst/>
-            </a:prstGeom>
-            <a:solidFill>
-              <a:schemeClr val="accent1"/>
-            </a:solidFill>
-            <a:ln w="9525" cap="flat" cmpd="sng" algn="ctr">
-              <a:solidFill>
-                <a:schemeClr val="tx1"/>
-              </a:solidFill>
-              <a:prstDash val="solid"/>
-              <a:round/>
-              <a:headEnd type="none" w="med" len="med"/>
-              <a:tailEnd type="none" w="med" len="med"/>
-            </a:ln>
-            <a:effectLst/>
-          </p:spPr>
-        </p:cxnSp>
-        <p:cxnSp>
-          <p:nvCxnSpPr>
-            <p:cNvPr id="15" name="Straight Connector 14">
-              <a:extLst>
-                <a:ext uri="{FF2B5EF4-FFF2-40B4-BE49-F238E27FC236}">
-                  <a16:creationId xmlns:a16="http://schemas.microsoft.com/office/drawing/2014/main" id="{68594883-6B37-1A25-1C69-8F217D55ACC4}"/>
-                </a:ext>
-              </a:extLst>
-            </p:cNvPr>
-            <p:cNvCxnSpPr/>
-            <p:nvPr/>
-          </p:nvCxnSpPr>
-          <p:spPr bwMode="auto">
-            <a:xfrm flipH="1" flipV="1">
-              <a:off x="1276799" y="1168054"/>
-              <a:ext cx="176463" cy="705853"/>
-            </a:xfrm>
-            <a:prstGeom prst="line">
-              <a:avLst/>
-            </a:prstGeom>
-            <a:solidFill>
-              <a:schemeClr val="accent1"/>
-            </a:solidFill>
-            <a:ln w="9525" cap="flat" cmpd="sng" algn="ctr">
-              <a:solidFill>
-                <a:schemeClr val="tx1"/>
-              </a:solidFill>
-              <a:prstDash val="solid"/>
-              <a:round/>
-              <a:headEnd type="none" w="med" len="med"/>
-              <a:tailEnd type="none" w="med" len="med"/>
-            </a:ln>
-            <a:effectLst/>
-          </p:spPr>
-        </p:cxnSp>
-        <p:cxnSp>
-          <p:nvCxnSpPr>
-            <p:cNvPr id="16" name="Straight Arrow Connector 15">
-              <a:extLst>
-                <a:ext uri="{FF2B5EF4-FFF2-40B4-BE49-F238E27FC236}">
-                  <a16:creationId xmlns:a16="http://schemas.microsoft.com/office/drawing/2014/main" id="{1B1DEDC5-CBBB-77B4-59C0-6949C1C43D78}"/>
-                </a:ext>
-              </a:extLst>
-            </p:cNvPr>
-            <p:cNvCxnSpPr/>
-            <p:nvPr/>
-          </p:nvCxnSpPr>
-          <p:spPr bwMode="auto">
-            <a:xfrm>
-              <a:off x="1140441" y="173520"/>
-              <a:ext cx="0" cy="842838"/>
-            </a:xfrm>
-            <a:prstGeom prst="straightConnector1">
-              <a:avLst/>
-            </a:prstGeom>
-            <a:solidFill>
-              <a:schemeClr val="accent1"/>
-            </a:solidFill>
-            <a:ln w="9525" cap="flat" cmpd="sng" algn="ctr">
-              <a:solidFill>
-                <a:schemeClr val="tx1"/>
-              </a:solidFill>
-              <a:prstDash val="solid"/>
-              <a:round/>
-              <a:headEnd type="arrow"/>
-              <a:tailEnd type="arrow"/>
-            </a:ln>
-            <a:effectLst/>
-          </p:spPr>
-        </p:cxnSp>
-        <p:cxnSp>
-          <p:nvCxnSpPr>
-            <p:cNvPr id="17" name="Straight Arrow Connector 16">
-              <a:extLst>
-                <a:ext uri="{FF2B5EF4-FFF2-40B4-BE49-F238E27FC236}">
-                  <a16:creationId xmlns:a16="http://schemas.microsoft.com/office/drawing/2014/main" id="{DA360AFB-BC7B-14CD-FD43-B046C7EE1BF0}"/>
-                </a:ext>
-              </a:extLst>
-            </p:cNvPr>
-            <p:cNvCxnSpPr/>
-            <p:nvPr/>
-          </p:nvCxnSpPr>
-          <p:spPr bwMode="auto">
-            <a:xfrm flipV="1">
-              <a:off x="762000" y="598559"/>
-              <a:ext cx="691262" cy="1"/>
-            </a:xfrm>
-            <a:prstGeom prst="straightConnector1">
-              <a:avLst/>
-            </a:prstGeom>
-            <a:solidFill>
-              <a:schemeClr val="accent1"/>
-            </a:solidFill>
-            <a:ln w="9525" cap="flat" cmpd="sng" algn="ctr">
-              <a:solidFill>
-                <a:schemeClr val="tx1"/>
-              </a:solidFill>
-              <a:prstDash val="solid"/>
-              <a:round/>
-              <a:headEnd type="arrow"/>
-              <a:tailEnd type="arrow"/>
-            </a:ln>
-            <a:effectLst/>
-          </p:spPr>
-        </p:cxnSp>
-        <p:cxnSp>
-          <p:nvCxnSpPr>
-            <p:cNvPr id="18" name="Straight Connector 17">
-              <a:extLst>
-                <a:ext uri="{FF2B5EF4-FFF2-40B4-BE49-F238E27FC236}">
-                  <a16:creationId xmlns:a16="http://schemas.microsoft.com/office/drawing/2014/main" id="{7A7FFD33-19A8-2A47-B9D0-A8161C22968F}"/>
-                </a:ext>
-              </a:extLst>
-            </p:cNvPr>
-            <p:cNvCxnSpPr/>
-            <p:nvPr/>
-          </p:nvCxnSpPr>
-          <p:spPr bwMode="auto">
-            <a:xfrm flipV="1">
-              <a:off x="1140441" y="380254"/>
-              <a:ext cx="224589" cy="218123"/>
-            </a:xfrm>
-            <a:prstGeom prst="line">
-              <a:avLst/>
-            </a:prstGeom>
-            <a:solidFill>
-              <a:schemeClr val="accent1"/>
-            </a:solidFill>
-            <a:ln w="34925" cap="flat" cmpd="sng" algn="ctr">
-              <a:solidFill>
-                <a:srgbClr val="FF0000"/>
-              </a:solidFill>
-              <a:prstDash val="solid"/>
-              <a:round/>
-              <a:headEnd type="none" w="med" len="med"/>
-              <a:tailEnd type="none" w="med" len="med"/>
-            </a:ln>
-            <a:effectLst/>
-          </p:spPr>
-        </p:cxnSp>
-      </p:grpSp>
-      <p:sp>
-        <p:nvSpPr>
-          <p:cNvPr id="19" name="TextBox 18">
-            <a:extLst>
-              <a:ext uri="{FF2B5EF4-FFF2-40B4-BE49-F238E27FC236}">
-                <a16:creationId xmlns:a16="http://schemas.microsoft.com/office/drawing/2014/main" id="{92F36F41-5DA3-DF67-C06F-D4D35DCC4875}"/>
-              </a:ext>
-            </a:extLst>
-          </p:cNvPr>
-          <p:cNvSpPr txBox="1"/>
-          <p:nvPr/>
-        </p:nvSpPr>
-        <p:spPr>
-          <a:xfrm>
-            <a:off x="7620003" y="889002"/>
-            <a:ext cx="3555876" cy="830997"/>
-          </a:xfrm>
-          <a:prstGeom prst="rect">
-            <a:avLst/>
-          </a:prstGeom>
-          <a:solidFill>
-            <a:schemeClr val="bg1"/>
-          </a:solidFill>
-          <a:ln>
-            <a:solidFill>
-              <a:schemeClr val="tx1"/>
-            </a:solidFill>
-          </a:ln>
-        </p:spPr>
-        <p:txBody>
-          <a:bodyPr wrap="square" rtlCol="0">
-            <a:spAutoFit/>
-          </a:bodyPr>
-          <a:lstStyle/>
-          <a:p>
-            <a:r>
-              <a:rPr lang="en-US" sz="2400" dirty="0">
-                <a:solidFill>
-                  <a:srgbClr val="2AD122"/>
-                </a:solidFill>
-              </a:rPr>
-              <a:t>// Create side (0,0) – (3,4)</a:t>
-            </a:r>
-          </a:p>
-          <a:p>
-            <a:r>
-              <a:rPr lang="en-US" sz="2400" dirty="0">
-                <a:solidFill>
-                  <a:srgbClr val="2AD122"/>
-                </a:solidFill>
-              </a:rPr>
-              <a:t>// Verify length</a:t>
-            </a:r>
-          </a:p>
-        </p:txBody>
-      </p:sp>
-      <p:sp>
-        <p:nvSpPr>
-          <p:cNvPr id="20" name="TextBox 19">
-            <a:extLst>
-              <a:ext uri="{FF2B5EF4-FFF2-40B4-BE49-F238E27FC236}">
-                <a16:creationId xmlns:a16="http://schemas.microsoft.com/office/drawing/2014/main" id="{AD4EDCF3-7C37-4F4B-3794-531222F2D39B}"/>
-              </a:ext>
-            </a:extLst>
-          </p:cNvPr>
-          <p:cNvSpPr txBox="1"/>
-          <p:nvPr/>
-        </p:nvSpPr>
-        <p:spPr>
-          <a:xfrm>
-            <a:off x="7010400" y="5867400"/>
-            <a:ext cx="5080000" cy="748795"/>
-          </a:xfrm>
-          <a:prstGeom prst="rect">
-            <a:avLst/>
-          </a:prstGeom>
-          <a:solidFill>
-            <a:schemeClr val="bg1"/>
-          </a:solidFill>
-          <a:ln>
-            <a:solidFill>
-              <a:schemeClr val="tx1"/>
-            </a:solidFill>
-          </a:ln>
-        </p:spPr>
-        <p:txBody>
-          <a:bodyPr wrap="square" rtlCol="0">
-            <a:spAutoFit/>
-          </a:bodyPr>
-          <a:lstStyle/>
-          <a:p>
-            <a:r>
-              <a:rPr lang="en-US" sz="2133" dirty="0"/>
-              <a:t>Side s = new Side(0,0,3,4);</a:t>
-            </a:r>
-          </a:p>
-          <a:p>
-            <a:r>
-              <a:rPr lang="en-US" sz="2133" dirty="0"/>
-              <a:t>Approvals.Verify(s + “ length = “ +s.Length);</a:t>
-            </a:r>
-          </a:p>
-        </p:txBody>
-      </p:sp>
-      <p:sp>
-        <p:nvSpPr>
-          <p:cNvPr id="21" name="TextBox 20">
-            <a:extLst>
-              <a:ext uri="{FF2B5EF4-FFF2-40B4-BE49-F238E27FC236}">
-                <a16:creationId xmlns:a16="http://schemas.microsoft.com/office/drawing/2014/main" id="{8F4B2375-E391-1D2A-3DC7-FB046D1DB5C2}"/>
-              </a:ext>
-            </a:extLst>
-          </p:cNvPr>
-          <p:cNvSpPr txBox="1"/>
-          <p:nvPr/>
-        </p:nvSpPr>
-        <p:spPr>
-          <a:xfrm>
-            <a:off x="508000" y="5867401"/>
-            <a:ext cx="3984867" cy="502766"/>
-          </a:xfrm>
-          <a:prstGeom prst="rect">
-            <a:avLst/>
-          </a:prstGeom>
-          <a:solidFill>
-            <a:schemeClr val="bg1"/>
-          </a:solidFill>
-          <a:ln>
-            <a:solidFill>
-              <a:schemeClr val="tx1"/>
-            </a:solidFill>
-          </a:ln>
-        </p:spPr>
-        <p:txBody>
-          <a:bodyPr wrap="square" rtlCol="0">
-            <a:spAutoFit/>
-          </a:bodyPr>
-          <a:lstStyle/>
-          <a:p>
-            <a:r>
-              <a:rPr lang="en-US" sz="2667" dirty="0"/>
-              <a:t>Side (0,0) – (3,4) length = 5</a:t>
-            </a:r>
-          </a:p>
-        </p:txBody>
-      </p:sp>
-      <p:sp>
-        <p:nvSpPr>
-          <p:cNvPr id="22" name="Curved Down Arrow 21">
-            <a:extLst>
-              <a:ext uri="{FF2B5EF4-FFF2-40B4-BE49-F238E27FC236}">
-                <a16:creationId xmlns:a16="http://schemas.microsoft.com/office/drawing/2014/main" id="{31F2F38B-8260-C825-8DFE-AB0970C9C406}"/>
-              </a:ext>
-            </a:extLst>
-          </p:cNvPr>
-          <p:cNvSpPr/>
-          <p:nvPr/>
-        </p:nvSpPr>
-        <p:spPr bwMode="auto">
-          <a:xfrm rot="10800000">
-            <a:off x="4590493" y="5025943"/>
-            <a:ext cx="2718871" cy="1219200"/>
-          </a:xfrm>
-          <a:prstGeom prst="curvedDownArrow">
-            <a:avLst/>
-          </a:prstGeom>
-          <a:ln>
-            <a:headEnd type="none" w="med" len="med"/>
-            <a:tailEnd type="none" w="med" len="med"/>
-          </a:ln>
-        </p:spPr>
-        <p:style>
-          <a:lnRef idx="2">
-            <a:schemeClr val="dk1"/>
-          </a:lnRef>
-          <a:fillRef idx="1">
-            <a:schemeClr val="lt1"/>
-          </a:fillRef>
-          <a:effectRef idx="0">
-            <a:schemeClr val="dk1"/>
-          </a:effectRef>
-          <a:fontRef idx="minor">
-            <a:schemeClr val="dk1"/>
-          </a:fontRef>
-        </p:style>
-        <p:txBody>
-          <a:bodyPr vert="horz" wrap="square" lIns="121920" tIns="60960" rIns="121920" bIns="60960" numCol="1" rtlCol="0" anchor="t" anchorCtr="0" compatLnSpc="1">
-            <a:prstTxWarp prst="textNoShape">
-              <a:avLst/>
-            </a:prstTxWarp>
-          </a:bodyPr>
-          <a:lstStyle/>
-          <a:p>
-            <a:pPr defTabSz="1219170" eaLnBrk="0" fontAlgn="base" hangingPunct="0">
-              <a:spcBef>
-                <a:spcPct val="0"/>
-              </a:spcBef>
-              <a:spcAft>
-                <a:spcPct val="0"/>
-              </a:spcAft>
-            </a:pPr>
-            <a:endParaRPr lang="en-US" sz="3200" b="1">
-              <a:solidFill>
-                <a:schemeClr val="tx1"/>
-              </a:solidFill>
-              <a:latin typeface="Arial" charset="0"/>
-            </a:endParaRPr>
-          </a:p>
-        </p:txBody>
-      </p:sp>
-      <p:sp>
-        <p:nvSpPr>
-          <p:cNvPr id="23" name="TextBox 22">
-            <a:extLst>
-              <a:ext uri="{FF2B5EF4-FFF2-40B4-BE49-F238E27FC236}">
-                <a16:creationId xmlns:a16="http://schemas.microsoft.com/office/drawing/2014/main" id="{D614342D-BA54-FEAD-66D0-8DEAD62B8178}"/>
-              </a:ext>
-            </a:extLst>
-          </p:cNvPr>
-          <p:cNvSpPr txBox="1"/>
-          <p:nvPr/>
-        </p:nvSpPr>
-        <p:spPr>
-          <a:xfrm>
-            <a:off x="4165604" y="3327402"/>
-            <a:ext cx="3453061" cy="830997"/>
-          </a:xfrm>
-          <a:prstGeom prst="rect">
-            <a:avLst/>
-          </a:prstGeom>
-          <a:noFill/>
-        </p:spPr>
-        <p:txBody>
-          <a:bodyPr wrap="none" rtlCol="0">
-            <a:spAutoFit/>
-          </a:bodyPr>
-          <a:lstStyle/>
-          <a:p>
-            <a:r>
-              <a:rPr lang="en-US" sz="4800" dirty="0"/>
-              <a:t>Testing Circle</a:t>
-            </a:r>
-          </a:p>
-        </p:txBody>
-      </p:sp>
-    </p:spTree>
-    <p:extLst>
-      <p:ext uri="{BB962C8B-B14F-4D97-AF65-F5344CB8AC3E}">
-        <p14:creationId xmlns:p14="http://schemas.microsoft.com/office/powerpoint/2010/main" val="2993533196"/>
-      </p:ext>
-    </p:extLst>
-  </p:cSld>
-  <p:clrMapOvr>
-    <a:masterClrMapping/>
-  </p:clrMapOvr>
-</p:sld>
-</file>
-
-<file path=ppt/slides/slide27.xml><?xml version="1.0" encoding="utf-8"?>
+<file path=ppt/slides/slide25.xml><?xml version="1.0" encoding="utf-8"?>
 <p:sld xmlns:a="http://schemas.openxmlformats.org/drawingml/2006/main" xmlns:r="http://schemas.openxmlformats.org/officeDocument/2006/relationships" xmlns:p="http://schemas.openxmlformats.org/presentationml/2006/main">
   <p:cSld>
     <p:spTree>
@@ -14878,966 +13351,7 @@
 </p:sld>
 </file>
 
-<file path=ppt/slides/slide28.xml><?xml version="1.0" encoding="utf-8"?>
-<p:sld xmlns:a="http://schemas.openxmlformats.org/drawingml/2006/main" xmlns:r="http://schemas.openxmlformats.org/officeDocument/2006/relationships" xmlns:p="http://schemas.openxmlformats.org/presentationml/2006/main" show="0">
-  <p:cSld>
-    <p:spTree>
-      <p:nvGrpSpPr>
-        <p:cNvPr id="1" name="">
-          <a:extLst>
-            <a:ext uri="{FF2B5EF4-FFF2-40B4-BE49-F238E27FC236}">
-              <a16:creationId xmlns:a16="http://schemas.microsoft.com/office/drawing/2014/main" id="{0CDC54FE-7FC3-7747-C655-1CD7689E945F}"/>
-            </a:ext>
-          </a:extLst>
-        </p:cNvPr>
-        <p:cNvGrpSpPr/>
-        <p:nvPr/>
-      </p:nvGrpSpPr>
-      <p:grpSpPr>
-        <a:xfrm>
-          <a:off x="0" y="0"/>
-          <a:ext cx="0" cy="0"/>
-          <a:chOff x="0" y="0"/>
-          <a:chExt cx="0" cy="0"/>
-        </a:xfrm>
-      </p:grpSpPr>
-      <p:pic>
-        <p:nvPicPr>
-          <p:cNvPr id="2" name="Picture 1" descr="A screenshot of a computer code&#10;&#10;Description automatically generated">
-            <a:extLst>
-              <a:ext uri="{FF2B5EF4-FFF2-40B4-BE49-F238E27FC236}">
-                <a16:creationId xmlns:a16="http://schemas.microsoft.com/office/drawing/2014/main" id="{6C4170BA-DF45-9A1A-5B39-E2A0AF1934B1}"/>
-              </a:ext>
-            </a:extLst>
-          </p:cNvPr>
-          <p:cNvPicPr>
-            <a:picLocks noChangeAspect="1"/>
-          </p:cNvPicPr>
-          <p:nvPr/>
-        </p:nvPicPr>
-        <p:blipFill>
-          <a:blip r:embed="rId3"/>
-          <a:stretch>
-            <a:fillRect/>
-          </a:stretch>
-        </p:blipFill>
-        <p:spPr>
-          <a:xfrm>
-            <a:off x="86438" y="1514440"/>
-            <a:ext cx="6512992" cy="3284868"/>
-          </a:xfrm>
-          <a:prstGeom prst="rect">
-            <a:avLst/>
-          </a:prstGeom>
-          <a:ln>
-            <a:solidFill>
-              <a:schemeClr val="tx1"/>
-            </a:solidFill>
-          </a:ln>
-        </p:spPr>
-      </p:pic>
-      <p:sp>
-        <p:nvSpPr>
-          <p:cNvPr id="3" name="Right Arrow 2">
-            <a:extLst>
-              <a:ext uri="{FF2B5EF4-FFF2-40B4-BE49-F238E27FC236}">
-                <a16:creationId xmlns:a16="http://schemas.microsoft.com/office/drawing/2014/main" id="{172A8BEA-D6FE-A64F-07E1-8309097BA35F}"/>
-              </a:ext>
-            </a:extLst>
-          </p:cNvPr>
-          <p:cNvSpPr/>
-          <p:nvPr/>
-        </p:nvSpPr>
-        <p:spPr>
-          <a:xfrm>
-            <a:off x="6697595" y="2156898"/>
-            <a:ext cx="832104" cy="2177358"/>
-          </a:xfrm>
-          <a:prstGeom prst="rightArrow">
-            <a:avLst/>
-          </a:prstGeom>
-        </p:spPr>
-        <p:style>
-          <a:lnRef idx="2">
-            <a:schemeClr val="accent1">
-              <a:shade val="15000"/>
-            </a:schemeClr>
-          </a:lnRef>
-          <a:fillRef idx="1">
-            <a:schemeClr val="accent1"/>
-          </a:fillRef>
-          <a:effectRef idx="0">
-            <a:schemeClr val="accent1"/>
-          </a:effectRef>
-          <a:fontRef idx="minor">
-            <a:schemeClr val="lt1"/>
-          </a:fontRef>
-        </p:style>
-        <p:txBody>
-          <a:bodyPr rtlCol="0" anchor="ctr"/>
-          <a:lstStyle/>
-          <a:p>
-            <a:pPr algn="ctr"/>
-            <a:endParaRPr lang="en-US"/>
-          </a:p>
-        </p:txBody>
-      </p:sp>
-      <p:pic>
-        <p:nvPicPr>
-          <p:cNvPr id="5" name="Picture 4" descr="A close-up of a computer code&#10;&#10;Description automatically generated">
-            <a:extLst>
-              <a:ext uri="{FF2B5EF4-FFF2-40B4-BE49-F238E27FC236}">
-                <a16:creationId xmlns:a16="http://schemas.microsoft.com/office/drawing/2014/main" id="{028AA476-CC31-E423-6F65-6054E4CB5972}"/>
-              </a:ext>
-            </a:extLst>
-          </p:cNvPr>
-          <p:cNvPicPr>
-            <a:picLocks noChangeAspect="1"/>
-          </p:cNvPicPr>
-          <p:nvPr/>
-        </p:nvPicPr>
-        <p:blipFill>
-          <a:blip r:embed="rId4"/>
-          <a:stretch>
-            <a:fillRect/>
-          </a:stretch>
-        </p:blipFill>
-        <p:spPr>
-          <a:xfrm>
-            <a:off x="7832851" y="1026887"/>
-            <a:ext cx="3457939" cy="975106"/>
-          </a:xfrm>
-          <a:prstGeom prst="rect">
-            <a:avLst/>
-          </a:prstGeom>
-        </p:spPr>
-      </p:pic>
-      <p:sp>
-        <p:nvSpPr>
-          <p:cNvPr id="11" name="Cross 10">
-            <a:extLst>
-              <a:ext uri="{FF2B5EF4-FFF2-40B4-BE49-F238E27FC236}">
-                <a16:creationId xmlns:a16="http://schemas.microsoft.com/office/drawing/2014/main" id="{28C78C83-275C-53B2-1621-FF0DE645D6B9}"/>
-              </a:ext>
-            </a:extLst>
-          </p:cNvPr>
-          <p:cNvSpPr/>
-          <p:nvPr/>
-        </p:nvSpPr>
-        <p:spPr>
-          <a:xfrm>
-            <a:off x="9292072" y="2392807"/>
-            <a:ext cx="539496" cy="539496"/>
-          </a:xfrm>
-          <a:prstGeom prst="plus">
-            <a:avLst>
-              <a:gd name="adj" fmla="val 42290"/>
-            </a:avLst>
-          </a:prstGeom>
-        </p:spPr>
-        <p:style>
-          <a:lnRef idx="2">
-            <a:schemeClr val="accent1">
-              <a:shade val="15000"/>
-            </a:schemeClr>
-          </a:lnRef>
-          <a:fillRef idx="1">
-            <a:schemeClr val="accent1"/>
-          </a:fillRef>
-          <a:effectRef idx="0">
-            <a:schemeClr val="accent1"/>
-          </a:effectRef>
-          <a:fontRef idx="minor">
-            <a:schemeClr val="lt1"/>
-          </a:fontRef>
-        </p:style>
-        <p:txBody>
-          <a:bodyPr rtlCol="0" anchor="ctr"/>
-          <a:lstStyle/>
-          <a:p>
-            <a:pPr algn="ctr"/>
-            <a:endParaRPr lang="en-US"/>
-          </a:p>
-        </p:txBody>
-      </p:sp>
-      <p:pic>
-        <p:nvPicPr>
-          <p:cNvPr id="13" name="Picture 12" descr="A screenshot of a computer&#10;&#10;Description automatically generated">
-            <a:extLst>
-              <a:ext uri="{FF2B5EF4-FFF2-40B4-BE49-F238E27FC236}">
-                <a16:creationId xmlns:a16="http://schemas.microsoft.com/office/drawing/2014/main" id="{08FBF3D4-A67B-5B8A-AED2-51715B9A5548}"/>
-              </a:ext>
-            </a:extLst>
-          </p:cNvPr>
-          <p:cNvPicPr>
-            <a:picLocks noChangeAspect="1"/>
-          </p:cNvPicPr>
-          <p:nvPr/>
-        </p:nvPicPr>
-        <p:blipFill>
-          <a:blip r:embed="rId5"/>
-          <a:stretch>
-            <a:fillRect/>
-          </a:stretch>
-        </p:blipFill>
-        <p:spPr>
-          <a:xfrm>
-            <a:off x="7671816" y="3429000"/>
-            <a:ext cx="4433746" cy="804672"/>
-          </a:xfrm>
-          <a:prstGeom prst="rect">
-            <a:avLst/>
-          </a:prstGeom>
-        </p:spPr>
-      </p:pic>
-      <p:sp>
-        <p:nvSpPr>
-          <p:cNvPr id="14" name="Cross 13">
-            <a:extLst>
-              <a:ext uri="{FF2B5EF4-FFF2-40B4-BE49-F238E27FC236}">
-                <a16:creationId xmlns:a16="http://schemas.microsoft.com/office/drawing/2014/main" id="{D9701D7B-05D7-7045-E744-584E30A100CA}"/>
-              </a:ext>
-            </a:extLst>
-          </p:cNvPr>
-          <p:cNvSpPr/>
-          <p:nvPr/>
-        </p:nvSpPr>
-        <p:spPr>
-          <a:xfrm>
-            <a:off x="9292072" y="4623816"/>
-            <a:ext cx="539496" cy="539496"/>
-          </a:xfrm>
-          <a:prstGeom prst="plus">
-            <a:avLst>
-              <a:gd name="adj" fmla="val 42290"/>
-            </a:avLst>
-          </a:prstGeom>
-        </p:spPr>
-        <p:style>
-          <a:lnRef idx="2">
-            <a:schemeClr val="accent1">
-              <a:shade val="15000"/>
-            </a:schemeClr>
-          </a:lnRef>
-          <a:fillRef idx="1">
-            <a:schemeClr val="accent1"/>
-          </a:fillRef>
-          <a:effectRef idx="0">
-            <a:schemeClr val="accent1"/>
-          </a:effectRef>
-          <a:fontRef idx="minor">
-            <a:schemeClr val="lt1"/>
-          </a:fontRef>
-        </p:style>
-        <p:txBody>
-          <a:bodyPr rtlCol="0" anchor="ctr"/>
-          <a:lstStyle/>
-          <a:p>
-            <a:pPr algn="ctr"/>
-            <a:endParaRPr lang="en-US"/>
-          </a:p>
-        </p:txBody>
-      </p:sp>
-      <p:pic>
-        <p:nvPicPr>
-          <p:cNvPr id="16" name="Picture 15" descr="A computer code with black text&#10;&#10;Description automatically generated">
-            <a:extLst>
-              <a:ext uri="{FF2B5EF4-FFF2-40B4-BE49-F238E27FC236}">
-                <a16:creationId xmlns:a16="http://schemas.microsoft.com/office/drawing/2014/main" id="{BE3A19A8-899A-7F37-45B8-027DF5827332}"/>
-              </a:ext>
-            </a:extLst>
-          </p:cNvPr>
-          <p:cNvPicPr>
-            <a:picLocks noChangeAspect="1"/>
-          </p:cNvPicPr>
-          <p:nvPr/>
-        </p:nvPicPr>
-        <p:blipFill>
-          <a:blip r:embed="rId6"/>
-          <a:stretch>
-            <a:fillRect/>
-          </a:stretch>
-        </p:blipFill>
-        <p:spPr>
-          <a:xfrm>
-            <a:off x="6374638" y="5441766"/>
-            <a:ext cx="5817362" cy="1113152"/>
-          </a:xfrm>
-          <a:prstGeom prst="rect">
-            <a:avLst/>
-          </a:prstGeom>
-        </p:spPr>
-      </p:pic>
-    </p:spTree>
-    <p:extLst>
-      <p:ext uri="{BB962C8B-B14F-4D97-AF65-F5344CB8AC3E}">
-        <p14:creationId xmlns:p14="http://schemas.microsoft.com/office/powerpoint/2010/main" val="942705869"/>
-      </p:ext>
-    </p:extLst>
-  </p:cSld>
-  <p:clrMapOvr>
-    <a:masterClrMapping/>
-  </p:clrMapOvr>
-</p:sld>
-</file>
-
-<file path=ppt/slides/slide29.xml><?xml version="1.0" encoding="utf-8"?>
-<p:sld xmlns:a="http://schemas.openxmlformats.org/drawingml/2006/main" xmlns:r="http://schemas.openxmlformats.org/officeDocument/2006/relationships" xmlns:p="http://schemas.openxmlformats.org/presentationml/2006/main" show="0">
-  <p:cSld>
-    <p:spTree>
-      <p:nvGrpSpPr>
-        <p:cNvPr id="1" name="">
-          <a:extLst>
-            <a:ext uri="{FF2B5EF4-FFF2-40B4-BE49-F238E27FC236}">
-              <a16:creationId xmlns:a16="http://schemas.microsoft.com/office/drawing/2014/main" id="{E1F50578-426B-B2D6-9868-5A6CE33F19F8}"/>
-            </a:ext>
-          </a:extLst>
-        </p:cNvPr>
-        <p:cNvGrpSpPr/>
-        <p:nvPr/>
-      </p:nvGrpSpPr>
-      <p:grpSpPr>
-        <a:xfrm>
-          <a:off x="0" y="0"/>
-          <a:ext cx="0" cy="0"/>
-          <a:chOff x="0" y="0"/>
-          <a:chExt cx="0" cy="0"/>
-        </a:xfrm>
-      </p:grpSpPr>
-      <p:pic>
-        <p:nvPicPr>
-          <p:cNvPr id="5" name="Picture 4" descr="A close-up of a computer code&#10;&#10;Description automatically generated">
-            <a:extLst>
-              <a:ext uri="{FF2B5EF4-FFF2-40B4-BE49-F238E27FC236}">
-                <a16:creationId xmlns:a16="http://schemas.microsoft.com/office/drawing/2014/main" id="{56195F33-D530-BAB6-216B-EFC86AA2A880}"/>
-              </a:ext>
-            </a:extLst>
-          </p:cNvPr>
-          <p:cNvPicPr>
-            <a:picLocks noChangeAspect="1"/>
-          </p:cNvPicPr>
-          <p:nvPr/>
-        </p:nvPicPr>
-        <p:blipFill>
-          <a:blip r:embed="rId3"/>
-          <a:stretch>
-            <a:fillRect/>
-          </a:stretch>
-        </p:blipFill>
-        <p:spPr>
-          <a:xfrm>
-            <a:off x="3800347" y="1200623"/>
-            <a:ext cx="3457939" cy="975106"/>
-          </a:xfrm>
-          <a:prstGeom prst="rect">
-            <a:avLst/>
-          </a:prstGeom>
-        </p:spPr>
-      </p:pic>
-      <p:sp>
-        <p:nvSpPr>
-          <p:cNvPr id="11" name="Cross 10">
-            <a:extLst>
-              <a:ext uri="{FF2B5EF4-FFF2-40B4-BE49-F238E27FC236}">
-                <a16:creationId xmlns:a16="http://schemas.microsoft.com/office/drawing/2014/main" id="{D503CA69-5A95-FC13-11AA-E693E9117811}"/>
-              </a:ext>
-            </a:extLst>
-          </p:cNvPr>
-          <p:cNvSpPr/>
-          <p:nvPr/>
-        </p:nvSpPr>
-        <p:spPr>
-          <a:xfrm>
-            <a:off x="5259568" y="2566543"/>
-            <a:ext cx="539496" cy="539496"/>
-          </a:xfrm>
-          <a:prstGeom prst="plus">
-            <a:avLst>
-              <a:gd name="adj" fmla="val 42290"/>
-            </a:avLst>
-          </a:prstGeom>
-        </p:spPr>
-        <p:style>
-          <a:lnRef idx="2">
-            <a:schemeClr val="accent1">
-              <a:shade val="15000"/>
-            </a:schemeClr>
-          </a:lnRef>
-          <a:fillRef idx="1">
-            <a:schemeClr val="accent1"/>
-          </a:fillRef>
-          <a:effectRef idx="0">
-            <a:schemeClr val="accent1"/>
-          </a:effectRef>
-          <a:fontRef idx="minor">
-            <a:schemeClr val="lt1"/>
-          </a:fontRef>
-        </p:style>
-        <p:txBody>
-          <a:bodyPr rtlCol="0" anchor="ctr"/>
-          <a:lstStyle/>
-          <a:p>
-            <a:pPr algn="ctr"/>
-            <a:endParaRPr lang="en-US"/>
-          </a:p>
-        </p:txBody>
-      </p:sp>
-      <p:pic>
-        <p:nvPicPr>
-          <p:cNvPr id="13" name="Picture 12" descr="A screenshot of a computer&#10;&#10;Description automatically generated">
-            <a:extLst>
-              <a:ext uri="{FF2B5EF4-FFF2-40B4-BE49-F238E27FC236}">
-                <a16:creationId xmlns:a16="http://schemas.microsoft.com/office/drawing/2014/main" id="{FFD6300A-DFA1-4C2B-3910-41453EA327AB}"/>
-              </a:ext>
-            </a:extLst>
-          </p:cNvPr>
-          <p:cNvPicPr>
-            <a:picLocks noChangeAspect="1"/>
-          </p:cNvPicPr>
-          <p:nvPr/>
-        </p:nvPicPr>
-        <p:blipFill>
-          <a:blip r:embed="rId4"/>
-          <a:stretch>
-            <a:fillRect/>
-          </a:stretch>
-        </p:blipFill>
-        <p:spPr>
-          <a:xfrm>
-            <a:off x="3639312" y="3602736"/>
-            <a:ext cx="4433746" cy="804672"/>
-          </a:xfrm>
-          <a:prstGeom prst="rect">
-            <a:avLst/>
-          </a:prstGeom>
-        </p:spPr>
-      </p:pic>
-    </p:spTree>
-    <p:extLst>
-      <p:ext uri="{BB962C8B-B14F-4D97-AF65-F5344CB8AC3E}">
-        <p14:creationId xmlns:p14="http://schemas.microsoft.com/office/powerpoint/2010/main" val="3797129674"/>
-      </p:ext>
-    </p:extLst>
-  </p:cSld>
-  <p:clrMapOvr>
-    <a:masterClrMapping/>
-  </p:clrMapOvr>
-</p:sld>
-</file>
-
-<file path=ppt/slides/slide3.xml><?xml version="1.0" encoding="utf-8"?>
-<p:sld xmlns:a="http://schemas.openxmlformats.org/drawingml/2006/main" xmlns:r="http://schemas.openxmlformats.org/officeDocument/2006/relationships" xmlns:p="http://schemas.openxmlformats.org/presentationml/2006/main">
-  <p:cSld>
-    <p:spTree>
-      <p:nvGrpSpPr>
-        <p:cNvPr id="1" name=""/>
-        <p:cNvGrpSpPr/>
-        <p:nvPr/>
-      </p:nvGrpSpPr>
-      <p:grpSpPr>
-        <a:xfrm>
-          <a:off x="0" y="0"/>
-          <a:ext cx="0" cy="0"/>
-          <a:chOff x="0" y="0"/>
-          <a:chExt cx="0" cy="0"/>
-        </a:xfrm>
-      </p:grpSpPr>
-      <p:sp>
-        <p:nvSpPr>
-          <p:cNvPr id="2" name="Title 1">
-            <a:extLst>
-              <a:ext uri="{FF2B5EF4-FFF2-40B4-BE49-F238E27FC236}">
-                <a16:creationId xmlns:a16="http://schemas.microsoft.com/office/drawing/2014/main" id="{ACA34BF9-ABC8-6E95-A72F-2D3FA170EE8B}"/>
-              </a:ext>
-            </a:extLst>
-          </p:cNvPr>
-          <p:cNvSpPr>
-            <a:spLocks noGrp="1"/>
-          </p:cNvSpPr>
-          <p:nvPr>
-            <p:ph type="title"/>
-          </p:nvPr>
-        </p:nvSpPr>
-        <p:spPr/>
-        <p:txBody>
-          <a:bodyPr/>
-          <a:lstStyle/>
-          <a:p>
-            <a:r>
-              <a:rPr lang="en-US"/>
-              <a:t>Resources</a:t>
-            </a:r>
-          </a:p>
-        </p:txBody>
-      </p:sp>
-      <p:pic>
-        <p:nvPicPr>
-          <p:cNvPr id="8" name="Graphic 7">
-            <a:extLst>
-              <a:ext uri="{FF2B5EF4-FFF2-40B4-BE49-F238E27FC236}">
-                <a16:creationId xmlns:a16="http://schemas.microsoft.com/office/drawing/2014/main" id="{9AA41458-F0A6-4112-C12A-DB7932BB8580}"/>
-              </a:ext>
-            </a:extLst>
-          </p:cNvPr>
-          <p:cNvPicPr>
-            <a:picLocks noChangeAspect="1"/>
-          </p:cNvPicPr>
-          <p:nvPr/>
-        </p:nvPicPr>
-        <p:blipFill>
-          <a:blip r:embed="rId3">
-            <a:extLst>
-              <a:ext uri="{96DAC541-7B7A-43D3-8B79-37D633B846F1}">
-                <asvg:svgBlip xmlns:asvg="http://schemas.microsoft.com/office/drawing/2016/SVG/main" r:embed="rId4"/>
-              </a:ext>
-            </a:extLst>
-          </a:blip>
-          <a:stretch>
-            <a:fillRect/>
-          </a:stretch>
-        </p:blipFill>
-        <p:spPr>
-          <a:xfrm>
-            <a:off x="5303520" y="77724"/>
-            <a:ext cx="6702552" cy="6702552"/>
-          </a:xfrm>
-          <a:prstGeom prst="rect">
-            <a:avLst/>
-          </a:prstGeom>
-        </p:spPr>
-      </p:pic>
-    </p:spTree>
-    <p:extLst>
-      <p:ext uri="{BB962C8B-B14F-4D97-AF65-F5344CB8AC3E}">
-        <p14:creationId xmlns:p14="http://schemas.microsoft.com/office/powerpoint/2010/main" val="2231158184"/>
-      </p:ext>
-    </p:extLst>
-  </p:cSld>
-  <p:clrMapOvr>
-    <a:masterClrMapping/>
-  </p:clrMapOvr>
-</p:sld>
-</file>
-
-<file path=ppt/slides/slide30.xml><?xml version="1.0" encoding="utf-8"?>
-<p:sld xmlns:a="http://schemas.openxmlformats.org/drawingml/2006/main" xmlns:r="http://schemas.openxmlformats.org/officeDocument/2006/relationships" xmlns:p="http://schemas.openxmlformats.org/presentationml/2006/main" show="0">
-  <p:cSld>
-    <p:spTree>
-      <p:nvGrpSpPr>
-        <p:cNvPr id="1" name="">
-          <a:extLst>
-            <a:ext uri="{FF2B5EF4-FFF2-40B4-BE49-F238E27FC236}">
-              <a16:creationId xmlns:a16="http://schemas.microsoft.com/office/drawing/2014/main" id="{F37AB3B8-516C-458F-85AE-74CA0430C2AD}"/>
-            </a:ext>
-          </a:extLst>
-        </p:cNvPr>
-        <p:cNvGrpSpPr/>
-        <p:nvPr/>
-      </p:nvGrpSpPr>
-      <p:grpSpPr>
-        <a:xfrm>
-          <a:off x="0" y="0"/>
-          <a:ext cx="0" cy="0"/>
-          <a:chOff x="0" y="0"/>
-          <a:chExt cx="0" cy="0"/>
-        </a:xfrm>
-      </p:grpSpPr>
-      <p:pic>
-        <p:nvPicPr>
-          <p:cNvPr id="2" name="Picture 1" descr="A close-up of a computer code&#10;&#10;Description automatically generated">
-            <a:extLst>
-              <a:ext uri="{FF2B5EF4-FFF2-40B4-BE49-F238E27FC236}">
-                <a16:creationId xmlns:a16="http://schemas.microsoft.com/office/drawing/2014/main" id="{87248049-208D-9BA1-5F96-C78F6884D201}"/>
-              </a:ext>
-            </a:extLst>
-          </p:cNvPr>
-          <p:cNvPicPr>
-            <a:picLocks noChangeAspect="1"/>
-          </p:cNvPicPr>
-          <p:nvPr/>
-        </p:nvPicPr>
-        <p:blipFill>
-          <a:blip r:embed="rId3"/>
-          <a:stretch>
-            <a:fillRect/>
-          </a:stretch>
-        </p:blipFill>
-        <p:spPr>
-          <a:xfrm>
-            <a:off x="517651" y="1136615"/>
-            <a:ext cx="3457939" cy="975106"/>
-          </a:xfrm>
-          <a:prstGeom prst="rect">
-            <a:avLst/>
-          </a:prstGeom>
-        </p:spPr>
-      </p:pic>
-      <p:sp>
-        <p:nvSpPr>
-          <p:cNvPr id="3" name="Cross 2">
-            <a:extLst>
-              <a:ext uri="{FF2B5EF4-FFF2-40B4-BE49-F238E27FC236}">
-                <a16:creationId xmlns:a16="http://schemas.microsoft.com/office/drawing/2014/main" id="{07EA33B7-1EA1-CD67-6CA1-197AD77E0315}"/>
-              </a:ext>
-            </a:extLst>
-          </p:cNvPr>
-          <p:cNvSpPr/>
-          <p:nvPr/>
-        </p:nvSpPr>
-        <p:spPr>
-          <a:xfrm>
-            <a:off x="1976872" y="2502535"/>
-            <a:ext cx="539496" cy="539496"/>
-          </a:xfrm>
-          <a:prstGeom prst="plus">
-            <a:avLst>
-              <a:gd name="adj" fmla="val 42290"/>
-            </a:avLst>
-          </a:prstGeom>
-        </p:spPr>
-        <p:style>
-          <a:lnRef idx="2">
-            <a:schemeClr val="accent1">
-              <a:shade val="15000"/>
-            </a:schemeClr>
-          </a:lnRef>
-          <a:fillRef idx="1">
-            <a:schemeClr val="accent1"/>
-          </a:fillRef>
-          <a:effectRef idx="0">
-            <a:schemeClr val="accent1"/>
-          </a:effectRef>
-          <a:fontRef idx="minor">
-            <a:schemeClr val="lt1"/>
-          </a:fontRef>
-        </p:style>
-        <p:txBody>
-          <a:bodyPr rtlCol="0" anchor="ctr"/>
-          <a:lstStyle/>
-          <a:p>
-            <a:pPr algn="ctr"/>
-            <a:endParaRPr lang="en-US"/>
-          </a:p>
-        </p:txBody>
-      </p:sp>
-      <p:pic>
-        <p:nvPicPr>
-          <p:cNvPr id="4" name="Picture 3" descr="A screenshot of a computer&#10;&#10;Description automatically generated">
-            <a:extLst>
-              <a:ext uri="{FF2B5EF4-FFF2-40B4-BE49-F238E27FC236}">
-                <a16:creationId xmlns:a16="http://schemas.microsoft.com/office/drawing/2014/main" id="{8C440BE4-68D9-7D25-E54E-919AC1EBC9B2}"/>
-              </a:ext>
-            </a:extLst>
-          </p:cNvPr>
-          <p:cNvPicPr>
-            <a:picLocks noChangeAspect="1"/>
-          </p:cNvPicPr>
-          <p:nvPr/>
-        </p:nvPicPr>
-        <p:blipFill>
-          <a:blip r:embed="rId4"/>
-          <a:stretch>
-            <a:fillRect/>
-          </a:stretch>
-        </p:blipFill>
-        <p:spPr>
-          <a:xfrm>
-            <a:off x="356616" y="3538728"/>
-            <a:ext cx="4433746" cy="804672"/>
-          </a:xfrm>
-          <a:prstGeom prst="rect">
-            <a:avLst/>
-          </a:prstGeom>
-        </p:spPr>
-      </p:pic>
-      <p:pic>
-        <p:nvPicPr>
-          <p:cNvPr id="7" name="Picture 6" descr="A close-up of a message&#10;&#10;Description automatically generated">
-            <a:extLst>
-              <a:ext uri="{FF2B5EF4-FFF2-40B4-BE49-F238E27FC236}">
-                <a16:creationId xmlns:a16="http://schemas.microsoft.com/office/drawing/2014/main" id="{EFC4EF3B-C9BA-F537-20F5-E3DDBF328D7D}"/>
-              </a:ext>
-            </a:extLst>
-          </p:cNvPr>
-          <p:cNvPicPr>
-            <a:picLocks noChangeAspect="1"/>
-          </p:cNvPicPr>
-          <p:nvPr/>
-        </p:nvPicPr>
-        <p:blipFill>
-          <a:blip r:embed="rId5"/>
-          <a:stretch>
-            <a:fillRect/>
-          </a:stretch>
-        </p:blipFill>
-        <p:spPr>
-          <a:xfrm>
-            <a:off x="4542566" y="509976"/>
-            <a:ext cx="4198620" cy="836506"/>
-          </a:xfrm>
-          <a:prstGeom prst="rect">
-            <a:avLst/>
-          </a:prstGeom>
-        </p:spPr>
-      </p:pic>
-      <p:sp>
-        <p:nvSpPr>
-          <p:cNvPr id="8" name="Cross 7">
-            <a:extLst>
-              <a:ext uri="{FF2B5EF4-FFF2-40B4-BE49-F238E27FC236}">
-                <a16:creationId xmlns:a16="http://schemas.microsoft.com/office/drawing/2014/main" id="{AEEC9D0D-ADFF-84BF-E09A-1994845783B2}"/>
-              </a:ext>
-            </a:extLst>
-          </p:cNvPr>
-          <p:cNvSpPr/>
-          <p:nvPr/>
-        </p:nvSpPr>
-        <p:spPr>
-          <a:xfrm>
-            <a:off x="8064052" y="1450209"/>
-            <a:ext cx="539496" cy="539496"/>
-          </a:xfrm>
-          <a:prstGeom prst="plus">
-            <a:avLst>
-              <a:gd name="adj" fmla="val 42290"/>
-            </a:avLst>
-          </a:prstGeom>
-        </p:spPr>
-        <p:style>
-          <a:lnRef idx="2">
-            <a:schemeClr val="accent1">
-              <a:shade val="15000"/>
-            </a:schemeClr>
-          </a:lnRef>
-          <a:fillRef idx="1">
-            <a:schemeClr val="accent1"/>
-          </a:fillRef>
-          <a:effectRef idx="0">
-            <a:schemeClr val="accent1"/>
-          </a:effectRef>
-          <a:fontRef idx="minor">
-            <a:schemeClr val="lt1"/>
-          </a:fontRef>
-        </p:style>
-        <p:txBody>
-          <a:bodyPr rtlCol="0" anchor="ctr"/>
-          <a:lstStyle/>
-          <a:p>
-            <a:pPr algn="ctr"/>
-            <a:endParaRPr lang="en-US"/>
-          </a:p>
-        </p:txBody>
-      </p:sp>
-      <p:pic>
-        <p:nvPicPr>
-          <p:cNvPr id="10" name="Picture 9" descr="A screenshot of a computer&#10;&#10;Description automatically generated">
-            <a:extLst>
-              <a:ext uri="{FF2B5EF4-FFF2-40B4-BE49-F238E27FC236}">
-                <a16:creationId xmlns:a16="http://schemas.microsoft.com/office/drawing/2014/main" id="{7ABDB0BE-DD33-9F7A-8C2B-489C0F8323A3}"/>
-              </a:ext>
-            </a:extLst>
-          </p:cNvPr>
-          <p:cNvPicPr>
-            <a:picLocks noChangeAspect="1"/>
-          </p:cNvPicPr>
-          <p:nvPr/>
-        </p:nvPicPr>
-        <p:blipFill>
-          <a:blip r:embed="rId6"/>
-          <a:stretch>
-            <a:fillRect/>
-          </a:stretch>
-        </p:blipFill>
-        <p:spPr>
-          <a:xfrm>
-            <a:off x="8878824" y="136974"/>
-            <a:ext cx="3171779" cy="6730170"/>
-          </a:xfrm>
-          <a:prstGeom prst="rect">
-            <a:avLst/>
-          </a:prstGeom>
-        </p:spPr>
-      </p:pic>
-    </p:spTree>
-    <p:extLst>
-      <p:ext uri="{BB962C8B-B14F-4D97-AF65-F5344CB8AC3E}">
-        <p14:creationId xmlns:p14="http://schemas.microsoft.com/office/powerpoint/2010/main" val="4193393989"/>
-      </p:ext>
-    </p:extLst>
-  </p:cSld>
-  <p:clrMapOvr>
-    <a:masterClrMapping/>
-  </p:clrMapOvr>
-  <p:timing>
-    <p:tnLst>
-      <p:par>
-        <p:cTn id="1" dur="indefinite" restart="never" nodeType="tmRoot">
-          <p:childTnLst>
-            <p:seq concurrent="1" nextAc="seek">
-              <p:cTn id="2" dur="indefinite" nodeType="mainSeq">
-                <p:childTnLst>
-                  <p:par>
-                    <p:cTn id="3" fill="hold">
-                      <p:stCondLst>
-                        <p:cond delay="indefinite"/>
-                      </p:stCondLst>
-                      <p:childTnLst>
-                        <p:par>
-                          <p:cTn id="4" fill="hold">
-                            <p:stCondLst>
-                              <p:cond delay="0"/>
-                            </p:stCondLst>
-                            <p:childTnLst>
-                              <p:par>
-                                <p:cTn id="5" presetID="1" presetClass="entr" presetSubtype="0" fill="hold" nodeType="clickEffect">
-                                  <p:stCondLst>
-                                    <p:cond delay="0"/>
-                                  </p:stCondLst>
-                                  <p:childTnLst>
-                                    <p:set>
-                                      <p:cBhvr>
-                                        <p:cTn id="6" dur="1" fill="hold">
-                                          <p:stCondLst>
-                                            <p:cond delay="0"/>
-                                          </p:stCondLst>
-                                        </p:cTn>
-                                        <p:tgtEl>
-                                          <p:spTgt spid="7"/>
-                                        </p:tgtEl>
-                                        <p:attrNameLst>
-                                          <p:attrName>style.visibility</p:attrName>
-                                        </p:attrNameLst>
-                                      </p:cBhvr>
-                                      <p:to>
-                                        <p:strVal val="visible"/>
-                                      </p:to>
-                                    </p:set>
-                                  </p:childTnLst>
-                                </p:cTn>
-                              </p:par>
-                            </p:childTnLst>
-                          </p:cTn>
-                        </p:par>
-                      </p:childTnLst>
-                    </p:cTn>
-                  </p:par>
-                  <p:par>
-                    <p:cTn id="7" fill="hold">
-                      <p:stCondLst>
-                        <p:cond delay="indefinite"/>
-                      </p:stCondLst>
-                      <p:childTnLst>
-                        <p:par>
-                          <p:cTn id="8" fill="hold">
-                            <p:stCondLst>
-                              <p:cond delay="0"/>
-                            </p:stCondLst>
-                            <p:childTnLst>
-                              <p:par>
-                                <p:cTn id="9" presetID="22" presetClass="entr" presetSubtype="8" fill="hold" grpId="0" nodeType="clickEffect">
-                                  <p:stCondLst>
-                                    <p:cond delay="0"/>
-                                  </p:stCondLst>
-                                  <p:childTnLst>
-                                    <p:set>
-                                      <p:cBhvr>
-                                        <p:cTn id="10" dur="1" fill="hold">
-                                          <p:stCondLst>
-                                            <p:cond delay="0"/>
-                                          </p:stCondLst>
-                                        </p:cTn>
-                                        <p:tgtEl>
-                                          <p:spTgt spid="8"/>
-                                        </p:tgtEl>
-                                        <p:attrNameLst>
-                                          <p:attrName>style.visibility</p:attrName>
-                                        </p:attrNameLst>
-                                      </p:cBhvr>
-                                      <p:to>
-                                        <p:strVal val="visible"/>
-                                      </p:to>
-                                    </p:set>
-                                    <p:animEffect transition="in" filter="wipe(left)">
-                                      <p:cBhvr>
-                                        <p:cTn id="11" dur="500"/>
-                                        <p:tgtEl>
-                                          <p:spTgt spid="8"/>
-                                        </p:tgtEl>
-                                      </p:cBhvr>
-                                    </p:animEffect>
-                                  </p:childTnLst>
-                                </p:cTn>
-                              </p:par>
-                              <p:par>
-                                <p:cTn id="12" presetID="22" presetClass="entr" presetSubtype="8" fill="hold" nodeType="withEffect">
-                                  <p:stCondLst>
-                                    <p:cond delay="0"/>
-                                  </p:stCondLst>
-                                  <p:childTnLst>
-                                    <p:set>
-                                      <p:cBhvr>
-                                        <p:cTn id="13" dur="1" fill="hold">
-                                          <p:stCondLst>
-                                            <p:cond delay="0"/>
-                                          </p:stCondLst>
-                                        </p:cTn>
-                                        <p:tgtEl>
-                                          <p:spTgt spid="10"/>
-                                        </p:tgtEl>
-                                        <p:attrNameLst>
-                                          <p:attrName>style.visibility</p:attrName>
-                                        </p:attrNameLst>
-                                      </p:cBhvr>
-                                      <p:to>
-                                        <p:strVal val="visible"/>
-                                      </p:to>
-                                    </p:set>
-                                    <p:animEffect transition="in" filter="wipe(left)">
-                                      <p:cBhvr>
-                                        <p:cTn id="14" dur="500"/>
-                                        <p:tgtEl>
-                                          <p:spTgt spid="10"/>
-                                        </p:tgtEl>
-                                      </p:cBhvr>
-                                    </p:animEffect>
-                                  </p:childTnLst>
-                                </p:cTn>
-                              </p:par>
-                            </p:childTnLst>
-                          </p:cTn>
-                        </p:par>
-                      </p:childTnLst>
-                    </p:cTn>
-                  </p:par>
-                </p:childTnLst>
-              </p:cTn>
-              <p:prevCondLst>
-                <p:cond evt="onPrev" delay="0">
-                  <p:tgtEl>
-                    <p:sldTgt/>
-                  </p:tgtEl>
-                </p:cond>
-              </p:prevCondLst>
-              <p:nextCondLst>
-                <p:cond evt="onNext" delay="0">
-                  <p:tgtEl>
-                    <p:sldTgt/>
-                  </p:tgtEl>
-                </p:cond>
-              </p:nextCondLst>
-            </p:seq>
-          </p:childTnLst>
-        </p:cTn>
-      </p:par>
-    </p:tnLst>
-    <p:bldLst>
-      <p:bldP spid="8" grpId="0" animBg="1"/>
-    </p:bldLst>
-  </p:timing>
-</p:sld>
-</file>
-
-<file path=ppt/slides/slide31.xml><?xml version="1.0" encoding="utf-8"?>
+<file path=ppt/slides/slide26.xml><?xml version="1.0" encoding="utf-8"?>
 <p:sld xmlns:a="http://schemas.openxmlformats.org/drawingml/2006/main" xmlns:r="http://schemas.openxmlformats.org/officeDocument/2006/relationships" xmlns:p="http://schemas.openxmlformats.org/presentationml/2006/main">
   <p:cSld>
     <p:spTree>
@@ -15921,8 +13435,8 @@
         </p:nvSpPr>
         <p:spPr>
           <a:xfrm>
-            <a:off x="3467488" y="2876443"/>
-            <a:ext cx="5494196" cy="769441"/>
+            <a:off x="3408176" y="2876443"/>
+            <a:ext cx="5612820" cy="769441"/>
           </a:xfrm>
           <a:prstGeom prst="rect">
             <a:avLst/>
@@ -15966,7 +13480,7 @@
                 </a:gradFill>
                 <a:latin typeface="Rockwell" panose="02060603020205020403" pitchFamily="18" charset="77"/>
               </a:rPr>
-              <a:t>...later that week...</a:t>
+              <a:t>...later next week...</a:t>
             </a:r>
           </a:p>
         </p:txBody>
@@ -15984,7 +13498,7 @@
 </p:sld>
 </file>
 
-<file path=ppt/slides/slide32.xml><?xml version="1.0" encoding="utf-8"?>
+<file path=ppt/slides/slide27.xml><?xml version="1.0" encoding="utf-8"?>
 <p:sld xmlns:a="http://schemas.openxmlformats.org/drawingml/2006/main" xmlns:r="http://schemas.openxmlformats.org/officeDocument/2006/relationships" xmlns:p="http://schemas.openxmlformats.org/presentationml/2006/main">
   <p:cSld>
     <p:spTree>
@@ -16092,7 +13606,126 @@
 </p:sld>
 </file>
 
-<file path=ppt/slides/slide33.xml><?xml version="1.0" encoding="utf-8"?>
+<file path=ppt/slides/slide28.xml><?xml version="1.0" encoding="utf-8"?>
+<p:sld xmlns:a="http://schemas.openxmlformats.org/drawingml/2006/main" xmlns:r="http://schemas.openxmlformats.org/officeDocument/2006/relationships" xmlns:p="http://schemas.openxmlformats.org/presentationml/2006/main">
+  <p:cSld>
+    <p:spTree>
+      <p:nvGrpSpPr>
+        <p:cNvPr id="1" name="">
+          <a:extLst>
+            <a:ext uri="{FF2B5EF4-FFF2-40B4-BE49-F238E27FC236}">
+              <a16:creationId xmlns:a16="http://schemas.microsoft.com/office/drawing/2014/main" id="{AD0A0996-C852-596F-EA5E-364A03EFA1A4}"/>
+            </a:ext>
+          </a:extLst>
+        </p:cNvPr>
+        <p:cNvGrpSpPr/>
+        <p:nvPr/>
+      </p:nvGrpSpPr>
+      <p:grpSpPr>
+        <a:xfrm>
+          <a:off x="0" y="0"/>
+          <a:ext cx="0" cy="0"/>
+          <a:chOff x="0" y="0"/>
+          <a:chExt cx="0" cy="0"/>
+        </a:xfrm>
+      </p:grpSpPr>
+      <p:sp>
+        <p:nvSpPr>
+          <p:cNvPr id="3" name="TextBox 2">
+            <a:extLst>
+              <a:ext uri="{FF2B5EF4-FFF2-40B4-BE49-F238E27FC236}">
+                <a16:creationId xmlns:a16="http://schemas.microsoft.com/office/drawing/2014/main" id="{5DAB4D35-4B05-7EDE-5BD4-550940E56FCC}"/>
+              </a:ext>
+            </a:extLst>
+          </p:cNvPr>
+          <p:cNvSpPr txBox="1"/>
+          <p:nvPr/>
+        </p:nvSpPr>
+        <p:spPr>
+          <a:xfrm>
+            <a:off x="868680" y="786384"/>
+            <a:ext cx="1679434" cy="369332"/>
+          </a:xfrm>
+          <a:prstGeom prst="rect">
+            <a:avLst/>
+          </a:prstGeom>
+          <a:noFill/>
+        </p:spPr>
+        <p:txBody>
+          <a:bodyPr wrap="none" rtlCol="0">
+            <a:spAutoFit/>
+          </a:bodyPr>
+          <a:lstStyle/>
+          <a:p>
+            <a:r>
+              <a:rPr lang="en-US"/>
+              <a:t>Remember this:</a:t>
+            </a:r>
+          </a:p>
+        </p:txBody>
+      </p:sp>
+      <p:sp>
+        <p:nvSpPr>
+          <p:cNvPr id="4" name="TextBox 3">
+            <a:extLst>
+              <a:ext uri="{FF2B5EF4-FFF2-40B4-BE49-F238E27FC236}">
+                <a16:creationId xmlns:a16="http://schemas.microsoft.com/office/drawing/2014/main" id="{C1708664-0C28-4B6E-B6B2-12AD1DBFE71F}"/>
+              </a:ext>
+            </a:extLst>
+          </p:cNvPr>
+          <p:cNvSpPr txBox="1"/>
+          <p:nvPr/>
+        </p:nvSpPr>
+        <p:spPr>
+          <a:xfrm>
+            <a:off x="978408" y="1682496"/>
+            <a:ext cx="9057288" cy="923330"/>
+          </a:xfrm>
+          <a:prstGeom prst="rect">
+            <a:avLst/>
+          </a:prstGeom>
+          <a:noFill/>
+        </p:spPr>
+        <p:txBody>
+          <a:bodyPr wrap="none" rtlCol="0">
+            <a:spAutoFit/>
+          </a:bodyPr>
+          <a:lstStyle/>
+          <a:p>
+            <a:pPr marL="285750" indent="-285750">
+              <a:buFont typeface="Arial" panose="020B0604020202020204" pitchFamily="34" charset="0"/>
+              <a:buChar char="•"/>
+            </a:pPr>
+            <a:r>
+              <a:rPr lang="en-US"/>
+              <a:t>When you have a lot of similar scenarios, allow yourself to see both the forest and the trees</a:t>
+            </a:r>
+          </a:p>
+          <a:p>
+            <a:pPr marL="342900" indent="-342900">
+              <a:buAutoNum type="arabicPeriod"/>
+            </a:pPr>
+            <a:endParaRPr lang="en-US"/>
+          </a:p>
+          <a:p>
+            <a:endParaRPr lang="en-US"/>
+          </a:p>
+        </p:txBody>
+      </p:sp>
+    </p:spTree>
+    <p:extLst>
+      <p:ext uri="{BB962C8B-B14F-4D97-AF65-F5344CB8AC3E}">
+        <p14:creationId xmlns:p14="http://schemas.microsoft.com/office/powerpoint/2010/main" val="4274426015"/>
+      </p:ext>
+    </p:extLst>
+  </p:cSld>
+  <p:clrMapOvr>
+    <a:masterClrMapping/>
+  </p:clrMapOvr>
+</p:sld>
+</file>
+
+<file path=ppt/slides/slide29.xml><?xml version="1.0" encoding="utf-8"?>
 <p:sld xmlns:a="http://schemas.openxmlformats.org/drawingml/2006/main" xmlns:r="http://schemas.openxmlformats.org/officeDocument/2006/relationships" xmlns:p="http://schemas.openxmlformats.org/presentationml/2006/main">
   <p:cSld>
     <p:spTree>
@@ -16152,18 +13785,12 @@
 </p:sld>
 </file>
 
-<file path=ppt/slides/slide34.xml><?xml version="1.0" encoding="utf-8"?>
+<file path=ppt/slides/slide3.xml><?xml version="1.0" encoding="utf-8"?>
 <p:sld xmlns:a="http://schemas.openxmlformats.org/drawingml/2006/main" xmlns:r="http://schemas.openxmlformats.org/officeDocument/2006/relationships" xmlns:p="http://schemas.openxmlformats.org/presentationml/2006/main">
   <p:cSld>
     <p:spTree>
       <p:nvGrpSpPr>
-        <p:cNvPr id="1" name="">
-          <a:extLst>
-            <a:ext uri="{FF2B5EF4-FFF2-40B4-BE49-F238E27FC236}">
-              <a16:creationId xmlns:a16="http://schemas.microsoft.com/office/drawing/2014/main" id="{AD0A0996-C852-596F-EA5E-364A03EFA1A4}"/>
-            </a:ext>
-          </a:extLst>
-        </p:cNvPr>
+        <p:cNvPr id="1" name=""/>
         <p:cNvGrpSpPr/>
         <p:nvPr/>
       </p:nvGrpSpPr>
@@ -16177,91 +13804,72 @@
       </p:grpSpPr>
       <p:sp>
         <p:nvSpPr>
-          <p:cNvPr id="3" name="TextBox 2">
-            <a:extLst>
-              <a:ext uri="{FF2B5EF4-FFF2-40B4-BE49-F238E27FC236}">
-                <a16:creationId xmlns:a16="http://schemas.microsoft.com/office/drawing/2014/main" id="{5DAB4D35-4B05-7EDE-5BD4-550940E56FCC}"/>
-              </a:ext>
-            </a:extLst>
-          </p:cNvPr>
-          <p:cNvSpPr txBox="1"/>
+          <p:cNvPr id="2" name="Title 1">
+            <a:extLst>
+              <a:ext uri="{FF2B5EF4-FFF2-40B4-BE49-F238E27FC236}">
+                <a16:creationId xmlns:a16="http://schemas.microsoft.com/office/drawing/2014/main" id="{ACA34BF9-ABC8-6E95-A72F-2D3FA170EE8B}"/>
+              </a:ext>
+            </a:extLst>
+          </p:cNvPr>
+          <p:cNvSpPr>
+            <a:spLocks noGrp="1"/>
+          </p:cNvSpPr>
+          <p:nvPr>
+            <p:ph type="title"/>
+          </p:nvPr>
+        </p:nvSpPr>
+        <p:spPr/>
+        <p:txBody>
+          <a:bodyPr/>
+          <a:lstStyle/>
+          <a:p>
+            <a:r>
+              <a:rPr lang="en-US"/>
+              <a:t>Resources</a:t>
+            </a:r>
+          </a:p>
+        </p:txBody>
+      </p:sp>
+      <p:pic>
+        <p:nvPicPr>
+          <p:cNvPr id="8" name="Graphic 7">
+            <a:extLst>
+              <a:ext uri="{FF2B5EF4-FFF2-40B4-BE49-F238E27FC236}">
+                <a16:creationId xmlns:a16="http://schemas.microsoft.com/office/drawing/2014/main" id="{9AA41458-F0A6-4112-C12A-DB7932BB8580}"/>
+              </a:ext>
+            </a:extLst>
+          </p:cNvPr>
+          <p:cNvPicPr>
+            <a:picLocks noChangeAspect="1"/>
+          </p:cNvPicPr>
           <p:nvPr/>
-        </p:nvSpPr>
+        </p:nvPicPr>
+        <p:blipFill>
+          <a:blip r:embed="rId3">
+            <a:extLst>
+              <a:ext uri="{96DAC541-7B7A-43D3-8B79-37D633B846F1}">
+                <asvg:svgBlip xmlns:asvg="http://schemas.microsoft.com/office/drawing/2016/SVG/main" r:embed="rId4"/>
+              </a:ext>
+            </a:extLst>
+          </a:blip>
+          <a:stretch>
+            <a:fillRect/>
+          </a:stretch>
+        </p:blipFill>
         <p:spPr>
           <a:xfrm>
-            <a:off x="868680" y="786384"/>
-            <a:ext cx="1679434" cy="369332"/>
+            <a:off x="5303520" y="77724"/>
+            <a:ext cx="6702552" cy="6702552"/>
           </a:xfrm>
           <a:prstGeom prst="rect">
             <a:avLst/>
           </a:prstGeom>
-          <a:noFill/>
         </p:spPr>
-        <p:txBody>
-          <a:bodyPr wrap="none" rtlCol="0">
-            <a:spAutoFit/>
-          </a:bodyPr>
-          <a:lstStyle/>
-          <a:p>
-            <a:r>
-              <a:rPr lang="en-US"/>
-              <a:t>Remember this:</a:t>
-            </a:r>
-          </a:p>
-        </p:txBody>
-      </p:sp>
-      <p:sp>
-        <p:nvSpPr>
-          <p:cNvPr id="4" name="TextBox 3">
-            <a:extLst>
-              <a:ext uri="{FF2B5EF4-FFF2-40B4-BE49-F238E27FC236}">
-                <a16:creationId xmlns:a16="http://schemas.microsoft.com/office/drawing/2014/main" id="{C1708664-0C28-4B6E-B6B2-12AD1DBFE71F}"/>
-              </a:ext>
-            </a:extLst>
-          </p:cNvPr>
-          <p:cNvSpPr txBox="1"/>
-          <p:nvPr/>
-        </p:nvSpPr>
-        <p:spPr>
-          <a:xfrm>
-            <a:off x="978408" y="1682496"/>
-            <a:ext cx="9057288" cy="923330"/>
-          </a:xfrm>
-          <a:prstGeom prst="rect">
-            <a:avLst/>
-          </a:prstGeom>
-          <a:noFill/>
-        </p:spPr>
-        <p:txBody>
-          <a:bodyPr wrap="none" rtlCol="0">
-            <a:spAutoFit/>
-          </a:bodyPr>
-          <a:lstStyle/>
-          <a:p>
-            <a:pPr marL="285750" indent="-285750">
-              <a:buFont typeface="Arial" panose="020B0604020202020204" pitchFamily="34" charset="0"/>
-              <a:buChar char="•"/>
-            </a:pPr>
-            <a:r>
-              <a:rPr lang="en-US"/>
-              <a:t>When you have a lot of similar scenarios, allow yourself to see both the forest and the trees</a:t>
-            </a:r>
-          </a:p>
-          <a:p>
-            <a:pPr marL="342900" indent="-342900">
-              <a:buAutoNum type="arabicPeriod"/>
-            </a:pPr>
-            <a:endParaRPr lang="en-US"/>
-          </a:p>
-          <a:p>
-            <a:endParaRPr lang="en-US"/>
-          </a:p>
-        </p:txBody>
-      </p:sp>
+      </p:pic>
     </p:spTree>
     <p:extLst>
       <p:ext uri="{BB962C8B-B14F-4D97-AF65-F5344CB8AC3E}">
-        <p14:creationId xmlns:p14="http://schemas.microsoft.com/office/powerpoint/2010/main" val="4274426015"/>
+        <p14:creationId xmlns:p14="http://schemas.microsoft.com/office/powerpoint/2010/main" val="2231158184"/>
       </p:ext>
     </p:extLst>
   </p:cSld>
@@ -16271,7 +13879,7 @@
 </p:sld>
 </file>
 
-<file path=ppt/slides/slide35.xml><?xml version="1.0" encoding="utf-8"?>
+<file path=ppt/slides/slide30.xml><?xml version="1.0" encoding="utf-8"?>
 <p:sld xmlns:a="http://schemas.openxmlformats.org/drawingml/2006/main" xmlns:r="http://schemas.openxmlformats.org/officeDocument/2006/relationships" xmlns:p="http://schemas.openxmlformats.org/presentationml/2006/main">
   <p:cSld>
     <p:spTree>
@@ -16349,8 +13957,8 @@
         </p:nvSpPr>
         <p:spPr>
           <a:xfrm>
-            <a:off x="3467488" y="2876443"/>
-            <a:ext cx="5494196" cy="769441"/>
+            <a:off x="3408176" y="2876443"/>
+            <a:ext cx="5612820" cy="769441"/>
           </a:xfrm>
           <a:prstGeom prst="rect">
             <a:avLst/>
@@ -16394,7 +14002,7 @@
                 </a:gradFill>
                 <a:latin typeface="Rockwell" panose="02060603020205020403" pitchFamily="18" charset="77"/>
               </a:rPr>
-              <a:t>...later that week...</a:t>
+              <a:t>...later next week...</a:t>
             </a:r>
           </a:p>
         </p:txBody>
@@ -16412,7 +14020,7 @@
 </p:sld>
 </file>
 
-<file path=ppt/slides/slide36.xml><?xml version="1.0" encoding="utf-8"?>
+<file path=ppt/slides/slide31.xml><?xml version="1.0" encoding="utf-8"?>
 <p:sld xmlns:a="http://schemas.openxmlformats.org/drawingml/2006/main" xmlns:r="http://schemas.openxmlformats.org/officeDocument/2006/relationships" xmlns:p="http://schemas.openxmlformats.org/presentationml/2006/main">
   <p:cSld>
     <p:spTree>
@@ -16520,7 +14128,7 @@
 </p:sld>
 </file>
 
-<file path=ppt/slides/slide37.xml><?xml version="1.0" encoding="utf-8"?>
+<file path=ppt/slides/slide32.xml><?xml version="1.0" encoding="utf-8"?>
 <p:sld xmlns:a="http://schemas.openxmlformats.org/drawingml/2006/main" xmlns:r="http://schemas.openxmlformats.org/officeDocument/2006/relationships" xmlns:p="http://schemas.openxmlformats.org/presentationml/2006/main">
   <p:cSld>
     <p:spTree>
@@ -16639,7 +14247,37 @@
 </p:sld>
 </file>
 
-<file path=ppt/slides/slide38.xml><?xml version="1.0" encoding="utf-8"?>
+<file path=ppt/slides/slide33.xml><?xml version="1.0" encoding="utf-8"?>
+<p:sld xmlns:a="http://schemas.openxmlformats.org/drawingml/2006/main" xmlns:r="http://schemas.openxmlformats.org/officeDocument/2006/relationships" xmlns:p="http://schemas.openxmlformats.org/presentationml/2006/main">
+  <p:cSld>
+    <p:spTree>
+      <p:nvGrpSpPr>
+        <p:cNvPr id="1" name=""/>
+        <p:cNvGrpSpPr/>
+        <p:nvPr/>
+      </p:nvGrpSpPr>
+      <p:grpSpPr>
+        <a:xfrm>
+          <a:off x="0" y="0"/>
+          <a:ext cx="0" cy="0"/>
+          <a:chOff x="0" y="0"/>
+          <a:chExt cx="0" cy="0"/>
+        </a:xfrm>
+      </p:grpSpPr>
+    </p:spTree>
+    <p:extLst>
+      <p:ext uri="{BB962C8B-B14F-4D97-AF65-F5344CB8AC3E}">
+        <p14:creationId xmlns:p14="http://schemas.microsoft.com/office/powerpoint/2010/main" val="643671778"/>
+      </p:ext>
+    </p:extLst>
+  </p:cSld>
+  <p:clrMapOvr>
+    <a:masterClrMapping/>
+  </p:clrMapOvr>
+</p:sld>
+</file>
+
+<file path=ppt/slides/slide34.xml><?xml version="1.0" encoding="utf-8"?>
 <p:sld xmlns:a="http://schemas.openxmlformats.org/drawingml/2006/main" xmlns:r="http://schemas.openxmlformats.org/officeDocument/2006/relationships" xmlns:p="http://schemas.openxmlformats.org/presentationml/2006/main">
   <p:cSld>
     <p:spTree>
@@ -16827,7 +14465,7 @@
 </p:sld>
 </file>
 
-<file path=ppt/slides/slide39.xml><?xml version="1.0" encoding="utf-8"?>
+<file path=ppt/slides/slide35.xml><?xml version="1.0" encoding="utf-8"?>
 <p:sld xmlns:a="http://schemas.openxmlformats.org/drawingml/2006/main" xmlns:r="http://schemas.openxmlformats.org/officeDocument/2006/relationships" xmlns:p="http://schemas.openxmlformats.org/presentationml/2006/main">
   <p:cSld>
     <p:spTree>
@@ -16931,152 +14569,7 @@
 </p:sld>
 </file>
 
-<file path=ppt/slides/slide4.xml><?xml version="1.0" encoding="utf-8"?>
-<p:sld xmlns:a="http://schemas.openxmlformats.org/drawingml/2006/main" xmlns:r="http://schemas.openxmlformats.org/officeDocument/2006/relationships" xmlns:p="http://schemas.openxmlformats.org/presentationml/2006/main">
-  <p:cSld>
-    <p:spTree>
-      <p:nvGrpSpPr>
-        <p:cNvPr id="1" name=""/>
-        <p:cNvGrpSpPr/>
-        <p:nvPr/>
-      </p:nvGrpSpPr>
-      <p:grpSpPr>
-        <a:xfrm>
-          <a:off x="0" y="0"/>
-          <a:ext cx="0" cy="0"/>
-          <a:chOff x="0" y="0"/>
-          <a:chExt cx="0" cy="0"/>
-        </a:xfrm>
-      </p:grpSpPr>
-      <p:sp>
-        <p:nvSpPr>
-          <p:cNvPr id="3" name="Content Placeholder 2">
-            <a:extLst>
-              <a:ext uri="{FF2B5EF4-FFF2-40B4-BE49-F238E27FC236}">
-                <a16:creationId xmlns:a16="http://schemas.microsoft.com/office/drawing/2014/main" id="{97ED9C79-29BD-492D-27BA-B9751E5EDE8E}"/>
-              </a:ext>
-            </a:extLst>
-          </p:cNvPr>
-          <p:cNvSpPr>
-            <a:spLocks noGrp="1"/>
-          </p:cNvSpPr>
-          <p:nvPr>
-            <p:ph idx="1"/>
-          </p:nvPr>
-        </p:nvSpPr>
-        <p:spPr/>
-        <p:txBody>
-          <a:bodyPr/>
-          <a:lstStyle/>
-          <a:p>
-            <a:pPr marL="0" indent="0">
-              <a:buNone/>
-            </a:pPr>
-            <a:r>
-              <a:rPr lang="en-US"/>
-              <a:t>“People don’t know what they want, </a:t>
-            </a:r>
-          </a:p>
-          <a:p>
-            <a:pPr marL="0" indent="0">
-              <a:buNone/>
-            </a:pPr>
-            <a:r>
-              <a:rPr lang="en-US"/>
-              <a:t>until they see what they don’t.”</a:t>
-            </a:r>
-          </a:p>
-          <a:p>
-            <a:pPr marL="0" indent="0">
-              <a:buNone/>
-            </a:pPr>
-            <a:r>
-              <a:rPr lang="en-US"/>
-              <a:t>- Alan Shalloway</a:t>
-            </a:r>
-          </a:p>
-        </p:txBody>
-      </p:sp>
-    </p:spTree>
-    <p:extLst>
-      <p:ext uri="{BB962C8B-B14F-4D97-AF65-F5344CB8AC3E}">
-        <p14:creationId xmlns:p14="http://schemas.microsoft.com/office/powerpoint/2010/main" val="957768367"/>
-      </p:ext>
-    </p:extLst>
-  </p:cSld>
-  <p:clrMapOvr>
-    <a:masterClrMapping/>
-  </p:clrMapOvr>
-</p:sld>
-</file>
-
-<file path=ppt/slides/slide40.xml><?xml version="1.0" encoding="utf-8"?>
-<p:sld xmlns:a="http://schemas.openxmlformats.org/drawingml/2006/main" xmlns:r="http://schemas.openxmlformats.org/officeDocument/2006/relationships" xmlns:p="http://schemas.openxmlformats.org/presentationml/2006/main">
-  <p:cSld>
-    <p:spTree>
-      <p:nvGrpSpPr>
-        <p:cNvPr id="1" name="">
-          <a:extLst>
-            <a:ext uri="{FF2B5EF4-FFF2-40B4-BE49-F238E27FC236}">
-              <a16:creationId xmlns:a16="http://schemas.microsoft.com/office/drawing/2014/main" id="{1077EEFA-624E-3D82-ABBF-52B621380D4A}"/>
-            </a:ext>
-          </a:extLst>
-        </p:cNvPr>
-        <p:cNvGrpSpPr/>
-        <p:nvPr/>
-      </p:nvGrpSpPr>
-      <p:grpSpPr>
-        <a:xfrm>
-          <a:off x="0" y="0"/>
-          <a:ext cx="0" cy="0"/>
-          <a:chOff x="0" y="0"/>
-          <a:chExt cx="0" cy="0"/>
-        </a:xfrm>
-      </p:grpSpPr>
-      <p:pic>
-        <p:nvPicPr>
-          <p:cNvPr id="3" name="Picture 2" descr="A close-up of a computer screen&#10;&#10;Description automatically generated">
-            <a:extLst>
-              <a:ext uri="{FF2B5EF4-FFF2-40B4-BE49-F238E27FC236}">
-                <a16:creationId xmlns:a16="http://schemas.microsoft.com/office/drawing/2014/main" id="{6C472FAE-A294-D394-FD50-7B2C87E27234}"/>
-              </a:ext>
-            </a:extLst>
-          </p:cNvPr>
-          <p:cNvPicPr>
-            <a:picLocks noChangeAspect="1"/>
-          </p:cNvPicPr>
-          <p:nvPr/>
-        </p:nvPicPr>
-        <p:blipFill>
-          <a:blip r:embed="rId3"/>
-          <a:stretch>
-            <a:fillRect/>
-          </a:stretch>
-        </p:blipFill>
-        <p:spPr>
-          <a:xfrm>
-            <a:off x="307187" y="2198659"/>
-            <a:ext cx="11248442" cy="1893754"/>
-          </a:xfrm>
-          <a:prstGeom prst="rect">
-            <a:avLst/>
-          </a:prstGeom>
-        </p:spPr>
-      </p:pic>
-    </p:spTree>
-    <p:extLst>
-      <p:ext uri="{BB962C8B-B14F-4D97-AF65-F5344CB8AC3E}">
-        <p14:creationId xmlns:p14="http://schemas.microsoft.com/office/powerpoint/2010/main" val="1775955619"/>
-      </p:ext>
-    </p:extLst>
-  </p:cSld>
-  <p:clrMapOvr>
-    <a:masterClrMapping/>
-  </p:clrMapOvr>
-</p:sld>
-</file>
-
-<file path=ppt/slides/slide41.xml><?xml version="1.0" encoding="utf-8"?>
+<file path=ppt/slides/slide36.xml><?xml version="1.0" encoding="utf-8"?>
 <p:sld xmlns:a="http://schemas.openxmlformats.org/drawingml/2006/main" xmlns:r="http://schemas.openxmlformats.org/officeDocument/2006/relationships" xmlns:p="http://schemas.openxmlformats.org/presentationml/2006/main">
   <p:cSld>
     <p:spTree>
@@ -17112,7 +14605,73 @@
 </p:sld>
 </file>
 
-<file path=ppt/slides/slide42.xml><?xml version="1.0" encoding="utf-8"?>
+<file path=ppt/slides/slide37.xml><?xml version="1.0" encoding="utf-8"?>
+<p:sld xmlns:a="http://schemas.openxmlformats.org/drawingml/2006/main" xmlns:r="http://schemas.openxmlformats.org/officeDocument/2006/relationships" xmlns:p="http://schemas.openxmlformats.org/presentationml/2006/main" show="0">
+  <p:cSld>
+    <p:spTree>
+      <p:nvGrpSpPr>
+        <p:cNvPr id="1" name="">
+          <a:extLst>
+            <a:ext uri="{FF2B5EF4-FFF2-40B4-BE49-F238E27FC236}">
+              <a16:creationId xmlns:a16="http://schemas.microsoft.com/office/drawing/2014/main" id="{1077EEFA-624E-3D82-ABBF-52B621380D4A}"/>
+            </a:ext>
+          </a:extLst>
+        </p:cNvPr>
+        <p:cNvGrpSpPr/>
+        <p:nvPr/>
+      </p:nvGrpSpPr>
+      <p:grpSpPr>
+        <a:xfrm>
+          <a:off x="0" y="0"/>
+          <a:ext cx="0" cy="0"/>
+          <a:chOff x="0" y="0"/>
+          <a:chExt cx="0" cy="0"/>
+        </a:xfrm>
+      </p:grpSpPr>
+      <p:pic>
+        <p:nvPicPr>
+          <p:cNvPr id="3" name="Picture 2" descr="A close-up of a computer screen&#10;&#10;Description automatically generated">
+            <a:extLst>
+              <a:ext uri="{FF2B5EF4-FFF2-40B4-BE49-F238E27FC236}">
+                <a16:creationId xmlns:a16="http://schemas.microsoft.com/office/drawing/2014/main" id="{6C472FAE-A294-D394-FD50-7B2C87E27234}"/>
+              </a:ext>
+            </a:extLst>
+          </p:cNvPr>
+          <p:cNvPicPr>
+            <a:picLocks noChangeAspect="1"/>
+          </p:cNvPicPr>
+          <p:nvPr/>
+        </p:nvPicPr>
+        <p:blipFill>
+          <a:blip r:embed="rId3"/>
+          <a:stretch>
+            <a:fillRect/>
+          </a:stretch>
+        </p:blipFill>
+        <p:spPr>
+          <a:xfrm>
+            <a:off x="307187" y="2198659"/>
+            <a:ext cx="11248442" cy="1893754"/>
+          </a:xfrm>
+          <a:prstGeom prst="rect">
+            <a:avLst/>
+          </a:prstGeom>
+        </p:spPr>
+      </p:pic>
+    </p:spTree>
+    <p:extLst>
+      <p:ext uri="{BB962C8B-B14F-4D97-AF65-F5344CB8AC3E}">
+        <p14:creationId xmlns:p14="http://schemas.microsoft.com/office/powerpoint/2010/main" val="1775955619"/>
+      </p:ext>
+    </p:extLst>
+  </p:cSld>
+  <p:clrMapOvr>
+    <a:masterClrMapping/>
+  </p:clrMapOvr>
+</p:sld>
+</file>
+
+<file path=ppt/slides/slide38.xml><?xml version="1.0" encoding="utf-8"?>
 <p:sld xmlns:a="http://schemas.openxmlformats.org/drawingml/2006/main" xmlns:r="http://schemas.openxmlformats.org/officeDocument/2006/relationships" xmlns:p="http://schemas.openxmlformats.org/presentationml/2006/main" show="0">
   <p:cSld>
     <p:spTree>
@@ -17206,7 +14765,7 @@
 </p:sld>
 </file>
 
-<file path=ppt/slides/slide43.xml><?xml version="1.0" encoding="utf-8"?>
+<file path=ppt/slides/slide39.xml><?xml version="1.0" encoding="utf-8"?>
 <p:sld xmlns:a="http://schemas.openxmlformats.org/drawingml/2006/main" xmlns:r="http://schemas.openxmlformats.org/officeDocument/2006/relationships" xmlns:p="http://schemas.openxmlformats.org/presentationml/2006/main" show="0">
   <p:cSld>
     <p:spTree>
@@ -17343,7 +14902,86 @@
 </p:sld>
 </file>
 
-<file path=ppt/slides/slide44.xml><?xml version="1.0" encoding="utf-8"?>
+<file path=ppt/slides/slide4.xml><?xml version="1.0" encoding="utf-8"?>
+<p:sld xmlns:a="http://schemas.openxmlformats.org/drawingml/2006/main" xmlns:r="http://schemas.openxmlformats.org/officeDocument/2006/relationships" xmlns:p="http://schemas.openxmlformats.org/presentationml/2006/main">
+  <p:cSld>
+    <p:spTree>
+      <p:nvGrpSpPr>
+        <p:cNvPr id="1" name=""/>
+        <p:cNvGrpSpPr/>
+        <p:nvPr/>
+      </p:nvGrpSpPr>
+      <p:grpSpPr>
+        <a:xfrm>
+          <a:off x="0" y="0"/>
+          <a:ext cx="0" cy="0"/>
+          <a:chOff x="0" y="0"/>
+          <a:chExt cx="0" cy="0"/>
+        </a:xfrm>
+      </p:grpSpPr>
+      <p:sp>
+        <p:nvSpPr>
+          <p:cNvPr id="3" name="Content Placeholder 2">
+            <a:extLst>
+              <a:ext uri="{FF2B5EF4-FFF2-40B4-BE49-F238E27FC236}">
+                <a16:creationId xmlns:a16="http://schemas.microsoft.com/office/drawing/2014/main" id="{97ED9C79-29BD-492D-27BA-B9751E5EDE8E}"/>
+              </a:ext>
+            </a:extLst>
+          </p:cNvPr>
+          <p:cNvSpPr>
+            <a:spLocks noGrp="1"/>
+          </p:cNvSpPr>
+          <p:nvPr>
+            <p:ph idx="1"/>
+          </p:nvPr>
+        </p:nvSpPr>
+        <p:spPr/>
+        <p:txBody>
+          <a:bodyPr/>
+          <a:lstStyle/>
+          <a:p>
+            <a:pPr marL="0" indent="0">
+              <a:buNone/>
+            </a:pPr>
+            <a:r>
+              <a:rPr lang="en-US"/>
+              <a:t>“People don’t know what they want, </a:t>
+            </a:r>
+          </a:p>
+          <a:p>
+            <a:pPr marL="0" indent="0">
+              <a:buNone/>
+            </a:pPr>
+            <a:r>
+              <a:rPr lang="en-US"/>
+              <a:t>until they see what they don’t.”</a:t>
+            </a:r>
+          </a:p>
+          <a:p>
+            <a:pPr marL="0" indent="0">
+              <a:buNone/>
+            </a:pPr>
+            <a:r>
+              <a:rPr lang="en-US"/>
+              <a:t>- Alan Shalloway</a:t>
+            </a:r>
+          </a:p>
+        </p:txBody>
+      </p:sp>
+    </p:spTree>
+    <p:extLst>
+      <p:ext uri="{BB962C8B-B14F-4D97-AF65-F5344CB8AC3E}">
+        <p14:creationId xmlns:p14="http://schemas.microsoft.com/office/powerpoint/2010/main" val="957768367"/>
+      </p:ext>
+    </p:extLst>
+  </p:cSld>
+  <p:clrMapOvr>
+    <a:masterClrMapping/>
+  </p:clrMapOvr>
+</p:sld>
+</file>
+
+<file path=ppt/slides/slide40.xml><?xml version="1.0" encoding="utf-8"?>
 <p:sld xmlns:a="http://schemas.openxmlformats.org/drawingml/2006/main" xmlns:r="http://schemas.openxmlformats.org/officeDocument/2006/relationships" xmlns:p="http://schemas.openxmlformats.org/presentationml/2006/main" show="0">
   <p:cSld>
     <p:spTree>
@@ -18919,7 +16557,7 @@
 </p:sld>
 </file>
 
-<file path=ppt/slides/slide45.xml><?xml version="1.0" encoding="utf-8"?>
+<file path=ppt/slides/slide41.xml><?xml version="1.0" encoding="utf-8"?>
 <p:sld xmlns:a="http://schemas.openxmlformats.org/drawingml/2006/main" xmlns:r="http://schemas.openxmlformats.org/officeDocument/2006/relationships" xmlns:p="http://schemas.openxmlformats.org/presentationml/2006/main" show="0">
   <p:cSld>
     <p:spTree>
@@ -20207,7 +17845,7 @@
 </p:sld>
 </file>
 
-<file path=ppt/slides/slide46.xml><?xml version="1.0" encoding="utf-8"?>
+<file path=ppt/slides/slide42.xml><?xml version="1.0" encoding="utf-8"?>
 <p:sld xmlns:a="http://schemas.openxmlformats.org/drawingml/2006/main" xmlns:r="http://schemas.openxmlformats.org/officeDocument/2006/relationships" xmlns:p="http://schemas.openxmlformats.org/presentationml/2006/main" show="0">
   <p:cSld>
     <p:spTree>
@@ -20757,101 +18395,6 @@
           <a:chExt cx="0" cy="0"/>
         </a:xfrm>
       </p:grpSpPr>
-      <p:pic>
-        <p:nvPicPr>
-          <p:cNvPr id="3" name="Picture 2" descr="A screenshot of a computer code&#10;&#10;Description automatically generated">
-            <a:extLst>
-              <a:ext uri="{FF2B5EF4-FFF2-40B4-BE49-F238E27FC236}">
-                <a16:creationId xmlns:a16="http://schemas.microsoft.com/office/drawing/2014/main" id="{292AF426-4C5F-6717-8C1E-418AD6902791}"/>
-              </a:ext>
-            </a:extLst>
-          </p:cNvPr>
-          <p:cNvPicPr>
-            <a:picLocks noChangeAspect="1"/>
-          </p:cNvPicPr>
-          <p:nvPr/>
-        </p:nvPicPr>
-        <p:blipFill>
-          <a:blip r:embed="rId3"/>
-          <a:stretch>
-            <a:fillRect/>
-          </a:stretch>
-        </p:blipFill>
-        <p:spPr>
-          <a:xfrm>
-            <a:off x="1783080" y="1223124"/>
-            <a:ext cx="7772400" cy="3920058"/>
-          </a:xfrm>
-          <a:prstGeom prst="rect">
-            <a:avLst/>
-          </a:prstGeom>
-        </p:spPr>
-      </p:pic>
-      <p:sp>
-        <p:nvSpPr>
-          <p:cNvPr id="6" name="TextBox 5">
-            <a:extLst>
-              <a:ext uri="{FF2B5EF4-FFF2-40B4-BE49-F238E27FC236}">
-                <a16:creationId xmlns:a16="http://schemas.microsoft.com/office/drawing/2014/main" id="{6672AABC-B250-4F6F-DF17-FA210C3816AD}"/>
-              </a:ext>
-            </a:extLst>
-          </p:cNvPr>
-          <p:cNvSpPr txBox="1"/>
-          <p:nvPr/>
-        </p:nvSpPr>
-        <p:spPr>
-          <a:xfrm>
-            <a:off x="1490472" y="292608"/>
-            <a:ext cx="1341393" cy="369332"/>
-          </a:xfrm>
-          <a:prstGeom prst="rect">
-            <a:avLst/>
-          </a:prstGeom>
-          <a:noFill/>
-        </p:spPr>
-        <p:txBody>
-          <a:bodyPr wrap="none" rtlCol="0">
-            <a:spAutoFit/>
-          </a:bodyPr>
-          <a:lstStyle/>
-          <a:p>
-            <a:r>
-              <a:rPr lang="en-US"/>
-              <a:t>Original Test</a:t>
-            </a:r>
-          </a:p>
-        </p:txBody>
-      </p:sp>
-    </p:spTree>
-    <p:extLst>
-      <p:ext uri="{BB962C8B-B14F-4D97-AF65-F5344CB8AC3E}">
-        <p14:creationId xmlns:p14="http://schemas.microsoft.com/office/powerpoint/2010/main" val="4192315940"/>
-      </p:ext>
-    </p:extLst>
-  </p:cSld>
-  <p:clrMapOvr>
-    <a:masterClrMapping/>
-  </p:clrMapOvr>
-</p:sld>
-</file>
-
-<file path=ppt/slides/slide9.xml><?xml version="1.0" encoding="utf-8"?>
-<p:sld xmlns:a="http://schemas.openxmlformats.org/drawingml/2006/main" xmlns:r="http://schemas.openxmlformats.org/officeDocument/2006/relationships" xmlns:p="http://schemas.openxmlformats.org/presentationml/2006/main">
-  <p:cSld>
-    <p:spTree>
-      <p:nvGrpSpPr>
-        <p:cNvPr id="1" name=""/>
-        <p:cNvGrpSpPr/>
-        <p:nvPr/>
-      </p:nvGrpSpPr>
-      <p:grpSpPr>
-        <a:xfrm>
-          <a:off x="0" y="0"/>
-          <a:ext cx="0" cy="0"/>
-          <a:chOff x="0" y="0"/>
-          <a:chExt cx="0" cy="0"/>
-        </a:xfrm>
-      </p:grpSpPr>
       <p:sp>
         <p:nvSpPr>
           <p:cNvPr id="5" name="Rounded Rectangle 4">
@@ -20902,41 +18445,6 @@
           <a:p>
             <a:pPr algn="ctr"/>
             <a:endParaRPr lang="en-US"/>
-          </a:p>
-        </p:txBody>
-      </p:sp>
-      <p:sp>
-        <p:nvSpPr>
-          <p:cNvPr id="2" name="TextBox 1">
-            <a:extLst>
-              <a:ext uri="{FF2B5EF4-FFF2-40B4-BE49-F238E27FC236}">
-                <a16:creationId xmlns:a16="http://schemas.microsoft.com/office/drawing/2014/main" id="{9CF23849-1929-B63B-4C18-0E935183C892}"/>
-              </a:ext>
-            </a:extLst>
-          </p:cNvPr>
-          <p:cNvSpPr txBox="1"/>
-          <p:nvPr/>
-        </p:nvSpPr>
-        <p:spPr>
-          <a:xfrm>
-            <a:off x="2139696" y="530352"/>
-            <a:ext cx="1986057" cy="369332"/>
-          </a:xfrm>
-          <a:prstGeom prst="rect">
-            <a:avLst/>
-          </a:prstGeom>
-          <a:noFill/>
-        </p:spPr>
-        <p:txBody>
-          <a:bodyPr wrap="none" rtlCol="0">
-            <a:spAutoFit/>
-          </a:bodyPr>
-          <a:lstStyle/>
-          <a:p>
-            <a:r>
-              <a:rPr lang="en-US"/>
-              <a:t>?? WHAT IS THIS ??</a:t>
-            </a:r>
           </a:p>
         </p:txBody>
       </p:sp>
@@ -21244,6 +18752,183 @@
       <p:bldP spid="4" grpId="0"/>
     </p:bldLst>
   </p:timing>
+</p:sld>
+</file>
+
+<file path=ppt/slides/slide9.xml><?xml version="1.0" encoding="utf-8"?>
+<p:sld xmlns:a="http://schemas.openxmlformats.org/drawingml/2006/main" xmlns:r="http://schemas.openxmlformats.org/officeDocument/2006/relationships" xmlns:p="http://schemas.openxmlformats.org/presentationml/2006/main">
+  <p:cSld>
+    <p:spTree>
+      <p:nvGrpSpPr>
+        <p:cNvPr id="1" name="">
+          <a:extLst>
+            <a:ext uri="{FF2B5EF4-FFF2-40B4-BE49-F238E27FC236}">
+              <a16:creationId xmlns:a16="http://schemas.microsoft.com/office/drawing/2014/main" id="{DF1FDAC4-5A89-D1C0-3E27-E653BCE1B5D9}"/>
+            </a:ext>
+          </a:extLst>
+        </p:cNvPr>
+        <p:cNvGrpSpPr/>
+        <p:nvPr/>
+      </p:nvGrpSpPr>
+      <p:grpSpPr>
+        <a:xfrm>
+          <a:off x="0" y="0"/>
+          <a:ext cx="0" cy="0"/>
+          <a:chOff x="0" y="0"/>
+          <a:chExt cx="0" cy="0"/>
+        </a:xfrm>
+      </p:grpSpPr>
+      <p:pic>
+        <p:nvPicPr>
+          <p:cNvPr id="2" name="Picture 1" descr="A screenshot of a computer code&#10;&#10;Description automatically generated">
+            <a:extLst>
+              <a:ext uri="{FF2B5EF4-FFF2-40B4-BE49-F238E27FC236}">
+                <a16:creationId xmlns:a16="http://schemas.microsoft.com/office/drawing/2014/main" id="{23A58370-A0CB-91E9-123E-5758FA766882}"/>
+              </a:ext>
+            </a:extLst>
+          </p:cNvPr>
+          <p:cNvPicPr>
+            <a:picLocks noChangeAspect="1"/>
+          </p:cNvPicPr>
+          <p:nvPr/>
+        </p:nvPicPr>
+        <p:blipFill>
+          <a:blip r:embed="rId3"/>
+          <a:stretch>
+            <a:fillRect/>
+          </a:stretch>
+        </p:blipFill>
+        <p:spPr>
+          <a:xfrm>
+            <a:off x="1522045" y="1157824"/>
+            <a:ext cx="9307581" cy="4694336"/>
+          </a:xfrm>
+          <a:prstGeom prst="rect">
+            <a:avLst/>
+          </a:prstGeom>
+          <a:ln>
+            <a:noFill/>
+          </a:ln>
+        </p:spPr>
+      </p:pic>
+      <p:sp>
+        <p:nvSpPr>
+          <p:cNvPr id="6" name="!!highlight2">
+            <a:extLst>
+              <a:ext uri="{FF2B5EF4-FFF2-40B4-BE49-F238E27FC236}">
+                <a16:creationId xmlns:a16="http://schemas.microsoft.com/office/drawing/2014/main" id="{497A968F-E103-D8FE-A0DA-0831F0FADB58}"/>
+              </a:ext>
+            </a:extLst>
+          </p:cNvPr>
+          <p:cNvSpPr/>
+          <p:nvPr/>
+        </p:nvSpPr>
+        <p:spPr>
+          <a:xfrm>
+            <a:off x="5126736" y="4847544"/>
+            <a:ext cx="3496056" cy="501695"/>
+          </a:xfrm>
+          <a:prstGeom prst="rect">
+            <a:avLst/>
+          </a:prstGeom>
+          <a:solidFill>
+            <a:srgbClr val="FFFF00">
+              <a:alpha val="50196"/>
+            </a:srgbClr>
+          </a:solidFill>
+          <a:ln>
+            <a:noFill/>
+          </a:ln>
+        </p:spPr>
+        <p:style>
+          <a:lnRef idx="2">
+            <a:schemeClr val="accent1">
+              <a:shade val="15000"/>
+            </a:schemeClr>
+          </a:lnRef>
+          <a:fillRef idx="1">
+            <a:schemeClr val="accent1"/>
+          </a:fillRef>
+          <a:effectRef idx="0">
+            <a:schemeClr val="accent1"/>
+          </a:effectRef>
+          <a:fontRef idx="minor">
+            <a:schemeClr val="lt1"/>
+          </a:fontRef>
+        </p:style>
+        <p:txBody>
+          <a:bodyPr rtlCol="0" anchor="ctr"/>
+          <a:lstStyle/>
+          <a:p>
+            <a:pPr algn="r"/>
+            <a:endParaRPr lang="en-US"/>
+          </a:p>
+        </p:txBody>
+      </p:sp>
+      <p:sp>
+        <p:nvSpPr>
+          <p:cNvPr id="4" name="!!highlight1">
+            <a:extLst>
+              <a:ext uri="{FF2B5EF4-FFF2-40B4-BE49-F238E27FC236}">
+                <a16:creationId xmlns:a16="http://schemas.microsoft.com/office/drawing/2014/main" id="{93FD5533-0D60-56DD-8D5C-2C70D1E08190}"/>
+              </a:ext>
+            </a:extLst>
+          </p:cNvPr>
+          <p:cNvSpPr/>
+          <p:nvPr/>
+        </p:nvSpPr>
+        <p:spPr>
+          <a:xfrm>
+            <a:off x="9189720" y="2902921"/>
+            <a:ext cx="411480" cy="277018"/>
+          </a:xfrm>
+          <a:prstGeom prst="rect">
+            <a:avLst/>
+          </a:prstGeom>
+          <a:solidFill>
+            <a:srgbClr val="FFFF00">
+              <a:alpha val="50196"/>
+            </a:srgbClr>
+          </a:solidFill>
+          <a:ln>
+            <a:noFill/>
+          </a:ln>
+        </p:spPr>
+        <p:style>
+          <a:lnRef idx="2">
+            <a:schemeClr val="accent1">
+              <a:shade val="15000"/>
+            </a:schemeClr>
+          </a:lnRef>
+          <a:fillRef idx="1">
+            <a:schemeClr val="accent1"/>
+          </a:fillRef>
+          <a:effectRef idx="0">
+            <a:schemeClr val="accent1"/>
+          </a:effectRef>
+          <a:fontRef idx="minor">
+            <a:schemeClr val="lt1"/>
+          </a:fontRef>
+        </p:style>
+        <p:txBody>
+          <a:bodyPr rtlCol="0" anchor="ctr"/>
+          <a:lstStyle/>
+          <a:p>
+            <a:pPr algn="r"/>
+            <a:endParaRPr lang="en-US"/>
+          </a:p>
+        </p:txBody>
+      </p:sp>
+    </p:spTree>
+    <p:extLst>
+      <p:ext uri="{BB962C8B-B14F-4D97-AF65-F5344CB8AC3E}">
+        <p14:creationId xmlns:p14="http://schemas.microsoft.com/office/powerpoint/2010/main" val="946451355"/>
+      </p:ext>
+    </p:extLst>
+  </p:cSld>
+  <p:clrMapOvr>
+    <a:masterClrMapping/>
+  </p:clrMapOvr>
 </p:sld>
 </file>
 

--- a/slides/Testing Better with Approvals.pptx
+++ b/slides/Testing Better with Approvals.pptx
@@ -238,6 +238,12 @@
 </p:presentation>
 </file>
 
+<file path=ppt/authors.xml><?xml version="1.0" encoding="utf-8"?>
+<p188:authorLst xmlns:a="http://schemas.openxmlformats.org/drawingml/2006/main" xmlns:r="http://schemas.openxmlformats.org/officeDocument/2006/relationships" xmlns:p188="http://schemas.microsoft.com/office/powerpoint/2018/8/main">
+  <p188:author id="{3C3349F8-DC01-FE7D-F7CD-AC66C053D11B}" name="Kesseler, Lada" initials="LK" userId="S::LADA.KESSELER1@T-MOBILE.COM::562dffe2-bbd3-4c93-8d98-a417671b7e15" providerId="AD"/>
+</p188:authorLst>
+</file>
+
 <file path=ppt/notesMasters/notesMaster1.xml><?xml version="1.0" encoding="utf-8"?>
 <p:notesMaster xmlns:a="http://schemas.openxmlformats.org/drawingml/2006/main" xmlns:r="http://schemas.openxmlformats.org/officeDocument/2006/relationships" xmlns:p="http://schemas.openxmlformats.org/presentationml/2006/main">
   <p:cSld>
@@ -320,7 +326,7 @@
           <a:p>
             <a:fld id="{35701875-5BC7-1E49-AF4C-96F7D9E7474C}" type="datetimeFigureOut">
               <a:rPr lang="en-US" smtClean="0"/>
-              <a:t>2/16/24</a:t>
+              <a:t>2/18/24</a:t>
             </a:fld>
             <a:endParaRPr lang="en-US"/>
           </a:p>
@@ -679,6 +685,114 @@
         <p:cNvPr id="1" name="">
           <a:extLst>
             <a:ext uri="{FF2B5EF4-FFF2-40B4-BE49-F238E27FC236}">
+              <a16:creationId xmlns:a16="http://schemas.microsoft.com/office/drawing/2014/main" id="{6771BDD3-1954-AE79-C148-7F69B543C073}"/>
+            </a:ext>
+          </a:extLst>
+        </p:cNvPr>
+        <p:cNvGrpSpPr/>
+        <p:nvPr/>
+      </p:nvGrpSpPr>
+      <p:grpSpPr>
+        <a:xfrm>
+          <a:off x="0" y="0"/>
+          <a:ext cx="0" cy="0"/>
+          <a:chOff x="0" y="0"/>
+          <a:chExt cx="0" cy="0"/>
+        </a:xfrm>
+      </p:grpSpPr>
+      <p:sp>
+        <p:nvSpPr>
+          <p:cNvPr id="2" name="Slide Image Placeholder 1">
+            <a:extLst>
+              <a:ext uri="{FF2B5EF4-FFF2-40B4-BE49-F238E27FC236}">
+                <a16:creationId xmlns:a16="http://schemas.microsoft.com/office/drawing/2014/main" id="{794B5943-AA33-BEF4-3100-93A9E51EA248}"/>
+              </a:ext>
+            </a:extLst>
+          </p:cNvPr>
+          <p:cNvSpPr>
+            <a:spLocks noGrp="1" noRot="1" noChangeAspect="1"/>
+          </p:cNvSpPr>
+          <p:nvPr>
+            <p:ph type="sldImg"/>
+          </p:nvPr>
+        </p:nvSpPr>
+        <p:spPr/>
+      </p:sp>
+      <p:sp>
+        <p:nvSpPr>
+          <p:cNvPr id="3" name="Notes Placeholder 2">
+            <a:extLst>
+              <a:ext uri="{FF2B5EF4-FFF2-40B4-BE49-F238E27FC236}">
+                <a16:creationId xmlns:a16="http://schemas.microsoft.com/office/drawing/2014/main" id="{7F4A7CE2-A51F-95D0-458E-4F149E776A82}"/>
+              </a:ext>
+            </a:extLst>
+          </p:cNvPr>
+          <p:cNvSpPr>
+            <a:spLocks noGrp="1"/>
+          </p:cNvSpPr>
+          <p:nvPr>
+            <p:ph type="body" idx="1"/>
+          </p:nvPr>
+        </p:nvSpPr>
+        <p:spPr/>
+        <p:txBody>
+          <a:bodyPr/>
+          <a:lstStyle/>
+          <a:p>
+            <a:endParaRPr lang="en-US"/>
+          </a:p>
+        </p:txBody>
+      </p:sp>
+      <p:sp>
+        <p:nvSpPr>
+          <p:cNvPr id="4" name="Slide Number Placeholder 3">
+            <a:extLst>
+              <a:ext uri="{FF2B5EF4-FFF2-40B4-BE49-F238E27FC236}">
+                <a16:creationId xmlns:a16="http://schemas.microsoft.com/office/drawing/2014/main" id="{A93C541A-0E80-1D79-01D0-CE09DDD43EAE}"/>
+              </a:ext>
+            </a:extLst>
+          </p:cNvPr>
+          <p:cNvSpPr>
+            <a:spLocks noGrp="1"/>
+          </p:cNvSpPr>
+          <p:nvPr>
+            <p:ph type="sldNum" sz="quarter" idx="5"/>
+          </p:nvPr>
+        </p:nvSpPr>
+        <p:spPr/>
+        <p:txBody>
+          <a:bodyPr/>
+          <a:lstStyle/>
+          <a:p>
+            <a:fld id="{FC5BBC2B-72B0-2542-8213-717906F3F32B}" type="slidenum">
+              <a:rPr lang="en-US" smtClean="0"/>
+              <a:t>21</a:t>
+            </a:fld>
+            <a:endParaRPr lang="en-US"/>
+          </a:p>
+        </p:txBody>
+      </p:sp>
+    </p:spTree>
+    <p:extLst>
+      <p:ext uri="{BB962C8B-B14F-4D97-AF65-F5344CB8AC3E}">
+        <p14:creationId xmlns:p14="http://schemas.microsoft.com/office/powerpoint/2010/main" val="3020680927"/>
+      </p:ext>
+    </p:extLst>
+  </p:cSld>
+  <p:clrMapOvr>
+    <a:masterClrMapping/>
+  </p:clrMapOvr>
+</p:notes>
+</file>
+
+<file path=ppt/notesSlides/notesSlide11.xml><?xml version="1.0" encoding="utf-8"?>
+<p:notes xmlns:a="http://schemas.openxmlformats.org/drawingml/2006/main" xmlns:r="http://schemas.openxmlformats.org/officeDocument/2006/relationships" xmlns:p="http://schemas.openxmlformats.org/presentationml/2006/main">
+  <p:cSld>
+    <p:spTree>
+      <p:nvGrpSpPr>
+        <p:cNvPr id="1" name="">
+          <a:extLst>
+            <a:ext uri="{FF2B5EF4-FFF2-40B4-BE49-F238E27FC236}">
               <a16:creationId xmlns:a16="http://schemas.microsoft.com/office/drawing/2014/main" id="{5DAED346-D5B3-67A5-C5F0-8DF5A03C2BDB}"/>
             </a:ext>
           </a:extLst>
@@ -782,7 +896,7 @@
 </p:notes>
 </file>
 
-<file path=ppt/notesSlides/notesSlide11.xml><?xml version="1.0" encoding="utf-8"?>
+<file path=ppt/notesSlides/notesSlide12.xml><?xml version="1.0" encoding="utf-8"?>
 <p:notes xmlns:a="http://schemas.openxmlformats.org/drawingml/2006/main" xmlns:r="http://schemas.openxmlformats.org/officeDocument/2006/relationships" xmlns:p="http://schemas.openxmlformats.org/presentationml/2006/main">
   <p:cSld>
     <p:spTree>
@@ -890,7 +1004,7 @@
 </p:notes>
 </file>
 
-<file path=ppt/notesSlides/notesSlide12.xml><?xml version="1.0" encoding="utf-8"?>
+<file path=ppt/notesSlides/notesSlide13.xml><?xml version="1.0" encoding="utf-8"?>
 <p:notes xmlns:a="http://schemas.openxmlformats.org/drawingml/2006/main" xmlns:r="http://schemas.openxmlformats.org/officeDocument/2006/relationships" xmlns:p="http://schemas.openxmlformats.org/presentationml/2006/main">
   <p:cSld>
     <p:spTree>
@@ -977,7 +1091,7 @@
 </p:notes>
 </file>
 
-<file path=ppt/notesSlides/notesSlide13.xml><?xml version="1.0" encoding="utf-8"?>
+<file path=ppt/notesSlides/notesSlide14.xml><?xml version="1.0" encoding="utf-8"?>
 <p:notes xmlns:a="http://schemas.openxmlformats.org/drawingml/2006/main" xmlns:r="http://schemas.openxmlformats.org/officeDocument/2006/relationships" xmlns:p="http://schemas.openxmlformats.org/presentationml/2006/main">
   <p:cSld>
     <p:spTree>
@@ -1088,7 +1202,7 @@
 </p:notes>
 </file>
 
-<file path=ppt/notesSlides/notesSlide14.xml><?xml version="1.0" encoding="utf-8"?>
+<file path=ppt/notesSlides/notesSlide15.xml><?xml version="1.0" encoding="utf-8"?>
 <p:notes xmlns:a="http://schemas.openxmlformats.org/drawingml/2006/main" xmlns:r="http://schemas.openxmlformats.org/officeDocument/2006/relationships" xmlns:p="http://schemas.openxmlformats.org/presentationml/2006/main">
   <p:cSld>
     <p:spTree>
@@ -1199,7 +1313,7 @@
 </p:notes>
 </file>
 
-<file path=ppt/notesSlides/notesSlide15.xml><?xml version="1.0" encoding="utf-8"?>
+<file path=ppt/notesSlides/notesSlide16.xml><?xml version="1.0" encoding="utf-8"?>
 <p:notes xmlns:a="http://schemas.openxmlformats.org/drawingml/2006/main" xmlns:r="http://schemas.openxmlformats.org/officeDocument/2006/relationships" xmlns:p="http://schemas.openxmlformats.org/presentationml/2006/main">
   <p:cSld>
     <p:spTree>
@@ -1310,7 +1424,7 @@
 </p:notes>
 </file>
 
-<file path=ppt/notesSlides/notesSlide16.xml><?xml version="1.0" encoding="utf-8"?>
+<file path=ppt/notesSlides/notesSlide17.xml><?xml version="1.0" encoding="utf-8"?>
 <p:notes xmlns:a="http://schemas.openxmlformats.org/drawingml/2006/main" xmlns:r="http://schemas.openxmlformats.org/officeDocument/2006/relationships" xmlns:p="http://schemas.openxmlformats.org/presentationml/2006/main">
   <p:cSld>
     <p:spTree>
@@ -1418,7 +1532,7 @@
 </p:notes>
 </file>
 
-<file path=ppt/notesSlides/notesSlide17.xml><?xml version="1.0" encoding="utf-8"?>
+<file path=ppt/notesSlides/notesSlide18.xml><?xml version="1.0" encoding="utf-8"?>
 <p:notes xmlns:a="http://schemas.openxmlformats.org/drawingml/2006/main" xmlns:r="http://schemas.openxmlformats.org/officeDocument/2006/relationships" xmlns:p="http://schemas.openxmlformats.org/presentationml/2006/main">
   <p:cSld>
     <p:spTree>
@@ -1526,7 +1640,7 @@
 </p:notes>
 </file>
 
-<file path=ppt/notesSlides/notesSlide18.xml><?xml version="1.0" encoding="utf-8"?>
+<file path=ppt/notesSlides/notesSlide19.xml><?xml version="1.0" encoding="utf-8"?>
 <p:notes xmlns:a="http://schemas.openxmlformats.org/drawingml/2006/main" xmlns:r="http://schemas.openxmlformats.org/officeDocument/2006/relationships" xmlns:p="http://schemas.openxmlformats.org/presentationml/2006/main">
   <p:cSld>
     <p:spTree>
@@ -1625,114 +1739,6 @@
     <p:extLst>
       <p:ext uri="{BB962C8B-B14F-4D97-AF65-F5344CB8AC3E}">
         <p14:creationId xmlns:p14="http://schemas.microsoft.com/office/powerpoint/2010/main" val="2474154363"/>
-      </p:ext>
-    </p:extLst>
-  </p:cSld>
-  <p:clrMapOvr>
-    <a:masterClrMapping/>
-  </p:clrMapOvr>
-</p:notes>
-</file>
-
-<file path=ppt/notesSlides/notesSlide19.xml><?xml version="1.0" encoding="utf-8"?>
-<p:notes xmlns:a="http://schemas.openxmlformats.org/drawingml/2006/main" xmlns:r="http://schemas.openxmlformats.org/officeDocument/2006/relationships" xmlns:p="http://schemas.openxmlformats.org/presentationml/2006/main">
-  <p:cSld>
-    <p:spTree>
-      <p:nvGrpSpPr>
-        <p:cNvPr id="1" name="">
-          <a:extLst>
-            <a:ext uri="{FF2B5EF4-FFF2-40B4-BE49-F238E27FC236}">
-              <a16:creationId xmlns:a16="http://schemas.microsoft.com/office/drawing/2014/main" id="{C484C03B-C8ED-111D-410C-CC18F6260669}"/>
-            </a:ext>
-          </a:extLst>
-        </p:cNvPr>
-        <p:cNvGrpSpPr/>
-        <p:nvPr/>
-      </p:nvGrpSpPr>
-      <p:grpSpPr>
-        <a:xfrm>
-          <a:off x="0" y="0"/>
-          <a:ext cx="0" cy="0"/>
-          <a:chOff x="0" y="0"/>
-          <a:chExt cx="0" cy="0"/>
-        </a:xfrm>
-      </p:grpSpPr>
-      <p:sp>
-        <p:nvSpPr>
-          <p:cNvPr id="2" name="Slide Image Placeholder 1">
-            <a:extLst>
-              <a:ext uri="{FF2B5EF4-FFF2-40B4-BE49-F238E27FC236}">
-                <a16:creationId xmlns:a16="http://schemas.microsoft.com/office/drawing/2014/main" id="{B2033D5F-1DDE-948F-815E-B643D4873E71}"/>
-              </a:ext>
-            </a:extLst>
-          </p:cNvPr>
-          <p:cNvSpPr>
-            <a:spLocks noGrp="1" noRot="1" noChangeAspect="1"/>
-          </p:cNvSpPr>
-          <p:nvPr>
-            <p:ph type="sldImg"/>
-          </p:nvPr>
-        </p:nvSpPr>
-        <p:spPr/>
-      </p:sp>
-      <p:sp>
-        <p:nvSpPr>
-          <p:cNvPr id="3" name="Notes Placeholder 2">
-            <a:extLst>
-              <a:ext uri="{FF2B5EF4-FFF2-40B4-BE49-F238E27FC236}">
-                <a16:creationId xmlns:a16="http://schemas.microsoft.com/office/drawing/2014/main" id="{B9F7B20F-57D3-F731-3608-50C8D9FBC98E}"/>
-              </a:ext>
-            </a:extLst>
-          </p:cNvPr>
-          <p:cNvSpPr>
-            <a:spLocks noGrp="1"/>
-          </p:cNvSpPr>
-          <p:nvPr>
-            <p:ph type="body" idx="1"/>
-          </p:nvPr>
-        </p:nvSpPr>
-        <p:spPr/>
-        <p:txBody>
-          <a:bodyPr/>
-          <a:lstStyle/>
-          <a:p>
-            <a:endParaRPr lang="en-US"/>
-          </a:p>
-        </p:txBody>
-      </p:sp>
-      <p:sp>
-        <p:nvSpPr>
-          <p:cNvPr id="4" name="Slide Number Placeholder 3">
-            <a:extLst>
-              <a:ext uri="{FF2B5EF4-FFF2-40B4-BE49-F238E27FC236}">
-                <a16:creationId xmlns:a16="http://schemas.microsoft.com/office/drawing/2014/main" id="{51AA9805-DEAA-96F0-AA83-9EC2749F00EE}"/>
-              </a:ext>
-            </a:extLst>
-          </p:cNvPr>
-          <p:cNvSpPr>
-            <a:spLocks noGrp="1"/>
-          </p:cNvSpPr>
-          <p:nvPr>
-            <p:ph type="sldNum" sz="quarter" idx="5"/>
-          </p:nvPr>
-        </p:nvSpPr>
-        <p:spPr/>
-        <p:txBody>
-          <a:bodyPr/>
-          <a:lstStyle/>
-          <a:p>
-            <a:fld id="{FC5BBC2B-72B0-2542-8213-717906F3F32B}" type="slidenum">
-              <a:rPr lang="en-US" smtClean="0"/>
-              <a:t>37</a:t>
-            </a:fld>
-            <a:endParaRPr lang="en-US"/>
-          </a:p>
-        </p:txBody>
-      </p:sp>
-    </p:spTree>
-    <p:extLst>
-      <p:ext uri="{BB962C8B-B14F-4D97-AF65-F5344CB8AC3E}">
-        <p14:creationId xmlns:p14="http://schemas.microsoft.com/office/powerpoint/2010/main" val="941621636"/>
       </p:ext>
     </p:extLst>
   </p:cSld>
@@ -1837,6 +1843,114 @@
         <p:cNvPr id="1" name="">
           <a:extLst>
             <a:ext uri="{FF2B5EF4-FFF2-40B4-BE49-F238E27FC236}">
+              <a16:creationId xmlns:a16="http://schemas.microsoft.com/office/drawing/2014/main" id="{C484C03B-C8ED-111D-410C-CC18F6260669}"/>
+            </a:ext>
+          </a:extLst>
+        </p:cNvPr>
+        <p:cNvGrpSpPr/>
+        <p:nvPr/>
+      </p:nvGrpSpPr>
+      <p:grpSpPr>
+        <a:xfrm>
+          <a:off x="0" y="0"/>
+          <a:ext cx="0" cy="0"/>
+          <a:chOff x="0" y="0"/>
+          <a:chExt cx="0" cy="0"/>
+        </a:xfrm>
+      </p:grpSpPr>
+      <p:sp>
+        <p:nvSpPr>
+          <p:cNvPr id="2" name="Slide Image Placeholder 1">
+            <a:extLst>
+              <a:ext uri="{FF2B5EF4-FFF2-40B4-BE49-F238E27FC236}">
+                <a16:creationId xmlns:a16="http://schemas.microsoft.com/office/drawing/2014/main" id="{B2033D5F-1DDE-948F-815E-B643D4873E71}"/>
+              </a:ext>
+            </a:extLst>
+          </p:cNvPr>
+          <p:cNvSpPr>
+            <a:spLocks noGrp="1" noRot="1" noChangeAspect="1"/>
+          </p:cNvSpPr>
+          <p:nvPr>
+            <p:ph type="sldImg"/>
+          </p:nvPr>
+        </p:nvSpPr>
+        <p:spPr/>
+      </p:sp>
+      <p:sp>
+        <p:nvSpPr>
+          <p:cNvPr id="3" name="Notes Placeholder 2">
+            <a:extLst>
+              <a:ext uri="{FF2B5EF4-FFF2-40B4-BE49-F238E27FC236}">
+                <a16:creationId xmlns:a16="http://schemas.microsoft.com/office/drawing/2014/main" id="{B9F7B20F-57D3-F731-3608-50C8D9FBC98E}"/>
+              </a:ext>
+            </a:extLst>
+          </p:cNvPr>
+          <p:cNvSpPr>
+            <a:spLocks noGrp="1"/>
+          </p:cNvSpPr>
+          <p:nvPr>
+            <p:ph type="body" idx="1"/>
+          </p:nvPr>
+        </p:nvSpPr>
+        <p:spPr/>
+        <p:txBody>
+          <a:bodyPr/>
+          <a:lstStyle/>
+          <a:p>
+            <a:endParaRPr lang="en-US"/>
+          </a:p>
+        </p:txBody>
+      </p:sp>
+      <p:sp>
+        <p:nvSpPr>
+          <p:cNvPr id="4" name="Slide Number Placeholder 3">
+            <a:extLst>
+              <a:ext uri="{FF2B5EF4-FFF2-40B4-BE49-F238E27FC236}">
+                <a16:creationId xmlns:a16="http://schemas.microsoft.com/office/drawing/2014/main" id="{51AA9805-DEAA-96F0-AA83-9EC2749F00EE}"/>
+              </a:ext>
+            </a:extLst>
+          </p:cNvPr>
+          <p:cNvSpPr>
+            <a:spLocks noGrp="1"/>
+          </p:cNvSpPr>
+          <p:nvPr>
+            <p:ph type="sldNum" sz="quarter" idx="5"/>
+          </p:nvPr>
+        </p:nvSpPr>
+        <p:spPr/>
+        <p:txBody>
+          <a:bodyPr/>
+          <a:lstStyle/>
+          <a:p>
+            <a:fld id="{FC5BBC2B-72B0-2542-8213-717906F3F32B}" type="slidenum">
+              <a:rPr lang="en-US" smtClean="0"/>
+              <a:t>37</a:t>
+            </a:fld>
+            <a:endParaRPr lang="en-US"/>
+          </a:p>
+        </p:txBody>
+      </p:sp>
+    </p:spTree>
+    <p:extLst>
+      <p:ext uri="{BB962C8B-B14F-4D97-AF65-F5344CB8AC3E}">
+        <p14:creationId xmlns:p14="http://schemas.microsoft.com/office/powerpoint/2010/main" val="941621636"/>
+      </p:ext>
+    </p:extLst>
+  </p:cSld>
+  <p:clrMapOvr>
+    <a:masterClrMapping/>
+  </p:clrMapOvr>
+</p:notes>
+</file>
+
+<file path=ppt/notesSlides/notesSlide21.xml><?xml version="1.0" encoding="utf-8"?>
+<p:notes xmlns:a="http://schemas.openxmlformats.org/drawingml/2006/main" xmlns:r="http://schemas.openxmlformats.org/officeDocument/2006/relationships" xmlns:p="http://schemas.openxmlformats.org/presentationml/2006/main">
+  <p:cSld>
+    <p:spTree>
+      <p:nvGrpSpPr>
+        <p:cNvPr id="1" name="">
+          <a:extLst>
+            <a:ext uri="{FF2B5EF4-FFF2-40B4-BE49-F238E27FC236}">
               <a16:creationId xmlns:a16="http://schemas.microsoft.com/office/drawing/2014/main" id="{2B4B2DED-A804-1FB3-EDC5-8598F778A3ED}"/>
             </a:ext>
           </a:extLst>
@@ -1937,7 +2051,7 @@
 </p:notes>
 </file>
 
-<file path=ppt/notesSlides/notesSlide21.xml><?xml version="1.0" encoding="utf-8"?>
+<file path=ppt/notesSlides/notesSlide22.xml><?xml version="1.0" encoding="utf-8"?>
 <p:notes xmlns:a="http://schemas.openxmlformats.org/drawingml/2006/main" xmlns:r="http://schemas.openxmlformats.org/officeDocument/2006/relationships" xmlns:p="http://schemas.openxmlformats.org/presentationml/2006/main">
   <p:cSld>
     <p:spTree>
@@ -2021,7 +2135,7 @@
 </p:notes>
 </file>
 
-<file path=ppt/notesSlides/notesSlide22.xml><?xml version="1.0" encoding="utf-8"?>
+<file path=ppt/notesSlides/notesSlide23.xml><?xml version="1.0" encoding="utf-8"?>
 <p:notes xmlns:a="http://schemas.openxmlformats.org/drawingml/2006/main" xmlns:r="http://schemas.openxmlformats.org/officeDocument/2006/relationships" xmlns:p="http://schemas.openxmlformats.org/presentationml/2006/main">
   <p:cSld>
     <p:spTree>
@@ -2129,7 +2243,7 @@
 </p:notes>
 </file>
 
-<file path=ppt/notesSlides/notesSlide23.xml><?xml version="1.0" encoding="utf-8"?>
+<file path=ppt/notesSlides/notesSlide24.xml><?xml version="1.0" encoding="utf-8"?>
 <p:notes xmlns:a="http://schemas.openxmlformats.org/drawingml/2006/main" xmlns:r="http://schemas.openxmlformats.org/officeDocument/2006/relationships" xmlns:p="http://schemas.openxmlformats.org/presentationml/2006/main">
   <p:cSld>
     <p:spTree>
@@ -2214,6 +2328,124 @@
 </file>
 
 <file path=ppt/notesSlides/notesSlide3.xml><?xml version="1.0" encoding="utf-8"?>
+<p:notes xmlns:a="http://schemas.openxmlformats.org/drawingml/2006/main" xmlns:r="http://schemas.openxmlformats.org/officeDocument/2006/relationships" xmlns:p="http://schemas.openxmlformats.org/presentationml/2006/main">
+  <p:cSld>
+    <p:spTree>
+      <p:nvGrpSpPr>
+        <p:cNvPr id="1" name=""/>
+        <p:cNvGrpSpPr/>
+        <p:nvPr/>
+      </p:nvGrpSpPr>
+      <p:grpSpPr>
+        <a:xfrm>
+          <a:off x="0" y="0"/>
+          <a:ext cx="0" cy="0"/>
+          <a:chOff x="0" y="0"/>
+          <a:chExt cx="0" cy="0"/>
+        </a:xfrm>
+      </p:grpSpPr>
+      <p:sp>
+        <p:nvSpPr>
+          <p:cNvPr id="2" name="Slide Image Placeholder 1"/>
+          <p:cNvSpPr>
+            <a:spLocks noGrp="1" noRot="1" noChangeAspect="1"/>
+          </p:cNvSpPr>
+          <p:nvPr>
+            <p:ph type="sldImg"/>
+          </p:nvPr>
+        </p:nvSpPr>
+        <p:spPr/>
+      </p:sp>
+      <p:sp>
+        <p:nvSpPr>
+          <p:cNvPr id="3" name="Notes Placeholder 2"/>
+          <p:cNvSpPr>
+            <a:spLocks noGrp="1"/>
+          </p:cNvSpPr>
+          <p:nvPr>
+            <p:ph type="body" idx="1"/>
+          </p:nvPr>
+        </p:nvSpPr>
+        <p:spPr/>
+        <p:txBody>
+          <a:bodyPr/>
+          <a:lstStyle/>
+          <a:p>
+            <a:pPr marL="0" marR="0" lvl="0" indent="0" algn="l" defTabSz="914400" rtl="0" eaLnBrk="1" fontAlgn="auto" latinLnBrk="0" hangingPunct="1">
+              <a:lnSpc>
+                <a:spcPct val="100000"/>
+              </a:lnSpc>
+              <a:spcBef>
+                <a:spcPts val="0"/>
+              </a:spcBef>
+              <a:spcAft>
+                <a:spcPts val="0"/>
+              </a:spcAft>
+              <a:buClrTx/>
+              <a:buSzTx/>
+              <a:buFontTx/>
+              <a:buNone/>
+              <a:tabLst/>
+              <a:defRPr/>
+            </a:pPr>
+            <a:r>
+              <a:rPr lang="en-US" i="1">
+                <a:solidFill>
+                  <a:srgbClr val="8C8C8C"/>
+                </a:solidFill>
+                <a:effectLst/>
+              </a:rPr>
+              <a:t>we put the focus on what it is that we're testing, and not the setup of the test</a:t>
+            </a:r>
+            <a:endParaRPr lang="en-US">
+              <a:solidFill>
+                <a:srgbClr val="080808"/>
+              </a:solidFill>
+              <a:effectLst/>
+            </a:endParaRPr>
+          </a:p>
+          <a:p>
+            <a:endParaRPr lang="en-US"/>
+          </a:p>
+        </p:txBody>
+      </p:sp>
+      <p:sp>
+        <p:nvSpPr>
+          <p:cNvPr id="4" name="Slide Number Placeholder 3"/>
+          <p:cNvSpPr>
+            <a:spLocks noGrp="1"/>
+          </p:cNvSpPr>
+          <p:nvPr>
+            <p:ph type="sldNum" sz="quarter" idx="5"/>
+          </p:nvPr>
+        </p:nvSpPr>
+        <p:spPr/>
+        <p:txBody>
+          <a:bodyPr/>
+          <a:lstStyle/>
+          <a:p>
+            <a:fld id="{FC5BBC2B-72B0-2542-8213-717906F3F32B}" type="slidenum">
+              <a:rPr lang="en-US" smtClean="0"/>
+              <a:t>8</a:t>
+            </a:fld>
+            <a:endParaRPr lang="en-US"/>
+          </a:p>
+        </p:txBody>
+      </p:sp>
+    </p:spTree>
+    <p:extLst>
+      <p:ext uri="{BB962C8B-B14F-4D97-AF65-F5344CB8AC3E}">
+        <p14:creationId xmlns:p14="http://schemas.microsoft.com/office/powerpoint/2010/main" val="2955327855"/>
+      </p:ext>
+    </p:extLst>
+  </p:cSld>
+  <p:clrMapOvr>
+    <a:masterClrMapping/>
+  </p:clrMapOvr>
+</p:notes>
+</file>
+
+<file path=ppt/notesSlides/notesSlide4.xml><?xml version="1.0" encoding="utf-8"?>
 <p:notes xmlns:a="http://schemas.openxmlformats.org/drawingml/2006/main" xmlns:r="http://schemas.openxmlformats.org/officeDocument/2006/relationships" xmlns:p="http://schemas.openxmlformats.org/presentationml/2006/main">
   <p:cSld>
     <p:spTree>
@@ -2321,7 +2553,7 @@
 </p:notes>
 </file>
 
-<file path=ppt/notesSlides/notesSlide4.xml><?xml version="1.0" encoding="utf-8"?>
+<file path=ppt/notesSlides/notesSlide5.xml><?xml version="1.0" encoding="utf-8"?>
 <p:notes xmlns:a="http://schemas.openxmlformats.org/drawingml/2006/main" xmlns:r="http://schemas.openxmlformats.org/officeDocument/2006/relationships" xmlns:p="http://schemas.openxmlformats.org/presentationml/2006/main">
   <p:cSld>
     <p:spTree>
@@ -2429,7 +2661,7 @@
 </p:notes>
 </file>
 
-<file path=ppt/notesSlides/notesSlide5.xml><?xml version="1.0" encoding="utf-8"?>
+<file path=ppt/notesSlides/notesSlide6.xml><?xml version="1.0" encoding="utf-8"?>
 <p:notes xmlns:a="http://schemas.openxmlformats.org/drawingml/2006/main" xmlns:r="http://schemas.openxmlformats.org/officeDocument/2006/relationships" xmlns:p="http://schemas.openxmlformats.org/presentationml/2006/main">
   <p:cSld>
     <p:spTree>
@@ -2537,7 +2769,7 @@
 </p:notes>
 </file>
 
-<file path=ppt/notesSlides/notesSlide6.xml><?xml version="1.0" encoding="utf-8"?>
+<file path=ppt/notesSlides/notesSlide7.xml><?xml version="1.0" encoding="utf-8"?>
 <p:notes xmlns:a="http://schemas.openxmlformats.org/drawingml/2006/main" xmlns:r="http://schemas.openxmlformats.org/officeDocument/2006/relationships" xmlns:p="http://schemas.openxmlformats.org/presentationml/2006/main">
   <p:cSld>
     <p:spTree>
@@ -2624,7 +2856,7 @@
 </p:notes>
 </file>
 
-<file path=ppt/notesSlides/notesSlide7.xml><?xml version="1.0" encoding="utf-8"?>
+<file path=ppt/notesSlides/notesSlide8.xml><?xml version="1.0" encoding="utf-8"?>
 <p:notes xmlns:a="http://schemas.openxmlformats.org/drawingml/2006/main" xmlns:r="http://schemas.openxmlformats.org/officeDocument/2006/relationships" xmlns:p="http://schemas.openxmlformats.org/presentationml/2006/main">
   <p:cSld>
     <p:spTree>
@@ -2735,7 +2967,7 @@
 </p:notes>
 </file>
 
-<file path=ppt/notesSlides/notesSlide8.xml><?xml version="1.0" encoding="utf-8"?>
+<file path=ppt/notesSlides/notesSlide9.xml><?xml version="1.0" encoding="utf-8"?>
 <p:notes xmlns:a="http://schemas.openxmlformats.org/drawingml/2006/main" xmlns:r="http://schemas.openxmlformats.org/officeDocument/2006/relationships" xmlns:p="http://schemas.openxmlformats.org/presentationml/2006/main">
   <p:cSld>
     <p:spTree>
@@ -2834,114 +3066,6 @@
     <p:extLst>
       <p:ext uri="{BB962C8B-B14F-4D97-AF65-F5344CB8AC3E}">
         <p14:creationId xmlns:p14="http://schemas.microsoft.com/office/powerpoint/2010/main" val="3121600577"/>
-      </p:ext>
-    </p:extLst>
-  </p:cSld>
-  <p:clrMapOvr>
-    <a:masterClrMapping/>
-  </p:clrMapOvr>
-</p:notes>
-</file>
-
-<file path=ppt/notesSlides/notesSlide9.xml><?xml version="1.0" encoding="utf-8"?>
-<p:notes xmlns:a="http://schemas.openxmlformats.org/drawingml/2006/main" xmlns:r="http://schemas.openxmlformats.org/officeDocument/2006/relationships" xmlns:p="http://schemas.openxmlformats.org/presentationml/2006/main">
-  <p:cSld>
-    <p:spTree>
-      <p:nvGrpSpPr>
-        <p:cNvPr id="1" name="">
-          <a:extLst>
-            <a:ext uri="{FF2B5EF4-FFF2-40B4-BE49-F238E27FC236}">
-              <a16:creationId xmlns:a16="http://schemas.microsoft.com/office/drawing/2014/main" id="{6771BDD3-1954-AE79-C148-7F69B543C073}"/>
-            </a:ext>
-          </a:extLst>
-        </p:cNvPr>
-        <p:cNvGrpSpPr/>
-        <p:nvPr/>
-      </p:nvGrpSpPr>
-      <p:grpSpPr>
-        <a:xfrm>
-          <a:off x="0" y="0"/>
-          <a:ext cx="0" cy="0"/>
-          <a:chOff x="0" y="0"/>
-          <a:chExt cx="0" cy="0"/>
-        </a:xfrm>
-      </p:grpSpPr>
-      <p:sp>
-        <p:nvSpPr>
-          <p:cNvPr id="2" name="Slide Image Placeholder 1">
-            <a:extLst>
-              <a:ext uri="{FF2B5EF4-FFF2-40B4-BE49-F238E27FC236}">
-                <a16:creationId xmlns:a16="http://schemas.microsoft.com/office/drawing/2014/main" id="{794B5943-AA33-BEF4-3100-93A9E51EA248}"/>
-              </a:ext>
-            </a:extLst>
-          </p:cNvPr>
-          <p:cNvSpPr>
-            <a:spLocks noGrp="1" noRot="1" noChangeAspect="1"/>
-          </p:cNvSpPr>
-          <p:nvPr>
-            <p:ph type="sldImg"/>
-          </p:nvPr>
-        </p:nvSpPr>
-        <p:spPr/>
-      </p:sp>
-      <p:sp>
-        <p:nvSpPr>
-          <p:cNvPr id="3" name="Notes Placeholder 2">
-            <a:extLst>
-              <a:ext uri="{FF2B5EF4-FFF2-40B4-BE49-F238E27FC236}">
-                <a16:creationId xmlns:a16="http://schemas.microsoft.com/office/drawing/2014/main" id="{7F4A7CE2-A51F-95D0-458E-4F149E776A82}"/>
-              </a:ext>
-            </a:extLst>
-          </p:cNvPr>
-          <p:cNvSpPr>
-            <a:spLocks noGrp="1"/>
-          </p:cNvSpPr>
-          <p:nvPr>
-            <p:ph type="body" idx="1"/>
-          </p:nvPr>
-        </p:nvSpPr>
-        <p:spPr/>
-        <p:txBody>
-          <a:bodyPr/>
-          <a:lstStyle/>
-          <a:p>
-            <a:endParaRPr lang="en-US"/>
-          </a:p>
-        </p:txBody>
-      </p:sp>
-      <p:sp>
-        <p:nvSpPr>
-          <p:cNvPr id="4" name="Slide Number Placeholder 3">
-            <a:extLst>
-              <a:ext uri="{FF2B5EF4-FFF2-40B4-BE49-F238E27FC236}">
-                <a16:creationId xmlns:a16="http://schemas.microsoft.com/office/drawing/2014/main" id="{A93C541A-0E80-1D79-01D0-CE09DDD43EAE}"/>
-              </a:ext>
-            </a:extLst>
-          </p:cNvPr>
-          <p:cNvSpPr>
-            <a:spLocks noGrp="1"/>
-          </p:cNvSpPr>
-          <p:nvPr>
-            <p:ph type="sldNum" sz="quarter" idx="5"/>
-          </p:nvPr>
-        </p:nvSpPr>
-        <p:spPr/>
-        <p:txBody>
-          <a:bodyPr/>
-          <a:lstStyle/>
-          <a:p>
-            <a:fld id="{FC5BBC2B-72B0-2542-8213-717906F3F32B}" type="slidenum">
-              <a:rPr lang="en-US" smtClean="0"/>
-              <a:t>21</a:t>
-            </a:fld>
-            <a:endParaRPr lang="en-US"/>
-          </a:p>
-        </p:txBody>
-      </p:sp>
-    </p:spTree>
-    <p:extLst>
-      <p:ext uri="{BB962C8B-B14F-4D97-AF65-F5344CB8AC3E}">
-        <p14:creationId xmlns:p14="http://schemas.microsoft.com/office/powerpoint/2010/main" val="3020680927"/>
       </p:ext>
     </p:extLst>
   </p:cSld>
@@ -3098,7 +3222,7 @@
           <a:p>
             <a:fld id="{75A66788-8C42-AF46-A5E8-A812D6157D58}" type="datetimeFigureOut">
               <a:rPr lang="en-US" smtClean="0"/>
-              <a:t>2/16/24</a:t>
+              <a:t>2/18/24</a:t>
             </a:fld>
             <a:endParaRPr lang="en-US"/>
           </a:p>
@@ -3296,7 +3420,7 @@
           <a:p>
             <a:fld id="{75A66788-8C42-AF46-A5E8-A812D6157D58}" type="datetimeFigureOut">
               <a:rPr lang="en-US" smtClean="0"/>
-              <a:t>2/16/24</a:t>
+              <a:t>2/18/24</a:t>
             </a:fld>
             <a:endParaRPr lang="en-US"/>
           </a:p>
@@ -3504,7 +3628,7 @@
           <a:p>
             <a:fld id="{75A66788-8C42-AF46-A5E8-A812D6157D58}" type="datetimeFigureOut">
               <a:rPr lang="en-US" smtClean="0"/>
-              <a:t>2/16/24</a:t>
+              <a:t>2/18/24</a:t>
             </a:fld>
             <a:endParaRPr lang="en-US"/>
           </a:p>
@@ -3702,7 +3826,7 @@
           <a:p>
             <a:fld id="{75A66788-8C42-AF46-A5E8-A812D6157D58}" type="datetimeFigureOut">
               <a:rPr lang="en-US" smtClean="0"/>
-              <a:t>2/16/24</a:t>
+              <a:t>2/18/24</a:t>
             </a:fld>
             <a:endParaRPr lang="en-US"/>
           </a:p>
@@ -3977,7 +4101,7 @@
           <a:p>
             <a:fld id="{75A66788-8C42-AF46-A5E8-A812D6157D58}" type="datetimeFigureOut">
               <a:rPr lang="en-US" smtClean="0"/>
-              <a:t>2/16/24</a:t>
+              <a:t>2/18/24</a:t>
             </a:fld>
             <a:endParaRPr lang="en-US"/>
           </a:p>
@@ -4242,7 +4366,7 @@
           <a:p>
             <a:fld id="{75A66788-8C42-AF46-A5E8-A812D6157D58}" type="datetimeFigureOut">
               <a:rPr lang="en-US" smtClean="0"/>
-              <a:t>2/16/24</a:t>
+              <a:t>2/18/24</a:t>
             </a:fld>
             <a:endParaRPr lang="en-US"/>
           </a:p>
@@ -4654,7 +4778,7 @@
           <a:p>
             <a:fld id="{75A66788-8C42-AF46-A5E8-A812D6157D58}" type="datetimeFigureOut">
               <a:rPr lang="en-US" smtClean="0"/>
-              <a:t>2/16/24</a:t>
+              <a:t>2/18/24</a:t>
             </a:fld>
             <a:endParaRPr lang="en-US"/>
           </a:p>
@@ -4795,7 +4919,7 @@
           <a:p>
             <a:fld id="{75A66788-8C42-AF46-A5E8-A812D6157D58}" type="datetimeFigureOut">
               <a:rPr lang="en-US" smtClean="0"/>
-              <a:t>2/16/24</a:t>
+              <a:t>2/18/24</a:t>
             </a:fld>
             <a:endParaRPr lang="en-US"/>
           </a:p>
@@ -4908,7 +5032,7 @@
           <a:p>
             <a:fld id="{75A66788-8C42-AF46-A5E8-A812D6157D58}" type="datetimeFigureOut">
               <a:rPr lang="en-US" smtClean="0"/>
-              <a:t>2/16/24</a:t>
+              <a:t>2/18/24</a:t>
             </a:fld>
             <a:endParaRPr lang="en-US"/>
           </a:p>
@@ -5219,7 +5343,7 @@
           <a:p>
             <a:fld id="{75A66788-8C42-AF46-A5E8-A812D6157D58}" type="datetimeFigureOut">
               <a:rPr lang="en-US" smtClean="0"/>
-              <a:t>2/16/24</a:t>
+              <a:t>2/18/24</a:t>
             </a:fld>
             <a:endParaRPr lang="en-US"/>
           </a:p>
@@ -5507,7 +5631,7 @@
           <a:p>
             <a:fld id="{75A66788-8C42-AF46-A5E8-A812D6157D58}" type="datetimeFigureOut">
               <a:rPr lang="en-US" smtClean="0"/>
-              <a:t>2/16/24</a:t>
+              <a:t>2/18/24</a:t>
             </a:fld>
             <a:endParaRPr lang="en-US"/>
           </a:p>
@@ -5748,7 +5872,7 @@
           <a:p>
             <a:fld id="{75A66788-8C42-AF46-A5E8-A812D6157D58}" type="datetimeFigureOut">
               <a:rPr lang="en-US" smtClean="0"/>
-              <a:t>2/16/24</a:t>
+              <a:t>2/18/24</a:t>
             </a:fld>
             <a:endParaRPr lang="en-US"/>
           </a:p>
@@ -10635,7 +10759,9 @@
               </a:rPr>
               <a:t>[Customer]: hi</a:t>
             </a:r>
-            <a:br>
+          </a:p>
+          <a:p>
+            <a:r>
               <a:rPr lang="en-US" sz="1200">
                 <a:solidFill>
                   <a:srgbClr val="080808"/>
@@ -10645,8 +10771,9 @@
                 <a:ea typeface="Fira Code" pitchFamily="49" charset="0"/>
                 <a:cs typeface="Fira Code" pitchFamily="49" charset="0"/>
               </a:rPr>
-            </a:br>
-            <a:r>
+              <a:t>[     Bot]: Hi there! I'm your virtual assistant.</a:t>
+            </a:r>
+            <a:br>
               <a:rPr lang="en-US" sz="1200">
                 <a:solidFill>
                   <a:srgbClr val="080808"/>
@@ -10656,9 +10783,8 @@
                 <a:ea typeface="Fira Code" pitchFamily="49" charset="0"/>
                 <a:cs typeface="Fira Code" pitchFamily="49" charset="0"/>
               </a:rPr>
-              <a:t>[     Bot]: Hi there! I'm your virtual assistant.</a:t>
-            </a:r>
-            <a:br>
+            </a:br>
+            <a:r>
               <a:rPr lang="en-US" sz="1200">
                 <a:solidFill>
                   <a:srgbClr val="080808"/>
@@ -10668,8 +10794,9 @@
                 <a:ea typeface="Fira Code" pitchFamily="49" charset="0"/>
                 <a:cs typeface="Fira Code" pitchFamily="49" charset="0"/>
               </a:rPr>
-            </a:br>
-            <a:r>
+              <a:t>[     Bot]: What would you like to do today?</a:t>
+            </a:r>
+            <a:br>
               <a:rPr lang="en-US" sz="1200">
                 <a:solidFill>
                   <a:srgbClr val="080808"/>
@@ -10679,9 +10806,8 @@
                 <a:ea typeface="Fira Code" pitchFamily="49" charset="0"/>
                 <a:cs typeface="Fira Code" pitchFamily="49" charset="0"/>
               </a:rPr>
-              <a:t>[     Bot]: What would you like to do today?</a:t>
-            </a:r>
-            <a:br>
+            </a:br>
+            <a:r>
               <a:rPr lang="en-US" sz="1200">
                 <a:solidFill>
                   <a:srgbClr val="080808"/>
@@ -10691,8 +10817,9 @@
                 <a:ea typeface="Fira Code" pitchFamily="49" charset="0"/>
                 <a:cs typeface="Fira Code" pitchFamily="49" charset="0"/>
               </a:rPr>
-            </a:br>
-            <a:r>
+              <a:t>[Customer]: hi</a:t>
+            </a:r>
+            <a:br>
               <a:rPr lang="en-US" sz="1200">
                 <a:solidFill>
                   <a:srgbClr val="080808"/>
@@ -10702,9 +10829,8 @@
                 <a:ea typeface="Fira Code" pitchFamily="49" charset="0"/>
                 <a:cs typeface="Fira Code" pitchFamily="49" charset="0"/>
               </a:rPr>
-              <a:t>[Customer]: hi</a:t>
-            </a:r>
-            <a:br>
+            </a:br>
+            <a:r>
               <a:rPr lang="en-US" sz="1200">
                 <a:solidFill>
                   <a:srgbClr val="080808"/>
@@ -10714,8 +10840,9 @@
                 <a:ea typeface="Fira Code" pitchFamily="49" charset="0"/>
                 <a:cs typeface="Fira Code" pitchFamily="49" charset="0"/>
               </a:rPr>
-            </a:br>
-            <a:r>
+              <a:t>[     Bot]: Hmmm, tell me a little more so I can help you.</a:t>
+            </a:r>
+            <a:br>
               <a:rPr lang="en-US" sz="1200">
                 <a:solidFill>
                   <a:srgbClr val="080808"/>
@@ -10725,9 +10852,8 @@
                 <a:ea typeface="Fira Code" pitchFamily="49" charset="0"/>
                 <a:cs typeface="Fira Code" pitchFamily="49" charset="0"/>
               </a:rPr>
-              <a:t>[     Bot]: Hmmm, tell me a little more so I can help you.</a:t>
-            </a:r>
-            <a:br>
+            </a:br>
+            <a:r>
               <a:rPr lang="en-US" sz="1200">
                 <a:solidFill>
                   <a:srgbClr val="080808"/>
@@ -10737,8 +10863,9 @@
                 <a:ea typeface="Fira Code" pitchFamily="49" charset="0"/>
                 <a:cs typeface="Fira Code" pitchFamily="49" charset="0"/>
               </a:rPr>
-            </a:br>
-            <a:r>
+              <a:t>[        ]: What would you like to do today?</a:t>
+            </a:r>
+            <a:br>
               <a:rPr lang="en-US" sz="1200">
                 <a:solidFill>
                   <a:srgbClr val="080808"/>
@@ -10748,9 +10875,8 @@
                 <a:ea typeface="Fira Code" pitchFamily="49" charset="0"/>
                 <a:cs typeface="Fira Code" pitchFamily="49" charset="0"/>
               </a:rPr>
-              <a:t>[        ]: What would you like to do today?</a:t>
-            </a:r>
-            <a:br>
+            </a:br>
+            <a:r>
               <a:rPr lang="en-US" sz="1200">
                 <a:solidFill>
                   <a:srgbClr val="080808"/>
@@ -10760,8 +10886,9 @@
                 <a:ea typeface="Fira Code" pitchFamily="49" charset="0"/>
                 <a:cs typeface="Fira Code" pitchFamily="49" charset="0"/>
               </a:rPr>
-            </a:br>
-            <a:r>
+              <a:t>[Customer]: hi</a:t>
+            </a:r>
+            <a:br>
               <a:rPr lang="en-US" sz="1200">
                 <a:solidFill>
                   <a:srgbClr val="080808"/>
@@ -10771,9 +10898,8 @@
                 <a:ea typeface="Fira Code" pitchFamily="49" charset="0"/>
                 <a:cs typeface="Fira Code" pitchFamily="49" charset="0"/>
               </a:rPr>
-              <a:t>[Customer]: hi</a:t>
-            </a:r>
-            <a:br>
+            </a:br>
+            <a:r>
               <a:rPr lang="en-US" sz="1200">
                 <a:solidFill>
                   <a:srgbClr val="080808"/>
@@ -10783,8 +10909,9 @@
                 <a:ea typeface="Fira Code" pitchFamily="49" charset="0"/>
                 <a:cs typeface="Fira Code" pitchFamily="49" charset="0"/>
               </a:rPr>
-            </a:br>
-            <a:r>
+              <a:t>[     Bot]: Let me try to help you.</a:t>
+            </a:r>
+            <a:br>
               <a:rPr lang="en-US" sz="1200">
                 <a:solidFill>
                   <a:srgbClr val="080808"/>
@@ -10794,9 +10921,8 @@
                 <a:ea typeface="Fira Code" pitchFamily="49" charset="0"/>
                 <a:cs typeface="Fira Code" pitchFamily="49" charset="0"/>
               </a:rPr>
-              <a:t>[     Bot]: Let me try to help you.</a:t>
-            </a:r>
-            <a:br>
+            </a:br>
+            <a:r>
               <a:rPr lang="en-US" sz="1200">
                 <a:solidFill>
                   <a:srgbClr val="080808"/>
@@ -10806,8 +10932,9 @@
                 <a:ea typeface="Fira Code" pitchFamily="49" charset="0"/>
                 <a:cs typeface="Fira Code" pitchFamily="49" charset="0"/>
               </a:rPr>
-            </a:br>
-            <a:r>
+              <a:t>[     Bot]: Are you a customer?</a:t>
+            </a:r>
+            <a:br>
               <a:rPr lang="en-US" sz="1200">
                 <a:solidFill>
                   <a:srgbClr val="080808"/>
@@ -10817,9 +10944,8 @@
                 <a:ea typeface="Fira Code" pitchFamily="49" charset="0"/>
                 <a:cs typeface="Fira Code" pitchFamily="49" charset="0"/>
               </a:rPr>
-              <a:t>[     Bot]: Are you a customer?</a:t>
-            </a:r>
-            <a:br>
+            </a:br>
+            <a:r>
               <a:rPr lang="en-US" sz="1200">
                 <a:solidFill>
                   <a:srgbClr val="080808"/>
@@ -10829,8 +10955,9 @@
                 <a:ea typeface="Fira Code" pitchFamily="49" charset="0"/>
                 <a:cs typeface="Fira Code" pitchFamily="49" charset="0"/>
               </a:rPr>
-            </a:br>
-            <a:r>
+              <a:t>[        ]:   1) Yes, I'm a customer</a:t>
+            </a:r>
+            <a:br>
               <a:rPr lang="en-US" sz="1200">
                 <a:solidFill>
                   <a:srgbClr val="080808"/>
@@ -10840,9 +10967,8 @@
                 <a:ea typeface="Fira Code" pitchFamily="49" charset="0"/>
                 <a:cs typeface="Fira Code" pitchFamily="49" charset="0"/>
               </a:rPr>
-              <a:t>[        ]:   1) Yes, I'm a customer</a:t>
-            </a:r>
-            <a:br>
+            </a:br>
+            <a:r>
               <a:rPr lang="en-US" sz="1200">
                 <a:solidFill>
                   <a:srgbClr val="080808"/>
@@ -10852,18 +10978,46 @@
                 <a:ea typeface="Fira Code" pitchFamily="49" charset="0"/>
                 <a:cs typeface="Fira Code" pitchFamily="49" charset="0"/>
               </a:rPr>
-            </a:br>
-            <a:r>
-              <a:rPr lang="en-US" sz="1200">
-                <a:solidFill>
-                  <a:srgbClr val="080808"/>
-                </a:solidFill>
-                <a:effectLst/>
-                <a:latin typeface="Fira Code" pitchFamily="49" charset="0"/>
-                <a:ea typeface="Fira Code" pitchFamily="49" charset="0"/>
-                <a:cs typeface="Fira Code" pitchFamily="49" charset="0"/>
-              </a:rPr>
               <a:t>[        ]:   2) No, I'm not</a:t>
+            </a:r>
+          </a:p>
+        </p:txBody>
+      </p:sp>
+      <p:sp>
+        <p:nvSpPr>
+          <p:cNvPr id="4" name="TextBox 3">
+            <a:extLst>
+              <a:ext uri="{FF2B5EF4-FFF2-40B4-BE49-F238E27FC236}">
+                <a16:creationId xmlns:a16="http://schemas.microsoft.com/office/drawing/2014/main" id="{6DFE6258-8D69-96B4-1F2F-F84C5C72F778}"/>
+              </a:ext>
+            </a:extLst>
+          </p:cNvPr>
+          <p:cNvSpPr txBox="1"/>
+          <p:nvPr/>
+        </p:nvSpPr>
+        <p:spPr>
+          <a:xfrm>
+            <a:off x="8074152" y="6419088"/>
+            <a:ext cx="2991845" cy="369332"/>
+          </a:xfrm>
+          <a:prstGeom prst="rect">
+            <a:avLst/>
+          </a:prstGeom>
+          <a:noFill/>
+        </p:spPr>
+        <p:txBody>
+          <a:bodyPr wrap="none" rtlCol="0">
+            <a:spAutoFit/>
+          </a:bodyPr>
+          <a:lstStyle/>
+          <a:p>
+            <a:r>
+              <a:rPr lang="en-US">
+                <a:solidFill>
+                  <a:srgbClr val="FF0000"/>
+                </a:solidFill>
+              </a:rPr>
+              <a:t>Try more spacing – new lines?</a:t>
             </a:r>
           </a:p>
         </p:txBody>
@@ -12851,6 +13005,84 @@
           </p:txBody>
         </p:sp>
       </p:grpSp>
+      <p:sp>
+        <p:nvSpPr>
+          <p:cNvPr id="2" name="TextBox 1">
+            <a:extLst>
+              <a:ext uri="{FF2B5EF4-FFF2-40B4-BE49-F238E27FC236}">
+                <a16:creationId xmlns:a16="http://schemas.microsoft.com/office/drawing/2014/main" id="{72CE86A9-E530-29C9-1895-8E034A194C9F}"/>
+              </a:ext>
+            </a:extLst>
+          </p:cNvPr>
+          <p:cNvSpPr txBox="1"/>
+          <p:nvPr/>
+        </p:nvSpPr>
+        <p:spPr>
+          <a:xfrm>
+            <a:off x="5777000" y="6178705"/>
+            <a:ext cx="6250237" cy="369332"/>
+          </a:xfrm>
+          <a:prstGeom prst="rect">
+            <a:avLst/>
+          </a:prstGeom>
+          <a:noFill/>
+        </p:spPr>
+        <p:txBody>
+          <a:bodyPr wrap="none" rtlCol="0">
+            <a:spAutoFit/>
+          </a:bodyPr>
+          <a:lstStyle/>
+          <a:p>
+            <a:r>
+              <a:rPr lang="en-US">
+                <a:solidFill>
+                  <a:srgbClr val="FF0000"/>
+                </a:solidFill>
+              </a:rPr>
+              <a:t>Should we bring a point that testing json here is testing 2 things?</a:t>
+            </a:r>
+          </a:p>
+        </p:txBody>
+      </p:sp>
+      <p:sp>
+        <p:nvSpPr>
+          <p:cNvPr id="3" name="TextBox 2">
+            <a:extLst>
+              <a:ext uri="{FF2B5EF4-FFF2-40B4-BE49-F238E27FC236}">
+                <a16:creationId xmlns:a16="http://schemas.microsoft.com/office/drawing/2014/main" id="{ED977C48-40E8-611F-DD68-DAE8B3547C79}"/>
+              </a:ext>
+            </a:extLst>
+          </p:cNvPr>
+          <p:cNvSpPr txBox="1"/>
+          <p:nvPr/>
+        </p:nvSpPr>
+        <p:spPr>
+          <a:xfrm>
+            <a:off x="5777000" y="5809373"/>
+            <a:ext cx="4021165" cy="369332"/>
+          </a:xfrm>
+          <a:prstGeom prst="rect">
+            <a:avLst/>
+          </a:prstGeom>
+          <a:noFill/>
+        </p:spPr>
+        <p:txBody>
+          <a:bodyPr wrap="none" rtlCol="0">
+            <a:spAutoFit/>
+          </a:bodyPr>
+          <a:lstStyle/>
+          <a:p>
+            <a:r>
+              <a:rPr lang="en-US">
+                <a:solidFill>
+                  <a:srgbClr val="FF0000"/>
+                </a:solidFill>
+              </a:rPr>
+              <a:t>this is different tests – might not be clear</a:t>
+            </a:r>
+          </a:p>
+        </p:txBody>
+      </p:sp>
     </p:spTree>
     <p:extLst>
       <p:ext uri="{BB962C8B-B14F-4D97-AF65-F5344CB8AC3E}">
@@ -14935,7 +15167,12 @@
             <p:ph idx="1"/>
           </p:nvPr>
         </p:nvSpPr>
-        <p:spPr/>
+        <p:spPr>
+          <a:xfrm>
+            <a:off x="3398520" y="2554160"/>
+            <a:ext cx="5900928" cy="2444623"/>
+          </a:xfrm>
+        </p:spPr>
         <p:txBody>
           <a:bodyPr/>
           <a:lstStyle/>
@@ -14957,6 +15194,35 @@
               <a:t>until they see what they don’t.”</a:t>
             </a:r>
           </a:p>
+        </p:txBody>
+      </p:sp>
+      <p:sp>
+        <p:nvSpPr>
+          <p:cNvPr id="4" name="TextBox 3">
+            <a:extLst>
+              <a:ext uri="{FF2B5EF4-FFF2-40B4-BE49-F238E27FC236}">
+                <a16:creationId xmlns:a16="http://schemas.microsoft.com/office/drawing/2014/main" id="{780CFB4D-C420-10A0-7C91-09A9F0D9254F}"/>
+              </a:ext>
+            </a:extLst>
+          </p:cNvPr>
+          <p:cNvSpPr txBox="1"/>
+          <p:nvPr/>
+        </p:nvSpPr>
+        <p:spPr>
+          <a:xfrm>
+            <a:off x="6979158" y="3776471"/>
+            <a:ext cx="1917954" cy="369332"/>
+          </a:xfrm>
+          <a:prstGeom prst="rect">
+            <a:avLst/>
+          </a:prstGeom>
+          <a:noFill/>
+        </p:spPr>
+        <p:txBody>
+          <a:bodyPr wrap="square">
+            <a:spAutoFit/>
+          </a:bodyPr>
+          <a:lstStyle/>
           <a:p>
             <a:pPr marL="0" indent="0">
               <a:buNone/>
@@ -18089,20 +18355,25 @@
             <p:ph idx="1"/>
           </p:nvPr>
         </p:nvSpPr>
-        <p:spPr/>
+        <p:spPr>
+          <a:xfrm>
+            <a:off x="838200" y="1825625"/>
+            <a:ext cx="10856976" cy="4351338"/>
+          </a:xfrm>
+        </p:spPr>
         <p:txBody>
           <a:bodyPr/>
           <a:lstStyle/>
           <a:p>
             <a:r>
               <a:rPr lang="en-US"/>
-              <a:t>Lada: lead developer working on the message bot application</a:t>
+              <a:t>Lada: lead developer working on the messaging bot application</a:t>
             </a:r>
           </a:p>
           <a:p>
             <a:r>
               <a:rPr lang="en-US"/>
-              <a:t>Llewellyn: technical coach working with Lada and work on some tests</a:t>
+              <a:t>Llewellyn: technical coach working with Lada and working on some tests</a:t>
             </a:r>
           </a:p>
           <a:p>
@@ -18916,6 +19187,55 @@
           <a:p>
             <a:pPr algn="r"/>
             <a:endParaRPr lang="en-US"/>
+          </a:p>
+        </p:txBody>
+      </p:sp>
+      <p:sp>
+        <p:nvSpPr>
+          <p:cNvPr id="3" name="TextBox 2">
+            <a:extLst>
+              <a:ext uri="{FF2B5EF4-FFF2-40B4-BE49-F238E27FC236}">
+                <a16:creationId xmlns:a16="http://schemas.microsoft.com/office/drawing/2014/main" id="{B8E86DAE-270F-15AE-B59E-5FF7869A4BD5}"/>
+              </a:ext>
+            </a:extLst>
+          </p:cNvPr>
+          <p:cNvSpPr txBox="1"/>
+          <p:nvPr/>
+        </p:nvSpPr>
+        <p:spPr>
+          <a:xfrm>
+            <a:off x="8211312" y="6211669"/>
+            <a:ext cx="3332451" cy="646331"/>
+          </a:xfrm>
+          <a:prstGeom prst="rect">
+            <a:avLst/>
+          </a:prstGeom>
+          <a:noFill/>
+        </p:spPr>
+        <p:txBody>
+          <a:bodyPr wrap="none" rtlCol="0">
+            <a:spAutoFit/>
+          </a:bodyPr>
+          <a:lstStyle/>
+          <a:p>
+            <a:r>
+              <a:rPr lang="en-US">
+                <a:solidFill>
+                  <a:srgbClr val="FF0000"/>
+                </a:solidFill>
+              </a:rPr>
+              <a:t>Do animation here?</a:t>
+            </a:r>
+          </a:p>
+          <a:p>
+            <a:r>
+              <a:rPr lang="en-US">
+                <a:solidFill>
+                  <a:srgbClr val="FF0000"/>
+                </a:solidFill>
+              </a:rPr>
+              <a:t>Keep it in case code is not around</a:t>
+            </a:r>
           </a:p>
         </p:txBody>
       </p:sp>

--- a/slides/Testing Better with Approvals.pptx
+++ b/slides/Testing Better with Approvals.pptx
@@ -14,10 +14,10 @@
     <p:sldId id="324" r:id="rId5"/>
     <p:sldId id="303" r:id="rId6"/>
     <p:sldId id="307" r:id="rId7"/>
-    <p:sldId id="283" r:id="rId8"/>
-    <p:sldId id="325" r:id="rId9"/>
-    <p:sldId id="332" r:id="rId10"/>
-    <p:sldId id="293" r:id="rId11"/>
+    <p:sldId id="325" r:id="rId8"/>
+    <p:sldId id="332" r:id="rId9"/>
+    <p:sldId id="293" r:id="rId10"/>
+    <p:sldId id="283" r:id="rId11"/>
     <p:sldId id="326" r:id="rId12"/>
     <p:sldId id="327" r:id="rId13"/>
     <p:sldId id="328" r:id="rId14"/>
@@ -171,10 +171,10 @@
           <p14:sldIdLst>
             <p14:sldId id="303"/>
             <p14:sldId id="307"/>
-            <p14:sldId id="283"/>
             <p14:sldId id="325"/>
             <p14:sldId id="332"/>
             <p14:sldId id="293"/>
+            <p14:sldId id="283"/>
             <p14:sldId id="326"/>
             <p14:sldId id="327"/>
             <p14:sldId id="328"/>
@@ -2634,7 +2634,7 @@
           <a:p>
             <a:fld id="{FC5BBC2B-72B0-2542-8213-717906F3F32B}" type="slidenum">
               <a:rPr lang="en-US" smtClean="0"/>
-              <a:t>7</a:t>
+              <a:t>10</a:t>
             </a:fld>
             <a:endParaRPr lang="en-US"/>
           </a:p>
@@ -6580,217 +6580,73 @@
       </p:grpSpPr>
       <p:sp>
         <p:nvSpPr>
-          <p:cNvPr id="3" name="Curved Down Arrow 2"/>
+          <p:cNvPr id="5" name="Rounded Rectangle 4">
+            <a:extLst>
+              <a:ext uri="{FF2B5EF4-FFF2-40B4-BE49-F238E27FC236}">
+                <a16:creationId xmlns:a16="http://schemas.microsoft.com/office/drawing/2014/main" id="{BBFEEA9E-2477-D7C7-4CA4-1C8CD1A66441}"/>
+              </a:ext>
+            </a:extLst>
+          </p:cNvPr>
           <p:cNvSpPr/>
           <p:nvPr/>
         </p:nvSpPr>
-        <p:spPr bwMode="auto">
-          <a:xfrm rot="16200000">
-            <a:off x="2633387" y="3179948"/>
-            <a:ext cx="2718871" cy="1219200"/>
+        <p:spPr>
+          <a:xfrm>
+            <a:off x="3218688" y="1793116"/>
+            <a:ext cx="4937760" cy="3016628"/>
           </a:xfrm>
-          <a:prstGeom prst="curvedDownArrow">
-            <a:avLst/>
+          <a:prstGeom prst="roundRect">
+            <a:avLst>
+              <a:gd name="adj" fmla="val 5778"/>
+            </a:avLst>
           </a:prstGeom>
-          <a:ln>
-            <a:headEnd type="none" w="med" len="med"/>
-            <a:tailEnd type="none" w="med" len="med"/>
-          </a:ln>
+          <a:solidFill>
+            <a:schemeClr val="bg1">
+              <a:lumMod val="85000"/>
+            </a:schemeClr>
+          </a:solidFill>
         </p:spPr>
         <p:style>
           <a:lnRef idx="2">
-            <a:schemeClr val="dk1"/>
+            <a:schemeClr val="accent1">
+              <a:shade val="15000"/>
+            </a:schemeClr>
           </a:lnRef>
           <a:fillRef idx="1">
-            <a:schemeClr val="lt1"/>
+            <a:schemeClr val="accent1"/>
           </a:fillRef>
           <a:effectRef idx="0">
-            <a:schemeClr val="dk1"/>
+            <a:schemeClr val="accent1"/>
           </a:effectRef>
           <a:fontRef idx="minor">
-            <a:schemeClr val="dk1"/>
+            <a:schemeClr val="lt1"/>
           </a:fontRef>
         </p:style>
         <p:txBody>
-          <a:bodyPr vert="horz" wrap="square" lIns="121920" tIns="60960" rIns="121920" bIns="60960" numCol="1" rtlCol="0" anchor="t" anchorCtr="0" compatLnSpc="1">
-            <a:prstTxWarp prst="textNoShape">
-              <a:avLst/>
-            </a:prstTxWarp>
-          </a:bodyPr>
+          <a:bodyPr rtlCol="0" anchor="ctr"/>
           <a:lstStyle/>
           <a:p>
-            <a:pPr defTabSz="1219170" eaLnBrk="0" fontAlgn="base" hangingPunct="0">
-              <a:spcBef>
-                <a:spcPct val="0"/>
-              </a:spcBef>
-              <a:spcAft>
-                <a:spcPct val="0"/>
-              </a:spcAft>
-            </a:pPr>
-            <a:endParaRPr lang="en-US" sz="3200" b="1">
-              <a:solidFill>
-                <a:schemeClr val="tx1"/>
-              </a:solidFill>
-              <a:latin typeface="Arial" charset="0"/>
-            </a:endParaRPr>
+            <a:pPr algn="ctr"/>
+            <a:endParaRPr lang="en-US"/>
           </a:p>
         </p:txBody>
       </p:sp>
       <p:sp>
         <p:nvSpPr>
-          <p:cNvPr id="4" name="Curved Down Arrow 3"/>
-          <p:cNvSpPr/>
-          <p:nvPr/>
-        </p:nvSpPr>
-        <p:spPr bwMode="auto">
-          <a:xfrm rot="5400000">
-            <a:off x="6591606" y="3179949"/>
-            <a:ext cx="2718871" cy="1219200"/>
-          </a:xfrm>
-          <a:prstGeom prst="curvedDownArrow">
-            <a:avLst/>
-          </a:prstGeom>
-          <a:ln>
-            <a:headEnd type="none" w="med" len="med"/>
-            <a:tailEnd type="none" w="med" len="med"/>
-          </a:ln>
-        </p:spPr>
-        <p:style>
-          <a:lnRef idx="2">
-            <a:schemeClr val="dk1"/>
-          </a:lnRef>
-          <a:fillRef idx="1">
-            <a:schemeClr val="lt1"/>
-          </a:fillRef>
-          <a:effectRef idx="0">
-            <a:schemeClr val="dk1"/>
-          </a:effectRef>
-          <a:fontRef idx="minor">
-            <a:schemeClr val="dk1"/>
-          </a:fontRef>
-        </p:style>
-        <p:txBody>
-          <a:bodyPr vert="horz" wrap="square" lIns="121920" tIns="60960" rIns="121920" bIns="60960" numCol="1" rtlCol="0" anchor="t" anchorCtr="0" compatLnSpc="1">
-            <a:prstTxWarp prst="textNoShape">
-              <a:avLst/>
-            </a:prstTxWarp>
-          </a:bodyPr>
-          <a:lstStyle/>
-          <a:p>
-            <a:pPr defTabSz="1219170" eaLnBrk="0" fontAlgn="base" hangingPunct="0">
-              <a:spcBef>
-                <a:spcPct val="0"/>
-              </a:spcBef>
-              <a:spcAft>
-                <a:spcPct val="0"/>
-              </a:spcAft>
-            </a:pPr>
-            <a:endParaRPr lang="en-US" sz="3200" b="1">
-              <a:solidFill>
-                <a:schemeClr val="tx1"/>
-              </a:solidFill>
-              <a:latin typeface="Arial" charset="0"/>
-            </a:endParaRPr>
-          </a:p>
-        </p:txBody>
-      </p:sp>
-      <p:sp>
-        <p:nvSpPr>
-          <p:cNvPr id="5" name="Curved Down Arrow 4"/>
-          <p:cNvSpPr/>
-          <p:nvPr/>
-        </p:nvSpPr>
-        <p:spPr bwMode="auto">
-          <a:xfrm>
-            <a:off x="4622573" y="1217784"/>
-            <a:ext cx="2718871" cy="1219200"/>
-          </a:xfrm>
-          <a:prstGeom prst="curvedDownArrow">
-            <a:avLst/>
-          </a:prstGeom>
-          <a:ln>
-            <a:headEnd type="none" w="med" len="med"/>
-            <a:tailEnd type="none" w="med" len="med"/>
-          </a:ln>
-        </p:spPr>
-        <p:style>
-          <a:lnRef idx="2">
-            <a:schemeClr val="dk1"/>
-          </a:lnRef>
-          <a:fillRef idx="1">
-            <a:schemeClr val="lt1"/>
-          </a:fillRef>
-          <a:effectRef idx="0">
-            <a:schemeClr val="dk1"/>
-          </a:effectRef>
-          <a:fontRef idx="minor">
-            <a:schemeClr val="dk1"/>
-          </a:fontRef>
-        </p:style>
-        <p:txBody>
-          <a:bodyPr vert="horz" wrap="square" lIns="121920" tIns="60960" rIns="121920" bIns="60960" numCol="1" rtlCol="0" anchor="t" anchorCtr="0" compatLnSpc="1">
-            <a:prstTxWarp prst="textNoShape">
-              <a:avLst/>
-            </a:prstTxWarp>
-          </a:bodyPr>
-          <a:lstStyle/>
-          <a:p>
-            <a:pPr defTabSz="1219170" eaLnBrk="0" fontAlgn="base" hangingPunct="0">
-              <a:spcBef>
-                <a:spcPct val="0"/>
-              </a:spcBef>
-              <a:spcAft>
-                <a:spcPct val="0"/>
-              </a:spcAft>
-            </a:pPr>
-            <a:endParaRPr lang="en-US" sz="3200" b="1">
-              <a:solidFill>
-                <a:schemeClr val="tx1"/>
-              </a:solidFill>
-              <a:latin typeface="Arial" charset="0"/>
-            </a:endParaRPr>
-          </a:p>
-        </p:txBody>
-      </p:sp>
-      <p:sp>
-        <p:nvSpPr>
-          <p:cNvPr id="6" name="TextBox 5"/>
+          <p:cNvPr id="3" name="TextBox 2">
+            <a:extLst>
+              <a:ext uri="{FF2B5EF4-FFF2-40B4-BE49-F238E27FC236}">
+                <a16:creationId xmlns:a16="http://schemas.microsoft.com/office/drawing/2014/main" id="{5079FBDA-242C-0B58-2C06-3662E6CB21A6}"/>
+              </a:ext>
+            </a:extLst>
+          </p:cNvPr>
           <p:cNvSpPr txBox="1"/>
           <p:nvPr/>
         </p:nvSpPr>
         <p:spPr>
           <a:xfrm>
-            <a:off x="7315200" y="1905001"/>
-            <a:ext cx="1497760" cy="461665"/>
-          </a:xfrm>
-          <a:prstGeom prst="rect">
-            <a:avLst/>
-          </a:prstGeom>
-          <a:noFill/>
-        </p:spPr>
-        <p:txBody>
-          <a:bodyPr wrap="square" rtlCol="0">
-            <a:spAutoFit/>
-          </a:bodyPr>
-          <a:lstStyle/>
-          <a:p>
-            <a:r>
-              <a:rPr lang="en-US" sz="2400" dirty="0"/>
-              <a:t>English</a:t>
-            </a:r>
-          </a:p>
-        </p:txBody>
-      </p:sp>
-      <p:sp>
-        <p:nvSpPr>
-          <p:cNvPr id="7" name="TextBox 6"/>
-          <p:cNvSpPr txBox="1"/>
-          <p:nvPr/>
-        </p:nvSpPr>
-        <p:spPr>
-          <a:xfrm>
-            <a:off x="7341442" y="5107678"/>
-            <a:ext cx="825867" cy="461665"/>
+            <a:off x="6682213" y="2595434"/>
+            <a:ext cx="1234632" cy="646331"/>
           </a:xfrm>
           <a:prstGeom prst="rect">
             <a:avLst/>
@@ -6803,23 +6659,47 @@
           </a:bodyPr>
           <a:lstStyle/>
           <a:p>
-            <a:r>
-              <a:rPr lang="en-US" sz="2400" dirty="0"/>
-              <a:t>Code</a:t>
+            <a:pPr algn="r"/>
+            <a:r>
+              <a:rPr lang="en-US">
+                <a:solidFill>
+                  <a:srgbClr val="080808"/>
+                </a:solidFill>
+                <a:effectLst/>
+              </a:rPr>
+              <a:t>[Customer]</a:t>
+            </a:r>
+          </a:p>
+          <a:p>
+            <a:pPr algn="r"/>
+            <a:r>
+              <a:rPr lang="en-US">
+                <a:solidFill>
+                  <a:srgbClr val="080808"/>
+                </a:solidFill>
+                <a:effectLst/>
+              </a:rPr>
+              <a:t>hi</a:t>
             </a:r>
           </a:p>
         </p:txBody>
       </p:sp>
       <p:sp>
         <p:nvSpPr>
-          <p:cNvPr id="8" name="TextBox 7"/>
+          <p:cNvPr id="10" name="TextBox 9">
+            <a:extLst>
+              <a:ext uri="{FF2B5EF4-FFF2-40B4-BE49-F238E27FC236}">
+                <a16:creationId xmlns:a16="http://schemas.microsoft.com/office/drawing/2014/main" id="{728F629A-9BAE-8B62-70AE-F374671AFD4F}"/>
+              </a:ext>
+            </a:extLst>
+          </p:cNvPr>
           <p:cNvSpPr txBox="1"/>
           <p:nvPr/>
         </p:nvSpPr>
         <p:spPr>
           <a:xfrm>
-            <a:off x="3556000" y="5170319"/>
-            <a:ext cx="1026216" cy="461665"/>
+            <a:off x="3447288" y="2002540"/>
+            <a:ext cx="1271016" cy="722372"/>
           </a:xfrm>
           <a:prstGeom prst="rect">
             <a:avLst/>
@@ -6827,519 +6707,38 @@
           <a:noFill/>
         </p:spPr>
         <p:txBody>
-          <a:bodyPr wrap="square" rtlCol="0">
+          <a:bodyPr wrap="square">
             <a:spAutoFit/>
           </a:bodyPr>
           <a:lstStyle/>
           <a:p>
             <a:r>
-              <a:rPr lang="en-US" sz="2400" dirty="0"/>
-              <a:t>Result</a:t>
+              <a:rPr lang="en-US" sz="4000" b="1">
+                <a:solidFill>
+                  <a:schemeClr val="bg1"/>
+                </a:solidFill>
+              </a:rPr>
+              <a:t>Chat</a:t>
             </a:r>
           </a:p>
         </p:txBody>
       </p:sp>
       <p:sp>
         <p:nvSpPr>
-          <p:cNvPr id="9" name="TextBox 8"/>
+          <p:cNvPr id="4" name="TextBox 3">
+            <a:extLst>
+              <a:ext uri="{FF2B5EF4-FFF2-40B4-BE49-F238E27FC236}">
+                <a16:creationId xmlns:a16="http://schemas.microsoft.com/office/drawing/2014/main" id="{878989FB-36B9-C3FE-C716-508EC8621F48}"/>
+              </a:ext>
+            </a:extLst>
+          </p:cNvPr>
           <p:cNvSpPr txBox="1"/>
           <p:nvPr/>
         </p:nvSpPr>
         <p:spPr>
           <a:xfrm>
-            <a:off x="2844799" y="1923033"/>
-            <a:ext cx="1777772" cy="461665"/>
-          </a:xfrm>
-          <a:prstGeom prst="rect">
-            <a:avLst/>
-          </a:prstGeom>
-          <a:noFill/>
-        </p:spPr>
-        <p:txBody>
-          <a:bodyPr wrap="square" rtlCol="0">
-            <a:spAutoFit/>
-          </a:bodyPr>
-          <a:lstStyle/>
-          <a:p>
-            <a:r>
-              <a:rPr lang="en-US" sz="2400" dirty="0"/>
-              <a:t>Whiteboard</a:t>
-            </a:r>
-          </a:p>
-        </p:txBody>
-      </p:sp>
-      <p:grpSp>
-        <p:nvGrpSpPr>
-          <p:cNvPr id="10" name="Group 9"/>
-          <p:cNvGrpSpPr/>
-          <p:nvPr/>
-        </p:nvGrpSpPr>
-        <p:grpSpPr>
-          <a:xfrm>
-            <a:off x="1422400" y="279400"/>
-            <a:ext cx="1347536" cy="2802021"/>
-            <a:chOff x="635115" y="-227609"/>
-            <a:chExt cx="1010652" cy="2101516"/>
-          </a:xfrm>
-        </p:grpSpPr>
-        <p:sp>
-          <p:nvSpPr>
-            <p:cNvPr id="11" name="Rectangle 10"/>
-            <p:cNvSpPr/>
-            <p:nvPr/>
-          </p:nvSpPr>
-          <p:spPr bwMode="auto">
-            <a:xfrm>
-              <a:off x="635115" y="29065"/>
-              <a:ext cx="1010652" cy="1138989"/>
-            </a:xfrm>
-            <a:prstGeom prst="rect">
-              <a:avLst/>
-            </a:prstGeom>
-            <a:ln>
-              <a:headEnd type="none" w="med" len="med"/>
-              <a:tailEnd type="none" w="med" len="med"/>
-            </a:ln>
-          </p:spPr>
-          <p:style>
-            <a:lnRef idx="2">
-              <a:schemeClr val="dk1"/>
-            </a:lnRef>
-            <a:fillRef idx="1">
-              <a:schemeClr val="lt1"/>
-            </a:fillRef>
-            <a:effectRef idx="0">
-              <a:schemeClr val="dk1"/>
-            </a:effectRef>
-            <a:fontRef idx="minor">
-              <a:schemeClr val="dk1"/>
-            </a:fontRef>
-          </p:style>
-          <p:txBody>
-            <a:bodyPr vert="horz" wrap="square" lIns="121920" tIns="60960" rIns="121920" bIns="60960" numCol="1" rtlCol="0" anchor="t" anchorCtr="0" compatLnSpc="1">
-              <a:prstTxWarp prst="textNoShape">
-                <a:avLst/>
-              </a:prstTxWarp>
-            </a:bodyPr>
-            <a:lstStyle/>
-            <a:p>
-              <a:pPr defTabSz="1219170" eaLnBrk="0" fontAlgn="base" hangingPunct="0">
-                <a:spcBef>
-                  <a:spcPct val="0"/>
-                </a:spcBef>
-                <a:spcAft>
-                  <a:spcPct val="0"/>
-                </a:spcAft>
-              </a:pPr>
-              <a:endParaRPr lang="en-US" sz="3200" b="1">
-                <a:solidFill>
-                  <a:schemeClr val="tx1"/>
-                </a:solidFill>
-                <a:latin typeface="Arial" charset="0"/>
-              </a:endParaRPr>
-            </a:p>
-          </p:txBody>
-        </p:sp>
-        <p:cxnSp>
-          <p:nvCxnSpPr>
-            <p:cNvPr id="12" name="Straight Connector 11"/>
-            <p:cNvCxnSpPr/>
-            <p:nvPr/>
-          </p:nvCxnSpPr>
-          <p:spPr bwMode="auto">
-            <a:xfrm>
-              <a:off x="1140441" y="-227609"/>
-              <a:ext cx="0" cy="256674"/>
-            </a:xfrm>
-            <a:prstGeom prst="line">
-              <a:avLst/>
-            </a:prstGeom>
-            <a:solidFill>
-              <a:schemeClr val="accent1"/>
-            </a:solidFill>
-            <a:ln w="9525" cap="flat" cmpd="sng" algn="ctr">
-              <a:solidFill>
-                <a:schemeClr val="tx1"/>
-              </a:solidFill>
-              <a:prstDash val="solid"/>
-              <a:round/>
-              <a:headEnd type="none" w="med" len="med"/>
-              <a:tailEnd type="none" w="med" len="med"/>
-            </a:ln>
-            <a:effectLst/>
-          </p:spPr>
-        </p:cxnSp>
-        <p:cxnSp>
-          <p:nvCxnSpPr>
-            <p:cNvPr id="13" name="Straight Connector 12"/>
-            <p:cNvCxnSpPr/>
-            <p:nvPr/>
-          </p:nvCxnSpPr>
-          <p:spPr bwMode="auto">
-            <a:xfrm flipV="1">
-              <a:off x="819599" y="1168054"/>
-              <a:ext cx="184484" cy="705853"/>
-            </a:xfrm>
-            <a:prstGeom prst="line">
-              <a:avLst/>
-            </a:prstGeom>
-            <a:solidFill>
-              <a:schemeClr val="accent1"/>
-            </a:solidFill>
-            <a:ln w="9525" cap="flat" cmpd="sng" algn="ctr">
-              <a:solidFill>
-                <a:schemeClr val="tx1"/>
-              </a:solidFill>
-              <a:prstDash val="solid"/>
-              <a:round/>
-              <a:headEnd type="none" w="med" len="med"/>
-              <a:tailEnd type="none" w="med" len="med"/>
-            </a:ln>
-            <a:effectLst/>
-          </p:spPr>
-        </p:cxnSp>
-        <p:cxnSp>
-          <p:nvCxnSpPr>
-            <p:cNvPr id="14" name="Straight Connector 13"/>
-            <p:cNvCxnSpPr/>
-            <p:nvPr/>
-          </p:nvCxnSpPr>
-          <p:spPr bwMode="auto">
-            <a:xfrm flipV="1">
-              <a:off x="1140441" y="1168054"/>
-              <a:ext cx="0" cy="529390"/>
-            </a:xfrm>
-            <a:prstGeom prst="line">
-              <a:avLst/>
-            </a:prstGeom>
-            <a:solidFill>
-              <a:schemeClr val="accent1"/>
-            </a:solidFill>
-            <a:ln w="9525" cap="flat" cmpd="sng" algn="ctr">
-              <a:solidFill>
-                <a:schemeClr val="tx1"/>
-              </a:solidFill>
-              <a:prstDash val="solid"/>
-              <a:round/>
-              <a:headEnd type="none" w="med" len="med"/>
-              <a:tailEnd type="none" w="med" len="med"/>
-            </a:ln>
-            <a:effectLst/>
-          </p:spPr>
-        </p:cxnSp>
-        <p:cxnSp>
-          <p:nvCxnSpPr>
-            <p:cNvPr id="15" name="Straight Connector 14"/>
-            <p:cNvCxnSpPr/>
-            <p:nvPr/>
-          </p:nvCxnSpPr>
-          <p:spPr bwMode="auto">
-            <a:xfrm flipH="1" flipV="1">
-              <a:off x="1276799" y="1168054"/>
-              <a:ext cx="176463" cy="705853"/>
-            </a:xfrm>
-            <a:prstGeom prst="line">
-              <a:avLst/>
-            </a:prstGeom>
-            <a:solidFill>
-              <a:schemeClr val="accent1"/>
-            </a:solidFill>
-            <a:ln w="9525" cap="flat" cmpd="sng" algn="ctr">
-              <a:solidFill>
-                <a:schemeClr val="tx1"/>
-              </a:solidFill>
-              <a:prstDash val="solid"/>
-              <a:round/>
-              <a:headEnd type="none" w="med" len="med"/>
-              <a:tailEnd type="none" w="med" len="med"/>
-            </a:ln>
-            <a:effectLst/>
-          </p:spPr>
-        </p:cxnSp>
-        <p:cxnSp>
-          <p:nvCxnSpPr>
-            <p:cNvPr id="16" name="Straight Arrow Connector 15"/>
-            <p:cNvCxnSpPr/>
-            <p:nvPr/>
-          </p:nvCxnSpPr>
-          <p:spPr bwMode="auto">
-            <a:xfrm>
-              <a:off x="1140441" y="173520"/>
-              <a:ext cx="0" cy="842838"/>
-            </a:xfrm>
-            <a:prstGeom prst="straightConnector1">
-              <a:avLst/>
-            </a:prstGeom>
-            <a:solidFill>
-              <a:schemeClr val="accent1"/>
-            </a:solidFill>
-            <a:ln w="9525" cap="flat" cmpd="sng" algn="ctr">
-              <a:solidFill>
-                <a:schemeClr val="tx1"/>
-              </a:solidFill>
-              <a:prstDash val="solid"/>
-              <a:round/>
-              <a:headEnd type="arrow"/>
-              <a:tailEnd type="arrow"/>
-            </a:ln>
-            <a:effectLst/>
-          </p:spPr>
-        </p:cxnSp>
-        <p:cxnSp>
-          <p:nvCxnSpPr>
-            <p:cNvPr id="17" name="Straight Arrow Connector 16"/>
-            <p:cNvCxnSpPr/>
-            <p:nvPr/>
-          </p:nvCxnSpPr>
-          <p:spPr bwMode="auto">
-            <a:xfrm flipV="1">
-              <a:off x="762000" y="598559"/>
-              <a:ext cx="691262" cy="1"/>
-            </a:xfrm>
-            <a:prstGeom prst="straightConnector1">
-              <a:avLst/>
-            </a:prstGeom>
-            <a:solidFill>
-              <a:schemeClr val="accent1"/>
-            </a:solidFill>
-            <a:ln w="9525" cap="flat" cmpd="sng" algn="ctr">
-              <a:solidFill>
-                <a:schemeClr val="tx1"/>
-              </a:solidFill>
-              <a:prstDash val="solid"/>
-              <a:round/>
-              <a:headEnd type="arrow"/>
-              <a:tailEnd type="arrow"/>
-            </a:ln>
-            <a:effectLst/>
-          </p:spPr>
-        </p:cxnSp>
-        <p:cxnSp>
-          <p:nvCxnSpPr>
-            <p:cNvPr id="18" name="Straight Connector 17"/>
-            <p:cNvCxnSpPr/>
-            <p:nvPr/>
-          </p:nvCxnSpPr>
-          <p:spPr bwMode="auto">
-            <a:xfrm flipV="1">
-              <a:off x="1140441" y="380254"/>
-              <a:ext cx="224589" cy="218123"/>
-            </a:xfrm>
-            <a:prstGeom prst="line">
-              <a:avLst/>
-            </a:prstGeom>
-            <a:solidFill>
-              <a:schemeClr val="accent1"/>
-            </a:solidFill>
-            <a:ln w="34925" cap="flat" cmpd="sng" algn="ctr">
-              <a:solidFill>
-                <a:srgbClr val="FF0000"/>
-              </a:solidFill>
-              <a:prstDash val="solid"/>
-              <a:round/>
-              <a:headEnd type="none" w="med" len="med"/>
-              <a:tailEnd type="none" w="med" len="med"/>
-            </a:ln>
-            <a:effectLst/>
-          </p:spPr>
-        </p:cxnSp>
-      </p:grpSp>
-      <p:sp>
-        <p:nvSpPr>
-          <p:cNvPr id="19" name="TextBox 18"/>
-          <p:cNvSpPr txBox="1"/>
-          <p:nvPr/>
-        </p:nvSpPr>
-        <p:spPr>
-          <a:xfrm>
-            <a:off x="7620003" y="889002"/>
-            <a:ext cx="3555876" cy="830997"/>
-          </a:xfrm>
-          <a:prstGeom prst="rect">
-            <a:avLst/>
-          </a:prstGeom>
-          <a:solidFill>
-            <a:schemeClr val="bg1"/>
-          </a:solidFill>
-          <a:ln>
-            <a:solidFill>
-              <a:schemeClr val="tx1"/>
-            </a:solidFill>
-          </a:ln>
-        </p:spPr>
-        <p:txBody>
-          <a:bodyPr wrap="square" rtlCol="0">
-            <a:spAutoFit/>
-          </a:bodyPr>
-          <a:lstStyle/>
-          <a:p>
-            <a:r>
-              <a:rPr lang="en-US" sz="2400" dirty="0">
-                <a:solidFill>
-                  <a:srgbClr val="2AD122"/>
-                </a:solidFill>
-              </a:rPr>
-              <a:t>// Create side (0,0) – (3,4)</a:t>
-            </a:r>
-          </a:p>
-          <a:p>
-            <a:r>
-              <a:rPr lang="en-US" sz="2400" dirty="0">
-                <a:solidFill>
-                  <a:srgbClr val="2AD122"/>
-                </a:solidFill>
-              </a:rPr>
-              <a:t>// Verify length</a:t>
-            </a:r>
-          </a:p>
-        </p:txBody>
-      </p:sp>
-      <p:sp>
-        <p:nvSpPr>
-          <p:cNvPr id="20" name="TextBox 19"/>
-          <p:cNvSpPr txBox="1"/>
-          <p:nvPr/>
-        </p:nvSpPr>
-        <p:spPr>
-          <a:xfrm>
-            <a:off x="7010400" y="5867400"/>
-            <a:ext cx="5080000" cy="748795"/>
-          </a:xfrm>
-          <a:prstGeom prst="rect">
-            <a:avLst/>
-          </a:prstGeom>
-          <a:solidFill>
-            <a:schemeClr val="bg1"/>
-          </a:solidFill>
-          <a:ln>
-            <a:solidFill>
-              <a:schemeClr val="tx1"/>
-            </a:solidFill>
-          </a:ln>
-        </p:spPr>
-        <p:txBody>
-          <a:bodyPr wrap="square" rtlCol="0">
-            <a:spAutoFit/>
-          </a:bodyPr>
-          <a:lstStyle/>
-          <a:p>
-            <a:r>
-              <a:rPr lang="en-US" sz="2133" dirty="0"/>
-              <a:t>Side s = new Side(0,0,3,4);</a:t>
-            </a:r>
-          </a:p>
-          <a:p>
-            <a:r>
-              <a:rPr lang="en-US" sz="2133" dirty="0"/>
-              <a:t>Approvals.Verify(s + “ length = “ +s.Length);</a:t>
-            </a:r>
-          </a:p>
-        </p:txBody>
-      </p:sp>
-      <p:sp>
-        <p:nvSpPr>
-          <p:cNvPr id="21" name="TextBox 20"/>
-          <p:cNvSpPr txBox="1"/>
-          <p:nvPr/>
-        </p:nvSpPr>
-        <p:spPr>
-          <a:xfrm>
-            <a:off x="508000" y="5867401"/>
-            <a:ext cx="3984867" cy="502766"/>
-          </a:xfrm>
-          <a:prstGeom prst="rect">
-            <a:avLst/>
-          </a:prstGeom>
-          <a:solidFill>
-            <a:schemeClr val="bg1"/>
-          </a:solidFill>
-          <a:ln>
-            <a:solidFill>
-              <a:schemeClr val="tx1"/>
-            </a:solidFill>
-          </a:ln>
-        </p:spPr>
-        <p:txBody>
-          <a:bodyPr wrap="square" rtlCol="0">
-            <a:spAutoFit/>
-          </a:bodyPr>
-          <a:lstStyle/>
-          <a:p>
-            <a:r>
-              <a:rPr lang="en-US" sz="2667" dirty="0"/>
-              <a:t>Side (0,0) – (3,4) length = 5</a:t>
-            </a:r>
-          </a:p>
-        </p:txBody>
-      </p:sp>
-      <p:sp>
-        <p:nvSpPr>
-          <p:cNvPr id="22" name="Curved Down Arrow 21"/>
-          <p:cNvSpPr/>
-          <p:nvPr/>
-        </p:nvSpPr>
-        <p:spPr bwMode="auto">
-          <a:xfrm rot="10800000">
-            <a:off x="4590493" y="5025943"/>
-            <a:ext cx="2718871" cy="1219200"/>
-          </a:xfrm>
-          <a:prstGeom prst="curvedDownArrow">
-            <a:avLst/>
-          </a:prstGeom>
-          <a:ln>
-            <a:headEnd type="none" w="med" len="med"/>
-            <a:tailEnd type="none" w="med" len="med"/>
-          </a:ln>
-        </p:spPr>
-        <p:style>
-          <a:lnRef idx="2">
-            <a:schemeClr val="dk1"/>
-          </a:lnRef>
-          <a:fillRef idx="1">
-            <a:schemeClr val="lt1"/>
-          </a:fillRef>
-          <a:effectRef idx="0">
-            <a:schemeClr val="dk1"/>
-          </a:effectRef>
-          <a:fontRef idx="minor">
-            <a:schemeClr val="dk1"/>
-          </a:fontRef>
-        </p:style>
-        <p:txBody>
-          <a:bodyPr vert="horz" wrap="square" lIns="121920" tIns="60960" rIns="121920" bIns="60960" numCol="1" rtlCol="0" anchor="t" anchorCtr="0" compatLnSpc="1">
-            <a:prstTxWarp prst="textNoShape">
-              <a:avLst/>
-            </a:prstTxWarp>
-          </a:bodyPr>
-          <a:lstStyle/>
-          <a:p>
-            <a:pPr defTabSz="1219170" eaLnBrk="0" fontAlgn="base" hangingPunct="0">
-              <a:spcBef>
-                <a:spcPct val="0"/>
-              </a:spcBef>
-              <a:spcAft>
-                <a:spcPct val="0"/>
-              </a:spcAft>
-            </a:pPr>
-            <a:endParaRPr lang="en-US" sz="3200" b="1">
-              <a:solidFill>
-                <a:schemeClr val="tx1"/>
-              </a:solidFill>
-              <a:latin typeface="Arial" charset="0"/>
-            </a:endParaRPr>
-          </a:p>
-        </p:txBody>
-      </p:sp>
-      <p:sp>
-        <p:nvSpPr>
-          <p:cNvPr id="23" name="TextBox 22"/>
-          <p:cNvSpPr txBox="1"/>
-          <p:nvPr/>
-        </p:nvSpPr>
-        <p:spPr>
-          <a:xfrm>
-            <a:off x="4165604" y="3327402"/>
-            <a:ext cx="3453061" cy="830997"/>
+            <a:off x="3447288" y="3417286"/>
+            <a:ext cx="3415935" cy="923330"/>
           </a:xfrm>
           <a:prstGeom prst="rect">
             <a:avLst/>
@@ -7353,8 +6752,35 @@
           <a:lstStyle/>
           <a:p>
             <a:r>
-              <a:rPr lang="en-US" sz="4800" dirty="0"/>
-              <a:t>Testing Circle</a:t>
+              <a:rPr lang="en-US">
+                <a:solidFill>
+                  <a:srgbClr val="080808"/>
+                </a:solidFill>
+                <a:effectLst/>
+              </a:rPr>
+              <a:t>[Bot]</a:t>
+            </a:r>
+          </a:p>
+          <a:p>
+            <a:r>
+              <a:rPr lang="en-US">
+                <a:solidFill>
+                  <a:srgbClr val="080808"/>
+                </a:solidFill>
+                <a:effectLst/>
+              </a:rPr>
+              <a:t>Hi there! I'm your virtual assistant.</a:t>
+            </a:r>
+          </a:p>
+          <a:p>
+            <a:r>
+              <a:rPr lang="en-US">
+                <a:solidFill>
+                  <a:srgbClr val="080808"/>
+                </a:solidFill>
+                <a:effectLst/>
+              </a:rPr>
+              <a:t>What would you like to do today?</a:t>
             </a:r>
           </a:p>
         </p:txBody>
@@ -7362,13 +6788,153 @@
     </p:spTree>
     <p:extLst>
       <p:ext uri="{BB962C8B-B14F-4D97-AF65-F5344CB8AC3E}">
-        <p14:creationId xmlns:p14="http://schemas.microsoft.com/office/powerpoint/2010/main" val="4224351410"/>
+        <p14:creationId xmlns:p14="http://schemas.microsoft.com/office/powerpoint/2010/main" val="966899259"/>
       </p:ext>
     </p:extLst>
   </p:cSld>
   <p:clrMapOvr>
     <a:masterClrMapping/>
   </p:clrMapOvr>
+  <p:timing>
+    <p:tnLst>
+      <p:par>
+        <p:cTn id="1" dur="indefinite" restart="never" nodeType="tmRoot">
+          <p:childTnLst>
+            <p:seq concurrent="1" nextAc="seek">
+              <p:cTn id="2" dur="indefinite" nodeType="mainSeq">
+                <p:childTnLst>
+                  <p:par>
+                    <p:cTn id="3" fill="hold">
+                      <p:stCondLst>
+                        <p:cond delay="indefinite"/>
+                      </p:stCondLst>
+                      <p:childTnLst>
+                        <p:par>
+                          <p:cTn id="4" fill="hold">
+                            <p:stCondLst>
+                              <p:cond delay="0"/>
+                            </p:stCondLst>
+                            <p:childTnLst>
+                              <p:par>
+                                <p:cTn id="5" presetID="22" presetClass="entr" presetSubtype="8" fill="hold" grpId="0" nodeType="clickEffect">
+                                  <p:stCondLst>
+                                    <p:cond delay="0"/>
+                                  </p:stCondLst>
+                                  <p:childTnLst>
+                                    <p:set>
+                                      <p:cBhvr>
+                                        <p:cTn id="6" dur="1" fill="hold">
+                                          <p:stCondLst>
+                                            <p:cond delay="0"/>
+                                          </p:stCondLst>
+                                        </p:cTn>
+                                        <p:tgtEl>
+                                          <p:spTgt spid="3"/>
+                                        </p:tgtEl>
+                                        <p:attrNameLst>
+                                          <p:attrName>style.visibility</p:attrName>
+                                        </p:attrNameLst>
+                                      </p:cBhvr>
+                                      <p:to>
+                                        <p:strVal val="visible"/>
+                                      </p:to>
+                                    </p:set>
+                                    <p:animEffect transition="in" filter="wipe(left)">
+                                      <p:cBhvr>
+                                        <p:cTn id="7" dur="500"/>
+                                        <p:tgtEl>
+                                          <p:spTgt spid="3"/>
+                                        </p:tgtEl>
+                                      </p:cBhvr>
+                                    </p:animEffect>
+                                  </p:childTnLst>
+                                </p:cTn>
+                              </p:par>
+                            </p:childTnLst>
+                          </p:cTn>
+                        </p:par>
+                      </p:childTnLst>
+                    </p:cTn>
+                  </p:par>
+                  <p:par>
+                    <p:cTn id="8" fill="hold">
+                      <p:stCondLst>
+                        <p:cond delay="indefinite"/>
+                      </p:stCondLst>
+                      <p:childTnLst>
+                        <p:par>
+                          <p:cTn id="9" fill="hold">
+                            <p:stCondLst>
+                              <p:cond delay="0"/>
+                            </p:stCondLst>
+                            <p:childTnLst>
+                              <p:par>
+                                <p:cTn id="10" presetID="22" presetClass="entr" presetSubtype="8" fill="hold" grpId="0" nodeType="clickEffect">
+                                  <p:stCondLst>
+                                    <p:cond delay="0"/>
+                                  </p:stCondLst>
+                                  <p:childTnLst>
+                                    <p:set>
+                                      <p:cBhvr>
+                                        <p:cTn id="11" dur="1" fill="hold">
+                                          <p:stCondLst>
+                                            <p:cond delay="0"/>
+                                          </p:stCondLst>
+                                        </p:cTn>
+                                        <p:tgtEl>
+                                          <p:spTgt spid="4"/>
+                                        </p:tgtEl>
+                                        <p:attrNameLst>
+                                          <p:attrName>style.visibility</p:attrName>
+                                        </p:attrNameLst>
+                                      </p:cBhvr>
+                                      <p:to>
+                                        <p:strVal val="visible"/>
+                                      </p:to>
+                                    </p:set>
+                                    <p:animEffect transition="in" filter="wipe(left)">
+                                      <p:cBhvr>
+                                        <p:cTn id="12" dur="500"/>
+                                        <p:tgtEl>
+                                          <p:spTgt spid="4"/>
+                                        </p:tgtEl>
+                                      </p:cBhvr>
+                                    </p:animEffect>
+                                  </p:childTnLst>
+                                </p:cTn>
+                              </p:par>
+                            </p:childTnLst>
+                          </p:cTn>
+                        </p:par>
+                      </p:childTnLst>
+                    </p:cTn>
+                  </p:par>
+                </p:childTnLst>
+              </p:cTn>
+              <p:prevCondLst>
+                <p:cond evt="onPrev" delay="0">
+                  <p:tgtEl>
+                    <p:sldTgt/>
+                  </p:tgtEl>
+                </p:cond>
+              </p:prevCondLst>
+              <p:nextCondLst>
+                <p:cond evt="onNext" delay="0">
+                  <p:tgtEl>
+                    <p:sldTgt/>
+                  </p:tgtEl>
+                </p:cond>
+              </p:nextCondLst>
+            </p:seq>
+          </p:childTnLst>
+        </p:cTn>
+      </p:par>
+    </p:tnLst>
+    <p:bldLst>
+      <p:bldP spid="3" grpId="0"/>
+      <p:bldP spid="4" grpId="0"/>
+    </p:bldLst>
+  </p:timing>
 </p:sld>
 </file>
 
@@ -9021,42 +8587,6 @@
       </p:sp>
       <p:sp>
         <p:nvSpPr>
-          <p:cNvPr id="20" name="TextBox 19"/>
-          <p:cNvSpPr txBox="1"/>
-          <p:nvPr/>
-        </p:nvSpPr>
-        <p:spPr>
-          <a:xfrm>
-            <a:off x="7010400" y="5867400"/>
-            <a:ext cx="5080000" cy="420564"/>
-          </a:xfrm>
-          <a:prstGeom prst="rect">
-            <a:avLst/>
-          </a:prstGeom>
-          <a:solidFill>
-            <a:schemeClr val="bg1"/>
-          </a:solidFill>
-          <a:ln>
-            <a:solidFill>
-              <a:schemeClr val="tx1"/>
-            </a:solidFill>
-          </a:ln>
-        </p:spPr>
-        <p:txBody>
-          <a:bodyPr wrap="square" rtlCol="0">
-            <a:spAutoFit/>
-          </a:bodyPr>
-          <a:lstStyle/>
-          <a:p>
-            <a:r>
-              <a:rPr lang="en-US" sz="2133" dirty="0"/>
-              <a:t>verifyConversation(”hi”)</a:t>
-            </a:r>
-          </a:p>
-        </p:txBody>
-      </p:sp>
-      <p:sp>
-        <p:nvSpPr>
           <p:cNvPr id="22" name="Curved Down Arrow 21"/>
           <p:cNvSpPr/>
           <p:nvPr/>
@@ -9355,6 +8885,124 @@
           </p:txBody>
         </p:sp>
       </p:grpSp>
+      <p:sp>
+        <p:nvSpPr>
+          <p:cNvPr id="10" name="TextBox 9">
+            <a:extLst>
+              <a:ext uri="{FF2B5EF4-FFF2-40B4-BE49-F238E27FC236}">
+                <a16:creationId xmlns:a16="http://schemas.microsoft.com/office/drawing/2014/main" id="{AED0E781-0941-E05C-1E71-D2B13A39F191}"/>
+              </a:ext>
+            </a:extLst>
+          </p:cNvPr>
+          <p:cNvSpPr txBox="1"/>
+          <p:nvPr/>
+        </p:nvSpPr>
+        <p:spPr>
+          <a:xfrm>
+            <a:off x="7309364" y="5919200"/>
+            <a:ext cx="4781036" cy="830997"/>
+          </a:xfrm>
+          <a:prstGeom prst="rect">
+            <a:avLst/>
+          </a:prstGeom>
+          <a:solidFill>
+            <a:schemeClr val="bg1"/>
+          </a:solidFill>
+          <a:ln>
+            <a:solidFill>
+              <a:schemeClr val="tx1"/>
+            </a:solidFill>
+          </a:ln>
+        </p:spPr>
+        <p:txBody>
+          <a:bodyPr wrap="square" rtlCol="0">
+            <a:spAutoFit/>
+          </a:bodyPr>
+          <a:lstStyle/>
+          <a:p>
+            <a:r>
+              <a:rPr lang="en-US" sz="2400">
+                <a:solidFill>
+                  <a:srgbClr val="000000"/>
+                </a:solidFill>
+                <a:effectLst/>
+              </a:rPr>
+              <a:t>String userMessage </a:t>
+            </a:r>
+            <a:r>
+              <a:rPr lang="en-US" sz="2400">
+                <a:solidFill>
+                  <a:srgbClr val="080808"/>
+                </a:solidFill>
+                <a:effectLst/>
+              </a:rPr>
+              <a:t>= </a:t>
+            </a:r>
+            <a:r>
+              <a:rPr lang="en-US" sz="2400">
+                <a:solidFill>
+                  <a:srgbClr val="067D17"/>
+                </a:solidFill>
+                <a:effectLst/>
+              </a:rPr>
+              <a:t>"hi"</a:t>
+            </a:r>
+            <a:r>
+              <a:rPr lang="en-US" sz="2400">
+                <a:solidFill>
+                  <a:srgbClr val="080808"/>
+                </a:solidFill>
+                <a:effectLst/>
+              </a:rPr>
+              <a:t>;</a:t>
+            </a:r>
+            <a:br>
+              <a:rPr lang="en-US" sz="2400">
+                <a:solidFill>
+                  <a:srgbClr val="080808"/>
+                </a:solidFill>
+                <a:effectLst/>
+              </a:rPr>
+            </a:br>
+            <a:r>
+              <a:rPr lang="en-US" sz="2400" i="1">
+                <a:solidFill>
+                  <a:srgbClr val="080808"/>
+                </a:solidFill>
+                <a:effectLst/>
+              </a:rPr>
+              <a:t>verifyConversation</a:t>
+            </a:r>
+            <a:r>
+              <a:rPr lang="en-US" sz="2400">
+                <a:solidFill>
+                  <a:srgbClr val="080808"/>
+                </a:solidFill>
+                <a:effectLst/>
+              </a:rPr>
+              <a:t>(</a:t>
+            </a:r>
+            <a:r>
+              <a:rPr lang="en-US" sz="2400">
+                <a:solidFill>
+                  <a:srgbClr val="000000"/>
+                </a:solidFill>
+                <a:effectLst/>
+              </a:rPr>
+              <a:t>userMessage</a:t>
+            </a:r>
+            <a:r>
+              <a:rPr lang="en-US" sz="2400">
+                <a:solidFill>
+                  <a:srgbClr val="080808"/>
+                </a:solidFill>
+                <a:effectLst/>
+              </a:rPr>
+              <a:t>);</a:t>
+            </a:r>
+          </a:p>
+        </p:txBody>
+      </p:sp>
     </p:spTree>
     <p:extLst>
       <p:ext uri="{BB962C8B-B14F-4D97-AF65-F5344CB8AC3E}">
@@ -9886,8 +9534,8 @@
         </p:nvSpPr>
         <p:spPr>
           <a:xfrm>
-            <a:off x="7010400" y="5867400"/>
-            <a:ext cx="5080000" cy="420564"/>
+            <a:off x="7309364" y="5886856"/>
+            <a:ext cx="4781036" cy="830997"/>
           </a:xfrm>
           <a:prstGeom prst="rect">
             <a:avLst/>
@@ -9908,8 +9556,84 @@
           <a:lstStyle/>
           <a:p>
             <a:r>
-              <a:rPr lang="en-US" sz="2133" dirty="0"/>
-              <a:t>verifyConversation(”hi”)</a:t>
+              <a:rPr lang="en-US" sz="2400">
+                <a:solidFill>
+                  <a:srgbClr val="000000"/>
+                </a:solidFill>
+                <a:effectLst/>
+              </a:rPr>
+              <a:t>String userMessage </a:t>
+            </a:r>
+            <a:r>
+              <a:rPr lang="en-US" sz="2400">
+                <a:solidFill>
+                  <a:srgbClr val="080808"/>
+                </a:solidFill>
+                <a:effectLst/>
+              </a:rPr>
+              <a:t>= </a:t>
+            </a:r>
+            <a:r>
+              <a:rPr lang="en-US" sz="2400">
+                <a:solidFill>
+                  <a:srgbClr val="067D17"/>
+                </a:solidFill>
+                <a:effectLst/>
+              </a:rPr>
+              <a:t>"hi"</a:t>
+            </a:r>
+            <a:r>
+              <a:rPr lang="en-US" sz="2400">
+                <a:solidFill>
+                  <a:srgbClr val="080808"/>
+                </a:solidFill>
+                <a:effectLst/>
+              </a:rPr>
+              <a:t>;</a:t>
+            </a:r>
+            <a:br>
+              <a:rPr lang="en-US" sz="2400">
+                <a:solidFill>
+                  <a:srgbClr val="080808"/>
+                </a:solidFill>
+                <a:effectLst/>
+              </a:rPr>
+            </a:br>
+            <a:r>
+              <a:rPr lang="en-US" sz="2400" i="1">
+                <a:solidFill>
+                  <a:srgbClr val="080808"/>
+                </a:solidFill>
+                <a:effectLst/>
+              </a:rPr>
+              <a:t>verifyConversation</a:t>
+            </a:r>
+            <a:r>
+              <a:rPr lang="en-US" sz="2400">
+                <a:solidFill>
+                  <a:srgbClr val="080808"/>
+                </a:solidFill>
+                <a:effectLst/>
+              </a:rPr>
+              <a:t>(</a:t>
+            </a:r>
+            <a:r>
+              <a:rPr lang="en-US" sz="2400">
+                <a:solidFill>
+                  <a:srgbClr val="000000"/>
+                </a:solidFill>
+                <a:effectLst/>
+              </a:rPr>
+              <a:t>userMessage</a:t>
+            </a:r>
+            <a:r>
+              <a:rPr lang="en-US" sz="2400">
+                <a:solidFill>
+                  <a:srgbClr val="080808"/>
+                </a:solidFill>
+                <a:effectLst/>
+              </a:rPr>
+              <a:t>);</a:t>
             </a:r>
           </a:p>
         </p:txBody>
@@ -10616,42 +10340,6 @@
       </p:sp>
       <p:sp>
         <p:nvSpPr>
-          <p:cNvPr id="20" name="TextBox 19"/>
-          <p:cNvSpPr txBox="1"/>
-          <p:nvPr/>
-        </p:nvSpPr>
-        <p:spPr>
-          <a:xfrm>
-            <a:off x="7010400" y="5867400"/>
-            <a:ext cx="5080000" cy="420564"/>
-          </a:xfrm>
-          <a:prstGeom prst="rect">
-            <a:avLst/>
-          </a:prstGeom>
-          <a:solidFill>
-            <a:schemeClr val="bg1"/>
-          </a:solidFill>
-          <a:ln>
-            <a:solidFill>
-              <a:schemeClr val="tx1"/>
-            </a:solidFill>
-          </a:ln>
-        </p:spPr>
-        <p:txBody>
-          <a:bodyPr wrap="square" rtlCol="0">
-            <a:spAutoFit/>
-          </a:bodyPr>
-          <a:lstStyle/>
-          <a:p>
-            <a:r>
-              <a:rPr lang="en-US" sz="2133" dirty="0"/>
-              <a:t>verifyConversation(”hi”)</a:t>
-            </a:r>
-          </a:p>
-        </p:txBody>
-      </p:sp>
-      <p:sp>
-        <p:nvSpPr>
           <p:cNvPr id="22" name="Curved Down Arrow 21"/>
           <p:cNvSpPr/>
           <p:nvPr/>
@@ -11021,6 +10709,124 @@
           </a:p>
         </p:txBody>
       </p:sp>
+      <p:sp>
+        <p:nvSpPr>
+          <p:cNvPr id="11" name="TextBox 10">
+            <a:extLst>
+              <a:ext uri="{FF2B5EF4-FFF2-40B4-BE49-F238E27FC236}">
+                <a16:creationId xmlns:a16="http://schemas.microsoft.com/office/drawing/2014/main" id="{0F45086A-33F2-8DD5-186E-97584451FBAC}"/>
+              </a:ext>
+            </a:extLst>
+          </p:cNvPr>
+          <p:cNvSpPr txBox="1"/>
+          <p:nvPr/>
+        </p:nvSpPr>
+        <p:spPr>
+          <a:xfrm>
+            <a:off x="7309364" y="5919200"/>
+            <a:ext cx="4781036" cy="830997"/>
+          </a:xfrm>
+          <a:prstGeom prst="rect">
+            <a:avLst/>
+          </a:prstGeom>
+          <a:solidFill>
+            <a:schemeClr val="bg1"/>
+          </a:solidFill>
+          <a:ln>
+            <a:solidFill>
+              <a:schemeClr val="tx1"/>
+            </a:solidFill>
+          </a:ln>
+        </p:spPr>
+        <p:txBody>
+          <a:bodyPr wrap="square" rtlCol="0">
+            <a:spAutoFit/>
+          </a:bodyPr>
+          <a:lstStyle/>
+          <a:p>
+            <a:r>
+              <a:rPr lang="en-US" sz="2400">
+                <a:solidFill>
+                  <a:srgbClr val="000000"/>
+                </a:solidFill>
+                <a:effectLst/>
+              </a:rPr>
+              <a:t>String userMessage </a:t>
+            </a:r>
+            <a:r>
+              <a:rPr lang="en-US" sz="2400">
+                <a:solidFill>
+                  <a:srgbClr val="080808"/>
+                </a:solidFill>
+                <a:effectLst/>
+              </a:rPr>
+              <a:t>= </a:t>
+            </a:r>
+            <a:r>
+              <a:rPr lang="en-US" sz="2400">
+                <a:solidFill>
+                  <a:srgbClr val="067D17"/>
+                </a:solidFill>
+                <a:effectLst/>
+              </a:rPr>
+              <a:t>"hi"</a:t>
+            </a:r>
+            <a:r>
+              <a:rPr lang="en-US" sz="2400">
+                <a:solidFill>
+                  <a:srgbClr val="080808"/>
+                </a:solidFill>
+                <a:effectLst/>
+              </a:rPr>
+              <a:t>;</a:t>
+            </a:r>
+            <a:br>
+              <a:rPr lang="en-US" sz="2400">
+                <a:solidFill>
+                  <a:srgbClr val="080808"/>
+                </a:solidFill>
+                <a:effectLst/>
+              </a:rPr>
+            </a:br>
+            <a:r>
+              <a:rPr lang="en-US" sz="2400" i="1">
+                <a:solidFill>
+                  <a:srgbClr val="080808"/>
+                </a:solidFill>
+                <a:effectLst/>
+              </a:rPr>
+              <a:t>verifyConversation</a:t>
+            </a:r>
+            <a:r>
+              <a:rPr lang="en-US" sz="2400">
+                <a:solidFill>
+                  <a:srgbClr val="080808"/>
+                </a:solidFill>
+                <a:effectLst/>
+              </a:rPr>
+              <a:t>(</a:t>
+            </a:r>
+            <a:r>
+              <a:rPr lang="en-US" sz="2400">
+                <a:solidFill>
+                  <a:srgbClr val="000000"/>
+                </a:solidFill>
+                <a:effectLst/>
+              </a:rPr>
+              <a:t>userMessage</a:t>
+            </a:r>
+            <a:r>
+              <a:rPr lang="en-US" sz="2400">
+                <a:solidFill>
+                  <a:srgbClr val="080808"/>
+                </a:solidFill>
+                <a:effectLst/>
+              </a:rPr>
+              <a:t>);</a:t>
+            </a:r>
+          </a:p>
+        </p:txBody>
+      </p:sp>
     </p:spTree>
     <p:extLst>
       <p:ext uri="{BB962C8B-B14F-4D97-AF65-F5344CB8AC3E}">
@@ -11967,7 +11773,7 @@
           <a:p>
             <a:r>
               <a:rPr lang="en-US" sz="4400"/>
-              <a:t>Week 1 learnings</a:t>
+              <a:t>learnings</a:t>
             </a:r>
           </a:p>
         </p:txBody>
@@ -31200,383 +31006,6 @@
       </p:grpSpPr>
       <p:sp>
         <p:nvSpPr>
-          <p:cNvPr id="5" name="Rounded Rectangle 4">
-            <a:extLst>
-              <a:ext uri="{FF2B5EF4-FFF2-40B4-BE49-F238E27FC236}">
-                <a16:creationId xmlns:a16="http://schemas.microsoft.com/office/drawing/2014/main" id="{BBFEEA9E-2477-D7C7-4CA4-1C8CD1A66441}"/>
-              </a:ext>
-            </a:extLst>
-          </p:cNvPr>
-          <p:cNvSpPr/>
-          <p:nvPr/>
-        </p:nvSpPr>
-        <p:spPr>
-          <a:xfrm>
-            <a:off x="3218688" y="1793116"/>
-            <a:ext cx="4937760" cy="3016628"/>
-          </a:xfrm>
-          <a:prstGeom prst="roundRect">
-            <a:avLst>
-              <a:gd name="adj" fmla="val 5778"/>
-            </a:avLst>
-          </a:prstGeom>
-          <a:solidFill>
-            <a:schemeClr val="bg1">
-              <a:lumMod val="85000"/>
-            </a:schemeClr>
-          </a:solidFill>
-        </p:spPr>
-        <p:style>
-          <a:lnRef idx="2">
-            <a:schemeClr val="accent1">
-              <a:shade val="15000"/>
-            </a:schemeClr>
-          </a:lnRef>
-          <a:fillRef idx="1">
-            <a:schemeClr val="accent1"/>
-          </a:fillRef>
-          <a:effectRef idx="0">
-            <a:schemeClr val="accent1"/>
-          </a:effectRef>
-          <a:fontRef idx="minor">
-            <a:schemeClr val="lt1"/>
-          </a:fontRef>
-        </p:style>
-        <p:txBody>
-          <a:bodyPr rtlCol="0" anchor="ctr"/>
-          <a:lstStyle/>
-          <a:p>
-            <a:pPr algn="ctr"/>
-            <a:endParaRPr lang="en-US"/>
-          </a:p>
-        </p:txBody>
-      </p:sp>
-      <p:sp>
-        <p:nvSpPr>
-          <p:cNvPr id="3" name="TextBox 2">
-            <a:extLst>
-              <a:ext uri="{FF2B5EF4-FFF2-40B4-BE49-F238E27FC236}">
-                <a16:creationId xmlns:a16="http://schemas.microsoft.com/office/drawing/2014/main" id="{5079FBDA-242C-0B58-2C06-3662E6CB21A6}"/>
-              </a:ext>
-            </a:extLst>
-          </p:cNvPr>
-          <p:cNvSpPr txBox="1"/>
-          <p:nvPr/>
-        </p:nvSpPr>
-        <p:spPr>
-          <a:xfrm>
-            <a:off x="6682213" y="2595434"/>
-            <a:ext cx="1234632" cy="646331"/>
-          </a:xfrm>
-          <a:prstGeom prst="rect">
-            <a:avLst/>
-          </a:prstGeom>
-          <a:noFill/>
-        </p:spPr>
-        <p:txBody>
-          <a:bodyPr wrap="none" rtlCol="0">
-            <a:spAutoFit/>
-          </a:bodyPr>
-          <a:lstStyle/>
-          <a:p>
-            <a:pPr algn="r"/>
-            <a:r>
-              <a:rPr lang="en-US">
-                <a:solidFill>
-                  <a:srgbClr val="080808"/>
-                </a:solidFill>
-                <a:effectLst/>
-              </a:rPr>
-              <a:t>[Customer]</a:t>
-            </a:r>
-          </a:p>
-          <a:p>
-            <a:pPr algn="r"/>
-            <a:r>
-              <a:rPr lang="en-US">
-                <a:solidFill>
-                  <a:srgbClr val="080808"/>
-                </a:solidFill>
-                <a:effectLst/>
-              </a:rPr>
-              <a:t>hi</a:t>
-            </a:r>
-          </a:p>
-        </p:txBody>
-      </p:sp>
-      <p:sp>
-        <p:nvSpPr>
-          <p:cNvPr id="10" name="TextBox 9">
-            <a:extLst>
-              <a:ext uri="{FF2B5EF4-FFF2-40B4-BE49-F238E27FC236}">
-                <a16:creationId xmlns:a16="http://schemas.microsoft.com/office/drawing/2014/main" id="{728F629A-9BAE-8B62-70AE-F374671AFD4F}"/>
-              </a:ext>
-            </a:extLst>
-          </p:cNvPr>
-          <p:cNvSpPr txBox="1"/>
-          <p:nvPr/>
-        </p:nvSpPr>
-        <p:spPr>
-          <a:xfrm>
-            <a:off x="3447288" y="2002540"/>
-            <a:ext cx="1271016" cy="722372"/>
-          </a:xfrm>
-          <a:prstGeom prst="rect">
-            <a:avLst/>
-          </a:prstGeom>
-          <a:noFill/>
-        </p:spPr>
-        <p:txBody>
-          <a:bodyPr wrap="square">
-            <a:spAutoFit/>
-          </a:bodyPr>
-          <a:lstStyle/>
-          <a:p>
-            <a:r>
-              <a:rPr lang="en-US" sz="4000" b="1">
-                <a:solidFill>
-                  <a:schemeClr val="bg1"/>
-                </a:solidFill>
-              </a:rPr>
-              <a:t>Chat</a:t>
-            </a:r>
-          </a:p>
-        </p:txBody>
-      </p:sp>
-      <p:sp>
-        <p:nvSpPr>
-          <p:cNvPr id="4" name="TextBox 3">
-            <a:extLst>
-              <a:ext uri="{FF2B5EF4-FFF2-40B4-BE49-F238E27FC236}">
-                <a16:creationId xmlns:a16="http://schemas.microsoft.com/office/drawing/2014/main" id="{878989FB-36B9-C3FE-C716-508EC8621F48}"/>
-              </a:ext>
-            </a:extLst>
-          </p:cNvPr>
-          <p:cNvSpPr txBox="1"/>
-          <p:nvPr/>
-        </p:nvSpPr>
-        <p:spPr>
-          <a:xfrm>
-            <a:off x="3447288" y="3417286"/>
-            <a:ext cx="3415935" cy="923330"/>
-          </a:xfrm>
-          <a:prstGeom prst="rect">
-            <a:avLst/>
-          </a:prstGeom>
-          <a:noFill/>
-        </p:spPr>
-        <p:txBody>
-          <a:bodyPr wrap="none" rtlCol="0">
-            <a:spAutoFit/>
-          </a:bodyPr>
-          <a:lstStyle/>
-          <a:p>
-            <a:r>
-              <a:rPr lang="en-US">
-                <a:solidFill>
-                  <a:srgbClr val="080808"/>
-                </a:solidFill>
-                <a:effectLst/>
-              </a:rPr>
-              <a:t>[Bot]</a:t>
-            </a:r>
-          </a:p>
-          <a:p>
-            <a:r>
-              <a:rPr lang="en-US">
-                <a:solidFill>
-                  <a:srgbClr val="080808"/>
-                </a:solidFill>
-                <a:effectLst/>
-              </a:rPr>
-              <a:t>Hi there! I'm your virtual assistant.</a:t>
-            </a:r>
-          </a:p>
-          <a:p>
-            <a:r>
-              <a:rPr lang="en-US">
-                <a:solidFill>
-                  <a:srgbClr val="080808"/>
-                </a:solidFill>
-                <a:effectLst/>
-              </a:rPr>
-              <a:t>What would you like to do today?</a:t>
-            </a:r>
-          </a:p>
-        </p:txBody>
-      </p:sp>
-    </p:spTree>
-    <p:extLst>
-      <p:ext uri="{BB962C8B-B14F-4D97-AF65-F5344CB8AC3E}">
-        <p14:creationId xmlns:p14="http://schemas.microsoft.com/office/powerpoint/2010/main" val="966899259"/>
-      </p:ext>
-    </p:extLst>
-  </p:cSld>
-  <p:clrMapOvr>
-    <a:masterClrMapping/>
-  </p:clrMapOvr>
-  <p:timing>
-    <p:tnLst>
-      <p:par>
-        <p:cTn id="1" dur="indefinite" restart="never" nodeType="tmRoot">
-          <p:childTnLst>
-            <p:seq concurrent="1" nextAc="seek">
-              <p:cTn id="2" dur="indefinite" nodeType="mainSeq">
-                <p:childTnLst>
-                  <p:par>
-                    <p:cTn id="3" fill="hold">
-                      <p:stCondLst>
-                        <p:cond delay="indefinite"/>
-                      </p:stCondLst>
-                      <p:childTnLst>
-                        <p:par>
-                          <p:cTn id="4" fill="hold">
-                            <p:stCondLst>
-                              <p:cond delay="0"/>
-                            </p:stCondLst>
-                            <p:childTnLst>
-                              <p:par>
-                                <p:cTn id="5" presetID="22" presetClass="entr" presetSubtype="8" fill="hold" grpId="0" nodeType="clickEffect">
-                                  <p:stCondLst>
-                                    <p:cond delay="0"/>
-                                  </p:stCondLst>
-                                  <p:childTnLst>
-                                    <p:set>
-                                      <p:cBhvr>
-                                        <p:cTn id="6" dur="1" fill="hold">
-                                          <p:stCondLst>
-                                            <p:cond delay="0"/>
-                                          </p:stCondLst>
-                                        </p:cTn>
-                                        <p:tgtEl>
-                                          <p:spTgt spid="3"/>
-                                        </p:tgtEl>
-                                        <p:attrNameLst>
-                                          <p:attrName>style.visibility</p:attrName>
-                                        </p:attrNameLst>
-                                      </p:cBhvr>
-                                      <p:to>
-                                        <p:strVal val="visible"/>
-                                      </p:to>
-                                    </p:set>
-                                    <p:animEffect transition="in" filter="wipe(left)">
-                                      <p:cBhvr>
-                                        <p:cTn id="7" dur="500"/>
-                                        <p:tgtEl>
-                                          <p:spTgt spid="3"/>
-                                        </p:tgtEl>
-                                      </p:cBhvr>
-                                    </p:animEffect>
-                                  </p:childTnLst>
-                                </p:cTn>
-                              </p:par>
-                            </p:childTnLst>
-                          </p:cTn>
-                        </p:par>
-                      </p:childTnLst>
-                    </p:cTn>
-                  </p:par>
-                  <p:par>
-                    <p:cTn id="8" fill="hold">
-                      <p:stCondLst>
-                        <p:cond delay="indefinite"/>
-                      </p:stCondLst>
-                      <p:childTnLst>
-                        <p:par>
-                          <p:cTn id="9" fill="hold">
-                            <p:stCondLst>
-                              <p:cond delay="0"/>
-                            </p:stCondLst>
-                            <p:childTnLst>
-                              <p:par>
-                                <p:cTn id="10" presetID="22" presetClass="entr" presetSubtype="8" fill="hold" grpId="0" nodeType="clickEffect">
-                                  <p:stCondLst>
-                                    <p:cond delay="0"/>
-                                  </p:stCondLst>
-                                  <p:childTnLst>
-                                    <p:set>
-                                      <p:cBhvr>
-                                        <p:cTn id="11" dur="1" fill="hold">
-                                          <p:stCondLst>
-                                            <p:cond delay="0"/>
-                                          </p:stCondLst>
-                                        </p:cTn>
-                                        <p:tgtEl>
-                                          <p:spTgt spid="4"/>
-                                        </p:tgtEl>
-                                        <p:attrNameLst>
-                                          <p:attrName>style.visibility</p:attrName>
-                                        </p:attrNameLst>
-                                      </p:cBhvr>
-                                      <p:to>
-                                        <p:strVal val="visible"/>
-                                      </p:to>
-                                    </p:set>
-                                    <p:animEffect transition="in" filter="wipe(left)">
-                                      <p:cBhvr>
-                                        <p:cTn id="12" dur="500"/>
-                                        <p:tgtEl>
-                                          <p:spTgt spid="4"/>
-                                        </p:tgtEl>
-                                      </p:cBhvr>
-                                    </p:animEffect>
-                                  </p:childTnLst>
-                                </p:cTn>
-                              </p:par>
-                            </p:childTnLst>
-                          </p:cTn>
-                        </p:par>
-                      </p:childTnLst>
-                    </p:cTn>
-                  </p:par>
-                </p:childTnLst>
-              </p:cTn>
-              <p:prevCondLst>
-                <p:cond evt="onPrev" delay="0">
-                  <p:tgtEl>
-                    <p:sldTgt/>
-                  </p:tgtEl>
-                </p:cond>
-              </p:prevCondLst>
-              <p:nextCondLst>
-                <p:cond evt="onNext" delay="0">
-                  <p:tgtEl>
-                    <p:sldTgt/>
-                  </p:tgtEl>
-                </p:cond>
-              </p:nextCondLst>
-            </p:seq>
-          </p:childTnLst>
-        </p:cTn>
-      </p:par>
-    </p:tnLst>
-    <p:bldLst>
-      <p:bldP spid="3" grpId="0"/>
-      <p:bldP spid="4" grpId="0"/>
-    </p:bldLst>
-  </p:timing>
-</p:sld>
-</file>
-
-<file path=ppt/slides/slide8.xml><?xml version="1.0" encoding="utf-8"?>
-<p:sld xmlns:a="http://schemas.openxmlformats.org/drawingml/2006/main" xmlns:r="http://schemas.openxmlformats.org/officeDocument/2006/relationships" xmlns:p="http://schemas.openxmlformats.org/presentationml/2006/main">
-  <p:cSld>
-    <p:spTree>
-      <p:nvGrpSpPr>
-        <p:cNvPr id="1" name=""/>
-        <p:cNvGrpSpPr/>
-        <p:nvPr/>
-      </p:nvGrpSpPr>
-      <p:grpSpPr>
-        <a:xfrm>
-          <a:off x="0" y="0"/>
-          <a:ext cx="0" cy="0"/>
-          <a:chOff x="0" y="0"/>
-          <a:chExt cx="0" cy="0"/>
-        </a:xfrm>
-      </p:grpSpPr>
-      <p:sp>
-        <p:nvSpPr>
           <p:cNvPr id="3" name="TextBox 2">
             <a:extLst>
               <a:ext uri="{FF2B5EF4-FFF2-40B4-BE49-F238E27FC236}">
@@ -31629,7 +31058,7 @@
 </p:sld>
 </file>
 
-<file path=ppt/slides/slide9.xml><?xml version="1.0" encoding="utf-8"?>
+<file path=ppt/slides/slide8.xml><?xml version="1.0" encoding="utf-8"?>
 <p:sld xmlns:a="http://schemas.openxmlformats.org/drawingml/2006/main" xmlns:r="http://schemas.openxmlformats.org/officeDocument/2006/relationships" xmlns:p="http://schemas.openxmlformats.org/presentationml/2006/main">
   <p:cSld>
     <p:spTree>
@@ -31691,6 +31120,817 @@
     <p:extLst>
       <p:ext uri="{BB962C8B-B14F-4D97-AF65-F5344CB8AC3E}">
         <p14:creationId xmlns:p14="http://schemas.microsoft.com/office/powerpoint/2010/main" val="2772083382"/>
+      </p:ext>
+    </p:extLst>
+  </p:cSld>
+  <p:clrMapOvr>
+    <a:masterClrMapping/>
+  </p:clrMapOvr>
+</p:sld>
+</file>
+
+<file path=ppt/slides/slide9.xml><?xml version="1.0" encoding="utf-8"?>
+<p:sld xmlns:a="http://schemas.openxmlformats.org/drawingml/2006/main" xmlns:r="http://schemas.openxmlformats.org/officeDocument/2006/relationships" xmlns:p="http://schemas.openxmlformats.org/presentationml/2006/main">
+  <p:cSld>
+    <p:spTree>
+      <p:nvGrpSpPr>
+        <p:cNvPr id="1" name=""/>
+        <p:cNvGrpSpPr/>
+        <p:nvPr/>
+      </p:nvGrpSpPr>
+      <p:grpSpPr>
+        <a:xfrm>
+          <a:off x="0" y="0"/>
+          <a:ext cx="0" cy="0"/>
+          <a:chOff x="0" y="0"/>
+          <a:chExt cx="0" cy="0"/>
+        </a:xfrm>
+      </p:grpSpPr>
+      <p:sp>
+        <p:nvSpPr>
+          <p:cNvPr id="3" name="Curved Down Arrow 2"/>
+          <p:cNvSpPr/>
+          <p:nvPr/>
+        </p:nvSpPr>
+        <p:spPr bwMode="auto">
+          <a:xfrm rot="16200000">
+            <a:off x="2633387" y="3179948"/>
+            <a:ext cx="2718871" cy="1219200"/>
+          </a:xfrm>
+          <a:prstGeom prst="curvedDownArrow">
+            <a:avLst/>
+          </a:prstGeom>
+          <a:ln>
+            <a:headEnd type="none" w="med" len="med"/>
+            <a:tailEnd type="none" w="med" len="med"/>
+          </a:ln>
+        </p:spPr>
+        <p:style>
+          <a:lnRef idx="2">
+            <a:schemeClr val="dk1"/>
+          </a:lnRef>
+          <a:fillRef idx="1">
+            <a:schemeClr val="lt1"/>
+          </a:fillRef>
+          <a:effectRef idx="0">
+            <a:schemeClr val="dk1"/>
+          </a:effectRef>
+          <a:fontRef idx="minor">
+            <a:schemeClr val="dk1"/>
+          </a:fontRef>
+        </p:style>
+        <p:txBody>
+          <a:bodyPr vert="horz" wrap="square" lIns="121920" tIns="60960" rIns="121920" bIns="60960" numCol="1" rtlCol="0" anchor="t" anchorCtr="0" compatLnSpc="1">
+            <a:prstTxWarp prst="textNoShape">
+              <a:avLst/>
+            </a:prstTxWarp>
+          </a:bodyPr>
+          <a:lstStyle/>
+          <a:p>
+            <a:pPr defTabSz="1219170" eaLnBrk="0" fontAlgn="base" hangingPunct="0">
+              <a:spcBef>
+                <a:spcPct val="0"/>
+              </a:spcBef>
+              <a:spcAft>
+                <a:spcPct val="0"/>
+              </a:spcAft>
+            </a:pPr>
+            <a:endParaRPr lang="en-US" sz="3200" b="1">
+              <a:solidFill>
+                <a:schemeClr val="tx1"/>
+              </a:solidFill>
+              <a:latin typeface="Arial" charset="0"/>
+            </a:endParaRPr>
+          </a:p>
+        </p:txBody>
+      </p:sp>
+      <p:sp>
+        <p:nvSpPr>
+          <p:cNvPr id="4" name="Curved Down Arrow 3"/>
+          <p:cNvSpPr/>
+          <p:nvPr/>
+        </p:nvSpPr>
+        <p:spPr bwMode="auto">
+          <a:xfrm rot="5400000">
+            <a:off x="6591606" y="3179949"/>
+            <a:ext cx="2718871" cy="1219200"/>
+          </a:xfrm>
+          <a:prstGeom prst="curvedDownArrow">
+            <a:avLst/>
+          </a:prstGeom>
+          <a:ln>
+            <a:headEnd type="none" w="med" len="med"/>
+            <a:tailEnd type="none" w="med" len="med"/>
+          </a:ln>
+        </p:spPr>
+        <p:style>
+          <a:lnRef idx="2">
+            <a:schemeClr val="dk1"/>
+          </a:lnRef>
+          <a:fillRef idx="1">
+            <a:schemeClr val="lt1"/>
+          </a:fillRef>
+          <a:effectRef idx="0">
+            <a:schemeClr val="dk1"/>
+          </a:effectRef>
+          <a:fontRef idx="minor">
+            <a:schemeClr val="dk1"/>
+          </a:fontRef>
+        </p:style>
+        <p:txBody>
+          <a:bodyPr vert="horz" wrap="square" lIns="121920" tIns="60960" rIns="121920" bIns="60960" numCol="1" rtlCol="0" anchor="t" anchorCtr="0" compatLnSpc="1">
+            <a:prstTxWarp prst="textNoShape">
+              <a:avLst/>
+            </a:prstTxWarp>
+          </a:bodyPr>
+          <a:lstStyle/>
+          <a:p>
+            <a:pPr defTabSz="1219170" eaLnBrk="0" fontAlgn="base" hangingPunct="0">
+              <a:spcBef>
+                <a:spcPct val="0"/>
+              </a:spcBef>
+              <a:spcAft>
+                <a:spcPct val="0"/>
+              </a:spcAft>
+            </a:pPr>
+            <a:endParaRPr lang="en-US" sz="3200" b="1">
+              <a:solidFill>
+                <a:schemeClr val="tx1"/>
+              </a:solidFill>
+              <a:latin typeface="Arial" charset="0"/>
+            </a:endParaRPr>
+          </a:p>
+        </p:txBody>
+      </p:sp>
+      <p:sp>
+        <p:nvSpPr>
+          <p:cNvPr id="5" name="Curved Down Arrow 4"/>
+          <p:cNvSpPr/>
+          <p:nvPr/>
+        </p:nvSpPr>
+        <p:spPr bwMode="auto">
+          <a:xfrm>
+            <a:off x="4622573" y="1217784"/>
+            <a:ext cx="2718871" cy="1219200"/>
+          </a:xfrm>
+          <a:prstGeom prst="curvedDownArrow">
+            <a:avLst/>
+          </a:prstGeom>
+          <a:ln>
+            <a:headEnd type="none" w="med" len="med"/>
+            <a:tailEnd type="none" w="med" len="med"/>
+          </a:ln>
+        </p:spPr>
+        <p:style>
+          <a:lnRef idx="2">
+            <a:schemeClr val="dk1"/>
+          </a:lnRef>
+          <a:fillRef idx="1">
+            <a:schemeClr val="lt1"/>
+          </a:fillRef>
+          <a:effectRef idx="0">
+            <a:schemeClr val="dk1"/>
+          </a:effectRef>
+          <a:fontRef idx="minor">
+            <a:schemeClr val="dk1"/>
+          </a:fontRef>
+        </p:style>
+        <p:txBody>
+          <a:bodyPr vert="horz" wrap="square" lIns="121920" tIns="60960" rIns="121920" bIns="60960" numCol="1" rtlCol="0" anchor="t" anchorCtr="0" compatLnSpc="1">
+            <a:prstTxWarp prst="textNoShape">
+              <a:avLst/>
+            </a:prstTxWarp>
+          </a:bodyPr>
+          <a:lstStyle/>
+          <a:p>
+            <a:pPr defTabSz="1219170" eaLnBrk="0" fontAlgn="base" hangingPunct="0">
+              <a:spcBef>
+                <a:spcPct val="0"/>
+              </a:spcBef>
+              <a:spcAft>
+                <a:spcPct val="0"/>
+              </a:spcAft>
+            </a:pPr>
+            <a:endParaRPr lang="en-US" sz="3200" b="1">
+              <a:solidFill>
+                <a:schemeClr val="tx1"/>
+              </a:solidFill>
+              <a:latin typeface="Arial" charset="0"/>
+            </a:endParaRPr>
+          </a:p>
+        </p:txBody>
+      </p:sp>
+      <p:sp>
+        <p:nvSpPr>
+          <p:cNvPr id="6" name="TextBox 5"/>
+          <p:cNvSpPr txBox="1"/>
+          <p:nvPr/>
+        </p:nvSpPr>
+        <p:spPr>
+          <a:xfrm>
+            <a:off x="7315200" y="1905001"/>
+            <a:ext cx="1497760" cy="461665"/>
+          </a:xfrm>
+          <a:prstGeom prst="rect">
+            <a:avLst/>
+          </a:prstGeom>
+          <a:noFill/>
+        </p:spPr>
+        <p:txBody>
+          <a:bodyPr wrap="square" rtlCol="0">
+            <a:spAutoFit/>
+          </a:bodyPr>
+          <a:lstStyle/>
+          <a:p>
+            <a:r>
+              <a:rPr lang="en-US" sz="2400" dirty="0"/>
+              <a:t>English</a:t>
+            </a:r>
+          </a:p>
+        </p:txBody>
+      </p:sp>
+      <p:sp>
+        <p:nvSpPr>
+          <p:cNvPr id="7" name="TextBox 6"/>
+          <p:cNvSpPr txBox="1"/>
+          <p:nvPr/>
+        </p:nvSpPr>
+        <p:spPr>
+          <a:xfrm>
+            <a:off x="7341442" y="5107678"/>
+            <a:ext cx="825867" cy="461665"/>
+          </a:xfrm>
+          <a:prstGeom prst="rect">
+            <a:avLst/>
+          </a:prstGeom>
+          <a:noFill/>
+        </p:spPr>
+        <p:txBody>
+          <a:bodyPr wrap="none" rtlCol="0">
+            <a:spAutoFit/>
+          </a:bodyPr>
+          <a:lstStyle/>
+          <a:p>
+            <a:r>
+              <a:rPr lang="en-US" sz="2400" dirty="0"/>
+              <a:t>Code</a:t>
+            </a:r>
+          </a:p>
+        </p:txBody>
+      </p:sp>
+      <p:sp>
+        <p:nvSpPr>
+          <p:cNvPr id="8" name="TextBox 7"/>
+          <p:cNvSpPr txBox="1"/>
+          <p:nvPr/>
+        </p:nvSpPr>
+        <p:spPr>
+          <a:xfrm>
+            <a:off x="3556000" y="5170319"/>
+            <a:ext cx="1026216" cy="461665"/>
+          </a:xfrm>
+          <a:prstGeom prst="rect">
+            <a:avLst/>
+          </a:prstGeom>
+          <a:noFill/>
+        </p:spPr>
+        <p:txBody>
+          <a:bodyPr wrap="square" rtlCol="0">
+            <a:spAutoFit/>
+          </a:bodyPr>
+          <a:lstStyle/>
+          <a:p>
+            <a:r>
+              <a:rPr lang="en-US" sz="2400" dirty="0"/>
+              <a:t>Result</a:t>
+            </a:r>
+          </a:p>
+        </p:txBody>
+      </p:sp>
+      <p:sp>
+        <p:nvSpPr>
+          <p:cNvPr id="9" name="TextBox 8"/>
+          <p:cNvSpPr txBox="1"/>
+          <p:nvPr/>
+        </p:nvSpPr>
+        <p:spPr>
+          <a:xfrm>
+            <a:off x="2844799" y="1923033"/>
+            <a:ext cx="1777772" cy="461665"/>
+          </a:xfrm>
+          <a:prstGeom prst="rect">
+            <a:avLst/>
+          </a:prstGeom>
+          <a:noFill/>
+        </p:spPr>
+        <p:txBody>
+          <a:bodyPr wrap="square" rtlCol="0">
+            <a:spAutoFit/>
+          </a:bodyPr>
+          <a:lstStyle/>
+          <a:p>
+            <a:r>
+              <a:rPr lang="en-US" sz="2400" dirty="0"/>
+              <a:t>Whiteboard</a:t>
+            </a:r>
+          </a:p>
+        </p:txBody>
+      </p:sp>
+      <p:grpSp>
+        <p:nvGrpSpPr>
+          <p:cNvPr id="10" name="Group 9"/>
+          <p:cNvGrpSpPr/>
+          <p:nvPr/>
+        </p:nvGrpSpPr>
+        <p:grpSpPr>
+          <a:xfrm>
+            <a:off x="1422400" y="279400"/>
+            <a:ext cx="1347536" cy="2802021"/>
+            <a:chOff x="635115" y="-227609"/>
+            <a:chExt cx="1010652" cy="2101516"/>
+          </a:xfrm>
+        </p:grpSpPr>
+        <p:sp>
+          <p:nvSpPr>
+            <p:cNvPr id="11" name="Rectangle 10"/>
+            <p:cNvSpPr/>
+            <p:nvPr/>
+          </p:nvSpPr>
+          <p:spPr bwMode="auto">
+            <a:xfrm>
+              <a:off x="635115" y="29065"/>
+              <a:ext cx="1010652" cy="1138989"/>
+            </a:xfrm>
+            <a:prstGeom prst="rect">
+              <a:avLst/>
+            </a:prstGeom>
+            <a:ln>
+              <a:headEnd type="none" w="med" len="med"/>
+              <a:tailEnd type="none" w="med" len="med"/>
+            </a:ln>
+          </p:spPr>
+          <p:style>
+            <a:lnRef idx="2">
+              <a:schemeClr val="dk1"/>
+            </a:lnRef>
+            <a:fillRef idx="1">
+              <a:schemeClr val="lt1"/>
+            </a:fillRef>
+            <a:effectRef idx="0">
+              <a:schemeClr val="dk1"/>
+            </a:effectRef>
+            <a:fontRef idx="minor">
+              <a:schemeClr val="dk1"/>
+            </a:fontRef>
+          </p:style>
+          <p:txBody>
+            <a:bodyPr vert="horz" wrap="square" lIns="121920" tIns="60960" rIns="121920" bIns="60960" numCol="1" rtlCol="0" anchor="t" anchorCtr="0" compatLnSpc="1">
+              <a:prstTxWarp prst="textNoShape">
+                <a:avLst/>
+              </a:prstTxWarp>
+            </a:bodyPr>
+            <a:lstStyle/>
+            <a:p>
+              <a:pPr defTabSz="1219170" eaLnBrk="0" fontAlgn="base" hangingPunct="0">
+                <a:spcBef>
+                  <a:spcPct val="0"/>
+                </a:spcBef>
+                <a:spcAft>
+                  <a:spcPct val="0"/>
+                </a:spcAft>
+              </a:pPr>
+              <a:endParaRPr lang="en-US" sz="3200" b="1">
+                <a:solidFill>
+                  <a:schemeClr val="tx1"/>
+                </a:solidFill>
+                <a:latin typeface="Arial" charset="0"/>
+              </a:endParaRPr>
+            </a:p>
+          </p:txBody>
+        </p:sp>
+        <p:cxnSp>
+          <p:nvCxnSpPr>
+            <p:cNvPr id="12" name="Straight Connector 11"/>
+            <p:cNvCxnSpPr/>
+            <p:nvPr/>
+          </p:nvCxnSpPr>
+          <p:spPr bwMode="auto">
+            <a:xfrm>
+              <a:off x="1140441" y="-227609"/>
+              <a:ext cx="0" cy="256674"/>
+            </a:xfrm>
+            <a:prstGeom prst="line">
+              <a:avLst/>
+            </a:prstGeom>
+            <a:solidFill>
+              <a:schemeClr val="accent1"/>
+            </a:solidFill>
+            <a:ln w="9525" cap="flat" cmpd="sng" algn="ctr">
+              <a:solidFill>
+                <a:schemeClr val="tx1"/>
+              </a:solidFill>
+              <a:prstDash val="solid"/>
+              <a:round/>
+              <a:headEnd type="none" w="med" len="med"/>
+              <a:tailEnd type="none" w="med" len="med"/>
+            </a:ln>
+            <a:effectLst/>
+          </p:spPr>
+        </p:cxnSp>
+        <p:cxnSp>
+          <p:nvCxnSpPr>
+            <p:cNvPr id="13" name="Straight Connector 12"/>
+            <p:cNvCxnSpPr/>
+            <p:nvPr/>
+          </p:nvCxnSpPr>
+          <p:spPr bwMode="auto">
+            <a:xfrm flipV="1">
+              <a:off x="819599" y="1168054"/>
+              <a:ext cx="184484" cy="705853"/>
+            </a:xfrm>
+            <a:prstGeom prst="line">
+              <a:avLst/>
+            </a:prstGeom>
+            <a:solidFill>
+              <a:schemeClr val="accent1"/>
+            </a:solidFill>
+            <a:ln w="9525" cap="flat" cmpd="sng" algn="ctr">
+              <a:solidFill>
+                <a:schemeClr val="tx1"/>
+              </a:solidFill>
+              <a:prstDash val="solid"/>
+              <a:round/>
+              <a:headEnd type="none" w="med" len="med"/>
+              <a:tailEnd type="none" w="med" len="med"/>
+            </a:ln>
+            <a:effectLst/>
+          </p:spPr>
+        </p:cxnSp>
+        <p:cxnSp>
+          <p:nvCxnSpPr>
+            <p:cNvPr id="14" name="Straight Connector 13"/>
+            <p:cNvCxnSpPr/>
+            <p:nvPr/>
+          </p:nvCxnSpPr>
+          <p:spPr bwMode="auto">
+            <a:xfrm flipV="1">
+              <a:off x="1140441" y="1168054"/>
+              <a:ext cx="0" cy="529390"/>
+            </a:xfrm>
+            <a:prstGeom prst="line">
+              <a:avLst/>
+            </a:prstGeom>
+            <a:solidFill>
+              <a:schemeClr val="accent1"/>
+            </a:solidFill>
+            <a:ln w="9525" cap="flat" cmpd="sng" algn="ctr">
+              <a:solidFill>
+                <a:schemeClr val="tx1"/>
+              </a:solidFill>
+              <a:prstDash val="solid"/>
+              <a:round/>
+              <a:headEnd type="none" w="med" len="med"/>
+              <a:tailEnd type="none" w="med" len="med"/>
+            </a:ln>
+            <a:effectLst/>
+          </p:spPr>
+        </p:cxnSp>
+        <p:cxnSp>
+          <p:nvCxnSpPr>
+            <p:cNvPr id="15" name="Straight Connector 14"/>
+            <p:cNvCxnSpPr/>
+            <p:nvPr/>
+          </p:nvCxnSpPr>
+          <p:spPr bwMode="auto">
+            <a:xfrm flipH="1" flipV="1">
+              <a:off x="1276799" y="1168054"/>
+              <a:ext cx="176463" cy="705853"/>
+            </a:xfrm>
+            <a:prstGeom prst="line">
+              <a:avLst/>
+            </a:prstGeom>
+            <a:solidFill>
+              <a:schemeClr val="accent1"/>
+            </a:solidFill>
+            <a:ln w="9525" cap="flat" cmpd="sng" algn="ctr">
+              <a:solidFill>
+                <a:schemeClr val="tx1"/>
+              </a:solidFill>
+              <a:prstDash val="solid"/>
+              <a:round/>
+              <a:headEnd type="none" w="med" len="med"/>
+              <a:tailEnd type="none" w="med" len="med"/>
+            </a:ln>
+            <a:effectLst/>
+          </p:spPr>
+        </p:cxnSp>
+        <p:cxnSp>
+          <p:nvCxnSpPr>
+            <p:cNvPr id="16" name="Straight Arrow Connector 15"/>
+            <p:cNvCxnSpPr/>
+            <p:nvPr/>
+          </p:nvCxnSpPr>
+          <p:spPr bwMode="auto">
+            <a:xfrm>
+              <a:off x="1140441" y="173520"/>
+              <a:ext cx="0" cy="842838"/>
+            </a:xfrm>
+            <a:prstGeom prst="straightConnector1">
+              <a:avLst/>
+            </a:prstGeom>
+            <a:solidFill>
+              <a:schemeClr val="accent1"/>
+            </a:solidFill>
+            <a:ln w="9525" cap="flat" cmpd="sng" algn="ctr">
+              <a:solidFill>
+                <a:schemeClr val="tx1"/>
+              </a:solidFill>
+              <a:prstDash val="solid"/>
+              <a:round/>
+              <a:headEnd type="arrow"/>
+              <a:tailEnd type="arrow"/>
+            </a:ln>
+            <a:effectLst/>
+          </p:spPr>
+        </p:cxnSp>
+        <p:cxnSp>
+          <p:nvCxnSpPr>
+            <p:cNvPr id="17" name="Straight Arrow Connector 16"/>
+            <p:cNvCxnSpPr/>
+            <p:nvPr/>
+          </p:nvCxnSpPr>
+          <p:spPr bwMode="auto">
+            <a:xfrm flipV="1">
+              <a:off x="762000" y="598559"/>
+              <a:ext cx="691262" cy="1"/>
+            </a:xfrm>
+            <a:prstGeom prst="straightConnector1">
+              <a:avLst/>
+            </a:prstGeom>
+            <a:solidFill>
+              <a:schemeClr val="accent1"/>
+            </a:solidFill>
+            <a:ln w="9525" cap="flat" cmpd="sng" algn="ctr">
+              <a:solidFill>
+                <a:schemeClr val="tx1"/>
+              </a:solidFill>
+              <a:prstDash val="solid"/>
+              <a:round/>
+              <a:headEnd type="arrow"/>
+              <a:tailEnd type="arrow"/>
+            </a:ln>
+            <a:effectLst/>
+          </p:spPr>
+        </p:cxnSp>
+        <p:cxnSp>
+          <p:nvCxnSpPr>
+            <p:cNvPr id="18" name="Straight Connector 17"/>
+            <p:cNvCxnSpPr/>
+            <p:nvPr/>
+          </p:nvCxnSpPr>
+          <p:spPr bwMode="auto">
+            <a:xfrm flipV="1">
+              <a:off x="1140441" y="380254"/>
+              <a:ext cx="224589" cy="218123"/>
+            </a:xfrm>
+            <a:prstGeom prst="line">
+              <a:avLst/>
+            </a:prstGeom>
+            <a:solidFill>
+              <a:schemeClr val="accent1"/>
+            </a:solidFill>
+            <a:ln w="34925" cap="flat" cmpd="sng" algn="ctr">
+              <a:solidFill>
+                <a:srgbClr val="FF0000"/>
+              </a:solidFill>
+              <a:prstDash val="solid"/>
+              <a:round/>
+              <a:headEnd type="none" w="med" len="med"/>
+              <a:tailEnd type="none" w="med" len="med"/>
+            </a:ln>
+            <a:effectLst/>
+          </p:spPr>
+        </p:cxnSp>
+      </p:grpSp>
+      <p:sp>
+        <p:nvSpPr>
+          <p:cNvPr id="19" name="TextBox 18"/>
+          <p:cNvSpPr txBox="1"/>
+          <p:nvPr/>
+        </p:nvSpPr>
+        <p:spPr>
+          <a:xfrm>
+            <a:off x="7620003" y="889002"/>
+            <a:ext cx="3555876" cy="830997"/>
+          </a:xfrm>
+          <a:prstGeom prst="rect">
+            <a:avLst/>
+          </a:prstGeom>
+          <a:solidFill>
+            <a:schemeClr val="bg1"/>
+          </a:solidFill>
+          <a:ln>
+            <a:solidFill>
+              <a:schemeClr val="tx1"/>
+            </a:solidFill>
+          </a:ln>
+        </p:spPr>
+        <p:txBody>
+          <a:bodyPr wrap="square" rtlCol="0">
+            <a:spAutoFit/>
+          </a:bodyPr>
+          <a:lstStyle/>
+          <a:p>
+            <a:r>
+              <a:rPr lang="en-US" sz="2400" dirty="0">
+                <a:solidFill>
+                  <a:srgbClr val="2AD122"/>
+                </a:solidFill>
+              </a:rPr>
+              <a:t>// Create side (0,0) – (3,4)</a:t>
+            </a:r>
+          </a:p>
+          <a:p>
+            <a:r>
+              <a:rPr lang="en-US" sz="2400" dirty="0">
+                <a:solidFill>
+                  <a:srgbClr val="2AD122"/>
+                </a:solidFill>
+              </a:rPr>
+              <a:t>// Verify length</a:t>
+            </a:r>
+          </a:p>
+        </p:txBody>
+      </p:sp>
+      <p:sp>
+        <p:nvSpPr>
+          <p:cNvPr id="20" name="TextBox 19"/>
+          <p:cNvSpPr txBox="1"/>
+          <p:nvPr/>
+        </p:nvSpPr>
+        <p:spPr>
+          <a:xfrm>
+            <a:off x="7010400" y="5867400"/>
+            <a:ext cx="5080000" cy="748795"/>
+          </a:xfrm>
+          <a:prstGeom prst="rect">
+            <a:avLst/>
+          </a:prstGeom>
+          <a:solidFill>
+            <a:schemeClr val="bg1"/>
+          </a:solidFill>
+          <a:ln>
+            <a:solidFill>
+              <a:schemeClr val="tx1"/>
+            </a:solidFill>
+          </a:ln>
+        </p:spPr>
+        <p:txBody>
+          <a:bodyPr wrap="square" rtlCol="0">
+            <a:spAutoFit/>
+          </a:bodyPr>
+          <a:lstStyle/>
+          <a:p>
+            <a:r>
+              <a:rPr lang="en-US" sz="2133" dirty="0"/>
+              <a:t>Side s = new Side(0,0,3,4);</a:t>
+            </a:r>
+          </a:p>
+          <a:p>
+            <a:r>
+              <a:rPr lang="en-US" sz="2133" dirty="0"/>
+              <a:t>Approvals.Verify(s + “ length = “ +s.Length);</a:t>
+            </a:r>
+          </a:p>
+        </p:txBody>
+      </p:sp>
+      <p:sp>
+        <p:nvSpPr>
+          <p:cNvPr id="21" name="TextBox 20"/>
+          <p:cNvSpPr txBox="1"/>
+          <p:nvPr/>
+        </p:nvSpPr>
+        <p:spPr>
+          <a:xfrm>
+            <a:off x="508000" y="5867401"/>
+            <a:ext cx="3984867" cy="502766"/>
+          </a:xfrm>
+          <a:prstGeom prst="rect">
+            <a:avLst/>
+          </a:prstGeom>
+          <a:solidFill>
+            <a:schemeClr val="bg1"/>
+          </a:solidFill>
+          <a:ln>
+            <a:solidFill>
+              <a:schemeClr val="tx1"/>
+            </a:solidFill>
+          </a:ln>
+        </p:spPr>
+        <p:txBody>
+          <a:bodyPr wrap="square" rtlCol="0">
+            <a:spAutoFit/>
+          </a:bodyPr>
+          <a:lstStyle/>
+          <a:p>
+            <a:r>
+              <a:rPr lang="en-US" sz="2667" dirty="0"/>
+              <a:t>Side (0,0) – (3,4) length = 5</a:t>
+            </a:r>
+          </a:p>
+        </p:txBody>
+      </p:sp>
+      <p:sp>
+        <p:nvSpPr>
+          <p:cNvPr id="22" name="Curved Down Arrow 21"/>
+          <p:cNvSpPr/>
+          <p:nvPr/>
+        </p:nvSpPr>
+        <p:spPr bwMode="auto">
+          <a:xfrm rot="10800000">
+            <a:off x="4590493" y="5025943"/>
+            <a:ext cx="2718871" cy="1219200"/>
+          </a:xfrm>
+          <a:prstGeom prst="curvedDownArrow">
+            <a:avLst/>
+          </a:prstGeom>
+          <a:ln>
+            <a:headEnd type="none" w="med" len="med"/>
+            <a:tailEnd type="none" w="med" len="med"/>
+          </a:ln>
+        </p:spPr>
+        <p:style>
+          <a:lnRef idx="2">
+            <a:schemeClr val="dk1"/>
+          </a:lnRef>
+          <a:fillRef idx="1">
+            <a:schemeClr val="lt1"/>
+          </a:fillRef>
+          <a:effectRef idx="0">
+            <a:schemeClr val="dk1"/>
+          </a:effectRef>
+          <a:fontRef idx="minor">
+            <a:schemeClr val="dk1"/>
+          </a:fontRef>
+        </p:style>
+        <p:txBody>
+          <a:bodyPr vert="horz" wrap="square" lIns="121920" tIns="60960" rIns="121920" bIns="60960" numCol="1" rtlCol="0" anchor="t" anchorCtr="0" compatLnSpc="1">
+            <a:prstTxWarp prst="textNoShape">
+              <a:avLst/>
+            </a:prstTxWarp>
+          </a:bodyPr>
+          <a:lstStyle/>
+          <a:p>
+            <a:pPr defTabSz="1219170" eaLnBrk="0" fontAlgn="base" hangingPunct="0">
+              <a:spcBef>
+                <a:spcPct val="0"/>
+              </a:spcBef>
+              <a:spcAft>
+                <a:spcPct val="0"/>
+              </a:spcAft>
+            </a:pPr>
+            <a:endParaRPr lang="en-US" sz="3200" b="1">
+              <a:solidFill>
+                <a:schemeClr val="tx1"/>
+              </a:solidFill>
+              <a:latin typeface="Arial" charset="0"/>
+            </a:endParaRPr>
+          </a:p>
+        </p:txBody>
+      </p:sp>
+      <p:sp>
+        <p:nvSpPr>
+          <p:cNvPr id="23" name="TextBox 22"/>
+          <p:cNvSpPr txBox="1"/>
+          <p:nvPr/>
+        </p:nvSpPr>
+        <p:spPr>
+          <a:xfrm>
+            <a:off x="4165604" y="3327402"/>
+            <a:ext cx="3453061" cy="830997"/>
+          </a:xfrm>
+          <a:prstGeom prst="rect">
+            <a:avLst/>
+          </a:prstGeom>
+          <a:noFill/>
+        </p:spPr>
+        <p:txBody>
+          <a:bodyPr wrap="none" rtlCol="0">
+            <a:spAutoFit/>
+          </a:bodyPr>
+          <a:lstStyle/>
+          <a:p>
+            <a:r>
+              <a:rPr lang="en-US" sz="4800" dirty="0"/>
+              <a:t>Testing Circle</a:t>
+            </a:r>
+          </a:p>
+        </p:txBody>
+      </p:sp>
+    </p:spTree>
+    <p:extLst>
+      <p:ext uri="{BB962C8B-B14F-4D97-AF65-F5344CB8AC3E}">
+        <p14:creationId xmlns:p14="http://schemas.microsoft.com/office/powerpoint/2010/main" val="4224351410"/>
       </p:ext>
     </p:extLst>
   </p:cSld>

--- a/slides/Testing Better with Approvals.pptx
+++ b/slides/Testing Better with Approvals.pptx
@@ -5,7 +5,7 @@
     <p:sldMasterId id="2147483648" r:id="rId1"/>
   </p:sldMasterIdLst>
   <p:notesMasterIdLst>
-    <p:notesMasterId r:id="rId58"/>
+    <p:notesMasterId r:id="rId59"/>
   </p:notesMasterIdLst>
   <p:sldIdLst>
     <p:sldId id="300" r:id="rId2"/>
@@ -45,25 +45,26 @@
     <p:sldId id="315" r:id="rId36"/>
     <p:sldId id="345" r:id="rId37"/>
     <p:sldId id="346" r:id="rId38"/>
-    <p:sldId id="316" r:id="rId39"/>
-    <p:sldId id="268" r:id="rId40"/>
-    <p:sldId id="319" r:id="rId41"/>
-    <p:sldId id="317" r:id="rId42"/>
-    <p:sldId id="318" r:id="rId43"/>
-    <p:sldId id="322" r:id="rId44"/>
-    <p:sldId id="290" r:id="rId45"/>
-    <p:sldId id="320" r:id="rId46"/>
-    <p:sldId id="321" r:id="rId47"/>
-    <p:sldId id="323" r:id="rId48"/>
-    <p:sldId id="276" r:id="rId49"/>
-    <p:sldId id="279" r:id="rId50"/>
-    <p:sldId id="281" r:id="rId51"/>
-    <p:sldId id="280" r:id="rId52"/>
-    <p:sldId id="291" r:id="rId53"/>
-    <p:sldId id="264" r:id="rId54"/>
-    <p:sldId id="257" r:id="rId55"/>
-    <p:sldId id="282" r:id="rId56"/>
-    <p:sldId id="259" r:id="rId57"/>
+    <p:sldId id="347" r:id="rId39"/>
+    <p:sldId id="316" r:id="rId40"/>
+    <p:sldId id="268" r:id="rId41"/>
+    <p:sldId id="319" r:id="rId42"/>
+    <p:sldId id="317" r:id="rId43"/>
+    <p:sldId id="318" r:id="rId44"/>
+    <p:sldId id="322" r:id="rId45"/>
+    <p:sldId id="290" r:id="rId46"/>
+    <p:sldId id="320" r:id="rId47"/>
+    <p:sldId id="321" r:id="rId48"/>
+    <p:sldId id="323" r:id="rId49"/>
+    <p:sldId id="276" r:id="rId50"/>
+    <p:sldId id="279" r:id="rId51"/>
+    <p:sldId id="281" r:id="rId52"/>
+    <p:sldId id="280" r:id="rId53"/>
+    <p:sldId id="291" r:id="rId54"/>
+    <p:sldId id="264" r:id="rId55"/>
+    <p:sldId id="257" r:id="rId56"/>
+    <p:sldId id="282" r:id="rId57"/>
+    <p:sldId id="259" r:id="rId58"/>
   </p:sldIdLst>
   <p:sldSz cx="12192000" cy="6858000"/>
   <p:notesSz cx="6858000" cy="9144000"/>
@@ -216,6 +217,7 @@
             <p14:sldId id="315"/>
             <p14:sldId id="345"/>
             <p14:sldId id="346"/>
+            <p14:sldId id="347"/>
             <p14:sldId id="316"/>
             <p14:sldId id="268"/>
           </p14:sldIdLst>
@@ -1022,7 +1024,7 @@
           <a:p>
             <a:fld id="{FC5BBC2B-72B0-2542-8213-717906F3F32B}" type="slidenum">
               <a:rPr lang="en-US" smtClean="0"/>
-              <a:t>38</a:t>
+              <a:t>39</a:t>
             </a:fld>
             <a:endParaRPr lang="en-US"/>
           </a:p>
@@ -1130,7 +1132,7 @@
           <a:p>
             <a:fld id="{FC5BBC2B-72B0-2542-8213-717906F3F32B}" type="slidenum">
               <a:rPr lang="en-US" smtClean="0"/>
-              <a:t>39</a:t>
+              <a:t>40</a:t>
             </a:fld>
             <a:endParaRPr lang="en-US"/>
           </a:p>
@@ -1217,7 +1219,7 @@
           <a:p>
             <a:fld id="{FC5BBC2B-72B0-2542-8213-717906F3F32B}" type="slidenum">
               <a:rPr lang="en-US" smtClean="0"/>
-              <a:t>41</a:t>
+              <a:t>42</a:t>
             </a:fld>
             <a:endParaRPr lang="en-US"/>
           </a:p>
@@ -1328,7 +1330,7 @@
           <a:p>
             <a:fld id="{FC5BBC2B-72B0-2542-8213-717906F3F32B}" type="slidenum">
               <a:rPr lang="en-US" smtClean="0"/>
-              <a:t>42</a:t>
+              <a:t>43</a:t>
             </a:fld>
             <a:endParaRPr lang="en-US"/>
           </a:p>
@@ -1439,7 +1441,7 @@
           <a:p>
             <a:fld id="{FC5BBC2B-72B0-2542-8213-717906F3F32B}" type="slidenum">
               <a:rPr lang="en-US" smtClean="0"/>
-              <a:t>45</a:t>
+              <a:t>46</a:t>
             </a:fld>
             <a:endParaRPr lang="en-US"/>
           </a:p>
@@ -1550,7 +1552,7 @@
           <a:p>
             <a:fld id="{FC5BBC2B-72B0-2542-8213-717906F3F32B}" type="slidenum">
               <a:rPr lang="en-US" smtClean="0"/>
-              <a:t>46</a:t>
+              <a:t>47</a:t>
             </a:fld>
             <a:endParaRPr lang="en-US"/>
           </a:p>
@@ -1658,7 +1660,7 @@
           <a:p>
             <a:fld id="{FC5BBC2B-72B0-2542-8213-717906F3F32B}" type="slidenum">
               <a:rPr lang="en-US" smtClean="0"/>
-              <a:t>48</a:t>
+              <a:t>49</a:t>
             </a:fld>
             <a:endParaRPr lang="en-US"/>
           </a:p>
@@ -1766,7 +1768,7 @@
           <a:p>
             <a:fld id="{FC5BBC2B-72B0-2542-8213-717906F3F32B}" type="slidenum">
               <a:rPr lang="en-US" smtClean="0"/>
-              <a:t>49</a:t>
+              <a:t>50</a:t>
             </a:fld>
             <a:endParaRPr lang="en-US"/>
           </a:p>
@@ -1961,7 +1963,7 @@
           <a:p>
             <a:fld id="{FC5BBC2B-72B0-2542-8213-717906F3F32B}" type="slidenum">
               <a:rPr lang="en-US" smtClean="0"/>
-              <a:t>50</a:t>
+              <a:t>51</a:t>
             </a:fld>
             <a:endParaRPr lang="en-US"/>
           </a:p>
@@ -2069,7 +2071,7 @@
           <a:p>
             <a:fld id="{FC5BBC2B-72B0-2542-8213-717906F3F32B}" type="slidenum">
               <a:rPr lang="en-US" smtClean="0"/>
-              <a:t>51</a:t>
+              <a:t>52</a:t>
             </a:fld>
             <a:endParaRPr lang="en-US"/>
           </a:p>
@@ -2177,7 +2179,7 @@
           <a:p>
             <a:fld id="{FC5BBC2B-72B0-2542-8213-717906F3F32B}" type="slidenum">
               <a:rPr lang="en-US" smtClean="0"/>
-              <a:t>52</a:t>
+              <a:t>53</a:t>
             </a:fld>
             <a:endParaRPr lang="en-US"/>
           </a:p>
@@ -2261,7 +2263,7 @@
           <a:p>
             <a:fld id="{FC5BBC2B-72B0-2542-8213-717906F3F32B}" type="slidenum">
               <a:rPr lang="en-US" smtClean="0"/>
-              <a:t>54</a:t>
+              <a:t>55</a:t>
             </a:fld>
             <a:endParaRPr lang="en-US"/>
           </a:p>
@@ -2369,7 +2371,7 @@
           <a:p>
             <a:fld id="{FC5BBC2B-72B0-2542-8213-717906F3F32B}" type="slidenum">
               <a:rPr lang="en-US" smtClean="0"/>
-              <a:t>55</a:t>
+              <a:t>56</a:t>
             </a:fld>
             <a:endParaRPr lang="en-US"/>
           </a:p>
@@ -2453,7 +2455,7 @@
           <a:p>
             <a:fld id="{FC5BBC2B-72B0-2542-8213-717906F3F32B}" type="slidenum">
               <a:rPr lang="en-US" smtClean="0"/>
-              <a:t>56</a:t>
+              <a:t>57</a:t>
             </a:fld>
             <a:endParaRPr lang="en-US"/>
           </a:p>
@@ -18864,6 +18866,1202 @@
   <p:cSld>
     <p:spTree>
       <p:nvGrpSpPr>
+        <p:cNvPr id="1" name=""/>
+        <p:cNvGrpSpPr/>
+        <p:nvPr/>
+      </p:nvGrpSpPr>
+      <p:grpSpPr>
+        <a:xfrm>
+          <a:off x="0" y="0"/>
+          <a:ext cx="0" cy="0"/>
+          <a:chOff x="0" y="0"/>
+          <a:chExt cx="0" cy="0"/>
+        </a:xfrm>
+      </p:grpSpPr>
+      <p:sp>
+        <p:nvSpPr>
+          <p:cNvPr id="3" name="TextBox 2">
+            <a:extLst>
+              <a:ext uri="{FF2B5EF4-FFF2-40B4-BE49-F238E27FC236}">
+                <a16:creationId xmlns:a16="http://schemas.microsoft.com/office/drawing/2014/main" id="{F453BE4E-85AA-F142-DC28-C8C6E1DF380C}"/>
+              </a:ext>
+            </a:extLst>
+          </p:cNvPr>
+          <p:cNvSpPr txBox="1"/>
+          <p:nvPr/>
+        </p:nvSpPr>
+        <p:spPr>
+          <a:xfrm>
+            <a:off x="219067" y="173515"/>
+            <a:ext cx="4080558" cy="1046440"/>
+          </a:xfrm>
+          <a:prstGeom prst="rect">
+            <a:avLst/>
+          </a:prstGeom>
+          <a:noFill/>
+        </p:spPr>
+        <p:txBody>
+          <a:bodyPr wrap="square" rtlCol="0">
+            <a:spAutoFit/>
+          </a:bodyPr>
+          <a:lstStyle/>
+          <a:p>
+            <a:r>
+              <a:rPr lang="en-US"/>
+              <a:t>New Concept: </a:t>
+            </a:r>
+          </a:p>
+          <a:p>
+            <a:r>
+              <a:rPr lang="en-US" sz="4400"/>
+              <a:t>Inline Approvals</a:t>
+            </a:r>
+          </a:p>
+        </p:txBody>
+      </p:sp>
+      <p:pic>
+        <p:nvPicPr>
+          <p:cNvPr id="9" name="Picture 8" descr="A screenshot of a computer&#10;&#10;Description automatically generated">
+            <a:extLst>
+              <a:ext uri="{FF2B5EF4-FFF2-40B4-BE49-F238E27FC236}">
+                <a16:creationId xmlns:a16="http://schemas.microsoft.com/office/drawing/2014/main" id="{902C3009-03BB-1EB0-86FD-2613C98AB1CA}"/>
+              </a:ext>
+            </a:extLst>
+          </p:cNvPr>
+          <p:cNvPicPr>
+            <a:picLocks noChangeAspect="1"/>
+          </p:cNvPicPr>
+          <p:nvPr/>
+        </p:nvPicPr>
+        <p:blipFill>
+          <a:blip r:embed="rId2"/>
+          <a:stretch>
+            <a:fillRect/>
+          </a:stretch>
+        </p:blipFill>
+        <p:spPr>
+          <a:xfrm>
+            <a:off x="6310319" y="2059090"/>
+            <a:ext cx="5536066" cy="2739820"/>
+          </a:xfrm>
+          <a:prstGeom prst="rect">
+            <a:avLst/>
+          </a:prstGeom>
+        </p:spPr>
+      </p:pic>
+      <p:cxnSp>
+        <p:nvCxnSpPr>
+          <p:cNvPr id="10" name="Straight Connector 9">
+            <a:extLst>
+              <a:ext uri="{FF2B5EF4-FFF2-40B4-BE49-F238E27FC236}">
+                <a16:creationId xmlns:a16="http://schemas.microsoft.com/office/drawing/2014/main" id="{A078C818-46D0-59BC-DB55-2B66DC035F9D}"/>
+              </a:ext>
+            </a:extLst>
+          </p:cNvPr>
+          <p:cNvCxnSpPr>
+            <a:cxnSpLocks/>
+          </p:cNvCxnSpPr>
+          <p:nvPr/>
+        </p:nvCxnSpPr>
+        <p:spPr>
+          <a:xfrm>
+            <a:off x="5962472" y="522250"/>
+            <a:ext cx="0" cy="6025896"/>
+          </a:xfrm>
+          <a:prstGeom prst="line">
+            <a:avLst/>
+          </a:prstGeom>
+          <a:ln w="38100"/>
+        </p:spPr>
+        <p:style>
+          <a:lnRef idx="1">
+            <a:schemeClr val="dk1"/>
+          </a:lnRef>
+          <a:fillRef idx="0">
+            <a:schemeClr val="dk1"/>
+          </a:fillRef>
+          <a:effectRef idx="0">
+            <a:schemeClr val="dk1"/>
+          </a:effectRef>
+          <a:fontRef idx="minor">
+            <a:schemeClr val="tx1"/>
+          </a:fontRef>
+        </p:style>
+      </p:cxnSp>
+      <p:pic>
+        <p:nvPicPr>
+          <p:cNvPr id="13" name="Picture 12" descr="A close-up of a word&#10;&#10;Description automatically generated">
+            <a:extLst>
+              <a:ext uri="{FF2B5EF4-FFF2-40B4-BE49-F238E27FC236}">
+                <a16:creationId xmlns:a16="http://schemas.microsoft.com/office/drawing/2014/main" id="{1285C983-BE1C-4827-82B6-6E225B299E68}"/>
+              </a:ext>
+            </a:extLst>
+          </p:cNvPr>
+          <p:cNvPicPr>
+            <a:picLocks noChangeAspect="1"/>
+          </p:cNvPicPr>
+          <p:nvPr/>
+        </p:nvPicPr>
+        <p:blipFill>
+          <a:blip r:embed="rId3"/>
+          <a:stretch>
+            <a:fillRect/>
+          </a:stretch>
+        </p:blipFill>
+        <p:spPr>
+          <a:xfrm>
+            <a:off x="219067" y="3138149"/>
+            <a:ext cx="5487214" cy="794098"/>
+          </a:xfrm>
+          <a:prstGeom prst="rect">
+            <a:avLst/>
+          </a:prstGeom>
+        </p:spPr>
+      </p:pic>
+      <p:grpSp>
+        <p:nvGrpSpPr>
+          <p:cNvPr id="57" name="Group 56">
+            <a:extLst>
+              <a:ext uri="{FF2B5EF4-FFF2-40B4-BE49-F238E27FC236}">
+                <a16:creationId xmlns:a16="http://schemas.microsoft.com/office/drawing/2014/main" id="{6301EF46-AB34-4731-D6C8-AB9CA18FDAF2}"/>
+              </a:ext>
+            </a:extLst>
+          </p:cNvPr>
+          <p:cNvGrpSpPr/>
+          <p:nvPr/>
+        </p:nvGrpSpPr>
+        <p:grpSpPr>
+          <a:xfrm>
+            <a:off x="145916" y="2301251"/>
+            <a:ext cx="2577810" cy="1404988"/>
+            <a:chOff x="145916" y="2301251"/>
+            <a:chExt cx="2577810" cy="1404988"/>
+          </a:xfrm>
+        </p:grpSpPr>
+        <p:sp>
+          <p:nvSpPr>
+            <p:cNvPr id="11" name="Rounded Rectangle 10">
+              <a:extLst>
+                <a:ext uri="{FF2B5EF4-FFF2-40B4-BE49-F238E27FC236}">
+                  <a16:creationId xmlns:a16="http://schemas.microsoft.com/office/drawing/2014/main" id="{6C4D60C6-5EBC-B24F-D7BC-735D45C695A5}"/>
+                </a:ext>
+              </a:extLst>
+            </p:cNvPr>
+            <p:cNvSpPr/>
+            <p:nvPr/>
+          </p:nvSpPr>
+          <p:spPr>
+            <a:xfrm>
+              <a:off x="145916" y="3083670"/>
+              <a:ext cx="1663425" cy="622569"/>
+            </a:xfrm>
+            <a:prstGeom prst="roundRect">
+              <a:avLst/>
+            </a:prstGeom>
+            <a:noFill/>
+            <a:ln w="57150">
+              <a:solidFill>
+                <a:srgbClr val="C00000"/>
+              </a:solidFill>
+            </a:ln>
+          </p:spPr>
+          <p:style>
+            <a:lnRef idx="2">
+              <a:schemeClr val="accent1">
+                <a:shade val="15000"/>
+              </a:schemeClr>
+            </a:lnRef>
+            <a:fillRef idx="1">
+              <a:schemeClr val="accent1"/>
+            </a:fillRef>
+            <a:effectRef idx="0">
+              <a:schemeClr val="accent1"/>
+            </a:effectRef>
+            <a:fontRef idx="minor">
+              <a:schemeClr val="lt1"/>
+            </a:fontRef>
+          </p:style>
+          <p:txBody>
+            <a:bodyPr rtlCol="0" anchor="ctr"/>
+            <a:lstStyle/>
+            <a:p>
+              <a:pPr algn="ctr"/>
+              <a:endParaRPr lang="en-US">
+                <a:solidFill>
+                  <a:srgbClr val="C00000"/>
+                </a:solidFill>
+              </a:endParaRPr>
+            </a:p>
+          </p:txBody>
+        </p:sp>
+        <p:cxnSp>
+          <p:nvCxnSpPr>
+            <p:cNvPr id="20" name="Straight Arrow Connector 19">
+              <a:extLst>
+                <a:ext uri="{FF2B5EF4-FFF2-40B4-BE49-F238E27FC236}">
+                  <a16:creationId xmlns:a16="http://schemas.microsoft.com/office/drawing/2014/main" id="{55DC5B42-EF86-A659-41BE-FE5BDFA24CDB}"/>
+                </a:ext>
+              </a:extLst>
+            </p:cNvPr>
+            <p:cNvCxnSpPr>
+              <a:cxnSpLocks/>
+            </p:cNvCxnSpPr>
+            <p:nvPr/>
+          </p:nvCxnSpPr>
+          <p:spPr>
+            <a:xfrm flipH="1">
+              <a:off x="1468877" y="2577830"/>
+              <a:ext cx="447472" cy="437744"/>
+            </a:xfrm>
+            <a:prstGeom prst="straightConnector1">
+              <a:avLst/>
+            </a:prstGeom>
+            <a:ln w="19050">
+              <a:solidFill>
+                <a:srgbClr val="C00000"/>
+              </a:solidFill>
+              <a:tailEnd type="triangle"/>
+            </a:ln>
+          </p:spPr>
+          <p:style>
+            <a:lnRef idx="1">
+              <a:schemeClr val="accent1"/>
+            </a:lnRef>
+            <a:fillRef idx="0">
+              <a:schemeClr val="accent1"/>
+            </a:fillRef>
+            <a:effectRef idx="0">
+              <a:schemeClr val="accent1"/>
+            </a:effectRef>
+            <a:fontRef idx="minor">
+              <a:schemeClr val="tx1"/>
+            </a:fontRef>
+          </p:style>
+        </p:cxnSp>
+        <p:sp>
+          <p:nvSpPr>
+            <p:cNvPr id="17" name="Approved output">
+              <a:extLst>
+                <a:ext uri="{FF2B5EF4-FFF2-40B4-BE49-F238E27FC236}">
+                  <a16:creationId xmlns:a16="http://schemas.microsoft.com/office/drawing/2014/main" id="{5BFE5EC7-70AA-0AE7-98EE-366F5BCE6CE2}"/>
+                </a:ext>
+              </a:extLst>
+            </p:cNvPr>
+            <p:cNvSpPr txBox="1"/>
+            <p:nvPr/>
+          </p:nvSpPr>
+          <p:spPr>
+            <a:xfrm>
+              <a:off x="894956" y="2301251"/>
+              <a:ext cx="1828770" cy="369332"/>
+            </a:xfrm>
+            <a:prstGeom prst="rect">
+              <a:avLst/>
+            </a:prstGeom>
+            <a:noFill/>
+          </p:spPr>
+          <p:txBody>
+            <a:bodyPr wrap="none" rtlCol="0">
+              <a:spAutoFit/>
+            </a:bodyPr>
+            <a:lstStyle/>
+            <a:p>
+              <a:r>
+                <a:rPr lang="en-US" u="sng">
+                  <a:solidFill>
+                    <a:srgbClr val="C00000"/>
+                  </a:solidFill>
+                  <a:latin typeface="Ink Free" panose="020F0502020204030204" pitchFamily="34" charset="0"/>
+                  <a:ea typeface="Heiti TC Medium" pitchFamily="2" charset="-128"/>
+                </a:rPr>
+                <a:t>Approved</a:t>
+              </a:r>
+              <a:r>
+                <a:rPr lang="en-US" u="sng">
+                  <a:solidFill>
+                    <a:srgbClr val="C00000"/>
+                  </a:solidFill>
+                </a:rPr>
+                <a:t> </a:t>
+              </a:r>
+              <a:r>
+                <a:rPr lang="en-US" u="sng">
+                  <a:solidFill>
+                    <a:srgbClr val="C00000"/>
+                  </a:solidFill>
+                  <a:latin typeface="Ink Free" panose="020F0502020204030204" pitchFamily="34" charset="0"/>
+                  <a:ea typeface="Heiti TC Medium" pitchFamily="2" charset="-128"/>
+                </a:rPr>
+                <a:t>output</a:t>
+              </a:r>
+            </a:p>
+          </p:txBody>
+        </p:sp>
+      </p:grpSp>
+      <p:grpSp>
+        <p:nvGrpSpPr>
+          <p:cNvPr id="58" name="Group 57">
+            <a:extLst>
+              <a:ext uri="{FF2B5EF4-FFF2-40B4-BE49-F238E27FC236}">
+                <a16:creationId xmlns:a16="http://schemas.microsoft.com/office/drawing/2014/main" id="{578A1A1B-BE88-53ED-4244-67820DE33E3F}"/>
+              </a:ext>
+            </a:extLst>
+          </p:cNvPr>
+          <p:cNvGrpSpPr/>
+          <p:nvPr/>
+        </p:nvGrpSpPr>
+        <p:grpSpPr>
+          <a:xfrm>
+            <a:off x="3073656" y="3535198"/>
+            <a:ext cx="2540970" cy="1448378"/>
+            <a:chOff x="3073656" y="3535198"/>
+            <a:chExt cx="2540970" cy="1448378"/>
+          </a:xfrm>
+        </p:grpSpPr>
+        <p:sp>
+          <p:nvSpPr>
+            <p:cNvPr id="14" name="Rounded Rectangle 13">
+              <a:extLst>
+                <a:ext uri="{FF2B5EF4-FFF2-40B4-BE49-F238E27FC236}">
+                  <a16:creationId xmlns:a16="http://schemas.microsoft.com/office/drawing/2014/main" id="{27FC7D83-39B3-B837-C42E-64A6974ACB42}"/>
+                </a:ext>
+              </a:extLst>
+            </p:cNvPr>
+            <p:cNvSpPr/>
+            <p:nvPr/>
+          </p:nvSpPr>
+          <p:spPr>
+            <a:xfrm>
+              <a:off x="3073656" y="3535198"/>
+              <a:ext cx="2540970" cy="432071"/>
+            </a:xfrm>
+            <a:prstGeom prst="roundRect">
+              <a:avLst/>
+            </a:prstGeom>
+            <a:noFill/>
+            <a:ln w="57150">
+              <a:solidFill>
+                <a:srgbClr val="C00000"/>
+              </a:solidFill>
+            </a:ln>
+          </p:spPr>
+          <p:style>
+            <a:lnRef idx="2">
+              <a:schemeClr val="accent1">
+                <a:shade val="15000"/>
+              </a:schemeClr>
+            </a:lnRef>
+            <a:fillRef idx="1">
+              <a:schemeClr val="accent1"/>
+            </a:fillRef>
+            <a:effectRef idx="0">
+              <a:schemeClr val="accent1"/>
+            </a:effectRef>
+            <a:fontRef idx="minor">
+              <a:schemeClr val="lt1"/>
+            </a:fontRef>
+          </p:style>
+          <p:txBody>
+            <a:bodyPr rtlCol="0" anchor="ctr"/>
+            <a:lstStyle/>
+            <a:p>
+              <a:pPr algn="ctr"/>
+              <a:endParaRPr lang="en-US">
+                <a:solidFill>
+                  <a:srgbClr val="C00000"/>
+                </a:solidFill>
+              </a:endParaRPr>
+            </a:p>
+          </p:txBody>
+        </p:sp>
+        <p:sp>
+          <p:nvSpPr>
+            <p:cNvPr id="35" name="TextBox 34">
+              <a:extLst>
+                <a:ext uri="{FF2B5EF4-FFF2-40B4-BE49-F238E27FC236}">
+                  <a16:creationId xmlns:a16="http://schemas.microsoft.com/office/drawing/2014/main" id="{116AD822-BBB0-36AF-B3DE-CD3195ABF755}"/>
+                </a:ext>
+              </a:extLst>
+            </p:cNvPr>
+            <p:cNvSpPr txBox="1"/>
+            <p:nvPr/>
+          </p:nvSpPr>
+          <p:spPr>
+            <a:xfrm>
+              <a:off x="3726601" y="4614244"/>
+              <a:ext cx="1548822" cy="369332"/>
+            </a:xfrm>
+            <a:prstGeom prst="rect">
+              <a:avLst/>
+            </a:prstGeom>
+            <a:noFill/>
+          </p:spPr>
+          <p:txBody>
+            <a:bodyPr wrap="none" rtlCol="0">
+              <a:spAutoFit/>
+            </a:bodyPr>
+            <a:lstStyle/>
+            <a:p>
+              <a:r>
+                <a:rPr lang="en-US" u="sng">
+                  <a:solidFill>
+                    <a:srgbClr val="C00000"/>
+                  </a:solidFill>
+                  <a:latin typeface="Ink Free" panose="020F0502020204030204" pitchFamily="34" charset="0"/>
+                  <a:ea typeface="Heiti TC Medium" pitchFamily="2" charset="-128"/>
+                </a:rPr>
+                <a:t>How to invoke</a:t>
+              </a:r>
+            </a:p>
+          </p:txBody>
+        </p:sp>
+        <p:cxnSp>
+          <p:nvCxnSpPr>
+            <p:cNvPr id="36" name="Straight Arrow Connector 35">
+              <a:extLst>
+                <a:ext uri="{FF2B5EF4-FFF2-40B4-BE49-F238E27FC236}">
+                  <a16:creationId xmlns:a16="http://schemas.microsoft.com/office/drawing/2014/main" id="{E9D6416C-1AC8-AAD5-0EE0-7A6A8832D03F}"/>
+                </a:ext>
+              </a:extLst>
+            </p:cNvPr>
+            <p:cNvCxnSpPr>
+              <a:cxnSpLocks/>
+              <a:stCxn id="35" idx="0"/>
+            </p:cNvCxnSpPr>
+            <p:nvPr/>
+          </p:nvCxnSpPr>
+          <p:spPr>
+            <a:xfrm flipH="1" flipV="1">
+              <a:off x="4173166" y="4134255"/>
+              <a:ext cx="327846" cy="479989"/>
+            </a:xfrm>
+            <a:prstGeom prst="straightConnector1">
+              <a:avLst/>
+            </a:prstGeom>
+            <a:ln w="19050">
+              <a:solidFill>
+                <a:srgbClr val="C00000"/>
+              </a:solidFill>
+              <a:tailEnd type="triangle"/>
+            </a:ln>
+          </p:spPr>
+          <p:style>
+            <a:lnRef idx="1">
+              <a:schemeClr val="accent1"/>
+            </a:lnRef>
+            <a:fillRef idx="0">
+              <a:schemeClr val="accent1"/>
+            </a:fillRef>
+            <a:effectRef idx="0">
+              <a:schemeClr val="accent1"/>
+            </a:effectRef>
+            <a:fontRef idx="minor">
+              <a:schemeClr val="tx1"/>
+            </a:fontRef>
+          </p:style>
+        </p:cxnSp>
+      </p:grpSp>
+      <p:grpSp>
+        <p:nvGrpSpPr>
+          <p:cNvPr id="60" name="Group 59">
+            <a:extLst>
+              <a:ext uri="{FF2B5EF4-FFF2-40B4-BE49-F238E27FC236}">
+                <a16:creationId xmlns:a16="http://schemas.microsoft.com/office/drawing/2014/main" id="{9C91740B-D697-2B51-EC71-BA1C2FB1F758}"/>
+              </a:ext>
+            </a:extLst>
+          </p:cNvPr>
+          <p:cNvGrpSpPr/>
+          <p:nvPr/>
+        </p:nvGrpSpPr>
+        <p:grpSpPr>
+          <a:xfrm>
+            <a:off x="10044572" y="1340302"/>
+            <a:ext cx="1981633" cy="1466128"/>
+            <a:chOff x="10044572" y="1340302"/>
+            <a:chExt cx="1981633" cy="1466128"/>
+          </a:xfrm>
+        </p:grpSpPr>
+        <p:sp>
+          <p:nvSpPr>
+            <p:cNvPr id="40" name="TextBox 39">
+              <a:extLst>
+                <a:ext uri="{FF2B5EF4-FFF2-40B4-BE49-F238E27FC236}">
+                  <a16:creationId xmlns:a16="http://schemas.microsoft.com/office/drawing/2014/main" id="{98C71106-7EFF-1B8D-6706-FD1FFE862C59}"/>
+                </a:ext>
+              </a:extLst>
+            </p:cNvPr>
+            <p:cNvSpPr txBox="1"/>
+            <p:nvPr/>
+          </p:nvSpPr>
+          <p:spPr>
+            <a:xfrm>
+              <a:off x="10044572" y="1340302"/>
+              <a:ext cx="1981633" cy="369332"/>
+            </a:xfrm>
+            <a:prstGeom prst="rect">
+              <a:avLst/>
+            </a:prstGeom>
+            <a:noFill/>
+          </p:spPr>
+          <p:txBody>
+            <a:bodyPr wrap="none" rtlCol="0">
+              <a:spAutoFit/>
+            </a:bodyPr>
+            <a:lstStyle/>
+            <a:p>
+              <a:r>
+                <a:rPr lang="en-US" u="sng">
+                  <a:solidFill>
+                    <a:srgbClr val="C00000"/>
+                  </a:solidFill>
+                  <a:latin typeface="Ink Free" panose="020F0502020204030204" pitchFamily="34" charset="0"/>
+                  <a:ea typeface="Heiti TC Medium" pitchFamily="2" charset="-128"/>
+                </a:rPr>
+                <a:t>Original source file</a:t>
+              </a:r>
+            </a:p>
+          </p:txBody>
+        </p:sp>
+        <p:cxnSp>
+          <p:nvCxnSpPr>
+            <p:cNvPr id="41" name="Straight Arrow Connector 40">
+              <a:extLst>
+                <a:ext uri="{FF2B5EF4-FFF2-40B4-BE49-F238E27FC236}">
+                  <a16:creationId xmlns:a16="http://schemas.microsoft.com/office/drawing/2014/main" id="{65D701C4-3201-A654-BCB1-69D2F5918589}"/>
+                </a:ext>
+              </a:extLst>
+            </p:cNvPr>
+            <p:cNvCxnSpPr>
+              <a:cxnSpLocks/>
+            </p:cNvCxnSpPr>
+            <p:nvPr/>
+          </p:nvCxnSpPr>
+          <p:spPr>
+            <a:xfrm flipH="1">
+              <a:off x="10573461" y="1614014"/>
+              <a:ext cx="450282" cy="1192416"/>
+            </a:xfrm>
+            <a:prstGeom prst="straightConnector1">
+              <a:avLst/>
+            </a:prstGeom>
+            <a:ln w="19050">
+              <a:solidFill>
+                <a:srgbClr val="C00000"/>
+              </a:solidFill>
+              <a:tailEnd type="triangle"/>
+            </a:ln>
+          </p:spPr>
+          <p:style>
+            <a:lnRef idx="1">
+              <a:schemeClr val="accent1"/>
+            </a:lnRef>
+            <a:fillRef idx="0">
+              <a:schemeClr val="accent1"/>
+            </a:fillRef>
+            <a:effectRef idx="0">
+              <a:schemeClr val="accent1"/>
+            </a:effectRef>
+            <a:fontRef idx="minor">
+              <a:schemeClr val="tx1"/>
+            </a:fontRef>
+          </p:style>
+        </p:cxnSp>
+      </p:grpSp>
+      <p:grpSp>
+        <p:nvGrpSpPr>
+          <p:cNvPr id="59" name="Group 58">
+            <a:extLst>
+              <a:ext uri="{FF2B5EF4-FFF2-40B4-BE49-F238E27FC236}">
+                <a16:creationId xmlns:a16="http://schemas.microsoft.com/office/drawing/2014/main" id="{457B8AE5-EC64-5FE7-F388-4E46CBFC613D}"/>
+              </a:ext>
+            </a:extLst>
+          </p:cNvPr>
+          <p:cNvGrpSpPr/>
+          <p:nvPr/>
+        </p:nvGrpSpPr>
+        <p:grpSpPr>
+          <a:xfrm>
+            <a:off x="6491362" y="1340302"/>
+            <a:ext cx="2419252" cy="1456400"/>
+            <a:chOff x="6491362" y="1340302"/>
+            <a:chExt cx="2419252" cy="1456400"/>
+          </a:xfrm>
+        </p:grpSpPr>
+        <p:sp>
+          <p:nvSpPr>
+            <p:cNvPr id="47" name="TextBox 46">
+              <a:extLst>
+                <a:ext uri="{FF2B5EF4-FFF2-40B4-BE49-F238E27FC236}">
+                  <a16:creationId xmlns:a16="http://schemas.microsoft.com/office/drawing/2014/main" id="{51B3F630-FECB-82E5-902C-26EE856C8BD0}"/>
+                </a:ext>
+              </a:extLst>
+            </p:cNvPr>
+            <p:cNvSpPr txBox="1"/>
+            <p:nvPr/>
+          </p:nvSpPr>
+          <p:spPr>
+            <a:xfrm>
+              <a:off x="6491362" y="1340302"/>
+              <a:ext cx="2419252" cy="369332"/>
+            </a:xfrm>
+            <a:prstGeom prst="rect">
+              <a:avLst/>
+            </a:prstGeom>
+            <a:noFill/>
+          </p:spPr>
+          <p:txBody>
+            <a:bodyPr wrap="none" rtlCol="0">
+              <a:spAutoFit/>
+            </a:bodyPr>
+            <a:lstStyle/>
+            <a:p>
+              <a:r>
+                <a:rPr lang="en-US" u="sng">
+                  <a:solidFill>
+                    <a:srgbClr val="C00000"/>
+                  </a:solidFill>
+                  <a:latin typeface="Ink Free" panose="020F0502020204030204" pitchFamily="34" charset="0"/>
+                  <a:ea typeface="Heiti TC Medium" pitchFamily="2" charset="-128"/>
+                </a:rPr>
+                <a:t>Possible new source file</a:t>
+              </a:r>
+            </a:p>
+          </p:txBody>
+        </p:sp>
+        <p:cxnSp>
+          <p:nvCxnSpPr>
+            <p:cNvPr id="48" name="Straight Arrow Connector 47">
+              <a:extLst>
+                <a:ext uri="{FF2B5EF4-FFF2-40B4-BE49-F238E27FC236}">
+                  <a16:creationId xmlns:a16="http://schemas.microsoft.com/office/drawing/2014/main" id="{EE9FA149-D08E-1DED-AB07-4E28DB81F0C3}"/>
+                </a:ext>
+              </a:extLst>
+            </p:cNvPr>
+            <p:cNvCxnSpPr>
+              <a:cxnSpLocks/>
+            </p:cNvCxnSpPr>
+            <p:nvPr/>
+          </p:nvCxnSpPr>
+          <p:spPr>
+            <a:xfrm>
+              <a:off x="7625320" y="1614014"/>
+              <a:ext cx="302723" cy="1182688"/>
+            </a:xfrm>
+            <a:prstGeom prst="straightConnector1">
+              <a:avLst/>
+            </a:prstGeom>
+            <a:ln w="19050">
+              <a:solidFill>
+                <a:srgbClr val="C00000"/>
+              </a:solidFill>
+              <a:tailEnd type="triangle"/>
+            </a:ln>
+          </p:spPr>
+          <p:style>
+            <a:lnRef idx="1">
+              <a:schemeClr val="accent1"/>
+            </a:lnRef>
+            <a:fillRef idx="0">
+              <a:schemeClr val="accent1"/>
+            </a:fillRef>
+            <a:effectRef idx="0">
+              <a:schemeClr val="accent1"/>
+            </a:effectRef>
+            <a:fontRef idx="minor">
+              <a:schemeClr val="tx1"/>
+            </a:fontRef>
+          </p:style>
+        </p:cxnSp>
+      </p:grpSp>
+      <p:grpSp>
+        <p:nvGrpSpPr>
+          <p:cNvPr id="61" name="Group 60">
+            <a:extLst>
+              <a:ext uri="{FF2B5EF4-FFF2-40B4-BE49-F238E27FC236}">
+                <a16:creationId xmlns:a16="http://schemas.microsoft.com/office/drawing/2014/main" id="{879C08EF-7847-E5C1-0E66-23A2CC9DFBFF}"/>
+              </a:ext>
+            </a:extLst>
+          </p:cNvPr>
+          <p:cNvGrpSpPr/>
+          <p:nvPr/>
+        </p:nvGrpSpPr>
+        <p:grpSpPr>
+          <a:xfrm>
+            <a:off x="6443454" y="3593000"/>
+            <a:ext cx="2471667" cy="2513172"/>
+            <a:chOff x="6443454" y="3593000"/>
+            <a:chExt cx="2471667" cy="2513172"/>
+          </a:xfrm>
+        </p:grpSpPr>
+        <p:sp>
+          <p:nvSpPr>
+            <p:cNvPr id="52" name="Rounded Rectangle 51">
+              <a:extLst>
+                <a:ext uri="{FF2B5EF4-FFF2-40B4-BE49-F238E27FC236}">
+                  <a16:creationId xmlns:a16="http://schemas.microsoft.com/office/drawing/2014/main" id="{0C51FD76-9C43-CEF9-363B-F38EF4FFBA32}"/>
+                </a:ext>
+              </a:extLst>
+            </p:cNvPr>
+            <p:cNvSpPr/>
+            <p:nvPr/>
+          </p:nvSpPr>
+          <p:spPr>
+            <a:xfrm>
+              <a:off x="6443454" y="3593000"/>
+              <a:ext cx="435487" cy="275210"/>
+            </a:xfrm>
+            <a:prstGeom prst="roundRect">
+              <a:avLst/>
+            </a:prstGeom>
+            <a:noFill/>
+            <a:ln w="57150">
+              <a:solidFill>
+                <a:srgbClr val="C00000"/>
+              </a:solidFill>
+            </a:ln>
+          </p:spPr>
+          <p:style>
+            <a:lnRef idx="2">
+              <a:schemeClr val="accent1">
+                <a:shade val="15000"/>
+              </a:schemeClr>
+            </a:lnRef>
+            <a:fillRef idx="1">
+              <a:schemeClr val="accent1"/>
+            </a:fillRef>
+            <a:effectRef idx="0">
+              <a:schemeClr val="accent1"/>
+            </a:effectRef>
+            <a:fontRef idx="minor">
+              <a:schemeClr val="lt1"/>
+            </a:fontRef>
+          </p:style>
+          <p:txBody>
+            <a:bodyPr rtlCol="0" anchor="ctr"/>
+            <a:lstStyle/>
+            <a:p>
+              <a:pPr algn="ctr"/>
+              <a:endParaRPr lang="en-US">
+                <a:solidFill>
+                  <a:srgbClr val="C00000"/>
+                </a:solidFill>
+              </a:endParaRPr>
+            </a:p>
+          </p:txBody>
+        </p:sp>
+        <p:sp>
+          <p:nvSpPr>
+            <p:cNvPr id="53" name="TextBox 52">
+              <a:extLst>
+                <a:ext uri="{FF2B5EF4-FFF2-40B4-BE49-F238E27FC236}">
+                  <a16:creationId xmlns:a16="http://schemas.microsoft.com/office/drawing/2014/main" id="{105A32AF-4C7B-7A6A-61EB-0CDEDAC06CE9}"/>
+                </a:ext>
+              </a:extLst>
+            </p:cNvPr>
+            <p:cNvSpPr txBox="1"/>
+            <p:nvPr/>
+          </p:nvSpPr>
+          <p:spPr>
+            <a:xfrm>
+              <a:off x="6600064" y="5459841"/>
+              <a:ext cx="2315057" cy="646331"/>
+            </a:xfrm>
+            <a:prstGeom prst="rect">
+              <a:avLst/>
+            </a:prstGeom>
+            <a:noFill/>
+          </p:spPr>
+          <p:txBody>
+            <a:bodyPr wrap="none" rtlCol="0">
+              <a:spAutoFit/>
+            </a:bodyPr>
+            <a:lstStyle/>
+            <a:p>
+              <a:r>
+                <a:rPr lang="en-US" u="sng">
+                  <a:solidFill>
+                    <a:srgbClr val="C00000"/>
+                  </a:solidFill>
+                  <a:latin typeface="Ink Free" panose="020F0502020204030204" pitchFamily="34" charset="0"/>
+                  <a:ea typeface="Heiti TC Medium" pitchFamily="2" charset="-128"/>
+                </a:rPr>
+                <a:t>Pressing this modifies</a:t>
+              </a:r>
+            </a:p>
+            <a:p>
+              <a:r>
+                <a:rPr lang="en-US" u="sng">
+                  <a:solidFill>
+                    <a:srgbClr val="C00000"/>
+                  </a:solidFill>
+                  <a:latin typeface="Ink Free" panose="020F0502020204030204" pitchFamily="34" charset="0"/>
+                  <a:ea typeface="Heiti TC Medium" pitchFamily="2" charset="-128"/>
+                </a:rPr>
+                <a:t>your source code</a:t>
+              </a:r>
+            </a:p>
+          </p:txBody>
+        </p:sp>
+        <p:cxnSp>
+          <p:nvCxnSpPr>
+            <p:cNvPr id="54" name="Straight Arrow Connector 53">
+              <a:extLst>
+                <a:ext uri="{FF2B5EF4-FFF2-40B4-BE49-F238E27FC236}">
+                  <a16:creationId xmlns:a16="http://schemas.microsoft.com/office/drawing/2014/main" id="{34747D4D-0D6B-4379-3DD6-0119D55F477C}"/>
+                </a:ext>
+              </a:extLst>
+            </p:cNvPr>
+            <p:cNvCxnSpPr>
+              <a:cxnSpLocks/>
+              <a:stCxn id="53" idx="0"/>
+            </p:cNvCxnSpPr>
+            <p:nvPr/>
+          </p:nvCxnSpPr>
+          <p:spPr>
+            <a:xfrm flipH="1" flipV="1">
+              <a:off x="6780179" y="3932247"/>
+              <a:ext cx="977414" cy="1527594"/>
+            </a:xfrm>
+            <a:prstGeom prst="straightConnector1">
+              <a:avLst/>
+            </a:prstGeom>
+            <a:ln w="19050">
+              <a:solidFill>
+                <a:srgbClr val="C00000"/>
+              </a:solidFill>
+              <a:tailEnd type="triangle"/>
+            </a:ln>
+          </p:spPr>
+          <p:style>
+            <a:lnRef idx="1">
+              <a:schemeClr val="accent1"/>
+            </a:lnRef>
+            <a:fillRef idx="0">
+              <a:schemeClr val="accent1"/>
+            </a:fillRef>
+            <a:effectRef idx="0">
+              <a:schemeClr val="accent1"/>
+            </a:effectRef>
+            <a:fontRef idx="minor">
+              <a:schemeClr val="tx1"/>
+            </a:fontRef>
+          </p:style>
+        </p:cxnSp>
+      </p:grpSp>
+      <p:sp>
+        <p:nvSpPr>
+          <p:cNvPr id="62" name="Approved output">
+            <a:extLst>
+              <a:ext uri="{FF2B5EF4-FFF2-40B4-BE49-F238E27FC236}">
+                <a16:creationId xmlns:a16="http://schemas.microsoft.com/office/drawing/2014/main" id="{C224622B-F96E-63D9-0AD5-B13DFA2B46E9}"/>
+              </a:ext>
+            </a:extLst>
+          </p:cNvPr>
+          <p:cNvSpPr txBox="1"/>
+          <p:nvPr/>
+        </p:nvSpPr>
+        <p:spPr>
+          <a:xfrm>
+            <a:off x="271223" y="1184728"/>
+            <a:ext cx="2143536" cy="369332"/>
+          </a:xfrm>
+          <a:prstGeom prst="rect">
+            <a:avLst/>
+          </a:prstGeom>
+          <a:noFill/>
+        </p:spPr>
+        <p:txBody>
+          <a:bodyPr wrap="none" rtlCol="0">
+            <a:spAutoFit/>
+          </a:bodyPr>
+          <a:lstStyle/>
+          <a:p>
+            <a:r>
+              <a:rPr lang="en-US">
+                <a:solidFill>
+                  <a:srgbClr val="C00000"/>
+                </a:solidFill>
+                <a:latin typeface="Ink Free" panose="020F0502020204030204" pitchFamily="34" charset="0"/>
+                <a:ea typeface="Heiti TC Medium" pitchFamily="2" charset="-128"/>
+              </a:rPr>
+              <a:t>“Look mom, no files!”</a:t>
+            </a:r>
+          </a:p>
+        </p:txBody>
+      </p:sp>
+    </p:spTree>
+    <p:extLst>
+      <p:ext uri="{BB962C8B-B14F-4D97-AF65-F5344CB8AC3E}">
+        <p14:creationId xmlns:p14="http://schemas.microsoft.com/office/powerpoint/2010/main" val="2210612421"/>
+      </p:ext>
+    </p:extLst>
+  </p:cSld>
+  <p:clrMapOvr>
+    <a:masterClrMapping/>
+  </p:clrMapOvr>
+  <p:timing>
+    <p:tnLst>
+      <p:par>
+        <p:cTn id="1" dur="indefinite" restart="never" nodeType="tmRoot">
+          <p:childTnLst>
+            <p:seq concurrent="1" nextAc="seek">
+              <p:cTn id="2" dur="indefinite" nodeType="mainSeq">
+                <p:childTnLst>
+                  <p:par>
+                    <p:cTn id="3" fill="hold">
+                      <p:stCondLst>
+                        <p:cond delay="indefinite"/>
+                      </p:stCondLst>
+                      <p:childTnLst>
+                        <p:par>
+                          <p:cTn id="4" fill="hold">
+                            <p:stCondLst>
+                              <p:cond delay="0"/>
+                            </p:stCondLst>
+                            <p:childTnLst>
+                              <p:par>
+                                <p:cTn id="5" presetID="1" presetClass="entr" presetSubtype="0" fill="hold" nodeType="clickEffect">
+                                  <p:stCondLst>
+                                    <p:cond delay="0"/>
+                                  </p:stCondLst>
+                                  <p:childTnLst>
+                                    <p:set>
+                                      <p:cBhvr>
+                                        <p:cTn id="6" dur="1" fill="hold">
+                                          <p:stCondLst>
+                                            <p:cond delay="0"/>
+                                          </p:stCondLst>
+                                        </p:cTn>
+                                        <p:tgtEl>
+                                          <p:spTgt spid="58"/>
+                                        </p:tgtEl>
+                                        <p:attrNameLst>
+                                          <p:attrName>style.visibility</p:attrName>
+                                        </p:attrNameLst>
+                                      </p:cBhvr>
+                                      <p:to>
+                                        <p:strVal val="visible"/>
+                                      </p:to>
+                                    </p:set>
+                                  </p:childTnLst>
+                                </p:cTn>
+                              </p:par>
+                            </p:childTnLst>
+                          </p:cTn>
+                        </p:par>
+                      </p:childTnLst>
+                    </p:cTn>
+                  </p:par>
+                  <p:par>
+                    <p:cTn id="7" fill="hold">
+                      <p:stCondLst>
+                        <p:cond delay="indefinite"/>
+                      </p:stCondLst>
+                      <p:childTnLst>
+                        <p:par>
+                          <p:cTn id="8" fill="hold">
+                            <p:stCondLst>
+                              <p:cond delay="0"/>
+                            </p:stCondLst>
+                            <p:childTnLst>
+                              <p:par>
+                                <p:cTn id="9" presetID="1" presetClass="entr" presetSubtype="0" fill="hold" nodeType="clickEffect">
+                                  <p:stCondLst>
+                                    <p:cond delay="0"/>
+                                  </p:stCondLst>
+                                  <p:childTnLst>
+                                    <p:set>
+                                      <p:cBhvr>
+                                        <p:cTn id="10" dur="1" fill="hold">
+                                          <p:stCondLst>
+                                            <p:cond delay="0"/>
+                                          </p:stCondLst>
+                                        </p:cTn>
+                                        <p:tgtEl>
+                                          <p:spTgt spid="57"/>
+                                        </p:tgtEl>
+                                        <p:attrNameLst>
+                                          <p:attrName>style.visibility</p:attrName>
+                                        </p:attrNameLst>
+                                      </p:cBhvr>
+                                      <p:to>
+                                        <p:strVal val="visible"/>
+                                      </p:to>
+                                    </p:set>
+                                  </p:childTnLst>
+                                </p:cTn>
+                              </p:par>
+                            </p:childTnLst>
+                          </p:cTn>
+                        </p:par>
+                      </p:childTnLst>
+                    </p:cTn>
+                  </p:par>
+                  <p:par>
+                    <p:cTn id="11" fill="hold">
+                      <p:stCondLst>
+                        <p:cond delay="indefinite"/>
+                      </p:stCondLst>
+                      <p:childTnLst>
+                        <p:par>
+                          <p:cTn id="12" fill="hold">
+                            <p:stCondLst>
+                              <p:cond delay="0"/>
+                            </p:stCondLst>
+                            <p:childTnLst>
+                              <p:par>
+                                <p:cTn id="13" presetID="1" presetClass="entr" presetSubtype="0" fill="hold" nodeType="clickEffect">
+                                  <p:stCondLst>
+                                    <p:cond delay="0"/>
+                                  </p:stCondLst>
+                                  <p:childTnLst>
+                                    <p:set>
+                                      <p:cBhvr>
+                                        <p:cTn id="14" dur="1" fill="hold">
+                                          <p:stCondLst>
+                                            <p:cond delay="0"/>
+                                          </p:stCondLst>
+                                        </p:cTn>
+                                        <p:tgtEl>
+                                          <p:spTgt spid="60"/>
+                                        </p:tgtEl>
+                                        <p:attrNameLst>
+                                          <p:attrName>style.visibility</p:attrName>
+                                        </p:attrNameLst>
+                                      </p:cBhvr>
+                                      <p:to>
+                                        <p:strVal val="visible"/>
+                                      </p:to>
+                                    </p:set>
+                                  </p:childTnLst>
+                                </p:cTn>
+                              </p:par>
+                            </p:childTnLst>
+                          </p:cTn>
+                        </p:par>
+                      </p:childTnLst>
+                    </p:cTn>
+                  </p:par>
+                  <p:par>
+                    <p:cTn id="15" fill="hold">
+                      <p:stCondLst>
+                        <p:cond delay="indefinite"/>
+                      </p:stCondLst>
+                      <p:childTnLst>
+                        <p:par>
+                          <p:cTn id="16" fill="hold">
+                            <p:stCondLst>
+                              <p:cond delay="0"/>
+                            </p:stCondLst>
+                            <p:childTnLst>
+                              <p:par>
+                                <p:cTn id="17" presetID="1" presetClass="entr" presetSubtype="0" fill="hold" nodeType="clickEffect">
+                                  <p:stCondLst>
+                                    <p:cond delay="0"/>
+                                  </p:stCondLst>
+                                  <p:childTnLst>
+                                    <p:set>
+                                      <p:cBhvr>
+                                        <p:cTn id="18" dur="1" fill="hold">
+                                          <p:stCondLst>
+                                            <p:cond delay="0"/>
+                                          </p:stCondLst>
+                                        </p:cTn>
+                                        <p:tgtEl>
+                                          <p:spTgt spid="59"/>
+                                        </p:tgtEl>
+                                        <p:attrNameLst>
+                                          <p:attrName>style.visibility</p:attrName>
+                                        </p:attrNameLst>
+                                      </p:cBhvr>
+                                      <p:to>
+                                        <p:strVal val="visible"/>
+                                      </p:to>
+                                    </p:set>
+                                  </p:childTnLst>
+                                </p:cTn>
+                              </p:par>
+                            </p:childTnLst>
+                          </p:cTn>
+                        </p:par>
+                      </p:childTnLst>
+                    </p:cTn>
+                  </p:par>
+                  <p:par>
+                    <p:cTn id="19" fill="hold">
+                      <p:stCondLst>
+                        <p:cond delay="indefinite"/>
+                      </p:stCondLst>
+                      <p:childTnLst>
+                        <p:par>
+                          <p:cTn id="20" fill="hold">
+                            <p:stCondLst>
+                              <p:cond delay="0"/>
+                            </p:stCondLst>
+                            <p:childTnLst>
+                              <p:par>
+                                <p:cTn id="21" presetID="1" presetClass="entr" presetSubtype="0" fill="hold" nodeType="clickEffect">
+                                  <p:stCondLst>
+                                    <p:cond delay="0"/>
+                                  </p:stCondLst>
+                                  <p:childTnLst>
+                                    <p:set>
+                                      <p:cBhvr>
+                                        <p:cTn id="22" dur="1" fill="hold">
+                                          <p:stCondLst>
+                                            <p:cond delay="0"/>
+                                          </p:stCondLst>
+                                        </p:cTn>
+                                        <p:tgtEl>
+                                          <p:spTgt spid="61"/>
+                                        </p:tgtEl>
+                                        <p:attrNameLst>
+                                          <p:attrName>style.visibility</p:attrName>
+                                        </p:attrNameLst>
+                                      </p:cBhvr>
+                                      <p:to>
+                                        <p:strVal val="visible"/>
+                                      </p:to>
+                                    </p:set>
+                                  </p:childTnLst>
+                                </p:cTn>
+                              </p:par>
+                            </p:childTnLst>
+                          </p:cTn>
+                        </p:par>
+                      </p:childTnLst>
+                    </p:cTn>
+                  </p:par>
+                </p:childTnLst>
+              </p:cTn>
+              <p:prevCondLst>
+                <p:cond evt="onPrev" delay="0">
+                  <p:tgtEl>
+                    <p:sldTgt/>
+                  </p:tgtEl>
+                </p:cond>
+              </p:prevCondLst>
+              <p:nextCondLst>
+                <p:cond evt="onNext" delay="0">
+                  <p:tgtEl>
+                    <p:sldTgt/>
+                  </p:tgtEl>
+                </p:cond>
+              </p:nextCondLst>
+            </p:seq>
+          </p:childTnLst>
+        </p:cTn>
+      </p:par>
+    </p:tnLst>
+  </p:timing>
+</p:sld>
+</file>
+
+<file path=ppt/slides/slide39.xml><?xml version="1.0" encoding="utf-8"?>
+<p:sld xmlns:a="http://schemas.openxmlformats.org/drawingml/2006/main" xmlns:r="http://schemas.openxmlformats.org/officeDocument/2006/relationships" xmlns:p="http://schemas.openxmlformats.org/presentationml/2006/main">
+  <p:cSld>
+    <p:spTree>
+      <p:nvGrpSpPr>
         <p:cNvPr id="1" name="">
           <a:extLst>
             <a:ext uri="{FF2B5EF4-FFF2-40B4-BE49-F238E27FC236}">
@@ -18969,107 +20167,6 @@
     <p:extLst>
       <p:ext uri="{BB962C8B-B14F-4D97-AF65-F5344CB8AC3E}">
         <p14:creationId xmlns:p14="http://schemas.microsoft.com/office/powerpoint/2010/main" val="1076691476"/>
-      </p:ext>
-    </p:extLst>
-  </p:cSld>
-  <p:clrMapOvr>
-    <a:masterClrMapping/>
-  </p:clrMapOvr>
-</p:sld>
-</file>
-
-<file path=ppt/slides/slide39.xml><?xml version="1.0" encoding="utf-8"?>
-<p:sld xmlns:a="http://schemas.openxmlformats.org/drawingml/2006/main" xmlns:r="http://schemas.openxmlformats.org/officeDocument/2006/relationships" xmlns:p="http://schemas.openxmlformats.org/presentationml/2006/main">
-  <p:cSld>
-    <p:spTree>
-      <p:nvGrpSpPr>
-        <p:cNvPr id="1" name="">
-          <a:extLst>
-            <a:ext uri="{FF2B5EF4-FFF2-40B4-BE49-F238E27FC236}">
-              <a16:creationId xmlns:a16="http://schemas.microsoft.com/office/drawing/2014/main" id="{A4F28ADF-F9A1-BE76-B5A1-DBEEFECEB3D7}"/>
-            </a:ext>
-          </a:extLst>
-        </p:cNvPr>
-        <p:cNvGrpSpPr/>
-        <p:nvPr/>
-      </p:nvGrpSpPr>
-      <p:grpSpPr>
-        <a:xfrm>
-          <a:off x="0" y="0"/>
-          <a:ext cx="0" cy="0"/>
-          <a:chOff x="0" y="0"/>
-          <a:chExt cx="0" cy="0"/>
-        </a:xfrm>
-      </p:grpSpPr>
-      <p:sp>
-        <p:nvSpPr>
-          <p:cNvPr id="5" name="TextBox 4">
-            <a:extLst>
-              <a:ext uri="{FF2B5EF4-FFF2-40B4-BE49-F238E27FC236}">
-                <a16:creationId xmlns:a16="http://schemas.microsoft.com/office/drawing/2014/main" id="{90784A3B-234D-FF43-0E64-C54043738401}"/>
-              </a:ext>
-            </a:extLst>
-          </p:cNvPr>
-          <p:cNvSpPr txBox="1"/>
-          <p:nvPr/>
-        </p:nvSpPr>
-        <p:spPr>
-          <a:xfrm>
-            <a:off x="4759709" y="314328"/>
-            <a:ext cx="2514086" cy="369332"/>
-          </a:xfrm>
-          <a:prstGeom prst="rect">
-            <a:avLst/>
-          </a:prstGeom>
-          <a:noFill/>
-        </p:spPr>
-        <p:txBody>
-          <a:bodyPr wrap="none" rtlCol="0">
-            <a:spAutoFit/>
-          </a:bodyPr>
-          <a:lstStyle/>
-          <a:p>
-            <a:r>
-              <a:rPr lang="en-US"/>
-              <a:t>inline - everything in test</a:t>
-            </a:r>
-          </a:p>
-        </p:txBody>
-      </p:sp>
-      <p:pic>
-        <p:nvPicPr>
-          <p:cNvPr id="6" name="Picture 5" descr="A screenshot of a computer program&#10;&#10;Description automatically generated">
-            <a:extLst>
-              <a:ext uri="{FF2B5EF4-FFF2-40B4-BE49-F238E27FC236}">
-                <a16:creationId xmlns:a16="http://schemas.microsoft.com/office/drawing/2014/main" id="{7C8E284A-9496-CACB-AFC3-7C221A951ABC}"/>
-              </a:ext>
-            </a:extLst>
-          </p:cNvPr>
-          <p:cNvPicPr>
-            <a:picLocks noChangeAspect="1"/>
-          </p:cNvPicPr>
-          <p:nvPr/>
-        </p:nvPicPr>
-        <p:blipFill>
-          <a:blip r:embed="rId3"/>
-          <a:stretch>
-            <a:fillRect/>
-          </a:stretch>
-        </p:blipFill>
-        <p:spPr>
-          <a:xfrm>
-            <a:off x="3470656" y="1497900"/>
-            <a:ext cx="5426183" cy="2980944"/>
-          </a:xfrm>
-          <a:prstGeom prst="rect">
-            <a:avLst/>
-          </a:prstGeom>
-        </p:spPr>
-      </p:pic>
-    </p:spTree>
-    <p:extLst>
-      <p:ext uri="{BB962C8B-B14F-4D97-AF65-F5344CB8AC3E}">
-        <p14:creationId xmlns:p14="http://schemas.microsoft.com/office/powerpoint/2010/main" val="580460432"/>
       </p:ext>
     </p:extLst>
   </p:cSld>
@@ -28773,6 +29870,107 @@
 </file>
 
 <file path=ppt/slides/slide40.xml><?xml version="1.0" encoding="utf-8"?>
+<p:sld xmlns:a="http://schemas.openxmlformats.org/drawingml/2006/main" xmlns:r="http://schemas.openxmlformats.org/officeDocument/2006/relationships" xmlns:p="http://schemas.openxmlformats.org/presentationml/2006/main">
+  <p:cSld>
+    <p:spTree>
+      <p:nvGrpSpPr>
+        <p:cNvPr id="1" name="">
+          <a:extLst>
+            <a:ext uri="{FF2B5EF4-FFF2-40B4-BE49-F238E27FC236}">
+              <a16:creationId xmlns:a16="http://schemas.microsoft.com/office/drawing/2014/main" id="{A4F28ADF-F9A1-BE76-B5A1-DBEEFECEB3D7}"/>
+            </a:ext>
+          </a:extLst>
+        </p:cNvPr>
+        <p:cNvGrpSpPr/>
+        <p:nvPr/>
+      </p:nvGrpSpPr>
+      <p:grpSpPr>
+        <a:xfrm>
+          <a:off x="0" y="0"/>
+          <a:ext cx="0" cy="0"/>
+          <a:chOff x="0" y="0"/>
+          <a:chExt cx="0" cy="0"/>
+        </a:xfrm>
+      </p:grpSpPr>
+      <p:sp>
+        <p:nvSpPr>
+          <p:cNvPr id="5" name="TextBox 4">
+            <a:extLst>
+              <a:ext uri="{FF2B5EF4-FFF2-40B4-BE49-F238E27FC236}">
+                <a16:creationId xmlns:a16="http://schemas.microsoft.com/office/drawing/2014/main" id="{90784A3B-234D-FF43-0E64-C54043738401}"/>
+              </a:ext>
+            </a:extLst>
+          </p:cNvPr>
+          <p:cNvSpPr txBox="1"/>
+          <p:nvPr/>
+        </p:nvSpPr>
+        <p:spPr>
+          <a:xfrm>
+            <a:off x="4759709" y="314328"/>
+            <a:ext cx="2514086" cy="369332"/>
+          </a:xfrm>
+          <a:prstGeom prst="rect">
+            <a:avLst/>
+          </a:prstGeom>
+          <a:noFill/>
+        </p:spPr>
+        <p:txBody>
+          <a:bodyPr wrap="none" rtlCol="0">
+            <a:spAutoFit/>
+          </a:bodyPr>
+          <a:lstStyle/>
+          <a:p>
+            <a:r>
+              <a:rPr lang="en-US"/>
+              <a:t>inline - everything in test</a:t>
+            </a:r>
+          </a:p>
+        </p:txBody>
+      </p:sp>
+      <p:pic>
+        <p:nvPicPr>
+          <p:cNvPr id="6" name="Picture 5" descr="A screenshot of a computer program&#10;&#10;Description automatically generated">
+            <a:extLst>
+              <a:ext uri="{FF2B5EF4-FFF2-40B4-BE49-F238E27FC236}">
+                <a16:creationId xmlns:a16="http://schemas.microsoft.com/office/drawing/2014/main" id="{7C8E284A-9496-CACB-AFC3-7C221A951ABC}"/>
+              </a:ext>
+            </a:extLst>
+          </p:cNvPr>
+          <p:cNvPicPr>
+            <a:picLocks noChangeAspect="1"/>
+          </p:cNvPicPr>
+          <p:nvPr/>
+        </p:nvPicPr>
+        <p:blipFill>
+          <a:blip r:embed="rId3"/>
+          <a:stretch>
+            <a:fillRect/>
+          </a:stretch>
+        </p:blipFill>
+        <p:spPr>
+          <a:xfrm>
+            <a:off x="3470656" y="1497900"/>
+            <a:ext cx="5426183" cy="2980944"/>
+          </a:xfrm>
+          <a:prstGeom prst="rect">
+            <a:avLst/>
+          </a:prstGeom>
+        </p:spPr>
+      </p:pic>
+    </p:spTree>
+    <p:extLst>
+      <p:ext uri="{BB962C8B-B14F-4D97-AF65-F5344CB8AC3E}">
+        <p14:creationId xmlns:p14="http://schemas.microsoft.com/office/powerpoint/2010/main" val="580460432"/>
+      </p:ext>
+    </p:extLst>
+  </p:cSld>
+  <p:clrMapOvr>
+    <a:masterClrMapping/>
+  </p:clrMapOvr>
+</p:sld>
+</file>
+
+<file path=ppt/slides/slide41.xml><?xml version="1.0" encoding="utf-8"?>
 <p:sld xmlns:a="http://schemas.openxmlformats.org/drawingml/2006/main" xmlns:r="http://schemas.openxmlformats.org/officeDocument/2006/relationships" xmlns:p="http://schemas.openxmlformats.org/presentationml/2006/main">
   <p:cSld>
     <p:spTree>
@@ -28919,7 +30117,7 @@
 </p:sld>
 </file>
 
-<file path=ppt/slides/slide41.xml><?xml version="1.0" encoding="utf-8"?>
+<file path=ppt/slides/slide42.xml><?xml version="1.0" encoding="utf-8"?>
 <p:sld xmlns:a="http://schemas.openxmlformats.org/drawingml/2006/main" xmlns:r="http://schemas.openxmlformats.org/officeDocument/2006/relationships" xmlns:p="http://schemas.openxmlformats.org/presentationml/2006/main">
   <p:cSld>
     <p:spTree>
@@ -29027,7 +30225,7 @@
 </p:sld>
 </file>
 
-<file path=ppt/slides/slide42.xml><?xml version="1.0" encoding="utf-8"?>
+<file path=ppt/slides/slide43.xml><?xml version="1.0" encoding="utf-8"?>
 <p:sld xmlns:a="http://schemas.openxmlformats.org/drawingml/2006/main" xmlns:r="http://schemas.openxmlformats.org/officeDocument/2006/relationships" xmlns:p="http://schemas.openxmlformats.org/presentationml/2006/main">
   <p:cSld>
     <p:spTree>
@@ -29146,7 +30344,7 @@
 </p:sld>
 </file>
 
-<file path=ppt/slides/slide43.xml><?xml version="1.0" encoding="utf-8"?>
+<file path=ppt/slides/slide44.xml><?xml version="1.0" encoding="utf-8"?>
 <p:sld xmlns:a="http://schemas.openxmlformats.org/drawingml/2006/main" xmlns:r="http://schemas.openxmlformats.org/officeDocument/2006/relationships" xmlns:p="http://schemas.openxmlformats.org/presentationml/2006/main">
   <p:cSld>
     <p:spTree>
@@ -29206,7 +30404,7 @@
 </p:sld>
 </file>
 
-<file path=ppt/slides/slide44.xml><?xml version="1.0" encoding="utf-8"?>
+<file path=ppt/slides/slide45.xml><?xml version="1.0" encoding="utf-8"?>
 <p:sld xmlns:a="http://schemas.openxmlformats.org/drawingml/2006/main" xmlns:r="http://schemas.openxmlformats.org/officeDocument/2006/relationships" xmlns:p="http://schemas.openxmlformats.org/presentationml/2006/main">
   <p:cSld>
     <p:spTree>
@@ -29347,7 +30545,7 @@
 </p:sld>
 </file>
 
-<file path=ppt/slides/slide45.xml><?xml version="1.0" encoding="utf-8"?>
+<file path=ppt/slides/slide46.xml><?xml version="1.0" encoding="utf-8"?>
 <p:sld xmlns:a="http://schemas.openxmlformats.org/drawingml/2006/main" xmlns:r="http://schemas.openxmlformats.org/officeDocument/2006/relationships" xmlns:p="http://schemas.openxmlformats.org/presentationml/2006/main">
   <p:cSld>
     <p:spTree>
@@ -29455,7 +30653,7 @@
 </p:sld>
 </file>
 
-<file path=ppt/slides/slide46.xml><?xml version="1.0" encoding="utf-8"?>
+<file path=ppt/slides/slide47.xml><?xml version="1.0" encoding="utf-8"?>
 <p:sld xmlns:a="http://schemas.openxmlformats.org/drawingml/2006/main" xmlns:r="http://schemas.openxmlformats.org/officeDocument/2006/relationships" xmlns:p="http://schemas.openxmlformats.org/presentationml/2006/main">
   <p:cSld>
     <p:spTree>
@@ -29574,7 +30772,7 @@
 </p:sld>
 </file>
 
-<file path=ppt/slides/slide47.xml><?xml version="1.0" encoding="utf-8"?>
+<file path=ppt/slides/slide48.xml><?xml version="1.0" encoding="utf-8"?>
 <p:sld xmlns:a="http://schemas.openxmlformats.org/drawingml/2006/main" xmlns:r="http://schemas.openxmlformats.org/officeDocument/2006/relationships" xmlns:p="http://schemas.openxmlformats.org/presentationml/2006/main">
   <p:cSld>
     <p:spTree>
@@ -29604,7 +30802,7 @@
 </p:sld>
 </file>
 
-<file path=ppt/slides/slide48.xml><?xml version="1.0" encoding="utf-8"?>
+<file path=ppt/slides/slide49.xml><?xml version="1.0" encoding="utf-8"?>
 <p:sld xmlns:a="http://schemas.openxmlformats.org/drawingml/2006/main" xmlns:r="http://schemas.openxmlformats.org/officeDocument/2006/relationships" xmlns:p="http://schemas.openxmlformats.org/presentationml/2006/main">
   <p:cSld>
     <p:spTree>
@@ -29792,7 +30990,154 @@
 </p:sld>
 </file>
 
-<file path=ppt/slides/slide49.xml><?xml version="1.0" encoding="utf-8"?>
+<file path=ppt/slides/slide5.xml><?xml version="1.0" encoding="utf-8"?>
+<p:sld xmlns:a="http://schemas.openxmlformats.org/drawingml/2006/main" xmlns:r="http://schemas.openxmlformats.org/officeDocument/2006/relationships" xmlns:p="http://schemas.openxmlformats.org/presentationml/2006/main">
+  <p:cSld>
+    <p:spTree>
+      <p:nvGrpSpPr>
+        <p:cNvPr id="1" name="">
+          <a:extLst>
+            <a:ext uri="{FF2B5EF4-FFF2-40B4-BE49-F238E27FC236}">
+              <a16:creationId xmlns:a16="http://schemas.microsoft.com/office/drawing/2014/main" id="{7402D65F-B89F-9DC7-9C7C-A516C704E01D}"/>
+            </a:ext>
+          </a:extLst>
+        </p:cNvPr>
+        <p:cNvGrpSpPr/>
+        <p:nvPr/>
+      </p:nvGrpSpPr>
+      <p:grpSpPr>
+        <a:xfrm>
+          <a:off x="0" y="0"/>
+          <a:ext cx="0" cy="0"/>
+          <a:chOff x="0" y="0"/>
+          <a:chExt cx="0" cy="0"/>
+        </a:xfrm>
+      </p:grpSpPr>
+      <p:pic>
+        <p:nvPicPr>
+          <p:cNvPr id="1028" name="Picture 4" descr="Silent Movie Silent Film Title Card: Free Download — CopyCatFilms">
+            <a:extLst>
+              <a:ext uri="{FF2B5EF4-FFF2-40B4-BE49-F238E27FC236}">
+                <a16:creationId xmlns:a16="http://schemas.microsoft.com/office/drawing/2014/main" id="{B4DAB7B7-9CB9-FDCA-570C-A59439CF72B3}"/>
+              </a:ext>
+            </a:extLst>
+          </p:cNvPr>
+          <p:cNvPicPr>
+            <a:picLocks noChangeAspect="1" noChangeArrowheads="1"/>
+          </p:cNvPicPr>
+          <p:nvPr/>
+        </p:nvPicPr>
+        <p:blipFill>
+          <a:blip r:embed="rId2">
+            <a:extLst>
+              <a:ext uri="{28A0092B-C50C-407E-A947-70E740481C1C}">
+                <a14:useLocalDpi xmlns:a14="http://schemas.microsoft.com/office/drawing/2010/main" val="0"/>
+              </a:ext>
+            </a:extLst>
+          </a:blip>
+          <a:srcRect/>
+          <a:stretch>
+            <a:fillRect/>
+          </a:stretch>
+        </p:blipFill>
+        <p:spPr bwMode="auto">
+          <a:xfrm>
+            <a:off x="0" y="4261"/>
+            <a:ext cx="12192000" cy="6853739"/>
+          </a:xfrm>
+          <a:prstGeom prst="rect">
+            <a:avLst/>
+          </a:prstGeom>
+          <a:noFill/>
+          <a:extLst>
+            <a:ext uri="{909E8E84-426E-40DD-AFC4-6F175D3DCCD1}">
+              <a14:hiddenFill xmlns:a14="http://schemas.microsoft.com/office/drawing/2010/main">
+                <a:solidFill>
+                  <a:srgbClr val="FFFFFF"/>
+                </a:solidFill>
+              </a14:hiddenFill>
+            </a:ext>
+          </a:extLst>
+        </p:spPr>
+      </p:pic>
+      <p:sp>
+        <p:nvSpPr>
+          <p:cNvPr id="2" name="TextBox 1">
+            <a:extLst>
+              <a:ext uri="{FF2B5EF4-FFF2-40B4-BE49-F238E27FC236}">
+                <a16:creationId xmlns:a16="http://schemas.microsoft.com/office/drawing/2014/main" id="{15F32C8C-1A9B-484E-550F-6DE9FAEE8595}"/>
+              </a:ext>
+            </a:extLst>
+          </p:cNvPr>
+          <p:cNvSpPr txBox="1"/>
+          <p:nvPr/>
+        </p:nvSpPr>
+        <p:spPr>
+          <a:xfrm>
+            <a:off x="3565594" y="2876443"/>
+            <a:ext cx="5297990" cy="769441"/>
+          </a:xfrm>
+          <a:prstGeom prst="rect">
+            <a:avLst/>
+          </a:prstGeom>
+          <a:noFill/>
+        </p:spPr>
+        <p:txBody>
+          <a:bodyPr wrap="none" rtlCol="0">
+            <a:spAutoFit/>
+          </a:bodyPr>
+          <a:lstStyle/>
+          <a:p>
+            <a:pPr algn="ctr"/>
+            <a:r>
+              <a:rPr lang="en-US" sz="4400" b="1">
+                <a:gradFill flip="none" rotWithShape="1">
+                  <a:gsLst>
+                    <a:gs pos="0">
+                      <a:schemeClr val="bg1">
+                        <a:shade val="30000"/>
+                        <a:satMod val="115000"/>
+                      </a:schemeClr>
+                    </a:gs>
+                    <a:gs pos="50000">
+                      <a:schemeClr val="bg1">
+                        <a:shade val="67500"/>
+                        <a:satMod val="115000"/>
+                      </a:schemeClr>
+                    </a:gs>
+                    <a:gs pos="100000">
+                      <a:schemeClr val="bg1">
+                        <a:shade val="100000"/>
+                        <a:satMod val="115000"/>
+                      </a:schemeClr>
+                    </a:gs>
+                  </a:gsLst>
+                  <a:path path="circle">
+                    <a:fillToRect t="100000" r="100000"/>
+                  </a:path>
+                  <a:tileRect l="-100000" b="-100000"/>
+                </a:gradFill>
+                <a:latin typeface="Rockwell" panose="02060603020205020403" pitchFamily="18" charset="77"/>
+              </a:rPr>
+              <a:t>In the beginning...</a:t>
+            </a:r>
+          </a:p>
+        </p:txBody>
+      </p:sp>
+    </p:spTree>
+    <p:extLst>
+      <p:ext uri="{BB962C8B-B14F-4D97-AF65-F5344CB8AC3E}">
+        <p14:creationId xmlns:p14="http://schemas.microsoft.com/office/powerpoint/2010/main" val="440692669"/>
+      </p:ext>
+    </p:extLst>
+  </p:cSld>
+  <p:clrMapOvr>
+    <a:masterClrMapping/>
+  </p:clrMapOvr>
+</p:sld>
+</file>
+
+<file path=ppt/slides/slide50.xml><?xml version="1.0" encoding="utf-8"?>
 <p:sld xmlns:a="http://schemas.openxmlformats.org/drawingml/2006/main" xmlns:r="http://schemas.openxmlformats.org/officeDocument/2006/relationships" xmlns:p="http://schemas.openxmlformats.org/presentationml/2006/main">
   <p:cSld>
     <p:spTree>
@@ -29896,154 +31241,7 @@
 </p:sld>
 </file>
 
-<file path=ppt/slides/slide5.xml><?xml version="1.0" encoding="utf-8"?>
-<p:sld xmlns:a="http://schemas.openxmlformats.org/drawingml/2006/main" xmlns:r="http://schemas.openxmlformats.org/officeDocument/2006/relationships" xmlns:p="http://schemas.openxmlformats.org/presentationml/2006/main">
-  <p:cSld>
-    <p:spTree>
-      <p:nvGrpSpPr>
-        <p:cNvPr id="1" name="">
-          <a:extLst>
-            <a:ext uri="{FF2B5EF4-FFF2-40B4-BE49-F238E27FC236}">
-              <a16:creationId xmlns:a16="http://schemas.microsoft.com/office/drawing/2014/main" id="{7402D65F-B89F-9DC7-9C7C-A516C704E01D}"/>
-            </a:ext>
-          </a:extLst>
-        </p:cNvPr>
-        <p:cNvGrpSpPr/>
-        <p:nvPr/>
-      </p:nvGrpSpPr>
-      <p:grpSpPr>
-        <a:xfrm>
-          <a:off x="0" y="0"/>
-          <a:ext cx="0" cy="0"/>
-          <a:chOff x="0" y="0"/>
-          <a:chExt cx="0" cy="0"/>
-        </a:xfrm>
-      </p:grpSpPr>
-      <p:pic>
-        <p:nvPicPr>
-          <p:cNvPr id="1028" name="Picture 4" descr="Silent Movie Silent Film Title Card: Free Download — CopyCatFilms">
-            <a:extLst>
-              <a:ext uri="{FF2B5EF4-FFF2-40B4-BE49-F238E27FC236}">
-                <a16:creationId xmlns:a16="http://schemas.microsoft.com/office/drawing/2014/main" id="{B4DAB7B7-9CB9-FDCA-570C-A59439CF72B3}"/>
-              </a:ext>
-            </a:extLst>
-          </p:cNvPr>
-          <p:cNvPicPr>
-            <a:picLocks noChangeAspect="1" noChangeArrowheads="1"/>
-          </p:cNvPicPr>
-          <p:nvPr/>
-        </p:nvPicPr>
-        <p:blipFill>
-          <a:blip r:embed="rId2">
-            <a:extLst>
-              <a:ext uri="{28A0092B-C50C-407E-A947-70E740481C1C}">
-                <a14:useLocalDpi xmlns:a14="http://schemas.microsoft.com/office/drawing/2010/main" val="0"/>
-              </a:ext>
-            </a:extLst>
-          </a:blip>
-          <a:srcRect/>
-          <a:stretch>
-            <a:fillRect/>
-          </a:stretch>
-        </p:blipFill>
-        <p:spPr bwMode="auto">
-          <a:xfrm>
-            <a:off x="0" y="4261"/>
-            <a:ext cx="12192000" cy="6853739"/>
-          </a:xfrm>
-          <a:prstGeom prst="rect">
-            <a:avLst/>
-          </a:prstGeom>
-          <a:noFill/>
-          <a:extLst>
-            <a:ext uri="{909E8E84-426E-40DD-AFC4-6F175D3DCCD1}">
-              <a14:hiddenFill xmlns:a14="http://schemas.microsoft.com/office/drawing/2010/main">
-                <a:solidFill>
-                  <a:srgbClr val="FFFFFF"/>
-                </a:solidFill>
-              </a14:hiddenFill>
-            </a:ext>
-          </a:extLst>
-        </p:spPr>
-      </p:pic>
-      <p:sp>
-        <p:nvSpPr>
-          <p:cNvPr id="2" name="TextBox 1">
-            <a:extLst>
-              <a:ext uri="{FF2B5EF4-FFF2-40B4-BE49-F238E27FC236}">
-                <a16:creationId xmlns:a16="http://schemas.microsoft.com/office/drawing/2014/main" id="{15F32C8C-1A9B-484E-550F-6DE9FAEE8595}"/>
-              </a:ext>
-            </a:extLst>
-          </p:cNvPr>
-          <p:cNvSpPr txBox="1"/>
-          <p:nvPr/>
-        </p:nvSpPr>
-        <p:spPr>
-          <a:xfrm>
-            <a:off x="3565594" y="2876443"/>
-            <a:ext cx="5297990" cy="769441"/>
-          </a:xfrm>
-          <a:prstGeom prst="rect">
-            <a:avLst/>
-          </a:prstGeom>
-          <a:noFill/>
-        </p:spPr>
-        <p:txBody>
-          <a:bodyPr wrap="none" rtlCol="0">
-            <a:spAutoFit/>
-          </a:bodyPr>
-          <a:lstStyle/>
-          <a:p>
-            <a:pPr algn="ctr"/>
-            <a:r>
-              <a:rPr lang="en-US" sz="4400" b="1">
-                <a:gradFill flip="none" rotWithShape="1">
-                  <a:gsLst>
-                    <a:gs pos="0">
-                      <a:schemeClr val="bg1">
-                        <a:shade val="30000"/>
-                        <a:satMod val="115000"/>
-                      </a:schemeClr>
-                    </a:gs>
-                    <a:gs pos="50000">
-                      <a:schemeClr val="bg1">
-                        <a:shade val="67500"/>
-                        <a:satMod val="115000"/>
-                      </a:schemeClr>
-                    </a:gs>
-                    <a:gs pos="100000">
-                      <a:schemeClr val="bg1">
-                        <a:shade val="100000"/>
-                        <a:satMod val="115000"/>
-                      </a:schemeClr>
-                    </a:gs>
-                  </a:gsLst>
-                  <a:path path="circle">
-                    <a:fillToRect t="100000" r="100000"/>
-                  </a:path>
-                  <a:tileRect l="-100000" b="-100000"/>
-                </a:gradFill>
-                <a:latin typeface="Rockwell" panose="02060603020205020403" pitchFamily="18" charset="77"/>
-              </a:rPr>
-              <a:t>In the beginning...</a:t>
-            </a:r>
-          </a:p>
-        </p:txBody>
-      </p:sp>
-    </p:spTree>
-    <p:extLst>
-      <p:ext uri="{BB962C8B-B14F-4D97-AF65-F5344CB8AC3E}">
-        <p14:creationId xmlns:p14="http://schemas.microsoft.com/office/powerpoint/2010/main" val="440692669"/>
-      </p:ext>
-    </p:extLst>
-  </p:cSld>
-  <p:clrMapOvr>
-    <a:masterClrMapping/>
-  </p:clrMapOvr>
-</p:sld>
-</file>
-
-<file path=ppt/slides/slide50.xml><?xml version="1.0" encoding="utf-8"?>
+<file path=ppt/slides/slide51.xml><?xml version="1.0" encoding="utf-8"?>
 <p:sld xmlns:a="http://schemas.openxmlformats.org/drawingml/2006/main" xmlns:r="http://schemas.openxmlformats.org/officeDocument/2006/relationships" xmlns:p="http://schemas.openxmlformats.org/presentationml/2006/main">
   <p:cSld>
     <p:spTree>
@@ -30079,7 +31277,7 @@
 </p:sld>
 </file>
 
-<file path=ppt/slides/slide51.xml><?xml version="1.0" encoding="utf-8"?>
+<file path=ppt/slides/slide52.xml><?xml version="1.0" encoding="utf-8"?>
 <p:sld xmlns:a="http://schemas.openxmlformats.org/drawingml/2006/main" xmlns:r="http://schemas.openxmlformats.org/officeDocument/2006/relationships" xmlns:p="http://schemas.openxmlformats.org/presentationml/2006/main" show="0">
   <p:cSld>
     <p:spTree>
@@ -30145,7 +31343,7 @@
 </p:sld>
 </file>
 
-<file path=ppt/slides/slide52.xml><?xml version="1.0" encoding="utf-8"?>
+<file path=ppt/slides/slide53.xml><?xml version="1.0" encoding="utf-8"?>
 <p:sld xmlns:a="http://schemas.openxmlformats.org/drawingml/2006/main" xmlns:r="http://schemas.openxmlformats.org/officeDocument/2006/relationships" xmlns:p="http://schemas.openxmlformats.org/presentationml/2006/main" show="0">
   <p:cSld>
     <p:spTree>
@@ -30239,7 +31437,7 @@
 </p:sld>
 </file>
 
-<file path=ppt/slides/slide53.xml><?xml version="1.0" encoding="utf-8"?>
+<file path=ppt/slides/slide54.xml><?xml version="1.0" encoding="utf-8"?>
 <p:sld xmlns:a="http://schemas.openxmlformats.org/drawingml/2006/main" xmlns:r="http://schemas.openxmlformats.org/officeDocument/2006/relationships" xmlns:p="http://schemas.openxmlformats.org/presentationml/2006/main" show="0">
   <p:cSld>
     <p:spTree>
@@ -30376,7 +31574,7 @@
 </p:sld>
 </file>
 
-<file path=ppt/slides/slide54.xml><?xml version="1.0" encoding="utf-8"?>
+<file path=ppt/slides/slide55.xml><?xml version="1.0" encoding="utf-8"?>
 <p:sld xmlns:a="http://schemas.openxmlformats.org/drawingml/2006/main" xmlns:r="http://schemas.openxmlformats.org/officeDocument/2006/relationships" xmlns:p="http://schemas.openxmlformats.org/presentationml/2006/main" show="0">
   <p:cSld>
     <p:spTree>
@@ -31952,7 +33150,7 @@
 </p:sld>
 </file>
 
-<file path=ppt/slides/slide55.xml><?xml version="1.0" encoding="utf-8"?>
+<file path=ppt/slides/slide56.xml><?xml version="1.0" encoding="utf-8"?>
 <p:sld xmlns:a="http://schemas.openxmlformats.org/drawingml/2006/main" xmlns:r="http://schemas.openxmlformats.org/officeDocument/2006/relationships" xmlns:p="http://schemas.openxmlformats.org/presentationml/2006/main" show="0">
   <p:cSld>
     <p:spTree>
@@ -33240,7 +34438,7 @@
 </p:sld>
 </file>
 
-<file path=ppt/slides/slide56.xml><?xml version="1.0" encoding="utf-8"?>
+<file path=ppt/slides/slide57.xml><?xml version="1.0" encoding="utf-8"?>
 <p:sld xmlns:a="http://schemas.openxmlformats.org/drawingml/2006/main" xmlns:r="http://schemas.openxmlformats.org/officeDocument/2006/relationships" xmlns:p="http://schemas.openxmlformats.org/presentationml/2006/main" show="0">
   <p:cSld>
     <p:spTree>

--- a/slides/Testing Better with Approvals.pptx
+++ b/slides/Testing Better with Approvals.pptx
@@ -5,7 +5,7 @@
     <p:sldMasterId id="2147483648" r:id="rId1"/>
   </p:sldMasterIdLst>
   <p:notesMasterIdLst>
-    <p:notesMasterId r:id="rId59"/>
+    <p:notesMasterId r:id="rId64"/>
   </p:notesMasterIdLst>
   <p:sldIdLst>
     <p:sldId id="300" r:id="rId2"/>
@@ -46,25 +46,30 @@
     <p:sldId id="345" r:id="rId37"/>
     <p:sldId id="346" r:id="rId38"/>
     <p:sldId id="347" r:id="rId39"/>
-    <p:sldId id="316" r:id="rId40"/>
-    <p:sldId id="268" r:id="rId41"/>
-    <p:sldId id="319" r:id="rId42"/>
-    <p:sldId id="317" r:id="rId43"/>
-    <p:sldId id="318" r:id="rId44"/>
-    <p:sldId id="322" r:id="rId45"/>
-    <p:sldId id="290" r:id="rId46"/>
-    <p:sldId id="320" r:id="rId47"/>
-    <p:sldId id="321" r:id="rId48"/>
-    <p:sldId id="323" r:id="rId49"/>
-    <p:sldId id="276" r:id="rId50"/>
-    <p:sldId id="279" r:id="rId51"/>
-    <p:sldId id="281" r:id="rId52"/>
-    <p:sldId id="280" r:id="rId53"/>
-    <p:sldId id="291" r:id="rId54"/>
-    <p:sldId id="264" r:id="rId55"/>
-    <p:sldId id="257" r:id="rId56"/>
-    <p:sldId id="282" r:id="rId57"/>
-    <p:sldId id="259" r:id="rId58"/>
+    <p:sldId id="348" r:id="rId40"/>
+    <p:sldId id="349" r:id="rId41"/>
+    <p:sldId id="350" r:id="rId42"/>
+    <p:sldId id="351" r:id="rId43"/>
+    <p:sldId id="352" r:id="rId44"/>
+    <p:sldId id="316" r:id="rId45"/>
+    <p:sldId id="268" r:id="rId46"/>
+    <p:sldId id="319" r:id="rId47"/>
+    <p:sldId id="317" r:id="rId48"/>
+    <p:sldId id="318" r:id="rId49"/>
+    <p:sldId id="322" r:id="rId50"/>
+    <p:sldId id="290" r:id="rId51"/>
+    <p:sldId id="320" r:id="rId52"/>
+    <p:sldId id="321" r:id="rId53"/>
+    <p:sldId id="323" r:id="rId54"/>
+    <p:sldId id="276" r:id="rId55"/>
+    <p:sldId id="279" r:id="rId56"/>
+    <p:sldId id="281" r:id="rId57"/>
+    <p:sldId id="280" r:id="rId58"/>
+    <p:sldId id="291" r:id="rId59"/>
+    <p:sldId id="264" r:id="rId60"/>
+    <p:sldId id="257" r:id="rId61"/>
+    <p:sldId id="282" r:id="rId62"/>
+    <p:sldId id="259" r:id="rId63"/>
   </p:sldIdLst>
   <p:sldSz cx="12192000" cy="6858000"/>
   <p:notesSz cx="6858000" cy="9144000"/>
@@ -218,6 +223,11 @@
             <p14:sldId id="345"/>
             <p14:sldId id="346"/>
             <p14:sldId id="347"/>
+            <p14:sldId id="348"/>
+            <p14:sldId id="349"/>
+            <p14:sldId id="350"/>
+            <p14:sldId id="351"/>
+            <p14:sldId id="352"/>
             <p14:sldId id="316"/>
             <p14:sldId id="268"/>
           </p14:sldIdLst>
@@ -1024,7 +1034,7 @@
           <a:p>
             <a:fld id="{FC5BBC2B-72B0-2542-8213-717906F3F32B}" type="slidenum">
               <a:rPr lang="en-US" smtClean="0"/>
-              <a:t>39</a:t>
+              <a:t>44</a:t>
             </a:fld>
             <a:endParaRPr lang="en-US"/>
           </a:p>
@@ -1132,7 +1142,7 @@
           <a:p>
             <a:fld id="{FC5BBC2B-72B0-2542-8213-717906F3F32B}" type="slidenum">
               <a:rPr lang="en-US" smtClean="0"/>
-              <a:t>40</a:t>
+              <a:t>45</a:t>
             </a:fld>
             <a:endParaRPr lang="en-US"/>
           </a:p>
@@ -1219,7 +1229,7 @@
           <a:p>
             <a:fld id="{FC5BBC2B-72B0-2542-8213-717906F3F32B}" type="slidenum">
               <a:rPr lang="en-US" smtClean="0"/>
-              <a:t>42</a:t>
+              <a:t>47</a:t>
             </a:fld>
             <a:endParaRPr lang="en-US"/>
           </a:p>
@@ -1330,7 +1340,7 @@
           <a:p>
             <a:fld id="{FC5BBC2B-72B0-2542-8213-717906F3F32B}" type="slidenum">
               <a:rPr lang="en-US" smtClean="0"/>
-              <a:t>43</a:t>
+              <a:t>48</a:t>
             </a:fld>
             <a:endParaRPr lang="en-US"/>
           </a:p>
@@ -1441,7 +1451,7 @@
           <a:p>
             <a:fld id="{FC5BBC2B-72B0-2542-8213-717906F3F32B}" type="slidenum">
               <a:rPr lang="en-US" smtClean="0"/>
-              <a:t>46</a:t>
+              <a:t>51</a:t>
             </a:fld>
             <a:endParaRPr lang="en-US"/>
           </a:p>
@@ -1552,7 +1562,7 @@
           <a:p>
             <a:fld id="{FC5BBC2B-72B0-2542-8213-717906F3F32B}" type="slidenum">
               <a:rPr lang="en-US" smtClean="0"/>
-              <a:t>47</a:t>
+              <a:t>52</a:t>
             </a:fld>
             <a:endParaRPr lang="en-US"/>
           </a:p>
@@ -1660,7 +1670,7 @@
           <a:p>
             <a:fld id="{FC5BBC2B-72B0-2542-8213-717906F3F32B}" type="slidenum">
               <a:rPr lang="en-US" smtClean="0"/>
-              <a:t>49</a:t>
+              <a:t>54</a:t>
             </a:fld>
             <a:endParaRPr lang="en-US"/>
           </a:p>
@@ -1768,7 +1778,7 @@
           <a:p>
             <a:fld id="{FC5BBC2B-72B0-2542-8213-717906F3F32B}" type="slidenum">
               <a:rPr lang="en-US" smtClean="0"/>
-              <a:t>50</a:t>
+              <a:t>55</a:t>
             </a:fld>
             <a:endParaRPr lang="en-US"/>
           </a:p>
@@ -1963,7 +1973,7 @@
           <a:p>
             <a:fld id="{FC5BBC2B-72B0-2542-8213-717906F3F32B}" type="slidenum">
               <a:rPr lang="en-US" smtClean="0"/>
-              <a:t>51</a:t>
+              <a:t>56</a:t>
             </a:fld>
             <a:endParaRPr lang="en-US"/>
           </a:p>
@@ -2071,7 +2081,7 @@
           <a:p>
             <a:fld id="{FC5BBC2B-72B0-2542-8213-717906F3F32B}" type="slidenum">
               <a:rPr lang="en-US" smtClean="0"/>
-              <a:t>52</a:t>
+              <a:t>57</a:t>
             </a:fld>
             <a:endParaRPr lang="en-US"/>
           </a:p>
@@ -2179,7 +2189,7 @@
           <a:p>
             <a:fld id="{FC5BBC2B-72B0-2542-8213-717906F3F32B}" type="slidenum">
               <a:rPr lang="en-US" smtClean="0"/>
-              <a:t>53</a:t>
+              <a:t>58</a:t>
             </a:fld>
             <a:endParaRPr lang="en-US"/>
           </a:p>
@@ -2263,7 +2273,7 @@
           <a:p>
             <a:fld id="{FC5BBC2B-72B0-2542-8213-717906F3F32B}" type="slidenum">
               <a:rPr lang="en-US" smtClean="0"/>
-              <a:t>55</a:t>
+              <a:t>60</a:t>
             </a:fld>
             <a:endParaRPr lang="en-US"/>
           </a:p>
@@ -2371,7 +2381,7 @@
           <a:p>
             <a:fld id="{FC5BBC2B-72B0-2542-8213-717906F3F32B}" type="slidenum">
               <a:rPr lang="en-US" smtClean="0"/>
-              <a:t>56</a:t>
+              <a:t>61</a:t>
             </a:fld>
             <a:endParaRPr lang="en-US"/>
           </a:p>
@@ -2455,7 +2465,7 @@
           <a:p>
             <a:fld id="{FC5BBC2B-72B0-2542-8213-717906F3F32B}" type="slidenum">
               <a:rPr lang="en-US" smtClean="0"/>
-              <a:t>57</a:t>
+              <a:t>62</a:t>
             </a:fld>
             <a:endParaRPr lang="en-US"/>
           </a:p>
@@ -11606,8 +11616,8 @@
         </p:nvSpPr>
         <p:spPr>
           <a:xfrm>
-            <a:off x="6400217" y="238327"/>
-            <a:ext cx="461481" cy="6391073"/>
+            <a:off x="6400218" y="238327"/>
+            <a:ext cx="272956" cy="6391073"/>
           </a:xfrm>
           <a:custGeom>
             <a:avLst/>
@@ -11733,7 +11743,7 @@
         </p:blipFill>
         <p:spPr>
           <a:xfrm>
-            <a:off x="7133964" y="3900457"/>
+            <a:off x="7208324" y="3951722"/>
             <a:ext cx="4389850" cy="684020"/>
           </a:xfrm>
           <a:prstGeom prst="rect">
@@ -19833,7 +19843,7 @@
                                           </p:stCondLst>
                                         </p:cTn>
                                         <p:tgtEl>
-                                          <p:spTgt spid="58"/>
+                                          <p:spTgt spid="57"/>
                                         </p:tgtEl>
                                         <p:attrNameLst>
                                           <p:attrName>style.visibility</p:attrName>
@@ -19878,7 +19888,7 @@
                                           </p:stCondLst>
                                         </p:cTn>
                                         <p:tgtEl>
-                                          <p:spTgt spid="57"/>
+                                          <p:spTgt spid="58"/>
                                         </p:tgtEl>
                                         <p:attrNameLst>
                                           <p:attrName>style.visibility</p:attrName>
@@ -20062,13 +20072,7 @@
   <p:cSld>
     <p:spTree>
       <p:nvGrpSpPr>
-        <p:cNvPr id="1" name="">
-          <a:extLst>
-            <a:ext uri="{FF2B5EF4-FFF2-40B4-BE49-F238E27FC236}">
-              <a16:creationId xmlns:a16="http://schemas.microsoft.com/office/drawing/2014/main" id="{1C8BEC2D-B0F9-7D1F-D3F8-691C4104F2C4}"/>
-            </a:ext>
-          </a:extLst>
-        </p:cNvPr>
+        <p:cNvPr id="1" name=""/>
         <p:cNvGrpSpPr/>
         <p:nvPr/>
       </p:nvGrpSpPr>
@@ -20080,93 +20084,40 @@
           <a:chExt cx="0" cy="0"/>
         </a:xfrm>
       </p:grpSpPr>
-      <p:sp>
-        <p:nvSpPr>
-          <p:cNvPr id="3" name="TextBox 2">
+      <p:pic>
+        <p:nvPicPr>
+          <p:cNvPr id="3" name="Picture 2" descr="A screenshot of a computer&#10;&#10;Description automatically generated">
             <a:extLst>
               <a:ext uri="{FF2B5EF4-FFF2-40B4-BE49-F238E27FC236}">
-                <a16:creationId xmlns:a16="http://schemas.microsoft.com/office/drawing/2014/main" id="{75EDFB70-8705-2690-0EA8-3B4B8A342BE1}"/>
+                <a16:creationId xmlns:a16="http://schemas.microsoft.com/office/drawing/2014/main" id="{6D4C195D-9C71-E6FD-F49A-3A03158AF386}"/>
               </a:ext>
             </a:extLst>
           </p:cNvPr>
-          <p:cNvSpPr txBox="1"/>
+          <p:cNvPicPr>
+            <a:picLocks noChangeAspect="1"/>
+          </p:cNvPicPr>
           <p:nvPr/>
-        </p:nvSpPr>
+        </p:nvPicPr>
+        <p:blipFill>
+          <a:blip r:embed="rId2"/>
+          <a:stretch>
+            <a:fillRect/>
+          </a:stretch>
+        </p:blipFill>
         <p:spPr>
           <a:xfrm>
-            <a:off x="868680" y="786384"/>
-            <a:ext cx="1679434" cy="369332"/>
+            <a:off x="415139" y="624171"/>
+            <a:ext cx="11222292" cy="5825268"/>
           </a:xfrm>
           <a:prstGeom prst="rect">
             <a:avLst/>
           </a:prstGeom>
-          <a:noFill/>
         </p:spPr>
-        <p:txBody>
-          <a:bodyPr wrap="none" rtlCol="0">
-            <a:spAutoFit/>
-          </a:bodyPr>
-          <a:lstStyle/>
-          <a:p>
-            <a:r>
-              <a:rPr lang="en-US"/>
-              <a:t>Remember this:</a:t>
-            </a:r>
-          </a:p>
-        </p:txBody>
-      </p:sp>
-      <p:sp>
-        <p:nvSpPr>
-          <p:cNvPr id="4" name="TextBox 3">
-            <a:extLst>
-              <a:ext uri="{FF2B5EF4-FFF2-40B4-BE49-F238E27FC236}">
-                <a16:creationId xmlns:a16="http://schemas.microsoft.com/office/drawing/2014/main" id="{8567043B-A59E-65D3-8FF2-D0CE4B047731}"/>
-              </a:ext>
-            </a:extLst>
-          </p:cNvPr>
-          <p:cNvSpPr txBox="1"/>
-          <p:nvPr/>
-        </p:nvSpPr>
-        <p:spPr>
-          <a:xfrm>
-            <a:off x="978408" y="1682496"/>
-            <a:ext cx="4368375" cy="923330"/>
-          </a:xfrm>
-          <a:prstGeom prst="rect">
-            <a:avLst/>
-          </a:prstGeom>
-          <a:noFill/>
-        </p:spPr>
-        <p:txBody>
-          <a:bodyPr wrap="none" rtlCol="0">
-            <a:spAutoFit/>
-          </a:bodyPr>
-          <a:lstStyle/>
-          <a:p>
-            <a:pPr marL="285750" indent="-285750">
-              <a:buFont typeface="Arial" panose="020B0604020202020204" pitchFamily="34" charset="0"/>
-              <a:buChar char="•"/>
-            </a:pPr>
-            <a:r>
-              <a:rPr lang="en-US"/>
-              <a:t>If the output is small, use inline approvals</a:t>
-            </a:r>
-          </a:p>
-          <a:p>
-            <a:pPr marL="342900" indent="-342900">
-              <a:buAutoNum type="arabicPeriod"/>
-            </a:pPr>
-            <a:endParaRPr lang="en-US"/>
-          </a:p>
-          <a:p>
-            <a:endParaRPr lang="en-US"/>
-          </a:p>
-        </p:txBody>
-      </p:sp>
+      </p:pic>
     </p:spTree>
     <p:extLst>
       <p:ext uri="{BB962C8B-B14F-4D97-AF65-F5344CB8AC3E}">
-        <p14:creationId xmlns:p14="http://schemas.microsoft.com/office/powerpoint/2010/main" val="1076691476"/>
+        <p14:creationId xmlns:p14="http://schemas.microsoft.com/office/powerpoint/2010/main" val="792270074"/>
       </p:ext>
     </p:extLst>
   </p:cSld>
@@ -29874,6 +29825,725 @@
   <p:cSld>
     <p:spTree>
       <p:nvGrpSpPr>
+        <p:cNvPr id="1" name=""/>
+        <p:cNvGrpSpPr/>
+        <p:nvPr/>
+      </p:nvGrpSpPr>
+      <p:grpSpPr>
+        <a:xfrm>
+          <a:off x="0" y="0"/>
+          <a:ext cx="0" cy="0"/>
+          <a:chOff x="0" y="0"/>
+          <a:chExt cx="0" cy="0"/>
+        </a:xfrm>
+      </p:grpSpPr>
+      <p:pic>
+        <p:nvPicPr>
+          <p:cNvPr id="3" name="Picture 2" descr="A screenshot of a computer&#10;&#10;Description automatically generated">
+            <a:extLst>
+              <a:ext uri="{FF2B5EF4-FFF2-40B4-BE49-F238E27FC236}">
+                <a16:creationId xmlns:a16="http://schemas.microsoft.com/office/drawing/2014/main" id="{E950EA37-A63E-62B6-521C-E93A8297D63B}"/>
+              </a:ext>
+            </a:extLst>
+          </p:cNvPr>
+          <p:cNvPicPr>
+            <a:picLocks noChangeAspect="1"/>
+          </p:cNvPicPr>
+          <p:nvPr/>
+        </p:nvPicPr>
+        <p:blipFill>
+          <a:blip r:embed="rId2"/>
+          <a:stretch>
+            <a:fillRect/>
+          </a:stretch>
+        </p:blipFill>
+        <p:spPr>
+          <a:xfrm>
+            <a:off x="352220" y="546509"/>
+            <a:ext cx="11487560" cy="5941840"/>
+          </a:xfrm>
+          <a:prstGeom prst="rect">
+            <a:avLst/>
+          </a:prstGeom>
+        </p:spPr>
+      </p:pic>
+    </p:spTree>
+    <p:extLst>
+      <p:ext uri="{BB962C8B-B14F-4D97-AF65-F5344CB8AC3E}">
+        <p14:creationId xmlns:p14="http://schemas.microsoft.com/office/powerpoint/2010/main" val="2081589611"/>
+      </p:ext>
+    </p:extLst>
+  </p:cSld>
+  <p:clrMapOvr>
+    <a:masterClrMapping/>
+  </p:clrMapOvr>
+</p:sld>
+</file>
+
+<file path=ppt/slides/slide41.xml><?xml version="1.0" encoding="utf-8"?>
+<p:sld xmlns:a="http://schemas.openxmlformats.org/drawingml/2006/main" xmlns:r="http://schemas.openxmlformats.org/officeDocument/2006/relationships" xmlns:p="http://schemas.openxmlformats.org/presentationml/2006/main">
+  <p:cSld>
+    <p:spTree>
+      <p:nvGrpSpPr>
+        <p:cNvPr id="1" name=""/>
+        <p:cNvGrpSpPr/>
+        <p:nvPr/>
+      </p:nvGrpSpPr>
+      <p:grpSpPr>
+        <a:xfrm>
+          <a:off x="0" y="0"/>
+          <a:ext cx="0" cy="0"/>
+          <a:chOff x="0" y="0"/>
+          <a:chExt cx="0" cy="0"/>
+        </a:xfrm>
+      </p:grpSpPr>
+      <p:grpSp>
+        <p:nvGrpSpPr>
+          <p:cNvPr id="9" name="Group 8">
+            <a:extLst>
+              <a:ext uri="{FF2B5EF4-FFF2-40B4-BE49-F238E27FC236}">
+                <a16:creationId xmlns:a16="http://schemas.microsoft.com/office/drawing/2014/main" id="{4DADD704-45E0-CDF0-BBC7-D51C9503D539}"/>
+              </a:ext>
+            </a:extLst>
+          </p:cNvPr>
+          <p:cNvGrpSpPr/>
+          <p:nvPr/>
+        </p:nvGrpSpPr>
+        <p:grpSpPr>
+          <a:xfrm>
+            <a:off x="7506265" y="138295"/>
+            <a:ext cx="2555240" cy="6581410"/>
+            <a:chOff x="165234" y="138295"/>
+            <a:chExt cx="2555240" cy="6581410"/>
+          </a:xfrm>
+        </p:grpSpPr>
+        <p:pic>
+          <p:nvPicPr>
+            <p:cNvPr id="3" name="Picture 2" descr="A screenshot of a computer program&#10;&#10;Description automatically generated">
+              <a:extLst>
+                <a:ext uri="{FF2B5EF4-FFF2-40B4-BE49-F238E27FC236}">
+                  <a16:creationId xmlns:a16="http://schemas.microsoft.com/office/drawing/2014/main" id="{61DD26B4-5125-831C-0989-2A3BEE5B1241}"/>
+                </a:ext>
+              </a:extLst>
+            </p:cNvPr>
+            <p:cNvPicPr>
+              <a:picLocks noChangeAspect="1"/>
+            </p:cNvPicPr>
+            <p:nvPr/>
+          </p:nvPicPr>
+          <p:blipFill>
+            <a:blip r:embed="rId2"/>
+            <a:stretch>
+              <a:fillRect/>
+            </a:stretch>
+          </p:blipFill>
+          <p:spPr>
+            <a:xfrm>
+              <a:off x="165234" y="138295"/>
+              <a:ext cx="2321560" cy="3865880"/>
+            </a:xfrm>
+            <a:prstGeom prst="rect">
+              <a:avLst/>
+            </a:prstGeom>
+          </p:spPr>
+        </p:pic>
+        <p:pic>
+          <p:nvPicPr>
+            <p:cNvPr id="7" name="Picture 6" descr="A screenshot of a computer program&#10;&#10;Description automatically generated">
+              <a:extLst>
+                <a:ext uri="{FF2B5EF4-FFF2-40B4-BE49-F238E27FC236}">
+                  <a16:creationId xmlns:a16="http://schemas.microsoft.com/office/drawing/2014/main" id="{6E3BC49A-E3FE-C67A-B79C-7166CF0F0922}"/>
+                </a:ext>
+              </a:extLst>
+            </p:cNvPr>
+            <p:cNvPicPr>
+              <a:picLocks noChangeAspect="1"/>
+            </p:cNvPicPr>
+            <p:nvPr/>
+          </p:nvPicPr>
+          <p:blipFill>
+            <a:blip r:embed="rId3"/>
+            <a:stretch>
+              <a:fillRect/>
+            </a:stretch>
+          </p:blipFill>
+          <p:spPr>
+            <a:xfrm>
+              <a:off x="165234" y="3981585"/>
+              <a:ext cx="2555240" cy="2738120"/>
+            </a:xfrm>
+            <a:prstGeom prst="rect">
+              <a:avLst/>
+            </a:prstGeom>
+          </p:spPr>
+        </p:pic>
+      </p:grpSp>
+      <p:pic>
+        <p:nvPicPr>
+          <p:cNvPr id="10" name="Picture 9" descr="A screenshot of a computer&#10;&#10;Description automatically generated">
+            <a:extLst>
+              <a:ext uri="{FF2B5EF4-FFF2-40B4-BE49-F238E27FC236}">
+                <a16:creationId xmlns:a16="http://schemas.microsoft.com/office/drawing/2014/main" id="{549647EE-FA62-588F-4CD5-5B6BC7D77A73}"/>
+              </a:ext>
+            </a:extLst>
+          </p:cNvPr>
+          <p:cNvPicPr>
+            <a:picLocks noChangeAspect="1"/>
+          </p:cNvPicPr>
+          <p:nvPr/>
+        </p:nvPicPr>
+        <p:blipFill rotWithShape="1">
+          <a:blip r:embed="rId4"/>
+          <a:srcRect l="21975" t="8645" r="8548" b="5414"/>
+          <a:stretch/>
+        </p:blipFill>
+        <p:spPr>
+          <a:xfrm>
+            <a:off x="0" y="1134137"/>
+            <a:ext cx="6675496" cy="4309352"/>
+          </a:xfrm>
+          <a:prstGeom prst="rect">
+            <a:avLst/>
+          </a:prstGeom>
+        </p:spPr>
+      </p:pic>
+      <p:cxnSp>
+        <p:nvCxnSpPr>
+          <p:cNvPr id="11" name="Straight Connector 10">
+            <a:extLst>
+              <a:ext uri="{FF2B5EF4-FFF2-40B4-BE49-F238E27FC236}">
+                <a16:creationId xmlns:a16="http://schemas.microsoft.com/office/drawing/2014/main" id="{D9E4D42A-0BE5-BD54-8E03-FEE0DC8619A7}"/>
+              </a:ext>
+            </a:extLst>
+          </p:cNvPr>
+          <p:cNvCxnSpPr>
+            <a:cxnSpLocks/>
+          </p:cNvCxnSpPr>
+          <p:nvPr/>
+        </p:nvCxnSpPr>
+        <p:spPr>
+          <a:xfrm>
+            <a:off x="7090880" y="416052"/>
+            <a:ext cx="0" cy="6025896"/>
+          </a:xfrm>
+          <a:prstGeom prst="line">
+            <a:avLst/>
+          </a:prstGeom>
+          <a:ln w="38100"/>
+        </p:spPr>
+        <p:style>
+          <a:lnRef idx="1">
+            <a:schemeClr val="dk1"/>
+          </a:lnRef>
+          <a:fillRef idx="0">
+            <a:schemeClr val="dk1"/>
+          </a:fillRef>
+          <a:effectRef idx="0">
+            <a:schemeClr val="dk1"/>
+          </a:effectRef>
+          <a:fontRef idx="minor">
+            <a:schemeClr val="tx1"/>
+          </a:fontRef>
+        </p:style>
+      </p:cxnSp>
+    </p:spTree>
+    <p:extLst>
+      <p:ext uri="{BB962C8B-B14F-4D97-AF65-F5344CB8AC3E}">
+        <p14:creationId xmlns:p14="http://schemas.microsoft.com/office/powerpoint/2010/main" val="34089581"/>
+      </p:ext>
+    </p:extLst>
+  </p:cSld>
+  <p:clrMapOvr>
+    <a:masterClrMapping/>
+  </p:clrMapOvr>
+</p:sld>
+</file>
+
+<file path=ppt/slides/slide42.xml><?xml version="1.0" encoding="utf-8"?>
+<p:sld xmlns:a="http://schemas.openxmlformats.org/drawingml/2006/main" xmlns:r="http://schemas.openxmlformats.org/officeDocument/2006/relationships" xmlns:p="http://schemas.openxmlformats.org/presentationml/2006/main">
+  <p:cSld>
+    <p:spTree>
+      <p:nvGrpSpPr>
+        <p:cNvPr id="1" name=""/>
+        <p:cNvGrpSpPr/>
+        <p:nvPr/>
+      </p:nvGrpSpPr>
+      <p:grpSpPr>
+        <a:xfrm>
+          <a:off x="0" y="0"/>
+          <a:ext cx="0" cy="0"/>
+          <a:chOff x="0" y="0"/>
+          <a:chExt cx="0" cy="0"/>
+        </a:xfrm>
+      </p:grpSpPr>
+      <p:grpSp>
+        <p:nvGrpSpPr>
+          <p:cNvPr id="9" name="Group 8">
+            <a:extLst>
+              <a:ext uri="{FF2B5EF4-FFF2-40B4-BE49-F238E27FC236}">
+                <a16:creationId xmlns:a16="http://schemas.microsoft.com/office/drawing/2014/main" id="{4DADD704-45E0-CDF0-BBC7-D51C9503D539}"/>
+              </a:ext>
+            </a:extLst>
+          </p:cNvPr>
+          <p:cNvGrpSpPr/>
+          <p:nvPr/>
+        </p:nvGrpSpPr>
+        <p:grpSpPr>
+          <a:xfrm>
+            <a:off x="5366317" y="0"/>
+            <a:ext cx="2555240" cy="6581410"/>
+            <a:chOff x="165234" y="138295"/>
+            <a:chExt cx="2555240" cy="6581410"/>
+          </a:xfrm>
+        </p:grpSpPr>
+        <p:pic>
+          <p:nvPicPr>
+            <p:cNvPr id="3" name="Picture 2" descr="A screenshot of a computer program&#10;&#10;Description automatically generated">
+              <a:extLst>
+                <a:ext uri="{FF2B5EF4-FFF2-40B4-BE49-F238E27FC236}">
+                  <a16:creationId xmlns:a16="http://schemas.microsoft.com/office/drawing/2014/main" id="{61DD26B4-5125-831C-0989-2A3BEE5B1241}"/>
+                </a:ext>
+              </a:extLst>
+            </p:cNvPr>
+            <p:cNvPicPr>
+              <a:picLocks noChangeAspect="1"/>
+            </p:cNvPicPr>
+            <p:nvPr/>
+          </p:nvPicPr>
+          <p:blipFill>
+            <a:blip r:embed="rId2"/>
+            <a:stretch>
+              <a:fillRect/>
+            </a:stretch>
+          </p:blipFill>
+          <p:spPr>
+            <a:xfrm>
+              <a:off x="165234" y="138295"/>
+              <a:ext cx="2321560" cy="3865880"/>
+            </a:xfrm>
+            <a:prstGeom prst="rect">
+              <a:avLst/>
+            </a:prstGeom>
+          </p:spPr>
+        </p:pic>
+        <p:pic>
+          <p:nvPicPr>
+            <p:cNvPr id="7" name="Picture 6" descr="A screenshot of a computer program&#10;&#10;Description automatically generated">
+              <a:extLst>
+                <a:ext uri="{FF2B5EF4-FFF2-40B4-BE49-F238E27FC236}">
+                  <a16:creationId xmlns:a16="http://schemas.microsoft.com/office/drawing/2014/main" id="{6E3BC49A-E3FE-C67A-B79C-7166CF0F0922}"/>
+                </a:ext>
+              </a:extLst>
+            </p:cNvPr>
+            <p:cNvPicPr>
+              <a:picLocks noChangeAspect="1"/>
+            </p:cNvPicPr>
+            <p:nvPr/>
+          </p:nvPicPr>
+          <p:blipFill>
+            <a:blip r:embed="rId3"/>
+            <a:stretch>
+              <a:fillRect/>
+            </a:stretch>
+          </p:blipFill>
+          <p:spPr>
+            <a:xfrm>
+              <a:off x="165234" y="3981585"/>
+              <a:ext cx="2555240" cy="2738120"/>
+            </a:xfrm>
+            <a:prstGeom prst="rect">
+              <a:avLst/>
+            </a:prstGeom>
+          </p:spPr>
+        </p:pic>
+      </p:grpSp>
+      <p:pic>
+        <p:nvPicPr>
+          <p:cNvPr id="10" name="Picture 9" descr="A screenshot of a computer&#10;&#10;Description automatically generated">
+            <a:extLst>
+              <a:ext uri="{FF2B5EF4-FFF2-40B4-BE49-F238E27FC236}">
+                <a16:creationId xmlns:a16="http://schemas.microsoft.com/office/drawing/2014/main" id="{549647EE-FA62-588F-4CD5-5B6BC7D77A73}"/>
+              </a:ext>
+            </a:extLst>
+          </p:cNvPr>
+          <p:cNvPicPr>
+            <a:picLocks noChangeAspect="1"/>
+          </p:cNvPicPr>
+          <p:nvPr/>
+        </p:nvPicPr>
+        <p:blipFill rotWithShape="1">
+          <a:blip r:embed="rId4"/>
+          <a:srcRect l="21974" t="22111" r="43096" b="5414"/>
+          <a:stretch/>
+        </p:blipFill>
+        <p:spPr>
+          <a:xfrm>
+            <a:off x="51763" y="379758"/>
+            <a:ext cx="3356037" cy="3634144"/>
+          </a:xfrm>
+          <a:prstGeom prst="rect">
+            <a:avLst/>
+          </a:prstGeom>
+        </p:spPr>
+      </p:pic>
+      <p:cxnSp>
+        <p:nvCxnSpPr>
+          <p:cNvPr id="11" name="Straight Connector 10">
+            <a:extLst>
+              <a:ext uri="{FF2B5EF4-FFF2-40B4-BE49-F238E27FC236}">
+                <a16:creationId xmlns:a16="http://schemas.microsoft.com/office/drawing/2014/main" id="{D9E4D42A-0BE5-BD54-8E03-FEE0DC8619A7}"/>
+              </a:ext>
+            </a:extLst>
+          </p:cNvPr>
+          <p:cNvCxnSpPr>
+            <a:cxnSpLocks/>
+          </p:cNvCxnSpPr>
+          <p:nvPr/>
+        </p:nvCxnSpPr>
+        <p:spPr>
+          <a:xfrm>
+            <a:off x="4941067" y="356681"/>
+            <a:ext cx="0" cy="6025896"/>
+          </a:xfrm>
+          <a:prstGeom prst="line">
+            <a:avLst/>
+          </a:prstGeom>
+          <a:ln w="38100"/>
+        </p:spPr>
+        <p:style>
+          <a:lnRef idx="1">
+            <a:schemeClr val="dk1"/>
+          </a:lnRef>
+          <a:fillRef idx="0">
+            <a:schemeClr val="dk1"/>
+          </a:fillRef>
+          <a:effectRef idx="0">
+            <a:schemeClr val="dk1"/>
+          </a:effectRef>
+          <a:fontRef idx="minor">
+            <a:schemeClr val="tx1"/>
+          </a:fontRef>
+        </p:style>
+      </p:cxnSp>
+      <p:sp>
+        <p:nvSpPr>
+          <p:cNvPr id="5" name="Cross 4">
+            <a:extLst>
+              <a:ext uri="{FF2B5EF4-FFF2-40B4-BE49-F238E27FC236}">
+                <a16:creationId xmlns:a16="http://schemas.microsoft.com/office/drawing/2014/main" id="{4B0D269E-9101-F292-B217-894CE949D812}"/>
+              </a:ext>
+            </a:extLst>
+          </p:cNvPr>
+          <p:cNvSpPr/>
+          <p:nvPr/>
+        </p:nvSpPr>
+        <p:spPr>
+          <a:xfrm>
+            <a:off x="51763" y="4276316"/>
+            <a:ext cx="539496" cy="539496"/>
+          </a:xfrm>
+          <a:prstGeom prst="plus">
+            <a:avLst>
+              <a:gd name="adj" fmla="val 42290"/>
+            </a:avLst>
+          </a:prstGeom>
+        </p:spPr>
+        <p:style>
+          <a:lnRef idx="2">
+            <a:schemeClr val="accent1">
+              <a:shade val="15000"/>
+            </a:schemeClr>
+          </a:lnRef>
+          <a:fillRef idx="1">
+            <a:schemeClr val="accent1"/>
+          </a:fillRef>
+          <a:effectRef idx="0">
+            <a:schemeClr val="accent1"/>
+          </a:effectRef>
+          <a:fontRef idx="minor">
+            <a:schemeClr val="lt1"/>
+          </a:fontRef>
+        </p:style>
+        <p:txBody>
+          <a:bodyPr rtlCol="0" anchor="ctr"/>
+          <a:lstStyle/>
+          <a:p>
+            <a:pPr algn="ctr"/>
+            <a:endParaRPr lang="en-US"/>
+          </a:p>
+        </p:txBody>
+      </p:sp>
+      <p:pic>
+        <p:nvPicPr>
+          <p:cNvPr id="8" name="Picture 7" descr="A close-up of a computer screen&#10;&#10;Description automatically generated">
+            <a:extLst>
+              <a:ext uri="{FF2B5EF4-FFF2-40B4-BE49-F238E27FC236}">
+                <a16:creationId xmlns:a16="http://schemas.microsoft.com/office/drawing/2014/main" id="{CFAF905F-5907-A705-7313-99FD541510D2}"/>
+              </a:ext>
+            </a:extLst>
+          </p:cNvPr>
+          <p:cNvPicPr>
+            <a:picLocks noChangeAspect="1"/>
+          </p:cNvPicPr>
+          <p:nvPr/>
+        </p:nvPicPr>
+        <p:blipFill>
+          <a:blip r:embed="rId5"/>
+          <a:stretch>
+            <a:fillRect/>
+          </a:stretch>
+        </p:blipFill>
+        <p:spPr>
+          <a:xfrm>
+            <a:off x="51763" y="5078227"/>
+            <a:ext cx="4589576" cy="1001950"/>
+          </a:xfrm>
+          <a:prstGeom prst="rect">
+            <a:avLst/>
+          </a:prstGeom>
+        </p:spPr>
+      </p:pic>
+      <p:pic>
+        <p:nvPicPr>
+          <p:cNvPr id="13" name="Picture 12" descr="A screenshot of a computer program&#10;&#10;Description automatically generated">
+            <a:extLst>
+              <a:ext uri="{FF2B5EF4-FFF2-40B4-BE49-F238E27FC236}">
+                <a16:creationId xmlns:a16="http://schemas.microsoft.com/office/drawing/2014/main" id="{EEAD332A-C101-CFB1-C478-60C1F8ACD86D}"/>
+              </a:ext>
+            </a:extLst>
+          </p:cNvPr>
+          <p:cNvPicPr>
+            <a:picLocks noChangeAspect="1"/>
+          </p:cNvPicPr>
+          <p:nvPr/>
+        </p:nvPicPr>
+        <p:blipFill>
+          <a:blip r:embed="rId6"/>
+          <a:stretch>
+            <a:fillRect/>
+          </a:stretch>
+        </p:blipFill>
+        <p:spPr>
+          <a:xfrm>
+            <a:off x="7301131" y="3429000"/>
+            <a:ext cx="4678540" cy="2061612"/>
+          </a:xfrm>
+          <a:prstGeom prst="rect">
+            <a:avLst/>
+          </a:prstGeom>
+          <a:ln>
+            <a:solidFill>
+              <a:schemeClr val="bg1">
+                <a:lumMod val="75000"/>
+              </a:schemeClr>
+            </a:solidFill>
+          </a:ln>
+          <a:effectLst>
+            <a:outerShdw blurRad="50800" dist="38100" dir="8100000" algn="tr" rotWithShape="0">
+              <a:prstClr val="black">
+                <a:alpha val="40000"/>
+              </a:prstClr>
+            </a:outerShdw>
+          </a:effectLst>
+        </p:spPr>
+      </p:pic>
+    </p:spTree>
+    <p:extLst>
+      <p:ext uri="{BB962C8B-B14F-4D97-AF65-F5344CB8AC3E}">
+        <p14:creationId xmlns:p14="http://schemas.microsoft.com/office/powerpoint/2010/main" val="266615600"/>
+      </p:ext>
+    </p:extLst>
+  </p:cSld>
+  <p:clrMapOvr>
+    <a:masterClrMapping/>
+  </p:clrMapOvr>
+</p:sld>
+</file>
+
+<file path=ppt/slides/slide43.xml><?xml version="1.0" encoding="utf-8"?>
+<p:sld xmlns:a="http://schemas.openxmlformats.org/drawingml/2006/main" xmlns:r="http://schemas.openxmlformats.org/officeDocument/2006/relationships" xmlns:p="http://schemas.openxmlformats.org/presentationml/2006/main">
+  <p:cSld>
+    <p:spTree>
+      <p:nvGrpSpPr>
+        <p:cNvPr id="1" name=""/>
+        <p:cNvGrpSpPr/>
+        <p:nvPr/>
+      </p:nvGrpSpPr>
+      <p:grpSpPr>
+        <a:xfrm>
+          <a:off x="0" y="0"/>
+          <a:ext cx="0" cy="0"/>
+          <a:chOff x="0" y="0"/>
+          <a:chExt cx="0" cy="0"/>
+        </a:xfrm>
+      </p:grpSpPr>
+      <p:pic>
+        <p:nvPicPr>
+          <p:cNvPr id="3" name="Picture 2" descr="A close-up of a message&#10;&#10;Description automatically generated">
+            <a:extLst>
+              <a:ext uri="{FF2B5EF4-FFF2-40B4-BE49-F238E27FC236}">
+                <a16:creationId xmlns:a16="http://schemas.microsoft.com/office/drawing/2014/main" id="{3F5DBB5F-4890-B91F-3257-D52924D2A582}"/>
+              </a:ext>
+            </a:extLst>
+          </p:cNvPr>
+          <p:cNvPicPr>
+            <a:picLocks noChangeAspect="1"/>
+          </p:cNvPicPr>
+          <p:nvPr/>
+        </p:nvPicPr>
+        <p:blipFill>
+          <a:blip r:embed="rId2"/>
+          <a:stretch>
+            <a:fillRect/>
+          </a:stretch>
+        </p:blipFill>
+        <p:spPr>
+          <a:xfrm>
+            <a:off x="563663" y="997846"/>
+            <a:ext cx="4484992" cy="1049064"/>
+          </a:xfrm>
+          <a:prstGeom prst="rect">
+            <a:avLst/>
+          </a:prstGeom>
+        </p:spPr>
+      </p:pic>
+    </p:spTree>
+    <p:extLst>
+      <p:ext uri="{BB962C8B-B14F-4D97-AF65-F5344CB8AC3E}">
+        <p14:creationId xmlns:p14="http://schemas.microsoft.com/office/powerpoint/2010/main" val="2244629350"/>
+      </p:ext>
+    </p:extLst>
+  </p:cSld>
+  <p:clrMapOvr>
+    <a:masterClrMapping/>
+  </p:clrMapOvr>
+</p:sld>
+</file>
+
+<file path=ppt/slides/slide44.xml><?xml version="1.0" encoding="utf-8"?>
+<p:sld xmlns:a="http://schemas.openxmlformats.org/drawingml/2006/main" xmlns:r="http://schemas.openxmlformats.org/officeDocument/2006/relationships" xmlns:p="http://schemas.openxmlformats.org/presentationml/2006/main">
+  <p:cSld>
+    <p:spTree>
+      <p:nvGrpSpPr>
+        <p:cNvPr id="1" name="">
+          <a:extLst>
+            <a:ext uri="{FF2B5EF4-FFF2-40B4-BE49-F238E27FC236}">
+              <a16:creationId xmlns:a16="http://schemas.microsoft.com/office/drawing/2014/main" id="{1C8BEC2D-B0F9-7D1F-D3F8-691C4104F2C4}"/>
+            </a:ext>
+          </a:extLst>
+        </p:cNvPr>
+        <p:cNvGrpSpPr/>
+        <p:nvPr/>
+      </p:nvGrpSpPr>
+      <p:grpSpPr>
+        <a:xfrm>
+          <a:off x="0" y="0"/>
+          <a:ext cx="0" cy="0"/>
+          <a:chOff x="0" y="0"/>
+          <a:chExt cx="0" cy="0"/>
+        </a:xfrm>
+      </p:grpSpPr>
+      <p:sp>
+        <p:nvSpPr>
+          <p:cNvPr id="3" name="TextBox 2">
+            <a:extLst>
+              <a:ext uri="{FF2B5EF4-FFF2-40B4-BE49-F238E27FC236}">
+                <a16:creationId xmlns:a16="http://schemas.microsoft.com/office/drawing/2014/main" id="{75EDFB70-8705-2690-0EA8-3B4B8A342BE1}"/>
+              </a:ext>
+            </a:extLst>
+          </p:cNvPr>
+          <p:cNvSpPr txBox="1"/>
+          <p:nvPr/>
+        </p:nvSpPr>
+        <p:spPr>
+          <a:xfrm>
+            <a:off x="868680" y="786384"/>
+            <a:ext cx="1679434" cy="369332"/>
+          </a:xfrm>
+          <a:prstGeom prst="rect">
+            <a:avLst/>
+          </a:prstGeom>
+          <a:noFill/>
+        </p:spPr>
+        <p:txBody>
+          <a:bodyPr wrap="none" rtlCol="0">
+            <a:spAutoFit/>
+          </a:bodyPr>
+          <a:lstStyle/>
+          <a:p>
+            <a:r>
+              <a:rPr lang="en-US"/>
+              <a:t>Remember this:</a:t>
+            </a:r>
+          </a:p>
+        </p:txBody>
+      </p:sp>
+      <p:sp>
+        <p:nvSpPr>
+          <p:cNvPr id="4" name="TextBox 3">
+            <a:extLst>
+              <a:ext uri="{FF2B5EF4-FFF2-40B4-BE49-F238E27FC236}">
+                <a16:creationId xmlns:a16="http://schemas.microsoft.com/office/drawing/2014/main" id="{8567043B-A59E-65D3-8FF2-D0CE4B047731}"/>
+              </a:ext>
+            </a:extLst>
+          </p:cNvPr>
+          <p:cNvSpPr txBox="1"/>
+          <p:nvPr/>
+        </p:nvSpPr>
+        <p:spPr>
+          <a:xfrm>
+            <a:off x="978408" y="1682496"/>
+            <a:ext cx="4368375" cy="923330"/>
+          </a:xfrm>
+          <a:prstGeom prst="rect">
+            <a:avLst/>
+          </a:prstGeom>
+          <a:noFill/>
+        </p:spPr>
+        <p:txBody>
+          <a:bodyPr wrap="none" rtlCol="0">
+            <a:spAutoFit/>
+          </a:bodyPr>
+          <a:lstStyle/>
+          <a:p>
+            <a:pPr marL="285750" indent="-285750">
+              <a:buFont typeface="Arial" panose="020B0604020202020204" pitchFamily="34" charset="0"/>
+              <a:buChar char="•"/>
+            </a:pPr>
+            <a:r>
+              <a:rPr lang="en-US"/>
+              <a:t>If the output is small, use inline approvals</a:t>
+            </a:r>
+          </a:p>
+          <a:p>
+            <a:pPr marL="342900" indent="-342900">
+              <a:buAutoNum type="arabicPeriod"/>
+            </a:pPr>
+            <a:endParaRPr lang="en-US"/>
+          </a:p>
+          <a:p>
+            <a:endParaRPr lang="en-US"/>
+          </a:p>
+        </p:txBody>
+      </p:sp>
+    </p:spTree>
+    <p:extLst>
+      <p:ext uri="{BB962C8B-B14F-4D97-AF65-F5344CB8AC3E}">
+        <p14:creationId xmlns:p14="http://schemas.microsoft.com/office/powerpoint/2010/main" val="1076691476"/>
+      </p:ext>
+    </p:extLst>
+  </p:cSld>
+  <p:clrMapOvr>
+    <a:masterClrMapping/>
+  </p:clrMapOvr>
+</p:sld>
+</file>
+
+<file path=ppt/slides/slide45.xml><?xml version="1.0" encoding="utf-8"?>
+<p:sld xmlns:a="http://schemas.openxmlformats.org/drawingml/2006/main" xmlns:r="http://schemas.openxmlformats.org/officeDocument/2006/relationships" xmlns:p="http://schemas.openxmlformats.org/presentationml/2006/main">
+  <p:cSld>
+    <p:spTree>
+      <p:nvGrpSpPr>
         <p:cNvPr id="1" name="">
           <a:extLst>
             <a:ext uri="{FF2B5EF4-FFF2-40B4-BE49-F238E27FC236}">
@@ -29970,7 +30640,7 @@
 </p:sld>
 </file>
 
-<file path=ppt/slides/slide41.xml><?xml version="1.0" encoding="utf-8"?>
+<file path=ppt/slides/slide46.xml><?xml version="1.0" encoding="utf-8"?>
 <p:sld xmlns:a="http://schemas.openxmlformats.org/drawingml/2006/main" xmlns:r="http://schemas.openxmlformats.org/officeDocument/2006/relationships" xmlns:p="http://schemas.openxmlformats.org/presentationml/2006/main">
   <p:cSld>
     <p:spTree>
@@ -30117,7 +30787,7 @@
 </p:sld>
 </file>
 
-<file path=ppt/slides/slide42.xml><?xml version="1.0" encoding="utf-8"?>
+<file path=ppt/slides/slide47.xml><?xml version="1.0" encoding="utf-8"?>
 <p:sld xmlns:a="http://schemas.openxmlformats.org/drawingml/2006/main" xmlns:r="http://schemas.openxmlformats.org/officeDocument/2006/relationships" xmlns:p="http://schemas.openxmlformats.org/presentationml/2006/main">
   <p:cSld>
     <p:spTree>
@@ -30225,7 +30895,7 @@
 </p:sld>
 </file>
 
-<file path=ppt/slides/slide43.xml><?xml version="1.0" encoding="utf-8"?>
+<file path=ppt/slides/slide48.xml><?xml version="1.0" encoding="utf-8"?>
 <p:sld xmlns:a="http://schemas.openxmlformats.org/drawingml/2006/main" xmlns:r="http://schemas.openxmlformats.org/officeDocument/2006/relationships" xmlns:p="http://schemas.openxmlformats.org/presentationml/2006/main">
   <p:cSld>
     <p:spTree>
@@ -30344,7 +31014,7 @@
 </p:sld>
 </file>
 
-<file path=ppt/slides/slide44.xml><?xml version="1.0" encoding="utf-8"?>
+<file path=ppt/slides/slide49.xml><?xml version="1.0" encoding="utf-8"?>
 <p:sld xmlns:a="http://schemas.openxmlformats.org/drawingml/2006/main" xmlns:r="http://schemas.openxmlformats.org/officeDocument/2006/relationships" xmlns:p="http://schemas.openxmlformats.org/presentationml/2006/main">
   <p:cSld>
     <p:spTree>
@@ -30395,592 +31065,6 @@
     <p:extLst>
       <p:ext uri="{BB962C8B-B14F-4D97-AF65-F5344CB8AC3E}">
         <p14:creationId xmlns:p14="http://schemas.microsoft.com/office/powerpoint/2010/main" val="2676625942"/>
-      </p:ext>
-    </p:extLst>
-  </p:cSld>
-  <p:clrMapOvr>
-    <a:masterClrMapping/>
-  </p:clrMapOvr>
-</p:sld>
-</file>
-
-<file path=ppt/slides/slide45.xml><?xml version="1.0" encoding="utf-8"?>
-<p:sld xmlns:a="http://schemas.openxmlformats.org/drawingml/2006/main" xmlns:r="http://schemas.openxmlformats.org/officeDocument/2006/relationships" xmlns:p="http://schemas.openxmlformats.org/presentationml/2006/main">
-  <p:cSld>
-    <p:spTree>
-      <p:nvGrpSpPr>
-        <p:cNvPr id="1" name=""/>
-        <p:cNvGrpSpPr/>
-        <p:nvPr/>
-      </p:nvGrpSpPr>
-      <p:grpSpPr>
-        <a:xfrm>
-          <a:off x="0" y="0"/>
-          <a:ext cx="0" cy="0"/>
-          <a:chOff x="0" y="0"/>
-          <a:chExt cx="0" cy="0"/>
-        </a:xfrm>
-      </p:grpSpPr>
-      <p:pic>
-        <p:nvPicPr>
-          <p:cNvPr id="1028" name="Picture 4" descr="Silent Movie Silent Film Title Card: Free Download — CopyCatFilms">
-            <a:extLst>
-              <a:ext uri="{FF2B5EF4-FFF2-40B4-BE49-F238E27FC236}">
-                <a16:creationId xmlns:a16="http://schemas.microsoft.com/office/drawing/2014/main" id="{65DC3069-C79D-A5FF-3756-0C1F3F22604B}"/>
-              </a:ext>
-            </a:extLst>
-          </p:cNvPr>
-          <p:cNvPicPr>
-            <a:picLocks noChangeAspect="1" noChangeArrowheads="1"/>
-          </p:cNvPicPr>
-          <p:nvPr/>
-        </p:nvPicPr>
-        <p:blipFill>
-          <a:blip r:embed="rId2">
-            <a:extLst>
-              <a:ext uri="{28A0092B-C50C-407E-A947-70E740481C1C}">
-                <a14:useLocalDpi xmlns:a14="http://schemas.microsoft.com/office/drawing/2010/main" val="0"/>
-              </a:ext>
-            </a:extLst>
-          </a:blip>
-          <a:srcRect/>
-          <a:stretch>
-            <a:fillRect/>
-          </a:stretch>
-        </p:blipFill>
-        <p:spPr bwMode="auto">
-          <a:xfrm>
-            <a:off x="0" y="4261"/>
-            <a:ext cx="12192000" cy="6853739"/>
-          </a:xfrm>
-          <a:prstGeom prst="rect">
-            <a:avLst/>
-          </a:prstGeom>
-          <a:noFill/>
-          <a:extLst>
-            <a:ext uri="{909E8E84-426E-40DD-AFC4-6F175D3DCCD1}">
-              <a14:hiddenFill xmlns:a14="http://schemas.microsoft.com/office/drawing/2010/main">
-                <a:solidFill>
-                  <a:srgbClr val="FFFFFF"/>
-                </a:solidFill>
-              </a14:hiddenFill>
-            </a:ext>
-          </a:extLst>
-        </p:spPr>
-      </p:pic>
-      <p:sp>
-        <p:nvSpPr>
-          <p:cNvPr id="2" name="TextBox 1">
-            <a:extLst>
-              <a:ext uri="{FF2B5EF4-FFF2-40B4-BE49-F238E27FC236}">
-                <a16:creationId xmlns:a16="http://schemas.microsoft.com/office/drawing/2014/main" id="{912AFC77-F5C7-10A1-50CC-05981BE8F9BC}"/>
-              </a:ext>
-            </a:extLst>
-          </p:cNvPr>
-          <p:cNvSpPr txBox="1"/>
-          <p:nvPr/>
-        </p:nvSpPr>
-        <p:spPr>
-          <a:xfrm>
-            <a:off x="3408176" y="2876443"/>
-            <a:ext cx="5612820" cy="769441"/>
-          </a:xfrm>
-          <a:prstGeom prst="rect">
-            <a:avLst/>
-          </a:prstGeom>
-          <a:noFill/>
-        </p:spPr>
-        <p:txBody>
-          <a:bodyPr wrap="none" rtlCol="0">
-            <a:spAutoFit/>
-          </a:bodyPr>
-          <a:lstStyle/>
-          <a:p>
-            <a:pPr algn="ctr"/>
-            <a:r>
-              <a:rPr lang="en-US" sz="4400" b="1">
-                <a:gradFill flip="none" rotWithShape="1">
-                  <a:gsLst>
-                    <a:gs pos="0">
-                      <a:schemeClr val="bg1">
-                        <a:shade val="30000"/>
-                        <a:satMod val="115000"/>
-                      </a:schemeClr>
-                    </a:gs>
-                    <a:gs pos="50000">
-                      <a:schemeClr val="bg1">
-                        <a:shade val="67500"/>
-                        <a:satMod val="115000"/>
-                      </a:schemeClr>
-                    </a:gs>
-                    <a:gs pos="100000">
-                      <a:schemeClr val="bg1">
-                        <a:shade val="100000"/>
-                        <a:satMod val="115000"/>
-                      </a:schemeClr>
-                    </a:gs>
-                  </a:gsLst>
-                  <a:path path="circle">
-                    <a:fillToRect t="100000" r="100000"/>
-                  </a:path>
-                  <a:tileRect l="-100000" b="-100000"/>
-                </a:gradFill>
-                <a:latin typeface="Rockwell" panose="02060603020205020403" pitchFamily="18" charset="77"/>
-              </a:rPr>
-              <a:t>...later next week...</a:t>
-            </a:r>
-          </a:p>
-        </p:txBody>
-      </p:sp>
-    </p:spTree>
-    <p:extLst>
-      <p:ext uri="{BB962C8B-B14F-4D97-AF65-F5344CB8AC3E}">
-        <p14:creationId xmlns:p14="http://schemas.microsoft.com/office/powerpoint/2010/main" val="687934014"/>
-      </p:ext>
-    </p:extLst>
-  </p:cSld>
-  <p:clrMapOvr>
-    <a:masterClrMapping/>
-  </p:clrMapOvr>
-</p:sld>
-</file>
-
-<file path=ppt/slides/slide46.xml><?xml version="1.0" encoding="utf-8"?>
-<p:sld xmlns:a="http://schemas.openxmlformats.org/drawingml/2006/main" xmlns:r="http://schemas.openxmlformats.org/officeDocument/2006/relationships" xmlns:p="http://schemas.openxmlformats.org/presentationml/2006/main">
-  <p:cSld>
-    <p:spTree>
-      <p:nvGrpSpPr>
-        <p:cNvPr id="1" name="">
-          <a:extLst>
-            <a:ext uri="{FF2B5EF4-FFF2-40B4-BE49-F238E27FC236}">
-              <a16:creationId xmlns:a16="http://schemas.microsoft.com/office/drawing/2014/main" id="{7FC0F5CC-C2FA-79E6-492C-3CD0E6D07BDC}"/>
-            </a:ext>
-          </a:extLst>
-        </p:cNvPr>
-        <p:cNvGrpSpPr/>
-        <p:nvPr/>
-      </p:nvGrpSpPr>
-      <p:grpSpPr>
-        <a:xfrm>
-          <a:off x="0" y="0"/>
-          <a:ext cx="0" cy="0"/>
-          <a:chOff x="0" y="0"/>
-          <a:chExt cx="0" cy="0"/>
-        </a:xfrm>
-      </p:grpSpPr>
-      <p:sp>
-        <p:nvSpPr>
-          <p:cNvPr id="2" name="Rectangle 1">
-            <a:extLst>
-              <a:ext uri="{FF2B5EF4-FFF2-40B4-BE49-F238E27FC236}">
-                <a16:creationId xmlns:a16="http://schemas.microsoft.com/office/drawing/2014/main" id="{D0804635-A67F-6167-8543-DCDA9503CBC9}"/>
-              </a:ext>
-            </a:extLst>
-          </p:cNvPr>
-          <p:cNvSpPr/>
-          <p:nvPr/>
-        </p:nvSpPr>
-        <p:spPr>
-          <a:xfrm>
-            <a:off x="0" y="0"/>
-            <a:ext cx="12201144" cy="6867144"/>
-          </a:xfrm>
-          <a:prstGeom prst="rect">
-            <a:avLst/>
-          </a:prstGeom>
-          <a:solidFill>
-            <a:schemeClr val="tx1"/>
-          </a:solidFill>
-          <a:ln>
-            <a:solidFill>
-              <a:schemeClr val="tx1"/>
-            </a:solidFill>
-          </a:ln>
-        </p:spPr>
-        <p:style>
-          <a:lnRef idx="2">
-            <a:schemeClr val="accent1">
-              <a:shade val="15000"/>
-            </a:schemeClr>
-          </a:lnRef>
-          <a:fillRef idx="1">
-            <a:schemeClr val="accent1"/>
-          </a:fillRef>
-          <a:effectRef idx="0">
-            <a:schemeClr val="accent1"/>
-          </a:effectRef>
-          <a:fontRef idx="minor">
-            <a:schemeClr val="lt1"/>
-          </a:fontRef>
-        </p:style>
-        <p:txBody>
-          <a:bodyPr rtlCol="0" anchor="ctr"/>
-          <a:lstStyle/>
-          <a:p>
-            <a:pPr algn="ctr"/>
-            <a:r>
-              <a:rPr lang="en-US" sz="4400" b="1">
-                <a:solidFill>
-                  <a:schemeClr val="tx1">
-                    <a:lumMod val="85000"/>
-                    <a:lumOff val="15000"/>
-                  </a:schemeClr>
-                </a:solidFill>
-              </a:rPr>
-              <a:t>code</a:t>
-            </a:r>
-            <a:endParaRPr lang="en-US" b="1">
-              <a:solidFill>
-                <a:schemeClr val="tx1">
-                  <a:lumMod val="85000"/>
-                  <a:lumOff val="15000"/>
-                </a:schemeClr>
-              </a:solidFill>
-            </a:endParaRPr>
-          </a:p>
-        </p:txBody>
-      </p:sp>
-    </p:spTree>
-    <p:extLst>
-      <p:ext uri="{BB962C8B-B14F-4D97-AF65-F5344CB8AC3E}">
-        <p14:creationId xmlns:p14="http://schemas.microsoft.com/office/powerpoint/2010/main" val="2726571313"/>
-      </p:ext>
-    </p:extLst>
-  </p:cSld>
-  <p:clrMapOvr>
-    <a:masterClrMapping/>
-  </p:clrMapOvr>
-</p:sld>
-</file>
-
-<file path=ppt/slides/slide47.xml><?xml version="1.0" encoding="utf-8"?>
-<p:sld xmlns:a="http://schemas.openxmlformats.org/drawingml/2006/main" xmlns:r="http://schemas.openxmlformats.org/officeDocument/2006/relationships" xmlns:p="http://schemas.openxmlformats.org/presentationml/2006/main">
-  <p:cSld>
-    <p:spTree>
-      <p:nvGrpSpPr>
-        <p:cNvPr id="1" name="">
-          <a:extLst>
-            <a:ext uri="{FF2B5EF4-FFF2-40B4-BE49-F238E27FC236}">
-              <a16:creationId xmlns:a16="http://schemas.microsoft.com/office/drawing/2014/main" id="{5F7778C0-6CFA-71C6-8DE9-3A8E90CB75C8}"/>
-            </a:ext>
-          </a:extLst>
-        </p:cNvPr>
-        <p:cNvGrpSpPr/>
-        <p:nvPr/>
-      </p:nvGrpSpPr>
-      <p:grpSpPr>
-        <a:xfrm>
-          <a:off x="0" y="0"/>
-          <a:ext cx="0" cy="0"/>
-          <a:chOff x="0" y="0"/>
-          <a:chExt cx="0" cy="0"/>
-        </a:xfrm>
-      </p:grpSpPr>
-      <p:sp>
-        <p:nvSpPr>
-          <p:cNvPr id="3" name="TextBox 2">
-            <a:extLst>
-              <a:ext uri="{FF2B5EF4-FFF2-40B4-BE49-F238E27FC236}">
-                <a16:creationId xmlns:a16="http://schemas.microsoft.com/office/drawing/2014/main" id="{A6DB054E-A768-8010-7F2C-6BC994A8509D}"/>
-              </a:ext>
-            </a:extLst>
-          </p:cNvPr>
-          <p:cNvSpPr txBox="1"/>
-          <p:nvPr/>
-        </p:nvSpPr>
-        <p:spPr>
-          <a:xfrm>
-            <a:off x="868680" y="786384"/>
-            <a:ext cx="1679434" cy="369332"/>
-          </a:xfrm>
-          <a:prstGeom prst="rect">
-            <a:avLst/>
-          </a:prstGeom>
-          <a:noFill/>
-        </p:spPr>
-        <p:txBody>
-          <a:bodyPr wrap="none" rtlCol="0">
-            <a:spAutoFit/>
-          </a:bodyPr>
-          <a:lstStyle/>
-          <a:p>
-            <a:r>
-              <a:rPr lang="en-US"/>
-              <a:t>Remember this:</a:t>
-            </a:r>
-          </a:p>
-        </p:txBody>
-      </p:sp>
-      <p:sp>
-        <p:nvSpPr>
-          <p:cNvPr id="4" name="TextBox 3">
-            <a:extLst>
-              <a:ext uri="{FF2B5EF4-FFF2-40B4-BE49-F238E27FC236}">
-                <a16:creationId xmlns:a16="http://schemas.microsoft.com/office/drawing/2014/main" id="{52211569-4A19-0C8A-ADBF-506AA1B2F777}"/>
-              </a:ext>
-            </a:extLst>
-          </p:cNvPr>
-          <p:cNvSpPr txBox="1"/>
-          <p:nvPr/>
-        </p:nvSpPr>
-        <p:spPr>
-          <a:xfrm>
-            <a:off x="978408" y="1682496"/>
-            <a:ext cx="5944320" cy="923330"/>
-          </a:xfrm>
-          <a:prstGeom prst="rect">
-            <a:avLst/>
-          </a:prstGeom>
-          <a:noFill/>
-        </p:spPr>
-        <p:txBody>
-          <a:bodyPr wrap="none" rtlCol="0">
-            <a:spAutoFit/>
-          </a:bodyPr>
-          <a:lstStyle/>
-          <a:p>
-            <a:pPr marL="285750" indent="-285750">
-              <a:buFont typeface="Arial" panose="020B0604020202020204" pitchFamily="34" charset="0"/>
-              <a:buChar char="•"/>
-            </a:pPr>
-            <a:r>
-              <a:rPr lang="en-US"/>
-              <a:t>Invest in APIs that make it easier to express test scenarios</a:t>
-            </a:r>
-          </a:p>
-          <a:p>
-            <a:pPr marL="342900" indent="-342900">
-              <a:buAutoNum type="arabicPeriod"/>
-            </a:pPr>
-            <a:endParaRPr lang="en-US"/>
-          </a:p>
-          <a:p>
-            <a:endParaRPr lang="en-US"/>
-          </a:p>
-        </p:txBody>
-      </p:sp>
-    </p:spTree>
-    <p:extLst>
-      <p:ext uri="{BB962C8B-B14F-4D97-AF65-F5344CB8AC3E}">
-        <p14:creationId xmlns:p14="http://schemas.microsoft.com/office/powerpoint/2010/main" val="2471589264"/>
-      </p:ext>
-    </p:extLst>
-  </p:cSld>
-  <p:clrMapOvr>
-    <a:masterClrMapping/>
-  </p:clrMapOvr>
-</p:sld>
-</file>
-
-<file path=ppt/slides/slide48.xml><?xml version="1.0" encoding="utf-8"?>
-<p:sld xmlns:a="http://schemas.openxmlformats.org/drawingml/2006/main" xmlns:r="http://schemas.openxmlformats.org/officeDocument/2006/relationships" xmlns:p="http://schemas.openxmlformats.org/presentationml/2006/main">
-  <p:cSld>
-    <p:spTree>
-      <p:nvGrpSpPr>
-        <p:cNvPr id="1" name=""/>
-        <p:cNvGrpSpPr/>
-        <p:nvPr/>
-      </p:nvGrpSpPr>
-      <p:grpSpPr>
-        <a:xfrm>
-          <a:off x="0" y="0"/>
-          <a:ext cx="0" cy="0"/>
-          <a:chOff x="0" y="0"/>
-          <a:chExt cx="0" cy="0"/>
-        </a:xfrm>
-      </p:grpSpPr>
-    </p:spTree>
-    <p:extLst>
-      <p:ext uri="{BB962C8B-B14F-4D97-AF65-F5344CB8AC3E}">
-        <p14:creationId xmlns:p14="http://schemas.microsoft.com/office/powerpoint/2010/main" val="643671778"/>
-      </p:ext>
-    </p:extLst>
-  </p:cSld>
-  <p:clrMapOvr>
-    <a:masterClrMapping/>
-  </p:clrMapOvr>
-</p:sld>
-</file>
-
-<file path=ppt/slides/slide49.xml><?xml version="1.0" encoding="utf-8"?>
-<p:sld xmlns:a="http://schemas.openxmlformats.org/drawingml/2006/main" xmlns:r="http://schemas.openxmlformats.org/officeDocument/2006/relationships" xmlns:p="http://schemas.openxmlformats.org/presentationml/2006/main">
-  <p:cSld>
-    <p:spTree>
-      <p:nvGrpSpPr>
-        <p:cNvPr id="1" name="">
-          <a:extLst>
-            <a:ext uri="{FF2B5EF4-FFF2-40B4-BE49-F238E27FC236}">
-              <a16:creationId xmlns:a16="http://schemas.microsoft.com/office/drawing/2014/main" id="{9C2329FC-28CD-24DC-6926-7D65D4682015}"/>
-            </a:ext>
-          </a:extLst>
-        </p:cNvPr>
-        <p:cNvGrpSpPr/>
-        <p:nvPr/>
-      </p:nvGrpSpPr>
-      <p:grpSpPr>
-        <a:xfrm>
-          <a:off x="0" y="0"/>
-          <a:ext cx="0" cy="0"/>
-          <a:chOff x="0" y="0"/>
-          <a:chExt cx="0" cy="0"/>
-        </a:xfrm>
-      </p:grpSpPr>
-      <p:sp>
-        <p:nvSpPr>
-          <p:cNvPr id="2" name="TextBox 1">
-            <a:extLst>
-              <a:ext uri="{FF2B5EF4-FFF2-40B4-BE49-F238E27FC236}">
-                <a16:creationId xmlns:a16="http://schemas.microsoft.com/office/drawing/2014/main" id="{1CEC83F1-291C-9ACD-3AC3-9EBF8D3C32DF}"/>
-              </a:ext>
-            </a:extLst>
-          </p:cNvPr>
-          <p:cNvSpPr txBox="1"/>
-          <p:nvPr/>
-        </p:nvSpPr>
-        <p:spPr>
-          <a:xfrm>
-            <a:off x="859536" y="5340096"/>
-            <a:ext cx="831510" cy="369332"/>
-          </a:xfrm>
-          <a:prstGeom prst="rect">
-            <a:avLst/>
-          </a:prstGeom>
-          <a:noFill/>
-        </p:spPr>
-        <p:txBody>
-          <a:bodyPr wrap="none" rtlCol="0">
-            <a:spAutoFit/>
-          </a:bodyPr>
-          <a:lstStyle/>
-          <a:p>
-            <a:r>
-              <a:rPr lang="en-US"/>
-              <a:t>person</a:t>
-            </a:r>
-          </a:p>
-        </p:txBody>
-      </p:sp>
-      <p:sp>
-        <p:nvSpPr>
-          <p:cNvPr id="3" name="TextBox 2">
-            <a:extLst>
-              <a:ext uri="{FF2B5EF4-FFF2-40B4-BE49-F238E27FC236}">
-                <a16:creationId xmlns:a16="http://schemas.microsoft.com/office/drawing/2014/main" id="{45C1F6DB-B267-6529-9BB8-9453138F726D}"/>
-              </a:ext>
-            </a:extLst>
-          </p:cNvPr>
-          <p:cNvSpPr txBox="1"/>
-          <p:nvPr/>
-        </p:nvSpPr>
-        <p:spPr>
-          <a:xfrm>
-            <a:off x="4233672" y="2276856"/>
-            <a:ext cx="1340110" cy="646331"/>
-          </a:xfrm>
-          <a:prstGeom prst="rect">
-            <a:avLst/>
-          </a:prstGeom>
-          <a:noFill/>
-        </p:spPr>
-        <p:txBody>
-          <a:bodyPr wrap="none" rtlCol="0">
-            <a:spAutoFit/>
-          </a:bodyPr>
-          <a:lstStyle/>
-          <a:p>
-            <a:r>
-              <a:rPr lang="en-US"/>
-              <a:t>can see only</a:t>
-            </a:r>
-          </a:p>
-          <a:p>
-            <a:r>
-              <a:rPr lang="en-US"/>
-              <a:t>up to here</a:t>
-            </a:r>
-          </a:p>
-        </p:txBody>
-      </p:sp>
-      <p:sp>
-        <p:nvSpPr>
-          <p:cNvPr id="6" name="TextBox 5">
-            <a:extLst>
-              <a:ext uri="{FF2B5EF4-FFF2-40B4-BE49-F238E27FC236}">
-                <a16:creationId xmlns:a16="http://schemas.microsoft.com/office/drawing/2014/main" id="{CEB15ED2-DBC5-F720-DFB6-384092E04122}"/>
-              </a:ext>
-            </a:extLst>
-          </p:cNvPr>
-          <p:cNvSpPr txBox="1"/>
-          <p:nvPr/>
-        </p:nvSpPr>
-        <p:spPr>
-          <a:xfrm>
-            <a:off x="7836408" y="2923187"/>
-            <a:ext cx="696473" cy="369332"/>
-          </a:xfrm>
-          <a:prstGeom prst="rect">
-            <a:avLst/>
-          </a:prstGeom>
-          <a:noFill/>
-        </p:spPr>
-        <p:txBody>
-          <a:bodyPr wrap="none" rtlCol="0">
-            <a:spAutoFit/>
-          </a:bodyPr>
-          <a:lstStyle/>
-          <a:p>
-            <a:r>
-              <a:rPr lang="en-US"/>
-              <a:t>foggy</a:t>
-            </a:r>
-          </a:p>
-        </p:txBody>
-      </p:sp>
-      <p:sp>
-        <p:nvSpPr>
-          <p:cNvPr id="7" name="TextBox 6">
-            <a:extLst>
-              <a:ext uri="{FF2B5EF4-FFF2-40B4-BE49-F238E27FC236}">
-                <a16:creationId xmlns:a16="http://schemas.microsoft.com/office/drawing/2014/main" id="{06A6CD3F-DCCC-BECA-4759-B2E5348D1C71}"/>
-              </a:ext>
-            </a:extLst>
-          </p:cNvPr>
-          <p:cNvSpPr txBox="1"/>
-          <p:nvPr/>
-        </p:nvSpPr>
-        <p:spPr>
-          <a:xfrm>
-            <a:off x="5407602" y="5201596"/>
-            <a:ext cx="2777042" cy="646331"/>
-          </a:xfrm>
-          <a:prstGeom prst="rect">
-            <a:avLst/>
-          </a:prstGeom>
-          <a:noFill/>
-        </p:spPr>
-        <p:txBody>
-          <a:bodyPr wrap="none" rtlCol="0">
-            <a:spAutoFit/>
-          </a:bodyPr>
-          <a:lstStyle/>
-          <a:p>
-            <a:r>
-              <a:rPr lang="en-US"/>
-              <a:t>as the details disappear, </a:t>
-            </a:r>
-          </a:p>
-          <a:p>
-            <a:r>
-              <a:rPr lang="en-US"/>
-              <a:t>we get to see the next layer</a:t>
-            </a:r>
-          </a:p>
-        </p:txBody>
-      </p:sp>
-    </p:spTree>
-    <p:extLst>
-      <p:ext uri="{BB962C8B-B14F-4D97-AF65-F5344CB8AC3E}">
-        <p14:creationId xmlns:p14="http://schemas.microsoft.com/office/powerpoint/2010/main" val="4104274942"/>
       </p:ext>
     </p:extLst>
   </p:cSld>
@@ -31142,6 +31226,592 @@
   <p:cSld>
     <p:spTree>
       <p:nvGrpSpPr>
+        <p:cNvPr id="1" name=""/>
+        <p:cNvGrpSpPr/>
+        <p:nvPr/>
+      </p:nvGrpSpPr>
+      <p:grpSpPr>
+        <a:xfrm>
+          <a:off x="0" y="0"/>
+          <a:ext cx="0" cy="0"/>
+          <a:chOff x="0" y="0"/>
+          <a:chExt cx="0" cy="0"/>
+        </a:xfrm>
+      </p:grpSpPr>
+      <p:pic>
+        <p:nvPicPr>
+          <p:cNvPr id="1028" name="Picture 4" descr="Silent Movie Silent Film Title Card: Free Download — CopyCatFilms">
+            <a:extLst>
+              <a:ext uri="{FF2B5EF4-FFF2-40B4-BE49-F238E27FC236}">
+                <a16:creationId xmlns:a16="http://schemas.microsoft.com/office/drawing/2014/main" id="{65DC3069-C79D-A5FF-3756-0C1F3F22604B}"/>
+              </a:ext>
+            </a:extLst>
+          </p:cNvPr>
+          <p:cNvPicPr>
+            <a:picLocks noChangeAspect="1" noChangeArrowheads="1"/>
+          </p:cNvPicPr>
+          <p:nvPr/>
+        </p:nvPicPr>
+        <p:blipFill>
+          <a:blip r:embed="rId2">
+            <a:extLst>
+              <a:ext uri="{28A0092B-C50C-407E-A947-70E740481C1C}">
+                <a14:useLocalDpi xmlns:a14="http://schemas.microsoft.com/office/drawing/2010/main" val="0"/>
+              </a:ext>
+            </a:extLst>
+          </a:blip>
+          <a:srcRect/>
+          <a:stretch>
+            <a:fillRect/>
+          </a:stretch>
+        </p:blipFill>
+        <p:spPr bwMode="auto">
+          <a:xfrm>
+            <a:off x="0" y="4261"/>
+            <a:ext cx="12192000" cy="6853739"/>
+          </a:xfrm>
+          <a:prstGeom prst="rect">
+            <a:avLst/>
+          </a:prstGeom>
+          <a:noFill/>
+          <a:extLst>
+            <a:ext uri="{909E8E84-426E-40DD-AFC4-6F175D3DCCD1}">
+              <a14:hiddenFill xmlns:a14="http://schemas.microsoft.com/office/drawing/2010/main">
+                <a:solidFill>
+                  <a:srgbClr val="FFFFFF"/>
+                </a:solidFill>
+              </a14:hiddenFill>
+            </a:ext>
+          </a:extLst>
+        </p:spPr>
+      </p:pic>
+      <p:sp>
+        <p:nvSpPr>
+          <p:cNvPr id="2" name="TextBox 1">
+            <a:extLst>
+              <a:ext uri="{FF2B5EF4-FFF2-40B4-BE49-F238E27FC236}">
+                <a16:creationId xmlns:a16="http://schemas.microsoft.com/office/drawing/2014/main" id="{912AFC77-F5C7-10A1-50CC-05981BE8F9BC}"/>
+              </a:ext>
+            </a:extLst>
+          </p:cNvPr>
+          <p:cNvSpPr txBox="1"/>
+          <p:nvPr/>
+        </p:nvSpPr>
+        <p:spPr>
+          <a:xfrm>
+            <a:off x="3408176" y="2876443"/>
+            <a:ext cx="5612820" cy="769441"/>
+          </a:xfrm>
+          <a:prstGeom prst="rect">
+            <a:avLst/>
+          </a:prstGeom>
+          <a:noFill/>
+        </p:spPr>
+        <p:txBody>
+          <a:bodyPr wrap="none" rtlCol="0">
+            <a:spAutoFit/>
+          </a:bodyPr>
+          <a:lstStyle/>
+          <a:p>
+            <a:pPr algn="ctr"/>
+            <a:r>
+              <a:rPr lang="en-US" sz="4400" b="1">
+                <a:gradFill flip="none" rotWithShape="1">
+                  <a:gsLst>
+                    <a:gs pos="0">
+                      <a:schemeClr val="bg1">
+                        <a:shade val="30000"/>
+                        <a:satMod val="115000"/>
+                      </a:schemeClr>
+                    </a:gs>
+                    <a:gs pos="50000">
+                      <a:schemeClr val="bg1">
+                        <a:shade val="67500"/>
+                        <a:satMod val="115000"/>
+                      </a:schemeClr>
+                    </a:gs>
+                    <a:gs pos="100000">
+                      <a:schemeClr val="bg1">
+                        <a:shade val="100000"/>
+                        <a:satMod val="115000"/>
+                      </a:schemeClr>
+                    </a:gs>
+                  </a:gsLst>
+                  <a:path path="circle">
+                    <a:fillToRect t="100000" r="100000"/>
+                  </a:path>
+                  <a:tileRect l="-100000" b="-100000"/>
+                </a:gradFill>
+                <a:latin typeface="Rockwell" panose="02060603020205020403" pitchFamily="18" charset="77"/>
+              </a:rPr>
+              <a:t>...later next week...</a:t>
+            </a:r>
+          </a:p>
+        </p:txBody>
+      </p:sp>
+    </p:spTree>
+    <p:extLst>
+      <p:ext uri="{BB962C8B-B14F-4D97-AF65-F5344CB8AC3E}">
+        <p14:creationId xmlns:p14="http://schemas.microsoft.com/office/powerpoint/2010/main" val="687934014"/>
+      </p:ext>
+    </p:extLst>
+  </p:cSld>
+  <p:clrMapOvr>
+    <a:masterClrMapping/>
+  </p:clrMapOvr>
+</p:sld>
+</file>
+
+<file path=ppt/slides/slide51.xml><?xml version="1.0" encoding="utf-8"?>
+<p:sld xmlns:a="http://schemas.openxmlformats.org/drawingml/2006/main" xmlns:r="http://schemas.openxmlformats.org/officeDocument/2006/relationships" xmlns:p="http://schemas.openxmlformats.org/presentationml/2006/main">
+  <p:cSld>
+    <p:spTree>
+      <p:nvGrpSpPr>
+        <p:cNvPr id="1" name="">
+          <a:extLst>
+            <a:ext uri="{FF2B5EF4-FFF2-40B4-BE49-F238E27FC236}">
+              <a16:creationId xmlns:a16="http://schemas.microsoft.com/office/drawing/2014/main" id="{7FC0F5CC-C2FA-79E6-492C-3CD0E6D07BDC}"/>
+            </a:ext>
+          </a:extLst>
+        </p:cNvPr>
+        <p:cNvGrpSpPr/>
+        <p:nvPr/>
+      </p:nvGrpSpPr>
+      <p:grpSpPr>
+        <a:xfrm>
+          <a:off x="0" y="0"/>
+          <a:ext cx="0" cy="0"/>
+          <a:chOff x="0" y="0"/>
+          <a:chExt cx="0" cy="0"/>
+        </a:xfrm>
+      </p:grpSpPr>
+      <p:sp>
+        <p:nvSpPr>
+          <p:cNvPr id="2" name="Rectangle 1">
+            <a:extLst>
+              <a:ext uri="{FF2B5EF4-FFF2-40B4-BE49-F238E27FC236}">
+                <a16:creationId xmlns:a16="http://schemas.microsoft.com/office/drawing/2014/main" id="{D0804635-A67F-6167-8543-DCDA9503CBC9}"/>
+              </a:ext>
+            </a:extLst>
+          </p:cNvPr>
+          <p:cNvSpPr/>
+          <p:nvPr/>
+        </p:nvSpPr>
+        <p:spPr>
+          <a:xfrm>
+            <a:off x="0" y="0"/>
+            <a:ext cx="12201144" cy="6867144"/>
+          </a:xfrm>
+          <a:prstGeom prst="rect">
+            <a:avLst/>
+          </a:prstGeom>
+          <a:solidFill>
+            <a:schemeClr val="tx1"/>
+          </a:solidFill>
+          <a:ln>
+            <a:solidFill>
+              <a:schemeClr val="tx1"/>
+            </a:solidFill>
+          </a:ln>
+        </p:spPr>
+        <p:style>
+          <a:lnRef idx="2">
+            <a:schemeClr val="accent1">
+              <a:shade val="15000"/>
+            </a:schemeClr>
+          </a:lnRef>
+          <a:fillRef idx="1">
+            <a:schemeClr val="accent1"/>
+          </a:fillRef>
+          <a:effectRef idx="0">
+            <a:schemeClr val="accent1"/>
+          </a:effectRef>
+          <a:fontRef idx="minor">
+            <a:schemeClr val="lt1"/>
+          </a:fontRef>
+        </p:style>
+        <p:txBody>
+          <a:bodyPr rtlCol="0" anchor="ctr"/>
+          <a:lstStyle/>
+          <a:p>
+            <a:pPr algn="ctr"/>
+            <a:r>
+              <a:rPr lang="en-US" sz="4400" b="1">
+                <a:solidFill>
+                  <a:schemeClr val="tx1">
+                    <a:lumMod val="85000"/>
+                    <a:lumOff val="15000"/>
+                  </a:schemeClr>
+                </a:solidFill>
+              </a:rPr>
+              <a:t>code</a:t>
+            </a:r>
+            <a:endParaRPr lang="en-US" b="1">
+              <a:solidFill>
+                <a:schemeClr val="tx1">
+                  <a:lumMod val="85000"/>
+                  <a:lumOff val="15000"/>
+                </a:schemeClr>
+              </a:solidFill>
+            </a:endParaRPr>
+          </a:p>
+        </p:txBody>
+      </p:sp>
+    </p:spTree>
+    <p:extLst>
+      <p:ext uri="{BB962C8B-B14F-4D97-AF65-F5344CB8AC3E}">
+        <p14:creationId xmlns:p14="http://schemas.microsoft.com/office/powerpoint/2010/main" val="2726571313"/>
+      </p:ext>
+    </p:extLst>
+  </p:cSld>
+  <p:clrMapOvr>
+    <a:masterClrMapping/>
+  </p:clrMapOvr>
+</p:sld>
+</file>
+
+<file path=ppt/slides/slide52.xml><?xml version="1.0" encoding="utf-8"?>
+<p:sld xmlns:a="http://schemas.openxmlformats.org/drawingml/2006/main" xmlns:r="http://schemas.openxmlformats.org/officeDocument/2006/relationships" xmlns:p="http://schemas.openxmlformats.org/presentationml/2006/main">
+  <p:cSld>
+    <p:spTree>
+      <p:nvGrpSpPr>
+        <p:cNvPr id="1" name="">
+          <a:extLst>
+            <a:ext uri="{FF2B5EF4-FFF2-40B4-BE49-F238E27FC236}">
+              <a16:creationId xmlns:a16="http://schemas.microsoft.com/office/drawing/2014/main" id="{5F7778C0-6CFA-71C6-8DE9-3A8E90CB75C8}"/>
+            </a:ext>
+          </a:extLst>
+        </p:cNvPr>
+        <p:cNvGrpSpPr/>
+        <p:nvPr/>
+      </p:nvGrpSpPr>
+      <p:grpSpPr>
+        <a:xfrm>
+          <a:off x="0" y="0"/>
+          <a:ext cx="0" cy="0"/>
+          <a:chOff x="0" y="0"/>
+          <a:chExt cx="0" cy="0"/>
+        </a:xfrm>
+      </p:grpSpPr>
+      <p:sp>
+        <p:nvSpPr>
+          <p:cNvPr id="3" name="TextBox 2">
+            <a:extLst>
+              <a:ext uri="{FF2B5EF4-FFF2-40B4-BE49-F238E27FC236}">
+                <a16:creationId xmlns:a16="http://schemas.microsoft.com/office/drawing/2014/main" id="{A6DB054E-A768-8010-7F2C-6BC994A8509D}"/>
+              </a:ext>
+            </a:extLst>
+          </p:cNvPr>
+          <p:cNvSpPr txBox="1"/>
+          <p:nvPr/>
+        </p:nvSpPr>
+        <p:spPr>
+          <a:xfrm>
+            <a:off x="868680" y="786384"/>
+            <a:ext cx="1679434" cy="369332"/>
+          </a:xfrm>
+          <a:prstGeom prst="rect">
+            <a:avLst/>
+          </a:prstGeom>
+          <a:noFill/>
+        </p:spPr>
+        <p:txBody>
+          <a:bodyPr wrap="none" rtlCol="0">
+            <a:spAutoFit/>
+          </a:bodyPr>
+          <a:lstStyle/>
+          <a:p>
+            <a:r>
+              <a:rPr lang="en-US"/>
+              <a:t>Remember this:</a:t>
+            </a:r>
+          </a:p>
+        </p:txBody>
+      </p:sp>
+      <p:sp>
+        <p:nvSpPr>
+          <p:cNvPr id="4" name="TextBox 3">
+            <a:extLst>
+              <a:ext uri="{FF2B5EF4-FFF2-40B4-BE49-F238E27FC236}">
+                <a16:creationId xmlns:a16="http://schemas.microsoft.com/office/drawing/2014/main" id="{52211569-4A19-0C8A-ADBF-506AA1B2F777}"/>
+              </a:ext>
+            </a:extLst>
+          </p:cNvPr>
+          <p:cNvSpPr txBox="1"/>
+          <p:nvPr/>
+        </p:nvSpPr>
+        <p:spPr>
+          <a:xfrm>
+            <a:off x="978408" y="1682496"/>
+            <a:ext cx="5944320" cy="923330"/>
+          </a:xfrm>
+          <a:prstGeom prst="rect">
+            <a:avLst/>
+          </a:prstGeom>
+          <a:noFill/>
+        </p:spPr>
+        <p:txBody>
+          <a:bodyPr wrap="none" rtlCol="0">
+            <a:spAutoFit/>
+          </a:bodyPr>
+          <a:lstStyle/>
+          <a:p>
+            <a:pPr marL="285750" indent="-285750">
+              <a:buFont typeface="Arial" panose="020B0604020202020204" pitchFamily="34" charset="0"/>
+              <a:buChar char="•"/>
+            </a:pPr>
+            <a:r>
+              <a:rPr lang="en-US"/>
+              <a:t>Invest in APIs that make it easier to express test scenarios</a:t>
+            </a:r>
+          </a:p>
+          <a:p>
+            <a:pPr marL="342900" indent="-342900">
+              <a:buAutoNum type="arabicPeriod"/>
+            </a:pPr>
+            <a:endParaRPr lang="en-US"/>
+          </a:p>
+          <a:p>
+            <a:endParaRPr lang="en-US"/>
+          </a:p>
+        </p:txBody>
+      </p:sp>
+    </p:spTree>
+    <p:extLst>
+      <p:ext uri="{BB962C8B-B14F-4D97-AF65-F5344CB8AC3E}">
+        <p14:creationId xmlns:p14="http://schemas.microsoft.com/office/powerpoint/2010/main" val="2471589264"/>
+      </p:ext>
+    </p:extLst>
+  </p:cSld>
+  <p:clrMapOvr>
+    <a:masterClrMapping/>
+  </p:clrMapOvr>
+</p:sld>
+</file>
+
+<file path=ppt/slides/slide53.xml><?xml version="1.0" encoding="utf-8"?>
+<p:sld xmlns:a="http://schemas.openxmlformats.org/drawingml/2006/main" xmlns:r="http://schemas.openxmlformats.org/officeDocument/2006/relationships" xmlns:p="http://schemas.openxmlformats.org/presentationml/2006/main">
+  <p:cSld>
+    <p:spTree>
+      <p:nvGrpSpPr>
+        <p:cNvPr id="1" name=""/>
+        <p:cNvGrpSpPr/>
+        <p:nvPr/>
+      </p:nvGrpSpPr>
+      <p:grpSpPr>
+        <a:xfrm>
+          <a:off x="0" y="0"/>
+          <a:ext cx="0" cy="0"/>
+          <a:chOff x="0" y="0"/>
+          <a:chExt cx="0" cy="0"/>
+        </a:xfrm>
+      </p:grpSpPr>
+    </p:spTree>
+    <p:extLst>
+      <p:ext uri="{BB962C8B-B14F-4D97-AF65-F5344CB8AC3E}">
+        <p14:creationId xmlns:p14="http://schemas.microsoft.com/office/powerpoint/2010/main" val="643671778"/>
+      </p:ext>
+    </p:extLst>
+  </p:cSld>
+  <p:clrMapOvr>
+    <a:masterClrMapping/>
+  </p:clrMapOvr>
+</p:sld>
+</file>
+
+<file path=ppt/slides/slide54.xml><?xml version="1.0" encoding="utf-8"?>
+<p:sld xmlns:a="http://schemas.openxmlformats.org/drawingml/2006/main" xmlns:r="http://schemas.openxmlformats.org/officeDocument/2006/relationships" xmlns:p="http://schemas.openxmlformats.org/presentationml/2006/main">
+  <p:cSld>
+    <p:spTree>
+      <p:nvGrpSpPr>
+        <p:cNvPr id="1" name="">
+          <a:extLst>
+            <a:ext uri="{FF2B5EF4-FFF2-40B4-BE49-F238E27FC236}">
+              <a16:creationId xmlns:a16="http://schemas.microsoft.com/office/drawing/2014/main" id="{9C2329FC-28CD-24DC-6926-7D65D4682015}"/>
+            </a:ext>
+          </a:extLst>
+        </p:cNvPr>
+        <p:cNvGrpSpPr/>
+        <p:nvPr/>
+      </p:nvGrpSpPr>
+      <p:grpSpPr>
+        <a:xfrm>
+          <a:off x="0" y="0"/>
+          <a:ext cx="0" cy="0"/>
+          <a:chOff x="0" y="0"/>
+          <a:chExt cx="0" cy="0"/>
+        </a:xfrm>
+      </p:grpSpPr>
+      <p:sp>
+        <p:nvSpPr>
+          <p:cNvPr id="2" name="TextBox 1">
+            <a:extLst>
+              <a:ext uri="{FF2B5EF4-FFF2-40B4-BE49-F238E27FC236}">
+                <a16:creationId xmlns:a16="http://schemas.microsoft.com/office/drawing/2014/main" id="{1CEC83F1-291C-9ACD-3AC3-9EBF8D3C32DF}"/>
+              </a:ext>
+            </a:extLst>
+          </p:cNvPr>
+          <p:cNvSpPr txBox="1"/>
+          <p:nvPr/>
+        </p:nvSpPr>
+        <p:spPr>
+          <a:xfrm>
+            <a:off x="859536" y="5340096"/>
+            <a:ext cx="831510" cy="369332"/>
+          </a:xfrm>
+          <a:prstGeom prst="rect">
+            <a:avLst/>
+          </a:prstGeom>
+          <a:noFill/>
+        </p:spPr>
+        <p:txBody>
+          <a:bodyPr wrap="none" rtlCol="0">
+            <a:spAutoFit/>
+          </a:bodyPr>
+          <a:lstStyle/>
+          <a:p>
+            <a:r>
+              <a:rPr lang="en-US"/>
+              <a:t>person</a:t>
+            </a:r>
+          </a:p>
+        </p:txBody>
+      </p:sp>
+      <p:sp>
+        <p:nvSpPr>
+          <p:cNvPr id="3" name="TextBox 2">
+            <a:extLst>
+              <a:ext uri="{FF2B5EF4-FFF2-40B4-BE49-F238E27FC236}">
+                <a16:creationId xmlns:a16="http://schemas.microsoft.com/office/drawing/2014/main" id="{45C1F6DB-B267-6529-9BB8-9453138F726D}"/>
+              </a:ext>
+            </a:extLst>
+          </p:cNvPr>
+          <p:cNvSpPr txBox="1"/>
+          <p:nvPr/>
+        </p:nvSpPr>
+        <p:spPr>
+          <a:xfrm>
+            <a:off x="4233672" y="2276856"/>
+            <a:ext cx="1340110" cy="646331"/>
+          </a:xfrm>
+          <a:prstGeom prst="rect">
+            <a:avLst/>
+          </a:prstGeom>
+          <a:noFill/>
+        </p:spPr>
+        <p:txBody>
+          <a:bodyPr wrap="none" rtlCol="0">
+            <a:spAutoFit/>
+          </a:bodyPr>
+          <a:lstStyle/>
+          <a:p>
+            <a:r>
+              <a:rPr lang="en-US"/>
+              <a:t>can see only</a:t>
+            </a:r>
+          </a:p>
+          <a:p>
+            <a:r>
+              <a:rPr lang="en-US"/>
+              <a:t>up to here</a:t>
+            </a:r>
+          </a:p>
+        </p:txBody>
+      </p:sp>
+      <p:sp>
+        <p:nvSpPr>
+          <p:cNvPr id="6" name="TextBox 5">
+            <a:extLst>
+              <a:ext uri="{FF2B5EF4-FFF2-40B4-BE49-F238E27FC236}">
+                <a16:creationId xmlns:a16="http://schemas.microsoft.com/office/drawing/2014/main" id="{CEB15ED2-DBC5-F720-DFB6-384092E04122}"/>
+              </a:ext>
+            </a:extLst>
+          </p:cNvPr>
+          <p:cNvSpPr txBox="1"/>
+          <p:nvPr/>
+        </p:nvSpPr>
+        <p:spPr>
+          <a:xfrm>
+            <a:off x="7836408" y="2923187"/>
+            <a:ext cx="696473" cy="369332"/>
+          </a:xfrm>
+          <a:prstGeom prst="rect">
+            <a:avLst/>
+          </a:prstGeom>
+          <a:noFill/>
+        </p:spPr>
+        <p:txBody>
+          <a:bodyPr wrap="none" rtlCol="0">
+            <a:spAutoFit/>
+          </a:bodyPr>
+          <a:lstStyle/>
+          <a:p>
+            <a:r>
+              <a:rPr lang="en-US"/>
+              <a:t>foggy</a:t>
+            </a:r>
+          </a:p>
+        </p:txBody>
+      </p:sp>
+      <p:sp>
+        <p:nvSpPr>
+          <p:cNvPr id="7" name="TextBox 6">
+            <a:extLst>
+              <a:ext uri="{FF2B5EF4-FFF2-40B4-BE49-F238E27FC236}">
+                <a16:creationId xmlns:a16="http://schemas.microsoft.com/office/drawing/2014/main" id="{06A6CD3F-DCCC-BECA-4759-B2E5348D1C71}"/>
+              </a:ext>
+            </a:extLst>
+          </p:cNvPr>
+          <p:cNvSpPr txBox="1"/>
+          <p:nvPr/>
+        </p:nvSpPr>
+        <p:spPr>
+          <a:xfrm>
+            <a:off x="5407602" y="5201596"/>
+            <a:ext cx="2777042" cy="646331"/>
+          </a:xfrm>
+          <a:prstGeom prst="rect">
+            <a:avLst/>
+          </a:prstGeom>
+          <a:noFill/>
+        </p:spPr>
+        <p:txBody>
+          <a:bodyPr wrap="none" rtlCol="0">
+            <a:spAutoFit/>
+          </a:bodyPr>
+          <a:lstStyle/>
+          <a:p>
+            <a:r>
+              <a:rPr lang="en-US"/>
+              <a:t>as the details disappear, </a:t>
+            </a:r>
+          </a:p>
+          <a:p>
+            <a:r>
+              <a:rPr lang="en-US"/>
+              <a:t>we get to see the next layer</a:t>
+            </a:r>
+          </a:p>
+        </p:txBody>
+      </p:sp>
+    </p:spTree>
+    <p:extLst>
+      <p:ext uri="{BB962C8B-B14F-4D97-AF65-F5344CB8AC3E}">
+        <p14:creationId xmlns:p14="http://schemas.microsoft.com/office/powerpoint/2010/main" val="4104274942"/>
+      </p:ext>
+    </p:extLst>
+  </p:cSld>
+  <p:clrMapOvr>
+    <a:masterClrMapping/>
+  </p:clrMapOvr>
+</p:sld>
+</file>
+
+<file path=ppt/slides/slide55.xml><?xml version="1.0" encoding="utf-8"?>
+<p:sld xmlns:a="http://schemas.openxmlformats.org/drawingml/2006/main" xmlns:r="http://schemas.openxmlformats.org/officeDocument/2006/relationships" xmlns:p="http://schemas.openxmlformats.org/presentationml/2006/main">
+  <p:cSld>
+    <p:spTree>
+      <p:nvGrpSpPr>
         <p:cNvPr id="1" name="">
           <a:extLst>
             <a:ext uri="{FF2B5EF4-FFF2-40B4-BE49-F238E27FC236}">
@@ -31241,7 +31911,7 @@
 </p:sld>
 </file>
 
-<file path=ppt/slides/slide51.xml><?xml version="1.0" encoding="utf-8"?>
+<file path=ppt/slides/slide56.xml><?xml version="1.0" encoding="utf-8"?>
 <p:sld xmlns:a="http://schemas.openxmlformats.org/drawingml/2006/main" xmlns:r="http://schemas.openxmlformats.org/officeDocument/2006/relationships" xmlns:p="http://schemas.openxmlformats.org/presentationml/2006/main">
   <p:cSld>
     <p:spTree>
@@ -31277,7 +31947,7 @@
 </p:sld>
 </file>
 
-<file path=ppt/slides/slide52.xml><?xml version="1.0" encoding="utf-8"?>
+<file path=ppt/slides/slide57.xml><?xml version="1.0" encoding="utf-8"?>
 <p:sld xmlns:a="http://schemas.openxmlformats.org/drawingml/2006/main" xmlns:r="http://schemas.openxmlformats.org/officeDocument/2006/relationships" xmlns:p="http://schemas.openxmlformats.org/presentationml/2006/main" show="0">
   <p:cSld>
     <p:spTree>
@@ -31343,7 +32013,7 @@
 </p:sld>
 </file>
 
-<file path=ppt/slides/slide53.xml><?xml version="1.0" encoding="utf-8"?>
+<file path=ppt/slides/slide58.xml><?xml version="1.0" encoding="utf-8"?>
 <p:sld xmlns:a="http://schemas.openxmlformats.org/drawingml/2006/main" xmlns:r="http://schemas.openxmlformats.org/officeDocument/2006/relationships" xmlns:p="http://schemas.openxmlformats.org/presentationml/2006/main" show="0">
   <p:cSld>
     <p:spTree>
@@ -31437,7 +32107,7 @@
 </p:sld>
 </file>
 
-<file path=ppt/slides/slide54.xml><?xml version="1.0" encoding="utf-8"?>
+<file path=ppt/slides/slide59.xml><?xml version="1.0" encoding="utf-8"?>
 <p:sld xmlns:a="http://schemas.openxmlformats.org/drawingml/2006/main" xmlns:r="http://schemas.openxmlformats.org/officeDocument/2006/relationships" xmlns:p="http://schemas.openxmlformats.org/presentationml/2006/main" show="0">
   <p:cSld>
     <p:spTree>
@@ -31574,7 +32244,109 @@
 </p:sld>
 </file>
 
-<file path=ppt/slides/slide55.xml><?xml version="1.0" encoding="utf-8"?>
+<file path=ppt/slides/slide6.xml><?xml version="1.0" encoding="utf-8"?>
+<p:sld xmlns:a="http://schemas.openxmlformats.org/drawingml/2006/main" xmlns:r="http://schemas.openxmlformats.org/officeDocument/2006/relationships" xmlns:p="http://schemas.openxmlformats.org/presentationml/2006/main">
+  <p:cSld>
+    <p:spTree>
+      <p:nvGrpSpPr>
+        <p:cNvPr id="1" name=""/>
+        <p:cNvGrpSpPr/>
+        <p:nvPr/>
+      </p:nvGrpSpPr>
+      <p:grpSpPr>
+        <a:xfrm>
+          <a:off x="0" y="0"/>
+          <a:ext cx="0" cy="0"/>
+          <a:chOff x="0" y="0"/>
+          <a:chExt cx="0" cy="0"/>
+        </a:xfrm>
+      </p:grpSpPr>
+      <p:sp>
+        <p:nvSpPr>
+          <p:cNvPr id="2" name="Rectangle 1">
+            <a:extLst>
+              <a:ext uri="{FF2B5EF4-FFF2-40B4-BE49-F238E27FC236}">
+                <a16:creationId xmlns:a16="http://schemas.microsoft.com/office/drawing/2014/main" id="{74285DBA-F378-5E16-25F7-324AC755581C}"/>
+              </a:ext>
+            </a:extLst>
+          </p:cNvPr>
+          <p:cNvSpPr/>
+          <p:nvPr/>
+        </p:nvSpPr>
+        <p:spPr>
+          <a:xfrm>
+            <a:off x="-9144" y="-9144"/>
+            <a:ext cx="12201144" cy="6867144"/>
+          </a:xfrm>
+          <a:prstGeom prst="rect">
+            <a:avLst/>
+          </a:prstGeom>
+          <a:solidFill>
+            <a:schemeClr val="tx1"/>
+          </a:solidFill>
+          <a:ln>
+            <a:solidFill>
+              <a:schemeClr val="tx1"/>
+            </a:solidFill>
+          </a:ln>
+        </p:spPr>
+        <p:style>
+          <a:lnRef idx="2">
+            <a:schemeClr val="accent1">
+              <a:shade val="15000"/>
+            </a:schemeClr>
+          </a:lnRef>
+          <a:fillRef idx="1">
+            <a:schemeClr val="accent1"/>
+          </a:fillRef>
+          <a:effectRef idx="0">
+            <a:schemeClr val="accent1"/>
+          </a:effectRef>
+          <a:fontRef idx="minor">
+            <a:schemeClr val="lt1"/>
+          </a:fontRef>
+        </p:style>
+        <p:txBody>
+          <a:bodyPr rtlCol="0" anchor="ctr"/>
+          <a:lstStyle/>
+          <a:p>
+            <a:pPr algn="ctr"/>
+            <a:r>
+              <a:rPr lang="en-US" sz="4400" b="1">
+                <a:solidFill>
+                  <a:schemeClr val="tx1">
+                    <a:lumMod val="85000"/>
+                    <a:lumOff val="15000"/>
+                  </a:schemeClr>
+                </a:solidFill>
+              </a:rPr>
+              <a:t>code</a:t>
+            </a:r>
+            <a:endParaRPr lang="en-US" b="1">
+              <a:solidFill>
+                <a:schemeClr val="tx1">
+                  <a:lumMod val="85000"/>
+                  <a:lumOff val="15000"/>
+                </a:schemeClr>
+              </a:solidFill>
+            </a:endParaRPr>
+          </a:p>
+        </p:txBody>
+      </p:sp>
+    </p:spTree>
+    <p:extLst>
+      <p:ext uri="{BB962C8B-B14F-4D97-AF65-F5344CB8AC3E}">
+        <p14:creationId xmlns:p14="http://schemas.microsoft.com/office/powerpoint/2010/main" val="191233529"/>
+      </p:ext>
+    </p:extLst>
+  </p:cSld>
+  <p:clrMapOvr>
+    <a:masterClrMapping/>
+  </p:clrMapOvr>
+</p:sld>
+</file>
+
+<file path=ppt/slides/slide60.xml><?xml version="1.0" encoding="utf-8"?>
 <p:sld xmlns:a="http://schemas.openxmlformats.org/drawingml/2006/main" xmlns:r="http://schemas.openxmlformats.org/officeDocument/2006/relationships" xmlns:p="http://schemas.openxmlformats.org/presentationml/2006/main" show="0">
   <p:cSld>
     <p:spTree>
@@ -33150,7 +33922,7 @@
 </p:sld>
 </file>
 
-<file path=ppt/slides/slide56.xml><?xml version="1.0" encoding="utf-8"?>
+<file path=ppt/slides/slide61.xml><?xml version="1.0" encoding="utf-8"?>
 <p:sld xmlns:a="http://schemas.openxmlformats.org/drawingml/2006/main" xmlns:r="http://schemas.openxmlformats.org/officeDocument/2006/relationships" xmlns:p="http://schemas.openxmlformats.org/presentationml/2006/main" show="0">
   <p:cSld>
     <p:spTree>
@@ -34438,7 +35210,7 @@
 </p:sld>
 </file>
 
-<file path=ppt/slides/slide57.xml><?xml version="1.0" encoding="utf-8"?>
+<file path=ppt/slides/slide62.xml><?xml version="1.0" encoding="utf-8"?>
 <p:sld xmlns:a="http://schemas.openxmlformats.org/drawingml/2006/main" xmlns:r="http://schemas.openxmlformats.org/officeDocument/2006/relationships" xmlns:p="http://schemas.openxmlformats.org/presentationml/2006/main" show="0">
   <p:cSld>
     <p:spTree>
@@ -34612,108 +35384,6 @@
     <p:extLst>
       <p:ext uri="{BB962C8B-B14F-4D97-AF65-F5344CB8AC3E}">
         <p14:creationId xmlns:p14="http://schemas.microsoft.com/office/powerpoint/2010/main" val="880284005"/>
-      </p:ext>
-    </p:extLst>
-  </p:cSld>
-  <p:clrMapOvr>
-    <a:masterClrMapping/>
-  </p:clrMapOvr>
-</p:sld>
-</file>
-
-<file path=ppt/slides/slide6.xml><?xml version="1.0" encoding="utf-8"?>
-<p:sld xmlns:a="http://schemas.openxmlformats.org/drawingml/2006/main" xmlns:r="http://schemas.openxmlformats.org/officeDocument/2006/relationships" xmlns:p="http://schemas.openxmlformats.org/presentationml/2006/main">
-  <p:cSld>
-    <p:spTree>
-      <p:nvGrpSpPr>
-        <p:cNvPr id="1" name=""/>
-        <p:cNvGrpSpPr/>
-        <p:nvPr/>
-      </p:nvGrpSpPr>
-      <p:grpSpPr>
-        <a:xfrm>
-          <a:off x="0" y="0"/>
-          <a:ext cx="0" cy="0"/>
-          <a:chOff x="0" y="0"/>
-          <a:chExt cx="0" cy="0"/>
-        </a:xfrm>
-      </p:grpSpPr>
-      <p:sp>
-        <p:nvSpPr>
-          <p:cNvPr id="2" name="Rectangle 1">
-            <a:extLst>
-              <a:ext uri="{FF2B5EF4-FFF2-40B4-BE49-F238E27FC236}">
-                <a16:creationId xmlns:a16="http://schemas.microsoft.com/office/drawing/2014/main" id="{74285DBA-F378-5E16-25F7-324AC755581C}"/>
-              </a:ext>
-            </a:extLst>
-          </p:cNvPr>
-          <p:cNvSpPr/>
-          <p:nvPr/>
-        </p:nvSpPr>
-        <p:spPr>
-          <a:xfrm>
-            <a:off x="-9144" y="-9144"/>
-            <a:ext cx="12201144" cy="6867144"/>
-          </a:xfrm>
-          <a:prstGeom prst="rect">
-            <a:avLst/>
-          </a:prstGeom>
-          <a:solidFill>
-            <a:schemeClr val="tx1"/>
-          </a:solidFill>
-          <a:ln>
-            <a:solidFill>
-              <a:schemeClr val="tx1"/>
-            </a:solidFill>
-          </a:ln>
-        </p:spPr>
-        <p:style>
-          <a:lnRef idx="2">
-            <a:schemeClr val="accent1">
-              <a:shade val="15000"/>
-            </a:schemeClr>
-          </a:lnRef>
-          <a:fillRef idx="1">
-            <a:schemeClr val="accent1"/>
-          </a:fillRef>
-          <a:effectRef idx="0">
-            <a:schemeClr val="accent1"/>
-          </a:effectRef>
-          <a:fontRef idx="minor">
-            <a:schemeClr val="lt1"/>
-          </a:fontRef>
-        </p:style>
-        <p:txBody>
-          <a:bodyPr rtlCol="0" anchor="ctr"/>
-          <a:lstStyle/>
-          <a:p>
-            <a:pPr algn="ctr"/>
-            <a:r>
-              <a:rPr lang="en-US" sz="4400" b="1">
-                <a:solidFill>
-                  <a:schemeClr val="tx1">
-                    <a:lumMod val="85000"/>
-                    <a:lumOff val="15000"/>
-                  </a:schemeClr>
-                </a:solidFill>
-              </a:rPr>
-              <a:t>code</a:t>
-            </a:r>
-            <a:endParaRPr lang="en-US" b="1">
-              <a:solidFill>
-                <a:schemeClr val="tx1">
-                  <a:lumMod val="85000"/>
-                  <a:lumOff val="15000"/>
-                </a:schemeClr>
-              </a:solidFill>
-            </a:endParaRPr>
-          </a:p>
-        </p:txBody>
-      </p:sp>
-    </p:spTree>
-    <p:extLst>
-      <p:ext uri="{BB962C8B-B14F-4D97-AF65-F5344CB8AC3E}">
-        <p14:creationId xmlns:p14="http://schemas.microsoft.com/office/powerpoint/2010/main" val="191233529"/>
       </p:ext>
     </p:extLst>
   </p:cSld>

--- a/slides/Testing Better with Approvals.pptx
+++ b/slides/Testing Better with Approvals.pptx
@@ -366,7 +366,7 @@
           <a:p>
             <a:fld id="{35701875-5BC7-1E49-AF4C-96F7D9E7474C}" type="datetimeFigureOut">
               <a:rPr lang="en-US" smtClean="0"/>
-              <a:t>2/18/24</a:t>
+              <a:t>2/20/24</a:t>
             </a:fld>
             <a:endParaRPr lang="en-US"/>
           </a:p>
@@ -3400,7 +3400,7 @@
           <a:p>
             <a:fld id="{75A66788-8C42-AF46-A5E8-A812D6157D58}" type="datetimeFigureOut">
               <a:rPr lang="en-US" smtClean="0"/>
-              <a:t>2/18/24</a:t>
+              <a:t>2/20/24</a:t>
             </a:fld>
             <a:endParaRPr lang="en-US"/>
           </a:p>
@@ -3598,7 +3598,7 @@
           <a:p>
             <a:fld id="{75A66788-8C42-AF46-A5E8-A812D6157D58}" type="datetimeFigureOut">
               <a:rPr lang="en-US" smtClean="0"/>
-              <a:t>2/18/24</a:t>
+              <a:t>2/20/24</a:t>
             </a:fld>
             <a:endParaRPr lang="en-US"/>
           </a:p>
@@ -3806,7 +3806,7 @@
           <a:p>
             <a:fld id="{75A66788-8C42-AF46-A5E8-A812D6157D58}" type="datetimeFigureOut">
               <a:rPr lang="en-US" smtClean="0"/>
-              <a:t>2/18/24</a:t>
+              <a:t>2/20/24</a:t>
             </a:fld>
             <a:endParaRPr lang="en-US"/>
           </a:p>
@@ -4004,7 +4004,7 @@
           <a:p>
             <a:fld id="{75A66788-8C42-AF46-A5E8-A812D6157D58}" type="datetimeFigureOut">
               <a:rPr lang="en-US" smtClean="0"/>
-              <a:t>2/18/24</a:t>
+              <a:t>2/20/24</a:t>
             </a:fld>
             <a:endParaRPr lang="en-US"/>
           </a:p>
@@ -4279,7 +4279,7 @@
           <a:p>
             <a:fld id="{75A66788-8C42-AF46-A5E8-A812D6157D58}" type="datetimeFigureOut">
               <a:rPr lang="en-US" smtClean="0"/>
-              <a:t>2/18/24</a:t>
+              <a:t>2/20/24</a:t>
             </a:fld>
             <a:endParaRPr lang="en-US"/>
           </a:p>
@@ -4544,7 +4544,7 @@
           <a:p>
             <a:fld id="{75A66788-8C42-AF46-A5E8-A812D6157D58}" type="datetimeFigureOut">
               <a:rPr lang="en-US" smtClean="0"/>
-              <a:t>2/18/24</a:t>
+              <a:t>2/20/24</a:t>
             </a:fld>
             <a:endParaRPr lang="en-US"/>
           </a:p>
@@ -4956,7 +4956,7 @@
           <a:p>
             <a:fld id="{75A66788-8C42-AF46-A5E8-A812D6157D58}" type="datetimeFigureOut">
               <a:rPr lang="en-US" smtClean="0"/>
-              <a:t>2/18/24</a:t>
+              <a:t>2/20/24</a:t>
             </a:fld>
             <a:endParaRPr lang="en-US"/>
           </a:p>
@@ -5097,7 +5097,7 @@
           <a:p>
             <a:fld id="{75A66788-8C42-AF46-A5E8-A812D6157D58}" type="datetimeFigureOut">
               <a:rPr lang="en-US" smtClean="0"/>
-              <a:t>2/18/24</a:t>
+              <a:t>2/20/24</a:t>
             </a:fld>
             <a:endParaRPr lang="en-US"/>
           </a:p>
@@ -5210,7 +5210,7 @@
           <a:p>
             <a:fld id="{75A66788-8C42-AF46-A5E8-A812D6157D58}" type="datetimeFigureOut">
               <a:rPr lang="en-US" smtClean="0"/>
-              <a:t>2/18/24</a:t>
+              <a:t>2/20/24</a:t>
             </a:fld>
             <a:endParaRPr lang="en-US"/>
           </a:p>
@@ -5521,7 +5521,7 @@
           <a:p>
             <a:fld id="{75A66788-8C42-AF46-A5E8-A812D6157D58}" type="datetimeFigureOut">
               <a:rPr lang="en-US" smtClean="0"/>
-              <a:t>2/18/24</a:t>
+              <a:t>2/20/24</a:t>
             </a:fld>
             <a:endParaRPr lang="en-US"/>
           </a:p>
@@ -5809,7 +5809,7 @@
           <a:p>
             <a:fld id="{75A66788-8C42-AF46-A5E8-A812D6157D58}" type="datetimeFigureOut">
               <a:rPr lang="en-US" smtClean="0"/>
-              <a:t>2/18/24</a:t>
+              <a:t>2/20/24</a:t>
             </a:fld>
             <a:endParaRPr lang="en-US"/>
           </a:p>
@@ -6050,7 +6050,7 @@
           <a:p>
             <a:fld id="{75A66788-8C42-AF46-A5E8-A812D6157D58}" type="datetimeFigureOut">
               <a:rPr lang="en-US" smtClean="0"/>
-              <a:t>2/18/24</a:t>
+              <a:t>2/20/24</a:t>
             </a:fld>
             <a:endParaRPr lang="en-US"/>
           </a:p>
@@ -11602,12 +11602,42 @@
           </a:ln>
         </p:spPr>
       </p:pic>
+      <p:pic>
+        <p:nvPicPr>
+          <p:cNvPr id="17" name="Picture 16" descr="A screenshot of a message&#10;&#10;Description automatically generated">
+            <a:extLst>
+              <a:ext uri="{FF2B5EF4-FFF2-40B4-BE49-F238E27FC236}">
+                <a16:creationId xmlns:a16="http://schemas.microsoft.com/office/drawing/2014/main" id="{43A1B801-FD97-CBD9-7C33-20A0F8791745}"/>
+              </a:ext>
+            </a:extLst>
+          </p:cNvPr>
+          <p:cNvPicPr>
+            <a:picLocks noChangeAspect="1"/>
+          </p:cNvPicPr>
+          <p:nvPr/>
+        </p:nvPicPr>
+        <p:blipFill>
+          <a:blip r:embed="rId5"/>
+          <a:stretch>
+            <a:fillRect/>
+          </a:stretch>
+        </p:blipFill>
+        <p:spPr>
+          <a:xfrm>
+            <a:off x="7208324" y="3951722"/>
+            <a:ext cx="4389850" cy="684020"/>
+          </a:xfrm>
+          <a:prstGeom prst="rect">
+            <a:avLst/>
+          </a:prstGeom>
+        </p:spPr>
+      </p:pic>
       <p:sp>
         <p:nvSpPr>
-          <p:cNvPr id="14" name="Freeform 13">
+          <p:cNvPr id="2" name="Freeform 1">
             <a:extLst>
               <a:ext uri="{FF2B5EF4-FFF2-40B4-BE49-F238E27FC236}">
-                <a16:creationId xmlns:a16="http://schemas.microsoft.com/office/drawing/2014/main" id="{1A33C4B2-063F-7524-DE78-E03D4FC17897}"/>
+                <a16:creationId xmlns:a16="http://schemas.microsoft.com/office/drawing/2014/main" id="{6C67DE7E-7957-456C-9100-F3A6BF03BCD9}"/>
               </a:ext>
             </a:extLst>
           </p:cNvPr>
@@ -11616,8 +11646,8 @@
         </p:nvSpPr>
         <p:spPr>
           <a:xfrm>
-            <a:off x="6400218" y="238327"/>
-            <a:ext cx="272956" cy="6391073"/>
+            <a:off x="6400217" y="1420428"/>
+            <a:ext cx="213647" cy="4009116"/>
           </a:xfrm>
           <a:custGeom>
             <a:avLst/>
@@ -11683,13 +11713,13 @@
           </a:custGeom>
           <a:solidFill>
             <a:schemeClr val="bg1">
-              <a:lumMod val="85000"/>
+              <a:lumMod val="65000"/>
             </a:schemeClr>
           </a:solidFill>
           <a:ln w="28575">
             <a:solidFill>
               <a:schemeClr val="bg1">
-                <a:lumMod val="65000"/>
+                <a:lumMod val="75000"/>
               </a:schemeClr>
             </a:solidFill>
           </a:ln>
@@ -11721,36 +11751,51 @@
           </a:p>
         </p:txBody>
       </p:sp>
-      <p:pic>
-        <p:nvPicPr>
-          <p:cNvPr id="17" name="Picture 16" descr="A screenshot of a message&#10;&#10;Description automatically generated">
+      <p:cxnSp>
+        <p:nvCxnSpPr>
+          <p:cNvPr id="3" name="Straight Connector 2">
             <a:extLst>
               <a:ext uri="{FF2B5EF4-FFF2-40B4-BE49-F238E27FC236}">
-                <a16:creationId xmlns:a16="http://schemas.microsoft.com/office/drawing/2014/main" id="{43A1B801-FD97-CBD9-7C33-20A0F8791745}"/>
+                <a16:creationId xmlns:a16="http://schemas.microsoft.com/office/drawing/2014/main" id="{E7E30299-DD31-9328-8B81-1C15A2EA192A}"/>
               </a:ext>
             </a:extLst>
           </p:cNvPr>
-          <p:cNvPicPr>
-            <a:picLocks noChangeAspect="1"/>
-          </p:cNvPicPr>
+          <p:cNvCxnSpPr>
+            <a:cxnSpLocks/>
+          </p:cNvCxnSpPr>
           <p:nvPr/>
-        </p:nvPicPr>
-        <p:blipFill>
-          <a:blip r:embed="rId5"/>
-          <a:stretch>
-            <a:fillRect/>
-          </a:stretch>
-        </p:blipFill>
+        </p:nvCxnSpPr>
         <p:spPr>
           <a:xfrm>
-            <a:off x="7208324" y="3951722"/>
-            <a:ext cx="4389850" cy="684020"/>
+            <a:off x="6400217" y="594360"/>
+            <a:ext cx="0" cy="6025896"/>
           </a:xfrm>
-          <a:prstGeom prst="rect">
+          <a:prstGeom prst="line">
             <a:avLst/>
           </a:prstGeom>
+          <a:ln w="38100">
+            <a:solidFill>
+              <a:schemeClr val="bg1">
+                <a:lumMod val="75000"/>
+              </a:schemeClr>
+            </a:solidFill>
+          </a:ln>
         </p:spPr>
-      </p:pic>
+        <p:style>
+          <a:lnRef idx="1">
+            <a:schemeClr val="dk1"/>
+          </a:lnRef>
+          <a:fillRef idx="0">
+            <a:schemeClr val="dk1"/>
+          </a:fillRef>
+          <a:effectRef idx="0">
+            <a:schemeClr val="dk1"/>
+          </a:effectRef>
+          <a:fontRef idx="minor">
+            <a:schemeClr val="tx1"/>
+          </a:fontRef>
+        </p:style>
+      </p:cxnSp>
     </p:spTree>
     <p:extLst>
       <p:ext uri="{BB962C8B-B14F-4D97-AF65-F5344CB8AC3E}">
@@ -30186,45 +30231,6 @@
           </a:prstGeom>
         </p:spPr>
       </p:pic>
-      <p:cxnSp>
-        <p:nvCxnSpPr>
-          <p:cNvPr id="11" name="Straight Connector 10">
-            <a:extLst>
-              <a:ext uri="{FF2B5EF4-FFF2-40B4-BE49-F238E27FC236}">
-                <a16:creationId xmlns:a16="http://schemas.microsoft.com/office/drawing/2014/main" id="{D9E4D42A-0BE5-BD54-8E03-FEE0DC8619A7}"/>
-              </a:ext>
-            </a:extLst>
-          </p:cNvPr>
-          <p:cNvCxnSpPr>
-            <a:cxnSpLocks/>
-          </p:cNvCxnSpPr>
-          <p:nvPr/>
-        </p:nvCxnSpPr>
-        <p:spPr>
-          <a:xfrm>
-            <a:off x="4941067" y="356681"/>
-            <a:ext cx="0" cy="6025896"/>
-          </a:xfrm>
-          <a:prstGeom prst="line">
-            <a:avLst/>
-          </a:prstGeom>
-          <a:ln w="38100"/>
-        </p:spPr>
-        <p:style>
-          <a:lnRef idx="1">
-            <a:schemeClr val="dk1"/>
-          </a:lnRef>
-          <a:fillRef idx="0">
-            <a:schemeClr val="dk1"/>
-          </a:fillRef>
-          <a:effectRef idx="0">
-            <a:schemeClr val="dk1"/>
-          </a:effectRef>
-          <a:fontRef idx="minor">
-            <a:schemeClr val="tx1"/>
-          </a:fontRef>
-        </p:style>
-      </p:cxnSp>
       <p:sp>
         <p:nvSpPr>
           <p:cNvPr id="5" name="Cross 4">
@@ -30347,6 +30353,170 @@
           </a:effectLst>
         </p:spPr>
       </p:pic>
+      <p:sp>
+        <p:nvSpPr>
+          <p:cNvPr id="2" name="Freeform 1">
+            <a:extLst>
+              <a:ext uri="{FF2B5EF4-FFF2-40B4-BE49-F238E27FC236}">
+                <a16:creationId xmlns:a16="http://schemas.microsoft.com/office/drawing/2014/main" id="{897ABB19-69E8-A43F-92BF-7D4D0FA12BA6}"/>
+              </a:ext>
+            </a:extLst>
+          </p:cNvPr>
+          <p:cNvSpPr/>
+          <p:nvPr/>
+        </p:nvSpPr>
+        <p:spPr>
+          <a:xfrm>
+            <a:off x="4835187" y="1209414"/>
+            <a:ext cx="213647" cy="4009116"/>
+          </a:xfrm>
+          <a:custGeom>
+            <a:avLst/>
+            <a:gdLst>
+              <a:gd name="connsiteX0" fmla="*/ 0 w 461481"/>
+              <a:gd name="connsiteY0" fmla="*/ 0 h 6391073"/>
+              <a:gd name="connsiteX1" fmla="*/ 455811 w 461481"/>
+              <a:gd name="connsiteY1" fmla="*/ 3190673 h 6391073"/>
+              <a:gd name="connsiteX2" fmla="*/ 461481 w 461481"/>
+              <a:gd name="connsiteY2" fmla="*/ 3190673 h 6391073"/>
+              <a:gd name="connsiteX3" fmla="*/ 4281 w 461481"/>
+              <a:gd name="connsiteY3" fmla="*/ 6391073 h 6391073"/>
+              <a:gd name="connsiteX4" fmla="*/ 4281 w 461481"/>
+              <a:gd name="connsiteY4" fmla="*/ 3200400 h 6391073"/>
+              <a:gd name="connsiteX5" fmla="*/ 0 w 461481"/>
+              <a:gd name="connsiteY5" fmla="*/ 3200400 h 6391073"/>
+            </a:gdLst>
+            <a:ahLst/>
+            <a:cxnLst>
+              <a:cxn ang="0">
+                <a:pos x="connsiteX0" y="connsiteY0"/>
+              </a:cxn>
+              <a:cxn ang="0">
+                <a:pos x="connsiteX1" y="connsiteY1"/>
+              </a:cxn>
+              <a:cxn ang="0">
+                <a:pos x="connsiteX2" y="connsiteY2"/>
+              </a:cxn>
+              <a:cxn ang="0">
+                <a:pos x="connsiteX3" y="connsiteY3"/>
+              </a:cxn>
+              <a:cxn ang="0">
+                <a:pos x="connsiteX4" y="connsiteY4"/>
+              </a:cxn>
+              <a:cxn ang="0">
+                <a:pos x="connsiteX5" y="connsiteY5"/>
+              </a:cxn>
+            </a:cxnLst>
+            <a:rect l="l" t="t" r="r" b="b"/>
+            <a:pathLst>
+              <a:path w="461481" h="6391073">
+                <a:moveTo>
+                  <a:pt x="0" y="0"/>
+                </a:moveTo>
+                <a:lnTo>
+                  <a:pt x="455811" y="3190673"/>
+                </a:lnTo>
+                <a:lnTo>
+                  <a:pt x="461481" y="3190673"/>
+                </a:lnTo>
+                <a:lnTo>
+                  <a:pt x="4281" y="6391073"/>
+                </a:lnTo>
+                <a:lnTo>
+                  <a:pt x="4281" y="3200400"/>
+                </a:lnTo>
+                <a:lnTo>
+                  <a:pt x="0" y="3200400"/>
+                </a:lnTo>
+                <a:close/>
+              </a:path>
+            </a:pathLst>
+          </a:custGeom>
+          <a:solidFill>
+            <a:schemeClr val="bg1">
+              <a:lumMod val="65000"/>
+            </a:schemeClr>
+          </a:solidFill>
+          <a:ln w="28575">
+            <a:solidFill>
+              <a:schemeClr val="bg1">
+                <a:lumMod val="75000"/>
+              </a:schemeClr>
+            </a:solidFill>
+          </a:ln>
+        </p:spPr>
+        <p:style>
+          <a:lnRef idx="2">
+            <a:schemeClr val="accent1">
+              <a:shade val="15000"/>
+            </a:schemeClr>
+          </a:lnRef>
+          <a:fillRef idx="1">
+            <a:schemeClr val="accent1"/>
+          </a:fillRef>
+          <a:effectRef idx="0">
+            <a:schemeClr val="accent1"/>
+          </a:effectRef>
+          <a:fontRef idx="minor">
+            <a:schemeClr val="lt1"/>
+          </a:fontRef>
+        </p:style>
+        <p:txBody>
+          <a:bodyPr wrap="square" rtlCol="0" anchor="ctr">
+            <a:noAutofit/>
+          </a:bodyPr>
+          <a:lstStyle/>
+          <a:p>
+            <a:pPr algn="ctr"/>
+            <a:endParaRPr lang="en-US"/>
+          </a:p>
+        </p:txBody>
+      </p:sp>
+      <p:cxnSp>
+        <p:nvCxnSpPr>
+          <p:cNvPr id="4" name="Straight Connector 3">
+            <a:extLst>
+              <a:ext uri="{FF2B5EF4-FFF2-40B4-BE49-F238E27FC236}">
+                <a16:creationId xmlns:a16="http://schemas.microsoft.com/office/drawing/2014/main" id="{BE8A29BC-8ACB-F18A-D1FD-E81CA80404E9}"/>
+              </a:ext>
+            </a:extLst>
+          </p:cNvPr>
+          <p:cNvCxnSpPr>
+            <a:cxnSpLocks/>
+          </p:cNvCxnSpPr>
+          <p:nvPr/>
+        </p:nvCxnSpPr>
+        <p:spPr>
+          <a:xfrm>
+            <a:off x="4835187" y="383346"/>
+            <a:ext cx="0" cy="6025896"/>
+          </a:xfrm>
+          <a:prstGeom prst="line">
+            <a:avLst/>
+          </a:prstGeom>
+          <a:ln w="38100">
+            <a:solidFill>
+              <a:schemeClr val="bg1">
+                <a:lumMod val="75000"/>
+              </a:schemeClr>
+            </a:solidFill>
+          </a:ln>
+        </p:spPr>
+        <p:style>
+          <a:lnRef idx="1">
+            <a:schemeClr val="dk1"/>
+          </a:lnRef>
+          <a:fillRef idx="0">
+            <a:schemeClr val="dk1"/>
+          </a:fillRef>
+          <a:effectRef idx="0">
+            <a:schemeClr val="dk1"/>
+          </a:effectRef>
+          <a:fontRef idx="minor">
+            <a:schemeClr val="tx1"/>
+          </a:fontRef>
+        </p:style>
+      </p:cxnSp>
     </p:spTree>
     <p:extLst>
       <p:ext uri="{BB962C8B-B14F-4D97-AF65-F5344CB8AC3E}">

--- a/slides/Testing Better with Approvals.pptx
+++ b/slides/Testing Better with Approvals.pptx
@@ -5,7 +5,7 @@
     <p:sldMasterId id="2147483648" r:id="rId1"/>
   </p:sldMasterIdLst>
   <p:notesMasterIdLst>
-    <p:notesMasterId r:id="rId75"/>
+    <p:notesMasterId r:id="rId76"/>
   </p:notesMasterIdLst>
   <p:sldIdLst>
     <p:sldId id="300" r:id="rId2"/>
@@ -72,15 +72,16 @@
     <p:sldId id="370" r:id="rId63"/>
     <p:sldId id="371" r:id="rId64"/>
     <p:sldId id="323" r:id="rId65"/>
-    <p:sldId id="276" r:id="rId66"/>
-    <p:sldId id="279" r:id="rId67"/>
-    <p:sldId id="281" r:id="rId68"/>
-    <p:sldId id="280" r:id="rId69"/>
-    <p:sldId id="291" r:id="rId70"/>
-    <p:sldId id="264" r:id="rId71"/>
-    <p:sldId id="257" r:id="rId72"/>
-    <p:sldId id="282" r:id="rId73"/>
-    <p:sldId id="259" r:id="rId74"/>
+    <p:sldId id="375" r:id="rId66"/>
+    <p:sldId id="281" r:id="rId67"/>
+    <p:sldId id="276" r:id="rId68"/>
+    <p:sldId id="279" r:id="rId69"/>
+    <p:sldId id="280" r:id="rId70"/>
+    <p:sldId id="291" r:id="rId71"/>
+    <p:sldId id="264" r:id="rId72"/>
+    <p:sldId id="257" r:id="rId73"/>
+    <p:sldId id="282" r:id="rId74"/>
+    <p:sldId id="259" r:id="rId75"/>
   </p:sldIdLst>
   <p:sldSz cx="12192000" cy="6858000"/>
   <p:notesSz cx="6858000" cy="9144000"/>
@@ -276,13 +277,14 @@
         <p14:section name="Recap" id="{6A6D2E8C-8918-9E42-9744-016AA1475ADF}">
           <p14:sldIdLst>
             <p14:sldId id="323"/>
+            <p14:sldId id="375"/>
           </p14:sldIdLst>
         </p14:section>
         <p14:section name="Vision" id="{76B629B8-D241-764A-B1E1-1C57DB0DAE05}">
           <p14:sldIdLst>
+            <p14:sldId id="281"/>
             <p14:sldId id="276"/>
             <p14:sldId id="279"/>
-            <p14:sldId id="281"/>
           </p14:sldIdLst>
         </p14:section>
         <p14:section name="Rest Calls" id="{9F1D58F7-F7CD-004B-A186-A32696F48374}">
@@ -2438,6 +2440,114 @@
         <p:cNvPr id="1" name="">
           <a:extLst>
             <a:ext uri="{FF2B5EF4-FFF2-40B4-BE49-F238E27FC236}">
+              <a16:creationId xmlns:a16="http://schemas.microsoft.com/office/drawing/2014/main" id="{D0D9C29A-DBE1-0E97-D166-D14600D0FEE0}"/>
+            </a:ext>
+          </a:extLst>
+        </p:cNvPr>
+        <p:cNvGrpSpPr/>
+        <p:nvPr/>
+      </p:nvGrpSpPr>
+      <p:grpSpPr>
+        <a:xfrm>
+          <a:off x="0" y="0"/>
+          <a:ext cx="0" cy="0"/>
+          <a:chOff x="0" y="0"/>
+          <a:chExt cx="0" cy="0"/>
+        </a:xfrm>
+      </p:grpSpPr>
+      <p:sp>
+        <p:nvSpPr>
+          <p:cNvPr id="2" name="Slide Image Placeholder 1">
+            <a:extLst>
+              <a:ext uri="{FF2B5EF4-FFF2-40B4-BE49-F238E27FC236}">
+                <a16:creationId xmlns:a16="http://schemas.microsoft.com/office/drawing/2014/main" id="{E5854772-BFE8-7D75-E46F-7063FBA540EF}"/>
+              </a:ext>
+            </a:extLst>
+          </p:cNvPr>
+          <p:cNvSpPr>
+            <a:spLocks noGrp="1" noRot="1" noChangeAspect="1"/>
+          </p:cNvSpPr>
+          <p:nvPr>
+            <p:ph type="sldImg"/>
+          </p:nvPr>
+        </p:nvSpPr>
+        <p:spPr/>
+      </p:sp>
+      <p:sp>
+        <p:nvSpPr>
+          <p:cNvPr id="3" name="Notes Placeholder 2">
+            <a:extLst>
+              <a:ext uri="{FF2B5EF4-FFF2-40B4-BE49-F238E27FC236}">
+                <a16:creationId xmlns:a16="http://schemas.microsoft.com/office/drawing/2014/main" id="{15CB47BF-C5C0-125D-92EE-C95E88138107}"/>
+              </a:ext>
+            </a:extLst>
+          </p:cNvPr>
+          <p:cNvSpPr>
+            <a:spLocks noGrp="1"/>
+          </p:cNvSpPr>
+          <p:nvPr>
+            <p:ph type="body" idx="1"/>
+          </p:nvPr>
+        </p:nvSpPr>
+        <p:spPr/>
+        <p:txBody>
+          <a:bodyPr/>
+          <a:lstStyle/>
+          <a:p>
+            <a:endParaRPr lang="en-US"/>
+          </a:p>
+        </p:txBody>
+      </p:sp>
+      <p:sp>
+        <p:nvSpPr>
+          <p:cNvPr id="4" name="Slide Number Placeholder 3">
+            <a:extLst>
+              <a:ext uri="{FF2B5EF4-FFF2-40B4-BE49-F238E27FC236}">
+                <a16:creationId xmlns:a16="http://schemas.microsoft.com/office/drawing/2014/main" id="{62B2B5F0-FC7B-E818-B880-0DEE6F592154}"/>
+              </a:ext>
+            </a:extLst>
+          </p:cNvPr>
+          <p:cNvSpPr>
+            <a:spLocks noGrp="1"/>
+          </p:cNvSpPr>
+          <p:nvPr>
+            <p:ph type="sldNum" sz="quarter" idx="5"/>
+          </p:nvPr>
+        </p:nvSpPr>
+        <p:spPr/>
+        <p:txBody>
+          <a:bodyPr/>
+          <a:lstStyle/>
+          <a:p>
+            <a:fld id="{FC5BBC2B-72B0-2542-8213-717906F3F32B}" type="slidenum">
+              <a:rPr lang="en-US" smtClean="0"/>
+              <a:t>66</a:t>
+            </a:fld>
+            <a:endParaRPr lang="en-US"/>
+          </a:p>
+        </p:txBody>
+      </p:sp>
+    </p:spTree>
+    <p:extLst>
+      <p:ext uri="{BB962C8B-B14F-4D97-AF65-F5344CB8AC3E}">
+        <p14:creationId xmlns:p14="http://schemas.microsoft.com/office/powerpoint/2010/main" val="2474154363"/>
+      </p:ext>
+    </p:extLst>
+  </p:cSld>
+  <p:clrMapOvr>
+    <a:masterClrMapping/>
+  </p:clrMapOvr>
+</p:notes>
+</file>
+
+<file path=ppt/notesSlides/notesSlide26.xml><?xml version="1.0" encoding="utf-8"?>
+<p:notes xmlns:a="http://schemas.openxmlformats.org/drawingml/2006/main" xmlns:r="http://schemas.openxmlformats.org/officeDocument/2006/relationships" xmlns:p="http://schemas.openxmlformats.org/presentationml/2006/main">
+  <p:cSld>
+    <p:spTree>
+      <p:nvGrpSpPr>
+        <p:cNvPr id="1" name="">
+          <a:extLst>
+            <a:ext uri="{FF2B5EF4-FFF2-40B4-BE49-F238E27FC236}">
               <a16:creationId xmlns:a16="http://schemas.microsoft.com/office/drawing/2014/main" id="{B3132086-4AF6-DA1A-CF22-D2DC456D8DED}"/>
             </a:ext>
           </a:extLst>
@@ -2519,7 +2629,7 @@
           <a:p>
             <a:fld id="{FC5BBC2B-72B0-2542-8213-717906F3F32B}" type="slidenum">
               <a:rPr lang="en-US" smtClean="0"/>
-              <a:t>65</a:t>
+              <a:t>67</a:t>
             </a:fld>
             <a:endParaRPr lang="en-US"/>
           </a:p>
@@ -2538,7 +2648,7 @@
 </p:notes>
 </file>
 
-<file path=ppt/notesSlides/notesSlide26.xml><?xml version="1.0" encoding="utf-8"?>
+<file path=ppt/notesSlides/notesSlide27.xml><?xml version="1.0" encoding="utf-8"?>
 <p:notes xmlns:a="http://schemas.openxmlformats.org/drawingml/2006/main" xmlns:r="http://schemas.openxmlformats.org/officeDocument/2006/relationships" xmlns:p="http://schemas.openxmlformats.org/presentationml/2006/main">
   <p:cSld>
     <p:spTree>
@@ -2627,7 +2737,7 @@
           <a:p>
             <a:fld id="{FC5BBC2B-72B0-2542-8213-717906F3F32B}" type="slidenum">
               <a:rPr lang="en-US" smtClean="0"/>
-              <a:t>66</a:t>
+              <a:t>68</a:t>
             </a:fld>
             <a:endParaRPr lang="en-US"/>
           </a:p>
@@ -2637,114 +2747,6 @@
     <p:extLst>
       <p:ext uri="{BB962C8B-B14F-4D97-AF65-F5344CB8AC3E}">
         <p14:creationId xmlns:p14="http://schemas.microsoft.com/office/powerpoint/2010/main" val="1629866253"/>
-      </p:ext>
-    </p:extLst>
-  </p:cSld>
-  <p:clrMapOvr>
-    <a:masterClrMapping/>
-  </p:clrMapOvr>
-</p:notes>
-</file>
-
-<file path=ppt/notesSlides/notesSlide27.xml><?xml version="1.0" encoding="utf-8"?>
-<p:notes xmlns:a="http://schemas.openxmlformats.org/drawingml/2006/main" xmlns:r="http://schemas.openxmlformats.org/officeDocument/2006/relationships" xmlns:p="http://schemas.openxmlformats.org/presentationml/2006/main">
-  <p:cSld>
-    <p:spTree>
-      <p:nvGrpSpPr>
-        <p:cNvPr id="1" name="">
-          <a:extLst>
-            <a:ext uri="{FF2B5EF4-FFF2-40B4-BE49-F238E27FC236}">
-              <a16:creationId xmlns:a16="http://schemas.microsoft.com/office/drawing/2014/main" id="{D0D9C29A-DBE1-0E97-D166-D14600D0FEE0}"/>
-            </a:ext>
-          </a:extLst>
-        </p:cNvPr>
-        <p:cNvGrpSpPr/>
-        <p:nvPr/>
-      </p:nvGrpSpPr>
-      <p:grpSpPr>
-        <a:xfrm>
-          <a:off x="0" y="0"/>
-          <a:ext cx="0" cy="0"/>
-          <a:chOff x="0" y="0"/>
-          <a:chExt cx="0" cy="0"/>
-        </a:xfrm>
-      </p:grpSpPr>
-      <p:sp>
-        <p:nvSpPr>
-          <p:cNvPr id="2" name="Slide Image Placeholder 1">
-            <a:extLst>
-              <a:ext uri="{FF2B5EF4-FFF2-40B4-BE49-F238E27FC236}">
-                <a16:creationId xmlns:a16="http://schemas.microsoft.com/office/drawing/2014/main" id="{E5854772-BFE8-7D75-E46F-7063FBA540EF}"/>
-              </a:ext>
-            </a:extLst>
-          </p:cNvPr>
-          <p:cNvSpPr>
-            <a:spLocks noGrp="1" noRot="1" noChangeAspect="1"/>
-          </p:cNvSpPr>
-          <p:nvPr>
-            <p:ph type="sldImg"/>
-          </p:nvPr>
-        </p:nvSpPr>
-        <p:spPr/>
-      </p:sp>
-      <p:sp>
-        <p:nvSpPr>
-          <p:cNvPr id="3" name="Notes Placeholder 2">
-            <a:extLst>
-              <a:ext uri="{FF2B5EF4-FFF2-40B4-BE49-F238E27FC236}">
-                <a16:creationId xmlns:a16="http://schemas.microsoft.com/office/drawing/2014/main" id="{15CB47BF-C5C0-125D-92EE-C95E88138107}"/>
-              </a:ext>
-            </a:extLst>
-          </p:cNvPr>
-          <p:cNvSpPr>
-            <a:spLocks noGrp="1"/>
-          </p:cNvSpPr>
-          <p:nvPr>
-            <p:ph type="body" idx="1"/>
-          </p:nvPr>
-        </p:nvSpPr>
-        <p:spPr/>
-        <p:txBody>
-          <a:bodyPr/>
-          <a:lstStyle/>
-          <a:p>
-            <a:endParaRPr lang="en-US"/>
-          </a:p>
-        </p:txBody>
-      </p:sp>
-      <p:sp>
-        <p:nvSpPr>
-          <p:cNvPr id="4" name="Slide Number Placeholder 3">
-            <a:extLst>
-              <a:ext uri="{FF2B5EF4-FFF2-40B4-BE49-F238E27FC236}">
-                <a16:creationId xmlns:a16="http://schemas.microsoft.com/office/drawing/2014/main" id="{62B2B5F0-FC7B-E818-B880-0DEE6F592154}"/>
-              </a:ext>
-            </a:extLst>
-          </p:cNvPr>
-          <p:cNvSpPr>
-            <a:spLocks noGrp="1"/>
-          </p:cNvSpPr>
-          <p:nvPr>
-            <p:ph type="sldNum" sz="quarter" idx="5"/>
-          </p:nvPr>
-        </p:nvSpPr>
-        <p:spPr/>
-        <p:txBody>
-          <a:bodyPr/>
-          <a:lstStyle/>
-          <a:p>
-            <a:fld id="{FC5BBC2B-72B0-2542-8213-717906F3F32B}" type="slidenum">
-              <a:rPr lang="en-US" smtClean="0"/>
-              <a:t>67</a:t>
-            </a:fld>
-            <a:endParaRPr lang="en-US"/>
-          </a:p>
-        </p:txBody>
-      </p:sp>
-    </p:spTree>
-    <p:extLst>
-      <p:ext uri="{BB962C8B-B14F-4D97-AF65-F5344CB8AC3E}">
-        <p14:creationId xmlns:p14="http://schemas.microsoft.com/office/powerpoint/2010/main" val="2474154363"/>
       </p:ext>
     </p:extLst>
   </p:cSld>
@@ -2843,7 +2845,7 @@
           <a:p>
             <a:fld id="{FC5BBC2B-72B0-2542-8213-717906F3F32B}" type="slidenum">
               <a:rPr lang="en-US" smtClean="0"/>
-              <a:t>68</a:t>
+              <a:t>69</a:t>
             </a:fld>
             <a:endParaRPr lang="en-US"/>
           </a:p>
@@ -2951,7 +2953,7 @@
           <a:p>
             <a:fld id="{FC5BBC2B-72B0-2542-8213-717906F3F32B}" type="slidenum">
               <a:rPr lang="en-US" smtClean="0"/>
-              <a:t>69</a:t>
+              <a:t>70</a:t>
             </a:fld>
             <a:endParaRPr lang="en-US"/>
           </a:p>
@@ -3119,7 +3121,7 @@
           <a:p>
             <a:fld id="{FC5BBC2B-72B0-2542-8213-717906F3F32B}" type="slidenum">
               <a:rPr lang="en-US" smtClean="0"/>
-              <a:t>71</a:t>
+              <a:t>72</a:t>
             </a:fld>
             <a:endParaRPr lang="en-US"/>
           </a:p>
@@ -3227,7 +3229,7 @@
           <a:p>
             <a:fld id="{FC5BBC2B-72B0-2542-8213-717906F3F32B}" type="slidenum">
               <a:rPr lang="en-US" smtClean="0"/>
-              <a:t>72</a:t>
+              <a:t>73</a:t>
             </a:fld>
             <a:endParaRPr lang="en-US"/>
           </a:p>
@@ -3311,7 +3313,7 @@
           <a:p>
             <a:fld id="{FC5BBC2B-72B0-2542-8213-717906F3F32B}" type="slidenum">
               <a:rPr lang="en-US" smtClean="0"/>
-              <a:t>73</a:t>
+              <a:t>74</a:t>
             </a:fld>
             <a:endParaRPr lang="en-US"/>
           </a:p>
@@ -20796,7 +20798,7 @@
           <a:p>
             <a:r>
               <a:rPr lang="en-US"/>
-              <a:t>Week 1 </a:t>
+              <a:t>Week 3 </a:t>
             </a:r>
           </a:p>
           <a:p>
@@ -33762,6 +33764,71 @@
           <a:chExt cx="0" cy="0"/>
         </a:xfrm>
       </p:grpSpPr>
+      <p:pic>
+        <p:nvPicPr>
+          <p:cNvPr id="10" name="Picture 9">
+            <a:extLst>
+              <a:ext uri="{FF2B5EF4-FFF2-40B4-BE49-F238E27FC236}">
+                <a16:creationId xmlns:a16="http://schemas.microsoft.com/office/drawing/2014/main" id="{C8A06800-73DB-D071-7A4A-75C590D0FE4B}"/>
+              </a:ext>
+            </a:extLst>
+          </p:cNvPr>
+          <p:cNvPicPr>
+            <a:picLocks noChangeAspect="1"/>
+          </p:cNvPicPr>
+          <p:nvPr/>
+        </p:nvPicPr>
+        <p:blipFill>
+          <a:blip r:embed="rId2"/>
+          <a:stretch>
+            <a:fillRect/>
+          </a:stretch>
+        </p:blipFill>
+        <p:spPr>
+          <a:xfrm>
+            <a:off x="1425677" y="809804"/>
+            <a:ext cx="9143999" cy="5049671"/>
+          </a:xfrm>
+          <a:prstGeom prst="rect">
+            <a:avLst/>
+          </a:prstGeom>
+        </p:spPr>
+      </p:pic>
+      <p:sp>
+        <p:nvSpPr>
+          <p:cNvPr id="11" name="TextBox 10">
+            <a:extLst>
+              <a:ext uri="{FF2B5EF4-FFF2-40B4-BE49-F238E27FC236}">
+                <a16:creationId xmlns:a16="http://schemas.microsoft.com/office/drawing/2014/main" id="{09EAA106-FC93-0DF4-2867-7C7BCBBDE7AE}"/>
+              </a:ext>
+            </a:extLst>
+          </p:cNvPr>
+          <p:cNvSpPr txBox="1"/>
+          <p:nvPr/>
+        </p:nvSpPr>
+        <p:spPr>
+          <a:xfrm>
+            <a:off x="4316361" y="5863530"/>
+            <a:ext cx="7258205" cy="369332"/>
+          </a:xfrm>
+          <a:prstGeom prst="rect">
+            <a:avLst/>
+          </a:prstGeom>
+          <a:noFill/>
+        </p:spPr>
+        <p:txBody>
+          <a:bodyPr wrap="none" rtlCol="0">
+            <a:spAutoFit/>
+          </a:bodyPr>
+          <a:lstStyle/>
+          <a:p>
+            <a:r>
+              <a:rPr lang="en-US"/>
+              <a:t>how you can iterate over time and improve your tests (using approval tests)</a:t>
+            </a:r>
+          </a:p>
+        </p:txBody>
+      </p:sp>
     </p:spTree>
     <p:extLst>
       <p:ext uri="{BB962C8B-B14F-4D97-AF65-F5344CB8AC3E}">
@@ -33777,6 +33844,253 @@
 
 <file path=ppt/slides/slide65.xml><?xml version="1.0" encoding="utf-8"?>
 <p:sld xmlns:a="http://schemas.openxmlformats.org/drawingml/2006/main" xmlns:r="http://schemas.openxmlformats.org/officeDocument/2006/relationships" xmlns:p="http://schemas.openxmlformats.org/presentationml/2006/main">
+  <p:cSld>
+    <p:spTree>
+      <p:nvGrpSpPr>
+        <p:cNvPr id="1" name=""/>
+        <p:cNvGrpSpPr/>
+        <p:nvPr/>
+      </p:nvGrpSpPr>
+      <p:grpSpPr>
+        <a:xfrm>
+          <a:off x="0" y="0"/>
+          <a:ext cx="0" cy="0"/>
+          <a:chOff x="0" y="0"/>
+          <a:chExt cx="0" cy="0"/>
+        </a:xfrm>
+      </p:grpSpPr>
+      <p:pic>
+        <p:nvPicPr>
+          <p:cNvPr id="3" name="Picture 2" descr="A screenshot of a computer program&#10;&#10;Description automatically generated">
+            <a:extLst>
+              <a:ext uri="{FF2B5EF4-FFF2-40B4-BE49-F238E27FC236}">
+                <a16:creationId xmlns:a16="http://schemas.microsoft.com/office/drawing/2014/main" id="{6F3F7632-EC1B-D8D6-98DF-F696F0B42F38}"/>
+              </a:ext>
+            </a:extLst>
+          </p:cNvPr>
+          <p:cNvPicPr>
+            <a:picLocks noChangeAspect="1"/>
+          </p:cNvPicPr>
+          <p:nvPr/>
+        </p:nvPicPr>
+        <p:blipFill>
+          <a:blip r:embed="rId2"/>
+          <a:stretch>
+            <a:fillRect/>
+          </a:stretch>
+        </p:blipFill>
+        <p:spPr>
+          <a:xfrm>
+            <a:off x="6529753" y="1811307"/>
+            <a:ext cx="5584454" cy="3706048"/>
+          </a:xfrm>
+          <a:prstGeom prst="rect">
+            <a:avLst/>
+          </a:prstGeom>
+        </p:spPr>
+      </p:pic>
+      <p:pic>
+        <p:nvPicPr>
+          <p:cNvPr id="5" name="Picture 4" descr="A screenshot of a computer code&#10;&#10;Description automatically generated">
+            <a:extLst>
+              <a:ext uri="{FF2B5EF4-FFF2-40B4-BE49-F238E27FC236}">
+                <a16:creationId xmlns:a16="http://schemas.microsoft.com/office/drawing/2014/main" id="{2E95843C-BCE6-E53A-125E-0A250CDB435B}"/>
+              </a:ext>
+            </a:extLst>
+          </p:cNvPr>
+          <p:cNvPicPr>
+            <a:picLocks noChangeAspect="1"/>
+          </p:cNvPicPr>
+          <p:nvPr/>
+        </p:nvPicPr>
+        <p:blipFill>
+          <a:blip r:embed="rId3"/>
+          <a:stretch>
+            <a:fillRect/>
+          </a:stretch>
+        </p:blipFill>
+        <p:spPr>
+          <a:xfrm>
+            <a:off x="0" y="1722817"/>
+            <a:ext cx="6421599" cy="3232641"/>
+          </a:xfrm>
+          <a:prstGeom prst="rect">
+            <a:avLst/>
+          </a:prstGeom>
+        </p:spPr>
+      </p:pic>
+      <p:cxnSp>
+        <p:nvCxnSpPr>
+          <p:cNvPr id="6" name="Straight Connector 5">
+            <a:extLst>
+              <a:ext uri="{FF2B5EF4-FFF2-40B4-BE49-F238E27FC236}">
+                <a16:creationId xmlns:a16="http://schemas.microsoft.com/office/drawing/2014/main" id="{0C37D45A-734A-9A7C-7313-9CB6B0E35090}"/>
+              </a:ext>
+            </a:extLst>
+          </p:cNvPr>
+          <p:cNvCxnSpPr>
+            <a:cxnSpLocks/>
+          </p:cNvCxnSpPr>
+          <p:nvPr/>
+        </p:nvCxnSpPr>
+        <p:spPr>
+          <a:xfrm>
+            <a:off x="6414232" y="416052"/>
+            <a:ext cx="0" cy="6025896"/>
+          </a:xfrm>
+          <a:prstGeom prst="line">
+            <a:avLst/>
+          </a:prstGeom>
+          <a:ln w="38100"/>
+        </p:spPr>
+        <p:style>
+          <a:lnRef idx="1">
+            <a:schemeClr val="dk1"/>
+          </a:lnRef>
+          <a:fillRef idx="0">
+            <a:schemeClr val="dk1"/>
+          </a:fillRef>
+          <a:effectRef idx="0">
+            <a:schemeClr val="dk1"/>
+          </a:effectRef>
+          <a:fontRef idx="minor">
+            <a:schemeClr val="tx1"/>
+          </a:fontRef>
+        </p:style>
+      </p:cxnSp>
+    </p:spTree>
+    <p:extLst>
+      <p:ext uri="{BB962C8B-B14F-4D97-AF65-F5344CB8AC3E}">
+        <p14:creationId xmlns:p14="http://schemas.microsoft.com/office/powerpoint/2010/main" val="1540567683"/>
+      </p:ext>
+    </p:extLst>
+  </p:cSld>
+  <p:clrMapOvr>
+    <a:masterClrMapping/>
+  </p:clrMapOvr>
+</p:sld>
+</file>
+
+<file path=ppt/slides/slide66.xml><?xml version="1.0" encoding="utf-8"?>
+<p:sld xmlns:a="http://schemas.openxmlformats.org/drawingml/2006/main" xmlns:r="http://schemas.openxmlformats.org/officeDocument/2006/relationships" xmlns:p="http://schemas.openxmlformats.org/presentationml/2006/main">
+  <p:cSld>
+    <p:spTree>
+      <p:nvGrpSpPr>
+        <p:cNvPr id="1" name="">
+          <a:extLst>
+            <a:ext uri="{FF2B5EF4-FFF2-40B4-BE49-F238E27FC236}">
+              <a16:creationId xmlns:a16="http://schemas.microsoft.com/office/drawing/2014/main" id="{E759D33C-8195-D5F4-5355-D51821A83ADE}"/>
+            </a:ext>
+          </a:extLst>
+        </p:cNvPr>
+        <p:cNvGrpSpPr/>
+        <p:nvPr/>
+      </p:nvGrpSpPr>
+      <p:grpSpPr>
+        <a:xfrm>
+          <a:off x="0" y="0"/>
+          <a:ext cx="0" cy="0"/>
+          <a:chOff x="0" y="0"/>
+          <a:chExt cx="0" cy="0"/>
+        </a:xfrm>
+      </p:grpSpPr>
+      <p:sp>
+        <p:nvSpPr>
+          <p:cNvPr id="3" name="TextBox 2">
+            <a:extLst>
+              <a:ext uri="{FF2B5EF4-FFF2-40B4-BE49-F238E27FC236}">
+                <a16:creationId xmlns:a16="http://schemas.microsoft.com/office/drawing/2014/main" id="{43E2DE10-845A-C2A4-67F6-9F996241B313}"/>
+              </a:ext>
+            </a:extLst>
+          </p:cNvPr>
+          <p:cNvSpPr txBox="1"/>
+          <p:nvPr/>
+        </p:nvSpPr>
+        <p:spPr>
+          <a:xfrm>
+            <a:off x="2979174" y="3156155"/>
+            <a:ext cx="1067921" cy="646331"/>
+          </a:xfrm>
+          <a:prstGeom prst="rect">
+            <a:avLst/>
+          </a:prstGeom>
+          <a:noFill/>
+        </p:spPr>
+        <p:txBody>
+          <a:bodyPr wrap="none" rtlCol="0">
+            <a:spAutoFit/>
+          </a:bodyPr>
+          <a:lstStyle/>
+          <a:p>
+            <a:r>
+              <a:rPr lang="en-US"/>
+              <a:t>llewellyn </a:t>
+            </a:r>
+          </a:p>
+          <a:p>
+            <a:r>
+              <a:rPr lang="en-US"/>
+              <a:t>picture</a:t>
+            </a:r>
+          </a:p>
+        </p:txBody>
+      </p:sp>
+      <p:sp>
+        <p:nvSpPr>
+          <p:cNvPr id="4" name="TextBox 3">
+            <a:extLst>
+              <a:ext uri="{FF2B5EF4-FFF2-40B4-BE49-F238E27FC236}">
+                <a16:creationId xmlns:a16="http://schemas.microsoft.com/office/drawing/2014/main" id="{BB7D9360-95BD-9B3B-8090-38F93EFD1DE7}"/>
+              </a:ext>
+            </a:extLst>
+          </p:cNvPr>
+          <p:cNvSpPr txBox="1"/>
+          <p:nvPr/>
+        </p:nvSpPr>
+        <p:spPr>
+          <a:xfrm>
+            <a:off x="6469626" y="2509824"/>
+            <a:ext cx="848502" cy="646331"/>
+          </a:xfrm>
+          <a:prstGeom prst="rect">
+            <a:avLst/>
+          </a:prstGeom>
+          <a:noFill/>
+        </p:spPr>
+        <p:txBody>
+          <a:bodyPr wrap="none" rtlCol="0">
+            <a:spAutoFit/>
+          </a:bodyPr>
+          <a:lstStyle/>
+          <a:p>
+            <a:r>
+              <a:rPr lang="en-US"/>
+              <a:t>lada</a:t>
+            </a:r>
+          </a:p>
+          <a:p>
+            <a:r>
+              <a:rPr lang="en-US"/>
+              <a:t>picture</a:t>
+            </a:r>
+          </a:p>
+        </p:txBody>
+      </p:sp>
+    </p:spTree>
+    <p:extLst>
+      <p:ext uri="{BB962C8B-B14F-4D97-AF65-F5344CB8AC3E}">
+        <p14:creationId xmlns:p14="http://schemas.microsoft.com/office/powerpoint/2010/main" val="974072803"/>
+      </p:ext>
+    </p:extLst>
+  </p:cSld>
+  <p:clrMapOvr>
+    <a:masterClrMapping/>
+  </p:clrMapOvr>
+</p:sld>
+</file>
+
+<file path=ppt/slides/slide67.xml><?xml version="1.0" encoding="utf-8"?>
+<p:sld xmlns:a="http://schemas.openxmlformats.org/drawingml/2006/main" xmlns:r="http://schemas.openxmlformats.org/officeDocument/2006/relationships" xmlns:p="http://schemas.openxmlformats.org/presentationml/2006/main" show="0">
   <p:cSld>
     <p:spTree>
       <p:nvGrpSpPr>
@@ -33963,8 +34277,8 @@
 </p:sld>
 </file>
 
-<file path=ppt/slides/slide66.xml><?xml version="1.0" encoding="utf-8"?>
-<p:sld xmlns:a="http://schemas.openxmlformats.org/drawingml/2006/main" xmlns:r="http://schemas.openxmlformats.org/officeDocument/2006/relationships" xmlns:p="http://schemas.openxmlformats.org/presentationml/2006/main">
+<file path=ppt/slides/slide68.xml><?xml version="1.0" encoding="utf-8"?>
+<p:sld xmlns:a="http://schemas.openxmlformats.org/drawingml/2006/main" xmlns:r="http://schemas.openxmlformats.org/officeDocument/2006/relationships" xmlns:p="http://schemas.openxmlformats.org/presentationml/2006/main" show="0">
   <p:cSld>
     <p:spTree>
       <p:nvGrpSpPr>
@@ -34067,43 +34381,7 @@
 </p:sld>
 </file>
 
-<file path=ppt/slides/slide67.xml><?xml version="1.0" encoding="utf-8"?>
-<p:sld xmlns:a="http://schemas.openxmlformats.org/drawingml/2006/main" xmlns:r="http://schemas.openxmlformats.org/officeDocument/2006/relationships" xmlns:p="http://schemas.openxmlformats.org/presentationml/2006/main">
-  <p:cSld>
-    <p:spTree>
-      <p:nvGrpSpPr>
-        <p:cNvPr id="1" name="">
-          <a:extLst>
-            <a:ext uri="{FF2B5EF4-FFF2-40B4-BE49-F238E27FC236}">
-              <a16:creationId xmlns:a16="http://schemas.microsoft.com/office/drawing/2014/main" id="{E759D33C-8195-D5F4-5355-D51821A83ADE}"/>
-            </a:ext>
-          </a:extLst>
-        </p:cNvPr>
-        <p:cNvGrpSpPr/>
-        <p:nvPr/>
-      </p:nvGrpSpPr>
-      <p:grpSpPr>
-        <a:xfrm>
-          <a:off x="0" y="0"/>
-          <a:ext cx="0" cy="0"/>
-          <a:chOff x="0" y="0"/>
-          <a:chExt cx="0" cy="0"/>
-        </a:xfrm>
-      </p:grpSpPr>
-    </p:spTree>
-    <p:extLst>
-      <p:ext uri="{BB962C8B-B14F-4D97-AF65-F5344CB8AC3E}">
-        <p14:creationId xmlns:p14="http://schemas.microsoft.com/office/powerpoint/2010/main" val="974072803"/>
-      </p:ext>
-    </p:extLst>
-  </p:cSld>
-  <p:clrMapOvr>
-    <a:masterClrMapping/>
-  </p:clrMapOvr>
-</p:sld>
-</file>
-
-<file path=ppt/slides/slide68.xml><?xml version="1.0" encoding="utf-8"?>
+<file path=ppt/slides/slide69.xml><?xml version="1.0" encoding="utf-8"?>
 <p:sld xmlns:a="http://schemas.openxmlformats.org/drawingml/2006/main" xmlns:r="http://schemas.openxmlformats.org/officeDocument/2006/relationships" xmlns:p="http://schemas.openxmlformats.org/presentationml/2006/main" show="0">
   <p:cSld>
     <p:spTree>
@@ -34169,100 +34447,6 @@
 </p:sld>
 </file>
 
-<file path=ppt/slides/slide69.xml><?xml version="1.0" encoding="utf-8"?>
-<p:sld xmlns:a="http://schemas.openxmlformats.org/drawingml/2006/main" xmlns:r="http://schemas.openxmlformats.org/officeDocument/2006/relationships" xmlns:p="http://schemas.openxmlformats.org/presentationml/2006/main" show="0">
-  <p:cSld>
-    <p:spTree>
-      <p:nvGrpSpPr>
-        <p:cNvPr id="1" name="">
-          <a:extLst>
-            <a:ext uri="{FF2B5EF4-FFF2-40B4-BE49-F238E27FC236}">
-              <a16:creationId xmlns:a16="http://schemas.microsoft.com/office/drawing/2014/main" id="{66D9FFCC-D2B3-76B6-AE71-24191A634338}"/>
-            </a:ext>
-          </a:extLst>
-        </p:cNvPr>
-        <p:cNvGrpSpPr/>
-        <p:nvPr/>
-      </p:nvGrpSpPr>
-      <p:grpSpPr>
-        <a:xfrm>
-          <a:off x="0" y="0"/>
-          <a:ext cx="0" cy="0"/>
-          <a:chOff x="0" y="0"/>
-          <a:chExt cx="0" cy="0"/>
-        </a:xfrm>
-      </p:grpSpPr>
-      <p:sp>
-        <p:nvSpPr>
-          <p:cNvPr id="2" name="Title 1">
-            <a:extLst>
-              <a:ext uri="{FF2B5EF4-FFF2-40B4-BE49-F238E27FC236}">
-                <a16:creationId xmlns:a16="http://schemas.microsoft.com/office/drawing/2014/main" id="{B4F4B7F9-3E89-A005-2B59-C7A8E56673AA}"/>
-              </a:ext>
-            </a:extLst>
-          </p:cNvPr>
-          <p:cNvSpPr>
-            <a:spLocks noGrp="1"/>
-          </p:cNvSpPr>
-          <p:nvPr>
-            <p:ph type="ctrTitle"/>
-          </p:nvPr>
-        </p:nvSpPr>
-        <p:spPr/>
-        <p:txBody>
-          <a:bodyPr/>
-          <a:lstStyle/>
-          <a:p>
-            <a:r>
-              <a:rPr lang="en-US" dirty="0"/>
-              <a:t>Rest</a:t>
-            </a:r>
-            <a:r>
-              <a:rPr lang="en-US" baseline="0" dirty="0"/>
-              <a:t> Calls</a:t>
-            </a:r>
-            <a:endParaRPr lang="en-US" dirty="0"/>
-          </a:p>
-        </p:txBody>
-      </p:sp>
-      <p:sp>
-        <p:nvSpPr>
-          <p:cNvPr id="3" name="Subtitle 2">
-            <a:extLst>
-              <a:ext uri="{FF2B5EF4-FFF2-40B4-BE49-F238E27FC236}">
-                <a16:creationId xmlns:a16="http://schemas.microsoft.com/office/drawing/2014/main" id="{80631A7C-E01E-CF84-2E1E-85A39F8DC0DD}"/>
-              </a:ext>
-            </a:extLst>
-          </p:cNvPr>
-          <p:cNvSpPr>
-            <a:spLocks noGrp="1"/>
-          </p:cNvSpPr>
-          <p:nvPr>
-            <p:ph type="subTitle" idx="1"/>
-          </p:nvPr>
-        </p:nvSpPr>
-        <p:spPr/>
-        <p:txBody>
-          <a:bodyPr/>
-          <a:lstStyle/>
-          <a:p>
-            <a:endParaRPr lang="en-US"/>
-          </a:p>
-        </p:txBody>
-      </p:sp>
-    </p:spTree>
-    <p:extLst>
-      <p:ext uri="{BB962C8B-B14F-4D97-AF65-F5344CB8AC3E}">
-        <p14:creationId xmlns:p14="http://schemas.microsoft.com/office/powerpoint/2010/main" val="376317129"/>
-      </p:ext>
-    </p:extLst>
-  </p:cSld>
-  <p:clrMapOvr>
-    <a:masterClrMapping/>
-  </p:clrMapOvr>
-</p:sld>
-</file>
-
 <file path=ppt/slides/slide7.xml><?xml version="1.0" encoding="utf-8"?>
 <p:sld xmlns:a="http://schemas.openxmlformats.org/drawingml/2006/main" xmlns:r="http://schemas.openxmlformats.org/officeDocument/2006/relationships" xmlns:p="http://schemas.openxmlformats.org/presentationml/2006/main">
   <p:cSld>
@@ -34339,6 +34523,100 @@
   <p:cSld>
     <p:spTree>
       <p:nvGrpSpPr>
+        <p:cNvPr id="1" name="">
+          <a:extLst>
+            <a:ext uri="{FF2B5EF4-FFF2-40B4-BE49-F238E27FC236}">
+              <a16:creationId xmlns:a16="http://schemas.microsoft.com/office/drawing/2014/main" id="{66D9FFCC-D2B3-76B6-AE71-24191A634338}"/>
+            </a:ext>
+          </a:extLst>
+        </p:cNvPr>
+        <p:cNvGrpSpPr/>
+        <p:nvPr/>
+      </p:nvGrpSpPr>
+      <p:grpSpPr>
+        <a:xfrm>
+          <a:off x="0" y="0"/>
+          <a:ext cx="0" cy="0"/>
+          <a:chOff x="0" y="0"/>
+          <a:chExt cx="0" cy="0"/>
+        </a:xfrm>
+      </p:grpSpPr>
+      <p:sp>
+        <p:nvSpPr>
+          <p:cNvPr id="2" name="Title 1">
+            <a:extLst>
+              <a:ext uri="{FF2B5EF4-FFF2-40B4-BE49-F238E27FC236}">
+                <a16:creationId xmlns:a16="http://schemas.microsoft.com/office/drawing/2014/main" id="{B4F4B7F9-3E89-A005-2B59-C7A8E56673AA}"/>
+              </a:ext>
+            </a:extLst>
+          </p:cNvPr>
+          <p:cNvSpPr>
+            <a:spLocks noGrp="1"/>
+          </p:cNvSpPr>
+          <p:nvPr>
+            <p:ph type="ctrTitle"/>
+          </p:nvPr>
+        </p:nvSpPr>
+        <p:spPr/>
+        <p:txBody>
+          <a:bodyPr/>
+          <a:lstStyle/>
+          <a:p>
+            <a:r>
+              <a:rPr lang="en-US" dirty="0"/>
+              <a:t>Rest</a:t>
+            </a:r>
+            <a:r>
+              <a:rPr lang="en-US" baseline="0" dirty="0"/>
+              <a:t> Calls</a:t>
+            </a:r>
+            <a:endParaRPr lang="en-US" dirty="0"/>
+          </a:p>
+        </p:txBody>
+      </p:sp>
+      <p:sp>
+        <p:nvSpPr>
+          <p:cNvPr id="3" name="Subtitle 2">
+            <a:extLst>
+              <a:ext uri="{FF2B5EF4-FFF2-40B4-BE49-F238E27FC236}">
+                <a16:creationId xmlns:a16="http://schemas.microsoft.com/office/drawing/2014/main" id="{80631A7C-E01E-CF84-2E1E-85A39F8DC0DD}"/>
+              </a:ext>
+            </a:extLst>
+          </p:cNvPr>
+          <p:cNvSpPr>
+            <a:spLocks noGrp="1"/>
+          </p:cNvSpPr>
+          <p:nvPr>
+            <p:ph type="subTitle" idx="1"/>
+          </p:nvPr>
+        </p:nvSpPr>
+        <p:spPr/>
+        <p:txBody>
+          <a:bodyPr/>
+          <a:lstStyle/>
+          <a:p>
+            <a:endParaRPr lang="en-US"/>
+          </a:p>
+        </p:txBody>
+      </p:sp>
+    </p:spTree>
+    <p:extLst>
+      <p:ext uri="{BB962C8B-B14F-4D97-AF65-F5344CB8AC3E}">
+        <p14:creationId xmlns:p14="http://schemas.microsoft.com/office/powerpoint/2010/main" val="376317129"/>
+      </p:ext>
+    </p:extLst>
+  </p:cSld>
+  <p:clrMapOvr>
+    <a:masterClrMapping/>
+  </p:clrMapOvr>
+</p:sld>
+</file>
+
+<file path=ppt/slides/slide71.xml><?xml version="1.0" encoding="utf-8"?>
+<p:sld xmlns:a="http://schemas.openxmlformats.org/drawingml/2006/main" xmlns:r="http://schemas.openxmlformats.org/officeDocument/2006/relationships" xmlns:p="http://schemas.openxmlformats.org/presentationml/2006/main" show="0">
+  <p:cSld>
+    <p:spTree>
+      <p:nvGrpSpPr>
         <p:cNvPr id="1" name=""/>
         <p:cNvGrpSpPr/>
         <p:nvPr/>
@@ -34471,7 +34749,7 @@
 </p:sld>
 </file>
 
-<file path=ppt/slides/slide71.xml><?xml version="1.0" encoding="utf-8"?>
+<file path=ppt/slides/slide72.xml><?xml version="1.0" encoding="utf-8"?>
 <p:sld xmlns:a="http://schemas.openxmlformats.org/drawingml/2006/main" xmlns:r="http://schemas.openxmlformats.org/officeDocument/2006/relationships" xmlns:p="http://schemas.openxmlformats.org/presentationml/2006/main" show="0">
   <p:cSld>
     <p:spTree>
@@ -36047,7 +36325,7 @@
 </p:sld>
 </file>
 
-<file path=ppt/slides/slide72.xml><?xml version="1.0" encoding="utf-8"?>
+<file path=ppt/slides/slide73.xml><?xml version="1.0" encoding="utf-8"?>
 <p:sld xmlns:a="http://schemas.openxmlformats.org/drawingml/2006/main" xmlns:r="http://schemas.openxmlformats.org/officeDocument/2006/relationships" xmlns:p="http://schemas.openxmlformats.org/presentationml/2006/main" show="0">
   <p:cSld>
     <p:spTree>
@@ -37335,7 +37613,7 @@
 </p:sld>
 </file>
 
-<file path=ppt/slides/slide73.xml><?xml version="1.0" encoding="utf-8"?>
+<file path=ppt/slides/slide74.xml><?xml version="1.0" encoding="utf-8"?>
 <p:sld xmlns:a="http://schemas.openxmlformats.org/drawingml/2006/main" xmlns:r="http://schemas.openxmlformats.org/officeDocument/2006/relationships" xmlns:p="http://schemas.openxmlformats.org/presentationml/2006/main" show="0">
   <p:cSld>
     <p:spTree>
